--- a/CSwithC/CS-explanation.pptx
+++ b/CSwithC/CS-explanation.pptx
@@ -8,8 +8,8 @@
     <p:sldId id="256" r:id="rId2"/>
     <p:sldId id="257" r:id="rId3"/>
     <p:sldId id="258" r:id="rId4"/>
-    <p:sldId id="259" r:id="rId5"/>
-    <p:sldId id="260" r:id="rId6"/>
+    <p:sldId id="260" r:id="rId5"/>
+    <p:sldId id="259" r:id="rId6"/>
   </p:sldIdLst>
   <p:sldSz cx="12192000" cy="6858000"/>
   <p:notesSz cx="6858000" cy="9144000"/>
@@ -3973,7 +3973,7 @@
         <p:spPr>
           <a:xfrm>
             <a:off x="146756" y="135467"/>
-            <a:ext cx="8715022" cy="369332"/>
+            <a:ext cx="8715022" cy="338554"/>
           </a:xfrm>
           <a:prstGeom prst="rect">
             <a:avLst/>
@@ -3987,46 +3987,46 @@
           <a:lstStyle/>
           <a:p>
             <a:r>
-              <a:rPr kumimoji="1" lang="ko-KR" altLang="en-US" dirty="0"/>
+              <a:rPr kumimoji="1" lang="ko-KR" altLang="en-US" sz="1600" b="1" dirty="0"/>
               <a:t>주제</a:t>
             </a:r>
             <a:r>
-              <a:rPr kumimoji="1" lang="en-US" altLang="ko-KR" dirty="0"/>
+              <a:rPr kumimoji="1" lang="en-US" altLang="ko-KR" sz="1600" b="1" dirty="0"/>
               <a:t>:</a:t>
             </a:r>
             <a:r>
-              <a:rPr kumimoji="1" lang="ko-KR" altLang="en-US" dirty="0"/>
+              <a:rPr kumimoji="1" lang="ko-KR" altLang="en-US" sz="1600" b="1" dirty="0"/>
               <a:t> </a:t>
             </a:r>
             <a:r>
-              <a:rPr kumimoji="1" lang="en-US" altLang="ko-KR" dirty="0"/>
+              <a:rPr kumimoji="1" lang="en-US" altLang="ko-KR" sz="1600" b="1" dirty="0"/>
               <a:t>CPU bound task vs I/O bound task</a:t>
             </a:r>
             <a:r>
-              <a:rPr kumimoji="1" lang="ko-KR" altLang="en-US" dirty="0"/>
+              <a:rPr kumimoji="1" lang="ko-KR" altLang="en-US" sz="1600" b="1" dirty="0"/>
               <a:t> </a:t>
             </a:r>
             <a:r>
-              <a:rPr kumimoji="1" lang="en-US" altLang="ko-KR" dirty="0"/>
+              <a:rPr kumimoji="1" lang="en-US" altLang="ko-KR" sz="1600" b="1" dirty="0"/>
               <a:t>(</a:t>
             </a:r>
             <a:r>
-              <a:rPr kumimoji="1" lang="ko-KR" altLang="en-US" dirty="0"/>
+              <a:rPr kumimoji="1" lang="ko-KR" altLang="en-US" sz="1600" b="1" dirty="0"/>
               <a:t>네트워크 </a:t>
             </a:r>
             <a:r>
-              <a:rPr kumimoji="1" lang="en-US" altLang="ko-KR" dirty="0"/>
+              <a:rPr kumimoji="1" lang="en-US" altLang="ko-KR" sz="1600" b="1" dirty="0"/>
               <a:t>I/O, </a:t>
             </a:r>
             <a:r>
-              <a:rPr kumimoji="1" lang="ko-KR" altLang="en-US" dirty="0"/>
+              <a:rPr kumimoji="1" lang="ko-KR" altLang="en-US" sz="1600" b="1" dirty="0"/>
               <a:t>입출력 </a:t>
             </a:r>
             <a:r>
-              <a:rPr kumimoji="1" lang="en-US" altLang="ko-KR" dirty="0"/>
+              <a:rPr kumimoji="1" lang="en-US" altLang="ko-KR" sz="1600" b="1" dirty="0"/>
               <a:t>I/O)</a:t>
             </a:r>
-            <a:endParaRPr kumimoji="1" lang="ko-KR" altLang="en-US" dirty="0"/>
+            <a:endParaRPr kumimoji="1" lang="ko-KR" altLang="en-US" sz="1600" b="1" dirty="0"/>
           </a:p>
         </p:txBody>
       </p:sp>
@@ -4038,7 +4038,7 @@
         </p:nvSpPr>
         <p:spPr>
           <a:xfrm>
-            <a:off x="7237914" y="1311894"/>
+            <a:off x="6339974" y="1150944"/>
             <a:ext cx="1528017" cy="307777"/>
           </a:xfrm>
           <a:prstGeom prst="rect">
@@ -4053,12 +4053,8 @@
           <a:lstStyle/>
           <a:p>
             <a:r>
-              <a:rPr lang="en-US" altLang="ko-KR" sz="1400" b="1" dirty="0" err="1" smtClean="0"/>
-              <a:t>HardWare</a:t>
-            </a:r>
-            <a:r>
               <a:rPr lang="en-US" altLang="ko-KR" sz="1400" b="1" dirty="0" smtClean="0"/>
-              <a:t> </a:t>
+              <a:t>Hard Ware </a:t>
             </a:r>
             <a:r>
               <a:rPr lang="ko-KR" altLang="en-US" sz="1400" b="1" dirty="0" smtClean="0"/>
@@ -4070,93 +4066,1254 @@
       </p:sp>
       <p:grpSp>
         <p:nvGrpSpPr>
-          <p:cNvPr id="30" name="그룹 29"/>
+          <p:cNvPr id="32" name="그룹 31"/>
           <p:cNvGrpSpPr/>
           <p:nvPr/>
         </p:nvGrpSpPr>
         <p:grpSpPr>
           <a:xfrm>
-            <a:off x="316734" y="1311894"/>
-            <a:ext cx="5508172" cy="4389779"/>
-            <a:chOff x="316734" y="1311894"/>
-            <a:chExt cx="5508172" cy="4389779"/>
+            <a:off x="260076" y="1150944"/>
+            <a:ext cx="6282120" cy="5299307"/>
+            <a:chOff x="233697" y="1311894"/>
+            <a:chExt cx="6282120" cy="5299307"/>
           </a:xfrm>
         </p:grpSpPr>
-        <p:cxnSp>
-          <p:nvCxnSpPr>
-            <p:cNvPr id="11" name="직선 연결선 10"/>
-            <p:cNvCxnSpPr/>
+        <p:grpSp>
+          <p:nvGrpSpPr>
+            <p:cNvPr id="30" name="그룹 29"/>
+            <p:cNvGrpSpPr/>
             <p:nvPr/>
-          </p:nvCxnSpPr>
+          </p:nvGrpSpPr>
+          <p:grpSpPr>
+            <a:xfrm>
+              <a:off x="316734" y="1311894"/>
+              <a:ext cx="5470023" cy="4389779"/>
+              <a:chOff x="316734" y="1311894"/>
+              <a:chExt cx="5470023" cy="4389779"/>
+            </a:xfrm>
+          </p:grpSpPr>
+          <p:cxnSp>
+            <p:nvCxnSpPr>
+              <p:cNvPr id="11" name="직선 연결선 10"/>
+              <p:cNvCxnSpPr/>
+              <p:nvPr/>
+            </p:nvCxnSpPr>
+            <p:spPr>
+              <a:xfrm flipV="1">
+                <a:off x="1588433" y="3217986"/>
+                <a:ext cx="4176000" cy="0"/>
+              </a:xfrm>
+              <a:prstGeom prst="line">
+                <a:avLst/>
+              </a:prstGeom>
+            </p:spPr>
+            <p:style>
+              <a:lnRef idx="1">
+                <a:schemeClr val="dk1"/>
+              </a:lnRef>
+              <a:fillRef idx="0">
+                <a:schemeClr val="dk1"/>
+              </a:fillRef>
+              <a:effectRef idx="0">
+                <a:schemeClr val="dk1"/>
+              </a:effectRef>
+              <a:fontRef idx="minor">
+                <a:schemeClr val="tx1"/>
+              </a:fontRef>
+            </p:style>
+          </p:cxnSp>
+          <p:cxnSp>
+            <p:nvCxnSpPr>
+              <p:cNvPr id="12" name="직선 연결선 11"/>
+              <p:cNvCxnSpPr/>
+              <p:nvPr/>
+            </p:nvCxnSpPr>
+            <p:spPr>
+              <a:xfrm>
+                <a:off x="962757" y="4706816"/>
+                <a:ext cx="4824000" cy="0"/>
+              </a:xfrm>
+              <a:prstGeom prst="line">
+                <a:avLst/>
+              </a:prstGeom>
+            </p:spPr>
+            <p:style>
+              <a:lnRef idx="1">
+                <a:schemeClr val="dk1"/>
+              </a:lnRef>
+              <a:fillRef idx="0">
+                <a:schemeClr val="dk1"/>
+              </a:fillRef>
+              <a:effectRef idx="0">
+                <a:schemeClr val="dk1"/>
+              </a:effectRef>
+              <a:fontRef idx="minor">
+                <a:schemeClr val="tx1"/>
+              </a:fontRef>
+            </p:style>
+          </p:cxnSp>
+          <p:sp>
+            <p:nvSpPr>
+              <p:cNvPr id="13" name="직사각형 12"/>
+              <p:cNvSpPr/>
+              <p:nvPr/>
+            </p:nvSpPr>
+            <p:spPr>
+              <a:xfrm>
+                <a:off x="2347278" y="2053028"/>
+                <a:ext cx="1440000" cy="896815"/>
+              </a:xfrm>
+              <a:prstGeom prst="rect">
+                <a:avLst/>
+              </a:prstGeom>
+              <a:noFill/>
+            </p:spPr>
+            <p:style>
+              <a:lnRef idx="2">
+                <a:schemeClr val="accent1">
+                  <a:shade val="50000"/>
+                </a:schemeClr>
+              </a:lnRef>
+              <a:fillRef idx="1">
+                <a:schemeClr val="accent1"/>
+              </a:fillRef>
+              <a:effectRef idx="0">
+                <a:schemeClr val="accent1"/>
+              </a:effectRef>
+              <a:fontRef idx="minor">
+                <a:schemeClr val="lt1"/>
+              </a:fontRef>
+            </p:style>
+            <p:txBody>
+              <a:bodyPr rtlCol="0" anchor="ctr"/>
+              <a:lstStyle/>
+              <a:p>
+                <a:pPr algn="ctr"/>
+                <a:r>
+                  <a:rPr lang="en-US" altLang="ko-KR" sz="1400" b="1" dirty="0" smtClean="0">
+                    <a:solidFill>
+                      <a:schemeClr val="tx1"/>
+                    </a:solidFill>
+                    <a:latin typeface="Times New Roman" panose="02020603050405020304" pitchFamily="18" charset="0"/>
+                    <a:cs typeface="Times New Roman" panose="02020603050405020304" pitchFamily="18" charset="0"/>
+                  </a:rPr>
+                  <a:t>App1 </a:t>
+                </a:r>
+                <a:br>
+                  <a:rPr lang="en-US" altLang="ko-KR" sz="1400" b="1" dirty="0" smtClean="0">
+                    <a:solidFill>
+                      <a:schemeClr val="tx1"/>
+                    </a:solidFill>
+                    <a:latin typeface="Times New Roman" panose="02020603050405020304" pitchFamily="18" charset="0"/>
+                    <a:cs typeface="Times New Roman" panose="02020603050405020304" pitchFamily="18" charset="0"/>
+                  </a:rPr>
+                </a:br>
+                <a:r>
+                  <a:rPr lang="en-US" altLang="ko-KR" sz="1400" b="1" dirty="0" smtClean="0">
+                    <a:solidFill>
+                      <a:schemeClr val="tx1"/>
+                    </a:solidFill>
+                    <a:latin typeface="Times New Roman" panose="02020603050405020304" pitchFamily="18" charset="0"/>
+                    <a:cs typeface="Times New Roman" panose="02020603050405020304" pitchFamily="18" charset="0"/>
+                  </a:rPr>
+                  <a:t>(Process)</a:t>
+                </a:r>
+                <a:endParaRPr lang="ko-KR" altLang="en-US" sz="1400" b="1" dirty="0">
+                  <a:solidFill>
+                    <a:schemeClr val="tx1"/>
+                  </a:solidFill>
+                  <a:latin typeface="Times New Roman" panose="02020603050405020304" pitchFamily="18" charset="0"/>
+                  <a:cs typeface="Times New Roman" panose="02020603050405020304" pitchFamily="18" charset="0"/>
+                </a:endParaRPr>
+              </a:p>
+            </p:txBody>
+          </p:sp>
+          <p:sp>
+            <p:nvSpPr>
+              <p:cNvPr id="14" name="직사각형 13"/>
+              <p:cNvSpPr/>
+              <p:nvPr/>
+            </p:nvSpPr>
+            <p:spPr>
+              <a:xfrm>
+                <a:off x="4012226" y="2053028"/>
+                <a:ext cx="1440000" cy="896815"/>
+              </a:xfrm>
+              <a:prstGeom prst="rect">
+                <a:avLst/>
+              </a:prstGeom>
+              <a:noFill/>
+            </p:spPr>
+            <p:style>
+              <a:lnRef idx="2">
+                <a:schemeClr val="accent1">
+                  <a:shade val="50000"/>
+                </a:schemeClr>
+              </a:lnRef>
+              <a:fillRef idx="1">
+                <a:schemeClr val="accent1"/>
+              </a:fillRef>
+              <a:effectRef idx="0">
+                <a:schemeClr val="accent1"/>
+              </a:effectRef>
+              <a:fontRef idx="minor">
+                <a:schemeClr val="lt1"/>
+              </a:fontRef>
+            </p:style>
+            <p:txBody>
+              <a:bodyPr rtlCol="0" anchor="ctr"/>
+              <a:lstStyle/>
+              <a:p>
+                <a:pPr algn="ctr"/>
+                <a:r>
+                  <a:rPr lang="en-US" altLang="ko-KR" sz="1400" b="1" dirty="0" smtClean="0">
+                    <a:solidFill>
+                      <a:schemeClr val="tx1"/>
+                    </a:solidFill>
+                    <a:latin typeface="Times New Roman" panose="02020603050405020304" pitchFamily="18" charset="0"/>
+                    <a:cs typeface="Times New Roman" panose="02020603050405020304" pitchFamily="18" charset="0"/>
+                  </a:rPr>
+                  <a:t>App2 </a:t>
+                </a:r>
+                <a:r>
+                  <a:rPr lang="en-US" altLang="ko-KR" sz="1400" b="1" dirty="0">
+                    <a:solidFill>
+                      <a:schemeClr val="tx1"/>
+                    </a:solidFill>
+                    <a:latin typeface="Times New Roman" panose="02020603050405020304" pitchFamily="18" charset="0"/>
+                    <a:cs typeface="Times New Roman" panose="02020603050405020304" pitchFamily="18" charset="0"/>
+                  </a:rPr>
+                  <a:t/>
+                </a:r>
+                <a:br>
+                  <a:rPr lang="en-US" altLang="ko-KR" sz="1400" b="1" dirty="0">
+                    <a:solidFill>
+                      <a:schemeClr val="tx1"/>
+                    </a:solidFill>
+                    <a:latin typeface="Times New Roman" panose="02020603050405020304" pitchFamily="18" charset="0"/>
+                    <a:cs typeface="Times New Roman" panose="02020603050405020304" pitchFamily="18" charset="0"/>
+                  </a:rPr>
+                </a:br>
+                <a:r>
+                  <a:rPr lang="en-US" altLang="ko-KR" sz="1400" b="1" dirty="0">
+                    <a:solidFill>
+                      <a:schemeClr val="tx1"/>
+                    </a:solidFill>
+                    <a:latin typeface="Times New Roman" panose="02020603050405020304" pitchFamily="18" charset="0"/>
+                    <a:cs typeface="Times New Roman" panose="02020603050405020304" pitchFamily="18" charset="0"/>
+                  </a:rPr>
+                  <a:t>(Process)</a:t>
+                </a:r>
+                <a:endParaRPr lang="ko-KR" altLang="en-US" sz="1400" b="1" dirty="0">
+                  <a:solidFill>
+                    <a:schemeClr val="tx1"/>
+                  </a:solidFill>
+                  <a:latin typeface="Times New Roman" panose="02020603050405020304" pitchFamily="18" charset="0"/>
+                  <a:cs typeface="Times New Roman" panose="02020603050405020304" pitchFamily="18" charset="0"/>
+                </a:endParaRPr>
+              </a:p>
+            </p:txBody>
+          </p:sp>
+          <p:sp>
+            <p:nvSpPr>
+              <p:cNvPr id="16" name="TextBox 15"/>
+              <p:cNvSpPr txBox="1"/>
+              <p:nvPr/>
+            </p:nvSpPr>
+            <p:spPr>
+              <a:xfrm>
+                <a:off x="1259155" y="3261978"/>
+                <a:ext cx="800100" cy="338554"/>
+              </a:xfrm>
+              <a:prstGeom prst="rect">
+                <a:avLst/>
+              </a:prstGeom>
+              <a:noFill/>
+            </p:spPr>
+            <p:txBody>
+              <a:bodyPr wrap="square" rtlCol="0">
+                <a:spAutoFit/>
+              </a:bodyPr>
+              <a:lstStyle/>
+              <a:p>
+                <a:pPr algn="ctr"/>
+                <a:r>
+                  <a:rPr lang="en-US" altLang="ko-KR" sz="1600" dirty="0" smtClean="0">
+                    <a:latin typeface="Times New Roman" panose="02020603050405020304" pitchFamily="18" charset="0"/>
+                    <a:cs typeface="Times New Roman" panose="02020603050405020304" pitchFamily="18" charset="0"/>
+                  </a:rPr>
+                  <a:t>kernel</a:t>
+                </a:r>
+                <a:endParaRPr lang="ko-KR" altLang="en-US" sz="1600" dirty="0">
+                  <a:latin typeface="Times New Roman" panose="02020603050405020304" pitchFamily="18" charset="0"/>
+                  <a:cs typeface="Times New Roman" panose="02020603050405020304" pitchFamily="18" charset="0"/>
+                </a:endParaRPr>
+              </a:p>
+            </p:txBody>
+          </p:sp>
+          <p:sp>
+            <p:nvSpPr>
+              <p:cNvPr id="17" name="TextBox 16"/>
+              <p:cNvSpPr txBox="1"/>
+              <p:nvPr/>
+            </p:nvSpPr>
+            <p:spPr>
+              <a:xfrm>
+                <a:off x="1259155" y="1902761"/>
+                <a:ext cx="800100" cy="338554"/>
+              </a:xfrm>
+              <a:prstGeom prst="rect">
+                <a:avLst/>
+              </a:prstGeom>
+              <a:noFill/>
+            </p:spPr>
+            <p:txBody>
+              <a:bodyPr wrap="square" rtlCol="0">
+                <a:spAutoFit/>
+              </a:bodyPr>
+              <a:lstStyle/>
+              <a:p>
+                <a:pPr algn="ctr"/>
+                <a:r>
+                  <a:rPr lang="en-US" altLang="ko-KR" sz="1600" dirty="0" smtClean="0">
+                    <a:latin typeface="Times New Roman" panose="02020603050405020304" pitchFamily="18" charset="0"/>
+                    <a:cs typeface="Times New Roman" panose="02020603050405020304" pitchFamily="18" charset="0"/>
+                  </a:rPr>
+                  <a:t>user</a:t>
+                </a:r>
+                <a:endParaRPr lang="ko-KR" altLang="en-US" sz="1600" dirty="0">
+                  <a:latin typeface="Times New Roman" panose="02020603050405020304" pitchFamily="18" charset="0"/>
+                  <a:cs typeface="Times New Roman" panose="02020603050405020304" pitchFamily="18" charset="0"/>
+                </a:endParaRPr>
+              </a:p>
+            </p:txBody>
+          </p:sp>
+          <p:sp>
+            <p:nvSpPr>
+              <p:cNvPr id="19" name="TextBox 18"/>
+              <p:cNvSpPr txBox="1"/>
+              <p:nvPr/>
+            </p:nvSpPr>
+            <p:spPr>
+              <a:xfrm>
+                <a:off x="316734" y="5068832"/>
+                <a:ext cx="604826" cy="338554"/>
+              </a:xfrm>
+              <a:prstGeom prst="rect">
+                <a:avLst/>
+              </a:prstGeom>
+              <a:noFill/>
+            </p:spPr>
+            <p:txBody>
+              <a:bodyPr wrap="square" rtlCol="0">
+                <a:spAutoFit/>
+              </a:bodyPr>
+              <a:lstStyle/>
+              <a:p>
+                <a:pPr algn="ctr"/>
+                <a:r>
+                  <a:rPr lang="en-US" altLang="ko-KR" sz="1600" dirty="0" smtClean="0">
+                    <a:latin typeface="Times New Roman" panose="02020603050405020304" pitchFamily="18" charset="0"/>
+                    <a:cs typeface="Times New Roman" panose="02020603050405020304" pitchFamily="18" charset="0"/>
+                  </a:rPr>
+                  <a:t>H/W</a:t>
+                </a:r>
+                <a:endParaRPr lang="ko-KR" altLang="en-US" sz="1600" dirty="0">
+                  <a:latin typeface="Times New Roman" panose="02020603050405020304" pitchFamily="18" charset="0"/>
+                  <a:cs typeface="Times New Roman" panose="02020603050405020304" pitchFamily="18" charset="0"/>
+                </a:endParaRPr>
+              </a:p>
+            </p:txBody>
+          </p:sp>
+          <p:sp>
+            <p:nvSpPr>
+              <p:cNvPr id="20" name="TextBox 19"/>
+              <p:cNvSpPr txBox="1"/>
+              <p:nvPr/>
+            </p:nvSpPr>
+            <p:spPr>
+              <a:xfrm>
+                <a:off x="316734" y="3168142"/>
+                <a:ext cx="604826" cy="338554"/>
+              </a:xfrm>
+              <a:prstGeom prst="rect">
+                <a:avLst/>
+              </a:prstGeom>
+              <a:noFill/>
+            </p:spPr>
+            <p:txBody>
+              <a:bodyPr wrap="square" rtlCol="0">
+                <a:spAutoFit/>
+              </a:bodyPr>
+              <a:lstStyle/>
+              <a:p>
+                <a:pPr algn="ctr"/>
+                <a:r>
+                  <a:rPr lang="en-US" altLang="ko-KR" sz="1600" dirty="0" smtClean="0">
+                    <a:latin typeface="Times New Roman" panose="02020603050405020304" pitchFamily="18" charset="0"/>
+                    <a:cs typeface="Times New Roman" panose="02020603050405020304" pitchFamily="18" charset="0"/>
+                  </a:rPr>
+                  <a:t>S/W</a:t>
+                </a:r>
+                <a:endParaRPr lang="ko-KR" altLang="en-US" sz="1600" dirty="0">
+                  <a:latin typeface="Times New Roman" panose="02020603050405020304" pitchFamily="18" charset="0"/>
+                  <a:cs typeface="Times New Roman" panose="02020603050405020304" pitchFamily="18" charset="0"/>
+                </a:endParaRPr>
+              </a:p>
+            </p:txBody>
+          </p:sp>
+          <p:sp>
+            <p:nvSpPr>
+              <p:cNvPr id="21" name="왼쪽 중괄호 20"/>
+              <p:cNvSpPr/>
+              <p:nvPr/>
+            </p:nvSpPr>
+            <p:spPr>
+              <a:xfrm>
+                <a:off x="1020010" y="2053028"/>
+                <a:ext cx="249666" cy="2571683"/>
+              </a:xfrm>
+              <a:prstGeom prst="leftBrace">
+                <a:avLst>
+                  <a:gd name="adj1" fmla="val 251325"/>
+                  <a:gd name="adj2" fmla="val 50000"/>
+                </a:avLst>
+              </a:prstGeom>
+              <a:ln>
+                <a:solidFill>
+                  <a:srgbClr val="C00000"/>
+                </a:solidFill>
+              </a:ln>
+            </p:spPr>
+            <p:style>
+              <a:lnRef idx="1">
+                <a:schemeClr val="dk1"/>
+              </a:lnRef>
+              <a:fillRef idx="0">
+                <a:schemeClr val="dk1"/>
+              </a:fillRef>
+              <a:effectRef idx="0">
+                <a:schemeClr val="dk1"/>
+              </a:effectRef>
+              <a:fontRef idx="minor">
+                <a:schemeClr val="tx1"/>
+              </a:fontRef>
+            </p:style>
+            <p:txBody>
+              <a:bodyPr rtlCol="0" anchor="ctr"/>
+              <a:lstStyle/>
+              <a:p>
+                <a:pPr algn="ctr"/>
+                <a:endParaRPr lang="ko-KR" altLang="en-US">
+                  <a:latin typeface="Times New Roman" panose="02020603050405020304" pitchFamily="18" charset="0"/>
+                  <a:cs typeface="Times New Roman" panose="02020603050405020304" pitchFamily="18" charset="0"/>
+                </a:endParaRPr>
+              </a:p>
+            </p:txBody>
+          </p:sp>
+          <p:sp>
+            <p:nvSpPr>
+              <p:cNvPr id="22" name="직사각형 21"/>
+              <p:cNvSpPr/>
+              <p:nvPr/>
+            </p:nvSpPr>
+            <p:spPr>
+              <a:xfrm>
+                <a:off x="2064434" y="4903600"/>
+                <a:ext cx="1075638" cy="798073"/>
+              </a:xfrm>
+              <a:prstGeom prst="rect">
+                <a:avLst/>
+              </a:prstGeom>
+              <a:noFill/>
+            </p:spPr>
+            <p:style>
+              <a:lnRef idx="2">
+                <a:schemeClr val="accent1">
+                  <a:shade val="50000"/>
+                </a:schemeClr>
+              </a:lnRef>
+              <a:fillRef idx="1">
+                <a:schemeClr val="accent1"/>
+              </a:fillRef>
+              <a:effectRef idx="0">
+                <a:schemeClr val="accent1"/>
+              </a:effectRef>
+              <a:fontRef idx="minor">
+                <a:schemeClr val="lt1"/>
+              </a:fontRef>
+            </p:style>
+            <p:txBody>
+              <a:bodyPr rtlCol="0" anchor="ctr"/>
+              <a:lstStyle/>
+              <a:p>
+                <a:pPr algn="ctr"/>
+                <a:r>
+                  <a:rPr lang="en-US" altLang="ko-KR" sz="1400" b="1" dirty="0" smtClean="0">
+                    <a:solidFill>
+                      <a:schemeClr val="tx1"/>
+                    </a:solidFill>
+                    <a:latin typeface="Times New Roman" panose="02020603050405020304" pitchFamily="18" charset="0"/>
+                    <a:cs typeface="Times New Roman" panose="02020603050405020304" pitchFamily="18" charset="0"/>
+                  </a:rPr>
+                  <a:t>CPU</a:t>
+                </a:r>
+                <a:endParaRPr lang="ko-KR" altLang="en-US" sz="1400" b="1" dirty="0">
+                  <a:solidFill>
+                    <a:schemeClr val="tx1"/>
+                  </a:solidFill>
+                  <a:latin typeface="Times New Roman" panose="02020603050405020304" pitchFamily="18" charset="0"/>
+                  <a:cs typeface="Times New Roman" panose="02020603050405020304" pitchFamily="18" charset="0"/>
+                </a:endParaRPr>
+              </a:p>
+            </p:txBody>
+          </p:sp>
+          <p:sp>
+            <p:nvSpPr>
+              <p:cNvPr id="23" name="직사각형 22"/>
+              <p:cNvSpPr/>
+              <p:nvPr/>
+            </p:nvSpPr>
+            <p:spPr>
+              <a:xfrm>
+                <a:off x="3359833" y="4903598"/>
+                <a:ext cx="1075638" cy="798073"/>
+              </a:xfrm>
+              <a:prstGeom prst="rect">
+                <a:avLst/>
+              </a:prstGeom>
+              <a:noFill/>
+            </p:spPr>
+            <p:style>
+              <a:lnRef idx="2">
+                <a:schemeClr val="accent1">
+                  <a:shade val="50000"/>
+                </a:schemeClr>
+              </a:lnRef>
+              <a:fillRef idx="1">
+                <a:schemeClr val="accent1"/>
+              </a:fillRef>
+              <a:effectRef idx="0">
+                <a:schemeClr val="accent1"/>
+              </a:effectRef>
+              <a:fontRef idx="minor">
+                <a:schemeClr val="lt1"/>
+              </a:fontRef>
+            </p:style>
+            <p:txBody>
+              <a:bodyPr rtlCol="0" anchor="ctr"/>
+              <a:lstStyle/>
+              <a:p>
+                <a:pPr algn="ctr"/>
+                <a:r>
+                  <a:rPr lang="en-US" altLang="ko-KR" sz="1400" b="1" dirty="0" smtClean="0">
+                    <a:solidFill>
+                      <a:schemeClr val="tx1"/>
+                    </a:solidFill>
+                    <a:latin typeface="Times New Roman" panose="02020603050405020304" pitchFamily="18" charset="0"/>
+                    <a:cs typeface="Times New Roman" panose="02020603050405020304" pitchFamily="18" charset="0"/>
+                  </a:rPr>
+                  <a:t>RAM</a:t>
+                </a:r>
+                <a:endParaRPr lang="ko-KR" altLang="en-US" sz="1400" b="1" dirty="0">
+                  <a:solidFill>
+                    <a:schemeClr val="tx1"/>
+                  </a:solidFill>
+                  <a:latin typeface="Times New Roman" panose="02020603050405020304" pitchFamily="18" charset="0"/>
+                  <a:cs typeface="Times New Roman" panose="02020603050405020304" pitchFamily="18" charset="0"/>
+                </a:endParaRPr>
+              </a:p>
+            </p:txBody>
+          </p:sp>
+          <p:sp>
+            <p:nvSpPr>
+              <p:cNvPr id="24" name="직사각형 23"/>
+              <p:cNvSpPr/>
+              <p:nvPr/>
+            </p:nvSpPr>
+            <p:spPr>
+              <a:xfrm>
+                <a:off x="4655232" y="4903598"/>
+                <a:ext cx="1075638" cy="798073"/>
+              </a:xfrm>
+              <a:prstGeom prst="rect">
+                <a:avLst/>
+              </a:prstGeom>
+              <a:noFill/>
+            </p:spPr>
+            <p:style>
+              <a:lnRef idx="2">
+                <a:schemeClr val="accent1">
+                  <a:shade val="50000"/>
+                </a:schemeClr>
+              </a:lnRef>
+              <a:fillRef idx="1">
+                <a:schemeClr val="accent1"/>
+              </a:fillRef>
+              <a:effectRef idx="0">
+                <a:schemeClr val="accent1"/>
+              </a:effectRef>
+              <a:fontRef idx="minor">
+                <a:schemeClr val="lt1"/>
+              </a:fontRef>
+            </p:style>
+            <p:txBody>
+              <a:bodyPr rtlCol="0" anchor="ctr"/>
+              <a:lstStyle/>
+              <a:p>
+                <a:pPr algn="ctr"/>
+                <a:r>
+                  <a:rPr lang="ko-KR" altLang="en-US" sz="1400" b="1" dirty="0" smtClean="0">
+                    <a:solidFill>
+                      <a:schemeClr val="tx1"/>
+                    </a:solidFill>
+                    <a:latin typeface="Times New Roman" panose="02020603050405020304" pitchFamily="18" charset="0"/>
+                    <a:cs typeface="Times New Roman" panose="02020603050405020304" pitchFamily="18" charset="0"/>
+                  </a:rPr>
+                  <a:t>주변기기</a:t>
+                </a:r>
+                <a:endParaRPr lang="ko-KR" altLang="en-US" sz="1400" b="1" dirty="0">
+                  <a:solidFill>
+                    <a:schemeClr val="tx1"/>
+                  </a:solidFill>
+                  <a:latin typeface="Times New Roman" panose="02020603050405020304" pitchFamily="18" charset="0"/>
+                  <a:cs typeface="Times New Roman" panose="02020603050405020304" pitchFamily="18" charset="0"/>
+                </a:endParaRPr>
+              </a:p>
+            </p:txBody>
+          </p:sp>
+          <p:sp>
+            <p:nvSpPr>
+              <p:cNvPr id="25" name="타원 24"/>
+              <p:cNvSpPr/>
+              <p:nvPr/>
+            </p:nvSpPr>
+            <p:spPr>
+              <a:xfrm>
+                <a:off x="2703727" y="2949843"/>
+                <a:ext cx="727101" cy="259351"/>
+              </a:xfrm>
+              <a:prstGeom prst="ellipse">
+                <a:avLst/>
+              </a:prstGeom>
+              <a:noFill/>
+              <a:ln>
+                <a:solidFill>
+                  <a:srgbClr val="C00000"/>
+                </a:solidFill>
+              </a:ln>
+            </p:spPr>
+            <p:style>
+              <a:lnRef idx="2">
+                <a:schemeClr val="accent1">
+                  <a:shade val="50000"/>
+                </a:schemeClr>
+              </a:lnRef>
+              <a:fillRef idx="1">
+                <a:schemeClr val="accent1"/>
+              </a:fillRef>
+              <a:effectRef idx="0">
+                <a:schemeClr val="accent1"/>
+              </a:effectRef>
+              <a:fontRef idx="minor">
+                <a:schemeClr val="lt1"/>
+              </a:fontRef>
+            </p:style>
+            <p:txBody>
+              <a:bodyPr rtlCol="0" anchor="ctr"/>
+              <a:lstStyle/>
+              <a:p>
+                <a:pPr algn="ctr"/>
+                <a:r>
+                  <a:rPr lang="en-US" altLang="ko-KR" sz="1400" dirty="0" smtClean="0">
+                    <a:solidFill>
+                      <a:srgbClr val="C00000"/>
+                    </a:solidFill>
+                    <a:latin typeface="Times New Roman" panose="02020603050405020304" pitchFamily="18" charset="0"/>
+                    <a:cs typeface="Times New Roman" panose="02020603050405020304" pitchFamily="18" charset="0"/>
+                  </a:rPr>
+                  <a:t>File</a:t>
+                </a:r>
+                <a:endParaRPr lang="ko-KR" altLang="en-US" sz="1400" dirty="0">
+                  <a:solidFill>
+                    <a:srgbClr val="C00000"/>
+                  </a:solidFill>
+                  <a:latin typeface="Times New Roman" panose="02020603050405020304" pitchFamily="18" charset="0"/>
+                  <a:cs typeface="Times New Roman" panose="02020603050405020304" pitchFamily="18" charset="0"/>
+                </a:endParaRPr>
+              </a:p>
+            </p:txBody>
+          </p:sp>
+          <p:sp>
+            <p:nvSpPr>
+              <p:cNvPr id="26" name="타원 25"/>
+              <p:cNvSpPr/>
+              <p:nvPr/>
+            </p:nvSpPr>
+            <p:spPr>
+              <a:xfrm>
+                <a:off x="4368675" y="2953195"/>
+                <a:ext cx="727101" cy="259351"/>
+              </a:xfrm>
+              <a:prstGeom prst="ellipse">
+                <a:avLst/>
+              </a:prstGeom>
+              <a:noFill/>
+              <a:ln>
+                <a:solidFill>
+                  <a:srgbClr val="C00000"/>
+                </a:solidFill>
+              </a:ln>
+            </p:spPr>
+            <p:style>
+              <a:lnRef idx="2">
+                <a:schemeClr val="accent1">
+                  <a:shade val="50000"/>
+                </a:schemeClr>
+              </a:lnRef>
+              <a:fillRef idx="1">
+                <a:schemeClr val="accent1"/>
+              </a:fillRef>
+              <a:effectRef idx="0">
+                <a:schemeClr val="accent1"/>
+              </a:effectRef>
+              <a:fontRef idx="minor">
+                <a:schemeClr val="lt1"/>
+              </a:fontRef>
+            </p:style>
+            <p:txBody>
+              <a:bodyPr rtlCol="0" anchor="ctr"/>
+              <a:lstStyle/>
+              <a:p>
+                <a:pPr algn="ctr"/>
+                <a:r>
+                  <a:rPr lang="en-US" altLang="ko-KR" sz="1400" dirty="0" smtClean="0">
+                    <a:solidFill>
+                      <a:srgbClr val="C00000"/>
+                    </a:solidFill>
+                    <a:latin typeface="Times New Roman" panose="02020603050405020304" pitchFamily="18" charset="0"/>
+                    <a:cs typeface="Times New Roman" panose="02020603050405020304" pitchFamily="18" charset="0"/>
+                  </a:rPr>
+                  <a:t>File</a:t>
+                </a:r>
+                <a:endParaRPr lang="ko-KR" altLang="en-US" sz="1400" dirty="0">
+                  <a:solidFill>
+                    <a:srgbClr val="C00000"/>
+                  </a:solidFill>
+                  <a:latin typeface="Times New Roman" panose="02020603050405020304" pitchFamily="18" charset="0"/>
+                  <a:cs typeface="Times New Roman" panose="02020603050405020304" pitchFamily="18" charset="0"/>
+                </a:endParaRPr>
+              </a:p>
+            </p:txBody>
+          </p:sp>
+          <p:sp>
+            <p:nvSpPr>
+              <p:cNvPr id="27" name="TextBox 26"/>
+              <p:cNvSpPr txBox="1"/>
+              <p:nvPr/>
+            </p:nvSpPr>
+            <p:spPr>
+              <a:xfrm>
+                <a:off x="666162" y="1311894"/>
+                <a:ext cx="1213635" cy="307777"/>
+              </a:xfrm>
+              <a:prstGeom prst="rect">
+                <a:avLst/>
+              </a:prstGeom>
+              <a:noFill/>
+            </p:spPr>
+            <p:txBody>
+              <a:bodyPr wrap="square" rtlCol="0">
+                <a:spAutoFit/>
+              </a:bodyPr>
+              <a:lstStyle/>
+              <a:p>
+                <a:r>
+                  <a:rPr lang="en-US" altLang="ko-KR" sz="1400" b="1" dirty="0" smtClean="0"/>
+                  <a:t>Layer</a:t>
+                </a:r>
+                <a:r>
+                  <a:rPr lang="ko-KR" altLang="en-US" sz="1400" b="1" dirty="0" smtClean="0"/>
+                  <a:t> 관점</a:t>
+                </a:r>
+                <a:endParaRPr lang="ko-KR" altLang="en-US" sz="1400" b="1" dirty="0"/>
+              </a:p>
+            </p:txBody>
+          </p:sp>
+          <p:sp>
+            <p:nvSpPr>
+              <p:cNvPr id="28" name="직사각형 27"/>
+              <p:cNvSpPr/>
+              <p:nvPr/>
+            </p:nvSpPr>
+            <p:spPr>
+              <a:xfrm>
+                <a:off x="2024398" y="4452259"/>
+                <a:ext cx="3666436" cy="257908"/>
+              </a:xfrm>
+              <a:prstGeom prst="rect">
+                <a:avLst/>
+              </a:prstGeom>
+              <a:noFill/>
+            </p:spPr>
+            <p:style>
+              <a:lnRef idx="2">
+                <a:schemeClr val="accent1">
+                  <a:shade val="50000"/>
+                </a:schemeClr>
+              </a:lnRef>
+              <a:fillRef idx="1">
+                <a:schemeClr val="accent1"/>
+              </a:fillRef>
+              <a:effectRef idx="0">
+                <a:schemeClr val="accent1"/>
+              </a:effectRef>
+              <a:fontRef idx="minor">
+                <a:schemeClr val="lt1"/>
+              </a:fontRef>
+            </p:style>
+            <p:txBody>
+              <a:bodyPr rtlCol="0" anchor="ctr"/>
+              <a:lstStyle/>
+              <a:p>
+                <a:pPr algn="ctr"/>
+                <a:r>
+                  <a:rPr lang="en-US" altLang="ko-KR" sz="1200" b="1" dirty="0" smtClean="0">
+                    <a:solidFill>
+                      <a:srgbClr val="C00000"/>
+                    </a:solidFill>
+                    <a:latin typeface="Times New Roman" panose="02020603050405020304" pitchFamily="18" charset="0"/>
+                    <a:cs typeface="Times New Roman" panose="02020603050405020304" pitchFamily="18" charset="0"/>
+                  </a:rPr>
+                  <a:t>Device Driver</a:t>
+                </a:r>
+                <a:endParaRPr lang="ko-KR" altLang="en-US" sz="1200" b="1" dirty="0">
+                  <a:solidFill>
+                    <a:srgbClr val="C00000"/>
+                  </a:solidFill>
+                  <a:latin typeface="Times New Roman" panose="02020603050405020304" pitchFamily="18" charset="0"/>
+                  <a:cs typeface="Times New Roman" panose="02020603050405020304" pitchFamily="18" charset="0"/>
+                </a:endParaRPr>
+              </a:p>
+            </p:txBody>
+          </p:sp>
+          <p:sp>
+            <p:nvSpPr>
+              <p:cNvPr id="29" name="직사각형 28"/>
+              <p:cNvSpPr/>
+              <p:nvPr/>
+            </p:nvSpPr>
+            <p:spPr>
+              <a:xfrm>
+                <a:off x="2208721" y="3217986"/>
+                <a:ext cx="3243505" cy="984737"/>
+              </a:xfrm>
+              <a:prstGeom prst="rect">
+                <a:avLst/>
+              </a:prstGeom>
+              <a:noFill/>
+              <a:ln>
+                <a:solidFill>
+                  <a:schemeClr val="tx1"/>
+                </a:solidFill>
+              </a:ln>
+            </p:spPr>
+            <p:style>
+              <a:lnRef idx="2">
+                <a:schemeClr val="accent1">
+                  <a:shade val="50000"/>
+                </a:schemeClr>
+              </a:lnRef>
+              <a:fillRef idx="1">
+                <a:schemeClr val="accent1"/>
+              </a:fillRef>
+              <a:effectRef idx="0">
+                <a:schemeClr val="accent1"/>
+              </a:effectRef>
+              <a:fontRef idx="minor">
+                <a:schemeClr val="lt1"/>
+              </a:fontRef>
+            </p:style>
+            <p:txBody>
+              <a:bodyPr rtlCol="0" anchor="ctr"/>
+              <a:lstStyle/>
+              <a:p>
+                <a:pPr algn="ctr"/>
+                <a:r>
+                  <a:rPr lang="en-US" altLang="ko-KR" sz="1400" b="1" dirty="0" smtClean="0">
+                    <a:solidFill>
+                      <a:schemeClr val="tx1"/>
+                    </a:solidFill>
+                    <a:latin typeface="Times New Roman" panose="02020603050405020304" pitchFamily="18" charset="0"/>
+                    <a:cs typeface="Times New Roman" panose="02020603050405020304" pitchFamily="18" charset="0"/>
+                  </a:rPr>
+                  <a:t>OS Logic </a:t>
+                </a:r>
+              </a:p>
+              <a:p>
+                <a:pPr algn="ctr"/>
+                <a:r>
+                  <a:rPr lang="en-US" altLang="ko-KR" sz="1400" b="1" dirty="0" smtClean="0">
+                    <a:solidFill>
+                      <a:schemeClr val="tx1"/>
+                    </a:solidFill>
+                    <a:latin typeface="Times New Roman" panose="02020603050405020304" pitchFamily="18" charset="0"/>
+                    <a:cs typeface="Times New Roman" panose="02020603050405020304" pitchFamily="18" charset="0"/>
+                  </a:rPr>
+                  <a:t>(Including System Call)</a:t>
+                </a:r>
+                <a:endParaRPr lang="ko-KR" altLang="en-US" sz="1400" b="1" dirty="0">
+                  <a:solidFill>
+                    <a:schemeClr val="tx1"/>
+                  </a:solidFill>
+                  <a:latin typeface="Times New Roman" panose="02020603050405020304" pitchFamily="18" charset="0"/>
+                  <a:cs typeface="Times New Roman" panose="02020603050405020304" pitchFamily="18" charset="0"/>
+                </a:endParaRPr>
+              </a:p>
+            </p:txBody>
+          </p:sp>
+        </p:grpSp>
+        <p:sp>
+          <p:nvSpPr>
+            <p:cNvPr id="31" name="TextBox 30"/>
+            <p:cNvSpPr txBox="1"/>
+            <p:nvPr/>
+          </p:nvSpPr>
           <p:spPr>
-            <a:xfrm flipV="1">
-              <a:off x="1588433" y="3209194"/>
-              <a:ext cx="4176000" cy="0"/>
+            <a:xfrm>
+              <a:off x="233697" y="5872537"/>
+              <a:ext cx="6282120" cy="738664"/>
             </a:xfrm>
-            <a:prstGeom prst="line">
+            <a:prstGeom prst="rect">
               <a:avLst/>
             </a:prstGeom>
+            <a:noFill/>
           </p:spPr>
-          <p:style>
-            <a:lnRef idx="1">
-              <a:schemeClr val="dk1"/>
-            </a:lnRef>
-            <a:fillRef idx="0">
-              <a:schemeClr val="dk1"/>
-            </a:fillRef>
-            <a:effectRef idx="0">
-              <a:schemeClr val="dk1"/>
-            </a:effectRef>
-            <a:fontRef idx="minor">
+          <p:txBody>
+            <a:bodyPr wrap="square" rtlCol="0">
+              <a:spAutoFit/>
+            </a:bodyPr>
+            <a:lstStyle/>
+            <a:p>
+              <a:pPr>
+                <a:lnSpc>
+                  <a:spcPct val="150000"/>
+                </a:lnSpc>
+              </a:pPr>
+              <a:r>
+                <a:rPr lang="en-US" altLang="ko-KR" sz="1400" b="1" dirty="0" smtClean="0"/>
+                <a:t> CPU</a:t>
+              </a:r>
+              <a:r>
+                <a:rPr lang="ko-KR" altLang="en-US" sz="1400" b="1" dirty="0" smtClean="0"/>
+                <a:t>가 </a:t>
+              </a:r>
+              <a:r>
+                <a:rPr lang="en-US" altLang="ko-KR" sz="1400" b="1" dirty="0" smtClean="0"/>
+                <a:t>kernel Logic</a:t>
+              </a:r>
+              <a:r>
+                <a:rPr lang="ko-KR" altLang="en-US" sz="1400" b="1" dirty="0" smtClean="0"/>
+                <a:t>을 수행하고 있으면 </a:t>
+              </a:r>
+              <a:r>
+                <a:rPr lang="en-US" altLang="ko-KR" sz="1400" b="1" dirty="0" smtClean="0">
+                  <a:solidFill>
+                    <a:srgbClr val="C00000"/>
+                  </a:solidFill>
+                </a:rPr>
+                <a:t>kernel mode</a:t>
+              </a:r>
+              <a:r>
+                <a:rPr lang="en-US" altLang="ko-KR" sz="1400" b="1" dirty="0" smtClean="0"/>
+                <a:t>, User Process Logic</a:t>
+              </a:r>
+              <a:r>
+                <a:rPr lang="ko-KR" altLang="en-US" sz="1400" b="1" dirty="0" smtClean="0"/>
+                <a:t>을 수행하고 있으면 </a:t>
+              </a:r>
+              <a:r>
+                <a:rPr lang="en-US" altLang="ko-KR" sz="1400" b="1" dirty="0" smtClean="0">
+                  <a:solidFill>
+                    <a:schemeClr val="accent1"/>
+                  </a:solidFill>
+                </a:rPr>
+                <a:t>user mode</a:t>
+              </a:r>
+              <a:r>
+                <a:rPr lang="ko-KR" altLang="en-US" sz="1400" b="1" dirty="0" smtClean="0"/>
+                <a:t>이다</a:t>
+              </a:r>
+              <a:endParaRPr lang="ko-KR" altLang="en-US" sz="1400" b="1" dirty="0"/>
+            </a:p>
+          </p:txBody>
+        </p:sp>
+      </p:grpSp>
+      <p:sp>
+        <p:nvSpPr>
+          <p:cNvPr id="33" name="TextBox 32"/>
+          <p:cNvSpPr txBox="1"/>
+          <p:nvPr/>
+        </p:nvSpPr>
+        <p:spPr>
+          <a:xfrm>
+            <a:off x="6591377" y="1771994"/>
+            <a:ext cx="5355640" cy="830997"/>
+          </a:xfrm>
+          <a:prstGeom prst="rect">
+            <a:avLst/>
+          </a:prstGeom>
+          <a:noFill/>
+          <a:ln>
+            <a:solidFill>
               <a:schemeClr val="tx1"/>
-            </a:fontRef>
-          </p:style>
-        </p:cxnSp>
-        <p:cxnSp>
-          <p:nvCxnSpPr>
-            <p:cNvPr id="12" name="직선 연결선 11"/>
-            <p:cNvCxnSpPr/>
+            </a:solidFill>
+          </a:ln>
+        </p:spPr>
+        <p:txBody>
+          <a:bodyPr wrap="square" rtlCol="0">
+            <a:spAutoFit/>
+          </a:bodyPr>
+          <a:lstStyle/>
+          <a:p>
+            <a:r>
+              <a:rPr lang="en-US" altLang="ko-KR" sz="1200" dirty="0" smtClean="0"/>
+              <a:t> Layer</a:t>
+            </a:r>
+            <a:r>
+              <a:rPr lang="ko-KR" altLang="en-US" sz="1200" dirty="0" smtClean="0"/>
+              <a:t>관점에서 </a:t>
+            </a:r>
+            <a:r>
+              <a:rPr lang="en-US" altLang="ko-KR" sz="1200" dirty="0" smtClean="0"/>
+              <a:t>CPU</a:t>
+            </a:r>
+            <a:r>
+              <a:rPr lang="ko-KR" altLang="en-US" sz="1200" dirty="0" smtClean="0"/>
+              <a:t>가 </a:t>
+            </a:r>
+            <a:r>
+              <a:rPr lang="en-US" altLang="ko-KR" sz="1200" dirty="0" smtClean="0"/>
+              <a:t>kernel</a:t>
+            </a:r>
+            <a:r>
+              <a:rPr lang="ko-KR" altLang="en-US" sz="1200" dirty="0" smtClean="0"/>
+              <a:t>을 뚫고 </a:t>
+            </a:r>
+            <a:r>
+              <a:rPr lang="en-US" altLang="ko-KR" sz="1200" dirty="0" smtClean="0"/>
+              <a:t>user</a:t>
+            </a:r>
+            <a:r>
+              <a:rPr lang="ko-KR" altLang="en-US" sz="1200" dirty="0" smtClean="0"/>
+              <a:t>를 읽어야 할 것 같은 느낌이 있다</a:t>
+            </a:r>
+            <a:r>
+              <a:rPr lang="en-US" altLang="ko-KR" sz="1200" dirty="0" smtClean="0"/>
+              <a:t>. </a:t>
+            </a:r>
+            <a:r>
+              <a:rPr lang="ko-KR" altLang="en-US" sz="1200" dirty="0" smtClean="0"/>
+              <a:t>심지어 </a:t>
+            </a:r>
+            <a:r>
+              <a:rPr lang="en-US" altLang="ko-KR" sz="1200" dirty="0" smtClean="0"/>
+              <a:t>OS</a:t>
+            </a:r>
+            <a:r>
+              <a:rPr lang="ko-KR" altLang="en-US" sz="1200" dirty="0" smtClean="0"/>
+              <a:t>에서 </a:t>
+            </a:r>
+            <a:r>
+              <a:rPr lang="ko-KR" altLang="en-US" sz="1200" dirty="0" err="1" smtClean="0"/>
+              <a:t>설명할때</a:t>
+            </a:r>
+            <a:r>
+              <a:rPr lang="ko-KR" altLang="en-US" sz="1200" dirty="0" smtClean="0"/>
+              <a:t> </a:t>
+            </a:r>
+            <a:r>
+              <a:rPr lang="en-US" altLang="ko-KR" sz="1200" dirty="0" smtClean="0"/>
+              <a:t>user mode thread</a:t>
+            </a:r>
+            <a:r>
+              <a:rPr lang="ko-KR" altLang="en-US" sz="1200" dirty="0" smtClean="0"/>
+              <a:t>에서 </a:t>
+            </a:r>
+            <a:r>
+              <a:rPr lang="en-US" altLang="ko-KR" sz="1200" dirty="0" smtClean="0"/>
+              <a:t>kernel mode thread</a:t>
+            </a:r>
+            <a:r>
+              <a:rPr lang="ko-KR" altLang="en-US" sz="1200" dirty="0" smtClean="0"/>
+              <a:t>로 </a:t>
+            </a:r>
+            <a:r>
+              <a:rPr lang="en-US" altLang="ko-KR" sz="1200" dirty="0" smtClean="0"/>
+              <a:t>n:m </a:t>
+            </a:r>
+            <a:r>
+              <a:rPr lang="ko-KR" altLang="en-US" sz="1200" dirty="0" smtClean="0"/>
+              <a:t>관계를 설명함으로써 </a:t>
+            </a:r>
+            <a:r>
+              <a:rPr lang="en-US" altLang="ko-KR" sz="1200" dirty="0" smtClean="0"/>
+              <a:t>user mode thread</a:t>
+            </a:r>
+            <a:r>
+              <a:rPr lang="ko-KR" altLang="en-US" sz="1200" dirty="0" smtClean="0"/>
+              <a:t>를 수행하기 위해서는 무조건 </a:t>
+            </a:r>
+            <a:r>
+              <a:rPr lang="en-US" altLang="ko-KR" sz="1200" dirty="0" smtClean="0"/>
+              <a:t>kernel mode thread</a:t>
+            </a:r>
+            <a:r>
+              <a:rPr lang="ko-KR" altLang="en-US" sz="1200" dirty="0" smtClean="0"/>
+              <a:t>에 </a:t>
+            </a:r>
+            <a:r>
+              <a:rPr lang="ko-KR" altLang="en-US" sz="1200" dirty="0" err="1" smtClean="0"/>
+              <a:t>넘겨줘야할</a:t>
+            </a:r>
+            <a:r>
+              <a:rPr lang="ko-KR" altLang="en-US" sz="1200" dirty="0" smtClean="0"/>
+              <a:t> 것 같은 느낌을 풍긴다</a:t>
+            </a:r>
+            <a:r>
+              <a:rPr lang="en-US" altLang="ko-KR" sz="1200" dirty="0" smtClean="0"/>
+              <a:t>.</a:t>
+            </a:r>
+            <a:endParaRPr lang="ko-KR" altLang="en-US" sz="1200" dirty="0"/>
+          </a:p>
+        </p:txBody>
+      </p:sp>
+      <p:sp>
+        <p:nvSpPr>
+          <p:cNvPr id="34" name="TextBox 33"/>
+          <p:cNvSpPr txBox="1"/>
+          <p:nvPr/>
+        </p:nvSpPr>
+        <p:spPr>
+          <a:xfrm>
+            <a:off x="6409594" y="1458721"/>
+            <a:ext cx="1617785" cy="276999"/>
+          </a:xfrm>
+          <a:prstGeom prst="rect">
+            <a:avLst/>
+          </a:prstGeom>
+          <a:noFill/>
+        </p:spPr>
+        <p:txBody>
+          <a:bodyPr wrap="square" rtlCol="0">
+            <a:spAutoFit/>
+          </a:bodyPr>
+          <a:lstStyle/>
+          <a:p>
+            <a:pPr algn="ctr"/>
+            <a:r>
+              <a:rPr lang="ko-KR" altLang="en-US" sz="1200" b="1" dirty="0" smtClean="0">
+                <a:solidFill>
+                  <a:srgbClr val="C00000"/>
+                </a:solidFill>
+              </a:rPr>
+              <a:t>한때 헷갈렸던 </a:t>
+            </a:r>
+            <a:r>
+              <a:rPr lang="en-US" altLang="ko-KR" sz="1200" b="1" dirty="0" smtClean="0">
+                <a:solidFill>
+                  <a:srgbClr val="C00000"/>
+                </a:solidFill>
+              </a:rPr>
+              <a:t>Point</a:t>
+            </a:r>
+            <a:endParaRPr lang="ko-KR" altLang="en-US" sz="1200" b="1" dirty="0">
+              <a:solidFill>
+                <a:srgbClr val="C00000"/>
+              </a:solidFill>
+            </a:endParaRPr>
+          </a:p>
+        </p:txBody>
+      </p:sp>
+      <p:grpSp>
+        <p:nvGrpSpPr>
+          <p:cNvPr id="45" name="그룹 44"/>
+          <p:cNvGrpSpPr/>
+          <p:nvPr/>
+        </p:nvGrpSpPr>
+        <p:grpSpPr>
+          <a:xfrm>
+            <a:off x="7508631" y="4597131"/>
+            <a:ext cx="3965332" cy="1544656"/>
+            <a:chOff x="7007469" y="4458631"/>
+            <a:chExt cx="3965332" cy="1544656"/>
+          </a:xfrm>
+        </p:grpSpPr>
+        <p:sp>
+          <p:nvSpPr>
+            <p:cNvPr id="39" name="TextBox 38"/>
+            <p:cNvSpPr txBox="1"/>
             <p:nvPr/>
-          </p:nvCxnSpPr>
+          </p:nvSpPr>
           <p:spPr>
             <a:xfrm>
-              <a:off x="1419960" y="4706816"/>
-              <a:ext cx="4404946" cy="0"/>
+              <a:off x="10423179" y="4458631"/>
+              <a:ext cx="549622" cy="276999"/>
             </a:xfrm>
-            <a:prstGeom prst="line">
+            <a:prstGeom prst="rect">
               <a:avLst/>
             </a:prstGeom>
+            <a:noFill/>
+            <a:scene3d>
+              <a:camera prst="isometricOffAxis2Left"/>
+              <a:lightRig rig="threePt" dir="t"/>
+            </a:scene3d>
           </p:spPr>
-          <p:style>
-            <a:lnRef idx="1">
-              <a:schemeClr val="dk1"/>
-            </a:lnRef>
-            <a:fillRef idx="0">
-              <a:schemeClr val="dk1"/>
-            </a:fillRef>
-            <a:effectRef idx="0">
-              <a:schemeClr val="dk1"/>
-            </a:effectRef>
-            <a:fontRef idx="minor">
-              <a:schemeClr val="tx1"/>
-            </a:fontRef>
-          </p:style>
-        </p:cxnSp>
+          <p:txBody>
+            <a:bodyPr wrap="square" rtlCol="0">
+              <a:spAutoFit/>
+            </a:bodyPr>
+            <a:lstStyle/>
+            <a:p>
+              <a:pPr algn="ctr"/>
+              <a:r>
+                <a:rPr lang="en-US" altLang="ko-KR" sz="1200" b="1" dirty="0" smtClean="0">
+                  <a:latin typeface="Times New Roman" panose="02020603050405020304" pitchFamily="18" charset="0"/>
+                  <a:cs typeface="Times New Roman" panose="02020603050405020304" pitchFamily="18" charset="0"/>
+                </a:rPr>
+                <a:t>RAM</a:t>
+              </a:r>
+              <a:endParaRPr lang="ko-KR" altLang="en-US" sz="1200" b="1" dirty="0">
+                <a:latin typeface="Times New Roman" panose="02020603050405020304" pitchFamily="18" charset="0"/>
+                <a:cs typeface="Times New Roman" panose="02020603050405020304" pitchFamily="18" charset="0"/>
+              </a:endParaRPr>
+            </a:p>
+          </p:txBody>
+        </p:sp>
         <p:sp>
           <p:nvSpPr>
-            <p:cNvPr id="13" name="직사각형 12"/>
+            <p:cNvPr id="35" name="직사각형 34"/>
             <p:cNvSpPr/>
             <p:nvPr/>
           </p:nvSpPr>
           <p:spPr>
             <a:xfrm>
-              <a:off x="2347278" y="2053028"/>
-              <a:ext cx="1440000" cy="896815"/>
+              <a:off x="7007469" y="4742648"/>
+              <a:ext cx="3569677" cy="798073"/>
             </a:xfrm>
             <a:prstGeom prst="rect">
               <a:avLst/>
             </a:prstGeom>
             <a:noFill/>
+            <a:ln>
+              <a:solidFill>
+                <a:schemeClr val="tx1"/>
+              </a:solidFill>
+            </a:ln>
+            <a:scene3d>
+              <a:camera prst="perspectiveRelaxedModerately"/>
+              <a:lightRig rig="threePt" dir="t"/>
+            </a:scene3d>
           </p:spPr>
           <p:style>
             <a:lnRef idx="2">
@@ -4179,60 +5336,39 @@
             <a:lstStyle/>
             <a:p>
               <a:pPr algn="ctr"/>
-              <a:r>
-                <a:rPr lang="en-US" altLang="ko-KR" sz="1400" b="1" dirty="0" smtClean="0">
-                  <a:solidFill>
-                    <a:schemeClr val="tx1"/>
-                  </a:solidFill>
-                  <a:latin typeface="Times New Roman" panose="02020603050405020304" pitchFamily="18" charset="0"/>
-                  <a:cs typeface="Times New Roman" panose="02020603050405020304" pitchFamily="18" charset="0"/>
-                </a:rPr>
-                <a:t>App1 </a:t>
-              </a:r>
-              <a:br>
-                <a:rPr lang="en-US" altLang="ko-KR" sz="1400" b="1" dirty="0" smtClean="0">
-                  <a:solidFill>
-                    <a:schemeClr val="tx1"/>
-                  </a:solidFill>
-                  <a:latin typeface="Times New Roman" panose="02020603050405020304" pitchFamily="18" charset="0"/>
-                  <a:cs typeface="Times New Roman" panose="02020603050405020304" pitchFamily="18" charset="0"/>
-                </a:rPr>
-              </a:br>
-              <a:r>
-                <a:rPr lang="en-US" altLang="ko-KR" sz="1400" b="1" dirty="0" smtClean="0">
-                  <a:solidFill>
-                    <a:schemeClr val="tx1"/>
-                  </a:solidFill>
-                  <a:latin typeface="Times New Roman" panose="02020603050405020304" pitchFamily="18" charset="0"/>
-                  <a:cs typeface="Times New Roman" panose="02020603050405020304" pitchFamily="18" charset="0"/>
-                </a:rPr>
-                <a:t>(Process)</a:t>
-              </a:r>
-              <a:endParaRPr lang="ko-KR" altLang="en-US" sz="1400" b="1" dirty="0">
-                <a:solidFill>
-                  <a:schemeClr val="tx1"/>
-                </a:solidFill>
-                <a:latin typeface="Times New Roman" panose="02020603050405020304" pitchFamily="18" charset="0"/>
-                <a:cs typeface="Times New Roman" panose="02020603050405020304" pitchFamily="18" charset="0"/>
-              </a:endParaRPr>
+              <a:endParaRPr lang="ko-KR" altLang="en-US"/>
             </a:p>
           </p:txBody>
         </p:sp>
         <p:sp>
           <p:nvSpPr>
-            <p:cNvPr id="14" name="직사각형 13"/>
+            <p:cNvPr id="37" name="직사각형 36"/>
             <p:cNvSpPr/>
             <p:nvPr/>
           </p:nvSpPr>
           <p:spPr>
             <a:xfrm>
-              <a:off x="4012226" y="2053028"/>
-              <a:ext cx="1440000" cy="896815"/>
+              <a:off x="8979017" y="4983177"/>
+              <a:ext cx="446063" cy="326447"/>
             </a:xfrm>
             <a:prstGeom prst="rect">
               <a:avLst/>
             </a:prstGeom>
-            <a:noFill/>
+            <a:solidFill>
+              <a:schemeClr val="accent1">
+                <a:lumMod val="60000"/>
+                <a:lumOff val="40000"/>
+              </a:schemeClr>
+            </a:solidFill>
+            <a:ln>
+              <a:solidFill>
+                <a:schemeClr val="tx1"/>
+              </a:solidFill>
+            </a:ln>
+            <a:scene3d>
+              <a:camera prst="perspectiveRelaxed"/>
+              <a:lightRig rig="threePt" dir="t"/>
+            </a:scene3d>
           </p:spPr>
           <p:style>
             <a:lnRef idx="2">
@@ -4255,267 +5391,39 @@
             <a:lstStyle/>
             <a:p>
               <a:pPr algn="ctr"/>
-              <a:r>
-                <a:rPr lang="en-US" altLang="ko-KR" sz="1400" b="1" dirty="0" smtClean="0">
-                  <a:solidFill>
-                    <a:schemeClr val="tx1"/>
-                  </a:solidFill>
-                  <a:latin typeface="Times New Roman" panose="02020603050405020304" pitchFamily="18" charset="0"/>
-                  <a:cs typeface="Times New Roman" panose="02020603050405020304" pitchFamily="18" charset="0"/>
-                </a:rPr>
-                <a:t>App2 </a:t>
-              </a:r>
-              <a:r>
-                <a:rPr lang="en-US" altLang="ko-KR" sz="1400" b="1" dirty="0">
-                  <a:solidFill>
-                    <a:schemeClr val="tx1"/>
-                  </a:solidFill>
-                  <a:latin typeface="Times New Roman" panose="02020603050405020304" pitchFamily="18" charset="0"/>
-                  <a:cs typeface="Times New Roman" panose="02020603050405020304" pitchFamily="18" charset="0"/>
-                </a:rPr>
-                <a:t/>
-              </a:r>
-              <a:br>
-                <a:rPr lang="en-US" altLang="ko-KR" sz="1400" b="1" dirty="0">
-                  <a:solidFill>
-                    <a:schemeClr val="tx1"/>
-                  </a:solidFill>
-                  <a:latin typeface="Times New Roman" panose="02020603050405020304" pitchFamily="18" charset="0"/>
-                  <a:cs typeface="Times New Roman" panose="02020603050405020304" pitchFamily="18" charset="0"/>
-                </a:rPr>
-              </a:br>
-              <a:r>
-                <a:rPr lang="en-US" altLang="ko-KR" sz="1400" b="1" dirty="0">
-                  <a:solidFill>
-                    <a:schemeClr val="tx1"/>
-                  </a:solidFill>
-                  <a:latin typeface="Times New Roman" panose="02020603050405020304" pitchFamily="18" charset="0"/>
-                  <a:cs typeface="Times New Roman" panose="02020603050405020304" pitchFamily="18" charset="0"/>
-                </a:rPr>
-                <a:t>(Process)</a:t>
-              </a:r>
-              <a:endParaRPr lang="ko-KR" altLang="en-US" sz="1400" b="1" dirty="0">
-                <a:solidFill>
-                  <a:schemeClr val="tx1"/>
-                </a:solidFill>
-                <a:latin typeface="Times New Roman" panose="02020603050405020304" pitchFamily="18" charset="0"/>
-                <a:cs typeface="Times New Roman" panose="02020603050405020304" pitchFamily="18" charset="0"/>
-              </a:endParaRPr>
+              <a:endParaRPr lang="ko-KR" altLang="en-US"/>
             </a:p>
           </p:txBody>
         </p:sp>
         <p:sp>
           <p:nvSpPr>
-            <p:cNvPr id="16" name="TextBox 15"/>
-            <p:cNvSpPr txBox="1"/>
-            <p:nvPr/>
-          </p:nvSpPr>
-          <p:spPr>
-            <a:xfrm>
-              <a:off x="1259155" y="3261978"/>
-              <a:ext cx="800100" cy="338554"/>
-            </a:xfrm>
-            <a:prstGeom prst="rect">
-              <a:avLst/>
-            </a:prstGeom>
-            <a:noFill/>
-          </p:spPr>
-          <p:txBody>
-            <a:bodyPr wrap="square" rtlCol="0">
-              <a:spAutoFit/>
-            </a:bodyPr>
-            <a:lstStyle/>
-            <a:p>
-              <a:pPr algn="ctr"/>
-              <a:r>
-                <a:rPr lang="en-US" altLang="ko-KR" sz="1600" dirty="0" smtClean="0">
-                  <a:latin typeface="Times New Roman" panose="02020603050405020304" pitchFamily="18" charset="0"/>
-                  <a:cs typeface="Times New Roman" panose="02020603050405020304" pitchFamily="18" charset="0"/>
-                </a:rPr>
-                <a:t>kernel</a:t>
-              </a:r>
-              <a:endParaRPr lang="ko-KR" altLang="en-US" sz="1600" dirty="0">
-                <a:latin typeface="Times New Roman" panose="02020603050405020304" pitchFamily="18" charset="0"/>
-                <a:cs typeface="Times New Roman" panose="02020603050405020304" pitchFamily="18" charset="0"/>
-              </a:endParaRPr>
-            </a:p>
-          </p:txBody>
-        </p:sp>
-        <p:sp>
-          <p:nvSpPr>
-            <p:cNvPr id="17" name="TextBox 16"/>
-            <p:cNvSpPr txBox="1"/>
-            <p:nvPr/>
-          </p:nvSpPr>
-          <p:spPr>
-            <a:xfrm>
-              <a:off x="1259155" y="1902761"/>
-              <a:ext cx="800100" cy="338554"/>
-            </a:xfrm>
-            <a:prstGeom prst="rect">
-              <a:avLst/>
-            </a:prstGeom>
-            <a:noFill/>
-          </p:spPr>
-          <p:txBody>
-            <a:bodyPr wrap="square" rtlCol="0">
-              <a:spAutoFit/>
-            </a:bodyPr>
-            <a:lstStyle/>
-            <a:p>
-              <a:pPr algn="ctr"/>
-              <a:r>
-                <a:rPr lang="en-US" altLang="ko-KR" sz="1600" dirty="0" smtClean="0">
-                  <a:latin typeface="Times New Roman" panose="02020603050405020304" pitchFamily="18" charset="0"/>
-                  <a:cs typeface="Times New Roman" panose="02020603050405020304" pitchFamily="18" charset="0"/>
-                </a:rPr>
-                <a:t>user</a:t>
-              </a:r>
-              <a:endParaRPr lang="ko-KR" altLang="en-US" sz="1600" dirty="0">
-                <a:latin typeface="Times New Roman" panose="02020603050405020304" pitchFamily="18" charset="0"/>
-                <a:cs typeface="Times New Roman" panose="02020603050405020304" pitchFamily="18" charset="0"/>
-              </a:endParaRPr>
-            </a:p>
-          </p:txBody>
-        </p:sp>
-        <p:sp>
-          <p:nvSpPr>
-            <p:cNvPr id="19" name="TextBox 18"/>
-            <p:cNvSpPr txBox="1"/>
-            <p:nvPr/>
-          </p:nvSpPr>
-          <p:spPr>
-            <a:xfrm>
-              <a:off x="316734" y="5068832"/>
-              <a:ext cx="604826" cy="338554"/>
-            </a:xfrm>
-            <a:prstGeom prst="rect">
-              <a:avLst/>
-            </a:prstGeom>
-            <a:noFill/>
-          </p:spPr>
-          <p:txBody>
-            <a:bodyPr wrap="square" rtlCol="0">
-              <a:spAutoFit/>
-            </a:bodyPr>
-            <a:lstStyle/>
-            <a:p>
-              <a:pPr algn="ctr"/>
-              <a:r>
-                <a:rPr lang="en-US" altLang="ko-KR" sz="1600" dirty="0" smtClean="0">
-                  <a:latin typeface="Times New Roman" panose="02020603050405020304" pitchFamily="18" charset="0"/>
-                  <a:cs typeface="Times New Roman" panose="02020603050405020304" pitchFamily="18" charset="0"/>
-                </a:rPr>
-                <a:t>H/W</a:t>
-              </a:r>
-              <a:endParaRPr lang="ko-KR" altLang="en-US" sz="1600" dirty="0">
-                <a:latin typeface="Times New Roman" panose="02020603050405020304" pitchFamily="18" charset="0"/>
-                <a:cs typeface="Times New Roman" panose="02020603050405020304" pitchFamily="18" charset="0"/>
-              </a:endParaRPr>
-            </a:p>
-          </p:txBody>
-        </p:sp>
-        <p:sp>
-          <p:nvSpPr>
-            <p:cNvPr id="20" name="TextBox 19"/>
-            <p:cNvSpPr txBox="1"/>
-            <p:nvPr/>
-          </p:nvSpPr>
-          <p:spPr>
-            <a:xfrm>
-              <a:off x="316734" y="3168142"/>
-              <a:ext cx="604826" cy="338554"/>
-            </a:xfrm>
-            <a:prstGeom prst="rect">
-              <a:avLst/>
-            </a:prstGeom>
-            <a:noFill/>
-          </p:spPr>
-          <p:txBody>
-            <a:bodyPr wrap="square" rtlCol="0">
-              <a:spAutoFit/>
-            </a:bodyPr>
-            <a:lstStyle/>
-            <a:p>
-              <a:pPr algn="ctr"/>
-              <a:r>
-                <a:rPr lang="en-US" altLang="ko-KR" sz="1600" dirty="0" smtClean="0">
-                  <a:latin typeface="Times New Roman" panose="02020603050405020304" pitchFamily="18" charset="0"/>
-                  <a:cs typeface="Times New Roman" panose="02020603050405020304" pitchFamily="18" charset="0"/>
-                </a:rPr>
-                <a:t>S/W</a:t>
-              </a:r>
-              <a:endParaRPr lang="ko-KR" altLang="en-US" sz="1600" dirty="0">
-                <a:latin typeface="Times New Roman" panose="02020603050405020304" pitchFamily="18" charset="0"/>
-                <a:cs typeface="Times New Roman" panose="02020603050405020304" pitchFamily="18" charset="0"/>
-              </a:endParaRPr>
-            </a:p>
-          </p:txBody>
-        </p:sp>
-        <p:sp>
-          <p:nvSpPr>
-            <p:cNvPr id="21" name="왼쪽 중괄호 20"/>
+            <p:cNvPr id="38" name="직사각형 37"/>
             <p:cNvSpPr/>
             <p:nvPr/>
           </p:nvSpPr>
           <p:spPr>
             <a:xfrm>
-              <a:off x="1020010" y="2053028"/>
-              <a:ext cx="249666" cy="2571683"/>
-            </a:xfrm>
-            <a:prstGeom prst="leftBrace">
-              <a:avLst>
-                <a:gd name="adj1" fmla="val 251325"/>
-                <a:gd name="adj2" fmla="val 50000"/>
-              </a:avLst>
-            </a:prstGeom>
-            <a:ln>
-              <a:solidFill>
-                <a:srgbClr val="C00000"/>
-              </a:solidFill>
-            </a:ln>
-          </p:spPr>
-          <p:style>
-            <a:lnRef idx="1">
-              <a:schemeClr val="dk1"/>
-            </a:lnRef>
-            <a:fillRef idx="0">
-              <a:schemeClr val="dk1"/>
-            </a:fillRef>
-            <a:effectRef idx="0">
-              <a:schemeClr val="dk1"/>
-            </a:effectRef>
-            <a:fontRef idx="minor">
-              <a:schemeClr val="tx1"/>
-            </a:fontRef>
-          </p:style>
-          <p:txBody>
-            <a:bodyPr rtlCol="0" anchor="ctr"/>
-            <a:lstStyle/>
-            <a:p>
-              <a:pPr algn="ctr"/>
-              <a:endParaRPr lang="ko-KR" altLang="en-US">
-                <a:latin typeface="Times New Roman" panose="02020603050405020304" pitchFamily="18" charset="0"/>
-                <a:cs typeface="Times New Roman" panose="02020603050405020304" pitchFamily="18" charset="0"/>
-              </a:endParaRPr>
-            </a:p>
-          </p:txBody>
-        </p:sp>
-        <p:sp>
-          <p:nvSpPr>
-            <p:cNvPr id="22" name="직사각형 21"/>
-            <p:cNvSpPr/>
-            <p:nvPr/>
-          </p:nvSpPr>
-          <p:spPr>
-            <a:xfrm>
-              <a:off x="2064434" y="4903600"/>
-              <a:ext cx="1075638" cy="798073"/>
+              <a:off x="9794114" y="4974382"/>
+              <a:ext cx="446063" cy="326447"/>
             </a:xfrm>
             <a:prstGeom prst="rect">
               <a:avLst/>
             </a:prstGeom>
-            <a:noFill/>
+            <a:solidFill>
+              <a:schemeClr val="accent6">
+                <a:lumMod val="60000"/>
+                <a:lumOff val="40000"/>
+              </a:schemeClr>
+            </a:solidFill>
+            <a:ln>
+              <a:solidFill>
+                <a:schemeClr val="tx1"/>
+              </a:solidFill>
+            </a:ln>
+            <a:scene3d>
+              <a:camera prst="perspectiveRelaxed"/>
+              <a:lightRig rig="threePt" dir="t"/>
+            </a:scene3d>
           </p:spPr>
           <p:style>
             <a:lnRef idx="2">
@@ -4538,41 +5446,38 @@
             <a:lstStyle/>
             <a:p>
               <a:pPr algn="ctr"/>
-              <a:r>
-                <a:rPr lang="en-US" altLang="ko-KR" sz="1400" b="1" dirty="0" smtClean="0">
-                  <a:solidFill>
-                    <a:schemeClr val="tx1"/>
-                  </a:solidFill>
-                  <a:latin typeface="Times New Roman" panose="02020603050405020304" pitchFamily="18" charset="0"/>
-                  <a:cs typeface="Times New Roman" panose="02020603050405020304" pitchFamily="18" charset="0"/>
-                </a:rPr>
-                <a:t>CPU</a:t>
-              </a:r>
-              <a:endParaRPr lang="ko-KR" altLang="en-US" sz="1400" b="1" dirty="0">
-                <a:solidFill>
-                  <a:schemeClr val="tx1"/>
-                </a:solidFill>
-                <a:latin typeface="Times New Roman" panose="02020603050405020304" pitchFamily="18" charset="0"/>
-                <a:cs typeface="Times New Roman" panose="02020603050405020304" pitchFamily="18" charset="0"/>
-              </a:endParaRPr>
+              <a:endParaRPr lang="ko-KR" altLang="en-US"/>
             </a:p>
           </p:txBody>
         </p:sp>
         <p:sp>
           <p:nvSpPr>
-            <p:cNvPr id="23" name="직사각형 22"/>
+            <p:cNvPr id="36" name="직사각형 35"/>
             <p:cNvSpPr/>
             <p:nvPr/>
           </p:nvSpPr>
           <p:spPr>
             <a:xfrm>
-              <a:off x="3359833" y="4903598"/>
-              <a:ext cx="1075638" cy="798073"/>
+              <a:off x="7445960" y="4825844"/>
+              <a:ext cx="879230" cy="537463"/>
             </a:xfrm>
             <a:prstGeom prst="rect">
               <a:avLst/>
             </a:prstGeom>
-            <a:noFill/>
+            <a:solidFill>
+              <a:schemeClr val="bg2">
+                <a:lumMod val="50000"/>
+              </a:schemeClr>
+            </a:solidFill>
+            <a:ln>
+              <a:solidFill>
+                <a:schemeClr val="tx1"/>
+              </a:solidFill>
+            </a:ln>
+            <a:scene3d>
+              <a:camera prst="perspectiveRelaxed"/>
+              <a:lightRig rig="threePt" dir="t"/>
+            </a:scene3d>
           </p:spPr>
           <p:style>
             <a:lnRef idx="2">
@@ -4595,217 +5500,20 @@
             <a:lstStyle/>
             <a:p>
               <a:pPr algn="ctr"/>
-              <a:r>
-                <a:rPr lang="en-US" altLang="ko-KR" sz="1400" b="1" dirty="0" smtClean="0">
-                  <a:solidFill>
-                    <a:schemeClr val="tx1"/>
-                  </a:solidFill>
-                  <a:latin typeface="Times New Roman" panose="02020603050405020304" pitchFamily="18" charset="0"/>
-                  <a:cs typeface="Times New Roman" panose="02020603050405020304" pitchFamily="18" charset="0"/>
-                </a:rPr>
-                <a:t>RAM</a:t>
-              </a:r>
-              <a:endParaRPr lang="ko-KR" altLang="en-US" sz="1400" b="1" dirty="0">
-                <a:solidFill>
-                  <a:schemeClr val="tx1"/>
-                </a:solidFill>
-                <a:latin typeface="Times New Roman" panose="02020603050405020304" pitchFamily="18" charset="0"/>
-                <a:cs typeface="Times New Roman" panose="02020603050405020304" pitchFamily="18" charset="0"/>
-              </a:endParaRPr>
+              <a:endParaRPr lang="ko-KR" altLang="en-US"/>
             </a:p>
           </p:txBody>
         </p:sp>
         <p:sp>
           <p:nvSpPr>
-            <p:cNvPr id="24" name="직사각형 23"/>
-            <p:cNvSpPr/>
-            <p:nvPr/>
-          </p:nvSpPr>
-          <p:spPr>
-            <a:xfrm>
-              <a:off x="4655232" y="4903598"/>
-              <a:ext cx="1075638" cy="798073"/>
-            </a:xfrm>
-            <a:prstGeom prst="rect">
-              <a:avLst/>
-            </a:prstGeom>
-            <a:noFill/>
-          </p:spPr>
-          <p:style>
-            <a:lnRef idx="2">
-              <a:schemeClr val="accent1">
-                <a:shade val="50000"/>
-              </a:schemeClr>
-            </a:lnRef>
-            <a:fillRef idx="1">
-              <a:schemeClr val="accent1"/>
-            </a:fillRef>
-            <a:effectRef idx="0">
-              <a:schemeClr val="accent1"/>
-            </a:effectRef>
-            <a:fontRef idx="minor">
-              <a:schemeClr val="lt1"/>
-            </a:fontRef>
-          </p:style>
-          <p:txBody>
-            <a:bodyPr rtlCol="0" anchor="ctr"/>
-            <a:lstStyle/>
-            <a:p>
-              <a:pPr algn="ctr"/>
-              <a:r>
-                <a:rPr lang="ko-KR" altLang="en-US" sz="1400" b="1" dirty="0" smtClean="0">
-                  <a:solidFill>
-                    <a:schemeClr val="tx1"/>
-                  </a:solidFill>
-                  <a:latin typeface="Times New Roman" panose="02020603050405020304" pitchFamily="18" charset="0"/>
-                  <a:cs typeface="Times New Roman" panose="02020603050405020304" pitchFamily="18" charset="0"/>
-                </a:rPr>
-                <a:t>주변기기</a:t>
-              </a:r>
-              <a:endParaRPr lang="ko-KR" altLang="en-US" sz="1400" b="1" dirty="0">
-                <a:solidFill>
-                  <a:schemeClr val="tx1"/>
-                </a:solidFill>
-                <a:latin typeface="Times New Roman" panose="02020603050405020304" pitchFamily="18" charset="0"/>
-                <a:cs typeface="Times New Roman" panose="02020603050405020304" pitchFamily="18" charset="0"/>
-              </a:endParaRPr>
-            </a:p>
-          </p:txBody>
-        </p:sp>
-        <p:sp>
-          <p:nvSpPr>
-            <p:cNvPr id="25" name="타원 24"/>
-            <p:cNvSpPr/>
-            <p:nvPr/>
-          </p:nvSpPr>
-          <p:spPr>
-            <a:xfrm>
-              <a:off x="2703727" y="2949843"/>
-              <a:ext cx="727101" cy="259351"/>
-            </a:xfrm>
-            <a:prstGeom prst="ellipse">
-              <a:avLst/>
-            </a:prstGeom>
-            <a:noFill/>
-            <a:ln>
-              <a:solidFill>
-                <a:srgbClr val="C00000"/>
-              </a:solidFill>
-            </a:ln>
-          </p:spPr>
-          <p:style>
-            <a:lnRef idx="2">
-              <a:schemeClr val="accent1">
-                <a:shade val="50000"/>
-              </a:schemeClr>
-            </a:lnRef>
-            <a:fillRef idx="1">
-              <a:schemeClr val="accent1"/>
-            </a:fillRef>
-            <a:effectRef idx="0">
-              <a:schemeClr val="accent1"/>
-            </a:effectRef>
-            <a:fontRef idx="minor">
-              <a:schemeClr val="lt1"/>
-            </a:fontRef>
-          </p:style>
-          <p:txBody>
-            <a:bodyPr rtlCol="0" anchor="ctr"/>
-            <a:lstStyle/>
-            <a:p>
-              <a:pPr algn="ctr"/>
-              <a:r>
-                <a:rPr lang="en-US" altLang="ko-KR" sz="1400" dirty="0" smtClean="0">
-                  <a:solidFill>
-                    <a:srgbClr val="C00000"/>
-                  </a:solidFill>
-                  <a:latin typeface="Times New Roman" panose="02020603050405020304" pitchFamily="18" charset="0"/>
-                  <a:cs typeface="Times New Roman" panose="02020603050405020304" pitchFamily="18" charset="0"/>
-                </a:rPr>
-                <a:t>File</a:t>
-              </a:r>
-              <a:endParaRPr lang="ko-KR" altLang="en-US" sz="1400" dirty="0">
-                <a:solidFill>
-                  <a:srgbClr val="C00000"/>
-                </a:solidFill>
-                <a:latin typeface="Times New Roman" panose="02020603050405020304" pitchFamily="18" charset="0"/>
-                <a:cs typeface="Times New Roman" panose="02020603050405020304" pitchFamily="18" charset="0"/>
-              </a:endParaRPr>
-            </a:p>
-          </p:txBody>
-        </p:sp>
-        <p:sp>
-          <p:nvSpPr>
-            <p:cNvPr id="26" name="타원 25"/>
-            <p:cNvSpPr/>
-            <p:nvPr/>
-          </p:nvSpPr>
-          <p:spPr>
-            <a:xfrm>
-              <a:off x="4368675" y="2953195"/>
-              <a:ext cx="727101" cy="259351"/>
-            </a:xfrm>
-            <a:prstGeom prst="ellipse">
-              <a:avLst/>
-            </a:prstGeom>
-            <a:noFill/>
-            <a:ln>
-              <a:solidFill>
-                <a:srgbClr val="C00000"/>
-              </a:solidFill>
-            </a:ln>
-          </p:spPr>
-          <p:style>
-            <a:lnRef idx="2">
-              <a:schemeClr val="accent1">
-                <a:shade val="50000"/>
-              </a:schemeClr>
-            </a:lnRef>
-            <a:fillRef idx="1">
-              <a:schemeClr val="accent1"/>
-            </a:fillRef>
-            <a:effectRef idx="0">
-              <a:schemeClr val="accent1"/>
-            </a:effectRef>
-            <a:fontRef idx="minor">
-              <a:schemeClr val="lt1"/>
-            </a:fontRef>
-          </p:style>
-          <p:txBody>
-            <a:bodyPr rtlCol="0" anchor="ctr"/>
-            <a:lstStyle/>
-            <a:p>
-              <a:pPr algn="ctr"/>
-              <a:r>
-                <a:rPr lang="en-US" altLang="ko-KR" sz="1400" dirty="0" smtClean="0">
-                  <a:solidFill>
-                    <a:srgbClr val="C00000"/>
-                  </a:solidFill>
-                  <a:latin typeface="Times New Roman" panose="02020603050405020304" pitchFamily="18" charset="0"/>
-                  <a:cs typeface="Times New Roman" panose="02020603050405020304" pitchFamily="18" charset="0"/>
-                </a:rPr>
-                <a:t>File</a:t>
-              </a:r>
-              <a:endParaRPr lang="ko-KR" altLang="en-US" sz="1400" dirty="0">
-                <a:solidFill>
-                  <a:srgbClr val="C00000"/>
-                </a:solidFill>
-                <a:latin typeface="Times New Roman" panose="02020603050405020304" pitchFamily="18" charset="0"/>
-                <a:cs typeface="Times New Roman" panose="02020603050405020304" pitchFamily="18" charset="0"/>
-              </a:endParaRPr>
-            </a:p>
-          </p:txBody>
-        </p:sp>
-        <p:sp>
-          <p:nvSpPr>
-            <p:cNvPr id="27" name="TextBox 26"/>
+            <p:cNvPr id="40" name="TextBox 39"/>
             <p:cNvSpPr txBox="1"/>
             <p:nvPr/>
           </p:nvSpPr>
           <p:spPr>
             <a:xfrm>
-              <a:off x="666162" y="1311894"/>
-              <a:ext cx="1213635" cy="307777"/>
+              <a:off x="7455759" y="5603070"/>
+              <a:ext cx="923397" cy="276999"/>
             </a:xfrm>
             <a:prstGeom prst="rect">
               <a:avLst/>
@@ -4819,68 +5527,13 @@
             <a:lstStyle/>
             <a:p>
               <a:r>
-                <a:rPr lang="en-US" altLang="ko-KR" sz="1400" b="1" dirty="0" smtClean="0"/>
-                <a:t>Layer</a:t>
-              </a:r>
-              <a:r>
-                <a:rPr lang="ko-KR" altLang="en-US" sz="1400" b="1" dirty="0" smtClean="0"/>
-                <a:t> 관점</a:t>
-              </a:r>
-              <a:endParaRPr lang="ko-KR" altLang="en-US" sz="1400" b="1" dirty="0"/>
-            </a:p>
-          </p:txBody>
-        </p:sp>
-        <p:sp>
-          <p:nvSpPr>
-            <p:cNvPr id="28" name="직사각형 27"/>
-            <p:cNvSpPr/>
-            <p:nvPr/>
-          </p:nvSpPr>
-          <p:spPr>
-            <a:xfrm>
-              <a:off x="2024398" y="4443467"/>
-              <a:ext cx="3666436" cy="257908"/>
-            </a:xfrm>
-            <a:prstGeom prst="rect">
-              <a:avLst/>
-            </a:prstGeom>
-            <a:noFill/>
-          </p:spPr>
-          <p:style>
-            <a:lnRef idx="2">
-              <a:schemeClr val="accent1">
-                <a:shade val="50000"/>
-              </a:schemeClr>
-            </a:lnRef>
-            <a:fillRef idx="1">
-              <a:schemeClr val="accent1"/>
-            </a:fillRef>
-            <a:effectRef idx="0">
-              <a:schemeClr val="accent1"/>
-            </a:effectRef>
-            <a:fontRef idx="minor">
-              <a:schemeClr val="lt1"/>
-            </a:fontRef>
-          </p:style>
-          <p:txBody>
-            <a:bodyPr rtlCol="0" anchor="ctr"/>
-            <a:lstStyle/>
-            <a:p>
-              <a:pPr algn="ctr"/>
-              <a:r>
                 <a:rPr lang="en-US" altLang="ko-KR" sz="1200" b="1" dirty="0" smtClean="0">
-                  <a:solidFill>
-                    <a:srgbClr val="C00000"/>
-                  </a:solidFill>
                   <a:latin typeface="Times New Roman" panose="02020603050405020304" pitchFamily="18" charset="0"/>
                   <a:cs typeface="Times New Roman" panose="02020603050405020304" pitchFamily="18" charset="0"/>
                 </a:rPr>
-                <a:t>Device Driver</a:t>
+                <a:t>OS Process</a:t>
               </a:r>
               <a:endParaRPr lang="ko-KR" altLang="en-US" sz="1200" b="1" dirty="0">
-                <a:solidFill>
-                  <a:srgbClr val="C00000"/>
-                </a:solidFill>
                 <a:latin typeface="Times New Roman" panose="02020603050405020304" pitchFamily="18" charset="0"/>
                 <a:cs typeface="Times New Roman" panose="02020603050405020304" pitchFamily="18" charset="0"/>
               </a:endParaRPr>
@@ -4889,73 +5542,92 @@
         </p:sp>
         <p:sp>
           <p:nvSpPr>
-            <p:cNvPr id="29" name="직사각형 28"/>
-            <p:cNvSpPr/>
+            <p:cNvPr id="42" name="TextBox 41"/>
+            <p:cNvSpPr txBox="1"/>
             <p:nvPr/>
           </p:nvSpPr>
           <p:spPr>
             <a:xfrm>
-              <a:off x="2208721" y="3217986"/>
-              <a:ext cx="3243505" cy="984737"/>
+              <a:off x="8909368" y="5541622"/>
+              <a:ext cx="683852" cy="461665"/>
             </a:xfrm>
             <a:prstGeom prst="rect">
               <a:avLst/>
             </a:prstGeom>
             <a:noFill/>
-            <a:ln>
-              <a:solidFill>
-                <a:schemeClr val="tx1"/>
-              </a:solidFill>
-            </a:ln>
           </p:spPr>
-          <p:style>
-            <a:lnRef idx="2">
-              <a:schemeClr val="accent1">
-                <a:shade val="50000"/>
-              </a:schemeClr>
-            </a:lnRef>
-            <a:fillRef idx="1">
-              <a:schemeClr val="accent1"/>
-            </a:fillRef>
-            <a:effectRef idx="0">
-              <a:schemeClr val="accent1"/>
-            </a:effectRef>
-            <a:fontRef idx="minor">
-              <a:schemeClr val="lt1"/>
-            </a:fontRef>
-          </p:style>
           <p:txBody>
-            <a:bodyPr rtlCol="0" anchor="ctr"/>
+            <a:bodyPr wrap="square" rtlCol="0">
+              <a:spAutoFit/>
+            </a:bodyPr>
             <a:lstStyle/>
             <a:p>
               <a:pPr algn="ctr"/>
               <a:r>
-                <a:rPr lang="en-US" altLang="ko-KR" sz="1400" b="1" dirty="0" smtClean="0">
-                  <a:solidFill>
-                    <a:schemeClr val="tx1"/>
-                  </a:solidFill>
+                <a:rPr lang="en-US" altLang="ko-KR" sz="1200" b="1" dirty="0" smtClean="0">
                   <a:latin typeface="Times New Roman" panose="02020603050405020304" pitchFamily="18" charset="0"/>
                   <a:cs typeface="Times New Roman" panose="02020603050405020304" pitchFamily="18" charset="0"/>
                 </a:rPr>
-                <a:t>OS Logic </a:t>
+                <a:t>App1 </a:t>
               </a:r>
             </a:p>
             <a:p>
               <a:pPr algn="ctr"/>
               <a:r>
-                <a:rPr lang="en-US" altLang="ko-KR" sz="1400" b="1" dirty="0" smtClean="0">
-                  <a:solidFill>
-                    <a:schemeClr val="tx1"/>
-                  </a:solidFill>
+                <a:rPr lang="en-US" altLang="ko-KR" sz="1200" b="1" dirty="0" smtClean="0">
                   <a:latin typeface="Times New Roman" panose="02020603050405020304" pitchFamily="18" charset="0"/>
                   <a:cs typeface="Times New Roman" panose="02020603050405020304" pitchFamily="18" charset="0"/>
                 </a:rPr>
-                <a:t>(Including System Call)</a:t>
+                <a:t>Process</a:t>
               </a:r>
-              <a:endParaRPr lang="ko-KR" altLang="en-US" sz="1400" b="1" dirty="0">
-                <a:solidFill>
-                  <a:schemeClr val="tx1"/>
-                </a:solidFill>
+              <a:endParaRPr lang="ko-KR" altLang="en-US" sz="1200" b="1" dirty="0">
+                <a:latin typeface="Times New Roman" panose="02020603050405020304" pitchFamily="18" charset="0"/>
+                <a:cs typeface="Times New Roman" panose="02020603050405020304" pitchFamily="18" charset="0"/>
+              </a:endParaRPr>
+            </a:p>
+          </p:txBody>
+        </p:sp>
+        <p:sp>
+          <p:nvSpPr>
+            <p:cNvPr id="43" name="TextBox 42"/>
+            <p:cNvSpPr txBox="1"/>
+            <p:nvPr/>
+          </p:nvSpPr>
+          <p:spPr>
+            <a:xfrm>
+              <a:off x="9699362" y="5541622"/>
+              <a:ext cx="683852" cy="461665"/>
+            </a:xfrm>
+            <a:prstGeom prst="rect">
+              <a:avLst/>
+            </a:prstGeom>
+            <a:noFill/>
+          </p:spPr>
+          <p:txBody>
+            <a:bodyPr wrap="square" rtlCol="0">
+              <a:spAutoFit/>
+            </a:bodyPr>
+            <a:lstStyle/>
+            <a:p>
+              <a:pPr algn="ctr"/>
+              <a:r>
+                <a:rPr lang="en-US" altLang="ko-KR" sz="1200" b="1" dirty="0" smtClean="0">
+                  <a:latin typeface="Times New Roman" panose="02020603050405020304" pitchFamily="18" charset="0"/>
+                  <a:cs typeface="Times New Roman" panose="02020603050405020304" pitchFamily="18" charset="0"/>
+                </a:rPr>
+                <a:t>App2 </a:t>
+              </a:r>
+            </a:p>
+            <a:p>
+              <a:pPr algn="ctr"/>
+              <a:r>
+                <a:rPr lang="en-US" altLang="ko-KR" sz="1200" b="1" dirty="0" smtClean="0">
+                  <a:latin typeface="Times New Roman" panose="02020603050405020304" pitchFamily="18" charset="0"/>
+                  <a:cs typeface="Times New Roman" panose="02020603050405020304" pitchFamily="18" charset="0"/>
+                </a:rPr>
+                <a:t>Process</a:t>
+              </a:r>
+              <a:endParaRPr lang="ko-KR" altLang="en-US" sz="1200" b="1" dirty="0">
                 <a:latin typeface="Times New Roman" panose="02020603050405020304" pitchFamily="18" charset="0"/>
                 <a:cs typeface="Times New Roman" panose="02020603050405020304" pitchFamily="18" charset="0"/>
               </a:endParaRPr>
@@ -4963,6 +5635,302 @@
           </p:txBody>
         </p:sp>
       </p:grpSp>
+      <p:sp>
+        <p:nvSpPr>
+          <p:cNvPr id="47" name="TextBox 46"/>
+          <p:cNvSpPr txBox="1"/>
+          <p:nvPr/>
+        </p:nvSpPr>
+        <p:spPr>
+          <a:xfrm>
+            <a:off x="9516795" y="3492607"/>
+            <a:ext cx="549622" cy="276999"/>
+          </a:xfrm>
+          <a:prstGeom prst="rect">
+            <a:avLst/>
+          </a:prstGeom>
+          <a:noFill/>
+          <a:scene3d>
+            <a:camera prst="isometricOffAxis2Left"/>
+            <a:lightRig rig="threePt" dir="t"/>
+          </a:scene3d>
+        </p:spPr>
+        <p:txBody>
+          <a:bodyPr wrap="square" rtlCol="0">
+            <a:spAutoFit/>
+          </a:bodyPr>
+          <a:lstStyle/>
+          <a:p>
+            <a:pPr algn="ctr"/>
+            <a:r>
+              <a:rPr lang="en-US" altLang="ko-KR" sz="1200" b="1" dirty="0" smtClean="0">
+                <a:latin typeface="Times New Roman" panose="02020603050405020304" pitchFamily="18" charset="0"/>
+                <a:cs typeface="Times New Roman" panose="02020603050405020304" pitchFamily="18" charset="0"/>
+              </a:rPr>
+              <a:t>CPU</a:t>
+            </a:r>
+          </a:p>
+        </p:txBody>
+      </p:sp>
+      <p:pic>
+        <p:nvPicPr>
+          <p:cNvPr id="49" name="그림 48"/>
+          <p:cNvPicPr>
+            <a:picLocks noChangeAspect="1"/>
+          </p:cNvPicPr>
+          <p:nvPr/>
+        </p:nvPicPr>
+        <p:blipFill>
+          <a:blip r:embed="rId2">
+            <a:extLst>
+              <a:ext uri="{28A0092B-C50C-407E-A947-70E740481C1C}">
+                <a14:useLocalDpi xmlns:a14="http://schemas.microsoft.com/office/drawing/2010/main" val="0"/>
+              </a:ext>
+            </a:extLst>
+          </a:blip>
+          <a:stretch>
+            <a:fillRect/>
+          </a:stretch>
+        </p:blipFill>
+        <p:spPr>
+          <a:xfrm>
+            <a:off x="8790309" y="3576970"/>
+            <a:ext cx="912901" cy="929605"/>
+          </a:xfrm>
+          <a:prstGeom prst="rect">
+            <a:avLst/>
+          </a:prstGeom>
+          <a:scene3d>
+            <a:camera prst="perspectiveRelaxed"/>
+            <a:lightRig rig="threePt" dir="t"/>
+          </a:scene3d>
+        </p:spPr>
+      </p:pic>
+      <p:sp>
+        <p:nvSpPr>
+          <p:cNvPr id="51" name="TextBox 50"/>
+          <p:cNvSpPr txBox="1"/>
+          <p:nvPr/>
+        </p:nvSpPr>
+        <p:spPr>
+          <a:xfrm>
+            <a:off x="6655777" y="2690446"/>
+            <a:ext cx="5291239" cy="461665"/>
+          </a:xfrm>
+          <a:prstGeom prst="rect">
+            <a:avLst/>
+          </a:prstGeom>
+          <a:noFill/>
+        </p:spPr>
+        <p:txBody>
+          <a:bodyPr wrap="square" rtlCol="0">
+            <a:spAutoFit/>
+          </a:bodyPr>
+          <a:lstStyle/>
+          <a:p>
+            <a:r>
+              <a:rPr lang="en-US" altLang="ko-KR" sz="1200" dirty="0" smtClean="0"/>
+              <a:t> Layer</a:t>
+            </a:r>
+            <a:r>
+              <a:rPr lang="ko-KR" altLang="en-US" sz="1200" dirty="0" smtClean="0"/>
+              <a:t>는 논리적인 </a:t>
+            </a:r>
+            <a:r>
+              <a:rPr lang="ko-KR" altLang="en-US" sz="1200" dirty="0" err="1" smtClean="0"/>
+              <a:t>개념일뿐</a:t>
+            </a:r>
+            <a:r>
+              <a:rPr lang="en-US" altLang="ko-KR" sz="1200" dirty="0" smtClean="0"/>
+              <a:t>, </a:t>
+            </a:r>
+            <a:r>
+              <a:rPr lang="ko-KR" altLang="en-US" sz="1200" dirty="0" smtClean="0"/>
+              <a:t>하드웨어 입장에서는 </a:t>
+            </a:r>
+            <a:r>
+              <a:rPr lang="en-US" altLang="ko-KR" sz="1200" dirty="0" smtClean="0"/>
+              <a:t>kernel</a:t>
+            </a:r>
+            <a:r>
+              <a:rPr lang="ko-KR" altLang="en-US" sz="1200" dirty="0" smtClean="0"/>
+              <a:t>영역이나 </a:t>
+            </a:r>
+            <a:r>
+              <a:rPr lang="en-US" altLang="ko-KR" sz="1200" dirty="0" smtClean="0"/>
+              <a:t>User</a:t>
+            </a:r>
+            <a:r>
+              <a:rPr lang="ko-KR" altLang="en-US" sz="1200" dirty="0" smtClean="0"/>
+              <a:t>영역이나 평등하다</a:t>
+            </a:r>
+            <a:r>
+              <a:rPr lang="en-US" altLang="ko-KR" sz="1200" dirty="0" smtClean="0"/>
+              <a:t>. CPU</a:t>
+            </a:r>
+            <a:r>
+              <a:rPr lang="ko-KR" altLang="en-US" sz="1200" dirty="0" smtClean="0"/>
+              <a:t>가 읽어서 수행해야하는 </a:t>
+            </a:r>
+            <a:r>
+              <a:rPr lang="en-US" altLang="ko-KR" sz="1200" dirty="0" smtClean="0"/>
+              <a:t>Process</a:t>
+            </a:r>
+            <a:r>
+              <a:rPr lang="ko-KR" altLang="en-US" sz="1200" dirty="0" smtClean="0"/>
+              <a:t>일뿐이다</a:t>
+            </a:r>
+            <a:r>
+              <a:rPr lang="en-US" altLang="ko-KR" sz="1200" dirty="0" smtClean="0"/>
+              <a:t>.</a:t>
+            </a:r>
+            <a:endParaRPr lang="ko-KR" altLang="en-US" sz="1200" dirty="0"/>
+          </a:p>
+        </p:txBody>
+      </p:sp>
+      <p:cxnSp>
+        <p:nvCxnSpPr>
+          <p:cNvPr id="53" name="꺾인 연결선 52"/>
+          <p:cNvCxnSpPr>
+            <a:endCxn id="37" idx="0"/>
+          </p:cNvCxnSpPr>
+          <p:nvPr/>
+        </p:nvCxnSpPr>
+        <p:spPr>
+          <a:xfrm rot="16200000" flipH="1">
+            <a:off x="9034467" y="4452933"/>
+            <a:ext cx="971708" cy="365780"/>
+          </a:xfrm>
+          <a:prstGeom prst="bentConnector3">
+            <a:avLst>
+              <a:gd name="adj1" fmla="val 27379"/>
+            </a:avLst>
+          </a:prstGeom>
+          <a:ln>
+            <a:tailEnd type="triangle"/>
+          </a:ln>
+        </p:spPr>
+        <p:style>
+          <a:lnRef idx="1">
+            <a:schemeClr val="dk1"/>
+          </a:lnRef>
+          <a:fillRef idx="0">
+            <a:schemeClr val="dk1"/>
+          </a:fillRef>
+          <a:effectRef idx="0">
+            <a:schemeClr val="dk1"/>
+          </a:effectRef>
+          <a:fontRef idx="minor">
+            <a:schemeClr val="tx1"/>
+          </a:fontRef>
+        </p:style>
+      </p:cxnSp>
+      <p:sp>
+        <p:nvSpPr>
+          <p:cNvPr id="55" name="TextBox 54"/>
+          <p:cNvSpPr txBox="1"/>
+          <p:nvPr/>
+        </p:nvSpPr>
+        <p:spPr>
+          <a:xfrm>
+            <a:off x="8844194" y="4524825"/>
+            <a:ext cx="1547721" cy="261610"/>
+          </a:xfrm>
+          <a:prstGeom prst="rect">
+            <a:avLst/>
+          </a:prstGeom>
+          <a:noFill/>
+        </p:spPr>
+        <p:txBody>
+          <a:bodyPr wrap="square" rtlCol="0">
+            <a:spAutoFit/>
+          </a:bodyPr>
+          <a:lstStyle/>
+          <a:p>
+            <a:pPr algn="ctr"/>
+            <a:r>
+              <a:rPr lang="ko-KR" altLang="en-US" sz="1050" b="1" dirty="0" smtClean="0"/>
+              <a:t>수행 </a:t>
+            </a:r>
+            <a:r>
+              <a:rPr lang="en-US" altLang="ko-KR" sz="1050" b="1" dirty="0" smtClean="0"/>
+              <a:t>(User Mode)</a:t>
+            </a:r>
+            <a:endParaRPr lang="ko-KR" altLang="en-US" sz="1050" b="1" dirty="0"/>
+          </a:p>
+        </p:txBody>
+      </p:sp>
+      <p:cxnSp>
+        <p:nvCxnSpPr>
+          <p:cNvPr id="56" name="꺾인 연결선 55"/>
+          <p:cNvCxnSpPr>
+            <a:stCxn id="49" idx="1"/>
+            <a:endCxn id="36" idx="0"/>
+          </p:cNvCxnSpPr>
+          <p:nvPr/>
+        </p:nvCxnSpPr>
+        <p:spPr>
+          <a:xfrm rot="10800000" flipV="1">
+            <a:off x="8386737" y="4041772"/>
+            <a:ext cx="403572" cy="922571"/>
+          </a:xfrm>
+          <a:prstGeom prst="bentConnector2">
+            <a:avLst/>
+          </a:prstGeom>
+          <a:ln>
+            <a:tailEnd type="triangle"/>
+          </a:ln>
+        </p:spPr>
+        <p:style>
+          <a:lnRef idx="1">
+            <a:schemeClr val="dk1"/>
+          </a:lnRef>
+          <a:fillRef idx="0">
+            <a:schemeClr val="dk1"/>
+          </a:fillRef>
+          <a:effectRef idx="0">
+            <a:schemeClr val="dk1"/>
+          </a:effectRef>
+          <a:fontRef idx="minor">
+            <a:schemeClr val="tx1"/>
+          </a:fontRef>
+        </p:style>
+      </p:cxnSp>
+      <p:sp>
+        <p:nvSpPr>
+          <p:cNvPr id="59" name="TextBox 58"/>
+          <p:cNvSpPr txBox="1"/>
+          <p:nvPr/>
+        </p:nvSpPr>
+        <p:spPr>
+          <a:xfrm>
+            <a:off x="7612876" y="4305513"/>
+            <a:ext cx="1547721" cy="261610"/>
+          </a:xfrm>
+          <a:prstGeom prst="rect">
+            <a:avLst/>
+          </a:prstGeom>
+          <a:noFill/>
+        </p:spPr>
+        <p:txBody>
+          <a:bodyPr wrap="square" rtlCol="0">
+            <a:spAutoFit/>
+          </a:bodyPr>
+          <a:lstStyle/>
+          <a:p>
+            <a:pPr algn="ctr"/>
+            <a:r>
+              <a:rPr lang="ko-KR" altLang="en-US" sz="1050" b="1" dirty="0" smtClean="0"/>
+              <a:t>수행 </a:t>
+            </a:r>
+            <a:r>
+              <a:rPr lang="en-US" altLang="ko-KR" sz="1050" b="1" dirty="0" smtClean="0"/>
+              <a:t>(Kernel Mode)</a:t>
+            </a:r>
+            <a:endParaRPr lang="ko-KR" altLang="en-US" sz="1050" b="1" dirty="0"/>
+          </a:p>
+        </p:txBody>
+      </p:sp>
     </p:spTree>
     <p:extLst>
       <p:ext uri="{BB962C8B-B14F-4D97-AF65-F5344CB8AC3E}">
@@ -4993,238 +5961,10 @@
           <a:chExt cx="0" cy="0"/>
         </a:xfrm>
       </p:grpSpPr>
-      <p:sp>
-        <p:nvSpPr>
-          <p:cNvPr id="4" name="TextBox 3">
-            <a:extLst>
-              <a:ext uri="{FF2B5EF4-FFF2-40B4-BE49-F238E27FC236}">
-                <a16:creationId xmlns:a16="http://schemas.microsoft.com/office/drawing/2014/main" id="{EE9C3533-8810-ACFC-A6FF-9BAE46AFD159}"/>
-              </a:ext>
-            </a:extLst>
-          </p:cNvPr>
-          <p:cNvSpPr txBox="1"/>
-          <p:nvPr/>
-        </p:nvSpPr>
-        <p:spPr>
-          <a:xfrm>
-            <a:off x="485421" y="262305"/>
-            <a:ext cx="9358489" cy="369332"/>
-          </a:xfrm>
-          <a:prstGeom prst="rect">
-            <a:avLst/>
-          </a:prstGeom>
-          <a:noFill/>
-        </p:spPr>
-        <p:txBody>
-          <a:bodyPr wrap="square" rtlCol="0">
-            <a:spAutoFit/>
-          </a:bodyPr>
-          <a:lstStyle/>
-          <a:p>
-            <a:r>
-              <a:rPr kumimoji="1" lang="en-US" altLang="ko-KR" dirty="0" smtClean="0"/>
-              <a:t>Q2) </a:t>
-            </a:r>
-            <a:r>
-              <a:rPr kumimoji="1" lang="en-US" altLang="ko-KR" dirty="0"/>
-              <a:t>System Call</a:t>
-            </a:r>
-            <a:r>
-              <a:rPr kumimoji="1" lang="ko-KR" altLang="en-US" dirty="0"/>
-              <a:t>과 </a:t>
-            </a:r>
-            <a:r>
-              <a:rPr kumimoji="1" lang="en-US" altLang="ko-KR" dirty="0"/>
-              <a:t>Interrupt</a:t>
-            </a:r>
-            <a:r>
-              <a:rPr kumimoji="1" lang="ko-KR" altLang="en-US" dirty="0"/>
-              <a:t>에 대해서 도식화하고 </a:t>
-            </a:r>
-            <a:r>
-              <a:rPr kumimoji="1" lang="ko-KR" altLang="en-US" dirty="0" err="1"/>
-              <a:t>설명해보시오</a:t>
-            </a:r>
-            <a:r>
-              <a:rPr kumimoji="1" lang="en-US" altLang="ko-KR" dirty="0"/>
-              <a:t>.</a:t>
-            </a:r>
-            <a:endParaRPr kumimoji="1" lang="ko-KR" altLang="en-US" dirty="0"/>
-          </a:p>
-        </p:txBody>
-      </p:sp>
-      <p:sp>
-        <p:nvSpPr>
-          <p:cNvPr id="5" name="TextBox 4">
-            <a:extLst>
-              <a:ext uri="{FF2B5EF4-FFF2-40B4-BE49-F238E27FC236}">
-                <a16:creationId xmlns:a16="http://schemas.microsoft.com/office/drawing/2014/main" id="{67509D4B-5268-C2B9-6003-6A001E9B31CA}"/>
-              </a:ext>
-            </a:extLst>
-          </p:cNvPr>
-          <p:cNvSpPr txBox="1"/>
-          <p:nvPr/>
-        </p:nvSpPr>
-        <p:spPr>
-          <a:xfrm>
-            <a:off x="711201" y="1032506"/>
-            <a:ext cx="6129866" cy="338554"/>
-          </a:xfrm>
-          <a:prstGeom prst="rect">
-            <a:avLst/>
-          </a:prstGeom>
-          <a:noFill/>
-        </p:spPr>
-        <p:txBody>
-          <a:bodyPr wrap="square" rtlCol="0">
-            <a:spAutoFit/>
-          </a:bodyPr>
-          <a:lstStyle/>
-          <a:p>
-            <a:r>
-              <a:rPr kumimoji="1" lang="en-US" altLang="ko-KR" sz="1600" dirty="0" smtClean="0"/>
-              <a:t>Q2.1</a:t>
-            </a:r>
-            <a:r>
-              <a:rPr kumimoji="1" lang="en-US" altLang="ko-KR" sz="1600" dirty="0"/>
-              <a:t>) </a:t>
-            </a:r>
-            <a:r>
-              <a:rPr kumimoji="1" lang="ko-KR" altLang="en-US" sz="1600" dirty="0" err="1"/>
-              <a:t>과정중</a:t>
-            </a:r>
-            <a:r>
-              <a:rPr kumimoji="1" lang="ko-KR" altLang="en-US" sz="1600" dirty="0"/>
-              <a:t> </a:t>
-            </a:r>
-            <a:r>
-              <a:rPr kumimoji="1" lang="en-US" altLang="ko-KR" sz="1600" dirty="0"/>
-              <a:t>Context Switching</a:t>
-            </a:r>
-            <a:r>
-              <a:rPr kumimoji="1" lang="ko-KR" altLang="en-US" sz="1600" dirty="0"/>
-              <a:t>에 대해서 설명해 </a:t>
-            </a:r>
-            <a:r>
-              <a:rPr kumimoji="1" lang="ko-KR" altLang="en-US" sz="1600" dirty="0" err="1"/>
-              <a:t>보시오</a:t>
-            </a:r>
-            <a:r>
-              <a:rPr kumimoji="1" lang="en-US" altLang="ko-KR" sz="1600" dirty="0"/>
-              <a:t>.</a:t>
-            </a:r>
-            <a:endParaRPr kumimoji="1" lang="ko-KR" altLang="en-US" sz="1600" dirty="0"/>
-          </a:p>
-        </p:txBody>
-      </p:sp>
-      <p:sp>
-        <p:nvSpPr>
-          <p:cNvPr id="6" name="TextBox 5">
-            <a:extLst>
-              <a:ext uri="{FF2B5EF4-FFF2-40B4-BE49-F238E27FC236}">
-                <a16:creationId xmlns:a16="http://schemas.microsoft.com/office/drawing/2014/main" id="{A3C0FC09-EB60-75A2-5C4D-A1A7CEE00D86}"/>
-              </a:ext>
-            </a:extLst>
-          </p:cNvPr>
-          <p:cNvSpPr txBox="1"/>
-          <p:nvPr/>
-        </p:nvSpPr>
-        <p:spPr>
-          <a:xfrm>
-            <a:off x="711201" y="1771929"/>
-            <a:ext cx="6129866" cy="338554"/>
-          </a:xfrm>
-          <a:prstGeom prst="rect">
-            <a:avLst/>
-          </a:prstGeom>
-          <a:noFill/>
-        </p:spPr>
-        <p:txBody>
-          <a:bodyPr wrap="square" rtlCol="0">
-            <a:spAutoFit/>
-          </a:bodyPr>
-          <a:lstStyle/>
-          <a:p>
-            <a:r>
-              <a:rPr kumimoji="1" lang="en-US" altLang="ko-KR" sz="1600" dirty="0" smtClean="0"/>
-              <a:t>Q2.2</a:t>
-            </a:r>
-            <a:r>
-              <a:rPr kumimoji="1" lang="en-US" altLang="ko-KR" sz="1600" dirty="0"/>
-              <a:t>) Interrupt</a:t>
-            </a:r>
-            <a:r>
-              <a:rPr kumimoji="1" lang="ko-KR" altLang="en-US" sz="1600" dirty="0" err="1"/>
-              <a:t>를</a:t>
-            </a:r>
-            <a:r>
-              <a:rPr kumimoji="1" lang="ko-KR" altLang="en-US" sz="1600" dirty="0"/>
-              <a:t> 거는 주체가 누구인지에 대해 </a:t>
-            </a:r>
-            <a:r>
-              <a:rPr kumimoji="1" lang="ko-KR" altLang="en-US" sz="1600" dirty="0" err="1"/>
-              <a:t>설명해보시오</a:t>
-            </a:r>
-            <a:endParaRPr kumimoji="1" lang="ko-KR" altLang="en-US" sz="1600" dirty="0"/>
-          </a:p>
-        </p:txBody>
-      </p:sp>
-      <p:sp>
-        <p:nvSpPr>
-          <p:cNvPr id="7" name="TextBox 6">
-            <a:extLst>
-              <a:ext uri="{FF2B5EF4-FFF2-40B4-BE49-F238E27FC236}">
-                <a16:creationId xmlns:a16="http://schemas.microsoft.com/office/drawing/2014/main" id="{0259870D-FCFD-2368-939D-756524720F4A}"/>
-              </a:ext>
-            </a:extLst>
-          </p:cNvPr>
-          <p:cNvSpPr txBox="1"/>
-          <p:nvPr/>
-        </p:nvSpPr>
-        <p:spPr>
-          <a:xfrm>
-            <a:off x="485421" y="3461890"/>
-            <a:ext cx="9358489" cy="369332"/>
-          </a:xfrm>
-          <a:prstGeom prst="rect">
-            <a:avLst/>
-          </a:prstGeom>
-          <a:noFill/>
-        </p:spPr>
-        <p:txBody>
-          <a:bodyPr wrap="square" rtlCol="0">
-            <a:spAutoFit/>
-          </a:bodyPr>
-          <a:lstStyle/>
-          <a:p>
-            <a:r>
-              <a:rPr kumimoji="1" lang="en-US" altLang="ko-KR" dirty="0" smtClean="0"/>
-              <a:t>Q3) </a:t>
-            </a:r>
-            <a:r>
-              <a:rPr kumimoji="1" lang="en-US" altLang="ko-KR" dirty="0"/>
-              <a:t>Blocking / Non-Blocking I/O</a:t>
-            </a:r>
-            <a:r>
-              <a:rPr kumimoji="1" lang="ko-KR" altLang="en-US" dirty="0"/>
-              <a:t>에 대해서 </a:t>
-            </a:r>
-            <a:r>
-              <a:rPr kumimoji="1" lang="ko-KR" altLang="en-US" dirty="0" err="1"/>
-              <a:t>설명해보시오</a:t>
-            </a:r>
-            <a:r>
-              <a:rPr kumimoji="1" lang="en-US" altLang="ko-KR" dirty="0"/>
-              <a:t>.</a:t>
-            </a:r>
-            <a:endParaRPr kumimoji="1" lang="ko-KR" altLang="en-US" dirty="0"/>
-          </a:p>
-        </p:txBody>
-      </p:sp>
     </p:spTree>
     <p:extLst>
       <p:ext uri="{BB962C8B-B14F-4D97-AF65-F5344CB8AC3E}">
-        <p14:creationId xmlns:p14="http://schemas.microsoft.com/office/powerpoint/2010/main" val="83313811"/>
+        <p14:creationId xmlns:p14="http://schemas.microsoft.com/office/powerpoint/2010/main" val="3466575063"/>
       </p:ext>
     </p:extLst>
   </p:cSld>
@@ -5251,10 +5991,238 @@
           <a:chExt cx="0" cy="0"/>
         </a:xfrm>
       </p:grpSpPr>
+      <p:sp>
+        <p:nvSpPr>
+          <p:cNvPr id="4" name="TextBox 3">
+            <a:extLst>
+              <a:ext uri="{FF2B5EF4-FFF2-40B4-BE49-F238E27FC236}">
+                <a16:creationId xmlns:a16="http://schemas.microsoft.com/office/drawing/2014/main" id="{EE9C3533-8810-ACFC-A6FF-9BAE46AFD159}"/>
+              </a:ext>
+            </a:extLst>
+          </p:cNvPr>
+          <p:cNvSpPr txBox="1"/>
+          <p:nvPr/>
+        </p:nvSpPr>
+        <p:spPr>
+          <a:xfrm>
+            <a:off x="485421" y="262305"/>
+            <a:ext cx="9358489" cy="369332"/>
+          </a:xfrm>
+          <a:prstGeom prst="rect">
+            <a:avLst/>
+          </a:prstGeom>
+          <a:noFill/>
+        </p:spPr>
+        <p:txBody>
+          <a:bodyPr wrap="square" rtlCol="0">
+            <a:spAutoFit/>
+          </a:bodyPr>
+          <a:lstStyle/>
+          <a:p>
+            <a:r>
+              <a:rPr kumimoji="1" lang="en-US" altLang="ko-KR" dirty="0" smtClean="0"/>
+              <a:t>Q2) </a:t>
+            </a:r>
+            <a:r>
+              <a:rPr kumimoji="1" lang="en-US" altLang="ko-KR" dirty="0"/>
+              <a:t>System Call</a:t>
+            </a:r>
+            <a:r>
+              <a:rPr kumimoji="1" lang="ko-KR" altLang="en-US" dirty="0"/>
+              <a:t>과 </a:t>
+            </a:r>
+            <a:r>
+              <a:rPr kumimoji="1" lang="en-US" altLang="ko-KR" dirty="0"/>
+              <a:t>Interrupt</a:t>
+            </a:r>
+            <a:r>
+              <a:rPr kumimoji="1" lang="ko-KR" altLang="en-US" dirty="0"/>
+              <a:t>에 대해서 도식화하고 </a:t>
+            </a:r>
+            <a:r>
+              <a:rPr kumimoji="1" lang="ko-KR" altLang="en-US" dirty="0" err="1"/>
+              <a:t>설명해보시오</a:t>
+            </a:r>
+            <a:r>
+              <a:rPr kumimoji="1" lang="en-US" altLang="ko-KR" dirty="0"/>
+              <a:t>.</a:t>
+            </a:r>
+            <a:endParaRPr kumimoji="1" lang="ko-KR" altLang="en-US" dirty="0"/>
+          </a:p>
+        </p:txBody>
+      </p:sp>
+      <p:sp>
+        <p:nvSpPr>
+          <p:cNvPr id="5" name="TextBox 4">
+            <a:extLst>
+              <a:ext uri="{FF2B5EF4-FFF2-40B4-BE49-F238E27FC236}">
+                <a16:creationId xmlns:a16="http://schemas.microsoft.com/office/drawing/2014/main" id="{67509D4B-5268-C2B9-6003-6A001E9B31CA}"/>
+              </a:ext>
+            </a:extLst>
+          </p:cNvPr>
+          <p:cNvSpPr txBox="1"/>
+          <p:nvPr/>
+        </p:nvSpPr>
+        <p:spPr>
+          <a:xfrm>
+            <a:off x="711201" y="1032506"/>
+            <a:ext cx="6129866" cy="338554"/>
+          </a:xfrm>
+          <a:prstGeom prst="rect">
+            <a:avLst/>
+          </a:prstGeom>
+          <a:noFill/>
+        </p:spPr>
+        <p:txBody>
+          <a:bodyPr wrap="square" rtlCol="0">
+            <a:spAutoFit/>
+          </a:bodyPr>
+          <a:lstStyle/>
+          <a:p>
+            <a:r>
+              <a:rPr kumimoji="1" lang="en-US" altLang="ko-KR" sz="1600" dirty="0" smtClean="0"/>
+              <a:t>Q2.1</a:t>
+            </a:r>
+            <a:r>
+              <a:rPr kumimoji="1" lang="en-US" altLang="ko-KR" sz="1600" dirty="0"/>
+              <a:t>) </a:t>
+            </a:r>
+            <a:r>
+              <a:rPr kumimoji="1" lang="ko-KR" altLang="en-US" sz="1600" dirty="0" err="1"/>
+              <a:t>과정중</a:t>
+            </a:r>
+            <a:r>
+              <a:rPr kumimoji="1" lang="ko-KR" altLang="en-US" sz="1600" dirty="0"/>
+              <a:t> </a:t>
+            </a:r>
+            <a:r>
+              <a:rPr kumimoji="1" lang="en-US" altLang="ko-KR" sz="1600" dirty="0"/>
+              <a:t>Context Switching</a:t>
+            </a:r>
+            <a:r>
+              <a:rPr kumimoji="1" lang="ko-KR" altLang="en-US" sz="1600" dirty="0"/>
+              <a:t>에 대해서 설명해 </a:t>
+            </a:r>
+            <a:r>
+              <a:rPr kumimoji="1" lang="ko-KR" altLang="en-US" sz="1600" dirty="0" err="1"/>
+              <a:t>보시오</a:t>
+            </a:r>
+            <a:r>
+              <a:rPr kumimoji="1" lang="en-US" altLang="ko-KR" sz="1600" dirty="0"/>
+              <a:t>.</a:t>
+            </a:r>
+            <a:endParaRPr kumimoji="1" lang="ko-KR" altLang="en-US" sz="1600" dirty="0"/>
+          </a:p>
+        </p:txBody>
+      </p:sp>
+      <p:sp>
+        <p:nvSpPr>
+          <p:cNvPr id="6" name="TextBox 5">
+            <a:extLst>
+              <a:ext uri="{FF2B5EF4-FFF2-40B4-BE49-F238E27FC236}">
+                <a16:creationId xmlns:a16="http://schemas.microsoft.com/office/drawing/2014/main" id="{A3C0FC09-EB60-75A2-5C4D-A1A7CEE00D86}"/>
+              </a:ext>
+            </a:extLst>
+          </p:cNvPr>
+          <p:cNvSpPr txBox="1"/>
+          <p:nvPr/>
+        </p:nvSpPr>
+        <p:spPr>
+          <a:xfrm>
+            <a:off x="711201" y="1771929"/>
+            <a:ext cx="6129866" cy="338554"/>
+          </a:xfrm>
+          <a:prstGeom prst="rect">
+            <a:avLst/>
+          </a:prstGeom>
+          <a:noFill/>
+        </p:spPr>
+        <p:txBody>
+          <a:bodyPr wrap="square" rtlCol="0">
+            <a:spAutoFit/>
+          </a:bodyPr>
+          <a:lstStyle/>
+          <a:p>
+            <a:r>
+              <a:rPr kumimoji="1" lang="en-US" altLang="ko-KR" sz="1600" dirty="0" smtClean="0"/>
+              <a:t>Q2.2</a:t>
+            </a:r>
+            <a:r>
+              <a:rPr kumimoji="1" lang="en-US" altLang="ko-KR" sz="1600" dirty="0"/>
+              <a:t>) Interrupt</a:t>
+            </a:r>
+            <a:r>
+              <a:rPr kumimoji="1" lang="ko-KR" altLang="en-US" sz="1600" dirty="0" err="1"/>
+              <a:t>를</a:t>
+            </a:r>
+            <a:r>
+              <a:rPr kumimoji="1" lang="ko-KR" altLang="en-US" sz="1600" dirty="0"/>
+              <a:t> 거는 주체가 누구인지에 대해 </a:t>
+            </a:r>
+            <a:r>
+              <a:rPr kumimoji="1" lang="ko-KR" altLang="en-US" sz="1600" dirty="0" err="1"/>
+              <a:t>설명해보시오</a:t>
+            </a:r>
+            <a:endParaRPr kumimoji="1" lang="ko-KR" altLang="en-US" sz="1600" dirty="0"/>
+          </a:p>
+        </p:txBody>
+      </p:sp>
+      <p:sp>
+        <p:nvSpPr>
+          <p:cNvPr id="7" name="TextBox 6">
+            <a:extLst>
+              <a:ext uri="{FF2B5EF4-FFF2-40B4-BE49-F238E27FC236}">
+                <a16:creationId xmlns:a16="http://schemas.microsoft.com/office/drawing/2014/main" id="{0259870D-FCFD-2368-939D-756524720F4A}"/>
+              </a:ext>
+            </a:extLst>
+          </p:cNvPr>
+          <p:cNvSpPr txBox="1"/>
+          <p:nvPr/>
+        </p:nvSpPr>
+        <p:spPr>
+          <a:xfrm>
+            <a:off x="485421" y="3461890"/>
+            <a:ext cx="9358489" cy="369332"/>
+          </a:xfrm>
+          <a:prstGeom prst="rect">
+            <a:avLst/>
+          </a:prstGeom>
+          <a:noFill/>
+        </p:spPr>
+        <p:txBody>
+          <a:bodyPr wrap="square" rtlCol="0">
+            <a:spAutoFit/>
+          </a:bodyPr>
+          <a:lstStyle/>
+          <a:p>
+            <a:r>
+              <a:rPr kumimoji="1" lang="en-US" altLang="ko-KR" dirty="0" smtClean="0"/>
+              <a:t>Q3) </a:t>
+            </a:r>
+            <a:r>
+              <a:rPr kumimoji="1" lang="en-US" altLang="ko-KR" dirty="0"/>
+              <a:t>Blocking / Non-Blocking I/O</a:t>
+            </a:r>
+            <a:r>
+              <a:rPr kumimoji="1" lang="ko-KR" altLang="en-US" dirty="0"/>
+              <a:t>에 대해서 </a:t>
+            </a:r>
+            <a:r>
+              <a:rPr kumimoji="1" lang="ko-KR" altLang="en-US" dirty="0" err="1"/>
+              <a:t>설명해보시오</a:t>
+            </a:r>
+            <a:r>
+              <a:rPr kumimoji="1" lang="en-US" altLang="ko-KR" dirty="0"/>
+              <a:t>.</a:t>
+            </a:r>
+            <a:endParaRPr kumimoji="1" lang="ko-KR" altLang="en-US" dirty="0"/>
+          </a:p>
+        </p:txBody>
+      </p:sp>
     </p:spTree>
     <p:extLst>
       <p:ext uri="{BB962C8B-B14F-4D97-AF65-F5344CB8AC3E}">
-        <p14:creationId xmlns:p14="http://schemas.microsoft.com/office/powerpoint/2010/main" val="3466575063"/>
+        <p14:creationId xmlns:p14="http://schemas.microsoft.com/office/powerpoint/2010/main" val="83313811"/>
       </p:ext>
     </p:extLst>
   </p:cSld>

--- a/CSwithC/CS-explanation.pptx
+++ b/CSwithC/CS-explanation.pptx
@@ -4,6 +4,9 @@
   <p:sldMasterIdLst>
     <p:sldMasterId id="2147483648" r:id="rId1"/>
   </p:sldMasterIdLst>
+  <p:notesMasterIdLst>
+    <p:notesMasterId r:id="rId7"/>
+  </p:notesMasterIdLst>
   <p:sldIdLst>
     <p:sldId id="256" r:id="rId2"/>
     <p:sldId id="257" r:id="rId3"/>
@@ -116,6 +119,724 @@
 </p:presentation>
 </file>
 
+<file path=ppt/notesMasters/notesMaster1.xml><?xml version="1.0" encoding="utf-8"?>
+<p:notesMaster xmlns:a="http://schemas.openxmlformats.org/drawingml/2006/main" xmlns:r="http://schemas.openxmlformats.org/officeDocument/2006/relationships" xmlns:p="http://schemas.openxmlformats.org/presentationml/2006/main">
+  <p:cSld>
+    <p:bg>
+      <p:bgRef idx="1001">
+        <a:schemeClr val="bg1"/>
+      </p:bgRef>
+    </p:bg>
+    <p:spTree>
+      <p:nvGrpSpPr>
+        <p:cNvPr id="1" name=""/>
+        <p:cNvGrpSpPr/>
+        <p:nvPr/>
+      </p:nvGrpSpPr>
+      <p:grpSpPr>
+        <a:xfrm>
+          <a:off x="0" y="0"/>
+          <a:ext cx="0" cy="0"/>
+          <a:chOff x="0" y="0"/>
+          <a:chExt cx="0" cy="0"/>
+        </a:xfrm>
+      </p:grpSpPr>
+      <p:sp>
+        <p:nvSpPr>
+          <p:cNvPr id="2" name="머리글 개체 틀 1"/>
+          <p:cNvSpPr>
+            <a:spLocks noGrp="1"/>
+          </p:cNvSpPr>
+          <p:nvPr>
+            <p:ph type="hdr" sz="quarter"/>
+          </p:nvPr>
+        </p:nvSpPr>
+        <p:spPr>
+          <a:xfrm>
+            <a:off x="0" y="0"/>
+            <a:ext cx="2971800" cy="458788"/>
+          </a:xfrm>
+          <a:prstGeom prst="rect">
+            <a:avLst/>
+          </a:prstGeom>
+        </p:spPr>
+        <p:txBody>
+          <a:bodyPr vert="horz" lIns="91440" tIns="45720" rIns="91440" bIns="45720" rtlCol="0"/>
+          <a:lstStyle>
+            <a:lvl1pPr algn="l">
+              <a:defRPr sz="1200"/>
+            </a:lvl1pPr>
+          </a:lstStyle>
+          <a:p>
+            <a:endParaRPr lang="ko-KR" altLang="en-US"/>
+          </a:p>
+        </p:txBody>
+      </p:sp>
+      <p:sp>
+        <p:nvSpPr>
+          <p:cNvPr id="3" name="날짜 개체 틀 2"/>
+          <p:cNvSpPr>
+            <a:spLocks noGrp="1"/>
+          </p:cNvSpPr>
+          <p:nvPr>
+            <p:ph type="dt" idx="1"/>
+          </p:nvPr>
+        </p:nvSpPr>
+        <p:spPr>
+          <a:xfrm>
+            <a:off x="3884613" y="0"/>
+            <a:ext cx="2971800" cy="458788"/>
+          </a:xfrm>
+          <a:prstGeom prst="rect">
+            <a:avLst/>
+          </a:prstGeom>
+        </p:spPr>
+        <p:txBody>
+          <a:bodyPr vert="horz" lIns="91440" tIns="45720" rIns="91440" bIns="45720" rtlCol="0"/>
+          <a:lstStyle>
+            <a:lvl1pPr algn="r">
+              <a:defRPr sz="1200"/>
+            </a:lvl1pPr>
+          </a:lstStyle>
+          <a:p>
+            <a:fld id="{63E2A1E9-AE86-4A77-ADFA-78382643A96E}" type="datetimeFigureOut">
+              <a:rPr lang="ko-KR" altLang="en-US" smtClean="0"/>
+              <a:t>2024-08-26</a:t>
+            </a:fld>
+            <a:endParaRPr lang="ko-KR" altLang="en-US"/>
+          </a:p>
+        </p:txBody>
+      </p:sp>
+      <p:sp>
+        <p:nvSpPr>
+          <p:cNvPr id="4" name="슬라이드 이미지 개체 틀 3"/>
+          <p:cNvSpPr>
+            <a:spLocks noGrp="1" noRot="1" noChangeAspect="1"/>
+          </p:cNvSpPr>
+          <p:nvPr>
+            <p:ph type="sldImg" idx="2"/>
+          </p:nvPr>
+        </p:nvSpPr>
+        <p:spPr>
+          <a:xfrm>
+            <a:off x="685800" y="1143000"/>
+            <a:ext cx="5486400" cy="3086100"/>
+          </a:xfrm>
+          <a:prstGeom prst="rect">
+            <a:avLst/>
+          </a:prstGeom>
+          <a:noFill/>
+          <a:ln w="12700">
+            <a:solidFill>
+              <a:prstClr val="black"/>
+            </a:solidFill>
+          </a:ln>
+        </p:spPr>
+        <p:txBody>
+          <a:bodyPr vert="horz" lIns="91440" tIns="45720" rIns="91440" bIns="45720" rtlCol="0" anchor="ctr"/>
+          <a:lstStyle/>
+          <a:p>
+            <a:endParaRPr lang="ko-KR" altLang="en-US"/>
+          </a:p>
+        </p:txBody>
+      </p:sp>
+      <p:sp>
+        <p:nvSpPr>
+          <p:cNvPr id="5" name="슬라이드 노트 개체 틀 4"/>
+          <p:cNvSpPr>
+            <a:spLocks noGrp="1"/>
+          </p:cNvSpPr>
+          <p:nvPr>
+            <p:ph type="body" sz="quarter" idx="3"/>
+          </p:nvPr>
+        </p:nvSpPr>
+        <p:spPr>
+          <a:xfrm>
+            <a:off x="685800" y="4400550"/>
+            <a:ext cx="5486400" cy="3600450"/>
+          </a:xfrm>
+          <a:prstGeom prst="rect">
+            <a:avLst/>
+          </a:prstGeom>
+        </p:spPr>
+        <p:txBody>
+          <a:bodyPr vert="horz" lIns="91440" tIns="45720" rIns="91440" bIns="45720" rtlCol="0"/>
+          <a:lstStyle/>
+          <a:p>
+            <a:pPr lvl="0"/>
+            <a:r>
+              <a:rPr lang="ko-KR" altLang="en-US" smtClean="0"/>
+              <a:t>마스터 텍스트 스타일 편집</a:t>
+            </a:r>
+          </a:p>
+          <a:p>
+            <a:pPr lvl="1"/>
+            <a:r>
+              <a:rPr lang="ko-KR" altLang="en-US" smtClean="0"/>
+              <a:t>둘째 수준</a:t>
+            </a:r>
+          </a:p>
+          <a:p>
+            <a:pPr lvl="2"/>
+            <a:r>
+              <a:rPr lang="ko-KR" altLang="en-US" smtClean="0"/>
+              <a:t>셋째 수준</a:t>
+            </a:r>
+          </a:p>
+          <a:p>
+            <a:pPr lvl="3"/>
+            <a:r>
+              <a:rPr lang="ko-KR" altLang="en-US" smtClean="0"/>
+              <a:t>넷째 수준</a:t>
+            </a:r>
+          </a:p>
+          <a:p>
+            <a:pPr lvl="4"/>
+            <a:r>
+              <a:rPr lang="ko-KR" altLang="en-US" smtClean="0"/>
+              <a:t>다섯째 수준</a:t>
+            </a:r>
+            <a:endParaRPr lang="ko-KR" altLang="en-US"/>
+          </a:p>
+        </p:txBody>
+      </p:sp>
+      <p:sp>
+        <p:nvSpPr>
+          <p:cNvPr id="6" name="바닥글 개체 틀 5"/>
+          <p:cNvSpPr>
+            <a:spLocks noGrp="1"/>
+          </p:cNvSpPr>
+          <p:nvPr>
+            <p:ph type="ftr" sz="quarter" idx="4"/>
+          </p:nvPr>
+        </p:nvSpPr>
+        <p:spPr>
+          <a:xfrm>
+            <a:off x="0" y="8685213"/>
+            <a:ext cx="2971800" cy="458787"/>
+          </a:xfrm>
+          <a:prstGeom prst="rect">
+            <a:avLst/>
+          </a:prstGeom>
+        </p:spPr>
+        <p:txBody>
+          <a:bodyPr vert="horz" lIns="91440" tIns="45720" rIns="91440" bIns="45720" rtlCol="0" anchor="b"/>
+          <a:lstStyle>
+            <a:lvl1pPr algn="l">
+              <a:defRPr sz="1200"/>
+            </a:lvl1pPr>
+          </a:lstStyle>
+          <a:p>
+            <a:endParaRPr lang="ko-KR" altLang="en-US"/>
+          </a:p>
+        </p:txBody>
+      </p:sp>
+      <p:sp>
+        <p:nvSpPr>
+          <p:cNvPr id="7" name="슬라이드 번호 개체 틀 6"/>
+          <p:cNvSpPr>
+            <a:spLocks noGrp="1"/>
+          </p:cNvSpPr>
+          <p:nvPr>
+            <p:ph type="sldNum" sz="quarter" idx="5"/>
+          </p:nvPr>
+        </p:nvSpPr>
+        <p:spPr>
+          <a:xfrm>
+            <a:off x="3884613" y="8685213"/>
+            <a:ext cx="2971800" cy="458787"/>
+          </a:xfrm>
+          <a:prstGeom prst="rect">
+            <a:avLst/>
+          </a:prstGeom>
+        </p:spPr>
+        <p:txBody>
+          <a:bodyPr vert="horz" lIns="91440" tIns="45720" rIns="91440" bIns="45720" rtlCol="0" anchor="b"/>
+          <a:lstStyle>
+            <a:lvl1pPr algn="r">
+              <a:defRPr sz="1200"/>
+            </a:lvl1pPr>
+          </a:lstStyle>
+          <a:p>
+            <a:fld id="{16AFB6E1-9A93-4EBD-AB39-332ADB6F73BD}" type="slidenum">
+              <a:rPr lang="ko-KR" altLang="en-US" smtClean="0"/>
+              <a:t>‹#›</a:t>
+            </a:fld>
+            <a:endParaRPr lang="ko-KR" altLang="en-US"/>
+          </a:p>
+        </p:txBody>
+      </p:sp>
+    </p:spTree>
+    <p:extLst>
+      <p:ext uri="{BB962C8B-B14F-4D97-AF65-F5344CB8AC3E}">
+        <p14:creationId xmlns:p14="http://schemas.microsoft.com/office/powerpoint/2010/main" val="1728816620"/>
+      </p:ext>
+    </p:extLst>
+  </p:cSld>
+  <p:clrMap bg1="lt1" tx1="dk1" bg2="lt2" tx2="dk2" accent1="accent1" accent2="accent2" accent3="accent3" accent4="accent4" accent5="accent5" accent6="accent6" hlink="hlink" folHlink="folHlink"/>
+  <p:notesStyle>
+    <a:lvl1pPr marL="0" algn="l" defTabSz="914400" rtl="0" eaLnBrk="1" latinLnBrk="1" hangingPunct="1">
+      <a:defRPr sz="1200" kern="1200">
+        <a:solidFill>
+          <a:schemeClr val="tx1"/>
+        </a:solidFill>
+        <a:latin typeface="+mn-lt"/>
+        <a:ea typeface="+mn-ea"/>
+        <a:cs typeface="+mn-cs"/>
+      </a:defRPr>
+    </a:lvl1pPr>
+    <a:lvl2pPr marL="457200" algn="l" defTabSz="914400" rtl="0" eaLnBrk="1" latinLnBrk="1" hangingPunct="1">
+      <a:defRPr sz="1200" kern="1200">
+        <a:solidFill>
+          <a:schemeClr val="tx1"/>
+        </a:solidFill>
+        <a:latin typeface="+mn-lt"/>
+        <a:ea typeface="+mn-ea"/>
+        <a:cs typeface="+mn-cs"/>
+      </a:defRPr>
+    </a:lvl2pPr>
+    <a:lvl3pPr marL="914400" algn="l" defTabSz="914400" rtl="0" eaLnBrk="1" latinLnBrk="1" hangingPunct="1">
+      <a:defRPr sz="1200" kern="1200">
+        <a:solidFill>
+          <a:schemeClr val="tx1"/>
+        </a:solidFill>
+        <a:latin typeface="+mn-lt"/>
+        <a:ea typeface="+mn-ea"/>
+        <a:cs typeface="+mn-cs"/>
+      </a:defRPr>
+    </a:lvl3pPr>
+    <a:lvl4pPr marL="1371600" algn="l" defTabSz="914400" rtl="0" eaLnBrk="1" latinLnBrk="1" hangingPunct="1">
+      <a:defRPr sz="1200" kern="1200">
+        <a:solidFill>
+          <a:schemeClr val="tx1"/>
+        </a:solidFill>
+        <a:latin typeface="+mn-lt"/>
+        <a:ea typeface="+mn-ea"/>
+        <a:cs typeface="+mn-cs"/>
+      </a:defRPr>
+    </a:lvl4pPr>
+    <a:lvl5pPr marL="1828800" algn="l" defTabSz="914400" rtl="0" eaLnBrk="1" latinLnBrk="1" hangingPunct="1">
+      <a:defRPr sz="1200" kern="1200">
+        <a:solidFill>
+          <a:schemeClr val="tx1"/>
+        </a:solidFill>
+        <a:latin typeface="+mn-lt"/>
+        <a:ea typeface="+mn-ea"/>
+        <a:cs typeface="+mn-cs"/>
+      </a:defRPr>
+    </a:lvl5pPr>
+    <a:lvl6pPr marL="2286000" algn="l" defTabSz="914400" rtl="0" eaLnBrk="1" latinLnBrk="1" hangingPunct="1">
+      <a:defRPr sz="1200" kern="1200">
+        <a:solidFill>
+          <a:schemeClr val="tx1"/>
+        </a:solidFill>
+        <a:latin typeface="+mn-lt"/>
+        <a:ea typeface="+mn-ea"/>
+        <a:cs typeface="+mn-cs"/>
+      </a:defRPr>
+    </a:lvl6pPr>
+    <a:lvl7pPr marL="2743200" algn="l" defTabSz="914400" rtl="0" eaLnBrk="1" latinLnBrk="1" hangingPunct="1">
+      <a:defRPr sz="1200" kern="1200">
+        <a:solidFill>
+          <a:schemeClr val="tx1"/>
+        </a:solidFill>
+        <a:latin typeface="+mn-lt"/>
+        <a:ea typeface="+mn-ea"/>
+        <a:cs typeface="+mn-cs"/>
+      </a:defRPr>
+    </a:lvl7pPr>
+    <a:lvl8pPr marL="3200400" algn="l" defTabSz="914400" rtl="0" eaLnBrk="1" latinLnBrk="1" hangingPunct="1">
+      <a:defRPr sz="1200" kern="1200">
+        <a:solidFill>
+          <a:schemeClr val="tx1"/>
+        </a:solidFill>
+        <a:latin typeface="+mn-lt"/>
+        <a:ea typeface="+mn-ea"/>
+        <a:cs typeface="+mn-cs"/>
+      </a:defRPr>
+    </a:lvl8pPr>
+    <a:lvl9pPr marL="3657600" algn="l" defTabSz="914400" rtl="0" eaLnBrk="1" latinLnBrk="1" hangingPunct="1">
+      <a:defRPr sz="1200" kern="1200">
+        <a:solidFill>
+          <a:schemeClr val="tx1"/>
+        </a:solidFill>
+        <a:latin typeface="+mn-lt"/>
+        <a:ea typeface="+mn-ea"/>
+        <a:cs typeface="+mn-cs"/>
+      </a:defRPr>
+    </a:lvl9pPr>
+  </p:notesStyle>
+</p:notesMaster>
+</file>
+
+<file path=ppt/notesSlides/notesSlide1.xml><?xml version="1.0" encoding="utf-8"?>
+<p:notes xmlns:a="http://schemas.openxmlformats.org/drawingml/2006/main" xmlns:r="http://schemas.openxmlformats.org/officeDocument/2006/relationships" xmlns:p="http://schemas.openxmlformats.org/presentationml/2006/main">
+  <p:cSld>
+    <p:spTree>
+      <p:nvGrpSpPr>
+        <p:cNvPr id="1" name=""/>
+        <p:cNvGrpSpPr/>
+        <p:nvPr/>
+      </p:nvGrpSpPr>
+      <p:grpSpPr>
+        <a:xfrm>
+          <a:off x="0" y="0"/>
+          <a:ext cx="0" cy="0"/>
+          <a:chOff x="0" y="0"/>
+          <a:chExt cx="0" cy="0"/>
+        </a:xfrm>
+      </p:grpSpPr>
+      <p:sp>
+        <p:nvSpPr>
+          <p:cNvPr id="2" name="슬라이드 이미지 개체 틀 1"/>
+          <p:cNvSpPr>
+            <a:spLocks noGrp="1" noRot="1" noChangeAspect="1"/>
+          </p:cNvSpPr>
+          <p:nvPr>
+            <p:ph type="sldImg"/>
+          </p:nvPr>
+        </p:nvSpPr>
+        <p:spPr/>
+      </p:sp>
+      <p:sp>
+        <p:nvSpPr>
+          <p:cNvPr id="3" name="슬라이드 노트 개체 틀 2"/>
+          <p:cNvSpPr>
+            <a:spLocks noGrp="1"/>
+          </p:cNvSpPr>
+          <p:nvPr>
+            <p:ph type="body" idx="1"/>
+          </p:nvPr>
+        </p:nvSpPr>
+        <p:spPr/>
+        <p:txBody>
+          <a:bodyPr/>
+          <a:lstStyle/>
+          <a:p>
+            <a:pPr marL="0" marR="0" indent="0" algn="l" defTabSz="914400" rtl="0" eaLnBrk="1" fontAlgn="auto" latinLnBrk="1" hangingPunct="1">
+              <a:lnSpc>
+                <a:spcPct val="100000"/>
+              </a:lnSpc>
+              <a:spcBef>
+                <a:spcPts val="0"/>
+              </a:spcBef>
+              <a:spcAft>
+                <a:spcPts val="0"/>
+              </a:spcAft>
+              <a:buClrTx/>
+              <a:buSzTx/>
+              <a:buFontTx/>
+              <a:buNone/>
+              <a:tabLst/>
+              <a:defRPr/>
+            </a:pPr>
+            <a:r>
+              <a:rPr lang="ko-KR" altLang="en-US" sz="1200" dirty="0" smtClean="0"/>
+              <a:t>설명</a:t>
+            </a:r>
+            <a:r>
+              <a:rPr lang="en-US" altLang="ko-KR" sz="1200" dirty="0" smtClean="0"/>
+              <a:t>: App1</a:t>
+            </a:r>
+            <a:r>
+              <a:rPr lang="ko-KR" altLang="en-US" sz="1200" dirty="0" smtClean="0"/>
+              <a:t>의 여러 연산은 직접 </a:t>
+            </a:r>
+            <a:r>
+              <a:rPr lang="en-US" altLang="ko-KR" sz="1200" dirty="0" smtClean="0"/>
+              <a:t>CPU</a:t>
+            </a:r>
+            <a:r>
+              <a:rPr lang="ko-KR" altLang="en-US" sz="1200" dirty="0" smtClean="0"/>
+              <a:t>에서 읽으면서 연산한다</a:t>
+            </a:r>
+            <a:r>
+              <a:rPr lang="en-US" altLang="ko-KR" sz="1200" dirty="0" smtClean="0"/>
+              <a:t>. </a:t>
+            </a:r>
+            <a:r>
+              <a:rPr lang="ko-KR" altLang="en-US" sz="1200" dirty="0" smtClean="0"/>
+              <a:t>다만 </a:t>
+            </a:r>
+            <a:r>
+              <a:rPr lang="en-US" altLang="ko-KR" sz="1200" dirty="0" smtClean="0"/>
+              <a:t>System Call</a:t>
+            </a:r>
+            <a:r>
+              <a:rPr lang="ko-KR" altLang="en-US" sz="1200" dirty="0" smtClean="0"/>
+              <a:t>을 </a:t>
+            </a:r>
+            <a:r>
+              <a:rPr lang="ko-KR" altLang="en-US" sz="1200" dirty="0" err="1" smtClean="0"/>
+              <a:t>할때</a:t>
+            </a:r>
+            <a:r>
+              <a:rPr lang="ko-KR" altLang="en-US" sz="1200" dirty="0" smtClean="0"/>
+              <a:t> </a:t>
+            </a:r>
+            <a:r>
+              <a:rPr lang="en-US" altLang="ko-KR" sz="1200" dirty="0" smtClean="0"/>
+              <a:t>(OS Logic)</a:t>
+            </a:r>
+            <a:r>
+              <a:rPr lang="ko-KR" altLang="en-US" sz="1200" dirty="0" smtClean="0"/>
+              <a:t>예를 들어 다른 주변 기기에서 </a:t>
+            </a:r>
+            <a:r>
+              <a:rPr lang="en-US" altLang="ko-KR" sz="1200" dirty="0" smtClean="0"/>
+              <a:t>Input</a:t>
+            </a:r>
+            <a:r>
+              <a:rPr lang="ko-KR" altLang="en-US" sz="1200" dirty="0" smtClean="0"/>
+              <a:t>이 있거나 </a:t>
+            </a:r>
+            <a:r>
+              <a:rPr lang="en-US" altLang="ko-KR" sz="1200" dirty="0" smtClean="0"/>
+              <a:t>Storage</a:t>
+            </a:r>
+            <a:r>
+              <a:rPr lang="ko-KR" altLang="en-US" sz="1200" dirty="0" smtClean="0"/>
+              <a:t>에서 데이터를 </a:t>
+            </a:r>
+            <a:r>
+              <a:rPr lang="ko-KR" altLang="en-US" sz="1200" dirty="0" err="1" smtClean="0"/>
+              <a:t>받아온다던지</a:t>
+            </a:r>
+            <a:r>
+              <a:rPr lang="ko-KR" altLang="en-US" sz="1200" dirty="0" smtClean="0"/>
+              <a:t> </a:t>
+            </a:r>
+            <a:r>
+              <a:rPr lang="ko-KR" altLang="en-US" sz="1200" dirty="0" err="1" smtClean="0"/>
+              <a:t>이럴때는</a:t>
+            </a:r>
+            <a:r>
+              <a:rPr lang="ko-KR" altLang="en-US" sz="1200" dirty="0" smtClean="0"/>
+              <a:t> </a:t>
+            </a:r>
+            <a:r>
+              <a:rPr lang="en-US" altLang="ko-KR" sz="1200" dirty="0" smtClean="0"/>
+              <a:t>OS Process Logic</a:t>
+            </a:r>
+            <a:r>
+              <a:rPr lang="ko-KR" altLang="en-US" sz="1200" dirty="0" smtClean="0"/>
+              <a:t>을 태워야 한다</a:t>
+            </a:r>
+            <a:r>
+              <a:rPr lang="en-US" altLang="ko-KR" sz="1200" dirty="0" smtClean="0"/>
+              <a:t>. </a:t>
+            </a:r>
+            <a:r>
+              <a:rPr lang="ko-KR" altLang="en-US" sz="1200" dirty="0" err="1" smtClean="0"/>
+              <a:t>이럴때</a:t>
+            </a:r>
+            <a:r>
+              <a:rPr lang="ko-KR" altLang="en-US" sz="1200" dirty="0" smtClean="0"/>
+              <a:t> </a:t>
+            </a:r>
+            <a:r>
+              <a:rPr lang="en-US" altLang="ko-KR" sz="1200" dirty="0" smtClean="0"/>
+              <a:t>App1</a:t>
+            </a:r>
+            <a:r>
+              <a:rPr lang="ko-KR" altLang="en-US" sz="1200" dirty="0" smtClean="0"/>
+              <a:t>을 읽다가 </a:t>
+            </a:r>
+            <a:r>
+              <a:rPr lang="en-US" altLang="ko-KR" sz="1200" dirty="0" smtClean="0"/>
+              <a:t>OS process</a:t>
+            </a:r>
+            <a:r>
+              <a:rPr lang="ko-KR" altLang="en-US" sz="1200" dirty="0" smtClean="0"/>
+              <a:t>에 있는 </a:t>
+            </a:r>
+            <a:r>
+              <a:rPr lang="en-US" altLang="ko-KR" sz="1200" dirty="0" smtClean="0"/>
+              <a:t>Logic</a:t>
+            </a:r>
+            <a:r>
+              <a:rPr lang="ko-KR" altLang="en-US" sz="1200" dirty="0" smtClean="0"/>
+              <a:t>을 읽어야 하므로 </a:t>
+            </a:r>
+            <a:r>
+              <a:rPr lang="en-US" altLang="ko-KR" sz="1200" dirty="0" smtClean="0"/>
+              <a:t>OS Process</a:t>
+            </a:r>
+            <a:r>
+              <a:rPr lang="ko-KR" altLang="en-US" sz="1200" dirty="0" smtClean="0"/>
+              <a:t>의 특정 </a:t>
+            </a:r>
+            <a:r>
+              <a:rPr lang="en-US" altLang="ko-KR" sz="1200" dirty="0" smtClean="0"/>
+              <a:t>Logic (</a:t>
+            </a:r>
+            <a:r>
+              <a:rPr lang="ko-KR" altLang="en-US" sz="1200" dirty="0" smtClean="0"/>
+              <a:t>여기서는 파일 </a:t>
+            </a:r>
+            <a:r>
+              <a:rPr lang="en-US" altLang="ko-KR" sz="1200" dirty="0" smtClean="0"/>
+              <a:t>Read</a:t>
+            </a:r>
+            <a:r>
+              <a:rPr lang="ko-KR" altLang="en-US" sz="1200" dirty="0" smtClean="0"/>
+              <a:t>관련한</a:t>
+            </a:r>
+            <a:r>
+              <a:rPr lang="en-US" altLang="ko-KR" sz="1200" dirty="0" smtClean="0"/>
+              <a:t>)</a:t>
+            </a:r>
+            <a:r>
+              <a:rPr lang="ko-KR" altLang="en-US" sz="1200" dirty="0" smtClean="0"/>
+              <a:t>을 </a:t>
+            </a:r>
+            <a:r>
+              <a:rPr lang="ko-KR" altLang="en-US" sz="1200" dirty="0" err="1" smtClean="0"/>
+              <a:t>읽게된다</a:t>
+            </a:r>
+            <a:r>
+              <a:rPr lang="en-US" altLang="ko-KR" sz="1200" dirty="0" smtClean="0"/>
+              <a:t>. </a:t>
+            </a:r>
+            <a:r>
+              <a:rPr lang="ko-KR" altLang="en-US" sz="1200" dirty="0" smtClean="0"/>
+              <a:t>이때 </a:t>
+            </a:r>
+            <a:r>
+              <a:rPr lang="en-US" altLang="ko-KR" sz="1200" dirty="0" smtClean="0"/>
+              <a:t>Kernel Mode</a:t>
+            </a:r>
+            <a:r>
+              <a:rPr lang="ko-KR" altLang="en-US" sz="1200" dirty="0" smtClean="0"/>
+              <a:t>라 한다</a:t>
+            </a:r>
+            <a:r>
+              <a:rPr lang="en-US" altLang="ko-KR" sz="1200" dirty="0" smtClean="0"/>
+              <a:t>. CPU</a:t>
+            </a:r>
+            <a:r>
+              <a:rPr lang="ko-KR" altLang="en-US" sz="1200" dirty="0" smtClean="0"/>
+              <a:t>가 </a:t>
+            </a:r>
+            <a:r>
+              <a:rPr lang="en-US" altLang="ko-KR" sz="1200" dirty="0" err="1" smtClean="0"/>
+              <a:t>Os</a:t>
+            </a:r>
+            <a:r>
+              <a:rPr lang="en-US" altLang="ko-KR" sz="1200" dirty="0" smtClean="0"/>
+              <a:t> Logic</a:t>
+            </a:r>
+            <a:r>
+              <a:rPr lang="ko-KR" altLang="en-US" sz="1200" dirty="0" smtClean="0"/>
+              <a:t>을 수행하고 </a:t>
+            </a:r>
+            <a:r>
+              <a:rPr lang="ko-KR" altLang="en-US" sz="1200" dirty="0" err="1" smtClean="0"/>
+              <a:t>있을때</a:t>
+            </a:r>
+            <a:r>
+              <a:rPr lang="ko-KR" altLang="en-US" sz="1200" dirty="0" smtClean="0"/>
+              <a:t> 어차피 </a:t>
+            </a:r>
+            <a:r>
+              <a:rPr lang="en-US" altLang="ko-KR" sz="1200" dirty="0" smtClean="0"/>
+              <a:t>OS</a:t>
+            </a:r>
+            <a:r>
+              <a:rPr lang="ko-KR" altLang="en-US" sz="1200" dirty="0" smtClean="0"/>
+              <a:t>또한 </a:t>
+            </a:r>
+            <a:r>
+              <a:rPr lang="en-US" altLang="ko-KR" sz="1200" dirty="0" smtClean="0"/>
+              <a:t>Process</a:t>
+            </a:r>
+            <a:r>
+              <a:rPr lang="ko-KR" altLang="en-US" sz="1200" dirty="0" smtClean="0"/>
+              <a:t>이고 그 안의 작업 단위를 똑같이 </a:t>
+            </a:r>
+            <a:r>
+              <a:rPr lang="en-US" altLang="ko-KR" sz="1200" dirty="0" smtClean="0"/>
+              <a:t>thread</a:t>
+            </a:r>
+            <a:r>
+              <a:rPr lang="ko-KR" altLang="en-US" sz="1200" dirty="0" smtClean="0"/>
+              <a:t>단위로 </a:t>
+            </a:r>
+            <a:r>
+              <a:rPr lang="ko-KR" altLang="en-US" sz="1200" dirty="0" err="1" smtClean="0"/>
+              <a:t>할텐데</a:t>
+            </a:r>
+            <a:r>
+              <a:rPr lang="en-US" altLang="ko-KR" sz="1200" dirty="0" smtClean="0"/>
+              <a:t>, </a:t>
+            </a:r>
+            <a:r>
+              <a:rPr lang="ko-KR" altLang="en-US" sz="1200" dirty="0" smtClean="0"/>
+              <a:t>이때의 </a:t>
+            </a:r>
+            <a:r>
+              <a:rPr lang="en-US" altLang="ko-KR" sz="1200" dirty="0" smtClean="0"/>
+              <a:t>thread</a:t>
+            </a:r>
+            <a:r>
+              <a:rPr lang="ko-KR" altLang="en-US" sz="1200" dirty="0" smtClean="0"/>
+              <a:t>를 </a:t>
+            </a:r>
+            <a:r>
+              <a:rPr lang="en-US" altLang="ko-KR" sz="1200" dirty="0" smtClean="0"/>
+              <a:t>Kernel Thread</a:t>
+            </a:r>
+            <a:r>
+              <a:rPr lang="ko-KR" altLang="en-US" sz="1200" dirty="0" smtClean="0"/>
+              <a:t>라 한다</a:t>
+            </a:r>
+            <a:r>
+              <a:rPr lang="en-US" altLang="ko-KR" sz="1200" smtClean="0"/>
+              <a:t>.</a:t>
+            </a:r>
+            <a:endParaRPr lang="ko-KR" altLang="en-US" sz="1200" dirty="0" smtClean="0"/>
+          </a:p>
+          <a:p>
+            <a:endParaRPr lang="ko-KR" altLang="en-US" dirty="0"/>
+          </a:p>
+        </p:txBody>
+      </p:sp>
+      <p:sp>
+        <p:nvSpPr>
+          <p:cNvPr id="4" name="슬라이드 번호 개체 틀 3"/>
+          <p:cNvSpPr>
+            <a:spLocks noGrp="1"/>
+          </p:cNvSpPr>
+          <p:nvPr>
+            <p:ph type="sldNum" sz="quarter" idx="10"/>
+          </p:nvPr>
+        </p:nvSpPr>
+        <p:spPr/>
+        <p:txBody>
+          <a:bodyPr/>
+          <a:lstStyle/>
+          <a:p>
+            <a:fld id="{16AFB6E1-9A93-4EBD-AB39-332ADB6F73BD}" type="slidenum">
+              <a:rPr lang="ko-KR" altLang="en-US" smtClean="0"/>
+              <a:t>4</a:t>
+            </a:fld>
+            <a:endParaRPr lang="ko-KR" altLang="en-US"/>
+          </a:p>
+        </p:txBody>
+      </p:sp>
+    </p:spTree>
+    <p:extLst>
+      <p:ext uri="{BB962C8B-B14F-4D97-AF65-F5344CB8AC3E}">
+        <p14:creationId xmlns:p14="http://schemas.microsoft.com/office/powerpoint/2010/main" val="2449296183"/>
+      </p:ext>
+    </p:extLst>
+  </p:cSld>
+  <p:clrMapOvr>
+    <a:masterClrMapping/>
+  </p:clrMapOvr>
+</p:notes>
+</file>
+
 <file path=ppt/slideLayouts/slideLayout1.xml><?xml version="1.0" encoding="utf-8"?>
 <p:sldLayout xmlns:a="http://schemas.openxmlformats.org/drawingml/2006/main" xmlns:r="http://schemas.openxmlformats.org/officeDocument/2006/relationships" xmlns:p="http://schemas.openxmlformats.org/presentationml/2006/main" type="title" preserve="1">
   <p:cSld name="제목 슬라이드">
@@ -263,7 +984,7 @@
           <a:p>
             <a:fld id="{6464DA1F-012E-F647-BE90-9DF5CCDD3465}" type="datetimeFigureOut">
               <a:rPr kumimoji="1" lang="ko-KR" altLang="en-US" smtClean="0"/>
-              <a:t>2024-08-25</a:t>
+              <a:t>2024-08-26</a:t>
             </a:fld>
             <a:endParaRPr kumimoji="1" lang="ko-KR" altLang="en-US"/>
           </a:p>
@@ -461,7 +1182,7 @@
           <a:p>
             <a:fld id="{6464DA1F-012E-F647-BE90-9DF5CCDD3465}" type="datetimeFigureOut">
               <a:rPr kumimoji="1" lang="ko-KR" altLang="en-US" smtClean="0"/>
-              <a:t>2024-08-25</a:t>
+              <a:t>2024-08-26</a:t>
             </a:fld>
             <a:endParaRPr kumimoji="1" lang="ko-KR" altLang="en-US"/>
           </a:p>
@@ -669,7 +1390,7 @@
           <a:p>
             <a:fld id="{6464DA1F-012E-F647-BE90-9DF5CCDD3465}" type="datetimeFigureOut">
               <a:rPr kumimoji="1" lang="ko-KR" altLang="en-US" smtClean="0"/>
-              <a:t>2024-08-25</a:t>
+              <a:t>2024-08-26</a:t>
             </a:fld>
             <a:endParaRPr kumimoji="1" lang="ko-KR" altLang="en-US"/>
           </a:p>
@@ -867,7 +1588,7 @@
           <a:p>
             <a:fld id="{6464DA1F-012E-F647-BE90-9DF5CCDD3465}" type="datetimeFigureOut">
               <a:rPr kumimoji="1" lang="ko-KR" altLang="en-US" smtClean="0"/>
-              <a:t>2024-08-25</a:t>
+              <a:t>2024-08-26</a:t>
             </a:fld>
             <a:endParaRPr kumimoji="1" lang="ko-KR" altLang="en-US"/>
           </a:p>
@@ -1142,7 +1863,7 @@
           <a:p>
             <a:fld id="{6464DA1F-012E-F647-BE90-9DF5CCDD3465}" type="datetimeFigureOut">
               <a:rPr kumimoji="1" lang="ko-KR" altLang="en-US" smtClean="0"/>
-              <a:t>2024-08-25</a:t>
+              <a:t>2024-08-26</a:t>
             </a:fld>
             <a:endParaRPr kumimoji="1" lang="ko-KR" altLang="en-US"/>
           </a:p>
@@ -1407,7 +2128,7 @@
           <a:p>
             <a:fld id="{6464DA1F-012E-F647-BE90-9DF5CCDD3465}" type="datetimeFigureOut">
               <a:rPr kumimoji="1" lang="ko-KR" altLang="en-US" smtClean="0"/>
-              <a:t>2024-08-25</a:t>
+              <a:t>2024-08-26</a:t>
             </a:fld>
             <a:endParaRPr kumimoji="1" lang="ko-KR" altLang="en-US"/>
           </a:p>
@@ -1819,7 +2540,7 @@
           <a:p>
             <a:fld id="{6464DA1F-012E-F647-BE90-9DF5CCDD3465}" type="datetimeFigureOut">
               <a:rPr kumimoji="1" lang="ko-KR" altLang="en-US" smtClean="0"/>
-              <a:t>2024-08-25</a:t>
+              <a:t>2024-08-26</a:t>
             </a:fld>
             <a:endParaRPr kumimoji="1" lang="ko-KR" altLang="en-US"/>
           </a:p>
@@ -1960,7 +2681,7 @@
           <a:p>
             <a:fld id="{6464DA1F-012E-F647-BE90-9DF5CCDD3465}" type="datetimeFigureOut">
               <a:rPr kumimoji="1" lang="ko-KR" altLang="en-US" smtClean="0"/>
-              <a:t>2024-08-25</a:t>
+              <a:t>2024-08-26</a:t>
             </a:fld>
             <a:endParaRPr kumimoji="1" lang="ko-KR" altLang="en-US"/>
           </a:p>
@@ -2073,7 +2794,7 @@
           <a:p>
             <a:fld id="{6464DA1F-012E-F647-BE90-9DF5CCDD3465}" type="datetimeFigureOut">
               <a:rPr kumimoji="1" lang="ko-KR" altLang="en-US" smtClean="0"/>
-              <a:t>2024-08-25</a:t>
+              <a:t>2024-08-26</a:t>
             </a:fld>
             <a:endParaRPr kumimoji="1" lang="ko-KR" altLang="en-US"/>
           </a:p>
@@ -2384,7 +3105,7 @@
           <a:p>
             <a:fld id="{6464DA1F-012E-F647-BE90-9DF5CCDD3465}" type="datetimeFigureOut">
               <a:rPr kumimoji="1" lang="ko-KR" altLang="en-US" smtClean="0"/>
-              <a:t>2024-08-25</a:t>
+              <a:t>2024-08-26</a:t>
             </a:fld>
             <a:endParaRPr kumimoji="1" lang="ko-KR" altLang="en-US"/>
           </a:p>
@@ -2672,7 +3393,7 @@
           <a:p>
             <a:fld id="{6464DA1F-012E-F647-BE90-9DF5CCDD3465}" type="datetimeFigureOut">
               <a:rPr kumimoji="1" lang="ko-KR" altLang="en-US" smtClean="0"/>
-              <a:t>2024-08-25</a:t>
+              <a:t>2024-08-26</a:t>
             </a:fld>
             <a:endParaRPr kumimoji="1" lang="ko-KR" altLang="en-US"/>
           </a:p>
@@ -2913,7 +3634,7 @@
           <a:p>
             <a:fld id="{6464DA1F-012E-F647-BE90-9DF5CCDD3465}" type="datetimeFigureOut">
               <a:rPr kumimoji="1" lang="ko-KR" altLang="en-US" smtClean="0"/>
-              <a:t>2024-08-25</a:t>
+              <a:t>2024-08-26</a:t>
             </a:fld>
             <a:endParaRPr kumimoji="1" lang="ko-KR" altLang="en-US"/>
           </a:p>
@@ -5235,29 +5956,511 @@
           </a:p>
         </p:txBody>
       </p:sp>
+      <p:sp>
+        <p:nvSpPr>
+          <p:cNvPr id="51" name="TextBox 50"/>
+          <p:cNvSpPr txBox="1"/>
+          <p:nvPr/>
+        </p:nvSpPr>
+        <p:spPr>
+          <a:xfrm>
+            <a:off x="6655777" y="2690446"/>
+            <a:ext cx="5291239" cy="461665"/>
+          </a:xfrm>
+          <a:prstGeom prst="rect">
+            <a:avLst/>
+          </a:prstGeom>
+          <a:noFill/>
+        </p:spPr>
+        <p:txBody>
+          <a:bodyPr wrap="square" rtlCol="0">
+            <a:spAutoFit/>
+          </a:bodyPr>
+          <a:lstStyle/>
+          <a:p>
+            <a:r>
+              <a:rPr lang="en-US" altLang="ko-KR" sz="1200" dirty="0" smtClean="0"/>
+              <a:t> Layer</a:t>
+            </a:r>
+            <a:r>
+              <a:rPr lang="ko-KR" altLang="en-US" sz="1200" dirty="0" smtClean="0"/>
+              <a:t>는 논리적인 </a:t>
+            </a:r>
+            <a:r>
+              <a:rPr lang="ko-KR" altLang="en-US" sz="1200" dirty="0" err="1" smtClean="0"/>
+              <a:t>개념일뿐</a:t>
+            </a:r>
+            <a:r>
+              <a:rPr lang="en-US" altLang="ko-KR" sz="1200" dirty="0" smtClean="0"/>
+              <a:t>, </a:t>
+            </a:r>
+            <a:r>
+              <a:rPr lang="ko-KR" altLang="en-US" sz="1200" dirty="0" smtClean="0"/>
+              <a:t>하드웨어 입장에서는 </a:t>
+            </a:r>
+            <a:r>
+              <a:rPr lang="en-US" altLang="ko-KR" sz="1200" dirty="0" smtClean="0"/>
+              <a:t>kernel</a:t>
+            </a:r>
+            <a:r>
+              <a:rPr lang="ko-KR" altLang="en-US" sz="1200" dirty="0" smtClean="0"/>
+              <a:t>영역이나 </a:t>
+            </a:r>
+            <a:r>
+              <a:rPr lang="en-US" altLang="ko-KR" sz="1200" dirty="0" smtClean="0"/>
+              <a:t>User</a:t>
+            </a:r>
+            <a:r>
+              <a:rPr lang="ko-KR" altLang="en-US" sz="1200" dirty="0" smtClean="0"/>
+              <a:t>영역이나 평등하다</a:t>
+            </a:r>
+            <a:r>
+              <a:rPr lang="en-US" altLang="ko-KR" sz="1200" dirty="0" smtClean="0"/>
+              <a:t>. CPU</a:t>
+            </a:r>
+            <a:r>
+              <a:rPr lang="ko-KR" altLang="en-US" sz="1200" dirty="0" smtClean="0"/>
+              <a:t>가 읽어서 수행해야하는 </a:t>
+            </a:r>
+            <a:r>
+              <a:rPr lang="en-US" altLang="ko-KR" sz="1200" dirty="0" smtClean="0"/>
+              <a:t>Process</a:t>
+            </a:r>
+            <a:r>
+              <a:rPr lang="ko-KR" altLang="en-US" sz="1200" dirty="0" smtClean="0"/>
+              <a:t>일뿐이다</a:t>
+            </a:r>
+            <a:r>
+              <a:rPr lang="en-US" altLang="ko-KR" sz="1200" dirty="0" smtClean="0"/>
+              <a:t>.</a:t>
+            </a:r>
+            <a:endParaRPr lang="ko-KR" altLang="en-US" sz="1200" dirty="0"/>
+          </a:p>
+        </p:txBody>
+      </p:sp>
       <p:grpSp>
         <p:nvGrpSpPr>
-          <p:cNvPr id="45" name="그룹 44"/>
+          <p:cNvPr id="2" name="그룹 1"/>
           <p:cNvGrpSpPr/>
           <p:nvPr/>
         </p:nvGrpSpPr>
         <p:grpSpPr>
           <a:xfrm>
-            <a:off x="7508631" y="4597131"/>
-            <a:ext cx="3965332" cy="1544656"/>
-            <a:chOff x="7007469" y="4458631"/>
-            <a:chExt cx="3965332" cy="1544656"/>
+            <a:off x="7508631" y="3492607"/>
+            <a:ext cx="3965332" cy="2649180"/>
+            <a:chOff x="7508631" y="3492607"/>
+            <a:chExt cx="3965332" cy="2649180"/>
           </a:xfrm>
         </p:grpSpPr>
+        <p:grpSp>
+          <p:nvGrpSpPr>
+            <p:cNvPr id="45" name="그룹 44"/>
+            <p:cNvGrpSpPr/>
+            <p:nvPr/>
+          </p:nvGrpSpPr>
+          <p:grpSpPr>
+            <a:xfrm>
+              <a:off x="7508631" y="4597131"/>
+              <a:ext cx="3965332" cy="1544656"/>
+              <a:chOff x="7007469" y="4458631"/>
+              <a:chExt cx="3965332" cy="1544656"/>
+            </a:xfrm>
+          </p:grpSpPr>
+          <p:sp>
+            <p:nvSpPr>
+              <p:cNvPr id="39" name="TextBox 38"/>
+              <p:cNvSpPr txBox="1"/>
+              <p:nvPr/>
+            </p:nvSpPr>
+            <p:spPr>
+              <a:xfrm>
+                <a:off x="10423179" y="4458631"/>
+                <a:ext cx="549622" cy="276999"/>
+              </a:xfrm>
+              <a:prstGeom prst="rect">
+                <a:avLst/>
+              </a:prstGeom>
+              <a:noFill/>
+              <a:scene3d>
+                <a:camera prst="isometricOffAxis2Left"/>
+                <a:lightRig rig="threePt" dir="t"/>
+              </a:scene3d>
+            </p:spPr>
+            <p:txBody>
+              <a:bodyPr wrap="square" rtlCol="0">
+                <a:spAutoFit/>
+              </a:bodyPr>
+              <a:lstStyle/>
+              <a:p>
+                <a:pPr algn="ctr"/>
+                <a:r>
+                  <a:rPr lang="en-US" altLang="ko-KR" sz="1200" b="1" dirty="0" smtClean="0">
+                    <a:latin typeface="Times New Roman" panose="02020603050405020304" pitchFamily="18" charset="0"/>
+                    <a:cs typeface="Times New Roman" panose="02020603050405020304" pitchFamily="18" charset="0"/>
+                  </a:rPr>
+                  <a:t>RAM</a:t>
+                </a:r>
+                <a:endParaRPr lang="ko-KR" altLang="en-US" sz="1200" b="1" dirty="0">
+                  <a:latin typeface="Times New Roman" panose="02020603050405020304" pitchFamily="18" charset="0"/>
+                  <a:cs typeface="Times New Roman" panose="02020603050405020304" pitchFamily="18" charset="0"/>
+                </a:endParaRPr>
+              </a:p>
+            </p:txBody>
+          </p:sp>
+          <p:sp>
+            <p:nvSpPr>
+              <p:cNvPr id="35" name="직사각형 34"/>
+              <p:cNvSpPr/>
+              <p:nvPr/>
+            </p:nvSpPr>
+            <p:spPr>
+              <a:xfrm>
+                <a:off x="7007469" y="4742648"/>
+                <a:ext cx="3569677" cy="798073"/>
+              </a:xfrm>
+              <a:prstGeom prst="rect">
+                <a:avLst/>
+              </a:prstGeom>
+              <a:noFill/>
+              <a:ln>
+                <a:solidFill>
+                  <a:schemeClr val="tx1"/>
+                </a:solidFill>
+              </a:ln>
+              <a:scene3d>
+                <a:camera prst="perspectiveRelaxedModerately"/>
+                <a:lightRig rig="threePt" dir="t"/>
+              </a:scene3d>
+            </p:spPr>
+            <p:style>
+              <a:lnRef idx="2">
+                <a:schemeClr val="accent1">
+                  <a:shade val="50000"/>
+                </a:schemeClr>
+              </a:lnRef>
+              <a:fillRef idx="1">
+                <a:schemeClr val="accent1"/>
+              </a:fillRef>
+              <a:effectRef idx="0">
+                <a:schemeClr val="accent1"/>
+              </a:effectRef>
+              <a:fontRef idx="minor">
+                <a:schemeClr val="lt1"/>
+              </a:fontRef>
+            </p:style>
+            <p:txBody>
+              <a:bodyPr rtlCol="0" anchor="ctr"/>
+              <a:lstStyle/>
+              <a:p>
+                <a:pPr algn="ctr"/>
+                <a:endParaRPr lang="ko-KR" altLang="en-US"/>
+              </a:p>
+            </p:txBody>
+          </p:sp>
+          <p:sp>
+            <p:nvSpPr>
+              <p:cNvPr id="37" name="직사각형 36"/>
+              <p:cNvSpPr/>
+              <p:nvPr/>
+            </p:nvSpPr>
+            <p:spPr>
+              <a:xfrm>
+                <a:off x="8979017" y="4983177"/>
+                <a:ext cx="446063" cy="326447"/>
+              </a:xfrm>
+              <a:prstGeom prst="rect">
+                <a:avLst/>
+              </a:prstGeom>
+              <a:solidFill>
+                <a:schemeClr val="accent1">
+                  <a:lumMod val="60000"/>
+                  <a:lumOff val="40000"/>
+                </a:schemeClr>
+              </a:solidFill>
+              <a:ln>
+                <a:solidFill>
+                  <a:schemeClr val="tx1"/>
+                </a:solidFill>
+              </a:ln>
+              <a:scene3d>
+                <a:camera prst="perspectiveRelaxed"/>
+                <a:lightRig rig="threePt" dir="t"/>
+              </a:scene3d>
+            </p:spPr>
+            <p:style>
+              <a:lnRef idx="2">
+                <a:schemeClr val="accent1">
+                  <a:shade val="50000"/>
+                </a:schemeClr>
+              </a:lnRef>
+              <a:fillRef idx="1">
+                <a:schemeClr val="accent1"/>
+              </a:fillRef>
+              <a:effectRef idx="0">
+                <a:schemeClr val="accent1"/>
+              </a:effectRef>
+              <a:fontRef idx="minor">
+                <a:schemeClr val="lt1"/>
+              </a:fontRef>
+            </p:style>
+            <p:txBody>
+              <a:bodyPr rtlCol="0" anchor="ctr"/>
+              <a:lstStyle/>
+              <a:p>
+                <a:pPr algn="ctr"/>
+                <a:endParaRPr lang="ko-KR" altLang="en-US"/>
+              </a:p>
+            </p:txBody>
+          </p:sp>
+          <p:sp>
+            <p:nvSpPr>
+              <p:cNvPr id="38" name="직사각형 37"/>
+              <p:cNvSpPr/>
+              <p:nvPr/>
+            </p:nvSpPr>
+            <p:spPr>
+              <a:xfrm>
+                <a:off x="9794114" y="4974382"/>
+                <a:ext cx="446063" cy="326447"/>
+              </a:xfrm>
+              <a:prstGeom prst="rect">
+                <a:avLst/>
+              </a:prstGeom>
+              <a:solidFill>
+                <a:schemeClr val="accent6">
+                  <a:lumMod val="60000"/>
+                  <a:lumOff val="40000"/>
+                </a:schemeClr>
+              </a:solidFill>
+              <a:ln>
+                <a:solidFill>
+                  <a:schemeClr val="tx1"/>
+                </a:solidFill>
+              </a:ln>
+              <a:scene3d>
+                <a:camera prst="perspectiveRelaxed"/>
+                <a:lightRig rig="threePt" dir="t"/>
+              </a:scene3d>
+            </p:spPr>
+            <p:style>
+              <a:lnRef idx="2">
+                <a:schemeClr val="accent1">
+                  <a:shade val="50000"/>
+                </a:schemeClr>
+              </a:lnRef>
+              <a:fillRef idx="1">
+                <a:schemeClr val="accent1"/>
+              </a:fillRef>
+              <a:effectRef idx="0">
+                <a:schemeClr val="accent1"/>
+              </a:effectRef>
+              <a:fontRef idx="minor">
+                <a:schemeClr val="lt1"/>
+              </a:fontRef>
+            </p:style>
+            <p:txBody>
+              <a:bodyPr rtlCol="0" anchor="ctr"/>
+              <a:lstStyle/>
+              <a:p>
+                <a:pPr algn="ctr"/>
+                <a:endParaRPr lang="ko-KR" altLang="en-US"/>
+              </a:p>
+            </p:txBody>
+          </p:sp>
+          <p:sp>
+            <p:nvSpPr>
+              <p:cNvPr id="36" name="직사각형 35"/>
+              <p:cNvSpPr/>
+              <p:nvPr/>
+            </p:nvSpPr>
+            <p:spPr>
+              <a:xfrm>
+                <a:off x="7445960" y="4825844"/>
+                <a:ext cx="879230" cy="537463"/>
+              </a:xfrm>
+              <a:prstGeom prst="rect">
+                <a:avLst/>
+              </a:prstGeom>
+              <a:solidFill>
+                <a:schemeClr val="bg2">
+                  <a:lumMod val="50000"/>
+                </a:schemeClr>
+              </a:solidFill>
+              <a:ln>
+                <a:solidFill>
+                  <a:schemeClr val="tx1"/>
+                </a:solidFill>
+              </a:ln>
+              <a:scene3d>
+                <a:camera prst="perspectiveRelaxed"/>
+                <a:lightRig rig="threePt" dir="t"/>
+              </a:scene3d>
+            </p:spPr>
+            <p:style>
+              <a:lnRef idx="2">
+                <a:schemeClr val="accent1">
+                  <a:shade val="50000"/>
+                </a:schemeClr>
+              </a:lnRef>
+              <a:fillRef idx="1">
+                <a:schemeClr val="accent1"/>
+              </a:fillRef>
+              <a:effectRef idx="0">
+                <a:schemeClr val="accent1"/>
+              </a:effectRef>
+              <a:fontRef idx="minor">
+                <a:schemeClr val="lt1"/>
+              </a:fontRef>
+            </p:style>
+            <p:txBody>
+              <a:bodyPr rtlCol="0" anchor="ctr"/>
+              <a:lstStyle/>
+              <a:p>
+                <a:pPr algn="ctr"/>
+                <a:endParaRPr lang="ko-KR" altLang="en-US"/>
+              </a:p>
+            </p:txBody>
+          </p:sp>
+          <p:sp>
+            <p:nvSpPr>
+              <p:cNvPr id="40" name="TextBox 39"/>
+              <p:cNvSpPr txBox="1"/>
+              <p:nvPr/>
+            </p:nvSpPr>
+            <p:spPr>
+              <a:xfrm>
+                <a:off x="7455759" y="5603070"/>
+                <a:ext cx="923397" cy="276999"/>
+              </a:xfrm>
+              <a:prstGeom prst="rect">
+                <a:avLst/>
+              </a:prstGeom>
+              <a:noFill/>
+            </p:spPr>
+            <p:txBody>
+              <a:bodyPr wrap="square" rtlCol="0">
+                <a:spAutoFit/>
+              </a:bodyPr>
+              <a:lstStyle/>
+              <a:p>
+                <a:r>
+                  <a:rPr lang="en-US" altLang="ko-KR" sz="1200" b="1" dirty="0" smtClean="0">
+                    <a:latin typeface="Times New Roman" panose="02020603050405020304" pitchFamily="18" charset="0"/>
+                    <a:cs typeface="Times New Roman" panose="02020603050405020304" pitchFamily="18" charset="0"/>
+                  </a:rPr>
+                  <a:t>OS Process</a:t>
+                </a:r>
+                <a:endParaRPr lang="ko-KR" altLang="en-US" sz="1200" b="1" dirty="0">
+                  <a:latin typeface="Times New Roman" panose="02020603050405020304" pitchFamily="18" charset="0"/>
+                  <a:cs typeface="Times New Roman" panose="02020603050405020304" pitchFamily="18" charset="0"/>
+                </a:endParaRPr>
+              </a:p>
+            </p:txBody>
+          </p:sp>
+          <p:sp>
+            <p:nvSpPr>
+              <p:cNvPr id="42" name="TextBox 41"/>
+              <p:cNvSpPr txBox="1"/>
+              <p:nvPr/>
+            </p:nvSpPr>
+            <p:spPr>
+              <a:xfrm>
+                <a:off x="8909368" y="5541622"/>
+                <a:ext cx="683852" cy="461665"/>
+              </a:xfrm>
+              <a:prstGeom prst="rect">
+                <a:avLst/>
+              </a:prstGeom>
+              <a:noFill/>
+            </p:spPr>
+            <p:txBody>
+              <a:bodyPr wrap="square" rtlCol="0">
+                <a:spAutoFit/>
+              </a:bodyPr>
+              <a:lstStyle/>
+              <a:p>
+                <a:pPr algn="ctr"/>
+                <a:r>
+                  <a:rPr lang="en-US" altLang="ko-KR" sz="1200" b="1" dirty="0" smtClean="0">
+                    <a:latin typeface="Times New Roman" panose="02020603050405020304" pitchFamily="18" charset="0"/>
+                    <a:cs typeface="Times New Roman" panose="02020603050405020304" pitchFamily="18" charset="0"/>
+                  </a:rPr>
+                  <a:t>App1 </a:t>
+                </a:r>
+              </a:p>
+              <a:p>
+                <a:pPr algn="ctr"/>
+                <a:r>
+                  <a:rPr lang="en-US" altLang="ko-KR" sz="1200" b="1" dirty="0" smtClean="0">
+                    <a:latin typeface="Times New Roman" panose="02020603050405020304" pitchFamily="18" charset="0"/>
+                    <a:cs typeface="Times New Roman" panose="02020603050405020304" pitchFamily="18" charset="0"/>
+                  </a:rPr>
+                  <a:t>Process</a:t>
+                </a:r>
+                <a:endParaRPr lang="ko-KR" altLang="en-US" sz="1200" b="1" dirty="0">
+                  <a:latin typeface="Times New Roman" panose="02020603050405020304" pitchFamily="18" charset="0"/>
+                  <a:cs typeface="Times New Roman" panose="02020603050405020304" pitchFamily="18" charset="0"/>
+                </a:endParaRPr>
+              </a:p>
+            </p:txBody>
+          </p:sp>
+          <p:sp>
+            <p:nvSpPr>
+              <p:cNvPr id="43" name="TextBox 42"/>
+              <p:cNvSpPr txBox="1"/>
+              <p:nvPr/>
+            </p:nvSpPr>
+            <p:spPr>
+              <a:xfrm>
+                <a:off x="9699362" y="5541622"/>
+                <a:ext cx="683852" cy="461665"/>
+              </a:xfrm>
+              <a:prstGeom prst="rect">
+                <a:avLst/>
+              </a:prstGeom>
+              <a:noFill/>
+            </p:spPr>
+            <p:txBody>
+              <a:bodyPr wrap="square" rtlCol="0">
+                <a:spAutoFit/>
+              </a:bodyPr>
+              <a:lstStyle/>
+              <a:p>
+                <a:pPr algn="ctr"/>
+                <a:r>
+                  <a:rPr lang="en-US" altLang="ko-KR" sz="1200" b="1" dirty="0" smtClean="0">
+                    <a:latin typeface="Times New Roman" panose="02020603050405020304" pitchFamily="18" charset="0"/>
+                    <a:cs typeface="Times New Roman" panose="02020603050405020304" pitchFamily="18" charset="0"/>
+                  </a:rPr>
+                  <a:t>App2 </a:t>
+                </a:r>
+              </a:p>
+              <a:p>
+                <a:pPr algn="ctr"/>
+                <a:r>
+                  <a:rPr lang="en-US" altLang="ko-KR" sz="1200" b="1" dirty="0" smtClean="0">
+                    <a:latin typeface="Times New Roman" panose="02020603050405020304" pitchFamily="18" charset="0"/>
+                    <a:cs typeface="Times New Roman" panose="02020603050405020304" pitchFamily="18" charset="0"/>
+                  </a:rPr>
+                  <a:t>Process</a:t>
+                </a:r>
+                <a:endParaRPr lang="ko-KR" altLang="en-US" sz="1200" b="1" dirty="0">
+                  <a:latin typeface="Times New Roman" panose="02020603050405020304" pitchFamily="18" charset="0"/>
+                  <a:cs typeface="Times New Roman" panose="02020603050405020304" pitchFamily="18" charset="0"/>
+                </a:endParaRPr>
+              </a:p>
+            </p:txBody>
+          </p:sp>
+        </p:grpSp>
         <p:sp>
           <p:nvSpPr>
-            <p:cNvPr id="39" name="TextBox 38"/>
+            <p:cNvPr id="47" name="TextBox 46"/>
             <p:cNvSpPr txBox="1"/>
             <p:nvPr/>
           </p:nvSpPr>
           <p:spPr>
             <a:xfrm>
-              <a:off x="10423179" y="4458631"/>
+              <a:off x="9516795" y="3492607"/>
               <a:ext cx="549622" cy="276999"/>
             </a:xfrm>
             <a:prstGeom prst="rect">
@@ -5281,275 +6484,92 @@
                   <a:latin typeface="Times New Roman" panose="02020603050405020304" pitchFamily="18" charset="0"/>
                   <a:cs typeface="Times New Roman" panose="02020603050405020304" pitchFamily="18" charset="0"/>
                 </a:rPr>
-                <a:t>RAM</a:t>
+                <a:t>CPU</a:t>
               </a:r>
-              <a:endParaRPr lang="ko-KR" altLang="en-US" sz="1200" b="1" dirty="0">
-                <a:latin typeface="Times New Roman" panose="02020603050405020304" pitchFamily="18" charset="0"/>
-                <a:cs typeface="Times New Roman" panose="02020603050405020304" pitchFamily="18" charset="0"/>
-              </a:endParaRPr>
             </a:p>
           </p:txBody>
         </p:sp>
-        <p:sp>
-          <p:nvSpPr>
-            <p:cNvPr id="35" name="직사각형 34"/>
-            <p:cNvSpPr/>
+        <p:pic>
+          <p:nvPicPr>
+            <p:cNvPr id="49" name="그림 48"/>
+            <p:cNvPicPr>
+              <a:picLocks noChangeAspect="1"/>
+            </p:cNvPicPr>
             <p:nvPr/>
-          </p:nvSpPr>
+          </p:nvPicPr>
+          <p:blipFill>
+            <a:blip r:embed="rId2">
+              <a:extLst>
+                <a:ext uri="{28A0092B-C50C-407E-A947-70E740481C1C}">
+                  <a14:useLocalDpi xmlns:a14="http://schemas.microsoft.com/office/drawing/2010/main" val="0"/>
+                </a:ext>
+              </a:extLst>
+            </a:blip>
+            <a:stretch>
+              <a:fillRect/>
+            </a:stretch>
+          </p:blipFill>
           <p:spPr>
             <a:xfrm>
-              <a:off x="7007469" y="4742648"/>
-              <a:ext cx="3569677" cy="798073"/>
+              <a:off x="8790309" y="3576970"/>
+              <a:ext cx="912901" cy="929605"/>
             </a:xfrm>
             <a:prstGeom prst="rect">
               <a:avLst/>
             </a:prstGeom>
-            <a:noFill/>
-            <a:ln>
-              <a:solidFill>
-                <a:schemeClr val="tx1"/>
-              </a:solidFill>
-            </a:ln>
-            <a:scene3d>
-              <a:camera prst="perspectiveRelaxedModerately"/>
-              <a:lightRig rig="threePt" dir="t"/>
-            </a:scene3d>
-          </p:spPr>
-          <p:style>
-            <a:lnRef idx="2">
-              <a:schemeClr val="accent1">
-                <a:shade val="50000"/>
-              </a:schemeClr>
-            </a:lnRef>
-            <a:fillRef idx="1">
-              <a:schemeClr val="accent1"/>
-            </a:fillRef>
-            <a:effectRef idx="0">
-              <a:schemeClr val="accent1"/>
-            </a:effectRef>
-            <a:fontRef idx="minor">
-              <a:schemeClr val="lt1"/>
-            </a:fontRef>
-          </p:style>
-          <p:txBody>
-            <a:bodyPr rtlCol="0" anchor="ctr"/>
-            <a:lstStyle/>
-            <a:p>
-              <a:pPr algn="ctr"/>
-              <a:endParaRPr lang="ko-KR" altLang="en-US"/>
-            </a:p>
-          </p:txBody>
-        </p:sp>
-        <p:sp>
-          <p:nvSpPr>
-            <p:cNvPr id="37" name="직사각형 36"/>
-            <p:cNvSpPr/>
-            <p:nvPr/>
-          </p:nvSpPr>
-          <p:spPr>
-            <a:xfrm>
-              <a:off x="8979017" y="4983177"/>
-              <a:ext cx="446063" cy="326447"/>
-            </a:xfrm>
-            <a:prstGeom prst="rect">
-              <a:avLst/>
-            </a:prstGeom>
-            <a:solidFill>
-              <a:schemeClr val="accent1">
-                <a:lumMod val="60000"/>
-                <a:lumOff val="40000"/>
-              </a:schemeClr>
-            </a:solidFill>
-            <a:ln>
-              <a:solidFill>
-                <a:schemeClr val="tx1"/>
-              </a:solidFill>
-            </a:ln>
             <a:scene3d>
               <a:camera prst="perspectiveRelaxed"/>
               <a:lightRig rig="threePt" dir="t"/>
             </a:scene3d>
           </p:spPr>
+        </p:pic>
+        <p:cxnSp>
+          <p:nvCxnSpPr>
+            <p:cNvPr id="53" name="꺾인 연결선 52"/>
+            <p:cNvCxnSpPr>
+              <a:endCxn id="37" idx="0"/>
+            </p:cNvCxnSpPr>
+            <p:nvPr/>
+          </p:nvCxnSpPr>
+          <p:spPr>
+            <a:xfrm rot="16200000" flipH="1">
+              <a:off x="9034467" y="4452933"/>
+              <a:ext cx="971708" cy="365780"/>
+            </a:xfrm>
+            <a:prstGeom prst="bentConnector3">
+              <a:avLst>
+                <a:gd name="adj1" fmla="val 27379"/>
+              </a:avLst>
+            </a:prstGeom>
+            <a:ln>
+              <a:tailEnd type="triangle"/>
+            </a:ln>
+          </p:spPr>
           <p:style>
-            <a:lnRef idx="2">
-              <a:schemeClr val="accent1">
-                <a:shade val="50000"/>
-              </a:schemeClr>
+            <a:lnRef idx="1">
+              <a:schemeClr val="dk1"/>
             </a:lnRef>
-            <a:fillRef idx="1">
-              <a:schemeClr val="accent1"/>
+            <a:fillRef idx="0">
+              <a:schemeClr val="dk1"/>
             </a:fillRef>
             <a:effectRef idx="0">
-              <a:schemeClr val="accent1"/>
+              <a:schemeClr val="dk1"/>
             </a:effectRef>
             <a:fontRef idx="minor">
-              <a:schemeClr val="lt1"/>
+              <a:schemeClr val="tx1"/>
             </a:fontRef>
           </p:style>
-          <p:txBody>
-            <a:bodyPr rtlCol="0" anchor="ctr"/>
-            <a:lstStyle/>
-            <a:p>
-              <a:pPr algn="ctr"/>
-              <a:endParaRPr lang="ko-KR" altLang="en-US"/>
-            </a:p>
-          </p:txBody>
-        </p:sp>
+        </p:cxnSp>
         <p:sp>
           <p:nvSpPr>
-            <p:cNvPr id="38" name="직사각형 37"/>
-            <p:cNvSpPr/>
-            <p:nvPr/>
-          </p:nvSpPr>
-          <p:spPr>
-            <a:xfrm>
-              <a:off x="9794114" y="4974382"/>
-              <a:ext cx="446063" cy="326447"/>
-            </a:xfrm>
-            <a:prstGeom prst="rect">
-              <a:avLst/>
-            </a:prstGeom>
-            <a:solidFill>
-              <a:schemeClr val="accent6">
-                <a:lumMod val="60000"/>
-                <a:lumOff val="40000"/>
-              </a:schemeClr>
-            </a:solidFill>
-            <a:ln>
-              <a:solidFill>
-                <a:schemeClr val="tx1"/>
-              </a:solidFill>
-            </a:ln>
-            <a:scene3d>
-              <a:camera prst="perspectiveRelaxed"/>
-              <a:lightRig rig="threePt" dir="t"/>
-            </a:scene3d>
-          </p:spPr>
-          <p:style>
-            <a:lnRef idx="2">
-              <a:schemeClr val="accent1">
-                <a:shade val="50000"/>
-              </a:schemeClr>
-            </a:lnRef>
-            <a:fillRef idx="1">
-              <a:schemeClr val="accent1"/>
-            </a:fillRef>
-            <a:effectRef idx="0">
-              <a:schemeClr val="accent1"/>
-            </a:effectRef>
-            <a:fontRef idx="minor">
-              <a:schemeClr val="lt1"/>
-            </a:fontRef>
-          </p:style>
-          <p:txBody>
-            <a:bodyPr rtlCol="0" anchor="ctr"/>
-            <a:lstStyle/>
-            <a:p>
-              <a:pPr algn="ctr"/>
-              <a:endParaRPr lang="ko-KR" altLang="en-US"/>
-            </a:p>
-          </p:txBody>
-        </p:sp>
-        <p:sp>
-          <p:nvSpPr>
-            <p:cNvPr id="36" name="직사각형 35"/>
-            <p:cNvSpPr/>
-            <p:nvPr/>
-          </p:nvSpPr>
-          <p:spPr>
-            <a:xfrm>
-              <a:off x="7445960" y="4825844"/>
-              <a:ext cx="879230" cy="537463"/>
-            </a:xfrm>
-            <a:prstGeom prst="rect">
-              <a:avLst/>
-            </a:prstGeom>
-            <a:solidFill>
-              <a:schemeClr val="bg2">
-                <a:lumMod val="50000"/>
-              </a:schemeClr>
-            </a:solidFill>
-            <a:ln>
-              <a:solidFill>
-                <a:schemeClr val="tx1"/>
-              </a:solidFill>
-            </a:ln>
-            <a:scene3d>
-              <a:camera prst="perspectiveRelaxed"/>
-              <a:lightRig rig="threePt" dir="t"/>
-            </a:scene3d>
-          </p:spPr>
-          <p:style>
-            <a:lnRef idx="2">
-              <a:schemeClr val="accent1">
-                <a:shade val="50000"/>
-              </a:schemeClr>
-            </a:lnRef>
-            <a:fillRef idx="1">
-              <a:schemeClr val="accent1"/>
-            </a:fillRef>
-            <a:effectRef idx="0">
-              <a:schemeClr val="accent1"/>
-            </a:effectRef>
-            <a:fontRef idx="minor">
-              <a:schemeClr val="lt1"/>
-            </a:fontRef>
-          </p:style>
-          <p:txBody>
-            <a:bodyPr rtlCol="0" anchor="ctr"/>
-            <a:lstStyle/>
-            <a:p>
-              <a:pPr algn="ctr"/>
-              <a:endParaRPr lang="ko-KR" altLang="en-US"/>
-            </a:p>
-          </p:txBody>
-        </p:sp>
-        <p:sp>
-          <p:nvSpPr>
-            <p:cNvPr id="40" name="TextBox 39"/>
+            <p:cNvPr id="55" name="TextBox 54"/>
             <p:cNvSpPr txBox="1"/>
             <p:nvPr/>
           </p:nvSpPr>
           <p:spPr>
             <a:xfrm>
-              <a:off x="7455759" y="5603070"/>
-              <a:ext cx="923397" cy="276999"/>
-            </a:xfrm>
-            <a:prstGeom prst="rect">
-              <a:avLst/>
-            </a:prstGeom>
-            <a:noFill/>
-          </p:spPr>
-          <p:txBody>
-            <a:bodyPr wrap="square" rtlCol="0">
-              <a:spAutoFit/>
-            </a:bodyPr>
-            <a:lstStyle/>
-            <a:p>
-              <a:r>
-                <a:rPr lang="en-US" altLang="ko-KR" sz="1200" b="1" dirty="0" smtClean="0">
-                  <a:latin typeface="Times New Roman" panose="02020603050405020304" pitchFamily="18" charset="0"/>
-                  <a:cs typeface="Times New Roman" panose="02020603050405020304" pitchFamily="18" charset="0"/>
-                </a:rPr>
-                <a:t>OS Process</a:t>
-              </a:r>
-              <a:endParaRPr lang="ko-KR" altLang="en-US" sz="1200" b="1" dirty="0">
-                <a:latin typeface="Times New Roman" panose="02020603050405020304" pitchFamily="18" charset="0"/>
-                <a:cs typeface="Times New Roman" panose="02020603050405020304" pitchFamily="18" charset="0"/>
-              </a:endParaRPr>
-            </a:p>
-          </p:txBody>
-        </p:sp>
-        <p:sp>
-          <p:nvSpPr>
-            <p:cNvPr id="42" name="TextBox 41"/>
-            <p:cNvSpPr txBox="1"/>
-            <p:nvPr/>
-          </p:nvSpPr>
-          <p:spPr>
-            <a:xfrm>
-              <a:off x="8909368" y="5541622"/>
-              <a:ext cx="683852" cy="461665"/>
+              <a:off x="8844194" y="4524825"/>
+              <a:ext cx="1547721" cy="261610"/>
             </a:xfrm>
             <a:prstGeom prst="rect">
               <a:avLst/>
@@ -5564,39 +6584,63 @@
             <a:p>
               <a:pPr algn="ctr"/>
               <a:r>
-                <a:rPr lang="en-US" altLang="ko-KR" sz="1200" b="1" dirty="0" smtClean="0">
-                  <a:latin typeface="Times New Roman" panose="02020603050405020304" pitchFamily="18" charset="0"/>
-                  <a:cs typeface="Times New Roman" panose="02020603050405020304" pitchFamily="18" charset="0"/>
-                </a:rPr>
-                <a:t>App1 </a:t>
+                <a:rPr lang="ko-KR" altLang="en-US" sz="1050" b="1" dirty="0" smtClean="0"/>
+                <a:t>수행 </a:t>
               </a:r>
-            </a:p>
-            <a:p>
-              <a:pPr algn="ctr"/>
               <a:r>
-                <a:rPr lang="en-US" altLang="ko-KR" sz="1200" b="1" dirty="0" smtClean="0">
-                  <a:latin typeface="Times New Roman" panose="02020603050405020304" pitchFamily="18" charset="0"/>
-                  <a:cs typeface="Times New Roman" panose="02020603050405020304" pitchFamily="18" charset="0"/>
-                </a:rPr>
-                <a:t>Process</a:t>
+                <a:rPr lang="en-US" altLang="ko-KR" sz="1050" b="1" dirty="0" smtClean="0"/>
+                <a:t>(User Mode)</a:t>
               </a:r>
-              <a:endParaRPr lang="ko-KR" altLang="en-US" sz="1200" b="1" dirty="0">
-                <a:latin typeface="Times New Roman" panose="02020603050405020304" pitchFamily="18" charset="0"/>
-                <a:cs typeface="Times New Roman" panose="02020603050405020304" pitchFamily="18" charset="0"/>
-              </a:endParaRPr>
+              <a:endParaRPr lang="ko-KR" altLang="en-US" sz="1050" b="1" dirty="0"/>
             </a:p>
           </p:txBody>
         </p:sp>
+        <p:cxnSp>
+          <p:nvCxnSpPr>
+            <p:cNvPr id="56" name="꺾인 연결선 55"/>
+            <p:cNvCxnSpPr>
+              <a:stCxn id="49" idx="1"/>
+              <a:endCxn id="36" idx="0"/>
+            </p:cNvCxnSpPr>
+            <p:nvPr/>
+          </p:nvCxnSpPr>
+          <p:spPr>
+            <a:xfrm rot="10800000" flipV="1">
+              <a:off x="8386737" y="4041772"/>
+              <a:ext cx="403572" cy="922571"/>
+            </a:xfrm>
+            <a:prstGeom prst="bentConnector2">
+              <a:avLst/>
+            </a:prstGeom>
+            <a:ln>
+              <a:tailEnd type="triangle"/>
+            </a:ln>
+          </p:spPr>
+          <p:style>
+            <a:lnRef idx="1">
+              <a:schemeClr val="dk1"/>
+            </a:lnRef>
+            <a:fillRef idx="0">
+              <a:schemeClr val="dk1"/>
+            </a:fillRef>
+            <a:effectRef idx="0">
+              <a:schemeClr val="dk1"/>
+            </a:effectRef>
+            <a:fontRef idx="minor">
+              <a:schemeClr val="tx1"/>
+            </a:fontRef>
+          </p:style>
+        </p:cxnSp>
         <p:sp>
           <p:nvSpPr>
-            <p:cNvPr id="43" name="TextBox 42"/>
+            <p:cNvPr id="59" name="TextBox 58"/>
             <p:cNvSpPr txBox="1"/>
             <p:nvPr/>
           </p:nvSpPr>
           <p:spPr>
             <a:xfrm>
-              <a:off x="9699362" y="5541622"/>
-              <a:ext cx="683852" cy="461665"/>
+              <a:off x="7612876" y="4305513"/>
+              <a:ext cx="1547721" cy="261610"/>
             </a:xfrm>
             <a:prstGeom prst="rect">
               <a:avLst/>
@@ -5611,326 +6655,18 @@
             <a:p>
               <a:pPr algn="ctr"/>
               <a:r>
-                <a:rPr lang="en-US" altLang="ko-KR" sz="1200" b="1" dirty="0" smtClean="0">
-                  <a:latin typeface="Times New Roman" panose="02020603050405020304" pitchFamily="18" charset="0"/>
-                  <a:cs typeface="Times New Roman" panose="02020603050405020304" pitchFamily="18" charset="0"/>
-                </a:rPr>
-                <a:t>App2 </a:t>
+                <a:rPr lang="ko-KR" altLang="en-US" sz="1050" b="1" dirty="0" smtClean="0"/>
+                <a:t>수행 </a:t>
               </a:r>
-            </a:p>
-            <a:p>
-              <a:pPr algn="ctr"/>
               <a:r>
-                <a:rPr lang="en-US" altLang="ko-KR" sz="1200" b="1" dirty="0" smtClean="0">
-                  <a:latin typeface="Times New Roman" panose="02020603050405020304" pitchFamily="18" charset="0"/>
-                  <a:cs typeface="Times New Roman" panose="02020603050405020304" pitchFamily="18" charset="0"/>
-                </a:rPr>
-                <a:t>Process</a:t>
+                <a:rPr lang="en-US" altLang="ko-KR" sz="1050" b="1" dirty="0" smtClean="0"/>
+                <a:t>(Kernel Mode)</a:t>
               </a:r>
-              <a:endParaRPr lang="ko-KR" altLang="en-US" sz="1200" b="1" dirty="0">
-                <a:latin typeface="Times New Roman" panose="02020603050405020304" pitchFamily="18" charset="0"/>
-                <a:cs typeface="Times New Roman" panose="02020603050405020304" pitchFamily="18" charset="0"/>
-              </a:endParaRPr>
+              <a:endParaRPr lang="ko-KR" altLang="en-US" sz="1050" b="1" dirty="0"/>
             </a:p>
           </p:txBody>
         </p:sp>
       </p:grpSp>
-      <p:sp>
-        <p:nvSpPr>
-          <p:cNvPr id="47" name="TextBox 46"/>
-          <p:cNvSpPr txBox="1"/>
-          <p:nvPr/>
-        </p:nvSpPr>
-        <p:spPr>
-          <a:xfrm>
-            <a:off x="9516795" y="3492607"/>
-            <a:ext cx="549622" cy="276999"/>
-          </a:xfrm>
-          <a:prstGeom prst="rect">
-            <a:avLst/>
-          </a:prstGeom>
-          <a:noFill/>
-          <a:scene3d>
-            <a:camera prst="isometricOffAxis2Left"/>
-            <a:lightRig rig="threePt" dir="t"/>
-          </a:scene3d>
-        </p:spPr>
-        <p:txBody>
-          <a:bodyPr wrap="square" rtlCol="0">
-            <a:spAutoFit/>
-          </a:bodyPr>
-          <a:lstStyle/>
-          <a:p>
-            <a:pPr algn="ctr"/>
-            <a:r>
-              <a:rPr lang="en-US" altLang="ko-KR" sz="1200" b="1" dirty="0" smtClean="0">
-                <a:latin typeface="Times New Roman" panose="02020603050405020304" pitchFamily="18" charset="0"/>
-                <a:cs typeface="Times New Roman" panose="02020603050405020304" pitchFamily="18" charset="0"/>
-              </a:rPr>
-              <a:t>CPU</a:t>
-            </a:r>
-          </a:p>
-        </p:txBody>
-      </p:sp>
-      <p:pic>
-        <p:nvPicPr>
-          <p:cNvPr id="49" name="그림 48"/>
-          <p:cNvPicPr>
-            <a:picLocks noChangeAspect="1"/>
-          </p:cNvPicPr>
-          <p:nvPr/>
-        </p:nvPicPr>
-        <p:blipFill>
-          <a:blip r:embed="rId2">
-            <a:extLst>
-              <a:ext uri="{28A0092B-C50C-407E-A947-70E740481C1C}">
-                <a14:useLocalDpi xmlns:a14="http://schemas.microsoft.com/office/drawing/2010/main" val="0"/>
-              </a:ext>
-            </a:extLst>
-          </a:blip>
-          <a:stretch>
-            <a:fillRect/>
-          </a:stretch>
-        </p:blipFill>
-        <p:spPr>
-          <a:xfrm>
-            <a:off x="8790309" y="3576970"/>
-            <a:ext cx="912901" cy="929605"/>
-          </a:xfrm>
-          <a:prstGeom prst="rect">
-            <a:avLst/>
-          </a:prstGeom>
-          <a:scene3d>
-            <a:camera prst="perspectiveRelaxed"/>
-            <a:lightRig rig="threePt" dir="t"/>
-          </a:scene3d>
-        </p:spPr>
-      </p:pic>
-      <p:sp>
-        <p:nvSpPr>
-          <p:cNvPr id="51" name="TextBox 50"/>
-          <p:cNvSpPr txBox="1"/>
-          <p:nvPr/>
-        </p:nvSpPr>
-        <p:spPr>
-          <a:xfrm>
-            <a:off x="6655777" y="2690446"/>
-            <a:ext cx="5291239" cy="461665"/>
-          </a:xfrm>
-          <a:prstGeom prst="rect">
-            <a:avLst/>
-          </a:prstGeom>
-          <a:noFill/>
-        </p:spPr>
-        <p:txBody>
-          <a:bodyPr wrap="square" rtlCol="0">
-            <a:spAutoFit/>
-          </a:bodyPr>
-          <a:lstStyle/>
-          <a:p>
-            <a:r>
-              <a:rPr lang="en-US" altLang="ko-KR" sz="1200" dirty="0" smtClean="0"/>
-              <a:t> Layer</a:t>
-            </a:r>
-            <a:r>
-              <a:rPr lang="ko-KR" altLang="en-US" sz="1200" dirty="0" smtClean="0"/>
-              <a:t>는 논리적인 </a:t>
-            </a:r>
-            <a:r>
-              <a:rPr lang="ko-KR" altLang="en-US" sz="1200" dirty="0" err="1" smtClean="0"/>
-              <a:t>개념일뿐</a:t>
-            </a:r>
-            <a:r>
-              <a:rPr lang="en-US" altLang="ko-KR" sz="1200" dirty="0" smtClean="0"/>
-              <a:t>, </a:t>
-            </a:r>
-            <a:r>
-              <a:rPr lang="ko-KR" altLang="en-US" sz="1200" dirty="0" smtClean="0"/>
-              <a:t>하드웨어 입장에서는 </a:t>
-            </a:r>
-            <a:r>
-              <a:rPr lang="en-US" altLang="ko-KR" sz="1200" dirty="0" smtClean="0"/>
-              <a:t>kernel</a:t>
-            </a:r>
-            <a:r>
-              <a:rPr lang="ko-KR" altLang="en-US" sz="1200" dirty="0" smtClean="0"/>
-              <a:t>영역이나 </a:t>
-            </a:r>
-            <a:r>
-              <a:rPr lang="en-US" altLang="ko-KR" sz="1200" dirty="0" smtClean="0"/>
-              <a:t>User</a:t>
-            </a:r>
-            <a:r>
-              <a:rPr lang="ko-KR" altLang="en-US" sz="1200" dirty="0" smtClean="0"/>
-              <a:t>영역이나 평등하다</a:t>
-            </a:r>
-            <a:r>
-              <a:rPr lang="en-US" altLang="ko-KR" sz="1200" dirty="0" smtClean="0"/>
-              <a:t>. CPU</a:t>
-            </a:r>
-            <a:r>
-              <a:rPr lang="ko-KR" altLang="en-US" sz="1200" dirty="0" smtClean="0"/>
-              <a:t>가 읽어서 수행해야하는 </a:t>
-            </a:r>
-            <a:r>
-              <a:rPr lang="en-US" altLang="ko-KR" sz="1200" dirty="0" smtClean="0"/>
-              <a:t>Process</a:t>
-            </a:r>
-            <a:r>
-              <a:rPr lang="ko-KR" altLang="en-US" sz="1200" dirty="0" smtClean="0"/>
-              <a:t>일뿐이다</a:t>
-            </a:r>
-            <a:r>
-              <a:rPr lang="en-US" altLang="ko-KR" sz="1200" dirty="0" smtClean="0"/>
-              <a:t>.</a:t>
-            </a:r>
-            <a:endParaRPr lang="ko-KR" altLang="en-US" sz="1200" dirty="0"/>
-          </a:p>
-        </p:txBody>
-      </p:sp>
-      <p:cxnSp>
-        <p:nvCxnSpPr>
-          <p:cNvPr id="53" name="꺾인 연결선 52"/>
-          <p:cNvCxnSpPr>
-            <a:endCxn id="37" idx="0"/>
-          </p:cNvCxnSpPr>
-          <p:nvPr/>
-        </p:nvCxnSpPr>
-        <p:spPr>
-          <a:xfrm rot="16200000" flipH="1">
-            <a:off x="9034467" y="4452933"/>
-            <a:ext cx="971708" cy="365780"/>
-          </a:xfrm>
-          <a:prstGeom prst="bentConnector3">
-            <a:avLst>
-              <a:gd name="adj1" fmla="val 27379"/>
-            </a:avLst>
-          </a:prstGeom>
-          <a:ln>
-            <a:tailEnd type="triangle"/>
-          </a:ln>
-        </p:spPr>
-        <p:style>
-          <a:lnRef idx="1">
-            <a:schemeClr val="dk1"/>
-          </a:lnRef>
-          <a:fillRef idx="0">
-            <a:schemeClr val="dk1"/>
-          </a:fillRef>
-          <a:effectRef idx="0">
-            <a:schemeClr val="dk1"/>
-          </a:effectRef>
-          <a:fontRef idx="minor">
-            <a:schemeClr val="tx1"/>
-          </a:fontRef>
-        </p:style>
-      </p:cxnSp>
-      <p:sp>
-        <p:nvSpPr>
-          <p:cNvPr id="55" name="TextBox 54"/>
-          <p:cNvSpPr txBox="1"/>
-          <p:nvPr/>
-        </p:nvSpPr>
-        <p:spPr>
-          <a:xfrm>
-            <a:off x="8844194" y="4524825"/>
-            <a:ext cx="1547721" cy="261610"/>
-          </a:xfrm>
-          <a:prstGeom prst="rect">
-            <a:avLst/>
-          </a:prstGeom>
-          <a:noFill/>
-        </p:spPr>
-        <p:txBody>
-          <a:bodyPr wrap="square" rtlCol="0">
-            <a:spAutoFit/>
-          </a:bodyPr>
-          <a:lstStyle/>
-          <a:p>
-            <a:pPr algn="ctr"/>
-            <a:r>
-              <a:rPr lang="ko-KR" altLang="en-US" sz="1050" b="1" dirty="0" smtClean="0"/>
-              <a:t>수행 </a:t>
-            </a:r>
-            <a:r>
-              <a:rPr lang="en-US" altLang="ko-KR" sz="1050" b="1" dirty="0" smtClean="0"/>
-              <a:t>(User Mode)</a:t>
-            </a:r>
-            <a:endParaRPr lang="ko-KR" altLang="en-US" sz="1050" b="1" dirty="0"/>
-          </a:p>
-        </p:txBody>
-      </p:sp>
-      <p:cxnSp>
-        <p:nvCxnSpPr>
-          <p:cNvPr id="56" name="꺾인 연결선 55"/>
-          <p:cNvCxnSpPr>
-            <a:stCxn id="49" idx="1"/>
-            <a:endCxn id="36" idx="0"/>
-          </p:cNvCxnSpPr>
-          <p:nvPr/>
-        </p:nvCxnSpPr>
-        <p:spPr>
-          <a:xfrm rot="10800000" flipV="1">
-            <a:off x="8386737" y="4041772"/>
-            <a:ext cx="403572" cy="922571"/>
-          </a:xfrm>
-          <a:prstGeom prst="bentConnector2">
-            <a:avLst/>
-          </a:prstGeom>
-          <a:ln>
-            <a:tailEnd type="triangle"/>
-          </a:ln>
-        </p:spPr>
-        <p:style>
-          <a:lnRef idx="1">
-            <a:schemeClr val="dk1"/>
-          </a:lnRef>
-          <a:fillRef idx="0">
-            <a:schemeClr val="dk1"/>
-          </a:fillRef>
-          <a:effectRef idx="0">
-            <a:schemeClr val="dk1"/>
-          </a:effectRef>
-          <a:fontRef idx="minor">
-            <a:schemeClr val="tx1"/>
-          </a:fontRef>
-        </p:style>
-      </p:cxnSp>
-      <p:sp>
-        <p:nvSpPr>
-          <p:cNvPr id="59" name="TextBox 58"/>
-          <p:cNvSpPr txBox="1"/>
-          <p:nvPr/>
-        </p:nvSpPr>
-        <p:spPr>
-          <a:xfrm>
-            <a:off x="7612876" y="4305513"/>
-            <a:ext cx="1547721" cy="261610"/>
-          </a:xfrm>
-          <a:prstGeom prst="rect">
-            <a:avLst/>
-          </a:prstGeom>
-          <a:noFill/>
-        </p:spPr>
-        <p:txBody>
-          <a:bodyPr wrap="square" rtlCol="0">
-            <a:spAutoFit/>
-          </a:bodyPr>
-          <a:lstStyle/>
-          <a:p>
-            <a:pPr algn="ctr"/>
-            <a:r>
-              <a:rPr lang="ko-KR" altLang="en-US" sz="1050" b="1" dirty="0" smtClean="0"/>
-              <a:t>수행 </a:t>
-            </a:r>
-            <a:r>
-              <a:rPr lang="en-US" altLang="ko-KR" sz="1050" b="1" dirty="0" smtClean="0"/>
-              <a:t>(Kernel Mode)</a:t>
-            </a:r>
-            <a:endParaRPr lang="ko-KR" altLang="en-US" sz="1050" b="1" dirty="0"/>
-          </a:p>
-        </p:txBody>
-      </p:sp>
     </p:spTree>
     <p:extLst>
       <p:ext uri="{BB962C8B-B14F-4D97-AF65-F5344CB8AC3E}">
@@ -5961,6 +6697,2226 @@
           <a:chExt cx="0" cy="0"/>
         </a:xfrm>
       </p:grpSpPr>
+      <p:sp>
+        <p:nvSpPr>
+          <p:cNvPr id="2" name="TextBox 1"/>
+          <p:cNvSpPr txBox="1"/>
+          <p:nvPr/>
+        </p:nvSpPr>
+        <p:spPr>
+          <a:xfrm>
+            <a:off x="206606" y="75919"/>
+            <a:ext cx="1528017" cy="307777"/>
+          </a:xfrm>
+          <a:prstGeom prst="rect">
+            <a:avLst/>
+          </a:prstGeom>
+          <a:noFill/>
+        </p:spPr>
+        <p:txBody>
+          <a:bodyPr wrap="square" rtlCol="0">
+            <a:spAutoFit/>
+          </a:bodyPr>
+          <a:lstStyle/>
+          <a:p>
+            <a:r>
+              <a:rPr lang="en-US" altLang="ko-KR" sz="1400" b="1" dirty="0" smtClean="0"/>
+              <a:t>Hard Ware </a:t>
+            </a:r>
+            <a:r>
+              <a:rPr lang="ko-KR" altLang="en-US" sz="1400" b="1" dirty="0" smtClean="0"/>
+              <a:t>관점</a:t>
+            </a:r>
+            <a:endParaRPr lang="ko-KR" altLang="en-US" sz="1400" b="1" dirty="0"/>
+          </a:p>
+        </p:txBody>
+      </p:sp>
+      <p:sp>
+        <p:nvSpPr>
+          <p:cNvPr id="5" name="TextBox 4"/>
+          <p:cNvSpPr txBox="1"/>
+          <p:nvPr/>
+        </p:nvSpPr>
+        <p:spPr>
+          <a:xfrm>
+            <a:off x="503853" y="772028"/>
+            <a:ext cx="10931525" cy="276999"/>
+          </a:xfrm>
+          <a:prstGeom prst="rect">
+            <a:avLst/>
+          </a:prstGeom>
+          <a:noFill/>
+        </p:spPr>
+        <p:txBody>
+          <a:bodyPr wrap="square" rtlCol="0">
+            <a:spAutoFit/>
+          </a:bodyPr>
+          <a:lstStyle/>
+          <a:p>
+            <a:r>
+              <a:rPr lang="en-US" altLang="ko-KR" sz="1200" dirty="0" smtClean="0"/>
+              <a:t> Layer</a:t>
+            </a:r>
+            <a:r>
+              <a:rPr lang="ko-KR" altLang="en-US" sz="1200" dirty="0" smtClean="0"/>
+              <a:t>는 논리적인 </a:t>
+            </a:r>
+            <a:r>
+              <a:rPr lang="ko-KR" altLang="en-US" sz="1200" dirty="0" err="1" smtClean="0"/>
+              <a:t>개념일뿐</a:t>
+            </a:r>
+            <a:r>
+              <a:rPr lang="en-US" altLang="ko-KR" sz="1200" dirty="0" smtClean="0"/>
+              <a:t>, </a:t>
+            </a:r>
+            <a:r>
+              <a:rPr lang="ko-KR" altLang="en-US" sz="1200" dirty="0" smtClean="0"/>
+              <a:t>하드웨어 입장에서는 </a:t>
+            </a:r>
+            <a:r>
+              <a:rPr lang="en-US" altLang="ko-KR" sz="1200" dirty="0" smtClean="0"/>
+              <a:t>kernel</a:t>
+            </a:r>
+            <a:r>
+              <a:rPr lang="ko-KR" altLang="en-US" sz="1200" dirty="0" smtClean="0"/>
+              <a:t>영역이나 </a:t>
+            </a:r>
+            <a:r>
+              <a:rPr lang="en-US" altLang="ko-KR" sz="1200" dirty="0" smtClean="0"/>
+              <a:t>User</a:t>
+            </a:r>
+            <a:r>
+              <a:rPr lang="ko-KR" altLang="en-US" sz="1200" dirty="0" smtClean="0"/>
+              <a:t>영역이나 평등하다</a:t>
+            </a:r>
+            <a:r>
+              <a:rPr lang="en-US" altLang="ko-KR" sz="1200" dirty="0" smtClean="0"/>
+              <a:t>. </a:t>
+            </a:r>
+            <a:r>
+              <a:rPr lang="en-US" altLang="ko-KR" sz="1200" dirty="0" smtClean="0">
+                <a:solidFill>
+                  <a:srgbClr val="FF0000"/>
+                </a:solidFill>
+              </a:rPr>
+              <a:t>CPU</a:t>
+            </a:r>
+            <a:r>
+              <a:rPr lang="ko-KR" altLang="en-US" sz="1200" dirty="0" smtClean="0">
+                <a:solidFill>
+                  <a:srgbClr val="FF0000"/>
+                </a:solidFill>
+              </a:rPr>
+              <a:t>가 읽어서 수행해야하는 </a:t>
+            </a:r>
+            <a:r>
+              <a:rPr lang="en-US" altLang="ko-KR" sz="1200" dirty="0" smtClean="0">
+                <a:solidFill>
+                  <a:srgbClr val="FF0000"/>
+                </a:solidFill>
+              </a:rPr>
+              <a:t>Process</a:t>
+            </a:r>
+            <a:r>
+              <a:rPr lang="ko-KR" altLang="en-US" sz="1200" dirty="0" smtClean="0"/>
+              <a:t>일뿐이다</a:t>
+            </a:r>
+            <a:r>
+              <a:rPr lang="en-US" altLang="ko-KR" sz="1200" dirty="0" smtClean="0"/>
+              <a:t>.</a:t>
+            </a:r>
+            <a:endParaRPr lang="ko-KR" altLang="en-US" sz="1200" dirty="0"/>
+          </a:p>
+        </p:txBody>
+      </p:sp>
+      <p:grpSp>
+        <p:nvGrpSpPr>
+          <p:cNvPr id="6" name="그룹 5"/>
+          <p:cNvGrpSpPr/>
+          <p:nvPr/>
+        </p:nvGrpSpPr>
+        <p:grpSpPr>
+          <a:xfrm>
+            <a:off x="139797" y="1312850"/>
+            <a:ext cx="3965332" cy="2649180"/>
+            <a:chOff x="7508631" y="3492607"/>
+            <a:chExt cx="3965332" cy="2649180"/>
+          </a:xfrm>
+        </p:grpSpPr>
+        <p:grpSp>
+          <p:nvGrpSpPr>
+            <p:cNvPr id="7" name="그룹 6"/>
+            <p:cNvGrpSpPr/>
+            <p:nvPr/>
+          </p:nvGrpSpPr>
+          <p:grpSpPr>
+            <a:xfrm>
+              <a:off x="7508631" y="4597131"/>
+              <a:ext cx="3965332" cy="1544656"/>
+              <a:chOff x="7007469" y="4458631"/>
+              <a:chExt cx="3965332" cy="1544656"/>
+            </a:xfrm>
+          </p:grpSpPr>
+          <p:sp>
+            <p:nvSpPr>
+              <p:cNvPr id="14" name="TextBox 13"/>
+              <p:cNvSpPr txBox="1"/>
+              <p:nvPr/>
+            </p:nvSpPr>
+            <p:spPr>
+              <a:xfrm>
+                <a:off x="10423179" y="4458631"/>
+                <a:ext cx="549622" cy="276999"/>
+              </a:xfrm>
+              <a:prstGeom prst="rect">
+                <a:avLst/>
+              </a:prstGeom>
+              <a:noFill/>
+              <a:scene3d>
+                <a:camera prst="isometricOffAxis2Left"/>
+                <a:lightRig rig="threePt" dir="t"/>
+              </a:scene3d>
+            </p:spPr>
+            <p:txBody>
+              <a:bodyPr wrap="square" rtlCol="0">
+                <a:spAutoFit/>
+              </a:bodyPr>
+              <a:lstStyle/>
+              <a:p>
+                <a:pPr algn="ctr"/>
+                <a:r>
+                  <a:rPr lang="en-US" altLang="ko-KR" sz="1200" b="1" dirty="0" smtClean="0">
+                    <a:latin typeface="Times New Roman" panose="02020603050405020304" pitchFamily="18" charset="0"/>
+                    <a:cs typeface="Times New Roman" panose="02020603050405020304" pitchFamily="18" charset="0"/>
+                  </a:rPr>
+                  <a:t>RAM</a:t>
+                </a:r>
+                <a:endParaRPr lang="ko-KR" altLang="en-US" sz="1200" b="1" dirty="0">
+                  <a:latin typeface="Times New Roman" panose="02020603050405020304" pitchFamily="18" charset="0"/>
+                  <a:cs typeface="Times New Roman" panose="02020603050405020304" pitchFamily="18" charset="0"/>
+                </a:endParaRPr>
+              </a:p>
+            </p:txBody>
+          </p:sp>
+          <p:sp>
+            <p:nvSpPr>
+              <p:cNvPr id="15" name="직사각형 14"/>
+              <p:cNvSpPr/>
+              <p:nvPr/>
+            </p:nvSpPr>
+            <p:spPr>
+              <a:xfrm>
+                <a:off x="7007469" y="4742648"/>
+                <a:ext cx="3569677" cy="798073"/>
+              </a:xfrm>
+              <a:prstGeom prst="rect">
+                <a:avLst/>
+              </a:prstGeom>
+              <a:noFill/>
+              <a:ln>
+                <a:solidFill>
+                  <a:schemeClr val="tx1"/>
+                </a:solidFill>
+              </a:ln>
+              <a:scene3d>
+                <a:camera prst="perspectiveRelaxedModerately"/>
+                <a:lightRig rig="threePt" dir="t"/>
+              </a:scene3d>
+            </p:spPr>
+            <p:style>
+              <a:lnRef idx="2">
+                <a:schemeClr val="accent1">
+                  <a:shade val="50000"/>
+                </a:schemeClr>
+              </a:lnRef>
+              <a:fillRef idx="1">
+                <a:schemeClr val="accent1"/>
+              </a:fillRef>
+              <a:effectRef idx="0">
+                <a:schemeClr val="accent1"/>
+              </a:effectRef>
+              <a:fontRef idx="minor">
+                <a:schemeClr val="lt1"/>
+              </a:fontRef>
+            </p:style>
+            <p:txBody>
+              <a:bodyPr rtlCol="0" anchor="ctr"/>
+              <a:lstStyle/>
+              <a:p>
+                <a:pPr algn="ctr"/>
+                <a:endParaRPr lang="ko-KR" altLang="en-US"/>
+              </a:p>
+            </p:txBody>
+          </p:sp>
+          <p:sp>
+            <p:nvSpPr>
+              <p:cNvPr id="16" name="직사각형 15"/>
+              <p:cNvSpPr/>
+              <p:nvPr/>
+            </p:nvSpPr>
+            <p:spPr>
+              <a:xfrm>
+                <a:off x="8979017" y="4983177"/>
+                <a:ext cx="446063" cy="326447"/>
+              </a:xfrm>
+              <a:prstGeom prst="rect">
+                <a:avLst/>
+              </a:prstGeom>
+              <a:solidFill>
+                <a:schemeClr val="accent1">
+                  <a:lumMod val="60000"/>
+                  <a:lumOff val="40000"/>
+                </a:schemeClr>
+              </a:solidFill>
+              <a:ln>
+                <a:solidFill>
+                  <a:schemeClr val="tx1"/>
+                </a:solidFill>
+              </a:ln>
+              <a:scene3d>
+                <a:camera prst="perspectiveRelaxed"/>
+                <a:lightRig rig="threePt" dir="t"/>
+              </a:scene3d>
+            </p:spPr>
+            <p:style>
+              <a:lnRef idx="2">
+                <a:schemeClr val="accent1">
+                  <a:shade val="50000"/>
+                </a:schemeClr>
+              </a:lnRef>
+              <a:fillRef idx="1">
+                <a:schemeClr val="accent1"/>
+              </a:fillRef>
+              <a:effectRef idx="0">
+                <a:schemeClr val="accent1"/>
+              </a:effectRef>
+              <a:fontRef idx="minor">
+                <a:schemeClr val="lt1"/>
+              </a:fontRef>
+            </p:style>
+            <p:txBody>
+              <a:bodyPr rtlCol="0" anchor="ctr"/>
+              <a:lstStyle/>
+              <a:p>
+                <a:pPr algn="ctr"/>
+                <a:endParaRPr lang="ko-KR" altLang="en-US"/>
+              </a:p>
+            </p:txBody>
+          </p:sp>
+          <p:sp>
+            <p:nvSpPr>
+              <p:cNvPr id="17" name="직사각형 16"/>
+              <p:cNvSpPr/>
+              <p:nvPr/>
+            </p:nvSpPr>
+            <p:spPr>
+              <a:xfrm>
+                <a:off x="9794114" y="4974382"/>
+                <a:ext cx="446063" cy="326447"/>
+              </a:xfrm>
+              <a:prstGeom prst="rect">
+                <a:avLst/>
+              </a:prstGeom>
+              <a:solidFill>
+                <a:schemeClr val="accent6">
+                  <a:lumMod val="60000"/>
+                  <a:lumOff val="40000"/>
+                </a:schemeClr>
+              </a:solidFill>
+              <a:ln>
+                <a:solidFill>
+                  <a:schemeClr val="tx1"/>
+                </a:solidFill>
+              </a:ln>
+              <a:scene3d>
+                <a:camera prst="perspectiveRelaxed"/>
+                <a:lightRig rig="threePt" dir="t"/>
+              </a:scene3d>
+            </p:spPr>
+            <p:style>
+              <a:lnRef idx="2">
+                <a:schemeClr val="accent1">
+                  <a:shade val="50000"/>
+                </a:schemeClr>
+              </a:lnRef>
+              <a:fillRef idx="1">
+                <a:schemeClr val="accent1"/>
+              </a:fillRef>
+              <a:effectRef idx="0">
+                <a:schemeClr val="accent1"/>
+              </a:effectRef>
+              <a:fontRef idx="minor">
+                <a:schemeClr val="lt1"/>
+              </a:fontRef>
+            </p:style>
+            <p:txBody>
+              <a:bodyPr rtlCol="0" anchor="ctr"/>
+              <a:lstStyle/>
+              <a:p>
+                <a:pPr algn="ctr"/>
+                <a:endParaRPr lang="ko-KR" altLang="en-US"/>
+              </a:p>
+            </p:txBody>
+          </p:sp>
+          <p:sp>
+            <p:nvSpPr>
+              <p:cNvPr id="18" name="직사각형 17"/>
+              <p:cNvSpPr/>
+              <p:nvPr/>
+            </p:nvSpPr>
+            <p:spPr>
+              <a:xfrm>
+                <a:off x="7445960" y="4825844"/>
+                <a:ext cx="879230" cy="537463"/>
+              </a:xfrm>
+              <a:prstGeom prst="rect">
+                <a:avLst/>
+              </a:prstGeom>
+              <a:solidFill>
+                <a:schemeClr val="bg2">
+                  <a:lumMod val="50000"/>
+                </a:schemeClr>
+              </a:solidFill>
+              <a:ln>
+                <a:solidFill>
+                  <a:schemeClr val="tx1"/>
+                </a:solidFill>
+              </a:ln>
+              <a:scene3d>
+                <a:camera prst="perspectiveRelaxed"/>
+                <a:lightRig rig="threePt" dir="t"/>
+              </a:scene3d>
+            </p:spPr>
+            <p:style>
+              <a:lnRef idx="2">
+                <a:schemeClr val="accent1">
+                  <a:shade val="50000"/>
+                </a:schemeClr>
+              </a:lnRef>
+              <a:fillRef idx="1">
+                <a:schemeClr val="accent1"/>
+              </a:fillRef>
+              <a:effectRef idx="0">
+                <a:schemeClr val="accent1"/>
+              </a:effectRef>
+              <a:fontRef idx="minor">
+                <a:schemeClr val="lt1"/>
+              </a:fontRef>
+            </p:style>
+            <p:txBody>
+              <a:bodyPr rtlCol="0" anchor="ctr"/>
+              <a:lstStyle/>
+              <a:p>
+                <a:pPr algn="ctr"/>
+                <a:endParaRPr lang="ko-KR" altLang="en-US"/>
+              </a:p>
+            </p:txBody>
+          </p:sp>
+          <p:sp>
+            <p:nvSpPr>
+              <p:cNvPr id="19" name="TextBox 18"/>
+              <p:cNvSpPr txBox="1"/>
+              <p:nvPr/>
+            </p:nvSpPr>
+            <p:spPr>
+              <a:xfrm>
+                <a:off x="7455759" y="5603070"/>
+                <a:ext cx="923397" cy="276999"/>
+              </a:xfrm>
+              <a:prstGeom prst="rect">
+                <a:avLst/>
+              </a:prstGeom>
+              <a:noFill/>
+            </p:spPr>
+            <p:txBody>
+              <a:bodyPr wrap="square" rtlCol="0">
+                <a:spAutoFit/>
+              </a:bodyPr>
+              <a:lstStyle/>
+              <a:p>
+                <a:r>
+                  <a:rPr lang="en-US" altLang="ko-KR" sz="1200" b="1" dirty="0" smtClean="0">
+                    <a:latin typeface="Times New Roman" panose="02020603050405020304" pitchFamily="18" charset="0"/>
+                    <a:cs typeface="Times New Roman" panose="02020603050405020304" pitchFamily="18" charset="0"/>
+                  </a:rPr>
+                  <a:t>OS Process</a:t>
+                </a:r>
+                <a:endParaRPr lang="ko-KR" altLang="en-US" sz="1200" b="1" dirty="0">
+                  <a:latin typeface="Times New Roman" panose="02020603050405020304" pitchFamily="18" charset="0"/>
+                  <a:cs typeface="Times New Roman" panose="02020603050405020304" pitchFamily="18" charset="0"/>
+                </a:endParaRPr>
+              </a:p>
+            </p:txBody>
+          </p:sp>
+          <p:sp>
+            <p:nvSpPr>
+              <p:cNvPr id="20" name="TextBox 19"/>
+              <p:cNvSpPr txBox="1"/>
+              <p:nvPr/>
+            </p:nvSpPr>
+            <p:spPr>
+              <a:xfrm>
+                <a:off x="8909368" y="5541622"/>
+                <a:ext cx="683852" cy="461665"/>
+              </a:xfrm>
+              <a:prstGeom prst="rect">
+                <a:avLst/>
+              </a:prstGeom>
+              <a:noFill/>
+            </p:spPr>
+            <p:txBody>
+              <a:bodyPr wrap="square" rtlCol="0">
+                <a:spAutoFit/>
+              </a:bodyPr>
+              <a:lstStyle/>
+              <a:p>
+                <a:pPr algn="ctr"/>
+                <a:r>
+                  <a:rPr lang="en-US" altLang="ko-KR" sz="1200" b="1" dirty="0" smtClean="0">
+                    <a:latin typeface="Times New Roman" panose="02020603050405020304" pitchFamily="18" charset="0"/>
+                    <a:cs typeface="Times New Roman" panose="02020603050405020304" pitchFamily="18" charset="0"/>
+                  </a:rPr>
+                  <a:t>App1 </a:t>
+                </a:r>
+              </a:p>
+              <a:p>
+                <a:pPr algn="ctr"/>
+                <a:r>
+                  <a:rPr lang="en-US" altLang="ko-KR" sz="1200" b="1" dirty="0" smtClean="0">
+                    <a:latin typeface="Times New Roman" panose="02020603050405020304" pitchFamily="18" charset="0"/>
+                    <a:cs typeface="Times New Roman" panose="02020603050405020304" pitchFamily="18" charset="0"/>
+                  </a:rPr>
+                  <a:t>Process</a:t>
+                </a:r>
+                <a:endParaRPr lang="ko-KR" altLang="en-US" sz="1200" b="1" dirty="0">
+                  <a:latin typeface="Times New Roman" panose="02020603050405020304" pitchFamily="18" charset="0"/>
+                  <a:cs typeface="Times New Roman" panose="02020603050405020304" pitchFamily="18" charset="0"/>
+                </a:endParaRPr>
+              </a:p>
+            </p:txBody>
+          </p:sp>
+          <p:sp>
+            <p:nvSpPr>
+              <p:cNvPr id="21" name="TextBox 20"/>
+              <p:cNvSpPr txBox="1"/>
+              <p:nvPr/>
+            </p:nvSpPr>
+            <p:spPr>
+              <a:xfrm>
+                <a:off x="9699362" y="5541622"/>
+                <a:ext cx="683852" cy="461665"/>
+              </a:xfrm>
+              <a:prstGeom prst="rect">
+                <a:avLst/>
+              </a:prstGeom>
+              <a:noFill/>
+            </p:spPr>
+            <p:txBody>
+              <a:bodyPr wrap="square" rtlCol="0">
+                <a:spAutoFit/>
+              </a:bodyPr>
+              <a:lstStyle/>
+              <a:p>
+                <a:pPr algn="ctr"/>
+                <a:r>
+                  <a:rPr lang="en-US" altLang="ko-KR" sz="1200" b="1" dirty="0" smtClean="0">
+                    <a:latin typeface="Times New Roman" panose="02020603050405020304" pitchFamily="18" charset="0"/>
+                    <a:cs typeface="Times New Roman" panose="02020603050405020304" pitchFamily="18" charset="0"/>
+                  </a:rPr>
+                  <a:t>App2 </a:t>
+                </a:r>
+              </a:p>
+              <a:p>
+                <a:pPr algn="ctr"/>
+                <a:r>
+                  <a:rPr lang="en-US" altLang="ko-KR" sz="1200" b="1" dirty="0" smtClean="0">
+                    <a:latin typeface="Times New Roman" panose="02020603050405020304" pitchFamily="18" charset="0"/>
+                    <a:cs typeface="Times New Roman" panose="02020603050405020304" pitchFamily="18" charset="0"/>
+                  </a:rPr>
+                  <a:t>Process</a:t>
+                </a:r>
+                <a:endParaRPr lang="ko-KR" altLang="en-US" sz="1200" b="1" dirty="0">
+                  <a:latin typeface="Times New Roman" panose="02020603050405020304" pitchFamily="18" charset="0"/>
+                  <a:cs typeface="Times New Roman" panose="02020603050405020304" pitchFamily="18" charset="0"/>
+                </a:endParaRPr>
+              </a:p>
+            </p:txBody>
+          </p:sp>
+        </p:grpSp>
+        <p:sp>
+          <p:nvSpPr>
+            <p:cNvPr id="8" name="TextBox 7"/>
+            <p:cNvSpPr txBox="1"/>
+            <p:nvPr/>
+          </p:nvSpPr>
+          <p:spPr>
+            <a:xfrm>
+              <a:off x="9516795" y="3492607"/>
+              <a:ext cx="549622" cy="276999"/>
+            </a:xfrm>
+            <a:prstGeom prst="rect">
+              <a:avLst/>
+            </a:prstGeom>
+            <a:noFill/>
+            <a:scene3d>
+              <a:camera prst="isometricOffAxis2Left"/>
+              <a:lightRig rig="threePt" dir="t"/>
+            </a:scene3d>
+          </p:spPr>
+          <p:txBody>
+            <a:bodyPr wrap="square" rtlCol="0">
+              <a:spAutoFit/>
+            </a:bodyPr>
+            <a:lstStyle/>
+            <a:p>
+              <a:pPr algn="ctr"/>
+              <a:r>
+                <a:rPr lang="en-US" altLang="ko-KR" sz="1200" b="1" dirty="0" smtClean="0">
+                  <a:latin typeface="Times New Roman" panose="02020603050405020304" pitchFamily="18" charset="0"/>
+                  <a:cs typeface="Times New Roman" panose="02020603050405020304" pitchFamily="18" charset="0"/>
+                </a:rPr>
+                <a:t>CPU</a:t>
+              </a:r>
+            </a:p>
+          </p:txBody>
+        </p:sp>
+        <p:pic>
+          <p:nvPicPr>
+            <p:cNvPr id="9" name="그림 8"/>
+            <p:cNvPicPr>
+              <a:picLocks noChangeAspect="1"/>
+            </p:cNvPicPr>
+            <p:nvPr/>
+          </p:nvPicPr>
+          <p:blipFill>
+            <a:blip r:embed="rId3">
+              <a:extLst>
+                <a:ext uri="{28A0092B-C50C-407E-A947-70E740481C1C}">
+                  <a14:useLocalDpi xmlns:a14="http://schemas.microsoft.com/office/drawing/2010/main" val="0"/>
+                </a:ext>
+              </a:extLst>
+            </a:blip>
+            <a:stretch>
+              <a:fillRect/>
+            </a:stretch>
+          </p:blipFill>
+          <p:spPr>
+            <a:xfrm>
+              <a:off x="8790309" y="3576970"/>
+              <a:ext cx="912901" cy="929605"/>
+            </a:xfrm>
+            <a:prstGeom prst="rect">
+              <a:avLst/>
+            </a:prstGeom>
+            <a:scene3d>
+              <a:camera prst="perspectiveRelaxed"/>
+              <a:lightRig rig="threePt" dir="t"/>
+            </a:scene3d>
+          </p:spPr>
+        </p:pic>
+        <p:cxnSp>
+          <p:nvCxnSpPr>
+            <p:cNvPr id="10" name="꺾인 연결선 9"/>
+            <p:cNvCxnSpPr>
+              <a:endCxn id="16" idx="0"/>
+            </p:cNvCxnSpPr>
+            <p:nvPr/>
+          </p:nvCxnSpPr>
+          <p:spPr>
+            <a:xfrm rot="16200000" flipH="1">
+              <a:off x="9034467" y="4452933"/>
+              <a:ext cx="971708" cy="365780"/>
+            </a:xfrm>
+            <a:prstGeom prst="bentConnector3">
+              <a:avLst>
+                <a:gd name="adj1" fmla="val 27379"/>
+              </a:avLst>
+            </a:prstGeom>
+            <a:ln>
+              <a:tailEnd type="triangle"/>
+            </a:ln>
+          </p:spPr>
+          <p:style>
+            <a:lnRef idx="1">
+              <a:schemeClr val="dk1"/>
+            </a:lnRef>
+            <a:fillRef idx="0">
+              <a:schemeClr val="dk1"/>
+            </a:fillRef>
+            <a:effectRef idx="0">
+              <a:schemeClr val="dk1"/>
+            </a:effectRef>
+            <a:fontRef idx="minor">
+              <a:schemeClr val="tx1"/>
+            </a:fontRef>
+          </p:style>
+        </p:cxnSp>
+        <p:sp>
+          <p:nvSpPr>
+            <p:cNvPr id="11" name="TextBox 10"/>
+            <p:cNvSpPr txBox="1"/>
+            <p:nvPr/>
+          </p:nvSpPr>
+          <p:spPr>
+            <a:xfrm>
+              <a:off x="8844194" y="4524825"/>
+              <a:ext cx="1547721" cy="261610"/>
+            </a:xfrm>
+            <a:prstGeom prst="rect">
+              <a:avLst/>
+            </a:prstGeom>
+            <a:noFill/>
+          </p:spPr>
+          <p:txBody>
+            <a:bodyPr wrap="square" rtlCol="0">
+              <a:spAutoFit/>
+            </a:bodyPr>
+            <a:lstStyle/>
+            <a:p>
+              <a:pPr algn="ctr"/>
+              <a:r>
+                <a:rPr lang="ko-KR" altLang="en-US" sz="1050" b="1" dirty="0" smtClean="0"/>
+                <a:t>수행 </a:t>
+              </a:r>
+              <a:r>
+                <a:rPr lang="en-US" altLang="ko-KR" sz="1050" b="1" dirty="0" smtClean="0"/>
+                <a:t>(User Mode)</a:t>
+              </a:r>
+              <a:endParaRPr lang="ko-KR" altLang="en-US" sz="1050" b="1" dirty="0"/>
+            </a:p>
+          </p:txBody>
+        </p:sp>
+      </p:grpSp>
+      <p:grpSp>
+        <p:nvGrpSpPr>
+          <p:cNvPr id="23" name="그룹 22"/>
+          <p:cNvGrpSpPr/>
+          <p:nvPr/>
+        </p:nvGrpSpPr>
+        <p:grpSpPr>
+          <a:xfrm>
+            <a:off x="4194502" y="1312850"/>
+            <a:ext cx="3965332" cy="2649180"/>
+            <a:chOff x="7508631" y="3492607"/>
+            <a:chExt cx="3965332" cy="2649180"/>
+          </a:xfrm>
+        </p:grpSpPr>
+        <p:grpSp>
+          <p:nvGrpSpPr>
+            <p:cNvPr id="24" name="그룹 23"/>
+            <p:cNvGrpSpPr/>
+            <p:nvPr/>
+          </p:nvGrpSpPr>
+          <p:grpSpPr>
+            <a:xfrm>
+              <a:off x="7508631" y="4597131"/>
+              <a:ext cx="3965332" cy="1544656"/>
+              <a:chOff x="7007469" y="4458631"/>
+              <a:chExt cx="3965332" cy="1544656"/>
+            </a:xfrm>
+          </p:grpSpPr>
+          <p:sp>
+            <p:nvSpPr>
+              <p:cNvPr id="29" name="TextBox 28"/>
+              <p:cNvSpPr txBox="1"/>
+              <p:nvPr/>
+            </p:nvSpPr>
+            <p:spPr>
+              <a:xfrm>
+                <a:off x="10423179" y="4458631"/>
+                <a:ext cx="549622" cy="276999"/>
+              </a:xfrm>
+              <a:prstGeom prst="rect">
+                <a:avLst/>
+              </a:prstGeom>
+              <a:noFill/>
+              <a:scene3d>
+                <a:camera prst="isometricOffAxis2Left"/>
+                <a:lightRig rig="threePt" dir="t"/>
+              </a:scene3d>
+            </p:spPr>
+            <p:txBody>
+              <a:bodyPr wrap="square" rtlCol="0">
+                <a:spAutoFit/>
+              </a:bodyPr>
+              <a:lstStyle/>
+              <a:p>
+                <a:pPr algn="ctr"/>
+                <a:r>
+                  <a:rPr lang="en-US" altLang="ko-KR" sz="1200" b="1" dirty="0" smtClean="0">
+                    <a:latin typeface="Times New Roman" panose="02020603050405020304" pitchFamily="18" charset="0"/>
+                    <a:cs typeface="Times New Roman" panose="02020603050405020304" pitchFamily="18" charset="0"/>
+                  </a:rPr>
+                  <a:t>RAM</a:t>
+                </a:r>
+                <a:endParaRPr lang="ko-KR" altLang="en-US" sz="1200" b="1" dirty="0">
+                  <a:latin typeface="Times New Roman" panose="02020603050405020304" pitchFamily="18" charset="0"/>
+                  <a:cs typeface="Times New Roman" panose="02020603050405020304" pitchFamily="18" charset="0"/>
+                </a:endParaRPr>
+              </a:p>
+            </p:txBody>
+          </p:sp>
+          <p:sp>
+            <p:nvSpPr>
+              <p:cNvPr id="30" name="직사각형 29"/>
+              <p:cNvSpPr/>
+              <p:nvPr/>
+            </p:nvSpPr>
+            <p:spPr>
+              <a:xfrm>
+                <a:off x="7007469" y="4742648"/>
+                <a:ext cx="3569677" cy="798073"/>
+              </a:xfrm>
+              <a:prstGeom prst="rect">
+                <a:avLst/>
+              </a:prstGeom>
+              <a:noFill/>
+              <a:ln>
+                <a:solidFill>
+                  <a:schemeClr val="tx1"/>
+                </a:solidFill>
+              </a:ln>
+              <a:scene3d>
+                <a:camera prst="perspectiveRelaxedModerately"/>
+                <a:lightRig rig="threePt" dir="t"/>
+              </a:scene3d>
+            </p:spPr>
+            <p:style>
+              <a:lnRef idx="2">
+                <a:schemeClr val="accent1">
+                  <a:shade val="50000"/>
+                </a:schemeClr>
+              </a:lnRef>
+              <a:fillRef idx="1">
+                <a:schemeClr val="accent1"/>
+              </a:fillRef>
+              <a:effectRef idx="0">
+                <a:schemeClr val="accent1"/>
+              </a:effectRef>
+              <a:fontRef idx="minor">
+                <a:schemeClr val="lt1"/>
+              </a:fontRef>
+            </p:style>
+            <p:txBody>
+              <a:bodyPr rtlCol="0" anchor="ctr"/>
+              <a:lstStyle/>
+              <a:p>
+                <a:pPr algn="ctr"/>
+                <a:endParaRPr lang="ko-KR" altLang="en-US"/>
+              </a:p>
+            </p:txBody>
+          </p:sp>
+          <p:sp>
+            <p:nvSpPr>
+              <p:cNvPr id="31" name="직사각형 30"/>
+              <p:cNvSpPr/>
+              <p:nvPr/>
+            </p:nvSpPr>
+            <p:spPr>
+              <a:xfrm>
+                <a:off x="8979017" y="4983177"/>
+                <a:ext cx="446063" cy="326447"/>
+              </a:xfrm>
+              <a:prstGeom prst="rect">
+                <a:avLst/>
+              </a:prstGeom>
+              <a:solidFill>
+                <a:schemeClr val="accent1">
+                  <a:lumMod val="60000"/>
+                  <a:lumOff val="40000"/>
+                </a:schemeClr>
+              </a:solidFill>
+              <a:ln>
+                <a:solidFill>
+                  <a:schemeClr val="tx1"/>
+                </a:solidFill>
+              </a:ln>
+              <a:scene3d>
+                <a:camera prst="perspectiveRelaxed"/>
+                <a:lightRig rig="threePt" dir="t"/>
+              </a:scene3d>
+            </p:spPr>
+            <p:style>
+              <a:lnRef idx="2">
+                <a:schemeClr val="accent1">
+                  <a:shade val="50000"/>
+                </a:schemeClr>
+              </a:lnRef>
+              <a:fillRef idx="1">
+                <a:schemeClr val="accent1"/>
+              </a:fillRef>
+              <a:effectRef idx="0">
+                <a:schemeClr val="accent1"/>
+              </a:effectRef>
+              <a:fontRef idx="minor">
+                <a:schemeClr val="lt1"/>
+              </a:fontRef>
+            </p:style>
+            <p:txBody>
+              <a:bodyPr rtlCol="0" anchor="ctr"/>
+              <a:lstStyle/>
+              <a:p>
+                <a:pPr algn="ctr"/>
+                <a:endParaRPr lang="ko-KR" altLang="en-US"/>
+              </a:p>
+            </p:txBody>
+          </p:sp>
+          <p:sp>
+            <p:nvSpPr>
+              <p:cNvPr id="32" name="직사각형 31"/>
+              <p:cNvSpPr/>
+              <p:nvPr/>
+            </p:nvSpPr>
+            <p:spPr>
+              <a:xfrm>
+                <a:off x="9794114" y="4974382"/>
+                <a:ext cx="446063" cy="326447"/>
+              </a:xfrm>
+              <a:prstGeom prst="rect">
+                <a:avLst/>
+              </a:prstGeom>
+              <a:solidFill>
+                <a:schemeClr val="accent6">
+                  <a:lumMod val="60000"/>
+                  <a:lumOff val="40000"/>
+                </a:schemeClr>
+              </a:solidFill>
+              <a:ln>
+                <a:solidFill>
+                  <a:schemeClr val="tx1"/>
+                </a:solidFill>
+              </a:ln>
+              <a:scene3d>
+                <a:camera prst="perspectiveRelaxed"/>
+                <a:lightRig rig="threePt" dir="t"/>
+              </a:scene3d>
+            </p:spPr>
+            <p:style>
+              <a:lnRef idx="2">
+                <a:schemeClr val="accent1">
+                  <a:shade val="50000"/>
+                </a:schemeClr>
+              </a:lnRef>
+              <a:fillRef idx="1">
+                <a:schemeClr val="accent1"/>
+              </a:fillRef>
+              <a:effectRef idx="0">
+                <a:schemeClr val="accent1"/>
+              </a:effectRef>
+              <a:fontRef idx="minor">
+                <a:schemeClr val="lt1"/>
+              </a:fontRef>
+            </p:style>
+            <p:txBody>
+              <a:bodyPr rtlCol="0" anchor="ctr"/>
+              <a:lstStyle/>
+              <a:p>
+                <a:pPr algn="ctr"/>
+                <a:endParaRPr lang="ko-KR" altLang="en-US"/>
+              </a:p>
+            </p:txBody>
+          </p:sp>
+          <p:sp>
+            <p:nvSpPr>
+              <p:cNvPr id="33" name="직사각형 32"/>
+              <p:cNvSpPr/>
+              <p:nvPr/>
+            </p:nvSpPr>
+            <p:spPr>
+              <a:xfrm>
+                <a:off x="7445960" y="4825844"/>
+                <a:ext cx="879230" cy="537463"/>
+              </a:xfrm>
+              <a:prstGeom prst="rect">
+                <a:avLst/>
+              </a:prstGeom>
+              <a:solidFill>
+                <a:schemeClr val="bg2">
+                  <a:lumMod val="50000"/>
+                </a:schemeClr>
+              </a:solidFill>
+              <a:ln>
+                <a:solidFill>
+                  <a:schemeClr val="tx1"/>
+                </a:solidFill>
+              </a:ln>
+              <a:scene3d>
+                <a:camera prst="perspectiveRelaxed"/>
+                <a:lightRig rig="threePt" dir="t"/>
+              </a:scene3d>
+            </p:spPr>
+            <p:style>
+              <a:lnRef idx="2">
+                <a:schemeClr val="accent1">
+                  <a:shade val="50000"/>
+                </a:schemeClr>
+              </a:lnRef>
+              <a:fillRef idx="1">
+                <a:schemeClr val="accent1"/>
+              </a:fillRef>
+              <a:effectRef idx="0">
+                <a:schemeClr val="accent1"/>
+              </a:effectRef>
+              <a:fontRef idx="minor">
+                <a:schemeClr val="lt1"/>
+              </a:fontRef>
+            </p:style>
+            <p:txBody>
+              <a:bodyPr rtlCol="0" anchor="ctr"/>
+              <a:lstStyle/>
+              <a:p>
+                <a:pPr algn="ctr"/>
+                <a:endParaRPr lang="ko-KR" altLang="en-US"/>
+              </a:p>
+            </p:txBody>
+          </p:sp>
+          <p:sp>
+            <p:nvSpPr>
+              <p:cNvPr id="34" name="TextBox 33"/>
+              <p:cNvSpPr txBox="1"/>
+              <p:nvPr/>
+            </p:nvSpPr>
+            <p:spPr>
+              <a:xfrm>
+                <a:off x="7455759" y="5603070"/>
+                <a:ext cx="923397" cy="276999"/>
+              </a:xfrm>
+              <a:prstGeom prst="rect">
+                <a:avLst/>
+              </a:prstGeom>
+              <a:noFill/>
+            </p:spPr>
+            <p:txBody>
+              <a:bodyPr wrap="square" rtlCol="0">
+                <a:spAutoFit/>
+              </a:bodyPr>
+              <a:lstStyle/>
+              <a:p>
+                <a:r>
+                  <a:rPr lang="en-US" altLang="ko-KR" sz="1200" b="1" dirty="0" smtClean="0">
+                    <a:latin typeface="Times New Roman" panose="02020603050405020304" pitchFamily="18" charset="0"/>
+                    <a:cs typeface="Times New Roman" panose="02020603050405020304" pitchFamily="18" charset="0"/>
+                  </a:rPr>
+                  <a:t>OS Process</a:t>
+                </a:r>
+                <a:endParaRPr lang="ko-KR" altLang="en-US" sz="1200" b="1" dirty="0">
+                  <a:latin typeface="Times New Roman" panose="02020603050405020304" pitchFamily="18" charset="0"/>
+                  <a:cs typeface="Times New Roman" panose="02020603050405020304" pitchFamily="18" charset="0"/>
+                </a:endParaRPr>
+              </a:p>
+            </p:txBody>
+          </p:sp>
+          <p:sp>
+            <p:nvSpPr>
+              <p:cNvPr id="35" name="TextBox 34"/>
+              <p:cNvSpPr txBox="1"/>
+              <p:nvPr/>
+            </p:nvSpPr>
+            <p:spPr>
+              <a:xfrm>
+                <a:off x="8909368" y="5541622"/>
+                <a:ext cx="683852" cy="461665"/>
+              </a:xfrm>
+              <a:prstGeom prst="rect">
+                <a:avLst/>
+              </a:prstGeom>
+              <a:noFill/>
+            </p:spPr>
+            <p:txBody>
+              <a:bodyPr wrap="square" rtlCol="0">
+                <a:spAutoFit/>
+              </a:bodyPr>
+              <a:lstStyle/>
+              <a:p>
+                <a:pPr algn="ctr"/>
+                <a:r>
+                  <a:rPr lang="en-US" altLang="ko-KR" sz="1200" b="1" dirty="0" smtClean="0">
+                    <a:latin typeface="Times New Roman" panose="02020603050405020304" pitchFamily="18" charset="0"/>
+                    <a:cs typeface="Times New Roman" panose="02020603050405020304" pitchFamily="18" charset="0"/>
+                  </a:rPr>
+                  <a:t>App1 </a:t>
+                </a:r>
+              </a:p>
+              <a:p>
+                <a:pPr algn="ctr"/>
+                <a:r>
+                  <a:rPr lang="en-US" altLang="ko-KR" sz="1200" b="1" dirty="0" smtClean="0">
+                    <a:latin typeface="Times New Roman" panose="02020603050405020304" pitchFamily="18" charset="0"/>
+                    <a:cs typeface="Times New Roman" panose="02020603050405020304" pitchFamily="18" charset="0"/>
+                  </a:rPr>
+                  <a:t>Process</a:t>
+                </a:r>
+                <a:endParaRPr lang="ko-KR" altLang="en-US" sz="1200" b="1" dirty="0">
+                  <a:latin typeface="Times New Roman" panose="02020603050405020304" pitchFamily="18" charset="0"/>
+                  <a:cs typeface="Times New Roman" panose="02020603050405020304" pitchFamily="18" charset="0"/>
+                </a:endParaRPr>
+              </a:p>
+            </p:txBody>
+          </p:sp>
+          <p:sp>
+            <p:nvSpPr>
+              <p:cNvPr id="36" name="TextBox 35"/>
+              <p:cNvSpPr txBox="1"/>
+              <p:nvPr/>
+            </p:nvSpPr>
+            <p:spPr>
+              <a:xfrm>
+                <a:off x="9699362" y="5541622"/>
+                <a:ext cx="683852" cy="461665"/>
+              </a:xfrm>
+              <a:prstGeom prst="rect">
+                <a:avLst/>
+              </a:prstGeom>
+              <a:noFill/>
+            </p:spPr>
+            <p:txBody>
+              <a:bodyPr wrap="square" rtlCol="0">
+                <a:spAutoFit/>
+              </a:bodyPr>
+              <a:lstStyle/>
+              <a:p>
+                <a:pPr algn="ctr"/>
+                <a:r>
+                  <a:rPr lang="en-US" altLang="ko-KR" sz="1200" b="1" dirty="0" smtClean="0">
+                    <a:latin typeface="Times New Roman" panose="02020603050405020304" pitchFamily="18" charset="0"/>
+                    <a:cs typeface="Times New Roman" panose="02020603050405020304" pitchFamily="18" charset="0"/>
+                  </a:rPr>
+                  <a:t>App2 </a:t>
+                </a:r>
+              </a:p>
+              <a:p>
+                <a:pPr algn="ctr"/>
+                <a:r>
+                  <a:rPr lang="en-US" altLang="ko-KR" sz="1200" b="1" dirty="0" smtClean="0">
+                    <a:latin typeface="Times New Roman" panose="02020603050405020304" pitchFamily="18" charset="0"/>
+                    <a:cs typeface="Times New Roman" panose="02020603050405020304" pitchFamily="18" charset="0"/>
+                  </a:rPr>
+                  <a:t>Process</a:t>
+                </a:r>
+                <a:endParaRPr lang="ko-KR" altLang="en-US" sz="1200" b="1" dirty="0">
+                  <a:latin typeface="Times New Roman" panose="02020603050405020304" pitchFamily="18" charset="0"/>
+                  <a:cs typeface="Times New Roman" panose="02020603050405020304" pitchFamily="18" charset="0"/>
+                </a:endParaRPr>
+              </a:p>
+            </p:txBody>
+          </p:sp>
+        </p:grpSp>
+        <p:sp>
+          <p:nvSpPr>
+            <p:cNvPr id="25" name="TextBox 24"/>
+            <p:cNvSpPr txBox="1"/>
+            <p:nvPr/>
+          </p:nvSpPr>
+          <p:spPr>
+            <a:xfrm>
+              <a:off x="9516795" y="3492607"/>
+              <a:ext cx="549622" cy="276999"/>
+            </a:xfrm>
+            <a:prstGeom prst="rect">
+              <a:avLst/>
+            </a:prstGeom>
+            <a:noFill/>
+            <a:scene3d>
+              <a:camera prst="isometricOffAxis2Left"/>
+              <a:lightRig rig="threePt" dir="t"/>
+            </a:scene3d>
+          </p:spPr>
+          <p:txBody>
+            <a:bodyPr wrap="square" rtlCol="0">
+              <a:spAutoFit/>
+            </a:bodyPr>
+            <a:lstStyle/>
+            <a:p>
+              <a:pPr algn="ctr"/>
+              <a:r>
+                <a:rPr lang="en-US" altLang="ko-KR" sz="1200" b="1" dirty="0" smtClean="0">
+                  <a:latin typeface="Times New Roman" panose="02020603050405020304" pitchFamily="18" charset="0"/>
+                  <a:cs typeface="Times New Roman" panose="02020603050405020304" pitchFamily="18" charset="0"/>
+                </a:rPr>
+                <a:t>CPU</a:t>
+              </a:r>
+            </a:p>
+          </p:txBody>
+        </p:sp>
+        <p:pic>
+          <p:nvPicPr>
+            <p:cNvPr id="26" name="그림 25"/>
+            <p:cNvPicPr>
+              <a:picLocks noChangeAspect="1"/>
+            </p:cNvPicPr>
+            <p:nvPr/>
+          </p:nvPicPr>
+          <p:blipFill>
+            <a:blip r:embed="rId3">
+              <a:extLst>
+                <a:ext uri="{28A0092B-C50C-407E-A947-70E740481C1C}">
+                  <a14:useLocalDpi xmlns:a14="http://schemas.microsoft.com/office/drawing/2010/main" val="0"/>
+                </a:ext>
+              </a:extLst>
+            </a:blip>
+            <a:stretch>
+              <a:fillRect/>
+            </a:stretch>
+          </p:blipFill>
+          <p:spPr>
+            <a:xfrm>
+              <a:off x="8790309" y="3576970"/>
+              <a:ext cx="912901" cy="929605"/>
+            </a:xfrm>
+            <a:prstGeom prst="rect">
+              <a:avLst/>
+            </a:prstGeom>
+            <a:scene3d>
+              <a:camera prst="perspectiveRelaxed"/>
+              <a:lightRig rig="threePt" dir="t"/>
+            </a:scene3d>
+          </p:spPr>
+        </p:pic>
+        <p:cxnSp>
+          <p:nvCxnSpPr>
+            <p:cNvPr id="27" name="꺾인 연결선 26"/>
+            <p:cNvCxnSpPr>
+              <a:endCxn id="31" idx="0"/>
+            </p:cNvCxnSpPr>
+            <p:nvPr/>
+          </p:nvCxnSpPr>
+          <p:spPr>
+            <a:xfrm rot="16200000" flipH="1">
+              <a:off x="9034467" y="4452933"/>
+              <a:ext cx="971708" cy="365780"/>
+            </a:xfrm>
+            <a:prstGeom prst="bentConnector3">
+              <a:avLst>
+                <a:gd name="adj1" fmla="val 27379"/>
+              </a:avLst>
+            </a:prstGeom>
+            <a:ln>
+              <a:tailEnd type="triangle"/>
+            </a:ln>
+          </p:spPr>
+          <p:style>
+            <a:lnRef idx="1">
+              <a:schemeClr val="dk1"/>
+            </a:lnRef>
+            <a:fillRef idx="0">
+              <a:schemeClr val="dk1"/>
+            </a:fillRef>
+            <a:effectRef idx="0">
+              <a:schemeClr val="dk1"/>
+            </a:effectRef>
+            <a:fontRef idx="minor">
+              <a:schemeClr val="tx1"/>
+            </a:fontRef>
+          </p:style>
+        </p:cxnSp>
+        <p:sp>
+          <p:nvSpPr>
+            <p:cNvPr id="28" name="TextBox 27"/>
+            <p:cNvSpPr txBox="1"/>
+            <p:nvPr/>
+          </p:nvSpPr>
+          <p:spPr>
+            <a:xfrm>
+              <a:off x="8929349" y="4561887"/>
+              <a:ext cx="1547721" cy="261610"/>
+            </a:xfrm>
+            <a:prstGeom prst="rect">
+              <a:avLst/>
+            </a:prstGeom>
+            <a:noFill/>
+          </p:spPr>
+          <p:txBody>
+            <a:bodyPr wrap="square" rtlCol="0">
+              <a:spAutoFit/>
+            </a:bodyPr>
+            <a:lstStyle/>
+            <a:p>
+              <a:pPr algn="ctr"/>
+              <a:r>
+                <a:rPr lang="en-US" altLang="ko-KR" sz="1050" b="1" dirty="0" smtClean="0"/>
+                <a:t>Load Something</a:t>
+              </a:r>
+              <a:endParaRPr lang="ko-KR" altLang="en-US" sz="1050" b="1" dirty="0"/>
+            </a:p>
+          </p:txBody>
+        </p:sp>
+      </p:grpSp>
+      <p:grpSp>
+        <p:nvGrpSpPr>
+          <p:cNvPr id="37" name="그룹 36"/>
+          <p:cNvGrpSpPr/>
+          <p:nvPr/>
+        </p:nvGrpSpPr>
+        <p:grpSpPr>
+          <a:xfrm>
+            <a:off x="8202670" y="1312850"/>
+            <a:ext cx="3965332" cy="2649180"/>
+            <a:chOff x="7508631" y="3492607"/>
+            <a:chExt cx="3965332" cy="2649180"/>
+          </a:xfrm>
+        </p:grpSpPr>
+        <p:grpSp>
+          <p:nvGrpSpPr>
+            <p:cNvPr id="38" name="그룹 37"/>
+            <p:cNvGrpSpPr/>
+            <p:nvPr/>
+          </p:nvGrpSpPr>
+          <p:grpSpPr>
+            <a:xfrm>
+              <a:off x="7508631" y="4597131"/>
+              <a:ext cx="3965332" cy="1544656"/>
+              <a:chOff x="7007469" y="4458631"/>
+              <a:chExt cx="3965332" cy="1544656"/>
+            </a:xfrm>
+          </p:grpSpPr>
+          <p:sp>
+            <p:nvSpPr>
+              <p:cNvPr id="45" name="TextBox 44"/>
+              <p:cNvSpPr txBox="1"/>
+              <p:nvPr/>
+            </p:nvSpPr>
+            <p:spPr>
+              <a:xfrm>
+                <a:off x="10423179" y="4458631"/>
+                <a:ext cx="549622" cy="276999"/>
+              </a:xfrm>
+              <a:prstGeom prst="rect">
+                <a:avLst/>
+              </a:prstGeom>
+              <a:noFill/>
+              <a:scene3d>
+                <a:camera prst="isometricOffAxis2Left"/>
+                <a:lightRig rig="threePt" dir="t"/>
+              </a:scene3d>
+            </p:spPr>
+            <p:txBody>
+              <a:bodyPr wrap="square" rtlCol="0">
+                <a:spAutoFit/>
+              </a:bodyPr>
+              <a:lstStyle/>
+              <a:p>
+                <a:pPr algn="ctr"/>
+                <a:r>
+                  <a:rPr lang="en-US" altLang="ko-KR" sz="1200" b="1" dirty="0" smtClean="0">
+                    <a:latin typeface="Times New Roman" panose="02020603050405020304" pitchFamily="18" charset="0"/>
+                    <a:cs typeface="Times New Roman" panose="02020603050405020304" pitchFamily="18" charset="0"/>
+                  </a:rPr>
+                  <a:t>RAM</a:t>
+                </a:r>
+                <a:endParaRPr lang="ko-KR" altLang="en-US" sz="1200" b="1" dirty="0">
+                  <a:latin typeface="Times New Roman" panose="02020603050405020304" pitchFamily="18" charset="0"/>
+                  <a:cs typeface="Times New Roman" panose="02020603050405020304" pitchFamily="18" charset="0"/>
+                </a:endParaRPr>
+              </a:p>
+            </p:txBody>
+          </p:sp>
+          <p:sp>
+            <p:nvSpPr>
+              <p:cNvPr id="46" name="직사각형 45"/>
+              <p:cNvSpPr/>
+              <p:nvPr/>
+            </p:nvSpPr>
+            <p:spPr>
+              <a:xfrm>
+                <a:off x="7007469" y="4742648"/>
+                <a:ext cx="3569677" cy="798073"/>
+              </a:xfrm>
+              <a:prstGeom prst="rect">
+                <a:avLst/>
+              </a:prstGeom>
+              <a:noFill/>
+              <a:ln>
+                <a:solidFill>
+                  <a:schemeClr val="tx1"/>
+                </a:solidFill>
+              </a:ln>
+              <a:scene3d>
+                <a:camera prst="perspectiveRelaxedModerately"/>
+                <a:lightRig rig="threePt" dir="t"/>
+              </a:scene3d>
+            </p:spPr>
+            <p:style>
+              <a:lnRef idx="2">
+                <a:schemeClr val="accent1">
+                  <a:shade val="50000"/>
+                </a:schemeClr>
+              </a:lnRef>
+              <a:fillRef idx="1">
+                <a:schemeClr val="accent1"/>
+              </a:fillRef>
+              <a:effectRef idx="0">
+                <a:schemeClr val="accent1"/>
+              </a:effectRef>
+              <a:fontRef idx="minor">
+                <a:schemeClr val="lt1"/>
+              </a:fontRef>
+            </p:style>
+            <p:txBody>
+              <a:bodyPr rtlCol="0" anchor="ctr"/>
+              <a:lstStyle/>
+              <a:p>
+                <a:pPr algn="ctr"/>
+                <a:endParaRPr lang="ko-KR" altLang="en-US"/>
+              </a:p>
+            </p:txBody>
+          </p:sp>
+          <p:sp>
+            <p:nvSpPr>
+              <p:cNvPr id="47" name="직사각형 46"/>
+              <p:cNvSpPr/>
+              <p:nvPr/>
+            </p:nvSpPr>
+            <p:spPr>
+              <a:xfrm>
+                <a:off x="8979017" y="4983177"/>
+                <a:ext cx="446063" cy="326447"/>
+              </a:xfrm>
+              <a:prstGeom prst="rect">
+                <a:avLst/>
+              </a:prstGeom>
+              <a:solidFill>
+                <a:schemeClr val="accent1">
+                  <a:lumMod val="60000"/>
+                  <a:lumOff val="40000"/>
+                </a:schemeClr>
+              </a:solidFill>
+              <a:ln>
+                <a:solidFill>
+                  <a:schemeClr val="tx1"/>
+                </a:solidFill>
+              </a:ln>
+              <a:scene3d>
+                <a:camera prst="perspectiveRelaxed"/>
+                <a:lightRig rig="threePt" dir="t"/>
+              </a:scene3d>
+            </p:spPr>
+            <p:style>
+              <a:lnRef idx="2">
+                <a:schemeClr val="accent1">
+                  <a:shade val="50000"/>
+                </a:schemeClr>
+              </a:lnRef>
+              <a:fillRef idx="1">
+                <a:schemeClr val="accent1"/>
+              </a:fillRef>
+              <a:effectRef idx="0">
+                <a:schemeClr val="accent1"/>
+              </a:effectRef>
+              <a:fontRef idx="minor">
+                <a:schemeClr val="lt1"/>
+              </a:fontRef>
+            </p:style>
+            <p:txBody>
+              <a:bodyPr rtlCol="0" anchor="ctr"/>
+              <a:lstStyle/>
+              <a:p>
+                <a:pPr algn="ctr"/>
+                <a:endParaRPr lang="ko-KR" altLang="en-US"/>
+              </a:p>
+            </p:txBody>
+          </p:sp>
+          <p:sp>
+            <p:nvSpPr>
+              <p:cNvPr id="48" name="직사각형 47"/>
+              <p:cNvSpPr/>
+              <p:nvPr/>
+            </p:nvSpPr>
+            <p:spPr>
+              <a:xfrm>
+                <a:off x="9794114" y="4974382"/>
+                <a:ext cx="446063" cy="326447"/>
+              </a:xfrm>
+              <a:prstGeom prst="rect">
+                <a:avLst/>
+              </a:prstGeom>
+              <a:solidFill>
+                <a:schemeClr val="accent6">
+                  <a:lumMod val="60000"/>
+                  <a:lumOff val="40000"/>
+                </a:schemeClr>
+              </a:solidFill>
+              <a:ln>
+                <a:solidFill>
+                  <a:schemeClr val="tx1"/>
+                </a:solidFill>
+              </a:ln>
+              <a:scene3d>
+                <a:camera prst="perspectiveRelaxed"/>
+                <a:lightRig rig="threePt" dir="t"/>
+              </a:scene3d>
+            </p:spPr>
+            <p:style>
+              <a:lnRef idx="2">
+                <a:schemeClr val="accent1">
+                  <a:shade val="50000"/>
+                </a:schemeClr>
+              </a:lnRef>
+              <a:fillRef idx="1">
+                <a:schemeClr val="accent1"/>
+              </a:fillRef>
+              <a:effectRef idx="0">
+                <a:schemeClr val="accent1"/>
+              </a:effectRef>
+              <a:fontRef idx="minor">
+                <a:schemeClr val="lt1"/>
+              </a:fontRef>
+            </p:style>
+            <p:txBody>
+              <a:bodyPr rtlCol="0" anchor="ctr"/>
+              <a:lstStyle/>
+              <a:p>
+                <a:pPr algn="ctr"/>
+                <a:endParaRPr lang="ko-KR" altLang="en-US"/>
+              </a:p>
+            </p:txBody>
+          </p:sp>
+          <p:sp>
+            <p:nvSpPr>
+              <p:cNvPr id="49" name="직사각형 48"/>
+              <p:cNvSpPr/>
+              <p:nvPr/>
+            </p:nvSpPr>
+            <p:spPr>
+              <a:xfrm>
+                <a:off x="7445960" y="4825844"/>
+                <a:ext cx="879230" cy="537463"/>
+              </a:xfrm>
+              <a:prstGeom prst="rect">
+                <a:avLst/>
+              </a:prstGeom>
+              <a:solidFill>
+                <a:schemeClr val="bg2">
+                  <a:lumMod val="50000"/>
+                </a:schemeClr>
+              </a:solidFill>
+              <a:ln>
+                <a:solidFill>
+                  <a:schemeClr val="tx1"/>
+                </a:solidFill>
+              </a:ln>
+              <a:scene3d>
+                <a:camera prst="perspectiveRelaxed"/>
+                <a:lightRig rig="threePt" dir="t"/>
+              </a:scene3d>
+            </p:spPr>
+            <p:style>
+              <a:lnRef idx="2">
+                <a:schemeClr val="accent1">
+                  <a:shade val="50000"/>
+                </a:schemeClr>
+              </a:lnRef>
+              <a:fillRef idx="1">
+                <a:schemeClr val="accent1"/>
+              </a:fillRef>
+              <a:effectRef idx="0">
+                <a:schemeClr val="accent1"/>
+              </a:effectRef>
+              <a:fontRef idx="minor">
+                <a:schemeClr val="lt1"/>
+              </a:fontRef>
+            </p:style>
+            <p:txBody>
+              <a:bodyPr rtlCol="0" anchor="ctr"/>
+              <a:lstStyle/>
+              <a:p>
+                <a:pPr algn="ctr"/>
+                <a:endParaRPr lang="ko-KR" altLang="en-US"/>
+              </a:p>
+            </p:txBody>
+          </p:sp>
+          <p:sp>
+            <p:nvSpPr>
+              <p:cNvPr id="50" name="TextBox 49"/>
+              <p:cNvSpPr txBox="1"/>
+              <p:nvPr/>
+            </p:nvSpPr>
+            <p:spPr>
+              <a:xfrm>
+                <a:off x="7455759" y="5603070"/>
+                <a:ext cx="923397" cy="276999"/>
+              </a:xfrm>
+              <a:prstGeom prst="rect">
+                <a:avLst/>
+              </a:prstGeom>
+              <a:noFill/>
+            </p:spPr>
+            <p:txBody>
+              <a:bodyPr wrap="square" rtlCol="0">
+                <a:spAutoFit/>
+              </a:bodyPr>
+              <a:lstStyle/>
+              <a:p>
+                <a:r>
+                  <a:rPr lang="en-US" altLang="ko-KR" sz="1200" b="1" dirty="0" smtClean="0">
+                    <a:latin typeface="Times New Roman" panose="02020603050405020304" pitchFamily="18" charset="0"/>
+                    <a:cs typeface="Times New Roman" panose="02020603050405020304" pitchFamily="18" charset="0"/>
+                  </a:rPr>
+                  <a:t>OS Process</a:t>
+                </a:r>
+                <a:endParaRPr lang="ko-KR" altLang="en-US" sz="1200" b="1" dirty="0">
+                  <a:latin typeface="Times New Roman" panose="02020603050405020304" pitchFamily="18" charset="0"/>
+                  <a:cs typeface="Times New Roman" panose="02020603050405020304" pitchFamily="18" charset="0"/>
+                </a:endParaRPr>
+              </a:p>
+            </p:txBody>
+          </p:sp>
+          <p:sp>
+            <p:nvSpPr>
+              <p:cNvPr id="51" name="TextBox 50"/>
+              <p:cNvSpPr txBox="1"/>
+              <p:nvPr/>
+            </p:nvSpPr>
+            <p:spPr>
+              <a:xfrm>
+                <a:off x="8909368" y="5541622"/>
+                <a:ext cx="683852" cy="461665"/>
+              </a:xfrm>
+              <a:prstGeom prst="rect">
+                <a:avLst/>
+              </a:prstGeom>
+              <a:noFill/>
+            </p:spPr>
+            <p:txBody>
+              <a:bodyPr wrap="square" rtlCol="0">
+                <a:spAutoFit/>
+              </a:bodyPr>
+              <a:lstStyle/>
+              <a:p>
+                <a:pPr algn="ctr"/>
+                <a:r>
+                  <a:rPr lang="en-US" altLang="ko-KR" sz="1200" b="1" dirty="0" smtClean="0">
+                    <a:latin typeface="Times New Roman" panose="02020603050405020304" pitchFamily="18" charset="0"/>
+                    <a:cs typeface="Times New Roman" panose="02020603050405020304" pitchFamily="18" charset="0"/>
+                  </a:rPr>
+                  <a:t>App1 </a:t>
+                </a:r>
+              </a:p>
+              <a:p>
+                <a:pPr algn="ctr"/>
+                <a:r>
+                  <a:rPr lang="en-US" altLang="ko-KR" sz="1200" b="1" dirty="0" smtClean="0">
+                    <a:latin typeface="Times New Roman" panose="02020603050405020304" pitchFamily="18" charset="0"/>
+                    <a:cs typeface="Times New Roman" panose="02020603050405020304" pitchFamily="18" charset="0"/>
+                  </a:rPr>
+                  <a:t>Process</a:t>
+                </a:r>
+                <a:endParaRPr lang="ko-KR" altLang="en-US" sz="1200" b="1" dirty="0">
+                  <a:latin typeface="Times New Roman" panose="02020603050405020304" pitchFamily="18" charset="0"/>
+                  <a:cs typeface="Times New Roman" panose="02020603050405020304" pitchFamily="18" charset="0"/>
+                </a:endParaRPr>
+              </a:p>
+            </p:txBody>
+          </p:sp>
+          <p:sp>
+            <p:nvSpPr>
+              <p:cNvPr id="52" name="TextBox 51"/>
+              <p:cNvSpPr txBox="1"/>
+              <p:nvPr/>
+            </p:nvSpPr>
+            <p:spPr>
+              <a:xfrm>
+                <a:off x="9699362" y="5541622"/>
+                <a:ext cx="683852" cy="461665"/>
+              </a:xfrm>
+              <a:prstGeom prst="rect">
+                <a:avLst/>
+              </a:prstGeom>
+              <a:noFill/>
+            </p:spPr>
+            <p:txBody>
+              <a:bodyPr wrap="square" rtlCol="0">
+                <a:spAutoFit/>
+              </a:bodyPr>
+              <a:lstStyle/>
+              <a:p>
+                <a:pPr algn="ctr"/>
+                <a:r>
+                  <a:rPr lang="en-US" altLang="ko-KR" sz="1200" b="1" dirty="0" smtClean="0">
+                    <a:latin typeface="Times New Roman" panose="02020603050405020304" pitchFamily="18" charset="0"/>
+                    <a:cs typeface="Times New Roman" panose="02020603050405020304" pitchFamily="18" charset="0"/>
+                  </a:rPr>
+                  <a:t>App2 </a:t>
+                </a:r>
+              </a:p>
+              <a:p>
+                <a:pPr algn="ctr"/>
+                <a:r>
+                  <a:rPr lang="en-US" altLang="ko-KR" sz="1200" b="1" dirty="0" smtClean="0">
+                    <a:latin typeface="Times New Roman" panose="02020603050405020304" pitchFamily="18" charset="0"/>
+                    <a:cs typeface="Times New Roman" panose="02020603050405020304" pitchFamily="18" charset="0"/>
+                  </a:rPr>
+                  <a:t>Process</a:t>
+                </a:r>
+                <a:endParaRPr lang="ko-KR" altLang="en-US" sz="1200" b="1" dirty="0">
+                  <a:latin typeface="Times New Roman" panose="02020603050405020304" pitchFamily="18" charset="0"/>
+                  <a:cs typeface="Times New Roman" panose="02020603050405020304" pitchFamily="18" charset="0"/>
+                </a:endParaRPr>
+              </a:p>
+            </p:txBody>
+          </p:sp>
+        </p:grpSp>
+        <p:sp>
+          <p:nvSpPr>
+            <p:cNvPr id="39" name="TextBox 38"/>
+            <p:cNvSpPr txBox="1"/>
+            <p:nvPr/>
+          </p:nvSpPr>
+          <p:spPr>
+            <a:xfrm>
+              <a:off x="9516795" y="3492607"/>
+              <a:ext cx="549622" cy="276999"/>
+            </a:xfrm>
+            <a:prstGeom prst="rect">
+              <a:avLst/>
+            </a:prstGeom>
+            <a:noFill/>
+            <a:scene3d>
+              <a:camera prst="isometricOffAxis2Left"/>
+              <a:lightRig rig="threePt" dir="t"/>
+            </a:scene3d>
+          </p:spPr>
+          <p:txBody>
+            <a:bodyPr wrap="square" rtlCol="0">
+              <a:spAutoFit/>
+            </a:bodyPr>
+            <a:lstStyle/>
+            <a:p>
+              <a:pPr algn="ctr"/>
+              <a:r>
+                <a:rPr lang="en-US" altLang="ko-KR" sz="1200" b="1" dirty="0" smtClean="0">
+                  <a:latin typeface="Times New Roman" panose="02020603050405020304" pitchFamily="18" charset="0"/>
+                  <a:cs typeface="Times New Roman" panose="02020603050405020304" pitchFamily="18" charset="0"/>
+                </a:rPr>
+                <a:t>CPU</a:t>
+              </a:r>
+            </a:p>
+          </p:txBody>
+        </p:sp>
+        <p:pic>
+          <p:nvPicPr>
+            <p:cNvPr id="40" name="그림 39"/>
+            <p:cNvPicPr>
+              <a:picLocks noChangeAspect="1"/>
+            </p:cNvPicPr>
+            <p:nvPr/>
+          </p:nvPicPr>
+          <p:blipFill>
+            <a:blip r:embed="rId3">
+              <a:extLst>
+                <a:ext uri="{28A0092B-C50C-407E-A947-70E740481C1C}">
+                  <a14:useLocalDpi xmlns:a14="http://schemas.microsoft.com/office/drawing/2010/main" val="0"/>
+                </a:ext>
+              </a:extLst>
+            </a:blip>
+            <a:stretch>
+              <a:fillRect/>
+            </a:stretch>
+          </p:blipFill>
+          <p:spPr>
+            <a:xfrm>
+              <a:off x="8790309" y="3576970"/>
+              <a:ext cx="912901" cy="929605"/>
+            </a:xfrm>
+            <a:prstGeom prst="rect">
+              <a:avLst/>
+            </a:prstGeom>
+            <a:scene3d>
+              <a:camera prst="perspectiveRelaxed"/>
+              <a:lightRig rig="threePt" dir="t"/>
+            </a:scene3d>
+          </p:spPr>
+        </p:pic>
+        <p:cxnSp>
+          <p:nvCxnSpPr>
+            <p:cNvPr id="43" name="꺾인 연결선 42"/>
+            <p:cNvCxnSpPr>
+              <a:stCxn id="40" idx="1"/>
+              <a:endCxn id="49" idx="0"/>
+            </p:cNvCxnSpPr>
+            <p:nvPr/>
+          </p:nvCxnSpPr>
+          <p:spPr>
+            <a:xfrm rot="10800000" flipV="1">
+              <a:off x="8386737" y="4041772"/>
+              <a:ext cx="403572" cy="922571"/>
+            </a:xfrm>
+            <a:prstGeom prst="bentConnector2">
+              <a:avLst/>
+            </a:prstGeom>
+            <a:ln>
+              <a:tailEnd type="triangle"/>
+            </a:ln>
+          </p:spPr>
+          <p:style>
+            <a:lnRef idx="1">
+              <a:schemeClr val="dk1"/>
+            </a:lnRef>
+            <a:fillRef idx="0">
+              <a:schemeClr val="dk1"/>
+            </a:fillRef>
+            <a:effectRef idx="0">
+              <a:schemeClr val="dk1"/>
+            </a:effectRef>
+            <a:fontRef idx="minor">
+              <a:schemeClr val="tx1"/>
+            </a:fontRef>
+          </p:style>
+        </p:cxnSp>
+        <p:sp>
+          <p:nvSpPr>
+            <p:cNvPr id="44" name="TextBox 43"/>
+            <p:cNvSpPr txBox="1"/>
+            <p:nvPr/>
+          </p:nvSpPr>
+          <p:spPr>
+            <a:xfrm>
+              <a:off x="7612876" y="4305513"/>
+              <a:ext cx="1547721" cy="261610"/>
+            </a:xfrm>
+            <a:prstGeom prst="rect">
+              <a:avLst/>
+            </a:prstGeom>
+            <a:noFill/>
+          </p:spPr>
+          <p:txBody>
+            <a:bodyPr wrap="square" rtlCol="0">
+              <a:spAutoFit/>
+            </a:bodyPr>
+            <a:lstStyle/>
+            <a:p>
+              <a:pPr algn="ctr"/>
+              <a:r>
+                <a:rPr lang="ko-KR" altLang="en-US" sz="1050" b="1" dirty="0" smtClean="0"/>
+                <a:t>수행 </a:t>
+              </a:r>
+              <a:r>
+                <a:rPr lang="en-US" altLang="ko-KR" sz="1050" b="1" dirty="0" smtClean="0"/>
+                <a:t>(Kernel Mode)</a:t>
+              </a:r>
+              <a:endParaRPr lang="ko-KR" altLang="en-US" sz="1050" b="1" dirty="0"/>
+            </a:p>
+          </p:txBody>
+        </p:sp>
+      </p:grpSp>
+      <p:cxnSp>
+        <p:nvCxnSpPr>
+          <p:cNvPr id="53" name="꺾인 연결선 52"/>
+          <p:cNvCxnSpPr>
+            <a:stCxn id="26" idx="1"/>
+          </p:cNvCxnSpPr>
+          <p:nvPr/>
+        </p:nvCxnSpPr>
+        <p:spPr>
+          <a:xfrm rot="10800000" flipV="1">
+            <a:off x="5045400" y="1862016"/>
+            <a:ext cx="430780" cy="920946"/>
+          </a:xfrm>
+          <a:prstGeom prst="bentConnector2">
+            <a:avLst/>
+          </a:prstGeom>
+          <a:ln>
+            <a:tailEnd type="triangle"/>
+          </a:ln>
+        </p:spPr>
+        <p:style>
+          <a:lnRef idx="1">
+            <a:schemeClr val="dk1"/>
+          </a:lnRef>
+          <a:fillRef idx="0">
+            <a:schemeClr val="dk1"/>
+          </a:fillRef>
+          <a:effectRef idx="0">
+            <a:schemeClr val="dk1"/>
+          </a:effectRef>
+          <a:fontRef idx="minor">
+            <a:schemeClr val="tx1"/>
+          </a:fontRef>
+        </p:style>
+      </p:cxnSp>
+      <p:sp>
+        <p:nvSpPr>
+          <p:cNvPr id="56" name="TextBox 55"/>
+          <p:cNvSpPr txBox="1"/>
+          <p:nvPr/>
+        </p:nvSpPr>
+        <p:spPr>
+          <a:xfrm>
+            <a:off x="4371406" y="2188976"/>
+            <a:ext cx="1547721" cy="261610"/>
+          </a:xfrm>
+          <a:prstGeom prst="rect">
+            <a:avLst/>
+          </a:prstGeom>
+          <a:noFill/>
+        </p:spPr>
+        <p:txBody>
+          <a:bodyPr wrap="square" rtlCol="0">
+            <a:spAutoFit/>
+          </a:bodyPr>
+          <a:lstStyle/>
+          <a:p>
+            <a:pPr algn="ctr"/>
+            <a:r>
+              <a:rPr lang="en-US" altLang="ko-KR" sz="1050" b="1" dirty="0" smtClean="0">
+                <a:solidFill>
+                  <a:srgbClr val="FF0000"/>
+                </a:solidFill>
+              </a:rPr>
+              <a:t>System Call </a:t>
+            </a:r>
+            <a:r>
+              <a:rPr lang="en-US" altLang="ko-KR" sz="1050" b="1" dirty="0" smtClean="0"/>
+              <a:t>(Read)</a:t>
+            </a:r>
+            <a:endParaRPr lang="ko-KR" altLang="en-US" sz="1050" b="1" dirty="0"/>
+          </a:p>
+        </p:txBody>
+      </p:sp>
+      <p:cxnSp>
+        <p:nvCxnSpPr>
+          <p:cNvPr id="58" name="직선 연결선 57"/>
+          <p:cNvCxnSpPr/>
+          <p:nvPr/>
+        </p:nvCxnSpPr>
+        <p:spPr>
+          <a:xfrm>
+            <a:off x="280069" y="5701620"/>
+            <a:ext cx="11486466" cy="8792"/>
+          </a:xfrm>
+          <a:prstGeom prst="line">
+            <a:avLst/>
+          </a:prstGeom>
+        </p:spPr>
+        <p:style>
+          <a:lnRef idx="1">
+            <a:schemeClr val="dk1"/>
+          </a:lnRef>
+          <a:fillRef idx="0">
+            <a:schemeClr val="dk1"/>
+          </a:fillRef>
+          <a:effectRef idx="0">
+            <a:schemeClr val="dk1"/>
+          </a:effectRef>
+          <a:fontRef idx="minor">
+            <a:schemeClr val="tx1"/>
+          </a:fontRef>
+        </p:style>
+      </p:cxnSp>
+      <p:sp>
+        <p:nvSpPr>
+          <p:cNvPr id="59" name="TextBox 58"/>
+          <p:cNvSpPr txBox="1"/>
+          <p:nvPr/>
+        </p:nvSpPr>
+        <p:spPr>
+          <a:xfrm>
+            <a:off x="285881" y="4313583"/>
+            <a:ext cx="3423593" cy="307777"/>
+          </a:xfrm>
+          <a:prstGeom prst="rect">
+            <a:avLst/>
+          </a:prstGeom>
+          <a:noFill/>
+        </p:spPr>
+        <p:txBody>
+          <a:bodyPr wrap="square" rtlCol="0">
+            <a:spAutoFit/>
+          </a:bodyPr>
+          <a:lstStyle/>
+          <a:p>
+            <a:r>
+              <a:rPr lang="en-US" altLang="ko-KR" sz="1400" b="1" dirty="0" smtClean="0"/>
+              <a:t>Blocking </a:t>
+            </a:r>
+            <a:r>
+              <a:rPr lang="ko-KR" altLang="en-US" sz="1400" b="1" dirty="0" smtClean="0"/>
+              <a:t>방식 기준으로 설명</a:t>
+            </a:r>
+            <a:endParaRPr lang="ko-KR" altLang="en-US" sz="1400" b="1" dirty="0"/>
+          </a:p>
+        </p:txBody>
+      </p:sp>
+      <p:sp>
+        <p:nvSpPr>
+          <p:cNvPr id="60" name="TextBox 59"/>
+          <p:cNvSpPr txBox="1"/>
+          <p:nvPr/>
+        </p:nvSpPr>
+        <p:spPr>
+          <a:xfrm>
+            <a:off x="191942" y="4699824"/>
+            <a:ext cx="1688528" cy="307777"/>
+          </a:xfrm>
+          <a:prstGeom prst="rect">
+            <a:avLst/>
+          </a:prstGeom>
+          <a:noFill/>
+        </p:spPr>
+        <p:txBody>
+          <a:bodyPr wrap="square" rtlCol="0">
+            <a:spAutoFit/>
+          </a:bodyPr>
+          <a:lstStyle/>
+          <a:p>
+            <a:r>
+              <a:rPr lang="en-US" altLang="ko-KR" sz="1400" dirty="0" smtClean="0">
+                <a:latin typeface="Times New Roman" panose="02020603050405020304" pitchFamily="18" charset="0"/>
+                <a:cs typeface="Times New Roman" panose="02020603050405020304" pitchFamily="18" charset="0"/>
+              </a:rPr>
+              <a:t>user mode</a:t>
+            </a:r>
+            <a:endParaRPr lang="ko-KR" altLang="en-US" sz="1400" dirty="0">
+              <a:latin typeface="Times New Roman" panose="02020603050405020304" pitchFamily="18" charset="0"/>
+              <a:cs typeface="Times New Roman" panose="02020603050405020304" pitchFamily="18" charset="0"/>
+            </a:endParaRPr>
+          </a:p>
+        </p:txBody>
+      </p:sp>
+      <p:sp>
+        <p:nvSpPr>
+          <p:cNvPr id="61" name="TextBox 60"/>
+          <p:cNvSpPr txBox="1"/>
+          <p:nvPr/>
+        </p:nvSpPr>
+        <p:spPr>
+          <a:xfrm>
+            <a:off x="236107" y="5811049"/>
+            <a:ext cx="1688528" cy="307777"/>
+          </a:xfrm>
+          <a:prstGeom prst="rect">
+            <a:avLst/>
+          </a:prstGeom>
+          <a:noFill/>
+        </p:spPr>
+        <p:txBody>
+          <a:bodyPr wrap="square" rtlCol="0">
+            <a:spAutoFit/>
+          </a:bodyPr>
+          <a:lstStyle/>
+          <a:p>
+            <a:r>
+              <a:rPr lang="en-US" altLang="ko-KR" sz="1400" dirty="0" smtClean="0">
+                <a:latin typeface="Times New Roman" panose="02020603050405020304" pitchFamily="18" charset="0"/>
+                <a:cs typeface="Times New Roman" panose="02020603050405020304" pitchFamily="18" charset="0"/>
+              </a:rPr>
+              <a:t>kernel mode</a:t>
+            </a:r>
+            <a:endParaRPr lang="ko-KR" altLang="en-US" sz="1400" dirty="0">
+              <a:latin typeface="Times New Roman" panose="02020603050405020304" pitchFamily="18" charset="0"/>
+              <a:cs typeface="Times New Roman" panose="02020603050405020304" pitchFamily="18" charset="0"/>
+            </a:endParaRPr>
+          </a:p>
+        </p:txBody>
+      </p:sp>
+      <p:cxnSp>
+        <p:nvCxnSpPr>
+          <p:cNvPr id="63" name="직선 화살표 연결선 62"/>
+          <p:cNvCxnSpPr/>
+          <p:nvPr/>
+        </p:nvCxnSpPr>
+        <p:spPr>
+          <a:xfrm>
+            <a:off x="280069" y="5377070"/>
+            <a:ext cx="3825060" cy="8333"/>
+          </a:xfrm>
+          <a:prstGeom prst="straightConnector1">
+            <a:avLst/>
+          </a:prstGeom>
+          <a:ln>
+            <a:tailEnd type="triangle"/>
+          </a:ln>
+        </p:spPr>
+        <p:style>
+          <a:lnRef idx="1">
+            <a:schemeClr val="accent1"/>
+          </a:lnRef>
+          <a:fillRef idx="0">
+            <a:schemeClr val="accent1"/>
+          </a:fillRef>
+          <a:effectRef idx="0">
+            <a:schemeClr val="accent1"/>
+          </a:effectRef>
+          <a:fontRef idx="minor">
+            <a:schemeClr val="tx1"/>
+          </a:fontRef>
+        </p:style>
+      </p:cxnSp>
+      <p:sp>
+        <p:nvSpPr>
+          <p:cNvPr id="64" name="TextBox 63"/>
+          <p:cNvSpPr txBox="1"/>
+          <p:nvPr/>
+        </p:nvSpPr>
+        <p:spPr>
+          <a:xfrm>
+            <a:off x="2238133" y="4999162"/>
+            <a:ext cx="1376617" cy="307777"/>
+          </a:xfrm>
+          <a:prstGeom prst="rect">
+            <a:avLst/>
+          </a:prstGeom>
+          <a:noFill/>
+        </p:spPr>
+        <p:txBody>
+          <a:bodyPr wrap="square" rtlCol="0">
+            <a:spAutoFit/>
+          </a:bodyPr>
+          <a:lstStyle/>
+          <a:p>
+            <a:r>
+              <a:rPr lang="en-US" altLang="ko-KR" sz="1400" b="1" dirty="0" smtClean="0">
+                <a:latin typeface="Times New Roman" panose="02020603050405020304" pitchFamily="18" charset="0"/>
+                <a:cs typeface="Times New Roman" panose="02020603050405020304" pitchFamily="18" charset="0"/>
+              </a:rPr>
+              <a:t>App1 (Thread1)</a:t>
+            </a:r>
+            <a:endParaRPr lang="ko-KR" altLang="en-US" sz="1400" b="1" dirty="0">
+              <a:latin typeface="Times New Roman" panose="02020603050405020304" pitchFamily="18" charset="0"/>
+              <a:cs typeface="Times New Roman" panose="02020603050405020304" pitchFamily="18" charset="0"/>
+            </a:endParaRPr>
+          </a:p>
+        </p:txBody>
+      </p:sp>
+      <p:cxnSp>
+        <p:nvCxnSpPr>
+          <p:cNvPr id="66" name="직선 화살표 연결선 65"/>
+          <p:cNvCxnSpPr/>
+          <p:nvPr/>
+        </p:nvCxnSpPr>
+        <p:spPr>
+          <a:xfrm>
+            <a:off x="4105129" y="5385403"/>
+            <a:ext cx="4034804" cy="833073"/>
+          </a:xfrm>
+          <a:prstGeom prst="straightConnector1">
+            <a:avLst/>
+          </a:prstGeom>
+          <a:ln>
+            <a:tailEnd type="triangle"/>
+          </a:ln>
+        </p:spPr>
+        <p:style>
+          <a:lnRef idx="1">
+            <a:schemeClr val="accent1"/>
+          </a:lnRef>
+          <a:fillRef idx="0">
+            <a:schemeClr val="accent1"/>
+          </a:fillRef>
+          <a:effectRef idx="0">
+            <a:schemeClr val="accent1"/>
+          </a:effectRef>
+          <a:fontRef idx="minor">
+            <a:schemeClr val="tx1"/>
+          </a:fontRef>
+        </p:style>
+      </p:cxnSp>
+      <p:cxnSp>
+        <p:nvCxnSpPr>
+          <p:cNvPr id="67" name="직선 화살표 연결선 66"/>
+          <p:cNvCxnSpPr/>
+          <p:nvPr/>
+        </p:nvCxnSpPr>
+        <p:spPr>
+          <a:xfrm flipV="1">
+            <a:off x="8139933" y="6218476"/>
+            <a:ext cx="3429405" cy="1710"/>
+          </a:xfrm>
+          <a:prstGeom prst="straightConnector1">
+            <a:avLst/>
+          </a:prstGeom>
+          <a:ln>
+            <a:tailEnd type="triangle"/>
+          </a:ln>
+        </p:spPr>
+        <p:style>
+          <a:lnRef idx="1">
+            <a:schemeClr val="accent1"/>
+          </a:lnRef>
+          <a:fillRef idx="0">
+            <a:schemeClr val="accent1"/>
+          </a:fillRef>
+          <a:effectRef idx="0">
+            <a:schemeClr val="accent1"/>
+          </a:effectRef>
+          <a:fontRef idx="minor">
+            <a:schemeClr val="tx1"/>
+          </a:fontRef>
+        </p:style>
+      </p:cxnSp>
+      <p:sp>
+        <p:nvSpPr>
+          <p:cNvPr id="74" name="TextBox 73"/>
+          <p:cNvSpPr txBox="1"/>
+          <p:nvPr/>
+        </p:nvSpPr>
+        <p:spPr>
+          <a:xfrm>
+            <a:off x="5145266" y="5928884"/>
+            <a:ext cx="1337207" cy="523220"/>
+          </a:xfrm>
+          <a:prstGeom prst="rect">
+            <a:avLst/>
+          </a:prstGeom>
+          <a:noFill/>
+        </p:spPr>
+        <p:txBody>
+          <a:bodyPr wrap="square" rtlCol="0">
+            <a:spAutoFit/>
+          </a:bodyPr>
+          <a:lstStyle/>
+          <a:p>
+            <a:pPr algn="ctr"/>
+            <a:r>
+              <a:rPr lang="en-US" altLang="ko-KR" sz="1400" b="1" dirty="0" smtClean="0"/>
+              <a:t>System Call </a:t>
+            </a:r>
+          </a:p>
+          <a:p>
+            <a:pPr algn="ctr"/>
+            <a:r>
+              <a:rPr lang="en-US" altLang="ko-KR" sz="1400" b="1" dirty="0" smtClean="0"/>
+              <a:t>(OS Logic)</a:t>
+            </a:r>
+            <a:endParaRPr lang="ko-KR" altLang="en-US" sz="1400" b="1" dirty="0"/>
+          </a:p>
+        </p:txBody>
+      </p:sp>
+      <p:sp>
+        <p:nvSpPr>
+          <p:cNvPr id="75" name="TextBox 74"/>
+          <p:cNvSpPr txBox="1"/>
+          <p:nvPr/>
+        </p:nvSpPr>
+        <p:spPr>
+          <a:xfrm>
+            <a:off x="8681596" y="5869436"/>
+            <a:ext cx="2307720" cy="307777"/>
+          </a:xfrm>
+          <a:prstGeom prst="rect">
+            <a:avLst/>
+          </a:prstGeom>
+          <a:noFill/>
+        </p:spPr>
+        <p:txBody>
+          <a:bodyPr wrap="square" rtlCol="0">
+            <a:spAutoFit/>
+          </a:bodyPr>
+          <a:lstStyle/>
+          <a:p>
+            <a:r>
+              <a:rPr lang="en-US" altLang="ko-KR" sz="1400" b="1" dirty="0" smtClean="0">
+                <a:latin typeface="Times New Roman" panose="02020603050405020304" pitchFamily="18" charset="0"/>
+                <a:cs typeface="Times New Roman" panose="02020603050405020304" pitchFamily="18" charset="0"/>
+              </a:rPr>
+              <a:t>OS Logic (kernel Thread1)</a:t>
+            </a:r>
+            <a:endParaRPr lang="ko-KR" altLang="en-US" sz="1400" b="1" dirty="0">
+              <a:latin typeface="Times New Roman" panose="02020603050405020304" pitchFamily="18" charset="0"/>
+              <a:cs typeface="Times New Roman" panose="02020603050405020304" pitchFamily="18" charset="0"/>
+            </a:endParaRPr>
+          </a:p>
+        </p:txBody>
+      </p:sp>
     </p:spTree>
     <p:extLst>
       <p:ext uri="{BB962C8B-B14F-4D97-AF65-F5344CB8AC3E}">
@@ -6525,4 +9481,265 @@
     </a:ext>
   </a:extLst>
 </a:theme>
+</file>
+
+<file path=ppt/theme/theme2.xml><?xml version="1.0" encoding="utf-8"?>
+<a:theme xmlns:a="http://schemas.openxmlformats.org/drawingml/2006/main" name="Office 테마">
+  <a:themeElements>
+    <a:clrScheme name="Office">
+      <a:dk1>
+        <a:sysClr val="windowText" lastClr="000000"/>
+      </a:dk1>
+      <a:lt1>
+        <a:sysClr val="window" lastClr="FFFFFF"/>
+      </a:lt1>
+      <a:dk2>
+        <a:srgbClr val="44546A"/>
+      </a:dk2>
+      <a:lt2>
+        <a:srgbClr val="E7E6E6"/>
+      </a:lt2>
+      <a:accent1>
+        <a:srgbClr val="5B9BD5"/>
+      </a:accent1>
+      <a:accent2>
+        <a:srgbClr val="ED7D31"/>
+      </a:accent2>
+      <a:accent3>
+        <a:srgbClr val="A5A5A5"/>
+      </a:accent3>
+      <a:accent4>
+        <a:srgbClr val="FFC000"/>
+      </a:accent4>
+      <a:accent5>
+        <a:srgbClr val="4472C4"/>
+      </a:accent5>
+      <a:accent6>
+        <a:srgbClr val="70AD47"/>
+      </a:accent6>
+      <a:hlink>
+        <a:srgbClr val="0563C1"/>
+      </a:hlink>
+      <a:folHlink>
+        <a:srgbClr val="954F72"/>
+      </a:folHlink>
+    </a:clrScheme>
+    <a:fontScheme name="Office">
+      <a:majorFont>
+        <a:latin typeface="맑은 고딕" panose="020F0302020204030204"/>
+        <a:ea typeface=""/>
+        <a:cs typeface=""/>
+        <a:font script="Jpan" typeface="游ゴシック Light"/>
+        <a:font script="Hang" typeface="맑은 고딕"/>
+        <a:font script="Hans" typeface="等线 Light"/>
+        <a:font script="Hant" typeface="新細明體"/>
+        <a:font script="Arab" typeface="Times New Roman"/>
+        <a:font script="Hebr" typeface="Times New Roman"/>
+        <a:font script="Thai" typeface="Angsana New"/>
+        <a:font script="Ethi" typeface="Nyala"/>
+        <a:font script="Beng" typeface="Vrinda"/>
+        <a:font script="Gujr" typeface="Shruti"/>
+        <a:font script="Khmr" typeface="MoolBoran"/>
+        <a:font script="Knda" typeface="Tunga"/>
+        <a:font script="Guru" typeface="Raavi"/>
+        <a:font script="Cans" typeface="Euphemia"/>
+        <a:font script="Cher" typeface="Plantagenet Cherokee"/>
+        <a:font script="Yiii" typeface="Microsoft Yi Baiti"/>
+        <a:font script="Tibt" typeface="Microsoft Himalaya"/>
+        <a:font script="Thaa" typeface="MV Boli"/>
+        <a:font script="Deva" typeface="Mangal"/>
+        <a:font script="Telu" typeface="Gautami"/>
+        <a:font script="Taml" typeface="Latha"/>
+        <a:font script="Syrc" typeface="Estrangelo Edessa"/>
+        <a:font script="Orya" typeface="Kalinga"/>
+        <a:font script="Mlym" typeface="Kartika"/>
+        <a:font script="Laoo" typeface="DokChampa"/>
+        <a:font script="Sinh" typeface="Iskoola Pota"/>
+        <a:font script="Mong" typeface="Mongolian Baiti"/>
+        <a:font script="Viet" typeface="Times New Roman"/>
+        <a:font script="Uigh" typeface="Microsoft Uighur"/>
+        <a:font script="Geor" typeface="Sylfaen"/>
+      </a:majorFont>
+      <a:minorFont>
+        <a:latin typeface="맑은 고딕" panose="020F0502020204030204"/>
+        <a:ea typeface=""/>
+        <a:cs typeface=""/>
+        <a:font script="Jpan" typeface="游ゴシック"/>
+        <a:font script="Hang" typeface="맑은 고딕"/>
+        <a:font script="Hans" typeface="等线"/>
+        <a:font script="Hant" typeface="新細明體"/>
+        <a:font script="Arab" typeface="Arial"/>
+        <a:font script="Hebr" typeface="Arial"/>
+        <a:font script="Thai" typeface="Cordia New"/>
+        <a:font script="Ethi" typeface="Nyala"/>
+        <a:font script="Beng" typeface="Vrinda"/>
+        <a:font script="Gujr" typeface="Shruti"/>
+        <a:font script="Khmr" typeface="DaunPenh"/>
+        <a:font script="Knda" typeface="Tunga"/>
+        <a:font script="Guru" typeface="Raavi"/>
+        <a:font script="Cans" typeface="Euphemia"/>
+        <a:font script="Cher" typeface="Plantagenet Cherokee"/>
+        <a:font script="Yiii" typeface="Microsoft Yi Baiti"/>
+        <a:font script="Tibt" typeface="Microsoft Himalaya"/>
+        <a:font script="Thaa" typeface="MV Boli"/>
+        <a:font script="Deva" typeface="Mangal"/>
+        <a:font script="Telu" typeface="Gautami"/>
+        <a:font script="Taml" typeface="Latha"/>
+        <a:font script="Syrc" typeface="Estrangelo Edessa"/>
+        <a:font script="Orya" typeface="Kalinga"/>
+        <a:font script="Mlym" typeface="Kartika"/>
+        <a:font script="Laoo" typeface="DokChampa"/>
+        <a:font script="Sinh" typeface="Iskoola Pota"/>
+        <a:font script="Mong" typeface="Mongolian Baiti"/>
+        <a:font script="Viet" typeface="Arial"/>
+        <a:font script="Uigh" typeface="Microsoft Uighur"/>
+        <a:font script="Geor" typeface="Sylfaen"/>
+      </a:minorFont>
+    </a:fontScheme>
+    <a:fmtScheme name="Office">
+      <a:fillStyleLst>
+        <a:solidFill>
+          <a:schemeClr val="phClr"/>
+        </a:solidFill>
+        <a:gradFill rotWithShape="1">
+          <a:gsLst>
+            <a:gs pos="0">
+              <a:schemeClr val="phClr">
+                <a:lumMod val="110000"/>
+                <a:satMod val="105000"/>
+                <a:tint val="67000"/>
+              </a:schemeClr>
+            </a:gs>
+            <a:gs pos="50000">
+              <a:schemeClr val="phClr">
+                <a:lumMod val="105000"/>
+                <a:satMod val="103000"/>
+                <a:tint val="73000"/>
+              </a:schemeClr>
+            </a:gs>
+            <a:gs pos="100000">
+              <a:schemeClr val="phClr">
+                <a:lumMod val="105000"/>
+                <a:satMod val="109000"/>
+                <a:tint val="81000"/>
+              </a:schemeClr>
+            </a:gs>
+          </a:gsLst>
+          <a:lin ang="5400000" scaled="0"/>
+        </a:gradFill>
+        <a:gradFill rotWithShape="1">
+          <a:gsLst>
+            <a:gs pos="0">
+              <a:schemeClr val="phClr">
+                <a:satMod val="103000"/>
+                <a:lumMod val="102000"/>
+                <a:tint val="94000"/>
+              </a:schemeClr>
+            </a:gs>
+            <a:gs pos="50000">
+              <a:schemeClr val="phClr">
+                <a:satMod val="110000"/>
+                <a:lumMod val="100000"/>
+                <a:shade val="100000"/>
+              </a:schemeClr>
+            </a:gs>
+            <a:gs pos="100000">
+              <a:schemeClr val="phClr">
+                <a:lumMod val="99000"/>
+                <a:satMod val="120000"/>
+                <a:shade val="78000"/>
+              </a:schemeClr>
+            </a:gs>
+          </a:gsLst>
+          <a:lin ang="5400000" scaled="0"/>
+        </a:gradFill>
+      </a:fillStyleLst>
+      <a:lnStyleLst>
+        <a:ln w="6350" cap="flat" cmpd="sng" algn="ctr">
+          <a:solidFill>
+            <a:schemeClr val="phClr"/>
+          </a:solidFill>
+          <a:prstDash val="solid"/>
+          <a:miter lim="800000"/>
+        </a:ln>
+        <a:ln w="12700" cap="flat" cmpd="sng" algn="ctr">
+          <a:solidFill>
+            <a:schemeClr val="phClr"/>
+          </a:solidFill>
+          <a:prstDash val="solid"/>
+          <a:miter lim="800000"/>
+        </a:ln>
+        <a:ln w="19050" cap="flat" cmpd="sng" algn="ctr">
+          <a:solidFill>
+            <a:schemeClr val="phClr"/>
+          </a:solidFill>
+          <a:prstDash val="solid"/>
+          <a:miter lim="800000"/>
+        </a:ln>
+      </a:lnStyleLst>
+      <a:effectStyleLst>
+        <a:effectStyle>
+          <a:effectLst/>
+        </a:effectStyle>
+        <a:effectStyle>
+          <a:effectLst/>
+        </a:effectStyle>
+        <a:effectStyle>
+          <a:effectLst>
+            <a:outerShdw blurRad="57150" dist="19050" dir="5400000" algn="ctr" rotWithShape="0">
+              <a:srgbClr val="000000">
+                <a:alpha val="63000"/>
+              </a:srgbClr>
+            </a:outerShdw>
+          </a:effectLst>
+        </a:effectStyle>
+      </a:effectStyleLst>
+      <a:bgFillStyleLst>
+        <a:solidFill>
+          <a:schemeClr val="phClr"/>
+        </a:solidFill>
+        <a:solidFill>
+          <a:schemeClr val="phClr">
+            <a:tint val="95000"/>
+            <a:satMod val="170000"/>
+          </a:schemeClr>
+        </a:solidFill>
+        <a:gradFill rotWithShape="1">
+          <a:gsLst>
+            <a:gs pos="0">
+              <a:schemeClr val="phClr">
+                <a:tint val="93000"/>
+                <a:satMod val="150000"/>
+                <a:shade val="98000"/>
+                <a:lumMod val="102000"/>
+              </a:schemeClr>
+            </a:gs>
+            <a:gs pos="50000">
+              <a:schemeClr val="phClr">
+                <a:tint val="98000"/>
+                <a:satMod val="130000"/>
+                <a:shade val="90000"/>
+                <a:lumMod val="103000"/>
+              </a:schemeClr>
+            </a:gs>
+            <a:gs pos="100000">
+              <a:schemeClr val="phClr">
+                <a:shade val="63000"/>
+                <a:satMod val="120000"/>
+              </a:schemeClr>
+            </a:gs>
+          </a:gsLst>
+          <a:lin ang="5400000" scaled="0"/>
+        </a:gradFill>
+      </a:bgFillStyleLst>
+    </a:fmtScheme>
+  </a:themeElements>
+  <a:objectDefaults/>
+  <a:extraClrSchemeLst/>
+  <a:extLst>
+    <a:ext uri="{05A4C25C-085E-4340-85A3-A5531E510DB2}">
+      <thm15:themeFamily xmlns:thm15="http://schemas.microsoft.com/office/thememl/2012/main" name="Office Theme" id="{62F939B6-93AF-4DB8-9C6B-D6C7DFDC589F}" vid="{4A3C46E8-61CC-4603-A589-7422A47A8E4A}"/>
+    </a:ext>
+  </a:extLst>
+</a:theme>
 </file>
--- a/CSwithC/CS-explanation.pptx
+++ b/CSwithC/CS-explanation.pptx
@@ -791,12 +791,99 @@
               <a:t>라 한다</a:t>
             </a:r>
             <a:r>
-              <a:rPr lang="en-US" altLang="ko-KR" sz="1200" smtClean="0"/>
+              <a:rPr lang="en-US" altLang="ko-KR" sz="1200" dirty="0" smtClean="0"/>
               <a:t>.</a:t>
             </a:r>
             <a:endParaRPr lang="ko-KR" altLang="en-US" sz="1200" dirty="0" smtClean="0"/>
           </a:p>
           <a:p>
+            <a:endParaRPr lang="en-US" altLang="ko-KR" dirty="0" smtClean="0"/>
+          </a:p>
+          <a:p>
+            <a:r>
+              <a:rPr lang="ko-KR" altLang="en-US" dirty="0" smtClean="0"/>
+              <a:t>그리고 여기서 </a:t>
+            </a:r>
+            <a:r>
+              <a:rPr lang="ko-KR" altLang="en-US" dirty="0" err="1" smtClean="0"/>
+              <a:t>알수</a:t>
+            </a:r>
+            <a:r>
+              <a:rPr lang="ko-KR" altLang="en-US" dirty="0" smtClean="0"/>
+              <a:t> 있겠지만 </a:t>
+            </a:r>
+            <a:r>
+              <a:rPr lang="en-US" altLang="ko-KR" dirty="0" smtClean="0"/>
+              <a:t>System Call</a:t>
+            </a:r>
+            <a:r>
+              <a:rPr lang="ko-KR" altLang="en-US" dirty="0" smtClean="0"/>
+              <a:t>은 </a:t>
+            </a:r>
+            <a:r>
+              <a:rPr lang="en-US" altLang="ko-KR" dirty="0" smtClean="0"/>
+              <a:t>OS Process</a:t>
+            </a:r>
+            <a:r>
+              <a:rPr lang="ko-KR" altLang="en-US" dirty="0" smtClean="0"/>
+              <a:t>가 가지고 있는 </a:t>
+            </a:r>
+            <a:r>
+              <a:rPr lang="en-US" altLang="ko-KR" dirty="0" smtClean="0"/>
+              <a:t>logic (method)</a:t>
+            </a:r>
+            <a:r>
+              <a:rPr lang="ko-KR" altLang="en-US" dirty="0" smtClean="0"/>
+              <a:t>를 호출하는 행위를 의미한다</a:t>
+            </a:r>
+            <a:r>
+              <a:rPr lang="en-US" altLang="ko-KR" dirty="0" smtClean="0"/>
+              <a:t>. </a:t>
+            </a:r>
+            <a:r>
+              <a:rPr lang="ko-KR" altLang="en-US" dirty="0" smtClean="0"/>
+              <a:t>보통 </a:t>
+            </a:r>
+            <a:r>
+              <a:rPr lang="en-US" altLang="ko-KR" dirty="0" smtClean="0"/>
+              <a:t>OS Logic</a:t>
+            </a:r>
+            <a:r>
+              <a:rPr lang="ko-KR" altLang="en-US" dirty="0" smtClean="0"/>
+              <a:t>은 </a:t>
+            </a:r>
+            <a:r>
+              <a:rPr lang="en-US" altLang="ko-KR" dirty="0" smtClean="0"/>
+              <a:t>Process</a:t>
+            </a:r>
+            <a:r>
+              <a:rPr lang="ko-KR" altLang="en-US" dirty="0" smtClean="0"/>
+              <a:t>관련 관리 </a:t>
+            </a:r>
+            <a:r>
+              <a:rPr lang="ko-KR" altLang="en-US" dirty="0" err="1" smtClean="0"/>
+              <a:t>로직</a:t>
+            </a:r>
+            <a:r>
+              <a:rPr lang="en-US" altLang="ko-KR" dirty="0" smtClean="0"/>
+              <a:t>, Hardware </a:t>
+            </a:r>
+            <a:r>
+              <a:rPr lang="ko-KR" altLang="en-US" dirty="0" smtClean="0"/>
+              <a:t>제어 </a:t>
+            </a:r>
+            <a:r>
+              <a:rPr lang="ko-KR" altLang="en-US" dirty="0" err="1" smtClean="0"/>
+              <a:t>로직등이</a:t>
+            </a:r>
+            <a:r>
+              <a:rPr lang="ko-KR" altLang="en-US" dirty="0" smtClean="0"/>
+              <a:t> 들어가 있다</a:t>
+            </a:r>
+            <a:r>
+              <a:rPr lang="en-US" altLang="ko-KR" dirty="0" smtClean="0"/>
+              <a:t>.</a:t>
+            </a:r>
             <a:endParaRPr lang="ko-KR" altLang="en-US" dirty="0"/>
           </a:p>
         </p:txBody>
@@ -4759,7 +4846,7 @@
         </p:nvSpPr>
         <p:spPr>
           <a:xfrm>
-            <a:off x="6339974" y="1150944"/>
+            <a:off x="6409547" y="1150944"/>
             <a:ext cx="1528017" cy="307777"/>
           </a:xfrm>
           <a:prstGeom prst="rect">
@@ -4794,9 +4881,9 @@
         <p:grpSpPr>
           <a:xfrm>
             <a:off x="260076" y="1150944"/>
-            <a:ext cx="6282120" cy="5299307"/>
+            <a:ext cx="5876483" cy="5299307"/>
             <a:chOff x="233697" y="1311894"/>
-            <a:chExt cx="6282120" cy="5299307"/>
+            <a:chExt cx="5876483" cy="5299307"/>
           </a:xfrm>
         </p:grpSpPr>
         <p:grpSp>
@@ -5703,7 +5790,7 @@
           <p:spPr>
             <a:xfrm>
               <a:off x="233697" y="5872537"/>
-              <a:ext cx="6282120" cy="738664"/>
+              <a:ext cx="5876483" cy="738664"/>
             </a:xfrm>
             <a:prstGeom prst="rect">
               <a:avLst/>
@@ -5778,7 +5865,7 @@
         </p:nvSpPr>
         <p:spPr>
           <a:xfrm>
-            <a:off x="6591377" y="1771994"/>
+            <a:off x="6660950" y="1771994"/>
             <a:ext cx="5355640" cy="830997"/>
           </a:xfrm>
           <a:prstGeom prst="rect">
@@ -5917,7 +6004,7 @@
         </p:nvSpPr>
         <p:spPr>
           <a:xfrm>
-            <a:off x="6409594" y="1458721"/>
+            <a:off x="6479167" y="1458721"/>
             <a:ext cx="1617785" cy="276999"/>
           </a:xfrm>
           <a:prstGeom prst="rect">
@@ -5964,7 +6051,7 @@
         </p:nvSpPr>
         <p:spPr>
           <a:xfrm>
-            <a:off x="6655777" y="2690446"/>
+            <a:off x="6725350" y="2690446"/>
             <a:ext cx="5291239" cy="461665"/>
           </a:xfrm>
           <a:prstGeom prst="rect">
@@ -6046,7 +6133,7 @@
         </p:nvGrpSpPr>
         <p:grpSpPr>
           <a:xfrm>
-            <a:off x="7508631" y="3492607"/>
+            <a:off x="7578204" y="3492607"/>
             <a:ext cx="3965332" cy="2649180"/>
             <a:chOff x="7508631" y="3492607"/>
             <a:chExt cx="3965332" cy="2649180"/>
@@ -6667,6 +6754,39 @@
           </p:txBody>
         </p:sp>
       </p:grpSp>
+      <p:cxnSp>
+        <p:nvCxnSpPr>
+          <p:cNvPr id="5" name="직선 연결선 4"/>
+          <p:cNvCxnSpPr/>
+          <p:nvPr/>
+        </p:nvCxnSpPr>
+        <p:spPr>
+          <a:xfrm flipH="1">
+            <a:off x="6252052" y="966371"/>
+            <a:ext cx="0" cy="5695122"/>
+          </a:xfrm>
+          <a:prstGeom prst="line">
+            <a:avLst/>
+          </a:prstGeom>
+          <a:ln>
+            <a:prstDash val="dash"/>
+          </a:ln>
+        </p:spPr>
+        <p:style>
+          <a:lnRef idx="1">
+            <a:schemeClr val="accent1"/>
+          </a:lnRef>
+          <a:fillRef idx="0">
+            <a:schemeClr val="accent1"/>
+          </a:fillRef>
+          <a:effectRef idx="0">
+            <a:schemeClr val="accent1"/>
+          </a:effectRef>
+          <a:fontRef idx="minor">
+            <a:schemeClr val="tx1"/>
+          </a:fontRef>
+        </p:style>
+      </p:cxnSp>
     </p:spTree>
     <p:extLst>
       <p:ext uri="{BB962C8B-B14F-4D97-AF65-F5344CB8AC3E}">

--- a/CSwithC/CS-explanation.pptx
+++ b/CSwithC/CS-explanation.pptx
@@ -5,7 +5,7 @@
     <p:sldMasterId id="2147483648" r:id="rId1"/>
   </p:sldMasterIdLst>
   <p:notesMasterIdLst>
-    <p:notesMasterId r:id="rId7"/>
+    <p:notesMasterId r:id="rId9"/>
   </p:notesMasterIdLst>
   <p:sldIdLst>
     <p:sldId id="256" r:id="rId2"/>
@@ -13,6 +13,8 @@
     <p:sldId id="258" r:id="rId4"/>
     <p:sldId id="260" r:id="rId5"/>
     <p:sldId id="259" r:id="rId6"/>
+    <p:sldId id="262" r:id="rId7"/>
+    <p:sldId id="261" r:id="rId8"/>
   </p:sldIdLst>
   <p:sldSz cx="12192000" cy="6858000"/>
   <p:notesSz cx="6858000" cy="9144000"/>
@@ -201,7 +203,7 @@
           <a:p>
             <a:fld id="{63E2A1E9-AE86-4A77-ADFA-78382643A96E}" type="datetimeFigureOut">
               <a:rPr lang="ko-KR" altLang="en-US" smtClean="0"/>
-              <a:t>2024-08-26</a:t>
+              <a:t>2024. 8. 26.</a:t>
             </a:fld>
             <a:endParaRPr lang="ko-KR" altLang="en-US"/>
           </a:p>
@@ -265,38 +267,37 @@
           <a:p>
             <a:pPr lvl="0"/>
             <a:r>
-              <a:rPr lang="ko-KR" altLang="en-US" smtClean="0"/>
+              <a:rPr lang="ko-KR" altLang="en-US"/>
               <a:t>마스터 텍스트 스타일 편집</a:t>
             </a:r>
           </a:p>
           <a:p>
             <a:pPr lvl="1"/>
             <a:r>
-              <a:rPr lang="ko-KR" altLang="en-US" smtClean="0"/>
+              <a:rPr lang="ko-KR" altLang="en-US"/>
               <a:t>둘째 수준</a:t>
             </a:r>
           </a:p>
           <a:p>
             <a:pPr lvl="2"/>
             <a:r>
-              <a:rPr lang="ko-KR" altLang="en-US" smtClean="0"/>
+              <a:rPr lang="ko-KR" altLang="en-US"/>
               <a:t>셋째 수준</a:t>
             </a:r>
           </a:p>
           <a:p>
             <a:pPr lvl="3"/>
             <a:r>
-              <a:rPr lang="ko-KR" altLang="en-US" smtClean="0"/>
+              <a:rPr lang="ko-KR" altLang="en-US"/>
               <a:t>넷째 수준</a:t>
             </a:r>
           </a:p>
           <a:p>
             <a:pPr lvl="4"/>
             <a:r>
-              <a:rPr lang="ko-KR" altLang="en-US" smtClean="0"/>
+              <a:rPr lang="ko-KR" altLang="en-US"/>
               <a:t>다섯째 수준</a:t>
             </a:r>
-            <a:endParaRPr lang="ko-KR" altLang="en-US"/>
           </a:p>
         </p:txBody>
       </p:sp>
@@ -531,357 +532,357 @@
               <a:defRPr/>
             </a:pPr>
             <a:r>
-              <a:rPr lang="ko-KR" altLang="en-US" sz="1200" dirty="0" smtClean="0"/>
+              <a:rPr lang="ko-KR" altLang="en-US" sz="1200" dirty="0"/>
               <a:t>설명</a:t>
             </a:r>
             <a:r>
-              <a:rPr lang="en-US" altLang="ko-KR" sz="1200" dirty="0" smtClean="0"/>
+              <a:rPr lang="en-US" altLang="ko-KR" sz="1200" dirty="0"/>
               <a:t>: App1</a:t>
             </a:r>
             <a:r>
-              <a:rPr lang="ko-KR" altLang="en-US" sz="1200" dirty="0" smtClean="0"/>
+              <a:rPr lang="ko-KR" altLang="en-US" sz="1200" dirty="0"/>
               <a:t>의 여러 연산은 직접 </a:t>
             </a:r>
             <a:r>
-              <a:rPr lang="en-US" altLang="ko-KR" sz="1200" dirty="0" smtClean="0"/>
+              <a:rPr lang="en-US" altLang="ko-KR" sz="1200" dirty="0"/>
               <a:t>CPU</a:t>
             </a:r>
             <a:r>
-              <a:rPr lang="ko-KR" altLang="en-US" sz="1200" dirty="0" smtClean="0"/>
+              <a:rPr lang="ko-KR" altLang="en-US" sz="1200" dirty="0"/>
               <a:t>에서 읽으면서 연산한다</a:t>
             </a:r>
             <a:r>
-              <a:rPr lang="en-US" altLang="ko-KR" sz="1200" dirty="0" smtClean="0"/>
+              <a:rPr lang="en-US" altLang="ko-KR" sz="1200" dirty="0"/>
               <a:t>. </a:t>
             </a:r>
             <a:r>
-              <a:rPr lang="ko-KR" altLang="en-US" sz="1200" dirty="0" smtClean="0"/>
+              <a:rPr lang="ko-KR" altLang="en-US" sz="1200" dirty="0"/>
               <a:t>다만 </a:t>
             </a:r>
             <a:r>
-              <a:rPr lang="en-US" altLang="ko-KR" sz="1200" dirty="0" smtClean="0"/>
+              <a:rPr lang="en-US" altLang="ko-KR" sz="1200" dirty="0"/>
               <a:t>System Call</a:t>
             </a:r>
             <a:r>
-              <a:rPr lang="ko-KR" altLang="en-US" sz="1200" dirty="0" smtClean="0"/>
+              <a:rPr lang="ko-KR" altLang="en-US" sz="1200" dirty="0"/>
               <a:t>을 </a:t>
             </a:r>
             <a:r>
-              <a:rPr lang="ko-KR" altLang="en-US" sz="1200" dirty="0" err="1" smtClean="0"/>
+              <a:rPr lang="ko-KR" altLang="en-US" sz="1200" dirty="0" err="1"/>
               <a:t>할때</a:t>
             </a:r>
             <a:r>
-              <a:rPr lang="ko-KR" altLang="en-US" sz="1200" dirty="0" smtClean="0"/>
+              <a:rPr lang="ko-KR" altLang="en-US" sz="1200" dirty="0"/>
               <a:t> </a:t>
             </a:r>
             <a:r>
-              <a:rPr lang="en-US" altLang="ko-KR" sz="1200" dirty="0" smtClean="0"/>
+              <a:rPr lang="en-US" altLang="ko-KR" sz="1200" dirty="0"/>
               <a:t>(OS Logic)</a:t>
             </a:r>
             <a:r>
-              <a:rPr lang="ko-KR" altLang="en-US" sz="1200" dirty="0" smtClean="0"/>
+              <a:rPr lang="ko-KR" altLang="en-US" sz="1200" dirty="0"/>
               <a:t>예를 들어 다른 주변 기기에서 </a:t>
             </a:r>
             <a:r>
-              <a:rPr lang="en-US" altLang="ko-KR" sz="1200" dirty="0" smtClean="0"/>
+              <a:rPr lang="en-US" altLang="ko-KR" sz="1200" dirty="0"/>
               <a:t>Input</a:t>
             </a:r>
             <a:r>
-              <a:rPr lang="ko-KR" altLang="en-US" sz="1200" dirty="0" smtClean="0"/>
+              <a:rPr lang="ko-KR" altLang="en-US" sz="1200" dirty="0"/>
               <a:t>이 있거나 </a:t>
             </a:r>
             <a:r>
-              <a:rPr lang="en-US" altLang="ko-KR" sz="1200" dirty="0" smtClean="0"/>
+              <a:rPr lang="en-US" altLang="ko-KR" sz="1200" dirty="0"/>
               <a:t>Storage</a:t>
             </a:r>
             <a:r>
-              <a:rPr lang="ko-KR" altLang="en-US" sz="1200" dirty="0" smtClean="0"/>
+              <a:rPr lang="ko-KR" altLang="en-US" sz="1200" dirty="0"/>
               <a:t>에서 데이터를 </a:t>
             </a:r>
             <a:r>
-              <a:rPr lang="ko-KR" altLang="en-US" sz="1200" dirty="0" err="1" smtClean="0"/>
+              <a:rPr lang="ko-KR" altLang="en-US" sz="1200" dirty="0" err="1"/>
               <a:t>받아온다던지</a:t>
             </a:r>
             <a:r>
-              <a:rPr lang="ko-KR" altLang="en-US" sz="1200" dirty="0" smtClean="0"/>
+              <a:rPr lang="ko-KR" altLang="en-US" sz="1200" dirty="0"/>
               <a:t> </a:t>
             </a:r>
             <a:r>
-              <a:rPr lang="ko-KR" altLang="en-US" sz="1200" dirty="0" err="1" smtClean="0"/>
+              <a:rPr lang="ko-KR" altLang="en-US" sz="1200" dirty="0" err="1"/>
               <a:t>이럴때는</a:t>
             </a:r>
             <a:r>
-              <a:rPr lang="ko-KR" altLang="en-US" sz="1200" dirty="0" smtClean="0"/>
+              <a:rPr lang="ko-KR" altLang="en-US" sz="1200" dirty="0"/>
               <a:t> </a:t>
             </a:r>
             <a:r>
-              <a:rPr lang="en-US" altLang="ko-KR" sz="1200" dirty="0" smtClean="0"/>
+              <a:rPr lang="en-US" altLang="ko-KR" sz="1200" dirty="0"/>
               <a:t>OS Process Logic</a:t>
             </a:r>
             <a:r>
-              <a:rPr lang="ko-KR" altLang="en-US" sz="1200" dirty="0" smtClean="0"/>
+              <a:rPr lang="ko-KR" altLang="en-US" sz="1200" dirty="0"/>
               <a:t>을 태워야 한다</a:t>
             </a:r>
             <a:r>
-              <a:rPr lang="en-US" altLang="ko-KR" sz="1200" dirty="0" smtClean="0"/>
+              <a:rPr lang="en-US" altLang="ko-KR" sz="1200" dirty="0"/>
               <a:t>. </a:t>
             </a:r>
             <a:r>
-              <a:rPr lang="ko-KR" altLang="en-US" sz="1200" dirty="0" err="1" smtClean="0"/>
+              <a:rPr lang="ko-KR" altLang="en-US" sz="1200" dirty="0" err="1"/>
               <a:t>이럴때</a:t>
             </a:r>
             <a:r>
-              <a:rPr lang="ko-KR" altLang="en-US" sz="1200" dirty="0" smtClean="0"/>
+              <a:rPr lang="ko-KR" altLang="en-US" sz="1200" dirty="0"/>
               <a:t> </a:t>
             </a:r>
             <a:r>
-              <a:rPr lang="en-US" altLang="ko-KR" sz="1200" dirty="0" smtClean="0"/>
+              <a:rPr lang="en-US" altLang="ko-KR" sz="1200" dirty="0"/>
               <a:t>App1</a:t>
             </a:r>
             <a:r>
-              <a:rPr lang="ko-KR" altLang="en-US" sz="1200" dirty="0" smtClean="0"/>
+              <a:rPr lang="ko-KR" altLang="en-US" sz="1200" dirty="0"/>
               <a:t>을 읽다가 </a:t>
             </a:r>
             <a:r>
-              <a:rPr lang="en-US" altLang="ko-KR" sz="1200" dirty="0" smtClean="0"/>
+              <a:rPr lang="en-US" altLang="ko-KR" sz="1200" dirty="0"/>
               <a:t>OS process</a:t>
             </a:r>
             <a:r>
-              <a:rPr lang="ko-KR" altLang="en-US" sz="1200" dirty="0" smtClean="0"/>
+              <a:rPr lang="ko-KR" altLang="en-US" sz="1200" dirty="0"/>
               <a:t>에 있는 </a:t>
             </a:r>
             <a:r>
-              <a:rPr lang="en-US" altLang="ko-KR" sz="1200" dirty="0" smtClean="0"/>
+              <a:rPr lang="en-US" altLang="ko-KR" sz="1200" dirty="0"/>
               <a:t>Logic</a:t>
             </a:r>
             <a:r>
-              <a:rPr lang="ko-KR" altLang="en-US" sz="1200" dirty="0" smtClean="0"/>
+              <a:rPr lang="ko-KR" altLang="en-US" sz="1200" dirty="0"/>
               <a:t>을 읽어야 하므로 </a:t>
             </a:r>
             <a:r>
-              <a:rPr lang="en-US" altLang="ko-KR" sz="1200" dirty="0" smtClean="0"/>
+              <a:rPr lang="en-US" altLang="ko-KR" sz="1200" dirty="0"/>
               <a:t>OS Process</a:t>
             </a:r>
             <a:r>
-              <a:rPr lang="ko-KR" altLang="en-US" sz="1200" dirty="0" smtClean="0"/>
+              <a:rPr lang="ko-KR" altLang="en-US" sz="1200" dirty="0"/>
               <a:t>의 특정 </a:t>
             </a:r>
             <a:r>
-              <a:rPr lang="en-US" altLang="ko-KR" sz="1200" dirty="0" smtClean="0"/>
+              <a:rPr lang="en-US" altLang="ko-KR" sz="1200" dirty="0"/>
               <a:t>Logic (</a:t>
             </a:r>
             <a:r>
-              <a:rPr lang="ko-KR" altLang="en-US" sz="1200" dirty="0" smtClean="0"/>
+              <a:rPr lang="ko-KR" altLang="en-US" sz="1200" dirty="0"/>
               <a:t>여기서는 파일 </a:t>
             </a:r>
             <a:r>
-              <a:rPr lang="en-US" altLang="ko-KR" sz="1200" dirty="0" smtClean="0"/>
+              <a:rPr lang="en-US" altLang="ko-KR" sz="1200" dirty="0"/>
               <a:t>Read</a:t>
             </a:r>
             <a:r>
-              <a:rPr lang="ko-KR" altLang="en-US" sz="1200" dirty="0" smtClean="0"/>
+              <a:rPr lang="ko-KR" altLang="en-US" sz="1200" dirty="0"/>
               <a:t>관련한</a:t>
             </a:r>
             <a:r>
-              <a:rPr lang="en-US" altLang="ko-KR" sz="1200" dirty="0" smtClean="0"/>
+              <a:rPr lang="en-US" altLang="ko-KR" sz="1200" dirty="0"/>
               <a:t>)</a:t>
             </a:r>
             <a:r>
-              <a:rPr lang="ko-KR" altLang="en-US" sz="1200" dirty="0" smtClean="0"/>
+              <a:rPr lang="ko-KR" altLang="en-US" sz="1200" dirty="0"/>
               <a:t>을 </a:t>
             </a:r>
             <a:r>
-              <a:rPr lang="ko-KR" altLang="en-US" sz="1200" dirty="0" err="1" smtClean="0"/>
+              <a:rPr lang="ko-KR" altLang="en-US" sz="1200" dirty="0" err="1"/>
               <a:t>읽게된다</a:t>
             </a:r>
             <a:r>
-              <a:rPr lang="en-US" altLang="ko-KR" sz="1200" dirty="0" smtClean="0"/>
+              <a:rPr lang="en-US" altLang="ko-KR" sz="1200" dirty="0"/>
               <a:t>. </a:t>
             </a:r>
             <a:r>
-              <a:rPr lang="ko-KR" altLang="en-US" sz="1200" dirty="0" smtClean="0"/>
+              <a:rPr lang="ko-KR" altLang="en-US" sz="1200" dirty="0"/>
               <a:t>이때 </a:t>
             </a:r>
             <a:r>
-              <a:rPr lang="en-US" altLang="ko-KR" sz="1200" dirty="0" smtClean="0"/>
+              <a:rPr lang="en-US" altLang="ko-KR" sz="1200" dirty="0"/>
               <a:t>Kernel Mode</a:t>
             </a:r>
             <a:r>
-              <a:rPr lang="ko-KR" altLang="en-US" sz="1200" dirty="0" smtClean="0"/>
+              <a:rPr lang="ko-KR" altLang="en-US" sz="1200" dirty="0"/>
               <a:t>라 한다</a:t>
             </a:r>
             <a:r>
-              <a:rPr lang="en-US" altLang="ko-KR" sz="1200" dirty="0" smtClean="0"/>
+              <a:rPr lang="en-US" altLang="ko-KR" sz="1200" dirty="0"/>
               <a:t>. CPU</a:t>
             </a:r>
             <a:r>
-              <a:rPr lang="ko-KR" altLang="en-US" sz="1200" dirty="0" smtClean="0"/>
+              <a:rPr lang="ko-KR" altLang="en-US" sz="1200" dirty="0"/>
               <a:t>가 </a:t>
             </a:r>
             <a:r>
-              <a:rPr lang="en-US" altLang="ko-KR" sz="1200" dirty="0" err="1" smtClean="0"/>
+              <a:rPr lang="en-US" altLang="ko-KR" sz="1200" dirty="0" err="1"/>
               <a:t>Os</a:t>
             </a:r>
             <a:r>
-              <a:rPr lang="en-US" altLang="ko-KR" sz="1200" dirty="0" smtClean="0"/>
+              <a:rPr lang="en-US" altLang="ko-KR" sz="1200" dirty="0"/>
               <a:t> Logic</a:t>
             </a:r>
             <a:r>
-              <a:rPr lang="ko-KR" altLang="en-US" sz="1200" dirty="0" smtClean="0"/>
+              <a:rPr lang="ko-KR" altLang="en-US" sz="1200" dirty="0"/>
               <a:t>을 수행하고 </a:t>
             </a:r>
             <a:r>
-              <a:rPr lang="ko-KR" altLang="en-US" sz="1200" dirty="0" err="1" smtClean="0"/>
+              <a:rPr lang="ko-KR" altLang="en-US" sz="1200" dirty="0" err="1"/>
               <a:t>있을때</a:t>
             </a:r>
             <a:r>
-              <a:rPr lang="ko-KR" altLang="en-US" sz="1200" dirty="0" smtClean="0"/>
+              <a:rPr lang="ko-KR" altLang="en-US" sz="1200" dirty="0"/>
               <a:t> 어차피 </a:t>
             </a:r>
             <a:r>
-              <a:rPr lang="en-US" altLang="ko-KR" sz="1200" dirty="0" smtClean="0"/>
+              <a:rPr lang="en-US" altLang="ko-KR" sz="1200" dirty="0"/>
               <a:t>OS</a:t>
             </a:r>
             <a:r>
-              <a:rPr lang="ko-KR" altLang="en-US" sz="1200" dirty="0" smtClean="0"/>
+              <a:rPr lang="ko-KR" altLang="en-US" sz="1200" dirty="0"/>
               <a:t>또한 </a:t>
             </a:r>
             <a:r>
-              <a:rPr lang="en-US" altLang="ko-KR" sz="1200" dirty="0" smtClean="0"/>
+              <a:rPr lang="en-US" altLang="ko-KR" sz="1200" dirty="0"/>
               <a:t>Process</a:t>
             </a:r>
             <a:r>
-              <a:rPr lang="ko-KR" altLang="en-US" sz="1200" dirty="0" smtClean="0"/>
+              <a:rPr lang="ko-KR" altLang="en-US" sz="1200" dirty="0"/>
               <a:t>이고 그 안의 작업 단위를 똑같이 </a:t>
             </a:r>
             <a:r>
-              <a:rPr lang="en-US" altLang="ko-KR" sz="1200" dirty="0" smtClean="0"/>
+              <a:rPr lang="en-US" altLang="ko-KR" sz="1200" dirty="0"/>
               <a:t>thread</a:t>
             </a:r>
             <a:r>
-              <a:rPr lang="ko-KR" altLang="en-US" sz="1200" dirty="0" smtClean="0"/>
+              <a:rPr lang="ko-KR" altLang="en-US" sz="1200" dirty="0"/>
               <a:t>단위로 </a:t>
             </a:r>
             <a:r>
-              <a:rPr lang="ko-KR" altLang="en-US" sz="1200" dirty="0" err="1" smtClean="0"/>
+              <a:rPr lang="ko-KR" altLang="en-US" sz="1200" dirty="0" err="1"/>
               <a:t>할텐데</a:t>
             </a:r>
             <a:r>
-              <a:rPr lang="en-US" altLang="ko-KR" sz="1200" dirty="0" smtClean="0"/>
+              <a:rPr lang="en-US" altLang="ko-KR" sz="1200" dirty="0"/>
               <a:t>, </a:t>
             </a:r>
             <a:r>
-              <a:rPr lang="ko-KR" altLang="en-US" sz="1200" dirty="0" smtClean="0"/>
+              <a:rPr lang="ko-KR" altLang="en-US" sz="1200" dirty="0"/>
               <a:t>이때의 </a:t>
             </a:r>
             <a:r>
-              <a:rPr lang="en-US" altLang="ko-KR" sz="1200" dirty="0" smtClean="0"/>
+              <a:rPr lang="en-US" altLang="ko-KR" sz="1200" dirty="0"/>
               <a:t>thread</a:t>
             </a:r>
             <a:r>
-              <a:rPr lang="ko-KR" altLang="en-US" sz="1200" dirty="0" smtClean="0"/>
+              <a:rPr lang="ko-KR" altLang="en-US" sz="1200" dirty="0"/>
               <a:t>를 </a:t>
             </a:r>
             <a:r>
-              <a:rPr lang="en-US" altLang="ko-KR" sz="1200" dirty="0" smtClean="0"/>
+              <a:rPr lang="en-US" altLang="ko-KR" sz="1200" dirty="0"/>
               <a:t>Kernel Thread</a:t>
             </a:r>
             <a:r>
-              <a:rPr lang="ko-KR" altLang="en-US" sz="1200" dirty="0" smtClean="0"/>
+              <a:rPr lang="ko-KR" altLang="en-US" sz="1200" dirty="0"/>
               <a:t>라 한다</a:t>
             </a:r>
             <a:r>
-              <a:rPr lang="en-US" altLang="ko-KR" sz="1200" dirty="0" smtClean="0"/>
+              <a:rPr lang="en-US" altLang="ko-KR" sz="1200" dirty="0"/>
               <a:t>.</a:t>
             </a:r>
-            <a:endParaRPr lang="ko-KR" altLang="en-US" sz="1200" dirty="0" smtClean="0"/>
-          </a:p>
-          <a:p>
-            <a:endParaRPr lang="en-US" altLang="ko-KR" dirty="0" smtClean="0"/>
-          </a:p>
-          <a:p>
-            <a:r>
-              <a:rPr lang="ko-KR" altLang="en-US" dirty="0" smtClean="0"/>
+            <a:endParaRPr lang="ko-KR" altLang="en-US" sz="1200" dirty="0"/>
+          </a:p>
+          <a:p>
+            <a:endParaRPr lang="en-US" altLang="ko-KR" dirty="0"/>
+          </a:p>
+          <a:p>
+            <a:r>
+              <a:rPr lang="ko-KR" altLang="en-US" dirty="0"/>
               <a:t>그리고 여기서 </a:t>
             </a:r>
             <a:r>
-              <a:rPr lang="ko-KR" altLang="en-US" dirty="0" err="1" smtClean="0"/>
+              <a:rPr lang="ko-KR" altLang="en-US" dirty="0" err="1"/>
               <a:t>알수</a:t>
             </a:r>
             <a:r>
-              <a:rPr lang="ko-KR" altLang="en-US" dirty="0" smtClean="0"/>
+              <a:rPr lang="ko-KR" altLang="en-US" dirty="0"/>
               <a:t> 있겠지만 </a:t>
             </a:r>
             <a:r>
-              <a:rPr lang="en-US" altLang="ko-KR" dirty="0" smtClean="0"/>
+              <a:rPr lang="en-US" altLang="ko-KR" dirty="0"/>
               <a:t>System Call</a:t>
             </a:r>
             <a:r>
-              <a:rPr lang="ko-KR" altLang="en-US" dirty="0" smtClean="0"/>
+              <a:rPr lang="ko-KR" altLang="en-US" dirty="0"/>
               <a:t>은 </a:t>
             </a:r>
             <a:r>
-              <a:rPr lang="en-US" altLang="ko-KR" dirty="0" smtClean="0"/>
+              <a:rPr lang="en-US" altLang="ko-KR" dirty="0"/>
               <a:t>OS Process</a:t>
             </a:r>
             <a:r>
-              <a:rPr lang="ko-KR" altLang="en-US" dirty="0" smtClean="0"/>
+              <a:rPr lang="ko-KR" altLang="en-US" dirty="0"/>
               <a:t>가 가지고 있는 </a:t>
             </a:r>
             <a:r>
-              <a:rPr lang="en-US" altLang="ko-KR" dirty="0" smtClean="0"/>
+              <a:rPr lang="en-US" altLang="ko-KR" dirty="0"/>
               <a:t>logic (method)</a:t>
             </a:r>
             <a:r>
-              <a:rPr lang="ko-KR" altLang="en-US" dirty="0" smtClean="0"/>
+              <a:rPr lang="ko-KR" altLang="en-US" dirty="0"/>
               <a:t>를 호출하는 행위를 의미한다</a:t>
             </a:r>
             <a:r>
-              <a:rPr lang="en-US" altLang="ko-KR" dirty="0" smtClean="0"/>
+              <a:rPr lang="en-US" altLang="ko-KR" dirty="0"/>
               <a:t>. </a:t>
             </a:r>
             <a:r>
-              <a:rPr lang="ko-KR" altLang="en-US" dirty="0" smtClean="0"/>
+              <a:rPr lang="ko-KR" altLang="en-US" dirty="0"/>
               <a:t>보통 </a:t>
             </a:r>
             <a:r>
-              <a:rPr lang="en-US" altLang="ko-KR" dirty="0" smtClean="0"/>
+              <a:rPr lang="en-US" altLang="ko-KR" dirty="0"/>
               <a:t>OS Logic</a:t>
             </a:r>
             <a:r>
-              <a:rPr lang="ko-KR" altLang="en-US" dirty="0" smtClean="0"/>
+              <a:rPr lang="ko-KR" altLang="en-US" dirty="0"/>
               <a:t>은 </a:t>
             </a:r>
             <a:r>
-              <a:rPr lang="en-US" altLang="ko-KR" dirty="0" smtClean="0"/>
+              <a:rPr lang="en-US" altLang="ko-KR" dirty="0"/>
               <a:t>Process</a:t>
             </a:r>
             <a:r>
-              <a:rPr lang="ko-KR" altLang="en-US" dirty="0" smtClean="0"/>
+              <a:rPr lang="ko-KR" altLang="en-US" dirty="0"/>
               <a:t>관련 관리 </a:t>
             </a:r>
             <a:r>
-              <a:rPr lang="ko-KR" altLang="en-US" dirty="0" err="1" smtClean="0"/>
+              <a:rPr lang="ko-KR" altLang="en-US" dirty="0" err="1"/>
               <a:t>로직</a:t>
             </a:r>
             <a:r>
-              <a:rPr lang="en-US" altLang="ko-KR" dirty="0" smtClean="0"/>
+              <a:rPr lang="en-US" altLang="ko-KR" dirty="0"/>
               <a:t>, Hardware </a:t>
             </a:r>
             <a:r>
-              <a:rPr lang="ko-KR" altLang="en-US" dirty="0" smtClean="0"/>
+              <a:rPr lang="ko-KR" altLang="en-US" dirty="0"/>
               <a:t>제어 </a:t>
             </a:r>
             <a:r>
-              <a:rPr lang="ko-KR" altLang="en-US" dirty="0" err="1" smtClean="0"/>
+              <a:rPr lang="ko-KR" altLang="en-US" dirty="0" err="1"/>
               <a:t>로직등이</a:t>
             </a:r>
             <a:r>
-              <a:rPr lang="ko-KR" altLang="en-US" dirty="0" smtClean="0"/>
+              <a:rPr lang="ko-KR" altLang="en-US" dirty="0"/>
               <a:t> 들어가 있다</a:t>
             </a:r>
             <a:r>
-              <a:rPr lang="en-US" altLang="ko-KR" dirty="0" smtClean="0"/>
+              <a:rPr lang="en-US" altLang="ko-KR" dirty="0"/>
               <a:t>.</a:t>
             </a:r>
             <a:endParaRPr lang="ko-KR" altLang="en-US" dirty="0"/>
@@ -915,6 +916,90 @@
     <p:extLst>
       <p:ext uri="{BB962C8B-B14F-4D97-AF65-F5344CB8AC3E}">
         <p14:creationId xmlns:p14="http://schemas.microsoft.com/office/powerpoint/2010/main" val="2449296183"/>
+      </p:ext>
+    </p:extLst>
+  </p:cSld>
+  <p:clrMapOvr>
+    <a:masterClrMapping/>
+  </p:clrMapOvr>
+</p:notes>
+</file>
+
+<file path=ppt/notesSlides/notesSlide2.xml><?xml version="1.0" encoding="utf-8"?>
+<p:notes xmlns:a="http://schemas.openxmlformats.org/drawingml/2006/main" xmlns:r="http://schemas.openxmlformats.org/officeDocument/2006/relationships" xmlns:p="http://schemas.openxmlformats.org/presentationml/2006/main">
+  <p:cSld>
+    <p:spTree>
+      <p:nvGrpSpPr>
+        <p:cNvPr id="1" name=""/>
+        <p:cNvGrpSpPr/>
+        <p:nvPr/>
+      </p:nvGrpSpPr>
+      <p:grpSpPr>
+        <a:xfrm>
+          <a:off x="0" y="0"/>
+          <a:ext cx="0" cy="0"/>
+          <a:chOff x="0" y="0"/>
+          <a:chExt cx="0" cy="0"/>
+        </a:xfrm>
+      </p:grpSpPr>
+      <p:sp>
+        <p:nvSpPr>
+          <p:cNvPr id="2" name="슬라이드 이미지 개체 틀 1"/>
+          <p:cNvSpPr>
+            <a:spLocks noGrp="1" noRot="1" noChangeAspect="1"/>
+          </p:cNvSpPr>
+          <p:nvPr>
+            <p:ph type="sldImg"/>
+          </p:nvPr>
+        </p:nvSpPr>
+        <p:spPr/>
+      </p:sp>
+      <p:sp>
+        <p:nvSpPr>
+          <p:cNvPr id="3" name="슬라이드 노트 개체 틀 2"/>
+          <p:cNvSpPr>
+            <a:spLocks noGrp="1"/>
+          </p:cNvSpPr>
+          <p:nvPr>
+            <p:ph type="body" idx="1"/>
+          </p:nvPr>
+        </p:nvSpPr>
+        <p:spPr/>
+        <p:txBody>
+          <a:bodyPr/>
+          <a:lstStyle/>
+          <a:p>
+            <a:endParaRPr kumimoji="1" lang="ko-KR" altLang="en-US" dirty="0"/>
+          </a:p>
+        </p:txBody>
+      </p:sp>
+      <p:sp>
+        <p:nvSpPr>
+          <p:cNvPr id="4" name="슬라이드 번호 개체 틀 3"/>
+          <p:cNvSpPr>
+            <a:spLocks noGrp="1"/>
+          </p:cNvSpPr>
+          <p:nvPr>
+            <p:ph type="sldNum" sz="quarter" idx="5"/>
+          </p:nvPr>
+        </p:nvSpPr>
+        <p:spPr/>
+        <p:txBody>
+          <a:bodyPr/>
+          <a:lstStyle/>
+          <a:p>
+            <a:fld id="{16AFB6E1-9A93-4EBD-AB39-332ADB6F73BD}" type="slidenum">
+              <a:rPr lang="ko-KR" altLang="en-US" smtClean="0"/>
+              <a:t>5</a:t>
+            </a:fld>
+            <a:endParaRPr lang="ko-KR" altLang="en-US"/>
+          </a:p>
+        </p:txBody>
+      </p:sp>
+    </p:spTree>
+    <p:extLst>
+      <p:ext uri="{BB962C8B-B14F-4D97-AF65-F5344CB8AC3E}">
+        <p14:creationId xmlns:p14="http://schemas.microsoft.com/office/powerpoint/2010/main" val="3475499178"/>
       </p:ext>
     </p:extLst>
   </p:cSld>
@@ -1071,7 +1156,7 @@
           <a:p>
             <a:fld id="{6464DA1F-012E-F647-BE90-9DF5CCDD3465}" type="datetimeFigureOut">
               <a:rPr kumimoji="1" lang="ko-KR" altLang="en-US" smtClean="0"/>
-              <a:t>2024-08-26</a:t>
+              <a:t>2024. 8. 26.</a:t>
             </a:fld>
             <a:endParaRPr kumimoji="1" lang="ko-KR" altLang="en-US"/>
           </a:p>
@@ -1269,7 +1354,7 @@
           <a:p>
             <a:fld id="{6464DA1F-012E-F647-BE90-9DF5CCDD3465}" type="datetimeFigureOut">
               <a:rPr kumimoji="1" lang="ko-KR" altLang="en-US" smtClean="0"/>
-              <a:t>2024-08-26</a:t>
+              <a:t>2024. 8. 26.</a:t>
             </a:fld>
             <a:endParaRPr kumimoji="1" lang="ko-KR" altLang="en-US"/>
           </a:p>
@@ -1477,7 +1562,7 @@
           <a:p>
             <a:fld id="{6464DA1F-012E-F647-BE90-9DF5CCDD3465}" type="datetimeFigureOut">
               <a:rPr kumimoji="1" lang="ko-KR" altLang="en-US" smtClean="0"/>
-              <a:t>2024-08-26</a:t>
+              <a:t>2024. 8. 26.</a:t>
             </a:fld>
             <a:endParaRPr kumimoji="1" lang="ko-KR" altLang="en-US"/>
           </a:p>
@@ -1675,7 +1760,7 @@
           <a:p>
             <a:fld id="{6464DA1F-012E-F647-BE90-9DF5CCDD3465}" type="datetimeFigureOut">
               <a:rPr kumimoji="1" lang="ko-KR" altLang="en-US" smtClean="0"/>
-              <a:t>2024-08-26</a:t>
+              <a:t>2024. 8. 26.</a:t>
             </a:fld>
             <a:endParaRPr kumimoji="1" lang="ko-KR" altLang="en-US"/>
           </a:p>
@@ -1950,7 +2035,7 @@
           <a:p>
             <a:fld id="{6464DA1F-012E-F647-BE90-9DF5CCDD3465}" type="datetimeFigureOut">
               <a:rPr kumimoji="1" lang="ko-KR" altLang="en-US" smtClean="0"/>
-              <a:t>2024-08-26</a:t>
+              <a:t>2024. 8. 26.</a:t>
             </a:fld>
             <a:endParaRPr kumimoji="1" lang="ko-KR" altLang="en-US"/>
           </a:p>
@@ -2215,7 +2300,7 @@
           <a:p>
             <a:fld id="{6464DA1F-012E-F647-BE90-9DF5CCDD3465}" type="datetimeFigureOut">
               <a:rPr kumimoji="1" lang="ko-KR" altLang="en-US" smtClean="0"/>
-              <a:t>2024-08-26</a:t>
+              <a:t>2024. 8. 26.</a:t>
             </a:fld>
             <a:endParaRPr kumimoji="1" lang="ko-KR" altLang="en-US"/>
           </a:p>
@@ -2627,7 +2712,7 @@
           <a:p>
             <a:fld id="{6464DA1F-012E-F647-BE90-9DF5CCDD3465}" type="datetimeFigureOut">
               <a:rPr kumimoji="1" lang="ko-KR" altLang="en-US" smtClean="0"/>
-              <a:t>2024-08-26</a:t>
+              <a:t>2024. 8. 26.</a:t>
             </a:fld>
             <a:endParaRPr kumimoji="1" lang="ko-KR" altLang="en-US"/>
           </a:p>
@@ -2768,7 +2853,7 @@
           <a:p>
             <a:fld id="{6464DA1F-012E-F647-BE90-9DF5CCDD3465}" type="datetimeFigureOut">
               <a:rPr kumimoji="1" lang="ko-KR" altLang="en-US" smtClean="0"/>
-              <a:t>2024-08-26</a:t>
+              <a:t>2024. 8. 26.</a:t>
             </a:fld>
             <a:endParaRPr kumimoji="1" lang="ko-KR" altLang="en-US"/>
           </a:p>
@@ -2881,7 +2966,7 @@
           <a:p>
             <a:fld id="{6464DA1F-012E-F647-BE90-9DF5CCDD3465}" type="datetimeFigureOut">
               <a:rPr kumimoji="1" lang="ko-KR" altLang="en-US" smtClean="0"/>
-              <a:t>2024-08-26</a:t>
+              <a:t>2024. 8. 26.</a:t>
             </a:fld>
             <a:endParaRPr kumimoji="1" lang="ko-KR" altLang="en-US"/>
           </a:p>
@@ -3192,7 +3277,7 @@
           <a:p>
             <a:fld id="{6464DA1F-012E-F647-BE90-9DF5CCDD3465}" type="datetimeFigureOut">
               <a:rPr kumimoji="1" lang="ko-KR" altLang="en-US" smtClean="0"/>
-              <a:t>2024-08-26</a:t>
+              <a:t>2024. 8. 26.</a:t>
             </a:fld>
             <a:endParaRPr kumimoji="1" lang="ko-KR" altLang="en-US"/>
           </a:p>
@@ -3480,7 +3565,7 @@
           <a:p>
             <a:fld id="{6464DA1F-012E-F647-BE90-9DF5CCDD3465}" type="datetimeFigureOut">
               <a:rPr kumimoji="1" lang="ko-KR" altLang="en-US" smtClean="0"/>
-              <a:t>2024-08-26</a:t>
+              <a:t>2024. 8. 26.</a:t>
             </a:fld>
             <a:endParaRPr kumimoji="1" lang="ko-KR" altLang="en-US"/>
           </a:p>
@@ -3721,7 +3806,7 @@
           <a:p>
             <a:fld id="{6464DA1F-012E-F647-BE90-9DF5CCDD3465}" type="datetimeFigureOut">
               <a:rPr kumimoji="1" lang="ko-KR" altLang="en-US" smtClean="0"/>
-              <a:t>2024-08-26</a:t>
+              <a:t>2024. 8. 26.</a:t>
             </a:fld>
             <a:endParaRPr kumimoji="1" lang="ko-KR" altLang="en-US"/>
           </a:p>
@@ -4727,7 +4812,7 @@
           <a:lstStyle/>
           <a:p>
             <a:r>
-              <a:rPr kumimoji="1" lang="en-US" altLang="ko-KR" sz="1400" b="1" dirty="0" smtClean="0"/>
+              <a:rPr kumimoji="1" lang="en-US" altLang="ko-KR" sz="1400" b="1" dirty="0"/>
               <a:t>Q1) </a:t>
             </a:r>
             <a:r>
@@ -4861,14 +4946,17 @@
           <a:lstStyle/>
           <a:p>
             <a:r>
-              <a:rPr lang="en-US" altLang="ko-KR" sz="1400" b="1" dirty="0" smtClean="0"/>
-              <a:t>Hard Ware </a:t>
-            </a:r>
-            <a:r>
-              <a:rPr lang="ko-KR" altLang="en-US" sz="1400" b="1" dirty="0" smtClean="0"/>
+              <a:rPr lang="en-US" altLang="ko-KR" sz="1400" b="1" dirty="0" err="1"/>
+              <a:t>HardWare</a:t>
+            </a:r>
+            <a:r>
+              <a:rPr lang="en-US" altLang="ko-KR" sz="1400" b="1" dirty="0"/>
+              <a:t> </a:t>
+            </a:r>
+            <a:r>
+              <a:rPr lang="ko-KR" altLang="en-US" sz="1400" b="1" dirty="0"/>
               <a:t>관점</a:t>
             </a:r>
-            <a:endParaRPr lang="ko-KR" altLang="en-US" sz="1400" b="1" dirty="0"/>
           </a:p>
         </p:txBody>
       </p:sp>
@@ -4998,7 +5086,7 @@
               <a:p>
                 <a:pPr algn="ctr"/>
                 <a:r>
-                  <a:rPr lang="en-US" altLang="ko-KR" sz="1400" b="1" dirty="0" smtClean="0">
+                  <a:rPr lang="en-US" altLang="ko-KR" sz="1400" b="1" dirty="0">
                     <a:solidFill>
                       <a:schemeClr val="tx1"/>
                     </a:solidFill>
@@ -5008,7 +5096,7 @@
                   <a:t>App1 </a:t>
                 </a:r>
                 <a:br>
-                  <a:rPr lang="en-US" altLang="ko-KR" sz="1400" b="1" dirty="0" smtClean="0">
+                  <a:rPr lang="en-US" altLang="ko-KR" sz="1400" b="1" dirty="0">
                     <a:solidFill>
                       <a:schemeClr val="tx1"/>
                     </a:solidFill>
@@ -5017,7 +5105,7 @@
                   </a:rPr>
                 </a:br>
                 <a:r>
-                  <a:rPr lang="en-US" altLang="ko-KR" sz="1400" b="1" dirty="0" smtClean="0">
+                  <a:rPr lang="en-US" altLang="ko-KR" sz="1400" b="1" dirty="0">
                     <a:solidFill>
                       <a:schemeClr val="tx1"/>
                     </a:solidFill>
@@ -5074,7 +5162,7 @@
               <a:p>
                 <a:pPr algn="ctr"/>
                 <a:r>
-                  <a:rPr lang="en-US" altLang="ko-KR" sz="1400" b="1" dirty="0" smtClean="0">
+                  <a:rPr lang="en-US" altLang="ko-KR" sz="1400" b="1" dirty="0">
                     <a:solidFill>
                       <a:schemeClr val="tx1"/>
                     </a:solidFill>
@@ -5082,16 +5170,6 @@
                     <a:cs typeface="Times New Roman" panose="02020603050405020304" pitchFamily="18" charset="0"/>
                   </a:rPr>
                   <a:t>App2 </a:t>
-                </a:r>
-                <a:r>
-                  <a:rPr lang="en-US" altLang="ko-KR" sz="1400" b="1" dirty="0">
-                    <a:solidFill>
-                      <a:schemeClr val="tx1"/>
-                    </a:solidFill>
-                    <a:latin typeface="Times New Roman" panose="02020603050405020304" pitchFamily="18" charset="0"/>
-                    <a:cs typeface="Times New Roman" panose="02020603050405020304" pitchFamily="18" charset="0"/>
-                  </a:rPr>
-                  <a:t/>
                 </a:r>
                 <a:br>
                   <a:rPr lang="en-US" altLang="ko-KR" sz="1400" b="1" dirty="0">
@@ -5146,7 +5224,7 @@
               <a:p>
                 <a:pPr algn="ctr"/>
                 <a:r>
-                  <a:rPr lang="en-US" altLang="ko-KR" sz="1600" dirty="0" smtClean="0">
+                  <a:rPr lang="en-US" altLang="ko-KR" sz="1600" dirty="0">
                     <a:latin typeface="Times New Roman" panose="02020603050405020304" pitchFamily="18" charset="0"/>
                     <a:cs typeface="Times New Roman" panose="02020603050405020304" pitchFamily="18" charset="0"/>
                   </a:rPr>
@@ -5183,7 +5261,7 @@
               <a:p>
                 <a:pPr algn="ctr"/>
                 <a:r>
-                  <a:rPr lang="en-US" altLang="ko-KR" sz="1600" dirty="0" smtClean="0">
+                  <a:rPr lang="en-US" altLang="ko-KR" sz="1600" dirty="0">
                     <a:latin typeface="Times New Roman" panose="02020603050405020304" pitchFamily="18" charset="0"/>
                     <a:cs typeface="Times New Roman" panose="02020603050405020304" pitchFamily="18" charset="0"/>
                   </a:rPr>
@@ -5220,7 +5298,7 @@
               <a:p>
                 <a:pPr algn="ctr"/>
                 <a:r>
-                  <a:rPr lang="en-US" altLang="ko-KR" sz="1600" dirty="0" smtClean="0">
+                  <a:rPr lang="en-US" altLang="ko-KR" sz="1600" dirty="0">
                     <a:latin typeface="Times New Roman" panose="02020603050405020304" pitchFamily="18" charset="0"/>
                     <a:cs typeface="Times New Roman" panose="02020603050405020304" pitchFamily="18" charset="0"/>
                   </a:rPr>
@@ -5257,7 +5335,7 @@
               <a:p>
                 <a:pPr algn="ctr"/>
                 <a:r>
-                  <a:rPr lang="en-US" altLang="ko-KR" sz="1600" dirty="0" smtClean="0">
+                  <a:rPr lang="en-US" altLang="ko-KR" sz="1600" dirty="0">
                     <a:latin typeface="Times New Roman" panose="02020603050405020304" pitchFamily="18" charset="0"/>
                     <a:cs typeface="Times New Roman" panose="02020603050405020304" pitchFamily="18" charset="0"/>
                   </a:rPr>
@@ -5357,7 +5435,7 @@
               <a:p>
                 <a:pPr algn="ctr"/>
                 <a:r>
-                  <a:rPr lang="en-US" altLang="ko-KR" sz="1400" b="1" dirty="0" smtClean="0">
+                  <a:rPr lang="en-US" altLang="ko-KR" sz="1400" b="1" dirty="0">
                     <a:solidFill>
                       <a:schemeClr val="tx1"/>
                     </a:solidFill>
@@ -5414,7 +5492,7 @@
               <a:p>
                 <a:pPr algn="ctr"/>
                 <a:r>
-                  <a:rPr lang="en-US" altLang="ko-KR" sz="1400" b="1" dirty="0" smtClean="0">
+                  <a:rPr lang="en-US" altLang="ko-KR" sz="1400" b="1" dirty="0">
                     <a:solidFill>
                       <a:schemeClr val="tx1"/>
                     </a:solidFill>
@@ -5471,7 +5549,7 @@
               <a:p>
                 <a:pPr algn="ctr"/>
                 <a:r>
-                  <a:rPr lang="ko-KR" altLang="en-US" sz="1400" b="1" dirty="0" smtClean="0">
+                  <a:rPr lang="ko-KR" altLang="en-US" sz="1400" b="1" dirty="0">
                     <a:solidFill>
                       <a:schemeClr val="tx1"/>
                     </a:solidFill>
@@ -5480,13 +5558,6 @@
                   </a:rPr>
                   <a:t>주변기기</a:t>
                 </a:r>
-                <a:endParaRPr lang="ko-KR" altLang="en-US" sz="1400" b="1" dirty="0">
-                  <a:solidFill>
-                    <a:schemeClr val="tx1"/>
-                  </a:solidFill>
-                  <a:latin typeface="Times New Roman" panose="02020603050405020304" pitchFamily="18" charset="0"/>
-                  <a:cs typeface="Times New Roman" panose="02020603050405020304" pitchFamily="18" charset="0"/>
-                </a:endParaRPr>
               </a:p>
             </p:txBody>
           </p:sp>
@@ -5533,7 +5604,7 @@
               <a:p>
                 <a:pPr algn="ctr"/>
                 <a:r>
-                  <a:rPr lang="en-US" altLang="ko-KR" sz="1400" dirty="0" smtClean="0">
+                  <a:rPr lang="en-US" altLang="ko-KR" sz="1400" dirty="0">
                     <a:solidFill>
                       <a:srgbClr val="C00000"/>
                     </a:solidFill>
@@ -5595,7 +5666,7 @@
               <a:p>
                 <a:pPr algn="ctr"/>
                 <a:r>
-                  <a:rPr lang="en-US" altLang="ko-KR" sz="1400" dirty="0" smtClean="0">
+                  <a:rPr lang="en-US" altLang="ko-KR" sz="1400" dirty="0">
                     <a:solidFill>
                       <a:srgbClr val="C00000"/>
                     </a:solidFill>
@@ -5637,14 +5708,13 @@
               <a:lstStyle/>
               <a:p>
                 <a:r>
-                  <a:rPr lang="en-US" altLang="ko-KR" sz="1400" b="1" dirty="0" smtClean="0"/>
+                  <a:rPr lang="en-US" altLang="ko-KR" sz="1400" b="1" dirty="0"/>
                   <a:t>Layer</a:t>
                 </a:r>
                 <a:r>
-                  <a:rPr lang="ko-KR" altLang="en-US" sz="1400" b="1" dirty="0" smtClean="0"/>
+                  <a:rPr lang="ko-KR" altLang="en-US" sz="1400" b="1" dirty="0"/>
                   <a:t> 관점</a:t>
                 </a:r>
-                <a:endParaRPr lang="ko-KR" altLang="en-US" sz="1400" b="1" dirty="0"/>
               </a:p>
             </p:txBody>
           </p:sp>
@@ -5686,7 +5756,7 @@
               <a:p>
                 <a:pPr algn="ctr"/>
                 <a:r>
-                  <a:rPr lang="en-US" altLang="ko-KR" sz="1200" b="1" dirty="0" smtClean="0">
+                  <a:rPr lang="en-US" altLang="ko-KR" sz="1200" b="1" dirty="0">
                     <a:solidFill>
                       <a:srgbClr val="C00000"/>
                     </a:solidFill>
@@ -5748,7 +5818,7 @@
               <a:p>
                 <a:pPr algn="ctr"/>
                 <a:r>
-                  <a:rPr lang="en-US" altLang="ko-KR" sz="1400" b="1" dirty="0" smtClean="0">
+                  <a:rPr lang="en-US" altLang="ko-KR" sz="1400" b="1" dirty="0">
                     <a:solidFill>
                       <a:schemeClr val="tx1"/>
                     </a:solidFill>
@@ -5761,7 +5831,7 @@
               <a:p>
                 <a:pPr algn="ctr"/>
                 <a:r>
-                  <a:rPr lang="en-US" altLang="ko-KR" sz="1400" b="1" dirty="0" smtClean="0">
+                  <a:rPr lang="en-US" altLang="ko-KR" sz="1400" b="1" dirty="0">
                     <a:solidFill>
                       <a:schemeClr val="tx1"/>
                     </a:solidFill>
@@ -5809,23 +5879,23 @@
                 </a:lnSpc>
               </a:pPr>
               <a:r>
-                <a:rPr lang="en-US" altLang="ko-KR" sz="1400" b="1" dirty="0" smtClean="0"/>
+                <a:rPr lang="en-US" altLang="ko-KR" sz="1400" b="1" dirty="0"/>
                 <a:t> CPU</a:t>
               </a:r>
               <a:r>
-                <a:rPr lang="ko-KR" altLang="en-US" sz="1400" b="1" dirty="0" smtClean="0"/>
+                <a:rPr lang="ko-KR" altLang="en-US" sz="1400" b="1" dirty="0"/>
                 <a:t>가 </a:t>
               </a:r>
               <a:r>
-                <a:rPr lang="en-US" altLang="ko-KR" sz="1400" b="1" dirty="0" smtClean="0"/>
+                <a:rPr lang="en-US" altLang="ko-KR" sz="1400" b="1" dirty="0"/>
                 <a:t>kernel Logic</a:t>
               </a:r>
               <a:r>
-                <a:rPr lang="ko-KR" altLang="en-US" sz="1400" b="1" dirty="0" smtClean="0"/>
+                <a:rPr lang="ko-KR" altLang="en-US" sz="1400" b="1" dirty="0"/>
                 <a:t>을 수행하고 있으면 </a:t>
               </a:r>
               <a:r>
-                <a:rPr lang="en-US" altLang="ko-KR" sz="1400" b="1" dirty="0" smtClean="0">
+                <a:rPr lang="en-US" altLang="ko-KR" sz="1400" b="1" dirty="0">
                   <a:solidFill>
                     <a:srgbClr val="C00000"/>
                   </a:solidFill>
@@ -5833,15 +5903,15 @@
                 <a:t>kernel mode</a:t>
               </a:r>
               <a:r>
-                <a:rPr lang="en-US" altLang="ko-KR" sz="1400" b="1" dirty="0" smtClean="0"/>
+                <a:rPr lang="en-US" altLang="ko-KR" sz="1400" b="1" dirty="0"/>
                 <a:t>, User Process Logic</a:t>
               </a:r>
               <a:r>
-                <a:rPr lang="ko-KR" altLang="en-US" sz="1400" b="1" dirty="0" smtClean="0"/>
+                <a:rPr lang="ko-KR" altLang="en-US" sz="1400" b="1" dirty="0"/>
                 <a:t>을 수행하고 있으면 </a:t>
               </a:r>
               <a:r>
-                <a:rPr lang="en-US" altLang="ko-KR" sz="1400" b="1" dirty="0" smtClean="0">
+                <a:rPr lang="en-US" altLang="ko-KR" sz="1400" b="1" dirty="0">
                   <a:solidFill>
                     <a:schemeClr val="accent1"/>
                   </a:solidFill>
@@ -5849,10 +5919,9 @@
                 <a:t>user mode</a:t>
               </a:r>
               <a:r>
-                <a:rPr lang="ko-KR" altLang="en-US" sz="1400" b="1" dirty="0" smtClean="0"/>
+                <a:rPr lang="ko-KR" altLang="en-US" sz="1400" b="1" dirty="0"/>
                 <a:t>이다</a:t>
               </a:r>
-              <a:endParaRPr lang="ko-KR" altLang="en-US" sz="1400" b="1" dirty="0"/>
             </a:p>
           </p:txBody>
         </p:sp>
@@ -5885,111 +5954,111 @@
           <a:lstStyle/>
           <a:p>
             <a:r>
-              <a:rPr lang="en-US" altLang="ko-KR" sz="1200" dirty="0" smtClean="0"/>
+              <a:rPr lang="en-US" altLang="ko-KR" sz="1200" dirty="0"/>
               <a:t> Layer</a:t>
             </a:r>
             <a:r>
-              <a:rPr lang="ko-KR" altLang="en-US" sz="1200" dirty="0" smtClean="0"/>
+              <a:rPr lang="ko-KR" altLang="en-US" sz="1200" dirty="0"/>
               <a:t>관점에서 </a:t>
             </a:r>
             <a:r>
-              <a:rPr lang="en-US" altLang="ko-KR" sz="1200" dirty="0" smtClean="0"/>
+              <a:rPr lang="en-US" altLang="ko-KR" sz="1200" dirty="0"/>
               <a:t>CPU</a:t>
             </a:r>
             <a:r>
-              <a:rPr lang="ko-KR" altLang="en-US" sz="1200" dirty="0" smtClean="0"/>
+              <a:rPr lang="ko-KR" altLang="en-US" sz="1200" dirty="0"/>
               <a:t>가 </a:t>
             </a:r>
             <a:r>
-              <a:rPr lang="en-US" altLang="ko-KR" sz="1200" dirty="0" smtClean="0"/>
+              <a:rPr lang="en-US" altLang="ko-KR" sz="1200" dirty="0"/>
               <a:t>kernel</a:t>
             </a:r>
             <a:r>
-              <a:rPr lang="ko-KR" altLang="en-US" sz="1200" dirty="0" smtClean="0"/>
+              <a:rPr lang="ko-KR" altLang="en-US" sz="1200" dirty="0"/>
               <a:t>을 뚫고 </a:t>
             </a:r>
             <a:r>
-              <a:rPr lang="en-US" altLang="ko-KR" sz="1200" dirty="0" smtClean="0"/>
+              <a:rPr lang="en-US" altLang="ko-KR" sz="1200" dirty="0"/>
               <a:t>user</a:t>
             </a:r>
             <a:r>
-              <a:rPr lang="ko-KR" altLang="en-US" sz="1200" dirty="0" smtClean="0"/>
+              <a:rPr lang="ko-KR" altLang="en-US" sz="1200" dirty="0"/>
               <a:t>를 읽어야 할 것 같은 느낌이 있다</a:t>
             </a:r>
             <a:r>
-              <a:rPr lang="en-US" altLang="ko-KR" sz="1200" dirty="0" smtClean="0"/>
+              <a:rPr lang="en-US" altLang="ko-KR" sz="1200" dirty="0"/>
               <a:t>. </a:t>
             </a:r>
             <a:r>
-              <a:rPr lang="ko-KR" altLang="en-US" sz="1200" dirty="0" smtClean="0"/>
+              <a:rPr lang="ko-KR" altLang="en-US" sz="1200" dirty="0"/>
               <a:t>심지어 </a:t>
             </a:r>
             <a:r>
-              <a:rPr lang="en-US" altLang="ko-KR" sz="1200" dirty="0" smtClean="0"/>
+              <a:rPr lang="en-US" altLang="ko-KR" sz="1200" dirty="0"/>
               <a:t>OS</a:t>
             </a:r>
             <a:r>
-              <a:rPr lang="ko-KR" altLang="en-US" sz="1200" dirty="0" smtClean="0"/>
+              <a:rPr lang="ko-KR" altLang="en-US" sz="1200" dirty="0"/>
               <a:t>에서 </a:t>
             </a:r>
             <a:r>
-              <a:rPr lang="ko-KR" altLang="en-US" sz="1200" dirty="0" err="1" smtClean="0"/>
+              <a:rPr lang="ko-KR" altLang="en-US" sz="1200" dirty="0" err="1"/>
               <a:t>설명할때</a:t>
             </a:r>
             <a:r>
-              <a:rPr lang="ko-KR" altLang="en-US" sz="1200" dirty="0" smtClean="0"/>
+              <a:rPr lang="ko-KR" altLang="en-US" sz="1200" dirty="0"/>
               <a:t> </a:t>
             </a:r>
             <a:r>
-              <a:rPr lang="en-US" altLang="ko-KR" sz="1200" dirty="0" smtClean="0"/>
+              <a:rPr lang="en-US" altLang="ko-KR" sz="1200" dirty="0"/>
               <a:t>user mode thread</a:t>
             </a:r>
             <a:r>
-              <a:rPr lang="ko-KR" altLang="en-US" sz="1200" dirty="0" smtClean="0"/>
+              <a:rPr lang="ko-KR" altLang="en-US" sz="1200" dirty="0"/>
               <a:t>에서 </a:t>
             </a:r>
             <a:r>
-              <a:rPr lang="en-US" altLang="ko-KR" sz="1200" dirty="0" smtClean="0"/>
+              <a:rPr lang="en-US" altLang="ko-KR" sz="1200" dirty="0"/>
               <a:t>kernel mode thread</a:t>
             </a:r>
             <a:r>
-              <a:rPr lang="ko-KR" altLang="en-US" sz="1200" dirty="0" smtClean="0"/>
+              <a:rPr lang="ko-KR" altLang="en-US" sz="1200" dirty="0"/>
               <a:t>로 </a:t>
             </a:r>
             <a:r>
-              <a:rPr lang="en-US" altLang="ko-KR" sz="1200" dirty="0" smtClean="0"/>
+              <a:rPr lang="en-US" altLang="ko-KR" sz="1200" dirty="0"/>
               <a:t>n:m </a:t>
             </a:r>
             <a:r>
-              <a:rPr lang="ko-KR" altLang="en-US" sz="1200" dirty="0" smtClean="0"/>
+              <a:rPr lang="ko-KR" altLang="en-US" sz="1200" dirty="0"/>
               <a:t>관계를 설명함으로써 </a:t>
             </a:r>
             <a:r>
-              <a:rPr lang="en-US" altLang="ko-KR" sz="1200" dirty="0" smtClean="0"/>
+              <a:rPr lang="en-US" altLang="ko-KR" sz="1200" dirty="0"/>
               <a:t>user mode thread</a:t>
             </a:r>
             <a:r>
-              <a:rPr lang="ko-KR" altLang="en-US" sz="1200" dirty="0" smtClean="0"/>
+              <a:rPr lang="ko-KR" altLang="en-US" sz="1200" dirty="0"/>
               <a:t>를 수행하기 위해서는 무조건 </a:t>
             </a:r>
             <a:r>
-              <a:rPr lang="en-US" altLang="ko-KR" sz="1200" dirty="0" smtClean="0"/>
+              <a:rPr lang="en-US" altLang="ko-KR" sz="1200" dirty="0"/>
               <a:t>kernel mode thread</a:t>
             </a:r>
             <a:r>
-              <a:rPr lang="ko-KR" altLang="en-US" sz="1200" dirty="0" smtClean="0"/>
+              <a:rPr lang="ko-KR" altLang="en-US" sz="1200" dirty="0"/>
               <a:t>에 </a:t>
             </a:r>
             <a:r>
-              <a:rPr lang="ko-KR" altLang="en-US" sz="1200" dirty="0" err="1" smtClean="0"/>
+              <a:rPr lang="ko-KR" altLang="en-US" sz="1200" dirty="0" err="1"/>
               <a:t>넘겨줘야할</a:t>
             </a:r>
             <a:r>
-              <a:rPr lang="ko-KR" altLang="en-US" sz="1200" dirty="0" smtClean="0"/>
+              <a:rPr lang="ko-KR" altLang="en-US" sz="1200" dirty="0"/>
               <a:t> 것 같은 느낌을 풍긴다</a:t>
             </a:r>
             <a:r>
-              <a:rPr lang="en-US" altLang="ko-KR" sz="1200" dirty="0" smtClean="0"/>
+              <a:rPr lang="en-US" altLang="ko-KR" sz="1200" dirty="0"/>
               <a:t>.</a:t>
             </a:r>
             <a:endParaRPr lang="ko-KR" altLang="en-US" sz="1200" dirty="0"/>
@@ -6020,7 +6089,7 @@
           <a:p>
             <a:pPr algn="ctr"/>
             <a:r>
-              <a:rPr lang="ko-KR" altLang="en-US" sz="1200" b="1" dirty="0" smtClean="0">
+              <a:rPr lang="ko-KR" altLang="en-US" sz="1200" b="1" dirty="0">
                 <a:solidFill>
                   <a:srgbClr val="C00000"/>
                 </a:solidFill>
@@ -6028,7 +6097,7 @@
               <a:t>한때 헷갈렸던 </a:t>
             </a:r>
             <a:r>
-              <a:rPr lang="en-US" altLang="ko-KR" sz="1200" b="1" dirty="0" smtClean="0">
+              <a:rPr lang="en-US" altLang="ko-KR" sz="1200" b="1" dirty="0">
                 <a:solidFill>
                   <a:srgbClr val="C00000"/>
                 </a:solidFill>
@@ -6066,59 +6135,59 @@
           <a:lstStyle/>
           <a:p>
             <a:r>
-              <a:rPr lang="en-US" altLang="ko-KR" sz="1200" dirty="0" smtClean="0"/>
+              <a:rPr lang="en-US" altLang="ko-KR" sz="1200" dirty="0"/>
               <a:t> Layer</a:t>
             </a:r>
             <a:r>
-              <a:rPr lang="ko-KR" altLang="en-US" sz="1200" dirty="0" smtClean="0"/>
+              <a:rPr lang="ko-KR" altLang="en-US" sz="1200" dirty="0"/>
               <a:t>는 논리적인 </a:t>
             </a:r>
             <a:r>
-              <a:rPr lang="ko-KR" altLang="en-US" sz="1200" dirty="0" err="1" smtClean="0"/>
+              <a:rPr lang="ko-KR" altLang="en-US" sz="1200" dirty="0" err="1"/>
               <a:t>개념일뿐</a:t>
             </a:r>
             <a:r>
-              <a:rPr lang="en-US" altLang="ko-KR" sz="1200" dirty="0" smtClean="0"/>
+              <a:rPr lang="en-US" altLang="ko-KR" sz="1200" dirty="0"/>
               <a:t>, </a:t>
             </a:r>
             <a:r>
-              <a:rPr lang="ko-KR" altLang="en-US" sz="1200" dirty="0" smtClean="0"/>
+              <a:rPr lang="ko-KR" altLang="en-US" sz="1200" dirty="0"/>
               <a:t>하드웨어 입장에서는 </a:t>
             </a:r>
             <a:r>
-              <a:rPr lang="en-US" altLang="ko-KR" sz="1200" dirty="0" smtClean="0"/>
+              <a:rPr lang="en-US" altLang="ko-KR" sz="1200" dirty="0"/>
               <a:t>kernel</a:t>
             </a:r>
             <a:r>
-              <a:rPr lang="ko-KR" altLang="en-US" sz="1200" dirty="0" smtClean="0"/>
+              <a:rPr lang="ko-KR" altLang="en-US" sz="1200" dirty="0"/>
               <a:t>영역이나 </a:t>
             </a:r>
             <a:r>
-              <a:rPr lang="en-US" altLang="ko-KR" sz="1200" dirty="0" smtClean="0"/>
+              <a:rPr lang="en-US" altLang="ko-KR" sz="1200" dirty="0"/>
               <a:t>User</a:t>
             </a:r>
             <a:r>
-              <a:rPr lang="ko-KR" altLang="en-US" sz="1200" dirty="0" smtClean="0"/>
+              <a:rPr lang="ko-KR" altLang="en-US" sz="1200" dirty="0"/>
               <a:t>영역이나 평등하다</a:t>
             </a:r>
             <a:r>
-              <a:rPr lang="en-US" altLang="ko-KR" sz="1200" dirty="0" smtClean="0"/>
+              <a:rPr lang="en-US" altLang="ko-KR" sz="1200" dirty="0"/>
               <a:t>. CPU</a:t>
             </a:r>
             <a:r>
-              <a:rPr lang="ko-KR" altLang="en-US" sz="1200" dirty="0" smtClean="0"/>
+              <a:rPr lang="ko-KR" altLang="en-US" sz="1200" dirty="0"/>
               <a:t>가 읽어서 수행해야하는 </a:t>
             </a:r>
             <a:r>
-              <a:rPr lang="en-US" altLang="ko-KR" sz="1200" dirty="0" smtClean="0"/>
+              <a:rPr lang="en-US" altLang="ko-KR" sz="1200" dirty="0"/>
               <a:t>Process</a:t>
             </a:r>
             <a:r>
-              <a:rPr lang="ko-KR" altLang="en-US" sz="1200" dirty="0" smtClean="0"/>
+              <a:rPr lang="ko-KR" altLang="en-US" sz="1200" dirty="0"/>
               <a:t>일뿐이다</a:t>
             </a:r>
             <a:r>
-              <a:rPr lang="en-US" altLang="ko-KR" sz="1200" dirty="0" smtClean="0"/>
+              <a:rPr lang="en-US" altLang="ko-KR" sz="1200" dirty="0"/>
               <a:t>.</a:t>
             </a:r>
             <a:endParaRPr lang="ko-KR" altLang="en-US" sz="1200" dirty="0"/>
@@ -6181,7 +6250,7 @@
               <a:p>
                 <a:pPr algn="ctr"/>
                 <a:r>
-                  <a:rPr lang="en-US" altLang="ko-KR" sz="1200" b="1" dirty="0" smtClean="0">
+                  <a:rPr lang="en-US" altLang="ko-KR" sz="1200" b="1" dirty="0">
                     <a:latin typeface="Times New Roman" panose="02020603050405020304" pitchFamily="18" charset="0"/>
                     <a:cs typeface="Times New Roman" panose="02020603050405020304" pitchFamily="18" charset="0"/>
                   </a:rPr>
@@ -6431,7 +6500,7 @@
               <a:lstStyle/>
               <a:p>
                 <a:r>
-                  <a:rPr lang="en-US" altLang="ko-KR" sz="1200" b="1" dirty="0" smtClean="0">
+                  <a:rPr lang="en-US" altLang="ko-KR" sz="1200" b="1" dirty="0">
                     <a:latin typeface="Times New Roman" panose="02020603050405020304" pitchFamily="18" charset="0"/>
                     <a:cs typeface="Times New Roman" panose="02020603050405020304" pitchFamily="18" charset="0"/>
                   </a:rPr>
@@ -6468,7 +6537,7 @@
               <a:p>
                 <a:pPr algn="ctr"/>
                 <a:r>
-                  <a:rPr lang="en-US" altLang="ko-KR" sz="1200" b="1" dirty="0" smtClean="0">
+                  <a:rPr lang="en-US" altLang="ko-KR" sz="1200" b="1" dirty="0">
                     <a:latin typeface="Times New Roman" panose="02020603050405020304" pitchFamily="18" charset="0"/>
                     <a:cs typeface="Times New Roman" panose="02020603050405020304" pitchFamily="18" charset="0"/>
                   </a:rPr>
@@ -6478,7 +6547,7 @@
               <a:p>
                 <a:pPr algn="ctr"/>
                 <a:r>
-                  <a:rPr lang="en-US" altLang="ko-KR" sz="1200" b="1" dirty="0" smtClean="0">
+                  <a:rPr lang="en-US" altLang="ko-KR" sz="1200" b="1" dirty="0">
                     <a:latin typeface="Times New Roman" panose="02020603050405020304" pitchFamily="18" charset="0"/>
                     <a:cs typeface="Times New Roman" panose="02020603050405020304" pitchFamily="18" charset="0"/>
                   </a:rPr>
@@ -6515,7 +6584,7 @@
               <a:p>
                 <a:pPr algn="ctr"/>
                 <a:r>
-                  <a:rPr lang="en-US" altLang="ko-KR" sz="1200" b="1" dirty="0" smtClean="0">
+                  <a:rPr lang="en-US" altLang="ko-KR" sz="1200" b="1" dirty="0">
                     <a:latin typeface="Times New Roman" panose="02020603050405020304" pitchFamily="18" charset="0"/>
                     <a:cs typeface="Times New Roman" panose="02020603050405020304" pitchFamily="18" charset="0"/>
                   </a:rPr>
@@ -6525,7 +6594,7 @@
               <a:p>
                 <a:pPr algn="ctr"/>
                 <a:r>
-                  <a:rPr lang="en-US" altLang="ko-KR" sz="1200" b="1" dirty="0" smtClean="0">
+                  <a:rPr lang="en-US" altLang="ko-KR" sz="1200" b="1" dirty="0">
                     <a:latin typeface="Times New Roman" panose="02020603050405020304" pitchFamily="18" charset="0"/>
                     <a:cs typeface="Times New Roman" panose="02020603050405020304" pitchFamily="18" charset="0"/>
                   </a:rPr>
@@ -6567,7 +6636,7 @@
             <a:p>
               <a:pPr algn="ctr"/>
               <a:r>
-                <a:rPr lang="en-US" altLang="ko-KR" sz="1200" b="1" dirty="0" smtClean="0">
+                <a:rPr lang="en-US" altLang="ko-KR" sz="1200" b="1" dirty="0">
                   <a:latin typeface="Times New Roman" panose="02020603050405020304" pitchFamily="18" charset="0"/>
                   <a:cs typeface="Times New Roman" panose="02020603050405020304" pitchFamily="18" charset="0"/>
                 </a:rPr>
@@ -6671,11 +6740,11 @@
             <a:p>
               <a:pPr algn="ctr"/>
               <a:r>
-                <a:rPr lang="ko-KR" altLang="en-US" sz="1050" b="1" dirty="0" smtClean="0"/>
+                <a:rPr lang="ko-KR" altLang="en-US" sz="1050" b="1" dirty="0"/>
                 <a:t>수행 </a:t>
               </a:r>
               <a:r>
-                <a:rPr lang="en-US" altLang="ko-KR" sz="1050" b="1" dirty="0" smtClean="0"/>
+                <a:rPr lang="en-US" altLang="ko-KR" sz="1050" b="1" dirty="0"/>
                 <a:t>(User Mode)</a:t>
               </a:r>
               <a:endParaRPr lang="ko-KR" altLang="en-US" sz="1050" b="1" dirty="0"/>
@@ -6742,11 +6811,11 @@
             <a:p>
               <a:pPr algn="ctr"/>
               <a:r>
-                <a:rPr lang="ko-KR" altLang="en-US" sz="1050" b="1" dirty="0" smtClean="0"/>
+                <a:rPr lang="ko-KR" altLang="en-US" sz="1050" b="1" dirty="0"/>
                 <a:t>수행 </a:t>
               </a:r>
               <a:r>
-                <a:rPr lang="en-US" altLang="ko-KR" sz="1050" b="1" dirty="0" smtClean="0"/>
+                <a:rPr lang="en-US" altLang="ko-KR" sz="1050" b="1" dirty="0"/>
                 <a:t>(Kernel Mode)</a:t>
               </a:r>
               <a:endParaRPr lang="ko-KR" altLang="en-US" sz="1050" b="1" dirty="0"/>
@@ -6840,14 +6909,17 @@
           <a:lstStyle/>
           <a:p>
             <a:r>
-              <a:rPr lang="en-US" altLang="ko-KR" sz="1400" b="1" dirty="0" smtClean="0"/>
-              <a:t>Hard Ware </a:t>
-            </a:r>
-            <a:r>
-              <a:rPr lang="ko-KR" altLang="en-US" sz="1400" b="1" dirty="0" smtClean="0"/>
+              <a:rPr lang="en-US" altLang="ko-KR" sz="1400" b="1" dirty="0" err="1"/>
+              <a:t>HardWare</a:t>
+            </a:r>
+            <a:r>
+              <a:rPr lang="en-US" altLang="ko-KR" sz="1400" b="1" dirty="0"/>
+              <a:t> </a:t>
+            </a:r>
+            <a:r>
+              <a:rPr lang="ko-KR" altLang="en-US" sz="1400" b="1" dirty="0"/>
               <a:t>관점</a:t>
             </a:r>
-            <a:endParaRPr lang="ko-KR" altLang="en-US" sz="1400" b="1" dirty="0"/>
           </a:p>
         </p:txBody>
       </p:sp>
@@ -6874,47 +6946,47 @@
           <a:lstStyle/>
           <a:p>
             <a:r>
-              <a:rPr lang="en-US" altLang="ko-KR" sz="1200" dirty="0" smtClean="0"/>
+              <a:rPr lang="en-US" altLang="ko-KR" sz="1200" dirty="0"/>
               <a:t> Layer</a:t>
             </a:r>
             <a:r>
-              <a:rPr lang="ko-KR" altLang="en-US" sz="1200" dirty="0" smtClean="0"/>
+              <a:rPr lang="ko-KR" altLang="en-US" sz="1200" dirty="0"/>
               <a:t>는 논리적인 </a:t>
             </a:r>
             <a:r>
-              <a:rPr lang="ko-KR" altLang="en-US" sz="1200" dirty="0" err="1" smtClean="0"/>
+              <a:rPr lang="ko-KR" altLang="en-US" sz="1200" dirty="0" err="1"/>
               <a:t>개념일뿐</a:t>
             </a:r>
             <a:r>
-              <a:rPr lang="en-US" altLang="ko-KR" sz="1200" dirty="0" smtClean="0"/>
+              <a:rPr lang="en-US" altLang="ko-KR" sz="1200" dirty="0"/>
               <a:t>, </a:t>
             </a:r>
             <a:r>
-              <a:rPr lang="ko-KR" altLang="en-US" sz="1200" dirty="0" smtClean="0"/>
+              <a:rPr lang="ko-KR" altLang="en-US" sz="1200" dirty="0"/>
               <a:t>하드웨어 입장에서는 </a:t>
             </a:r>
             <a:r>
-              <a:rPr lang="en-US" altLang="ko-KR" sz="1200" dirty="0" smtClean="0"/>
+              <a:rPr lang="en-US" altLang="ko-KR" sz="1200" dirty="0"/>
               <a:t>kernel</a:t>
             </a:r>
             <a:r>
-              <a:rPr lang="ko-KR" altLang="en-US" sz="1200" dirty="0" smtClean="0"/>
+              <a:rPr lang="ko-KR" altLang="en-US" sz="1200" dirty="0"/>
               <a:t>영역이나 </a:t>
             </a:r>
             <a:r>
-              <a:rPr lang="en-US" altLang="ko-KR" sz="1200" dirty="0" smtClean="0"/>
+              <a:rPr lang="en-US" altLang="ko-KR" sz="1200" dirty="0"/>
               <a:t>User</a:t>
             </a:r>
             <a:r>
-              <a:rPr lang="ko-KR" altLang="en-US" sz="1200" dirty="0" smtClean="0"/>
+              <a:rPr lang="ko-KR" altLang="en-US" sz="1200" dirty="0"/>
               <a:t>영역이나 평등하다</a:t>
             </a:r>
             <a:r>
-              <a:rPr lang="en-US" altLang="ko-KR" sz="1200" dirty="0" smtClean="0"/>
+              <a:rPr lang="en-US" altLang="ko-KR" sz="1200" dirty="0"/>
               <a:t>. </a:t>
             </a:r>
             <a:r>
-              <a:rPr lang="en-US" altLang="ko-KR" sz="1200" dirty="0" smtClean="0">
+              <a:rPr lang="en-US" altLang="ko-KR" sz="1200" dirty="0">
                 <a:solidFill>
                   <a:srgbClr val="FF0000"/>
                 </a:solidFill>
@@ -6922,7 +6994,7 @@
               <a:t>CPU</a:t>
             </a:r>
             <a:r>
-              <a:rPr lang="ko-KR" altLang="en-US" sz="1200" dirty="0" smtClean="0">
+              <a:rPr lang="ko-KR" altLang="en-US" sz="1200" dirty="0">
                 <a:solidFill>
                   <a:srgbClr val="FF0000"/>
                 </a:solidFill>
@@ -6930,7 +7002,7 @@
               <a:t>가 읽어서 수행해야하는 </a:t>
             </a:r>
             <a:r>
-              <a:rPr lang="en-US" altLang="ko-KR" sz="1200" dirty="0" smtClean="0">
+              <a:rPr lang="en-US" altLang="ko-KR" sz="1200" dirty="0">
                 <a:solidFill>
                   <a:srgbClr val="FF0000"/>
                 </a:solidFill>
@@ -6938,11 +7010,11 @@
               <a:t>Process</a:t>
             </a:r>
             <a:r>
-              <a:rPr lang="ko-KR" altLang="en-US" sz="1200" dirty="0" smtClean="0"/>
+              <a:rPr lang="ko-KR" altLang="en-US" sz="1200" dirty="0"/>
               <a:t>일뿐이다</a:t>
             </a:r>
             <a:r>
-              <a:rPr lang="en-US" altLang="ko-KR" sz="1200" dirty="0" smtClean="0"/>
+              <a:rPr lang="en-US" altLang="ko-KR" sz="1200" dirty="0"/>
               <a:t>.</a:t>
             </a:r>
             <a:endParaRPr lang="ko-KR" altLang="en-US" sz="1200" dirty="0"/>
@@ -7005,7 +7077,7 @@
               <a:p>
                 <a:pPr algn="ctr"/>
                 <a:r>
-                  <a:rPr lang="en-US" altLang="ko-KR" sz="1200" b="1" dirty="0" smtClean="0">
+                  <a:rPr lang="en-US" altLang="ko-KR" sz="1200" b="1" dirty="0">
                     <a:latin typeface="Times New Roman" panose="02020603050405020304" pitchFamily="18" charset="0"/>
                     <a:cs typeface="Times New Roman" panose="02020603050405020304" pitchFamily="18" charset="0"/>
                   </a:rPr>
@@ -7255,7 +7327,7 @@
               <a:lstStyle/>
               <a:p>
                 <a:r>
-                  <a:rPr lang="en-US" altLang="ko-KR" sz="1200" b="1" dirty="0" smtClean="0">
+                  <a:rPr lang="en-US" altLang="ko-KR" sz="1200" b="1" dirty="0">
                     <a:latin typeface="Times New Roman" panose="02020603050405020304" pitchFamily="18" charset="0"/>
                     <a:cs typeface="Times New Roman" panose="02020603050405020304" pitchFamily="18" charset="0"/>
                   </a:rPr>
@@ -7292,7 +7364,7 @@
               <a:p>
                 <a:pPr algn="ctr"/>
                 <a:r>
-                  <a:rPr lang="en-US" altLang="ko-KR" sz="1200" b="1" dirty="0" smtClean="0">
+                  <a:rPr lang="en-US" altLang="ko-KR" sz="1200" b="1" dirty="0">
                     <a:latin typeface="Times New Roman" panose="02020603050405020304" pitchFamily="18" charset="0"/>
                     <a:cs typeface="Times New Roman" panose="02020603050405020304" pitchFamily="18" charset="0"/>
                   </a:rPr>
@@ -7302,7 +7374,7 @@
               <a:p>
                 <a:pPr algn="ctr"/>
                 <a:r>
-                  <a:rPr lang="en-US" altLang="ko-KR" sz="1200" b="1" dirty="0" smtClean="0">
+                  <a:rPr lang="en-US" altLang="ko-KR" sz="1200" b="1" dirty="0">
                     <a:latin typeface="Times New Roman" panose="02020603050405020304" pitchFamily="18" charset="0"/>
                     <a:cs typeface="Times New Roman" panose="02020603050405020304" pitchFamily="18" charset="0"/>
                   </a:rPr>
@@ -7339,7 +7411,7 @@
               <a:p>
                 <a:pPr algn="ctr"/>
                 <a:r>
-                  <a:rPr lang="en-US" altLang="ko-KR" sz="1200" b="1" dirty="0" smtClean="0">
+                  <a:rPr lang="en-US" altLang="ko-KR" sz="1200" b="1" dirty="0">
                     <a:latin typeface="Times New Roman" panose="02020603050405020304" pitchFamily="18" charset="0"/>
                     <a:cs typeface="Times New Roman" panose="02020603050405020304" pitchFamily="18" charset="0"/>
                   </a:rPr>
@@ -7349,7 +7421,7 @@
               <a:p>
                 <a:pPr algn="ctr"/>
                 <a:r>
-                  <a:rPr lang="en-US" altLang="ko-KR" sz="1200" b="1" dirty="0" smtClean="0">
+                  <a:rPr lang="en-US" altLang="ko-KR" sz="1200" b="1" dirty="0">
                     <a:latin typeface="Times New Roman" panose="02020603050405020304" pitchFamily="18" charset="0"/>
                     <a:cs typeface="Times New Roman" panose="02020603050405020304" pitchFamily="18" charset="0"/>
                   </a:rPr>
@@ -7391,7 +7463,7 @@
             <a:p>
               <a:pPr algn="ctr"/>
               <a:r>
-                <a:rPr lang="en-US" altLang="ko-KR" sz="1200" b="1" dirty="0" smtClean="0">
+                <a:rPr lang="en-US" altLang="ko-KR" sz="1200" b="1" dirty="0">
                   <a:latin typeface="Times New Roman" panose="02020603050405020304" pitchFamily="18" charset="0"/>
                   <a:cs typeface="Times New Roman" panose="02020603050405020304" pitchFamily="18" charset="0"/>
                 </a:rPr>
@@ -7495,11 +7567,11 @@
             <a:p>
               <a:pPr algn="ctr"/>
               <a:r>
-                <a:rPr lang="ko-KR" altLang="en-US" sz="1050" b="1" dirty="0" smtClean="0"/>
+                <a:rPr lang="ko-KR" altLang="en-US" sz="1050" b="1" dirty="0"/>
                 <a:t>수행 </a:t>
               </a:r>
               <a:r>
-                <a:rPr lang="en-US" altLang="ko-KR" sz="1050" b="1" dirty="0" smtClean="0"/>
+                <a:rPr lang="en-US" altLang="ko-KR" sz="1050" b="1" dirty="0"/>
                 <a:t>(User Mode)</a:t>
               </a:r>
               <a:endParaRPr lang="ko-KR" altLang="en-US" sz="1050" b="1" dirty="0"/>
@@ -7563,7 +7635,7 @@
               <a:p>
                 <a:pPr algn="ctr"/>
                 <a:r>
-                  <a:rPr lang="en-US" altLang="ko-KR" sz="1200" b="1" dirty="0" smtClean="0">
+                  <a:rPr lang="en-US" altLang="ko-KR" sz="1200" b="1" dirty="0">
                     <a:latin typeface="Times New Roman" panose="02020603050405020304" pitchFamily="18" charset="0"/>
                     <a:cs typeface="Times New Roman" panose="02020603050405020304" pitchFamily="18" charset="0"/>
                   </a:rPr>
@@ -7813,7 +7885,7 @@
               <a:lstStyle/>
               <a:p>
                 <a:r>
-                  <a:rPr lang="en-US" altLang="ko-KR" sz="1200" b="1" dirty="0" smtClean="0">
+                  <a:rPr lang="en-US" altLang="ko-KR" sz="1200" b="1" dirty="0">
                     <a:latin typeface="Times New Roman" panose="02020603050405020304" pitchFamily="18" charset="0"/>
                     <a:cs typeface="Times New Roman" panose="02020603050405020304" pitchFamily="18" charset="0"/>
                   </a:rPr>
@@ -7850,7 +7922,7 @@
               <a:p>
                 <a:pPr algn="ctr"/>
                 <a:r>
-                  <a:rPr lang="en-US" altLang="ko-KR" sz="1200" b="1" dirty="0" smtClean="0">
+                  <a:rPr lang="en-US" altLang="ko-KR" sz="1200" b="1" dirty="0">
                     <a:latin typeface="Times New Roman" panose="02020603050405020304" pitchFamily="18" charset="0"/>
                     <a:cs typeface="Times New Roman" panose="02020603050405020304" pitchFamily="18" charset="0"/>
                   </a:rPr>
@@ -7860,7 +7932,7 @@
               <a:p>
                 <a:pPr algn="ctr"/>
                 <a:r>
-                  <a:rPr lang="en-US" altLang="ko-KR" sz="1200" b="1" dirty="0" smtClean="0">
+                  <a:rPr lang="en-US" altLang="ko-KR" sz="1200" b="1" dirty="0">
                     <a:latin typeface="Times New Roman" panose="02020603050405020304" pitchFamily="18" charset="0"/>
                     <a:cs typeface="Times New Roman" panose="02020603050405020304" pitchFamily="18" charset="0"/>
                   </a:rPr>
@@ -7897,7 +7969,7 @@
               <a:p>
                 <a:pPr algn="ctr"/>
                 <a:r>
-                  <a:rPr lang="en-US" altLang="ko-KR" sz="1200" b="1" dirty="0" smtClean="0">
+                  <a:rPr lang="en-US" altLang="ko-KR" sz="1200" b="1" dirty="0">
                     <a:latin typeface="Times New Roman" panose="02020603050405020304" pitchFamily="18" charset="0"/>
                     <a:cs typeface="Times New Roman" panose="02020603050405020304" pitchFamily="18" charset="0"/>
                   </a:rPr>
@@ -7907,7 +7979,7 @@
               <a:p>
                 <a:pPr algn="ctr"/>
                 <a:r>
-                  <a:rPr lang="en-US" altLang="ko-KR" sz="1200" b="1" dirty="0" smtClean="0">
+                  <a:rPr lang="en-US" altLang="ko-KR" sz="1200" b="1" dirty="0">
                     <a:latin typeface="Times New Roman" panose="02020603050405020304" pitchFamily="18" charset="0"/>
                     <a:cs typeface="Times New Roman" panose="02020603050405020304" pitchFamily="18" charset="0"/>
                   </a:rPr>
@@ -7949,7 +8021,7 @@
             <a:p>
               <a:pPr algn="ctr"/>
               <a:r>
-                <a:rPr lang="en-US" altLang="ko-KR" sz="1200" b="1" dirty="0" smtClean="0">
+                <a:rPr lang="en-US" altLang="ko-KR" sz="1200" b="1" dirty="0">
                   <a:latin typeface="Times New Roman" panose="02020603050405020304" pitchFamily="18" charset="0"/>
                   <a:cs typeface="Times New Roman" panose="02020603050405020304" pitchFamily="18" charset="0"/>
                 </a:rPr>
@@ -8053,7 +8125,7 @@
             <a:p>
               <a:pPr algn="ctr"/>
               <a:r>
-                <a:rPr lang="en-US" altLang="ko-KR" sz="1050" b="1" dirty="0" smtClean="0"/>
+                <a:rPr lang="en-US" altLang="ko-KR" sz="1050" b="1" dirty="0"/>
                 <a:t>Load Something</a:t>
               </a:r>
               <a:endParaRPr lang="ko-KR" altLang="en-US" sz="1050" b="1" dirty="0"/>
@@ -8117,7 +8189,7 @@
               <a:p>
                 <a:pPr algn="ctr"/>
                 <a:r>
-                  <a:rPr lang="en-US" altLang="ko-KR" sz="1200" b="1" dirty="0" smtClean="0">
+                  <a:rPr lang="en-US" altLang="ko-KR" sz="1200" b="1" dirty="0">
                     <a:latin typeface="Times New Roman" panose="02020603050405020304" pitchFamily="18" charset="0"/>
                     <a:cs typeface="Times New Roman" panose="02020603050405020304" pitchFamily="18" charset="0"/>
                   </a:rPr>
@@ -8367,7 +8439,7 @@
               <a:lstStyle/>
               <a:p>
                 <a:r>
-                  <a:rPr lang="en-US" altLang="ko-KR" sz="1200" b="1" dirty="0" smtClean="0">
+                  <a:rPr lang="en-US" altLang="ko-KR" sz="1200" b="1" dirty="0">
                     <a:latin typeface="Times New Roman" panose="02020603050405020304" pitchFamily="18" charset="0"/>
                     <a:cs typeface="Times New Roman" panose="02020603050405020304" pitchFamily="18" charset="0"/>
                   </a:rPr>
@@ -8404,7 +8476,7 @@
               <a:p>
                 <a:pPr algn="ctr"/>
                 <a:r>
-                  <a:rPr lang="en-US" altLang="ko-KR" sz="1200" b="1" dirty="0" smtClean="0">
+                  <a:rPr lang="en-US" altLang="ko-KR" sz="1200" b="1" dirty="0">
                     <a:latin typeface="Times New Roman" panose="02020603050405020304" pitchFamily="18" charset="0"/>
                     <a:cs typeface="Times New Roman" panose="02020603050405020304" pitchFamily="18" charset="0"/>
                   </a:rPr>
@@ -8414,7 +8486,7 @@
               <a:p>
                 <a:pPr algn="ctr"/>
                 <a:r>
-                  <a:rPr lang="en-US" altLang="ko-KR" sz="1200" b="1" dirty="0" smtClean="0">
+                  <a:rPr lang="en-US" altLang="ko-KR" sz="1200" b="1" dirty="0">
                     <a:latin typeface="Times New Roman" panose="02020603050405020304" pitchFamily="18" charset="0"/>
                     <a:cs typeface="Times New Roman" panose="02020603050405020304" pitchFamily="18" charset="0"/>
                   </a:rPr>
@@ -8451,7 +8523,7 @@
               <a:p>
                 <a:pPr algn="ctr"/>
                 <a:r>
-                  <a:rPr lang="en-US" altLang="ko-KR" sz="1200" b="1" dirty="0" smtClean="0">
+                  <a:rPr lang="en-US" altLang="ko-KR" sz="1200" b="1" dirty="0">
                     <a:latin typeface="Times New Roman" panose="02020603050405020304" pitchFamily="18" charset="0"/>
                     <a:cs typeface="Times New Roman" panose="02020603050405020304" pitchFamily="18" charset="0"/>
                   </a:rPr>
@@ -8461,7 +8533,7 @@
               <a:p>
                 <a:pPr algn="ctr"/>
                 <a:r>
-                  <a:rPr lang="en-US" altLang="ko-KR" sz="1200" b="1" dirty="0" smtClean="0">
+                  <a:rPr lang="en-US" altLang="ko-KR" sz="1200" b="1" dirty="0">
                     <a:latin typeface="Times New Roman" panose="02020603050405020304" pitchFamily="18" charset="0"/>
                     <a:cs typeface="Times New Roman" panose="02020603050405020304" pitchFamily="18" charset="0"/>
                   </a:rPr>
@@ -8503,7 +8575,7 @@
             <a:p>
               <a:pPr algn="ctr"/>
               <a:r>
-                <a:rPr lang="en-US" altLang="ko-KR" sz="1200" b="1" dirty="0" smtClean="0">
+                <a:rPr lang="en-US" altLang="ko-KR" sz="1200" b="1" dirty="0">
                   <a:latin typeface="Times New Roman" panose="02020603050405020304" pitchFamily="18" charset="0"/>
                   <a:cs typeface="Times New Roman" panose="02020603050405020304" pitchFamily="18" charset="0"/>
                 </a:rPr>
@@ -8606,11 +8678,11 @@
             <a:p>
               <a:pPr algn="ctr"/>
               <a:r>
-                <a:rPr lang="ko-KR" altLang="en-US" sz="1050" b="1" dirty="0" smtClean="0"/>
+                <a:rPr lang="ko-KR" altLang="en-US" sz="1050" b="1" dirty="0"/>
                 <a:t>수행 </a:t>
               </a:r>
               <a:r>
-                <a:rPr lang="en-US" altLang="ko-KR" sz="1050" b="1" dirty="0" smtClean="0"/>
+                <a:rPr lang="en-US" altLang="ko-KR" sz="1050" b="1" dirty="0"/>
                 <a:t>(Kernel Mode)</a:t>
               </a:r>
               <a:endParaRPr lang="ko-KR" altLang="en-US" sz="1050" b="1" dirty="0"/>
@@ -8677,7 +8749,7 @@
           <a:p>
             <a:pPr algn="ctr"/>
             <a:r>
-              <a:rPr lang="en-US" altLang="ko-KR" sz="1050" b="1" dirty="0" smtClean="0">
+              <a:rPr lang="en-US" altLang="ko-KR" sz="1050" b="1" dirty="0">
                 <a:solidFill>
                   <a:srgbClr val="FF0000"/>
                 </a:solidFill>
@@ -8685,7 +8757,7 @@
               <a:t>System Call </a:t>
             </a:r>
             <a:r>
-              <a:rPr lang="en-US" altLang="ko-KR" sz="1050" b="1" dirty="0" smtClean="0"/>
+              <a:rPr lang="en-US" altLang="ko-KR" sz="1050" b="1" dirty="0"/>
               <a:t>(Read)</a:t>
             </a:r>
             <a:endParaRPr lang="ko-KR" altLang="en-US" sz="1050" b="1" dirty="0"/>
@@ -8745,14 +8817,13 @@
           <a:lstStyle/>
           <a:p>
             <a:r>
-              <a:rPr lang="en-US" altLang="ko-KR" sz="1400" b="1" dirty="0" smtClean="0"/>
+              <a:rPr lang="en-US" altLang="ko-KR" sz="1400" b="1" dirty="0"/>
               <a:t>Blocking </a:t>
             </a:r>
             <a:r>
-              <a:rPr lang="ko-KR" altLang="en-US" sz="1400" b="1" dirty="0" smtClean="0"/>
+              <a:rPr lang="ko-KR" altLang="en-US" sz="1400" b="1" dirty="0"/>
               <a:t>방식 기준으로 설명</a:t>
             </a:r>
-            <a:endParaRPr lang="ko-KR" altLang="en-US" sz="1400" b="1" dirty="0"/>
           </a:p>
         </p:txBody>
       </p:sp>
@@ -8779,7 +8850,7 @@
           <a:lstStyle/>
           <a:p>
             <a:r>
-              <a:rPr lang="en-US" altLang="ko-KR" sz="1400" dirty="0" smtClean="0">
+              <a:rPr lang="en-US" altLang="ko-KR" sz="1400" dirty="0">
                 <a:latin typeface="Times New Roman" panose="02020603050405020304" pitchFamily="18" charset="0"/>
                 <a:cs typeface="Times New Roman" panose="02020603050405020304" pitchFamily="18" charset="0"/>
               </a:rPr>
@@ -8815,7 +8886,7 @@
           <a:lstStyle/>
           <a:p>
             <a:r>
-              <a:rPr lang="en-US" altLang="ko-KR" sz="1400" dirty="0" smtClean="0">
+              <a:rPr lang="en-US" altLang="ko-KR" sz="1400" dirty="0">
                 <a:latin typeface="Times New Roman" panose="02020603050405020304" pitchFamily="18" charset="0"/>
                 <a:cs typeface="Times New Roman" panose="02020603050405020304" pitchFamily="18" charset="0"/>
               </a:rPr>
@@ -8884,7 +8955,7 @@
           <a:lstStyle/>
           <a:p>
             <a:r>
-              <a:rPr lang="en-US" altLang="ko-KR" sz="1400" b="1" dirty="0" smtClean="0">
+              <a:rPr lang="en-US" altLang="ko-KR" sz="1400" b="1" dirty="0">
                 <a:latin typeface="Times New Roman" panose="02020603050405020304" pitchFamily="18" charset="0"/>
                 <a:cs typeface="Times New Roman" panose="02020603050405020304" pitchFamily="18" charset="0"/>
               </a:rPr>
@@ -8987,14 +9058,14 @@
           <a:p>
             <a:pPr algn="ctr"/>
             <a:r>
-              <a:rPr lang="en-US" altLang="ko-KR" sz="1400" b="1" dirty="0" smtClean="0"/>
+              <a:rPr lang="en-US" altLang="ko-KR" sz="1400" b="1" dirty="0"/>
               <a:t>System Call </a:t>
             </a:r>
           </a:p>
           <a:p>
             <a:pPr algn="ctr"/>
             <a:r>
-              <a:rPr lang="en-US" altLang="ko-KR" sz="1400" b="1" dirty="0" smtClean="0"/>
+              <a:rPr lang="en-US" altLang="ko-KR" sz="1400" b="1" dirty="0"/>
               <a:t>(OS Logic)</a:t>
             </a:r>
             <a:endParaRPr lang="ko-KR" altLang="en-US" sz="1400" b="1" dirty="0"/>
@@ -9024,7 +9095,7 @@
           <a:lstStyle/>
           <a:p>
             <a:r>
-              <a:rPr lang="en-US" altLang="ko-KR" sz="1400" b="1" dirty="0" smtClean="0">
+              <a:rPr lang="en-US" altLang="ko-KR" sz="1400" b="1" dirty="0">
                 <a:latin typeface="Times New Roman" panose="02020603050405020304" pitchFamily="18" charset="0"/>
                 <a:cs typeface="Times New Roman" panose="02020603050405020304" pitchFamily="18" charset="0"/>
               </a:rPr>
@@ -9081,7 +9152,7 @@
         </p:nvSpPr>
         <p:spPr>
           <a:xfrm>
-            <a:off x="485421" y="262305"/>
+            <a:off x="195810" y="107834"/>
             <a:ext cx="9358489" cy="369332"/>
           </a:xfrm>
           <a:prstGeom prst="rect">
@@ -9096,12 +9167,8 @@
           <a:lstStyle/>
           <a:p>
             <a:r>
-              <a:rPr kumimoji="1" lang="en-US" altLang="ko-KR" dirty="0" smtClean="0"/>
-              <a:t>Q2) </a:t>
-            </a:r>
-            <a:r>
               <a:rPr kumimoji="1" lang="en-US" altLang="ko-KR" dirty="0"/>
-              <a:t>System Call</a:t>
+              <a:t>Q2) System Call</a:t>
             </a:r>
             <a:r>
               <a:rPr kumimoji="1" lang="ko-KR" altLang="en-US" dirty="0"/>
@@ -9127,12 +9194,570 @@
           </a:p>
         </p:txBody>
       </p:sp>
+      <p:grpSp>
+        <p:nvGrpSpPr>
+          <p:cNvPr id="37" name="그룹 36">
+            <a:extLst>
+              <a:ext uri="{FF2B5EF4-FFF2-40B4-BE49-F238E27FC236}">
+                <a16:creationId xmlns:a16="http://schemas.microsoft.com/office/drawing/2014/main" id="{39B8255E-2468-DD9B-6F16-4053CC629DE1}"/>
+              </a:ext>
+            </a:extLst>
+          </p:cNvPr>
+          <p:cNvGrpSpPr/>
+          <p:nvPr/>
+        </p:nvGrpSpPr>
+        <p:grpSpPr>
+          <a:xfrm>
+            <a:off x="3827554" y="1092498"/>
+            <a:ext cx="5793348" cy="1982410"/>
+            <a:chOff x="3052293" y="2372255"/>
+            <a:chExt cx="5793348" cy="1982410"/>
+          </a:xfrm>
+        </p:grpSpPr>
+        <p:sp>
+          <p:nvSpPr>
+            <p:cNvPr id="2" name="타원 1">
+              <a:extLst>
+                <a:ext uri="{FF2B5EF4-FFF2-40B4-BE49-F238E27FC236}">
+                  <a16:creationId xmlns:a16="http://schemas.microsoft.com/office/drawing/2014/main" id="{2EC53B8A-8F14-5E46-5576-8C58C02D5618}"/>
+                </a:ext>
+              </a:extLst>
+            </p:cNvPr>
+            <p:cNvSpPr/>
+            <p:nvPr/>
+          </p:nvSpPr>
+          <p:spPr>
+            <a:xfrm>
+              <a:off x="3052293" y="2378605"/>
+              <a:ext cx="2240924" cy="750194"/>
+            </a:xfrm>
+            <a:prstGeom prst="ellipse">
+              <a:avLst/>
+            </a:prstGeom>
+          </p:spPr>
+          <p:style>
+            <a:lnRef idx="2">
+              <a:schemeClr val="accent1">
+                <a:shade val="50000"/>
+              </a:schemeClr>
+            </a:lnRef>
+            <a:fillRef idx="1">
+              <a:schemeClr val="accent1"/>
+            </a:fillRef>
+            <a:effectRef idx="0">
+              <a:schemeClr val="accent1"/>
+            </a:effectRef>
+            <a:fontRef idx="minor">
+              <a:schemeClr val="lt1"/>
+            </a:fontRef>
+          </p:style>
+          <p:txBody>
+            <a:bodyPr rtlCol="0" anchor="ctr"/>
+            <a:lstStyle/>
+            <a:p>
+              <a:pPr algn="ctr"/>
+              <a:r>
+                <a:rPr kumimoji="1" lang="en-US" altLang="ko-KR" dirty="0"/>
+                <a:t>Ready</a:t>
+              </a:r>
+              <a:endParaRPr kumimoji="1" lang="ko-KR" altLang="en-US" dirty="0"/>
+            </a:p>
+          </p:txBody>
+        </p:sp>
+        <p:sp>
+          <p:nvSpPr>
+            <p:cNvPr id="3" name="타원 2">
+              <a:extLst>
+                <a:ext uri="{FF2B5EF4-FFF2-40B4-BE49-F238E27FC236}">
+                  <a16:creationId xmlns:a16="http://schemas.microsoft.com/office/drawing/2014/main" id="{5A3E28C3-3344-2DBA-7B6F-2E8CB5C58779}"/>
+                </a:ext>
+              </a:extLst>
+            </p:cNvPr>
+            <p:cNvSpPr/>
+            <p:nvPr/>
+          </p:nvSpPr>
+          <p:spPr>
+            <a:xfrm>
+              <a:off x="6604716" y="2378605"/>
+              <a:ext cx="2240925" cy="750194"/>
+            </a:xfrm>
+            <a:prstGeom prst="ellipse">
+              <a:avLst/>
+            </a:prstGeom>
+          </p:spPr>
+          <p:style>
+            <a:lnRef idx="2">
+              <a:schemeClr val="accent1">
+                <a:shade val="50000"/>
+              </a:schemeClr>
+            </a:lnRef>
+            <a:fillRef idx="1">
+              <a:schemeClr val="accent1"/>
+            </a:fillRef>
+            <a:effectRef idx="0">
+              <a:schemeClr val="accent1"/>
+            </a:effectRef>
+            <a:fontRef idx="minor">
+              <a:schemeClr val="lt1"/>
+            </a:fontRef>
+          </p:style>
+          <p:txBody>
+            <a:bodyPr rtlCol="0" anchor="ctr"/>
+            <a:lstStyle/>
+            <a:p>
+              <a:pPr algn="ctr"/>
+              <a:r>
+                <a:rPr kumimoji="1" lang="en-US" altLang="ko-KR" dirty="0"/>
+                <a:t>Running</a:t>
+              </a:r>
+              <a:endParaRPr kumimoji="1" lang="ko-KR" altLang="en-US" dirty="0"/>
+            </a:p>
+          </p:txBody>
+        </p:sp>
+        <p:sp>
+          <p:nvSpPr>
+            <p:cNvPr id="8" name="타원 7">
+              <a:extLst>
+                <a:ext uri="{FF2B5EF4-FFF2-40B4-BE49-F238E27FC236}">
+                  <a16:creationId xmlns:a16="http://schemas.microsoft.com/office/drawing/2014/main" id="{0A29D879-65D6-C2E8-02CF-9FC868A66E7D}"/>
+                </a:ext>
+              </a:extLst>
+            </p:cNvPr>
+            <p:cNvSpPr/>
+            <p:nvPr/>
+          </p:nvSpPr>
+          <p:spPr>
+            <a:xfrm>
+              <a:off x="4875877" y="3604471"/>
+              <a:ext cx="2158879" cy="750194"/>
+            </a:xfrm>
+            <a:prstGeom prst="ellipse">
+              <a:avLst/>
+            </a:prstGeom>
+          </p:spPr>
+          <p:style>
+            <a:lnRef idx="2">
+              <a:schemeClr val="accent1">
+                <a:shade val="50000"/>
+              </a:schemeClr>
+            </a:lnRef>
+            <a:fillRef idx="1">
+              <a:schemeClr val="accent1"/>
+            </a:fillRef>
+            <a:effectRef idx="0">
+              <a:schemeClr val="accent1"/>
+            </a:effectRef>
+            <a:fontRef idx="minor">
+              <a:schemeClr val="lt1"/>
+            </a:fontRef>
+          </p:style>
+          <p:txBody>
+            <a:bodyPr rtlCol="0" anchor="ctr"/>
+            <a:lstStyle/>
+            <a:p>
+              <a:pPr algn="ctr"/>
+              <a:r>
+                <a:rPr kumimoji="1" lang="en-US" altLang="ko-KR" dirty="0"/>
+                <a:t>Waiting</a:t>
+              </a:r>
+              <a:endParaRPr kumimoji="1" lang="ko-KR" altLang="en-US" dirty="0"/>
+            </a:p>
+          </p:txBody>
+        </p:sp>
+        <p:cxnSp>
+          <p:nvCxnSpPr>
+            <p:cNvPr id="10" name="구부러진 연결선[U] 9">
+              <a:extLst>
+                <a:ext uri="{FF2B5EF4-FFF2-40B4-BE49-F238E27FC236}">
+                  <a16:creationId xmlns:a16="http://schemas.microsoft.com/office/drawing/2014/main" id="{93E3D195-4B65-891D-0244-1C9F3AD4926E}"/>
+                </a:ext>
+              </a:extLst>
+            </p:cNvPr>
+            <p:cNvCxnSpPr>
+              <a:cxnSpLocks/>
+              <a:stCxn id="2" idx="0"/>
+              <a:endCxn id="3" idx="0"/>
+            </p:cNvCxnSpPr>
+            <p:nvPr/>
+          </p:nvCxnSpPr>
+          <p:spPr>
+            <a:xfrm rot="5400000" flipH="1" flipV="1">
+              <a:off x="5948967" y="602393"/>
+              <a:ext cx="12700" cy="3552424"/>
+            </a:xfrm>
+            <a:prstGeom prst="curvedConnector3">
+              <a:avLst>
+                <a:gd name="adj1" fmla="val 2509858"/>
+              </a:avLst>
+            </a:prstGeom>
+            <a:ln w="12700">
+              <a:tailEnd type="triangle"/>
+            </a:ln>
+          </p:spPr>
+          <p:style>
+            <a:lnRef idx="1">
+              <a:schemeClr val="dk1"/>
+            </a:lnRef>
+            <a:fillRef idx="0">
+              <a:schemeClr val="dk1"/>
+            </a:fillRef>
+            <a:effectRef idx="0">
+              <a:schemeClr val="dk1"/>
+            </a:effectRef>
+            <a:fontRef idx="minor">
+              <a:schemeClr val="tx1"/>
+            </a:fontRef>
+          </p:style>
+        </p:cxnSp>
+        <p:cxnSp>
+          <p:nvCxnSpPr>
+            <p:cNvPr id="12" name="구부러진 연결선[U] 11">
+              <a:extLst>
+                <a:ext uri="{FF2B5EF4-FFF2-40B4-BE49-F238E27FC236}">
+                  <a16:creationId xmlns:a16="http://schemas.microsoft.com/office/drawing/2014/main" id="{730D2E8B-8B3E-BFFF-36CF-6C2858FD5F57}"/>
+                </a:ext>
+              </a:extLst>
+            </p:cNvPr>
+            <p:cNvCxnSpPr>
+              <a:cxnSpLocks/>
+              <a:stCxn id="3" idx="4"/>
+              <a:endCxn id="2" idx="4"/>
+            </p:cNvCxnSpPr>
+            <p:nvPr/>
+          </p:nvCxnSpPr>
+          <p:spPr>
+            <a:xfrm rot="5400000">
+              <a:off x="5948967" y="1352587"/>
+              <a:ext cx="12700" cy="3552424"/>
+            </a:xfrm>
+            <a:prstGeom prst="curvedConnector3">
+              <a:avLst>
+                <a:gd name="adj1" fmla="val 1901409"/>
+              </a:avLst>
+            </a:prstGeom>
+            <a:ln w="12700">
+              <a:tailEnd type="triangle"/>
+            </a:ln>
+          </p:spPr>
+          <p:style>
+            <a:lnRef idx="1">
+              <a:schemeClr val="dk1"/>
+            </a:lnRef>
+            <a:fillRef idx="0">
+              <a:schemeClr val="dk1"/>
+            </a:fillRef>
+            <a:effectRef idx="0">
+              <a:schemeClr val="dk1"/>
+            </a:effectRef>
+            <a:fontRef idx="minor">
+              <a:schemeClr val="tx1"/>
+            </a:fontRef>
+          </p:style>
+        </p:cxnSp>
+        <p:cxnSp>
+          <p:nvCxnSpPr>
+            <p:cNvPr id="25" name="구부러진 연결선[U] 24">
+              <a:extLst>
+                <a:ext uri="{FF2B5EF4-FFF2-40B4-BE49-F238E27FC236}">
+                  <a16:creationId xmlns:a16="http://schemas.microsoft.com/office/drawing/2014/main" id="{A7590509-A077-DA3C-63C4-E37AD5B1A1D7}"/>
+                </a:ext>
+              </a:extLst>
+            </p:cNvPr>
+            <p:cNvCxnSpPr>
+              <a:cxnSpLocks/>
+              <a:stCxn id="3" idx="4"/>
+              <a:endCxn id="8" idx="6"/>
+            </p:cNvCxnSpPr>
+            <p:nvPr/>
+          </p:nvCxnSpPr>
+          <p:spPr>
+            <a:xfrm rot="5400000">
+              <a:off x="6954584" y="3208972"/>
+              <a:ext cx="850769" cy="690423"/>
+            </a:xfrm>
+            <a:prstGeom prst="curvedConnector2">
+              <a:avLst/>
+            </a:prstGeom>
+            <a:ln w="12700">
+              <a:tailEnd type="triangle"/>
+            </a:ln>
+          </p:spPr>
+          <p:style>
+            <a:lnRef idx="1">
+              <a:schemeClr val="dk1"/>
+            </a:lnRef>
+            <a:fillRef idx="0">
+              <a:schemeClr val="dk1"/>
+            </a:fillRef>
+            <a:effectRef idx="0">
+              <a:schemeClr val="dk1"/>
+            </a:effectRef>
+            <a:fontRef idx="minor">
+              <a:schemeClr val="tx1"/>
+            </a:fontRef>
+          </p:style>
+        </p:cxnSp>
+        <p:cxnSp>
+          <p:nvCxnSpPr>
+            <p:cNvPr id="29" name="구부러진 연결선[U] 28">
+              <a:extLst>
+                <a:ext uri="{FF2B5EF4-FFF2-40B4-BE49-F238E27FC236}">
+                  <a16:creationId xmlns:a16="http://schemas.microsoft.com/office/drawing/2014/main" id="{D5B3E195-1C2A-8428-4E73-8E5C505C6D29}"/>
+                </a:ext>
+              </a:extLst>
+            </p:cNvPr>
+            <p:cNvCxnSpPr>
+              <a:cxnSpLocks/>
+              <a:stCxn id="8" idx="2"/>
+              <a:endCxn id="2" idx="4"/>
+            </p:cNvCxnSpPr>
+            <p:nvPr/>
+          </p:nvCxnSpPr>
+          <p:spPr>
+            <a:xfrm rot="10800000">
+              <a:off x="4172755" y="3128800"/>
+              <a:ext cx="703122" cy="850769"/>
+            </a:xfrm>
+            <a:prstGeom prst="curvedConnector2">
+              <a:avLst/>
+            </a:prstGeom>
+            <a:ln w="12700">
+              <a:tailEnd type="triangle"/>
+            </a:ln>
+          </p:spPr>
+          <p:style>
+            <a:lnRef idx="1">
+              <a:schemeClr val="dk1"/>
+            </a:lnRef>
+            <a:fillRef idx="0">
+              <a:schemeClr val="dk1"/>
+            </a:fillRef>
+            <a:effectRef idx="0">
+              <a:schemeClr val="dk1"/>
+            </a:effectRef>
+            <a:fontRef idx="minor">
+              <a:schemeClr val="tx1"/>
+            </a:fontRef>
+          </p:style>
+        </p:cxnSp>
+      </p:grpSp>
+      <p:grpSp>
+        <p:nvGrpSpPr>
+          <p:cNvPr id="40" name="그룹 39">
+            <a:extLst>
+              <a:ext uri="{FF2B5EF4-FFF2-40B4-BE49-F238E27FC236}">
+                <a16:creationId xmlns:a16="http://schemas.microsoft.com/office/drawing/2014/main" id="{45FDE363-AE1A-E056-8B22-7AB0D97D8251}"/>
+              </a:ext>
+            </a:extLst>
+          </p:cNvPr>
+          <p:cNvGrpSpPr/>
+          <p:nvPr/>
+        </p:nvGrpSpPr>
+        <p:grpSpPr>
+          <a:xfrm>
+            <a:off x="1720486" y="1490993"/>
+            <a:ext cx="1572146" cy="795940"/>
+            <a:chOff x="1235448" y="2860509"/>
+            <a:chExt cx="1572146" cy="795940"/>
+          </a:xfrm>
+        </p:grpSpPr>
+        <p:sp>
+          <p:nvSpPr>
+            <p:cNvPr id="38" name="TextBox 37">
+              <a:extLst>
+                <a:ext uri="{FF2B5EF4-FFF2-40B4-BE49-F238E27FC236}">
+                  <a16:creationId xmlns:a16="http://schemas.microsoft.com/office/drawing/2014/main" id="{12E2E745-49C7-AEAA-7811-D1991F32B2F3}"/>
+                </a:ext>
+              </a:extLst>
+            </p:cNvPr>
+            <p:cNvSpPr txBox="1"/>
+            <p:nvPr/>
+          </p:nvSpPr>
+          <p:spPr>
+            <a:xfrm>
+              <a:off x="1235449" y="2860509"/>
+              <a:ext cx="1572145" cy="369332"/>
+            </a:xfrm>
+            <a:prstGeom prst="rect">
+              <a:avLst/>
+            </a:prstGeom>
+            <a:noFill/>
+          </p:spPr>
+          <p:txBody>
+            <a:bodyPr wrap="square" rtlCol="0">
+              <a:spAutoFit/>
+            </a:bodyPr>
+            <a:lstStyle/>
+            <a:p>
+              <a:pPr algn="ctr"/>
+              <a:r>
+                <a:rPr kumimoji="1" lang="en-US" altLang="ko-KR" b="1" dirty="0"/>
+                <a:t>thread1 : t1</a:t>
+              </a:r>
+              <a:endParaRPr kumimoji="1" lang="ko-KR" altLang="en-US" b="1" dirty="0"/>
+            </a:p>
+          </p:txBody>
+        </p:sp>
+        <p:sp>
+          <p:nvSpPr>
+            <p:cNvPr id="39" name="TextBox 38">
+              <a:extLst>
+                <a:ext uri="{FF2B5EF4-FFF2-40B4-BE49-F238E27FC236}">
+                  <a16:creationId xmlns:a16="http://schemas.microsoft.com/office/drawing/2014/main" id="{41BB32FF-CB33-D47E-DD14-06A50F9B557C}"/>
+                </a:ext>
+              </a:extLst>
+            </p:cNvPr>
+            <p:cNvSpPr txBox="1"/>
+            <p:nvPr/>
+          </p:nvSpPr>
+          <p:spPr>
+            <a:xfrm>
+              <a:off x="1235448" y="3287117"/>
+              <a:ext cx="1572145" cy="369332"/>
+            </a:xfrm>
+            <a:prstGeom prst="rect">
+              <a:avLst/>
+            </a:prstGeom>
+            <a:noFill/>
+          </p:spPr>
+          <p:txBody>
+            <a:bodyPr wrap="square" rtlCol="0">
+              <a:spAutoFit/>
+            </a:bodyPr>
+            <a:lstStyle/>
+            <a:p>
+              <a:pPr algn="ctr"/>
+              <a:r>
+                <a:rPr kumimoji="1" lang="en-US" altLang="ko-KR" b="1" dirty="0"/>
+                <a:t>thread2 : t2</a:t>
+              </a:r>
+              <a:endParaRPr kumimoji="1" lang="ko-KR" altLang="en-US" b="1" dirty="0"/>
+            </a:p>
+          </p:txBody>
+        </p:sp>
+      </p:grpSp>
+      <p:cxnSp>
+        <p:nvCxnSpPr>
+          <p:cNvPr id="42" name="직선 화살표 연결선 41">
+            <a:extLst>
+              <a:ext uri="{FF2B5EF4-FFF2-40B4-BE49-F238E27FC236}">
+                <a16:creationId xmlns:a16="http://schemas.microsoft.com/office/drawing/2014/main" id="{20C04BEC-6199-754E-F5E9-FF032030C4B8}"/>
+              </a:ext>
+            </a:extLst>
+          </p:cNvPr>
+          <p:cNvCxnSpPr>
+            <a:cxnSpLocks/>
+          </p:cNvCxnSpPr>
+          <p:nvPr/>
+        </p:nvCxnSpPr>
+        <p:spPr>
+          <a:xfrm>
+            <a:off x="1556190" y="4222121"/>
+            <a:ext cx="710485" cy="890787"/>
+          </a:xfrm>
+          <a:prstGeom prst="straightConnector1">
+            <a:avLst/>
+          </a:prstGeom>
+          <a:ln>
+            <a:tailEnd type="triangle"/>
+          </a:ln>
+        </p:spPr>
+        <p:style>
+          <a:lnRef idx="1">
+            <a:schemeClr val="dk1"/>
+          </a:lnRef>
+          <a:fillRef idx="0">
+            <a:schemeClr val="dk1"/>
+          </a:fillRef>
+          <a:effectRef idx="0">
+            <a:schemeClr val="dk1"/>
+          </a:effectRef>
+          <a:fontRef idx="minor">
+            <a:schemeClr val="tx1"/>
+          </a:fontRef>
+        </p:style>
+      </p:cxnSp>
+      <p:cxnSp>
+        <p:nvCxnSpPr>
+          <p:cNvPr id="43" name="직선 화살표 연결선 42">
+            <a:extLst>
+              <a:ext uri="{FF2B5EF4-FFF2-40B4-BE49-F238E27FC236}">
+                <a16:creationId xmlns:a16="http://schemas.microsoft.com/office/drawing/2014/main" id="{C5655D08-A2E8-764B-8B44-1F6F2642E2D4}"/>
+              </a:ext>
+            </a:extLst>
+          </p:cNvPr>
+          <p:cNvCxnSpPr/>
+          <p:nvPr/>
+        </p:nvCxnSpPr>
+        <p:spPr>
+          <a:xfrm>
+            <a:off x="409974" y="4222121"/>
+            <a:ext cx="1152000" cy="0"/>
+          </a:xfrm>
+          <a:prstGeom prst="straightConnector1">
+            <a:avLst/>
+          </a:prstGeom>
+          <a:ln>
+            <a:tailEnd type="triangle"/>
+          </a:ln>
+        </p:spPr>
+        <p:style>
+          <a:lnRef idx="1">
+            <a:schemeClr val="accent1"/>
+          </a:lnRef>
+          <a:fillRef idx="0">
+            <a:schemeClr val="accent1"/>
+          </a:fillRef>
+          <a:effectRef idx="0">
+            <a:schemeClr val="accent1"/>
+          </a:effectRef>
+          <a:fontRef idx="minor">
+            <a:schemeClr val="tx1"/>
+          </a:fontRef>
+        </p:style>
+      </p:cxnSp>
+      <p:cxnSp>
+        <p:nvCxnSpPr>
+          <p:cNvPr id="44" name="직선 연결선 57">
+            <a:extLst>
+              <a:ext uri="{FF2B5EF4-FFF2-40B4-BE49-F238E27FC236}">
+                <a16:creationId xmlns:a16="http://schemas.microsoft.com/office/drawing/2014/main" id="{6EFA3496-45BD-01CE-BC9D-2D0F9F606740}"/>
+              </a:ext>
+            </a:extLst>
+          </p:cNvPr>
+          <p:cNvCxnSpPr/>
+          <p:nvPr/>
+        </p:nvCxnSpPr>
+        <p:spPr>
+          <a:xfrm>
+            <a:off x="112642" y="4672168"/>
+            <a:ext cx="11486466" cy="8792"/>
+          </a:xfrm>
+          <a:prstGeom prst="line">
+            <a:avLst/>
+          </a:prstGeom>
+        </p:spPr>
+        <p:style>
+          <a:lnRef idx="1">
+            <a:schemeClr val="dk1"/>
+          </a:lnRef>
+          <a:fillRef idx="0">
+            <a:schemeClr val="dk1"/>
+          </a:fillRef>
+          <a:effectRef idx="0">
+            <a:schemeClr val="dk1"/>
+          </a:effectRef>
+          <a:fontRef idx="minor">
+            <a:schemeClr val="tx1"/>
+          </a:fontRef>
+        </p:style>
+      </p:cxnSp>
       <p:sp>
         <p:nvSpPr>
-          <p:cNvPr id="5" name="TextBox 4">
+          <p:cNvPr id="45" name="TextBox 44">
             <a:extLst>
               <a:ext uri="{FF2B5EF4-FFF2-40B4-BE49-F238E27FC236}">
-                <a16:creationId xmlns:a16="http://schemas.microsoft.com/office/drawing/2014/main" id="{67509D4B-5268-C2B9-6003-6A001E9B31CA}"/>
+                <a16:creationId xmlns:a16="http://schemas.microsoft.com/office/drawing/2014/main" id="{5B87540E-611F-CE1A-7277-4DE9EE0DDD62}"/>
               </a:ext>
             </a:extLst>
           </p:cNvPr>
@@ -9141,7 +9766,1595 @@
         </p:nvSpPr>
         <p:spPr>
           <a:xfrm>
-            <a:off x="711201" y="1032506"/>
+            <a:off x="112640" y="3169376"/>
+            <a:ext cx="974507" cy="307777"/>
+          </a:xfrm>
+          <a:prstGeom prst="rect">
+            <a:avLst/>
+          </a:prstGeom>
+          <a:noFill/>
+        </p:spPr>
+        <p:txBody>
+          <a:bodyPr wrap="square" rtlCol="0">
+            <a:spAutoFit/>
+          </a:bodyPr>
+          <a:lstStyle/>
+          <a:p>
+            <a:pPr algn="ctr"/>
+            <a:r>
+              <a:rPr lang="en-US" altLang="ko-KR" sz="1400" dirty="0">
+                <a:latin typeface="Times New Roman" panose="02020603050405020304" pitchFamily="18" charset="0"/>
+                <a:cs typeface="Times New Roman" panose="02020603050405020304" pitchFamily="18" charset="0"/>
+              </a:rPr>
+              <a:t>user mode</a:t>
+            </a:r>
+            <a:endParaRPr lang="ko-KR" altLang="en-US" sz="1400" dirty="0">
+              <a:latin typeface="Times New Roman" panose="02020603050405020304" pitchFamily="18" charset="0"/>
+              <a:cs typeface="Times New Roman" panose="02020603050405020304" pitchFamily="18" charset="0"/>
+            </a:endParaRPr>
+          </a:p>
+        </p:txBody>
+      </p:sp>
+      <p:sp>
+        <p:nvSpPr>
+          <p:cNvPr id="46" name="TextBox 45">
+            <a:extLst>
+              <a:ext uri="{FF2B5EF4-FFF2-40B4-BE49-F238E27FC236}">
+                <a16:creationId xmlns:a16="http://schemas.microsoft.com/office/drawing/2014/main" id="{882EC720-B60D-F55A-9174-23C59716BF37}"/>
+              </a:ext>
+            </a:extLst>
+          </p:cNvPr>
+          <p:cNvSpPr txBox="1"/>
+          <p:nvPr/>
+        </p:nvSpPr>
+        <p:spPr>
+          <a:xfrm>
+            <a:off x="42922" y="4781597"/>
+            <a:ext cx="1193448" cy="317134"/>
+          </a:xfrm>
+          <a:prstGeom prst="rect">
+            <a:avLst/>
+          </a:prstGeom>
+          <a:noFill/>
+        </p:spPr>
+        <p:txBody>
+          <a:bodyPr wrap="square" rtlCol="0">
+            <a:spAutoFit/>
+          </a:bodyPr>
+          <a:lstStyle/>
+          <a:p>
+            <a:pPr algn="ctr"/>
+            <a:r>
+              <a:rPr lang="en-US" altLang="ko-KR" sz="1400" dirty="0">
+                <a:latin typeface="Times New Roman" panose="02020603050405020304" pitchFamily="18" charset="0"/>
+                <a:cs typeface="Times New Roman" panose="02020603050405020304" pitchFamily="18" charset="0"/>
+              </a:rPr>
+              <a:t>kernel mode</a:t>
+            </a:r>
+            <a:endParaRPr lang="ko-KR" altLang="en-US" sz="1400" dirty="0">
+              <a:latin typeface="Times New Roman" panose="02020603050405020304" pitchFamily="18" charset="0"/>
+              <a:cs typeface="Times New Roman" panose="02020603050405020304" pitchFamily="18" charset="0"/>
+            </a:endParaRPr>
+          </a:p>
+        </p:txBody>
+      </p:sp>
+      <p:cxnSp>
+        <p:nvCxnSpPr>
+          <p:cNvPr id="50" name="직선 화살표 연결선 49">
+            <a:extLst>
+              <a:ext uri="{FF2B5EF4-FFF2-40B4-BE49-F238E27FC236}">
+                <a16:creationId xmlns:a16="http://schemas.microsoft.com/office/drawing/2014/main" id="{D36F4819-0FD0-DE96-0C24-615465E75685}"/>
+              </a:ext>
+            </a:extLst>
+          </p:cNvPr>
+          <p:cNvCxnSpPr>
+            <a:cxnSpLocks/>
+          </p:cNvCxnSpPr>
+          <p:nvPr/>
+        </p:nvCxnSpPr>
+        <p:spPr>
+          <a:xfrm>
+            <a:off x="2266675" y="5112908"/>
+            <a:ext cx="1548000" cy="0"/>
+          </a:xfrm>
+          <a:prstGeom prst="straightConnector1">
+            <a:avLst/>
+          </a:prstGeom>
+          <a:ln>
+            <a:solidFill>
+              <a:srgbClr val="C00000"/>
+            </a:solidFill>
+            <a:tailEnd type="triangle"/>
+          </a:ln>
+        </p:spPr>
+        <p:style>
+          <a:lnRef idx="1">
+            <a:schemeClr val="dk1"/>
+          </a:lnRef>
+          <a:fillRef idx="0">
+            <a:schemeClr val="dk1"/>
+          </a:fillRef>
+          <a:effectRef idx="0">
+            <a:schemeClr val="dk1"/>
+          </a:effectRef>
+          <a:fontRef idx="minor">
+            <a:schemeClr val="tx1"/>
+          </a:fontRef>
+        </p:style>
+      </p:cxnSp>
+      <p:cxnSp>
+        <p:nvCxnSpPr>
+          <p:cNvPr id="53" name="직선 화살표 연결선 52">
+            <a:extLst>
+              <a:ext uri="{FF2B5EF4-FFF2-40B4-BE49-F238E27FC236}">
+                <a16:creationId xmlns:a16="http://schemas.microsoft.com/office/drawing/2014/main" id="{90A425D6-2DD9-A2A4-8043-4FC1CC28D867}"/>
+              </a:ext>
+            </a:extLst>
+          </p:cNvPr>
+          <p:cNvCxnSpPr>
+            <a:cxnSpLocks/>
+          </p:cNvCxnSpPr>
+          <p:nvPr/>
+        </p:nvCxnSpPr>
+        <p:spPr>
+          <a:xfrm flipV="1">
+            <a:off x="3808296" y="4222121"/>
+            <a:ext cx="531880" cy="914271"/>
+          </a:xfrm>
+          <a:prstGeom prst="straightConnector1">
+            <a:avLst/>
+          </a:prstGeom>
+          <a:ln>
+            <a:tailEnd type="triangle"/>
+          </a:ln>
+        </p:spPr>
+        <p:style>
+          <a:lnRef idx="1">
+            <a:schemeClr val="dk1"/>
+          </a:lnRef>
+          <a:fillRef idx="0">
+            <a:schemeClr val="dk1"/>
+          </a:fillRef>
+          <a:effectRef idx="0">
+            <a:schemeClr val="dk1"/>
+          </a:effectRef>
+          <a:fontRef idx="minor">
+            <a:schemeClr val="tx1"/>
+          </a:fontRef>
+        </p:style>
+      </p:cxnSp>
+      <p:cxnSp>
+        <p:nvCxnSpPr>
+          <p:cNvPr id="58" name="직선 화살표 연결선 57">
+            <a:extLst>
+              <a:ext uri="{FF2B5EF4-FFF2-40B4-BE49-F238E27FC236}">
+                <a16:creationId xmlns:a16="http://schemas.microsoft.com/office/drawing/2014/main" id="{B7608BCE-93A9-CC4C-2CEA-856FEEAA196B}"/>
+              </a:ext>
+            </a:extLst>
+          </p:cNvPr>
+          <p:cNvCxnSpPr>
+            <a:cxnSpLocks/>
+          </p:cNvCxnSpPr>
+          <p:nvPr/>
+        </p:nvCxnSpPr>
+        <p:spPr>
+          <a:xfrm>
+            <a:off x="4340176" y="4235000"/>
+            <a:ext cx="1044000" cy="0"/>
+          </a:xfrm>
+          <a:prstGeom prst="straightConnector1">
+            <a:avLst/>
+          </a:prstGeom>
+          <a:ln>
+            <a:tailEnd type="triangle"/>
+          </a:ln>
+        </p:spPr>
+        <p:style>
+          <a:lnRef idx="1">
+            <a:schemeClr val="accent1"/>
+          </a:lnRef>
+          <a:fillRef idx="0">
+            <a:schemeClr val="accent1"/>
+          </a:fillRef>
+          <a:effectRef idx="0">
+            <a:schemeClr val="accent1"/>
+          </a:effectRef>
+          <a:fontRef idx="minor">
+            <a:schemeClr val="tx1"/>
+          </a:fontRef>
+        </p:style>
+      </p:cxnSp>
+      <p:cxnSp>
+        <p:nvCxnSpPr>
+          <p:cNvPr id="60" name="직선 화살표 연결선 59">
+            <a:extLst>
+              <a:ext uri="{FF2B5EF4-FFF2-40B4-BE49-F238E27FC236}">
+                <a16:creationId xmlns:a16="http://schemas.microsoft.com/office/drawing/2014/main" id="{19891893-E8ED-5CBE-7EA1-B737501EE7D4}"/>
+              </a:ext>
+            </a:extLst>
+          </p:cNvPr>
+          <p:cNvCxnSpPr>
+            <a:cxnSpLocks/>
+          </p:cNvCxnSpPr>
+          <p:nvPr/>
+        </p:nvCxnSpPr>
+        <p:spPr>
+          <a:xfrm>
+            <a:off x="5392228" y="4245605"/>
+            <a:ext cx="671848" cy="890787"/>
+          </a:xfrm>
+          <a:prstGeom prst="straightConnector1">
+            <a:avLst/>
+          </a:prstGeom>
+          <a:ln>
+            <a:tailEnd type="triangle"/>
+          </a:ln>
+        </p:spPr>
+        <p:style>
+          <a:lnRef idx="1">
+            <a:schemeClr val="dk1"/>
+          </a:lnRef>
+          <a:fillRef idx="0">
+            <a:schemeClr val="dk1"/>
+          </a:fillRef>
+          <a:effectRef idx="0">
+            <a:schemeClr val="dk1"/>
+          </a:effectRef>
+          <a:fontRef idx="minor">
+            <a:schemeClr val="tx1"/>
+          </a:fontRef>
+        </p:style>
+      </p:cxnSp>
+      <p:cxnSp>
+        <p:nvCxnSpPr>
+          <p:cNvPr id="61" name="직선 화살표 연결선 60">
+            <a:extLst>
+              <a:ext uri="{FF2B5EF4-FFF2-40B4-BE49-F238E27FC236}">
+                <a16:creationId xmlns:a16="http://schemas.microsoft.com/office/drawing/2014/main" id="{57061350-2F82-8277-FB6F-EA3BF6B4FB75}"/>
+              </a:ext>
+            </a:extLst>
+          </p:cNvPr>
+          <p:cNvCxnSpPr>
+            <a:cxnSpLocks/>
+          </p:cNvCxnSpPr>
+          <p:nvPr/>
+        </p:nvCxnSpPr>
+        <p:spPr>
+          <a:xfrm flipV="1">
+            <a:off x="6064076" y="5125787"/>
+            <a:ext cx="1827280" cy="10605"/>
+          </a:xfrm>
+          <a:prstGeom prst="straightConnector1">
+            <a:avLst/>
+          </a:prstGeom>
+          <a:ln>
+            <a:solidFill>
+              <a:srgbClr val="C00000"/>
+            </a:solidFill>
+            <a:tailEnd type="triangle"/>
+          </a:ln>
+        </p:spPr>
+        <p:style>
+          <a:lnRef idx="1">
+            <a:schemeClr val="accent1"/>
+          </a:lnRef>
+          <a:fillRef idx="0">
+            <a:schemeClr val="accent1"/>
+          </a:fillRef>
+          <a:effectRef idx="0">
+            <a:schemeClr val="accent1"/>
+          </a:effectRef>
+          <a:fontRef idx="minor">
+            <a:schemeClr val="tx1"/>
+          </a:fontRef>
+        </p:style>
+      </p:cxnSp>
+      <p:cxnSp>
+        <p:nvCxnSpPr>
+          <p:cNvPr id="62" name="직선 화살표 연결선 61">
+            <a:extLst>
+              <a:ext uri="{FF2B5EF4-FFF2-40B4-BE49-F238E27FC236}">
+                <a16:creationId xmlns:a16="http://schemas.microsoft.com/office/drawing/2014/main" id="{38F1CB3B-0C97-8AEA-3881-C6B7A7F7001B}"/>
+              </a:ext>
+            </a:extLst>
+          </p:cNvPr>
+          <p:cNvCxnSpPr>
+            <a:cxnSpLocks/>
+          </p:cNvCxnSpPr>
+          <p:nvPr/>
+        </p:nvCxnSpPr>
+        <p:spPr>
+          <a:xfrm flipV="1">
+            <a:off x="7873092" y="4235000"/>
+            <a:ext cx="535508" cy="901392"/>
+          </a:xfrm>
+          <a:prstGeom prst="straightConnector1">
+            <a:avLst/>
+          </a:prstGeom>
+          <a:ln>
+            <a:tailEnd type="triangle"/>
+          </a:ln>
+        </p:spPr>
+        <p:style>
+          <a:lnRef idx="1">
+            <a:schemeClr val="dk1"/>
+          </a:lnRef>
+          <a:fillRef idx="0">
+            <a:schemeClr val="dk1"/>
+          </a:fillRef>
+          <a:effectRef idx="0">
+            <a:schemeClr val="dk1"/>
+          </a:effectRef>
+          <a:fontRef idx="minor">
+            <a:schemeClr val="tx1"/>
+          </a:fontRef>
+        </p:style>
+      </p:cxnSp>
+      <p:sp>
+        <p:nvSpPr>
+          <p:cNvPr id="63" name="TextBox 62">
+            <a:extLst>
+              <a:ext uri="{FF2B5EF4-FFF2-40B4-BE49-F238E27FC236}">
+                <a16:creationId xmlns:a16="http://schemas.microsoft.com/office/drawing/2014/main" id="{0850950B-BCF1-963B-86A7-2A3BFA70F98B}"/>
+              </a:ext>
+            </a:extLst>
+          </p:cNvPr>
+          <p:cNvSpPr txBox="1"/>
+          <p:nvPr/>
+        </p:nvSpPr>
+        <p:spPr>
+          <a:xfrm>
+            <a:off x="394945" y="3579479"/>
+            <a:ext cx="1152000" cy="276999"/>
+          </a:xfrm>
+          <a:prstGeom prst="rect">
+            <a:avLst/>
+          </a:prstGeom>
+          <a:noFill/>
+        </p:spPr>
+        <p:txBody>
+          <a:bodyPr wrap="square" rtlCol="0">
+            <a:spAutoFit/>
+          </a:bodyPr>
+          <a:lstStyle/>
+          <a:p>
+            <a:pPr algn="ctr"/>
+            <a:r>
+              <a:rPr kumimoji="1" lang="en-US" altLang="ko-KR" sz="1200" b="1" dirty="0"/>
+              <a:t>t1 (Running)</a:t>
+            </a:r>
+            <a:endParaRPr kumimoji="1" lang="ko-KR" altLang="en-US" sz="1200" b="1" dirty="0"/>
+          </a:p>
+        </p:txBody>
+      </p:sp>
+      <p:sp>
+        <p:nvSpPr>
+          <p:cNvPr id="64" name="TextBox 63">
+            <a:extLst>
+              <a:ext uri="{FF2B5EF4-FFF2-40B4-BE49-F238E27FC236}">
+                <a16:creationId xmlns:a16="http://schemas.microsoft.com/office/drawing/2014/main" id="{BAACE605-F217-2B40-D1C5-DD1505B2F1D0}"/>
+              </a:ext>
+            </a:extLst>
+          </p:cNvPr>
+          <p:cNvSpPr txBox="1"/>
+          <p:nvPr/>
+        </p:nvSpPr>
+        <p:spPr>
+          <a:xfrm>
+            <a:off x="1166832" y="4493371"/>
+            <a:ext cx="1362950" cy="461665"/>
+          </a:xfrm>
+          <a:prstGeom prst="rect">
+            <a:avLst/>
+          </a:prstGeom>
+          <a:noFill/>
+        </p:spPr>
+        <p:txBody>
+          <a:bodyPr wrap="square" rtlCol="0">
+            <a:spAutoFit/>
+          </a:bodyPr>
+          <a:lstStyle/>
+          <a:p>
+            <a:pPr algn="ctr"/>
+            <a:r>
+              <a:rPr kumimoji="1" lang="en-US" altLang="ko-KR" sz="1200" b="1" dirty="0">
+                <a:solidFill>
+                  <a:srgbClr val="C00000"/>
+                </a:solidFill>
+              </a:rPr>
+              <a:t>Read</a:t>
+            </a:r>
+          </a:p>
+          <a:p>
+            <a:pPr algn="ctr"/>
+            <a:r>
+              <a:rPr kumimoji="1" lang="en-US" altLang="ko-KR" sz="1200" b="1" dirty="0">
+                <a:solidFill>
+                  <a:srgbClr val="C00000"/>
+                </a:solidFill>
+              </a:rPr>
+              <a:t>(System call)</a:t>
+            </a:r>
+            <a:endParaRPr kumimoji="1" lang="ko-KR" altLang="en-US" sz="1200" b="1" dirty="0">
+              <a:solidFill>
+                <a:srgbClr val="C00000"/>
+              </a:solidFill>
+            </a:endParaRPr>
+          </a:p>
+        </p:txBody>
+      </p:sp>
+      <p:sp>
+        <p:nvSpPr>
+          <p:cNvPr id="65" name="TextBox 64">
+            <a:extLst>
+              <a:ext uri="{FF2B5EF4-FFF2-40B4-BE49-F238E27FC236}">
+                <a16:creationId xmlns:a16="http://schemas.microsoft.com/office/drawing/2014/main" id="{204E8DFA-4352-CBFD-C6F4-66AC50DE0FC1}"/>
+              </a:ext>
+            </a:extLst>
+          </p:cNvPr>
+          <p:cNvSpPr txBox="1"/>
+          <p:nvPr/>
+        </p:nvSpPr>
+        <p:spPr>
+          <a:xfrm>
+            <a:off x="1324559" y="5207162"/>
+            <a:ext cx="3024727" cy="276999"/>
+          </a:xfrm>
+          <a:prstGeom prst="rect">
+            <a:avLst/>
+          </a:prstGeom>
+          <a:noFill/>
+        </p:spPr>
+        <p:txBody>
+          <a:bodyPr wrap="square" rtlCol="0">
+            <a:spAutoFit/>
+          </a:bodyPr>
+          <a:lstStyle/>
+          <a:p>
+            <a:r>
+              <a:rPr kumimoji="1" lang="en-US" altLang="ko-KR" sz="1200" b="1" dirty="0"/>
+              <a:t>1) t1 (waiting) – TCB</a:t>
+            </a:r>
+            <a:r>
+              <a:rPr kumimoji="1" lang="ko-KR" altLang="en-US" sz="1200" b="1" dirty="0"/>
+              <a:t>로 </a:t>
+            </a:r>
+            <a:r>
+              <a:rPr kumimoji="1" lang="en-US" altLang="ko-KR" sz="1200" b="1" dirty="0" err="1"/>
+              <a:t>cpu</a:t>
+            </a:r>
+            <a:r>
+              <a:rPr kumimoji="1" lang="ko-KR" altLang="en-US" sz="1200" b="1" dirty="0"/>
+              <a:t>상태 저장</a:t>
+            </a:r>
+          </a:p>
+        </p:txBody>
+      </p:sp>
+      <p:sp>
+        <p:nvSpPr>
+          <p:cNvPr id="67" name="TextBox 66">
+            <a:extLst>
+              <a:ext uri="{FF2B5EF4-FFF2-40B4-BE49-F238E27FC236}">
+                <a16:creationId xmlns:a16="http://schemas.microsoft.com/office/drawing/2014/main" id="{E0D3245A-F45F-91B3-36FC-A04E9E930BC9}"/>
+              </a:ext>
+            </a:extLst>
+          </p:cNvPr>
+          <p:cNvSpPr txBox="1"/>
+          <p:nvPr/>
+        </p:nvSpPr>
+        <p:spPr>
+          <a:xfrm>
+            <a:off x="396429" y="3859217"/>
+            <a:ext cx="1152000" cy="276999"/>
+          </a:xfrm>
+          <a:prstGeom prst="rect">
+            <a:avLst/>
+          </a:prstGeom>
+          <a:noFill/>
+        </p:spPr>
+        <p:txBody>
+          <a:bodyPr wrap="square" rtlCol="0">
+            <a:spAutoFit/>
+          </a:bodyPr>
+          <a:lstStyle/>
+          <a:p>
+            <a:pPr algn="ctr"/>
+            <a:r>
+              <a:rPr kumimoji="1" lang="en-US" altLang="ko-KR" sz="1200" b="1" dirty="0"/>
+              <a:t>t2 (Ready)</a:t>
+            </a:r>
+            <a:endParaRPr kumimoji="1" lang="ko-KR" altLang="en-US" sz="1200" b="1" dirty="0"/>
+          </a:p>
+        </p:txBody>
+      </p:sp>
+      <p:sp>
+        <p:nvSpPr>
+          <p:cNvPr id="68" name="TextBox 67">
+            <a:extLst>
+              <a:ext uri="{FF2B5EF4-FFF2-40B4-BE49-F238E27FC236}">
+                <a16:creationId xmlns:a16="http://schemas.microsoft.com/office/drawing/2014/main" id="{CAB48B9D-FF9D-AF98-EBB1-E8D578328D72}"/>
+              </a:ext>
+            </a:extLst>
+          </p:cNvPr>
+          <p:cNvSpPr txBox="1"/>
+          <p:nvPr/>
+        </p:nvSpPr>
+        <p:spPr>
+          <a:xfrm>
+            <a:off x="1324559" y="5501222"/>
+            <a:ext cx="3537617" cy="1138773"/>
+          </a:xfrm>
+          <a:prstGeom prst="rect">
+            <a:avLst/>
+          </a:prstGeom>
+          <a:noFill/>
+        </p:spPr>
+        <p:txBody>
+          <a:bodyPr wrap="square" rtlCol="0">
+            <a:spAutoFit/>
+          </a:bodyPr>
+          <a:lstStyle/>
+          <a:p>
+            <a:r>
+              <a:rPr kumimoji="1" lang="en-US" altLang="ko-KR" sz="1200" b="1" dirty="0"/>
+              <a:t>2) </a:t>
+            </a:r>
+            <a:r>
+              <a:rPr kumimoji="1" lang="ko-KR" altLang="en-US" sz="1200" b="1" dirty="0"/>
+              <a:t>파일 </a:t>
+            </a:r>
+            <a:r>
+              <a:rPr kumimoji="1" lang="en-US" altLang="ko-KR" sz="1200" b="1" dirty="0"/>
+              <a:t>I/O</a:t>
+            </a:r>
+            <a:r>
+              <a:rPr kumimoji="1" lang="ko-KR" altLang="en-US" sz="1200" b="1" dirty="0"/>
+              <a:t>작업 </a:t>
+            </a:r>
+            <a:r>
+              <a:rPr kumimoji="1" lang="en-US" altLang="ko-KR" sz="1200" b="1" dirty="0"/>
+              <a:t>(</a:t>
+            </a:r>
+            <a:r>
+              <a:rPr kumimoji="1" lang="ko-KR" altLang="en-US" sz="1200" b="1" dirty="0"/>
+              <a:t>파일을 읽을 준비</a:t>
+            </a:r>
+            <a:r>
+              <a:rPr kumimoji="1" lang="en-US" altLang="ko-KR" sz="1200" b="1" dirty="0"/>
+              <a:t>)</a:t>
+            </a:r>
+          </a:p>
+          <a:p>
+            <a:endParaRPr kumimoji="1" lang="en-US" altLang="ko-KR" sz="800" b="1" dirty="0"/>
+          </a:p>
+          <a:p>
+            <a:r>
+              <a:rPr kumimoji="1" lang="ko-KR" altLang="en-US" sz="1200" b="1" dirty="0"/>
+              <a:t>* </a:t>
+            </a:r>
+            <a:r>
+              <a:rPr kumimoji="1" lang="en-US" altLang="ko-KR" sz="1200" b="1" dirty="0">
+                <a:solidFill>
+                  <a:srgbClr val="C00000"/>
+                </a:solidFill>
+                <a:highlight>
+                  <a:srgbClr val="FFFF00"/>
+                </a:highlight>
+              </a:rPr>
+              <a:t>Read</a:t>
+            </a:r>
+            <a:r>
+              <a:rPr kumimoji="1" lang="en-US" altLang="ko-KR" sz="1200" b="1" dirty="0"/>
+              <a:t>: Blocking system call</a:t>
+            </a:r>
+            <a:r>
+              <a:rPr kumimoji="1" lang="ko-KR" altLang="en-US" sz="1200" b="1" dirty="0"/>
+              <a:t> 파일이 </a:t>
+            </a:r>
+            <a:r>
+              <a:rPr kumimoji="1" lang="ko-KR" altLang="en-US" sz="1200" b="1" dirty="0" err="1"/>
+              <a:t>준비될때까지</a:t>
+            </a:r>
+            <a:r>
+              <a:rPr kumimoji="1" lang="ko-KR" altLang="en-US" sz="1200" b="1" dirty="0"/>
+              <a:t> </a:t>
+            </a:r>
+            <a:r>
+              <a:rPr kumimoji="1" lang="en-US" altLang="ko-KR" sz="1200" b="1" dirty="0"/>
+              <a:t>t1 (</a:t>
+            </a:r>
+            <a:r>
+              <a:rPr kumimoji="1" lang="en-US" altLang="ko-KR" sz="1200" b="1" dirty="0" err="1"/>
+              <a:t>usermode</a:t>
+            </a:r>
+            <a:r>
+              <a:rPr kumimoji="1" lang="en-US" altLang="ko-KR" sz="1200" b="1" dirty="0"/>
+              <a:t>)</a:t>
+            </a:r>
+            <a:r>
+              <a:rPr kumimoji="1" lang="ko-KR" altLang="en-US" sz="1200" b="1" dirty="0"/>
+              <a:t>는 대기해야 한다</a:t>
+            </a:r>
+            <a:r>
+              <a:rPr kumimoji="1" lang="en-US" altLang="ko-KR" sz="1200" b="1" dirty="0"/>
+              <a:t>.</a:t>
+            </a:r>
+            <a:r>
+              <a:rPr kumimoji="1" lang="ko-KR" altLang="en-US" sz="1200" b="1" dirty="0"/>
+              <a:t> 장비한테 준비하라고 시킴 </a:t>
+            </a:r>
+            <a:r>
+              <a:rPr kumimoji="1" lang="en-US" altLang="ko-KR" sz="1200" b="1" dirty="0"/>
+              <a:t>( kernel thread</a:t>
+            </a:r>
+            <a:r>
+              <a:rPr kumimoji="1" lang="ko-KR" altLang="en-US" sz="1200" b="1" dirty="0"/>
+              <a:t>가</a:t>
+            </a:r>
+            <a:r>
+              <a:rPr kumimoji="1" lang="en-US" altLang="ko-KR" sz="1200" b="1" dirty="0"/>
+              <a:t>) : </a:t>
+            </a:r>
+            <a:r>
+              <a:rPr kumimoji="1" lang="ko-KR" altLang="en-US" sz="1200" b="1" dirty="0"/>
+              <a:t>그리고 </a:t>
+            </a:r>
+            <a:r>
+              <a:rPr kumimoji="1" lang="en-US" altLang="ko-KR" sz="1200" b="1" dirty="0"/>
+              <a:t>t2 running </a:t>
+            </a:r>
+            <a:r>
+              <a:rPr kumimoji="1" lang="ko-KR" altLang="en-US" sz="1200" b="1" dirty="0"/>
+              <a:t>상태로 전환 </a:t>
+            </a:r>
+            <a:r>
+              <a:rPr kumimoji="1" lang="en-US" altLang="ko-KR" sz="1200" b="1" dirty="0"/>
+              <a:t>(time sharing</a:t>
+            </a:r>
+            <a:r>
+              <a:rPr kumimoji="1" lang="ko-KR" altLang="en-US" sz="1200" b="1" dirty="0"/>
+              <a:t>에 의해</a:t>
+            </a:r>
+            <a:r>
+              <a:rPr kumimoji="1" lang="en-US" altLang="ko-KR" sz="1200" b="1" dirty="0"/>
+              <a:t>)</a:t>
+            </a:r>
+            <a:endParaRPr kumimoji="1" lang="ko-KR" altLang="en-US" sz="1200" b="1" dirty="0"/>
+          </a:p>
+        </p:txBody>
+      </p:sp>
+      <p:sp>
+        <p:nvSpPr>
+          <p:cNvPr id="73" name="TextBox 72">
+            <a:extLst>
+              <a:ext uri="{FF2B5EF4-FFF2-40B4-BE49-F238E27FC236}">
+                <a16:creationId xmlns:a16="http://schemas.microsoft.com/office/drawing/2014/main" id="{767522F6-0E21-BDEE-0E07-3BE2C65EFA2D}"/>
+              </a:ext>
+            </a:extLst>
+          </p:cNvPr>
+          <p:cNvSpPr txBox="1"/>
+          <p:nvPr/>
+        </p:nvSpPr>
+        <p:spPr>
+          <a:xfrm>
+            <a:off x="4238744" y="3592817"/>
+            <a:ext cx="1152000" cy="276999"/>
+          </a:xfrm>
+          <a:prstGeom prst="rect">
+            <a:avLst/>
+          </a:prstGeom>
+          <a:noFill/>
+        </p:spPr>
+        <p:txBody>
+          <a:bodyPr wrap="square" rtlCol="0">
+            <a:spAutoFit/>
+          </a:bodyPr>
+          <a:lstStyle/>
+          <a:p>
+            <a:pPr algn="ctr"/>
+            <a:r>
+              <a:rPr kumimoji="1" lang="en-US" altLang="ko-KR" sz="1200" b="1" dirty="0"/>
+              <a:t>t1 (Waiting)</a:t>
+            </a:r>
+            <a:endParaRPr kumimoji="1" lang="ko-KR" altLang="en-US" sz="1200" b="1" dirty="0"/>
+          </a:p>
+        </p:txBody>
+      </p:sp>
+      <p:sp>
+        <p:nvSpPr>
+          <p:cNvPr id="74" name="TextBox 73">
+            <a:extLst>
+              <a:ext uri="{FF2B5EF4-FFF2-40B4-BE49-F238E27FC236}">
+                <a16:creationId xmlns:a16="http://schemas.microsoft.com/office/drawing/2014/main" id="{2B38159A-F1C9-CD23-8C1E-203B8280B006}"/>
+              </a:ext>
+            </a:extLst>
+          </p:cNvPr>
+          <p:cNvSpPr txBox="1"/>
+          <p:nvPr/>
+        </p:nvSpPr>
+        <p:spPr>
+          <a:xfrm>
+            <a:off x="4240228" y="3872555"/>
+            <a:ext cx="1152000" cy="276999"/>
+          </a:xfrm>
+          <a:prstGeom prst="rect">
+            <a:avLst/>
+          </a:prstGeom>
+          <a:noFill/>
+        </p:spPr>
+        <p:txBody>
+          <a:bodyPr wrap="square" rtlCol="0">
+            <a:spAutoFit/>
+          </a:bodyPr>
+          <a:lstStyle/>
+          <a:p>
+            <a:pPr algn="ctr"/>
+            <a:r>
+              <a:rPr kumimoji="1" lang="en-US" altLang="ko-KR" sz="1200" b="1" dirty="0"/>
+              <a:t>t2 (Running)</a:t>
+            </a:r>
+            <a:endParaRPr kumimoji="1" lang="ko-KR" altLang="en-US" sz="1200" b="1" dirty="0"/>
+          </a:p>
+        </p:txBody>
+      </p:sp>
+      <p:cxnSp>
+        <p:nvCxnSpPr>
+          <p:cNvPr id="75" name="직선 화살표 연결선 74">
+            <a:extLst>
+              <a:ext uri="{FF2B5EF4-FFF2-40B4-BE49-F238E27FC236}">
+                <a16:creationId xmlns:a16="http://schemas.microsoft.com/office/drawing/2014/main" id="{F4E2ECB8-1747-E4FF-4FAA-EEB5D62B219B}"/>
+              </a:ext>
+            </a:extLst>
+          </p:cNvPr>
+          <p:cNvCxnSpPr>
+            <a:cxnSpLocks/>
+          </p:cNvCxnSpPr>
+          <p:nvPr/>
+        </p:nvCxnSpPr>
+        <p:spPr>
+          <a:xfrm>
+            <a:off x="8408600" y="4245605"/>
+            <a:ext cx="774035" cy="0"/>
+          </a:xfrm>
+          <a:prstGeom prst="straightConnector1">
+            <a:avLst/>
+          </a:prstGeom>
+          <a:ln>
+            <a:tailEnd type="triangle"/>
+          </a:ln>
+        </p:spPr>
+        <p:style>
+          <a:lnRef idx="1">
+            <a:schemeClr val="accent1"/>
+          </a:lnRef>
+          <a:fillRef idx="0">
+            <a:schemeClr val="accent1"/>
+          </a:fillRef>
+          <a:effectRef idx="0">
+            <a:schemeClr val="accent1"/>
+          </a:effectRef>
+          <a:fontRef idx="minor">
+            <a:schemeClr val="tx1"/>
+          </a:fontRef>
+        </p:style>
+      </p:cxnSp>
+      <p:cxnSp>
+        <p:nvCxnSpPr>
+          <p:cNvPr id="76" name="직선 화살표 연결선 75">
+            <a:extLst>
+              <a:ext uri="{FF2B5EF4-FFF2-40B4-BE49-F238E27FC236}">
+                <a16:creationId xmlns:a16="http://schemas.microsoft.com/office/drawing/2014/main" id="{AB1CAFBA-E274-B61F-F341-20DA6F4358A2}"/>
+              </a:ext>
+            </a:extLst>
+          </p:cNvPr>
+          <p:cNvCxnSpPr>
+            <a:cxnSpLocks/>
+          </p:cNvCxnSpPr>
+          <p:nvPr/>
+        </p:nvCxnSpPr>
+        <p:spPr>
+          <a:xfrm>
+            <a:off x="9182635" y="4245605"/>
+            <a:ext cx="671848" cy="890787"/>
+          </a:xfrm>
+          <a:prstGeom prst="straightConnector1">
+            <a:avLst/>
+          </a:prstGeom>
+          <a:ln>
+            <a:tailEnd type="triangle"/>
+          </a:ln>
+        </p:spPr>
+        <p:style>
+          <a:lnRef idx="1">
+            <a:schemeClr val="dk1"/>
+          </a:lnRef>
+          <a:fillRef idx="0">
+            <a:schemeClr val="dk1"/>
+          </a:fillRef>
+          <a:effectRef idx="0">
+            <a:schemeClr val="dk1"/>
+          </a:effectRef>
+          <a:fontRef idx="minor">
+            <a:schemeClr val="tx1"/>
+          </a:fontRef>
+        </p:style>
+      </p:cxnSp>
+      <p:sp>
+        <p:nvSpPr>
+          <p:cNvPr id="80" name="위쪽 화살표[U] 79">
+            <a:extLst>
+              <a:ext uri="{FF2B5EF4-FFF2-40B4-BE49-F238E27FC236}">
+                <a16:creationId xmlns:a16="http://schemas.microsoft.com/office/drawing/2014/main" id="{D7855ED2-4C34-BEBA-5CAD-BEF698C42789}"/>
+              </a:ext>
+            </a:extLst>
+          </p:cNvPr>
+          <p:cNvSpPr/>
+          <p:nvPr/>
+        </p:nvSpPr>
+        <p:spPr>
+          <a:xfrm>
+            <a:off x="5321706" y="4365262"/>
+            <a:ext cx="103600" cy="1001768"/>
+          </a:xfrm>
+          <a:prstGeom prst="upArrow">
+            <a:avLst/>
+          </a:prstGeom>
+          <a:noFill/>
+          <a:ln>
+            <a:solidFill>
+              <a:schemeClr val="tx1"/>
+            </a:solidFill>
+          </a:ln>
+        </p:spPr>
+        <p:style>
+          <a:lnRef idx="2">
+            <a:schemeClr val="accent1">
+              <a:shade val="50000"/>
+            </a:schemeClr>
+          </a:lnRef>
+          <a:fillRef idx="1">
+            <a:schemeClr val="accent1"/>
+          </a:fillRef>
+          <a:effectRef idx="0">
+            <a:schemeClr val="accent1"/>
+          </a:effectRef>
+          <a:fontRef idx="minor">
+            <a:schemeClr val="lt1"/>
+          </a:fontRef>
+        </p:style>
+        <p:txBody>
+          <a:bodyPr rtlCol="0" anchor="ctr"/>
+          <a:lstStyle/>
+          <a:p>
+            <a:pPr algn="ctr"/>
+            <a:endParaRPr kumimoji="1" lang="ko-KR" altLang="en-US"/>
+          </a:p>
+        </p:txBody>
+      </p:sp>
+      <p:sp>
+        <p:nvSpPr>
+          <p:cNvPr id="81" name="TextBox 80">
+            <a:extLst>
+              <a:ext uri="{FF2B5EF4-FFF2-40B4-BE49-F238E27FC236}">
+                <a16:creationId xmlns:a16="http://schemas.microsoft.com/office/drawing/2014/main" id="{47DA5600-1C17-9067-F7CF-EB816C5CBAE1}"/>
+              </a:ext>
+            </a:extLst>
+          </p:cNvPr>
+          <p:cNvSpPr txBox="1"/>
+          <p:nvPr/>
+        </p:nvSpPr>
+        <p:spPr>
+          <a:xfrm>
+            <a:off x="4940249" y="5424455"/>
+            <a:ext cx="871845" cy="261610"/>
+          </a:xfrm>
+          <a:prstGeom prst="rect">
+            <a:avLst/>
+          </a:prstGeom>
+          <a:noFill/>
+        </p:spPr>
+        <p:txBody>
+          <a:bodyPr wrap="square" rtlCol="0">
+            <a:spAutoFit/>
+          </a:bodyPr>
+          <a:lstStyle/>
+          <a:p>
+            <a:pPr algn="ctr"/>
+            <a:r>
+              <a:rPr kumimoji="1" lang="en-US" altLang="ko-KR" sz="1100" b="1" dirty="0"/>
+              <a:t>Interrupt</a:t>
+            </a:r>
+          </a:p>
+        </p:txBody>
+      </p:sp>
+      <p:sp>
+        <p:nvSpPr>
+          <p:cNvPr id="85" name="TextBox 84">
+            <a:extLst>
+              <a:ext uri="{FF2B5EF4-FFF2-40B4-BE49-F238E27FC236}">
+                <a16:creationId xmlns:a16="http://schemas.microsoft.com/office/drawing/2014/main" id="{407CD57C-BE4B-250E-AF21-A8345CE00652}"/>
+              </a:ext>
+            </a:extLst>
+          </p:cNvPr>
+          <p:cNvSpPr txBox="1"/>
+          <p:nvPr/>
+        </p:nvSpPr>
+        <p:spPr>
+          <a:xfrm>
+            <a:off x="4869330" y="5716779"/>
+            <a:ext cx="2177158" cy="830997"/>
+          </a:xfrm>
+          <a:prstGeom prst="rect">
+            <a:avLst/>
+          </a:prstGeom>
+          <a:noFill/>
+        </p:spPr>
+        <p:txBody>
+          <a:bodyPr wrap="square">
+            <a:spAutoFit/>
+          </a:bodyPr>
+          <a:lstStyle/>
+          <a:p>
+            <a:r>
+              <a:rPr kumimoji="1" lang="ko-KR" altLang="en-US" sz="1200" dirty="0"/>
+              <a:t>장치가 다 준비 됐다고 </a:t>
+            </a:r>
+            <a:r>
+              <a:rPr kumimoji="1" lang="en-US" altLang="ko-KR" sz="1200" dirty="0"/>
+              <a:t>CPU</a:t>
+            </a:r>
+            <a:r>
+              <a:rPr kumimoji="1" lang="ko-KR" altLang="en-US" sz="1200" dirty="0" err="1"/>
+              <a:t>한테</a:t>
+            </a:r>
+            <a:r>
+              <a:rPr kumimoji="1" lang="ko-KR" altLang="en-US" sz="1200" dirty="0"/>
+              <a:t> 알려주고 </a:t>
+            </a:r>
+            <a:r>
+              <a:rPr kumimoji="1" lang="en-US" altLang="ko-KR" sz="1200" dirty="0"/>
+              <a:t>CPU</a:t>
+            </a:r>
+            <a:r>
+              <a:rPr kumimoji="1" lang="ko-KR" altLang="en-US" sz="1200" dirty="0"/>
+              <a:t>가 </a:t>
+            </a:r>
+            <a:r>
+              <a:rPr kumimoji="1" lang="en-US" altLang="ko-KR" sz="1200" b="1" dirty="0">
+                <a:solidFill>
+                  <a:srgbClr val="C00000"/>
+                </a:solidFill>
+              </a:rPr>
+              <a:t>kernel mode thread</a:t>
+            </a:r>
+            <a:r>
+              <a:rPr kumimoji="1" lang="ko-KR" altLang="en-US" sz="1200" b="1" dirty="0" err="1">
+                <a:solidFill>
+                  <a:srgbClr val="C00000"/>
+                </a:solidFill>
+              </a:rPr>
+              <a:t>를</a:t>
+            </a:r>
+            <a:r>
+              <a:rPr kumimoji="1" lang="ko-KR" altLang="en-US" sz="1200" b="1" dirty="0">
+                <a:solidFill>
+                  <a:srgbClr val="C00000"/>
+                </a:solidFill>
+              </a:rPr>
+              <a:t> </a:t>
+            </a:r>
+            <a:r>
+              <a:rPr kumimoji="1" lang="en-US" altLang="ko-KR" sz="1200" b="1" dirty="0">
+                <a:solidFill>
+                  <a:srgbClr val="C00000"/>
+                </a:solidFill>
+              </a:rPr>
+              <a:t>running</a:t>
+            </a:r>
+            <a:r>
+              <a:rPr kumimoji="1" lang="ko-KR" altLang="en-US" sz="1200" dirty="0"/>
+              <a:t>하게 한다</a:t>
+            </a:r>
+          </a:p>
+        </p:txBody>
+      </p:sp>
+      <p:sp>
+        <p:nvSpPr>
+          <p:cNvPr id="86" name="TextBox 85">
+            <a:extLst>
+              <a:ext uri="{FF2B5EF4-FFF2-40B4-BE49-F238E27FC236}">
+                <a16:creationId xmlns:a16="http://schemas.microsoft.com/office/drawing/2014/main" id="{10AD44F0-E3E7-6256-8A9A-54224F5DFED0}"/>
+              </a:ext>
+            </a:extLst>
+          </p:cNvPr>
+          <p:cNvSpPr txBox="1"/>
+          <p:nvPr/>
+        </p:nvSpPr>
+        <p:spPr>
+          <a:xfrm>
+            <a:off x="6144669" y="4816600"/>
+            <a:ext cx="1734866" cy="646331"/>
+          </a:xfrm>
+          <a:prstGeom prst="rect">
+            <a:avLst/>
+          </a:prstGeom>
+          <a:noFill/>
+        </p:spPr>
+        <p:txBody>
+          <a:bodyPr wrap="square">
+            <a:spAutoFit/>
+          </a:bodyPr>
+          <a:lstStyle/>
+          <a:p>
+            <a:r>
+              <a:rPr kumimoji="1" lang="en-US" altLang="ko-KR" sz="1200" dirty="0"/>
+              <a:t>t2 </a:t>
+            </a:r>
+            <a:r>
+              <a:rPr kumimoji="1" lang="en-US" altLang="ko-KR" sz="1200" dirty="0" err="1"/>
+              <a:t>cpu</a:t>
+            </a:r>
+            <a:r>
+              <a:rPr kumimoji="1" lang="ko-KR" altLang="en-US" sz="1200" dirty="0"/>
+              <a:t>상태 저장</a:t>
+            </a:r>
+            <a:endParaRPr kumimoji="1" lang="en-US" altLang="ko-KR" sz="1200" dirty="0"/>
+          </a:p>
+          <a:p>
+            <a:r>
+              <a:rPr kumimoji="1" lang="en-US" altLang="ko-KR" sz="1200" dirty="0"/>
+              <a:t>t1 ready</a:t>
+            </a:r>
+            <a:r>
+              <a:rPr kumimoji="1" lang="ko-KR" altLang="en-US" sz="1200" dirty="0"/>
+              <a:t>상태로 </a:t>
+            </a:r>
+            <a:r>
+              <a:rPr kumimoji="1" lang="en-US" altLang="ko-KR" sz="1200" dirty="0"/>
+              <a:t>(</a:t>
+            </a:r>
+            <a:r>
+              <a:rPr kumimoji="1" lang="ko-KR" altLang="en-US" sz="1200" dirty="0">
+                <a:solidFill>
+                  <a:srgbClr val="C00000"/>
+                </a:solidFill>
+                <a:highlight>
+                  <a:srgbClr val="FFFF00"/>
+                </a:highlight>
+              </a:rPr>
+              <a:t>임시</a:t>
+            </a:r>
+            <a:r>
+              <a:rPr kumimoji="1" lang="en-US" altLang="ko-KR" sz="1200" dirty="0"/>
+              <a:t>)</a:t>
+            </a:r>
+          </a:p>
+          <a:p>
+            <a:r>
+              <a:rPr kumimoji="1" lang="en-US" altLang="ko-KR" sz="1200" dirty="0"/>
+              <a:t>t2 </a:t>
+            </a:r>
+            <a:r>
+              <a:rPr kumimoji="1" lang="ko-KR" altLang="en-US" sz="1200" dirty="0"/>
+              <a:t>복원</a:t>
+            </a:r>
+          </a:p>
+        </p:txBody>
+      </p:sp>
+      <p:sp>
+        <p:nvSpPr>
+          <p:cNvPr id="88" name="TextBox 87">
+            <a:extLst>
+              <a:ext uri="{FF2B5EF4-FFF2-40B4-BE49-F238E27FC236}">
+                <a16:creationId xmlns:a16="http://schemas.microsoft.com/office/drawing/2014/main" id="{D8BF28ED-38CE-B245-C314-E8521CA8AE21}"/>
+              </a:ext>
+            </a:extLst>
+          </p:cNvPr>
+          <p:cNvSpPr txBox="1"/>
+          <p:nvPr/>
+        </p:nvSpPr>
+        <p:spPr>
+          <a:xfrm>
+            <a:off x="8140846" y="3603985"/>
+            <a:ext cx="1152000" cy="276999"/>
+          </a:xfrm>
+          <a:prstGeom prst="rect">
+            <a:avLst/>
+          </a:prstGeom>
+          <a:noFill/>
+        </p:spPr>
+        <p:txBody>
+          <a:bodyPr wrap="square" rtlCol="0">
+            <a:spAutoFit/>
+          </a:bodyPr>
+          <a:lstStyle/>
+          <a:p>
+            <a:pPr algn="ctr"/>
+            <a:r>
+              <a:rPr kumimoji="1" lang="en-US" altLang="ko-KR" sz="1200" b="1" dirty="0"/>
+              <a:t>t1 (Ready)</a:t>
+            </a:r>
+            <a:endParaRPr kumimoji="1" lang="ko-KR" altLang="en-US" sz="1200" b="1" dirty="0"/>
+          </a:p>
+        </p:txBody>
+      </p:sp>
+      <p:sp>
+        <p:nvSpPr>
+          <p:cNvPr id="89" name="TextBox 88">
+            <a:extLst>
+              <a:ext uri="{FF2B5EF4-FFF2-40B4-BE49-F238E27FC236}">
+                <a16:creationId xmlns:a16="http://schemas.microsoft.com/office/drawing/2014/main" id="{DBFDF897-8CD1-F42B-16AB-2064A25F4BC1}"/>
+              </a:ext>
+            </a:extLst>
+          </p:cNvPr>
+          <p:cNvSpPr txBox="1"/>
+          <p:nvPr/>
+        </p:nvSpPr>
+        <p:spPr>
+          <a:xfrm>
+            <a:off x="8142330" y="3883723"/>
+            <a:ext cx="1152000" cy="276999"/>
+          </a:xfrm>
+          <a:prstGeom prst="rect">
+            <a:avLst/>
+          </a:prstGeom>
+          <a:noFill/>
+        </p:spPr>
+        <p:txBody>
+          <a:bodyPr wrap="square" rtlCol="0">
+            <a:spAutoFit/>
+          </a:bodyPr>
+          <a:lstStyle/>
+          <a:p>
+            <a:pPr algn="ctr"/>
+            <a:r>
+              <a:rPr kumimoji="1" lang="en-US" altLang="ko-KR" sz="1200" b="1" dirty="0"/>
+              <a:t>t2 (Running)</a:t>
+            </a:r>
+            <a:endParaRPr kumimoji="1" lang="ko-KR" altLang="en-US" sz="1200" b="1" dirty="0"/>
+          </a:p>
+        </p:txBody>
+      </p:sp>
+      <p:cxnSp>
+        <p:nvCxnSpPr>
+          <p:cNvPr id="92" name="구부러진 연결선[U] 91">
+            <a:extLst>
+              <a:ext uri="{FF2B5EF4-FFF2-40B4-BE49-F238E27FC236}">
+                <a16:creationId xmlns:a16="http://schemas.microsoft.com/office/drawing/2014/main" id="{D3173482-2F6D-20E5-9BFB-B32E5CAB017A}"/>
+              </a:ext>
+            </a:extLst>
+          </p:cNvPr>
+          <p:cNvCxnSpPr>
+            <a:cxnSpLocks/>
+            <a:stCxn id="94" idx="0"/>
+          </p:cNvCxnSpPr>
+          <p:nvPr/>
+        </p:nvCxnSpPr>
+        <p:spPr>
+          <a:xfrm rot="5400000" flipH="1" flipV="1">
+            <a:off x="8365975" y="5001827"/>
+            <a:ext cx="1504324" cy="106608"/>
+          </a:xfrm>
+          <a:prstGeom prst="curvedConnector3">
+            <a:avLst/>
+          </a:prstGeom>
+          <a:ln w="19050">
+            <a:tailEnd type="triangle"/>
+          </a:ln>
+        </p:spPr>
+        <p:style>
+          <a:lnRef idx="1">
+            <a:schemeClr val="dk1"/>
+          </a:lnRef>
+          <a:fillRef idx="0">
+            <a:schemeClr val="dk1"/>
+          </a:fillRef>
+          <a:effectRef idx="0">
+            <a:schemeClr val="dk1"/>
+          </a:effectRef>
+          <a:fontRef idx="minor">
+            <a:schemeClr val="tx1"/>
+          </a:fontRef>
+        </p:style>
+      </p:cxnSp>
+      <p:sp>
+        <p:nvSpPr>
+          <p:cNvPr id="94" name="TextBox 93">
+            <a:extLst>
+              <a:ext uri="{FF2B5EF4-FFF2-40B4-BE49-F238E27FC236}">
+                <a16:creationId xmlns:a16="http://schemas.microsoft.com/office/drawing/2014/main" id="{EC61A829-64BE-E31E-40B1-3C5F5957ADF5}"/>
+              </a:ext>
+            </a:extLst>
+          </p:cNvPr>
+          <p:cNvSpPr txBox="1"/>
+          <p:nvPr/>
+        </p:nvSpPr>
+        <p:spPr>
+          <a:xfrm>
+            <a:off x="7976253" y="5807293"/>
+            <a:ext cx="2177159" cy="738664"/>
+          </a:xfrm>
+          <a:prstGeom prst="rect">
+            <a:avLst/>
+          </a:prstGeom>
+          <a:noFill/>
+        </p:spPr>
+        <p:txBody>
+          <a:bodyPr wrap="square" rtlCol="0">
+            <a:spAutoFit/>
+          </a:bodyPr>
+          <a:lstStyle/>
+          <a:p>
+            <a:r>
+              <a:rPr kumimoji="1" lang="en-US" altLang="ko-KR" sz="1400" dirty="0"/>
+              <a:t>time sharing scheduling (t2 </a:t>
+            </a:r>
+            <a:r>
+              <a:rPr kumimoji="1" lang="ko-KR" altLang="en-US" sz="1400" dirty="0"/>
+              <a:t>시간이 다 됨</a:t>
+            </a:r>
+            <a:r>
+              <a:rPr kumimoji="1" lang="en-US" altLang="ko-KR" sz="1400" dirty="0"/>
+              <a:t>)</a:t>
+            </a:r>
+          </a:p>
+          <a:p>
+            <a:r>
+              <a:rPr kumimoji="1" lang="en-US" altLang="ko-KR" sz="1400" dirty="0">
+                <a:solidFill>
+                  <a:srgbClr val="C00000"/>
+                </a:solidFill>
+                <a:highlight>
+                  <a:srgbClr val="FFFF00"/>
+                </a:highlight>
+              </a:rPr>
+              <a:t>Timer Interrupt</a:t>
+            </a:r>
+            <a:endParaRPr kumimoji="1" lang="ko-KR" altLang="en-US" sz="1400" dirty="0">
+              <a:solidFill>
+                <a:srgbClr val="C00000"/>
+              </a:solidFill>
+              <a:highlight>
+                <a:srgbClr val="FFFF00"/>
+              </a:highlight>
+            </a:endParaRPr>
+          </a:p>
+        </p:txBody>
+      </p:sp>
+      <p:cxnSp>
+        <p:nvCxnSpPr>
+          <p:cNvPr id="95" name="직선 화살표 연결선 94">
+            <a:extLst>
+              <a:ext uri="{FF2B5EF4-FFF2-40B4-BE49-F238E27FC236}">
+                <a16:creationId xmlns:a16="http://schemas.microsoft.com/office/drawing/2014/main" id="{66F13CF2-03C0-92A2-6A00-D492385567AE}"/>
+              </a:ext>
+            </a:extLst>
+          </p:cNvPr>
+          <p:cNvCxnSpPr>
+            <a:cxnSpLocks/>
+          </p:cNvCxnSpPr>
+          <p:nvPr/>
+        </p:nvCxnSpPr>
+        <p:spPr>
+          <a:xfrm flipV="1">
+            <a:off x="10796486" y="4211516"/>
+            <a:ext cx="535508" cy="901392"/>
+          </a:xfrm>
+          <a:prstGeom prst="straightConnector1">
+            <a:avLst/>
+          </a:prstGeom>
+          <a:ln>
+            <a:tailEnd type="triangle"/>
+          </a:ln>
+        </p:spPr>
+        <p:style>
+          <a:lnRef idx="1">
+            <a:schemeClr val="dk1"/>
+          </a:lnRef>
+          <a:fillRef idx="0">
+            <a:schemeClr val="dk1"/>
+          </a:fillRef>
+          <a:effectRef idx="0">
+            <a:schemeClr val="dk1"/>
+          </a:effectRef>
+          <a:fontRef idx="minor">
+            <a:schemeClr val="tx1"/>
+          </a:fontRef>
+        </p:style>
+      </p:cxnSp>
+      <p:cxnSp>
+        <p:nvCxnSpPr>
+          <p:cNvPr id="96" name="직선 화살표 연결선 95">
+            <a:extLst>
+              <a:ext uri="{FF2B5EF4-FFF2-40B4-BE49-F238E27FC236}">
+                <a16:creationId xmlns:a16="http://schemas.microsoft.com/office/drawing/2014/main" id="{6F2A997E-DDF3-A0DA-156C-BCBE72BD02DD}"/>
+              </a:ext>
+            </a:extLst>
+          </p:cNvPr>
+          <p:cNvCxnSpPr>
+            <a:cxnSpLocks/>
+          </p:cNvCxnSpPr>
+          <p:nvPr/>
+        </p:nvCxnSpPr>
+        <p:spPr>
+          <a:xfrm>
+            <a:off x="9855762" y="5136392"/>
+            <a:ext cx="910975" cy="0"/>
+          </a:xfrm>
+          <a:prstGeom prst="straightConnector1">
+            <a:avLst/>
+          </a:prstGeom>
+          <a:ln>
+            <a:solidFill>
+              <a:srgbClr val="C00000"/>
+            </a:solidFill>
+            <a:tailEnd type="triangle"/>
+          </a:ln>
+        </p:spPr>
+        <p:style>
+          <a:lnRef idx="1">
+            <a:schemeClr val="dk1"/>
+          </a:lnRef>
+          <a:fillRef idx="0">
+            <a:schemeClr val="dk1"/>
+          </a:fillRef>
+          <a:effectRef idx="0">
+            <a:schemeClr val="dk1"/>
+          </a:effectRef>
+          <a:fontRef idx="minor">
+            <a:schemeClr val="tx1"/>
+          </a:fontRef>
+        </p:style>
+      </p:cxnSp>
+      <p:sp>
+        <p:nvSpPr>
+          <p:cNvPr id="98" name="TextBox 97">
+            <a:extLst>
+              <a:ext uri="{FF2B5EF4-FFF2-40B4-BE49-F238E27FC236}">
+                <a16:creationId xmlns:a16="http://schemas.microsoft.com/office/drawing/2014/main" id="{5D5AE3D6-5349-8C19-247C-7F1D47E4CCEA}"/>
+              </a:ext>
+            </a:extLst>
+          </p:cNvPr>
+          <p:cNvSpPr txBox="1"/>
+          <p:nvPr/>
+        </p:nvSpPr>
+        <p:spPr>
+          <a:xfrm>
+            <a:off x="10290191" y="5158061"/>
+            <a:ext cx="1684166" cy="830997"/>
+          </a:xfrm>
+          <a:prstGeom prst="rect">
+            <a:avLst/>
+          </a:prstGeom>
+          <a:noFill/>
+        </p:spPr>
+        <p:txBody>
+          <a:bodyPr wrap="square" rtlCol="0">
+            <a:spAutoFit/>
+          </a:bodyPr>
+          <a:lstStyle/>
+          <a:p>
+            <a:r>
+              <a:rPr kumimoji="1" lang="en-US" altLang="ko-KR" sz="1200" b="1" dirty="0"/>
+              <a:t>t2 </a:t>
+            </a:r>
+            <a:r>
+              <a:rPr kumimoji="1" lang="en-US" altLang="ko-KR" sz="1200" b="1" dirty="0" err="1"/>
+              <a:t>cpu</a:t>
+            </a:r>
+            <a:r>
+              <a:rPr kumimoji="1" lang="en-US" altLang="ko-KR" sz="1200" b="1" dirty="0"/>
+              <a:t> </a:t>
+            </a:r>
+            <a:r>
+              <a:rPr kumimoji="1" lang="ko-KR" altLang="en-US" sz="1200" b="1" dirty="0"/>
+              <a:t>상태 저장</a:t>
+            </a:r>
+            <a:endParaRPr kumimoji="1" lang="en-US" altLang="ko-KR" sz="1200" b="1" dirty="0"/>
+          </a:p>
+          <a:p>
+            <a:r>
+              <a:rPr kumimoji="1" lang="en-US" altLang="ko-KR" sz="1200" b="1" dirty="0"/>
+              <a:t>t2 ready </a:t>
+            </a:r>
+            <a:r>
+              <a:rPr kumimoji="1" lang="ko-KR" altLang="en-US" sz="1200" b="1" dirty="0"/>
+              <a:t>상태 전환</a:t>
+            </a:r>
+            <a:endParaRPr kumimoji="1" lang="en-US" altLang="ko-KR" sz="1200" b="1" dirty="0"/>
+          </a:p>
+          <a:p>
+            <a:r>
+              <a:rPr kumimoji="1" lang="en-US" altLang="ko-KR" sz="1200" b="1" dirty="0"/>
+              <a:t>t1 running</a:t>
+            </a:r>
+            <a:r>
+              <a:rPr kumimoji="1" lang="ko-KR" altLang="en-US" sz="1200" b="1" dirty="0"/>
+              <a:t>상태 전환 </a:t>
+            </a:r>
+            <a:endParaRPr kumimoji="1" lang="en-US" altLang="ko-KR" sz="1200" b="1" dirty="0"/>
+          </a:p>
+          <a:p>
+            <a:r>
+              <a:rPr kumimoji="1" lang="en-US" altLang="ko-KR" sz="1200" b="1" dirty="0"/>
+              <a:t>(</a:t>
+            </a:r>
+            <a:r>
+              <a:rPr kumimoji="1" lang="en-US" altLang="ko-KR" sz="1200" b="1" dirty="0" err="1"/>
+              <a:t>cpu</a:t>
+            </a:r>
+            <a:r>
+              <a:rPr kumimoji="1" lang="ko-KR" altLang="en-US" sz="1200" b="1" dirty="0"/>
+              <a:t>상태 복원</a:t>
+            </a:r>
+            <a:r>
+              <a:rPr kumimoji="1" lang="en-US" altLang="ko-KR" sz="1200" b="1" dirty="0"/>
+              <a:t>)</a:t>
+            </a:r>
+            <a:endParaRPr kumimoji="1" lang="ko-KR" altLang="en-US" sz="1200" b="1" dirty="0"/>
+          </a:p>
+        </p:txBody>
+      </p:sp>
+      <p:cxnSp>
+        <p:nvCxnSpPr>
+          <p:cNvPr id="100" name="직선 화살표 연결선 99">
+            <a:extLst>
+              <a:ext uri="{FF2B5EF4-FFF2-40B4-BE49-F238E27FC236}">
+                <a16:creationId xmlns:a16="http://schemas.microsoft.com/office/drawing/2014/main" id="{D04D0A1E-C715-7B60-D3D5-DF7599D672F3}"/>
+              </a:ext>
+            </a:extLst>
+          </p:cNvPr>
+          <p:cNvCxnSpPr>
+            <a:cxnSpLocks/>
+          </p:cNvCxnSpPr>
+          <p:nvPr/>
+        </p:nvCxnSpPr>
+        <p:spPr>
+          <a:xfrm>
+            <a:off x="11331994" y="4222121"/>
+            <a:ext cx="774035" cy="0"/>
+          </a:xfrm>
+          <a:prstGeom prst="straightConnector1">
+            <a:avLst/>
+          </a:prstGeom>
+          <a:ln>
+            <a:tailEnd type="triangle"/>
+          </a:ln>
+        </p:spPr>
+        <p:style>
+          <a:lnRef idx="1">
+            <a:schemeClr val="accent1"/>
+          </a:lnRef>
+          <a:fillRef idx="0">
+            <a:schemeClr val="accent1"/>
+          </a:fillRef>
+          <a:effectRef idx="0">
+            <a:schemeClr val="accent1"/>
+          </a:effectRef>
+          <a:fontRef idx="minor">
+            <a:schemeClr val="tx1"/>
+          </a:fontRef>
+        </p:style>
+      </p:cxnSp>
+      <p:sp>
+        <p:nvSpPr>
+          <p:cNvPr id="101" name="TextBox 100">
+            <a:extLst>
+              <a:ext uri="{FF2B5EF4-FFF2-40B4-BE49-F238E27FC236}">
+                <a16:creationId xmlns:a16="http://schemas.microsoft.com/office/drawing/2014/main" id="{026C569C-5B89-8A64-730F-950B88E8BA9F}"/>
+              </a:ext>
+            </a:extLst>
+          </p:cNvPr>
+          <p:cNvSpPr txBox="1"/>
+          <p:nvPr/>
+        </p:nvSpPr>
+        <p:spPr>
+          <a:xfrm>
+            <a:off x="11023108" y="3589261"/>
+            <a:ext cx="1152000" cy="276999"/>
+          </a:xfrm>
+          <a:prstGeom prst="rect">
+            <a:avLst/>
+          </a:prstGeom>
+          <a:noFill/>
+        </p:spPr>
+        <p:txBody>
+          <a:bodyPr wrap="square" rtlCol="0">
+            <a:spAutoFit/>
+          </a:bodyPr>
+          <a:lstStyle/>
+          <a:p>
+            <a:pPr algn="ctr"/>
+            <a:r>
+              <a:rPr kumimoji="1" lang="en-US" altLang="ko-KR" sz="1200" b="1" dirty="0"/>
+              <a:t>t1 (Running)</a:t>
+            </a:r>
+            <a:endParaRPr kumimoji="1" lang="ko-KR" altLang="en-US" sz="1200" b="1" dirty="0"/>
+          </a:p>
+        </p:txBody>
+      </p:sp>
+      <p:sp>
+        <p:nvSpPr>
+          <p:cNvPr id="102" name="TextBox 101">
+            <a:extLst>
+              <a:ext uri="{FF2B5EF4-FFF2-40B4-BE49-F238E27FC236}">
+                <a16:creationId xmlns:a16="http://schemas.microsoft.com/office/drawing/2014/main" id="{1D22C33A-A6B0-E7EC-C71C-E3E6769CCD51}"/>
+              </a:ext>
+            </a:extLst>
+          </p:cNvPr>
+          <p:cNvSpPr txBox="1"/>
+          <p:nvPr/>
+        </p:nvSpPr>
+        <p:spPr>
+          <a:xfrm>
+            <a:off x="11024592" y="3868999"/>
+            <a:ext cx="1152000" cy="276999"/>
+          </a:xfrm>
+          <a:prstGeom prst="rect">
+            <a:avLst/>
+          </a:prstGeom>
+          <a:noFill/>
+        </p:spPr>
+        <p:txBody>
+          <a:bodyPr wrap="square" rtlCol="0">
+            <a:spAutoFit/>
+          </a:bodyPr>
+          <a:lstStyle/>
+          <a:p>
+            <a:pPr algn="ctr"/>
+            <a:r>
+              <a:rPr kumimoji="1" lang="en-US" altLang="ko-KR" sz="1200" b="1" dirty="0"/>
+              <a:t>t2 (Ready)</a:t>
+            </a:r>
+            <a:endParaRPr kumimoji="1" lang="ko-KR" altLang="en-US" sz="1200" b="1" dirty="0"/>
+          </a:p>
+        </p:txBody>
+      </p:sp>
+    </p:spTree>
+    <p:extLst>
+      <p:ext uri="{BB962C8B-B14F-4D97-AF65-F5344CB8AC3E}">
+        <p14:creationId xmlns:p14="http://schemas.microsoft.com/office/powerpoint/2010/main" val="83313811"/>
+      </p:ext>
+    </p:extLst>
+  </p:cSld>
+  <p:clrMapOvr>
+    <a:masterClrMapping/>
+  </p:clrMapOvr>
+</p:sld>
+</file>
+
+<file path=ppt/slides/slide6.xml><?xml version="1.0" encoding="utf-8"?>
+<p:sld xmlns:a="http://schemas.openxmlformats.org/drawingml/2006/main" xmlns:r="http://schemas.openxmlformats.org/officeDocument/2006/relationships" xmlns:p="http://schemas.openxmlformats.org/presentationml/2006/main">
+  <p:cSld>
+    <p:spTree>
+      <p:nvGrpSpPr>
+        <p:cNvPr id="1" name=""/>
+        <p:cNvGrpSpPr/>
+        <p:nvPr/>
+      </p:nvGrpSpPr>
+      <p:grpSpPr>
+        <a:xfrm>
+          <a:off x="0" y="0"/>
+          <a:ext cx="0" cy="0"/>
+          <a:chOff x="0" y="0"/>
+          <a:chExt cx="0" cy="0"/>
+        </a:xfrm>
+      </p:grpSpPr>
+      <p:sp>
+        <p:nvSpPr>
+          <p:cNvPr id="2" name="TextBox 1">
+            <a:extLst>
+              <a:ext uri="{FF2B5EF4-FFF2-40B4-BE49-F238E27FC236}">
+                <a16:creationId xmlns:a16="http://schemas.microsoft.com/office/drawing/2014/main" id="{3B0FF02A-31E9-76A7-F928-04D2575504ED}"/>
+              </a:ext>
+            </a:extLst>
+          </p:cNvPr>
+          <p:cNvSpPr txBox="1"/>
+          <p:nvPr/>
+        </p:nvSpPr>
+        <p:spPr>
+          <a:xfrm>
+            <a:off x="273320" y="250557"/>
             <a:ext cx="6129866" cy="338554"/>
           </a:xfrm>
           <a:prstGeom prst="rect">
@@ -9156,12 +11369,8 @@
           <a:lstStyle/>
           <a:p>
             <a:r>
-              <a:rPr kumimoji="1" lang="en-US" altLang="ko-KR" sz="1600" dirty="0" smtClean="0"/>
-              <a:t>Q2.1</a:t>
-            </a:r>
-            <a:r>
               <a:rPr kumimoji="1" lang="en-US" altLang="ko-KR" sz="1600" dirty="0"/>
-              <a:t>) </a:t>
+              <a:t>Q2.1) </a:t>
             </a:r>
             <a:r>
               <a:rPr kumimoji="1" lang="ko-KR" altLang="en-US" sz="1600" dirty="0" err="1"/>
@@ -9193,10 +11402,10 @@
       </p:sp>
       <p:sp>
         <p:nvSpPr>
-          <p:cNvPr id="6" name="TextBox 5">
+          <p:cNvPr id="3" name="TextBox 2">
             <a:extLst>
               <a:ext uri="{FF2B5EF4-FFF2-40B4-BE49-F238E27FC236}">
-                <a16:creationId xmlns:a16="http://schemas.microsoft.com/office/drawing/2014/main" id="{A3C0FC09-EB60-75A2-5C4D-A1A7CEE00D86}"/>
+                <a16:creationId xmlns:a16="http://schemas.microsoft.com/office/drawing/2014/main" id="{281C9714-3BE7-9A1D-B9E2-BE576C7C084D}"/>
               </a:ext>
             </a:extLst>
           </p:cNvPr>
@@ -9205,7 +11414,7 @@
         </p:nvSpPr>
         <p:spPr>
           <a:xfrm>
-            <a:off x="711201" y="1771929"/>
+            <a:off x="273320" y="2873958"/>
             <a:ext cx="6129866" cy="338554"/>
           </a:xfrm>
           <a:prstGeom prst="rect">
@@ -9220,12 +11429,8 @@
           <a:lstStyle/>
           <a:p>
             <a:r>
-              <a:rPr kumimoji="1" lang="en-US" altLang="ko-KR" sz="1600" dirty="0" smtClean="0"/>
-              <a:t>Q2.2</a:t>
-            </a:r>
-            <a:r>
               <a:rPr kumimoji="1" lang="en-US" altLang="ko-KR" sz="1600" dirty="0"/>
-              <a:t>) Interrupt</a:t>
+              <a:t>Q2.2) Interrupt</a:t>
             </a:r>
             <a:r>
               <a:rPr kumimoji="1" lang="ko-KR" altLang="en-US" sz="1600" dirty="0" err="1"/>
@@ -9245,10 +11450,10 @@
       </p:sp>
       <p:sp>
         <p:nvSpPr>
-          <p:cNvPr id="7" name="TextBox 6">
+          <p:cNvPr id="8" name="TextBox 7">
             <a:extLst>
               <a:ext uri="{FF2B5EF4-FFF2-40B4-BE49-F238E27FC236}">
-                <a16:creationId xmlns:a16="http://schemas.microsoft.com/office/drawing/2014/main" id="{0259870D-FCFD-2368-939D-756524720F4A}"/>
+                <a16:creationId xmlns:a16="http://schemas.microsoft.com/office/drawing/2014/main" id="{B5B49FB5-BC1F-A5A7-9F9B-98B7B6643104}"/>
               </a:ext>
             </a:extLst>
           </p:cNvPr>
@@ -9257,7 +11462,241 @@
         </p:nvSpPr>
         <p:spPr>
           <a:xfrm>
-            <a:off x="485421" y="3461890"/>
+            <a:off x="515154" y="759853"/>
+            <a:ext cx="11140225" cy="1569660"/>
+          </a:xfrm>
+          <a:prstGeom prst="rect">
+            <a:avLst/>
+          </a:prstGeom>
+          <a:noFill/>
+        </p:spPr>
+        <p:txBody>
+          <a:bodyPr wrap="square" rtlCol="0">
+            <a:spAutoFit/>
+          </a:bodyPr>
+          <a:lstStyle/>
+          <a:p>
+            <a:r>
+              <a:rPr kumimoji="1" lang="en-US" altLang="ko-KR" sz="1600" dirty="0"/>
+              <a:t> Thread</a:t>
+            </a:r>
+            <a:r>
+              <a:rPr kumimoji="1" lang="ko-KR" altLang="en-US" sz="1600" dirty="0"/>
+              <a:t>는 하나의 작업 단위이며</a:t>
+            </a:r>
+            <a:r>
+              <a:rPr kumimoji="1" lang="en-US" altLang="ko-KR" sz="1600" dirty="0"/>
+              <a:t>, </a:t>
+            </a:r>
+            <a:r>
+              <a:rPr kumimoji="1" lang="ko-KR" altLang="en-US" sz="1600" dirty="0"/>
+              <a:t>작업은 보통 흐름이 존재한다</a:t>
+            </a:r>
+            <a:r>
+              <a:rPr kumimoji="1" lang="en-US" altLang="ko-KR" sz="1600" dirty="0"/>
+              <a:t>. </a:t>
+            </a:r>
+            <a:r>
+              <a:rPr kumimoji="1" lang="ko-KR" altLang="en-US" sz="1600" dirty="0"/>
+              <a:t>이걸 </a:t>
+            </a:r>
+            <a:r>
+              <a:rPr kumimoji="1" lang="en-US" altLang="ko-KR" sz="1600" dirty="0"/>
+              <a:t>Context</a:t>
+            </a:r>
+            <a:r>
+              <a:rPr kumimoji="1" lang="ko-KR" altLang="en-US" sz="1600" dirty="0"/>
+              <a:t>라 하며</a:t>
+            </a:r>
+            <a:r>
+              <a:rPr kumimoji="1" lang="en-US" altLang="ko-KR" sz="1600" dirty="0"/>
+              <a:t>, Time sharing</a:t>
+            </a:r>
+            <a:r>
+              <a:rPr kumimoji="1" lang="ko-KR" altLang="en-US" sz="1600" dirty="0"/>
+              <a:t>에 의해 </a:t>
+            </a:r>
+            <a:r>
+              <a:rPr kumimoji="1" lang="en-US" altLang="ko-KR" sz="1600" dirty="0"/>
+              <a:t>Thread</a:t>
+            </a:r>
+            <a:r>
+              <a:rPr kumimoji="1" lang="ko-KR" altLang="en-US" sz="1600" dirty="0"/>
+              <a:t>들이 번갈아 작업이 진행되게 된다</a:t>
+            </a:r>
+            <a:r>
+              <a:rPr kumimoji="1" lang="en-US" altLang="ko-KR" sz="1600" dirty="0"/>
+              <a:t>. </a:t>
+            </a:r>
+            <a:r>
+              <a:rPr kumimoji="1" lang="ko-KR" altLang="en-US" sz="1600" dirty="0"/>
+              <a:t>이렇게 작업의 단위가 </a:t>
+            </a:r>
+            <a:r>
+              <a:rPr kumimoji="1" lang="ko-KR" altLang="en-US" sz="1600" dirty="0" err="1"/>
+              <a:t>바뀌는것을</a:t>
+            </a:r>
+            <a:r>
+              <a:rPr kumimoji="1" lang="ko-KR" altLang="en-US" sz="1600" dirty="0"/>
+              <a:t> 작업의 흐름이 </a:t>
+            </a:r>
+            <a:r>
+              <a:rPr kumimoji="1" lang="ko-KR" altLang="en-US" sz="1600" dirty="0" err="1"/>
+              <a:t>바뀐다하여</a:t>
+            </a:r>
+            <a:r>
+              <a:rPr kumimoji="1" lang="ko-KR" altLang="en-US" sz="1600" dirty="0"/>
+              <a:t> </a:t>
+            </a:r>
+            <a:r>
+              <a:rPr kumimoji="1" lang="en-US" altLang="ko-KR" sz="1600" dirty="0"/>
+              <a:t>Context Switching</a:t>
+            </a:r>
+            <a:r>
+              <a:rPr kumimoji="1" lang="ko-KR" altLang="en-US" sz="1600" dirty="0"/>
+              <a:t>이라 한다</a:t>
+            </a:r>
+            <a:r>
+              <a:rPr kumimoji="1" lang="en-US" altLang="ko-KR" sz="1600" dirty="0"/>
+              <a:t>. </a:t>
+            </a:r>
+            <a:r>
+              <a:rPr kumimoji="1" lang="ko-KR" altLang="en-US" sz="1600" dirty="0"/>
+              <a:t>이때 일반적으로 </a:t>
+            </a:r>
+            <a:r>
+              <a:rPr kumimoji="1" lang="en-US" altLang="ko-KR" sz="1600" dirty="0"/>
+              <a:t>Overhead</a:t>
+            </a:r>
+            <a:r>
+              <a:rPr kumimoji="1" lang="ko-KR" altLang="en-US" sz="1600" dirty="0"/>
+              <a:t>가 발생한다</a:t>
+            </a:r>
+            <a:r>
+              <a:rPr kumimoji="1" lang="en-US" altLang="ko-KR" sz="1600" dirty="0"/>
+              <a:t>. </a:t>
+            </a:r>
+          </a:p>
+          <a:p>
+            <a:endParaRPr kumimoji="1" lang="en-US" altLang="ko-KR" sz="1600" dirty="0"/>
+          </a:p>
+          <a:p>
+            <a:r>
+              <a:rPr kumimoji="1" lang="ko-KR" altLang="en-US" sz="1600" dirty="0"/>
+              <a:t>더 나아가 </a:t>
+            </a:r>
+            <a:r>
+              <a:rPr kumimoji="1" lang="en-US" altLang="ko-KR" sz="1600" dirty="0"/>
+              <a:t>Thread</a:t>
+            </a:r>
+            <a:r>
+              <a:rPr kumimoji="1" lang="ko-KR" altLang="en-US" sz="1600" dirty="0"/>
+              <a:t>가 아니라 </a:t>
+            </a:r>
+            <a:r>
+              <a:rPr kumimoji="1" lang="en-US" altLang="ko-KR" sz="1600" dirty="0"/>
+              <a:t>Process</a:t>
+            </a:r>
+            <a:r>
+              <a:rPr kumimoji="1" lang="ko-KR" altLang="en-US" sz="1600" dirty="0"/>
+              <a:t>단위로 </a:t>
+            </a:r>
+            <a:r>
+              <a:rPr kumimoji="1" lang="en-US" altLang="ko-KR" sz="1600" dirty="0"/>
+              <a:t>Context Switch</a:t>
+            </a:r>
+            <a:r>
+              <a:rPr kumimoji="1" lang="ko-KR" altLang="en-US" sz="1600" dirty="0"/>
+              <a:t>가 일어나기도 한다</a:t>
+            </a:r>
+            <a:r>
+              <a:rPr kumimoji="1" lang="en-US" altLang="ko-KR" sz="1600" dirty="0"/>
+              <a:t>. </a:t>
+            </a:r>
+            <a:r>
+              <a:rPr kumimoji="1" lang="ko-KR" altLang="en-US" sz="1600" dirty="0"/>
+              <a:t>일반적으로 </a:t>
+            </a:r>
+            <a:r>
+              <a:rPr kumimoji="1" lang="en-US" altLang="ko-KR" sz="1600" dirty="0"/>
+              <a:t>Process Context Switch</a:t>
+            </a:r>
+            <a:r>
+              <a:rPr kumimoji="1" lang="ko-KR" altLang="en-US" sz="1600" dirty="0"/>
+              <a:t>가 </a:t>
+            </a:r>
+            <a:r>
+              <a:rPr kumimoji="1" lang="en-US" altLang="ko-KR" sz="1600" dirty="0"/>
+              <a:t>MMU</a:t>
+            </a:r>
+            <a:r>
+              <a:rPr kumimoji="1" lang="ko-KR" altLang="en-US" sz="1600" dirty="0"/>
+              <a:t>등 메모리 관련된 것을 재조정해야 하기때문에 </a:t>
+            </a:r>
+            <a:r>
+              <a:rPr kumimoji="1" lang="en-US" altLang="ko-KR" sz="1600" dirty="0"/>
+              <a:t>Thread Context Switch</a:t>
+            </a:r>
+            <a:r>
+              <a:rPr kumimoji="1" lang="ko-KR" altLang="en-US" sz="1600" dirty="0"/>
+              <a:t>보다 </a:t>
+            </a:r>
+            <a:r>
+              <a:rPr kumimoji="1" lang="en-US" altLang="ko-KR" sz="1600" dirty="0"/>
+              <a:t>Overhead</a:t>
+            </a:r>
+            <a:r>
+              <a:rPr kumimoji="1" lang="ko-KR" altLang="en-US" sz="1600" dirty="0"/>
+              <a:t>가 더 크다</a:t>
+            </a:r>
+          </a:p>
+        </p:txBody>
+      </p:sp>
+    </p:spTree>
+    <p:extLst>
+      <p:ext uri="{BB962C8B-B14F-4D97-AF65-F5344CB8AC3E}">
+        <p14:creationId xmlns:p14="http://schemas.microsoft.com/office/powerpoint/2010/main" val="3202208965"/>
+      </p:ext>
+    </p:extLst>
+  </p:cSld>
+  <p:clrMapOvr>
+    <a:masterClrMapping/>
+  </p:clrMapOvr>
+</p:sld>
+</file>
+
+<file path=ppt/slides/slide7.xml><?xml version="1.0" encoding="utf-8"?>
+<p:sld xmlns:a="http://schemas.openxmlformats.org/drawingml/2006/main" xmlns:r="http://schemas.openxmlformats.org/officeDocument/2006/relationships" xmlns:p="http://schemas.openxmlformats.org/presentationml/2006/main">
+  <p:cSld>
+    <p:spTree>
+      <p:nvGrpSpPr>
+        <p:cNvPr id="1" name=""/>
+        <p:cNvGrpSpPr/>
+        <p:nvPr/>
+      </p:nvGrpSpPr>
+      <p:grpSpPr>
+        <a:xfrm>
+          <a:off x="0" y="0"/>
+          <a:ext cx="0" cy="0"/>
+          <a:chOff x="0" y="0"/>
+          <a:chExt cx="0" cy="0"/>
+        </a:xfrm>
+      </p:grpSpPr>
+      <p:sp>
+        <p:nvSpPr>
+          <p:cNvPr id="2" name="TextBox 1">
+            <a:extLst>
+              <a:ext uri="{FF2B5EF4-FFF2-40B4-BE49-F238E27FC236}">
+                <a16:creationId xmlns:a16="http://schemas.microsoft.com/office/drawing/2014/main" id="{A09F0C74-C86F-1C36-4837-020D358F34B9}"/>
+              </a:ext>
+            </a:extLst>
+          </p:cNvPr>
+          <p:cNvSpPr txBox="1"/>
+          <p:nvPr/>
+        </p:nvSpPr>
+        <p:spPr>
+          <a:xfrm>
+            <a:off x="485421" y="345203"/>
             <a:ext cx="9358489" cy="369332"/>
           </a:xfrm>
           <a:prstGeom prst="rect">
@@ -9272,12 +11711,8 @@
           <a:lstStyle/>
           <a:p>
             <a:r>
-              <a:rPr kumimoji="1" lang="en-US" altLang="ko-KR" dirty="0" smtClean="0"/>
-              <a:t>Q3) </a:t>
-            </a:r>
-            <a:r>
               <a:rPr kumimoji="1" lang="en-US" altLang="ko-KR" dirty="0"/>
-              <a:t>Blocking / Non-Blocking I/O</a:t>
+              <a:t>Q3) Blocking / Non-Blocking I/O</a:t>
             </a:r>
             <a:r>
               <a:rPr kumimoji="1" lang="ko-KR" altLang="en-US" dirty="0"/>
@@ -9298,7 +11733,7 @@
     </p:spTree>
     <p:extLst>
       <p:ext uri="{BB962C8B-B14F-4D97-AF65-F5344CB8AC3E}">
-        <p14:creationId xmlns:p14="http://schemas.microsoft.com/office/powerpoint/2010/main" val="83313811"/>
+        <p14:creationId xmlns:p14="http://schemas.microsoft.com/office/powerpoint/2010/main" val="3665004036"/>
       </p:ext>
     </p:extLst>
   </p:cSld>

--- a/CSwithC/CS-explanation.pptx
+++ b/CSwithC/CS-explanation.pptx
@@ -5,7 +5,7 @@
     <p:sldMasterId id="2147483648" r:id="rId1"/>
   </p:sldMasterIdLst>
   <p:notesMasterIdLst>
-    <p:notesMasterId r:id="rId9"/>
+    <p:notesMasterId r:id="rId11"/>
   </p:notesMasterIdLst>
   <p:sldIdLst>
     <p:sldId id="256" r:id="rId2"/>
@@ -15,6 +15,8 @@
     <p:sldId id="259" r:id="rId6"/>
     <p:sldId id="262" r:id="rId7"/>
     <p:sldId id="261" r:id="rId8"/>
+    <p:sldId id="263" r:id="rId9"/>
+    <p:sldId id="264" r:id="rId10"/>
   </p:sldIdLst>
   <p:sldSz cx="12192000" cy="6858000"/>
   <p:notesSz cx="6858000" cy="9144000"/>
@@ -203,7 +205,7 @@
           <a:p>
             <a:fld id="{63E2A1E9-AE86-4A77-ADFA-78382643A96E}" type="datetimeFigureOut">
               <a:rPr lang="ko-KR" altLang="en-US" smtClean="0"/>
-              <a:t>2024. 8. 26.</a:t>
+              <a:t>2024. 8. 30.</a:t>
             </a:fld>
             <a:endParaRPr lang="ko-KR" altLang="en-US"/>
           </a:p>
@@ -1156,7 +1158,7 @@
           <a:p>
             <a:fld id="{6464DA1F-012E-F647-BE90-9DF5CCDD3465}" type="datetimeFigureOut">
               <a:rPr kumimoji="1" lang="ko-KR" altLang="en-US" smtClean="0"/>
-              <a:t>2024. 8. 26.</a:t>
+              <a:t>2024. 8. 30.</a:t>
             </a:fld>
             <a:endParaRPr kumimoji="1" lang="ko-KR" altLang="en-US"/>
           </a:p>
@@ -1354,7 +1356,7 @@
           <a:p>
             <a:fld id="{6464DA1F-012E-F647-BE90-9DF5CCDD3465}" type="datetimeFigureOut">
               <a:rPr kumimoji="1" lang="ko-KR" altLang="en-US" smtClean="0"/>
-              <a:t>2024. 8. 26.</a:t>
+              <a:t>2024. 8. 30.</a:t>
             </a:fld>
             <a:endParaRPr kumimoji="1" lang="ko-KR" altLang="en-US"/>
           </a:p>
@@ -1562,7 +1564,7 @@
           <a:p>
             <a:fld id="{6464DA1F-012E-F647-BE90-9DF5CCDD3465}" type="datetimeFigureOut">
               <a:rPr kumimoji="1" lang="ko-KR" altLang="en-US" smtClean="0"/>
-              <a:t>2024. 8. 26.</a:t>
+              <a:t>2024. 8. 30.</a:t>
             </a:fld>
             <a:endParaRPr kumimoji="1" lang="ko-KR" altLang="en-US"/>
           </a:p>
@@ -1760,7 +1762,7 @@
           <a:p>
             <a:fld id="{6464DA1F-012E-F647-BE90-9DF5CCDD3465}" type="datetimeFigureOut">
               <a:rPr kumimoji="1" lang="ko-KR" altLang="en-US" smtClean="0"/>
-              <a:t>2024. 8. 26.</a:t>
+              <a:t>2024. 8. 30.</a:t>
             </a:fld>
             <a:endParaRPr kumimoji="1" lang="ko-KR" altLang="en-US"/>
           </a:p>
@@ -2035,7 +2037,7 @@
           <a:p>
             <a:fld id="{6464DA1F-012E-F647-BE90-9DF5CCDD3465}" type="datetimeFigureOut">
               <a:rPr kumimoji="1" lang="ko-KR" altLang="en-US" smtClean="0"/>
-              <a:t>2024. 8. 26.</a:t>
+              <a:t>2024. 8. 30.</a:t>
             </a:fld>
             <a:endParaRPr kumimoji="1" lang="ko-KR" altLang="en-US"/>
           </a:p>
@@ -2300,7 +2302,7 @@
           <a:p>
             <a:fld id="{6464DA1F-012E-F647-BE90-9DF5CCDD3465}" type="datetimeFigureOut">
               <a:rPr kumimoji="1" lang="ko-KR" altLang="en-US" smtClean="0"/>
-              <a:t>2024. 8. 26.</a:t>
+              <a:t>2024. 8. 30.</a:t>
             </a:fld>
             <a:endParaRPr kumimoji="1" lang="ko-KR" altLang="en-US"/>
           </a:p>
@@ -2712,7 +2714,7 @@
           <a:p>
             <a:fld id="{6464DA1F-012E-F647-BE90-9DF5CCDD3465}" type="datetimeFigureOut">
               <a:rPr kumimoji="1" lang="ko-KR" altLang="en-US" smtClean="0"/>
-              <a:t>2024. 8. 26.</a:t>
+              <a:t>2024. 8. 30.</a:t>
             </a:fld>
             <a:endParaRPr kumimoji="1" lang="ko-KR" altLang="en-US"/>
           </a:p>
@@ -2853,7 +2855,7 @@
           <a:p>
             <a:fld id="{6464DA1F-012E-F647-BE90-9DF5CCDD3465}" type="datetimeFigureOut">
               <a:rPr kumimoji="1" lang="ko-KR" altLang="en-US" smtClean="0"/>
-              <a:t>2024. 8. 26.</a:t>
+              <a:t>2024. 8. 30.</a:t>
             </a:fld>
             <a:endParaRPr kumimoji="1" lang="ko-KR" altLang="en-US"/>
           </a:p>
@@ -2966,7 +2968,7 @@
           <a:p>
             <a:fld id="{6464DA1F-012E-F647-BE90-9DF5CCDD3465}" type="datetimeFigureOut">
               <a:rPr kumimoji="1" lang="ko-KR" altLang="en-US" smtClean="0"/>
-              <a:t>2024. 8. 26.</a:t>
+              <a:t>2024. 8. 30.</a:t>
             </a:fld>
             <a:endParaRPr kumimoji="1" lang="ko-KR" altLang="en-US"/>
           </a:p>
@@ -3277,7 +3279,7 @@
           <a:p>
             <a:fld id="{6464DA1F-012E-F647-BE90-9DF5CCDD3465}" type="datetimeFigureOut">
               <a:rPr kumimoji="1" lang="ko-KR" altLang="en-US" smtClean="0"/>
-              <a:t>2024. 8. 26.</a:t>
+              <a:t>2024. 8. 30.</a:t>
             </a:fld>
             <a:endParaRPr kumimoji="1" lang="ko-KR" altLang="en-US"/>
           </a:p>
@@ -3565,7 +3567,7 @@
           <a:p>
             <a:fld id="{6464DA1F-012E-F647-BE90-9DF5CCDD3465}" type="datetimeFigureOut">
               <a:rPr kumimoji="1" lang="ko-KR" altLang="en-US" smtClean="0"/>
-              <a:t>2024. 8. 26.</a:t>
+              <a:t>2024. 8. 30.</a:t>
             </a:fld>
             <a:endParaRPr kumimoji="1" lang="ko-KR" altLang="en-US"/>
           </a:p>
@@ -3806,7 +3808,7 @@
           <a:p>
             <a:fld id="{6464DA1F-012E-F647-BE90-9DF5CCDD3465}" type="datetimeFigureOut">
               <a:rPr kumimoji="1" lang="ko-KR" altLang="en-US" smtClean="0"/>
-              <a:t>2024. 8. 26.</a:t>
+              <a:t>2024. 8. 30.</a:t>
             </a:fld>
             <a:endParaRPr kumimoji="1" lang="ko-KR" altLang="en-US"/>
           </a:p>
@@ -11730,10 +11732,360 @@
           </a:p>
         </p:txBody>
       </p:sp>
+      <p:sp>
+        <p:nvSpPr>
+          <p:cNvPr id="3" name="TextBox 2">
+            <a:extLst>
+              <a:ext uri="{FF2B5EF4-FFF2-40B4-BE49-F238E27FC236}">
+                <a16:creationId xmlns:a16="http://schemas.microsoft.com/office/drawing/2014/main" id="{8BD3895B-3919-92F7-C83A-E6F2BB3B3B73}"/>
+              </a:ext>
+            </a:extLst>
+          </p:cNvPr>
+          <p:cNvSpPr txBox="1"/>
+          <p:nvPr/>
+        </p:nvSpPr>
+        <p:spPr>
+          <a:xfrm>
+            <a:off x="485421" y="2841558"/>
+            <a:ext cx="9358489" cy="369332"/>
+          </a:xfrm>
+          <a:prstGeom prst="rect">
+            <a:avLst/>
+          </a:prstGeom>
+          <a:noFill/>
+        </p:spPr>
+        <p:txBody>
+          <a:bodyPr wrap="square" rtlCol="0">
+            <a:spAutoFit/>
+          </a:bodyPr>
+          <a:lstStyle/>
+          <a:p>
+            <a:r>
+              <a:rPr kumimoji="1" lang="en-US" altLang="ko-KR" dirty="0"/>
+              <a:t>Q4) </a:t>
+            </a:r>
+            <a:r>
+              <a:rPr kumimoji="1" lang="ko-KR" altLang="en-US" dirty="0"/>
+              <a:t>비트연산과 </a:t>
+            </a:r>
+            <a:r>
+              <a:rPr kumimoji="1" lang="ko-KR" altLang="en-US" dirty="0" err="1"/>
+              <a:t>엔디안에</a:t>
+            </a:r>
+            <a:r>
+              <a:rPr kumimoji="1" lang="ko-KR" altLang="en-US" dirty="0"/>
+              <a:t> 대해 </a:t>
+            </a:r>
+            <a:r>
+              <a:rPr kumimoji="1" lang="ko-KR" altLang="en-US" dirty="0" err="1"/>
+              <a:t>설명해보시오</a:t>
+            </a:r>
+            <a:endParaRPr kumimoji="1" lang="ko-KR" altLang="en-US" dirty="0"/>
+          </a:p>
+        </p:txBody>
+      </p:sp>
     </p:spTree>
     <p:extLst>
       <p:ext uri="{BB962C8B-B14F-4D97-AF65-F5344CB8AC3E}">
         <p14:creationId xmlns:p14="http://schemas.microsoft.com/office/powerpoint/2010/main" val="3665004036"/>
+      </p:ext>
+    </p:extLst>
+  </p:cSld>
+  <p:clrMapOvr>
+    <a:masterClrMapping/>
+  </p:clrMapOvr>
+</p:sld>
+</file>
+
+<file path=ppt/slides/slide8.xml><?xml version="1.0" encoding="utf-8"?>
+<p:sld xmlns:a="http://schemas.openxmlformats.org/drawingml/2006/main" xmlns:r="http://schemas.openxmlformats.org/officeDocument/2006/relationships" xmlns:p="http://schemas.openxmlformats.org/presentationml/2006/main">
+  <p:cSld>
+    <p:spTree>
+      <p:nvGrpSpPr>
+        <p:cNvPr id="1" name=""/>
+        <p:cNvGrpSpPr/>
+        <p:nvPr/>
+      </p:nvGrpSpPr>
+      <p:grpSpPr>
+        <a:xfrm>
+          <a:off x="0" y="0"/>
+          <a:ext cx="0" cy="0"/>
+          <a:chOff x="0" y="0"/>
+          <a:chExt cx="0" cy="0"/>
+        </a:xfrm>
+      </p:grpSpPr>
+      <p:sp>
+        <p:nvSpPr>
+          <p:cNvPr id="2" name="TextBox 1">
+            <a:extLst>
+              <a:ext uri="{FF2B5EF4-FFF2-40B4-BE49-F238E27FC236}">
+                <a16:creationId xmlns:a16="http://schemas.microsoft.com/office/drawing/2014/main" id="{A09F0C74-C86F-1C36-4837-020D358F34B9}"/>
+              </a:ext>
+            </a:extLst>
+          </p:cNvPr>
+          <p:cNvSpPr txBox="1"/>
+          <p:nvPr/>
+        </p:nvSpPr>
+        <p:spPr>
+          <a:xfrm>
+            <a:off x="485421" y="345203"/>
+            <a:ext cx="9358489" cy="369332"/>
+          </a:xfrm>
+          <a:prstGeom prst="rect">
+            <a:avLst/>
+          </a:prstGeom>
+          <a:noFill/>
+        </p:spPr>
+        <p:txBody>
+          <a:bodyPr wrap="square" rtlCol="0">
+            <a:spAutoFit/>
+          </a:bodyPr>
+          <a:lstStyle/>
+          <a:p>
+            <a:r>
+              <a:rPr kumimoji="1" lang="en-US" altLang="ko-KR" dirty="0"/>
+              <a:t>Q5) </a:t>
+            </a:r>
+            <a:r>
+              <a:rPr kumimoji="1" lang="ko-KR" altLang="en-US" dirty="0"/>
+              <a:t>컴퓨터의 데이터와 비트에 대해서 </a:t>
+            </a:r>
+            <a:r>
+              <a:rPr kumimoji="1" lang="ko-KR" altLang="en-US" dirty="0" err="1"/>
+              <a:t>설명해보시오</a:t>
+            </a:r>
+            <a:endParaRPr kumimoji="1" lang="ko-KR" altLang="en-US" dirty="0"/>
+          </a:p>
+        </p:txBody>
+      </p:sp>
+    </p:spTree>
+    <p:extLst>
+      <p:ext uri="{BB962C8B-B14F-4D97-AF65-F5344CB8AC3E}">
+        <p14:creationId xmlns:p14="http://schemas.microsoft.com/office/powerpoint/2010/main" val="2856679831"/>
+      </p:ext>
+    </p:extLst>
+  </p:cSld>
+  <p:clrMapOvr>
+    <a:masterClrMapping/>
+  </p:clrMapOvr>
+</p:sld>
+</file>
+
+<file path=ppt/slides/slide9.xml><?xml version="1.0" encoding="utf-8"?>
+<p:sld xmlns:a="http://schemas.openxmlformats.org/drawingml/2006/main" xmlns:r="http://schemas.openxmlformats.org/officeDocument/2006/relationships" xmlns:p="http://schemas.openxmlformats.org/presentationml/2006/main">
+  <p:cSld>
+    <p:spTree>
+      <p:nvGrpSpPr>
+        <p:cNvPr id="1" name=""/>
+        <p:cNvGrpSpPr/>
+        <p:nvPr/>
+      </p:nvGrpSpPr>
+      <p:grpSpPr>
+        <a:xfrm>
+          <a:off x="0" y="0"/>
+          <a:ext cx="0" cy="0"/>
+          <a:chOff x="0" y="0"/>
+          <a:chExt cx="0" cy="0"/>
+        </a:xfrm>
+      </p:grpSpPr>
+      <p:sp>
+        <p:nvSpPr>
+          <p:cNvPr id="2" name="TextBox 1">
+            <a:extLst>
+              <a:ext uri="{FF2B5EF4-FFF2-40B4-BE49-F238E27FC236}">
+                <a16:creationId xmlns:a16="http://schemas.microsoft.com/office/drawing/2014/main" id="{A09F0C74-C86F-1C36-4837-020D358F34B9}"/>
+              </a:ext>
+            </a:extLst>
+          </p:cNvPr>
+          <p:cNvSpPr txBox="1"/>
+          <p:nvPr/>
+        </p:nvSpPr>
+        <p:spPr>
+          <a:xfrm>
+            <a:off x="485421" y="345203"/>
+            <a:ext cx="9358489" cy="369332"/>
+          </a:xfrm>
+          <a:prstGeom prst="rect">
+            <a:avLst/>
+          </a:prstGeom>
+          <a:noFill/>
+        </p:spPr>
+        <p:txBody>
+          <a:bodyPr wrap="square" rtlCol="0">
+            <a:spAutoFit/>
+          </a:bodyPr>
+          <a:lstStyle/>
+          <a:p>
+            <a:r>
+              <a:rPr kumimoji="1" lang="en-US" altLang="ko-KR" dirty="0"/>
+              <a:t>Q6) </a:t>
+            </a:r>
+            <a:r>
+              <a:rPr kumimoji="1" lang="ko-KR" altLang="en-US" dirty="0" err="1"/>
+              <a:t>전위식</a:t>
+            </a:r>
+            <a:r>
+              <a:rPr kumimoji="1" lang="ko-KR" altLang="en-US" dirty="0"/>
+              <a:t> </a:t>
+            </a:r>
+            <a:r>
+              <a:rPr kumimoji="1" lang="ko-KR" altLang="en-US" dirty="0" err="1"/>
+              <a:t>후위식</a:t>
+            </a:r>
+            <a:endParaRPr kumimoji="1" lang="ko-KR" altLang="en-US" dirty="0"/>
+          </a:p>
+        </p:txBody>
+      </p:sp>
+      <p:sp>
+        <p:nvSpPr>
+          <p:cNvPr id="3" name="TextBox 2">
+            <a:extLst>
+              <a:ext uri="{FF2B5EF4-FFF2-40B4-BE49-F238E27FC236}">
+                <a16:creationId xmlns:a16="http://schemas.microsoft.com/office/drawing/2014/main" id="{8A89A4BC-44D4-1F80-ED53-2AF5C89E5F3B}"/>
+              </a:ext>
+            </a:extLst>
+          </p:cNvPr>
+          <p:cNvSpPr txBox="1"/>
+          <p:nvPr/>
+        </p:nvSpPr>
+        <p:spPr>
+          <a:xfrm>
+            <a:off x="978794" y="991673"/>
+            <a:ext cx="5847009" cy="3970318"/>
+          </a:xfrm>
+          <a:prstGeom prst="rect">
+            <a:avLst/>
+          </a:prstGeom>
+          <a:noFill/>
+        </p:spPr>
+        <p:txBody>
+          <a:bodyPr wrap="square" rtlCol="0">
+            <a:spAutoFit/>
+          </a:bodyPr>
+          <a:lstStyle/>
+          <a:p>
+            <a:r>
+              <a:rPr kumimoji="1" lang="en-US" altLang="ko-KR" dirty="0"/>
+              <a:t>int x = 0, </a:t>
+            </a:r>
+            <a:r>
+              <a:rPr kumimoji="1" lang="en-US" altLang="ko-KR" dirty="0" err="1"/>
+              <a:t>nResult</a:t>
+            </a:r>
+            <a:r>
+              <a:rPr kumimoji="1" lang="en-US" altLang="ko-KR" dirty="0"/>
+              <a:t> = 0;</a:t>
+            </a:r>
+          </a:p>
+          <a:p>
+            <a:endParaRPr kumimoji="1" lang="en-US" altLang="ko-KR" dirty="0"/>
+          </a:p>
+          <a:p>
+            <a:r>
+              <a:rPr kumimoji="1" lang="en-US" altLang="ko-KR" dirty="0"/>
+              <a:t>++x;</a:t>
+            </a:r>
+          </a:p>
+          <a:p>
+            <a:r>
+              <a:rPr kumimoji="1" lang="en-US" altLang="ko-KR" dirty="0" err="1"/>
+              <a:t>printf</a:t>
+            </a:r>
+            <a:r>
+              <a:rPr kumimoji="1" lang="en-US" altLang="ko-KR" dirty="0"/>
+              <a:t>(“%d\n”, x);</a:t>
+            </a:r>
+          </a:p>
+          <a:p>
+            <a:endParaRPr kumimoji="1" lang="en-US" altLang="ko-KR" dirty="0"/>
+          </a:p>
+          <a:p>
+            <a:r>
+              <a:rPr kumimoji="1" lang="en-US" altLang="ko-KR" dirty="0"/>
+              <a:t>x++;</a:t>
+            </a:r>
+          </a:p>
+          <a:p>
+            <a:r>
+              <a:rPr kumimoji="1" lang="en-US" altLang="ko-KR" dirty="0" err="1"/>
+              <a:t>printf</a:t>
+            </a:r>
+            <a:r>
+              <a:rPr kumimoji="1" lang="en-US" altLang="ko-KR" dirty="0"/>
+              <a:t>(“%d\n”, x);</a:t>
+            </a:r>
+          </a:p>
+          <a:p>
+            <a:endParaRPr kumimoji="1" lang="en-US" altLang="ko-KR" dirty="0"/>
+          </a:p>
+          <a:p>
+            <a:r>
+              <a:rPr kumimoji="1" lang="en-US" altLang="ko-KR" dirty="0" err="1"/>
+              <a:t>nResult</a:t>
+            </a:r>
+            <a:r>
+              <a:rPr kumimoji="1" lang="en-US" altLang="ko-KR" dirty="0"/>
+              <a:t> = ++x;</a:t>
+            </a:r>
+          </a:p>
+          <a:p>
+            <a:r>
+              <a:rPr kumimoji="1" lang="en-US" altLang="ko-KR" dirty="0" err="1"/>
+              <a:t>Printf</a:t>
+            </a:r>
+            <a:r>
+              <a:rPr kumimoji="1" lang="en-US" altLang="ko-KR" dirty="0"/>
+              <a:t>(“%d, %d\n”, </a:t>
+            </a:r>
+            <a:r>
+              <a:rPr kumimoji="1" lang="en-US" altLang="ko-KR" dirty="0" err="1"/>
+              <a:t>nResult</a:t>
+            </a:r>
+            <a:r>
+              <a:rPr kumimoji="1" lang="en-US" altLang="ko-KR" dirty="0"/>
+              <a:t>, x);</a:t>
+            </a:r>
+          </a:p>
+          <a:p>
+            <a:endParaRPr kumimoji="1" lang="en-US" altLang="ko-KR" dirty="0"/>
+          </a:p>
+          <a:p>
+            <a:r>
+              <a:rPr kumimoji="1" lang="en-US" altLang="ko-KR" dirty="0" err="1"/>
+              <a:t>nResult</a:t>
+            </a:r>
+            <a:r>
+              <a:rPr kumimoji="1" lang="en-US" altLang="ko-KR" dirty="0"/>
+              <a:t> = x--;</a:t>
+            </a:r>
+          </a:p>
+          <a:p>
+            <a:r>
+              <a:rPr kumimoji="1" lang="en-US" altLang="ko-KR" dirty="0" err="1"/>
+              <a:t>Printf</a:t>
+            </a:r>
+            <a:r>
+              <a:rPr kumimoji="1" lang="en-US" altLang="ko-KR" dirty="0"/>
+              <a:t>(“%d, %d\n”, </a:t>
+            </a:r>
+            <a:r>
+              <a:rPr kumimoji="1" lang="en-US" altLang="ko-KR" dirty="0" err="1"/>
+              <a:t>nResult</a:t>
+            </a:r>
+            <a:r>
+              <a:rPr kumimoji="1" lang="en-US" altLang="ko-KR" dirty="0"/>
+              <a:t>, x);</a:t>
+            </a:r>
+          </a:p>
+          <a:p>
+            <a:endParaRPr kumimoji="1" lang="en-US" altLang="ko-KR" dirty="0"/>
+          </a:p>
+        </p:txBody>
+      </p:sp>
+    </p:spTree>
+    <p:extLst>
+      <p:ext uri="{BB962C8B-B14F-4D97-AF65-F5344CB8AC3E}">
+        <p14:creationId xmlns:p14="http://schemas.microsoft.com/office/powerpoint/2010/main" val="2357414568"/>
       </p:ext>
     </p:extLst>
   </p:cSld>

--- a/CSwithC/CS-explanation.pptx
+++ b/CSwithC/CS-explanation.pptx
@@ -5,18 +5,19 @@
     <p:sldMasterId id="2147483648" r:id="rId1"/>
   </p:sldMasterIdLst>
   <p:notesMasterIdLst>
-    <p:notesMasterId r:id="rId11"/>
+    <p:notesMasterId r:id="rId12"/>
   </p:notesMasterIdLst>
   <p:sldIdLst>
-    <p:sldId id="256" r:id="rId2"/>
-    <p:sldId id="257" r:id="rId3"/>
-    <p:sldId id="258" r:id="rId4"/>
-    <p:sldId id="260" r:id="rId5"/>
-    <p:sldId id="259" r:id="rId6"/>
-    <p:sldId id="262" r:id="rId7"/>
-    <p:sldId id="261" r:id="rId8"/>
-    <p:sldId id="263" r:id="rId9"/>
-    <p:sldId id="264" r:id="rId10"/>
+    <p:sldId id="265" r:id="rId2"/>
+    <p:sldId id="256" r:id="rId3"/>
+    <p:sldId id="257" r:id="rId4"/>
+    <p:sldId id="258" r:id="rId5"/>
+    <p:sldId id="260" r:id="rId6"/>
+    <p:sldId id="259" r:id="rId7"/>
+    <p:sldId id="262" r:id="rId8"/>
+    <p:sldId id="261" r:id="rId9"/>
+    <p:sldId id="263" r:id="rId10"/>
+    <p:sldId id="264" r:id="rId11"/>
   </p:sldIdLst>
   <p:sldSz cx="12192000" cy="6858000"/>
   <p:notesSz cx="6858000" cy="9144000"/>
@@ -908,7 +909,7 @@
           <a:p>
             <a:fld id="{16AFB6E1-9A93-4EBD-AB39-332ADB6F73BD}" type="slidenum">
               <a:rPr lang="ko-KR" altLang="en-US" smtClean="0"/>
-              <a:t>4</a:t>
+              <a:t>5</a:t>
             </a:fld>
             <a:endParaRPr lang="ko-KR" altLang="en-US"/>
           </a:p>
@@ -992,7 +993,7 @@
           <a:p>
             <a:fld id="{16AFB6E1-9A93-4EBD-AB39-332ADB6F73BD}" type="slidenum">
               <a:rPr lang="ko-KR" altLang="en-US" smtClean="0"/>
-              <a:t>5</a:t>
+              <a:t>6</a:t>
             </a:fld>
             <a:endParaRPr lang="ko-KR" altLang="en-US"/>
           </a:p>
@@ -4227,6 +4228,328 @@
       </p:grpSpPr>
       <p:sp>
         <p:nvSpPr>
+          <p:cNvPr id="9" name="TextBox 8">
+            <a:extLst>
+              <a:ext uri="{FF2B5EF4-FFF2-40B4-BE49-F238E27FC236}">
+                <a16:creationId xmlns:a16="http://schemas.microsoft.com/office/drawing/2014/main" id="{469A5102-9AC4-9D35-F992-CE99846FB09B}"/>
+              </a:ext>
+            </a:extLst>
+          </p:cNvPr>
+          <p:cNvSpPr txBox="1"/>
+          <p:nvPr/>
+        </p:nvSpPr>
+        <p:spPr>
+          <a:xfrm>
+            <a:off x="146756" y="135467"/>
+            <a:ext cx="8715022" cy="369332"/>
+          </a:xfrm>
+          <a:prstGeom prst="rect">
+            <a:avLst/>
+          </a:prstGeom>
+          <a:noFill/>
+        </p:spPr>
+        <p:txBody>
+          <a:bodyPr wrap="square" rtlCol="0">
+            <a:spAutoFit/>
+          </a:bodyPr>
+          <a:lstStyle/>
+          <a:p>
+            <a:r>
+              <a:rPr kumimoji="1" lang="ko-KR" altLang="en-US" dirty="0"/>
+              <a:t>주제</a:t>
+            </a:r>
+            <a:r>
+              <a:rPr kumimoji="1" lang="en-US" altLang="ko-KR" dirty="0"/>
+              <a:t>:</a:t>
+            </a:r>
+            <a:r>
+              <a:rPr kumimoji="1" lang="ko-KR" altLang="en-US" dirty="0"/>
+              <a:t> 컴퓨터에서의 데이터란 무엇인가</a:t>
+            </a:r>
+            <a:r>
+              <a:rPr kumimoji="1" lang="en-US" altLang="ko-KR" dirty="0"/>
+              <a:t>? </a:t>
+            </a:r>
+            <a:r>
+              <a:rPr kumimoji="1" lang="ko-KR" altLang="en-US" dirty="0"/>
+              <a:t>개론에 대해 </a:t>
+            </a:r>
+            <a:r>
+              <a:rPr kumimoji="1" lang="ko-KR" altLang="en-US" dirty="0" err="1"/>
+              <a:t>설명해보시오</a:t>
+            </a:r>
+            <a:r>
+              <a:rPr kumimoji="1" lang="en-US" altLang="ko-KR" dirty="0"/>
+              <a:t>.</a:t>
+            </a:r>
+            <a:endParaRPr kumimoji="1" lang="ko-KR" altLang="en-US" dirty="0"/>
+          </a:p>
+        </p:txBody>
+      </p:sp>
+    </p:spTree>
+    <p:extLst>
+      <p:ext uri="{BB962C8B-B14F-4D97-AF65-F5344CB8AC3E}">
+        <p14:creationId xmlns:p14="http://schemas.microsoft.com/office/powerpoint/2010/main" val="2084048083"/>
+      </p:ext>
+    </p:extLst>
+  </p:cSld>
+  <p:clrMapOvr>
+    <a:masterClrMapping/>
+  </p:clrMapOvr>
+</p:sld>
+</file>
+
+<file path=ppt/slides/slide10.xml><?xml version="1.0" encoding="utf-8"?>
+<p:sld xmlns:a="http://schemas.openxmlformats.org/drawingml/2006/main" xmlns:r="http://schemas.openxmlformats.org/officeDocument/2006/relationships" xmlns:p="http://schemas.openxmlformats.org/presentationml/2006/main">
+  <p:cSld>
+    <p:spTree>
+      <p:nvGrpSpPr>
+        <p:cNvPr id="1" name=""/>
+        <p:cNvGrpSpPr/>
+        <p:nvPr/>
+      </p:nvGrpSpPr>
+      <p:grpSpPr>
+        <a:xfrm>
+          <a:off x="0" y="0"/>
+          <a:ext cx="0" cy="0"/>
+          <a:chOff x="0" y="0"/>
+          <a:chExt cx="0" cy="0"/>
+        </a:xfrm>
+      </p:grpSpPr>
+      <p:sp>
+        <p:nvSpPr>
+          <p:cNvPr id="2" name="TextBox 1">
+            <a:extLst>
+              <a:ext uri="{FF2B5EF4-FFF2-40B4-BE49-F238E27FC236}">
+                <a16:creationId xmlns:a16="http://schemas.microsoft.com/office/drawing/2014/main" id="{A09F0C74-C86F-1C36-4837-020D358F34B9}"/>
+              </a:ext>
+            </a:extLst>
+          </p:cNvPr>
+          <p:cNvSpPr txBox="1"/>
+          <p:nvPr/>
+        </p:nvSpPr>
+        <p:spPr>
+          <a:xfrm>
+            <a:off x="485421" y="345203"/>
+            <a:ext cx="9358489" cy="369332"/>
+          </a:xfrm>
+          <a:prstGeom prst="rect">
+            <a:avLst/>
+          </a:prstGeom>
+          <a:noFill/>
+        </p:spPr>
+        <p:txBody>
+          <a:bodyPr wrap="square" rtlCol="0">
+            <a:spAutoFit/>
+          </a:bodyPr>
+          <a:lstStyle/>
+          <a:p>
+            <a:r>
+              <a:rPr kumimoji="1" lang="en-US" altLang="ko-KR" dirty="0"/>
+              <a:t>Q6) </a:t>
+            </a:r>
+            <a:r>
+              <a:rPr kumimoji="1" lang="ko-KR" altLang="en-US" dirty="0" err="1"/>
+              <a:t>전위식</a:t>
+            </a:r>
+            <a:r>
+              <a:rPr kumimoji="1" lang="ko-KR" altLang="en-US" dirty="0"/>
+              <a:t> </a:t>
+            </a:r>
+            <a:r>
+              <a:rPr kumimoji="1" lang="ko-KR" altLang="en-US" dirty="0" err="1"/>
+              <a:t>후위식</a:t>
+            </a:r>
+            <a:r>
+              <a:rPr kumimoji="1" lang="ko-KR" altLang="en-US" dirty="0"/>
+              <a:t> 단한 증감연산자에 대해서 </a:t>
+            </a:r>
+            <a:r>
+              <a:rPr kumimoji="1" lang="ko-KR" altLang="en-US" dirty="0" err="1"/>
+              <a:t>설명해보시오</a:t>
+            </a:r>
+            <a:endParaRPr kumimoji="1" lang="ko-KR" altLang="en-US" dirty="0"/>
+          </a:p>
+        </p:txBody>
+      </p:sp>
+      <p:sp>
+        <p:nvSpPr>
+          <p:cNvPr id="3" name="TextBox 2">
+            <a:extLst>
+              <a:ext uri="{FF2B5EF4-FFF2-40B4-BE49-F238E27FC236}">
+                <a16:creationId xmlns:a16="http://schemas.microsoft.com/office/drawing/2014/main" id="{8A89A4BC-44D4-1F80-ED53-2AF5C89E5F3B}"/>
+              </a:ext>
+            </a:extLst>
+          </p:cNvPr>
+          <p:cNvSpPr txBox="1"/>
+          <p:nvPr/>
+        </p:nvSpPr>
+        <p:spPr>
+          <a:xfrm>
+            <a:off x="978794" y="991673"/>
+            <a:ext cx="5847009" cy="3970318"/>
+          </a:xfrm>
+          <a:prstGeom prst="rect">
+            <a:avLst/>
+          </a:prstGeom>
+          <a:noFill/>
+        </p:spPr>
+        <p:txBody>
+          <a:bodyPr wrap="square" rtlCol="0">
+            <a:spAutoFit/>
+          </a:bodyPr>
+          <a:lstStyle/>
+          <a:p>
+            <a:r>
+              <a:rPr kumimoji="1" lang="en-US" altLang="ko-KR" dirty="0"/>
+              <a:t>int x = 0, </a:t>
+            </a:r>
+            <a:r>
+              <a:rPr kumimoji="1" lang="en-US" altLang="ko-KR" dirty="0" err="1"/>
+              <a:t>nResult</a:t>
+            </a:r>
+            <a:r>
+              <a:rPr kumimoji="1" lang="en-US" altLang="ko-KR" dirty="0"/>
+              <a:t> = 0;</a:t>
+            </a:r>
+          </a:p>
+          <a:p>
+            <a:endParaRPr kumimoji="1" lang="en-US" altLang="ko-KR" dirty="0"/>
+          </a:p>
+          <a:p>
+            <a:r>
+              <a:rPr kumimoji="1" lang="en-US" altLang="ko-KR" dirty="0"/>
+              <a:t>++x;</a:t>
+            </a:r>
+          </a:p>
+          <a:p>
+            <a:r>
+              <a:rPr kumimoji="1" lang="en-US" altLang="ko-KR" dirty="0" err="1"/>
+              <a:t>printf</a:t>
+            </a:r>
+            <a:r>
+              <a:rPr kumimoji="1" lang="en-US" altLang="ko-KR" dirty="0"/>
+              <a:t>(“%d\n”, x);</a:t>
+            </a:r>
+          </a:p>
+          <a:p>
+            <a:endParaRPr kumimoji="1" lang="en-US" altLang="ko-KR" dirty="0"/>
+          </a:p>
+          <a:p>
+            <a:r>
+              <a:rPr kumimoji="1" lang="en-US" altLang="ko-KR" dirty="0"/>
+              <a:t>x++;</a:t>
+            </a:r>
+          </a:p>
+          <a:p>
+            <a:r>
+              <a:rPr kumimoji="1" lang="en-US" altLang="ko-KR" dirty="0" err="1"/>
+              <a:t>printf</a:t>
+            </a:r>
+            <a:r>
+              <a:rPr kumimoji="1" lang="en-US" altLang="ko-KR" dirty="0"/>
+              <a:t>(“%d\n”, x);</a:t>
+            </a:r>
+          </a:p>
+          <a:p>
+            <a:endParaRPr kumimoji="1" lang="en-US" altLang="ko-KR" dirty="0"/>
+          </a:p>
+          <a:p>
+            <a:r>
+              <a:rPr kumimoji="1" lang="en-US" altLang="ko-KR" dirty="0" err="1"/>
+              <a:t>nResult</a:t>
+            </a:r>
+            <a:r>
+              <a:rPr kumimoji="1" lang="en-US" altLang="ko-KR" dirty="0"/>
+              <a:t> = ++x;</a:t>
+            </a:r>
+          </a:p>
+          <a:p>
+            <a:r>
+              <a:rPr kumimoji="1" lang="en-US" altLang="ko-KR" dirty="0" err="1"/>
+              <a:t>Printf</a:t>
+            </a:r>
+            <a:r>
+              <a:rPr kumimoji="1" lang="en-US" altLang="ko-KR" dirty="0"/>
+              <a:t>(“%d, %d\n”, </a:t>
+            </a:r>
+            <a:r>
+              <a:rPr kumimoji="1" lang="en-US" altLang="ko-KR" dirty="0" err="1"/>
+              <a:t>nResult</a:t>
+            </a:r>
+            <a:r>
+              <a:rPr kumimoji="1" lang="en-US" altLang="ko-KR" dirty="0"/>
+              <a:t>, x);</a:t>
+            </a:r>
+          </a:p>
+          <a:p>
+            <a:endParaRPr kumimoji="1" lang="en-US" altLang="ko-KR" dirty="0"/>
+          </a:p>
+          <a:p>
+            <a:r>
+              <a:rPr kumimoji="1" lang="en-US" altLang="ko-KR" dirty="0" err="1"/>
+              <a:t>nResult</a:t>
+            </a:r>
+            <a:r>
+              <a:rPr kumimoji="1" lang="en-US" altLang="ko-KR" dirty="0"/>
+              <a:t> = x--;</a:t>
+            </a:r>
+          </a:p>
+          <a:p>
+            <a:r>
+              <a:rPr kumimoji="1" lang="en-US" altLang="ko-KR" dirty="0" err="1"/>
+              <a:t>Printf</a:t>
+            </a:r>
+            <a:r>
+              <a:rPr kumimoji="1" lang="en-US" altLang="ko-KR" dirty="0"/>
+              <a:t>(“%d, %d\n”, </a:t>
+            </a:r>
+            <a:r>
+              <a:rPr kumimoji="1" lang="en-US" altLang="ko-KR" dirty="0" err="1"/>
+              <a:t>nResult</a:t>
+            </a:r>
+            <a:r>
+              <a:rPr kumimoji="1" lang="en-US" altLang="ko-KR" dirty="0"/>
+              <a:t>, x);</a:t>
+            </a:r>
+          </a:p>
+          <a:p>
+            <a:endParaRPr kumimoji="1" lang="en-US" altLang="ko-KR" dirty="0"/>
+          </a:p>
+        </p:txBody>
+      </p:sp>
+    </p:spTree>
+    <p:extLst>
+      <p:ext uri="{BB962C8B-B14F-4D97-AF65-F5344CB8AC3E}">
+        <p14:creationId xmlns:p14="http://schemas.microsoft.com/office/powerpoint/2010/main" val="2357414568"/>
+      </p:ext>
+    </p:extLst>
+  </p:cSld>
+  <p:clrMapOvr>
+    <a:masterClrMapping/>
+  </p:clrMapOvr>
+</p:sld>
+</file>
+
+<file path=ppt/slides/slide2.xml><?xml version="1.0" encoding="utf-8"?>
+<p:sld xmlns:a="http://schemas.openxmlformats.org/drawingml/2006/main" xmlns:r="http://schemas.openxmlformats.org/officeDocument/2006/relationships" xmlns:p="http://schemas.openxmlformats.org/presentationml/2006/main">
+  <p:cSld>
+    <p:spTree>
+      <p:nvGrpSpPr>
+        <p:cNvPr id="1" name=""/>
+        <p:cNvGrpSpPr/>
+        <p:nvPr/>
+      </p:nvGrpSpPr>
+      <p:grpSpPr>
+        <a:xfrm>
+          <a:off x="0" y="0"/>
+          <a:ext cx="0" cy="0"/>
+          <a:chOff x="0" y="0"/>
+          <a:chExt cx="0" cy="0"/>
+        </a:xfrm>
+      </p:grpSpPr>
+      <p:sp>
+        <p:nvSpPr>
           <p:cNvPr id="4" name="TextBox 3">
             <a:extLst>
               <a:ext uri="{FF2B5EF4-FFF2-40B4-BE49-F238E27FC236}">
@@ -4634,7 +4957,7 @@
 </p:sld>
 </file>
 
-<file path=ppt/slides/slide2.xml><?xml version="1.0" encoding="utf-8"?>
+<file path=ppt/slides/slide3.xml><?xml version="1.0" encoding="utf-8"?>
 <p:sld xmlns:a="http://schemas.openxmlformats.org/drawingml/2006/main" xmlns:r="http://schemas.openxmlformats.org/officeDocument/2006/relationships" xmlns:p="http://schemas.openxmlformats.org/presentationml/2006/main">
   <p:cSld>
     <p:spTree>
@@ -4768,7 +5091,7 @@
 </p:sld>
 </file>
 
-<file path=ppt/slides/slide3.xml><?xml version="1.0" encoding="utf-8"?>
+<file path=ppt/slides/slide4.xml><?xml version="1.0" encoding="utf-8"?>
 <p:sld xmlns:a="http://schemas.openxmlformats.org/drawingml/2006/main" xmlns:r="http://schemas.openxmlformats.org/officeDocument/2006/relationships" xmlns:p="http://schemas.openxmlformats.org/presentationml/2006/main">
   <p:cSld>
     <p:spTree>
@@ -6871,7 +7194,7 @@
 </p:sld>
 </file>
 
-<file path=ppt/slides/slide4.xml><?xml version="1.0" encoding="utf-8"?>
+<file path=ppt/slides/slide5.xml><?xml version="1.0" encoding="utf-8"?>
 <p:sld xmlns:a="http://schemas.openxmlformats.org/drawingml/2006/main" xmlns:r="http://schemas.openxmlformats.org/officeDocument/2006/relationships" xmlns:p="http://schemas.openxmlformats.org/presentationml/2006/main">
   <p:cSld>
     <p:spTree>
@@ -9123,7 +9446,7 @@
 </p:sld>
 </file>
 
-<file path=ppt/slides/slide5.xml><?xml version="1.0" encoding="utf-8"?>
+<file path=ppt/slides/slide6.xml><?xml version="1.0" encoding="utf-8"?>
 <p:sld xmlns:a="http://schemas.openxmlformats.org/drawingml/2006/main" xmlns:r="http://schemas.openxmlformats.org/officeDocument/2006/relationships" xmlns:p="http://schemas.openxmlformats.org/presentationml/2006/main">
   <p:cSld>
     <p:spTree>
@@ -11325,7 +11648,7 @@
 </p:sld>
 </file>
 
-<file path=ppt/slides/slide6.xml><?xml version="1.0" encoding="utf-8"?>
+<file path=ppt/slides/slide7.xml><?xml version="1.0" encoding="utf-8"?>
 <p:sld xmlns:a="http://schemas.openxmlformats.org/drawingml/2006/main" xmlns:r="http://schemas.openxmlformats.org/officeDocument/2006/relationships" xmlns:p="http://schemas.openxmlformats.org/presentationml/2006/main">
   <p:cSld>
     <p:spTree>
@@ -11658,136 +11981,6 @@
     <p:extLst>
       <p:ext uri="{BB962C8B-B14F-4D97-AF65-F5344CB8AC3E}">
         <p14:creationId xmlns:p14="http://schemas.microsoft.com/office/powerpoint/2010/main" val="3202208965"/>
-      </p:ext>
-    </p:extLst>
-  </p:cSld>
-  <p:clrMapOvr>
-    <a:masterClrMapping/>
-  </p:clrMapOvr>
-</p:sld>
-</file>
-
-<file path=ppt/slides/slide7.xml><?xml version="1.0" encoding="utf-8"?>
-<p:sld xmlns:a="http://schemas.openxmlformats.org/drawingml/2006/main" xmlns:r="http://schemas.openxmlformats.org/officeDocument/2006/relationships" xmlns:p="http://schemas.openxmlformats.org/presentationml/2006/main">
-  <p:cSld>
-    <p:spTree>
-      <p:nvGrpSpPr>
-        <p:cNvPr id="1" name=""/>
-        <p:cNvGrpSpPr/>
-        <p:nvPr/>
-      </p:nvGrpSpPr>
-      <p:grpSpPr>
-        <a:xfrm>
-          <a:off x="0" y="0"/>
-          <a:ext cx="0" cy="0"/>
-          <a:chOff x="0" y="0"/>
-          <a:chExt cx="0" cy="0"/>
-        </a:xfrm>
-      </p:grpSpPr>
-      <p:sp>
-        <p:nvSpPr>
-          <p:cNvPr id="2" name="TextBox 1">
-            <a:extLst>
-              <a:ext uri="{FF2B5EF4-FFF2-40B4-BE49-F238E27FC236}">
-                <a16:creationId xmlns:a16="http://schemas.microsoft.com/office/drawing/2014/main" id="{A09F0C74-C86F-1C36-4837-020D358F34B9}"/>
-              </a:ext>
-            </a:extLst>
-          </p:cNvPr>
-          <p:cNvSpPr txBox="1"/>
-          <p:nvPr/>
-        </p:nvSpPr>
-        <p:spPr>
-          <a:xfrm>
-            <a:off x="485421" y="345203"/>
-            <a:ext cx="9358489" cy="369332"/>
-          </a:xfrm>
-          <a:prstGeom prst="rect">
-            <a:avLst/>
-          </a:prstGeom>
-          <a:noFill/>
-        </p:spPr>
-        <p:txBody>
-          <a:bodyPr wrap="square" rtlCol="0">
-            <a:spAutoFit/>
-          </a:bodyPr>
-          <a:lstStyle/>
-          <a:p>
-            <a:r>
-              <a:rPr kumimoji="1" lang="en-US" altLang="ko-KR" dirty="0"/>
-              <a:t>Q3) Blocking / Non-Blocking I/O</a:t>
-            </a:r>
-            <a:r>
-              <a:rPr kumimoji="1" lang="ko-KR" altLang="en-US" dirty="0"/>
-              <a:t>에 대해서 </a:t>
-            </a:r>
-            <a:r>
-              <a:rPr kumimoji="1" lang="ko-KR" altLang="en-US" dirty="0" err="1"/>
-              <a:t>설명해보시오</a:t>
-            </a:r>
-            <a:r>
-              <a:rPr kumimoji="1" lang="en-US" altLang="ko-KR" dirty="0"/>
-              <a:t>.</a:t>
-            </a:r>
-            <a:endParaRPr kumimoji="1" lang="ko-KR" altLang="en-US" dirty="0"/>
-          </a:p>
-        </p:txBody>
-      </p:sp>
-      <p:sp>
-        <p:nvSpPr>
-          <p:cNvPr id="3" name="TextBox 2">
-            <a:extLst>
-              <a:ext uri="{FF2B5EF4-FFF2-40B4-BE49-F238E27FC236}">
-                <a16:creationId xmlns:a16="http://schemas.microsoft.com/office/drawing/2014/main" id="{8BD3895B-3919-92F7-C83A-E6F2BB3B3B73}"/>
-              </a:ext>
-            </a:extLst>
-          </p:cNvPr>
-          <p:cNvSpPr txBox="1"/>
-          <p:nvPr/>
-        </p:nvSpPr>
-        <p:spPr>
-          <a:xfrm>
-            <a:off x="485421" y="2841558"/>
-            <a:ext cx="9358489" cy="369332"/>
-          </a:xfrm>
-          <a:prstGeom prst="rect">
-            <a:avLst/>
-          </a:prstGeom>
-          <a:noFill/>
-        </p:spPr>
-        <p:txBody>
-          <a:bodyPr wrap="square" rtlCol="0">
-            <a:spAutoFit/>
-          </a:bodyPr>
-          <a:lstStyle/>
-          <a:p>
-            <a:r>
-              <a:rPr kumimoji="1" lang="en-US" altLang="ko-KR" dirty="0"/>
-              <a:t>Q4) </a:t>
-            </a:r>
-            <a:r>
-              <a:rPr kumimoji="1" lang="ko-KR" altLang="en-US" dirty="0"/>
-              <a:t>비트연산과 </a:t>
-            </a:r>
-            <a:r>
-              <a:rPr kumimoji="1" lang="ko-KR" altLang="en-US" dirty="0" err="1"/>
-              <a:t>엔디안에</a:t>
-            </a:r>
-            <a:r>
-              <a:rPr kumimoji="1" lang="ko-KR" altLang="en-US" dirty="0"/>
-              <a:t> 대해 </a:t>
-            </a:r>
-            <a:r>
-              <a:rPr kumimoji="1" lang="ko-KR" altLang="en-US" dirty="0" err="1"/>
-              <a:t>설명해보시오</a:t>
-            </a:r>
-            <a:endParaRPr kumimoji="1" lang="ko-KR" altLang="en-US" dirty="0"/>
-          </a:p>
-        </p:txBody>
-      </p:sp>
-    </p:spTree>
-    <p:extLst>
-      <p:ext uri="{BB962C8B-B14F-4D97-AF65-F5344CB8AC3E}">
-        <p14:creationId xmlns:p14="http://schemas.microsoft.com/office/powerpoint/2010/main" val="3665004036"/>
       </p:ext>
     </p:extLst>
   </p:cSld>
@@ -11844,11 +12037,67 @@
           <a:p>
             <a:r>
               <a:rPr kumimoji="1" lang="en-US" altLang="ko-KR" dirty="0"/>
-              <a:t>Q5) </a:t>
+              <a:t>Q3) Blocking / Non-Blocking I/O</a:t>
             </a:r>
             <a:r>
               <a:rPr kumimoji="1" lang="ko-KR" altLang="en-US" dirty="0"/>
-              <a:t>컴퓨터의 데이터와 비트에 대해서 </a:t>
+              <a:t>에 대해서 </a:t>
+            </a:r>
+            <a:r>
+              <a:rPr kumimoji="1" lang="ko-KR" altLang="en-US" dirty="0" err="1"/>
+              <a:t>설명해보시오</a:t>
+            </a:r>
+            <a:r>
+              <a:rPr kumimoji="1" lang="en-US" altLang="ko-KR" dirty="0"/>
+              <a:t>.</a:t>
+            </a:r>
+            <a:endParaRPr kumimoji="1" lang="ko-KR" altLang="en-US" dirty="0"/>
+          </a:p>
+        </p:txBody>
+      </p:sp>
+      <p:sp>
+        <p:nvSpPr>
+          <p:cNvPr id="3" name="TextBox 2">
+            <a:extLst>
+              <a:ext uri="{FF2B5EF4-FFF2-40B4-BE49-F238E27FC236}">
+                <a16:creationId xmlns:a16="http://schemas.microsoft.com/office/drawing/2014/main" id="{8BD3895B-3919-92F7-C83A-E6F2BB3B3B73}"/>
+              </a:ext>
+            </a:extLst>
+          </p:cNvPr>
+          <p:cNvSpPr txBox="1"/>
+          <p:nvPr/>
+        </p:nvSpPr>
+        <p:spPr>
+          <a:xfrm>
+            <a:off x="485421" y="2841558"/>
+            <a:ext cx="9358489" cy="369332"/>
+          </a:xfrm>
+          <a:prstGeom prst="rect">
+            <a:avLst/>
+          </a:prstGeom>
+          <a:noFill/>
+        </p:spPr>
+        <p:txBody>
+          <a:bodyPr wrap="square" rtlCol="0">
+            <a:spAutoFit/>
+          </a:bodyPr>
+          <a:lstStyle/>
+          <a:p>
+            <a:r>
+              <a:rPr kumimoji="1" lang="en-US" altLang="ko-KR" dirty="0"/>
+              <a:t>Q4) </a:t>
+            </a:r>
+            <a:r>
+              <a:rPr kumimoji="1" lang="ko-KR" altLang="en-US" dirty="0"/>
+              <a:t>비트연산과 </a:t>
+            </a:r>
+            <a:r>
+              <a:rPr kumimoji="1" lang="ko-KR" altLang="en-US" dirty="0" err="1"/>
+              <a:t>엔디안에</a:t>
+            </a:r>
+            <a:r>
+              <a:rPr kumimoji="1" lang="ko-KR" altLang="en-US" dirty="0"/>
+              <a:t> 대해 </a:t>
             </a:r>
             <a:r>
               <a:rPr kumimoji="1" lang="ko-KR" altLang="en-US" dirty="0" err="1"/>
@@ -11861,7 +12110,7 @@
     </p:spTree>
     <p:extLst>
       <p:ext uri="{BB962C8B-B14F-4D97-AF65-F5344CB8AC3E}">
-        <p14:creationId xmlns:p14="http://schemas.microsoft.com/office/powerpoint/2010/main" val="2856679831"/>
+        <p14:creationId xmlns:p14="http://schemas.microsoft.com/office/powerpoint/2010/main" val="3665004036"/>
       </p:ext>
     </p:extLst>
   </p:cSld>
@@ -11918,174 +12167,24 @@
           <a:p>
             <a:r>
               <a:rPr kumimoji="1" lang="en-US" altLang="ko-KR" dirty="0"/>
-              <a:t>Q6) </a:t>
+              <a:t>Q5) </a:t>
+            </a:r>
+            <a:r>
+              <a:rPr kumimoji="1" lang="ko-KR" altLang="en-US" dirty="0"/>
+              <a:t>컴퓨터의 데이터와 비트에 대해서 </a:t>
             </a:r>
             <a:r>
               <a:rPr kumimoji="1" lang="ko-KR" altLang="en-US" dirty="0" err="1"/>
-              <a:t>전위식</a:t>
-            </a:r>
-            <a:r>
-              <a:rPr kumimoji="1" lang="ko-KR" altLang="en-US" dirty="0"/>
-              <a:t> </a:t>
-            </a:r>
-            <a:r>
-              <a:rPr kumimoji="1" lang="ko-KR" altLang="en-US" dirty="0" err="1"/>
-              <a:t>후위식</a:t>
+              <a:t>설명해보시오</a:t>
             </a:r>
             <a:endParaRPr kumimoji="1" lang="ko-KR" altLang="en-US" dirty="0"/>
-          </a:p>
-        </p:txBody>
-      </p:sp>
-      <p:sp>
-        <p:nvSpPr>
-          <p:cNvPr id="3" name="TextBox 2">
-            <a:extLst>
-              <a:ext uri="{FF2B5EF4-FFF2-40B4-BE49-F238E27FC236}">
-                <a16:creationId xmlns:a16="http://schemas.microsoft.com/office/drawing/2014/main" id="{8A89A4BC-44D4-1F80-ED53-2AF5C89E5F3B}"/>
-              </a:ext>
-            </a:extLst>
-          </p:cNvPr>
-          <p:cNvSpPr txBox="1"/>
-          <p:nvPr/>
-        </p:nvSpPr>
-        <p:spPr>
-          <a:xfrm>
-            <a:off x="978794" y="991673"/>
-            <a:ext cx="5847009" cy="3970318"/>
-          </a:xfrm>
-          <a:prstGeom prst="rect">
-            <a:avLst/>
-          </a:prstGeom>
-          <a:noFill/>
-        </p:spPr>
-        <p:txBody>
-          <a:bodyPr wrap="square" rtlCol="0">
-            <a:spAutoFit/>
-          </a:bodyPr>
-          <a:lstStyle/>
-          <a:p>
-            <a:r>
-              <a:rPr kumimoji="1" lang="en-US" altLang="ko-KR" dirty="0"/>
-              <a:t>int x = 0, </a:t>
-            </a:r>
-            <a:r>
-              <a:rPr kumimoji="1" lang="en-US" altLang="ko-KR" dirty="0" err="1"/>
-              <a:t>nResult</a:t>
-            </a:r>
-            <a:r>
-              <a:rPr kumimoji="1" lang="en-US" altLang="ko-KR" dirty="0"/>
-              <a:t> = 0;</a:t>
-            </a:r>
-          </a:p>
-          <a:p>
-            <a:endParaRPr kumimoji="1" lang="en-US" altLang="ko-KR" dirty="0"/>
-          </a:p>
-          <a:p>
-            <a:r>
-              <a:rPr kumimoji="1" lang="en-US" altLang="ko-KR" dirty="0"/>
-              <a:t>++x;</a:t>
-            </a:r>
-          </a:p>
-          <a:p>
-            <a:r>
-              <a:rPr kumimoji="1" lang="en-US" altLang="ko-KR" dirty="0" err="1"/>
-              <a:t>printf</a:t>
-            </a:r>
-            <a:r>
-              <a:rPr kumimoji="1" lang="en-US" altLang="ko-KR" dirty="0"/>
-              <a:t>(“%d\n”, x);</a:t>
-            </a:r>
-          </a:p>
-          <a:p>
-            <a:endParaRPr kumimoji="1" lang="en-US" altLang="ko-KR" dirty="0"/>
-          </a:p>
-          <a:p>
-            <a:r>
-              <a:rPr kumimoji="1" lang="en-US" altLang="ko-KR" dirty="0"/>
-              <a:t>x++;</a:t>
-            </a:r>
-          </a:p>
-          <a:p>
-            <a:r>
-              <a:rPr kumimoji="1" lang="en-US" altLang="ko-KR" dirty="0" err="1"/>
-              <a:t>printf</a:t>
-            </a:r>
-            <a:r>
-              <a:rPr kumimoji="1" lang="en-US" altLang="ko-KR" dirty="0"/>
-              <a:t>(“%d\n”, x);</a:t>
-            </a:r>
-          </a:p>
-          <a:p>
-            <a:endParaRPr kumimoji="1" lang="en-US" altLang="ko-KR" dirty="0"/>
-          </a:p>
-          <a:p>
-            <a:r>
-              <a:rPr kumimoji="1" lang="en-US" altLang="ko-KR" dirty="0" err="1"/>
-              <a:t>nResult</a:t>
-            </a:r>
-            <a:r>
-              <a:rPr kumimoji="1" lang="en-US" altLang="ko-KR" dirty="0"/>
-              <a:t> = ++x;</a:t>
-            </a:r>
-          </a:p>
-          <a:p>
-            <a:r>
-              <a:rPr kumimoji="1" lang="en-US" altLang="ko-KR" dirty="0" err="1"/>
-              <a:t>Printf</a:t>
-            </a:r>
-            <a:r>
-              <a:rPr kumimoji="1" lang="en-US" altLang="ko-KR" dirty="0"/>
-              <a:t>(“%d, %d\n”, </a:t>
-            </a:r>
-            <a:r>
-              <a:rPr kumimoji="1" lang="en-US" altLang="ko-KR" dirty="0" err="1"/>
-              <a:t>nResult</a:t>
-            </a:r>
-            <a:r>
-              <a:rPr kumimoji="1" lang="en-US" altLang="ko-KR" dirty="0"/>
-              <a:t>, x);</a:t>
-            </a:r>
-          </a:p>
-          <a:p>
-            <a:endParaRPr kumimoji="1" lang="en-US" altLang="ko-KR" dirty="0"/>
-          </a:p>
-          <a:p>
-            <a:r>
-              <a:rPr kumimoji="1" lang="en-US" altLang="ko-KR" dirty="0" err="1"/>
-              <a:t>nResult</a:t>
-            </a:r>
-            <a:r>
-              <a:rPr kumimoji="1" lang="en-US" altLang="ko-KR" dirty="0"/>
-              <a:t> = x--;</a:t>
-            </a:r>
-          </a:p>
-          <a:p>
-            <a:r>
-              <a:rPr kumimoji="1" lang="en-US" altLang="ko-KR" dirty="0" err="1"/>
-              <a:t>Printf</a:t>
-            </a:r>
-            <a:r>
-              <a:rPr kumimoji="1" lang="en-US" altLang="ko-KR" dirty="0"/>
-              <a:t>(“%d, %d\n”, </a:t>
-            </a:r>
-            <a:r>
-              <a:rPr kumimoji="1" lang="en-US" altLang="ko-KR" dirty="0" err="1"/>
-              <a:t>nResult</a:t>
-            </a:r>
-            <a:r>
-              <a:rPr kumimoji="1" lang="en-US" altLang="ko-KR" dirty="0"/>
-              <a:t>, x);</a:t>
-            </a:r>
-          </a:p>
-          <a:p>
-            <a:endParaRPr kumimoji="1" lang="en-US" altLang="ko-KR" dirty="0"/>
           </a:p>
         </p:txBody>
       </p:sp>
     </p:spTree>
     <p:extLst>
       <p:ext uri="{BB962C8B-B14F-4D97-AF65-F5344CB8AC3E}">
-        <p14:creationId xmlns:p14="http://schemas.microsoft.com/office/powerpoint/2010/main" val="2357414568"/>
+        <p14:creationId xmlns:p14="http://schemas.microsoft.com/office/powerpoint/2010/main" val="2856679831"/>
       </p:ext>
     </p:extLst>
   </p:cSld>

--- a/CSwithC/CS-explanation.pptx
+++ b/CSwithC/CS-explanation.pptx
@@ -14503,8 +14503,8 @@
         </p:nvSpPr>
         <p:spPr>
           <a:xfrm>
-            <a:off x="550573" y="1048434"/>
-            <a:ext cx="6098146" cy="646331"/>
+            <a:off x="283336" y="790856"/>
+            <a:ext cx="10650827" cy="369332"/>
           </a:xfrm>
           <a:prstGeom prst="rect">
             <a:avLst/>
@@ -14535,16 +14535,1099 @@
             </a:r>
             <a:r>
               <a:rPr lang="ko-KR" altLang="en-US" dirty="0"/>
-              <a:t>비트의 데이터 단위로 메모리를 처리하고 접근하는 방식을 말합니다</a:t>
+              <a:t>비트의 데이터 단위로 메모리를 처리하고 접근하는 방식을 말한다</a:t>
             </a:r>
             <a:r>
               <a:rPr lang="en-US" altLang="ko-KR" dirty="0"/>
+              <a:t>.</a:t>
+            </a:r>
+            <a:endParaRPr lang="ko-KR" altLang="en-US" dirty="0"/>
+          </a:p>
+        </p:txBody>
+      </p:sp>
+      <p:graphicFrame>
+        <p:nvGraphicFramePr>
+          <p:cNvPr id="6" name="표 6">
+            <a:extLst>
+              <a:ext uri="{FF2B5EF4-FFF2-40B4-BE49-F238E27FC236}">
+                <a16:creationId xmlns:a16="http://schemas.microsoft.com/office/drawing/2014/main" id="{8709FB5F-9A50-5B01-4083-5D6EECA9DD80}"/>
+              </a:ext>
+            </a:extLst>
+          </p:cNvPr>
+          <p:cNvGraphicFramePr>
+            <a:graphicFrameLocks noGrp="1"/>
+          </p:cNvGraphicFramePr>
+          <p:nvPr>
+            <p:extLst>
+              <p:ext uri="{D42A27DB-BD31-4B8C-83A1-F6EECF244321}">
+                <p14:modId xmlns:p14="http://schemas.microsoft.com/office/powerpoint/2010/main" val="1476578050"/>
+              </p:ext>
+            </p:extLst>
+          </p:nvPr>
+        </p:nvGraphicFramePr>
+        <p:xfrm>
+          <a:off x="2755721" y="2048910"/>
+          <a:ext cx="5049233" cy="2527615"/>
+        </p:xfrm>
+        <a:graphic>
+          <a:graphicData uri="http://schemas.openxmlformats.org/drawingml/2006/table">
+            <a:tbl>
+              <a:tblPr firstRow="1" bandRow="1">
+                <a:tableStyleId>{5940675A-B579-460E-94D1-54222C63F5DA}</a:tableStyleId>
+              </a:tblPr>
+              <a:tblGrid>
+                <a:gridCol w="721319">
+                  <a:extLst>
+                    <a:ext uri="{9D8B030D-6E8A-4147-A177-3AD203B41FA5}">
+                      <a16:colId xmlns:a16="http://schemas.microsoft.com/office/drawing/2014/main" val="3408414427"/>
+                    </a:ext>
+                  </a:extLst>
+                </a:gridCol>
+                <a:gridCol w="721319">
+                  <a:extLst>
+                    <a:ext uri="{9D8B030D-6E8A-4147-A177-3AD203B41FA5}">
+                      <a16:colId xmlns:a16="http://schemas.microsoft.com/office/drawing/2014/main" val="3155879191"/>
+                    </a:ext>
+                  </a:extLst>
+                </a:gridCol>
+                <a:gridCol w="721319">
+                  <a:extLst>
+                    <a:ext uri="{9D8B030D-6E8A-4147-A177-3AD203B41FA5}">
+                      <a16:colId xmlns:a16="http://schemas.microsoft.com/office/drawing/2014/main" val="2611491143"/>
+                    </a:ext>
+                  </a:extLst>
+                </a:gridCol>
+                <a:gridCol w="721319">
+                  <a:extLst>
+                    <a:ext uri="{9D8B030D-6E8A-4147-A177-3AD203B41FA5}">
+                      <a16:colId xmlns:a16="http://schemas.microsoft.com/office/drawing/2014/main" val="2202869473"/>
+                    </a:ext>
+                  </a:extLst>
+                </a:gridCol>
+                <a:gridCol w="721319">
+                  <a:extLst>
+                    <a:ext uri="{9D8B030D-6E8A-4147-A177-3AD203B41FA5}">
+                      <a16:colId xmlns:a16="http://schemas.microsoft.com/office/drawing/2014/main" val="3548912312"/>
+                    </a:ext>
+                  </a:extLst>
+                </a:gridCol>
+                <a:gridCol w="721319">
+                  <a:extLst>
+                    <a:ext uri="{9D8B030D-6E8A-4147-A177-3AD203B41FA5}">
+                      <a16:colId xmlns:a16="http://schemas.microsoft.com/office/drawing/2014/main" val="1056997378"/>
+                    </a:ext>
+                  </a:extLst>
+                </a:gridCol>
+                <a:gridCol w="721319">
+                  <a:extLst>
+                    <a:ext uri="{9D8B030D-6E8A-4147-A177-3AD203B41FA5}">
+                      <a16:colId xmlns:a16="http://schemas.microsoft.com/office/drawing/2014/main" val="1919910284"/>
+                    </a:ext>
+                  </a:extLst>
+                </a:gridCol>
+              </a:tblGrid>
+              <a:tr h="505523">
+                <a:tc>
+                  <a:txBody>
+                    <a:bodyPr/>
+                    <a:lstStyle/>
+                    <a:p>
+                      <a:pPr latinLnBrk="1"/>
+                      <a:endParaRPr lang="ko-KR" altLang="en-US" dirty="0"/>
+                    </a:p>
+                  </a:txBody>
+                  <a:tcPr/>
+                </a:tc>
+                <a:tc>
+                  <a:txBody>
+                    <a:bodyPr/>
+                    <a:lstStyle/>
+                    <a:p>
+                      <a:pPr latinLnBrk="1"/>
+                      <a:endParaRPr lang="ko-KR" altLang="en-US"/>
+                    </a:p>
+                  </a:txBody>
+                  <a:tcPr/>
+                </a:tc>
+                <a:tc>
+                  <a:txBody>
+                    <a:bodyPr/>
+                    <a:lstStyle/>
+                    <a:p>
+                      <a:pPr latinLnBrk="1"/>
+                      <a:endParaRPr lang="ko-KR" altLang="en-US"/>
+                    </a:p>
+                  </a:txBody>
+                  <a:tcPr/>
+                </a:tc>
+                <a:tc>
+                  <a:txBody>
+                    <a:bodyPr/>
+                    <a:lstStyle/>
+                    <a:p>
+                      <a:pPr latinLnBrk="1"/>
+                      <a:endParaRPr lang="ko-KR" altLang="en-US"/>
+                    </a:p>
+                  </a:txBody>
+                  <a:tcPr/>
+                </a:tc>
+                <a:tc>
+                  <a:txBody>
+                    <a:bodyPr/>
+                    <a:lstStyle/>
+                    <a:p>
+                      <a:pPr latinLnBrk="1"/>
+                      <a:endParaRPr lang="ko-KR" altLang="en-US"/>
+                    </a:p>
+                  </a:txBody>
+                  <a:tcPr/>
+                </a:tc>
+                <a:tc>
+                  <a:txBody>
+                    <a:bodyPr/>
+                    <a:lstStyle/>
+                    <a:p>
+                      <a:pPr latinLnBrk="1"/>
+                      <a:endParaRPr lang="ko-KR" altLang="en-US"/>
+                    </a:p>
+                  </a:txBody>
+                  <a:tcPr/>
+                </a:tc>
+                <a:tc>
+                  <a:txBody>
+                    <a:bodyPr/>
+                    <a:lstStyle/>
+                    <a:p>
+                      <a:pPr latinLnBrk="1"/>
+                      <a:endParaRPr lang="ko-KR" altLang="en-US"/>
+                    </a:p>
+                  </a:txBody>
+                  <a:tcPr/>
+                </a:tc>
+                <a:extLst>
+                  <a:ext uri="{0D108BD9-81ED-4DB2-BD59-A6C34878D82A}">
+                    <a16:rowId xmlns:a16="http://schemas.microsoft.com/office/drawing/2014/main" val="150208060"/>
+                  </a:ext>
+                </a:extLst>
+              </a:tr>
+              <a:tr h="505523">
+                <a:tc>
+                  <a:txBody>
+                    <a:bodyPr/>
+                    <a:lstStyle/>
+                    <a:p>
+                      <a:pPr latinLnBrk="1"/>
+                      <a:endParaRPr lang="ko-KR" altLang="en-US"/>
+                    </a:p>
+                  </a:txBody>
+                  <a:tcPr/>
+                </a:tc>
+                <a:tc>
+                  <a:txBody>
+                    <a:bodyPr/>
+                    <a:lstStyle/>
+                    <a:p>
+                      <a:pPr latinLnBrk="1"/>
+                      <a:endParaRPr lang="ko-KR" altLang="en-US"/>
+                    </a:p>
+                  </a:txBody>
+                  <a:tcPr/>
+                </a:tc>
+                <a:tc>
+                  <a:txBody>
+                    <a:bodyPr/>
+                    <a:lstStyle/>
+                    <a:p>
+                      <a:pPr latinLnBrk="1"/>
+                      <a:endParaRPr lang="ko-KR" altLang="en-US"/>
+                    </a:p>
+                  </a:txBody>
+                  <a:tcPr/>
+                </a:tc>
+                <a:tc>
+                  <a:txBody>
+                    <a:bodyPr/>
+                    <a:lstStyle/>
+                    <a:p>
+                      <a:pPr latinLnBrk="1"/>
+                      <a:endParaRPr lang="ko-KR" altLang="en-US"/>
+                    </a:p>
+                  </a:txBody>
+                  <a:tcPr/>
+                </a:tc>
+                <a:tc>
+                  <a:txBody>
+                    <a:bodyPr/>
+                    <a:lstStyle/>
+                    <a:p>
+                      <a:pPr latinLnBrk="1"/>
+                      <a:endParaRPr lang="ko-KR" altLang="en-US"/>
+                    </a:p>
+                  </a:txBody>
+                  <a:tcPr/>
+                </a:tc>
+                <a:tc>
+                  <a:txBody>
+                    <a:bodyPr/>
+                    <a:lstStyle/>
+                    <a:p>
+                      <a:pPr latinLnBrk="1"/>
+                      <a:endParaRPr lang="ko-KR" altLang="en-US" dirty="0"/>
+                    </a:p>
+                  </a:txBody>
+                  <a:tcPr/>
+                </a:tc>
+                <a:tc>
+                  <a:txBody>
+                    <a:bodyPr/>
+                    <a:lstStyle/>
+                    <a:p>
+                      <a:pPr latinLnBrk="1"/>
+                      <a:endParaRPr lang="ko-KR" altLang="en-US"/>
+                    </a:p>
+                  </a:txBody>
+                  <a:tcPr/>
+                </a:tc>
+                <a:extLst>
+                  <a:ext uri="{0D108BD9-81ED-4DB2-BD59-A6C34878D82A}">
+                    <a16:rowId xmlns:a16="http://schemas.microsoft.com/office/drawing/2014/main" val="531105570"/>
+                  </a:ext>
+                </a:extLst>
+              </a:tr>
+              <a:tr h="505523">
+                <a:tc>
+                  <a:txBody>
+                    <a:bodyPr/>
+                    <a:lstStyle/>
+                    <a:p>
+                      <a:pPr latinLnBrk="1"/>
+                      <a:endParaRPr lang="ko-KR" altLang="en-US"/>
+                    </a:p>
+                  </a:txBody>
+                  <a:tcPr/>
+                </a:tc>
+                <a:tc>
+                  <a:txBody>
+                    <a:bodyPr/>
+                    <a:lstStyle/>
+                    <a:p>
+                      <a:pPr latinLnBrk="1"/>
+                      <a:endParaRPr lang="ko-KR" altLang="en-US"/>
+                    </a:p>
+                  </a:txBody>
+                  <a:tcPr/>
+                </a:tc>
+                <a:tc>
+                  <a:txBody>
+                    <a:bodyPr/>
+                    <a:lstStyle/>
+                    <a:p>
+                      <a:pPr latinLnBrk="1"/>
+                      <a:endParaRPr lang="ko-KR" altLang="en-US"/>
+                    </a:p>
+                  </a:txBody>
+                  <a:tcPr/>
+                </a:tc>
+                <a:tc>
+                  <a:txBody>
+                    <a:bodyPr/>
+                    <a:lstStyle/>
+                    <a:p>
+                      <a:pPr latinLnBrk="1"/>
+                      <a:endParaRPr lang="ko-KR" altLang="en-US"/>
+                    </a:p>
+                  </a:txBody>
+                  <a:tcPr/>
+                </a:tc>
+                <a:tc>
+                  <a:txBody>
+                    <a:bodyPr/>
+                    <a:lstStyle/>
+                    <a:p>
+                      <a:pPr latinLnBrk="1"/>
+                      <a:endParaRPr lang="ko-KR" altLang="en-US"/>
+                    </a:p>
+                  </a:txBody>
+                  <a:tcPr/>
+                </a:tc>
+                <a:tc>
+                  <a:txBody>
+                    <a:bodyPr/>
+                    <a:lstStyle/>
+                    <a:p>
+                      <a:pPr latinLnBrk="1"/>
+                      <a:endParaRPr lang="ko-KR" altLang="en-US"/>
+                    </a:p>
+                  </a:txBody>
+                  <a:tcPr/>
+                </a:tc>
+                <a:tc>
+                  <a:txBody>
+                    <a:bodyPr/>
+                    <a:lstStyle/>
+                    <a:p>
+                      <a:pPr latinLnBrk="1"/>
+                      <a:endParaRPr lang="ko-KR" altLang="en-US"/>
+                    </a:p>
+                  </a:txBody>
+                  <a:tcPr/>
+                </a:tc>
+                <a:extLst>
+                  <a:ext uri="{0D108BD9-81ED-4DB2-BD59-A6C34878D82A}">
+                    <a16:rowId xmlns:a16="http://schemas.microsoft.com/office/drawing/2014/main" val="3989207509"/>
+                  </a:ext>
+                </a:extLst>
+              </a:tr>
+              <a:tr h="505523">
+                <a:tc>
+                  <a:txBody>
+                    <a:bodyPr/>
+                    <a:lstStyle/>
+                    <a:p>
+                      <a:pPr latinLnBrk="1"/>
+                      <a:endParaRPr lang="ko-KR" altLang="en-US"/>
+                    </a:p>
+                  </a:txBody>
+                  <a:tcPr/>
+                </a:tc>
+                <a:tc>
+                  <a:txBody>
+                    <a:bodyPr/>
+                    <a:lstStyle/>
+                    <a:p>
+                      <a:pPr latinLnBrk="1"/>
+                      <a:endParaRPr lang="ko-KR" altLang="en-US"/>
+                    </a:p>
+                  </a:txBody>
+                  <a:tcPr/>
+                </a:tc>
+                <a:tc>
+                  <a:txBody>
+                    <a:bodyPr/>
+                    <a:lstStyle/>
+                    <a:p>
+                      <a:pPr latinLnBrk="1"/>
+                      <a:endParaRPr lang="ko-KR" altLang="en-US"/>
+                    </a:p>
+                  </a:txBody>
+                  <a:tcPr/>
+                </a:tc>
+                <a:tc>
+                  <a:txBody>
+                    <a:bodyPr/>
+                    <a:lstStyle/>
+                    <a:p>
+                      <a:pPr latinLnBrk="1"/>
+                      <a:endParaRPr lang="ko-KR" altLang="en-US"/>
+                    </a:p>
+                  </a:txBody>
+                  <a:tcPr/>
+                </a:tc>
+                <a:tc>
+                  <a:txBody>
+                    <a:bodyPr/>
+                    <a:lstStyle/>
+                    <a:p>
+                      <a:pPr latinLnBrk="1"/>
+                      <a:endParaRPr lang="ko-KR" altLang="en-US"/>
+                    </a:p>
+                  </a:txBody>
+                  <a:tcPr/>
+                </a:tc>
+                <a:tc>
+                  <a:txBody>
+                    <a:bodyPr/>
+                    <a:lstStyle/>
+                    <a:p>
+                      <a:pPr latinLnBrk="1"/>
+                      <a:endParaRPr lang="ko-KR" altLang="en-US"/>
+                    </a:p>
+                  </a:txBody>
+                  <a:tcPr/>
+                </a:tc>
+                <a:tc>
+                  <a:txBody>
+                    <a:bodyPr/>
+                    <a:lstStyle/>
+                    <a:p>
+                      <a:pPr latinLnBrk="1"/>
+                      <a:endParaRPr lang="ko-KR" altLang="en-US"/>
+                    </a:p>
+                  </a:txBody>
+                  <a:tcPr/>
+                </a:tc>
+                <a:extLst>
+                  <a:ext uri="{0D108BD9-81ED-4DB2-BD59-A6C34878D82A}">
+                    <a16:rowId xmlns:a16="http://schemas.microsoft.com/office/drawing/2014/main" val="3305292293"/>
+                  </a:ext>
+                </a:extLst>
+              </a:tr>
+              <a:tr h="505523">
+                <a:tc>
+                  <a:txBody>
+                    <a:bodyPr/>
+                    <a:lstStyle/>
+                    <a:p>
+                      <a:pPr latinLnBrk="1"/>
+                      <a:endParaRPr lang="ko-KR" altLang="en-US"/>
+                    </a:p>
+                  </a:txBody>
+                  <a:tcPr/>
+                </a:tc>
+                <a:tc>
+                  <a:txBody>
+                    <a:bodyPr/>
+                    <a:lstStyle/>
+                    <a:p>
+                      <a:pPr latinLnBrk="1"/>
+                      <a:endParaRPr lang="ko-KR" altLang="en-US" dirty="0"/>
+                    </a:p>
+                  </a:txBody>
+                  <a:tcPr/>
+                </a:tc>
+                <a:tc>
+                  <a:txBody>
+                    <a:bodyPr/>
+                    <a:lstStyle/>
+                    <a:p>
+                      <a:pPr latinLnBrk="1"/>
+                      <a:endParaRPr lang="ko-KR" altLang="en-US"/>
+                    </a:p>
+                  </a:txBody>
+                  <a:tcPr/>
+                </a:tc>
+                <a:tc>
+                  <a:txBody>
+                    <a:bodyPr/>
+                    <a:lstStyle/>
+                    <a:p>
+                      <a:pPr latinLnBrk="1"/>
+                      <a:endParaRPr lang="ko-KR" altLang="en-US"/>
+                    </a:p>
+                  </a:txBody>
+                  <a:tcPr/>
+                </a:tc>
+                <a:tc>
+                  <a:txBody>
+                    <a:bodyPr/>
+                    <a:lstStyle/>
+                    <a:p>
+                      <a:pPr latinLnBrk="1"/>
+                      <a:endParaRPr lang="ko-KR" altLang="en-US"/>
+                    </a:p>
+                  </a:txBody>
+                  <a:tcPr/>
+                </a:tc>
+                <a:tc>
+                  <a:txBody>
+                    <a:bodyPr/>
+                    <a:lstStyle/>
+                    <a:p>
+                      <a:pPr latinLnBrk="1"/>
+                      <a:endParaRPr lang="ko-KR" altLang="en-US"/>
+                    </a:p>
+                  </a:txBody>
+                  <a:tcPr/>
+                </a:tc>
+                <a:tc>
+                  <a:txBody>
+                    <a:bodyPr/>
+                    <a:lstStyle/>
+                    <a:p>
+                      <a:pPr latinLnBrk="1"/>
+                      <a:endParaRPr lang="ko-KR" altLang="en-US" dirty="0"/>
+                    </a:p>
+                  </a:txBody>
+                  <a:tcPr/>
+                </a:tc>
+                <a:extLst>
+                  <a:ext uri="{0D108BD9-81ED-4DB2-BD59-A6C34878D82A}">
+                    <a16:rowId xmlns:a16="http://schemas.microsoft.com/office/drawing/2014/main" val="3603585483"/>
+                  </a:ext>
+                </a:extLst>
+              </a:tr>
+            </a:tbl>
+          </a:graphicData>
+        </a:graphic>
+      </p:graphicFrame>
+      <p:sp>
+        <p:nvSpPr>
+          <p:cNvPr id="8" name="TextBox 7">
+            <a:extLst>
+              <a:ext uri="{FF2B5EF4-FFF2-40B4-BE49-F238E27FC236}">
+                <a16:creationId xmlns:a16="http://schemas.microsoft.com/office/drawing/2014/main" id="{25874B32-2BEF-1455-2823-3F18F1711D94}"/>
+              </a:ext>
+            </a:extLst>
+          </p:cNvPr>
+          <p:cNvSpPr txBox="1"/>
+          <p:nvPr/>
+        </p:nvSpPr>
+        <p:spPr>
+          <a:xfrm>
+            <a:off x="283336" y="1349892"/>
+            <a:ext cx="10435107" cy="369332"/>
+          </a:xfrm>
+          <a:prstGeom prst="rect">
+            <a:avLst/>
+          </a:prstGeom>
+          <a:noFill/>
+        </p:spPr>
+        <p:txBody>
+          <a:bodyPr wrap="square">
+            <a:spAutoFit/>
+          </a:bodyPr>
+          <a:lstStyle/>
+          <a:p>
+            <a:r>
+              <a:rPr lang="ko-KR" altLang="en-US" dirty="0"/>
+              <a:t>여기서 </a:t>
+            </a:r>
+            <a:r>
+              <a:rPr lang="en-US" altLang="ko-KR" dirty="0"/>
+              <a:t>32</a:t>
+            </a:r>
+            <a:r>
+              <a:rPr lang="ko-KR" altLang="en-US" dirty="0"/>
+              <a:t>비트는 </a:t>
+            </a:r>
+            <a:r>
+              <a:rPr lang="en" altLang="ko-KR" b="1" dirty="0">
+                <a:highlight>
+                  <a:srgbClr val="FFFF00"/>
+                </a:highlight>
+              </a:rPr>
+              <a:t>CPU</a:t>
+            </a:r>
+            <a:r>
+              <a:rPr lang="ko-KR" altLang="en-US" b="1" dirty="0">
+                <a:highlight>
+                  <a:srgbClr val="FFFF00"/>
+                </a:highlight>
+              </a:rPr>
+              <a:t>가 한 번에 처리할 수 있는 데이터의 크기가 </a:t>
+            </a:r>
+            <a:r>
+              <a:rPr lang="en-US" altLang="ko-KR" b="1" dirty="0">
+                <a:highlight>
+                  <a:srgbClr val="FFFF00"/>
+                </a:highlight>
+              </a:rPr>
+              <a:t>32</a:t>
+            </a:r>
+            <a:r>
+              <a:rPr lang="ko-KR" altLang="en-US" b="1" dirty="0">
+                <a:highlight>
+                  <a:srgbClr val="FFFF00"/>
+                </a:highlight>
+              </a:rPr>
+              <a:t>비트</a:t>
+            </a:r>
+            <a:r>
+              <a:rPr lang="en-US" altLang="ko-KR" dirty="0"/>
+              <a:t>(4</a:t>
+            </a:r>
+            <a:r>
+              <a:rPr lang="ko-KR" altLang="en-US" dirty="0"/>
+              <a:t>바이트</a:t>
+            </a:r>
+            <a:r>
+              <a:rPr lang="en-US" altLang="ko-KR" dirty="0"/>
+              <a:t>)</a:t>
+            </a:r>
+            <a:r>
+              <a:rPr lang="ko-KR" altLang="en-US" dirty="0"/>
+              <a:t>임을 의미한다</a:t>
+            </a:r>
+            <a:r>
+              <a:rPr lang="en-US" altLang="ko-KR" dirty="0"/>
+              <a:t>.</a:t>
+            </a:r>
+            <a:endParaRPr lang="ko-KR" altLang="en-US" dirty="0"/>
+          </a:p>
+        </p:txBody>
+      </p:sp>
+      <p:sp>
+        <p:nvSpPr>
+          <p:cNvPr id="9" name="TextBox 8">
+            <a:extLst>
+              <a:ext uri="{FF2B5EF4-FFF2-40B4-BE49-F238E27FC236}">
+                <a16:creationId xmlns:a16="http://schemas.microsoft.com/office/drawing/2014/main" id="{AA4AB574-CD30-F54D-205C-0F2653EFD0C9}"/>
+              </a:ext>
+            </a:extLst>
+          </p:cNvPr>
+          <p:cNvSpPr txBox="1"/>
+          <p:nvPr/>
+        </p:nvSpPr>
+        <p:spPr>
+          <a:xfrm>
+            <a:off x="592429" y="4906211"/>
+            <a:ext cx="9375820" cy="646331"/>
+          </a:xfrm>
+          <a:prstGeom prst="rect">
+            <a:avLst/>
+          </a:prstGeom>
+          <a:noFill/>
+        </p:spPr>
+        <p:txBody>
+          <a:bodyPr wrap="square" rtlCol="0">
+            <a:spAutoFit/>
+          </a:bodyPr>
+          <a:lstStyle/>
+          <a:p>
+            <a:r>
+              <a:rPr kumimoji="1" lang="ko-KR" altLang="en-US" dirty="0"/>
+              <a:t>메모리는 </a:t>
+            </a:r>
+            <a:r>
+              <a:rPr kumimoji="1" lang="en-US" altLang="ko-KR" b="1" dirty="0">
+                <a:solidFill>
+                  <a:srgbClr val="C00000"/>
+                </a:solidFill>
+              </a:rPr>
+              <a:t>1byte(8bit)</a:t>
+            </a:r>
+            <a:r>
+              <a:rPr kumimoji="1" lang="ko-KR" altLang="en-US" b="1" dirty="0">
+                <a:solidFill>
+                  <a:srgbClr val="C00000"/>
+                </a:solidFill>
+              </a:rPr>
+              <a:t>가 관리</a:t>
+            </a:r>
+            <a:r>
+              <a:rPr kumimoji="1" lang="ko-KR" altLang="en-US" dirty="0"/>
+              <a:t>가 되며</a:t>
+            </a:r>
+            <a:r>
+              <a:rPr kumimoji="1" lang="en-US" altLang="ko-KR" dirty="0"/>
+              <a:t>, </a:t>
+            </a:r>
+            <a:r>
+              <a:rPr kumimoji="1" lang="ko-KR" altLang="en-US" dirty="0"/>
+              <a:t>위의 메모리 단위당 </a:t>
+            </a:r>
+            <a:r>
+              <a:rPr kumimoji="1" lang="ko-KR" altLang="en-US" b="1" dirty="0"/>
+              <a:t>메모리 주소</a:t>
+            </a:r>
+            <a:r>
+              <a:rPr kumimoji="1" lang="ko-KR" altLang="en-US" dirty="0"/>
+              <a:t>를 가지고 있다</a:t>
+            </a:r>
+            <a:r>
+              <a:rPr kumimoji="1" lang="en-US" altLang="ko-KR" dirty="0"/>
               <a:t>. </a:t>
             </a:r>
-            <a:r>
-              <a:rPr lang="ko-KR" altLang="en-US" dirty="0"/>
-              <a:t>여기서</a:t>
-            </a:r>
+          </a:p>
+          <a:p>
+            <a:r>
+              <a:rPr kumimoji="1" lang="en-US" altLang="ko-KR" b="1" dirty="0">
+                <a:highlight>
+                  <a:srgbClr val="FFFF00"/>
+                </a:highlight>
+              </a:rPr>
+              <a:t>1byte</a:t>
+            </a:r>
+            <a:r>
+              <a:rPr kumimoji="1" lang="ko-KR" altLang="en-US" b="1" dirty="0">
+                <a:highlight>
+                  <a:srgbClr val="FFFF00"/>
+                </a:highlight>
+              </a:rPr>
+              <a:t>메모리 공간을 관리하기 위해 </a:t>
+            </a:r>
+            <a:r>
+              <a:rPr kumimoji="1" lang="en-US" altLang="ko-KR" b="1" dirty="0">
+                <a:highlight>
+                  <a:srgbClr val="FFFF00"/>
+                </a:highlight>
+              </a:rPr>
+              <a:t>32bit</a:t>
+            </a:r>
+            <a:r>
+              <a:rPr kumimoji="1" lang="ko-KR" altLang="en-US" b="1" dirty="0" err="1">
+                <a:highlight>
+                  <a:srgbClr val="FFFF00"/>
+                </a:highlight>
+              </a:rPr>
+              <a:t>를</a:t>
+            </a:r>
+            <a:r>
+              <a:rPr kumimoji="1" lang="ko-KR" altLang="en-US" b="1" dirty="0">
+                <a:highlight>
+                  <a:srgbClr val="FFFF00"/>
+                </a:highlight>
+              </a:rPr>
+              <a:t> 사용</a:t>
+            </a:r>
+            <a:r>
+              <a:rPr kumimoji="1" lang="ko-KR" altLang="en-US" dirty="0"/>
+              <a:t>하고 있다 </a:t>
+            </a:r>
+            <a:r>
+              <a:rPr kumimoji="1" lang="en-US" altLang="ko-KR" dirty="0"/>
+              <a:t>(32bit</a:t>
+            </a:r>
+            <a:r>
+              <a:rPr kumimoji="1" lang="ko-KR" altLang="en-US" dirty="0"/>
+              <a:t> 체계 기준</a:t>
+            </a:r>
+            <a:r>
+              <a:rPr kumimoji="1" lang="en-US" altLang="ko-KR" dirty="0"/>
+              <a:t>)</a:t>
+            </a:r>
+            <a:endParaRPr kumimoji="1" lang="ko-KR" altLang="en-US" dirty="0"/>
+          </a:p>
+        </p:txBody>
+      </p:sp>
+      <p:sp>
+        <p:nvSpPr>
+          <p:cNvPr id="10" name="TextBox 9">
+            <a:extLst>
+              <a:ext uri="{FF2B5EF4-FFF2-40B4-BE49-F238E27FC236}">
+                <a16:creationId xmlns:a16="http://schemas.microsoft.com/office/drawing/2014/main" id="{F7733CBC-695C-575A-C4D6-B6D70BEDAD1E}"/>
+              </a:ext>
+            </a:extLst>
+          </p:cNvPr>
+          <p:cNvSpPr txBox="1"/>
+          <p:nvPr/>
+        </p:nvSpPr>
+        <p:spPr>
+          <a:xfrm>
+            <a:off x="6226937" y="4165019"/>
+            <a:ext cx="1481070" cy="338554"/>
+          </a:xfrm>
+          <a:prstGeom prst="rect">
+            <a:avLst/>
+          </a:prstGeom>
+          <a:solidFill>
+            <a:schemeClr val="bg1"/>
+          </a:solidFill>
+          <a:ln>
+            <a:solidFill>
+              <a:schemeClr val="tx1"/>
+            </a:solidFill>
+          </a:ln>
+        </p:spPr>
+        <p:txBody>
+          <a:bodyPr wrap="square" rtlCol="0">
+            <a:spAutoFit/>
+          </a:bodyPr>
+          <a:lstStyle/>
+          <a:p>
+            <a:pPr algn="ctr"/>
+            <a:r>
+              <a:rPr kumimoji="1" lang="en-US" altLang="ko-KR" sz="1600" b="1" dirty="0"/>
+              <a:t>32bit </a:t>
+            </a:r>
+            <a:r>
+              <a:rPr kumimoji="1" lang="ko-KR" altLang="en-US" sz="1600" b="1" dirty="0"/>
+              <a:t>체계</a:t>
+            </a:r>
+          </a:p>
+        </p:txBody>
+      </p:sp>
+      <p:sp>
+        <p:nvSpPr>
+          <p:cNvPr id="11" name="TextBox 10">
+            <a:extLst>
+              <a:ext uri="{FF2B5EF4-FFF2-40B4-BE49-F238E27FC236}">
+                <a16:creationId xmlns:a16="http://schemas.microsoft.com/office/drawing/2014/main" id="{6CEB9C4A-123F-DDF3-6DEC-EDF81B44E6BE}"/>
+              </a:ext>
+            </a:extLst>
+          </p:cNvPr>
+          <p:cNvSpPr txBox="1"/>
+          <p:nvPr/>
+        </p:nvSpPr>
+        <p:spPr>
+          <a:xfrm>
+            <a:off x="5608749" y="3128051"/>
+            <a:ext cx="888643" cy="369332"/>
+          </a:xfrm>
+          <a:prstGeom prst="rect">
+            <a:avLst/>
+          </a:prstGeom>
+          <a:noFill/>
+        </p:spPr>
+        <p:txBody>
+          <a:bodyPr wrap="square" rtlCol="0">
+            <a:spAutoFit/>
+          </a:bodyPr>
+          <a:lstStyle/>
+          <a:p>
+            <a:r>
+              <a:rPr kumimoji="1" lang="en-US" altLang="ko-KR" dirty="0"/>
+              <a:t>1byte</a:t>
+            </a:r>
+            <a:endParaRPr kumimoji="1" lang="ko-KR" altLang="en-US" dirty="0"/>
+          </a:p>
+        </p:txBody>
+      </p:sp>
+      <p:sp>
+        <p:nvSpPr>
+          <p:cNvPr id="12" name="설명선 2[L] 11">
+            <a:extLst>
+              <a:ext uri="{FF2B5EF4-FFF2-40B4-BE49-F238E27FC236}">
+                <a16:creationId xmlns:a16="http://schemas.microsoft.com/office/drawing/2014/main" id="{6B311DC9-B82A-F3C2-E644-1BF651DC8FA1}"/>
+              </a:ext>
+            </a:extLst>
+          </p:cNvPr>
+          <p:cNvSpPr/>
+          <p:nvPr/>
+        </p:nvSpPr>
+        <p:spPr>
+          <a:xfrm>
+            <a:off x="7218610" y="2142469"/>
+            <a:ext cx="1964026" cy="895851"/>
+          </a:xfrm>
+          <a:prstGeom prst="borderCallout2">
+            <a:avLst>
+              <a:gd name="adj1" fmla="val 51815"/>
+              <a:gd name="adj2" fmla="val -1120"/>
+              <a:gd name="adj3" fmla="val 51815"/>
+              <a:gd name="adj4" fmla="val -18634"/>
+              <a:gd name="adj5" fmla="val 112500"/>
+              <a:gd name="adj6" fmla="val -46667"/>
+            </a:avLst>
+          </a:prstGeom>
+          <a:solidFill>
+            <a:schemeClr val="bg1"/>
+          </a:solidFill>
+          <a:ln>
+            <a:solidFill>
+              <a:schemeClr val="tx1"/>
+            </a:solidFill>
+          </a:ln>
+        </p:spPr>
+        <p:style>
+          <a:lnRef idx="2">
+            <a:schemeClr val="accent1">
+              <a:shade val="50000"/>
+            </a:schemeClr>
+          </a:lnRef>
+          <a:fillRef idx="1">
+            <a:schemeClr val="accent1"/>
+          </a:fillRef>
+          <a:effectRef idx="0">
+            <a:schemeClr val="accent1"/>
+          </a:effectRef>
+          <a:fontRef idx="minor">
+            <a:schemeClr val="lt1"/>
+          </a:fontRef>
+        </p:style>
+        <p:txBody>
+          <a:bodyPr rtlCol="0" anchor="ctr"/>
+          <a:lstStyle/>
+          <a:p>
+            <a:pPr algn="ctr"/>
+            <a:r>
+              <a:rPr kumimoji="1" lang="en-US" altLang="ko-KR" sz="1400" dirty="0">
+                <a:solidFill>
+                  <a:schemeClr val="tx1"/>
+                </a:solidFill>
+              </a:rPr>
+              <a:t>32bit (</a:t>
+            </a:r>
+            <a:r>
+              <a:rPr kumimoji="1" lang="ko-KR" altLang="en-US" sz="1400" dirty="0">
+                <a:solidFill>
+                  <a:schemeClr val="tx1"/>
+                </a:solidFill>
+              </a:rPr>
+              <a:t>메모리</a:t>
+            </a:r>
+            <a:r>
+              <a:rPr kumimoji="1" lang="en-US" altLang="ko-KR" sz="1400" dirty="0">
+                <a:solidFill>
+                  <a:schemeClr val="tx1"/>
+                </a:solidFill>
+              </a:rPr>
+              <a:t>) - </a:t>
+            </a:r>
+            <a:r>
+              <a:rPr kumimoji="1" lang="ko-KR" altLang="en-US" sz="1400" b="1" dirty="0">
+                <a:solidFill>
+                  <a:schemeClr val="tx1"/>
+                </a:solidFill>
+              </a:rPr>
+              <a:t>단위</a:t>
+            </a:r>
+            <a:endParaRPr kumimoji="1" lang="en-US" altLang="ko-KR" sz="1400" b="1" dirty="0">
+              <a:solidFill>
+                <a:schemeClr val="tx1"/>
+              </a:solidFill>
+            </a:endParaRPr>
+          </a:p>
+          <a:p>
+            <a:pPr algn="ctr"/>
+            <a:endParaRPr kumimoji="1" lang="en-US" altLang="ko-KR" sz="1400" dirty="0">
+              <a:solidFill>
+                <a:schemeClr val="tx1"/>
+              </a:solidFill>
+            </a:endParaRPr>
+          </a:p>
+          <a:p>
+            <a:pPr algn="ctr"/>
+            <a:r>
+              <a:rPr kumimoji="1" lang="en-US" altLang="ko-KR" sz="1400" dirty="0">
+                <a:solidFill>
+                  <a:schemeClr val="tx1"/>
+                </a:solidFill>
+              </a:rPr>
+              <a:t>_</a:t>
+            </a:r>
+            <a:r>
+              <a:rPr kumimoji="1" lang="ko-KR" altLang="en-US" sz="1400" dirty="0">
+                <a:solidFill>
+                  <a:schemeClr val="tx1"/>
+                </a:solidFill>
+              </a:rPr>
+              <a:t> </a:t>
+            </a:r>
+            <a:r>
+              <a:rPr kumimoji="1" lang="en-US" altLang="ko-KR" sz="1400" dirty="0">
+                <a:solidFill>
+                  <a:schemeClr val="tx1"/>
+                </a:solidFill>
+              </a:rPr>
+              <a:t>_ _ _ _  ….  _ _ _ _</a:t>
+            </a:r>
+          </a:p>
+        </p:txBody>
+      </p:sp>
+      <p:sp>
+        <p:nvSpPr>
+          <p:cNvPr id="13" name="모서리가 둥근 직사각형 12">
+            <a:extLst>
+              <a:ext uri="{FF2B5EF4-FFF2-40B4-BE49-F238E27FC236}">
+                <a16:creationId xmlns:a16="http://schemas.microsoft.com/office/drawing/2014/main" id="{2E1CBA71-019B-CB95-6429-6C40D43B26C0}"/>
+              </a:ext>
+            </a:extLst>
+          </p:cNvPr>
+          <p:cNvSpPr/>
+          <p:nvPr/>
+        </p:nvSpPr>
+        <p:spPr>
+          <a:xfrm>
+            <a:off x="5608749" y="3038320"/>
+            <a:ext cx="779172" cy="554886"/>
+          </a:xfrm>
+          <a:prstGeom prst="roundRect">
+            <a:avLst/>
+          </a:prstGeom>
+          <a:noFill/>
+          <a:ln w="38100">
+            <a:solidFill>
+              <a:srgbClr val="C00000"/>
+            </a:solidFill>
+          </a:ln>
+        </p:spPr>
+        <p:style>
+          <a:lnRef idx="2">
+            <a:schemeClr val="accent1">
+              <a:shade val="50000"/>
+            </a:schemeClr>
+          </a:lnRef>
+          <a:fillRef idx="1">
+            <a:schemeClr val="accent1"/>
+          </a:fillRef>
+          <a:effectRef idx="0">
+            <a:schemeClr val="accent1"/>
+          </a:effectRef>
+          <a:fontRef idx="minor">
+            <a:schemeClr val="lt1"/>
+          </a:fontRef>
+        </p:style>
+        <p:txBody>
+          <a:bodyPr rtlCol="0" anchor="ctr"/>
+          <a:lstStyle/>
+          <a:p>
+            <a:pPr algn="ctr"/>
+            <a:endParaRPr kumimoji="1" lang="ko-KR" altLang="en-US"/>
+          </a:p>
+        </p:txBody>
+      </p:sp>
+      <p:sp>
+        <p:nvSpPr>
+          <p:cNvPr id="14" name="TextBox 13">
+            <a:extLst>
+              <a:ext uri="{FF2B5EF4-FFF2-40B4-BE49-F238E27FC236}">
+                <a16:creationId xmlns:a16="http://schemas.microsoft.com/office/drawing/2014/main" id="{CBE280F1-360A-D5C4-0CC6-B07D11D3C098}"/>
+              </a:ext>
+            </a:extLst>
+          </p:cNvPr>
+          <p:cNvSpPr txBox="1"/>
+          <p:nvPr/>
+        </p:nvSpPr>
+        <p:spPr>
+          <a:xfrm>
+            <a:off x="8567314" y="1803915"/>
+            <a:ext cx="784896" cy="338554"/>
+          </a:xfrm>
+          <a:prstGeom prst="rect">
+            <a:avLst/>
+          </a:prstGeom>
+          <a:noFill/>
+        </p:spPr>
+        <p:txBody>
+          <a:bodyPr wrap="square" rtlCol="0">
+            <a:spAutoFit/>
+          </a:bodyPr>
+          <a:lstStyle/>
+          <a:p>
+            <a:pPr algn="ctr"/>
+            <a:r>
+              <a:rPr kumimoji="1" lang="ko-KR" altLang="en-US" sz="1600" b="1" dirty="0"/>
+              <a:t>주소</a:t>
+            </a:r>
+          </a:p>
+        </p:txBody>
+      </p:sp>
+      <p:sp>
+        <p:nvSpPr>
+          <p:cNvPr id="15" name="TextBox 14">
+            <a:extLst>
+              <a:ext uri="{FF2B5EF4-FFF2-40B4-BE49-F238E27FC236}">
+                <a16:creationId xmlns:a16="http://schemas.microsoft.com/office/drawing/2014/main" id="{80C16CA8-057A-9A4A-3F18-B43585E997B5}"/>
+              </a:ext>
+            </a:extLst>
+          </p:cNvPr>
+          <p:cNvSpPr txBox="1"/>
+          <p:nvPr/>
+        </p:nvSpPr>
+        <p:spPr>
+          <a:xfrm>
+            <a:off x="940158" y="5898524"/>
+            <a:ext cx="7627156" cy="338554"/>
+          </a:xfrm>
+          <a:prstGeom prst="rect">
+            <a:avLst/>
+          </a:prstGeom>
+          <a:noFill/>
+        </p:spPr>
+        <p:txBody>
+          <a:bodyPr wrap="square" rtlCol="0">
+            <a:spAutoFit/>
+          </a:bodyPr>
+          <a:lstStyle/>
+          <a:p>
+            <a:r>
+              <a:rPr kumimoji="1" lang="ko-KR" altLang="en-US" sz="1600" dirty="0"/>
+              <a:t>해당 메모리 주소는 물리적으로 가지고 있는 것인가</a:t>
+            </a:r>
+            <a:r>
+              <a:rPr kumimoji="1" lang="en-US" altLang="ko-KR" sz="1600" dirty="0"/>
+              <a:t>? </a:t>
+            </a:r>
+            <a:r>
+              <a:rPr kumimoji="1" lang="ko-KR" altLang="en-US" sz="1600" dirty="0"/>
+              <a:t>논리적인가</a:t>
+            </a:r>
+            <a:r>
+              <a:rPr kumimoji="1" lang="en-US" altLang="ko-KR" sz="1600" dirty="0"/>
+              <a:t>?</a:t>
+            </a:r>
+            <a:endParaRPr kumimoji="1" lang="ko-KR" altLang="en-US" sz="1600" dirty="0"/>
           </a:p>
         </p:txBody>
       </p:sp>
@@ -14578,6 +15661,126 @@
           <a:chExt cx="0" cy="0"/>
         </a:xfrm>
       </p:grpSpPr>
+      <p:sp>
+        <p:nvSpPr>
+          <p:cNvPr id="4" name="TextBox 3">
+            <a:extLst>
+              <a:ext uri="{FF2B5EF4-FFF2-40B4-BE49-F238E27FC236}">
+                <a16:creationId xmlns:a16="http://schemas.microsoft.com/office/drawing/2014/main" id="{F460CDE0-DDCD-4823-FBB2-C002A2C7D621}"/>
+              </a:ext>
+            </a:extLst>
+          </p:cNvPr>
+          <p:cNvSpPr txBox="1"/>
+          <p:nvPr/>
+        </p:nvSpPr>
+        <p:spPr>
+          <a:xfrm>
+            <a:off x="331629" y="262616"/>
+            <a:ext cx="11632843" cy="923330"/>
+          </a:xfrm>
+          <a:prstGeom prst="rect">
+            <a:avLst/>
+          </a:prstGeom>
+          <a:noFill/>
+        </p:spPr>
+        <p:txBody>
+          <a:bodyPr wrap="square">
+            <a:spAutoFit/>
+          </a:bodyPr>
+          <a:lstStyle/>
+          <a:p>
+            <a:r>
+              <a:rPr lang="en" altLang="ko-KR" dirty="0"/>
+              <a:t> RAM</a:t>
+            </a:r>
+            <a:r>
+              <a:rPr lang="ko-KR" altLang="en-US" dirty="0"/>
+              <a:t>의 물리적 주소가 동적으로 할당된다는 것은</a:t>
+            </a:r>
+            <a:r>
+              <a:rPr lang="en-US" altLang="ko-KR" dirty="0"/>
+              <a:t>, </a:t>
+            </a:r>
+            <a:r>
+              <a:rPr lang="ko-KR" altLang="en-US" dirty="0"/>
+              <a:t>프로그램이나 데이터를 실제 </a:t>
+            </a:r>
+            <a:r>
+              <a:rPr lang="en" altLang="ko-KR" dirty="0"/>
+              <a:t>RAM</a:t>
+            </a:r>
+            <a:r>
+              <a:rPr lang="ko-KR" altLang="en-US" dirty="0"/>
+              <a:t>의 특정 트랜지스터에 어떻게 위치시키는지를 의미합니다</a:t>
+            </a:r>
+            <a:r>
+              <a:rPr lang="en-US" altLang="ko-KR" dirty="0"/>
+              <a:t>. </a:t>
+            </a:r>
+            <a:r>
+              <a:rPr lang="ko-KR" altLang="en-US" dirty="0"/>
+              <a:t>이 과정은 주로 운영체제와 메모리 관리 장치</a:t>
+            </a:r>
+            <a:r>
+              <a:rPr lang="en-US" altLang="ko-KR" dirty="0"/>
+              <a:t>(</a:t>
+            </a:r>
+            <a:r>
+              <a:rPr lang="en" altLang="ko-KR" dirty="0"/>
+              <a:t>MMU)</a:t>
+            </a:r>
+            <a:r>
+              <a:rPr lang="ko-KR" altLang="en-US" dirty="0"/>
+              <a:t>가 협력하여 이뤄지며</a:t>
+            </a:r>
+            <a:r>
+              <a:rPr lang="en-US" altLang="ko-KR" dirty="0"/>
+              <a:t>, </a:t>
+            </a:r>
+            <a:r>
+              <a:rPr lang="ko-KR" altLang="en-US" dirty="0"/>
+              <a:t>실제 물리적 주소가 </a:t>
+            </a:r>
+            <a:r>
+              <a:rPr lang="en" altLang="ko-KR" dirty="0"/>
+              <a:t>RAM</a:t>
+            </a:r>
+            <a:r>
+              <a:rPr lang="ko-KR" altLang="en-US" dirty="0"/>
+              <a:t>의 특정 부분</a:t>
+            </a:r>
+            <a:r>
+              <a:rPr lang="en-US" altLang="ko-KR" dirty="0"/>
+              <a:t>(</a:t>
+            </a:r>
+            <a:r>
+              <a:rPr lang="ko-KR" altLang="en-US" dirty="0"/>
+              <a:t>트랜지스터들의 배열</a:t>
+            </a:r>
+            <a:r>
+              <a:rPr lang="en-US" altLang="ko-KR" dirty="0"/>
+              <a:t>)</a:t>
+            </a:r>
+            <a:r>
+              <a:rPr lang="ko-KR" altLang="en-US" dirty="0"/>
+              <a:t>과 어떻게 </a:t>
+            </a:r>
+            <a:r>
+              <a:rPr lang="ko-KR" altLang="en-US" dirty="0" err="1"/>
+              <a:t>매핑되는지</a:t>
+            </a:r>
+            <a:r>
+              <a:rPr lang="ko-KR" altLang="en-US" dirty="0"/>
+              <a:t> 설명하겠습니다</a:t>
+            </a:r>
+            <a:r>
+              <a:rPr lang="en-US" altLang="ko-KR" dirty="0"/>
+              <a:t>.</a:t>
+            </a:r>
+            <a:endParaRPr lang="ko-KR" altLang="en-US" dirty="0"/>
+          </a:p>
+        </p:txBody>
+      </p:sp>
     </p:spTree>
     <p:extLst>
       <p:ext uri="{BB962C8B-B14F-4D97-AF65-F5344CB8AC3E}">

--- a/CSwithC/CS-explanation.pptx
+++ b/CSwithC/CS-explanation.pptx
@@ -5,7 +5,7 @@
     <p:sldMasterId id="2147483648" r:id="rId1"/>
   </p:sldMasterIdLst>
   <p:notesMasterIdLst>
-    <p:notesMasterId r:id="rId19"/>
+    <p:notesMasterId r:id="rId22"/>
   </p:notesMasterIdLst>
   <p:sldIdLst>
     <p:sldId id="266" r:id="rId2"/>
@@ -14,17 +14,20 @@
     <p:sldId id="268" r:id="rId5"/>
     <p:sldId id="271" r:id="rId6"/>
     <p:sldId id="272" r:id="rId7"/>
-    <p:sldId id="270" r:id="rId8"/>
-    <p:sldId id="269" r:id="rId9"/>
-    <p:sldId id="256" r:id="rId10"/>
-    <p:sldId id="257" r:id="rId11"/>
-    <p:sldId id="258" r:id="rId12"/>
-    <p:sldId id="260" r:id="rId13"/>
-    <p:sldId id="259" r:id="rId14"/>
-    <p:sldId id="262" r:id="rId15"/>
-    <p:sldId id="261" r:id="rId16"/>
-    <p:sldId id="263" r:id="rId17"/>
-    <p:sldId id="264" r:id="rId18"/>
+    <p:sldId id="273" r:id="rId8"/>
+    <p:sldId id="274" r:id="rId9"/>
+    <p:sldId id="275" r:id="rId10"/>
+    <p:sldId id="270" r:id="rId11"/>
+    <p:sldId id="269" r:id="rId12"/>
+    <p:sldId id="256" r:id="rId13"/>
+    <p:sldId id="257" r:id="rId14"/>
+    <p:sldId id="258" r:id="rId15"/>
+    <p:sldId id="260" r:id="rId16"/>
+    <p:sldId id="259" r:id="rId17"/>
+    <p:sldId id="262" r:id="rId18"/>
+    <p:sldId id="261" r:id="rId19"/>
+    <p:sldId id="263" r:id="rId20"/>
+    <p:sldId id="264" r:id="rId21"/>
   </p:sldIdLst>
   <p:sldSz cx="12192000" cy="6858000"/>
   <p:notesSz cx="6858000" cy="9144000"/>
@@ -759,378 +762,125 @@
           <a:bodyPr/>
           <a:lstStyle/>
           <a:p>
-            <a:pPr marL="0" marR="0" indent="0" algn="l" defTabSz="914400" rtl="0" eaLnBrk="1" fontAlgn="auto" latinLnBrk="1" hangingPunct="1">
-              <a:lnSpc>
-                <a:spcPct val="100000"/>
-              </a:lnSpc>
-              <a:spcBef>
-                <a:spcPts val="0"/>
-              </a:spcBef>
-              <a:spcAft>
-                <a:spcPts val="0"/>
-              </a:spcAft>
-              <a:buClrTx/>
-              <a:buSzTx/>
-              <a:buFontTx/>
-              <a:buNone/>
-              <a:tabLst/>
-              <a:defRPr/>
-            </a:pPr>
-            <a:r>
-              <a:rPr lang="ko-KR" altLang="en-US" sz="1200" dirty="0"/>
-              <a:t>설명</a:t>
-            </a:r>
-            <a:r>
-              <a:rPr lang="en-US" altLang="ko-KR" sz="1200" dirty="0"/>
-              <a:t>: App1</a:t>
-            </a:r>
-            <a:r>
-              <a:rPr lang="ko-KR" altLang="en-US" sz="1200" dirty="0"/>
-              <a:t>의 여러 연산은 직접 </a:t>
-            </a:r>
-            <a:r>
-              <a:rPr lang="en-US" altLang="ko-KR" sz="1200" dirty="0"/>
+            <a:r>
+              <a:rPr lang="ko-KR" altLang="en-US" dirty="0" smtClean="0"/>
+              <a:t>실제로 </a:t>
+            </a:r>
+            <a:r>
+              <a:rPr lang="en-US" altLang="ko-KR" dirty="0" smtClean="0"/>
               <a:t>CPU</a:t>
             </a:r>
             <a:r>
-              <a:rPr lang="ko-KR" altLang="en-US" sz="1200" dirty="0"/>
-              <a:t>에서 읽으면서 연산한다</a:t>
-            </a:r>
-            <a:r>
-              <a:rPr lang="en-US" altLang="ko-KR" sz="1200" dirty="0"/>
-              <a:t>. </a:t>
-            </a:r>
-            <a:r>
-              <a:rPr lang="ko-KR" altLang="en-US" sz="1200" dirty="0"/>
-              <a:t>다만 </a:t>
-            </a:r>
-            <a:r>
-              <a:rPr lang="en-US" altLang="ko-KR" sz="1200" dirty="0"/>
-              <a:t>System Call</a:t>
-            </a:r>
-            <a:r>
-              <a:rPr lang="ko-KR" altLang="en-US" sz="1200" dirty="0"/>
-              <a:t>을 </a:t>
-            </a:r>
-            <a:r>
-              <a:rPr lang="ko-KR" altLang="en-US" sz="1200" dirty="0" err="1"/>
-              <a:t>할때</a:t>
-            </a:r>
-            <a:r>
-              <a:rPr lang="ko-KR" altLang="en-US" sz="1200" dirty="0"/>
-              <a:t> </a:t>
-            </a:r>
-            <a:r>
-              <a:rPr lang="en-US" altLang="ko-KR" sz="1200" dirty="0"/>
-              <a:t>(OS Logic)</a:t>
-            </a:r>
-            <a:r>
-              <a:rPr lang="ko-KR" altLang="en-US" sz="1200" dirty="0"/>
-              <a:t>예를 들어 다른 주변 기기에서 </a:t>
-            </a:r>
-            <a:r>
-              <a:rPr lang="en-US" altLang="ko-KR" sz="1200" dirty="0"/>
-              <a:t>Input</a:t>
-            </a:r>
-            <a:r>
-              <a:rPr lang="ko-KR" altLang="en-US" sz="1200" dirty="0"/>
-              <a:t>이 있거나 </a:t>
-            </a:r>
-            <a:r>
-              <a:rPr lang="en-US" altLang="ko-KR" sz="1200" dirty="0"/>
-              <a:t>Storage</a:t>
-            </a:r>
-            <a:r>
-              <a:rPr lang="ko-KR" altLang="en-US" sz="1200" dirty="0"/>
-              <a:t>에서 데이터를 </a:t>
-            </a:r>
-            <a:r>
-              <a:rPr lang="ko-KR" altLang="en-US" sz="1200" dirty="0" err="1"/>
-              <a:t>받아온다던지</a:t>
-            </a:r>
-            <a:r>
-              <a:rPr lang="ko-KR" altLang="en-US" sz="1200" dirty="0"/>
-              <a:t> </a:t>
-            </a:r>
-            <a:r>
-              <a:rPr lang="ko-KR" altLang="en-US" sz="1200" dirty="0" err="1"/>
-              <a:t>이럴때는</a:t>
-            </a:r>
-            <a:r>
-              <a:rPr lang="ko-KR" altLang="en-US" sz="1200" dirty="0"/>
-              <a:t> </a:t>
-            </a:r>
-            <a:r>
-              <a:rPr lang="en-US" altLang="ko-KR" sz="1200" dirty="0"/>
-              <a:t>OS Process Logic</a:t>
-            </a:r>
-            <a:r>
-              <a:rPr lang="ko-KR" altLang="en-US" sz="1200" dirty="0"/>
-              <a:t>을 태워야 한다</a:t>
-            </a:r>
-            <a:r>
-              <a:rPr lang="en-US" altLang="ko-KR" sz="1200" dirty="0"/>
-              <a:t>. </a:t>
-            </a:r>
-            <a:r>
-              <a:rPr lang="ko-KR" altLang="en-US" sz="1200" dirty="0" err="1"/>
-              <a:t>이럴때</a:t>
-            </a:r>
-            <a:r>
-              <a:rPr lang="ko-KR" altLang="en-US" sz="1200" dirty="0"/>
-              <a:t> </a:t>
-            </a:r>
-            <a:r>
-              <a:rPr lang="en-US" altLang="ko-KR" sz="1200" dirty="0"/>
-              <a:t>App1</a:t>
-            </a:r>
-            <a:r>
-              <a:rPr lang="ko-KR" altLang="en-US" sz="1200" dirty="0"/>
-              <a:t>을 읽다가 </a:t>
-            </a:r>
-            <a:r>
-              <a:rPr lang="en-US" altLang="ko-KR" sz="1200" dirty="0"/>
-              <a:t>OS process</a:t>
-            </a:r>
-            <a:r>
-              <a:rPr lang="ko-KR" altLang="en-US" sz="1200" dirty="0"/>
-              <a:t>에 있는 </a:t>
-            </a:r>
-            <a:r>
-              <a:rPr lang="en-US" altLang="ko-KR" sz="1200" dirty="0"/>
-              <a:t>Logic</a:t>
-            </a:r>
-            <a:r>
-              <a:rPr lang="ko-KR" altLang="en-US" sz="1200" dirty="0"/>
-              <a:t>을 읽어야 하므로 </a:t>
-            </a:r>
-            <a:r>
-              <a:rPr lang="en-US" altLang="ko-KR" sz="1200" dirty="0"/>
-              <a:t>OS Process</a:t>
-            </a:r>
-            <a:r>
-              <a:rPr lang="ko-KR" altLang="en-US" sz="1200" dirty="0"/>
-              <a:t>의 특정 </a:t>
-            </a:r>
-            <a:r>
-              <a:rPr lang="en-US" altLang="ko-KR" sz="1200" dirty="0"/>
-              <a:t>Logic (</a:t>
-            </a:r>
-            <a:r>
-              <a:rPr lang="ko-KR" altLang="en-US" sz="1200" dirty="0"/>
-              <a:t>여기서는 파일 </a:t>
-            </a:r>
-            <a:r>
-              <a:rPr lang="en-US" altLang="ko-KR" sz="1200" dirty="0"/>
-              <a:t>Read</a:t>
-            </a:r>
-            <a:r>
-              <a:rPr lang="ko-KR" altLang="en-US" sz="1200" dirty="0"/>
-              <a:t>관련한</a:t>
-            </a:r>
-            <a:r>
-              <a:rPr lang="en-US" altLang="ko-KR" sz="1200" dirty="0"/>
-              <a:t>)</a:t>
-            </a:r>
-            <a:r>
-              <a:rPr lang="ko-KR" altLang="en-US" sz="1200" dirty="0"/>
-              <a:t>을 </a:t>
-            </a:r>
-            <a:r>
-              <a:rPr lang="ko-KR" altLang="en-US" sz="1200" dirty="0" err="1"/>
-              <a:t>읽게된다</a:t>
-            </a:r>
-            <a:r>
-              <a:rPr lang="en-US" altLang="ko-KR" sz="1200" dirty="0"/>
-              <a:t>. </a:t>
-            </a:r>
-            <a:r>
-              <a:rPr lang="ko-KR" altLang="en-US" sz="1200" dirty="0"/>
-              <a:t>이때 </a:t>
-            </a:r>
-            <a:r>
-              <a:rPr lang="en-US" altLang="ko-KR" sz="1200" dirty="0"/>
-              <a:t>Kernel Mode</a:t>
-            </a:r>
-            <a:r>
-              <a:rPr lang="ko-KR" altLang="en-US" sz="1200" dirty="0"/>
-              <a:t>라 한다</a:t>
-            </a:r>
-            <a:r>
-              <a:rPr lang="en-US" altLang="ko-KR" sz="1200" dirty="0"/>
-              <a:t>. CPU</a:t>
-            </a:r>
-            <a:r>
-              <a:rPr lang="ko-KR" altLang="en-US" sz="1200" dirty="0"/>
-              <a:t>가 </a:t>
-            </a:r>
-            <a:r>
-              <a:rPr lang="en-US" altLang="ko-KR" sz="1200" dirty="0" err="1"/>
-              <a:t>Os</a:t>
-            </a:r>
-            <a:r>
-              <a:rPr lang="en-US" altLang="ko-KR" sz="1200" dirty="0"/>
-              <a:t> Logic</a:t>
-            </a:r>
-            <a:r>
-              <a:rPr lang="ko-KR" altLang="en-US" sz="1200" dirty="0"/>
-              <a:t>을 수행하고 </a:t>
-            </a:r>
-            <a:r>
-              <a:rPr lang="ko-KR" altLang="en-US" sz="1200" dirty="0" err="1"/>
-              <a:t>있을때</a:t>
-            </a:r>
-            <a:r>
-              <a:rPr lang="ko-KR" altLang="en-US" sz="1200" dirty="0"/>
-              <a:t> 어차피 </a:t>
-            </a:r>
-            <a:r>
-              <a:rPr lang="en-US" altLang="ko-KR" sz="1200" dirty="0"/>
-              <a:t>OS</a:t>
-            </a:r>
-            <a:r>
-              <a:rPr lang="ko-KR" altLang="en-US" sz="1200" dirty="0"/>
-              <a:t>또한 </a:t>
-            </a:r>
-            <a:r>
-              <a:rPr lang="en-US" altLang="ko-KR" sz="1200" dirty="0"/>
-              <a:t>Process</a:t>
-            </a:r>
-            <a:r>
-              <a:rPr lang="ko-KR" altLang="en-US" sz="1200" dirty="0"/>
-              <a:t>이고 그 안의 작업 단위를 똑같이 </a:t>
-            </a:r>
-            <a:r>
-              <a:rPr lang="en-US" altLang="ko-KR" sz="1200" dirty="0"/>
-              <a:t>thread</a:t>
-            </a:r>
-            <a:r>
-              <a:rPr lang="ko-KR" altLang="en-US" sz="1200" dirty="0"/>
-              <a:t>단위로 </a:t>
-            </a:r>
-            <a:r>
-              <a:rPr lang="ko-KR" altLang="en-US" sz="1200" dirty="0" err="1"/>
-              <a:t>할텐데</a:t>
-            </a:r>
-            <a:r>
-              <a:rPr lang="en-US" altLang="ko-KR" sz="1200" dirty="0"/>
-              <a:t>, </a:t>
-            </a:r>
-            <a:r>
-              <a:rPr lang="ko-KR" altLang="en-US" sz="1200" dirty="0"/>
-              <a:t>이때의 </a:t>
-            </a:r>
-            <a:r>
-              <a:rPr lang="en-US" altLang="ko-KR" sz="1200" dirty="0"/>
-              <a:t>thread</a:t>
-            </a:r>
-            <a:r>
-              <a:rPr lang="ko-KR" altLang="en-US" sz="1200" dirty="0"/>
-              <a:t>를 </a:t>
-            </a:r>
-            <a:r>
-              <a:rPr lang="en-US" altLang="ko-KR" sz="1200" dirty="0"/>
-              <a:t>Kernel Thread</a:t>
-            </a:r>
-            <a:r>
-              <a:rPr lang="ko-KR" altLang="en-US" sz="1200" dirty="0"/>
-              <a:t>라 한다</a:t>
-            </a:r>
-            <a:r>
-              <a:rPr lang="en-US" altLang="ko-KR" sz="1200" dirty="0"/>
+              <a:rPr lang="ko-KR" altLang="en-US" dirty="0" smtClean="0"/>
+              <a:t>는 </a:t>
+            </a:r>
+            <a:r>
+              <a:rPr lang="en-US" altLang="ko-KR" dirty="0" smtClean="0"/>
+              <a:t>RAM</a:t>
+            </a:r>
+            <a:r>
+              <a:rPr lang="ko-KR" altLang="en-US" dirty="0" smtClean="0"/>
+              <a:t>의 주소에 직접 접근하는게 아니라 페이지 테이블에 있는 논리 주소에 접근하고 </a:t>
+            </a:r>
+            <a:r>
+              <a:rPr lang="en-US" altLang="ko-KR" dirty="0" smtClean="0"/>
+              <a:t>Mapping</a:t>
+            </a:r>
+            <a:r>
+              <a:rPr lang="ko-KR" altLang="en-US" dirty="0" smtClean="0"/>
+              <a:t>되는 </a:t>
+            </a:r>
+            <a:r>
+              <a:rPr lang="ko-KR" altLang="en-US" dirty="0" err="1" smtClean="0"/>
+              <a:t>물리주소로</a:t>
+            </a:r>
+            <a:r>
+              <a:rPr lang="ko-KR" altLang="en-US" dirty="0" smtClean="0"/>
+              <a:t> 변환되어 램에 저장된 데이터를 가져오는 형식으로 되어 있다</a:t>
+            </a:r>
+            <a:r>
+              <a:rPr lang="en-US" altLang="ko-KR" dirty="0" smtClean="0"/>
               <a:t>.</a:t>
             </a:r>
-            <a:endParaRPr lang="ko-KR" altLang="en-US" sz="1200" dirty="0"/>
-          </a:p>
-          <a:p>
-            <a:endParaRPr lang="en-US" altLang="ko-KR" dirty="0"/>
-          </a:p>
-          <a:p>
-            <a:r>
-              <a:rPr lang="ko-KR" altLang="en-US" dirty="0"/>
-              <a:t>그리고 여기서 </a:t>
-            </a:r>
-            <a:r>
-              <a:rPr lang="ko-KR" altLang="en-US" dirty="0" err="1"/>
-              <a:t>알수</a:t>
-            </a:r>
-            <a:r>
-              <a:rPr lang="ko-KR" altLang="en-US" dirty="0"/>
-              <a:t> 있겠지만 </a:t>
-            </a:r>
-            <a:r>
-              <a:rPr lang="en-US" altLang="ko-KR" dirty="0"/>
-              <a:t>System Call</a:t>
-            </a:r>
-            <a:r>
-              <a:rPr lang="ko-KR" altLang="en-US" dirty="0"/>
-              <a:t>은 </a:t>
-            </a:r>
-            <a:r>
-              <a:rPr lang="en-US" altLang="ko-KR" dirty="0"/>
-              <a:t>OS Process</a:t>
-            </a:r>
-            <a:r>
-              <a:rPr lang="ko-KR" altLang="en-US" dirty="0"/>
-              <a:t>가 가지고 있는 </a:t>
-            </a:r>
-            <a:r>
-              <a:rPr lang="en-US" altLang="ko-KR" dirty="0"/>
-              <a:t>logic (method)</a:t>
-            </a:r>
-            <a:r>
-              <a:rPr lang="ko-KR" altLang="en-US" dirty="0"/>
-              <a:t>를 호출하는 행위를 의미한다</a:t>
-            </a:r>
-            <a:r>
-              <a:rPr lang="en-US" altLang="ko-KR" dirty="0"/>
-              <a:t>. </a:t>
-            </a:r>
-            <a:r>
-              <a:rPr lang="ko-KR" altLang="en-US" dirty="0"/>
-              <a:t>보통 </a:t>
-            </a:r>
-            <a:r>
-              <a:rPr lang="en-US" altLang="ko-KR" dirty="0"/>
-              <a:t>OS Logic</a:t>
-            </a:r>
-            <a:r>
-              <a:rPr lang="ko-KR" altLang="en-US" dirty="0"/>
-              <a:t>은 </a:t>
-            </a:r>
-            <a:r>
-              <a:rPr lang="en-US" altLang="ko-KR" dirty="0"/>
-              <a:t>Process</a:t>
-            </a:r>
-            <a:r>
-              <a:rPr lang="ko-KR" altLang="en-US" dirty="0"/>
-              <a:t>관련 관리 </a:t>
-            </a:r>
-            <a:r>
-              <a:rPr lang="ko-KR" altLang="en-US" dirty="0" err="1"/>
-              <a:t>로직</a:t>
-            </a:r>
-            <a:r>
-              <a:rPr lang="en-US" altLang="ko-KR" dirty="0"/>
-              <a:t>, Hardware </a:t>
-            </a:r>
-            <a:r>
-              <a:rPr lang="ko-KR" altLang="en-US" dirty="0"/>
-              <a:t>제어 </a:t>
-            </a:r>
-            <a:r>
-              <a:rPr lang="ko-KR" altLang="en-US" dirty="0" err="1"/>
-              <a:t>로직등이</a:t>
-            </a:r>
-            <a:r>
-              <a:rPr lang="ko-KR" altLang="en-US" dirty="0"/>
-              <a:t> 들어가 있다</a:t>
-            </a:r>
-            <a:r>
-              <a:rPr lang="en-US" altLang="ko-KR" dirty="0"/>
+          </a:p>
+          <a:p>
+            <a:r>
+              <a:rPr lang="ko-KR" altLang="en-US" dirty="0" smtClean="0"/>
+              <a:t>참고로 여기서 </a:t>
+            </a:r>
+            <a:r>
+              <a:rPr lang="ko-KR" altLang="en-US" b="1" dirty="0" smtClean="0">
+                <a:solidFill>
+                  <a:srgbClr val="C00000"/>
+                </a:solidFill>
+              </a:rPr>
+              <a:t>논리주소에서 </a:t>
+            </a:r>
+            <a:r>
+              <a:rPr lang="ko-KR" altLang="en-US" b="1" dirty="0" err="1" smtClean="0">
+                <a:solidFill>
+                  <a:srgbClr val="C00000"/>
+                </a:solidFill>
+              </a:rPr>
+              <a:t>물리주소로</a:t>
+            </a:r>
+            <a:r>
+              <a:rPr lang="ko-KR" altLang="en-US" b="1" dirty="0" smtClean="0">
+                <a:solidFill>
+                  <a:srgbClr val="C00000"/>
+                </a:solidFill>
+              </a:rPr>
+              <a:t> 변환하는 것은 </a:t>
+            </a:r>
+            <a:r>
+              <a:rPr lang="en-US" altLang="ko-KR" b="1" dirty="0" smtClean="0">
+                <a:solidFill>
+                  <a:srgbClr val="C00000"/>
+                </a:solidFill>
+              </a:rPr>
+              <a:t>(MMU) </a:t>
+            </a:r>
+            <a:r>
+              <a:rPr lang="ko-KR" altLang="en-US" b="1" dirty="0" smtClean="0">
+                <a:solidFill>
+                  <a:srgbClr val="C00000"/>
+                </a:solidFill>
+              </a:rPr>
+              <a:t>메모리 관리 장치</a:t>
+            </a:r>
+            <a:r>
+              <a:rPr lang="ko-KR" altLang="en-US" dirty="0" smtClean="0"/>
+              <a:t>가 해준다</a:t>
+            </a:r>
+            <a:r>
+              <a:rPr lang="en-US" altLang="ko-KR" dirty="0" smtClean="0"/>
               <a:t>.</a:t>
             </a:r>
-            <a:endParaRPr lang="ko-KR" altLang="en-US" dirty="0"/>
+          </a:p>
+          <a:p>
+            <a:endParaRPr lang="en-US" altLang="ko-KR" dirty="0" smtClean="0"/>
+          </a:p>
+          <a:p>
+            <a:r>
+              <a:rPr lang="en-US" altLang="ko-KR" dirty="0" smtClean="0"/>
+              <a:t>* MMU</a:t>
+            </a:r>
+            <a:r>
+              <a:rPr lang="ko-KR" altLang="en-US" dirty="0" smtClean="0"/>
+              <a:t>는 일반적으로 </a:t>
+            </a:r>
+            <a:r>
+              <a:rPr lang="en-US" altLang="ko-KR" dirty="0" smtClean="0"/>
+              <a:t>CPU</a:t>
+            </a:r>
+            <a:r>
+              <a:rPr lang="ko-KR" altLang="en-US" dirty="0" smtClean="0"/>
+              <a:t>내부에 통합된 하드웨어 모듈이다 </a:t>
+            </a:r>
+            <a:endParaRPr lang="en-US" altLang="ko-KR" dirty="0" smtClean="0"/>
+          </a:p>
+          <a:p>
+            <a:endParaRPr lang="en-US" altLang="ko-KR" dirty="0" smtClean="0"/>
           </a:p>
         </p:txBody>
       </p:sp>
@@ -1151,7 +901,7 @@
           <a:p>
             <a:fld id="{16AFB6E1-9A93-4EBD-AB39-332ADB6F73BD}" type="slidenum">
               <a:rPr lang="ko-KR" altLang="en-US" smtClean="0"/>
-              <a:t>12</a:t>
+              <a:t>6</a:t>
             </a:fld>
             <a:endParaRPr lang="ko-KR" altLang="en-US"/>
           </a:p>
@@ -1160,7 +910,7 @@
     </p:spTree>
     <p:extLst>
       <p:ext uri="{BB962C8B-B14F-4D97-AF65-F5344CB8AC3E}">
-        <p14:creationId xmlns:p14="http://schemas.microsoft.com/office/powerpoint/2010/main" val="2449296183"/>
+        <p14:creationId xmlns:p14="http://schemas.microsoft.com/office/powerpoint/2010/main" val="4135790592"/>
       </p:ext>
     </p:extLst>
   </p:cSld>
@@ -1214,6 +964,713 @@
           <a:bodyPr/>
           <a:lstStyle/>
           <a:p>
+            <a:endParaRPr lang="ko-KR" altLang="en-US" dirty="0"/>
+          </a:p>
+        </p:txBody>
+      </p:sp>
+      <p:sp>
+        <p:nvSpPr>
+          <p:cNvPr id="4" name="슬라이드 번호 개체 틀 3"/>
+          <p:cNvSpPr>
+            <a:spLocks noGrp="1"/>
+          </p:cNvSpPr>
+          <p:nvPr>
+            <p:ph type="sldNum" sz="quarter" idx="10"/>
+          </p:nvPr>
+        </p:nvSpPr>
+        <p:spPr/>
+        <p:txBody>
+          <a:bodyPr/>
+          <a:lstStyle/>
+          <a:p>
+            <a:fld id="{16AFB6E1-9A93-4EBD-AB39-332ADB6F73BD}" type="slidenum">
+              <a:rPr lang="ko-KR" altLang="en-US" smtClean="0"/>
+              <a:t>7</a:t>
+            </a:fld>
+            <a:endParaRPr lang="ko-KR" altLang="en-US"/>
+          </a:p>
+        </p:txBody>
+      </p:sp>
+    </p:spTree>
+    <p:extLst>
+      <p:ext uri="{BB962C8B-B14F-4D97-AF65-F5344CB8AC3E}">
+        <p14:creationId xmlns:p14="http://schemas.microsoft.com/office/powerpoint/2010/main" val="2871402095"/>
+      </p:ext>
+    </p:extLst>
+  </p:cSld>
+  <p:clrMapOvr>
+    <a:masterClrMapping/>
+  </p:clrMapOvr>
+</p:notes>
+</file>
+
+<file path=ppt/notesSlides/notesSlide5.xml><?xml version="1.0" encoding="utf-8"?>
+<p:notes xmlns:a="http://schemas.openxmlformats.org/drawingml/2006/main" xmlns:r="http://schemas.openxmlformats.org/officeDocument/2006/relationships" xmlns:p="http://schemas.openxmlformats.org/presentationml/2006/main">
+  <p:cSld>
+    <p:spTree>
+      <p:nvGrpSpPr>
+        <p:cNvPr id="1" name=""/>
+        <p:cNvGrpSpPr/>
+        <p:nvPr/>
+      </p:nvGrpSpPr>
+      <p:grpSpPr>
+        <a:xfrm>
+          <a:off x="0" y="0"/>
+          <a:ext cx="0" cy="0"/>
+          <a:chOff x="0" y="0"/>
+          <a:chExt cx="0" cy="0"/>
+        </a:xfrm>
+      </p:grpSpPr>
+      <p:sp>
+        <p:nvSpPr>
+          <p:cNvPr id="2" name="슬라이드 이미지 개체 틀 1"/>
+          <p:cNvSpPr>
+            <a:spLocks noGrp="1" noRot="1" noChangeAspect="1"/>
+          </p:cNvSpPr>
+          <p:nvPr>
+            <p:ph type="sldImg"/>
+          </p:nvPr>
+        </p:nvSpPr>
+        <p:spPr/>
+      </p:sp>
+      <p:sp>
+        <p:nvSpPr>
+          <p:cNvPr id="3" name="슬라이드 노트 개체 틀 2"/>
+          <p:cNvSpPr>
+            <a:spLocks noGrp="1"/>
+          </p:cNvSpPr>
+          <p:nvPr>
+            <p:ph type="body" idx="1"/>
+          </p:nvPr>
+        </p:nvSpPr>
+        <p:spPr/>
+        <p:txBody>
+          <a:bodyPr/>
+          <a:lstStyle/>
+          <a:p>
+            <a:endParaRPr lang="ko-KR" altLang="en-US" dirty="0"/>
+          </a:p>
+        </p:txBody>
+      </p:sp>
+      <p:sp>
+        <p:nvSpPr>
+          <p:cNvPr id="4" name="슬라이드 번호 개체 틀 3"/>
+          <p:cNvSpPr>
+            <a:spLocks noGrp="1"/>
+          </p:cNvSpPr>
+          <p:nvPr>
+            <p:ph type="sldNum" sz="quarter" idx="10"/>
+          </p:nvPr>
+        </p:nvSpPr>
+        <p:spPr/>
+        <p:txBody>
+          <a:bodyPr/>
+          <a:lstStyle/>
+          <a:p>
+            <a:fld id="{16AFB6E1-9A93-4EBD-AB39-332ADB6F73BD}" type="slidenum">
+              <a:rPr lang="ko-KR" altLang="en-US" smtClean="0"/>
+              <a:t>8</a:t>
+            </a:fld>
+            <a:endParaRPr lang="ko-KR" altLang="en-US"/>
+          </a:p>
+        </p:txBody>
+      </p:sp>
+    </p:spTree>
+    <p:extLst>
+      <p:ext uri="{BB962C8B-B14F-4D97-AF65-F5344CB8AC3E}">
+        <p14:creationId xmlns:p14="http://schemas.microsoft.com/office/powerpoint/2010/main" val="404492909"/>
+      </p:ext>
+    </p:extLst>
+  </p:cSld>
+  <p:clrMapOvr>
+    <a:masterClrMapping/>
+  </p:clrMapOvr>
+</p:notes>
+</file>
+
+<file path=ppt/notesSlides/notesSlide6.xml><?xml version="1.0" encoding="utf-8"?>
+<p:notes xmlns:a="http://schemas.openxmlformats.org/drawingml/2006/main" xmlns:r="http://schemas.openxmlformats.org/officeDocument/2006/relationships" xmlns:p="http://schemas.openxmlformats.org/presentationml/2006/main">
+  <p:cSld>
+    <p:spTree>
+      <p:nvGrpSpPr>
+        <p:cNvPr id="1" name=""/>
+        <p:cNvGrpSpPr/>
+        <p:nvPr/>
+      </p:nvGrpSpPr>
+      <p:grpSpPr>
+        <a:xfrm>
+          <a:off x="0" y="0"/>
+          <a:ext cx="0" cy="0"/>
+          <a:chOff x="0" y="0"/>
+          <a:chExt cx="0" cy="0"/>
+        </a:xfrm>
+      </p:grpSpPr>
+      <p:sp>
+        <p:nvSpPr>
+          <p:cNvPr id="2" name="슬라이드 이미지 개체 틀 1"/>
+          <p:cNvSpPr>
+            <a:spLocks noGrp="1" noRot="1" noChangeAspect="1"/>
+          </p:cNvSpPr>
+          <p:nvPr>
+            <p:ph type="sldImg"/>
+          </p:nvPr>
+        </p:nvSpPr>
+        <p:spPr/>
+      </p:sp>
+      <p:sp>
+        <p:nvSpPr>
+          <p:cNvPr id="3" name="슬라이드 노트 개체 틀 2"/>
+          <p:cNvSpPr>
+            <a:spLocks noGrp="1"/>
+          </p:cNvSpPr>
+          <p:nvPr>
+            <p:ph type="body" idx="1"/>
+          </p:nvPr>
+        </p:nvSpPr>
+        <p:spPr/>
+        <p:txBody>
+          <a:bodyPr/>
+          <a:lstStyle/>
+          <a:p>
+            <a:endParaRPr lang="ko-KR" altLang="en-US" dirty="0"/>
+          </a:p>
+        </p:txBody>
+      </p:sp>
+      <p:sp>
+        <p:nvSpPr>
+          <p:cNvPr id="4" name="슬라이드 번호 개체 틀 3"/>
+          <p:cNvSpPr>
+            <a:spLocks noGrp="1"/>
+          </p:cNvSpPr>
+          <p:nvPr>
+            <p:ph type="sldNum" sz="quarter" idx="10"/>
+          </p:nvPr>
+        </p:nvSpPr>
+        <p:spPr/>
+        <p:txBody>
+          <a:bodyPr/>
+          <a:lstStyle/>
+          <a:p>
+            <a:fld id="{16AFB6E1-9A93-4EBD-AB39-332ADB6F73BD}" type="slidenum">
+              <a:rPr lang="ko-KR" altLang="en-US" smtClean="0"/>
+              <a:t>9</a:t>
+            </a:fld>
+            <a:endParaRPr lang="ko-KR" altLang="en-US"/>
+          </a:p>
+        </p:txBody>
+      </p:sp>
+    </p:spTree>
+    <p:extLst>
+      <p:ext uri="{BB962C8B-B14F-4D97-AF65-F5344CB8AC3E}">
+        <p14:creationId xmlns:p14="http://schemas.microsoft.com/office/powerpoint/2010/main" val="2357716431"/>
+      </p:ext>
+    </p:extLst>
+  </p:cSld>
+  <p:clrMapOvr>
+    <a:masterClrMapping/>
+  </p:clrMapOvr>
+</p:notes>
+</file>
+
+<file path=ppt/notesSlides/notesSlide7.xml><?xml version="1.0" encoding="utf-8"?>
+<p:notes xmlns:a="http://schemas.openxmlformats.org/drawingml/2006/main" xmlns:r="http://schemas.openxmlformats.org/officeDocument/2006/relationships" xmlns:p="http://schemas.openxmlformats.org/presentationml/2006/main">
+  <p:cSld>
+    <p:spTree>
+      <p:nvGrpSpPr>
+        <p:cNvPr id="1" name=""/>
+        <p:cNvGrpSpPr/>
+        <p:nvPr/>
+      </p:nvGrpSpPr>
+      <p:grpSpPr>
+        <a:xfrm>
+          <a:off x="0" y="0"/>
+          <a:ext cx="0" cy="0"/>
+          <a:chOff x="0" y="0"/>
+          <a:chExt cx="0" cy="0"/>
+        </a:xfrm>
+      </p:grpSpPr>
+      <p:sp>
+        <p:nvSpPr>
+          <p:cNvPr id="2" name="슬라이드 이미지 개체 틀 1"/>
+          <p:cNvSpPr>
+            <a:spLocks noGrp="1" noRot="1" noChangeAspect="1"/>
+          </p:cNvSpPr>
+          <p:nvPr>
+            <p:ph type="sldImg"/>
+          </p:nvPr>
+        </p:nvSpPr>
+        <p:spPr/>
+      </p:sp>
+      <p:sp>
+        <p:nvSpPr>
+          <p:cNvPr id="3" name="슬라이드 노트 개체 틀 2"/>
+          <p:cNvSpPr>
+            <a:spLocks noGrp="1"/>
+          </p:cNvSpPr>
+          <p:nvPr>
+            <p:ph type="body" idx="1"/>
+          </p:nvPr>
+        </p:nvSpPr>
+        <p:spPr/>
+        <p:txBody>
+          <a:bodyPr/>
+          <a:lstStyle/>
+          <a:p>
+            <a:pPr marL="0" marR="0" indent="0" algn="l" defTabSz="914400" rtl="0" eaLnBrk="1" fontAlgn="auto" latinLnBrk="1" hangingPunct="1">
+              <a:lnSpc>
+                <a:spcPct val="100000"/>
+              </a:lnSpc>
+              <a:spcBef>
+                <a:spcPts val="0"/>
+              </a:spcBef>
+              <a:spcAft>
+                <a:spcPts val="0"/>
+              </a:spcAft>
+              <a:buClrTx/>
+              <a:buSzTx/>
+              <a:buFontTx/>
+              <a:buNone/>
+              <a:tabLst/>
+              <a:defRPr/>
+            </a:pPr>
+            <a:r>
+              <a:rPr lang="ko-KR" altLang="en-US" sz="1200" dirty="0"/>
+              <a:t>설명</a:t>
+            </a:r>
+            <a:r>
+              <a:rPr lang="en-US" altLang="ko-KR" sz="1200" dirty="0"/>
+              <a:t>: App1</a:t>
+            </a:r>
+            <a:r>
+              <a:rPr lang="ko-KR" altLang="en-US" sz="1200" dirty="0"/>
+              <a:t>의 여러 연산은 직접 </a:t>
+            </a:r>
+            <a:r>
+              <a:rPr lang="en-US" altLang="ko-KR" sz="1200" dirty="0"/>
+              <a:t>CPU</a:t>
+            </a:r>
+            <a:r>
+              <a:rPr lang="ko-KR" altLang="en-US" sz="1200" dirty="0"/>
+              <a:t>에서 읽으면서 연산한다</a:t>
+            </a:r>
+            <a:r>
+              <a:rPr lang="en-US" altLang="ko-KR" sz="1200" dirty="0"/>
+              <a:t>. </a:t>
+            </a:r>
+            <a:r>
+              <a:rPr lang="ko-KR" altLang="en-US" sz="1200" dirty="0"/>
+              <a:t>다만 </a:t>
+            </a:r>
+            <a:r>
+              <a:rPr lang="en-US" altLang="ko-KR" sz="1200" dirty="0"/>
+              <a:t>System Call</a:t>
+            </a:r>
+            <a:r>
+              <a:rPr lang="ko-KR" altLang="en-US" sz="1200" dirty="0"/>
+              <a:t>을 </a:t>
+            </a:r>
+            <a:r>
+              <a:rPr lang="ko-KR" altLang="en-US" sz="1200" dirty="0" err="1"/>
+              <a:t>할때</a:t>
+            </a:r>
+            <a:r>
+              <a:rPr lang="ko-KR" altLang="en-US" sz="1200" dirty="0"/>
+              <a:t> </a:t>
+            </a:r>
+            <a:r>
+              <a:rPr lang="en-US" altLang="ko-KR" sz="1200" dirty="0"/>
+              <a:t>(OS Logic)</a:t>
+            </a:r>
+            <a:r>
+              <a:rPr lang="ko-KR" altLang="en-US" sz="1200" dirty="0"/>
+              <a:t>예를 들어 다른 주변 기기에서 </a:t>
+            </a:r>
+            <a:r>
+              <a:rPr lang="en-US" altLang="ko-KR" sz="1200" dirty="0"/>
+              <a:t>Input</a:t>
+            </a:r>
+            <a:r>
+              <a:rPr lang="ko-KR" altLang="en-US" sz="1200" dirty="0"/>
+              <a:t>이 있거나 </a:t>
+            </a:r>
+            <a:r>
+              <a:rPr lang="en-US" altLang="ko-KR" sz="1200" dirty="0"/>
+              <a:t>Storage</a:t>
+            </a:r>
+            <a:r>
+              <a:rPr lang="ko-KR" altLang="en-US" sz="1200" dirty="0"/>
+              <a:t>에서 데이터를 </a:t>
+            </a:r>
+            <a:r>
+              <a:rPr lang="ko-KR" altLang="en-US" sz="1200" dirty="0" err="1"/>
+              <a:t>받아온다던지</a:t>
+            </a:r>
+            <a:r>
+              <a:rPr lang="ko-KR" altLang="en-US" sz="1200" dirty="0"/>
+              <a:t> </a:t>
+            </a:r>
+            <a:r>
+              <a:rPr lang="ko-KR" altLang="en-US" sz="1200" dirty="0" err="1"/>
+              <a:t>이럴때는</a:t>
+            </a:r>
+            <a:r>
+              <a:rPr lang="ko-KR" altLang="en-US" sz="1200" dirty="0"/>
+              <a:t> </a:t>
+            </a:r>
+            <a:r>
+              <a:rPr lang="en-US" altLang="ko-KR" sz="1200" dirty="0"/>
+              <a:t>OS Process Logic</a:t>
+            </a:r>
+            <a:r>
+              <a:rPr lang="ko-KR" altLang="en-US" sz="1200" dirty="0"/>
+              <a:t>을 태워야 한다</a:t>
+            </a:r>
+            <a:r>
+              <a:rPr lang="en-US" altLang="ko-KR" sz="1200" dirty="0"/>
+              <a:t>. </a:t>
+            </a:r>
+            <a:r>
+              <a:rPr lang="ko-KR" altLang="en-US" sz="1200" dirty="0" err="1"/>
+              <a:t>이럴때</a:t>
+            </a:r>
+            <a:r>
+              <a:rPr lang="ko-KR" altLang="en-US" sz="1200" dirty="0"/>
+              <a:t> </a:t>
+            </a:r>
+            <a:r>
+              <a:rPr lang="en-US" altLang="ko-KR" sz="1200" dirty="0"/>
+              <a:t>App1</a:t>
+            </a:r>
+            <a:r>
+              <a:rPr lang="ko-KR" altLang="en-US" sz="1200" dirty="0"/>
+              <a:t>을 읽다가 </a:t>
+            </a:r>
+            <a:r>
+              <a:rPr lang="en-US" altLang="ko-KR" sz="1200" dirty="0"/>
+              <a:t>OS process</a:t>
+            </a:r>
+            <a:r>
+              <a:rPr lang="ko-KR" altLang="en-US" sz="1200" dirty="0"/>
+              <a:t>에 있는 </a:t>
+            </a:r>
+            <a:r>
+              <a:rPr lang="en-US" altLang="ko-KR" sz="1200" dirty="0"/>
+              <a:t>Logic</a:t>
+            </a:r>
+            <a:r>
+              <a:rPr lang="ko-KR" altLang="en-US" sz="1200" dirty="0"/>
+              <a:t>을 읽어야 하므로 </a:t>
+            </a:r>
+            <a:r>
+              <a:rPr lang="en-US" altLang="ko-KR" sz="1200" dirty="0"/>
+              <a:t>OS Process</a:t>
+            </a:r>
+            <a:r>
+              <a:rPr lang="ko-KR" altLang="en-US" sz="1200" dirty="0"/>
+              <a:t>의 특정 </a:t>
+            </a:r>
+            <a:r>
+              <a:rPr lang="en-US" altLang="ko-KR" sz="1200" dirty="0"/>
+              <a:t>Logic (</a:t>
+            </a:r>
+            <a:r>
+              <a:rPr lang="ko-KR" altLang="en-US" sz="1200" dirty="0"/>
+              <a:t>여기서는 파일 </a:t>
+            </a:r>
+            <a:r>
+              <a:rPr lang="en-US" altLang="ko-KR" sz="1200" dirty="0"/>
+              <a:t>Read</a:t>
+            </a:r>
+            <a:r>
+              <a:rPr lang="ko-KR" altLang="en-US" sz="1200" dirty="0"/>
+              <a:t>관련한</a:t>
+            </a:r>
+            <a:r>
+              <a:rPr lang="en-US" altLang="ko-KR" sz="1200" dirty="0"/>
+              <a:t>)</a:t>
+            </a:r>
+            <a:r>
+              <a:rPr lang="ko-KR" altLang="en-US" sz="1200" dirty="0"/>
+              <a:t>을 </a:t>
+            </a:r>
+            <a:r>
+              <a:rPr lang="ko-KR" altLang="en-US" sz="1200" dirty="0" err="1"/>
+              <a:t>읽게된다</a:t>
+            </a:r>
+            <a:r>
+              <a:rPr lang="en-US" altLang="ko-KR" sz="1200" dirty="0"/>
+              <a:t>. </a:t>
+            </a:r>
+            <a:r>
+              <a:rPr lang="ko-KR" altLang="en-US" sz="1200" dirty="0"/>
+              <a:t>이때 </a:t>
+            </a:r>
+            <a:r>
+              <a:rPr lang="en-US" altLang="ko-KR" sz="1200" dirty="0"/>
+              <a:t>Kernel Mode</a:t>
+            </a:r>
+            <a:r>
+              <a:rPr lang="ko-KR" altLang="en-US" sz="1200" dirty="0"/>
+              <a:t>라 한다</a:t>
+            </a:r>
+            <a:r>
+              <a:rPr lang="en-US" altLang="ko-KR" sz="1200" dirty="0"/>
+              <a:t>. CPU</a:t>
+            </a:r>
+            <a:r>
+              <a:rPr lang="ko-KR" altLang="en-US" sz="1200" dirty="0"/>
+              <a:t>가 </a:t>
+            </a:r>
+            <a:r>
+              <a:rPr lang="en-US" altLang="ko-KR" sz="1200" dirty="0" err="1"/>
+              <a:t>Os</a:t>
+            </a:r>
+            <a:r>
+              <a:rPr lang="en-US" altLang="ko-KR" sz="1200" dirty="0"/>
+              <a:t> Logic</a:t>
+            </a:r>
+            <a:r>
+              <a:rPr lang="ko-KR" altLang="en-US" sz="1200" dirty="0"/>
+              <a:t>을 수행하고 </a:t>
+            </a:r>
+            <a:r>
+              <a:rPr lang="ko-KR" altLang="en-US" sz="1200" dirty="0" err="1"/>
+              <a:t>있을때</a:t>
+            </a:r>
+            <a:r>
+              <a:rPr lang="ko-KR" altLang="en-US" sz="1200" dirty="0"/>
+              <a:t> 어차피 </a:t>
+            </a:r>
+            <a:r>
+              <a:rPr lang="en-US" altLang="ko-KR" sz="1200" dirty="0"/>
+              <a:t>OS</a:t>
+            </a:r>
+            <a:r>
+              <a:rPr lang="ko-KR" altLang="en-US" sz="1200" dirty="0"/>
+              <a:t>또한 </a:t>
+            </a:r>
+            <a:r>
+              <a:rPr lang="en-US" altLang="ko-KR" sz="1200" dirty="0"/>
+              <a:t>Process</a:t>
+            </a:r>
+            <a:r>
+              <a:rPr lang="ko-KR" altLang="en-US" sz="1200" dirty="0"/>
+              <a:t>이고 그 안의 작업 단위를 똑같이 </a:t>
+            </a:r>
+            <a:r>
+              <a:rPr lang="en-US" altLang="ko-KR" sz="1200" dirty="0"/>
+              <a:t>thread</a:t>
+            </a:r>
+            <a:r>
+              <a:rPr lang="ko-KR" altLang="en-US" sz="1200" dirty="0"/>
+              <a:t>단위로 </a:t>
+            </a:r>
+            <a:r>
+              <a:rPr lang="ko-KR" altLang="en-US" sz="1200" dirty="0" err="1"/>
+              <a:t>할텐데</a:t>
+            </a:r>
+            <a:r>
+              <a:rPr lang="en-US" altLang="ko-KR" sz="1200" dirty="0"/>
+              <a:t>, </a:t>
+            </a:r>
+            <a:r>
+              <a:rPr lang="ko-KR" altLang="en-US" sz="1200" dirty="0"/>
+              <a:t>이때의 </a:t>
+            </a:r>
+            <a:r>
+              <a:rPr lang="en-US" altLang="ko-KR" sz="1200" dirty="0"/>
+              <a:t>thread</a:t>
+            </a:r>
+            <a:r>
+              <a:rPr lang="ko-KR" altLang="en-US" sz="1200" dirty="0"/>
+              <a:t>를 </a:t>
+            </a:r>
+            <a:r>
+              <a:rPr lang="en-US" altLang="ko-KR" sz="1200" dirty="0"/>
+              <a:t>Kernel Thread</a:t>
+            </a:r>
+            <a:r>
+              <a:rPr lang="ko-KR" altLang="en-US" sz="1200" dirty="0"/>
+              <a:t>라 한다</a:t>
+            </a:r>
+            <a:r>
+              <a:rPr lang="en-US" altLang="ko-KR" sz="1200" dirty="0"/>
+              <a:t>.</a:t>
+            </a:r>
+            <a:endParaRPr lang="ko-KR" altLang="en-US" sz="1200" dirty="0"/>
+          </a:p>
+          <a:p>
+            <a:endParaRPr lang="en-US" altLang="ko-KR" dirty="0"/>
+          </a:p>
+          <a:p>
+            <a:r>
+              <a:rPr lang="ko-KR" altLang="en-US" dirty="0"/>
+              <a:t>그리고 여기서 </a:t>
+            </a:r>
+            <a:r>
+              <a:rPr lang="ko-KR" altLang="en-US" dirty="0" err="1"/>
+              <a:t>알수</a:t>
+            </a:r>
+            <a:r>
+              <a:rPr lang="ko-KR" altLang="en-US" dirty="0"/>
+              <a:t> 있겠지만 </a:t>
+            </a:r>
+            <a:r>
+              <a:rPr lang="en-US" altLang="ko-KR" dirty="0"/>
+              <a:t>System Call</a:t>
+            </a:r>
+            <a:r>
+              <a:rPr lang="ko-KR" altLang="en-US" dirty="0"/>
+              <a:t>은 </a:t>
+            </a:r>
+            <a:r>
+              <a:rPr lang="en-US" altLang="ko-KR" dirty="0"/>
+              <a:t>OS Process</a:t>
+            </a:r>
+            <a:r>
+              <a:rPr lang="ko-KR" altLang="en-US" dirty="0"/>
+              <a:t>가 가지고 있는 </a:t>
+            </a:r>
+            <a:r>
+              <a:rPr lang="en-US" altLang="ko-KR" dirty="0"/>
+              <a:t>logic (method)</a:t>
+            </a:r>
+            <a:r>
+              <a:rPr lang="ko-KR" altLang="en-US" dirty="0"/>
+              <a:t>를 호출하는 행위를 의미한다</a:t>
+            </a:r>
+            <a:r>
+              <a:rPr lang="en-US" altLang="ko-KR" dirty="0"/>
+              <a:t>. </a:t>
+            </a:r>
+            <a:r>
+              <a:rPr lang="ko-KR" altLang="en-US" dirty="0"/>
+              <a:t>보통 </a:t>
+            </a:r>
+            <a:r>
+              <a:rPr lang="en-US" altLang="ko-KR" dirty="0"/>
+              <a:t>OS Logic</a:t>
+            </a:r>
+            <a:r>
+              <a:rPr lang="ko-KR" altLang="en-US" dirty="0"/>
+              <a:t>은 </a:t>
+            </a:r>
+            <a:r>
+              <a:rPr lang="en-US" altLang="ko-KR" dirty="0"/>
+              <a:t>Process</a:t>
+            </a:r>
+            <a:r>
+              <a:rPr lang="ko-KR" altLang="en-US" dirty="0"/>
+              <a:t>관련 관리 </a:t>
+            </a:r>
+            <a:r>
+              <a:rPr lang="ko-KR" altLang="en-US" dirty="0" err="1"/>
+              <a:t>로직</a:t>
+            </a:r>
+            <a:r>
+              <a:rPr lang="en-US" altLang="ko-KR" dirty="0"/>
+              <a:t>, Hardware </a:t>
+            </a:r>
+            <a:r>
+              <a:rPr lang="ko-KR" altLang="en-US" dirty="0"/>
+              <a:t>제어 </a:t>
+            </a:r>
+            <a:r>
+              <a:rPr lang="ko-KR" altLang="en-US" dirty="0" err="1"/>
+              <a:t>로직등이</a:t>
+            </a:r>
+            <a:r>
+              <a:rPr lang="ko-KR" altLang="en-US" dirty="0"/>
+              <a:t> 들어가 있다</a:t>
+            </a:r>
+            <a:r>
+              <a:rPr lang="en-US" altLang="ko-KR" dirty="0"/>
+              <a:t>.</a:t>
+            </a:r>
+            <a:endParaRPr lang="ko-KR" altLang="en-US" dirty="0"/>
+          </a:p>
+        </p:txBody>
+      </p:sp>
+      <p:sp>
+        <p:nvSpPr>
+          <p:cNvPr id="4" name="슬라이드 번호 개체 틀 3"/>
+          <p:cNvSpPr>
+            <a:spLocks noGrp="1"/>
+          </p:cNvSpPr>
+          <p:nvPr>
+            <p:ph type="sldNum" sz="quarter" idx="10"/>
+          </p:nvPr>
+        </p:nvSpPr>
+        <p:spPr/>
+        <p:txBody>
+          <a:bodyPr/>
+          <a:lstStyle/>
+          <a:p>
+            <a:fld id="{16AFB6E1-9A93-4EBD-AB39-332ADB6F73BD}" type="slidenum">
+              <a:rPr lang="ko-KR" altLang="en-US" smtClean="0"/>
+              <a:t>15</a:t>
+            </a:fld>
+            <a:endParaRPr lang="ko-KR" altLang="en-US"/>
+          </a:p>
+        </p:txBody>
+      </p:sp>
+    </p:spTree>
+    <p:extLst>
+      <p:ext uri="{BB962C8B-B14F-4D97-AF65-F5344CB8AC3E}">
+        <p14:creationId xmlns:p14="http://schemas.microsoft.com/office/powerpoint/2010/main" val="2449296183"/>
+      </p:ext>
+    </p:extLst>
+  </p:cSld>
+  <p:clrMapOvr>
+    <a:masterClrMapping/>
+  </p:clrMapOvr>
+</p:notes>
+</file>
+
+<file path=ppt/notesSlides/notesSlide8.xml><?xml version="1.0" encoding="utf-8"?>
+<p:notes xmlns:a="http://schemas.openxmlformats.org/drawingml/2006/main" xmlns:r="http://schemas.openxmlformats.org/officeDocument/2006/relationships" xmlns:p="http://schemas.openxmlformats.org/presentationml/2006/main">
+  <p:cSld>
+    <p:spTree>
+      <p:nvGrpSpPr>
+        <p:cNvPr id="1" name=""/>
+        <p:cNvGrpSpPr/>
+        <p:nvPr/>
+      </p:nvGrpSpPr>
+      <p:grpSpPr>
+        <a:xfrm>
+          <a:off x="0" y="0"/>
+          <a:ext cx="0" cy="0"/>
+          <a:chOff x="0" y="0"/>
+          <a:chExt cx="0" cy="0"/>
+        </a:xfrm>
+      </p:grpSpPr>
+      <p:sp>
+        <p:nvSpPr>
+          <p:cNvPr id="2" name="슬라이드 이미지 개체 틀 1"/>
+          <p:cNvSpPr>
+            <a:spLocks noGrp="1" noRot="1" noChangeAspect="1"/>
+          </p:cNvSpPr>
+          <p:nvPr>
+            <p:ph type="sldImg"/>
+          </p:nvPr>
+        </p:nvSpPr>
+        <p:spPr/>
+      </p:sp>
+      <p:sp>
+        <p:nvSpPr>
+          <p:cNvPr id="3" name="슬라이드 노트 개체 틀 2"/>
+          <p:cNvSpPr>
+            <a:spLocks noGrp="1"/>
+          </p:cNvSpPr>
+          <p:nvPr>
+            <p:ph type="body" idx="1"/>
+          </p:nvPr>
+        </p:nvSpPr>
+        <p:spPr/>
+        <p:txBody>
+          <a:bodyPr/>
+          <a:lstStyle/>
+          <a:p>
             <a:endParaRPr kumimoji="1" lang="ko-KR" altLang="en-US" dirty="0"/>
           </a:p>
         </p:txBody>
@@ -1235,7 +1692,7 @@
           <a:p>
             <a:fld id="{16AFB6E1-9A93-4EBD-AB39-332ADB6F73BD}" type="slidenum">
               <a:rPr lang="ko-KR" altLang="en-US" smtClean="0"/>
-              <a:t>13</a:t>
+              <a:t>16</a:t>
             </a:fld>
             <a:endParaRPr lang="ko-KR" altLang="en-US"/>
           </a:p>
@@ -4587,6 +5044,688 @@
       </p:grpSpPr>
       <p:sp>
         <p:nvSpPr>
+          <p:cNvPr id="4" name="TextBox 3">
+            <a:extLst>
+              <a:ext uri="{FF2B5EF4-FFF2-40B4-BE49-F238E27FC236}">
+                <a16:creationId xmlns:a16="http://schemas.microsoft.com/office/drawing/2014/main" id="{F460CDE0-DDCD-4823-FBB2-C002A2C7D621}"/>
+              </a:ext>
+            </a:extLst>
+          </p:cNvPr>
+          <p:cNvSpPr txBox="1"/>
+          <p:nvPr/>
+        </p:nvSpPr>
+        <p:spPr>
+          <a:xfrm>
+            <a:off x="331629" y="262616"/>
+            <a:ext cx="11632843" cy="923330"/>
+          </a:xfrm>
+          <a:prstGeom prst="rect">
+            <a:avLst/>
+          </a:prstGeom>
+          <a:noFill/>
+        </p:spPr>
+        <p:txBody>
+          <a:bodyPr wrap="square">
+            <a:spAutoFit/>
+          </a:bodyPr>
+          <a:lstStyle/>
+          <a:p>
+            <a:r>
+              <a:rPr lang="en" altLang="ko-KR" dirty="0"/>
+              <a:t> RAM</a:t>
+            </a:r>
+            <a:r>
+              <a:rPr lang="ko-KR" altLang="en-US" dirty="0"/>
+              <a:t>의 물리적 주소가 동적으로 할당된다는 것은</a:t>
+            </a:r>
+            <a:r>
+              <a:rPr lang="en-US" altLang="ko-KR" dirty="0"/>
+              <a:t>, </a:t>
+            </a:r>
+            <a:r>
+              <a:rPr lang="ko-KR" altLang="en-US" dirty="0"/>
+              <a:t>프로그램이나 데이터를 실제 </a:t>
+            </a:r>
+            <a:r>
+              <a:rPr lang="en" altLang="ko-KR" dirty="0"/>
+              <a:t>RAM</a:t>
+            </a:r>
+            <a:r>
+              <a:rPr lang="ko-KR" altLang="en-US" dirty="0"/>
+              <a:t>의 특정 트랜지스터에 어떻게 위치시키는지를 의미합니다</a:t>
+            </a:r>
+            <a:r>
+              <a:rPr lang="en-US" altLang="ko-KR" dirty="0"/>
+              <a:t>. </a:t>
+            </a:r>
+            <a:r>
+              <a:rPr lang="ko-KR" altLang="en-US" dirty="0"/>
+              <a:t>이 과정은 주로 운영체제와 메모리 관리 장치</a:t>
+            </a:r>
+            <a:r>
+              <a:rPr lang="en-US" altLang="ko-KR" dirty="0"/>
+              <a:t>(</a:t>
+            </a:r>
+            <a:r>
+              <a:rPr lang="en" altLang="ko-KR" dirty="0"/>
+              <a:t>MMU)</a:t>
+            </a:r>
+            <a:r>
+              <a:rPr lang="ko-KR" altLang="en-US" dirty="0"/>
+              <a:t>가 협력하여 이뤄지며</a:t>
+            </a:r>
+            <a:r>
+              <a:rPr lang="en-US" altLang="ko-KR" dirty="0"/>
+              <a:t>, </a:t>
+            </a:r>
+            <a:r>
+              <a:rPr lang="ko-KR" altLang="en-US" dirty="0"/>
+              <a:t>실제 물리적 주소가 </a:t>
+            </a:r>
+            <a:r>
+              <a:rPr lang="en" altLang="ko-KR" dirty="0"/>
+              <a:t>RAM</a:t>
+            </a:r>
+            <a:r>
+              <a:rPr lang="ko-KR" altLang="en-US" dirty="0"/>
+              <a:t>의 특정 부분</a:t>
+            </a:r>
+            <a:r>
+              <a:rPr lang="en-US" altLang="ko-KR" dirty="0"/>
+              <a:t>(</a:t>
+            </a:r>
+            <a:r>
+              <a:rPr lang="ko-KR" altLang="en-US" dirty="0"/>
+              <a:t>트랜지스터들의 배열</a:t>
+            </a:r>
+            <a:r>
+              <a:rPr lang="en-US" altLang="ko-KR" dirty="0"/>
+              <a:t>)</a:t>
+            </a:r>
+            <a:r>
+              <a:rPr lang="ko-KR" altLang="en-US" dirty="0"/>
+              <a:t>과 어떻게 </a:t>
+            </a:r>
+            <a:r>
+              <a:rPr lang="ko-KR" altLang="en-US" dirty="0" err="1"/>
+              <a:t>매핑되는지</a:t>
+            </a:r>
+            <a:r>
+              <a:rPr lang="ko-KR" altLang="en-US" dirty="0"/>
+              <a:t> 설명하겠습니다</a:t>
+            </a:r>
+            <a:r>
+              <a:rPr lang="en-US" altLang="ko-KR" dirty="0"/>
+              <a:t>.</a:t>
+            </a:r>
+            <a:endParaRPr lang="ko-KR" altLang="en-US" dirty="0"/>
+          </a:p>
+        </p:txBody>
+      </p:sp>
+    </p:spTree>
+    <p:extLst>
+      <p:ext uri="{BB962C8B-B14F-4D97-AF65-F5344CB8AC3E}">
+        <p14:creationId xmlns:p14="http://schemas.microsoft.com/office/powerpoint/2010/main" val="3845688607"/>
+      </p:ext>
+    </p:extLst>
+  </p:cSld>
+  <p:clrMapOvr>
+    <a:masterClrMapping/>
+  </p:clrMapOvr>
+</p:sld>
+</file>
+
+<file path=ppt/slides/slide11.xml><?xml version="1.0" encoding="utf-8"?>
+<p:sld xmlns:a="http://schemas.openxmlformats.org/drawingml/2006/main" xmlns:r="http://schemas.openxmlformats.org/officeDocument/2006/relationships" xmlns:p="http://schemas.openxmlformats.org/presentationml/2006/main">
+  <p:cSld>
+    <p:spTree>
+      <p:nvGrpSpPr>
+        <p:cNvPr id="1" name=""/>
+        <p:cNvGrpSpPr/>
+        <p:nvPr/>
+      </p:nvGrpSpPr>
+      <p:grpSpPr>
+        <a:xfrm>
+          <a:off x="0" y="0"/>
+          <a:ext cx="0" cy="0"/>
+          <a:chOff x="0" y="0"/>
+          <a:chExt cx="0" cy="0"/>
+        </a:xfrm>
+      </p:grpSpPr>
+      <p:sp>
+        <p:nvSpPr>
+          <p:cNvPr id="9" name="TextBox 8">
+            <a:extLst>
+              <a:ext uri="{FF2B5EF4-FFF2-40B4-BE49-F238E27FC236}">
+                <a16:creationId xmlns:a16="http://schemas.microsoft.com/office/drawing/2014/main" id="{469A5102-9AC4-9D35-F992-CE99846FB09B}"/>
+              </a:ext>
+            </a:extLst>
+          </p:cNvPr>
+          <p:cNvSpPr txBox="1"/>
+          <p:nvPr/>
+        </p:nvSpPr>
+        <p:spPr>
+          <a:xfrm>
+            <a:off x="1738489" y="2875002"/>
+            <a:ext cx="8715022" cy="553998"/>
+          </a:xfrm>
+          <a:prstGeom prst="rect">
+            <a:avLst/>
+          </a:prstGeom>
+          <a:noFill/>
+        </p:spPr>
+        <p:txBody>
+          <a:bodyPr wrap="square" rtlCol="0">
+            <a:spAutoFit/>
+          </a:bodyPr>
+          <a:lstStyle/>
+          <a:p>
+            <a:pPr algn="ctr"/>
+            <a:r>
+              <a:rPr kumimoji="1" lang="ko-KR" altLang="en-US" sz="3000" dirty="0"/>
+              <a:t>데이터를 통한 소프트웨어의 관리체계</a:t>
+            </a:r>
+          </a:p>
+        </p:txBody>
+      </p:sp>
+      <p:sp>
+        <p:nvSpPr>
+          <p:cNvPr id="2" name="TextBox 1">
+            <a:extLst>
+              <a:ext uri="{FF2B5EF4-FFF2-40B4-BE49-F238E27FC236}">
+                <a16:creationId xmlns:a16="http://schemas.microsoft.com/office/drawing/2014/main" id="{862B9895-80EE-8087-2E9B-2F064D5BB040}"/>
+              </a:ext>
+            </a:extLst>
+          </p:cNvPr>
+          <p:cNvSpPr txBox="1"/>
+          <p:nvPr/>
+        </p:nvSpPr>
+        <p:spPr>
+          <a:xfrm>
+            <a:off x="2550415" y="3715794"/>
+            <a:ext cx="7091170" cy="369332"/>
+          </a:xfrm>
+          <a:prstGeom prst="rect">
+            <a:avLst/>
+          </a:prstGeom>
+          <a:noFill/>
+        </p:spPr>
+        <p:txBody>
+          <a:bodyPr wrap="square" rtlCol="0">
+            <a:spAutoFit/>
+          </a:bodyPr>
+          <a:lstStyle/>
+          <a:p>
+            <a:r>
+              <a:rPr kumimoji="1" lang="ko-KR" altLang="en-US" dirty="0"/>
+              <a:t>주제</a:t>
+            </a:r>
+            <a:r>
+              <a:rPr kumimoji="1" lang="en-US" altLang="ko-KR" dirty="0"/>
+              <a:t>:</a:t>
+            </a:r>
+            <a:endParaRPr kumimoji="1" lang="ko-KR" altLang="en-US" dirty="0"/>
+          </a:p>
+        </p:txBody>
+      </p:sp>
+    </p:spTree>
+    <p:extLst>
+      <p:ext uri="{BB962C8B-B14F-4D97-AF65-F5344CB8AC3E}">
+        <p14:creationId xmlns:p14="http://schemas.microsoft.com/office/powerpoint/2010/main" val="1354234468"/>
+      </p:ext>
+    </p:extLst>
+  </p:cSld>
+  <p:clrMapOvr>
+    <a:masterClrMapping/>
+  </p:clrMapOvr>
+</p:sld>
+</file>
+
+<file path=ppt/slides/slide12.xml><?xml version="1.0" encoding="utf-8"?>
+<p:sld xmlns:a="http://schemas.openxmlformats.org/drawingml/2006/main" xmlns:r="http://schemas.openxmlformats.org/officeDocument/2006/relationships" xmlns:p="http://schemas.openxmlformats.org/presentationml/2006/main">
+  <p:cSld>
+    <p:spTree>
+      <p:nvGrpSpPr>
+        <p:cNvPr id="1" name=""/>
+        <p:cNvGrpSpPr/>
+        <p:nvPr/>
+      </p:nvGrpSpPr>
+      <p:grpSpPr>
+        <a:xfrm>
+          <a:off x="0" y="0"/>
+          <a:ext cx="0" cy="0"/>
+          <a:chOff x="0" y="0"/>
+          <a:chExt cx="0" cy="0"/>
+        </a:xfrm>
+      </p:grpSpPr>
+      <p:sp>
+        <p:nvSpPr>
+          <p:cNvPr id="4" name="TextBox 3">
+            <a:extLst>
+              <a:ext uri="{FF2B5EF4-FFF2-40B4-BE49-F238E27FC236}">
+                <a16:creationId xmlns:a16="http://schemas.microsoft.com/office/drawing/2014/main" id="{4EC179D5-BDDA-E632-6859-7630E3E7A414}"/>
+              </a:ext>
+            </a:extLst>
+          </p:cNvPr>
+          <p:cNvSpPr txBox="1"/>
+          <p:nvPr/>
+        </p:nvSpPr>
+        <p:spPr>
+          <a:xfrm>
+            <a:off x="485422" y="1083733"/>
+            <a:ext cx="9358489" cy="369332"/>
+          </a:xfrm>
+          <a:prstGeom prst="rect">
+            <a:avLst/>
+          </a:prstGeom>
+          <a:noFill/>
+        </p:spPr>
+        <p:txBody>
+          <a:bodyPr wrap="square" rtlCol="0">
+            <a:spAutoFit/>
+          </a:bodyPr>
+          <a:lstStyle/>
+          <a:p>
+            <a:r>
+              <a:rPr kumimoji="1" lang="en-US" altLang="ko-KR" dirty="0"/>
+              <a:t>Q1) </a:t>
+            </a:r>
+            <a:r>
+              <a:rPr kumimoji="1" lang="ko-KR" altLang="en-US" dirty="0"/>
+              <a:t>글자의 입력</a:t>
+            </a:r>
+            <a:r>
+              <a:rPr kumimoji="1" lang="en-US" altLang="ko-KR" dirty="0"/>
+              <a:t>/</a:t>
+            </a:r>
+            <a:r>
+              <a:rPr kumimoji="1" lang="ko-KR" altLang="en-US" dirty="0"/>
+              <a:t>출력의 과정에 컴퓨터에서 어떤 메커니즘이 일어나는지 </a:t>
+            </a:r>
+            <a:r>
+              <a:rPr kumimoji="1" lang="ko-KR" altLang="en-US" dirty="0" err="1"/>
+              <a:t>설명해보시오</a:t>
+            </a:r>
+            <a:r>
+              <a:rPr kumimoji="1" lang="en-US" altLang="ko-KR" dirty="0"/>
+              <a:t>.</a:t>
+            </a:r>
+            <a:endParaRPr kumimoji="1" lang="ko-KR" altLang="en-US" dirty="0"/>
+          </a:p>
+        </p:txBody>
+      </p:sp>
+      <p:sp>
+        <p:nvSpPr>
+          <p:cNvPr id="5" name="TextBox 4">
+            <a:extLst>
+              <a:ext uri="{FF2B5EF4-FFF2-40B4-BE49-F238E27FC236}">
+                <a16:creationId xmlns:a16="http://schemas.microsoft.com/office/drawing/2014/main" id="{B760D476-CBCD-76B3-69D2-8A527C64113F}"/>
+              </a:ext>
+            </a:extLst>
+          </p:cNvPr>
+          <p:cNvSpPr txBox="1"/>
+          <p:nvPr/>
+        </p:nvSpPr>
+        <p:spPr>
+          <a:xfrm>
+            <a:off x="485422" y="2195689"/>
+            <a:ext cx="9358489" cy="369332"/>
+          </a:xfrm>
+          <a:prstGeom prst="rect">
+            <a:avLst/>
+          </a:prstGeom>
+          <a:noFill/>
+        </p:spPr>
+        <p:txBody>
+          <a:bodyPr wrap="square" rtlCol="0">
+            <a:spAutoFit/>
+          </a:bodyPr>
+          <a:lstStyle/>
+          <a:p>
+            <a:r>
+              <a:rPr kumimoji="1" lang="en-US" altLang="ko-KR" dirty="0"/>
+              <a:t>Q2) User Mode</a:t>
+            </a:r>
+            <a:r>
+              <a:rPr kumimoji="1" lang="ko-KR" altLang="en-US" dirty="0"/>
+              <a:t>와 </a:t>
+            </a:r>
+            <a:r>
+              <a:rPr kumimoji="1" lang="en-US" altLang="ko-KR" dirty="0"/>
+              <a:t>Kernel Mode</a:t>
+            </a:r>
+            <a:r>
+              <a:rPr kumimoji="1" lang="ko-KR" altLang="en-US" dirty="0"/>
+              <a:t>에 대해서 설명해 </a:t>
+            </a:r>
+            <a:r>
+              <a:rPr kumimoji="1" lang="ko-KR" altLang="en-US" dirty="0" err="1"/>
+              <a:t>보시오</a:t>
+            </a:r>
+            <a:r>
+              <a:rPr kumimoji="1" lang="en-US" altLang="ko-KR" dirty="0"/>
+              <a:t>.</a:t>
+            </a:r>
+            <a:endParaRPr kumimoji="1" lang="ko-KR" altLang="en-US" dirty="0"/>
+          </a:p>
+        </p:txBody>
+      </p:sp>
+      <p:sp>
+        <p:nvSpPr>
+          <p:cNvPr id="6" name="TextBox 5">
+            <a:extLst>
+              <a:ext uri="{FF2B5EF4-FFF2-40B4-BE49-F238E27FC236}">
+                <a16:creationId xmlns:a16="http://schemas.microsoft.com/office/drawing/2014/main" id="{EE9C3533-8810-ACFC-A6FF-9BAE46AFD159}"/>
+              </a:ext>
+            </a:extLst>
+          </p:cNvPr>
+          <p:cNvSpPr txBox="1"/>
+          <p:nvPr/>
+        </p:nvSpPr>
+        <p:spPr>
+          <a:xfrm>
+            <a:off x="485422" y="3304444"/>
+            <a:ext cx="9358489" cy="369332"/>
+          </a:xfrm>
+          <a:prstGeom prst="rect">
+            <a:avLst/>
+          </a:prstGeom>
+          <a:noFill/>
+        </p:spPr>
+        <p:txBody>
+          <a:bodyPr wrap="square" rtlCol="0">
+            <a:spAutoFit/>
+          </a:bodyPr>
+          <a:lstStyle/>
+          <a:p>
+            <a:r>
+              <a:rPr kumimoji="1" lang="en-US" altLang="ko-KR" dirty="0"/>
+              <a:t>Q3) System Call</a:t>
+            </a:r>
+            <a:r>
+              <a:rPr kumimoji="1" lang="ko-KR" altLang="en-US" dirty="0"/>
+              <a:t>과 </a:t>
+            </a:r>
+            <a:r>
+              <a:rPr kumimoji="1" lang="en-US" altLang="ko-KR" dirty="0"/>
+              <a:t>Interrupt</a:t>
+            </a:r>
+            <a:r>
+              <a:rPr kumimoji="1" lang="ko-KR" altLang="en-US" dirty="0"/>
+              <a:t>에 대해서 도식화하고 </a:t>
+            </a:r>
+            <a:r>
+              <a:rPr kumimoji="1" lang="ko-KR" altLang="en-US" dirty="0" err="1"/>
+              <a:t>설명해보시오</a:t>
+            </a:r>
+            <a:r>
+              <a:rPr kumimoji="1" lang="en-US" altLang="ko-KR" dirty="0"/>
+              <a:t>.</a:t>
+            </a:r>
+            <a:endParaRPr kumimoji="1" lang="ko-KR" altLang="en-US" dirty="0"/>
+          </a:p>
+        </p:txBody>
+      </p:sp>
+      <p:sp>
+        <p:nvSpPr>
+          <p:cNvPr id="7" name="TextBox 6">
+            <a:extLst>
+              <a:ext uri="{FF2B5EF4-FFF2-40B4-BE49-F238E27FC236}">
+                <a16:creationId xmlns:a16="http://schemas.microsoft.com/office/drawing/2014/main" id="{67509D4B-5268-C2B9-6003-6A001E9B31CA}"/>
+              </a:ext>
+            </a:extLst>
+          </p:cNvPr>
+          <p:cNvSpPr txBox="1"/>
+          <p:nvPr/>
+        </p:nvSpPr>
+        <p:spPr>
+          <a:xfrm>
+            <a:off x="711202" y="4074645"/>
+            <a:ext cx="6129866" cy="338554"/>
+          </a:xfrm>
+          <a:prstGeom prst="rect">
+            <a:avLst/>
+          </a:prstGeom>
+          <a:noFill/>
+        </p:spPr>
+        <p:txBody>
+          <a:bodyPr wrap="square" rtlCol="0">
+            <a:spAutoFit/>
+          </a:bodyPr>
+          <a:lstStyle/>
+          <a:p>
+            <a:r>
+              <a:rPr kumimoji="1" lang="en-US" altLang="ko-KR" sz="1600" dirty="0"/>
+              <a:t>Q3.1) </a:t>
+            </a:r>
+            <a:r>
+              <a:rPr kumimoji="1" lang="ko-KR" altLang="en-US" sz="1600" dirty="0" err="1"/>
+              <a:t>과정중</a:t>
+            </a:r>
+            <a:r>
+              <a:rPr kumimoji="1" lang="ko-KR" altLang="en-US" sz="1600" dirty="0"/>
+              <a:t> </a:t>
+            </a:r>
+            <a:r>
+              <a:rPr kumimoji="1" lang="en-US" altLang="ko-KR" sz="1600" dirty="0"/>
+              <a:t>Context Switching</a:t>
+            </a:r>
+            <a:r>
+              <a:rPr kumimoji="1" lang="ko-KR" altLang="en-US" sz="1600" dirty="0"/>
+              <a:t>에 대해서 설명해 </a:t>
+            </a:r>
+            <a:r>
+              <a:rPr kumimoji="1" lang="ko-KR" altLang="en-US" sz="1600" dirty="0" err="1"/>
+              <a:t>보시오</a:t>
+            </a:r>
+            <a:r>
+              <a:rPr kumimoji="1" lang="en-US" altLang="ko-KR" sz="1600" dirty="0"/>
+              <a:t>.</a:t>
+            </a:r>
+            <a:endParaRPr kumimoji="1" lang="ko-KR" altLang="en-US" sz="1600" dirty="0"/>
+          </a:p>
+        </p:txBody>
+      </p:sp>
+      <p:sp>
+        <p:nvSpPr>
+          <p:cNvPr id="8" name="TextBox 7">
+            <a:extLst>
+              <a:ext uri="{FF2B5EF4-FFF2-40B4-BE49-F238E27FC236}">
+                <a16:creationId xmlns:a16="http://schemas.microsoft.com/office/drawing/2014/main" id="{A3C0FC09-EB60-75A2-5C4D-A1A7CEE00D86}"/>
+              </a:ext>
+            </a:extLst>
+          </p:cNvPr>
+          <p:cNvSpPr txBox="1"/>
+          <p:nvPr/>
+        </p:nvSpPr>
+        <p:spPr>
+          <a:xfrm>
+            <a:off x="711202" y="4814068"/>
+            <a:ext cx="6129866" cy="338554"/>
+          </a:xfrm>
+          <a:prstGeom prst="rect">
+            <a:avLst/>
+          </a:prstGeom>
+          <a:noFill/>
+        </p:spPr>
+        <p:txBody>
+          <a:bodyPr wrap="square" rtlCol="0">
+            <a:spAutoFit/>
+          </a:bodyPr>
+          <a:lstStyle/>
+          <a:p>
+            <a:r>
+              <a:rPr kumimoji="1" lang="en-US" altLang="ko-KR" sz="1600" dirty="0"/>
+              <a:t>Q3.2) Interrupt</a:t>
+            </a:r>
+            <a:r>
+              <a:rPr kumimoji="1" lang="ko-KR" altLang="en-US" sz="1600" dirty="0" err="1"/>
+              <a:t>를</a:t>
+            </a:r>
+            <a:r>
+              <a:rPr kumimoji="1" lang="ko-KR" altLang="en-US" sz="1600" dirty="0"/>
+              <a:t> 거는 주체가 누구인지에 대해 </a:t>
+            </a:r>
+            <a:r>
+              <a:rPr kumimoji="1" lang="ko-KR" altLang="en-US" sz="1600" dirty="0" err="1"/>
+              <a:t>설명해보시오</a:t>
+            </a:r>
+            <a:endParaRPr kumimoji="1" lang="ko-KR" altLang="en-US" sz="1600" dirty="0"/>
+          </a:p>
+        </p:txBody>
+      </p:sp>
+      <p:sp>
+        <p:nvSpPr>
+          <p:cNvPr id="9" name="TextBox 8">
+            <a:extLst>
+              <a:ext uri="{FF2B5EF4-FFF2-40B4-BE49-F238E27FC236}">
+                <a16:creationId xmlns:a16="http://schemas.microsoft.com/office/drawing/2014/main" id="{469A5102-9AC4-9D35-F992-CE99846FB09B}"/>
+              </a:ext>
+            </a:extLst>
+          </p:cNvPr>
+          <p:cNvSpPr txBox="1"/>
+          <p:nvPr/>
+        </p:nvSpPr>
+        <p:spPr>
+          <a:xfrm>
+            <a:off x="146756" y="135467"/>
+            <a:ext cx="8715022" cy="369332"/>
+          </a:xfrm>
+          <a:prstGeom prst="rect">
+            <a:avLst/>
+          </a:prstGeom>
+          <a:noFill/>
+        </p:spPr>
+        <p:txBody>
+          <a:bodyPr wrap="square" rtlCol="0">
+            <a:spAutoFit/>
+          </a:bodyPr>
+          <a:lstStyle/>
+          <a:p>
+            <a:r>
+              <a:rPr kumimoji="1" lang="ko-KR" altLang="en-US" dirty="0"/>
+              <a:t>주제</a:t>
+            </a:r>
+            <a:r>
+              <a:rPr kumimoji="1" lang="en-US" altLang="ko-KR" dirty="0"/>
+              <a:t>:</a:t>
+            </a:r>
+            <a:r>
+              <a:rPr kumimoji="1" lang="ko-KR" altLang="en-US" dirty="0"/>
+              <a:t> </a:t>
+            </a:r>
+            <a:r>
+              <a:rPr kumimoji="1" lang="en-US" altLang="ko-KR" dirty="0"/>
+              <a:t>CPU bound task vs I/O bound task</a:t>
+            </a:r>
+            <a:r>
+              <a:rPr kumimoji="1" lang="ko-KR" altLang="en-US" dirty="0"/>
+              <a:t> </a:t>
+            </a:r>
+            <a:r>
+              <a:rPr kumimoji="1" lang="en-US" altLang="ko-KR" dirty="0"/>
+              <a:t>(</a:t>
+            </a:r>
+            <a:r>
+              <a:rPr kumimoji="1" lang="ko-KR" altLang="en-US" dirty="0"/>
+              <a:t>네트워크 </a:t>
+            </a:r>
+            <a:r>
+              <a:rPr kumimoji="1" lang="en-US" altLang="ko-KR" dirty="0"/>
+              <a:t>I/O, </a:t>
+            </a:r>
+            <a:r>
+              <a:rPr kumimoji="1" lang="ko-KR" altLang="en-US" dirty="0"/>
+              <a:t>입출력 </a:t>
+            </a:r>
+            <a:r>
+              <a:rPr kumimoji="1" lang="en-US" altLang="ko-KR" dirty="0"/>
+              <a:t>I/O)</a:t>
+            </a:r>
+            <a:endParaRPr kumimoji="1" lang="ko-KR" altLang="en-US" dirty="0"/>
+          </a:p>
+        </p:txBody>
+      </p:sp>
+      <p:sp>
+        <p:nvSpPr>
+          <p:cNvPr id="10" name="TextBox 9">
+            <a:extLst>
+              <a:ext uri="{FF2B5EF4-FFF2-40B4-BE49-F238E27FC236}">
+                <a16:creationId xmlns:a16="http://schemas.microsoft.com/office/drawing/2014/main" id="{0259870D-FCFD-2368-939D-756524720F4A}"/>
+              </a:ext>
+            </a:extLst>
+          </p:cNvPr>
+          <p:cNvSpPr txBox="1"/>
+          <p:nvPr/>
+        </p:nvSpPr>
+        <p:spPr>
+          <a:xfrm>
+            <a:off x="485421" y="5774267"/>
+            <a:ext cx="9358489" cy="369332"/>
+          </a:xfrm>
+          <a:prstGeom prst="rect">
+            <a:avLst/>
+          </a:prstGeom>
+          <a:noFill/>
+        </p:spPr>
+        <p:txBody>
+          <a:bodyPr wrap="square" rtlCol="0">
+            <a:spAutoFit/>
+          </a:bodyPr>
+          <a:lstStyle/>
+          <a:p>
+            <a:r>
+              <a:rPr kumimoji="1" lang="en-US" altLang="ko-KR" dirty="0"/>
+              <a:t>Q4) Blocking / Non-Blocking I/O</a:t>
+            </a:r>
+            <a:r>
+              <a:rPr kumimoji="1" lang="ko-KR" altLang="en-US" dirty="0"/>
+              <a:t>에 대해서 </a:t>
+            </a:r>
+            <a:r>
+              <a:rPr kumimoji="1" lang="ko-KR" altLang="en-US" dirty="0" err="1"/>
+              <a:t>설명해보시오</a:t>
+            </a:r>
+            <a:r>
+              <a:rPr kumimoji="1" lang="en-US" altLang="ko-KR" dirty="0"/>
+              <a:t>.</a:t>
+            </a:r>
+            <a:endParaRPr kumimoji="1" lang="ko-KR" altLang="en-US" dirty="0"/>
+          </a:p>
+        </p:txBody>
+      </p:sp>
+    </p:spTree>
+    <p:extLst>
+      <p:ext uri="{BB962C8B-B14F-4D97-AF65-F5344CB8AC3E}">
+        <p14:creationId xmlns:p14="http://schemas.microsoft.com/office/powerpoint/2010/main" val="3754610182"/>
+      </p:ext>
+    </p:extLst>
+  </p:cSld>
+  <p:clrMapOvr>
+    <a:masterClrMapping/>
+  </p:clrMapOvr>
+</p:sld>
+</file>
+
+<file path=ppt/slides/slide13.xml><?xml version="1.0" encoding="utf-8"?>
+<p:sld xmlns:a="http://schemas.openxmlformats.org/drawingml/2006/main" xmlns:r="http://schemas.openxmlformats.org/officeDocument/2006/relationships" xmlns:p="http://schemas.openxmlformats.org/presentationml/2006/main">
+  <p:cSld>
+    <p:spTree>
+      <p:nvGrpSpPr>
+        <p:cNvPr id="1" name=""/>
+        <p:cNvGrpSpPr/>
+        <p:nvPr/>
+      </p:nvGrpSpPr>
+      <p:grpSpPr>
+        <a:xfrm>
+          <a:off x="0" y="0"/>
+          <a:ext cx="0" cy="0"/>
+          <a:chOff x="0" y="0"/>
+          <a:chExt cx="0" cy="0"/>
+        </a:xfrm>
+      </p:grpSpPr>
+      <p:sp>
+        <p:nvSpPr>
           <p:cNvPr id="2" name="TextBox 1">
             <a:extLst>
               <a:ext uri="{FF2B5EF4-FFF2-40B4-BE49-F238E27FC236}">
@@ -4702,7 +5841,7 @@
 </p:sld>
 </file>
 
-<file path=ppt/slides/slide11.xml><?xml version="1.0" encoding="utf-8"?>
+<file path=ppt/slides/slide14.xml><?xml version="1.0" encoding="utf-8"?>
 <p:sld xmlns:a="http://schemas.openxmlformats.org/drawingml/2006/main" xmlns:r="http://schemas.openxmlformats.org/officeDocument/2006/relationships" xmlns:p="http://schemas.openxmlformats.org/presentationml/2006/main">
   <p:cSld>
     <p:spTree>
@@ -6805,7 +7944,7 @@
 </p:sld>
 </file>
 
-<file path=ppt/slides/slide12.xml><?xml version="1.0" encoding="utf-8"?>
+<file path=ppt/slides/slide15.xml><?xml version="1.0" encoding="utf-8"?>
 <p:sld xmlns:a="http://schemas.openxmlformats.org/drawingml/2006/main" xmlns:r="http://schemas.openxmlformats.org/officeDocument/2006/relationships" xmlns:p="http://schemas.openxmlformats.org/presentationml/2006/main">
   <p:cSld>
     <p:spTree>
@@ -9057,7 +10196,7 @@
 </p:sld>
 </file>
 
-<file path=ppt/slides/slide13.xml><?xml version="1.0" encoding="utf-8"?>
+<file path=ppt/slides/slide16.xml><?xml version="1.0" encoding="utf-8"?>
 <p:sld xmlns:a="http://schemas.openxmlformats.org/drawingml/2006/main" xmlns:r="http://schemas.openxmlformats.org/officeDocument/2006/relationships" xmlns:p="http://schemas.openxmlformats.org/presentationml/2006/main">
   <p:cSld>
     <p:spTree>
@@ -11259,7 +12398,7 @@
 </p:sld>
 </file>
 
-<file path=ppt/slides/slide14.xml><?xml version="1.0" encoding="utf-8"?>
+<file path=ppt/slides/slide17.xml><?xml version="1.0" encoding="utf-8"?>
 <p:sld xmlns:a="http://schemas.openxmlformats.org/drawingml/2006/main" xmlns:r="http://schemas.openxmlformats.org/officeDocument/2006/relationships" xmlns:p="http://schemas.openxmlformats.org/presentationml/2006/main">
   <p:cSld>
     <p:spTree>
@@ -11601,7 +12740,7 @@
 </p:sld>
 </file>
 
-<file path=ppt/slides/slide15.xml><?xml version="1.0" encoding="utf-8"?>
+<file path=ppt/slides/slide18.xml><?xml version="1.0" encoding="utf-8"?>
 <p:sld xmlns:a="http://schemas.openxmlformats.org/drawingml/2006/main" xmlns:r="http://schemas.openxmlformats.org/officeDocument/2006/relationships" xmlns:p="http://schemas.openxmlformats.org/presentationml/2006/main">
   <p:cSld>
     <p:spTree>
@@ -11731,7 +12870,7 @@
 </p:sld>
 </file>
 
-<file path=ppt/slides/slide16.xml><?xml version="1.0" encoding="utf-8"?>
+<file path=ppt/slides/slide19.xml><?xml version="1.0" encoding="utf-8"?>
 <p:sld xmlns:a="http://schemas.openxmlformats.org/drawingml/2006/main" xmlns:r="http://schemas.openxmlformats.org/officeDocument/2006/relationships" xmlns:p="http://schemas.openxmlformats.org/presentationml/2006/main">
   <p:cSld>
     <p:spTree>
@@ -11796,238 +12935,6 @@
     <p:extLst>
       <p:ext uri="{BB962C8B-B14F-4D97-AF65-F5344CB8AC3E}">
         <p14:creationId xmlns:p14="http://schemas.microsoft.com/office/powerpoint/2010/main" val="2856679831"/>
-      </p:ext>
-    </p:extLst>
-  </p:cSld>
-  <p:clrMapOvr>
-    <a:masterClrMapping/>
-  </p:clrMapOvr>
-</p:sld>
-</file>
-
-<file path=ppt/slides/slide17.xml><?xml version="1.0" encoding="utf-8"?>
-<p:sld xmlns:a="http://schemas.openxmlformats.org/drawingml/2006/main" xmlns:r="http://schemas.openxmlformats.org/officeDocument/2006/relationships" xmlns:p="http://schemas.openxmlformats.org/presentationml/2006/main">
-  <p:cSld>
-    <p:spTree>
-      <p:nvGrpSpPr>
-        <p:cNvPr id="1" name=""/>
-        <p:cNvGrpSpPr/>
-        <p:nvPr/>
-      </p:nvGrpSpPr>
-      <p:grpSpPr>
-        <a:xfrm>
-          <a:off x="0" y="0"/>
-          <a:ext cx="0" cy="0"/>
-          <a:chOff x="0" y="0"/>
-          <a:chExt cx="0" cy="0"/>
-        </a:xfrm>
-      </p:grpSpPr>
-      <p:sp>
-        <p:nvSpPr>
-          <p:cNvPr id="2" name="TextBox 1">
-            <a:extLst>
-              <a:ext uri="{FF2B5EF4-FFF2-40B4-BE49-F238E27FC236}">
-                <a16:creationId xmlns:a16="http://schemas.microsoft.com/office/drawing/2014/main" id="{A09F0C74-C86F-1C36-4837-020D358F34B9}"/>
-              </a:ext>
-            </a:extLst>
-          </p:cNvPr>
-          <p:cNvSpPr txBox="1"/>
-          <p:nvPr/>
-        </p:nvSpPr>
-        <p:spPr>
-          <a:xfrm>
-            <a:off x="485421" y="345203"/>
-            <a:ext cx="9358489" cy="369332"/>
-          </a:xfrm>
-          <a:prstGeom prst="rect">
-            <a:avLst/>
-          </a:prstGeom>
-          <a:noFill/>
-        </p:spPr>
-        <p:txBody>
-          <a:bodyPr wrap="square" rtlCol="0">
-            <a:spAutoFit/>
-          </a:bodyPr>
-          <a:lstStyle/>
-          <a:p>
-            <a:r>
-              <a:rPr kumimoji="1" lang="en-US" altLang="ko-KR" dirty="0"/>
-              <a:t>Q6) </a:t>
-            </a:r>
-            <a:r>
-              <a:rPr kumimoji="1" lang="ko-KR" altLang="en-US" dirty="0" err="1"/>
-              <a:t>전위식</a:t>
-            </a:r>
-            <a:r>
-              <a:rPr kumimoji="1" lang="ko-KR" altLang="en-US" dirty="0"/>
-              <a:t> </a:t>
-            </a:r>
-            <a:r>
-              <a:rPr kumimoji="1" lang="ko-KR" altLang="en-US" dirty="0" err="1"/>
-              <a:t>후위식</a:t>
-            </a:r>
-            <a:r>
-              <a:rPr kumimoji="1" lang="ko-KR" altLang="en-US" dirty="0"/>
-              <a:t> 단한 증감연산자에 대해서 </a:t>
-            </a:r>
-            <a:r>
-              <a:rPr kumimoji="1" lang="ko-KR" altLang="en-US" dirty="0" err="1"/>
-              <a:t>설명해보시오</a:t>
-            </a:r>
-            <a:endParaRPr kumimoji="1" lang="ko-KR" altLang="en-US" dirty="0"/>
-          </a:p>
-        </p:txBody>
-      </p:sp>
-      <p:sp>
-        <p:nvSpPr>
-          <p:cNvPr id="3" name="TextBox 2">
-            <a:extLst>
-              <a:ext uri="{FF2B5EF4-FFF2-40B4-BE49-F238E27FC236}">
-                <a16:creationId xmlns:a16="http://schemas.microsoft.com/office/drawing/2014/main" id="{8A89A4BC-44D4-1F80-ED53-2AF5C89E5F3B}"/>
-              </a:ext>
-            </a:extLst>
-          </p:cNvPr>
-          <p:cNvSpPr txBox="1"/>
-          <p:nvPr/>
-        </p:nvSpPr>
-        <p:spPr>
-          <a:xfrm>
-            <a:off x="978794" y="991673"/>
-            <a:ext cx="5847009" cy="3970318"/>
-          </a:xfrm>
-          <a:prstGeom prst="rect">
-            <a:avLst/>
-          </a:prstGeom>
-          <a:noFill/>
-        </p:spPr>
-        <p:txBody>
-          <a:bodyPr wrap="square" rtlCol="0">
-            <a:spAutoFit/>
-          </a:bodyPr>
-          <a:lstStyle/>
-          <a:p>
-            <a:r>
-              <a:rPr kumimoji="1" lang="en-US" altLang="ko-KR" dirty="0"/>
-              <a:t>int x = 0, </a:t>
-            </a:r>
-            <a:r>
-              <a:rPr kumimoji="1" lang="en-US" altLang="ko-KR" dirty="0" err="1"/>
-              <a:t>nResult</a:t>
-            </a:r>
-            <a:r>
-              <a:rPr kumimoji="1" lang="en-US" altLang="ko-KR" dirty="0"/>
-              <a:t> = 0;</a:t>
-            </a:r>
-          </a:p>
-          <a:p>
-            <a:endParaRPr kumimoji="1" lang="en-US" altLang="ko-KR" dirty="0"/>
-          </a:p>
-          <a:p>
-            <a:r>
-              <a:rPr kumimoji="1" lang="en-US" altLang="ko-KR" dirty="0"/>
-              <a:t>++x;</a:t>
-            </a:r>
-          </a:p>
-          <a:p>
-            <a:r>
-              <a:rPr kumimoji="1" lang="en-US" altLang="ko-KR" dirty="0" err="1"/>
-              <a:t>printf</a:t>
-            </a:r>
-            <a:r>
-              <a:rPr kumimoji="1" lang="en-US" altLang="ko-KR" dirty="0"/>
-              <a:t>(“%d\n”, x);</a:t>
-            </a:r>
-          </a:p>
-          <a:p>
-            <a:endParaRPr kumimoji="1" lang="en-US" altLang="ko-KR" dirty="0"/>
-          </a:p>
-          <a:p>
-            <a:r>
-              <a:rPr kumimoji="1" lang="en-US" altLang="ko-KR" dirty="0"/>
-              <a:t>x++;</a:t>
-            </a:r>
-          </a:p>
-          <a:p>
-            <a:r>
-              <a:rPr kumimoji="1" lang="en-US" altLang="ko-KR" dirty="0" err="1"/>
-              <a:t>printf</a:t>
-            </a:r>
-            <a:r>
-              <a:rPr kumimoji="1" lang="en-US" altLang="ko-KR" dirty="0"/>
-              <a:t>(“%d\n”, x);</a:t>
-            </a:r>
-          </a:p>
-          <a:p>
-            <a:endParaRPr kumimoji="1" lang="en-US" altLang="ko-KR" dirty="0"/>
-          </a:p>
-          <a:p>
-            <a:r>
-              <a:rPr kumimoji="1" lang="en-US" altLang="ko-KR" dirty="0" err="1"/>
-              <a:t>nResult</a:t>
-            </a:r>
-            <a:r>
-              <a:rPr kumimoji="1" lang="en-US" altLang="ko-KR" dirty="0"/>
-              <a:t> = ++x;</a:t>
-            </a:r>
-          </a:p>
-          <a:p>
-            <a:r>
-              <a:rPr kumimoji="1" lang="en-US" altLang="ko-KR" dirty="0" err="1"/>
-              <a:t>Printf</a:t>
-            </a:r>
-            <a:r>
-              <a:rPr kumimoji="1" lang="en-US" altLang="ko-KR" dirty="0"/>
-              <a:t>(“%d, %d\n”, </a:t>
-            </a:r>
-            <a:r>
-              <a:rPr kumimoji="1" lang="en-US" altLang="ko-KR" dirty="0" err="1"/>
-              <a:t>nResult</a:t>
-            </a:r>
-            <a:r>
-              <a:rPr kumimoji="1" lang="en-US" altLang="ko-KR" dirty="0"/>
-              <a:t>, x);</a:t>
-            </a:r>
-          </a:p>
-          <a:p>
-            <a:endParaRPr kumimoji="1" lang="en-US" altLang="ko-KR" dirty="0"/>
-          </a:p>
-          <a:p>
-            <a:r>
-              <a:rPr kumimoji="1" lang="en-US" altLang="ko-KR" dirty="0" err="1"/>
-              <a:t>nResult</a:t>
-            </a:r>
-            <a:r>
-              <a:rPr kumimoji="1" lang="en-US" altLang="ko-KR" dirty="0"/>
-              <a:t> = x--;</a:t>
-            </a:r>
-          </a:p>
-          <a:p>
-            <a:r>
-              <a:rPr kumimoji="1" lang="en-US" altLang="ko-KR" dirty="0" err="1"/>
-              <a:t>Printf</a:t>
-            </a:r>
-            <a:r>
-              <a:rPr kumimoji="1" lang="en-US" altLang="ko-KR" dirty="0"/>
-              <a:t>(“%d, %d\n”, </a:t>
-            </a:r>
-            <a:r>
-              <a:rPr kumimoji="1" lang="en-US" altLang="ko-KR" dirty="0" err="1"/>
-              <a:t>nResult</a:t>
-            </a:r>
-            <a:r>
-              <a:rPr kumimoji="1" lang="en-US" altLang="ko-KR" dirty="0"/>
-              <a:t>, x);</a:t>
-            </a:r>
-          </a:p>
-          <a:p>
-            <a:endParaRPr kumimoji="1" lang="en-US" altLang="ko-KR" dirty="0"/>
-          </a:p>
-        </p:txBody>
-      </p:sp>
-    </p:spTree>
-    <p:extLst>
-      <p:ext uri="{BB962C8B-B14F-4D97-AF65-F5344CB8AC3E}">
-        <p14:creationId xmlns:p14="http://schemas.microsoft.com/office/powerpoint/2010/main" val="2357414568"/>
       </p:ext>
     </p:extLst>
   </p:cSld>
@@ -14457,6 +15364,238 @@
     <p:extLst>
       <p:ext uri="{BB962C8B-B14F-4D97-AF65-F5344CB8AC3E}">
         <p14:creationId xmlns:p14="http://schemas.microsoft.com/office/powerpoint/2010/main" val="2084048083"/>
+      </p:ext>
+    </p:extLst>
+  </p:cSld>
+  <p:clrMapOvr>
+    <a:masterClrMapping/>
+  </p:clrMapOvr>
+</p:sld>
+</file>
+
+<file path=ppt/slides/slide20.xml><?xml version="1.0" encoding="utf-8"?>
+<p:sld xmlns:a="http://schemas.openxmlformats.org/drawingml/2006/main" xmlns:r="http://schemas.openxmlformats.org/officeDocument/2006/relationships" xmlns:p="http://schemas.openxmlformats.org/presentationml/2006/main">
+  <p:cSld>
+    <p:spTree>
+      <p:nvGrpSpPr>
+        <p:cNvPr id="1" name=""/>
+        <p:cNvGrpSpPr/>
+        <p:nvPr/>
+      </p:nvGrpSpPr>
+      <p:grpSpPr>
+        <a:xfrm>
+          <a:off x="0" y="0"/>
+          <a:ext cx="0" cy="0"/>
+          <a:chOff x="0" y="0"/>
+          <a:chExt cx="0" cy="0"/>
+        </a:xfrm>
+      </p:grpSpPr>
+      <p:sp>
+        <p:nvSpPr>
+          <p:cNvPr id="2" name="TextBox 1">
+            <a:extLst>
+              <a:ext uri="{FF2B5EF4-FFF2-40B4-BE49-F238E27FC236}">
+                <a16:creationId xmlns:a16="http://schemas.microsoft.com/office/drawing/2014/main" id="{A09F0C74-C86F-1C36-4837-020D358F34B9}"/>
+              </a:ext>
+            </a:extLst>
+          </p:cNvPr>
+          <p:cNvSpPr txBox="1"/>
+          <p:nvPr/>
+        </p:nvSpPr>
+        <p:spPr>
+          <a:xfrm>
+            <a:off x="485421" y="345203"/>
+            <a:ext cx="9358489" cy="369332"/>
+          </a:xfrm>
+          <a:prstGeom prst="rect">
+            <a:avLst/>
+          </a:prstGeom>
+          <a:noFill/>
+        </p:spPr>
+        <p:txBody>
+          <a:bodyPr wrap="square" rtlCol="0">
+            <a:spAutoFit/>
+          </a:bodyPr>
+          <a:lstStyle/>
+          <a:p>
+            <a:r>
+              <a:rPr kumimoji="1" lang="en-US" altLang="ko-KR" dirty="0"/>
+              <a:t>Q6) </a:t>
+            </a:r>
+            <a:r>
+              <a:rPr kumimoji="1" lang="ko-KR" altLang="en-US" dirty="0" err="1"/>
+              <a:t>전위식</a:t>
+            </a:r>
+            <a:r>
+              <a:rPr kumimoji="1" lang="ko-KR" altLang="en-US" dirty="0"/>
+              <a:t> </a:t>
+            </a:r>
+            <a:r>
+              <a:rPr kumimoji="1" lang="ko-KR" altLang="en-US" dirty="0" err="1"/>
+              <a:t>후위식</a:t>
+            </a:r>
+            <a:r>
+              <a:rPr kumimoji="1" lang="ko-KR" altLang="en-US" dirty="0"/>
+              <a:t> 단한 증감연산자에 대해서 </a:t>
+            </a:r>
+            <a:r>
+              <a:rPr kumimoji="1" lang="ko-KR" altLang="en-US" dirty="0" err="1"/>
+              <a:t>설명해보시오</a:t>
+            </a:r>
+            <a:endParaRPr kumimoji="1" lang="ko-KR" altLang="en-US" dirty="0"/>
+          </a:p>
+        </p:txBody>
+      </p:sp>
+      <p:sp>
+        <p:nvSpPr>
+          <p:cNvPr id="3" name="TextBox 2">
+            <a:extLst>
+              <a:ext uri="{FF2B5EF4-FFF2-40B4-BE49-F238E27FC236}">
+                <a16:creationId xmlns:a16="http://schemas.microsoft.com/office/drawing/2014/main" id="{8A89A4BC-44D4-1F80-ED53-2AF5C89E5F3B}"/>
+              </a:ext>
+            </a:extLst>
+          </p:cNvPr>
+          <p:cNvSpPr txBox="1"/>
+          <p:nvPr/>
+        </p:nvSpPr>
+        <p:spPr>
+          <a:xfrm>
+            <a:off x="978794" y="991673"/>
+            <a:ext cx="5847009" cy="3970318"/>
+          </a:xfrm>
+          <a:prstGeom prst="rect">
+            <a:avLst/>
+          </a:prstGeom>
+          <a:noFill/>
+        </p:spPr>
+        <p:txBody>
+          <a:bodyPr wrap="square" rtlCol="0">
+            <a:spAutoFit/>
+          </a:bodyPr>
+          <a:lstStyle/>
+          <a:p>
+            <a:r>
+              <a:rPr kumimoji="1" lang="en-US" altLang="ko-KR" dirty="0"/>
+              <a:t>int x = 0, </a:t>
+            </a:r>
+            <a:r>
+              <a:rPr kumimoji="1" lang="en-US" altLang="ko-KR" dirty="0" err="1"/>
+              <a:t>nResult</a:t>
+            </a:r>
+            <a:r>
+              <a:rPr kumimoji="1" lang="en-US" altLang="ko-KR" dirty="0"/>
+              <a:t> = 0;</a:t>
+            </a:r>
+          </a:p>
+          <a:p>
+            <a:endParaRPr kumimoji="1" lang="en-US" altLang="ko-KR" dirty="0"/>
+          </a:p>
+          <a:p>
+            <a:r>
+              <a:rPr kumimoji="1" lang="en-US" altLang="ko-KR" dirty="0"/>
+              <a:t>++x;</a:t>
+            </a:r>
+          </a:p>
+          <a:p>
+            <a:r>
+              <a:rPr kumimoji="1" lang="en-US" altLang="ko-KR" dirty="0" err="1"/>
+              <a:t>printf</a:t>
+            </a:r>
+            <a:r>
+              <a:rPr kumimoji="1" lang="en-US" altLang="ko-KR" dirty="0"/>
+              <a:t>(“%d\n”, x);</a:t>
+            </a:r>
+          </a:p>
+          <a:p>
+            <a:endParaRPr kumimoji="1" lang="en-US" altLang="ko-KR" dirty="0"/>
+          </a:p>
+          <a:p>
+            <a:r>
+              <a:rPr kumimoji="1" lang="en-US" altLang="ko-KR" dirty="0"/>
+              <a:t>x++;</a:t>
+            </a:r>
+          </a:p>
+          <a:p>
+            <a:r>
+              <a:rPr kumimoji="1" lang="en-US" altLang="ko-KR" dirty="0" err="1"/>
+              <a:t>printf</a:t>
+            </a:r>
+            <a:r>
+              <a:rPr kumimoji="1" lang="en-US" altLang="ko-KR" dirty="0"/>
+              <a:t>(“%d\n”, x);</a:t>
+            </a:r>
+          </a:p>
+          <a:p>
+            <a:endParaRPr kumimoji="1" lang="en-US" altLang="ko-KR" dirty="0"/>
+          </a:p>
+          <a:p>
+            <a:r>
+              <a:rPr kumimoji="1" lang="en-US" altLang="ko-KR" dirty="0" err="1"/>
+              <a:t>nResult</a:t>
+            </a:r>
+            <a:r>
+              <a:rPr kumimoji="1" lang="en-US" altLang="ko-KR" dirty="0"/>
+              <a:t> = ++x;</a:t>
+            </a:r>
+          </a:p>
+          <a:p>
+            <a:r>
+              <a:rPr kumimoji="1" lang="en-US" altLang="ko-KR" dirty="0" err="1"/>
+              <a:t>Printf</a:t>
+            </a:r>
+            <a:r>
+              <a:rPr kumimoji="1" lang="en-US" altLang="ko-KR" dirty="0"/>
+              <a:t>(“%d, %d\n”, </a:t>
+            </a:r>
+            <a:r>
+              <a:rPr kumimoji="1" lang="en-US" altLang="ko-KR" dirty="0" err="1"/>
+              <a:t>nResult</a:t>
+            </a:r>
+            <a:r>
+              <a:rPr kumimoji="1" lang="en-US" altLang="ko-KR" dirty="0"/>
+              <a:t>, x);</a:t>
+            </a:r>
+          </a:p>
+          <a:p>
+            <a:endParaRPr kumimoji="1" lang="en-US" altLang="ko-KR" dirty="0"/>
+          </a:p>
+          <a:p>
+            <a:r>
+              <a:rPr kumimoji="1" lang="en-US" altLang="ko-KR" dirty="0" err="1"/>
+              <a:t>nResult</a:t>
+            </a:r>
+            <a:r>
+              <a:rPr kumimoji="1" lang="en-US" altLang="ko-KR" dirty="0"/>
+              <a:t> = x--;</a:t>
+            </a:r>
+          </a:p>
+          <a:p>
+            <a:r>
+              <a:rPr kumimoji="1" lang="en-US" altLang="ko-KR" dirty="0" err="1"/>
+              <a:t>Printf</a:t>
+            </a:r>
+            <a:r>
+              <a:rPr kumimoji="1" lang="en-US" altLang="ko-KR" dirty="0"/>
+              <a:t>(“%d, %d\n”, </a:t>
+            </a:r>
+            <a:r>
+              <a:rPr kumimoji="1" lang="en-US" altLang="ko-KR" dirty="0" err="1"/>
+              <a:t>nResult</a:t>
+            </a:r>
+            <a:r>
+              <a:rPr kumimoji="1" lang="en-US" altLang="ko-KR" dirty="0"/>
+              <a:t>, x);</a:t>
+            </a:r>
+          </a:p>
+          <a:p>
+            <a:endParaRPr kumimoji="1" lang="en-US" altLang="ko-KR" dirty="0"/>
+          </a:p>
+        </p:txBody>
+      </p:sp>
+    </p:spTree>
+    <p:extLst>
+      <p:ext uri="{BB962C8B-B14F-4D97-AF65-F5344CB8AC3E}">
+        <p14:creationId xmlns:p14="http://schemas.microsoft.com/office/powerpoint/2010/main" val="2357414568"/>
       </p:ext>
     </p:extLst>
   </p:cSld>
@@ -20860,7 +21999,7 @@
           <a:p>
             <a:r>
               <a:rPr kumimoji="1" lang="en-US" altLang="ko-KR" sz="1600" b="1" dirty="0" smtClean="0"/>
-              <a:t>Q3) CPU</a:t>
+              <a:t>Q.3) CPU</a:t>
             </a:r>
             <a:r>
               <a:rPr kumimoji="1" lang="ko-KR" altLang="en-US" sz="1600" b="1" dirty="0" smtClean="0"/>
@@ -21042,13 +22181,13 @@
           <p:nvPr>
             <p:extLst>
               <p:ext uri="{D42A27DB-BD31-4B8C-83A1-F6EECF244321}">
-                <p14:modId xmlns:p14="http://schemas.microsoft.com/office/powerpoint/2010/main" val="1051025577"/>
+                <p14:modId xmlns:p14="http://schemas.microsoft.com/office/powerpoint/2010/main" val="1116785999"/>
               </p:ext>
             </p:extLst>
           </p:nvPr>
         </p:nvGraphicFramePr>
         <p:xfrm>
-          <a:off x="6283163" y="2861703"/>
+          <a:off x="6283162" y="2819201"/>
           <a:ext cx="5049233" cy="2527615"/>
         </p:xfrm>
         <a:graphic>
@@ -21137,7 +22276,7 @@
                     <a:lstStyle/>
                     <a:p>
                       <a:pPr latinLnBrk="1"/>
-                      <a:endParaRPr lang="ko-KR" altLang="en-US"/>
+                      <a:endParaRPr lang="ko-KR" altLang="en-US" dirty="0"/>
                     </a:p>
                   </a:txBody>
                   <a:tcPr/>
@@ -21181,7 +22320,7 @@
                     <a:lstStyle/>
                     <a:p>
                       <a:pPr latinLnBrk="1"/>
-                      <a:endParaRPr lang="ko-KR" altLang="en-US"/>
+                      <a:endParaRPr lang="ko-KR" altLang="en-US" dirty="0"/>
                     </a:p>
                   </a:txBody>
                   <a:tcPr/>
@@ -21546,7 +22685,7 @@
         </p:nvSpPr>
         <p:spPr>
           <a:xfrm>
-            <a:off x="9754379" y="4977812"/>
+            <a:off x="9709879" y="4916267"/>
             <a:ext cx="1481070" cy="307777"/>
           </a:xfrm>
           <a:prstGeom prst="rect">
@@ -21593,7 +22732,7 @@
         </p:nvSpPr>
         <p:spPr>
           <a:xfrm>
-            <a:off x="9136191" y="3940844"/>
+            <a:off x="9136190" y="3898342"/>
             <a:ext cx="888643" cy="369332"/>
           </a:xfrm>
           <a:prstGeom prst="rect">
@@ -21629,7 +22768,7 @@
         </p:nvSpPr>
         <p:spPr>
           <a:xfrm>
-            <a:off x="9136191" y="3851113"/>
+            <a:off x="9136190" y="3808611"/>
             <a:ext cx="779172" cy="554886"/>
           </a:xfrm>
           <a:prstGeom prst="roundRect">
@@ -21675,7 +22814,7 @@
         </p:nvSpPr>
         <p:spPr>
           <a:xfrm>
-            <a:off x="941290" y="2887335"/>
+            <a:off x="882551" y="3071999"/>
             <a:ext cx="549622" cy="276999"/>
           </a:xfrm>
           <a:prstGeom prst="rect">
@@ -21713,7 +22852,7 @@
           <p:nvPr/>
         </p:nvPicPr>
         <p:blipFill>
-          <a:blip r:embed="rId2">
+          <a:blip r:embed="rId3">
             <a:extLst>
               <a:ext uri="{28A0092B-C50C-407E-A947-70E740481C1C}">
                 <a14:useLocalDpi xmlns:a14="http://schemas.microsoft.com/office/drawing/2010/main" val="0"/>
@@ -21726,7 +22865,7 @@
         </p:blipFill>
         <p:spPr>
           <a:xfrm>
-            <a:off x="567488" y="3304806"/>
+            <a:off x="508749" y="3489470"/>
             <a:ext cx="1528440" cy="1556407"/>
           </a:xfrm>
           <a:prstGeom prst="rect">
@@ -21830,20 +22969,20 @@
           <p:nvPr>
             <p:extLst>
               <p:ext uri="{D42A27DB-BD31-4B8C-83A1-F6EECF244321}">
-                <p14:modId xmlns:p14="http://schemas.microsoft.com/office/powerpoint/2010/main" val="1707508469"/>
+                <p14:modId xmlns:p14="http://schemas.microsoft.com/office/powerpoint/2010/main" val="2504537146"/>
               </p:ext>
             </p:extLst>
           </p:nvPr>
         </p:nvGraphicFramePr>
         <p:xfrm>
-          <a:off x="2884755" y="2246149"/>
+          <a:off x="2986327" y="2228809"/>
           <a:ext cx="2406436" cy="3708400"/>
         </p:xfrm>
         <a:graphic>
           <a:graphicData uri="http://schemas.openxmlformats.org/drawingml/2006/table">
             <a:tbl>
               <a:tblPr firstRow="1" bandRow="1">
-                <a:tableStyleId>{5C22544A-7EE6-4342-B048-85BDC9FD1C3A}</a:tableStyleId>
+                <a:tableStyleId>{8EC20E35-A176-4012-BC5E-935CFFF8708E}</a:tableStyleId>
               </a:tblPr>
               <a:tblGrid>
                 <a:gridCol w="1203218">
@@ -21867,22 +23006,120 @@
                     <a:bodyPr/>
                     <a:lstStyle/>
                     <a:p>
-                      <a:pPr latinLnBrk="1"/>
-                      <a:endParaRPr lang="ko-KR" altLang="en-US" dirty="0"/>
+                      <a:pPr algn="ctr" latinLnBrk="1"/>
+                      <a:r>
+                        <a:rPr lang="ko-KR" altLang="en-US" sz="1400" dirty="0" smtClean="0"/>
+                        <a:t>논리 주소</a:t>
+                      </a:r>
+                      <a:endParaRPr lang="ko-KR" altLang="en-US" sz="1400" dirty="0"/>
                     </a:p>
                   </a:txBody>
-                  <a:tcPr/>
+                  <a:tcPr anchor="ctr">
+                    <a:lnL w="12700" cap="flat" cmpd="sng" algn="ctr">
+                      <a:solidFill>
+                        <a:schemeClr val="tx1"/>
+                      </a:solidFill>
+                      <a:prstDash val="solid"/>
+                      <a:round/>
+                      <a:headEnd type="none" w="med" len="med"/>
+                      <a:tailEnd type="none" w="med" len="med"/>
+                    </a:lnL>
+                    <a:lnR w="12700" cap="flat" cmpd="sng" algn="ctr">
+                      <a:solidFill>
+                        <a:schemeClr val="tx1"/>
+                      </a:solidFill>
+                      <a:prstDash val="solid"/>
+                      <a:round/>
+                      <a:headEnd type="none" w="med" len="med"/>
+                      <a:tailEnd type="none" w="med" len="med"/>
+                    </a:lnR>
+                    <a:lnT w="12700" cap="flat" cmpd="sng" algn="ctr">
+                      <a:solidFill>
+                        <a:schemeClr val="tx1"/>
+                      </a:solidFill>
+                      <a:prstDash val="solid"/>
+                      <a:round/>
+                      <a:headEnd type="none" w="med" len="med"/>
+                      <a:tailEnd type="none" w="med" len="med"/>
+                    </a:lnT>
+                    <a:lnB w="12700" cap="flat" cmpd="sng" algn="ctr">
+                      <a:solidFill>
+                        <a:schemeClr val="tx1"/>
+                      </a:solidFill>
+                      <a:prstDash val="solid"/>
+                      <a:round/>
+                      <a:headEnd type="none" w="med" len="med"/>
+                      <a:tailEnd type="none" w="med" len="med"/>
+                    </a:lnB>
+                    <a:lnTlToBr w="12700" cmpd="sng">
+                      <a:noFill/>
+                      <a:prstDash val="solid"/>
+                    </a:lnTlToBr>
+                    <a:lnBlToTr w="12700" cmpd="sng">
+                      <a:noFill/>
+                      <a:prstDash val="solid"/>
+                    </a:lnBlToTr>
+                  </a:tcPr>
                 </a:tc>
                 <a:tc>
                   <a:txBody>
                     <a:bodyPr/>
                     <a:lstStyle/>
                     <a:p>
-                      <a:pPr latinLnBrk="1"/>
-                      <a:endParaRPr lang="ko-KR" altLang="en-US"/>
+                      <a:pPr algn="ctr" latinLnBrk="1"/>
+                      <a:r>
+                        <a:rPr lang="ko-KR" altLang="en-US" sz="1400" dirty="0" smtClean="0"/>
+                        <a:t>물리 주소</a:t>
+                      </a:r>
+                      <a:endParaRPr lang="ko-KR" altLang="en-US" sz="1400" dirty="0"/>
                     </a:p>
                   </a:txBody>
-                  <a:tcPr/>
+                  <a:tcPr anchor="ctr">
+                    <a:lnL w="12700" cap="flat" cmpd="sng" algn="ctr">
+                      <a:solidFill>
+                        <a:schemeClr val="tx1"/>
+                      </a:solidFill>
+                      <a:prstDash val="solid"/>
+                      <a:round/>
+                      <a:headEnd type="none" w="med" len="med"/>
+                      <a:tailEnd type="none" w="med" len="med"/>
+                    </a:lnL>
+                    <a:lnR w="12700" cap="flat" cmpd="sng" algn="ctr">
+                      <a:solidFill>
+                        <a:schemeClr val="tx1"/>
+                      </a:solidFill>
+                      <a:prstDash val="solid"/>
+                      <a:round/>
+                      <a:headEnd type="none" w="med" len="med"/>
+                      <a:tailEnd type="none" w="med" len="med"/>
+                    </a:lnR>
+                    <a:lnT w="12700" cap="flat" cmpd="sng" algn="ctr">
+                      <a:solidFill>
+                        <a:schemeClr val="tx1"/>
+                      </a:solidFill>
+                      <a:prstDash val="solid"/>
+                      <a:round/>
+                      <a:headEnd type="none" w="med" len="med"/>
+                      <a:tailEnd type="none" w="med" len="med"/>
+                    </a:lnT>
+                    <a:lnB w="12700" cap="flat" cmpd="sng" algn="ctr">
+                      <a:solidFill>
+                        <a:schemeClr val="tx1"/>
+                      </a:solidFill>
+                      <a:prstDash val="solid"/>
+                      <a:round/>
+                      <a:headEnd type="none" w="med" len="med"/>
+                      <a:tailEnd type="none" w="med" len="med"/>
+                    </a:lnB>
+                    <a:lnTlToBr w="12700" cmpd="sng">
+                      <a:noFill/>
+                      <a:prstDash val="solid"/>
+                    </a:lnTlToBr>
+                    <a:lnBlToTr w="12700" cmpd="sng">
+                      <a:noFill/>
+                      <a:prstDash val="solid"/>
+                    </a:lnBlToTr>
+                  </a:tcPr>
                 </a:tc>
                 <a:extLst>
                   <a:ext uri="{0D108BD9-81ED-4DB2-BD59-A6C34878D82A}">
@@ -21896,22 +23133,136 @@
                     <a:bodyPr/>
                     <a:lstStyle/>
                     <a:p>
-                      <a:pPr latinLnBrk="1"/>
-                      <a:endParaRPr lang="ko-KR" altLang="en-US"/>
+                      <a:pPr algn="ctr" latinLnBrk="1"/>
+                      <a:r>
+                        <a:rPr lang="en-US" altLang="ko-KR" sz="1200" dirty="0" smtClean="0"/>
+                        <a:t>0</a:t>
+                      </a:r>
+                      <a:endParaRPr lang="ko-KR" altLang="en-US" sz="1200" dirty="0"/>
                     </a:p>
                   </a:txBody>
-                  <a:tcPr/>
+                  <a:tcPr anchor="ctr">
+                    <a:lnL w="12700" cap="flat" cmpd="sng" algn="ctr">
+                      <a:solidFill>
+                        <a:schemeClr val="tx1"/>
+                      </a:solidFill>
+                      <a:prstDash val="solid"/>
+                      <a:round/>
+                      <a:headEnd type="none" w="med" len="med"/>
+                      <a:tailEnd type="none" w="med" len="med"/>
+                    </a:lnL>
+                    <a:lnR w="12700" cap="flat" cmpd="sng" algn="ctr">
+                      <a:solidFill>
+                        <a:schemeClr val="tx1"/>
+                      </a:solidFill>
+                      <a:prstDash val="solid"/>
+                      <a:round/>
+                      <a:headEnd type="none" w="med" len="med"/>
+                      <a:tailEnd type="none" w="med" len="med"/>
+                    </a:lnR>
+                    <a:lnT w="12700" cap="flat" cmpd="sng" algn="ctr">
+                      <a:solidFill>
+                        <a:schemeClr val="tx1"/>
+                      </a:solidFill>
+                      <a:prstDash val="solid"/>
+                      <a:round/>
+                      <a:headEnd type="none" w="med" len="med"/>
+                      <a:tailEnd type="none" w="med" len="med"/>
+                    </a:lnT>
+                    <a:lnB w="12700" cap="flat" cmpd="sng" algn="ctr">
+                      <a:solidFill>
+                        <a:schemeClr val="tx1"/>
+                      </a:solidFill>
+                      <a:prstDash val="solid"/>
+                      <a:round/>
+                      <a:headEnd type="none" w="med" len="med"/>
+                      <a:tailEnd type="none" w="med" len="med"/>
+                    </a:lnB>
+                    <a:lnTlToBr w="12700" cmpd="sng">
+                      <a:noFill/>
+                      <a:prstDash val="solid"/>
+                    </a:lnTlToBr>
+                    <a:lnBlToTr w="12700" cmpd="sng">
+                      <a:noFill/>
+                      <a:prstDash val="solid"/>
+                    </a:lnBlToTr>
+                  </a:tcPr>
                 </a:tc>
                 <a:tc>
                   <a:txBody>
                     <a:bodyPr/>
                     <a:lstStyle/>
                     <a:p>
-                      <a:pPr latinLnBrk="1"/>
-                      <a:endParaRPr lang="ko-KR" altLang="en-US"/>
+                      <a:pPr marL="0" marR="0" indent="0" algn="ctr" defTabSz="914400" rtl="0" eaLnBrk="1" fontAlgn="auto" latinLnBrk="1" hangingPunct="1">
+                        <a:lnSpc>
+                          <a:spcPct val="100000"/>
+                        </a:lnSpc>
+                        <a:spcBef>
+                          <a:spcPts val="0"/>
+                        </a:spcBef>
+                        <a:spcAft>
+                          <a:spcPts val="0"/>
+                        </a:spcAft>
+                        <a:buClrTx/>
+                        <a:buSzTx/>
+                        <a:buFontTx/>
+                        <a:buNone/>
+                        <a:tabLst/>
+                        <a:defRPr/>
+                      </a:pPr>
+                      <a:r>
+                        <a:rPr lang="en-US" altLang="ko-KR" sz="1200" dirty="0" smtClean="0"/>
+                        <a:t>0x00123455</a:t>
+                      </a:r>
+                      <a:endParaRPr lang="ko-KR" altLang="en-US" sz="1200" dirty="0" smtClean="0"/>
                     </a:p>
                   </a:txBody>
-                  <a:tcPr/>
+                  <a:tcPr anchor="ctr">
+                    <a:lnL w="12700" cap="flat" cmpd="sng" algn="ctr">
+                      <a:solidFill>
+                        <a:schemeClr val="tx1"/>
+                      </a:solidFill>
+                      <a:prstDash val="solid"/>
+                      <a:round/>
+                      <a:headEnd type="none" w="med" len="med"/>
+                      <a:tailEnd type="none" w="med" len="med"/>
+                    </a:lnL>
+                    <a:lnR w="12700" cap="flat" cmpd="sng" algn="ctr">
+                      <a:solidFill>
+                        <a:schemeClr val="tx1"/>
+                      </a:solidFill>
+                      <a:prstDash val="solid"/>
+                      <a:round/>
+                      <a:headEnd type="none" w="med" len="med"/>
+                      <a:tailEnd type="none" w="med" len="med"/>
+                    </a:lnR>
+                    <a:lnT w="12700" cap="flat" cmpd="sng" algn="ctr">
+                      <a:solidFill>
+                        <a:schemeClr val="tx1"/>
+                      </a:solidFill>
+                      <a:prstDash val="solid"/>
+                      <a:round/>
+                      <a:headEnd type="none" w="med" len="med"/>
+                      <a:tailEnd type="none" w="med" len="med"/>
+                    </a:lnT>
+                    <a:lnB w="12700" cap="flat" cmpd="sng" algn="ctr">
+                      <a:solidFill>
+                        <a:schemeClr val="tx1"/>
+                      </a:solidFill>
+                      <a:prstDash val="solid"/>
+                      <a:round/>
+                      <a:headEnd type="none" w="med" len="med"/>
+                      <a:tailEnd type="none" w="med" len="med"/>
+                    </a:lnB>
+                    <a:lnTlToBr w="12700" cmpd="sng">
+                      <a:noFill/>
+                      <a:prstDash val="solid"/>
+                    </a:lnTlToBr>
+                    <a:lnBlToTr w="12700" cmpd="sng">
+                      <a:noFill/>
+                      <a:prstDash val="solid"/>
+                    </a:lnBlToTr>
+                  </a:tcPr>
                 </a:tc>
                 <a:extLst>
                   <a:ext uri="{0D108BD9-81ED-4DB2-BD59-A6C34878D82A}">
@@ -21925,22 +23276,120 @@
                     <a:bodyPr/>
                     <a:lstStyle/>
                     <a:p>
-                      <a:pPr latinLnBrk="1"/>
-                      <a:endParaRPr lang="ko-KR" altLang="en-US"/>
+                      <a:pPr algn="ctr" latinLnBrk="1"/>
+                      <a:r>
+                        <a:rPr lang="en-US" altLang="ko-KR" sz="1200" dirty="0" smtClean="0"/>
+                        <a:t>1</a:t>
+                      </a:r>
+                      <a:endParaRPr lang="ko-KR" altLang="en-US" sz="1200" dirty="0"/>
                     </a:p>
                   </a:txBody>
-                  <a:tcPr/>
+                  <a:tcPr anchor="ctr">
+                    <a:lnL w="12700" cap="flat" cmpd="sng" algn="ctr">
+                      <a:solidFill>
+                        <a:schemeClr val="tx1"/>
+                      </a:solidFill>
+                      <a:prstDash val="solid"/>
+                      <a:round/>
+                      <a:headEnd type="none" w="med" len="med"/>
+                      <a:tailEnd type="none" w="med" len="med"/>
+                    </a:lnL>
+                    <a:lnR w="12700" cap="flat" cmpd="sng" algn="ctr">
+                      <a:solidFill>
+                        <a:schemeClr val="tx1"/>
+                      </a:solidFill>
+                      <a:prstDash val="solid"/>
+                      <a:round/>
+                      <a:headEnd type="none" w="med" len="med"/>
+                      <a:tailEnd type="none" w="med" len="med"/>
+                    </a:lnR>
+                    <a:lnT w="12700" cap="flat" cmpd="sng" algn="ctr">
+                      <a:solidFill>
+                        <a:schemeClr val="tx1"/>
+                      </a:solidFill>
+                      <a:prstDash val="solid"/>
+                      <a:round/>
+                      <a:headEnd type="none" w="med" len="med"/>
+                      <a:tailEnd type="none" w="med" len="med"/>
+                    </a:lnT>
+                    <a:lnB w="12700" cap="flat" cmpd="sng" algn="ctr">
+                      <a:solidFill>
+                        <a:schemeClr val="tx1"/>
+                      </a:solidFill>
+                      <a:prstDash val="solid"/>
+                      <a:round/>
+                      <a:headEnd type="none" w="med" len="med"/>
+                      <a:tailEnd type="none" w="med" len="med"/>
+                    </a:lnB>
+                    <a:lnTlToBr w="12700" cmpd="sng">
+                      <a:noFill/>
+                      <a:prstDash val="solid"/>
+                    </a:lnTlToBr>
+                    <a:lnBlToTr w="12700" cmpd="sng">
+                      <a:noFill/>
+                      <a:prstDash val="solid"/>
+                    </a:lnBlToTr>
+                  </a:tcPr>
                 </a:tc>
                 <a:tc>
                   <a:txBody>
                     <a:bodyPr/>
                     <a:lstStyle/>
                     <a:p>
-                      <a:pPr latinLnBrk="1"/>
-                      <a:endParaRPr lang="ko-KR" altLang="en-US"/>
+                      <a:pPr algn="ctr" latinLnBrk="1"/>
+                      <a:r>
+                        <a:rPr lang="en-US" altLang="ko-KR" sz="1200" dirty="0" smtClean="0"/>
+                        <a:t>0x00123456</a:t>
+                      </a:r>
+                      <a:endParaRPr lang="ko-KR" altLang="en-US" sz="1200" dirty="0"/>
                     </a:p>
                   </a:txBody>
-                  <a:tcPr/>
+                  <a:tcPr anchor="ctr">
+                    <a:lnL w="12700" cap="flat" cmpd="sng" algn="ctr">
+                      <a:solidFill>
+                        <a:schemeClr val="tx1"/>
+                      </a:solidFill>
+                      <a:prstDash val="solid"/>
+                      <a:round/>
+                      <a:headEnd type="none" w="med" len="med"/>
+                      <a:tailEnd type="none" w="med" len="med"/>
+                    </a:lnL>
+                    <a:lnR w="12700" cap="flat" cmpd="sng" algn="ctr">
+                      <a:solidFill>
+                        <a:schemeClr val="tx1"/>
+                      </a:solidFill>
+                      <a:prstDash val="solid"/>
+                      <a:round/>
+                      <a:headEnd type="none" w="med" len="med"/>
+                      <a:tailEnd type="none" w="med" len="med"/>
+                    </a:lnR>
+                    <a:lnT w="12700" cap="flat" cmpd="sng" algn="ctr">
+                      <a:solidFill>
+                        <a:schemeClr val="tx1"/>
+                      </a:solidFill>
+                      <a:prstDash val="solid"/>
+                      <a:round/>
+                      <a:headEnd type="none" w="med" len="med"/>
+                      <a:tailEnd type="none" w="med" len="med"/>
+                    </a:lnT>
+                    <a:lnB w="12700" cap="flat" cmpd="sng" algn="ctr">
+                      <a:solidFill>
+                        <a:schemeClr val="tx1"/>
+                      </a:solidFill>
+                      <a:prstDash val="solid"/>
+                      <a:round/>
+                      <a:headEnd type="none" w="med" len="med"/>
+                      <a:tailEnd type="none" w="med" len="med"/>
+                    </a:lnB>
+                    <a:lnTlToBr w="12700" cmpd="sng">
+                      <a:noFill/>
+                      <a:prstDash val="solid"/>
+                    </a:lnTlToBr>
+                    <a:lnBlToTr w="12700" cmpd="sng">
+                      <a:noFill/>
+                      <a:prstDash val="solid"/>
+                    </a:lnBlToTr>
+                  </a:tcPr>
                 </a:tc>
                 <a:extLst>
                   <a:ext uri="{0D108BD9-81ED-4DB2-BD59-A6C34878D82A}">
@@ -21954,22 +23403,116 @@
                     <a:bodyPr/>
                     <a:lstStyle/>
                     <a:p>
-                      <a:pPr latinLnBrk="1"/>
-                      <a:endParaRPr lang="ko-KR" altLang="en-US"/>
+                      <a:pPr algn="ctr" latinLnBrk="1"/>
+                      <a:r>
+                        <a:rPr lang="en-US" altLang="ko-KR" sz="1200" dirty="0" smtClean="0"/>
+                        <a:t>2</a:t>
+                      </a:r>
+                      <a:endParaRPr lang="ko-KR" altLang="en-US" sz="1200" dirty="0"/>
                     </a:p>
                   </a:txBody>
-                  <a:tcPr/>
+                  <a:tcPr anchor="ctr">
+                    <a:lnL w="12700" cap="flat" cmpd="sng" algn="ctr">
+                      <a:solidFill>
+                        <a:schemeClr val="tx1"/>
+                      </a:solidFill>
+                      <a:prstDash val="solid"/>
+                      <a:round/>
+                      <a:headEnd type="none" w="med" len="med"/>
+                      <a:tailEnd type="none" w="med" len="med"/>
+                    </a:lnL>
+                    <a:lnR w="12700" cap="flat" cmpd="sng" algn="ctr">
+                      <a:solidFill>
+                        <a:schemeClr val="tx1"/>
+                      </a:solidFill>
+                      <a:prstDash val="solid"/>
+                      <a:round/>
+                      <a:headEnd type="none" w="med" len="med"/>
+                      <a:tailEnd type="none" w="med" len="med"/>
+                    </a:lnR>
+                    <a:lnT w="12700" cap="flat" cmpd="sng" algn="ctr">
+                      <a:solidFill>
+                        <a:schemeClr val="tx1"/>
+                      </a:solidFill>
+                      <a:prstDash val="solid"/>
+                      <a:round/>
+                      <a:headEnd type="none" w="med" len="med"/>
+                      <a:tailEnd type="none" w="med" len="med"/>
+                    </a:lnT>
+                    <a:lnB w="12700" cap="flat" cmpd="sng" algn="ctr">
+                      <a:solidFill>
+                        <a:schemeClr val="tx1"/>
+                      </a:solidFill>
+                      <a:prstDash val="solid"/>
+                      <a:round/>
+                      <a:headEnd type="none" w="med" len="med"/>
+                      <a:tailEnd type="none" w="med" len="med"/>
+                    </a:lnB>
+                    <a:lnTlToBr w="12700" cmpd="sng">
+                      <a:noFill/>
+                      <a:prstDash val="solid"/>
+                    </a:lnTlToBr>
+                    <a:lnBlToTr w="12700" cmpd="sng">
+                      <a:noFill/>
+                      <a:prstDash val="solid"/>
+                    </a:lnBlToTr>
+                  </a:tcPr>
                 </a:tc>
                 <a:tc>
                   <a:txBody>
                     <a:bodyPr/>
                     <a:lstStyle/>
                     <a:p>
-                      <a:pPr latinLnBrk="1"/>
-                      <a:endParaRPr lang="ko-KR" altLang="en-US"/>
+                      <a:pPr algn="ctr" latinLnBrk="1"/>
+                      <a:endParaRPr lang="ko-KR" altLang="en-US" sz="1200"/>
                     </a:p>
                   </a:txBody>
-                  <a:tcPr/>
+                  <a:tcPr anchor="ctr">
+                    <a:lnL w="12700" cap="flat" cmpd="sng" algn="ctr">
+                      <a:solidFill>
+                        <a:schemeClr val="tx1"/>
+                      </a:solidFill>
+                      <a:prstDash val="solid"/>
+                      <a:round/>
+                      <a:headEnd type="none" w="med" len="med"/>
+                      <a:tailEnd type="none" w="med" len="med"/>
+                    </a:lnL>
+                    <a:lnR w="12700" cap="flat" cmpd="sng" algn="ctr">
+                      <a:solidFill>
+                        <a:schemeClr val="tx1"/>
+                      </a:solidFill>
+                      <a:prstDash val="solid"/>
+                      <a:round/>
+                      <a:headEnd type="none" w="med" len="med"/>
+                      <a:tailEnd type="none" w="med" len="med"/>
+                    </a:lnR>
+                    <a:lnT w="12700" cap="flat" cmpd="sng" algn="ctr">
+                      <a:solidFill>
+                        <a:schemeClr val="tx1"/>
+                      </a:solidFill>
+                      <a:prstDash val="solid"/>
+                      <a:round/>
+                      <a:headEnd type="none" w="med" len="med"/>
+                      <a:tailEnd type="none" w="med" len="med"/>
+                    </a:lnT>
+                    <a:lnB w="12700" cap="flat" cmpd="sng" algn="ctr">
+                      <a:solidFill>
+                        <a:schemeClr val="tx1"/>
+                      </a:solidFill>
+                      <a:prstDash val="solid"/>
+                      <a:round/>
+                      <a:headEnd type="none" w="med" len="med"/>
+                      <a:tailEnd type="none" w="med" len="med"/>
+                    </a:lnB>
+                    <a:lnTlToBr w="12700" cmpd="sng">
+                      <a:noFill/>
+                      <a:prstDash val="solid"/>
+                    </a:lnTlToBr>
+                    <a:lnBlToTr w="12700" cmpd="sng">
+                      <a:noFill/>
+                      <a:prstDash val="solid"/>
+                    </a:lnBlToTr>
+                  </a:tcPr>
                 </a:tc>
                 <a:extLst>
                   <a:ext uri="{0D108BD9-81ED-4DB2-BD59-A6C34878D82A}">
@@ -21983,22 +23526,116 @@
                     <a:bodyPr/>
                     <a:lstStyle/>
                     <a:p>
-                      <a:pPr latinLnBrk="1"/>
-                      <a:endParaRPr lang="ko-KR" altLang="en-US"/>
+                      <a:pPr algn="ctr" latinLnBrk="1"/>
+                      <a:r>
+                        <a:rPr lang="en-US" altLang="ko-KR" sz="1200" dirty="0" smtClean="0"/>
+                        <a:t>3</a:t>
+                      </a:r>
+                      <a:endParaRPr lang="ko-KR" altLang="en-US" sz="1200" dirty="0"/>
                     </a:p>
                   </a:txBody>
-                  <a:tcPr/>
+                  <a:tcPr anchor="ctr">
+                    <a:lnL w="12700" cap="flat" cmpd="sng" algn="ctr">
+                      <a:solidFill>
+                        <a:schemeClr val="tx1"/>
+                      </a:solidFill>
+                      <a:prstDash val="solid"/>
+                      <a:round/>
+                      <a:headEnd type="none" w="med" len="med"/>
+                      <a:tailEnd type="none" w="med" len="med"/>
+                    </a:lnL>
+                    <a:lnR w="12700" cap="flat" cmpd="sng" algn="ctr">
+                      <a:solidFill>
+                        <a:schemeClr val="tx1"/>
+                      </a:solidFill>
+                      <a:prstDash val="solid"/>
+                      <a:round/>
+                      <a:headEnd type="none" w="med" len="med"/>
+                      <a:tailEnd type="none" w="med" len="med"/>
+                    </a:lnR>
+                    <a:lnT w="12700" cap="flat" cmpd="sng" algn="ctr">
+                      <a:solidFill>
+                        <a:schemeClr val="tx1"/>
+                      </a:solidFill>
+                      <a:prstDash val="solid"/>
+                      <a:round/>
+                      <a:headEnd type="none" w="med" len="med"/>
+                      <a:tailEnd type="none" w="med" len="med"/>
+                    </a:lnT>
+                    <a:lnB w="12700" cap="flat" cmpd="sng" algn="ctr">
+                      <a:solidFill>
+                        <a:schemeClr val="tx1"/>
+                      </a:solidFill>
+                      <a:prstDash val="solid"/>
+                      <a:round/>
+                      <a:headEnd type="none" w="med" len="med"/>
+                      <a:tailEnd type="none" w="med" len="med"/>
+                    </a:lnB>
+                    <a:lnTlToBr w="12700" cmpd="sng">
+                      <a:noFill/>
+                      <a:prstDash val="solid"/>
+                    </a:lnTlToBr>
+                    <a:lnBlToTr w="12700" cmpd="sng">
+                      <a:noFill/>
+                      <a:prstDash val="solid"/>
+                    </a:lnBlToTr>
+                  </a:tcPr>
                 </a:tc>
                 <a:tc>
                   <a:txBody>
                     <a:bodyPr/>
                     <a:lstStyle/>
                     <a:p>
-                      <a:pPr latinLnBrk="1"/>
-                      <a:endParaRPr lang="ko-KR" altLang="en-US"/>
+                      <a:pPr algn="ctr" latinLnBrk="1"/>
+                      <a:endParaRPr lang="ko-KR" altLang="en-US" sz="1200" dirty="0"/>
                     </a:p>
                   </a:txBody>
-                  <a:tcPr/>
+                  <a:tcPr anchor="ctr">
+                    <a:lnL w="12700" cap="flat" cmpd="sng" algn="ctr">
+                      <a:solidFill>
+                        <a:schemeClr val="tx1"/>
+                      </a:solidFill>
+                      <a:prstDash val="solid"/>
+                      <a:round/>
+                      <a:headEnd type="none" w="med" len="med"/>
+                      <a:tailEnd type="none" w="med" len="med"/>
+                    </a:lnL>
+                    <a:lnR w="12700" cap="flat" cmpd="sng" algn="ctr">
+                      <a:solidFill>
+                        <a:schemeClr val="tx1"/>
+                      </a:solidFill>
+                      <a:prstDash val="solid"/>
+                      <a:round/>
+                      <a:headEnd type="none" w="med" len="med"/>
+                      <a:tailEnd type="none" w="med" len="med"/>
+                    </a:lnR>
+                    <a:lnT w="12700" cap="flat" cmpd="sng" algn="ctr">
+                      <a:solidFill>
+                        <a:schemeClr val="tx1"/>
+                      </a:solidFill>
+                      <a:prstDash val="solid"/>
+                      <a:round/>
+                      <a:headEnd type="none" w="med" len="med"/>
+                      <a:tailEnd type="none" w="med" len="med"/>
+                    </a:lnT>
+                    <a:lnB w="12700" cap="flat" cmpd="sng" algn="ctr">
+                      <a:solidFill>
+                        <a:schemeClr val="tx1"/>
+                      </a:solidFill>
+                      <a:prstDash val="solid"/>
+                      <a:round/>
+                      <a:headEnd type="none" w="med" len="med"/>
+                      <a:tailEnd type="none" w="med" len="med"/>
+                    </a:lnB>
+                    <a:lnTlToBr w="12700" cmpd="sng">
+                      <a:noFill/>
+                      <a:prstDash val="solid"/>
+                    </a:lnTlToBr>
+                    <a:lnBlToTr w="12700" cmpd="sng">
+                      <a:noFill/>
+                      <a:prstDash val="solid"/>
+                    </a:lnBlToTr>
+                  </a:tcPr>
                 </a:tc>
                 <a:extLst>
                   <a:ext uri="{0D108BD9-81ED-4DB2-BD59-A6C34878D82A}">
@@ -22012,22 +23649,116 @@
                     <a:bodyPr/>
                     <a:lstStyle/>
                     <a:p>
-                      <a:pPr latinLnBrk="1"/>
-                      <a:endParaRPr lang="ko-KR" altLang="en-US" dirty="0"/>
+                      <a:pPr algn="ctr" latinLnBrk="1"/>
+                      <a:r>
+                        <a:rPr lang="en-US" altLang="ko-KR" sz="1200" dirty="0" smtClean="0"/>
+                        <a:t>4</a:t>
+                      </a:r>
+                      <a:endParaRPr lang="ko-KR" altLang="en-US" sz="1200" dirty="0"/>
                     </a:p>
                   </a:txBody>
-                  <a:tcPr/>
+                  <a:tcPr anchor="ctr">
+                    <a:lnL w="12700" cap="flat" cmpd="sng" algn="ctr">
+                      <a:solidFill>
+                        <a:schemeClr val="tx1"/>
+                      </a:solidFill>
+                      <a:prstDash val="solid"/>
+                      <a:round/>
+                      <a:headEnd type="none" w="med" len="med"/>
+                      <a:tailEnd type="none" w="med" len="med"/>
+                    </a:lnL>
+                    <a:lnR w="12700" cap="flat" cmpd="sng" algn="ctr">
+                      <a:solidFill>
+                        <a:schemeClr val="tx1"/>
+                      </a:solidFill>
+                      <a:prstDash val="solid"/>
+                      <a:round/>
+                      <a:headEnd type="none" w="med" len="med"/>
+                      <a:tailEnd type="none" w="med" len="med"/>
+                    </a:lnR>
+                    <a:lnT w="12700" cap="flat" cmpd="sng" algn="ctr">
+                      <a:solidFill>
+                        <a:schemeClr val="tx1"/>
+                      </a:solidFill>
+                      <a:prstDash val="solid"/>
+                      <a:round/>
+                      <a:headEnd type="none" w="med" len="med"/>
+                      <a:tailEnd type="none" w="med" len="med"/>
+                    </a:lnT>
+                    <a:lnB w="12700" cap="flat" cmpd="sng" algn="ctr">
+                      <a:solidFill>
+                        <a:schemeClr val="tx1"/>
+                      </a:solidFill>
+                      <a:prstDash val="solid"/>
+                      <a:round/>
+                      <a:headEnd type="none" w="med" len="med"/>
+                      <a:tailEnd type="none" w="med" len="med"/>
+                    </a:lnB>
+                    <a:lnTlToBr w="12700" cmpd="sng">
+                      <a:noFill/>
+                      <a:prstDash val="solid"/>
+                    </a:lnTlToBr>
+                    <a:lnBlToTr w="12700" cmpd="sng">
+                      <a:noFill/>
+                      <a:prstDash val="solid"/>
+                    </a:lnBlToTr>
+                  </a:tcPr>
                 </a:tc>
                 <a:tc>
                   <a:txBody>
                     <a:bodyPr/>
                     <a:lstStyle/>
                     <a:p>
-                      <a:pPr latinLnBrk="1"/>
-                      <a:endParaRPr lang="ko-KR" altLang="en-US" dirty="0"/>
+                      <a:pPr algn="ctr" latinLnBrk="1"/>
+                      <a:endParaRPr lang="ko-KR" altLang="en-US" sz="1200" dirty="0"/>
                     </a:p>
                   </a:txBody>
-                  <a:tcPr/>
+                  <a:tcPr anchor="ctr">
+                    <a:lnL w="12700" cap="flat" cmpd="sng" algn="ctr">
+                      <a:solidFill>
+                        <a:schemeClr val="tx1"/>
+                      </a:solidFill>
+                      <a:prstDash val="solid"/>
+                      <a:round/>
+                      <a:headEnd type="none" w="med" len="med"/>
+                      <a:tailEnd type="none" w="med" len="med"/>
+                    </a:lnL>
+                    <a:lnR w="12700" cap="flat" cmpd="sng" algn="ctr">
+                      <a:solidFill>
+                        <a:schemeClr val="tx1"/>
+                      </a:solidFill>
+                      <a:prstDash val="solid"/>
+                      <a:round/>
+                      <a:headEnd type="none" w="med" len="med"/>
+                      <a:tailEnd type="none" w="med" len="med"/>
+                    </a:lnR>
+                    <a:lnT w="12700" cap="flat" cmpd="sng" algn="ctr">
+                      <a:solidFill>
+                        <a:schemeClr val="tx1"/>
+                      </a:solidFill>
+                      <a:prstDash val="solid"/>
+                      <a:round/>
+                      <a:headEnd type="none" w="med" len="med"/>
+                      <a:tailEnd type="none" w="med" len="med"/>
+                    </a:lnT>
+                    <a:lnB w="12700" cap="flat" cmpd="sng" algn="ctr">
+                      <a:solidFill>
+                        <a:schemeClr val="tx1"/>
+                      </a:solidFill>
+                      <a:prstDash val="solid"/>
+                      <a:round/>
+                      <a:headEnd type="none" w="med" len="med"/>
+                      <a:tailEnd type="none" w="med" len="med"/>
+                    </a:lnB>
+                    <a:lnTlToBr w="12700" cmpd="sng">
+                      <a:noFill/>
+                      <a:prstDash val="solid"/>
+                    </a:lnTlToBr>
+                    <a:lnBlToTr w="12700" cmpd="sng">
+                      <a:noFill/>
+                      <a:prstDash val="solid"/>
+                    </a:lnBlToTr>
+                  </a:tcPr>
                 </a:tc>
                 <a:extLst>
                   <a:ext uri="{0D108BD9-81ED-4DB2-BD59-A6C34878D82A}">
@@ -22041,22 +23772,120 @@
                     <a:bodyPr/>
                     <a:lstStyle/>
                     <a:p>
-                      <a:pPr latinLnBrk="1"/>
-                      <a:endParaRPr lang="ko-KR" altLang="en-US"/>
+                      <a:pPr algn="ctr" latinLnBrk="1"/>
+                      <a:r>
+                        <a:rPr lang="en-US" altLang="ko-KR" sz="1200" dirty="0" smtClean="0"/>
+                        <a:t>…</a:t>
+                      </a:r>
+                      <a:endParaRPr lang="ko-KR" altLang="en-US" sz="1200" dirty="0"/>
                     </a:p>
                   </a:txBody>
-                  <a:tcPr/>
+                  <a:tcPr anchor="ctr">
+                    <a:lnL w="12700" cap="flat" cmpd="sng" algn="ctr">
+                      <a:solidFill>
+                        <a:schemeClr val="tx1"/>
+                      </a:solidFill>
+                      <a:prstDash val="solid"/>
+                      <a:round/>
+                      <a:headEnd type="none" w="med" len="med"/>
+                      <a:tailEnd type="none" w="med" len="med"/>
+                    </a:lnL>
+                    <a:lnR w="12700" cap="flat" cmpd="sng" algn="ctr">
+                      <a:solidFill>
+                        <a:schemeClr val="tx1"/>
+                      </a:solidFill>
+                      <a:prstDash val="solid"/>
+                      <a:round/>
+                      <a:headEnd type="none" w="med" len="med"/>
+                      <a:tailEnd type="none" w="med" len="med"/>
+                    </a:lnR>
+                    <a:lnT w="12700" cap="flat" cmpd="sng" algn="ctr">
+                      <a:solidFill>
+                        <a:schemeClr val="tx1"/>
+                      </a:solidFill>
+                      <a:prstDash val="solid"/>
+                      <a:round/>
+                      <a:headEnd type="none" w="med" len="med"/>
+                      <a:tailEnd type="none" w="med" len="med"/>
+                    </a:lnT>
+                    <a:lnB w="12700" cap="flat" cmpd="sng" algn="ctr">
+                      <a:solidFill>
+                        <a:schemeClr val="tx1"/>
+                      </a:solidFill>
+                      <a:prstDash val="solid"/>
+                      <a:round/>
+                      <a:headEnd type="none" w="med" len="med"/>
+                      <a:tailEnd type="none" w="med" len="med"/>
+                    </a:lnB>
+                    <a:lnTlToBr w="12700" cmpd="sng">
+                      <a:noFill/>
+                      <a:prstDash val="solid"/>
+                    </a:lnTlToBr>
+                    <a:lnBlToTr w="12700" cmpd="sng">
+                      <a:noFill/>
+                      <a:prstDash val="solid"/>
+                    </a:lnBlToTr>
+                  </a:tcPr>
                 </a:tc>
                 <a:tc>
                   <a:txBody>
                     <a:bodyPr/>
                     <a:lstStyle/>
                     <a:p>
-                      <a:pPr latinLnBrk="1"/>
-                      <a:endParaRPr lang="ko-KR" altLang="en-US" dirty="0"/>
+                      <a:pPr algn="ctr" latinLnBrk="1"/>
+                      <a:r>
+                        <a:rPr lang="en-US" altLang="ko-KR" sz="1200" dirty="0" smtClean="0"/>
+                        <a:t>…</a:t>
+                      </a:r>
+                      <a:endParaRPr lang="ko-KR" altLang="en-US" sz="1200" dirty="0"/>
                     </a:p>
                   </a:txBody>
-                  <a:tcPr/>
+                  <a:tcPr anchor="ctr">
+                    <a:lnL w="12700" cap="flat" cmpd="sng" algn="ctr">
+                      <a:solidFill>
+                        <a:schemeClr val="tx1"/>
+                      </a:solidFill>
+                      <a:prstDash val="solid"/>
+                      <a:round/>
+                      <a:headEnd type="none" w="med" len="med"/>
+                      <a:tailEnd type="none" w="med" len="med"/>
+                    </a:lnL>
+                    <a:lnR w="12700" cap="flat" cmpd="sng" algn="ctr">
+                      <a:solidFill>
+                        <a:schemeClr val="tx1"/>
+                      </a:solidFill>
+                      <a:prstDash val="solid"/>
+                      <a:round/>
+                      <a:headEnd type="none" w="med" len="med"/>
+                      <a:tailEnd type="none" w="med" len="med"/>
+                    </a:lnR>
+                    <a:lnT w="12700" cap="flat" cmpd="sng" algn="ctr">
+                      <a:solidFill>
+                        <a:schemeClr val="tx1"/>
+                      </a:solidFill>
+                      <a:prstDash val="solid"/>
+                      <a:round/>
+                      <a:headEnd type="none" w="med" len="med"/>
+                      <a:tailEnd type="none" w="med" len="med"/>
+                    </a:lnT>
+                    <a:lnB w="12700" cap="flat" cmpd="sng" algn="ctr">
+                      <a:solidFill>
+                        <a:schemeClr val="tx1"/>
+                      </a:solidFill>
+                      <a:prstDash val="solid"/>
+                      <a:round/>
+                      <a:headEnd type="none" w="med" len="med"/>
+                      <a:tailEnd type="none" w="med" len="med"/>
+                    </a:lnB>
+                    <a:lnTlToBr w="12700" cmpd="sng">
+                      <a:noFill/>
+                      <a:prstDash val="solid"/>
+                    </a:lnTlToBr>
+                    <a:lnBlToTr w="12700" cmpd="sng">
+                      <a:noFill/>
+                      <a:prstDash val="solid"/>
+                    </a:lnBlToTr>
+                  </a:tcPr>
                 </a:tc>
                 <a:extLst>
                   <a:ext uri="{0D108BD9-81ED-4DB2-BD59-A6C34878D82A}">
@@ -22070,22 +23899,120 @@
                     <a:bodyPr/>
                     <a:lstStyle/>
                     <a:p>
-                      <a:pPr latinLnBrk="1"/>
-                      <a:endParaRPr lang="ko-KR" altLang="en-US"/>
+                      <a:pPr algn="ctr" latinLnBrk="1"/>
+                      <a:r>
+                        <a:rPr lang="en-US" altLang="ko-KR" sz="1200" dirty="0" smtClean="0"/>
+                        <a:t>…</a:t>
+                      </a:r>
+                      <a:endParaRPr lang="ko-KR" altLang="en-US" sz="1200" dirty="0"/>
                     </a:p>
                   </a:txBody>
-                  <a:tcPr/>
+                  <a:tcPr anchor="ctr">
+                    <a:lnL w="12700" cap="flat" cmpd="sng" algn="ctr">
+                      <a:solidFill>
+                        <a:schemeClr val="tx1"/>
+                      </a:solidFill>
+                      <a:prstDash val="solid"/>
+                      <a:round/>
+                      <a:headEnd type="none" w="med" len="med"/>
+                      <a:tailEnd type="none" w="med" len="med"/>
+                    </a:lnL>
+                    <a:lnR w="12700" cap="flat" cmpd="sng" algn="ctr">
+                      <a:solidFill>
+                        <a:schemeClr val="tx1"/>
+                      </a:solidFill>
+                      <a:prstDash val="solid"/>
+                      <a:round/>
+                      <a:headEnd type="none" w="med" len="med"/>
+                      <a:tailEnd type="none" w="med" len="med"/>
+                    </a:lnR>
+                    <a:lnT w="12700" cap="flat" cmpd="sng" algn="ctr">
+                      <a:solidFill>
+                        <a:schemeClr val="tx1"/>
+                      </a:solidFill>
+                      <a:prstDash val="solid"/>
+                      <a:round/>
+                      <a:headEnd type="none" w="med" len="med"/>
+                      <a:tailEnd type="none" w="med" len="med"/>
+                    </a:lnT>
+                    <a:lnB w="12700" cap="flat" cmpd="sng" algn="ctr">
+                      <a:solidFill>
+                        <a:schemeClr val="tx1"/>
+                      </a:solidFill>
+                      <a:prstDash val="solid"/>
+                      <a:round/>
+                      <a:headEnd type="none" w="med" len="med"/>
+                      <a:tailEnd type="none" w="med" len="med"/>
+                    </a:lnB>
+                    <a:lnTlToBr w="12700" cmpd="sng">
+                      <a:noFill/>
+                      <a:prstDash val="solid"/>
+                    </a:lnTlToBr>
+                    <a:lnBlToTr w="12700" cmpd="sng">
+                      <a:noFill/>
+                      <a:prstDash val="solid"/>
+                    </a:lnBlToTr>
+                  </a:tcPr>
                 </a:tc>
                 <a:tc>
                   <a:txBody>
                     <a:bodyPr/>
                     <a:lstStyle/>
                     <a:p>
-                      <a:pPr latinLnBrk="1"/>
-                      <a:endParaRPr lang="ko-KR" altLang="en-US" dirty="0"/>
+                      <a:pPr algn="ctr" latinLnBrk="1"/>
+                      <a:r>
+                        <a:rPr lang="en-US" altLang="ko-KR" sz="1200" dirty="0" smtClean="0"/>
+                        <a:t>…</a:t>
+                      </a:r>
+                      <a:endParaRPr lang="ko-KR" altLang="en-US" sz="1200" dirty="0"/>
                     </a:p>
                   </a:txBody>
-                  <a:tcPr/>
+                  <a:tcPr anchor="ctr">
+                    <a:lnL w="12700" cap="flat" cmpd="sng" algn="ctr">
+                      <a:solidFill>
+                        <a:schemeClr val="tx1"/>
+                      </a:solidFill>
+                      <a:prstDash val="solid"/>
+                      <a:round/>
+                      <a:headEnd type="none" w="med" len="med"/>
+                      <a:tailEnd type="none" w="med" len="med"/>
+                    </a:lnL>
+                    <a:lnR w="12700" cap="flat" cmpd="sng" algn="ctr">
+                      <a:solidFill>
+                        <a:schemeClr val="tx1"/>
+                      </a:solidFill>
+                      <a:prstDash val="solid"/>
+                      <a:round/>
+                      <a:headEnd type="none" w="med" len="med"/>
+                      <a:tailEnd type="none" w="med" len="med"/>
+                    </a:lnR>
+                    <a:lnT w="12700" cap="flat" cmpd="sng" algn="ctr">
+                      <a:solidFill>
+                        <a:schemeClr val="tx1"/>
+                      </a:solidFill>
+                      <a:prstDash val="solid"/>
+                      <a:round/>
+                      <a:headEnd type="none" w="med" len="med"/>
+                      <a:tailEnd type="none" w="med" len="med"/>
+                    </a:lnT>
+                    <a:lnB w="12700" cap="flat" cmpd="sng" algn="ctr">
+                      <a:solidFill>
+                        <a:schemeClr val="tx1"/>
+                      </a:solidFill>
+                      <a:prstDash val="solid"/>
+                      <a:round/>
+                      <a:headEnd type="none" w="med" len="med"/>
+                      <a:tailEnd type="none" w="med" len="med"/>
+                    </a:lnB>
+                    <a:lnTlToBr w="12700" cmpd="sng">
+                      <a:noFill/>
+                      <a:prstDash val="solid"/>
+                    </a:lnTlToBr>
+                    <a:lnBlToTr w="12700" cmpd="sng">
+                      <a:noFill/>
+                      <a:prstDash val="solid"/>
+                    </a:lnBlToTr>
+                  </a:tcPr>
                 </a:tc>
                 <a:extLst>
                   <a:ext uri="{0D108BD9-81ED-4DB2-BD59-A6C34878D82A}">
@@ -22099,22 +24026,120 @@
                     <a:bodyPr/>
                     <a:lstStyle/>
                     <a:p>
-                      <a:pPr latinLnBrk="1"/>
-                      <a:endParaRPr lang="ko-KR" altLang="en-US"/>
+                      <a:pPr algn="ctr" latinLnBrk="1"/>
+                      <a:r>
+                        <a:rPr lang="en-US" altLang="ko-KR" sz="1200" dirty="0" smtClean="0"/>
+                        <a:t>…</a:t>
+                      </a:r>
+                      <a:endParaRPr lang="ko-KR" altLang="en-US" sz="1200" dirty="0"/>
                     </a:p>
                   </a:txBody>
-                  <a:tcPr/>
+                  <a:tcPr anchor="ctr">
+                    <a:lnL w="12700" cap="flat" cmpd="sng" algn="ctr">
+                      <a:solidFill>
+                        <a:schemeClr val="tx1"/>
+                      </a:solidFill>
+                      <a:prstDash val="solid"/>
+                      <a:round/>
+                      <a:headEnd type="none" w="med" len="med"/>
+                      <a:tailEnd type="none" w="med" len="med"/>
+                    </a:lnL>
+                    <a:lnR w="12700" cap="flat" cmpd="sng" algn="ctr">
+                      <a:solidFill>
+                        <a:schemeClr val="tx1"/>
+                      </a:solidFill>
+                      <a:prstDash val="solid"/>
+                      <a:round/>
+                      <a:headEnd type="none" w="med" len="med"/>
+                      <a:tailEnd type="none" w="med" len="med"/>
+                    </a:lnR>
+                    <a:lnT w="12700" cap="flat" cmpd="sng" algn="ctr">
+                      <a:solidFill>
+                        <a:schemeClr val="tx1"/>
+                      </a:solidFill>
+                      <a:prstDash val="solid"/>
+                      <a:round/>
+                      <a:headEnd type="none" w="med" len="med"/>
+                      <a:tailEnd type="none" w="med" len="med"/>
+                    </a:lnT>
+                    <a:lnB w="12700" cap="flat" cmpd="sng" algn="ctr">
+                      <a:solidFill>
+                        <a:schemeClr val="tx1"/>
+                      </a:solidFill>
+                      <a:prstDash val="solid"/>
+                      <a:round/>
+                      <a:headEnd type="none" w="med" len="med"/>
+                      <a:tailEnd type="none" w="med" len="med"/>
+                    </a:lnB>
+                    <a:lnTlToBr w="12700" cmpd="sng">
+                      <a:noFill/>
+                      <a:prstDash val="solid"/>
+                    </a:lnTlToBr>
+                    <a:lnBlToTr w="12700" cmpd="sng">
+                      <a:noFill/>
+                      <a:prstDash val="solid"/>
+                    </a:lnBlToTr>
+                  </a:tcPr>
                 </a:tc>
                 <a:tc>
                   <a:txBody>
                     <a:bodyPr/>
                     <a:lstStyle/>
                     <a:p>
-                      <a:pPr latinLnBrk="1"/>
-                      <a:endParaRPr lang="ko-KR" altLang="en-US" dirty="0"/>
+                      <a:pPr algn="ctr" latinLnBrk="1"/>
+                      <a:r>
+                        <a:rPr lang="en-US" altLang="ko-KR" sz="1200" dirty="0" smtClean="0"/>
+                        <a:t>…</a:t>
+                      </a:r>
+                      <a:endParaRPr lang="ko-KR" altLang="en-US" sz="1200" dirty="0"/>
                     </a:p>
                   </a:txBody>
-                  <a:tcPr/>
+                  <a:tcPr anchor="ctr">
+                    <a:lnL w="12700" cap="flat" cmpd="sng" algn="ctr">
+                      <a:solidFill>
+                        <a:schemeClr val="tx1"/>
+                      </a:solidFill>
+                      <a:prstDash val="solid"/>
+                      <a:round/>
+                      <a:headEnd type="none" w="med" len="med"/>
+                      <a:tailEnd type="none" w="med" len="med"/>
+                    </a:lnL>
+                    <a:lnR w="12700" cap="flat" cmpd="sng" algn="ctr">
+                      <a:solidFill>
+                        <a:schemeClr val="tx1"/>
+                      </a:solidFill>
+                      <a:prstDash val="solid"/>
+                      <a:round/>
+                      <a:headEnd type="none" w="med" len="med"/>
+                      <a:tailEnd type="none" w="med" len="med"/>
+                    </a:lnR>
+                    <a:lnT w="12700" cap="flat" cmpd="sng" algn="ctr">
+                      <a:solidFill>
+                        <a:schemeClr val="tx1"/>
+                      </a:solidFill>
+                      <a:prstDash val="solid"/>
+                      <a:round/>
+                      <a:headEnd type="none" w="med" len="med"/>
+                      <a:tailEnd type="none" w="med" len="med"/>
+                    </a:lnT>
+                    <a:lnB w="12700" cap="flat" cmpd="sng" algn="ctr">
+                      <a:solidFill>
+                        <a:schemeClr val="tx1"/>
+                      </a:solidFill>
+                      <a:prstDash val="solid"/>
+                      <a:round/>
+                      <a:headEnd type="none" w="med" len="med"/>
+                      <a:tailEnd type="none" w="med" len="med"/>
+                    </a:lnB>
+                    <a:lnTlToBr w="12700" cmpd="sng">
+                      <a:noFill/>
+                      <a:prstDash val="solid"/>
+                    </a:lnTlToBr>
+                    <a:lnBlToTr w="12700" cmpd="sng">
+                      <a:noFill/>
+                      <a:prstDash val="solid"/>
+                    </a:lnBlToTr>
+                  </a:tcPr>
                 </a:tc>
                 <a:extLst>
                   <a:ext uri="{0D108BD9-81ED-4DB2-BD59-A6C34878D82A}">
@@ -22128,22 +24153,136 @@
                     <a:bodyPr/>
                     <a:lstStyle/>
                     <a:p>
-                      <a:pPr latinLnBrk="1"/>
-                      <a:endParaRPr lang="ko-KR" altLang="en-US"/>
+                      <a:pPr marL="0" marR="0" indent="0" algn="ctr" defTabSz="914400" rtl="0" eaLnBrk="1" fontAlgn="auto" latinLnBrk="1" hangingPunct="1">
+                        <a:lnSpc>
+                          <a:spcPct val="100000"/>
+                        </a:lnSpc>
+                        <a:spcBef>
+                          <a:spcPts val="0"/>
+                        </a:spcBef>
+                        <a:spcAft>
+                          <a:spcPts val="0"/>
+                        </a:spcAft>
+                        <a:buClrTx/>
+                        <a:buSzTx/>
+                        <a:buFontTx/>
+                        <a:buNone/>
+                        <a:tabLst/>
+                        <a:defRPr/>
+                      </a:pPr>
+                      <a:r>
+                        <a:rPr lang="en-US" altLang="ko-KR" sz="1200" dirty="0" smtClean="0"/>
+                        <a:t>4,294,967,295</a:t>
+                      </a:r>
+                      <a:endParaRPr lang="ko-KR" altLang="en-US" sz="1200" dirty="0" smtClean="0"/>
                     </a:p>
                   </a:txBody>
-                  <a:tcPr/>
+                  <a:tcPr anchor="ctr">
+                    <a:lnL w="12700" cap="flat" cmpd="sng" algn="ctr">
+                      <a:solidFill>
+                        <a:schemeClr val="tx1"/>
+                      </a:solidFill>
+                      <a:prstDash val="solid"/>
+                      <a:round/>
+                      <a:headEnd type="none" w="med" len="med"/>
+                      <a:tailEnd type="none" w="med" len="med"/>
+                    </a:lnL>
+                    <a:lnR w="12700" cap="flat" cmpd="sng" algn="ctr">
+                      <a:solidFill>
+                        <a:schemeClr val="tx1"/>
+                      </a:solidFill>
+                      <a:prstDash val="solid"/>
+                      <a:round/>
+                      <a:headEnd type="none" w="med" len="med"/>
+                      <a:tailEnd type="none" w="med" len="med"/>
+                    </a:lnR>
+                    <a:lnT w="12700" cap="flat" cmpd="sng" algn="ctr">
+                      <a:solidFill>
+                        <a:schemeClr val="tx1"/>
+                      </a:solidFill>
+                      <a:prstDash val="solid"/>
+                      <a:round/>
+                      <a:headEnd type="none" w="med" len="med"/>
+                      <a:tailEnd type="none" w="med" len="med"/>
+                    </a:lnT>
+                    <a:lnB w="12700" cap="flat" cmpd="sng" algn="ctr">
+                      <a:solidFill>
+                        <a:schemeClr val="tx1"/>
+                      </a:solidFill>
+                      <a:prstDash val="solid"/>
+                      <a:round/>
+                      <a:headEnd type="none" w="med" len="med"/>
+                      <a:tailEnd type="none" w="med" len="med"/>
+                    </a:lnB>
+                    <a:lnTlToBr w="12700" cmpd="sng">
+                      <a:noFill/>
+                      <a:prstDash val="solid"/>
+                    </a:lnTlToBr>
+                    <a:lnBlToTr w="12700" cmpd="sng">
+                      <a:noFill/>
+                      <a:prstDash val="solid"/>
+                    </a:lnBlToTr>
+                  </a:tcPr>
                 </a:tc>
                 <a:tc>
                   <a:txBody>
                     <a:bodyPr/>
                     <a:lstStyle/>
                     <a:p>
-                      <a:pPr latinLnBrk="1"/>
-                      <a:endParaRPr lang="ko-KR" altLang="en-US" dirty="0"/>
+                      <a:pPr algn="ctr" latinLnBrk="1"/>
+                      <a:r>
+                        <a:rPr lang="en-US" altLang="ko-KR" sz="1200" dirty="0" smtClean="0"/>
+                        <a:t>…</a:t>
+                      </a:r>
+                      <a:endParaRPr lang="ko-KR" altLang="en-US" sz="1200" dirty="0"/>
                     </a:p>
                   </a:txBody>
-                  <a:tcPr/>
+                  <a:tcPr anchor="ctr">
+                    <a:lnL w="12700" cap="flat" cmpd="sng" algn="ctr">
+                      <a:solidFill>
+                        <a:schemeClr val="tx1"/>
+                      </a:solidFill>
+                      <a:prstDash val="solid"/>
+                      <a:round/>
+                      <a:headEnd type="none" w="med" len="med"/>
+                      <a:tailEnd type="none" w="med" len="med"/>
+                    </a:lnL>
+                    <a:lnR w="12700" cap="flat" cmpd="sng" algn="ctr">
+                      <a:solidFill>
+                        <a:schemeClr val="tx1"/>
+                      </a:solidFill>
+                      <a:prstDash val="solid"/>
+                      <a:round/>
+                      <a:headEnd type="none" w="med" len="med"/>
+                      <a:tailEnd type="none" w="med" len="med"/>
+                    </a:lnR>
+                    <a:lnT w="12700" cap="flat" cmpd="sng" algn="ctr">
+                      <a:solidFill>
+                        <a:schemeClr val="tx1"/>
+                      </a:solidFill>
+                      <a:prstDash val="solid"/>
+                      <a:round/>
+                      <a:headEnd type="none" w="med" len="med"/>
+                      <a:tailEnd type="none" w="med" len="med"/>
+                    </a:lnT>
+                    <a:lnB w="12700" cap="flat" cmpd="sng" algn="ctr">
+                      <a:solidFill>
+                        <a:schemeClr val="tx1"/>
+                      </a:solidFill>
+                      <a:prstDash val="solid"/>
+                      <a:round/>
+                      <a:headEnd type="none" w="med" len="med"/>
+                      <a:tailEnd type="none" w="med" len="med"/>
+                    </a:lnB>
+                    <a:lnTlToBr w="12700" cmpd="sng">
+                      <a:noFill/>
+                      <a:prstDash val="solid"/>
+                    </a:lnTlToBr>
+                    <a:lnBlToTr w="12700" cmpd="sng">
+                      <a:noFill/>
+                      <a:prstDash val="solid"/>
+                    </a:lnBlToTr>
+                  </a:tcPr>
                 </a:tc>
                 <a:extLst>
                   <a:ext uri="{0D108BD9-81ED-4DB2-BD59-A6C34878D82A}">
@@ -22155,6 +24294,231 @@
           </a:graphicData>
         </a:graphic>
       </p:graphicFrame>
+      <p:sp>
+        <p:nvSpPr>
+          <p:cNvPr id="8" name="TextBox 7"/>
+          <p:cNvSpPr txBox="1"/>
+          <p:nvPr/>
+        </p:nvSpPr>
+        <p:spPr>
+          <a:xfrm>
+            <a:off x="3134717" y="6091408"/>
+            <a:ext cx="2109655" cy="338554"/>
+          </a:xfrm>
+          <a:prstGeom prst="rect">
+            <a:avLst/>
+          </a:prstGeom>
+          <a:noFill/>
+        </p:spPr>
+        <p:txBody>
+          <a:bodyPr wrap="square" rtlCol="0">
+            <a:spAutoFit/>
+          </a:bodyPr>
+          <a:lstStyle/>
+          <a:p>
+            <a:pPr algn="ctr"/>
+            <a:r>
+              <a:rPr lang="en-US" altLang="ko-KR" sz="1600" b="1" dirty="0" smtClean="0"/>
+              <a:t>Page Table</a:t>
+            </a:r>
+            <a:endParaRPr lang="ko-KR" altLang="en-US" sz="1600" b="1" dirty="0"/>
+          </a:p>
+        </p:txBody>
+      </p:sp>
+      <p:sp>
+        <p:nvSpPr>
+          <p:cNvPr id="9" name="TextBox 8"/>
+          <p:cNvSpPr txBox="1"/>
+          <p:nvPr/>
+        </p:nvSpPr>
+        <p:spPr>
+          <a:xfrm>
+            <a:off x="10705671" y="2393528"/>
+            <a:ext cx="1253447" cy="307777"/>
+          </a:xfrm>
+          <a:prstGeom prst="rect">
+            <a:avLst/>
+          </a:prstGeom>
+          <a:noFill/>
+        </p:spPr>
+        <p:txBody>
+          <a:bodyPr wrap="square" rtlCol="0">
+            <a:spAutoFit/>
+          </a:bodyPr>
+          <a:lstStyle/>
+          <a:p>
+            <a:pPr algn="ctr"/>
+            <a:r>
+              <a:rPr lang="en-US" altLang="ko-KR" sz="1400" b="1" dirty="0" smtClean="0"/>
+              <a:t>Word Line</a:t>
+            </a:r>
+            <a:endParaRPr lang="ko-KR" altLang="en-US" sz="1400" b="1" dirty="0"/>
+          </a:p>
+        </p:txBody>
+      </p:sp>
+      <p:sp>
+        <p:nvSpPr>
+          <p:cNvPr id="47" name="TextBox 46"/>
+          <p:cNvSpPr txBox="1"/>
+          <p:nvPr/>
+        </p:nvSpPr>
+        <p:spPr>
+          <a:xfrm>
+            <a:off x="5656438" y="5480290"/>
+            <a:ext cx="1253447" cy="307777"/>
+          </a:xfrm>
+          <a:prstGeom prst="rect">
+            <a:avLst/>
+          </a:prstGeom>
+          <a:noFill/>
+        </p:spPr>
+        <p:txBody>
+          <a:bodyPr wrap="square" rtlCol="0">
+            <a:spAutoFit/>
+          </a:bodyPr>
+          <a:lstStyle/>
+          <a:p>
+            <a:pPr algn="ctr"/>
+            <a:r>
+              <a:rPr lang="en-US" altLang="ko-KR" sz="1400" b="1" dirty="0" smtClean="0"/>
+              <a:t>Bit Line</a:t>
+            </a:r>
+            <a:endParaRPr lang="ko-KR" altLang="en-US" sz="1400" b="1" dirty="0"/>
+          </a:p>
+        </p:txBody>
+      </p:sp>
+      <p:cxnSp>
+        <p:nvCxnSpPr>
+          <p:cNvPr id="14" name="꺾인 연결선 13"/>
+          <p:cNvCxnSpPr/>
+          <p:nvPr/>
+        </p:nvCxnSpPr>
+        <p:spPr>
+          <a:xfrm flipV="1">
+            <a:off x="2007820" y="3164223"/>
+            <a:ext cx="1382652" cy="958576"/>
+          </a:xfrm>
+          <a:prstGeom prst="bentConnector3">
+            <a:avLst>
+              <a:gd name="adj1" fmla="val 50000"/>
+            </a:avLst>
+          </a:prstGeom>
+          <a:ln w="28575">
+            <a:tailEnd type="triangle"/>
+          </a:ln>
+        </p:spPr>
+        <p:style>
+          <a:lnRef idx="1">
+            <a:schemeClr val="accent1"/>
+          </a:lnRef>
+          <a:fillRef idx="0">
+            <a:schemeClr val="accent1"/>
+          </a:fillRef>
+          <a:effectRef idx="0">
+            <a:schemeClr val="accent1"/>
+          </a:effectRef>
+          <a:fontRef idx="minor">
+            <a:schemeClr val="tx1"/>
+          </a:fontRef>
+        </p:style>
+      </p:cxnSp>
+      <p:sp>
+        <p:nvSpPr>
+          <p:cNvPr id="16" name="TextBox 15"/>
+          <p:cNvSpPr txBox="1"/>
+          <p:nvPr/>
+        </p:nvSpPr>
+        <p:spPr>
+          <a:xfrm>
+            <a:off x="1749959" y="3265346"/>
+            <a:ext cx="1236368" cy="307777"/>
+          </a:xfrm>
+          <a:prstGeom prst="rect">
+            <a:avLst/>
+          </a:prstGeom>
+          <a:noFill/>
+        </p:spPr>
+        <p:txBody>
+          <a:bodyPr wrap="square" rtlCol="0">
+            <a:spAutoFit/>
+          </a:bodyPr>
+          <a:lstStyle/>
+          <a:p>
+            <a:r>
+              <a:rPr lang="ko-KR" altLang="en-US" sz="1400" b="1" dirty="0" smtClean="0"/>
+              <a:t>데이터 접근</a:t>
+            </a:r>
+            <a:endParaRPr lang="ko-KR" altLang="en-US" sz="1400" b="1" dirty="0"/>
+          </a:p>
+        </p:txBody>
+      </p:sp>
+      <p:cxnSp>
+        <p:nvCxnSpPr>
+          <p:cNvPr id="48" name="꺾인 연결선 47"/>
+          <p:cNvCxnSpPr>
+            <a:endCxn id="34" idx="1"/>
+          </p:cNvCxnSpPr>
+          <p:nvPr/>
+        </p:nvCxnSpPr>
+        <p:spPr>
+          <a:xfrm>
+            <a:off x="5392765" y="3111147"/>
+            <a:ext cx="3743425" cy="974907"/>
+          </a:xfrm>
+          <a:prstGeom prst="bentConnector3">
+            <a:avLst>
+              <a:gd name="adj1" fmla="val 50000"/>
+            </a:avLst>
+          </a:prstGeom>
+          <a:ln w="28575">
+            <a:tailEnd type="triangle"/>
+          </a:ln>
+        </p:spPr>
+        <p:style>
+          <a:lnRef idx="1">
+            <a:schemeClr val="accent1"/>
+          </a:lnRef>
+          <a:fillRef idx="0">
+            <a:schemeClr val="accent1"/>
+          </a:fillRef>
+          <a:effectRef idx="0">
+            <a:schemeClr val="accent1"/>
+          </a:effectRef>
+          <a:fontRef idx="minor">
+            <a:schemeClr val="tx1"/>
+          </a:fontRef>
+        </p:style>
+      </p:cxnSp>
+      <p:sp>
+        <p:nvSpPr>
+          <p:cNvPr id="19" name="TextBox 18"/>
+          <p:cNvSpPr txBox="1"/>
+          <p:nvPr/>
+        </p:nvSpPr>
+        <p:spPr>
+          <a:xfrm>
+            <a:off x="1912713" y="2926481"/>
+            <a:ext cx="850458" cy="369332"/>
+          </a:xfrm>
+          <a:prstGeom prst="rect">
+            <a:avLst/>
+          </a:prstGeom>
+          <a:noFill/>
+        </p:spPr>
+        <p:txBody>
+          <a:bodyPr wrap="square" rtlCol="0">
+            <a:spAutoFit/>
+          </a:bodyPr>
+          <a:lstStyle/>
+          <a:p>
+            <a:r>
+              <a:rPr lang="en-US" altLang="ko-KR" b="1" dirty="0" smtClean="0"/>
+              <a:t>Read</a:t>
+            </a:r>
+            <a:endParaRPr lang="ko-KR" altLang="en-US" b="1" dirty="0"/>
+          </a:p>
+        </p:txBody>
+      </p:sp>
     </p:spTree>
     <p:extLst>
       <p:ext uri="{BB962C8B-B14F-4D97-AF65-F5344CB8AC3E}">
@@ -22187,10 +24551,344 @@
       </p:grpSpPr>
       <p:sp>
         <p:nvSpPr>
-          <p:cNvPr id="4" name="TextBox 3">
+          <p:cNvPr id="17" name="직사각형 16"/>
+          <p:cNvSpPr/>
+          <p:nvPr/>
+        </p:nvSpPr>
+        <p:spPr>
+          <a:xfrm>
+            <a:off x="6836736" y="2308774"/>
+            <a:ext cx="1431802" cy="369332"/>
+          </a:xfrm>
+          <a:prstGeom prst="rect">
+            <a:avLst/>
+          </a:prstGeom>
+        </p:spPr>
+        <p:txBody>
+          <a:bodyPr wrap="none">
+            <a:spAutoFit/>
+          </a:bodyPr>
+          <a:lstStyle/>
+          <a:p>
+            <a:pPr algn="ctr">
+              <a:defRPr/>
+            </a:pPr>
+            <a:r>
+              <a:rPr lang="en-US" altLang="ko-KR" dirty="0" smtClean="0"/>
+              <a:t>0x</a:t>
+            </a:r>
+            <a:r>
+              <a:rPr lang="en-US" altLang="ko-KR" dirty="0" smtClean="0">
+                <a:solidFill>
+                  <a:srgbClr val="C00000"/>
+                </a:solidFill>
+              </a:rPr>
+              <a:t>0012</a:t>
+            </a:r>
+            <a:r>
+              <a:rPr lang="en-US" altLang="ko-KR" dirty="0" smtClean="0">
+                <a:solidFill>
+                  <a:schemeClr val="accent1"/>
+                </a:solidFill>
+              </a:rPr>
+              <a:t>3456</a:t>
+            </a:r>
+            <a:endParaRPr lang="ko-KR" altLang="en-US" dirty="0">
+              <a:solidFill>
+                <a:schemeClr val="accent1"/>
+              </a:solidFill>
+            </a:endParaRPr>
+          </a:p>
+        </p:txBody>
+      </p:sp>
+      <p:sp>
+        <p:nvSpPr>
+          <p:cNvPr id="18" name="TextBox 17"/>
+          <p:cNvSpPr txBox="1"/>
+          <p:nvPr/>
+        </p:nvSpPr>
+        <p:spPr>
+          <a:xfrm>
+            <a:off x="6836736" y="2770044"/>
+            <a:ext cx="4495660" cy="461665"/>
+          </a:xfrm>
+          <a:prstGeom prst="rect">
+            <a:avLst/>
+          </a:prstGeom>
+          <a:noFill/>
+        </p:spPr>
+        <p:txBody>
+          <a:bodyPr wrap="square" rtlCol="0">
+            <a:spAutoFit/>
+          </a:bodyPr>
+          <a:lstStyle/>
+          <a:p>
+            <a:r>
+              <a:rPr lang="ko-KR" altLang="en-US" sz="1200" b="1" dirty="0" smtClean="0"/>
+              <a:t>상위 </a:t>
+            </a:r>
+            <a:r>
+              <a:rPr lang="en-US" altLang="ko-KR" sz="1200" b="1" dirty="0" smtClean="0"/>
+              <a:t>16</a:t>
+            </a:r>
+            <a:r>
+              <a:rPr lang="ko-KR" altLang="en-US" sz="1200" b="1" dirty="0" smtClean="0"/>
+              <a:t>비트 </a:t>
+            </a:r>
+            <a:r>
+              <a:rPr lang="en-US" altLang="ko-KR" sz="1200" b="1" dirty="0" smtClean="0"/>
+              <a:t>: </a:t>
+            </a:r>
+            <a:r>
+              <a:rPr lang="ko-KR" altLang="en-US" sz="1200" b="1" dirty="0" err="1" smtClean="0"/>
+              <a:t>행주소</a:t>
+            </a:r>
+            <a:r>
+              <a:rPr lang="ko-KR" altLang="en-US" sz="1200" b="1" dirty="0" smtClean="0"/>
+              <a:t> </a:t>
+            </a:r>
+            <a:r>
+              <a:rPr lang="en-US" altLang="ko-KR" sz="1200" b="1" dirty="0" smtClean="0"/>
+              <a:t>– </a:t>
+            </a:r>
+            <a:r>
+              <a:rPr lang="en-US" altLang="ko-KR" sz="1200" dirty="0" smtClean="0">
+                <a:solidFill>
+                  <a:srgbClr val="C00000"/>
+                </a:solidFill>
+              </a:rPr>
+              <a:t>0012 (16</a:t>
+            </a:r>
+            <a:r>
+              <a:rPr lang="ko-KR" altLang="en-US" sz="1200" dirty="0" smtClean="0">
+                <a:solidFill>
+                  <a:srgbClr val="C00000"/>
+                </a:solidFill>
+              </a:rPr>
+              <a:t>진수</a:t>
+            </a:r>
+            <a:r>
+              <a:rPr lang="en-US" altLang="ko-KR" sz="1200" dirty="0" smtClean="0">
+                <a:solidFill>
+                  <a:srgbClr val="C00000"/>
+                </a:solidFill>
+              </a:rPr>
+              <a:t>) -&gt; </a:t>
+            </a:r>
+            <a:r>
+              <a:rPr lang="en-US" altLang="ko-KR" sz="1200" dirty="0" smtClean="0"/>
+              <a:t>18 (10</a:t>
+            </a:r>
+            <a:r>
+              <a:rPr lang="ko-KR" altLang="en-US" sz="1200" dirty="0" smtClean="0"/>
+              <a:t>진수</a:t>
+            </a:r>
+            <a:r>
+              <a:rPr lang="en-US" altLang="ko-KR" sz="1200" dirty="0" smtClean="0"/>
+              <a:t>)</a:t>
+            </a:r>
+            <a:endParaRPr lang="en-US" altLang="ko-KR" sz="1200" b="1" dirty="0" smtClean="0"/>
+          </a:p>
+          <a:p>
+            <a:r>
+              <a:rPr lang="ko-KR" altLang="en-US" sz="1200" b="1" dirty="0" smtClean="0"/>
+              <a:t>하위</a:t>
+            </a:r>
+            <a:r>
+              <a:rPr lang="en-US" altLang="ko-KR" sz="1200" b="1" dirty="0"/>
+              <a:t> </a:t>
+            </a:r>
+            <a:r>
+              <a:rPr lang="en-US" altLang="ko-KR" sz="1200" b="1" dirty="0" smtClean="0"/>
+              <a:t>16</a:t>
+            </a:r>
+            <a:r>
+              <a:rPr lang="ko-KR" altLang="en-US" sz="1200" b="1" dirty="0" smtClean="0"/>
+              <a:t>비트 </a:t>
+            </a:r>
+            <a:r>
+              <a:rPr lang="en-US" altLang="ko-KR" sz="1200" b="1" dirty="0" smtClean="0"/>
+              <a:t>: </a:t>
+            </a:r>
+            <a:r>
+              <a:rPr lang="ko-KR" altLang="en-US" sz="1200" b="1" dirty="0" err="1" smtClean="0"/>
+              <a:t>열주소</a:t>
+            </a:r>
+            <a:r>
+              <a:rPr lang="ko-KR" altLang="en-US" sz="1200" b="1" dirty="0" smtClean="0"/>
+              <a:t> </a:t>
+            </a:r>
+            <a:r>
+              <a:rPr lang="en-US" altLang="ko-KR" sz="1200" b="1" dirty="0" smtClean="0"/>
+              <a:t>– </a:t>
+            </a:r>
+            <a:r>
+              <a:rPr lang="en-US" altLang="ko-KR" sz="1200" dirty="0" smtClean="0">
+                <a:solidFill>
+                  <a:schemeClr val="accent1"/>
+                </a:solidFill>
+              </a:rPr>
+              <a:t>3456 (16</a:t>
+            </a:r>
+            <a:r>
+              <a:rPr lang="ko-KR" altLang="en-US" sz="1200" dirty="0" smtClean="0">
+                <a:solidFill>
+                  <a:schemeClr val="accent1"/>
+                </a:solidFill>
+              </a:rPr>
+              <a:t>진수</a:t>
+            </a:r>
+            <a:r>
+              <a:rPr lang="en-US" altLang="ko-KR" sz="1200" dirty="0" smtClean="0">
+                <a:solidFill>
+                  <a:schemeClr val="accent1"/>
+                </a:solidFill>
+              </a:rPr>
+              <a:t>) -&gt; </a:t>
+            </a:r>
+            <a:r>
+              <a:rPr lang="en-US" altLang="ko-KR" sz="1200" dirty="0" smtClean="0"/>
+              <a:t>13,654 (10</a:t>
+            </a:r>
+            <a:r>
+              <a:rPr lang="ko-KR" altLang="en-US" sz="1200" dirty="0" smtClean="0"/>
+              <a:t>진수</a:t>
+            </a:r>
+            <a:r>
+              <a:rPr lang="en-US" altLang="ko-KR" sz="1200" dirty="0" smtClean="0"/>
+              <a:t>)</a:t>
+            </a:r>
+            <a:endParaRPr lang="ko-KR" altLang="en-US" sz="1200" dirty="0"/>
+          </a:p>
+        </p:txBody>
+      </p:sp>
+      <mc:AlternateContent xmlns:mc="http://schemas.openxmlformats.org/markup-compatibility/2006">
+        <mc:Choice xmlns:a14="http://schemas.microsoft.com/office/drawing/2010/main" Requires="a14">
+          <p:sp>
+            <p:nvSpPr>
+              <p:cNvPr id="19" name="TextBox 18"/>
+              <p:cNvSpPr txBox="1"/>
+              <p:nvPr/>
+            </p:nvSpPr>
+            <p:spPr>
+              <a:xfrm>
+                <a:off x="8230438" y="2347729"/>
+                <a:ext cx="2787405" cy="280718"/>
+              </a:xfrm>
+              <a:prstGeom prst="rect">
+                <a:avLst/>
+              </a:prstGeom>
+              <a:noFill/>
+            </p:spPr>
+            <p:txBody>
+              <a:bodyPr wrap="square" rtlCol="0">
+                <a:spAutoFit/>
+              </a:bodyPr>
+              <a:lstStyle/>
+              <a:p>
+                <a:r>
+                  <a:rPr lang="en-US" altLang="ko-KR" sz="1200" b="1" dirty="0" smtClean="0"/>
+                  <a:t>* 16</a:t>
+                </a:r>
+                <a:r>
+                  <a:rPr lang="ko-KR" altLang="en-US" sz="1200" b="1" dirty="0" smtClean="0"/>
+                  <a:t>진수 </a:t>
+                </a:r>
+                <a:r>
+                  <a:rPr lang="ko-KR" altLang="en-US" sz="1200" b="1" dirty="0" err="1" smtClean="0"/>
+                  <a:t>한글자당</a:t>
+                </a:r>
+                <a:r>
+                  <a:rPr lang="ko-KR" altLang="en-US" sz="1200" b="1" dirty="0" smtClean="0"/>
+                  <a:t> </a:t>
+                </a:r>
+                <a:r>
+                  <a:rPr lang="en-US" altLang="ko-KR" sz="1200" b="1" dirty="0" smtClean="0"/>
+                  <a:t>4</a:t>
+                </a:r>
+                <a:r>
+                  <a:rPr lang="ko-KR" altLang="en-US" sz="1200" b="1" dirty="0" smtClean="0"/>
+                  <a:t>비트 필요 </a:t>
+                </a:r>
+                <a14:m>
+                  <m:oMath xmlns:m="http://schemas.openxmlformats.org/officeDocument/2006/math">
+                    <m:sSup>
+                      <m:sSupPr>
+                        <m:ctrlPr>
+                          <a:rPr lang="en-US" altLang="ko-KR" sz="1200" b="1" i="1" smtClean="0">
+                            <a:latin typeface="Cambria Math" panose="02040503050406030204" pitchFamily="18" charset="0"/>
+                          </a:rPr>
+                        </m:ctrlPr>
+                      </m:sSupPr>
+                      <m:e>
+                        <m:r>
+                          <a:rPr lang="en-US" altLang="ko-KR" sz="1200" b="1" i="1" smtClean="0">
+                            <a:latin typeface="Cambria Math" panose="02040503050406030204" pitchFamily="18" charset="0"/>
+                          </a:rPr>
+                          <m:t>𝟐</m:t>
+                        </m:r>
+                      </m:e>
+                      <m:sup>
+                        <m:r>
+                          <a:rPr lang="en-US" altLang="ko-KR" sz="1200" b="1" i="1" smtClean="0">
+                            <a:latin typeface="Cambria Math" panose="02040503050406030204" pitchFamily="18" charset="0"/>
+                          </a:rPr>
+                          <m:t>𝟒</m:t>
+                        </m:r>
+                      </m:sup>
+                    </m:sSup>
+                  </m:oMath>
+                </a14:m>
+                <a:endParaRPr lang="ko-KR" altLang="en-US" sz="1200" b="1" dirty="0"/>
+              </a:p>
+            </p:txBody>
+          </p:sp>
+        </mc:Choice>
+        <mc:Fallback>
+          <p:sp>
+            <p:nvSpPr>
+              <p:cNvPr id="19" name="TextBox 18"/>
+              <p:cNvSpPr txBox="1">
+                <a:spLocks noRot="1" noChangeAspect="1" noMove="1" noResize="1" noEditPoints="1" noAdjustHandles="1" noChangeArrowheads="1" noChangeShapeType="1" noTextEdit="1"/>
+              </p:cNvSpPr>
+              <p:nvPr/>
+            </p:nvSpPr>
+            <p:spPr>
+              <a:xfrm>
+                <a:off x="8230438" y="2347729"/>
+                <a:ext cx="2787405" cy="280718"/>
+              </a:xfrm>
+              <a:prstGeom prst="rect">
+                <a:avLst/>
+              </a:prstGeom>
+              <a:blipFill>
+                <a:blip r:embed="rId3"/>
+                <a:stretch>
+                  <a:fillRect b="-15217"/>
+                </a:stretch>
+              </a:blipFill>
+            </p:spPr>
+            <p:txBody>
+              <a:bodyPr/>
+              <a:lstStyle/>
+              <a:p>
+                <a:r>
+                  <a:rPr lang="ko-KR" altLang="en-US">
+                    <a:noFill/>
+                  </a:rPr>
+                  <a:t> </a:t>
+                </a:r>
+              </a:p>
+            </p:txBody>
+          </p:sp>
+        </mc:Fallback>
+      </mc:AlternateContent>
+      <p:sp>
+        <p:nvSpPr>
+          <p:cNvPr id="20" name="TextBox 19">
             <a:extLst>
               <a:ext uri="{FF2B5EF4-FFF2-40B4-BE49-F238E27FC236}">
-                <a16:creationId xmlns:a16="http://schemas.microsoft.com/office/drawing/2014/main" id="{F460CDE0-DDCD-4823-FBB2-C002A2C7D621}"/>
+                <a16:creationId xmlns:a16="http://schemas.microsoft.com/office/drawing/2014/main" id="{24A8B8FC-ED97-BD8A-4C78-CFA67C8E63C0}"/>
               </a:ext>
             </a:extLst>
           </p:cNvPr>
@@ -22199,8 +24897,8 @@
         </p:nvSpPr>
         <p:spPr>
           <a:xfrm>
-            <a:off x="331629" y="262616"/>
-            <a:ext cx="11632843" cy="923330"/>
+            <a:off x="283336" y="231820"/>
+            <a:ext cx="11049060" cy="338554"/>
           </a:xfrm>
           <a:prstGeom prst="rect">
             <a:avLst/>
@@ -22208,377 +24906,1526 @@
           <a:noFill/>
         </p:spPr>
         <p:txBody>
-          <a:bodyPr wrap="square">
+          <a:bodyPr wrap="square" rtlCol="0">
             <a:spAutoFit/>
           </a:bodyPr>
           <a:lstStyle/>
           <a:p>
             <a:r>
-              <a:rPr lang="en" altLang="ko-KR" dirty="0"/>
-              <a:t> RAM</a:t>
-            </a:r>
-            <a:r>
-              <a:rPr lang="ko-KR" altLang="en-US" dirty="0"/>
-              <a:t>의 물리적 주소가 동적으로 할당된다는 것은</a:t>
-            </a:r>
-            <a:r>
-              <a:rPr lang="en-US" altLang="ko-KR" dirty="0"/>
-              <a:t>, </a:t>
-            </a:r>
-            <a:r>
-              <a:rPr lang="ko-KR" altLang="en-US" dirty="0"/>
-              <a:t>프로그램이나 데이터를 실제 </a:t>
-            </a:r>
-            <a:r>
-              <a:rPr lang="en" altLang="ko-KR" dirty="0"/>
-              <a:t>RAM</a:t>
-            </a:r>
-            <a:r>
-              <a:rPr lang="ko-KR" altLang="en-US" dirty="0"/>
-              <a:t>의 특정 트랜지스터에 어떻게 위치시키는지를 의미합니다</a:t>
-            </a:r>
-            <a:r>
-              <a:rPr lang="en-US" altLang="ko-KR" dirty="0"/>
-              <a:t>. </a:t>
-            </a:r>
-            <a:r>
-              <a:rPr lang="ko-KR" altLang="en-US" dirty="0"/>
-              <a:t>이 과정은 주로 운영체제와 메모리 관리 장치</a:t>
-            </a:r>
-            <a:r>
-              <a:rPr lang="en-US" altLang="ko-KR" dirty="0"/>
-              <a:t>(</a:t>
-            </a:r>
-            <a:r>
-              <a:rPr lang="en" altLang="ko-KR" dirty="0"/>
-              <a:t>MMU)</a:t>
-            </a:r>
-            <a:r>
-              <a:rPr lang="ko-KR" altLang="en-US" dirty="0"/>
-              <a:t>가 협력하여 이뤄지며</a:t>
-            </a:r>
-            <a:r>
-              <a:rPr lang="en-US" altLang="ko-KR" dirty="0"/>
-              <a:t>, </a:t>
-            </a:r>
-            <a:r>
-              <a:rPr lang="ko-KR" altLang="en-US" dirty="0"/>
-              <a:t>실제 물리적 주소가 </a:t>
-            </a:r>
-            <a:r>
-              <a:rPr lang="en" altLang="ko-KR" dirty="0"/>
-              <a:t>RAM</a:t>
-            </a:r>
-            <a:r>
-              <a:rPr lang="ko-KR" altLang="en-US" dirty="0"/>
-              <a:t>의 특정 부분</a:t>
-            </a:r>
-            <a:r>
-              <a:rPr lang="en-US" altLang="ko-KR" dirty="0"/>
-              <a:t>(</a:t>
-            </a:r>
-            <a:r>
-              <a:rPr lang="ko-KR" altLang="en-US" dirty="0"/>
-              <a:t>트랜지스터들의 배열</a:t>
-            </a:r>
-            <a:r>
-              <a:rPr lang="en-US" altLang="ko-KR" dirty="0"/>
-              <a:t>)</a:t>
-            </a:r>
-            <a:r>
-              <a:rPr lang="ko-KR" altLang="en-US" dirty="0"/>
-              <a:t>과 어떻게 </a:t>
-            </a:r>
-            <a:r>
-              <a:rPr lang="ko-KR" altLang="en-US" dirty="0" err="1"/>
-              <a:t>매핑되는지</a:t>
-            </a:r>
-            <a:r>
-              <a:rPr lang="ko-KR" altLang="en-US" dirty="0"/>
-              <a:t> 설명하겠습니다</a:t>
-            </a:r>
-            <a:r>
-              <a:rPr lang="en-US" altLang="ko-KR" dirty="0"/>
-              <a:t>.</a:t>
-            </a:r>
-            <a:endParaRPr lang="ko-KR" altLang="en-US" dirty="0"/>
+              <a:rPr kumimoji="1" lang="en-US" altLang="ko-KR" sz="1600" b="1" dirty="0" smtClean="0"/>
+              <a:t>Q.3.1 </a:t>
+            </a:r>
+            <a:r>
+              <a:rPr kumimoji="1" lang="ko-KR" altLang="en-US" sz="1600" b="1" dirty="0" err="1" smtClean="0"/>
+              <a:t>파생질문</a:t>
+            </a:r>
+            <a:r>
+              <a:rPr kumimoji="1" lang="en-US" altLang="ko-KR" sz="1600" b="1" dirty="0" smtClean="0"/>
+              <a:t>) RAM</a:t>
+            </a:r>
+            <a:r>
+              <a:rPr kumimoji="1" lang="ko-KR" altLang="en-US" sz="1600" b="1" dirty="0" smtClean="0"/>
+              <a:t>의 </a:t>
+            </a:r>
+            <a:r>
+              <a:rPr kumimoji="1" lang="ko-KR" altLang="en-US" sz="1600" b="1" dirty="0" err="1" smtClean="0"/>
+              <a:t>물리주소는</a:t>
+            </a:r>
+            <a:r>
+              <a:rPr kumimoji="1" lang="ko-KR" altLang="en-US" sz="1600" b="1" dirty="0" smtClean="0"/>
+              <a:t> </a:t>
+            </a:r>
+            <a:r>
+              <a:rPr kumimoji="1" lang="en-US" altLang="ko-KR" sz="1600" b="1" dirty="0" smtClean="0"/>
+              <a:t>Mac</a:t>
+            </a:r>
+            <a:r>
+              <a:rPr kumimoji="1" lang="ko-KR" altLang="en-US" sz="1600" b="1" dirty="0" smtClean="0"/>
+              <a:t>주소와 같은 실제 하드웨어레벨의 주소인가</a:t>
+            </a:r>
+            <a:r>
+              <a:rPr kumimoji="1" lang="en-US" altLang="ko-KR" sz="1600" b="1" dirty="0" smtClean="0"/>
+              <a:t>?</a:t>
+            </a:r>
+            <a:r>
+              <a:rPr kumimoji="1" lang="en-US" altLang="ko-KR" sz="1600" b="1" dirty="0" smtClean="0"/>
+              <a:t> </a:t>
+            </a:r>
+            <a:endParaRPr kumimoji="1" lang="ko-KR" altLang="en-US" sz="1600" b="1" dirty="0"/>
           </a:p>
         </p:txBody>
       </p:sp>
       <p:sp>
         <p:nvSpPr>
-          <p:cNvPr id="3" name="직사각형 2"/>
-          <p:cNvSpPr/>
+          <p:cNvPr id="4" name="TextBox 3"/>
+          <p:cNvSpPr txBox="1"/>
           <p:nvPr/>
         </p:nvSpPr>
         <p:spPr>
           <a:xfrm>
-            <a:off x="690802" y="2739931"/>
-            <a:ext cx="10628244" cy="2862322"/>
+            <a:off x="410967" y="663610"/>
+            <a:ext cx="11537878" cy="523220"/>
           </a:xfrm>
           <a:prstGeom prst="rect">
             <a:avLst/>
           </a:prstGeom>
+          <a:noFill/>
         </p:spPr>
         <p:txBody>
-          <a:bodyPr wrap="square">
+          <a:bodyPr wrap="square" rtlCol="0">
             <a:spAutoFit/>
           </a:bodyPr>
           <a:lstStyle/>
           <a:p>
             <a:r>
-              <a:rPr lang="ko-KR" altLang="en-US" b="1" dirty="0"/>
-              <a:t>주요 특징</a:t>
-            </a:r>
-          </a:p>
-          <a:p>
-            <a:pPr>
-              <a:buFont typeface="+mj-lt"/>
-              <a:buAutoNum type="arabicPeriod"/>
-            </a:pPr>
-            <a:r>
-              <a:rPr lang="ko-KR" altLang="en-US" b="1" dirty="0"/>
-              <a:t>메모리 주소 공간</a:t>
-            </a:r>
-            <a:r>
-              <a:rPr lang="en-US" altLang="ko-KR" dirty="0"/>
-              <a:t>: 32</a:t>
-            </a:r>
-            <a:r>
-              <a:rPr lang="ko-KR" altLang="en-US" dirty="0"/>
-              <a:t>비트 체계에서는 </a:t>
-            </a:r>
-            <a:r>
-              <a:rPr lang="en-US" altLang="ko-KR" dirty="0"/>
-              <a:t>CPU</a:t>
-            </a:r>
-            <a:r>
-              <a:rPr lang="ko-KR" altLang="en-US" dirty="0"/>
-              <a:t>가 사용할 수 있는 최대 메모리 주소 공간이 </a:t>
-            </a:r>
-            <a:r>
-              <a:rPr lang="en-US" altLang="ko-KR" dirty="0"/>
-              <a:t>2^32(</a:t>
-            </a:r>
-            <a:r>
-              <a:rPr lang="ko-KR" altLang="en-US" dirty="0"/>
-              <a:t>약 </a:t>
-            </a:r>
-            <a:r>
-              <a:rPr lang="en-US" altLang="ko-KR" dirty="0"/>
-              <a:t>4,294,967,296) </a:t>
-            </a:r>
-            <a:r>
-              <a:rPr lang="ko-KR" altLang="en-US" dirty="0"/>
-              <a:t>바이트</a:t>
-            </a:r>
-            <a:r>
-              <a:rPr lang="en-US" altLang="ko-KR" dirty="0"/>
+              <a:rPr lang="ko-KR" altLang="en-US" sz="1400" dirty="0" smtClean="0"/>
+              <a:t> </a:t>
+            </a:r>
+            <a:r>
+              <a:rPr lang="ko-KR" altLang="en-US" sz="1400" dirty="0" err="1" smtClean="0"/>
+              <a:t>맥주소와</a:t>
+            </a:r>
+            <a:r>
+              <a:rPr lang="ko-KR" altLang="en-US" sz="1400" dirty="0" smtClean="0"/>
+              <a:t> 같이 </a:t>
+            </a:r>
+            <a:r>
+              <a:rPr lang="ko-KR" altLang="en-US" sz="1400" b="1" dirty="0" smtClean="0">
+                <a:solidFill>
+                  <a:srgbClr val="C00000"/>
+                </a:solidFill>
+              </a:rPr>
+              <a:t>하드웨어레벨의 주소</a:t>
+            </a:r>
+            <a:r>
+              <a:rPr lang="ko-KR" altLang="en-US" sz="1400" dirty="0" smtClean="0"/>
+              <a:t>가 아니다</a:t>
+            </a:r>
+            <a:r>
+              <a:rPr lang="en-US" altLang="ko-KR" sz="1400" dirty="0" smtClean="0"/>
+              <a:t>. </a:t>
+            </a:r>
+            <a:r>
+              <a:rPr lang="ko-KR" altLang="en-US" sz="1400" dirty="0" smtClean="0"/>
+              <a:t>단지</a:t>
+            </a:r>
+            <a:r>
+              <a:rPr lang="en-US" altLang="ko-KR" sz="1400" dirty="0" smtClean="0"/>
               <a:t>, </a:t>
             </a:r>
             <a:r>
-              <a:rPr lang="ko-KR" altLang="en-US" dirty="0"/>
-              <a:t>즉 약 </a:t>
-            </a:r>
-            <a:r>
-              <a:rPr lang="en-US" altLang="ko-KR" dirty="0"/>
-              <a:t>4GB</a:t>
-            </a:r>
-            <a:r>
-              <a:rPr lang="ko-KR" altLang="en-US" dirty="0"/>
-              <a:t>입니다</a:t>
-            </a:r>
-            <a:r>
-              <a:rPr lang="en-US" altLang="ko-KR" dirty="0"/>
+              <a:rPr lang="en-US" altLang="ko-KR" sz="1400" b="1" u="sng" dirty="0" smtClean="0">
+                <a:solidFill>
+                  <a:srgbClr val="C00000"/>
+                </a:solidFill>
+              </a:rPr>
+              <a:t>RAM</a:t>
+            </a:r>
+            <a:r>
+              <a:rPr lang="ko-KR" altLang="en-US" sz="1400" b="1" u="sng" dirty="0" smtClean="0">
+                <a:solidFill>
+                  <a:srgbClr val="C00000"/>
+                </a:solidFill>
+              </a:rPr>
+              <a:t>의 행과 열을 조합해서 만든 일종의 논리주소</a:t>
+            </a:r>
+            <a:r>
+              <a:rPr lang="ko-KR" altLang="en-US" sz="1400" dirty="0" smtClean="0"/>
+              <a:t>이다</a:t>
+            </a:r>
+            <a:r>
+              <a:rPr lang="en-US" altLang="ko-KR" sz="1400" dirty="0" smtClean="0"/>
               <a:t>. </a:t>
             </a:r>
             <a:r>
-              <a:rPr lang="ko-KR" altLang="en-US" dirty="0"/>
-              <a:t>따라서</a:t>
-            </a:r>
-            <a:r>
-              <a:rPr lang="en-US" altLang="ko-KR" dirty="0"/>
-              <a:t>, 32</a:t>
-            </a:r>
-            <a:r>
-              <a:rPr lang="ko-KR" altLang="en-US" dirty="0"/>
-              <a:t>비트 운영체제에서는 최대 약 </a:t>
-            </a:r>
-            <a:r>
-              <a:rPr lang="en-US" altLang="ko-KR" dirty="0"/>
-              <a:t>4GB</a:t>
-            </a:r>
-            <a:r>
-              <a:rPr lang="ko-KR" altLang="en-US" dirty="0"/>
-              <a:t>의 </a:t>
-            </a:r>
-            <a:r>
-              <a:rPr lang="en-US" altLang="ko-KR" dirty="0"/>
+              <a:rPr lang="ko-KR" altLang="en-US" sz="1400" dirty="0" smtClean="0"/>
+              <a:t>하지만</a:t>
+            </a:r>
+            <a:r>
+              <a:rPr lang="en-US" altLang="ko-KR" sz="1400" dirty="0" smtClean="0"/>
+              <a:t>, </a:t>
+            </a:r>
+            <a:r>
+              <a:rPr lang="en-US" altLang="ko-KR" sz="1400" u="sng" dirty="0" smtClean="0"/>
               <a:t>RAM</a:t>
             </a:r>
             <a:r>
-              <a:rPr lang="ko-KR" altLang="en-US" dirty="0"/>
-              <a:t>만을 직접적으로 주소 지정하고 사용할 수 있습니다</a:t>
-            </a:r>
-            <a:r>
-              <a:rPr lang="en-US" altLang="ko-KR" dirty="0"/>
+              <a:rPr lang="ko-KR" altLang="en-US" sz="1400" u="sng" dirty="0" smtClean="0"/>
+              <a:t>의 행과 열은 정해져 있으므로 이 </a:t>
+            </a:r>
+            <a:r>
+              <a:rPr lang="ko-KR" altLang="en-US" sz="1400" u="sng" dirty="0" err="1" smtClean="0"/>
+              <a:t>논리주소는</a:t>
+            </a:r>
+            <a:r>
+              <a:rPr lang="ko-KR" altLang="en-US" sz="1400" u="sng" dirty="0" smtClean="0"/>
+              <a:t> 특정 셀에 고정</a:t>
+            </a:r>
+            <a:r>
+              <a:rPr lang="ko-KR" altLang="en-US" sz="1400" dirty="0" smtClean="0"/>
+              <a:t>되어 있다라고 할 수 있다</a:t>
+            </a:r>
+            <a:r>
+              <a:rPr lang="en-US" altLang="ko-KR" sz="1400" dirty="0" smtClean="0"/>
+              <a:t>. </a:t>
+            </a:r>
+            <a:r>
+              <a:rPr lang="ko-KR" altLang="en-US" sz="1400" dirty="0" smtClean="0"/>
+              <a:t>이게 </a:t>
+            </a:r>
+            <a:r>
+              <a:rPr lang="ko-KR" altLang="en-US" sz="1400" dirty="0" err="1" smtClean="0"/>
+              <a:t>물리주소라</a:t>
+            </a:r>
+            <a:r>
+              <a:rPr lang="ko-KR" altLang="en-US" sz="1400" dirty="0" smtClean="0"/>
+              <a:t> 불리는 이유이다</a:t>
+            </a:r>
+            <a:r>
+              <a:rPr lang="en-US" altLang="ko-KR" sz="1400" dirty="0" smtClean="0"/>
               <a:t>.</a:t>
             </a:r>
-          </a:p>
-          <a:p>
-            <a:pPr>
-              <a:buFont typeface="+mj-lt"/>
-              <a:buAutoNum type="arabicPeriod"/>
-            </a:pPr>
-            <a:r>
-              <a:rPr lang="ko-KR" altLang="en-US" b="1" dirty="0"/>
-              <a:t>주소 지정</a:t>
-            </a:r>
-            <a:r>
-              <a:rPr lang="en-US" altLang="ko-KR" dirty="0"/>
-              <a:t>: 32</a:t>
-            </a:r>
-            <a:r>
-              <a:rPr lang="ko-KR" altLang="en-US" dirty="0"/>
-              <a:t>비트 시스템에서 메모리 주소는 </a:t>
-            </a:r>
-            <a:r>
-              <a:rPr lang="en-US" altLang="ko-KR" dirty="0"/>
-              <a:t>32</a:t>
-            </a:r>
-            <a:r>
-              <a:rPr lang="ko-KR" altLang="en-US" dirty="0"/>
-              <a:t>비트로 표현되므로</a:t>
-            </a:r>
-            <a:r>
-              <a:rPr lang="en-US" altLang="ko-KR" dirty="0"/>
-              <a:t>, </a:t>
-            </a:r>
-            <a:r>
-              <a:rPr lang="ko-KR" altLang="en-US" dirty="0"/>
-              <a:t>이론적으로 최대 </a:t>
-            </a:r>
-            <a:r>
-              <a:rPr lang="en-US" altLang="ko-KR" dirty="0"/>
-              <a:t>4GB</a:t>
-            </a:r>
-            <a:r>
-              <a:rPr lang="ko-KR" altLang="en-US" dirty="0"/>
-              <a:t>의 메모리 공간을 가리킬 수 있습니다</a:t>
-            </a:r>
-            <a:r>
-              <a:rPr lang="en-US" altLang="ko-KR" dirty="0"/>
-              <a:t>. </a:t>
-            </a:r>
-            <a:r>
-              <a:rPr lang="ko-KR" altLang="en-US" dirty="0"/>
-              <a:t>이는 각 메모리 위치에 대한 주소를 지정하기 위해 </a:t>
-            </a:r>
-            <a:r>
-              <a:rPr lang="en-US" altLang="ko-KR" dirty="0"/>
-              <a:t>32</a:t>
-            </a:r>
-            <a:r>
-              <a:rPr lang="ko-KR" altLang="en-US" dirty="0"/>
-              <a:t>비트의 이진수가 사용됨을 의미합니다</a:t>
-            </a:r>
-            <a:r>
-              <a:rPr lang="en-US" altLang="ko-KR" dirty="0"/>
-              <a:t>.</a:t>
-            </a:r>
-          </a:p>
-          <a:p>
-            <a:pPr>
-              <a:buFont typeface="+mj-lt"/>
-              <a:buAutoNum type="arabicPeriod"/>
-            </a:pPr>
-            <a:r>
-              <a:rPr lang="ko-KR" altLang="en-US" b="1" dirty="0"/>
-              <a:t>운영체제 제한</a:t>
-            </a:r>
-            <a:r>
-              <a:rPr lang="en-US" altLang="ko-KR" dirty="0"/>
-              <a:t>: </a:t>
-            </a:r>
-            <a:r>
-              <a:rPr lang="ko-KR" altLang="en-US" dirty="0"/>
-              <a:t>대부분의 </a:t>
-            </a:r>
-            <a:r>
-              <a:rPr lang="en-US" altLang="ko-KR" dirty="0"/>
-              <a:t>32</a:t>
-            </a:r>
-            <a:r>
-              <a:rPr lang="ko-KR" altLang="en-US" dirty="0"/>
-              <a:t>비트 운영체제는 프로세스당 약 </a:t>
-            </a:r>
-            <a:r>
-              <a:rPr lang="en-US" altLang="ko-KR" dirty="0"/>
-              <a:t>2GB</a:t>
-            </a:r>
-            <a:r>
-              <a:rPr lang="ko-KR" altLang="en-US" dirty="0"/>
-              <a:t>에서 </a:t>
-            </a:r>
-            <a:r>
-              <a:rPr lang="en-US" altLang="ko-KR" dirty="0"/>
-              <a:t>3GB</a:t>
-            </a:r>
-            <a:r>
-              <a:rPr lang="ko-KR" altLang="en-US" dirty="0"/>
-              <a:t>의 사용자 공간을 할당하며</a:t>
-            </a:r>
-            <a:r>
-              <a:rPr lang="en-US" altLang="ko-KR" dirty="0"/>
-              <a:t>, </a:t>
-            </a:r>
-            <a:r>
-              <a:rPr lang="ko-KR" altLang="en-US" dirty="0"/>
-              <a:t>나머지 </a:t>
-            </a:r>
-            <a:r>
-              <a:rPr lang="en-US" altLang="ko-KR" dirty="0"/>
-              <a:t>1GB</a:t>
-            </a:r>
-            <a:r>
-              <a:rPr lang="ko-KR" altLang="en-US" dirty="0"/>
-              <a:t>에서 </a:t>
-            </a:r>
-            <a:r>
-              <a:rPr lang="en-US" altLang="ko-KR" dirty="0"/>
-              <a:t>2GB</a:t>
-            </a:r>
-            <a:r>
-              <a:rPr lang="ko-KR" altLang="en-US" dirty="0"/>
-              <a:t>는 커널 공간으로 예약됩니다</a:t>
-            </a:r>
-            <a:r>
-              <a:rPr lang="en-US" altLang="ko-KR" dirty="0"/>
-              <a:t>. </a:t>
-            </a:r>
-            <a:r>
-              <a:rPr lang="ko-KR" altLang="en-US" dirty="0"/>
-              <a:t>이는 시스템 안정성을 유지하고</a:t>
-            </a:r>
-            <a:r>
-              <a:rPr lang="en-US" altLang="ko-KR" dirty="0"/>
-              <a:t>, </a:t>
-            </a:r>
-            <a:r>
-              <a:rPr lang="ko-KR" altLang="en-US" dirty="0"/>
-              <a:t>커널과 하드웨어의 직접적인 메모리 접근을 보장하기 위함입니다</a:t>
-            </a:r>
-            <a:r>
-              <a:rPr lang="en-US" altLang="ko-KR" dirty="0"/>
-              <a:t>.</a:t>
-            </a:r>
+            <a:endParaRPr lang="ko-KR" altLang="en-US" sz="1400" dirty="0"/>
           </a:p>
         </p:txBody>
       </p:sp>
+      <p:graphicFrame>
+        <p:nvGraphicFramePr>
+          <p:cNvPr id="23" name="표 6">
+            <a:extLst>
+              <a:ext uri="{FF2B5EF4-FFF2-40B4-BE49-F238E27FC236}">
+                <a16:creationId xmlns:a16="http://schemas.microsoft.com/office/drawing/2014/main" id="{8709FB5F-9A50-5B01-4083-5D6EECA9DD80}"/>
+              </a:ext>
+            </a:extLst>
+          </p:cNvPr>
+          <p:cNvGraphicFramePr>
+            <a:graphicFrameLocks noGrp="1"/>
+          </p:cNvGraphicFramePr>
+          <p:nvPr>
+            <p:extLst>
+              <p:ext uri="{D42A27DB-BD31-4B8C-83A1-F6EECF244321}">
+                <p14:modId xmlns:p14="http://schemas.microsoft.com/office/powerpoint/2010/main" val="2888473220"/>
+              </p:ext>
+            </p:extLst>
+          </p:nvPr>
+        </p:nvGraphicFramePr>
+        <p:xfrm>
+          <a:off x="1683211" y="1935721"/>
+          <a:ext cx="4496695" cy="2384010"/>
+        </p:xfrm>
+        <a:graphic>
+          <a:graphicData uri="http://schemas.openxmlformats.org/drawingml/2006/table">
+            <a:tbl>
+              <a:tblPr firstRow="1" bandRow="1">
+                <a:tableStyleId>{5940675A-B579-460E-94D1-54222C63F5DA}</a:tableStyleId>
+              </a:tblPr>
+              <a:tblGrid>
+                <a:gridCol w="642385">
+                  <a:extLst>
+                    <a:ext uri="{9D8B030D-6E8A-4147-A177-3AD203B41FA5}">
+                      <a16:colId xmlns:a16="http://schemas.microsoft.com/office/drawing/2014/main" val="3408414427"/>
+                    </a:ext>
+                  </a:extLst>
+                </a:gridCol>
+                <a:gridCol w="642385">
+                  <a:extLst>
+                    <a:ext uri="{9D8B030D-6E8A-4147-A177-3AD203B41FA5}">
+                      <a16:colId xmlns:a16="http://schemas.microsoft.com/office/drawing/2014/main" val="3155879191"/>
+                    </a:ext>
+                  </a:extLst>
+                </a:gridCol>
+                <a:gridCol w="642385">
+                  <a:extLst>
+                    <a:ext uri="{9D8B030D-6E8A-4147-A177-3AD203B41FA5}">
+                      <a16:colId xmlns:a16="http://schemas.microsoft.com/office/drawing/2014/main" val="2611491143"/>
+                    </a:ext>
+                  </a:extLst>
+                </a:gridCol>
+                <a:gridCol w="642385">
+                  <a:extLst>
+                    <a:ext uri="{9D8B030D-6E8A-4147-A177-3AD203B41FA5}">
+                      <a16:colId xmlns:a16="http://schemas.microsoft.com/office/drawing/2014/main" val="2202869473"/>
+                    </a:ext>
+                  </a:extLst>
+                </a:gridCol>
+                <a:gridCol w="642385">
+                  <a:extLst>
+                    <a:ext uri="{9D8B030D-6E8A-4147-A177-3AD203B41FA5}">
+                      <a16:colId xmlns:a16="http://schemas.microsoft.com/office/drawing/2014/main" val="3548912312"/>
+                    </a:ext>
+                  </a:extLst>
+                </a:gridCol>
+                <a:gridCol w="642385">
+                  <a:extLst>
+                    <a:ext uri="{9D8B030D-6E8A-4147-A177-3AD203B41FA5}">
+                      <a16:colId xmlns:a16="http://schemas.microsoft.com/office/drawing/2014/main" val="1056997378"/>
+                    </a:ext>
+                  </a:extLst>
+                </a:gridCol>
+                <a:gridCol w="642385">
+                  <a:extLst>
+                    <a:ext uri="{9D8B030D-6E8A-4147-A177-3AD203B41FA5}">
+                      <a16:colId xmlns:a16="http://schemas.microsoft.com/office/drawing/2014/main" val="1919910284"/>
+                    </a:ext>
+                  </a:extLst>
+                </a:gridCol>
+              </a:tblGrid>
+              <a:tr h="476802">
+                <a:tc>
+                  <a:txBody>
+                    <a:bodyPr/>
+                    <a:lstStyle/>
+                    <a:p>
+                      <a:pPr latinLnBrk="1"/>
+                      <a:endParaRPr lang="ko-KR" altLang="en-US" dirty="0"/>
+                    </a:p>
+                  </a:txBody>
+                  <a:tcPr/>
+                </a:tc>
+                <a:tc>
+                  <a:txBody>
+                    <a:bodyPr/>
+                    <a:lstStyle/>
+                    <a:p>
+                      <a:pPr latinLnBrk="1"/>
+                      <a:endParaRPr lang="ko-KR" altLang="en-US"/>
+                    </a:p>
+                  </a:txBody>
+                  <a:tcPr/>
+                </a:tc>
+                <a:tc>
+                  <a:txBody>
+                    <a:bodyPr/>
+                    <a:lstStyle/>
+                    <a:p>
+                      <a:pPr latinLnBrk="1"/>
+                      <a:endParaRPr lang="ko-KR" altLang="en-US" dirty="0"/>
+                    </a:p>
+                  </a:txBody>
+                  <a:tcPr/>
+                </a:tc>
+                <a:tc>
+                  <a:txBody>
+                    <a:bodyPr/>
+                    <a:lstStyle/>
+                    <a:p>
+                      <a:pPr latinLnBrk="1"/>
+                      <a:endParaRPr lang="ko-KR" altLang="en-US"/>
+                    </a:p>
+                  </a:txBody>
+                  <a:tcPr/>
+                </a:tc>
+                <a:tc>
+                  <a:txBody>
+                    <a:bodyPr/>
+                    <a:lstStyle/>
+                    <a:p>
+                      <a:pPr latinLnBrk="1"/>
+                      <a:endParaRPr lang="ko-KR" altLang="en-US"/>
+                    </a:p>
+                  </a:txBody>
+                  <a:tcPr/>
+                </a:tc>
+                <a:tc>
+                  <a:txBody>
+                    <a:bodyPr/>
+                    <a:lstStyle/>
+                    <a:p>
+                      <a:pPr latinLnBrk="1"/>
+                      <a:endParaRPr lang="ko-KR" altLang="en-US"/>
+                    </a:p>
+                  </a:txBody>
+                  <a:tcPr/>
+                </a:tc>
+                <a:tc>
+                  <a:txBody>
+                    <a:bodyPr/>
+                    <a:lstStyle/>
+                    <a:p>
+                      <a:pPr latinLnBrk="1"/>
+                      <a:endParaRPr lang="ko-KR" altLang="en-US" dirty="0"/>
+                    </a:p>
+                  </a:txBody>
+                  <a:tcPr/>
+                </a:tc>
+                <a:extLst>
+                  <a:ext uri="{0D108BD9-81ED-4DB2-BD59-A6C34878D82A}">
+                    <a16:rowId xmlns:a16="http://schemas.microsoft.com/office/drawing/2014/main" val="150208060"/>
+                  </a:ext>
+                </a:extLst>
+              </a:tr>
+              <a:tr h="476802">
+                <a:tc>
+                  <a:txBody>
+                    <a:bodyPr/>
+                    <a:lstStyle/>
+                    <a:p>
+                      <a:pPr latinLnBrk="1"/>
+                      <a:endParaRPr lang="ko-KR" altLang="en-US"/>
+                    </a:p>
+                  </a:txBody>
+                  <a:tcPr/>
+                </a:tc>
+                <a:tc>
+                  <a:txBody>
+                    <a:bodyPr/>
+                    <a:lstStyle/>
+                    <a:p>
+                      <a:pPr latinLnBrk="1"/>
+                      <a:endParaRPr lang="ko-KR" altLang="en-US"/>
+                    </a:p>
+                  </a:txBody>
+                  <a:tcPr/>
+                </a:tc>
+                <a:tc>
+                  <a:txBody>
+                    <a:bodyPr/>
+                    <a:lstStyle/>
+                    <a:p>
+                      <a:pPr latinLnBrk="1"/>
+                      <a:endParaRPr lang="ko-KR" altLang="en-US"/>
+                    </a:p>
+                  </a:txBody>
+                  <a:tcPr/>
+                </a:tc>
+                <a:tc>
+                  <a:txBody>
+                    <a:bodyPr/>
+                    <a:lstStyle/>
+                    <a:p>
+                      <a:pPr latinLnBrk="1"/>
+                      <a:endParaRPr lang="ko-KR" altLang="en-US"/>
+                    </a:p>
+                  </a:txBody>
+                  <a:tcPr/>
+                </a:tc>
+                <a:tc>
+                  <a:txBody>
+                    <a:bodyPr/>
+                    <a:lstStyle/>
+                    <a:p>
+                      <a:pPr latinLnBrk="1"/>
+                      <a:endParaRPr lang="ko-KR" altLang="en-US"/>
+                    </a:p>
+                  </a:txBody>
+                  <a:tcPr/>
+                </a:tc>
+                <a:tc>
+                  <a:txBody>
+                    <a:bodyPr/>
+                    <a:lstStyle/>
+                    <a:p>
+                      <a:pPr latinLnBrk="1"/>
+                      <a:endParaRPr lang="ko-KR" altLang="en-US" dirty="0"/>
+                    </a:p>
+                  </a:txBody>
+                  <a:tcPr/>
+                </a:tc>
+                <a:tc>
+                  <a:txBody>
+                    <a:bodyPr/>
+                    <a:lstStyle/>
+                    <a:p>
+                      <a:pPr latinLnBrk="1"/>
+                      <a:endParaRPr lang="ko-KR" altLang="en-US"/>
+                    </a:p>
+                  </a:txBody>
+                  <a:tcPr/>
+                </a:tc>
+                <a:extLst>
+                  <a:ext uri="{0D108BD9-81ED-4DB2-BD59-A6C34878D82A}">
+                    <a16:rowId xmlns:a16="http://schemas.microsoft.com/office/drawing/2014/main" val="531105570"/>
+                  </a:ext>
+                </a:extLst>
+              </a:tr>
+              <a:tr h="476802">
+                <a:tc>
+                  <a:txBody>
+                    <a:bodyPr/>
+                    <a:lstStyle/>
+                    <a:p>
+                      <a:pPr latinLnBrk="1"/>
+                      <a:endParaRPr lang="ko-KR" altLang="en-US"/>
+                    </a:p>
+                  </a:txBody>
+                  <a:tcPr/>
+                </a:tc>
+                <a:tc>
+                  <a:txBody>
+                    <a:bodyPr/>
+                    <a:lstStyle/>
+                    <a:p>
+                      <a:pPr latinLnBrk="1"/>
+                      <a:endParaRPr lang="ko-KR" altLang="en-US"/>
+                    </a:p>
+                  </a:txBody>
+                  <a:tcPr/>
+                </a:tc>
+                <a:tc>
+                  <a:txBody>
+                    <a:bodyPr/>
+                    <a:lstStyle/>
+                    <a:p>
+                      <a:pPr latinLnBrk="1"/>
+                      <a:endParaRPr lang="ko-KR" altLang="en-US"/>
+                    </a:p>
+                  </a:txBody>
+                  <a:tcPr/>
+                </a:tc>
+                <a:tc>
+                  <a:txBody>
+                    <a:bodyPr/>
+                    <a:lstStyle/>
+                    <a:p>
+                      <a:pPr latinLnBrk="1"/>
+                      <a:endParaRPr lang="ko-KR" altLang="en-US"/>
+                    </a:p>
+                  </a:txBody>
+                  <a:tcPr/>
+                </a:tc>
+                <a:tc>
+                  <a:txBody>
+                    <a:bodyPr/>
+                    <a:lstStyle/>
+                    <a:p>
+                      <a:pPr latinLnBrk="1"/>
+                      <a:endParaRPr lang="ko-KR" altLang="en-US"/>
+                    </a:p>
+                  </a:txBody>
+                  <a:tcPr/>
+                </a:tc>
+                <a:tc>
+                  <a:txBody>
+                    <a:bodyPr/>
+                    <a:lstStyle/>
+                    <a:p>
+                      <a:pPr latinLnBrk="1"/>
+                      <a:endParaRPr lang="ko-KR" altLang="en-US"/>
+                    </a:p>
+                  </a:txBody>
+                  <a:tcPr/>
+                </a:tc>
+                <a:tc>
+                  <a:txBody>
+                    <a:bodyPr/>
+                    <a:lstStyle/>
+                    <a:p>
+                      <a:pPr latinLnBrk="1"/>
+                      <a:endParaRPr lang="ko-KR" altLang="en-US"/>
+                    </a:p>
+                  </a:txBody>
+                  <a:tcPr/>
+                </a:tc>
+                <a:extLst>
+                  <a:ext uri="{0D108BD9-81ED-4DB2-BD59-A6C34878D82A}">
+                    <a16:rowId xmlns:a16="http://schemas.microsoft.com/office/drawing/2014/main" val="3989207509"/>
+                  </a:ext>
+                </a:extLst>
+              </a:tr>
+              <a:tr h="476802">
+                <a:tc>
+                  <a:txBody>
+                    <a:bodyPr/>
+                    <a:lstStyle/>
+                    <a:p>
+                      <a:pPr latinLnBrk="1"/>
+                      <a:endParaRPr lang="ko-KR" altLang="en-US"/>
+                    </a:p>
+                  </a:txBody>
+                  <a:tcPr/>
+                </a:tc>
+                <a:tc>
+                  <a:txBody>
+                    <a:bodyPr/>
+                    <a:lstStyle/>
+                    <a:p>
+                      <a:pPr latinLnBrk="1"/>
+                      <a:endParaRPr lang="ko-KR" altLang="en-US"/>
+                    </a:p>
+                  </a:txBody>
+                  <a:tcPr/>
+                </a:tc>
+                <a:tc>
+                  <a:txBody>
+                    <a:bodyPr/>
+                    <a:lstStyle/>
+                    <a:p>
+                      <a:pPr latinLnBrk="1"/>
+                      <a:endParaRPr lang="ko-KR" altLang="en-US"/>
+                    </a:p>
+                  </a:txBody>
+                  <a:tcPr/>
+                </a:tc>
+                <a:tc>
+                  <a:txBody>
+                    <a:bodyPr/>
+                    <a:lstStyle/>
+                    <a:p>
+                      <a:pPr latinLnBrk="1"/>
+                      <a:endParaRPr lang="ko-KR" altLang="en-US"/>
+                    </a:p>
+                  </a:txBody>
+                  <a:tcPr/>
+                </a:tc>
+                <a:tc>
+                  <a:txBody>
+                    <a:bodyPr/>
+                    <a:lstStyle/>
+                    <a:p>
+                      <a:pPr latinLnBrk="1"/>
+                      <a:endParaRPr lang="ko-KR" altLang="en-US"/>
+                    </a:p>
+                  </a:txBody>
+                  <a:tcPr/>
+                </a:tc>
+                <a:tc>
+                  <a:txBody>
+                    <a:bodyPr/>
+                    <a:lstStyle/>
+                    <a:p>
+                      <a:pPr latinLnBrk="1"/>
+                      <a:endParaRPr lang="ko-KR" altLang="en-US"/>
+                    </a:p>
+                  </a:txBody>
+                  <a:tcPr/>
+                </a:tc>
+                <a:tc>
+                  <a:txBody>
+                    <a:bodyPr/>
+                    <a:lstStyle/>
+                    <a:p>
+                      <a:pPr latinLnBrk="1"/>
+                      <a:endParaRPr lang="ko-KR" altLang="en-US"/>
+                    </a:p>
+                  </a:txBody>
+                  <a:tcPr/>
+                </a:tc>
+                <a:extLst>
+                  <a:ext uri="{0D108BD9-81ED-4DB2-BD59-A6C34878D82A}">
+                    <a16:rowId xmlns:a16="http://schemas.microsoft.com/office/drawing/2014/main" val="3305292293"/>
+                  </a:ext>
+                </a:extLst>
+              </a:tr>
+              <a:tr h="476802">
+                <a:tc>
+                  <a:txBody>
+                    <a:bodyPr/>
+                    <a:lstStyle/>
+                    <a:p>
+                      <a:pPr latinLnBrk="1"/>
+                      <a:endParaRPr lang="ko-KR" altLang="en-US"/>
+                    </a:p>
+                  </a:txBody>
+                  <a:tcPr/>
+                </a:tc>
+                <a:tc>
+                  <a:txBody>
+                    <a:bodyPr/>
+                    <a:lstStyle/>
+                    <a:p>
+                      <a:pPr latinLnBrk="1"/>
+                      <a:endParaRPr lang="ko-KR" altLang="en-US" dirty="0"/>
+                    </a:p>
+                  </a:txBody>
+                  <a:tcPr/>
+                </a:tc>
+                <a:tc>
+                  <a:txBody>
+                    <a:bodyPr/>
+                    <a:lstStyle/>
+                    <a:p>
+                      <a:pPr latinLnBrk="1"/>
+                      <a:endParaRPr lang="ko-KR" altLang="en-US"/>
+                    </a:p>
+                  </a:txBody>
+                  <a:tcPr/>
+                </a:tc>
+                <a:tc>
+                  <a:txBody>
+                    <a:bodyPr/>
+                    <a:lstStyle/>
+                    <a:p>
+                      <a:pPr latinLnBrk="1"/>
+                      <a:endParaRPr lang="ko-KR" altLang="en-US"/>
+                    </a:p>
+                  </a:txBody>
+                  <a:tcPr/>
+                </a:tc>
+                <a:tc>
+                  <a:txBody>
+                    <a:bodyPr/>
+                    <a:lstStyle/>
+                    <a:p>
+                      <a:pPr latinLnBrk="1"/>
+                      <a:endParaRPr lang="ko-KR" altLang="en-US"/>
+                    </a:p>
+                  </a:txBody>
+                  <a:tcPr/>
+                </a:tc>
+                <a:tc>
+                  <a:txBody>
+                    <a:bodyPr/>
+                    <a:lstStyle/>
+                    <a:p>
+                      <a:pPr latinLnBrk="1"/>
+                      <a:endParaRPr lang="ko-KR" altLang="en-US"/>
+                    </a:p>
+                  </a:txBody>
+                  <a:tcPr/>
+                </a:tc>
+                <a:tc>
+                  <a:txBody>
+                    <a:bodyPr/>
+                    <a:lstStyle/>
+                    <a:p>
+                      <a:pPr latinLnBrk="1"/>
+                      <a:endParaRPr lang="ko-KR" altLang="en-US" dirty="0"/>
+                    </a:p>
+                  </a:txBody>
+                  <a:tcPr/>
+                </a:tc>
+                <a:extLst>
+                  <a:ext uri="{0D108BD9-81ED-4DB2-BD59-A6C34878D82A}">
+                    <a16:rowId xmlns:a16="http://schemas.microsoft.com/office/drawing/2014/main" val="3603585483"/>
+                  </a:ext>
+                </a:extLst>
+              </a:tr>
+            </a:tbl>
+          </a:graphicData>
+        </a:graphic>
+      </p:graphicFrame>
+      <p:sp>
+        <p:nvSpPr>
+          <p:cNvPr id="5" name="TextBox 4"/>
+          <p:cNvSpPr txBox="1"/>
+          <p:nvPr/>
+        </p:nvSpPr>
+        <p:spPr>
+          <a:xfrm>
+            <a:off x="521114" y="1459502"/>
+            <a:ext cx="2078247" cy="307777"/>
+          </a:xfrm>
+          <a:prstGeom prst="rect">
+            <a:avLst/>
+          </a:prstGeom>
+          <a:noFill/>
+        </p:spPr>
+        <p:txBody>
+          <a:bodyPr wrap="square" rtlCol="0">
+            <a:spAutoFit/>
+          </a:bodyPr>
+          <a:lstStyle/>
+          <a:p>
+            <a:r>
+              <a:rPr lang="ko-KR" altLang="en-US" sz="1400" b="1" dirty="0" err="1" smtClean="0"/>
+              <a:t>물리주소</a:t>
+            </a:r>
+            <a:r>
+              <a:rPr lang="ko-KR" altLang="en-US" sz="1400" b="1" dirty="0" smtClean="0"/>
+              <a:t> 변환 예시</a:t>
+            </a:r>
+            <a:r>
+              <a:rPr lang="en-US" altLang="ko-KR" sz="1400" b="1" dirty="0" smtClean="0"/>
+              <a:t>)</a:t>
+            </a:r>
+            <a:endParaRPr lang="ko-KR" altLang="en-US" sz="1400" b="1" dirty="0"/>
+          </a:p>
+        </p:txBody>
+      </p:sp>
+      <p:sp>
+        <p:nvSpPr>
+          <p:cNvPr id="25" name="TextBox 24">
+            <a:extLst>
+              <a:ext uri="{FF2B5EF4-FFF2-40B4-BE49-F238E27FC236}">
+                <a16:creationId xmlns:a16="http://schemas.microsoft.com/office/drawing/2014/main" id="{F7733CBC-695C-575A-C4D6-B6D70BEDAD1E}"/>
+              </a:ext>
+            </a:extLst>
+          </p:cNvPr>
+          <p:cNvSpPr txBox="1"/>
+          <p:nvPr/>
+        </p:nvSpPr>
+        <p:spPr>
+          <a:xfrm>
+            <a:off x="4598587" y="3908178"/>
+            <a:ext cx="1481070" cy="307777"/>
+          </a:xfrm>
+          <a:prstGeom prst="rect">
+            <a:avLst/>
+          </a:prstGeom>
+          <a:solidFill>
+            <a:schemeClr val="bg1"/>
+          </a:solidFill>
+          <a:ln>
+            <a:solidFill>
+              <a:schemeClr val="tx1"/>
+            </a:solidFill>
+          </a:ln>
+        </p:spPr>
+        <p:txBody>
+          <a:bodyPr wrap="square" rtlCol="0">
+            <a:spAutoFit/>
+          </a:bodyPr>
+          <a:lstStyle/>
+          <a:p>
+            <a:pPr algn="ctr"/>
+            <a:r>
+              <a:rPr kumimoji="1" lang="en-US" altLang="ko-KR" sz="1400" b="1" dirty="0"/>
+              <a:t>32bit </a:t>
+            </a:r>
+            <a:r>
+              <a:rPr kumimoji="1" lang="ko-KR" altLang="en-US" sz="1400" b="1" dirty="0"/>
+              <a:t>체계</a:t>
+            </a:r>
+          </a:p>
+        </p:txBody>
+      </p:sp>
+      <p:cxnSp>
+        <p:nvCxnSpPr>
+          <p:cNvPr id="10" name="직선 화살표 연결선 9"/>
+          <p:cNvCxnSpPr/>
+          <p:nvPr/>
+        </p:nvCxnSpPr>
+        <p:spPr>
+          <a:xfrm flipV="1">
+            <a:off x="1589628" y="3615282"/>
+            <a:ext cx="3411020" cy="0"/>
+          </a:xfrm>
+          <a:prstGeom prst="straightConnector1">
+            <a:avLst/>
+          </a:prstGeom>
+          <a:ln>
+            <a:tailEnd type="triangle"/>
+          </a:ln>
+        </p:spPr>
+        <p:style>
+          <a:lnRef idx="1">
+            <a:schemeClr val="accent1"/>
+          </a:lnRef>
+          <a:fillRef idx="0">
+            <a:schemeClr val="accent1"/>
+          </a:fillRef>
+          <a:effectRef idx="0">
+            <a:schemeClr val="accent1"/>
+          </a:effectRef>
+          <a:fontRef idx="minor">
+            <a:schemeClr val="tx1"/>
+          </a:fontRef>
+        </p:style>
+      </p:cxnSp>
+      <p:cxnSp>
+        <p:nvCxnSpPr>
+          <p:cNvPr id="27" name="직선 화살표 연결선 26"/>
+          <p:cNvCxnSpPr/>
+          <p:nvPr/>
+        </p:nvCxnSpPr>
+        <p:spPr>
+          <a:xfrm>
+            <a:off x="5216405" y="1924239"/>
+            <a:ext cx="0" cy="1669670"/>
+          </a:xfrm>
+          <a:prstGeom prst="straightConnector1">
+            <a:avLst/>
+          </a:prstGeom>
+          <a:ln>
+            <a:tailEnd type="triangle"/>
+          </a:ln>
+        </p:spPr>
+        <p:style>
+          <a:lnRef idx="1">
+            <a:schemeClr val="accent1"/>
+          </a:lnRef>
+          <a:fillRef idx="0">
+            <a:schemeClr val="accent1"/>
+          </a:fillRef>
+          <a:effectRef idx="0">
+            <a:schemeClr val="accent1"/>
+          </a:effectRef>
+          <a:fontRef idx="minor">
+            <a:schemeClr val="tx1"/>
+          </a:fontRef>
+        </p:style>
+      </p:cxnSp>
+      <p:sp>
+        <p:nvSpPr>
+          <p:cNvPr id="15" name="TextBox 14"/>
+          <p:cNvSpPr txBox="1"/>
+          <p:nvPr/>
+        </p:nvSpPr>
+        <p:spPr>
+          <a:xfrm>
+            <a:off x="664954" y="3477139"/>
+            <a:ext cx="1232899" cy="276999"/>
+          </a:xfrm>
+          <a:prstGeom prst="rect">
+            <a:avLst/>
+          </a:prstGeom>
+          <a:noFill/>
+        </p:spPr>
+        <p:txBody>
+          <a:bodyPr wrap="square" rtlCol="0">
+            <a:spAutoFit/>
+          </a:bodyPr>
+          <a:lstStyle/>
+          <a:p>
+            <a:r>
+              <a:rPr lang="en-US" altLang="ko-KR" sz="1200" b="1" dirty="0" smtClean="0"/>
+              <a:t>18</a:t>
+            </a:r>
+            <a:r>
+              <a:rPr lang="en-US" altLang="ko-KR" sz="1200" b="1" baseline="30000" dirty="0" smtClean="0"/>
+              <a:t>th</a:t>
+            </a:r>
+            <a:r>
+              <a:rPr lang="en-US" altLang="ko-KR" sz="1200" b="1" dirty="0" smtClean="0"/>
+              <a:t> Row</a:t>
+            </a:r>
+            <a:endParaRPr lang="ko-KR" altLang="en-US" sz="1200" b="1" dirty="0"/>
+          </a:p>
+        </p:txBody>
+      </p:sp>
+      <p:sp>
+        <p:nvSpPr>
+          <p:cNvPr id="31" name="TextBox 30"/>
+          <p:cNvSpPr txBox="1"/>
+          <p:nvPr/>
+        </p:nvSpPr>
+        <p:spPr>
+          <a:xfrm>
+            <a:off x="4585700" y="1625071"/>
+            <a:ext cx="1594206" cy="276999"/>
+          </a:xfrm>
+          <a:prstGeom prst="rect">
+            <a:avLst/>
+          </a:prstGeom>
+          <a:noFill/>
+        </p:spPr>
+        <p:txBody>
+          <a:bodyPr wrap="square" rtlCol="0">
+            <a:spAutoFit/>
+          </a:bodyPr>
+          <a:lstStyle/>
+          <a:p>
+            <a:r>
+              <a:rPr lang="en-US" altLang="ko-KR" sz="1200" b="1" dirty="0" smtClean="0"/>
+              <a:t>13654</a:t>
+            </a:r>
+            <a:r>
+              <a:rPr lang="en-US" altLang="ko-KR" sz="1200" b="1" baseline="30000" dirty="0" smtClean="0"/>
+              <a:t>th</a:t>
+            </a:r>
+            <a:r>
+              <a:rPr lang="en-US" altLang="ko-KR" sz="1200" b="1" dirty="0" smtClean="0"/>
+              <a:t> Column</a:t>
+            </a:r>
+            <a:endParaRPr lang="ko-KR" altLang="en-US" sz="1200" b="1" dirty="0"/>
+          </a:p>
+        </p:txBody>
+      </p:sp>
+      <p:sp>
+        <p:nvSpPr>
+          <p:cNvPr id="16" name="TextBox 15"/>
+          <p:cNvSpPr txBox="1"/>
+          <p:nvPr/>
+        </p:nvSpPr>
+        <p:spPr>
+          <a:xfrm>
+            <a:off x="6477038" y="1722956"/>
+            <a:ext cx="4545123" cy="307777"/>
+          </a:xfrm>
+          <a:prstGeom prst="rect">
+            <a:avLst/>
+          </a:prstGeom>
+          <a:noFill/>
+        </p:spPr>
+        <p:txBody>
+          <a:bodyPr wrap="square" rtlCol="0">
+            <a:spAutoFit/>
+          </a:bodyPr>
+          <a:lstStyle/>
+          <a:p>
+            <a:r>
+              <a:rPr lang="ko-KR" altLang="en-US" sz="1400" b="1" dirty="0" err="1" smtClean="0"/>
+              <a:t>물리주소를</a:t>
+            </a:r>
+            <a:r>
+              <a:rPr lang="ko-KR" altLang="en-US" sz="1400" b="1" dirty="0" smtClean="0"/>
+              <a:t> 다음과 같이 해석할 수 있다</a:t>
+            </a:r>
+            <a:r>
+              <a:rPr lang="en-US" altLang="ko-KR" sz="1400" b="1" dirty="0" smtClean="0"/>
+              <a:t>.</a:t>
+            </a:r>
+            <a:endParaRPr lang="ko-KR" altLang="en-US" sz="1400" b="1" dirty="0"/>
+          </a:p>
+        </p:txBody>
+      </p:sp>
+      <p:cxnSp>
+        <p:nvCxnSpPr>
+          <p:cNvPr id="29" name="직선 연결선 28"/>
+          <p:cNvCxnSpPr/>
+          <p:nvPr/>
+        </p:nvCxnSpPr>
+        <p:spPr>
+          <a:xfrm flipV="1">
+            <a:off x="113016" y="4674742"/>
+            <a:ext cx="11835829" cy="0"/>
+          </a:xfrm>
+          <a:prstGeom prst="line">
+            <a:avLst/>
+          </a:prstGeom>
+          <a:ln>
+            <a:prstDash val="dash"/>
+          </a:ln>
+        </p:spPr>
+        <p:style>
+          <a:lnRef idx="1">
+            <a:schemeClr val="accent1"/>
+          </a:lnRef>
+          <a:fillRef idx="0">
+            <a:schemeClr val="accent1"/>
+          </a:fillRef>
+          <a:effectRef idx="0">
+            <a:schemeClr val="accent1"/>
+          </a:effectRef>
+          <a:fontRef idx="minor">
+            <a:schemeClr val="tx1"/>
+          </a:fontRef>
+        </p:style>
+      </p:cxnSp>
+      <p:sp>
+        <p:nvSpPr>
+          <p:cNvPr id="36" name="TextBox 35"/>
+          <p:cNvSpPr txBox="1"/>
+          <p:nvPr/>
+        </p:nvSpPr>
+        <p:spPr>
+          <a:xfrm>
+            <a:off x="260556" y="4504438"/>
+            <a:ext cx="1637297" cy="307777"/>
+          </a:xfrm>
+          <a:prstGeom prst="rect">
+            <a:avLst/>
+          </a:prstGeom>
+          <a:solidFill>
+            <a:schemeClr val="bg1"/>
+          </a:solidFill>
+          <a:ln>
+            <a:solidFill>
+              <a:schemeClr val="tx1"/>
+            </a:solidFill>
+          </a:ln>
+        </p:spPr>
+        <p:txBody>
+          <a:bodyPr wrap="square" rtlCol="0">
+            <a:spAutoFit/>
+          </a:bodyPr>
+          <a:lstStyle/>
+          <a:p>
+            <a:pPr algn="ctr"/>
+            <a:r>
+              <a:rPr lang="en-US" altLang="ko-KR" sz="1400" dirty="0" smtClean="0"/>
+              <a:t>H/W Level</a:t>
+            </a:r>
+            <a:r>
+              <a:rPr lang="ko-KR" altLang="en-US" sz="1400" dirty="0" smtClean="0"/>
+              <a:t>의 이해</a:t>
+            </a:r>
+            <a:endParaRPr lang="ko-KR" altLang="en-US" sz="1400" dirty="0"/>
+          </a:p>
+        </p:txBody>
+      </p:sp>
+      <p:grpSp>
+        <p:nvGrpSpPr>
+          <p:cNvPr id="53" name="그룹 52"/>
+          <p:cNvGrpSpPr/>
+          <p:nvPr/>
+        </p:nvGrpSpPr>
+        <p:grpSpPr>
+          <a:xfrm>
+            <a:off x="1143626" y="4978192"/>
+            <a:ext cx="9348500" cy="1753545"/>
+            <a:chOff x="1143626" y="4978192"/>
+            <a:chExt cx="9348500" cy="1753545"/>
+          </a:xfrm>
+        </p:grpSpPr>
+        <p:pic>
+          <p:nvPicPr>
+            <p:cNvPr id="33" name="그림 32"/>
+            <p:cNvPicPr>
+              <a:picLocks noChangeAspect="1"/>
+            </p:cNvPicPr>
+            <p:nvPr/>
+          </p:nvPicPr>
+          <p:blipFill>
+            <a:blip r:embed="rId4">
+              <a:extLst>
+                <a:ext uri="{28A0092B-C50C-407E-A947-70E740481C1C}">
+                  <a14:useLocalDpi xmlns:a14="http://schemas.microsoft.com/office/drawing/2010/main" val="0"/>
+                </a:ext>
+              </a:extLst>
+            </a:blip>
+            <a:stretch>
+              <a:fillRect/>
+            </a:stretch>
+          </p:blipFill>
+          <p:spPr>
+            <a:xfrm>
+              <a:off x="1143626" y="5147869"/>
+              <a:ext cx="1374910" cy="1400068"/>
+            </a:xfrm>
+            <a:prstGeom prst="rect">
+              <a:avLst/>
+            </a:prstGeom>
+            <a:scene3d>
+              <a:camera prst="perspectiveRelaxed"/>
+              <a:lightRig rig="threePt" dir="t"/>
+            </a:scene3d>
+          </p:spPr>
+        </p:pic>
+        <p:sp>
+          <p:nvSpPr>
+            <p:cNvPr id="35" name="TextBox 34"/>
+            <p:cNvSpPr txBox="1"/>
+            <p:nvPr/>
+          </p:nvSpPr>
+          <p:spPr>
+            <a:xfrm>
+              <a:off x="1612895" y="4978192"/>
+              <a:ext cx="549622" cy="276999"/>
+            </a:xfrm>
+            <a:prstGeom prst="rect">
+              <a:avLst/>
+            </a:prstGeom>
+            <a:noFill/>
+            <a:scene3d>
+              <a:camera prst="isometricOffAxis2Left"/>
+              <a:lightRig rig="threePt" dir="t"/>
+            </a:scene3d>
+          </p:spPr>
+          <p:txBody>
+            <a:bodyPr wrap="square" rtlCol="0">
+              <a:spAutoFit/>
+            </a:bodyPr>
+            <a:lstStyle/>
+            <a:p>
+              <a:pPr algn="ctr"/>
+              <a:r>
+                <a:rPr lang="en-US" altLang="ko-KR" sz="1200" b="1" dirty="0">
+                  <a:latin typeface="Times New Roman" panose="02020603050405020304" pitchFamily="18" charset="0"/>
+                  <a:cs typeface="Times New Roman" panose="02020603050405020304" pitchFamily="18" charset="0"/>
+                </a:rPr>
+                <a:t>CPU</a:t>
+              </a:r>
+            </a:p>
+          </p:txBody>
+        </p:sp>
+        <p:sp>
+          <p:nvSpPr>
+            <p:cNvPr id="26" name="직사각형 25"/>
+            <p:cNvSpPr/>
+            <p:nvPr/>
+          </p:nvSpPr>
+          <p:spPr>
+            <a:xfrm>
+              <a:off x="3893446" y="5266656"/>
+              <a:ext cx="1407560" cy="1068513"/>
+            </a:xfrm>
+            <a:prstGeom prst="rect">
+              <a:avLst/>
+            </a:prstGeom>
+            <a:noFill/>
+            <a:ln>
+              <a:solidFill>
+                <a:schemeClr val="tx1"/>
+              </a:solidFill>
+            </a:ln>
+          </p:spPr>
+          <p:style>
+            <a:lnRef idx="2">
+              <a:schemeClr val="accent1">
+                <a:shade val="50000"/>
+              </a:schemeClr>
+            </a:lnRef>
+            <a:fillRef idx="1">
+              <a:schemeClr val="accent1"/>
+            </a:fillRef>
+            <a:effectRef idx="0">
+              <a:schemeClr val="accent1"/>
+            </a:effectRef>
+            <a:fontRef idx="minor">
+              <a:schemeClr val="lt1"/>
+            </a:fontRef>
+          </p:style>
+          <p:txBody>
+            <a:bodyPr rtlCol="0" anchor="ctr"/>
+            <a:lstStyle/>
+            <a:p>
+              <a:pPr algn="ctr"/>
+              <a:r>
+                <a:rPr lang="en-US" altLang="ko-KR" dirty="0" smtClean="0">
+                  <a:solidFill>
+                    <a:schemeClr val="tx1"/>
+                  </a:solidFill>
+                </a:rPr>
+                <a:t>MMU</a:t>
+              </a:r>
+              <a:endParaRPr lang="ko-KR" altLang="en-US" dirty="0">
+                <a:solidFill>
+                  <a:schemeClr val="tx1"/>
+                </a:solidFill>
+              </a:endParaRPr>
+            </a:p>
+          </p:txBody>
+        </p:sp>
+        <p:cxnSp>
+          <p:nvCxnSpPr>
+            <p:cNvPr id="38" name="직선 화살표 연결선 37"/>
+            <p:cNvCxnSpPr>
+              <a:endCxn id="26" idx="1"/>
+            </p:cNvCxnSpPr>
+            <p:nvPr/>
+          </p:nvCxnSpPr>
+          <p:spPr>
+            <a:xfrm>
+              <a:off x="2646519" y="5800913"/>
+              <a:ext cx="1246927" cy="0"/>
+            </a:xfrm>
+            <a:prstGeom prst="straightConnector1">
+              <a:avLst/>
+            </a:prstGeom>
+            <a:ln>
+              <a:tailEnd type="triangle"/>
+            </a:ln>
+          </p:spPr>
+          <p:style>
+            <a:lnRef idx="1">
+              <a:schemeClr val="dk1"/>
+            </a:lnRef>
+            <a:fillRef idx="0">
+              <a:schemeClr val="dk1"/>
+            </a:fillRef>
+            <a:effectRef idx="0">
+              <a:schemeClr val="dk1"/>
+            </a:effectRef>
+            <a:fontRef idx="minor">
+              <a:schemeClr val="tx1"/>
+            </a:fontRef>
+          </p:style>
+        </p:cxnSp>
+        <p:cxnSp>
+          <p:nvCxnSpPr>
+            <p:cNvPr id="43" name="직선 화살표 연결선 42"/>
+            <p:cNvCxnSpPr>
+              <a:stCxn id="26" idx="3"/>
+            </p:cNvCxnSpPr>
+            <p:nvPr/>
+          </p:nvCxnSpPr>
+          <p:spPr>
+            <a:xfrm>
+              <a:off x="5301006" y="5800913"/>
+              <a:ext cx="1188000" cy="0"/>
+            </a:xfrm>
+            <a:prstGeom prst="straightConnector1">
+              <a:avLst/>
+            </a:prstGeom>
+            <a:ln>
+              <a:tailEnd type="triangle"/>
+            </a:ln>
+          </p:spPr>
+          <p:style>
+            <a:lnRef idx="1">
+              <a:schemeClr val="dk1"/>
+            </a:lnRef>
+            <a:fillRef idx="0">
+              <a:schemeClr val="dk1"/>
+            </a:fillRef>
+            <a:effectRef idx="0">
+              <a:schemeClr val="dk1"/>
+            </a:effectRef>
+            <a:fontRef idx="minor">
+              <a:schemeClr val="tx1"/>
+            </a:fontRef>
+          </p:style>
+        </p:cxnSp>
+        <p:sp>
+          <p:nvSpPr>
+            <p:cNvPr id="40" name="TextBox 39"/>
+            <p:cNvSpPr txBox="1"/>
+            <p:nvPr/>
+          </p:nvSpPr>
+          <p:spPr>
+            <a:xfrm>
+              <a:off x="2773305" y="5373567"/>
+              <a:ext cx="980738" cy="307777"/>
+            </a:xfrm>
+            <a:prstGeom prst="rect">
+              <a:avLst/>
+            </a:prstGeom>
+            <a:noFill/>
+          </p:spPr>
+          <p:txBody>
+            <a:bodyPr wrap="square" rtlCol="0">
+              <a:spAutoFit/>
+            </a:bodyPr>
+            <a:lstStyle/>
+            <a:p>
+              <a:r>
+                <a:rPr lang="ko-KR" altLang="en-US" sz="1400" b="1" dirty="0" smtClean="0"/>
+                <a:t>논리 주소</a:t>
+              </a:r>
+              <a:endParaRPr lang="ko-KR" altLang="en-US" sz="1400" b="1" dirty="0"/>
+            </a:p>
+          </p:txBody>
+        </p:sp>
+        <p:sp>
+          <p:nvSpPr>
+            <p:cNvPr id="47" name="TextBox 46"/>
+            <p:cNvSpPr txBox="1"/>
+            <p:nvPr/>
+          </p:nvSpPr>
+          <p:spPr>
+            <a:xfrm>
+              <a:off x="5404637" y="5370013"/>
+              <a:ext cx="980738" cy="307777"/>
+            </a:xfrm>
+            <a:prstGeom prst="rect">
+              <a:avLst/>
+            </a:prstGeom>
+            <a:noFill/>
+          </p:spPr>
+          <p:txBody>
+            <a:bodyPr wrap="square" rtlCol="0">
+              <a:spAutoFit/>
+            </a:bodyPr>
+            <a:lstStyle/>
+            <a:p>
+              <a:r>
+                <a:rPr lang="ko-KR" altLang="en-US" sz="1400" b="1" dirty="0" smtClean="0"/>
+                <a:t>물리 주소</a:t>
+              </a:r>
+              <a:endParaRPr lang="ko-KR" altLang="en-US" sz="1400" b="1" dirty="0"/>
+            </a:p>
+          </p:txBody>
+        </p:sp>
+        <p:sp>
+          <p:nvSpPr>
+            <p:cNvPr id="48" name="직사각형 47"/>
+            <p:cNvSpPr/>
+            <p:nvPr/>
+          </p:nvSpPr>
+          <p:spPr>
+            <a:xfrm>
+              <a:off x="6489006" y="5266655"/>
+              <a:ext cx="1407560" cy="1068513"/>
+            </a:xfrm>
+            <a:prstGeom prst="rect">
+              <a:avLst/>
+            </a:prstGeom>
+            <a:noFill/>
+            <a:ln>
+              <a:solidFill>
+                <a:schemeClr val="tx1"/>
+              </a:solidFill>
+            </a:ln>
+          </p:spPr>
+          <p:style>
+            <a:lnRef idx="2">
+              <a:schemeClr val="accent1">
+                <a:shade val="50000"/>
+              </a:schemeClr>
+            </a:lnRef>
+            <a:fillRef idx="1">
+              <a:schemeClr val="accent1"/>
+            </a:fillRef>
+            <a:effectRef idx="0">
+              <a:schemeClr val="accent1"/>
+            </a:effectRef>
+            <a:fontRef idx="minor">
+              <a:schemeClr val="lt1"/>
+            </a:fontRef>
+          </p:style>
+          <p:txBody>
+            <a:bodyPr rtlCol="0" anchor="ctr"/>
+            <a:lstStyle/>
+            <a:p>
+              <a:pPr algn="ctr"/>
+              <a:r>
+                <a:rPr lang="en-US" altLang="ko-KR" dirty="0" smtClean="0">
+                  <a:solidFill>
+                    <a:schemeClr val="tx1"/>
+                  </a:solidFill>
+                </a:rPr>
+                <a:t>Memory Controller</a:t>
+              </a:r>
+              <a:endParaRPr lang="ko-KR" altLang="en-US" dirty="0">
+                <a:solidFill>
+                  <a:schemeClr val="tx1"/>
+                </a:solidFill>
+              </a:endParaRPr>
+            </a:p>
+          </p:txBody>
+        </p:sp>
+        <p:sp>
+          <p:nvSpPr>
+            <p:cNvPr id="49" name="직사각형 48"/>
+            <p:cNvSpPr/>
+            <p:nvPr/>
+          </p:nvSpPr>
+          <p:spPr>
+            <a:xfrm>
+              <a:off x="9084566" y="5255191"/>
+              <a:ext cx="1407560" cy="1068513"/>
+            </a:xfrm>
+            <a:prstGeom prst="rect">
+              <a:avLst/>
+            </a:prstGeom>
+            <a:noFill/>
+            <a:ln>
+              <a:solidFill>
+                <a:schemeClr val="tx1"/>
+              </a:solidFill>
+            </a:ln>
+          </p:spPr>
+          <p:style>
+            <a:lnRef idx="2">
+              <a:schemeClr val="accent1">
+                <a:shade val="50000"/>
+              </a:schemeClr>
+            </a:lnRef>
+            <a:fillRef idx="1">
+              <a:schemeClr val="accent1"/>
+            </a:fillRef>
+            <a:effectRef idx="0">
+              <a:schemeClr val="accent1"/>
+            </a:effectRef>
+            <a:fontRef idx="minor">
+              <a:schemeClr val="lt1"/>
+            </a:fontRef>
+          </p:style>
+          <p:txBody>
+            <a:bodyPr rtlCol="0" anchor="ctr"/>
+            <a:lstStyle/>
+            <a:p>
+              <a:pPr algn="ctr"/>
+              <a:r>
+                <a:rPr lang="en-US" altLang="ko-KR" dirty="0" smtClean="0">
+                  <a:solidFill>
+                    <a:schemeClr val="tx1"/>
+                  </a:solidFill>
+                </a:rPr>
+                <a:t>RAM</a:t>
+              </a:r>
+              <a:endParaRPr lang="ko-KR" altLang="en-US" dirty="0">
+                <a:solidFill>
+                  <a:schemeClr val="tx1"/>
+                </a:solidFill>
+              </a:endParaRPr>
+            </a:p>
+          </p:txBody>
+        </p:sp>
+        <p:cxnSp>
+          <p:nvCxnSpPr>
+            <p:cNvPr id="50" name="직선 화살표 연결선 49"/>
+            <p:cNvCxnSpPr/>
+            <p:nvPr/>
+          </p:nvCxnSpPr>
+          <p:spPr>
+            <a:xfrm>
+              <a:off x="7896566" y="5789447"/>
+              <a:ext cx="1188000" cy="0"/>
+            </a:xfrm>
+            <a:prstGeom prst="straightConnector1">
+              <a:avLst/>
+            </a:prstGeom>
+            <a:ln>
+              <a:tailEnd type="triangle"/>
+            </a:ln>
+          </p:spPr>
+          <p:style>
+            <a:lnRef idx="1">
+              <a:schemeClr val="dk1"/>
+            </a:lnRef>
+            <a:fillRef idx="0">
+              <a:schemeClr val="dk1"/>
+            </a:fillRef>
+            <a:effectRef idx="0">
+              <a:schemeClr val="dk1"/>
+            </a:effectRef>
+            <a:fontRef idx="minor">
+              <a:schemeClr val="tx1"/>
+            </a:fontRef>
+          </p:style>
+        </p:cxnSp>
+        <p:sp>
+          <p:nvSpPr>
+            <p:cNvPr id="51" name="TextBox 50"/>
+            <p:cNvSpPr txBox="1"/>
+            <p:nvPr/>
+          </p:nvSpPr>
+          <p:spPr>
+            <a:xfrm>
+              <a:off x="8000197" y="5380164"/>
+              <a:ext cx="980738" cy="307777"/>
+            </a:xfrm>
+            <a:prstGeom prst="rect">
+              <a:avLst/>
+            </a:prstGeom>
+            <a:noFill/>
+          </p:spPr>
+          <p:txBody>
+            <a:bodyPr wrap="square" rtlCol="0">
+              <a:spAutoFit/>
+            </a:bodyPr>
+            <a:lstStyle/>
+            <a:p>
+              <a:r>
+                <a:rPr lang="ko-KR" altLang="en-US" sz="1400" b="1" dirty="0" smtClean="0"/>
+                <a:t>좌표 변환</a:t>
+              </a:r>
+              <a:endParaRPr lang="ko-KR" altLang="en-US" sz="1400" b="1" dirty="0"/>
+            </a:p>
+          </p:txBody>
+        </p:sp>
+        <p:sp>
+          <p:nvSpPr>
+            <p:cNvPr id="52" name="TextBox 51"/>
+            <p:cNvSpPr txBox="1"/>
+            <p:nvPr/>
+          </p:nvSpPr>
+          <p:spPr>
+            <a:xfrm>
+              <a:off x="3893446" y="6454738"/>
+              <a:ext cx="1410426" cy="276999"/>
+            </a:xfrm>
+            <a:prstGeom prst="rect">
+              <a:avLst/>
+            </a:prstGeom>
+            <a:noFill/>
+          </p:spPr>
+          <p:txBody>
+            <a:bodyPr wrap="square" rtlCol="0">
+              <a:spAutoFit/>
+            </a:bodyPr>
+            <a:lstStyle/>
+            <a:p>
+              <a:pPr algn="ctr"/>
+              <a:r>
+                <a:rPr lang="en-US" altLang="ko-KR" sz="1200" b="1" smtClean="0"/>
+                <a:t>Page Table </a:t>
+              </a:r>
+              <a:r>
+                <a:rPr lang="ko-KR" altLang="en-US" sz="1200" b="1" dirty="0" smtClean="0"/>
+                <a:t>참조</a:t>
+              </a:r>
+              <a:endParaRPr lang="ko-KR" altLang="en-US" sz="1200" b="1" dirty="0"/>
+            </a:p>
+          </p:txBody>
+        </p:sp>
+      </p:grpSp>
     </p:spTree>
     <p:extLst>
       <p:ext uri="{BB962C8B-B14F-4D97-AF65-F5344CB8AC3E}">
-        <p14:creationId xmlns:p14="http://schemas.microsoft.com/office/powerpoint/2010/main" val="3845688607"/>
+        <p14:creationId xmlns:p14="http://schemas.microsoft.com/office/powerpoint/2010/main" val="1994751717"/>
       </p:ext>
     </p:extLst>
   </p:cSld>
@@ -22607,10 +26454,10 @@
       </p:grpSpPr>
       <p:sp>
         <p:nvSpPr>
-          <p:cNvPr id="9" name="TextBox 8">
+          <p:cNvPr id="20" name="TextBox 19">
             <a:extLst>
               <a:ext uri="{FF2B5EF4-FFF2-40B4-BE49-F238E27FC236}">
-                <a16:creationId xmlns:a16="http://schemas.microsoft.com/office/drawing/2014/main" id="{469A5102-9AC4-9D35-F992-CE99846FB09B}"/>
+                <a16:creationId xmlns:a16="http://schemas.microsoft.com/office/drawing/2014/main" id="{24A8B8FC-ED97-BD8A-4C78-CFA67C8E63C0}"/>
               </a:ext>
             </a:extLst>
           </p:cNvPr>
@@ -22619,8 +26466,8 @@
         </p:nvSpPr>
         <p:spPr>
           <a:xfrm>
-            <a:off x="1738489" y="2875002"/>
-            <a:ext cx="8715022" cy="553998"/>
+            <a:off x="283336" y="231820"/>
+            <a:ext cx="11049060" cy="338554"/>
           </a:xfrm>
           <a:prstGeom prst="rect">
             <a:avLst/>
@@ -22633,58 +26480,42 @@
           </a:bodyPr>
           <a:lstStyle/>
           <a:p>
-            <a:pPr algn="ctr"/>
-            <a:r>
-              <a:rPr kumimoji="1" lang="ko-KR" altLang="en-US" sz="3000" dirty="0"/>
-              <a:t>데이터를 통한 소프트웨어의 관리체계</a:t>
-            </a:r>
-          </a:p>
-        </p:txBody>
-      </p:sp>
-      <p:sp>
-        <p:nvSpPr>
-          <p:cNvPr id="2" name="TextBox 1">
-            <a:extLst>
-              <a:ext uri="{FF2B5EF4-FFF2-40B4-BE49-F238E27FC236}">
-                <a16:creationId xmlns:a16="http://schemas.microsoft.com/office/drawing/2014/main" id="{862B9895-80EE-8087-2E9B-2F064D5BB040}"/>
-              </a:ext>
-            </a:extLst>
-          </p:cNvPr>
-          <p:cNvSpPr txBox="1"/>
-          <p:nvPr/>
-        </p:nvSpPr>
-        <p:spPr>
-          <a:xfrm>
-            <a:off x="2550415" y="3715794"/>
-            <a:ext cx="7091170" cy="369332"/>
-          </a:xfrm>
-          <a:prstGeom prst="rect">
-            <a:avLst/>
-          </a:prstGeom>
-          <a:noFill/>
-        </p:spPr>
-        <p:txBody>
-          <a:bodyPr wrap="square" rtlCol="0">
-            <a:spAutoFit/>
-          </a:bodyPr>
-          <a:lstStyle/>
-          <a:p>
-            <a:r>
-              <a:rPr kumimoji="1" lang="ko-KR" altLang="en-US" dirty="0"/>
-              <a:t>주제</a:t>
-            </a:r>
-            <a:r>
-              <a:rPr kumimoji="1" lang="en-US" altLang="ko-KR" dirty="0"/>
-              <a:t>:</a:t>
-            </a:r>
-            <a:endParaRPr kumimoji="1" lang="ko-KR" altLang="en-US" dirty="0"/>
+            <a:r>
+              <a:rPr kumimoji="1" lang="en-US" altLang="ko-KR" sz="1600" b="1" dirty="0" smtClean="0"/>
+              <a:t>Q.3.2 </a:t>
+            </a:r>
+            <a:r>
+              <a:rPr kumimoji="1" lang="ko-KR" altLang="en-US" sz="1600" b="1" dirty="0" err="1" smtClean="0"/>
+              <a:t>파생질문</a:t>
+            </a:r>
+            <a:r>
+              <a:rPr kumimoji="1" lang="en-US" altLang="ko-KR" sz="1600" b="1" dirty="0" smtClean="0"/>
+              <a:t>) </a:t>
+            </a:r>
+            <a:r>
+              <a:rPr kumimoji="1" lang="ko-KR" altLang="en-US" sz="1600" b="1" dirty="0" smtClean="0"/>
+              <a:t>왜 </a:t>
+            </a:r>
+            <a:r>
+              <a:rPr kumimoji="1" lang="ko-KR" altLang="en-US" sz="1600" b="1" dirty="0" err="1" smtClean="0"/>
+              <a:t>가상주소</a:t>
+            </a:r>
+            <a:r>
+              <a:rPr kumimoji="1" lang="ko-KR" altLang="en-US" sz="1600" b="1" dirty="0" smtClean="0"/>
+              <a:t> 공간을 사용하는가</a:t>
+            </a:r>
+            <a:r>
+              <a:rPr kumimoji="1" lang="en-US" altLang="ko-KR" sz="1600" b="1" dirty="0" smtClean="0"/>
+              <a:t>?</a:t>
+            </a:r>
+            <a:endParaRPr kumimoji="1" lang="ko-KR" altLang="en-US" sz="1600" b="1" dirty="0"/>
           </a:p>
         </p:txBody>
       </p:sp>
     </p:spTree>
     <p:extLst>
       <p:ext uri="{BB962C8B-B14F-4D97-AF65-F5344CB8AC3E}">
-        <p14:creationId xmlns:p14="http://schemas.microsoft.com/office/powerpoint/2010/main" val="1354234468"/>
+        <p14:creationId xmlns:p14="http://schemas.microsoft.com/office/powerpoint/2010/main" val="1922512513"/>
       </p:ext>
     </p:extLst>
   </p:cSld>
@@ -22713,10 +26544,10 @@
       </p:grpSpPr>
       <p:sp>
         <p:nvSpPr>
-          <p:cNvPr id="4" name="TextBox 3">
+          <p:cNvPr id="20" name="TextBox 19">
             <a:extLst>
               <a:ext uri="{FF2B5EF4-FFF2-40B4-BE49-F238E27FC236}">
-                <a16:creationId xmlns:a16="http://schemas.microsoft.com/office/drawing/2014/main" id="{4EC179D5-BDDA-E632-6859-7630E3E7A414}"/>
+                <a16:creationId xmlns:a16="http://schemas.microsoft.com/office/drawing/2014/main" id="{24A8B8FC-ED97-BD8A-4C78-CFA67C8E63C0}"/>
               </a:ext>
             </a:extLst>
           </p:cNvPr>
@@ -22725,8 +26556,8 @@
         </p:nvSpPr>
         <p:spPr>
           <a:xfrm>
-            <a:off x="485422" y="1083733"/>
-            <a:ext cx="9358489" cy="369332"/>
+            <a:off x="283336" y="231820"/>
+            <a:ext cx="11049060" cy="338554"/>
           </a:xfrm>
           <a:prstGeom prst="rect">
             <a:avLst/>
@@ -22740,377 +26571,98 @@
           <a:lstStyle/>
           <a:p>
             <a:r>
-              <a:rPr kumimoji="1" lang="en-US" altLang="ko-KR" dirty="0"/>
-              <a:t>Q1) </a:t>
-            </a:r>
-            <a:r>
-              <a:rPr kumimoji="1" lang="ko-KR" altLang="en-US" dirty="0"/>
-              <a:t>글자의 입력</a:t>
-            </a:r>
-            <a:r>
-              <a:rPr kumimoji="1" lang="en-US" altLang="ko-KR" dirty="0"/>
-              <a:t>/</a:t>
-            </a:r>
-            <a:r>
-              <a:rPr kumimoji="1" lang="ko-KR" altLang="en-US" dirty="0"/>
-              <a:t>출력의 과정에 컴퓨터에서 어떤 메커니즘이 일어나는지 </a:t>
-            </a:r>
-            <a:r>
-              <a:rPr kumimoji="1" lang="ko-KR" altLang="en-US" dirty="0" err="1"/>
-              <a:t>설명해보시오</a:t>
-            </a:r>
-            <a:r>
-              <a:rPr kumimoji="1" lang="en-US" altLang="ko-KR" dirty="0"/>
-              <a:t>.</a:t>
-            </a:r>
-            <a:endParaRPr kumimoji="1" lang="ko-KR" altLang="en-US" dirty="0"/>
+              <a:rPr kumimoji="1" lang="en-US" altLang="ko-KR" sz="1600" b="1" dirty="0" smtClean="0"/>
+              <a:t>Q.3.3 </a:t>
+            </a:r>
+            <a:r>
+              <a:rPr kumimoji="1" lang="ko-KR" altLang="en-US" sz="1600" b="1" dirty="0" err="1" smtClean="0"/>
+              <a:t>파생질문</a:t>
+            </a:r>
+            <a:r>
+              <a:rPr kumimoji="1" lang="en-US" altLang="ko-KR" sz="1600" b="1" dirty="0" smtClean="0"/>
+              <a:t>) </a:t>
+            </a:r>
+            <a:r>
+              <a:rPr kumimoji="1" lang="en-US" altLang="ko-KR" sz="1600" b="1" dirty="0" smtClean="0"/>
+              <a:t>Page Table</a:t>
+            </a:r>
+            <a:r>
+              <a:rPr kumimoji="1" lang="ko-KR" altLang="en-US" sz="1600" b="1" dirty="0" smtClean="0"/>
+              <a:t>은 어떻게 만들어지고 관리되는가</a:t>
+            </a:r>
+            <a:r>
+              <a:rPr kumimoji="1" lang="en-US" altLang="ko-KR" sz="1600" b="1" dirty="0" smtClean="0"/>
+              <a:t>?</a:t>
+            </a:r>
+            <a:endParaRPr kumimoji="1" lang="ko-KR" altLang="en-US" sz="1600" b="1" dirty="0"/>
           </a:p>
         </p:txBody>
       </p:sp>
       <p:sp>
         <p:nvSpPr>
-          <p:cNvPr id="5" name="TextBox 4">
-            <a:extLst>
-              <a:ext uri="{FF2B5EF4-FFF2-40B4-BE49-F238E27FC236}">
-                <a16:creationId xmlns:a16="http://schemas.microsoft.com/office/drawing/2014/main" id="{B760D476-CBCD-76B3-69D2-8A527C64113F}"/>
-              </a:ext>
-            </a:extLst>
-          </p:cNvPr>
-          <p:cNvSpPr txBox="1"/>
+          <p:cNvPr id="3" name="직사각형 2"/>
+          <p:cNvSpPr/>
           <p:nvPr/>
         </p:nvSpPr>
         <p:spPr>
           <a:xfrm>
-            <a:off x="485422" y="2195689"/>
-            <a:ext cx="9358489" cy="369332"/>
+            <a:off x="726040" y="856198"/>
+            <a:ext cx="9784422" cy="307777"/>
           </a:xfrm>
           <a:prstGeom prst="rect">
             <a:avLst/>
           </a:prstGeom>
-          <a:noFill/>
         </p:spPr>
         <p:txBody>
-          <a:bodyPr wrap="square" rtlCol="0">
+          <a:bodyPr wrap="square">
             <a:spAutoFit/>
           </a:bodyPr>
           <a:lstStyle/>
           <a:p>
             <a:r>
-              <a:rPr kumimoji="1" lang="en-US" altLang="ko-KR" dirty="0"/>
-              <a:t>Q2) User Mode</a:t>
-            </a:r>
-            <a:r>
-              <a:rPr kumimoji="1" lang="ko-KR" altLang="en-US" dirty="0"/>
-              <a:t>와 </a:t>
-            </a:r>
-            <a:r>
-              <a:rPr kumimoji="1" lang="en-US" altLang="ko-KR" dirty="0"/>
-              <a:t>Kernel Mode</a:t>
-            </a:r>
-            <a:r>
-              <a:rPr kumimoji="1" lang="ko-KR" altLang="en-US" dirty="0"/>
-              <a:t>에 대해서 설명해 </a:t>
-            </a:r>
-            <a:r>
-              <a:rPr kumimoji="1" lang="ko-KR" altLang="en-US" dirty="0" err="1"/>
-              <a:t>보시오</a:t>
-            </a:r>
-            <a:r>
-              <a:rPr kumimoji="1" lang="en-US" altLang="ko-KR" dirty="0"/>
+              <a:rPr lang="en-US" altLang="ko-KR" sz="1400" b="1" dirty="0"/>
+              <a:t>CPU</a:t>
+            </a:r>
+            <a:r>
+              <a:rPr lang="ko-KR" altLang="en-US" sz="1400" b="1" dirty="0"/>
+              <a:t>의 </a:t>
+            </a:r>
+            <a:r>
+              <a:rPr lang="en-US" altLang="ko-KR" sz="1400" b="1" dirty="0"/>
+              <a:t>CR3 </a:t>
+            </a:r>
+            <a:r>
+              <a:rPr lang="ko-KR" altLang="en-US" sz="1400" b="1" dirty="0"/>
+              <a:t>레지스터</a:t>
+            </a:r>
+            <a:r>
+              <a:rPr lang="ko-KR" altLang="en-US" sz="1400" dirty="0"/>
+              <a:t>에는 </a:t>
+            </a:r>
+            <a:r>
+              <a:rPr lang="ko-KR" altLang="en-US" sz="1400" b="1" dirty="0"/>
+              <a:t>현재 활성화된 프로세스의 페이지 테이블 주소</a:t>
+            </a:r>
+            <a:r>
+              <a:rPr lang="ko-KR" altLang="en-US" sz="1400" dirty="0"/>
+              <a:t>가 </a:t>
+            </a:r>
+            <a:r>
+              <a:rPr lang="ko-KR" altLang="en-US" sz="1400" dirty="0" smtClean="0"/>
+              <a:t>저장되어 있다</a:t>
+            </a:r>
+            <a:r>
+              <a:rPr lang="en-US" altLang="ko-KR" sz="1400" dirty="0" smtClean="0"/>
               <a:t>.</a:t>
             </a:r>
-            <a:endParaRPr kumimoji="1" lang="ko-KR" altLang="en-US" dirty="0"/>
-          </a:p>
-        </p:txBody>
-      </p:sp>
-      <p:sp>
-        <p:nvSpPr>
-          <p:cNvPr id="6" name="TextBox 5">
-            <a:extLst>
-              <a:ext uri="{FF2B5EF4-FFF2-40B4-BE49-F238E27FC236}">
-                <a16:creationId xmlns:a16="http://schemas.microsoft.com/office/drawing/2014/main" id="{EE9C3533-8810-ACFC-A6FF-9BAE46AFD159}"/>
-              </a:ext>
-            </a:extLst>
-          </p:cNvPr>
-          <p:cNvSpPr txBox="1"/>
-          <p:nvPr/>
-        </p:nvSpPr>
-        <p:spPr>
-          <a:xfrm>
-            <a:off x="485422" y="3304444"/>
-            <a:ext cx="9358489" cy="369332"/>
-          </a:xfrm>
-          <a:prstGeom prst="rect">
-            <a:avLst/>
-          </a:prstGeom>
-          <a:noFill/>
-        </p:spPr>
-        <p:txBody>
-          <a:bodyPr wrap="square" rtlCol="0">
-            <a:spAutoFit/>
-          </a:bodyPr>
-          <a:lstStyle/>
-          <a:p>
-            <a:r>
-              <a:rPr kumimoji="1" lang="en-US" altLang="ko-KR" dirty="0"/>
-              <a:t>Q3) System Call</a:t>
-            </a:r>
-            <a:r>
-              <a:rPr kumimoji="1" lang="ko-KR" altLang="en-US" dirty="0"/>
-              <a:t>과 </a:t>
-            </a:r>
-            <a:r>
-              <a:rPr kumimoji="1" lang="en-US" altLang="ko-KR" dirty="0"/>
-              <a:t>Interrupt</a:t>
-            </a:r>
-            <a:r>
-              <a:rPr kumimoji="1" lang="ko-KR" altLang="en-US" dirty="0"/>
-              <a:t>에 대해서 도식화하고 </a:t>
-            </a:r>
-            <a:r>
-              <a:rPr kumimoji="1" lang="ko-KR" altLang="en-US" dirty="0" err="1"/>
-              <a:t>설명해보시오</a:t>
-            </a:r>
-            <a:r>
-              <a:rPr kumimoji="1" lang="en-US" altLang="ko-KR" dirty="0"/>
-              <a:t>.</a:t>
-            </a:r>
-            <a:endParaRPr kumimoji="1" lang="ko-KR" altLang="en-US" dirty="0"/>
-          </a:p>
-        </p:txBody>
-      </p:sp>
-      <p:sp>
-        <p:nvSpPr>
-          <p:cNvPr id="7" name="TextBox 6">
-            <a:extLst>
-              <a:ext uri="{FF2B5EF4-FFF2-40B4-BE49-F238E27FC236}">
-                <a16:creationId xmlns:a16="http://schemas.microsoft.com/office/drawing/2014/main" id="{67509D4B-5268-C2B9-6003-6A001E9B31CA}"/>
-              </a:ext>
-            </a:extLst>
-          </p:cNvPr>
-          <p:cNvSpPr txBox="1"/>
-          <p:nvPr/>
-        </p:nvSpPr>
-        <p:spPr>
-          <a:xfrm>
-            <a:off x="711202" y="4074645"/>
-            <a:ext cx="6129866" cy="338554"/>
-          </a:xfrm>
-          <a:prstGeom prst="rect">
-            <a:avLst/>
-          </a:prstGeom>
-          <a:noFill/>
-        </p:spPr>
-        <p:txBody>
-          <a:bodyPr wrap="square" rtlCol="0">
-            <a:spAutoFit/>
-          </a:bodyPr>
-          <a:lstStyle/>
-          <a:p>
-            <a:r>
-              <a:rPr kumimoji="1" lang="en-US" altLang="ko-KR" sz="1600" dirty="0"/>
-              <a:t>Q3.1) </a:t>
-            </a:r>
-            <a:r>
-              <a:rPr kumimoji="1" lang="ko-KR" altLang="en-US" sz="1600" dirty="0" err="1"/>
-              <a:t>과정중</a:t>
-            </a:r>
-            <a:r>
-              <a:rPr kumimoji="1" lang="ko-KR" altLang="en-US" sz="1600" dirty="0"/>
-              <a:t> </a:t>
-            </a:r>
-            <a:r>
-              <a:rPr kumimoji="1" lang="en-US" altLang="ko-KR" sz="1600" dirty="0"/>
-              <a:t>Context Switching</a:t>
-            </a:r>
-            <a:r>
-              <a:rPr kumimoji="1" lang="ko-KR" altLang="en-US" sz="1600" dirty="0"/>
-              <a:t>에 대해서 설명해 </a:t>
-            </a:r>
-            <a:r>
-              <a:rPr kumimoji="1" lang="ko-KR" altLang="en-US" sz="1600" dirty="0" err="1"/>
-              <a:t>보시오</a:t>
-            </a:r>
-            <a:r>
-              <a:rPr kumimoji="1" lang="en-US" altLang="ko-KR" sz="1600" dirty="0"/>
-              <a:t>.</a:t>
-            </a:r>
-            <a:endParaRPr kumimoji="1" lang="ko-KR" altLang="en-US" sz="1600" dirty="0"/>
-          </a:p>
-        </p:txBody>
-      </p:sp>
-      <p:sp>
-        <p:nvSpPr>
-          <p:cNvPr id="8" name="TextBox 7">
-            <a:extLst>
-              <a:ext uri="{FF2B5EF4-FFF2-40B4-BE49-F238E27FC236}">
-                <a16:creationId xmlns:a16="http://schemas.microsoft.com/office/drawing/2014/main" id="{A3C0FC09-EB60-75A2-5C4D-A1A7CEE00D86}"/>
-              </a:ext>
-            </a:extLst>
-          </p:cNvPr>
-          <p:cNvSpPr txBox="1"/>
-          <p:nvPr/>
-        </p:nvSpPr>
-        <p:spPr>
-          <a:xfrm>
-            <a:off x="711202" y="4814068"/>
-            <a:ext cx="6129866" cy="338554"/>
-          </a:xfrm>
-          <a:prstGeom prst="rect">
-            <a:avLst/>
-          </a:prstGeom>
-          <a:noFill/>
-        </p:spPr>
-        <p:txBody>
-          <a:bodyPr wrap="square" rtlCol="0">
-            <a:spAutoFit/>
-          </a:bodyPr>
-          <a:lstStyle/>
-          <a:p>
-            <a:r>
-              <a:rPr kumimoji="1" lang="en-US" altLang="ko-KR" sz="1600" dirty="0"/>
-              <a:t>Q3.2) Interrupt</a:t>
-            </a:r>
-            <a:r>
-              <a:rPr kumimoji="1" lang="ko-KR" altLang="en-US" sz="1600" dirty="0" err="1"/>
-              <a:t>를</a:t>
-            </a:r>
-            <a:r>
-              <a:rPr kumimoji="1" lang="ko-KR" altLang="en-US" sz="1600" dirty="0"/>
-              <a:t> 거는 주체가 누구인지에 대해 </a:t>
-            </a:r>
-            <a:r>
-              <a:rPr kumimoji="1" lang="ko-KR" altLang="en-US" sz="1600" dirty="0" err="1"/>
-              <a:t>설명해보시오</a:t>
-            </a:r>
-            <a:endParaRPr kumimoji="1" lang="ko-KR" altLang="en-US" sz="1600" dirty="0"/>
-          </a:p>
-        </p:txBody>
-      </p:sp>
-      <p:sp>
-        <p:nvSpPr>
-          <p:cNvPr id="9" name="TextBox 8">
-            <a:extLst>
-              <a:ext uri="{FF2B5EF4-FFF2-40B4-BE49-F238E27FC236}">
-                <a16:creationId xmlns:a16="http://schemas.microsoft.com/office/drawing/2014/main" id="{469A5102-9AC4-9D35-F992-CE99846FB09B}"/>
-              </a:ext>
-            </a:extLst>
-          </p:cNvPr>
-          <p:cNvSpPr txBox="1"/>
-          <p:nvPr/>
-        </p:nvSpPr>
-        <p:spPr>
-          <a:xfrm>
-            <a:off x="146756" y="135467"/>
-            <a:ext cx="8715022" cy="369332"/>
-          </a:xfrm>
-          <a:prstGeom prst="rect">
-            <a:avLst/>
-          </a:prstGeom>
-          <a:noFill/>
-        </p:spPr>
-        <p:txBody>
-          <a:bodyPr wrap="square" rtlCol="0">
-            <a:spAutoFit/>
-          </a:bodyPr>
-          <a:lstStyle/>
-          <a:p>
-            <a:r>
-              <a:rPr kumimoji="1" lang="ko-KR" altLang="en-US" dirty="0"/>
-              <a:t>주제</a:t>
-            </a:r>
-            <a:r>
-              <a:rPr kumimoji="1" lang="en-US" altLang="ko-KR" dirty="0"/>
-              <a:t>:</a:t>
-            </a:r>
-            <a:r>
-              <a:rPr kumimoji="1" lang="ko-KR" altLang="en-US" dirty="0"/>
-              <a:t> </a:t>
-            </a:r>
-            <a:r>
-              <a:rPr kumimoji="1" lang="en-US" altLang="ko-KR" dirty="0"/>
-              <a:t>CPU bound task vs I/O bound task</a:t>
-            </a:r>
-            <a:r>
-              <a:rPr kumimoji="1" lang="ko-KR" altLang="en-US" dirty="0"/>
-              <a:t> </a:t>
-            </a:r>
-            <a:r>
-              <a:rPr kumimoji="1" lang="en-US" altLang="ko-KR" dirty="0"/>
-              <a:t>(</a:t>
-            </a:r>
-            <a:r>
-              <a:rPr kumimoji="1" lang="ko-KR" altLang="en-US" dirty="0"/>
-              <a:t>네트워크 </a:t>
-            </a:r>
-            <a:r>
-              <a:rPr kumimoji="1" lang="en-US" altLang="ko-KR" dirty="0"/>
-              <a:t>I/O, </a:t>
-            </a:r>
-            <a:r>
-              <a:rPr kumimoji="1" lang="ko-KR" altLang="en-US" dirty="0"/>
-              <a:t>입출력 </a:t>
-            </a:r>
-            <a:r>
-              <a:rPr kumimoji="1" lang="en-US" altLang="ko-KR" dirty="0"/>
-              <a:t>I/O)</a:t>
-            </a:r>
-            <a:endParaRPr kumimoji="1" lang="ko-KR" altLang="en-US" dirty="0"/>
-          </a:p>
-        </p:txBody>
-      </p:sp>
-      <p:sp>
-        <p:nvSpPr>
-          <p:cNvPr id="10" name="TextBox 9">
-            <a:extLst>
-              <a:ext uri="{FF2B5EF4-FFF2-40B4-BE49-F238E27FC236}">
-                <a16:creationId xmlns:a16="http://schemas.microsoft.com/office/drawing/2014/main" id="{0259870D-FCFD-2368-939D-756524720F4A}"/>
-              </a:ext>
-            </a:extLst>
-          </p:cNvPr>
-          <p:cNvSpPr txBox="1"/>
-          <p:nvPr/>
-        </p:nvSpPr>
-        <p:spPr>
-          <a:xfrm>
-            <a:off x="485421" y="5774267"/>
-            <a:ext cx="9358489" cy="369332"/>
-          </a:xfrm>
-          <a:prstGeom prst="rect">
-            <a:avLst/>
-          </a:prstGeom>
-          <a:noFill/>
-        </p:spPr>
-        <p:txBody>
-          <a:bodyPr wrap="square" rtlCol="0">
-            <a:spAutoFit/>
-          </a:bodyPr>
-          <a:lstStyle/>
-          <a:p>
-            <a:r>
-              <a:rPr kumimoji="1" lang="en-US" altLang="ko-KR" dirty="0"/>
-              <a:t>Q4) Blocking / Non-Blocking I/O</a:t>
-            </a:r>
-            <a:r>
-              <a:rPr kumimoji="1" lang="ko-KR" altLang="en-US" dirty="0"/>
-              <a:t>에 대해서 </a:t>
-            </a:r>
-            <a:r>
-              <a:rPr kumimoji="1" lang="ko-KR" altLang="en-US" dirty="0" err="1"/>
-              <a:t>설명해보시오</a:t>
-            </a:r>
-            <a:r>
-              <a:rPr kumimoji="1" lang="en-US" altLang="ko-KR" dirty="0"/>
-              <a:t>.</a:t>
-            </a:r>
-            <a:endParaRPr kumimoji="1" lang="ko-KR" altLang="en-US" dirty="0"/>
+            <a:endParaRPr lang="ko-KR" altLang="en-US" sz="1400" dirty="0"/>
           </a:p>
         </p:txBody>
       </p:sp>
     </p:spTree>
     <p:extLst>
       <p:ext uri="{BB962C8B-B14F-4D97-AF65-F5344CB8AC3E}">
-        <p14:creationId xmlns:p14="http://schemas.microsoft.com/office/powerpoint/2010/main" val="3754610182"/>
+        <p14:creationId xmlns:p14="http://schemas.microsoft.com/office/powerpoint/2010/main" val="982899028"/>
       </p:ext>
     </p:extLst>
   </p:cSld>

--- a/CSwithC/CS-explanation.pptx
+++ b/CSwithC/CS-explanation.pptx
@@ -5,7 +5,7 @@
     <p:sldMasterId id="2147483648" r:id="rId1"/>
   </p:sldMasterIdLst>
   <p:notesMasterIdLst>
-    <p:notesMasterId r:id="rId22"/>
+    <p:notesMasterId r:id="rId23"/>
   </p:notesMasterIdLst>
   <p:sldIdLst>
     <p:sldId id="266" r:id="rId2"/>
@@ -14,20 +14,21 @@
     <p:sldId id="268" r:id="rId5"/>
     <p:sldId id="271" r:id="rId6"/>
     <p:sldId id="272" r:id="rId7"/>
-    <p:sldId id="273" r:id="rId8"/>
-    <p:sldId id="274" r:id="rId9"/>
-    <p:sldId id="275" r:id="rId10"/>
-    <p:sldId id="270" r:id="rId11"/>
-    <p:sldId id="269" r:id="rId12"/>
-    <p:sldId id="256" r:id="rId13"/>
-    <p:sldId id="257" r:id="rId14"/>
-    <p:sldId id="258" r:id="rId15"/>
-    <p:sldId id="260" r:id="rId16"/>
-    <p:sldId id="259" r:id="rId17"/>
-    <p:sldId id="262" r:id="rId18"/>
-    <p:sldId id="261" r:id="rId19"/>
-    <p:sldId id="263" r:id="rId20"/>
-    <p:sldId id="264" r:id="rId21"/>
+    <p:sldId id="276" r:id="rId8"/>
+    <p:sldId id="273" r:id="rId9"/>
+    <p:sldId id="274" r:id="rId10"/>
+    <p:sldId id="275" r:id="rId11"/>
+    <p:sldId id="270" r:id="rId12"/>
+    <p:sldId id="269" r:id="rId13"/>
+    <p:sldId id="256" r:id="rId14"/>
+    <p:sldId id="257" r:id="rId15"/>
+    <p:sldId id="258" r:id="rId16"/>
+    <p:sldId id="260" r:id="rId17"/>
+    <p:sldId id="259" r:id="rId18"/>
+    <p:sldId id="262" r:id="rId19"/>
+    <p:sldId id="261" r:id="rId20"/>
+    <p:sldId id="263" r:id="rId21"/>
+    <p:sldId id="264" r:id="rId22"/>
   </p:sldIdLst>
   <p:sldSz cx="12192000" cy="6858000"/>
   <p:notesSz cx="6858000" cy="9144000"/>
@@ -882,6 +883,21 @@
           <a:p>
             <a:endParaRPr lang="en-US" altLang="ko-KR" dirty="0" smtClean="0"/>
           </a:p>
+          <a:p>
+            <a:r>
+              <a:rPr lang="ko-KR" altLang="en-US" dirty="0" smtClean="0"/>
+              <a:t>그리고 </a:t>
+            </a:r>
+            <a:r>
+              <a:rPr lang="en-US" altLang="ko-KR" dirty="0" smtClean="0"/>
+              <a:t>Page</a:t>
+            </a:r>
+            <a:r>
+              <a:rPr lang="ko-KR" altLang="en-US" dirty="0" smtClean="0"/>
+              <a:t>는</a:t>
+            </a:r>
+            <a:endParaRPr lang="en-US" altLang="ko-KR" dirty="0" smtClean="0"/>
+          </a:p>
         </p:txBody>
       </p:sp>
       <p:sp>
@@ -964,7 +980,140 @@
           <a:bodyPr/>
           <a:lstStyle/>
           <a:p>
-            <a:endParaRPr lang="ko-KR" altLang="en-US" dirty="0"/>
+            <a:r>
+              <a:rPr lang="ko-KR" altLang="en-US" dirty="0" smtClean="0"/>
+              <a:t>실제로 </a:t>
+            </a:r>
+            <a:r>
+              <a:rPr lang="en-US" altLang="ko-KR" dirty="0" smtClean="0"/>
+              <a:t>CPU</a:t>
+            </a:r>
+            <a:r>
+              <a:rPr lang="ko-KR" altLang="en-US" dirty="0" smtClean="0"/>
+              <a:t>는 </a:t>
+            </a:r>
+            <a:r>
+              <a:rPr lang="en-US" altLang="ko-KR" dirty="0" smtClean="0"/>
+              <a:t>RAM</a:t>
+            </a:r>
+            <a:r>
+              <a:rPr lang="ko-KR" altLang="en-US" dirty="0" smtClean="0"/>
+              <a:t>의 주소에 직접 접근하는게 아니라 페이지 테이블에 있는 논리 주소에 접근하고 </a:t>
+            </a:r>
+            <a:r>
+              <a:rPr lang="en-US" altLang="ko-KR" dirty="0" smtClean="0"/>
+              <a:t>Mapping</a:t>
+            </a:r>
+            <a:r>
+              <a:rPr lang="ko-KR" altLang="en-US" dirty="0" smtClean="0"/>
+              <a:t>되는 </a:t>
+            </a:r>
+            <a:r>
+              <a:rPr lang="ko-KR" altLang="en-US" dirty="0" err="1" smtClean="0"/>
+              <a:t>물리주소로</a:t>
+            </a:r>
+            <a:r>
+              <a:rPr lang="ko-KR" altLang="en-US" dirty="0" smtClean="0"/>
+              <a:t> 변환되어 램에 저장된 데이터를 가져오는 형식으로 되어 있다</a:t>
+            </a:r>
+            <a:r>
+              <a:rPr lang="en-US" altLang="ko-KR" dirty="0" smtClean="0"/>
+              <a:t>.</a:t>
+            </a:r>
+          </a:p>
+          <a:p>
+            <a:r>
+              <a:rPr lang="ko-KR" altLang="en-US" dirty="0" smtClean="0"/>
+              <a:t>참고로 여기서 </a:t>
+            </a:r>
+            <a:r>
+              <a:rPr lang="ko-KR" altLang="en-US" b="1" dirty="0" smtClean="0">
+                <a:solidFill>
+                  <a:srgbClr val="C00000"/>
+                </a:solidFill>
+              </a:rPr>
+              <a:t>논리주소에서 </a:t>
+            </a:r>
+            <a:r>
+              <a:rPr lang="ko-KR" altLang="en-US" b="1" dirty="0" err="1" smtClean="0">
+                <a:solidFill>
+                  <a:srgbClr val="C00000"/>
+                </a:solidFill>
+              </a:rPr>
+              <a:t>물리주소로</a:t>
+            </a:r>
+            <a:r>
+              <a:rPr lang="ko-KR" altLang="en-US" b="1" dirty="0" smtClean="0">
+                <a:solidFill>
+                  <a:srgbClr val="C00000"/>
+                </a:solidFill>
+              </a:rPr>
+              <a:t> 변환하는 것은 </a:t>
+            </a:r>
+            <a:r>
+              <a:rPr lang="en-US" altLang="ko-KR" b="1" dirty="0" smtClean="0">
+                <a:solidFill>
+                  <a:srgbClr val="C00000"/>
+                </a:solidFill>
+              </a:rPr>
+              <a:t>(MMU) </a:t>
+            </a:r>
+            <a:r>
+              <a:rPr lang="ko-KR" altLang="en-US" b="1" dirty="0" smtClean="0">
+                <a:solidFill>
+                  <a:srgbClr val="C00000"/>
+                </a:solidFill>
+              </a:rPr>
+              <a:t>메모리 관리 장치</a:t>
+            </a:r>
+            <a:r>
+              <a:rPr lang="ko-KR" altLang="en-US" dirty="0" smtClean="0"/>
+              <a:t>가 해준다</a:t>
+            </a:r>
+            <a:r>
+              <a:rPr lang="en-US" altLang="ko-KR" dirty="0" smtClean="0"/>
+              <a:t>.</a:t>
+            </a:r>
+          </a:p>
+          <a:p>
+            <a:endParaRPr lang="en-US" altLang="ko-KR" dirty="0" smtClean="0"/>
+          </a:p>
+          <a:p>
+            <a:r>
+              <a:rPr lang="en-US" altLang="ko-KR" dirty="0" smtClean="0"/>
+              <a:t>* MMU</a:t>
+            </a:r>
+            <a:r>
+              <a:rPr lang="ko-KR" altLang="en-US" dirty="0" smtClean="0"/>
+              <a:t>는 일반적으로 </a:t>
+            </a:r>
+            <a:r>
+              <a:rPr lang="en-US" altLang="ko-KR" dirty="0" smtClean="0"/>
+              <a:t>CPU</a:t>
+            </a:r>
+            <a:r>
+              <a:rPr lang="ko-KR" altLang="en-US" dirty="0" smtClean="0"/>
+              <a:t>내부에 통합된 하드웨어 모듈이다 </a:t>
+            </a:r>
+            <a:endParaRPr lang="en-US" altLang="ko-KR" dirty="0" smtClean="0"/>
+          </a:p>
+          <a:p>
+            <a:endParaRPr lang="en-US" altLang="ko-KR" dirty="0" smtClean="0"/>
+          </a:p>
+          <a:p>
+            <a:r>
+              <a:rPr lang="ko-KR" altLang="en-US" dirty="0" smtClean="0"/>
+              <a:t>그리고 </a:t>
+            </a:r>
+            <a:r>
+              <a:rPr lang="en-US" altLang="ko-KR" dirty="0" smtClean="0"/>
+              <a:t>Page</a:t>
+            </a:r>
+            <a:r>
+              <a:rPr lang="ko-KR" altLang="en-US" dirty="0" smtClean="0"/>
+              <a:t>는</a:t>
+            </a:r>
+            <a:endParaRPr lang="en-US" altLang="ko-KR" dirty="0" smtClean="0"/>
           </a:p>
         </p:txBody>
       </p:sp>
@@ -994,7 +1143,7 @@
     </p:spTree>
     <p:extLst>
       <p:ext uri="{BB962C8B-B14F-4D97-AF65-F5344CB8AC3E}">
-        <p14:creationId xmlns:p14="http://schemas.microsoft.com/office/powerpoint/2010/main" val="2871402095"/>
+        <p14:creationId xmlns:p14="http://schemas.microsoft.com/office/powerpoint/2010/main" val="4063441627"/>
       </p:ext>
     </p:extLst>
   </p:cSld>
@@ -1048,6 +1197,26 @@
           <a:bodyPr/>
           <a:lstStyle/>
           <a:p>
+            <a:r>
+              <a:rPr lang="en-US" altLang="ko-KR" dirty="0" smtClean="0"/>
+              <a:t>RAS(Row Address Strobe): </a:t>
+            </a:r>
+            <a:r>
+              <a:rPr lang="ko-KR" altLang="en-US" dirty="0" smtClean="0"/>
+              <a:t>행 주소를 지정하는 신호</a:t>
+            </a:r>
+            <a:r>
+              <a:rPr lang="en-US" altLang="ko-KR" dirty="0" smtClean="0"/>
+              <a:t>. CAS(Column Address Strobe): </a:t>
+            </a:r>
+            <a:r>
+              <a:rPr lang="ko-KR" altLang="en-US" dirty="0" smtClean="0"/>
+              <a:t>열 주소를 지정하는 신호</a:t>
+            </a:r>
+            <a:r>
+              <a:rPr lang="en-US" altLang="ko-KR" dirty="0" smtClean="0"/>
+              <a:t>.</a:t>
+            </a:r>
             <a:endParaRPr lang="ko-KR" altLang="en-US" dirty="0"/>
           </a:p>
         </p:txBody>
@@ -1078,7 +1247,7 @@
     </p:spTree>
     <p:extLst>
       <p:ext uri="{BB962C8B-B14F-4D97-AF65-F5344CB8AC3E}">
-        <p14:creationId xmlns:p14="http://schemas.microsoft.com/office/powerpoint/2010/main" val="404492909"/>
+        <p14:creationId xmlns:p14="http://schemas.microsoft.com/office/powerpoint/2010/main" val="2871402095"/>
       </p:ext>
     </p:extLst>
   </p:cSld>
@@ -1162,7 +1331,7 @@
     </p:spTree>
     <p:extLst>
       <p:ext uri="{BB962C8B-B14F-4D97-AF65-F5344CB8AC3E}">
-        <p14:creationId xmlns:p14="http://schemas.microsoft.com/office/powerpoint/2010/main" val="2357716431"/>
+        <p14:creationId xmlns:p14="http://schemas.microsoft.com/office/powerpoint/2010/main" val="404492909"/>
       </p:ext>
     </p:extLst>
   </p:cSld>
@@ -1216,377 +1385,6 @@
           <a:bodyPr/>
           <a:lstStyle/>
           <a:p>
-            <a:pPr marL="0" marR="0" indent="0" algn="l" defTabSz="914400" rtl="0" eaLnBrk="1" fontAlgn="auto" latinLnBrk="1" hangingPunct="1">
-              <a:lnSpc>
-                <a:spcPct val="100000"/>
-              </a:lnSpc>
-              <a:spcBef>
-                <a:spcPts val="0"/>
-              </a:spcBef>
-              <a:spcAft>
-                <a:spcPts val="0"/>
-              </a:spcAft>
-              <a:buClrTx/>
-              <a:buSzTx/>
-              <a:buFontTx/>
-              <a:buNone/>
-              <a:tabLst/>
-              <a:defRPr/>
-            </a:pPr>
-            <a:r>
-              <a:rPr lang="ko-KR" altLang="en-US" sz="1200" dirty="0"/>
-              <a:t>설명</a:t>
-            </a:r>
-            <a:r>
-              <a:rPr lang="en-US" altLang="ko-KR" sz="1200" dirty="0"/>
-              <a:t>: App1</a:t>
-            </a:r>
-            <a:r>
-              <a:rPr lang="ko-KR" altLang="en-US" sz="1200" dirty="0"/>
-              <a:t>의 여러 연산은 직접 </a:t>
-            </a:r>
-            <a:r>
-              <a:rPr lang="en-US" altLang="ko-KR" sz="1200" dirty="0"/>
-              <a:t>CPU</a:t>
-            </a:r>
-            <a:r>
-              <a:rPr lang="ko-KR" altLang="en-US" sz="1200" dirty="0"/>
-              <a:t>에서 읽으면서 연산한다</a:t>
-            </a:r>
-            <a:r>
-              <a:rPr lang="en-US" altLang="ko-KR" sz="1200" dirty="0"/>
-              <a:t>. </a:t>
-            </a:r>
-            <a:r>
-              <a:rPr lang="ko-KR" altLang="en-US" sz="1200" dirty="0"/>
-              <a:t>다만 </a:t>
-            </a:r>
-            <a:r>
-              <a:rPr lang="en-US" altLang="ko-KR" sz="1200" dirty="0"/>
-              <a:t>System Call</a:t>
-            </a:r>
-            <a:r>
-              <a:rPr lang="ko-KR" altLang="en-US" sz="1200" dirty="0"/>
-              <a:t>을 </a:t>
-            </a:r>
-            <a:r>
-              <a:rPr lang="ko-KR" altLang="en-US" sz="1200" dirty="0" err="1"/>
-              <a:t>할때</a:t>
-            </a:r>
-            <a:r>
-              <a:rPr lang="ko-KR" altLang="en-US" sz="1200" dirty="0"/>
-              <a:t> </a:t>
-            </a:r>
-            <a:r>
-              <a:rPr lang="en-US" altLang="ko-KR" sz="1200" dirty="0"/>
-              <a:t>(OS Logic)</a:t>
-            </a:r>
-            <a:r>
-              <a:rPr lang="ko-KR" altLang="en-US" sz="1200" dirty="0"/>
-              <a:t>예를 들어 다른 주변 기기에서 </a:t>
-            </a:r>
-            <a:r>
-              <a:rPr lang="en-US" altLang="ko-KR" sz="1200" dirty="0"/>
-              <a:t>Input</a:t>
-            </a:r>
-            <a:r>
-              <a:rPr lang="ko-KR" altLang="en-US" sz="1200" dirty="0"/>
-              <a:t>이 있거나 </a:t>
-            </a:r>
-            <a:r>
-              <a:rPr lang="en-US" altLang="ko-KR" sz="1200" dirty="0"/>
-              <a:t>Storage</a:t>
-            </a:r>
-            <a:r>
-              <a:rPr lang="ko-KR" altLang="en-US" sz="1200" dirty="0"/>
-              <a:t>에서 데이터를 </a:t>
-            </a:r>
-            <a:r>
-              <a:rPr lang="ko-KR" altLang="en-US" sz="1200" dirty="0" err="1"/>
-              <a:t>받아온다던지</a:t>
-            </a:r>
-            <a:r>
-              <a:rPr lang="ko-KR" altLang="en-US" sz="1200" dirty="0"/>
-              <a:t> </a:t>
-            </a:r>
-            <a:r>
-              <a:rPr lang="ko-KR" altLang="en-US" sz="1200" dirty="0" err="1"/>
-              <a:t>이럴때는</a:t>
-            </a:r>
-            <a:r>
-              <a:rPr lang="ko-KR" altLang="en-US" sz="1200" dirty="0"/>
-              <a:t> </a:t>
-            </a:r>
-            <a:r>
-              <a:rPr lang="en-US" altLang="ko-KR" sz="1200" dirty="0"/>
-              <a:t>OS Process Logic</a:t>
-            </a:r>
-            <a:r>
-              <a:rPr lang="ko-KR" altLang="en-US" sz="1200" dirty="0"/>
-              <a:t>을 태워야 한다</a:t>
-            </a:r>
-            <a:r>
-              <a:rPr lang="en-US" altLang="ko-KR" sz="1200" dirty="0"/>
-              <a:t>. </a:t>
-            </a:r>
-            <a:r>
-              <a:rPr lang="ko-KR" altLang="en-US" sz="1200" dirty="0" err="1"/>
-              <a:t>이럴때</a:t>
-            </a:r>
-            <a:r>
-              <a:rPr lang="ko-KR" altLang="en-US" sz="1200" dirty="0"/>
-              <a:t> </a:t>
-            </a:r>
-            <a:r>
-              <a:rPr lang="en-US" altLang="ko-KR" sz="1200" dirty="0"/>
-              <a:t>App1</a:t>
-            </a:r>
-            <a:r>
-              <a:rPr lang="ko-KR" altLang="en-US" sz="1200" dirty="0"/>
-              <a:t>을 읽다가 </a:t>
-            </a:r>
-            <a:r>
-              <a:rPr lang="en-US" altLang="ko-KR" sz="1200" dirty="0"/>
-              <a:t>OS process</a:t>
-            </a:r>
-            <a:r>
-              <a:rPr lang="ko-KR" altLang="en-US" sz="1200" dirty="0"/>
-              <a:t>에 있는 </a:t>
-            </a:r>
-            <a:r>
-              <a:rPr lang="en-US" altLang="ko-KR" sz="1200" dirty="0"/>
-              <a:t>Logic</a:t>
-            </a:r>
-            <a:r>
-              <a:rPr lang="ko-KR" altLang="en-US" sz="1200" dirty="0"/>
-              <a:t>을 읽어야 하므로 </a:t>
-            </a:r>
-            <a:r>
-              <a:rPr lang="en-US" altLang="ko-KR" sz="1200" dirty="0"/>
-              <a:t>OS Process</a:t>
-            </a:r>
-            <a:r>
-              <a:rPr lang="ko-KR" altLang="en-US" sz="1200" dirty="0"/>
-              <a:t>의 특정 </a:t>
-            </a:r>
-            <a:r>
-              <a:rPr lang="en-US" altLang="ko-KR" sz="1200" dirty="0"/>
-              <a:t>Logic (</a:t>
-            </a:r>
-            <a:r>
-              <a:rPr lang="ko-KR" altLang="en-US" sz="1200" dirty="0"/>
-              <a:t>여기서는 파일 </a:t>
-            </a:r>
-            <a:r>
-              <a:rPr lang="en-US" altLang="ko-KR" sz="1200" dirty="0"/>
-              <a:t>Read</a:t>
-            </a:r>
-            <a:r>
-              <a:rPr lang="ko-KR" altLang="en-US" sz="1200" dirty="0"/>
-              <a:t>관련한</a:t>
-            </a:r>
-            <a:r>
-              <a:rPr lang="en-US" altLang="ko-KR" sz="1200" dirty="0"/>
-              <a:t>)</a:t>
-            </a:r>
-            <a:r>
-              <a:rPr lang="ko-KR" altLang="en-US" sz="1200" dirty="0"/>
-              <a:t>을 </a:t>
-            </a:r>
-            <a:r>
-              <a:rPr lang="ko-KR" altLang="en-US" sz="1200" dirty="0" err="1"/>
-              <a:t>읽게된다</a:t>
-            </a:r>
-            <a:r>
-              <a:rPr lang="en-US" altLang="ko-KR" sz="1200" dirty="0"/>
-              <a:t>. </a:t>
-            </a:r>
-            <a:r>
-              <a:rPr lang="ko-KR" altLang="en-US" sz="1200" dirty="0"/>
-              <a:t>이때 </a:t>
-            </a:r>
-            <a:r>
-              <a:rPr lang="en-US" altLang="ko-KR" sz="1200" dirty="0"/>
-              <a:t>Kernel Mode</a:t>
-            </a:r>
-            <a:r>
-              <a:rPr lang="ko-KR" altLang="en-US" sz="1200" dirty="0"/>
-              <a:t>라 한다</a:t>
-            </a:r>
-            <a:r>
-              <a:rPr lang="en-US" altLang="ko-KR" sz="1200" dirty="0"/>
-              <a:t>. CPU</a:t>
-            </a:r>
-            <a:r>
-              <a:rPr lang="ko-KR" altLang="en-US" sz="1200" dirty="0"/>
-              <a:t>가 </a:t>
-            </a:r>
-            <a:r>
-              <a:rPr lang="en-US" altLang="ko-KR" sz="1200" dirty="0" err="1"/>
-              <a:t>Os</a:t>
-            </a:r>
-            <a:r>
-              <a:rPr lang="en-US" altLang="ko-KR" sz="1200" dirty="0"/>
-              <a:t> Logic</a:t>
-            </a:r>
-            <a:r>
-              <a:rPr lang="ko-KR" altLang="en-US" sz="1200" dirty="0"/>
-              <a:t>을 수행하고 </a:t>
-            </a:r>
-            <a:r>
-              <a:rPr lang="ko-KR" altLang="en-US" sz="1200" dirty="0" err="1"/>
-              <a:t>있을때</a:t>
-            </a:r>
-            <a:r>
-              <a:rPr lang="ko-KR" altLang="en-US" sz="1200" dirty="0"/>
-              <a:t> 어차피 </a:t>
-            </a:r>
-            <a:r>
-              <a:rPr lang="en-US" altLang="ko-KR" sz="1200" dirty="0"/>
-              <a:t>OS</a:t>
-            </a:r>
-            <a:r>
-              <a:rPr lang="ko-KR" altLang="en-US" sz="1200" dirty="0"/>
-              <a:t>또한 </a:t>
-            </a:r>
-            <a:r>
-              <a:rPr lang="en-US" altLang="ko-KR" sz="1200" dirty="0"/>
-              <a:t>Process</a:t>
-            </a:r>
-            <a:r>
-              <a:rPr lang="ko-KR" altLang="en-US" sz="1200" dirty="0"/>
-              <a:t>이고 그 안의 작업 단위를 똑같이 </a:t>
-            </a:r>
-            <a:r>
-              <a:rPr lang="en-US" altLang="ko-KR" sz="1200" dirty="0"/>
-              <a:t>thread</a:t>
-            </a:r>
-            <a:r>
-              <a:rPr lang="ko-KR" altLang="en-US" sz="1200" dirty="0"/>
-              <a:t>단위로 </a:t>
-            </a:r>
-            <a:r>
-              <a:rPr lang="ko-KR" altLang="en-US" sz="1200" dirty="0" err="1"/>
-              <a:t>할텐데</a:t>
-            </a:r>
-            <a:r>
-              <a:rPr lang="en-US" altLang="ko-KR" sz="1200" dirty="0"/>
-              <a:t>, </a:t>
-            </a:r>
-            <a:r>
-              <a:rPr lang="ko-KR" altLang="en-US" sz="1200" dirty="0"/>
-              <a:t>이때의 </a:t>
-            </a:r>
-            <a:r>
-              <a:rPr lang="en-US" altLang="ko-KR" sz="1200" dirty="0"/>
-              <a:t>thread</a:t>
-            </a:r>
-            <a:r>
-              <a:rPr lang="ko-KR" altLang="en-US" sz="1200" dirty="0"/>
-              <a:t>를 </a:t>
-            </a:r>
-            <a:r>
-              <a:rPr lang="en-US" altLang="ko-KR" sz="1200" dirty="0"/>
-              <a:t>Kernel Thread</a:t>
-            </a:r>
-            <a:r>
-              <a:rPr lang="ko-KR" altLang="en-US" sz="1200" dirty="0"/>
-              <a:t>라 한다</a:t>
-            </a:r>
-            <a:r>
-              <a:rPr lang="en-US" altLang="ko-KR" sz="1200" dirty="0"/>
-              <a:t>.</a:t>
-            </a:r>
-            <a:endParaRPr lang="ko-KR" altLang="en-US" sz="1200" dirty="0"/>
-          </a:p>
-          <a:p>
-            <a:endParaRPr lang="en-US" altLang="ko-KR" dirty="0"/>
-          </a:p>
-          <a:p>
-            <a:r>
-              <a:rPr lang="ko-KR" altLang="en-US" dirty="0"/>
-              <a:t>그리고 여기서 </a:t>
-            </a:r>
-            <a:r>
-              <a:rPr lang="ko-KR" altLang="en-US" dirty="0" err="1"/>
-              <a:t>알수</a:t>
-            </a:r>
-            <a:r>
-              <a:rPr lang="ko-KR" altLang="en-US" dirty="0"/>
-              <a:t> 있겠지만 </a:t>
-            </a:r>
-            <a:r>
-              <a:rPr lang="en-US" altLang="ko-KR" dirty="0"/>
-              <a:t>System Call</a:t>
-            </a:r>
-            <a:r>
-              <a:rPr lang="ko-KR" altLang="en-US" dirty="0"/>
-              <a:t>은 </a:t>
-            </a:r>
-            <a:r>
-              <a:rPr lang="en-US" altLang="ko-KR" dirty="0"/>
-              <a:t>OS Process</a:t>
-            </a:r>
-            <a:r>
-              <a:rPr lang="ko-KR" altLang="en-US" dirty="0"/>
-              <a:t>가 가지고 있는 </a:t>
-            </a:r>
-            <a:r>
-              <a:rPr lang="en-US" altLang="ko-KR" dirty="0"/>
-              <a:t>logic (method)</a:t>
-            </a:r>
-            <a:r>
-              <a:rPr lang="ko-KR" altLang="en-US" dirty="0"/>
-              <a:t>를 호출하는 행위를 의미한다</a:t>
-            </a:r>
-            <a:r>
-              <a:rPr lang="en-US" altLang="ko-KR" dirty="0"/>
-              <a:t>. </a:t>
-            </a:r>
-            <a:r>
-              <a:rPr lang="ko-KR" altLang="en-US" dirty="0"/>
-              <a:t>보통 </a:t>
-            </a:r>
-            <a:r>
-              <a:rPr lang="en-US" altLang="ko-KR" dirty="0"/>
-              <a:t>OS Logic</a:t>
-            </a:r>
-            <a:r>
-              <a:rPr lang="ko-KR" altLang="en-US" dirty="0"/>
-              <a:t>은 </a:t>
-            </a:r>
-            <a:r>
-              <a:rPr lang="en-US" altLang="ko-KR" dirty="0"/>
-              <a:t>Process</a:t>
-            </a:r>
-            <a:r>
-              <a:rPr lang="ko-KR" altLang="en-US" dirty="0"/>
-              <a:t>관련 관리 </a:t>
-            </a:r>
-            <a:r>
-              <a:rPr lang="ko-KR" altLang="en-US" dirty="0" err="1"/>
-              <a:t>로직</a:t>
-            </a:r>
-            <a:r>
-              <a:rPr lang="en-US" altLang="ko-KR" dirty="0"/>
-              <a:t>, Hardware </a:t>
-            </a:r>
-            <a:r>
-              <a:rPr lang="ko-KR" altLang="en-US" dirty="0"/>
-              <a:t>제어 </a:t>
-            </a:r>
-            <a:r>
-              <a:rPr lang="ko-KR" altLang="en-US" dirty="0" err="1"/>
-              <a:t>로직등이</a:t>
-            </a:r>
-            <a:r>
-              <a:rPr lang="ko-KR" altLang="en-US" dirty="0"/>
-              <a:t> 들어가 있다</a:t>
-            </a:r>
-            <a:r>
-              <a:rPr lang="en-US" altLang="ko-KR" dirty="0"/>
-              <a:t>.</a:t>
-            </a:r>
             <a:endParaRPr lang="ko-KR" altLang="en-US" dirty="0"/>
           </a:p>
         </p:txBody>
@@ -1608,7 +1406,7 @@
           <a:p>
             <a:fld id="{16AFB6E1-9A93-4EBD-AB39-332ADB6F73BD}" type="slidenum">
               <a:rPr lang="ko-KR" altLang="en-US" smtClean="0"/>
-              <a:t>15</a:t>
+              <a:t>10</a:t>
             </a:fld>
             <a:endParaRPr lang="ko-KR" altLang="en-US"/>
           </a:p>
@@ -1617,7 +1415,7 @@
     </p:spTree>
     <p:extLst>
       <p:ext uri="{BB962C8B-B14F-4D97-AF65-F5344CB8AC3E}">
-        <p14:creationId xmlns:p14="http://schemas.microsoft.com/office/powerpoint/2010/main" val="2449296183"/>
+        <p14:creationId xmlns:p14="http://schemas.microsoft.com/office/powerpoint/2010/main" val="2357716431"/>
       </p:ext>
     </p:extLst>
   </p:cSld>
@@ -1671,6 +1469,461 @@
           <a:bodyPr/>
           <a:lstStyle/>
           <a:p>
+            <a:pPr marL="0" marR="0" indent="0" algn="l" defTabSz="914400" rtl="0" eaLnBrk="1" fontAlgn="auto" latinLnBrk="1" hangingPunct="1">
+              <a:lnSpc>
+                <a:spcPct val="100000"/>
+              </a:lnSpc>
+              <a:spcBef>
+                <a:spcPts val="0"/>
+              </a:spcBef>
+              <a:spcAft>
+                <a:spcPts val="0"/>
+              </a:spcAft>
+              <a:buClrTx/>
+              <a:buSzTx/>
+              <a:buFontTx/>
+              <a:buNone/>
+              <a:tabLst/>
+              <a:defRPr/>
+            </a:pPr>
+            <a:r>
+              <a:rPr lang="ko-KR" altLang="en-US" sz="1200" dirty="0"/>
+              <a:t>설명</a:t>
+            </a:r>
+            <a:r>
+              <a:rPr lang="en-US" altLang="ko-KR" sz="1200" dirty="0"/>
+              <a:t>: App1</a:t>
+            </a:r>
+            <a:r>
+              <a:rPr lang="ko-KR" altLang="en-US" sz="1200" dirty="0"/>
+              <a:t>의 여러 연산은 직접 </a:t>
+            </a:r>
+            <a:r>
+              <a:rPr lang="en-US" altLang="ko-KR" sz="1200" dirty="0"/>
+              <a:t>CPU</a:t>
+            </a:r>
+            <a:r>
+              <a:rPr lang="ko-KR" altLang="en-US" sz="1200" dirty="0"/>
+              <a:t>에서 읽으면서 연산한다</a:t>
+            </a:r>
+            <a:r>
+              <a:rPr lang="en-US" altLang="ko-KR" sz="1200" dirty="0"/>
+              <a:t>. </a:t>
+            </a:r>
+            <a:r>
+              <a:rPr lang="ko-KR" altLang="en-US" sz="1200" dirty="0"/>
+              <a:t>다만 </a:t>
+            </a:r>
+            <a:r>
+              <a:rPr lang="en-US" altLang="ko-KR" sz="1200" dirty="0"/>
+              <a:t>System Call</a:t>
+            </a:r>
+            <a:r>
+              <a:rPr lang="ko-KR" altLang="en-US" sz="1200" dirty="0"/>
+              <a:t>을 </a:t>
+            </a:r>
+            <a:r>
+              <a:rPr lang="ko-KR" altLang="en-US" sz="1200" dirty="0" err="1"/>
+              <a:t>할때</a:t>
+            </a:r>
+            <a:r>
+              <a:rPr lang="ko-KR" altLang="en-US" sz="1200" dirty="0"/>
+              <a:t> </a:t>
+            </a:r>
+            <a:r>
+              <a:rPr lang="en-US" altLang="ko-KR" sz="1200" dirty="0"/>
+              <a:t>(OS Logic)</a:t>
+            </a:r>
+            <a:r>
+              <a:rPr lang="ko-KR" altLang="en-US" sz="1200" dirty="0"/>
+              <a:t>예를 들어 다른 주변 기기에서 </a:t>
+            </a:r>
+            <a:r>
+              <a:rPr lang="en-US" altLang="ko-KR" sz="1200" dirty="0"/>
+              <a:t>Input</a:t>
+            </a:r>
+            <a:r>
+              <a:rPr lang="ko-KR" altLang="en-US" sz="1200" dirty="0"/>
+              <a:t>이 있거나 </a:t>
+            </a:r>
+            <a:r>
+              <a:rPr lang="en-US" altLang="ko-KR" sz="1200" dirty="0"/>
+              <a:t>Storage</a:t>
+            </a:r>
+            <a:r>
+              <a:rPr lang="ko-KR" altLang="en-US" sz="1200" dirty="0"/>
+              <a:t>에서 데이터를 </a:t>
+            </a:r>
+            <a:r>
+              <a:rPr lang="ko-KR" altLang="en-US" sz="1200" dirty="0" err="1"/>
+              <a:t>받아온다던지</a:t>
+            </a:r>
+            <a:r>
+              <a:rPr lang="ko-KR" altLang="en-US" sz="1200" dirty="0"/>
+              <a:t> </a:t>
+            </a:r>
+            <a:r>
+              <a:rPr lang="ko-KR" altLang="en-US" sz="1200" dirty="0" err="1"/>
+              <a:t>이럴때는</a:t>
+            </a:r>
+            <a:r>
+              <a:rPr lang="ko-KR" altLang="en-US" sz="1200" dirty="0"/>
+              <a:t> </a:t>
+            </a:r>
+            <a:r>
+              <a:rPr lang="en-US" altLang="ko-KR" sz="1200" dirty="0"/>
+              <a:t>OS Process Logic</a:t>
+            </a:r>
+            <a:r>
+              <a:rPr lang="ko-KR" altLang="en-US" sz="1200" dirty="0"/>
+              <a:t>을 태워야 한다</a:t>
+            </a:r>
+            <a:r>
+              <a:rPr lang="en-US" altLang="ko-KR" sz="1200" dirty="0"/>
+              <a:t>. </a:t>
+            </a:r>
+            <a:r>
+              <a:rPr lang="ko-KR" altLang="en-US" sz="1200" dirty="0" err="1"/>
+              <a:t>이럴때</a:t>
+            </a:r>
+            <a:r>
+              <a:rPr lang="ko-KR" altLang="en-US" sz="1200" dirty="0"/>
+              <a:t> </a:t>
+            </a:r>
+            <a:r>
+              <a:rPr lang="en-US" altLang="ko-KR" sz="1200" dirty="0"/>
+              <a:t>App1</a:t>
+            </a:r>
+            <a:r>
+              <a:rPr lang="ko-KR" altLang="en-US" sz="1200" dirty="0"/>
+              <a:t>을 읽다가 </a:t>
+            </a:r>
+            <a:r>
+              <a:rPr lang="en-US" altLang="ko-KR" sz="1200" dirty="0"/>
+              <a:t>OS process</a:t>
+            </a:r>
+            <a:r>
+              <a:rPr lang="ko-KR" altLang="en-US" sz="1200" dirty="0"/>
+              <a:t>에 있는 </a:t>
+            </a:r>
+            <a:r>
+              <a:rPr lang="en-US" altLang="ko-KR" sz="1200" dirty="0"/>
+              <a:t>Logic</a:t>
+            </a:r>
+            <a:r>
+              <a:rPr lang="ko-KR" altLang="en-US" sz="1200" dirty="0"/>
+              <a:t>을 읽어야 하므로 </a:t>
+            </a:r>
+            <a:r>
+              <a:rPr lang="en-US" altLang="ko-KR" sz="1200" dirty="0"/>
+              <a:t>OS Process</a:t>
+            </a:r>
+            <a:r>
+              <a:rPr lang="ko-KR" altLang="en-US" sz="1200" dirty="0"/>
+              <a:t>의 특정 </a:t>
+            </a:r>
+            <a:r>
+              <a:rPr lang="en-US" altLang="ko-KR" sz="1200" dirty="0"/>
+              <a:t>Logic (</a:t>
+            </a:r>
+            <a:r>
+              <a:rPr lang="ko-KR" altLang="en-US" sz="1200" dirty="0"/>
+              <a:t>여기서는 파일 </a:t>
+            </a:r>
+            <a:r>
+              <a:rPr lang="en-US" altLang="ko-KR" sz="1200" dirty="0"/>
+              <a:t>Read</a:t>
+            </a:r>
+            <a:r>
+              <a:rPr lang="ko-KR" altLang="en-US" sz="1200" dirty="0"/>
+              <a:t>관련한</a:t>
+            </a:r>
+            <a:r>
+              <a:rPr lang="en-US" altLang="ko-KR" sz="1200" dirty="0"/>
+              <a:t>)</a:t>
+            </a:r>
+            <a:r>
+              <a:rPr lang="ko-KR" altLang="en-US" sz="1200" dirty="0"/>
+              <a:t>을 </a:t>
+            </a:r>
+            <a:r>
+              <a:rPr lang="ko-KR" altLang="en-US" sz="1200" dirty="0" err="1"/>
+              <a:t>읽게된다</a:t>
+            </a:r>
+            <a:r>
+              <a:rPr lang="en-US" altLang="ko-KR" sz="1200" dirty="0"/>
+              <a:t>. </a:t>
+            </a:r>
+            <a:r>
+              <a:rPr lang="ko-KR" altLang="en-US" sz="1200" dirty="0"/>
+              <a:t>이때 </a:t>
+            </a:r>
+            <a:r>
+              <a:rPr lang="en-US" altLang="ko-KR" sz="1200" dirty="0"/>
+              <a:t>Kernel Mode</a:t>
+            </a:r>
+            <a:r>
+              <a:rPr lang="ko-KR" altLang="en-US" sz="1200" dirty="0"/>
+              <a:t>라 한다</a:t>
+            </a:r>
+            <a:r>
+              <a:rPr lang="en-US" altLang="ko-KR" sz="1200" dirty="0"/>
+              <a:t>. CPU</a:t>
+            </a:r>
+            <a:r>
+              <a:rPr lang="ko-KR" altLang="en-US" sz="1200" dirty="0"/>
+              <a:t>가 </a:t>
+            </a:r>
+            <a:r>
+              <a:rPr lang="en-US" altLang="ko-KR" sz="1200" dirty="0" err="1"/>
+              <a:t>Os</a:t>
+            </a:r>
+            <a:r>
+              <a:rPr lang="en-US" altLang="ko-KR" sz="1200" dirty="0"/>
+              <a:t> Logic</a:t>
+            </a:r>
+            <a:r>
+              <a:rPr lang="ko-KR" altLang="en-US" sz="1200" dirty="0"/>
+              <a:t>을 수행하고 </a:t>
+            </a:r>
+            <a:r>
+              <a:rPr lang="ko-KR" altLang="en-US" sz="1200" dirty="0" err="1"/>
+              <a:t>있을때</a:t>
+            </a:r>
+            <a:r>
+              <a:rPr lang="ko-KR" altLang="en-US" sz="1200" dirty="0"/>
+              <a:t> 어차피 </a:t>
+            </a:r>
+            <a:r>
+              <a:rPr lang="en-US" altLang="ko-KR" sz="1200" dirty="0"/>
+              <a:t>OS</a:t>
+            </a:r>
+            <a:r>
+              <a:rPr lang="ko-KR" altLang="en-US" sz="1200" dirty="0"/>
+              <a:t>또한 </a:t>
+            </a:r>
+            <a:r>
+              <a:rPr lang="en-US" altLang="ko-KR" sz="1200" dirty="0"/>
+              <a:t>Process</a:t>
+            </a:r>
+            <a:r>
+              <a:rPr lang="ko-KR" altLang="en-US" sz="1200" dirty="0"/>
+              <a:t>이고 그 안의 작업 단위를 똑같이 </a:t>
+            </a:r>
+            <a:r>
+              <a:rPr lang="en-US" altLang="ko-KR" sz="1200" dirty="0"/>
+              <a:t>thread</a:t>
+            </a:r>
+            <a:r>
+              <a:rPr lang="ko-KR" altLang="en-US" sz="1200" dirty="0"/>
+              <a:t>단위로 </a:t>
+            </a:r>
+            <a:r>
+              <a:rPr lang="ko-KR" altLang="en-US" sz="1200" dirty="0" err="1"/>
+              <a:t>할텐데</a:t>
+            </a:r>
+            <a:r>
+              <a:rPr lang="en-US" altLang="ko-KR" sz="1200" dirty="0"/>
+              <a:t>, </a:t>
+            </a:r>
+            <a:r>
+              <a:rPr lang="ko-KR" altLang="en-US" sz="1200" dirty="0"/>
+              <a:t>이때의 </a:t>
+            </a:r>
+            <a:r>
+              <a:rPr lang="en-US" altLang="ko-KR" sz="1200" dirty="0"/>
+              <a:t>thread</a:t>
+            </a:r>
+            <a:r>
+              <a:rPr lang="ko-KR" altLang="en-US" sz="1200" dirty="0"/>
+              <a:t>를 </a:t>
+            </a:r>
+            <a:r>
+              <a:rPr lang="en-US" altLang="ko-KR" sz="1200" dirty="0"/>
+              <a:t>Kernel Thread</a:t>
+            </a:r>
+            <a:r>
+              <a:rPr lang="ko-KR" altLang="en-US" sz="1200" dirty="0"/>
+              <a:t>라 한다</a:t>
+            </a:r>
+            <a:r>
+              <a:rPr lang="en-US" altLang="ko-KR" sz="1200" dirty="0"/>
+              <a:t>.</a:t>
+            </a:r>
+            <a:endParaRPr lang="ko-KR" altLang="en-US" sz="1200" dirty="0"/>
+          </a:p>
+          <a:p>
+            <a:endParaRPr lang="en-US" altLang="ko-KR" dirty="0"/>
+          </a:p>
+          <a:p>
+            <a:r>
+              <a:rPr lang="ko-KR" altLang="en-US" dirty="0"/>
+              <a:t>그리고 여기서 </a:t>
+            </a:r>
+            <a:r>
+              <a:rPr lang="ko-KR" altLang="en-US" dirty="0" err="1"/>
+              <a:t>알수</a:t>
+            </a:r>
+            <a:r>
+              <a:rPr lang="ko-KR" altLang="en-US" dirty="0"/>
+              <a:t> 있겠지만 </a:t>
+            </a:r>
+            <a:r>
+              <a:rPr lang="en-US" altLang="ko-KR" dirty="0"/>
+              <a:t>System Call</a:t>
+            </a:r>
+            <a:r>
+              <a:rPr lang="ko-KR" altLang="en-US" dirty="0"/>
+              <a:t>은 </a:t>
+            </a:r>
+            <a:r>
+              <a:rPr lang="en-US" altLang="ko-KR" dirty="0"/>
+              <a:t>OS Process</a:t>
+            </a:r>
+            <a:r>
+              <a:rPr lang="ko-KR" altLang="en-US" dirty="0"/>
+              <a:t>가 가지고 있는 </a:t>
+            </a:r>
+            <a:r>
+              <a:rPr lang="en-US" altLang="ko-KR" dirty="0"/>
+              <a:t>logic (method)</a:t>
+            </a:r>
+            <a:r>
+              <a:rPr lang="ko-KR" altLang="en-US" dirty="0"/>
+              <a:t>를 호출하는 행위를 의미한다</a:t>
+            </a:r>
+            <a:r>
+              <a:rPr lang="en-US" altLang="ko-KR" dirty="0"/>
+              <a:t>. </a:t>
+            </a:r>
+            <a:r>
+              <a:rPr lang="ko-KR" altLang="en-US" dirty="0"/>
+              <a:t>보통 </a:t>
+            </a:r>
+            <a:r>
+              <a:rPr lang="en-US" altLang="ko-KR" dirty="0"/>
+              <a:t>OS Logic</a:t>
+            </a:r>
+            <a:r>
+              <a:rPr lang="ko-KR" altLang="en-US" dirty="0"/>
+              <a:t>은 </a:t>
+            </a:r>
+            <a:r>
+              <a:rPr lang="en-US" altLang="ko-KR" dirty="0"/>
+              <a:t>Process</a:t>
+            </a:r>
+            <a:r>
+              <a:rPr lang="ko-KR" altLang="en-US" dirty="0"/>
+              <a:t>관련 관리 </a:t>
+            </a:r>
+            <a:r>
+              <a:rPr lang="ko-KR" altLang="en-US" dirty="0" err="1"/>
+              <a:t>로직</a:t>
+            </a:r>
+            <a:r>
+              <a:rPr lang="en-US" altLang="ko-KR" dirty="0"/>
+              <a:t>, Hardware </a:t>
+            </a:r>
+            <a:r>
+              <a:rPr lang="ko-KR" altLang="en-US" dirty="0"/>
+              <a:t>제어 </a:t>
+            </a:r>
+            <a:r>
+              <a:rPr lang="ko-KR" altLang="en-US" dirty="0" err="1"/>
+              <a:t>로직등이</a:t>
+            </a:r>
+            <a:r>
+              <a:rPr lang="ko-KR" altLang="en-US" dirty="0"/>
+              <a:t> 들어가 있다</a:t>
+            </a:r>
+            <a:r>
+              <a:rPr lang="en-US" altLang="ko-KR" dirty="0"/>
+              <a:t>.</a:t>
+            </a:r>
+            <a:endParaRPr lang="ko-KR" altLang="en-US" dirty="0"/>
+          </a:p>
+        </p:txBody>
+      </p:sp>
+      <p:sp>
+        <p:nvSpPr>
+          <p:cNvPr id="4" name="슬라이드 번호 개체 틀 3"/>
+          <p:cNvSpPr>
+            <a:spLocks noGrp="1"/>
+          </p:cNvSpPr>
+          <p:nvPr>
+            <p:ph type="sldNum" sz="quarter" idx="10"/>
+          </p:nvPr>
+        </p:nvSpPr>
+        <p:spPr/>
+        <p:txBody>
+          <a:bodyPr/>
+          <a:lstStyle/>
+          <a:p>
+            <a:fld id="{16AFB6E1-9A93-4EBD-AB39-332ADB6F73BD}" type="slidenum">
+              <a:rPr lang="ko-KR" altLang="en-US" smtClean="0"/>
+              <a:t>16</a:t>
+            </a:fld>
+            <a:endParaRPr lang="ko-KR" altLang="en-US"/>
+          </a:p>
+        </p:txBody>
+      </p:sp>
+    </p:spTree>
+    <p:extLst>
+      <p:ext uri="{BB962C8B-B14F-4D97-AF65-F5344CB8AC3E}">
+        <p14:creationId xmlns:p14="http://schemas.microsoft.com/office/powerpoint/2010/main" val="2449296183"/>
+      </p:ext>
+    </p:extLst>
+  </p:cSld>
+  <p:clrMapOvr>
+    <a:masterClrMapping/>
+  </p:clrMapOvr>
+</p:notes>
+</file>
+
+<file path=ppt/notesSlides/notesSlide9.xml><?xml version="1.0" encoding="utf-8"?>
+<p:notes xmlns:a="http://schemas.openxmlformats.org/drawingml/2006/main" xmlns:r="http://schemas.openxmlformats.org/officeDocument/2006/relationships" xmlns:p="http://schemas.openxmlformats.org/presentationml/2006/main">
+  <p:cSld>
+    <p:spTree>
+      <p:nvGrpSpPr>
+        <p:cNvPr id="1" name=""/>
+        <p:cNvGrpSpPr/>
+        <p:nvPr/>
+      </p:nvGrpSpPr>
+      <p:grpSpPr>
+        <a:xfrm>
+          <a:off x="0" y="0"/>
+          <a:ext cx="0" cy="0"/>
+          <a:chOff x="0" y="0"/>
+          <a:chExt cx="0" cy="0"/>
+        </a:xfrm>
+      </p:grpSpPr>
+      <p:sp>
+        <p:nvSpPr>
+          <p:cNvPr id="2" name="슬라이드 이미지 개체 틀 1"/>
+          <p:cNvSpPr>
+            <a:spLocks noGrp="1" noRot="1" noChangeAspect="1"/>
+          </p:cNvSpPr>
+          <p:nvPr>
+            <p:ph type="sldImg"/>
+          </p:nvPr>
+        </p:nvSpPr>
+        <p:spPr/>
+      </p:sp>
+      <p:sp>
+        <p:nvSpPr>
+          <p:cNvPr id="3" name="슬라이드 노트 개체 틀 2"/>
+          <p:cNvSpPr>
+            <a:spLocks noGrp="1"/>
+          </p:cNvSpPr>
+          <p:nvPr>
+            <p:ph type="body" idx="1"/>
+          </p:nvPr>
+        </p:nvSpPr>
+        <p:spPr/>
+        <p:txBody>
+          <a:bodyPr/>
+          <a:lstStyle/>
+          <a:p>
             <a:endParaRPr kumimoji="1" lang="ko-KR" altLang="en-US" dirty="0"/>
           </a:p>
         </p:txBody>
@@ -1692,7 +1945,7 @@
           <a:p>
             <a:fld id="{16AFB6E1-9A93-4EBD-AB39-332ADB6F73BD}" type="slidenum">
               <a:rPr lang="ko-KR" altLang="en-US" smtClean="0"/>
-              <a:t>16</a:t>
+              <a:t>17</a:t>
             </a:fld>
             <a:endParaRPr lang="ko-KR" altLang="en-US"/>
           </a:p>
@@ -5044,6 +5297,153 @@
       </p:grpSpPr>
       <p:sp>
         <p:nvSpPr>
+          <p:cNvPr id="20" name="TextBox 19">
+            <a:extLst>
+              <a:ext uri="{FF2B5EF4-FFF2-40B4-BE49-F238E27FC236}">
+                <a16:creationId xmlns:a16="http://schemas.microsoft.com/office/drawing/2014/main" id="{24A8B8FC-ED97-BD8A-4C78-CFA67C8E63C0}"/>
+              </a:ext>
+            </a:extLst>
+          </p:cNvPr>
+          <p:cNvSpPr txBox="1"/>
+          <p:nvPr/>
+        </p:nvSpPr>
+        <p:spPr>
+          <a:xfrm>
+            <a:off x="283336" y="231820"/>
+            <a:ext cx="11049060" cy="338554"/>
+          </a:xfrm>
+          <a:prstGeom prst="rect">
+            <a:avLst/>
+          </a:prstGeom>
+          <a:noFill/>
+        </p:spPr>
+        <p:txBody>
+          <a:bodyPr wrap="square" rtlCol="0">
+            <a:spAutoFit/>
+          </a:bodyPr>
+          <a:lstStyle/>
+          <a:p>
+            <a:r>
+              <a:rPr kumimoji="1" lang="en-US" altLang="ko-KR" sz="1600" b="1" dirty="0" smtClean="0"/>
+              <a:t>Q.3.3 </a:t>
+            </a:r>
+            <a:r>
+              <a:rPr kumimoji="1" lang="ko-KR" altLang="en-US" sz="1600" b="1" dirty="0" err="1" smtClean="0"/>
+              <a:t>파생질문</a:t>
+            </a:r>
+            <a:r>
+              <a:rPr kumimoji="1" lang="en-US" altLang="ko-KR" sz="1600" b="1" dirty="0" smtClean="0"/>
+              <a:t>) </a:t>
+            </a:r>
+            <a:r>
+              <a:rPr kumimoji="1" lang="en-US" altLang="ko-KR" sz="1600" b="1" dirty="0" smtClean="0"/>
+              <a:t>Page Table</a:t>
+            </a:r>
+            <a:r>
+              <a:rPr kumimoji="1" lang="ko-KR" altLang="en-US" sz="1600" b="1" dirty="0" smtClean="0"/>
+              <a:t>은 어떻게 만들어지고 관리되는가</a:t>
+            </a:r>
+            <a:r>
+              <a:rPr kumimoji="1" lang="en-US" altLang="ko-KR" sz="1600" b="1" dirty="0" smtClean="0"/>
+              <a:t>?</a:t>
+            </a:r>
+            <a:endParaRPr kumimoji="1" lang="ko-KR" altLang="en-US" sz="1600" b="1" dirty="0"/>
+          </a:p>
+        </p:txBody>
+      </p:sp>
+      <p:sp>
+        <p:nvSpPr>
+          <p:cNvPr id="3" name="직사각형 2"/>
+          <p:cNvSpPr/>
+          <p:nvPr/>
+        </p:nvSpPr>
+        <p:spPr>
+          <a:xfrm>
+            <a:off x="726040" y="856198"/>
+            <a:ext cx="9784422" cy="307777"/>
+          </a:xfrm>
+          <a:prstGeom prst="rect">
+            <a:avLst/>
+          </a:prstGeom>
+        </p:spPr>
+        <p:txBody>
+          <a:bodyPr wrap="square">
+            <a:spAutoFit/>
+          </a:bodyPr>
+          <a:lstStyle/>
+          <a:p>
+            <a:r>
+              <a:rPr lang="en-US" altLang="ko-KR" sz="1400" b="1" dirty="0"/>
+              <a:t>CPU</a:t>
+            </a:r>
+            <a:r>
+              <a:rPr lang="ko-KR" altLang="en-US" sz="1400" b="1" dirty="0"/>
+              <a:t>의 </a:t>
+            </a:r>
+            <a:r>
+              <a:rPr lang="en-US" altLang="ko-KR" sz="1400" b="1" dirty="0"/>
+              <a:t>CR3 </a:t>
+            </a:r>
+            <a:r>
+              <a:rPr lang="ko-KR" altLang="en-US" sz="1400" b="1" dirty="0"/>
+              <a:t>레지스터</a:t>
+            </a:r>
+            <a:r>
+              <a:rPr lang="ko-KR" altLang="en-US" sz="1400" dirty="0"/>
+              <a:t>에는 </a:t>
+            </a:r>
+            <a:r>
+              <a:rPr lang="ko-KR" altLang="en-US" sz="1400" b="1" dirty="0"/>
+              <a:t>현재 활성화된 프로세스의 페이지 테이블 주소</a:t>
+            </a:r>
+            <a:r>
+              <a:rPr lang="ko-KR" altLang="en-US" sz="1400" dirty="0"/>
+              <a:t>가 </a:t>
+            </a:r>
+            <a:r>
+              <a:rPr lang="ko-KR" altLang="en-US" sz="1400" dirty="0" smtClean="0"/>
+              <a:t>저장되어 있다</a:t>
+            </a:r>
+            <a:r>
+              <a:rPr lang="en-US" altLang="ko-KR" sz="1400" dirty="0" smtClean="0"/>
+              <a:t>.</a:t>
+            </a:r>
+            <a:endParaRPr lang="ko-KR" altLang="en-US" sz="1400" dirty="0"/>
+          </a:p>
+        </p:txBody>
+      </p:sp>
+    </p:spTree>
+    <p:extLst>
+      <p:ext uri="{BB962C8B-B14F-4D97-AF65-F5344CB8AC3E}">
+        <p14:creationId xmlns:p14="http://schemas.microsoft.com/office/powerpoint/2010/main" val="982899028"/>
+      </p:ext>
+    </p:extLst>
+  </p:cSld>
+  <p:clrMapOvr>
+    <a:masterClrMapping/>
+  </p:clrMapOvr>
+</p:sld>
+</file>
+
+<file path=ppt/slides/slide11.xml><?xml version="1.0" encoding="utf-8"?>
+<p:sld xmlns:a="http://schemas.openxmlformats.org/drawingml/2006/main" xmlns:r="http://schemas.openxmlformats.org/officeDocument/2006/relationships" xmlns:p="http://schemas.openxmlformats.org/presentationml/2006/main">
+  <p:cSld>
+    <p:spTree>
+      <p:nvGrpSpPr>
+        <p:cNvPr id="1" name=""/>
+        <p:cNvGrpSpPr/>
+        <p:nvPr/>
+      </p:nvGrpSpPr>
+      <p:grpSpPr>
+        <a:xfrm>
+          <a:off x="0" y="0"/>
+          <a:ext cx="0" cy="0"/>
+          <a:chOff x="0" y="0"/>
+          <a:chExt cx="0" cy="0"/>
+        </a:xfrm>
+      </p:grpSpPr>
+      <p:sp>
+        <p:nvSpPr>
           <p:cNvPr id="4" name="TextBox 3">
             <a:extLst>
               <a:ext uri="{FF2B5EF4-FFF2-40B4-BE49-F238E27FC236}">
@@ -5175,7 +5575,7 @@
 </p:sld>
 </file>
 
-<file path=ppt/slides/slide11.xml><?xml version="1.0" encoding="utf-8"?>
+<file path=ppt/slides/slide12.xml><?xml version="1.0" encoding="utf-8"?>
 <p:sld xmlns:a="http://schemas.openxmlformats.org/drawingml/2006/main" xmlns:r="http://schemas.openxmlformats.org/officeDocument/2006/relationships" xmlns:p="http://schemas.openxmlformats.org/presentationml/2006/main">
   <p:cSld>
     <p:spTree>
@@ -5281,7 +5681,7 @@
 </p:sld>
 </file>
 
-<file path=ppt/slides/slide12.xml><?xml version="1.0" encoding="utf-8"?>
+<file path=ppt/slides/slide13.xml><?xml version="1.0" encoding="utf-8"?>
 <p:sld xmlns:a="http://schemas.openxmlformats.org/drawingml/2006/main" xmlns:r="http://schemas.openxmlformats.org/officeDocument/2006/relationships" xmlns:p="http://schemas.openxmlformats.org/presentationml/2006/main">
   <p:cSld>
     <p:spTree>
@@ -5707,7 +6107,7 @@
 </p:sld>
 </file>
 
-<file path=ppt/slides/slide13.xml><?xml version="1.0" encoding="utf-8"?>
+<file path=ppt/slides/slide14.xml><?xml version="1.0" encoding="utf-8"?>
 <p:sld xmlns:a="http://schemas.openxmlformats.org/drawingml/2006/main" xmlns:r="http://schemas.openxmlformats.org/officeDocument/2006/relationships" xmlns:p="http://schemas.openxmlformats.org/presentationml/2006/main">
   <p:cSld>
     <p:spTree>
@@ -5841,7 +6241,7 @@
 </p:sld>
 </file>
 
-<file path=ppt/slides/slide14.xml><?xml version="1.0" encoding="utf-8"?>
+<file path=ppt/slides/slide15.xml><?xml version="1.0" encoding="utf-8"?>
 <p:sld xmlns:a="http://schemas.openxmlformats.org/drawingml/2006/main" xmlns:r="http://schemas.openxmlformats.org/officeDocument/2006/relationships" xmlns:p="http://schemas.openxmlformats.org/presentationml/2006/main">
   <p:cSld>
     <p:spTree>
@@ -7944,7 +8344,7 @@
 </p:sld>
 </file>
 
-<file path=ppt/slides/slide15.xml><?xml version="1.0" encoding="utf-8"?>
+<file path=ppt/slides/slide16.xml><?xml version="1.0" encoding="utf-8"?>
 <p:sld xmlns:a="http://schemas.openxmlformats.org/drawingml/2006/main" xmlns:r="http://schemas.openxmlformats.org/officeDocument/2006/relationships" xmlns:p="http://schemas.openxmlformats.org/presentationml/2006/main">
   <p:cSld>
     <p:spTree>
@@ -10196,7 +10596,7 @@
 </p:sld>
 </file>
 
-<file path=ppt/slides/slide16.xml><?xml version="1.0" encoding="utf-8"?>
+<file path=ppt/slides/slide17.xml><?xml version="1.0" encoding="utf-8"?>
 <p:sld xmlns:a="http://schemas.openxmlformats.org/drawingml/2006/main" xmlns:r="http://schemas.openxmlformats.org/officeDocument/2006/relationships" xmlns:p="http://schemas.openxmlformats.org/presentationml/2006/main">
   <p:cSld>
     <p:spTree>
@@ -12398,7 +12798,7 @@
 </p:sld>
 </file>
 
-<file path=ppt/slides/slide17.xml><?xml version="1.0" encoding="utf-8"?>
+<file path=ppt/slides/slide18.xml><?xml version="1.0" encoding="utf-8"?>
 <p:sld xmlns:a="http://schemas.openxmlformats.org/drawingml/2006/main" xmlns:r="http://schemas.openxmlformats.org/officeDocument/2006/relationships" xmlns:p="http://schemas.openxmlformats.org/presentationml/2006/main">
   <p:cSld>
     <p:spTree>
@@ -12731,136 +13131,6 @@
     <p:extLst>
       <p:ext uri="{BB962C8B-B14F-4D97-AF65-F5344CB8AC3E}">
         <p14:creationId xmlns:p14="http://schemas.microsoft.com/office/powerpoint/2010/main" val="3202208965"/>
-      </p:ext>
-    </p:extLst>
-  </p:cSld>
-  <p:clrMapOvr>
-    <a:masterClrMapping/>
-  </p:clrMapOvr>
-</p:sld>
-</file>
-
-<file path=ppt/slides/slide18.xml><?xml version="1.0" encoding="utf-8"?>
-<p:sld xmlns:a="http://schemas.openxmlformats.org/drawingml/2006/main" xmlns:r="http://schemas.openxmlformats.org/officeDocument/2006/relationships" xmlns:p="http://schemas.openxmlformats.org/presentationml/2006/main">
-  <p:cSld>
-    <p:spTree>
-      <p:nvGrpSpPr>
-        <p:cNvPr id="1" name=""/>
-        <p:cNvGrpSpPr/>
-        <p:nvPr/>
-      </p:nvGrpSpPr>
-      <p:grpSpPr>
-        <a:xfrm>
-          <a:off x="0" y="0"/>
-          <a:ext cx="0" cy="0"/>
-          <a:chOff x="0" y="0"/>
-          <a:chExt cx="0" cy="0"/>
-        </a:xfrm>
-      </p:grpSpPr>
-      <p:sp>
-        <p:nvSpPr>
-          <p:cNvPr id="2" name="TextBox 1">
-            <a:extLst>
-              <a:ext uri="{FF2B5EF4-FFF2-40B4-BE49-F238E27FC236}">
-                <a16:creationId xmlns:a16="http://schemas.microsoft.com/office/drawing/2014/main" id="{A09F0C74-C86F-1C36-4837-020D358F34B9}"/>
-              </a:ext>
-            </a:extLst>
-          </p:cNvPr>
-          <p:cNvSpPr txBox="1"/>
-          <p:nvPr/>
-        </p:nvSpPr>
-        <p:spPr>
-          <a:xfrm>
-            <a:off x="485421" y="345203"/>
-            <a:ext cx="9358489" cy="369332"/>
-          </a:xfrm>
-          <a:prstGeom prst="rect">
-            <a:avLst/>
-          </a:prstGeom>
-          <a:noFill/>
-        </p:spPr>
-        <p:txBody>
-          <a:bodyPr wrap="square" rtlCol="0">
-            <a:spAutoFit/>
-          </a:bodyPr>
-          <a:lstStyle/>
-          <a:p>
-            <a:r>
-              <a:rPr kumimoji="1" lang="en-US" altLang="ko-KR" dirty="0"/>
-              <a:t>Q3) Blocking / Non-Blocking I/O</a:t>
-            </a:r>
-            <a:r>
-              <a:rPr kumimoji="1" lang="ko-KR" altLang="en-US" dirty="0"/>
-              <a:t>에 대해서 </a:t>
-            </a:r>
-            <a:r>
-              <a:rPr kumimoji="1" lang="ko-KR" altLang="en-US" dirty="0" err="1"/>
-              <a:t>설명해보시오</a:t>
-            </a:r>
-            <a:r>
-              <a:rPr kumimoji="1" lang="en-US" altLang="ko-KR" dirty="0"/>
-              <a:t>.</a:t>
-            </a:r>
-            <a:endParaRPr kumimoji="1" lang="ko-KR" altLang="en-US" dirty="0"/>
-          </a:p>
-        </p:txBody>
-      </p:sp>
-      <p:sp>
-        <p:nvSpPr>
-          <p:cNvPr id="3" name="TextBox 2">
-            <a:extLst>
-              <a:ext uri="{FF2B5EF4-FFF2-40B4-BE49-F238E27FC236}">
-                <a16:creationId xmlns:a16="http://schemas.microsoft.com/office/drawing/2014/main" id="{8BD3895B-3919-92F7-C83A-E6F2BB3B3B73}"/>
-              </a:ext>
-            </a:extLst>
-          </p:cNvPr>
-          <p:cNvSpPr txBox="1"/>
-          <p:nvPr/>
-        </p:nvSpPr>
-        <p:spPr>
-          <a:xfrm>
-            <a:off x="485421" y="2841558"/>
-            <a:ext cx="9358489" cy="369332"/>
-          </a:xfrm>
-          <a:prstGeom prst="rect">
-            <a:avLst/>
-          </a:prstGeom>
-          <a:noFill/>
-        </p:spPr>
-        <p:txBody>
-          <a:bodyPr wrap="square" rtlCol="0">
-            <a:spAutoFit/>
-          </a:bodyPr>
-          <a:lstStyle/>
-          <a:p>
-            <a:r>
-              <a:rPr kumimoji="1" lang="en-US" altLang="ko-KR" dirty="0"/>
-              <a:t>Q4) </a:t>
-            </a:r>
-            <a:r>
-              <a:rPr kumimoji="1" lang="ko-KR" altLang="en-US" dirty="0"/>
-              <a:t>비트연산과 </a:t>
-            </a:r>
-            <a:r>
-              <a:rPr kumimoji="1" lang="ko-KR" altLang="en-US" dirty="0" err="1"/>
-              <a:t>엔디안에</a:t>
-            </a:r>
-            <a:r>
-              <a:rPr kumimoji="1" lang="ko-KR" altLang="en-US" dirty="0"/>
-              <a:t> 대해 </a:t>
-            </a:r>
-            <a:r>
-              <a:rPr kumimoji="1" lang="ko-KR" altLang="en-US" dirty="0" err="1"/>
-              <a:t>설명해보시오</a:t>
-            </a:r>
-            <a:endParaRPr kumimoji="1" lang="ko-KR" altLang="en-US" dirty="0"/>
-          </a:p>
-        </p:txBody>
-      </p:sp>
-    </p:spTree>
-    <p:extLst>
-      <p:ext uri="{BB962C8B-B14F-4D97-AF65-F5344CB8AC3E}">
-        <p14:creationId xmlns:p14="http://schemas.microsoft.com/office/powerpoint/2010/main" val="3665004036"/>
       </p:ext>
     </p:extLst>
   </p:cSld>
@@ -12917,11 +13187,67 @@
           <a:p>
             <a:r>
               <a:rPr kumimoji="1" lang="en-US" altLang="ko-KR" dirty="0"/>
-              <a:t>Q5) </a:t>
+              <a:t>Q3) Blocking / Non-Blocking I/O</a:t>
             </a:r>
             <a:r>
               <a:rPr kumimoji="1" lang="ko-KR" altLang="en-US" dirty="0"/>
-              <a:t>컴퓨터의 데이터와 비트에 대해서 </a:t>
+              <a:t>에 대해서 </a:t>
+            </a:r>
+            <a:r>
+              <a:rPr kumimoji="1" lang="ko-KR" altLang="en-US" dirty="0" err="1"/>
+              <a:t>설명해보시오</a:t>
+            </a:r>
+            <a:r>
+              <a:rPr kumimoji="1" lang="en-US" altLang="ko-KR" dirty="0"/>
+              <a:t>.</a:t>
+            </a:r>
+            <a:endParaRPr kumimoji="1" lang="ko-KR" altLang="en-US" dirty="0"/>
+          </a:p>
+        </p:txBody>
+      </p:sp>
+      <p:sp>
+        <p:nvSpPr>
+          <p:cNvPr id="3" name="TextBox 2">
+            <a:extLst>
+              <a:ext uri="{FF2B5EF4-FFF2-40B4-BE49-F238E27FC236}">
+                <a16:creationId xmlns:a16="http://schemas.microsoft.com/office/drawing/2014/main" id="{8BD3895B-3919-92F7-C83A-E6F2BB3B3B73}"/>
+              </a:ext>
+            </a:extLst>
+          </p:cNvPr>
+          <p:cNvSpPr txBox="1"/>
+          <p:nvPr/>
+        </p:nvSpPr>
+        <p:spPr>
+          <a:xfrm>
+            <a:off x="485421" y="2841558"/>
+            <a:ext cx="9358489" cy="369332"/>
+          </a:xfrm>
+          <a:prstGeom prst="rect">
+            <a:avLst/>
+          </a:prstGeom>
+          <a:noFill/>
+        </p:spPr>
+        <p:txBody>
+          <a:bodyPr wrap="square" rtlCol="0">
+            <a:spAutoFit/>
+          </a:bodyPr>
+          <a:lstStyle/>
+          <a:p>
+            <a:r>
+              <a:rPr kumimoji="1" lang="en-US" altLang="ko-KR" dirty="0"/>
+              <a:t>Q4) </a:t>
+            </a:r>
+            <a:r>
+              <a:rPr kumimoji="1" lang="ko-KR" altLang="en-US" dirty="0"/>
+              <a:t>비트연산과 </a:t>
+            </a:r>
+            <a:r>
+              <a:rPr kumimoji="1" lang="ko-KR" altLang="en-US" dirty="0" err="1"/>
+              <a:t>엔디안에</a:t>
+            </a:r>
+            <a:r>
+              <a:rPr kumimoji="1" lang="ko-KR" altLang="en-US" dirty="0"/>
+              <a:t> 대해 </a:t>
             </a:r>
             <a:r>
               <a:rPr kumimoji="1" lang="ko-KR" altLang="en-US" dirty="0" err="1"/>
@@ -12934,7 +13260,7 @@
     </p:spTree>
     <p:extLst>
       <p:ext uri="{BB962C8B-B14F-4D97-AF65-F5344CB8AC3E}">
-        <p14:creationId xmlns:p14="http://schemas.microsoft.com/office/powerpoint/2010/main" val="2856679831"/>
+        <p14:creationId xmlns:p14="http://schemas.microsoft.com/office/powerpoint/2010/main" val="3665004036"/>
       </p:ext>
     </p:extLst>
   </p:cSld>
@@ -15374,6 +15700,80 @@
 </file>
 
 <file path=ppt/slides/slide20.xml><?xml version="1.0" encoding="utf-8"?>
+<p:sld xmlns:a="http://schemas.openxmlformats.org/drawingml/2006/main" xmlns:r="http://schemas.openxmlformats.org/officeDocument/2006/relationships" xmlns:p="http://schemas.openxmlformats.org/presentationml/2006/main">
+  <p:cSld>
+    <p:spTree>
+      <p:nvGrpSpPr>
+        <p:cNvPr id="1" name=""/>
+        <p:cNvGrpSpPr/>
+        <p:nvPr/>
+      </p:nvGrpSpPr>
+      <p:grpSpPr>
+        <a:xfrm>
+          <a:off x="0" y="0"/>
+          <a:ext cx="0" cy="0"/>
+          <a:chOff x="0" y="0"/>
+          <a:chExt cx="0" cy="0"/>
+        </a:xfrm>
+      </p:grpSpPr>
+      <p:sp>
+        <p:nvSpPr>
+          <p:cNvPr id="2" name="TextBox 1">
+            <a:extLst>
+              <a:ext uri="{FF2B5EF4-FFF2-40B4-BE49-F238E27FC236}">
+                <a16:creationId xmlns:a16="http://schemas.microsoft.com/office/drawing/2014/main" id="{A09F0C74-C86F-1C36-4837-020D358F34B9}"/>
+              </a:ext>
+            </a:extLst>
+          </p:cNvPr>
+          <p:cNvSpPr txBox="1"/>
+          <p:nvPr/>
+        </p:nvSpPr>
+        <p:spPr>
+          <a:xfrm>
+            <a:off x="485421" y="345203"/>
+            <a:ext cx="9358489" cy="369332"/>
+          </a:xfrm>
+          <a:prstGeom prst="rect">
+            <a:avLst/>
+          </a:prstGeom>
+          <a:noFill/>
+        </p:spPr>
+        <p:txBody>
+          <a:bodyPr wrap="square" rtlCol="0">
+            <a:spAutoFit/>
+          </a:bodyPr>
+          <a:lstStyle/>
+          <a:p>
+            <a:r>
+              <a:rPr kumimoji="1" lang="en-US" altLang="ko-KR" dirty="0"/>
+              <a:t>Q5) </a:t>
+            </a:r>
+            <a:r>
+              <a:rPr kumimoji="1" lang="ko-KR" altLang="en-US" dirty="0"/>
+              <a:t>컴퓨터의 데이터와 비트에 대해서 </a:t>
+            </a:r>
+            <a:r>
+              <a:rPr kumimoji="1" lang="ko-KR" altLang="en-US" dirty="0" err="1"/>
+              <a:t>설명해보시오</a:t>
+            </a:r>
+            <a:endParaRPr kumimoji="1" lang="ko-KR" altLang="en-US" dirty="0"/>
+          </a:p>
+        </p:txBody>
+      </p:sp>
+    </p:spTree>
+    <p:extLst>
+      <p:ext uri="{BB962C8B-B14F-4D97-AF65-F5344CB8AC3E}">
+        <p14:creationId xmlns:p14="http://schemas.microsoft.com/office/powerpoint/2010/main" val="2856679831"/>
+      </p:ext>
+    </p:extLst>
+  </p:cSld>
+  <p:clrMapOvr>
+    <a:masterClrMapping/>
+  </p:clrMapOvr>
+</p:sld>
+</file>
+
+<file path=ppt/slides/slide21.xml><?xml version="1.0" encoding="utf-8"?>
 <p:sld xmlns:a="http://schemas.openxmlformats.org/drawingml/2006/main" xmlns:r="http://schemas.openxmlformats.org/officeDocument/2006/relationships" xmlns:p="http://schemas.openxmlformats.org/presentationml/2006/main">
   <p:cSld>
     <p:spTree>
@@ -22181,13 +22581,13 @@
           <p:nvPr>
             <p:extLst>
               <p:ext uri="{D42A27DB-BD31-4B8C-83A1-F6EECF244321}">
-                <p14:modId xmlns:p14="http://schemas.microsoft.com/office/powerpoint/2010/main" val="1116785999"/>
+                <p14:modId xmlns:p14="http://schemas.microsoft.com/office/powerpoint/2010/main" val="3942326642"/>
               </p:ext>
             </p:extLst>
           </p:nvPr>
         </p:nvGraphicFramePr>
         <p:xfrm>
-          <a:off x="6283162" y="2819201"/>
+          <a:off x="6283162" y="2480156"/>
           <a:ext cx="5049233" cy="2527615"/>
         </p:xfrm>
         <a:graphic>
@@ -22265,7 +22665,7 @@
                     <a:lstStyle/>
                     <a:p>
                       <a:pPr latinLnBrk="1"/>
-                      <a:endParaRPr lang="ko-KR" altLang="en-US"/>
+                      <a:endParaRPr lang="ko-KR" altLang="en-US" dirty="0"/>
                     </a:p>
                   </a:txBody>
                   <a:tcPr/>
@@ -22685,7 +23085,7 @@
         </p:nvSpPr>
         <p:spPr>
           <a:xfrm>
-            <a:off x="9709879" y="4916267"/>
+            <a:off x="9709879" y="4577222"/>
             <a:ext cx="1481070" cy="307777"/>
           </a:xfrm>
           <a:prstGeom prst="rect">
@@ -22732,7 +23132,7 @@
         </p:nvSpPr>
         <p:spPr>
           <a:xfrm>
-            <a:off x="9136190" y="3898342"/>
+            <a:off x="9136190" y="3559297"/>
             <a:ext cx="888643" cy="369332"/>
           </a:xfrm>
           <a:prstGeom prst="rect">
@@ -22768,7 +23168,7 @@
         </p:nvSpPr>
         <p:spPr>
           <a:xfrm>
-            <a:off x="9136190" y="3808611"/>
+            <a:off x="9136190" y="3469566"/>
             <a:ext cx="779172" cy="554886"/>
           </a:xfrm>
           <a:prstGeom prst="roundRect">
@@ -23464,7 +23864,7 @@
                     <a:lstStyle/>
                     <a:p>
                       <a:pPr algn="ctr" latinLnBrk="1"/>
-                      <a:endParaRPr lang="ko-KR" altLang="en-US" sz="1200"/>
+                      <a:endParaRPr lang="ko-KR" altLang="en-US" sz="1200" dirty="0"/>
                     </a:p>
                   </a:txBody>
                   <a:tcPr anchor="ctr">
@@ -24333,7 +24733,7 @@
         </p:nvSpPr>
         <p:spPr>
           <a:xfrm>
-            <a:off x="10705671" y="2393528"/>
+            <a:off x="10705671" y="2054483"/>
             <a:ext cx="1253447" cy="307777"/>
           </a:xfrm>
           <a:prstGeom prst="rect">
@@ -24364,7 +24764,7 @@
         </p:nvSpPr>
         <p:spPr>
           <a:xfrm>
-            <a:off x="5656438" y="5480290"/>
+            <a:off x="5656438" y="5079602"/>
             <a:ext cx="1253447" cy="307777"/>
           </a:xfrm>
           <a:prstGeom prst="rect">
@@ -24462,8 +24862,8 @@
         </p:nvCxnSpPr>
         <p:spPr>
           <a:xfrm>
-            <a:off x="5392765" y="3111147"/>
-            <a:ext cx="3743425" cy="974907"/>
+            <a:off x="5392763" y="3111147"/>
+            <a:ext cx="3743427" cy="635862"/>
           </a:xfrm>
           <a:prstGeom prst="bentConnector3">
             <a:avLst>
@@ -24519,6 +24919,133 @@
           </a:p>
         </p:txBody>
       </p:sp>
+      <p:sp>
+        <p:nvSpPr>
+          <p:cNvPr id="20" name="TextBox 19"/>
+          <p:cNvSpPr txBox="1"/>
+          <p:nvPr/>
+        </p:nvSpPr>
+        <p:spPr>
+          <a:xfrm>
+            <a:off x="5939259" y="5797125"/>
+            <a:ext cx="3122982" cy="400110"/>
+          </a:xfrm>
+          <a:prstGeom prst="rect">
+            <a:avLst/>
+          </a:prstGeom>
+          <a:noFill/>
+        </p:spPr>
+        <p:txBody>
+          <a:bodyPr wrap="square" rtlCol="0">
+            <a:spAutoFit/>
+          </a:bodyPr>
+          <a:lstStyle/>
+          <a:p>
+            <a:pPr marL="171450" indent="-171450">
+              <a:buFont typeface="Arial" panose="020B0604020202020204" pitchFamily="34" charset="0"/>
+              <a:buChar char="•"/>
+            </a:pPr>
+            <a:r>
+              <a:rPr lang="ko-KR" altLang="en-US" sz="1000" b="1" dirty="0" smtClean="0"/>
+              <a:t>실제로 </a:t>
+            </a:r>
+            <a:r>
+              <a:rPr lang="en-US" altLang="ko-KR" sz="1000" b="1" dirty="0" smtClean="0"/>
+              <a:t>1bit – 1 cell</a:t>
+            </a:r>
+            <a:r>
+              <a:rPr lang="ko-KR" altLang="en-US" sz="1000" b="1" dirty="0" smtClean="0"/>
+              <a:t>이다 </a:t>
+            </a:r>
+            <a:r>
+              <a:rPr lang="en-US" altLang="ko-KR" sz="1000" b="1" dirty="0" smtClean="0"/>
+              <a:t>(Transistor) </a:t>
+            </a:r>
+            <a:r>
+              <a:rPr lang="ko-KR" altLang="en-US" sz="1000" b="1" dirty="0" smtClean="0"/>
+              <a:t>보기 좋게 </a:t>
+            </a:r>
+            <a:endParaRPr lang="en-US" altLang="ko-KR" sz="1000" b="1" dirty="0" smtClean="0"/>
+          </a:p>
+          <a:p>
+            <a:r>
+              <a:rPr lang="en-US" altLang="ko-KR" sz="1000" b="1" dirty="0" smtClean="0"/>
+              <a:t>1 Byte</a:t>
+            </a:r>
+            <a:r>
+              <a:rPr lang="ko-KR" altLang="en-US" sz="1000" b="1" dirty="0" smtClean="0"/>
+              <a:t>단위로 그려 </a:t>
+            </a:r>
+            <a:r>
+              <a:rPr lang="ko-KR" altLang="en-US" sz="1000" b="1" dirty="0" err="1" smtClean="0"/>
+              <a:t>놓은것</a:t>
+            </a:r>
+            <a:r>
+              <a:rPr lang="ko-KR" altLang="en-US" sz="1000" b="1" dirty="0" smtClean="0"/>
+              <a:t> 뿐이다</a:t>
+            </a:r>
+            <a:r>
+              <a:rPr lang="en-US" altLang="ko-KR" sz="1000" b="1" dirty="0" smtClean="0"/>
+              <a:t>.</a:t>
+            </a:r>
+            <a:endParaRPr lang="ko-KR" altLang="en-US" sz="1000" b="1" dirty="0"/>
+          </a:p>
+        </p:txBody>
+      </p:sp>
+      <p:pic>
+        <p:nvPicPr>
+          <p:cNvPr id="21" name="그림 20"/>
+          <p:cNvPicPr>
+            <a:picLocks noChangeAspect="1"/>
+          </p:cNvPicPr>
+          <p:nvPr/>
+        </p:nvPicPr>
+        <p:blipFill>
+          <a:blip r:embed="rId4"/>
+          <a:stretch>
+            <a:fillRect/>
+          </a:stretch>
+        </p:blipFill>
+        <p:spPr>
+          <a:xfrm>
+            <a:off x="9136190" y="5202077"/>
+            <a:ext cx="2274641" cy="1590205"/>
+          </a:xfrm>
+          <a:prstGeom prst="rect">
+            <a:avLst/>
+          </a:prstGeom>
+        </p:spPr>
+      </p:pic>
+      <p:sp>
+        <p:nvSpPr>
+          <p:cNvPr id="50" name="TextBox 49"/>
+          <p:cNvSpPr txBox="1"/>
+          <p:nvPr/>
+        </p:nvSpPr>
+        <p:spPr>
+          <a:xfrm>
+            <a:off x="11055928" y="6530672"/>
+            <a:ext cx="812799" cy="261610"/>
+          </a:xfrm>
+          <a:prstGeom prst="rect">
+            <a:avLst/>
+          </a:prstGeom>
+          <a:noFill/>
+        </p:spPr>
+        <p:txBody>
+          <a:bodyPr wrap="square" rtlCol="0">
+            <a:spAutoFit/>
+          </a:bodyPr>
+          <a:lstStyle/>
+          <a:p>
+            <a:r>
+              <a:rPr lang="ko-KR" altLang="en-US" sz="1100" b="1" smtClean="0"/>
+              <a:t>참고 그림</a:t>
+            </a:r>
+            <a:endParaRPr lang="ko-KR" altLang="en-US" sz="1100" b="1"/>
+          </a:p>
+        </p:txBody>
+      </p:sp>
     </p:spTree>
     <p:extLst>
       <p:ext uri="{BB962C8B-B14F-4D97-AF65-F5344CB8AC3E}">
@@ -24533,6 +25060,2751 @@
 </file>
 
 <file path=ppt/slides/slide7.xml><?xml version="1.0" encoding="utf-8"?>
+<p:sld xmlns:a="http://schemas.openxmlformats.org/drawingml/2006/main" xmlns:r="http://schemas.openxmlformats.org/officeDocument/2006/relationships" xmlns:p="http://schemas.openxmlformats.org/presentationml/2006/main">
+  <p:cSld>
+    <p:spTree>
+      <p:nvGrpSpPr>
+        <p:cNvPr id="1" name=""/>
+        <p:cNvGrpSpPr/>
+        <p:nvPr/>
+      </p:nvGrpSpPr>
+      <p:grpSpPr>
+        <a:xfrm>
+          <a:off x="0" y="0"/>
+          <a:ext cx="0" cy="0"/>
+          <a:chOff x="0" y="0"/>
+          <a:chExt cx="0" cy="0"/>
+        </a:xfrm>
+      </p:grpSpPr>
+      <p:graphicFrame>
+        <p:nvGraphicFramePr>
+          <p:cNvPr id="24" name="표 6">
+            <a:extLst>
+              <a:ext uri="{FF2B5EF4-FFF2-40B4-BE49-F238E27FC236}">
+                <a16:creationId xmlns:a16="http://schemas.microsoft.com/office/drawing/2014/main" id="{8709FB5F-9A50-5B01-4083-5D6EECA9DD80}"/>
+              </a:ext>
+            </a:extLst>
+          </p:cNvPr>
+          <p:cNvGraphicFramePr>
+            <a:graphicFrameLocks noGrp="1"/>
+          </p:cNvGraphicFramePr>
+          <p:nvPr>
+            <p:extLst>
+              <p:ext uri="{D42A27DB-BD31-4B8C-83A1-F6EECF244321}">
+                <p14:modId xmlns:p14="http://schemas.microsoft.com/office/powerpoint/2010/main" val="3973131423"/>
+              </p:ext>
+            </p:extLst>
+          </p:nvPr>
+        </p:nvGraphicFramePr>
+        <p:xfrm>
+          <a:off x="7525100" y="2909050"/>
+          <a:ext cx="4011546" cy="1828800"/>
+        </p:xfrm>
+        <a:graphic>
+          <a:graphicData uri="http://schemas.openxmlformats.org/drawingml/2006/table">
+            <a:tbl>
+              <a:tblPr firstRow="1" bandRow="1">
+                <a:tableStyleId>{5940675A-B579-460E-94D1-54222C63F5DA}</a:tableStyleId>
+              </a:tblPr>
+              <a:tblGrid>
+                <a:gridCol w="573078">
+                  <a:extLst>
+                    <a:ext uri="{9D8B030D-6E8A-4147-A177-3AD203B41FA5}">
+                      <a16:colId xmlns:a16="http://schemas.microsoft.com/office/drawing/2014/main" val="3408414427"/>
+                    </a:ext>
+                  </a:extLst>
+                </a:gridCol>
+                <a:gridCol w="573078">
+                  <a:extLst>
+                    <a:ext uri="{9D8B030D-6E8A-4147-A177-3AD203B41FA5}">
+                      <a16:colId xmlns:a16="http://schemas.microsoft.com/office/drawing/2014/main" val="3155879191"/>
+                    </a:ext>
+                  </a:extLst>
+                </a:gridCol>
+                <a:gridCol w="573078">
+                  <a:extLst>
+                    <a:ext uri="{9D8B030D-6E8A-4147-A177-3AD203B41FA5}">
+                      <a16:colId xmlns:a16="http://schemas.microsoft.com/office/drawing/2014/main" val="2611491143"/>
+                    </a:ext>
+                  </a:extLst>
+                </a:gridCol>
+                <a:gridCol w="573078">
+                  <a:extLst>
+                    <a:ext uri="{9D8B030D-6E8A-4147-A177-3AD203B41FA5}">
+                      <a16:colId xmlns:a16="http://schemas.microsoft.com/office/drawing/2014/main" val="2202869473"/>
+                    </a:ext>
+                  </a:extLst>
+                </a:gridCol>
+                <a:gridCol w="573078">
+                  <a:extLst>
+                    <a:ext uri="{9D8B030D-6E8A-4147-A177-3AD203B41FA5}">
+                      <a16:colId xmlns:a16="http://schemas.microsoft.com/office/drawing/2014/main" val="3548912312"/>
+                    </a:ext>
+                  </a:extLst>
+                </a:gridCol>
+                <a:gridCol w="573078">
+                  <a:extLst>
+                    <a:ext uri="{9D8B030D-6E8A-4147-A177-3AD203B41FA5}">
+                      <a16:colId xmlns:a16="http://schemas.microsoft.com/office/drawing/2014/main" val="1056997378"/>
+                    </a:ext>
+                  </a:extLst>
+                </a:gridCol>
+                <a:gridCol w="573078">
+                  <a:extLst>
+                    <a:ext uri="{9D8B030D-6E8A-4147-A177-3AD203B41FA5}">
+                      <a16:colId xmlns:a16="http://schemas.microsoft.com/office/drawing/2014/main" val="1919910284"/>
+                    </a:ext>
+                  </a:extLst>
+                </a:gridCol>
+              </a:tblGrid>
+              <a:tr h="344919">
+                <a:tc>
+                  <a:txBody>
+                    <a:bodyPr/>
+                    <a:lstStyle/>
+                    <a:p>
+                      <a:pPr latinLnBrk="1"/>
+                      <a:endParaRPr lang="ko-KR" altLang="en-US" dirty="0"/>
+                    </a:p>
+                  </a:txBody>
+                  <a:tcPr/>
+                </a:tc>
+                <a:tc>
+                  <a:txBody>
+                    <a:bodyPr/>
+                    <a:lstStyle/>
+                    <a:p>
+                      <a:pPr latinLnBrk="1"/>
+                      <a:endParaRPr lang="ko-KR" altLang="en-US" dirty="0"/>
+                    </a:p>
+                  </a:txBody>
+                  <a:tcPr/>
+                </a:tc>
+                <a:tc>
+                  <a:txBody>
+                    <a:bodyPr/>
+                    <a:lstStyle/>
+                    <a:p>
+                      <a:pPr latinLnBrk="1"/>
+                      <a:endParaRPr lang="ko-KR" altLang="en-US" dirty="0"/>
+                    </a:p>
+                  </a:txBody>
+                  <a:tcPr/>
+                </a:tc>
+                <a:tc>
+                  <a:txBody>
+                    <a:bodyPr/>
+                    <a:lstStyle/>
+                    <a:p>
+                      <a:pPr latinLnBrk="1"/>
+                      <a:endParaRPr lang="ko-KR" altLang="en-US"/>
+                    </a:p>
+                  </a:txBody>
+                  <a:tcPr/>
+                </a:tc>
+                <a:tc>
+                  <a:txBody>
+                    <a:bodyPr/>
+                    <a:lstStyle/>
+                    <a:p>
+                      <a:pPr latinLnBrk="1"/>
+                      <a:endParaRPr lang="ko-KR" altLang="en-US"/>
+                    </a:p>
+                  </a:txBody>
+                  <a:tcPr/>
+                </a:tc>
+                <a:tc>
+                  <a:txBody>
+                    <a:bodyPr/>
+                    <a:lstStyle/>
+                    <a:p>
+                      <a:pPr latinLnBrk="1"/>
+                      <a:endParaRPr lang="ko-KR" altLang="en-US"/>
+                    </a:p>
+                  </a:txBody>
+                  <a:tcPr/>
+                </a:tc>
+                <a:tc>
+                  <a:txBody>
+                    <a:bodyPr/>
+                    <a:lstStyle/>
+                    <a:p>
+                      <a:pPr latinLnBrk="1"/>
+                      <a:endParaRPr lang="ko-KR" altLang="en-US" dirty="0"/>
+                    </a:p>
+                  </a:txBody>
+                  <a:tcPr/>
+                </a:tc>
+                <a:extLst>
+                  <a:ext uri="{0D108BD9-81ED-4DB2-BD59-A6C34878D82A}">
+                    <a16:rowId xmlns:a16="http://schemas.microsoft.com/office/drawing/2014/main" val="150208060"/>
+                  </a:ext>
+                </a:extLst>
+              </a:tr>
+              <a:tr h="344919">
+                <a:tc>
+                  <a:txBody>
+                    <a:bodyPr/>
+                    <a:lstStyle/>
+                    <a:p>
+                      <a:pPr latinLnBrk="1"/>
+                      <a:endParaRPr lang="ko-KR" altLang="en-US"/>
+                    </a:p>
+                  </a:txBody>
+                  <a:tcPr/>
+                </a:tc>
+                <a:tc>
+                  <a:txBody>
+                    <a:bodyPr/>
+                    <a:lstStyle/>
+                    <a:p>
+                      <a:pPr latinLnBrk="1"/>
+                      <a:endParaRPr lang="ko-KR" altLang="en-US"/>
+                    </a:p>
+                  </a:txBody>
+                  <a:tcPr/>
+                </a:tc>
+                <a:tc>
+                  <a:txBody>
+                    <a:bodyPr/>
+                    <a:lstStyle/>
+                    <a:p>
+                      <a:pPr latinLnBrk="1"/>
+                      <a:endParaRPr lang="ko-KR" altLang="en-US"/>
+                    </a:p>
+                  </a:txBody>
+                  <a:tcPr/>
+                </a:tc>
+                <a:tc>
+                  <a:txBody>
+                    <a:bodyPr/>
+                    <a:lstStyle/>
+                    <a:p>
+                      <a:pPr latinLnBrk="1"/>
+                      <a:endParaRPr lang="ko-KR" altLang="en-US"/>
+                    </a:p>
+                  </a:txBody>
+                  <a:tcPr/>
+                </a:tc>
+                <a:tc>
+                  <a:txBody>
+                    <a:bodyPr/>
+                    <a:lstStyle/>
+                    <a:p>
+                      <a:pPr latinLnBrk="1"/>
+                      <a:endParaRPr lang="ko-KR" altLang="en-US"/>
+                    </a:p>
+                  </a:txBody>
+                  <a:tcPr/>
+                </a:tc>
+                <a:tc>
+                  <a:txBody>
+                    <a:bodyPr/>
+                    <a:lstStyle/>
+                    <a:p>
+                      <a:pPr latinLnBrk="1"/>
+                      <a:endParaRPr lang="ko-KR" altLang="en-US" dirty="0"/>
+                    </a:p>
+                  </a:txBody>
+                  <a:tcPr/>
+                </a:tc>
+                <a:tc>
+                  <a:txBody>
+                    <a:bodyPr/>
+                    <a:lstStyle/>
+                    <a:p>
+                      <a:pPr latinLnBrk="1"/>
+                      <a:endParaRPr lang="ko-KR" altLang="en-US"/>
+                    </a:p>
+                  </a:txBody>
+                  <a:tcPr/>
+                </a:tc>
+                <a:extLst>
+                  <a:ext uri="{0D108BD9-81ED-4DB2-BD59-A6C34878D82A}">
+                    <a16:rowId xmlns:a16="http://schemas.microsoft.com/office/drawing/2014/main" val="531105570"/>
+                  </a:ext>
+                </a:extLst>
+              </a:tr>
+              <a:tr h="344919">
+                <a:tc>
+                  <a:txBody>
+                    <a:bodyPr/>
+                    <a:lstStyle/>
+                    <a:p>
+                      <a:pPr latinLnBrk="1"/>
+                      <a:endParaRPr lang="ko-KR" altLang="en-US"/>
+                    </a:p>
+                  </a:txBody>
+                  <a:tcPr/>
+                </a:tc>
+                <a:tc>
+                  <a:txBody>
+                    <a:bodyPr/>
+                    <a:lstStyle/>
+                    <a:p>
+                      <a:pPr latinLnBrk="1"/>
+                      <a:endParaRPr lang="ko-KR" altLang="en-US"/>
+                    </a:p>
+                  </a:txBody>
+                  <a:tcPr/>
+                </a:tc>
+                <a:tc>
+                  <a:txBody>
+                    <a:bodyPr/>
+                    <a:lstStyle/>
+                    <a:p>
+                      <a:pPr latinLnBrk="1"/>
+                      <a:endParaRPr lang="ko-KR" altLang="en-US"/>
+                    </a:p>
+                  </a:txBody>
+                  <a:tcPr/>
+                </a:tc>
+                <a:tc>
+                  <a:txBody>
+                    <a:bodyPr/>
+                    <a:lstStyle/>
+                    <a:p>
+                      <a:pPr latinLnBrk="1"/>
+                      <a:endParaRPr lang="ko-KR" altLang="en-US"/>
+                    </a:p>
+                  </a:txBody>
+                  <a:tcPr/>
+                </a:tc>
+                <a:tc>
+                  <a:txBody>
+                    <a:bodyPr/>
+                    <a:lstStyle/>
+                    <a:p>
+                      <a:pPr latinLnBrk="1"/>
+                      <a:endParaRPr lang="ko-KR" altLang="en-US" dirty="0"/>
+                    </a:p>
+                  </a:txBody>
+                  <a:tcPr/>
+                </a:tc>
+                <a:tc>
+                  <a:txBody>
+                    <a:bodyPr/>
+                    <a:lstStyle/>
+                    <a:p>
+                      <a:pPr latinLnBrk="1"/>
+                      <a:endParaRPr lang="ko-KR" altLang="en-US"/>
+                    </a:p>
+                  </a:txBody>
+                  <a:tcPr/>
+                </a:tc>
+                <a:tc>
+                  <a:txBody>
+                    <a:bodyPr/>
+                    <a:lstStyle/>
+                    <a:p>
+                      <a:pPr latinLnBrk="1"/>
+                      <a:endParaRPr lang="ko-KR" altLang="en-US"/>
+                    </a:p>
+                  </a:txBody>
+                  <a:tcPr/>
+                </a:tc>
+                <a:extLst>
+                  <a:ext uri="{0D108BD9-81ED-4DB2-BD59-A6C34878D82A}">
+                    <a16:rowId xmlns:a16="http://schemas.microsoft.com/office/drawing/2014/main" val="3989207509"/>
+                  </a:ext>
+                </a:extLst>
+              </a:tr>
+              <a:tr h="344919">
+                <a:tc>
+                  <a:txBody>
+                    <a:bodyPr/>
+                    <a:lstStyle/>
+                    <a:p>
+                      <a:pPr latinLnBrk="1"/>
+                      <a:endParaRPr lang="ko-KR" altLang="en-US"/>
+                    </a:p>
+                  </a:txBody>
+                  <a:tcPr/>
+                </a:tc>
+                <a:tc>
+                  <a:txBody>
+                    <a:bodyPr/>
+                    <a:lstStyle/>
+                    <a:p>
+                      <a:pPr latinLnBrk="1"/>
+                      <a:endParaRPr lang="ko-KR" altLang="en-US"/>
+                    </a:p>
+                  </a:txBody>
+                  <a:tcPr/>
+                </a:tc>
+                <a:tc>
+                  <a:txBody>
+                    <a:bodyPr/>
+                    <a:lstStyle/>
+                    <a:p>
+                      <a:pPr latinLnBrk="1"/>
+                      <a:endParaRPr lang="ko-KR" altLang="en-US"/>
+                    </a:p>
+                  </a:txBody>
+                  <a:tcPr/>
+                </a:tc>
+                <a:tc>
+                  <a:txBody>
+                    <a:bodyPr/>
+                    <a:lstStyle/>
+                    <a:p>
+                      <a:pPr latinLnBrk="1"/>
+                      <a:endParaRPr lang="ko-KR" altLang="en-US"/>
+                    </a:p>
+                  </a:txBody>
+                  <a:tcPr/>
+                </a:tc>
+                <a:tc>
+                  <a:txBody>
+                    <a:bodyPr/>
+                    <a:lstStyle/>
+                    <a:p>
+                      <a:pPr latinLnBrk="1"/>
+                      <a:endParaRPr lang="ko-KR" altLang="en-US"/>
+                    </a:p>
+                  </a:txBody>
+                  <a:tcPr/>
+                </a:tc>
+                <a:tc>
+                  <a:txBody>
+                    <a:bodyPr/>
+                    <a:lstStyle/>
+                    <a:p>
+                      <a:pPr latinLnBrk="1"/>
+                      <a:endParaRPr lang="ko-KR" altLang="en-US"/>
+                    </a:p>
+                  </a:txBody>
+                  <a:tcPr/>
+                </a:tc>
+                <a:tc>
+                  <a:txBody>
+                    <a:bodyPr/>
+                    <a:lstStyle/>
+                    <a:p>
+                      <a:pPr latinLnBrk="1"/>
+                      <a:endParaRPr lang="ko-KR" altLang="en-US"/>
+                    </a:p>
+                  </a:txBody>
+                  <a:tcPr/>
+                </a:tc>
+                <a:extLst>
+                  <a:ext uri="{0D108BD9-81ED-4DB2-BD59-A6C34878D82A}">
+                    <a16:rowId xmlns:a16="http://schemas.microsoft.com/office/drawing/2014/main" val="3305292293"/>
+                  </a:ext>
+                </a:extLst>
+              </a:tr>
+              <a:tr h="344919">
+                <a:tc>
+                  <a:txBody>
+                    <a:bodyPr/>
+                    <a:lstStyle/>
+                    <a:p>
+                      <a:pPr latinLnBrk="1"/>
+                      <a:endParaRPr lang="ko-KR" altLang="en-US"/>
+                    </a:p>
+                  </a:txBody>
+                  <a:tcPr/>
+                </a:tc>
+                <a:tc>
+                  <a:txBody>
+                    <a:bodyPr/>
+                    <a:lstStyle/>
+                    <a:p>
+                      <a:pPr latinLnBrk="1"/>
+                      <a:endParaRPr lang="ko-KR" altLang="en-US" dirty="0"/>
+                    </a:p>
+                  </a:txBody>
+                  <a:tcPr/>
+                </a:tc>
+                <a:tc>
+                  <a:txBody>
+                    <a:bodyPr/>
+                    <a:lstStyle/>
+                    <a:p>
+                      <a:pPr latinLnBrk="1"/>
+                      <a:endParaRPr lang="ko-KR" altLang="en-US"/>
+                    </a:p>
+                  </a:txBody>
+                  <a:tcPr/>
+                </a:tc>
+                <a:tc>
+                  <a:txBody>
+                    <a:bodyPr/>
+                    <a:lstStyle/>
+                    <a:p>
+                      <a:pPr latinLnBrk="1"/>
+                      <a:endParaRPr lang="ko-KR" altLang="en-US"/>
+                    </a:p>
+                  </a:txBody>
+                  <a:tcPr/>
+                </a:tc>
+                <a:tc>
+                  <a:txBody>
+                    <a:bodyPr/>
+                    <a:lstStyle/>
+                    <a:p>
+                      <a:pPr latinLnBrk="1"/>
+                      <a:endParaRPr lang="ko-KR" altLang="en-US"/>
+                    </a:p>
+                  </a:txBody>
+                  <a:tcPr/>
+                </a:tc>
+                <a:tc>
+                  <a:txBody>
+                    <a:bodyPr/>
+                    <a:lstStyle/>
+                    <a:p>
+                      <a:pPr latinLnBrk="1"/>
+                      <a:endParaRPr lang="ko-KR" altLang="en-US"/>
+                    </a:p>
+                  </a:txBody>
+                  <a:tcPr/>
+                </a:tc>
+                <a:tc>
+                  <a:txBody>
+                    <a:bodyPr/>
+                    <a:lstStyle/>
+                    <a:p>
+                      <a:pPr latinLnBrk="1"/>
+                      <a:endParaRPr lang="ko-KR" altLang="en-US" dirty="0"/>
+                    </a:p>
+                  </a:txBody>
+                  <a:tcPr/>
+                </a:tc>
+                <a:extLst>
+                  <a:ext uri="{0D108BD9-81ED-4DB2-BD59-A6C34878D82A}">
+                    <a16:rowId xmlns:a16="http://schemas.microsoft.com/office/drawing/2014/main" val="3603585483"/>
+                  </a:ext>
+                </a:extLst>
+              </a:tr>
+            </a:tbl>
+          </a:graphicData>
+        </a:graphic>
+      </p:graphicFrame>
+      <p:sp>
+        <p:nvSpPr>
+          <p:cNvPr id="30" name="TextBox 29">
+            <a:extLst>
+              <a:ext uri="{FF2B5EF4-FFF2-40B4-BE49-F238E27FC236}">
+                <a16:creationId xmlns:a16="http://schemas.microsoft.com/office/drawing/2014/main" id="{F7733CBC-695C-575A-C4D6-B6D70BEDAD1E}"/>
+              </a:ext>
+            </a:extLst>
+          </p:cNvPr>
+          <p:cNvSpPr txBox="1"/>
+          <p:nvPr/>
+        </p:nvSpPr>
+        <p:spPr>
+          <a:xfrm>
+            <a:off x="10285231" y="4909736"/>
+            <a:ext cx="1481070" cy="307777"/>
+          </a:xfrm>
+          <a:prstGeom prst="rect">
+            <a:avLst/>
+          </a:prstGeom>
+          <a:solidFill>
+            <a:schemeClr val="bg1"/>
+          </a:solidFill>
+          <a:ln>
+            <a:solidFill>
+              <a:schemeClr val="tx1"/>
+            </a:solidFill>
+          </a:ln>
+        </p:spPr>
+        <p:txBody>
+          <a:bodyPr wrap="square" rtlCol="0">
+            <a:spAutoFit/>
+          </a:bodyPr>
+          <a:lstStyle/>
+          <a:p>
+            <a:pPr algn="ctr"/>
+            <a:r>
+              <a:rPr kumimoji="1" lang="en-US" altLang="ko-KR" sz="1400" b="1" dirty="0"/>
+              <a:t>32bit </a:t>
+            </a:r>
+            <a:r>
+              <a:rPr kumimoji="1" lang="ko-KR" altLang="en-US" sz="1400" b="1" dirty="0"/>
+              <a:t>체계</a:t>
+            </a:r>
+          </a:p>
+        </p:txBody>
+      </p:sp>
+      <p:sp>
+        <p:nvSpPr>
+          <p:cNvPr id="44" name="TextBox 43"/>
+          <p:cNvSpPr txBox="1"/>
+          <p:nvPr/>
+        </p:nvSpPr>
+        <p:spPr>
+          <a:xfrm>
+            <a:off x="568379" y="3350925"/>
+            <a:ext cx="549622" cy="276999"/>
+          </a:xfrm>
+          <a:prstGeom prst="rect">
+            <a:avLst/>
+          </a:prstGeom>
+          <a:noFill/>
+          <a:scene3d>
+            <a:camera prst="isometricOffAxis2Left"/>
+            <a:lightRig rig="threePt" dir="t"/>
+          </a:scene3d>
+        </p:spPr>
+        <p:txBody>
+          <a:bodyPr wrap="square" rtlCol="0">
+            <a:spAutoFit/>
+          </a:bodyPr>
+          <a:lstStyle/>
+          <a:p>
+            <a:pPr algn="ctr"/>
+            <a:r>
+              <a:rPr lang="en-US" altLang="ko-KR" sz="1200" b="1" dirty="0">
+                <a:latin typeface="Times New Roman" panose="02020603050405020304" pitchFamily="18" charset="0"/>
+                <a:cs typeface="Times New Roman" panose="02020603050405020304" pitchFamily="18" charset="0"/>
+              </a:rPr>
+              <a:t>CPU</a:t>
+            </a:r>
+          </a:p>
+        </p:txBody>
+      </p:sp>
+      <p:pic>
+        <p:nvPicPr>
+          <p:cNvPr id="45" name="그림 44"/>
+          <p:cNvPicPr>
+            <a:picLocks noChangeAspect="1"/>
+          </p:cNvPicPr>
+          <p:nvPr/>
+        </p:nvPicPr>
+        <p:blipFill>
+          <a:blip r:embed="rId3">
+            <a:extLst>
+              <a:ext uri="{28A0092B-C50C-407E-A947-70E740481C1C}">
+                <a14:useLocalDpi xmlns:a14="http://schemas.microsoft.com/office/drawing/2010/main" val="0"/>
+              </a:ext>
+            </a:extLst>
+          </a:blip>
+          <a:stretch>
+            <a:fillRect/>
+          </a:stretch>
+        </p:blipFill>
+        <p:spPr>
+          <a:xfrm>
+            <a:off x="206820" y="3605854"/>
+            <a:ext cx="1234601" cy="1257191"/>
+          </a:xfrm>
+          <a:prstGeom prst="rect">
+            <a:avLst/>
+          </a:prstGeom>
+          <a:scene3d>
+            <a:camera prst="perspectiveRelaxed"/>
+            <a:lightRig rig="threePt" dir="t"/>
+          </a:scene3d>
+        </p:spPr>
+      </p:pic>
+      <p:graphicFrame>
+        <p:nvGraphicFramePr>
+          <p:cNvPr id="6" name="표 5"/>
+          <p:cNvGraphicFramePr>
+            <a:graphicFrameLocks noGrp="1"/>
+          </p:cNvGraphicFramePr>
+          <p:nvPr>
+            <p:extLst>
+              <p:ext uri="{D42A27DB-BD31-4B8C-83A1-F6EECF244321}">
+                <p14:modId xmlns:p14="http://schemas.microsoft.com/office/powerpoint/2010/main" val="188869850"/>
+              </p:ext>
+            </p:extLst>
+          </p:nvPr>
+        </p:nvGraphicFramePr>
+        <p:xfrm>
+          <a:off x="2946455" y="2023787"/>
+          <a:ext cx="3073611" cy="3764280"/>
+        </p:xfrm>
+        <a:graphic>
+          <a:graphicData uri="http://schemas.openxmlformats.org/drawingml/2006/table">
+            <a:tbl>
+              <a:tblPr firstRow="1" bandRow="1">
+                <a:tableStyleId>{8EC20E35-A176-4012-BC5E-935CFFF8708E}</a:tableStyleId>
+              </a:tblPr>
+              <a:tblGrid>
+                <a:gridCol w="1024537">
+                  <a:extLst>
+                    <a:ext uri="{9D8B030D-6E8A-4147-A177-3AD203B41FA5}">
+                      <a16:colId xmlns:a16="http://schemas.microsoft.com/office/drawing/2014/main" val="1234497553"/>
+                    </a:ext>
+                  </a:extLst>
+                </a:gridCol>
+                <a:gridCol w="1024537">
+                  <a:extLst>
+                    <a:ext uri="{9D8B030D-6E8A-4147-A177-3AD203B41FA5}">
+                      <a16:colId xmlns:a16="http://schemas.microsoft.com/office/drawing/2014/main" val="3275505919"/>
+                    </a:ext>
+                  </a:extLst>
+                </a:gridCol>
+                <a:gridCol w="1024537">
+                  <a:extLst>
+                    <a:ext uri="{9D8B030D-6E8A-4147-A177-3AD203B41FA5}">
+                      <a16:colId xmlns:a16="http://schemas.microsoft.com/office/drawing/2014/main" val="3984565910"/>
+                    </a:ext>
+                  </a:extLst>
+                </a:gridCol>
+              </a:tblGrid>
+              <a:tr h="370840">
+                <a:tc>
+                  <a:txBody>
+                    <a:bodyPr/>
+                    <a:lstStyle/>
+                    <a:p>
+                      <a:pPr algn="ctr" latinLnBrk="1"/>
+                      <a:r>
+                        <a:rPr lang="ko-KR" altLang="en-US" sz="1200" dirty="0" smtClean="0"/>
+                        <a:t>논리</a:t>
+                      </a:r>
+                      <a:r>
+                        <a:rPr lang="ko-KR" altLang="en-US" sz="1200" baseline="0" dirty="0" smtClean="0"/>
+                        <a:t> 페이지</a:t>
+                      </a:r>
+                      <a:endParaRPr lang="ko-KR" altLang="en-US" sz="1200" dirty="0"/>
+                    </a:p>
+                  </a:txBody>
+                  <a:tcPr anchor="ctr">
+                    <a:lnL w="12700" cap="flat" cmpd="sng" algn="ctr">
+                      <a:solidFill>
+                        <a:schemeClr val="tx1"/>
+                      </a:solidFill>
+                      <a:prstDash val="solid"/>
+                      <a:round/>
+                      <a:headEnd type="none" w="med" len="med"/>
+                      <a:tailEnd type="none" w="med" len="med"/>
+                    </a:lnL>
+                    <a:lnR w="12700" cap="flat" cmpd="sng" algn="ctr">
+                      <a:solidFill>
+                        <a:schemeClr val="tx1"/>
+                      </a:solidFill>
+                      <a:prstDash val="solid"/>
+                      <a:round/>
+                      <a:headEnd type="none" w="med" len="med"/>
+                      <a:tailEnd type="none" w="med" len="med"/>
+                    </a:lnR>
+                    <a:lnT w="12700" cap="flat" cmpd="sng" algn="ctr">
+                      <a:solidFill>
+                        <a:schemeClr val="tx1"/>
+                      </a:solidFill>
+                      <a:prstDash val="solid"/>
+                      <a:round/>
+                      <a:headEnd type="none" w="med" len="med"/>
+                      <a:tailEnd type="none" w="med" len="med"/>
+                    </a:lnT>
+                    <a:lnB w="12700" cap="flat" cmpd="sng" algn="ctr">
+                      <a:solidFill>
+                        <a:schemeClr val="tx1"/>
+                      </a:solidFill>
+                      <a:prstDash val="solid"/>
+                      <a:round/>
+                      <a:headEnd type="none" w="med" len="med"/>
+                      <a:tailEnd type="none" w="med" len="med"/>
+                    </a:lnB>
+                    <a:lnTlToBr w="12700" cmpd="sng">
+                      <a:noFill/>
+                      <a:prstDash val="solid"/>
+                    </a:lnTlToBr>
+                    <a:lnBlToTr w="12700" cmpd="sng">
+                      <a:noFill/>
+                      <a:prstDash val="solid"/>
+                    </a:lnBlToTr>
+                  </a:tcPr>
+                </a:tc>
+                <a:tc>
+                  <a:txBody>
+                    <a:bodyPr/>
+                    <a:lstStyle/>
+                    <a:p>
+                      <a:pPr algn="ctr" latinLnBrk="1"/>
+                      <a:r>
+                        <a:rPr lang="ko-KR" altLang="en-US" sz="1200" dirty="0" smtClean="0"/>
+                        <a:t>물리 페이지</a:t>
+                      </a:r>
+                      <a:endParaRPr lang="ko-KR" altLang="en-US" sz="1200" dirty="0"/>
+                    </a:p>
+                  </a:txBody>
+                  <a:tcPr anchor="ctr">
+                    <a:lnL w="12700" cap="flat" cmpd="sng" algn="ctr">
+                      <a:solidFill>
+                        <a:schemeClr val="tx1"/>
+                      </a:solidFill>
+                      <a:prstDash val="solid"/>
+                      <a:round/>
+                      <a:headEnd type="none" w="med" len="med"/>
+                      <a:tailEnd type="none" w="med" len="med"/>
+                    </a:lnL>
+                    <a:lnR w="12700" cap="flat" cmpd="sng" algn="ctr">
+                      <a:solidFill>
+                        <a:schemeClr val="tx1"/>
+                      </a:solidFill>
+                      <a:prstDash val="solid"/>
+                      <a:round/>
+                      <a:headEnd type="none" w="med" len="med"/>
+                      <a:tailEnd type="none" w="med" len="med"/>
+                    </a:lnR>
+                    <a:lnT w="12700" cap="flat" cmpd="sng" algn="ctr">
+                      <a:solidFill>
+                        <a:schemeClr val="tx1"/>
+                      </a:solidFill>
+                      <a:prstDash val="solid"/>
+                      <a:round/>
+                      <a:headEnd type="none" w="med" len="med"/>
+                      <a:tailEnd type="none" w="med" len="med"/>
+                    </a:lnT>
+                    <a:lnB w="12700" cap="flat" cmpd="sng" algn="ctr">
+                      <a:solidFill>
+                        <a:schemeClr val="tx1"/>
+                      </a:solidFill>
+                      <a:prstDash val="solid"/>
+                      <a:round/>
+                      <a:headEnd type="none" w="med" len="med"/>
+                      <a:tailEnd type="none" w="med" len="med"/>
+                    </a:lnB>
+                    <a:lnTlToBr w="12700" cmpd="sng">
+                      <a:noFill/>
+                      <a:prstDash val="solid"/>
+                    </a:lnTlToBr>
+                    <a:lnBlToTr w="12700" cmpd="sng">
+                      <a:noFill/>
+                      <a:prstDash val="solid"/>
+                    </a:lnBlToTr>
+                  </a:tcPr>
+                </a:tc>
+                <a:tc>
+                  <a:txBody>
+                    <a:bodyPr/>
+                    <a:lstStyle/>
+                    <a:p>
+                      <a:pPr algn="ctr" latinLnBrk="1"/>
+                      <a:r>
+                        <a:rPr lang="ko-KR" altLang="en-US" sz="1200" dirty="0" smtClean="0"/>
+                        <a:t>물리 주소</a:t>
+                      </a:r>
+                      <a:endParaRPr lang="ko-KR" altLang="en-US" sz="1200" dirty="0"/>
+                    </a:p>
+                  </a:txBody>
+                  <a:tcPr anchor="ctr">
+                    <a:lnL w="12700" cap="flat" cmpd="sng" algn="ctr">
+                      <a:solidFill>
+                        <a:schemeClr val="tx1"/>
+                      </a:solidFill>
+                      <a:prstDash val="solid"/>
+                      <a:round/>
+                      <a:headEnd type="none" w="med" len="med"/>
+                      <a:tailEnd type="none" w="med" len="med"/>
+                    </a:lnL>
+                    <a:lnR w="12700" cap="flat" cmpd="sng" algn="ctr">
+                      <a:solidFill>
+                        <a:schemeClr val="tx1"/>
+                      </a:solidFill>
+                      <a:prstDash val="solid"/>
+                      <a:round/>
+                      <a:headEnd type="none" w="med" len="med"/>
+                      <a:tailEnd type="none" w="med" len="med"/>
+                    </a:lnR>
+                    <a:lnT w="12700" cap="flat" cmpd="sng" algn="ctr">
+                      <a:solidFill>
+                        <a:schemeClr val="tx1"/>
+                      </a:solidFill>
+                      <a:prstDash val="solid"/>
+                      <a:round/>
+                      <a:headEnd type="none" w="med" len="med"/>
+                      <a:tailEnd type="none" w="med" len="med"/>
+                    </a:lnT>
+                    <a:lnB w="12700" cap="flat" cmpd="sng" algn="ctr">
+                      <a:solidFill>
+                        <a:schemeClr val="tx1"/>
+                      </a:solidFill>
+                      <a:prstDash val="solid"/>
+                      <a:round/>
+                      <a:headEnd type="none" w="med" len="med"/>
+                      <a:tailEnd type="none" w="med" len="med"/>
+                    </a:lnB>
+                    <a:lnTlToBr w="12700" cmpd="sng">
+                      <a:noFill/>
+                      <a:prstDash val="solid"/>
+                    </a:lnTlToBr>
+                    <a:lnBlToTr w="12700" cmpd="sng">
+                      <a:noFill/>
+                      <a:prstDash val="solid"/>
+                    </a:lnBlToTr>
+                  </a:tcPr>
+                </a:tc>
+                <a:extLst>
+                  <a:ext uri="{0D108BD9-81ED-4DB2-BD59-A6C34878D82A}">
+                    <a16:rowId xmlns:a16="http://schemas.microsoft.com/office/drawing/2014/main" val="4259085419"/>
+                  </a:ext>
+                </a:extLst>
+              </a:tr>
+              <a:tr h="370840">
+                <a:tc>
+                  <a:txBody>
+                    <a:bodyPr/>
+                    <a:lstStyle/>
+                    <a:p>
+                      <a:pPr algn="ctr" latinLnBrk="1"/>
+                      <a:r>
+                        <a:rPr lang="en-US" altLang="ko-KR" sz="1100" dirty="0" smtClean="0"/>
+                        <a:t>0</a:t>
+                      </a:r>
+                      <a:endParaRPr lang="ko-KR" altLang="en-US" sz="1100" dirty="0"/>
+                    </a:p>
+                  </a:txBody>
+                  <a:tcPr anchor="ctr">
+                    <a:lnL w="12700" cap="flat" cmpd="sng" algn="ctr">
+                      <a:solidFill>
+                        <a:schemeClr val="tx1"/>
+                      </a:solidFill>
+                      <a:prstDash val="solid"/>
+                      <a:round/>
+                      <a:headEnd type="none" w="med" len="med"/>
+                      <a:tailEnd type="none" w="med" len="med"/>
+                    </a:lnL>
+                    <a:lnR w="12700" cap="flat" cmpd="sng" algn="ctr">
+                      <a:solidFill>
+                        <a:schemeClr val="tx1"/>
+                      </a:solidFill>
+                      <a:prstDash val="solid"/>
+                      <a:round/>
+                      <a:headEnd type="none" w="med" len="med"/>
+                      <a:tailEnd type="none" w="med" len="med"/>
+                    </a:lnR>
+                    <a:lnT w="12700" cap="flat" cmpd="sng" algn="ctr">
+                      <a:solidFill>
+                        <a:schemeClr val="tx1"/>
+                      </a:solidFill>
+                      <a:prstDash val="solid"/>
+                      <a:round/>
+                      <a:headEnd type="none" w="med" len="med"/>
+                      <a:tailEnd type="none" w="med" len="med"/>
+                    </a:lnT>
+                    <a:lnB w="12700" cap="flat" cmpd="sng" algn="ctr">
+                      <a:solidFill>
+                        <a:schemeClr val="tx1"/>
+                      </a:solidFill>
+                      <a:prstDash val="solid"/>
+                      <a:round/>
+                      <a:headEnd type="none" w="med" len="med"/>
+                      <a:tailEnd type="none" w="med" len="med"/>
+                    </a:lnB>
+                    <a:lnTlToBr w="12700" cmpd="sng">
+                      <a:noFill/>
+                      <a:prstDash val="solid"/>
+                    </a:lnTlToBr>
+                    <a:lnBlToTr w="12700" cmpd="sng">
+                      <a:noFill/>
+                      <a:prstDash val="solid"/>
+                    </a:lnBlToTr>
+                  </a:tcPr>
+                </a:tc>
+                <a:tc>
+                  <a:txBody>
+                    <a:bodyPr/>
+                    <a:lstStyle/>
+                    <a:p>
+                      <a:pPr marL="0" marR="0" indent="0" algn="ctr" defTabSz="914400" rtl="0" eaLnBrk="1" fontAlgn="auto" latinLnBrk="1" hangingPunct="1">
+                        <a:lnSpc>
+                          <a:spcPct val="100000"/>
+                        </a:lnSpc>
+                        <a:spcBef>
+                          <a:spcPts val="0"/>
+                        </a:spcBef>
+                        <a:spcAft>
+                          <a:spcPts val="0"/>
+                        </a:spcAft>
+                        <a:buClrTx/>
+                        <a:buSzTx/>
+                        <a:buFontTx/>
+                        <a:buNone/>
+                        <a:tabLst/>
+                        <a:defRPr/>
+                      </a:pPr>
+                      <a:r>
+                        <a:rPr lang="en-US" altLang="ko-KR" sz="1100" dirty="0" smtClean="0"/>
+                        <a:t>0x00123455</a:t>
+                      </a:r>
+                      <a:endParaRPr lang="ko-KR" altLang="en-US" sz="1100" dirty="0" smtClean="0"/>
+                    </a:p>
+                  </a:txBody>
+                  <a:tcPr anchor="ctr">
+                    <a:lnL w="12700" cap="flat" cmpd="sng" algn="ctr">
+                      <a:solidFill>
+                        <a:schemeClr val="tx1"/>
+                      </a:solidFill>
+                      <a:prstDash val="solid"/>
+                      <a:round/>
+                      <a:headEnd type="none" w="med" len="med"/>
+                      <a:tailEnd type="none" w="med" len="med"/>
+                    </a:lnL>
+                    <a:lnR w="12700" cap="flat" cmpd="sng" algn="ctr">
+                      <a:solidFill>
+                        <a:schemeClr val="tx1"/>
+                      </a:solidFill>
+                      <a:prstDash val="solid"/>
+                      <a:round/>
+                      <a:headEnd type="none" w="med" len="med"/>
+                      <a:tailEnd type="none" w="med" len="med"/>
+                    </a:lnR>
+                    <a:lnT w="12700" cap="flat" cmpd="sng" algn="ctr">
+                      <a:solidFill>
+                        <a:schemeClr val="tx1"/>
+                      </a:solidFill>
+                      <a:prstDash val="solid"/>
+                      <a:round/>
+                      <a:headEnd type="none" w="med" len="med"/>
+                      <a:tailEnd type="none" w="med" len="med"/>
+                    </a:lnT>
+                    <a:lnB w="12700" cap="flat" cmpd="sng" algn="ctr">
+                      <a:solidFill>
+                        <a:schemeClr val="tx1"/>
+                      </a:solidFill>
+                      <a:prstDash val="solid"/>
+                      <a:round/>
+                      <a:headEnd type="none" w="med" len="med"/>
+                      <a:tailEnd type="none" w="med" len="med"/>
+                    </a:lnB>
+                    <a:lnTlToBr w="12700" cmpd="sng">
+                      <a:noFill/>
+                      <a:prstDash val="solid"/>
+                    </a:lnTlToBr>
+                    <a:lnBlToTr w="12700" cmpd="sng">
+                      <a:noFill/>
+                      <a:prstDash val="solid"/>
+                    </a:lnBlToTr>
+                  </a:tcPr>
+                </a:tc>
+                <a:tc>
+                  <a:txBody>
+                    <a:bodyPr/>
+                    <a:lstStyle/>
+                    <a:p>
+                      <a:pPr marL="0" marR="0" indent="0" algn="ctr" defTabSz="914400" rtl="0" eaLnBrk="1" fontAlgn="auto" latinLnBrk="1" hangingPunct="1">
+                        <a:lnSpc>
+                          <a:spcPct val="100000"/>
+                        </a:lnSpc>
+                        <a:spcBef>
+                          <a:spcPts val="0"/>
+                        </a:spcBef>
+                        <a:spcAft>
+                          <a:spcPts val="0"/>
+                        </a:spcAft>
+                        <a:buClrTx/>
+                        <a:buSzTx/>
+                        <a:buFontTx/>
+                        <a:buNone/>
+                        <a:tabLst/>
+                        <a:defRPr/>
+                      </a:pPr>
+                      <a:r>
+                        <a:rPr lang="en-US" altLang="ko-KR" sz="1100" dirty="0" smtClean="0"/>
+                        <a:t>0x00123455</a:t>
+                      </a:r>
+                      <a:endParaRPr lang="ko-KR" altLang="en-US" sz="1100" dirty="0" smtClean="0"/>
+                    </a:p>
+                  </a:txBody>
+                  <a:tcPr anchor="ctr">
+                    <a:lnL w="12700" cap="flat" cmpd="sng" algn="ctr">
+                      <a:solidFill>
+                        <a:schemeClr val="tx1"/>
+                      </a:solidFill>
+                      <a:prstDash val="solid"/>
+                      <a:round/>
+                      <a:headEnd type="none" w="med" len="med"/>
+                      <a:tailEnd type="none" w="med" len="med"/>
+                    </a:lnL>
+                    <a:lnR w="12700" cap="flat" cmpd="sng" algn="ctr">
+                      <a:solidFill>
+                        <a:schemeClr val="tx1"/>
+                      </a:solidFill>
+                      <a:prstDash val="solid"/>
+                      <a:round/>
+                      <a:headEnd type="none" w="med" len="med"/>
+                      <a:tailEnd type="none" w="med" len="med"/>
+                    </a:lnR>
+                    <a:lnT w="12700" cap="flat" cmpd="sng" algn="ctr">
+                      <a:solidFill>
+                        <a:schemeClr val="tx1"/>
+                      </a:solidFill>
+                      <a:prstDash val="solid"/>
+                      <a:round/>
+                      <a:headEnd type="none" w="med" len="med"/>
+                      <a:tailEnd type="none" w="med" len="med"/>
+                    </a:lnT>
+                    <a:lnB w="12700" cap="flat" cmpd="sng" algn="ctr">
+                      <a:solidFill>
+                        <a:schemeClr val="tx1"/>
+                      </a:solidFill>
+                      <a:prstDash val="solid"/>
+                      <a:round/>
+                      <a:headEnd type="none" w="med" len="med"/>
+                      <a:tailEnd type="none" w="med" len="med"/>
+                    </a:lnB>
+                    <a:lnTlToBr w="12700" cmpd="sng">
+                      <a:noFill/>
+                      <a:prstDash val="solid"/>
+                    </a:lnTlToBr>
+                    <a:lnBlToTr w="12700" cmpd="sng">
+                      <a:noFill/>
+                      <a:prstDash val="solid"/>
+                    </a:lnBlToTr>
+                  </a:tcPr>
+                </a:tc>
+                <a:extLst>
+                  <a:ext uri="{0D108BD9-81ED-4DB2-BD59-A6C34878D82A}">
+                    <a16:rowId xmlns:a16="http://schemas.microsoft.com/office/drawing/2014/main" val="1730297317"/>
+                  </a:ext>
+                </a:extLst>
+              </a:tr>
+              <a:tr h="370840">
+                <a:tc>
+                  <a:txBody>
+                    <a:bodyPr/>
+                    <a:lstStyle/>
+                    <a:p>
+                      <a:pPr algn="ctr" latinLnBrk="1"/>
+                      <a:r>
+                        <a:rPr lang="en-US" altLang="ko-KR" sz="1100" dirty="0" smtClean="0"/>
+                        <a:t>1</a:t>
+                      </a:r>
+                      <a:endParaRPr lang="ko-KR" altLang="en-US" sz="1100" dirty="0"/>
+                    </a:p>
+                  </a:txBody>
+                  <a:tcPr anchor="ctr">
+                    <a:lnL w="12700" cap="flat" cmpd="sng" algn="ctr">
+                      <a:solidFill>
+                        <a:schemeClr val="tx1"/>
+                      </a:solidFill>
+                      <a:prstDash val="solid"/>
+                      <a:round/>
+                      <a:headEnd type="none" w="med" len="med"/>
+                      <a:tailEnd type="none" w="med" len="med"/>
+                    </a:lnL>
+                    <a:lnR w="12700" cap="flat" cmpd="sng" algn="ctr">
+                      <a:solidFill>
+                        <a:schemeClr val="tx1"/>
+                      </a:solidFill>
+                      <a:prstDash val="solid"/>
+                      <a:round/>
+                      <a:headEnd type="none" w="med" len="med"/>
+                      <a:tailEnd type="none" w="med" len="med"/>
+                    </a:lnR>
+                    <a:lnT w="12700" cap="flat" cmpd="sng" algn="ctr">
+                      <a:solidFill>
+                        <a:schemeClr val="tx1"/>
+                      </a:solidFill>
+                      <a:prstDash val="solid"/>
+                      <a:round/>
+                      <a:headEnd type="none" w="med" len="med"/>
+                      <a:tailEnd type="none" w="med" len="med"/>
+                    </a:lnT>
+                    <a:lnB w="12700" cap="flat" cmpd="sng" algn="ctr">
+                      <a:solidFill>
+                        <a:schemeClr val="tx1"/>
+                      </a:solidFill>
+                      <a:prstDash val="solid"/>
+                      <a:round/>
+                      <a:headEnd type="none" w="med" len="med"/>
+                      <a:tailEnd type="none" w="med" len="med"/>
+                    </a:lnB>
+                    <a:lnTlToBr w="12700" cmpd="sng">
+                      <a:noFill/>
+                      <a:prstDash val="solid"/>
+                    </a:lnTlToBr>
+                    <a:lnBlToTr w="12700" cmpd="sng">
+                      <a:noFill/>
+                      <a:prstDash val="solid"/>
+                    </a:lnBlToTr>
+                  </a:tcPr>
+                </a:tc>
+                <a:tc>
+                  <a:txBody>
+                    <a:bodyPr/>
+                    <a:lstStyle/>
+                    <a:p>
+                      <a:pPr algn="ctr" latinLnBrk="1"/>
+                      <a:r>
+                        <a:rPr lang="en-US" altLang="ko-KR" sz="1100" dirty="0" smtClean="0"/>
+                        <a:t>0x00123456</a:t>
+                      </a:r>
+                      <a:endParaRPr lang="ko-KR" altLang="en-US" sz="1100" dirty="0"/>
+                    </a:p>
+                  </a:txBody>
+                  <a:tcPr anchor="ctr">
+                    <a:lnL w="12700" cap="flat" cmpd="sng" algn="ctr">
+                      <a:solidFill>
+                        <a:schemeClr val="tx1"/>
+                      </a:solidFill>
+                      <a:prstDash val="solid"/>
+                      <a:round/>
+                      <a:headEnd type="none" w="med" len="med"/>
+                      <a:tailEnd type="none" w="med" len="med"/>
+                    </a:lnL>
+                    <a:lnR w="12700" cap="flat" cmpd="sng" algn="ctr">
+                      <a:solidFill>
+                        <a:schemeClr val="tx1"/>
+                      </a:solidFill>
+                      <a:prstDash val="solid"/>
+                      <a:round/>
+                      <a:headEnd type="none" w="med" len="med"/>
+                      <a:tailEnd type="none" w="med" len="med"/>
+                    </a:lnR>
+                    <a:lnT w="12700" cap="flat" cmpd="sng" algn="ctr">
+                      <a:solidFill>
+                        <a:schemeClr val="tx1"/>
+                      </a:solidFill>
+                      <a:prstDash val="solid"/>
+                      <a:round/>
+                      <a:headEnd type="none" w="med" len="med"/>
+                      <a:tailEnd type="none" w="med" len="med"/>
+                    </a:lnT>
+                    <a:lnB w="12700" cap="flat" cmpd="sng" algn="ctr">
+                      <a:solidFill>
+                        <a:schemeClr val="tx1"/>
+                      </a:solidFill>
+                      <a:prstDash val="solid"/>
+                      <a:round/>
+                      <a:headEnd type="none" w="med" len="med"/>
+                      <a:tailEnd type="none" w="med" len="med"/>
+                    </a:lnB>
+                    <a:lnTlToBr w="12700" cmpd="sng">
+                      <a:noFill/>
+                      <a:prstDash val="solid"/>
+                    </a:lnTlToBr>
+                    <a:lnBlToTr w="12700" cmpd="sng">
+                      <a:noFill/>
+                      <a:prstDash val="solid"/>
+                    </a:lnBlToTr>
+                  </a:tcPr>
+                </a:tc>
+                <a:tc>
+                  <a:txBody>
+                    <a:bodyPr/>
+                    <a:lstStyle/>
+                    <a:p>
+                      <a:pPr algn="ctr" latinLnBrk="1"/>
+                      <a:r>
+                        <a:rPr lang="en-US" altLang="ko-KR" sz="1100" dirty="0" smtClean="0"/>
+                        <a:t>0x00123456</a:t>
+                      </a:r>
+                      <a:endParaRPr lang="ko-KR" altLang="en-US" sz="1100" dirty="0"/>
+                    </a:p>
+                  </a:txBody>
+                  <a:tcPr anchor="ctr">
+                    <a:lnL w="12700" cap="flat" cmpd="sng" algn="ctr">
+                      <a:solidFill>
+                        <a:schemeClr val="tx1"/>
+                      </a:solidFill>
+                      <a:prstDash val="solid"/>
+                      <a:round/>
+                      <a:headEnd type="none" w="med" len="med"/>
+                      <a:tailEnd type="none" w="med" len="med"/>
+                    </a:lnL>
+                    <a:lnR w="12700" cap="flat" cmpd="sng" algn="ctr">
+                      <a:solidFill>
+                        <a:schemeClr val="tx1"/>
+                      </a:solidFill>
+                      <a:prstDash val="solid"/>
+                      <a:round/>
+                      <a:headEnd type="none" w="med" len="med"/>
+                      <a:tailEnd type="none" w="med" len="med"/>
+                    </a:lnR>
+                    <a:lnT w="12700" cap="flat" cmpd="sng" algn="ctr">
+                      <a:solidFill>
+                        <a:schemeClr val="tx1"/>
+                      </a:solidFill>
+                      <a:prstDash val="solid"/>
+                      <a:round/>
+                      <a:headEnd type="none" w="med" len="med"/>
+                      <a:tailEnd type="none" w="med" len="med"/>
+                    </a:lnT>
+                    <a:lnB w="12700" cap="flat" cmpd="sng" algn="ctr">
+                      <a:solidFill>
+                        <a:schemeClr val="tx1"/>
+                      </a:solidFill>
+                      <a:prstDash val="solid"/>
+                      <a:round/>
+                      <a:headEnd type="none" w="med" len="med"/>
+                      <a:tailEnd type="none" w="med" len="med"/>
+                    </a:lnB>
+                    <a:lnTlToBr w="12700" cmpd="sng">
+                      <a:noFill/>
+                      <a:prstDash val="solid"/>
+                    </a:lnTlToBr>
+                    <a:lnBlToTr w="12700" cmpd="sng">
+                      <a:noFill/>
+                      <a:prstDash val="solid"/>
+                    </a:lnBlToTr>
+                  </a:tcPr>
+                </a:tc>
+                <a:extLst>
+                  <a:ext uri="{0D108BD9-81ED-4DB2-BD59-A6C34878D82A}">
+                    <a16:rowId xmlns:a16="http://schemas.microsoft.com/office/drawing/2014/main" val="2958329653"/>
+                  </a:ext>
+                </a:extLst>
+              </a:tr>
+              <a:tr h="370840">
+                <a:tc>
+                  <a:txBody>
+                    <a:bodyPr/>
+                    <a:lstStyle/>
+                    <a:p>
+                      <a:pPr algn="ctr" latinLnBrk="1"/>
+                      <a:r>
+                        <a:rPr lang="en-US" altLang="ko-KR" sz="1100" dirty="0" smtClean="0"/>
+                        <a:t>2</a:t>
+                      </a:r>
+                      <a:endParaRPr lang="ko-KR" altLang="en-US" sz="1100" dirty="0"/>
+                    </a:p>
+                  </a:txBody>
+                  <a:tcPr anchor="ctr">
+                    <a:lnL w="12700" cap="flat" cmpd="sng" algn="ctr">
+                      <a:solidFill>
+                        <a:schemeClr val="tx1"/>
+                      </a:solidFill>
+                      <a:prstDash val="solid"/>
+                      <a:round/>
+                      <a:headEnd type="none" w="med" len="med"/>
+                      <a:tailEnd type="none" w="med" len="med"/>
+                    </a:lnL>
+                    <a:lnR w="12700" cap="flat" cmpd="sng" algn="ctr">
+                      <a:solidFill>
+                        <a:schemeClr val="tx1"/>
+                      </a:solidFill>
+                      <a:prstDash val="solid"/>
+                      <a:round/>
+                      <a:headEnd type="none" w="med" len="med"/>
+                      <a:tailEnd type="none" w="med" len="med"/>
+                    </a:lnR>
+                    <a:lnT w="12700" cap="flat" cmpd="sng" algn="ctr">
+                      <a:solidFill>
+                        <a:schemeClr val="tx1"/>
+                      </a:solidFill>
+                      <a:prstDash val="solid"/>
+                      <a:round/>
+                      <a:headEnd type="none" w="med" len="med"/>
+                      <a:tailEnd type="none" w="med" len="med"/>
+                    </a:lnT>
+                    <a:lnB w="12700" cap="flat" cmpd="sng" algn="ctr">
+                      <a:solidFill>
+                        <a:schemeClr val="tx1"/>
+                      </a:solidFill>
+                      <a:prstDash val="solid"/>
+                      <a:round/>
+                      <a:headEnd type="none" w="med" len="med"/>
+                      <a:tailEnd type="none" w="med" len="med"/>
+                    </a:lnB>
+                    <a:lnTlToBr w="12700" cmpd="sng">
+                      <a:noFill/>
+                      <a:prstDash val="solid"/>
+                    </a:lnTlToBr>
+                    <a:lnBlToTr w="12700" cmpd="sng">
+                      <a:noFill/>
+                      <a:prstDash val="solid"/>
+                    </a:lnBlToTr>
+                  </a:tcPr>
+                </a:tc>
+                <a:tc>
+                  <a:txBody>
+                    <a:bodyPr/>
+                    <a:lstStyle/>
+                    <a:p>
+                      <a:pPr algn="ctr" latinLnBrk="1"/>
+                      <a:endParaRPr lang="ko-KR" altLang="en-US" sz="1100" dirty="0"/>
+                    </a:p>
+                  </a:txBody>
+                  <a:tcPr anchor="ctr">
+                    <a:lnL w="12700" cap="flat" cmpd="sng" algn="ctr">
+                      <a:solidFill>
+                        <a:schemeClr val="tx1"/>
+                      </a:solidFill>
+                      <a:prstDash val="solid"/>
+                      <a:round/>
+                      <a:headEnd type="none" w="med" len="med"/>
+                      <a:tailEnd type="none" w="med" len="med"/>
+                    </a:lnL>
+                    <a:lnR w="12700" cap="flat" cmpd="sng" algn="ctr">
+                      <a:solidFill>
+                        <a:schemeClr val="tx1"/>
+                      </a:solidFill>
+                      <a:prstDash val="solid"/>
+                      <a:round/>
+                      <a:headEnd type="none" w="med" len="med"/>
+                      <a:tailEnd type="none" w="med" len="med"/>
+                    </a:lnR>
+                    <a:lnT w="12700" cap="flat" cmpd="sng" algn="ctr">
+                      <a:solidFill>
+                        <a:schemeClr val="tx1"/>
+                      </a:solidFill>
+                      <a:prstDash val="solid"/>
+                      <a:round/>
+                      <a:headEnd type="none" w="med" len="med"/>
+                      <a:tailEnd type="none" w="med" len="med"/>
+                    </a:lnT>
+                    <a:lnB w="12700" cap="flat" cmpd="sng" algn="ctr">
+                      <a:solidFill>
+                        <a:schemeClr val="tx1"/>
+                      </a:solidFill>
+                      <a:prstDash val="solid"/>
+                      <a:round/>
+                      <a:headEnd type="none" w="med" len="med"/>
+                      <a:tailEnd type="none" w="med" len="med"/>
+                    </a:lnB>
+                    <a:lnTlToBr w="12700" cmpd="sng">
+                      <a:noFill/>
+                      <a:prstDash val="solid"/>
+                    </a:lnTlToBr>
+                    <a:lnBlToTr w="12700" cmpd="sng">
+                      <a:noFill/>
+                      <a:prstDash val="solid"/>
+                    </a:lnBlToTr>
+                  </a:tcPr>
+                </a:tc>
+                <a:tc>
+                  <a:txBody>
+                    <a:bodyPr/>
+                    <a:lstStyle/>
+                    <a:p>
+                      <a:pPr algn="ctr" latinLnBrk="1"/>
+                      <a:endParaRPr lang="ko-KR" altLang="en-US" sz="1100" dirty="0"/>
+                    </a:p>
+                  </a:txBody>
+                  <a:tcPr anchor="ctr">
+                    <a:lnL w="12700" cap="flat" cmpd="sng" algn="ctr">
+                      <a:solidFill>
+                        <a:schemeClr val="tx1"/>
+                      </a:solidFill>
+                      <a:prstDash val="solid"/>
+                      <a:round/>
+                      <a:headEnd type="none" w="med" len="med"/>
+                      <a:tailEnd type="none" w="med" len="med"/>
+                    </a:lnL>
+                    <a:lnR w="12700" cap="flat" cmpd="sng" algn="ctr">
+                      <a:solidFill>
+                        <a:schemeClr val="tx1"/>
+                      </a:solidFill>
+                      <a:prstDash val="solid"/>
+                      <a:round/>
+                      <a:headEnd type="none" w="med" len="med"/>
+                      <a:tailEnd type="none" w="med" len="med"/>
+                    </a:lnR>
+                    <a:lnT w="12700" cap="flat" cmpd="sng" algn="ctr">
+                      <a:solidFill>
+                        <a:schemeClr val="tx1"/>
+                      </a:solidFill>
+                      <a:prstDash val="solid"/>
+                      <a:round/>
+                      <a:headEnd type="none" w="med" len="med"/>
+                      <a:tailEnd type="none" w="med" len="med"/>
+                    </a:lnT>
+                    <a:lnB w="12700" cap="flat" cmpd="sng" algn="ctr">
+                      <a:solidFill>
+                        <a:schemeClr val="tx1"/>
+                      </a:solidFill>
+                      <a:prstDash val="solid"/>
+                      <a:round/>
+                      <a:headEnd type="none" w="med" len="med"/>
+                      <a:tailEnd type="none" w="med" len="med"/>
+                    </a:lnB>
+                    <a:lnTlToBr w="12700" cmpd="sng">
+                      <a:noFill/>
+                      <a:prstDash val="solid"/>
+                    </a:lnTlToBr>
+                    <a:lnBlToTr w="12700" cmpd="sng">
+                      <a:noFill/>
+                      <a:prstDash val="solid"/>
+                    </a:lnBlToTr>
+                  </a:tcPr>
+                </a:tc>
+                <a:extLst>
+                  <a:ext uri="{0D108BD9-81ED-4DB2-BD59-A6C34878D82A}">
+                    <a16:rowId xmlns:a16="http://schemas.microsoft.com/office/drawing/2014/main" val="2512836236"/>
+                  </a:ext>
+                </a:extLst>
+              </a:tr>
+              <a:tr h="370840">
+                <a:tc>
+                  <a:txBody>
+                    <a:bodyPr/>
+                    <a:lstStyle/>
+                    <a:p>
+                      <a:pPr algn="ctr" latinLnBrk="1"/>
+                      <a:r>
+                        <a:rPr lang="en-US" altLang="ko-KR" sz="1100" dirty="0" smtClean="0"/>
+                        <a:t>3</a:t>
+                      </a:r>
+                      <a:endParaRPr lang="ko-KR" altLang="en-US" sz="1100" dirty="0"/>
+                    </a:p>
+                  </a:txBody>
+                  <a:tcPr anchor="ctr">
+                    <a:lnL w="12700" cap="flat" cmpd="sng" algn="ctr">
+                      <a:solidFill>
+                        <a:schemeClr val="tx1"/>
+                      </a:solidFill>
+                      <a:prstDash val="solid"/>
+                      <a:round/>
+                      <a:headEnd type="none" w="med" len="med"/>
+                      <a:tailEnd type="none" w="med" len="med"/>
+                    </a:lnL>
+                    <a:lnR w="12700" cap="flat" cmpd="sng" algn="ctr">
+                      <a:solidFill>
+                        <a:schemeClr val="tx1"/>
+                      </a:solidFill>
+                      <a:prstDash val="solid"/>
+                      <a:round/>
+                      <a:headEnd type="none" w="med" len="med"/>
+                      <a:tailEnd type="none" w="med" len="med"/>
+                    </a:lnR>
+                    <a:lnT w="12700" cap="flat" cmpd="sng" algn="ctr">
+                      <a:solidFill>
+                        <a:schemeClr val="tx1"/>
+                      </a:solidFill>
+                      <a:prstDash val="solid"/>
+                      <a:round/>
+                      <a:headEnd type="none" w="med" len="med"/>
+                      <a:tailEnd type="none" w="med" len="med"/>
+                    </a:lnT>
+                    <a:lnB w="12700" cap="flat" cmpd="sng" algn="ctr">
+                      <a:solidFill>
+                        <a:schemeClr val="tx1"/>
+                      </a:solidFill>
+                      <a:prstDash val="solid"/>
+                      <a:round/>
+                      <a:headEnd type="none" w="med" len="med"/>
+                      <a:tailEnd type="none" w="med" len="med"/>
+                    </a:lnB>
+                    <a:lnTlToBr w="12700" cmpd="sng">
+                      <a:noFill/>
+                      <a:prstDash val="solid"/>
+                    </a:lnTlToBr>
+                    <a:lnBlToTr w="12700" cmpd="sng">
+                      <a:noFill/>
+                      <a:prstDash val="solid"/>
+                    </a:lnBlToTr>
+                  </a:tcPr>
+                </a:tc>
+                <a:tc>
+                  <a:txBody>
+                    <a:bodyPr/>
+                    <a:lstStyle/>
+                    <a:p>
+                      <a:pPr algn="ctr" latinLnBrk="1"/>
+                      <a:endParaRPr lang="ko-KR" altLang="en-US" sz="1100" dirty="0"/>
+                    </a:p>
+                  </a:txBody>
+                  <a:tcPr anchor="ctr">
+                    <a:lnL w="12700" cap="flat" cmpd="sng" algn="ctr">
+                      <a:solidFill>
+                        <a:schemeClr val="tx1"/>
+                      </a:solidFill>
+                      <a:prstDash val="solid"/>
+                      <a:round/>
+                      <a:headEnd type="none" w="med" len="med"/>
+                      <a:tailEnd type="none" w="med" len="med"/>
+                    </a:lnL>
+                    <a:lnR w="12700" cap="flat" cmpd="sng" algn="ctr">
+                      <a:solidFill>
+                        <a:schemeClr val="tx1"/>
+                      </a:solidFill>
+                      <a:prstDash val="solid"/>
+                      <a:round/>
+                      <a:headEnd type="none" w="med" len="med"/>
+                      <a:tailEnd type="none" w="med" len="med"/>
+                    </a:lnR>
+                    <a:lnT w="12700" cap="flat" cmpd="sng" algn="ctr">
+                      <a:solidFill>
+                        <a:schemeClr val="tx1"/>
+                      </a:solidFill>
+                      <a:prstDash val="solid"/>
+                      <a:round/>
+                      <a:headEnd type="none" w="med" len="med"/>
+                      <a:tailEnd type="none" w="med" len="med"/>
+                    </a:lnT>
+                    <a:lnB w="12700" cap="flat" cmpd="sng" algn="ctr">
+                      <a:solidFill>
+                        <a:schemeClr val="tx1"/>
+                      </a:solidFill>
+                      <a:prstDash val="solid"/>
+                      <a:round/>
+                      <a:headEnd type="none" w="med" len="med"/>
+                      <a:tailEnd type="none" w="med" len="med"/>
+                    </a:lnB>
+                    <a:lnTlToBr w="12700" cmpd="sng">
+                      <a:noFill/>
+                      <a:prstDash val="solid"/>
+                    </a:lnTlToBr>
+                    <a:lnBlToTr w="12700" cmpd="sng">
+                      <a:noFill/>
+                      <a:prstDash val="solid"/>
+                    </a:lnBlToTr>
+                  </a:tcPr>
+                </a:tc>
+                <a:tc>
+                  <a:txBody>
+                    <a:bodyPr/>
+                    <a:lstStyle/>
+                    <a:p>
+                      <a:pPr algn="ctr" latinLnBrk="1"/>
+                      <a:endParaRPr lang="ko-KR" altLang="en-US" sz="1100" dirty="0"/>
+                    </a:p>
+                  </a:txBody>
+                  <a:tcPr anchor="ctr">
+                    <a:lnL w="12700" cap="flat" cmpd="sng" algn="ctr">
+                      <a:solidFill>
+                        <a:schemeClr val="tx1"/>
+                      </a:solidFill>
+                      <a:prstDash val="solid"/>
+                      <a:round/>
+                      <a:headEnd type="none" w="med" len="med"/>
+                      <a:tailEnd type="none" w="med" len="med"/>
+                    </a:lnL>
+                    <a:lnR w="12700" cap="flat" cmpd="sng" algn="ctr">
+                      <a:solidFill>
+                        <a:schemeClr val="tx1"/>
+                      </a:solidFill>
+                      <a:prstDash val="solid"/>
+                      <a:round/>
+                      <a:headEnd type="none" w="med" len="med"/>
+                      <a:tailEnd type="none" w="med" len="med"/>
+                    </a:lnR>
+                    <a:lnT w="12700" cap="flat" cmpd="sng" algn="ctr">
+                      <a:solidFill>
+                        <a:schemeClr val="tx1"/>
+                      </a:solidFill>
+                      <a:prstDash val="solid"/>
+                      <a:round/>
+                      <a:headEnd type="none" w="med" len="med"/>
+                      <a:tailEnd type="none" w="med" len="med"/>
+                    </a:lnT>
+                    <a:lnB w="12700" cap="flat" cmpd="sng" algn="ctr">
+                      <a:solidFill>
+                        <a:schemeClr val="tx1"/>
+                      </a:solidFill>
+                      <a:prstDash val="solid"/>
+                      <a:round/>
+                      <a:headEnd type="none" w="med" len="med"/>
+                      <a:tailEnd type="none" w="med" len="med"/>
+                    </a:lnB>
+                    <a:lnTlToBr w="12700" cmpd="sng">
+                      <a:noFill/>
+                      <a:prstDash val="solid"/>
+                    </a:lnTlToBr>
+                    <a:lnBlToTr w="12700" cmpd="sng">
+                      <a:noFill/>
+                      <a:prstDash val="solid"/>
+                    </a:lnBlToTr>
+                  </a:tcPr>
+                </a:tc>
+                <a:extLst>
+                  <a:ext uri="{0D108BD9-81ED-4DB2-BD59-A6C34878D82A}">
+                    <a16:rowId xmlns:a16="http://schemas.microsoft.com/office/drawing/2014/main" val="2477582452"/>
+                  </a:ext>
+                </a:extLst>
+              </a:tr>
+              <a:tr h="370840">
+                <a:tc>
+                  <a:txBody>
+                    <a:bodyPr/>
+                    <a:lstStyle/>
+                    <a:p>
+                      <a:pPr algn="ctr" latinLnBrk="1"/>
+                      <a:r>
+                        <a:rPr lang="en-US" altLang="ko-KR" sz="1100" dirty="0" smtClean="0"/>
+                        <a:t>4</a:t>
+                      </a:r>
+                      <a:endParaRPr lang="ko-KR" altLang="en-US" sz="1100" dirty="0"/>
+                    </a:p>
+                  </a:txBody>
+                  <a:tcPr anchor="ctr">
+                    <a:lnL w="12700" cap="flat" cmpd="sng" algn="ctr">
+                      <a:solidFill>
+                        <a:schemeClr val="tx1"/>
+                      </a:solidFill>
+                      <a:prstDash val="solid"/>
+                      <a:round/>
+                      <a:headEnd type="none" w="med" len="med"/>
+                      <a:tailEnd type="none" w="med" len="med"/>
+                    </a:lnL>
+                    <a:lnR w="12700" cap="flat" cmpd="sng" algn="ctr">
+                      <a:solidFill>
+                        <a:schemeClr val="tx1"/>
+                      </a:solidFill>
+                      <a:prstDash val="solid"/>
+                      <a:round/>
+                      <a:headEnd type="none" w="med" len="med"/>
+                      <a:tailEnd type="none" w="med" len="med"/>
+                    </a:lnR>
+                    <a:lnT w="12700" cap="flat" cmpd="sng" algn="ctr">
+                      <a:solidFill>
+                        <a:schemeClr val="tx1"/>
+                      </a:solidFill>
+                      <a:prstDash val="solid"/>
+                      <a:round/>
+                      <a:headEnd type="none" w="med" len="med"/>
+                      <a:tailEnd type="none" w="med" len="med"/>
+                    </a:lnT>
+                    <a:lnB w="12700" cap="flat" cmpd="sng" algn="ctr">
+                      <a:solidFill>
+                        <a:schemeClr val="tx1"/>
+                      </a:solidFill>
+                      <a:prstDash val="solid"/>
+                      <a:round/>
+                      <a:headEnd type="none" w="med" len="med"/>
+                      <a:tailEnd type="none" w="med" len="med"/>
+                    </a:lnB>
+                    <a:lnTlToBr w="12700" cmpd="sng">
+                      <a:noFill/>
+                      <a:prstDash val="solid"/>
+                    </a:lnTlToBr>
+                    <a:lnBlToTr w="12700" cmpd="sng">
+                      <a:noFill/>
+                      <a:prstDash val="solid"/>
+                    </a:lnBlToTr>
+                  </a:tcPr>
+                </a:tc>
+                <a:tc>
+                  <a:txBody>
+                    <a:bodyPr/>
+                    <a:lstStyle/>
+                    <a:p>
+                      <a:pPr algn="ctr" latinLnBrk="1"/>
+                      <a:endParaRPr lang="ko-KR" altLang="en-US" sz="1100" dirty="0"/>
+                    </a:p>
+                  </a:txBody>
+                  <a:tcPr anchor="ctr">
+                    <a:lnL w="12700" cap="flat" cmpd="sng" algn="ctr">
+                      <a:solidFill>
+                        <a:schemeClr val="tx1"/>
+                      </a:solidFill>
+                      <a:prstDash val="solid"/>
+                      <a:round/>
+                      <a:headEnd type="none" w="med" len="med"/>
+                      <a:tailEnd type="none" w="med" len="med"/>
+                    </a:lnL>
+                    <a:lnR w="12700" cap="flat" cmpd="sng" algn="ctr">
+                      <a:solidFill>
+                        <a:schemeClr val="tx1"/>
+                      </a:solidFill>
+                      <a:prstDash val="solid"/>
+                      <a:round/>
+                      <a:headEnd type="none" w="med" len="med"/>
+                      <a:tailEnd type="none" w="med" len="med"/>
+                    </a:lnR>
+                    <a:lnT w="12700" cap="flat" cmpd="sng" algn="ctr">
+                      <a:solidFill>
+                        <a:schemeClr val="tx1"/>
+                      </a:solidFill>
+                      <a:prstDash val="solid"/>
+                      <a:round/>
+                      <a:headEnd type="none" w="med" len="med"/>
+                      <a:tailEnd type="none" w="med" len="med"/>
+                    </a:lnT>
+                    <a:lnB w="12700" cap="flat" cmpd="sng" algn="ctr">
+                      <a:solidFill>
+                        <a:schemeClr val="tx1"/>
+                      </a:solidFill>
+                      <a:prstDash val="solid"/>
+                      <a:round/>
+                      <a:headEnd type="none" w="med" len="med"/>
+                      <a:tailEnd type="none" w="med" len="med"/>
+                    </a:lnB>
+                    <a:lnTlToBr w="12700" cmpd="sng">
+                      <a:noFill/>
+                      <a:prstDash val="solid"/>
+                    </a:lnTlToBr>
+                    <a:lnBlToTr w="12700" cmpd="sng">
+                      <a:noFill/>
+                      <a:prstDash val="solid"/>
+                    </a:lnBlToTr>
+                  </a:tcPr>
+                </a:tc>
+                <a:tc>
+                  <a:txBody>
+                    <a:bodyPr/>
+                    <a:lstStyle/>
+                    <a:p>
+                      <a:pPr algn="ctr" latinLnBrk="1"/>
+                      <a:endParaRPr lang="ko-KR" altLang="en-US" sz="1100" dirty="0"/>
+                    </a:p>
+                  </a:txBody>
+                  <a:tcPr anchor="ctr">
+                    <a:lnL w="12700" cap="flat" cmpd="sng" algn="ctr">
+                      <a:solidFill>
+                        <a:schemeClr val="tx1"/>
+                      </a:solidFill>
+                      <a:prstDash val="solid"/>
+                      <a:round/>
+                      <a:headEnd type="none" w="med" len="med"/>
+                      <a:tailEnd type="none" w="med" len="med"/>
+                    </a:lnL>
+                    <a:lnR w="12700" cap="flat" cmpd="sng" algn="ctr">
+                      <a:solidFill>
+                        <a:schemeClr val="tx1"/>
+                      </a:solidFill>
+                      <a:prstDash val="solid"/>
+                      <a:round/>
+                      <a:headEnd type="none" w="med" len="med"/>
+                      <a:tailEnd type="none" w="med" len="med"/>
+                    </a:lnR>
+                    <a:lnT w="12700" cap="flat" cmpd="sng" algn="ctr">
+                      <a:solidFill>
+                        <a:schemeClr val="tx1"/>
+                      </a:solidFill>
+                      <a:prstDash val="solid"/>
+                      <a:round/>
+                      <a:headEnd type="none" w="med" len="med"/>
+                      <a:tailEnd type="none" w="med" len="med"/>
+                    </a:lnT>
+                    <a:lnB w="12700" cap="flat" cmpd="sng" algn="ctr">
+                      <a:solidFill>
+                        <a:schemeClr val="tx1"/>
+                      </a:solidFill>
+                      <a:prstDash val="solid"/>
+                      <a:round/>
+                      <a:headEnd type="none" w="med" len="med"/>
+                      <a:tailEnd type="none" w="med" len="med"/>
+                    </a:lnB>
+                    <a:lnTlToBr w="12700" cmpd="sng">
+                      <a:noFill/>
+                      <a:prstDash val="solid"/>
+                    </a:lnTlToBr>
+                    <a:lnBlToTr w="12700" cmpd="sng">
+                      <a:noFill/>
+                      <a:prstDash val="solid"/>
+                    </a:lnBlToTr>
+                  </a:tcPr>
+                </a:tc>
+                <a:extLst>
+                  <a:ext uri="{0D108BD9-81ED-4DB2-BD59-A6C34878D82A}">
+                    <a16:rowId xmlns:a16="http://schemas.microsoft.com/office/drawing/2014/main" val="3600233824"/>
+                  </a:ext>
+                </a:extLst>
+              </a:tr>
+              <a:tr h="370840">
+                <a:tc>
+                  <a:txBody>
+                    <a:bodyPr/>
+                    <a:lstStyle/>
+                    <a:p>
+                      <a:pPr algn="ctr" latinLnBrk="1"/>
+                      <a:r>
+                        <a:rPr lang="en-US" altLang="ko-KR" sz="1100" dirty="0" smtClean="0"/>
+                        <a:t>…</a:t>
+                      </a:r>
+                      <a:endParaRPr lang="ko-KR" altLang="en-US" sz="1100" dirty="0"/>
+                    </a:p>
+                  </a:txBody>
+                  <a:tcPr anchor="ctr">
+                    <a:lnL w="12700" cap="flat" cmpd="sng" algn="ctr">
+                      <a:solidFill>
+                        <a:schemeClr val="tx1"/>
+                      </a:solidFill>
+                      <a:prstDash val="solid"/>
+                      <a:round/>
+                      <a:headEnd type="none" w="med" len="med"/>
+                      <a:tailEnd type="none" w="med" len="med"/>
+                    </a:lnL>
+                    <a:lnR w="12700" cap="flat" cmpd="sng" algn="ctr">
+                      <a:solidFill>
+                        <a:schemeClr val="tx1"/>
+                      </a:solidFill>
+                      <a:prstDash val="solid"/>
+                      <a:round/>
+                      <a:headEnd type="none" w="med" len="med"/>
+                      <a:tailEnd type="none" w="med" len="med"/>
+                    </a:lnR>
+                    <a:lnT w="12700" cap="flat" cmpd="sng" algn="ctr">
+                      <a:solidFill>
+                        <a:schemeClr val="tx1"/>
+                      </a:solidFill>
+                      <a:prstDash val="solid"/>
+                      <a:round/>
+                      <a:headEnd type="none" w="med" len="med"/>
+                      <a:tailEnd type="none" w="med" len="med"/>
+                    </a:lnT>
+                    <a:lnB w="12700" cap="flat" cmpd="sng" algn="ctr">
+                      <a:solidFill>
+                        <a:schemeClr val="tx1"/>
+                      </a:solidFill>
+                      <a:prstDash val="solid"/>
+                      <a:round/>
+                      <a:headEnd type="none" w="med" len="med"/>
+                      <a:tailEnd type="none" w="med" len="med"/>
+                    </a:lnB>
+                    <a:lnTlToBr w="12700" cmpd="sng">
+                      <a:noFill/>
+                      <a:prstDash val="solid"/>
+                    </a:lnTlToBr>
+                    <a:lnBlToTr w="12700" cmpd="sng">
+                      <a:noFill/>
+                      <a:prstDash val="solid"/>
+                    </a:lnBlToTr>
+                  </a:tcPr>
+                </a:tc>
+                <a:tc>
+                  <a:txBody>
+                    <a:bodyPr/>
+                    <a:lstStyle/>
+                    <a:p>
+                      <a:pPr algn="ctr" latinLnBrk="1"/>
+                      <a:r>
+                        <a:rPr lang="en-US" altLang="ko-KR" sz="1100" dirty="0" smtClean="0"/>
+                        <a:t>…</a:t>
+                      </a:r>
+                      <a:endParaRPr lang="ko-KR" altLang="en-US" sz="1100" dirty="0"/>
+                    </a:p>
+                  </a:txBody>
+                  <a:tcPr anchor="ctr">
+                    <a:lnL w="12700" cap="flat" cmpd="sng" algn="ctr">
+                      <a:solidFill>
+                        <a:schemeClr val="tx1"/>
+                      </a:solidFill>
+                      <a:prstDash val="solid"/>
+                      <a:round/>
+                      <a:headEnd type="none" w="med" len="med"/>
+                      <a:tailEnd type="none" w="med" len="med"/>
+                    </a:lnL>
+                    <a:lnR w="12700" cap="flat" cmpd="sng" algn="ctr">
+                      <a:solidFill>
+                        <a:schemeClr val="tx1"/>
+                      </a:solidFill>
+                      <a:prstDash val="solid"/>
+                      <a:round/>
+                      <a:headEnd type="none" w="med" len="med"/>
+                      <a:tailEnd type="none" w="med" len="med"/>
+                    </a:lnR>
+                    <a:lnT w="12700" cap="flat" cmpd="sng" algn="ctr">
+                      <a:solidFill>
+                        <a:schemeClr val="tx1"/>
+                      </a:solidFill>
+                      <a:prstDash val="solid"/>
+                      <a:round/>
+                      <a:headEnd type="none" w="med" len="med"/>
+                      <a:tailEnd type="none" w="med" len="med"/>
+                    </a:lnT>
+                    <a:lnB w="12700" cap="flat" cmpd="sng" algn="ctr">
+                      <a:solidFill>
+                        <a:schemeClr val="tx1"/>
+                      </a:solidFill>
+                      <a:prstDash val="solid"/>
+                      <a:round/>
+                      <a:headEnd type="none" w="med" len="med"/>
+                      <a:tailEnd type="none" w="med" len="med"/>
+                    </a:lnB>
+                    <a:lnTlToBr w="12700" cmpd="sng">
+                      <a:noFill/>
+                      <a:prstDash val="solid"/>
+                    </a:lnTlToBr>
+                    <a:lnBlToTr w="12700" cmpd="sng">
+                      <a:noFill/>
+                      <a:prstDash val="solid"/>
+                    </a:lnBlToTr>
+                  </a:tcPr>
+                </a:tc>
+                <a:tc>
+                  <a:txBody>
+                    <a:bodyPr/>
+                    <a:lstStyle/>
+                    <a:p>
+                      <a:pPr algn="ctr" latinLnBrk="1"/>
+                      <a:r>
+                        <a:rPr lang="en-US" altLang="ko-KR" sz="1100" dirty="0" smtClean="0"/>
+                        <a:t>…</a:t>
+                      </a:r>
+                      <a:endParaRPr lang="ko-KR" altLang="en-US" sz="1100" dirty="0"/>
+                    </a:p>
+                  </a:txBody>
+                  <a:tcPr anchor="ctr">
+                    <a:lnL w="12700" cap="flat" cmpd="sng" algn="ctr">
+                      <a:solidFill>
+                        <a:schemeClr val="tx1"/>
+                      </a:solidFill>
+                      <a:prstDash val="solid"/>
+                      <a:round/>
+                      <a:headEnd type="none" w="med" len="med"/>
+                      <a:tailEnd type="none" w="med" len="med"/>
+                    </a:lnL>
+                    <a:lnR w="12700" cap="flat" cmpd="sng" algn="ctr">
+                      <a:solidFill>
+                        <a:schemeClr val="tx1"/>
+                      </a:solidFill>
+                      <a:prstDash val="solid"/>
+                      <a:round/>
+                      <a:headEnd type="none" w="med" len="med"/>
+                      <a:tailEnd type="none" w="med" len="med"/>
+                    </a:lnR>
+                    <a:lnT w="12700" cap="flat" cmpd="sng" algn="ctr">
+                      <a:solidFill>
+                        <a:schemeClr val="tx1"/>
+                      </a:solidFill>
+                      <a:prstDash val="solid"/>
+                      <a:round/>
+                      <a:headEnd type="none" w="med" len="med"/>
+                      <a:tailEnd type="none" w="med" len="med"/>
+                    </a:lnT>
+                    <a:lnB w="12700" cap="flat" cmpd="sng" algn="ctr">
+                      <a:solidFill>
+                        <a:schemeClr val="tx1"/>
+                      </a:solidFill>
+                      <a:prstDash val="solid"/>
+                      <a:round/>
+                      <a:headEnd type="none" w="med" len="med"/>
+                      <a:tailEnd type="none" w="med" len="med"/>
+                    </a:lnB>
+                    <a:lnTlToBr w="12700" cmpd="sng">
+                      <a:noFill/>
+                      <a:prstDash val="solid"/>
+                    </a:lnTlToBr>
+                    <a:lnBlToTr w="12700" cmpd="sng">
+                      <a:noFill/>
+                      <a:prstDash val="solid"/>
+                    </a:lnBlToTr>
+                  </a:tcPr>
+                </a:tc>
+                <a:extLst>
+                  <a:ext uri="{0D108BD9-81ED-4DB2-BD59-A6C34878D82A}">
+                    <a16:rowId xmlns:a16="http://schemas.microsoft.com/office/drawing/2014/main" val="3204973280"/>
+                  </a:ext>
+                </a:extLst>
+              </a:tr>
+              <a:tr h="370840">
+                <a:tc>
+                  <a:txBody>
+                    <a:bodyPr/>
+                    <a:lstStyle/>
+                    <a:p>
+                      <a:pPr algn="ctr" latinLnBrk="1"/>
+                      <a:r>
+                        <a:rPr lang="en-US" altLang="ko-KR" sz="1100" dirty="0" smtClean="0"/>
+                        <a:t>…</a:t>
+                      </a:r>
+                      <a:endParaRPr lang="ko-KR" altLang="en-US" sz="1100" dirty="0"/>
+                    </a:p>
+                  </a:txBody>
+                  <a:tcPr anchor="ctr">
+                    <a:lnL w="12700" cap="flat" cmpd="sng" algn="ctr">
+                      <a:solidFill>
+                        <a:schemeClr val="tx1"/>
+                      </a:solidFill>
+                      <a:prstDash val="solid"/>
+                      <a:round/>
+                      <a:headEnd type="none" w="med" len="med"/>
+                      <a:tailEnd type="none" w="med" len="med"/>
+                    </a:lnL>
+                    <a:lnR w="12700" cap="flat" cmpd="sng" algn="ctr">
+                      <a:solidFill>
+                        <a:schemeClr val="tx1"/>
+                      </a:solidFill>
+                      <a:prstDash val="solid"/>
+                      <a:round/>
+                      <a:headEnd type="none" w="med" len="med"/>
+                      <a:tailEnd type="none" w="med" len="med"/>
+                    </a:lnR>
+                    <a:lnT w="12700" cap="flat" cmpd="sng" algn="ctr">
+                      <a:solidFill>
+                        <a:schemeClr val="tx1"/>
+                      </a:solidFill>
+                      <a:prstDash val="solid"/>
+                      <a:round/>
+                      <a:headEnd type="none" w="med" len="med"/>
+                      <a:tailEnd type="none" w="med" len="med"/>
+                    </a:lnT>
+                    <a:lnB w="12700" cap="flat" cmpd="sng" algn="ctr">
+                      <a:solidFill>
+                        <a:schemeClr val="tx1"/>
+                      </a:solidFill>
+                      <a:prstDash val="solid"/>
+                      <a:round/>
+                      <a:headEnd type="none" w="med" len="med"/>
+                      <a:tailEnd type="none" w="med" len="med"/>
+                    </a:lnB>
+                    <a:lnTlToBr w="12700" cmpd="sng">
+                      <a:noFill/>
+                      <a:prstDash val="solid"/>
+                    </a:lnTlToBr>
+                    <a:lnBlToTr w="12700" cmpd="sng">
+                      <a:noFill/>
+                      <a:prstDash val="solid"/>
+                    </a:lnBlToTr>
+                  </a:tcPr>
+                </a:tc>
+                <a:tc>
+                  <a:txBody>
+                    <a:bodyPr/>
+                    <a:lstStyle/>
+                    <a:p>
+                      <a:pPr algn="ctr" latinLnBrk="1"/>
+                      <a:r>
+                        <a:rPr lang="en-US" altLang="ko-KR" sz="1100" dirty="0" smtClean="0"/>
+                        <a:t>…</a:t>
+                      </a:r>
+                      <a:endParaRPr lang="ko-KR" altLang="en-US" sz="1100" dirty="0"/>
+                    </a:p>
+                  </a:txBody>
+                  <a:tcPr anchor="ctr">
+                    <a:lnL w="12700" cap="flat" cmpd="sng" algn="ctr">
+                      <a:solidFill>
+                        <a:schemeClr val="tx1"/>
+                      </a:solidFill>
+                      <a:prstDash val="solid"/>
+                      <a:round/>
+                      <a:headEnd type="none" w="med" len="med"/>
+                      <a:tailEnd type="none" w="med" len="med"/>
+                    </a:lnL>
+                    <a:lnR w="12700" cap="flat" cmpd="sng" algn="ctr">
+                      <a:solidFill>
+                        <a:schemeClr val="tx1"/>
+                      </a:solidFill>
+                      <a:prstDash val="solid"/>
+                      <a:round/>
+                      <a:headEnd type="none" w="med" len="med"/>
+                      <a:tailEnd type="none" w="med" len="med"/>
+                    </a:lnR>
+                    <a:lnT w="12700" cap="flat" cmpd="sng" algn="ctr">
+                      <a:solidFill>
+                        <a:schemeClr val="tx1"/>
+                      </a:solidFill>
+                      <a:prstDash val="solid"/>
+                      <a:round/>
+                      <a:headEnd type="none" w="med" len="med"/>
+                      <a:tailEnd type="none" w="med" len="med"/>
+                    </a:lnT>
+                    <a:lnB w="12700" cap="flat" cmpd="sng" algn="ctr">
+                      <a:solidFill>
+                        <a:schemeClr val="tx1"/>
+                      </a:solidFill>
+                      <a:prstDash val="solid"/>
+                      <a:round/>
+                      <a:headEnd type="none" w="med" len="med"/>
+                      <a:tailEnd type="none" w="med" len="med"/>
+                    </a:lnB>
+                    <a:lnTlToBr w="12700" cmpd="sng">
+                      <a:noFill/>
+                      <a:prstDash val="solid"/>
+                    </a:lnTlToBr>
+                    <a:lnBlToTr w="12700" cmpd="sng">
+                      <a:noFill/>
+                      <a:prstDash val="solid"/>
+                    </a:lnBlToTr>
+                  </a:tcPr>
+                </a:tc>
+                <a:tc>
+                  <a:txBody>
+                    <a:bodyPr/>
+                    <a:lstStyle/>
+                    <a:p>
+                      <a:pPr algn="ctr" latinLnBrk="1"/>
+                      <a:r>
+                        <a:rPr lang="en-US" altLang="ko-KR" sz="1100" dirty="0" smtClean="0"/>
+                        <a:t>…</a:t>
+                      </a:r>
+                      <a:endParaRPr lang="ko-KR" altLang="en-US" sz="1100" dirty="0"/>
+                    </a:p>
+                  </a:txBody>
+                  <a:tcPr anchor="ctr">
+                    <a:lnL w="12700" cap="flat" cmpd="sng" algn="ctr">
+                      <a:solidFill>
+                        <a:schemeClr val="tx1"/>
+                      </a:solidFill>
+                      <a:prstDash val="solid"/>
+                      <a:round/>
+                      <a:headEnd type="none" w="med" len="med"/>
+                      <a:tailEnd type="none" w="med" len="med"/>
+                    </a:lnL>
+                    <a:lnR w="12700" cap="flat" cmpd="sng" algn="ctr">
+                      <a:solidFill>
+                        <a:schemeClr val="tx1"/>
+                      </a:solidFill>
+                      <a:prstDash val="solid"/>
+                      <a:round/>
+                      <a:headEnd type="none" w="med" len="med"/>
+                      <a:tailEnd type="none" w="med" len="med"/>
+                    </a:lnR>
+                    <a:lnT w="12700" cap="flat" cmpd="sng" algn="ctr">
+                      <a:solidFill>
+                        <a:schemeClr val="tx1"/>
+                      </a:solidFill>
+                      <a:prstDash val="solid"/>
+                      <a:round/>
+                      <a:headEnd type="none" w="med" len="med"/>
+                      <a:tailEnd type="none" w="med" len="med"/>
+                    </a:lnT>
+                    <a:lnB w="12700" cap="flat" cmpd="sng" algn="ctr">
+                      <a:solidFill>
+                        <a:schemeClr val="tx1"/>
+                      </a:solidFill>
+                      <a:prstDash val="solid"/>
+                      <a:round/>
+                      <a:headEnd type="none" w="med" len="med"/>
+                      <a:tailEnd type="none" w="med" len="med"/>
+                    </a:lnB>
+                    <a:lnTlToBr w="12700" cmpd="sng">
+                      <a:noFill/>
+                      <a:prstDash val="solid"/>
+                    </a:lnTlToBr>
+                    <a:lnBlToTr w="12700" cmpd="sng">
+                      <a:noFill/>
+                      <a:prstDash val="solid"/>
+                    </a:lnBlToTr>
+                  </a:tcPr>
+                </a:tc>
+                <a:extLst>
+                  <a:ext uri="{0D108BD9-81ED-4DB2-BD59-A6C34878D82A}">
+                    <a16:rowId xmlns:a16="http://schemas.microsoft.com/office/drawing/2014/main" val="2250335275"/>
+                  </a:ext>
+                </a:extLst>
+              </a:tr>
+              <a:tr h="370840">
+                <a:tc>
+                  <a:txBody>
+                    <a:bodyPr/>
+                    <a:lstStyle/>
+                    <a:p>
+                      <a:pPr algn="ctr" latinLnBrk="1"/>
+                      <a:r>
+                        <a:rPr lang="en-US" altLang="ko-KR" sz="1100" dirty="0" smtClean="0"/>
+                        <a:t>…</a:t>
+                      </a:r>
+                      <a:endParaRPr lang="ko-KR" altLang="en-US" sz="1100" dirty="0"/>
+                    </a:p>
+                  </a:txBody>
+                  <a:tcPr anchor="ctr">
+                    <a:lnL w="12700" cap="flat" cmpd="sng" algn="ctr">
+                      <a:solidFill>
+                        <a:schemeClr val="tx1"/>
+                      </a:solidFill>
+                      <a:prstDash val="solid"/>
+                      <a:round/>
+                      <a:headEnd type="none" w="med" len="med"/>
+                      <a:tailEnd type="none" w="med" len="med"/>
+                    </a:lnL>
+                    <a:lnR w="12700" cap="flat" cmpd="sng" algn="ctr">
+                      <a:solidFill>
+                        <a:schemeClr val="tx1"/>
+                      </a:solidFill>
+                      <a:prstDash val="solid"/>
+                      <a:round/>
+                      <a:headEnd type="none" w="med" len="med"/>
+                      <a:tailEnd type="none" w="med" len="med"/>
+                    </a:lnR>
+                    <a:lnT w="12700" cap="flat" cmpd="sng" algn="ctr">
+                      <a:solidFill>
+                        <a:schemeClr val="tx1"/>
+                      </a:solidFill>
+                      <a:prstDash val="solid"/>
+                      <a:round/>
+                      <a:headEnd type="none" w="med" len="med"/>
+                      <a:tailEnd type="none" w="med" len="med"/>
+                    </a:lnT>
+                    <a:lnB w="12700" cap="flat" cmpd="sng" algn="ctr">
+                      <a:solidFill>
+                        <a:schemeClr val="tx1"/>
+                      </a:solidFill>
+                      <a:prstDash val="solid"/>
+                      <a:round/>
+                      <a:headEnd type="none" w="med" len="med"/>
+                      <a:tailEnd type="none" w="med" len="med"/>
+                    </a:lnB>
+                    <a:lnTlToBr w="12700" cmpd="sng">
+                      <a:noFill/>
+                      <a:prstDash val="solid"/>
+                    </a:lnTlToBr>
+                    <a:lnBlToTr w="12700" cmpd="sng">
+                      <a:noFill/>
+                      <a:prstDash val="solid"/>
+                    </a:lnBlToTr>
+                  </a:tcPr>
+                </a:tc>
+                <a:tc>
+                  <a:txBody>
+                    <a:bodyPr/>
+                    <a:lstStyle/>
+                    <a:p>
+                      <a:pPr algn="ctr" latinLnBrk="1"/>
+                      <a:r>
+                        <a:rPr lang="en-US" altLang="ko-KR" sz="1100" dirty="0" smtClean="0"/>
+                        <a:t>…</a:t>
+                      </a:r>
+                      <a:endParaRPr lang="ko-KR" altLang="en-US" sz="1100" dirty="0"/>
+                    </a:p>
+                  </a:txBody>
+                  <a:tcPr anchor="ctr">
+                    <a:lnL w="12700" cap="flat" cmpd="sng" algn="ctr">
+                      <a:solidFill>
+                        <a:schemeClr val="tx1"/>
+                      </a:solidFill>
+                      <a:prstDash val="solid"/>
+                      <a:round/>
+                      <a:headEnd type="none" w="med" len="med"/>
+                      <a:tailEnd type="none" w="med" len="med"/>
+                    </a:lnL>
+                    <a:lnR w="12700" cap="flat" cmpd="sng" algn="ctr">
+                      <a:solidFill>
+                        <a:schemeClr val="tx1"/>
+                      </a:solidFill>
+                      <a:prstDash val="solid"/>
+                      <a:round/>
+                      <a:headEnd type="none" w="med" len="med"/>
+                      <a:tailEnd type="none" w="med" len="med"/>
+                    </a:lnR>
+                    <a:lnT w="12700" cap="flat" cmpd="sng" algn="ctr">
+                      <a:solidFill>
+                        <a:schemeClr val="tx1"/>
+                      </a:solidFill>
+                      <a:prstDash val="solid"/>
+                      <a:round/>
+                      <a:headEnd type="none" w="med" len="med"/>
+                      <a:tailEnd type="none" w="med" len="med"/>
+                    </a:lnT>
+                    <a:lnB w="12700" cap="flat" cmpd="sng" algn="ctr">
+                      <a:solidFill>
+                        <a:schemeClr val="tx1"/>
+                      </a:solidFill>
+                      <a:prstDash val="solid"/>
+                      <a:round/>
+                      <a:headEnd type="none" w="med" len="med"/>
+                      <a:tailEnd type="none" w="med" len="med"/>
+                    </a:lnB>
+                    <a:lnTlToBr w="12700" cmpd="sng">
+                      <a:noFill/>
+                      <a:prstDash val="solid"/>
+                    </a:lnTlToBr>
+                    <a:lnBlToTr w="12700" cmpd="sng">
+                      <a:noFill/>
+                      <a:prstDash val="solid"/>
+                    </a:lnBlToTr>
+                  </a:tcPr>
+                </a:tc>
+                <a:tc>
+                  <a:txBody>
+                    <a:bodyPr/>
+                    <a:lstStyle/>
+                    <a:p>
+                      <a:pPr algn="ctr" latinLnBrk="1"/>
+                      <a:r>
+                        <a:rPr lang="en-US" altLang="ko-KR" sz="1100" dirty="0" smtClean="0"/>
+                        <a:t>…</a:t>
+                      </a:r>
+                      <a:endParaRPr lang="ko-KR" altLang="en-US" sz="1100" dirty="0"/>
+                    </a:p>
+                  </a:txBody>
+                  <a:tcPr anchor="ctr">
+                    <a:lnL w="12700" cap="flat" cmpd="sng" algn="ctr">
+                      <a:solidFill>
+                        <a:schemeClr val="tx1"/>
+                      </a:solidFill>
+                      <a:prstDash val="solid"/>
+                      <a:round/>
+                      <a:headEnd type="none" w="med" len="med"/>
+                      <a:tailEnd type="none" w="med" len="med"/>
+                    </a:lnL>
+                    <a:lnR w="12700" cap="flat" cmpd="sng" algn="ctr">
+                      <a:solidFill>
+                        <a:schemeClr val="tx1"/>
+                      </a:solidFill>
+                      <a:prstDash val="solid"/>
+                      <a:round/>
+                      <a:headEnd type="none" w="med" len="med"/>
+                      <a:tailEnd type="none" w="med" len="med"/>
+                    </a:lnR>
+                    <a:lnT w="12700" cap="flat" cmpd="sng" algn="ctr">
+                      <a:solidFill>
+                        <a:schemeClr val="tx1"/>
+                      </a:solidFill>
+                      <a:prstDash val="solid"/>
+                      <a:round/>
+                      <a:headEnd type="none" w="med" len="med"/>
+                      <a:tailEnd type="none" w="med" len="med"/>
+                    </a:lnT>
+                    <a:lnB w="12700" cap="flat" cmpd="sng" algn="ctr">
+                      <a:solidFill>
+                        <a:schemeClr val="tx1"/>
+                      </a:solidFill>
+                      <a:prstDash val="solid"/>
+                      <a:round/>
+                      <a:headEnd type="none" w="med" len="med"/>
+                      <a:tailEnd type="none" w="med" len="med"/>
+                    </a:lnB>
+                    <a:lnTlToBr w="12700" cmpd="sng">
+                      <a:noFill/>
+                      <a:prstDash val="solid"/>
+                    </a:lnTlToBr>
+                    <a:lnBlToTr w="12700" cmpd="sng">
+                      <a:noFill/>
+                      <a:prstDash val="solid"/>
+                    </a:lnBlToTr>
+                  </a:tcPr>
+                </a:tc>
+                <a:extLst>
+                  <a:ext uri="{0D108BD9-81ED-4DB2-BD59-A6C34878D82A}">
+                    <a16:rowId xmlns:a16="http://schemas.microsoft.com/office/drawing/2014/main" val="795389874"/>
+                  </a:ext>
+                </a:extLst>
+              </a:tr>
+              <a:tr h="370840">
+                <a:tc>
+                  <a:txBody>
+                    <a:bodyPr/>
+                    <a:lstStyle/>
+                    <a:p>
+                      <a:pPr marL="0" marR="0" indent="0" algn="ctr" defTabSz="914400" rtl="0" eaLnBrk="1" fontAlgn="auto" latinLnBrk="1" hangingPunct="1">
+                        <a:lnSpc>
+                          <a:spcPct val="100000"/>
+                        </a:lnSpc>
+                        <a:spcBef>
+                          <a:spcPts val="0"/>
+                        </a:spcBef>
+                        <a:spcAft>
+                          <a:spcPts val="0"/>
+                        </a:spcAft>
+                        <a:buClrTx/>
+                        <a:buSzTx/>
+                        <a:buFontTx/>
+                        <a:buNone/>
+                        <a:tabLst/>
+                        <a:defRPr/>
+                      </a:pPr>
+                      <a:r>
+                        <a:rPr lang="en-US" altLang="ko-KR" sz="1100" dirty="0" smtClean="0"/>
+                        <a:t>4,294,967,295</a:t>
+                      </a:r>
+                      <a:endParaRPr lang="ko-KR" altLang="en-US" sz="1100" dirty="0" smtClean="0"/>
+                    </a:p>
+                  </a:txBody>
+                  <a:tcPr anchor="ctr">
+                    <a:lnL w="12700" cap="flat" cmpd="sng" algn="ctr">
+                      <a:solidFill>
+                        <a:schemeClr val="tx1"/>
+                      </a:solidFill>
+                      <a:prstDash val="solid"/>
+                      <a:round/>
+                      <a:headEnd type="none" w="med" len="med"/>
+                      <a:tailEnd type="none" w="med" len="med"/>
+                    </a:lnL>
+                    <a:lnR w="12700" cap="flat" cmpd="sng" algn="ctr">
+                      <a:solidFill>
+                        <a:schemeClr val="tx1"/>
+                      </a:solidFill>
+                      <a:prstDash val="solid"/>
+                      <a:round/>
+                      <a:headEnd type="none" w="med" len="med"/>
+                      <a:tailEnd type="none" w="med" len="med"/>
+                    </a:lnR>
+                    <a:lnT w="12700" cap="flat" cmpd="sng" algn="ctr">
+                      <a:solidFill>
+                        <a:schemeClr val="tx1"/>
+                      </a:solidFill>
+                      <a:prstDash val="solid"/>
+                      <a:round/>
+                      <a:headEnd type="none" w="med" len="med"/>
+                      <a:tailEnd type="none" w="med" len="med"/>
+                    </a:lnT>
+                    <a:lnB w="12700" cap="flat" cmpd="sng" algn="ctr">
+                      <a:solidFill>
+                        <a:schemeClr val="tx1"/>
+                      </a:solidFill>
+                      <a:prstDash val="solid"/>
+                      <a:round/>
+                      <a:headEnd type="none" w="med" len="med"/>
+                      <a:tailEnd type="none" w="med" len="med"/>
+                    </a:lnB>
+                    <a:lnTlToBr w="12700" cmpd="sng">
+                      <a:noFill/>
+                      <a:prstDash val="solid"/>
+                    </a:lnTlToBr>
+                    <a:lnBlToTr w="12700" cmpd="sng">
+                      <a:noFill/>
+                      <a:prstDash val="solid"/>
+                    </a:lnBlToTr>
+                  </a:tcPr>
+                </a:tc>
+                <a:tc>
+                  <a:txBody>
+                    <a:bodyPr/>
+                    <a:lstStyle/>
+                    <a:p>
+                      <a:pPr algn="ctr" latinLnBrk="1"/>
+                      <a:r>
+                        <a:rPr lang="en-US" altLang="ko-KR" sz="1100" dirty="0" smtClean="0"/>
+                        <a:t>…</a:t>
+                      </a:r>
+                      <a:endParaRPr lang="ko-KR" altLang="en-US" sz="1100" dirty="0"/>
+                    </a:p>
+                  </a:txBody>
+                  <a:tcPr anchor="ctr">
+                    <a:lnL w="12700" cap="flat" cmpd="sng" algn="ctr">
+                      <a:solidFill>
+                        <a:schemeClr val="tx1"/>
+                      </a:solidFill>
+                      <a:prstDash val="solid"/>
+                      <a:round/>
+                      <a:headEnd type="none" w="med" len="med"/>
+                      <a:tailEnd type="none" w="med" len="med"/>
+                    </a:lnL>
+                    <a:lnR w="12700" cap="flat" cmpd="sng" algn="ctr">
+                      <a:solidFill>
+                        <a:schemeClr val="tx1"/>
+                      </a:solidFill>
+                      <a:prstDash val="solid"/>
+                      <a:round/>
+                      <a:headEnd type="none" w="med" len="med"/>
+                      <a:tailEnd type="none" w="med" len="med"/>
+                    </a:lnR>
+                    <a:lnT w="12700" cap="flat" cmpd="sng" algn="ctr">
+                      <a:solidFill>
+                        <a:schemeClr val="tx1"/>
+                      </a:solidFill>
+                      <a:prstDash val="solid"/>
+                      <a:round/>
+                      <a:headEnd type="none" w="med" len="med"/>
+                      <a:tailEnd type="none" w="med" len="med"/>
+                    </a:lnT>
+                    <a:lnB w="12700" cap="flat" cmpd="sng" algn="ctr">
+                      <a:solidFill>
+                        <a:schemeClr val="tx1"/>
+                      </a:solidFill>
+                      <a:prstDash val="solid"/>
+                      <a:round/>
+                      <a:headEnd type="none" w="med" len="med"/>
+                      <a:tailEnd type="none" w="med" len="med"/>
+                    </a:lnB>
+                    <a:lnTlToBr w="12700" cmpd="sng">
+                      <a:noFill/>
+                      <a:prstDash val="solid"/>
+                    </a:lnTlToBr>
+                    <a:lnBlToTr w="12700" cmpd="sng">
+                      <a:noFill/>
+                      <a:prstDash val="solid"/>
+                    </a:lnBlToTr>
+                  </a:tcPr>
+                </a:tc>
+                <a:tc>
+                  <a:txBody>
+                    <a:bodyPr/>
+                    <a:lstStyle/>
+                    <a:p>
+                      <a:pPr algn="ctr" latinLnBrk="1"/>
+                      <a:r>
+                        <a:rPr lang="en-US" altLang="ko-KR" sz="1100" dirty="0" smtClean="0"/>
+                        <a:t>…</a:t>
+                      </a:r>
+                      <a:endParaRPr lang="ko-KR" altLang="en-US" sz="1100" dirty="0"/>
+                    </a:p>
+                  </a:txBody>
+                  <a:tcPr anchor="ctr">
+                    <a:lnL w="12700" cap="flat" cmpd="sng" algn="ctr">
+                      <a:solidFill>
+                        <a:schemeClr val="tx1"/>
+                      </a:solidFill>
+                      <a:prstDash val="solid"/>
+                      <a:round/>
+                      <a:headEnd type="none" w="med" len="med"/>
+                      <a:tailEnd type="none" w="med" len="med"/>
+                    </a:lnL>
+                    <a:lnR w="12700" cap="flat" cmpd="sng" algn="ctr">
+                      <a:solidFill>
+                        <a:schemeClr val="tx1"/>
+                      </a:solidFill>
+                      <a:prstDash val="solid"/>
+                      <a:round/>
+                      <a:headEnd type="none" w="med" len="med"/>
+                      <a:tailEnd type="none" w="med" len="med"/>
+                    </a:lnR>
+                    <a:lnT w="12700" cap="flat" cmpd="sng" algn="ctr">
+                      <a:solidFill>
+                        <a:schemeClr val="tx1"/>
+                      </a:solidFill>
+                      <a:prstDash val="solid"/>
+                      <a:round/>
+                      <a:headEnd type="none" w="med" len="med"/>
+                      <a:tailEnd type="none" w="med" len="med"/>
+                    </a:lnT>
+                    <a:lnB w="12700" cap="flat" cmpd="sng" algn="ctr">
+                      <a:solidFill>
+                        <a:schemeClr val="tx1"/>
+                      </a:solidFill>
+                      <a:prstDash val="solid"/>
+                      <a:round/>
+                      <a:headEnd type="none" w="med" len="med"/>
+                      <a:tailEnd type="none" w="med" len="med"/>
+                    </a:lnB>
+                    <a:lnTlToBr w="12700" cmpd="sng">
+                      <a:noFill/>
+                      <a:prstDash val="solid"/>
+                    </a:lnTlToBr>
+                    <a:lnBlToTr w="12700" cmpd="sng">
+                      <a:noFill/>
+                      <a:prstDash val="solid"/>
+                    </a:lnBlToTr>
+                  </a:tcPr>
+                </a:tc>
+                <a:extLst>
+                  <a:ext uri="{0D108BD9-81ED-4DB2-BD59-A6C34878D82A}">
+                    <a16:rowId xmlns:a16="http://schemas.microsoft.com/office/drawing/2014/main" val="1022838600"/>
+                  </a:ext>
+                </a:extLst>
+              </a:tr>
+            </a:tbl>
+          </a:graphicData>
+        </a:graphic>
+      </p:graphicFrame>
+      <p:sp>
+        <p:nvSpPr>
+          <p:cNvPr id="8" name="TextBox 7"/>
+          <p:cNvSpPr txBox="1"/>
+          <p:nvPr/>
+        </p:nvSpPr>
+        <p:spPr>
+          <a:xfrm>
+            <a:off x="3428432" y="6080013"/>
+            <a:ext cx="2109655" cy="338554"/>
+          </a:xfrm>
+          <a:prstGeom prst="rect">
+            <a:avLst/>
+          </a:prstGeom>
+          <a:noFill/>
+        </p:spPr>
+        <p:txBody>
+          <a:bodyPr wrap="square" rtlCol="0">
+            <a:spAutoFit/>
+          </a:bodyPr>
+          <a:lstStyle/>
+          <a:p>
+            <a:pPr algn="ctr"/>
+            <a:r>
+              <a:rPr lang="en-US" altLang="ko-KR" sz="1600" b="1" dirty="0" smtClean="0"/>
+              <a:t>Page Table</a:t>
+            </a:r>
+            <a:endParaRPr lang="ko-KR" altLang="en-US" sz="1600" b="1" dirty="0"/>
+          </a:p>
+        </p:txBody>
+      </p:sp>
+      <p:sp>
+        <p:nvSpPr>
+          <p:cNvPr id="4" name="TextBox 3"/>
+          <p:cNvSpPr txBox="1"/>
+          <p:nvPr/>
+        </p:nvSpPr>
+        <p:spPr>
+          <a:xfrm>
+            <a:off x="192714" y="192988"/>
+            <a:ext cx="8943476" cy="307777"/>
+          </a:xfrm>
+          <a:prstGeom prst="rect">
+            <a:avLst/>
+          </a:prstGeom>
+          <a:noFill/>
+        </p:spPr>
+        <p:txBody>
+          <a:bodyPr wrap="square" rtlCol="0">
+            <a:spAutoFit/>
+          </a:bodyPr>
+          <a:lstStyle/>
+          <a:p>
+            <a:r>
+              <a:rPr lang="en-US" altLang="ko-KR" sz="1400" dirty="0" smtClean="0"/>
+              <a:t>Page Table</a:t>
+            </a:r>
+            <a:r>
+              <a:rPr lang="ko-KR" altLang="en-US" sz="1400" smtClean="0"/>
+              <a:t>의 실제 </a:t>
+            </a:r>
+            <a:r>
+              <a:rPr lang="ko-KR" altLang="en-US" sz="1400" dirty="0" smtClean="0"/>
+              <a:t>그림은 다음과 같다 </a:t>
+            </a:r>
+            <a:r>
+              <a:rPr lang="en-US" altLang="ko-KR" sz="1400" dirty="0" smtClean="0"/>
+              <a:t>(Page</a:t>
+            </a:r>
+            <a:r>
+              <a:rPr lang="ko-KR" altLang="en-US" sz="1400" dirty="0" smtClean="0"/>
+              <a:t>는 일반적으로 </a:t>
+            </a:r>
+            <a:r>
+              <a:rPr lang="en-US" altLang="ko-KR" sz="1400" dirty="0" smtClean="0"/>
+              <a:t>4KB</a:t>
+            </a:r>
+            <a:r>
+              <a:rPr lang="ko-KR" altLang="en-US" sz="1400" dirty="0" smtClean="0"/>
+              <a:t>단위로 관리한다</a:t>
+            </a:r>
+            <a:r>
+              <a:rPr lang="en-US" altLang="ko-KR" sz="1400" dirty="0" smtClean="0"/>
+              <a:t>)</a:t>
+            </a:r>
+            <a:endParaRPr lang="ko-KR" altLang="en-US" sz="1400" dirty="0"/>
+          </a:p>
+        </p:txBody>
+      </p:sp>
+      <p:sp>
+        <p:nvSpPr>
+          <p:cNvPr id="21" name="TextBox 20"/>
+          <p:cNvSpPr txBox="1"/>
+          <p:nvPr/>
+        </p:nvSpPr>
+        <p:spPr>
+          <a:xfrm>
+            <a:off x="370727" y="595762"/>
+            <a:ext cx="8943476" cy="276999"/>
+          </a:xfrm>
+          <a:prstGeom prst="rect">
+            <a:avLst/>
+          </a:prstGeom>
+          <a:noFill/>
+        </p:spPr>
+        <p:txBody>
+          <a:bodyPr wrap="square" rtlCol="0">
+            <a:spAutoFit/>
+          </a:bodyPr>
+          <a:lstStyle/>
+          <a:p>
+            <a:r>
+              <a:rPr lang="en-US" altLang="ko-KR" sz="1200" b="1" dirty="0" smtClean="0"/>
+              <a:t>* </a:t>
+            </a:r>
+            <a:r>
+              <a:rPr lang="ko-KR" altLang="en-US" sz="1200" b="1" dirty="0" smtClean="0"/>
+              <a:t>이 말은 </a:t>
+            </a:r>
+            <a:r>
+              <a:rPr lang="en-US" altLang="ko-KR" sz="1200" b="1" dirty="0" smtClean="0"/>
+              <a:t>1Byte</a:t>
+            </a:r>
+            <a:r>
+              <a:rPr lang="ko-KR" altLang="en-US" sz="1200" b="1" dirty="0" smtClean="0"/>
+              <a:t>당 주소를 갖기는 하지만</a:t>
+            </a:r>
+            <a:r>
+              <a:rPr lang="en-US" altLang="ko-KR" sz="1200" b="1" dirty="0" smtClean="0"/>
+              <a:t>, </a:t>
+            </a:r>
+            <a:r>
+              <a:rPr lang="ko-KR" altLang="en-US" sz="1200" b="1" dirty="0" smtClean="0"/>
+              <a:t>페이지단위로 관리하는 것 뿐이다</a:t>
+            </a:r>
+            <a:r>
+              <a:rPr lang="en-US" altLang="ko-KR" sz="1200" b="1" dirty="0" smtClean="0"/>
+              <a:t>.</a:t>
+            </a:r>
+            <a:endParaRPr lang="ko-KR" altLang="en-US" sz="1200" b="1" dirty="0"/>
+          </a:p>
+        </p:txBody>
+      </p:sp>
+    </p:spTree>
+    <p:extLst>
+      <p:ext uri="{BB962C8B-B14F-4D97-AF65-F5344CB8AC3E}">
+        <p14:creationId xmlns:p14="http://schemas.microsoft.com/office/powerpoint/2010/main" val="3589353882"/>
+      </p:ext>
+    </p:extLst>
+  </p:cSld>
+  <p:clrMapOvr>
+    <a:masterClrMapping/>
+  </p:clrMapOvr>
+</p:sld>
+</file>
+
+<file path=ppt/slides/slide8.xml><?xml version="1.0" encoding="utf-8"?>
 <p:sld xmlns:a="http://schemas.openxmlformats.org/drawingml/2006/main" xmlns:r="http://schemas.openxmlformats.org/officeDocument/2006/relationships" xmlns:p="http://schemas.openxmlformats.org/presentationml/2006/main">
   <p:cSld>
     <p:spTree>
@@ -26422,100 +29694,55 @@
           </p:txBody>
         </p:sp>
       </p:grpSp>
-    </p:spTree>
-    <p:extLst>
-      <p:ext uri="{BB962C8B-B14F-4D97-AF65-F5344CB8AC3E}">
-        <p14:creationId xmlns:p14="http://schemas.microsoft.com/office/powerpoint/2010/main" val="1994751717"/>
-      </p:ext>
-    </p:extLst>
-  </p:cSld>
-  <p:clrMapOvr>
-    <a:masterClrMapping/>
-  </p:clrMapOvr>
-</p:sld>
-</file>
-
-<file path=ppt/slides/slide8.xml><?xml version="1.0" encoding="utf-8"?>
-<p:sld xmlns:a="http://schemas.openxmlformats.org/drawingml/2006/main" xmlns:r="http://schemas.openxmlformats.org/officeDocument/2006/relationships" xmlns:p="http://schemas.openxmlformats.org/presentationml/2006/main">
-  <p:cSld>
-    <p:spTree>
-      <p:nvGrpSpPr>
-        <p:cNvPr id="1" name=""/>
-        <p:cNvGrpSpPr/>
-        <p:nvPr/>
-      </p:nvGrpSpPr>
-      <p:grpSpPr>
-        <a:xfrm>
-          <a:off x="0" y="0"/>
-          <a:ext cx="0" cy="0"/>
-          <a:chOff x="0" y="0"/>
-          <a:chExt cx="0" cy="0"/>
-        </a:xfrm>
-      </p:grpSpPr>
       <p:sp>
         <p:nvSpPr>
-          <p:cNvPr id="20" name="TextBox 19">
-            <a:extLst>
-              <a:ext uri="{FF2B5EF4-FFF2-40B4-BE49-F238E27FC236}">
-                <a16:creationId xmlns:a16="http://schemas.microsoft.com/office/drawing/2014/main" id="{24A8B8FC-ED97-BD8A-4C78-CFA67C8E63C0}"/>
-              </a:ext>
-            </a:extLst>
-          </p:cNvPr>
-          <p:cNvSpPr txBox="1"/>
+          <p:cNvPr id="55" name="직사각형 54"/>
+          <p:cNvSpPr/>
           <p:nvPr/>
         </p:nvSpPr>
         <p:spPr>
           <a:xfrm>
-            <a:off x="283336" y="231820"/>
-            <a:ext cx="11049060" cy="338554"/>
+            <a:off x="7552637" y="4788940"/>
+            <a:ext cx="1998187" cy="415498"/>
           </a:xfrm>
           <a:prstGeom prst="rect">
             <a:avLst/>
           </a:prstGeom>
-          <a:noFill/>
         </p:spPr>
         <p:txBody>
-          <a:bodyPr wrap="square" rtlCol="0">
+          <a:bodyPr wrap="square">
             <a:spAutoFit/>
           </a:bodyPr>
           <a:lstStyle/>
           <a:p>
-            <a:r>
-              <a:rPr kumimoji="1" lang="en-US" altLang="ko-KR" sz="1600" b="1" dirty="0" smtClean="0"/>
-              <a:t>Q.3.2 </a:t>
-            </a:r>
-            <a:r>
-              <a:rPr kumimoji="1" lang="ko-KR" altLang="en-US" sz="1600" b="1" dirty="0" err="1" smtClean="0"/>
-              <a:t>파생질문</a:t>
-            </a:r>
-            <a:r>
-              <a:rPr kumimoji="1" lang="en-US" altLang="ko-KR" sz="1600" b="1" dirty="0" smtClean="0"/>
+            <a:pPr algn="ctr"/>
+            <a:r>
+              <a:rPr lang="en-US" altLang="ko-KR" sz="1050" dirty="0"/>
+              <a:t>RAS(Row Address Strobe</a:t>
+            </a:r>
+            <a:r>
+              <a:rPr lang="en-US" altLang="ko-KR" sz="1050" dirty="0" smtClean="0"/>
+              <a:t>)</a:t>
+            </a:r>
+          </a:p>
+          <a:p>
+            <a:pPr algn="ctr"/>
+            <a:r>
+              <a:rPr lang="en-US" altLang="ko-KR" sz="1050" dirty="0"/>
+              <a:t>CAS(Column Address Strobe</a:t>
+            </a:r>
+            <a:r>
+              <a:rPr lang="en-US" altLang="ko-KR" sz="1050" dirty="0" smtClean="0"/>
               <a:t>) </a:t>
             </a:r>
-            <a:r>
-              <a:rPr kumimoji="1" lang="ko-KR" altLang="en-US" sz="1600" b="1" dirty="0" smtClean="0"/>
-              <a:t>왜 </a:t>
-            </a:r>
-            <a:r>
-              <a:rPr kumimoji="1" lang="ko-KR" altLang="en-US" sz="1600" b="1" dirty="0" err="1" smtClean="0"/>
-              <a:t>가상주소</a:t>
-            </a:r>
-            <a:r>
-              <a:rPr kumimoji="1" lang="ko-KR" altLang="en-US" sz="1600" b="1" dirty="0" smtClean="0"/>
-              <a:t> 공간을 사용하는가</a:t>
-            </a:r>
-            <a:r>
-              <a:rPr kumimoji="1" lang="en-US" altLang="ko-KR" sz="1600" b="1" dirty="0" smtClean="0"/>
-              <a:t>?</a:t>
-            </a:r>
-            <a:endParaRPr kumimoji="1" lang="ko-KR" altLang="en-US" sz="1600" b="1" dirty="0"/>
+            <a:endParaRPr lang="ko-KR" altLang="en-US" sz="1050" dirty="0"/>
           </a:p>
         </p:txBody>
       </p:sp>
     </p:spTree>
     <p:extLst>
       <p:ext uri="{BB962C8B-B14F-4D97-AF65-F5344CB8AC3E}">
-        <p14:creationId xmlns:p14="http://schemas.microsoft.com/office/powerpoint/2010/main" val="1922512513"/>
+        <p14:creationId xmlns:p14="http://schemas.microsoft.com/office/powerpoint/2010/main" val="1994751717"/>
       </p:ext>
     </p:extLst>
   </p:cSld>
@@ -26572,7 +29799,7 @@
           <a:p>
             <a:r>
               <a:rPr kumimoji="1" lang="en-US" altLang="ko-KR" sz="1600" b="1" dirty="0" smtClean="0"/>
-              <a:t>Q.3.3 </a:t>
+              <a:t>Q.3.2 </a:t>
             </a:r>
             <a:r>
               <a:rPr kumimoji="1" lang="ko-KR" altLang="en-US" sz="1600" b="1" dirty="0" err="1" smtClean="0"/>
@@ -26583,12 +29810,16 @@
               <a:t>) </a:t>
             </a:r>
             <a:r>
-              <a:rPr kumimoji="1" lang="en-US" altLang="ko-KR" sz="1600" b="1" dirty="0" smtClean="0"/>
-              <a:t>Page Table</a:t>
-            </a:r>
-            <a:r>
               <a:rPr kumimoji="1" lang="ko-KR" altLang="en-US" sz="1600" b="1" dirty="0" smtClean="0"/>
-              <a:t>은 어떻게 만들어지고 관리되는가</a:t>
+              <a:t>왜 </a:t>
+            </a:r>
+            <a:r>
+              <a:rPr kumimoji="1" lang="ko-KR" altLang="en-US" sz="1600" b="1" dirty="0" err="1" smtClean="0"/>
+              <a:t>가상주소</a:t>
+            </a:r>
+            <a:r>
+              <a:rPr kumimoji="1" lang="ko-KR" altLang="en-US" sz="1600" b="1" dirty="0" smtClean="0"/>
+              <a:t> 공간을 사용하는가</a:t>
             </a:r>
             <a:r>
               <a:rPr kumimoji="1" lang="en-US" altLang="ko-KR" sz="1600" b="1" dirty="0" smtClean="0"/>
@@ -26600,69 +29831,218 @@
       </p:sp>
       <p:sp>
         <p:nvSpPr>
-          <p:cNvPr id="3" name="직사각형 2"/>
-          <p:cNvSpPr/>
+          <p:cNvPr id="3" name="TextBox 2"/>
+          <p:cNvSpPr txBox="1"/>
           <p:nvPr/>
         </p:nvSpPr>
         <p:spPr>
           <a:xfrm>
-            <a:off x="726040" y="856198"/>
-            <a:ext cx="9784422" cy="307777"/>
+            <a:off x="412221" y="762282"/>
+            <a:ext cx="10561834" cy="307777"/>
           </a:xfrm>
           <a:prstGeom prst="rect">
             <a:avLst/>
           </a:prstGeom>
+          <a:noFill/>
         </p:spPr>
         <p:txBody>
-          <a:bodyPr wrap="square">
+          <a:bodyPr wrap="square" rtlCol="0">
             <a:spAutoFit/>
           </a:bodyPr>
           <a:lstStyle/>
           <a:p>
             <a:r>
-              <a:rPr lang="en-US" altLang="ko-KR" sz="1400" b="1" dirty="0"/>
-              <a:t>CPU</a:t>
-            </a:r>
-            <a:r>
-              <a:rPr lang="ko-KR" altLang="en-US" sz="1400" b="1" dirty="0"/>
-              <a:t>의 </a:t>
-            </a:r>
-            <a:r>
-              <a:rPr lang="en-US" altLang="ko-KR" sz="1400" b="1" dirty="0"/>
-              <a:t>CR3 </a:t>
-            </a:r>
-            <a:r>
-              <a:rPr lang="ko-KR" altLang="en-US" sz="1400" b="1" dirty="0"/>
-              <a:t>레지스터</a:t>
-            </a:r>
-            <a:r>
-              <a:rPr lang="ko-KR" altLang="en-US" sz="1400" dirty="0"/>
-              <a:t>에는 </a:t>
-            </a:r>
-            <a:r>
-              <a:rPr lang="ko-KR" altLang="en-US" sz="1400" b="1" dirty="0"/>
-              <a:t>현재 활성화된 프로세스의 페이지 테이블 주소</a:t>
-            </a:r>
-            <a:r>
-              <a:rPr lang="ko-KR" altLang="en-US" sz="1400" dirty="0"/>
-              <a:t>가 </a:t>
-            </a:r>
+              <a:rPr lang="en-US" altLang="ko-KR" sz="1400" b="1" dirty="0" smtClean="0"/>
+              <a:t>Process</a:t>
+            </a:r>
+            <a:r>
+              <a:rPr lang="ko-KR" altLang="en-US" sz="1400" b="1" dirty="0" smtClean="0"/>
+              <a:t>마다 개별 가상공간</a:t>
+            </a:r>
+            <a:r>
+              <a:rPr lang="en-US" altLang="ko-KR" sz="1400" b="1" dirty="0" smtClean="0"/>
+              <a:t>(VMS)</a:t>
+            </a:r>
+            <a:r>
+              <a:rPr lang="ko-KR" altLang="en-US" sz="1400" b="1" dirty="0" smtClean="0"/>
+              <a:t>과 </a:t>
+            </a:r>
+            <a:r>
+              <a:rPr lang="en-US" altLang="ko-KR" sz="1400" b="1" dirty="0" smtClean="0"/>
+              <a:t>Page Table</a:t>
+            </a:r>
+            <a:r>
+              <a:rPr lang="ko-KR" altLang="en-US" sz="1400" b="1" dirty="0" smtClean="0"/>
+              <a:t>이 존재한다</a:t>
+            </a:r>
+            <a:r>
+              <a:rPr lang="en-US" altLang="ko-KR" sz="1400" b="1" dirty="0" smtClean="0"/>
+              <a:t>. </a:t>
+            </a:r>
+            <a:endParaRPr lang="ko-KR" altLang="en-US" sz="1400" b="1" dirty="0"/>
+          </a:p>
+        </p:txBody>
+      </p:sp>
+      <p:sp>
+        <p:nvSpPr>
+          <p:cNvPr id="13" name="TextBox 12"/>
+          <p:cNvSpPr txBox="1"/>
+          <p:nvPr/>
+        </p:nvSpPr>
+        <p:spPr>
+          <a:xfrm>
+            <a:off x="526949" y="1261967"/>
+            <a:ext cx="10561834" cy="523220"/>
+          </a:xfrm>
+          <a:prstGeom prst="rect">
+            <a:avLst/>
+          </a:prstGeom>
+          <a:noFill/>
+        </p:spPr>
+        <p:txBody>
+          <a:bodyPr wrap="square" rtlCol="0">
+            <a:spAutoFit/>
+          </a:bodyPr>
+          <a:lstStyle/>
+          <a:p>
+            <a:pPr marL="342900" indent="-342900">
+              <a:buAutoNum type="arabicPeriod"/>
+            </a:pPr>
             <a:r>
               <a:rPr lang="ko-KR" altLang="en-US" sz="1400" dirty="0" smtClean="0"/>
-              <a:t>저장되어 있다</a:t>
+              <a:t>메모리 보호 및 안정성 </a:t>
+            </a:r>
+            <a:endParaRPr lang="en-US" altLang="ko-KR" sz="1400" dirty="0" smtClean="0"/>
+          </a:p>
+          <a:p>
+            <a:r>
+              <a:rPr lang="en-US" altLang="ko-KR" sz="1400" dirty="0"/>
+              <a:t> </a:t>
+            </a:r>
+            <a:r>
+              <a:rPr lang="en-US" altLang="ko-KR" sz="1400" dirty="0" smtClean="0"/>
+              <a:t>    - </a:t>
+            </a:r>
+            <a:r>
+              <a:rPr lang="ko-KR" altLang="en-US" sz="1400" dirty="0" smtClean="0"/>
+              <a:t>가상 메모리는 각 프로세스가 독립된 메모리 공간을 가지게 함으로써 서로의 메모리 공간에 침범하지 못하게 한다</a:t>
             </a:r>
             <a:r>
               <a:rPr lang="en-US" altLang="ko-KR" sz="1400" dirty="0" smtClean="0"/>
               <a:t>.</a:t>
             </a:r>
-            <a:endParaRPr lang="ko-KR" altLang="en-US" sz="1400" dirty="0"/>
+          </a:p>
+        </p:txBody>
+      </p:sp>
+      <p:sp>
+        <p:nvSpPr>
+          <p:cNvPr id="14" name="TextBox 13"/>
+          <p:cNvSpPr txBox="1"/>
+          <p:nvPr/>
+        </p:nvSpPr>
+        <p:spPr>
+          <a:xfrm>
+            <a:off x="610855" y="1891652"/>
+            <a:ext cx="10561834" cy="523220"/>
+          </a:xfrm>
+          <a:prstGeom prst="rect">
+            <a:avLst/>
+          </a:prstGeom>
+          <a:noFill/>
+        </p:spPr>
+        <p:txBody>
+          <a:bodyPr wrap="square" rtlCol="0">
+            <a:spAutoFit/>
+          </a:bodyPr>
+          <a:lstStyle/>
+          <a:p>
+            <a:r>
+              <a:rPr lang="ko-KR" altLang="en-US" sz="1400" dirty="0" smtClean="0"/>
+              <a:t>프로세스마다 페이지 테이블이 존재하고</a:t>
+            </a:r>
+            <a:r>
+              <a:rPr lang="en-US" altLang="ko-KR" sz="1400" dirty="0" smtClean="0"/>
+              <a:t>, </a:t>
+            </a:r>
+            <a:r>
+              <a:rPr lang="ko-KR" altLang="en-US" sz="1400" dirty="0" smtClean="0"/>
+              <a:t>각 프로세스마다 각자의 페이지 테이블을 참조하기때문에 서로 프로세스마다의 메모리를 침범할 이유가 없게 된다</a:t>
+            </a:r>
+            <a:r>
+              <a:rPr lang="en-US" altLang="ko-KR" sz="1400" dirty="0" smtClean="0"/>
+              <a:t>.</a:t>
+            </a:r>
+          </a:p>
+        </p:txBody>
+      </p:sp>
+      <p:pic>
+        <p:nvPicPr>
+          <p:cNvPr id="15" name="그림 14"/>
+          <p:cNvPicPr>
+            <a:picLocks noChangeAspect="1"/>
+          </p:cNvPicPr>
+          <p:nvPr/>
+        </p:nvPicPr>
+        <p:blipFill>
+          <a:blip r:embed="rId3">
+            <a:extLst>
+              <a:ext uri="{28A0092B-C50C-407E-A947-70E740481C1C}">
+                <a14:useLocalDpi xmlns:a14="http://schemas.microsoft.com/office/drawing/2010/main" val="0"/>
+              </a:ext>
+            </a:extLst>
+          </a:blip>
+          <a:stretch>
+            <a:fillRect/>
+          </a:stretch>
+        </p:blipFill>
+        <p:spPr>
+          <a:xfrm>
+            <a:off x="508749" y="3489470"/>
+            <a:ext cx="1528440" cy="1556407"/>
+          </a:xfrm>
+          <a:prstGeom prst="rect">
+            <a:avLst/>
+          </a:prstGeom>
+          <a:scene3d>
+            <a:camera prst="perspectiveRelaxed"/>
+            <a:lightRig rig="threePt" dir="t"/>
+          </a:scene3d>
+        </p:spPr>
+      </p:pic>
+      <p:sp>
+        <p:nvSpPr>
+          <p:cNvPr id="5" name="TextBox 4"/>
+          <p:cNvSpPr txBox="1"/>
+          <p:nvPr/>
+        </p:nvSpPr>
+        <p:spPr>
+          <a:xfrm>
+            <a:off x="6246688" y="3304804"/>
+            <a:ext cx="3000054" cy="369332"/>
+          </a:xfrm>
+          <a:prstGeom prst="rect">
+            <a:avLst/>
+          </a:prstGeom>
+          <a:noFill/>
+        </p:spPr>
+        <p:txBody>
+          <a:bodyPr wrap="square" rtlCol="0">
+            <a:spAutoFit/>
+          </a:bodyPr>
+          <a:lstStyle/>
+          <a:p>
+            <a:r>
+              <a:rPr lang="en-US" altLang="ko-KR" dirty="0" smtClean="0"/>
+              <a:t>Process1</a:t>
+            </a:r>
+            <a:endParaRPr lang="ko-KR" altLang="en-US" dirty="0"/>
           </a:p>
         </p:txBody>
       </p:sp>
     </p:spTree>
     <p:extLst>
       <p:ext uri="{BB962C8B-B14F-4D97-AF65-F5344CB8AC3E}">
-        <p14:creationId xmlns:p14="http://schemas.microsoft.com/office/powerpoint/2010/main" val="982899028"/>
+        <p14:creationId xmlns:p14="http://schemas.microsoft.com/office/powerpoint/2010/main" val="1922512513"/>
       </p:ext>
     </p:extLst>
   </p:cSld>

--- a/CSwithC/CS-explanation.pptx
+++ b/CSwithC/CS-explanation.pptx
@@ -5,7 +5,7 @@
     <p:sldMasterId id="2147483648" r:id="rId1"/>
   </p:sldMasterIdLst>
   <p:notesMasterIdLst>
-    <p:notesMasterId r:id="rId23"/>
+    <p:notesMasterId r:id="rId24"/>
   </p:notesMasterIdLst>
   <p:sldIdLst>
     <p:sldId id="266" r:id="rId2"/>
@@ -17,18 +17,19 @@
     <p:sldId id="276" r:id="rId8"/>
     <p:sldId id="273" r:id="rId9"/>
     <p:sldId id="274" r:id="rId10"/>
-    <p:sldId id="275" r:id="rId11"/>
-    <p:sldId id="270" r:id="rId12"/>
-    <p:sldId id="269" r:id="rId13"/>
-    <p:sldId id="256" r:id="rId14"/>
-    <p:sldId id="257" r:id="rId15"/>
-    <p:sldId id="258" r:id="rId16"/>
-    <p:sldId id="260" r:id="rId17"/>
-    <p:sldId id="259" r:id="rId18"/>
-    <p:sldId id="262" r:id="rId19"/>
-    <p:sldId id="261" r:id="rId20"/>
-    <p:sldId id="263" r:id="rId21"/>
-    <p:sldId id="264" r:id="rId22"/>
+    <p:sldId id="277" r:id="rId11"/>
+    <p:sldId id="275" r:id="rId12"/>
+    <p:sldId id="270" r:id="rId13"/>
+    <p:sldId id="269" r:id="rId14"/>
+    <p:sldId id="256" r:id="rId15"/>
+    <p:sldId id="257" r:id="rId16"/>
+    <p:sldId id="258" r:id="rId17"/>
+    <p:sldId id="260" r:id="rId18"/>
+    <p:sldId id="259" r:id="rId19"/>
+    <p:sldId id="262" r:id="rId20"/>
+    <p:sldId id="261" r:id="rId21"/>
+    <p:sldId id="263" r:id="rId22"/>
+    <p:sldId id="264" r:id="rId23"/>
   </p:sldIdLst>
   <p:sldSz cx="12192000" cy="6858000"/>
   <p:notesSz cx="6858000" cy="9144000"/>
@@ -217,7 +218,7 @@
           <a:p>
             <a:fld id="{63E2A1E9-AE86-4A77-ADFA-78382643A96E}" type="datetimeFigureOut">
               <a:rPr lang="ko-KR" altLang="en-US" smtClean="0"/>
-              <a:t>2024-09-14</a:t>
+              <a:t>2024-09-16</a:t>
             </a:fld>
             <a:endParaRPr lang="ko-KR" altLang="en-US"/>
           </a:p>
@@ -584,6 +585,90 @@
 </p:notes>
 </file>
 
+<file path=ppt/notesSlides/notesSlide10.xml><?xml version="1.0" encoding="utf-8"?>
+<p:notes xmlns:a="http://schemas.openxmlformats.org/drawingml/2006/main" xmlns:r="http://schemas.openxmlformats.org/officeDocument/2006/relationships" xmlns:p="http://schemas.openxmlformats.org/presentationml/2006/main">
+  <p:cSld>
+    <p:spTree>
+      <p:nvGrpSpPr>
+        <p:cNvPr id="1" name=""/>
+        <p:cNvGrpSpPr/>
+        <p:nvPr/>
+      </p:nvGrpSpPr>
+      <p:grpSpPr>
+        <a:xfrm>
+          <a:off x="0" y="0"/>
+          <a:ext cx="0" cy="0"/>
+          <a:chOff x="0" y="0"/>
+          <a:chExt cx="0" cy="0"/>
+        </a:xfrm>
+      </p:grpSpPr>
+      <p:sp>
+        <p:nvSpPr>
+          <p:cNvPr id="2" name="슬라이드 이미지 개체 틀 1"/>
+          <p:cNvSpPr>
+            <a:spLocks noGrp="1" noRot="1" noChangeAspect="1"/>
+          </p:cNvSpPr>
+          <p:nvPr>
+            <p:ph type="sldImg"/>
+          </p:nvPr>
+        </p:nvSpPr>
+        <p:spPr/>
+      </p:sp>
+      <p:sp>
+        <p:nvSpPr>
+          <p:cNvPr id="3" name="슬라이드 노트 개체 틀 2"/>
+          <p:cNvSpPr>
+            <a:spLocks noGrp="1"/>
+          </p:cNvSpPr>
+          <p:nvPr>
+            <p:ph type="body" idx="1"/>
+          </p:nvPr>
+        </p:nvSpPr>
+        <p:spPr/>
+        <p:txBody>
+          <a:bodyPr/>
+          <a:lstStyle/>
+          <a:p>
+            <a:endParaRPr kumimoji="1" lang="ko-KR" altLang="en-US" dirty="0"/>
+          </a:p>
+        </p:txBody>
+      </p:sp>
+      <p:sp>
+        <p:nvSpPr>
+          <p:cNvPr id="4" name="슬라이드 번호 개체 틀 3"/>
+          <p:cNvSpPr>
+            <a:spLocks noGrp="1"/>
+          </p:cNvSpPr>
+          <p:nvPr>
+            <p:ph type="sldNum" sz="quarter" idx="5"/>
+          </p:nvPr>
+        </p:nvSpPr>
+        <p:spPr/>
+        <p:txBody>
+          <a:bodyPr/>
+          <a:lstStyle/>
+          <a:p>
+            <a:fld id="{16AFB6E1-9A93-4EBD-AB39-332ADB6F73BD}" type="slidenum">
+              <a:rPr lang="ko-KR" altLang="en-US" smtClean="0"/>
+              <a:t>18</a:t>
+            </a:fld>
+            <a:endParaRPr lang="ko-KR" altLang="en-US"/>
+          </a:p>
+        </p:txBody>
+      </p:sp>
+    </p:spTree>
+    <p:extLst>
+      <p:ext uri="{BB962C8B-B14F-4D97-AF65-F5344CB8AC3E}">
+        <p14:creationId xmlns:p14="http://schemas.microsoft.com/office/powerpoint/2010/main" val="3475499178"/>
+      </p:ext>
+    </p:extLst>
+  </p:cSld>
+  <p:clrMapOvr>
+    <a:masterClrMapping/>
+  </p:clrMapOvr>
+</p:notes>
+</file>
+
 <file path=ppt/notesSlides/notesSlide2.xml><?xml version="1.0" encoding="utf-8"?>
 <p:notes xmlns:a="http://schemas.openxmlformats.org/drawingml/2006/main" xmlns:r="http://schemas.openxmlformats.org/officeDocument/2006/relationships" xmlns:p="http://schemas.openxmlformats.org/presentationml/2006/main">
   <p:cSld>
@@ -981,40 +1066,131 @@
           <a:lstStyle/>
           <a:p>
             <a:r>
+              <a:rPr lang="ko-KR" altLang="en-US" b="1" dirty="0" smtClean="0"/>
+              <a:t>가상 주소 </a:t>
+            </a:r>
+            <a:r>
+              <a:rPr lang="en-US" altLang="ko-KR" b="1" dirty="0" smtClean="0"/>
+              <a:t>(Virtual Address)</a:t>
+            </a:r>
+            <a:r>
+              <a:rPr lang="en-US" altLang="ko-KR" dirty="0" smtClean="0"/>
+              <a:t>: </a:t>
+            </a:r>
+            <a:r>
               <a:rPr lang="ko-KR" altLang="en-US" dirty="0" smtClean="0"/>
-              <a:t>실제로 </a:t>
+              <a:t>프로그램이 사용하는 주소</a:t>
+            </a:r>
+            <a:endParaRPr lang="en-US" altLang="ko-KR" dirty="0" smtClean="0"/>
+          </a:p>
+          <a:p>
+            <a:r>
+              <a:rPr lang="ko-KR" altLang="en-US" b="1" dirty="0" smtClean="0"/>
+              <a:t>논리 페이지 주소 </a:t>
+            </a:r>
+            <a:r>
+              <a:rPr lang="en-US" altLang="ko-KR" b="1" dirty="0" smtClean="0"/>
+              <a:t>(Logical Page Address)</a:t>
             </a:r>
             <a:r>
               <a:rPr lang="en-US" altLang="ko-KR" dirty="0" smtClean="0"/>
-              <a:t>CPU</a:t>
+              <a:t>: </a:t>
             </a:r>
             <a:r>
               <a:rPr lang="ko-KR" altLang="en-US" dirty="0" smtClean="0"/>
-              <a:t>는 </a:t>
+              <a:t>가상 주소에서 페이지 번호를 추출한 값 </a:t>
             </a:r>
             <a:r>
               <a:rPr lang="en-US" altLang="ko-KR" dirty="0" smtClean="0"/>
-              <a:t>RAM</a:t>
+              <a:t>(</a:t>
             </a:r>
             <a:r>
               <a:rPr lang="ko-KR" altLang="en-US" dirty="0" smtClean="0"/>
-              <a:t>의 주소에 직접 접근하는게 아니라 페이지 테이블에 있는 논리 주소에 접근하고 </a:t>
+              <a:t>상위 </a:t>
             </a:r>
             <a:r>
               <a:rPr lang="en-US" altLang="ko-KR" dirty="0" smtClean="0"/>
-              <a:t>Mapping</a:t>
+              <a:t>20</a:t>
             </a:r>
             <a:r>
               <a:rPr lang="ko-KR" altLang="en-US" dirty="0" smtClean="0"/>
-              <a:t>되는 </a:t>
+              <a:t>비트</a:t>
+            </a:r>
+            <a:r>
+              <a:rPr lang="en-US" altLang="ko-KR" dirty="0" smtClean="0"/>
+              <a:t>)</a:t>
+            </a:r>
+          </a:p>
+          <a:p>
+            <a:r>
+              <a:rPr lang="ko-KR" altLang="en-US" b="1" dirty="0" smtClean="0"/>
+              <a:t>페이지 내 오프셋 </a:t>
+            </a:r>
+            <a:r>
+              <a:rPr lang="en-US" altLang="ko-KR" b="1" dirty="0" smtClean="0"/>
+              <a:t>(Offset)</a:t>
+            </a:r>
+            <a:r>
+              <a:rPr lang="en-US" altLang="ko-KR" dirty="0" smtClean="0"/>
+              <a:t>: </a:t>
+            </a:r>
+            <a:r>
+              <a:rPr lang="ko-KR" altLang="en-US" dirty="0" smtClean="0"/>
+              <a:t>페이지 내에서의 위치를 나타내는 하위 </a:t>
+            </a:r>
+            <a:r>
+              <a:rPr lang="en-US" altLang="ko-KR" dirty="0" smtClean="0"/>
+              <a:t>12</a:t>
+            </a:r>
+            <a:r>
+              <a:rPr lang="ko-KR" altLang="en-US" dirty="0" smtClean="0"/>
+              <a:t>비트 값</a:t>
+            </a:r>
+            <a:endParaRPr lang="en-US" altLang="ko-KR" dirty="0" smtClean="0"/>
+          </a:p>
+          <a:p>
+            <a:r>
+              <a:rPr lang="ko-KR" altLang="en-US" b="1" dirty="0" smtClean="0"/>
+              <a:t>물리 페이지 주소 </a:t>
+            </a:r>
+            <a:r>
+              <a:rPr lang="en-US" altLang="ko-KR" b="1" dirty="0" smtClean="0"/>
+              <a:t>(Physical Page Address)</a:t>
+            </a:r>
+            <a:r>
+              <a:rPr lang="en-US" altLang="ko-KR" dirty="0" smtClean="0"/>
+              <a:t>: </a:t>
+            </a:r>
+            <a:r>
+              <a:rPr lang="ko-KR" altLang="en-US" dirty="0" smtClean="0"/>
+              <a:t>페이지 테이블을 통해 </a:t>
             </a:r>
             <a:r>
               <a:rPr lang="ko-KR" altLang="en-US" dirty="0" err="1" smtClean="0"/>
-              <a:t>물리주소로</a:t>
+              <a:t>매핑된</a:t>
             </a:r>
             <a:r>
               <a:rPr lang="ko-KR" altLang="en-US" dirty="0" smtClean="0"/>
-              <a:t> 변환되어 램에 저장된 데이터를 가져오는 형식으로 되어 있다</a:t>
+              <a:t> 물리 주소</a:t>
+            </a:r>
+            <a:endParaRPr lang="en-US" altLang="ko-KR" dirty="0" smtClean="0"/>
+          </a:p>
+          <a:p>
+            <a:r>
+              <a:rPr lang="ko-KR" altLang="en-US" b="1" dirty="0" smtClean="0"/>
+              <a:t>물리 주소 </a:t>
+            </a:r>
+            <a:r>
+              <a:rPr lang="en-US" altLang="ko-KR" b="1" dirty="0" smtClean="0"/>
+              <a:t>(Physical Address)</a:t>
+            </a:r>
+            <a:r>
+              <a:rPr lang="en-US" altLang="ko-KR" dirty="0" smtClean="0"/>
+              <a:t>: </a:t>
+            </a:r>
+            <a:r>
+              <a:rPr lang="ko-KR" altLang="en-US" dirty="0" smtClean="0"/>
+              <a:t>물리 페이지 주소와 페이지 내 오프셋을 결합하여 최종 물리 주소</a:t>
             </a:r>
             <a:r>
               <a:rPr lang="en-US" altLang="ko-KR" dirty="0" smtClean="0"/>
@@ -1022,53 +1198,68 @@
             </a:r>
           </a:p>
           <a:p>
+            <a:endParaRPr lang="en-US" altLang="ko-KR" dirty="0" smtClean="0"/>
+          </a:p>
+          <a:p>
+            <a:r>
+              <a:rPr lang="ko-KR" altLang="en-US" b="1" dirty="0" err="1" smtClean="0"/>
+              <a:t>로세스마다</a:t>
+            </a:r>
+            <a:r>
+              <a:rPr lang="ko-KR" altLang="en-US" b="1" dirty="0" smtClean="0"/>
+              <a:t> 가상 주소는 독립적</a:t>
+            </a:r>
             <a:r>
               <a:rPr lang="ko-KR" altLang="en-US" dirty="0" smtClean="0"/>
-              <a:t>참고로 여기서 </a:t>
-            </a:r>
-            <a:r>
-              <a:rPr lang="ko-KR" altLang="en-US" b="1" dirty="0" smtClean="0">
-                <a:solidFill>
-                  <a:srgbClr val="C00000"/>
-                </a:solidFill>
-              </a:rPr>
-              <a:t>논리주소에서 </a:t>
-            </a:r>
-            <a:r>
-              <a:rPr lang="ko-KR" altLang="en-US" b="1" dirty="0" err="1" smtClean="0">
-                <a:solidFill>
-                  <a:srgbClr val="C00000"/>
-                </a:solidFill>
-              </a:rPr>
-              <a:t>물리주소로</a:t>
-            </a:r>
-            <a:r>
-              <a:rPr lang="ko-KR" altLang="en-US" b="1" dirty="0" smtClean="0">
-                <a:solidFill>
-                  <a:srgbClr val="C00000"/>
-                </a:solidFill>
-              </a:rPr>
-              <a:t> 변환하는 것은 </a:t>
-            </a:r>
-            <a:r>
-              <a:rPr lang="en-US" altLang="ko-KR" b="1" dirty="0" smtClean="0">
-                <a:solidFill>
-                  <a:srgbClr val="C00000"/>
-                </a:solidFill>
-              </a:rPr>
-              <a:t>(MMU) </a:t>
-            </a:r>
-            <a:r>
-              <a:rPr lang="ko-KR" altLang="en-US" b="1" dirty="0" smtClean="0">
-                <a:solidFill>
-                  <a:srgbClr val="C00000"/>
-                </a:solidFill>
-              </a:rPr>
-              <a:t>메모리 관리 장치</a:t>
+              <a:t>이기 때문에</a:t>
+            </a:r>
+            <a:r>
+              <a:rPr lang="en-US" altLang="ko-KR" dirty="0" smtClean="0"/>
+              <a:t>, </a:t>
             </a:r>
             <a:r>
               <a:rPr lang="ko-KR" altLang="en-US" dirty="0" smtClean="0"/>
-              <a:t>가 해준다</a:t>
+              <a:t>서로 다른 프로세스는 </a:t>
+            </a:r>
+            <a:r>
+              <a:rPr lang="ko-KR" altLang="en-US" b="1" dirty="0" smtClean="0"/>
+              <a:t>같은 가상 주소를 사용</a:t>
+            </a:r>
+            <a:r>
+              <a:rPr lang="ko-KR" altLang="en-US" dirty="0" smtClean="0"/>
+              <a:t>할 수 있습니다</a:t>
+            </a:r>
+            <a:r>
+              <a:rPr lang="en-US" altLang="ko-KR" dirty="0" smtClean="0"/>
+              <a:t>. </a:t>
+            </a:r>
+            <a:r>
+              <a:rPr lang="ko-KR" altLang="en-US" dirty="0" smtClean="0"/>
+              <a:t>이는 가상 메모리 시스템의 중요한 특징 중 하나입니다</a:t>
+            </a:r>
+            <a:r>
+              <a:rPr lang="en-US" altLang="ko-KR" dirty="0" smtClean="0"/>
+              <a:t>. </a:t>
+            </a:r>
+            <a:r>
+              <a:rPr lang="ko-KR" altLang="en-US" dirty="0" smtClean="0"/>
+              <a:t>가상 주소는 논리적이기 때문에 각 프로세스는 자신만의 </a:t>
+            </a:r>
+            <a:r>
+              <a:rPr lang="ko-KR" altLang="en-US" b="1" dirty="0" smtClean="0"/>
+              <a:t>가상 주소 공간</a:t>
+            </a:r>
+            <a:r>
+              <a:rPr lang="ko-KR" altLang="en-US" dirty="0" smtClean="0"/>
+              <a:t>을 가지고 있으며</a:t>
+            </a:r>
+            <a:r>
+              <a:rPr lang="en-US" altLang="ko-KR" dirty="0" smtClean="0"/>
+              <a:t>, </a:t>
+            </a:r>
+            <a:r>
+              <a:rPr lang="ko-KR" altLang="en-US" dirty="0" smtClean="0"/>
+              <a:t>이 가상 주소는 물리 메모리와는 독립적으로 관리됩니다</a:t>
             </a:r>
             <a:r>
               <a:rPr lang="en-US" altLang="ko-KR" dirty="0" smtClean="0"/>
@@ -1080,39 +1271,121 @@
           </a:p>
           <a:p>
             <a:r>
+              <a:rPr lang="ko-KR" altLang="en-US" b="1" dirty="0" smtClean="0"/>
+              <a:t>예시 그림 설명 </a:t>
+            </a:r>
+            <a:r>
+              <a:rPr lang="en-US" altLang="ko-KR" b="1" dirty="0" smtClean="0"/>
+              <a:t>(</a:t>
+            </a:r>
+            <a:r>
+              <a:rPr lang="ko-KR" altLang="en-US" b="1" dirty="0" smtClean="0"/>
+              <a:t>프로세스 </a:t>
+            </a:r>
+            <a:r>
+              <a:rPr lang="en-US" altLang="ko-KR" b="1" dirty="0" smtClean="0"/>
+              <a:t>A</a:t>
+            </a:r>
+            <a:r>
+              <a:rPr lang="ko-KR" altLang="en-US" b="1" dirty="0" smtClean="0"/>
+              <a:t>와 </a:t>
+            </a:r>
+            <a:r>
+              <a:rPr lang="en-US" altLang="ko-KR" b="1" dirty="0" smtClean="0"/>
+              <a:t>B</a:t>
+            </a:r>
+            <a:r>
+              <a:rPr lang="ko-KR" altLang="en-US" b="1" dirty="0" smtClean="0"/>
+              <a:t>에서 같은 가상 주소 사용</a:t>
+            </a:r>
+            <a:r>
+              <a:rPr lang="en-US" altLang="ko-KR" b="1" dirty="0" smtClean="0"/>
+              <a:t>):</a:t>
+            </a:r>
+          </a:p>
+          <a:p>
+            <a:r>
+              <a:rPr lang="ko-KR" altLang="en-US" b="1" dirty="0" smtClean="0"/>
+              <a:t>프로세스 </a:t>
+            </a:r>
+            <a:r>
+              <a:rPr lang="en-US" altLang="ko-KR" b="1" dirty="0" smtClean="0"/>
+              <a:t>A</a:t>
+            </a:r>
+            <a:r>
               <a:rPr lang="en-US" altLang="ko-KR" dirty="0" smtClean="0"/>
-              <a:t>* MMU</a:t>
-            </a:r>
+              <a:t>:</a:t>
+            </a:r>
+          </a:p>
+          <a:p>
+            <a:pPr lvl="1"/>
             <a:r>
               <a:rPr lang="ko-KR" altLang="en-US" dirty="0" smtClean="0"/>
-              <a:t>는 일반적으로 </a:t>
+              <a:t>가상 주소 </a:t>
             </a:r>
             <a:r>
               <a:rPr lang="en-US" altLang="ko-KR" dirty="0" smtClean="0"/>
-              <a:t>CPU</a:t>
+              <a:t>0x00403F00</a:t>
             </a:r>
             <a:r>
               <a:rPr lang="ko-KR" altLang="en-US" dirty="0" smtClean="0"/>
-              <a:t>내부에 통합된 하드웨어 모듈이다 </a:t>
-            </a:r>
-            <a:endParaRPr lang="en-US" altLang="ko-KR" dirty="0" smtClean="0"/>
-          </a:p>
-          <a:p>
-            <a:endParaRPr lang="en-US" altLang="ko-KR" dirty="0" smtClean="0"/>
-          </a:p>
-          <a:p>
+              <a:t>가 물리 메모리 주소 </a:t>
+            </a:r>
+            <a:r>
+              <a:rPr lang="en-US" altLang="ko-KR" dirty="0" smtClean="0"/>
+              <a:t>0x00123F00</a:t>
+            </a:r>
             <a:r>
               <a:rPr lang="ko-KR" altLang="en-US" dirty="0" smtClean="0"/>
-              <a:t>그리고 </a:t>
+              <a:t>으로 매핑</a:t>
             </a:r>
             <a:r>
               <a:rPr lang="en-US" altLang="ko-KR" dirty="0" smtClean="0"/>
-              <a:t>Page</a:t>
-            </a:r>
+              <a:t>.</a:t>
+            </a:r>
+          </a:p>
+          <a:p>
+            <a:r>
+              <a:rPr lang="ko-KR" altLang="en-US" b="1" dirty="0" smtClean="0"/>
+              <a:t>프로세스 </a:t>
+            </a:r>
+            <a:r>
+              <a:rPr lang="en-US" altLang="ko-KR" b="1" dirty="0" smtClean="0"/>
+              <a:t>B</a:t>
+            </a:r>
+            <a:r>
+              <a:rPr lang="en-US" altLang="ko-KR" dirty="0" smtClean="0"/>
+              <a:t>:</a:t>
+            </a:r>
+          </a:p>
+          <a:p>
+            <a:pPr lvl="1"/>
             <a:r>
               <a:rPr lang="ko-KR" altLang="en-US" dirty="0" smtClean="0"/>
-              <a:t>는</a:t>
-            </a:r>
+              <a:t>동일한 가상 주소 </a:t>
+            </a:r>
+            <a:r>
+              <a:rPr lang="en-US" altLang="ko-KR" dirty="0" smtClean="0"/>
+              <a:t>0x00403F00</a:t>
+            </a:r>
+            <a:r>
+              <a:rPr lang="ko-KR" altLang="en-US" dirty="0" smtClean="0"/>
+              <a:t>가 물리 메모리 주소 </a:t>
+            </a:r>
+            <a:r>
+              <a:rPr lang="en-US" altLang="ko-KR" dirty="0" smtClean="0"/>
+              <a:t>0x00234F00</a:t>
+            </a:r>
+            <a:r>
+              <a:rPr lang="ko-KR" altLang="en-US" dirty="0" smtClean="0"/>
+              <a:t>으로 매핑</a:t>
+            </a:r>
+            <a:r>
+              <a:rPr lang="en-US" altLang="ko-KR" dirty="0" smtClean="0"/>
+              <a:t>.</a:t>
+            </a:r>
+          </a:p>
+          <a:p>
             <a:endParaRPr lang="en-US" altLang="ko-KR" dirty="0" smtClean="0"/>
           </a:p>
         </p:txBody>
@@ -1415,7 +1688,7 @@
     </p:spTree>
     <p:extLst>
       <p:ext uri="{BB962C8B-B14F-4D97-AF65-F5344CB8AC3E}">
-        <p14:creationId xmlns:p14="http://schemas.microsoft.com/office/powerpoint/2010/main" val="2357716431"/>
+        <p14:creationId xmlns:p14="http://schemas.microsoft.com/office/powerpoint/2010/main" val="720762078"/>
       </p:ext>
     </p:extLst>
   </p:cSld>
@@ -1469,377 +1742,6 @@
           <a:bodyPr/>
           <a:lstStyle/>
           <a:p>
-            <a:pPr marL="0" marR="0" indent="0" algn="l" defTabSz="914400" rtl="0" eaLnBrk="1" fontAlgn="auto" latinLnBrk="1" hangingPunct="1">
-              <a:lnSpc>
-                <a:spcPct val="100000"/>
-              </a:lnSpc>
-              <a:spcBef>
-                <a:spcPts val="0"/>
-              </a:spcBef>
-              <a:spcAft>
-                <a:spcPts val="0"/>
-              </a:spcAft>
-              <a:buClrTx/>
-              <a:buSzTx/>
-              <a:buFontTx/>
-              <a:buNone/>
-              <a:tabLst/>
-              <a:defRPr/>
-            </a:pPr>
-            <a:r>
-              <a:rPr lang="ko-KR" altLang="en-US" sz="1200" dirty="0"/>
-              <a:t>설명</a:t>
-            </a:r>
-            <a:r>
-              <a:rPr lang="en-US" altLang="ko-KR" sz="1200" dirty="0"/>
-              <a:t>: App1</a:t>
-            </a:r>
-            <a:r>
-              <a:rPr lang="ko-KR" altLang="en-US" sz="1200" dirty="0"/>
-              <a:t>의 여러 연산은 직접 </a:t>
-            </a:r>
-            <a:r>
-              <a:rPr lang="en-US" altLang="ko-KR" sz="1200" dirty="0"/>
-              <a:t>CPU</a:t>
-            </a:r>
-            <a:r>
-              <a:rPr lang="ko-KR" altLang="en-US" sz="1200" dirty="0"/>
-              <a:t>에서 읽으면서 연산한다</a:t>
-            </a:r>
-            <a:r>
-              <a:rPr lang="en-US" altLang="ko-KR" sz="1200" dirty="0"/>
-              <a:t>. </a:t>
-            </a:r>
-            <a:r>
-              <a:rPr lang="ko-KR" altLang="en-US" sz="1200" dirty="0"/>
-              <a:t>다만 </a:t>
-            </a:r>
-            <a:r>
-              <a:rPr lang="en-US" altLang="ko-KR" sz="1200" dirty="0"/>
-              <a:t>System Call</a:t>
-            </a:r>
-            <a:r>
-              <a:rPr lang="ko-KR" altLang="en-US" sz="1200" dirty="0"/>
-              <a:t>을 </a:t>
-            </a:r>
-            <a:r>
-              <a:rPr lang="ko-KR" altLang="en-US" sz="1200" dirty="0" err="1"/>
-              <a:t>할때</a:t>
-            </a:r>
-            <a:r>
-              <a:rPr lang="ko-KR" altLang="en-US" sz="1200" dirty="0"/>
-              <a:t> </a:t>
-            </a:r>
-            <a:r>
-              <a:rPr lang="en-US" altLang="ko-KR" sz="1200" dirty="0"/>
-              <a:t>(OS Logic)</a:t>
-            </a:r>
-            <a:r>
-              <a:rPr lang="ko-KR" altLang="en-US" sz="1200" dirty="0"/>
-              <a:t>예를 들어 다른 주변 기기에서 </a:t>
-            </a:r>
-            <a:r>
-              <a:rPr lang="en-US" altLang="ko-KR" sz="1200" dirty="0"/>
-              <a:t>Input</a:t>
-            </a:r>
-            <a:r>
-              <a:rPr lang="ko-KR" altLang="en-US" sz="1200" dirty="0"/>
-              <a:t>이 있거나 </a:t>
-            </a:r>
-            <a:r>
-              <a:rPr lang="en-US" altLang="ko-KR" sz="1200" dirty="0"/>
-              <a:t>Storage</a:t>
-            </a:r>
-            <a:r>
-              <a:rPr lang="ko-KR" altLang="en-US" sz="1200" dirty="0"/>
-              <a:t>에서 데이터를 </a:t>
-            </a:r>
-            <a:r>
-              <a:rPr lang="ko-KR" altLang="en-US" sz="1200" dirty="0" err="1"/>
-              <a:t>받아온다던지</a:t>
-            </a:r>
-            <a:r>
-              <a:rPr lang="ko-KR" altLang="en-US" sz="1200" dirty="0"/>
-              <a:t> </a:t>
-            </a:r>
-            <a:r>
-              <a:rPr lang="ko-KR" altLang="en-US" sz="1200" dirty="0" err="1"/>
-              <a:t>이럴때는</a:t>
-            </a:r>
-            <a:r>
-              <a:rPr lang="ko-KR" altLang="en-US" sz="1200" dirty="0"/>
-              <a:t> </a:t>
-            </a:r>
-            <a:r>
-              <a:rPr lang="en-US" altLang="ko-KR" sz="1200" dirty="0"/>
-              <a:t>OS Process Logic</a:t>
-            </a:r>
-            <a:r>
-              <a:rPr lang="ko-KR" altLang="en-US" sz="1200" dirty="0"/>
-              <a:t>을 태워야 한다</a:t>
-            </a:r>
-            <a:r>
-              <a:rPr lang="en-US" altLang="ko-KR" sz="1200" dirty="0"/>
-              <a:t>. </a:t>
-            </a:r>
-            <a:r>
-              <a:rPr lang="ko-KR" altLang="en-US" sz="1200" dirty="0" err="1"/>
-              <a:t>이럴때</a:t>
-            </a:r>
-            <a:r>
-              <a:rPr lang="ko-KR" altLang="en-US" sz="1200" dirty="0"/>
-              <a:t> </a:t>
-            </a:r>
-            <a:r>
-              <a:rPr lang="en-US" altLang="ko-KR" sz="1200" dirty="0"/>
-              <a:t>App1</a:t>
-            </a:r>
-            <a:r>
-              <a:rPr lang="ko-KR" altLang="en-US" sz="1200" dirty="0"/>
-              <a:t>을 읽다가 </a:t>
-            </a:r>
-            <a:r>
-              <a:rPr lang="en-US" altLang="ko-KR" sz="1200" dirty="0"/>
-              <a:t>OS process</a:t>
-            </a:r>
-            <a:r>
-              <a:rPr lang="ko-KR" altLang="en-US" sz="1200" dirty="0"/>
-              <a:t>에 있는 </a:t>
-            </a:r>
-            <a:r>
-              <a:rPr lang="en-US" altLang="ko-KR" sz="1200" dirty="0"/>
-              <a:t>Logic</a:t>
-            </a:r>
-            <a:r>
-              <a:rPr lang="ko-KR" altLang="en-US" sz="1200" dirty="0"/>
-              <a:t>을 읽어야 하므로 </a:t>
-            </a:r>
-            <a:r>
-              <a:rPr lang="en-US" altLang="ko-KR" sz="1200" dirty="0"/>
-              <a:t>OS Process</a:t>
-            </a:r>
-            <a:r>
-              <a:rPr lang="ko-KR" altLang="en-US" sz="1200" dirty="0"/>
-              <a:t>의 특정 </a:t>
-            </a:r>
-            <a:r>
-              <a:rPr lang="en-US" altLang="ko-KR" sz="1200" dirty="0"/>
-              <a:t>Logic (</a:t>
-            </a:r>
-            <a:r>
-              <a:rPr lang="ko-KR" altLang="en-US" sz="1200" dirty="0"/>
-              <a:t>여기서는 파일 </a:t>
-            </a:r>
-            <a:r>
-              <a:rPr lang="en-US" altLang="ko-KR" sz="1200" dirty="0"/>
-              <a:t>Read</a:t>
-            </a:r>
-            <a:r>
-              <a:rPr lang="ko-KR" altLang="en-US" sz="1200" dirty="0"/>
-              <a:t>관련한</a:t>
-            </a:r>
-            <a:r>
-              <a:rPr lang="en-US" altLang="ko-KR" sz="1200" dirty="0"/>
-              <a:t>)</a:t>
-            </a:r>
-            <a:r>
-              <a:rPr lang="ko-KR" altLang="en-US" sz="1200" dirty="0"/>
-              <a:t>을 </a:t>
-            </a:r>
-            <a:r>
-              <a:rPr lang="ko-KR" altLang="en-US" sz="1200" dirty="0" err="1"/>
-              <a:t>읽게된다</a:t>
-            </a:r>
-            <a:r>
-              <a:rPr lang="en-US" altLang="ko-KR" sz="1200" dirty="0"/>
-              <a:t>. </a:t>
-            </a:r>
-            <a:r>
-              <a:rPr lang="ko-KR" altLang="en-US" sz="1200" dirty="0"/>
-              <a:t>이때 </a:t>
-            </a:r>
-            <a:r>
-              <a:rPr lang="en-US" altLang="ko-KR" sz="1200" dirty="0"/>
-              <a:t>Kernel Mode</a:t>
-            </a:r>
-            <a:r>
-              <a:rPr lang="ko-KR" altLang="en-US" sz="1200" dirty="0"/>
-              <a:t>라 한다</a:t>
-            </a:r>
-            <a:r>
-              <a:rPr lang="en-US" altLang="ko-KR" sz="1200" dirty="0"/>
-              <a:t>. CPU</a:t>
-            </a:r>
-            <a:r>
-              <a:rPr lang="ko-KR" altLang="en-US" sz="1200" dirty="0"/>
-              <a:t>가 </a:t>
-            </a:r>
-            <a:r>
-              <a:rPr lang="en-US" altLang="ko-KR" sz="1200" dirty="0" err="1"/>
-              <a:t>Os</a:t>
-            </a:r>
-            <a:r>
-              <a:rPr lang="en-US" altLang="ko-KR" sz="1200" dirty="0"/>
-              <a:t> Logic</a:t>
-            </a:r>
-            <a:r>
-              <a:rPr lang="ko-KR" altLang="en-US" sz="1200" dirty="0"/>
-              <a:t>을 수행하고 </a:t>
-            </a:r>
-            <a:r>
-              <a:rPr lang="ko-KR" altLang="en-US" sz="1200" dirty="0" err="1"/>
-              <a:t>있을때</a:t>
-            </a:r>
-            <a:r>
-              <a:rPr lang="ko-KR" altLang="en-US" sz="1200" dirty="0"/>
-              <a:t> 어차피 </a:t>
-            </a:r>
-            <a:r>
-              <a:rPr lang="en-US" altLang="ko-KR" sz="1200" dirty="0"/>
-              <a:t>OS</a:t>
-            </a:r>
-            <a:r>
-              <a:rPr lang="ko-KR" altLang="en-US" sz="1200" dirty="0"/>
-              <a:t>또한 </a:t>
-            </a:r>
-            <a:r>
-              <a:rPr lang="en-US" altLang="ko-KR" sz="1200" dirty="0"/>
-              <a:t>Process</a:t>
-            </a:r>
-            <a:r>
-              <a:rPr lang="ko-KR" altLang="en-US" sz="1200" dirty="0"/>
-              <a:t>이고 그 안의 작업 단위를 똑같이 </a:t>
-            </a:r>
-            <a:r>
-              <a:rPr lang="en-US" altLang="ko-KR" sz="1200" dirty="0"/>
-              <a:t>thread</a:t>
-            </a:r>
-            <a:r>
-              <a:rPr lang="ko-KR" altLang="en-US" sz="1200" dirty="0"/>
-              <a:t>단위로 </a:t>
-            </a:r>
-            <a:r>
-              <a:rPr lang="ko-KR" altLang="en-US" sz="1200" dirty="0" err="1"/>
-              <a:t>할텐데</a:t>
-            </a:r>
-            <a:r>
-              <a:rPr lang="en-US" altLang="ko-KR" sz="1200" dirty="0"/>
-              <a:t>, </a:t>
-            </a:r>
-            <a:r>
-              <a:rPr lang="ko-KR" altLang="en-US" sz="1200" dirty="0"/>
-              <a:t>이때의 </a:t>
-            </a:r>
-            <a:r>
-              <a:rPr lang="en-US" altLang="ko-KR" sz="1200" dirty="0"/>
-              <a:t>thread</a:t>
-            </a:r>
-            <a:r>
-              <a:rPr lang="ko-KR" altLang="en-US" sz="1200" dirty="0"/>
-              <a:t>를 </a:t>
-            </a:r>
-            <a:r>
-              <a:rPr lang="en-US" altLang="ko-KR" sz="1200" dirty="0"/>
-              <a:t>Kernel Thread</a:t>
-            </a:r>
-            <a:r>
-              <a:rPr lang="ko-KR" altLang="en-US" sz="1200" dirty="0"/>
-              <a:t>라 한다</a:t>
-            </a:r>
-            <a:r>
-              <a:rPr lang="en-US" altLang="ko-KR" sz="1200" dirty="0"/>
-              <a:t>.</a:t>
-            </a:r>
-            <a:endParaRPr lang="ko-KR" altLang="en-US" sz="1200" dirty="0"/>
-          </a:p>
-          <a:p>
-            <a:endParaRPr lang="en-US" altLang="ko-KR" dirty="0"/>
-          </a:p>
-          <a:p>
-            <a:r>
-              <a:rPr lang="ko-KR" altLang="en-US" dirty="0"/>
-              <a:t>그리고 여기서 </a:t>
-            </a:r>
-            <a:r>
-              <a:rPr lang="ko-KR" altLang="en-US" dirty="0" err="1"/>
-              <a:t>알수</a:t>
-            </a:r>
-            <a:r>
-              <a:rPr lang="ko-KR" altLang="en-US" dirty="0"/>
-              <a:t> 있겠지만 </a:t>
-            </a:r>
-            <a:r>
-              <a:rPr lang="en-US" altLang="ko-KR" dirty="0"/>
-              <a:t>System Call</a:t>
-            </a:r>
-            <a:r>
-              <a:rPr lang="ko-KR" altLang="en-US" dirty="0"/>
-              <a:t>은 </a:t>
-            </a:r>
-            <a:r>
-              <a:rPr lang="en-US" altLang="ko-KR" dirty="0"/>
-              <a:t>OS Process</a:t>
-            </a:r>
-            <a:r>
-              <a:rPr lang="ko-KR" altLang="en-US" dirty="0"/>
-              <a:t>가 가지고 있는 </a:t>
-            </a:r>
-            <a:r>
-              <a:rPr lang="en-US" altLang="ko-KR" dirty="0"/>
-              <a:t>logic (method)</a:t>
-            </a:r>
-            <a:r>
-              <a:rPr lang="ko-KR" altLang="en-US" dirty="0"/>
-              <a:t>를 호출하는 행위를 의미한다</a:t>
-            </a:r>
-            <a:r>
-              <a:rPr lang="en-US" altLang="ko-KR" dirty="0"/>
-              <a:t>. </a:t>
-            </a:r>
-            <a:r>
-              <a:rPr lang="ko-KR" altLang="en-US" dirty="0"/>
-              <a:t>보통 </a:t>
-            </a:r>
-            <a:r>
-              <a:rPr lang="en-US" altLang="ko-KR" dirty="0"/>
-              <a:t>OS Logic</a:t>
-            </a:r>
-            <a:r>
-              <a:rPr lang="ko-KR" altLang="en-US" dirty="0"/>
-              <a:t>은 </a:t>
-            </a:r>
-            <a:r>
-              <a:rPr lang="en-US" altLang="ko-KR" dirty="0"/>
-              <a:t>Process</a:t>
-            </a:r>
-            <a:r>
-              <a:rPr lang="ko-KR" altLang="en-US" dirty="0"/>
-              <a:t>관련 관리 </a:t>
-            </a:r>
-            <a:r>
-              <a:rPr lang="ko-KR" altLang="en-US" dirty="0" err="1"/>
-              <a:t>로직</a:t>
-            </a:r>
-            <a:r>
-              <a:rPr lang="en-US" altLang="ko-KR" dirty="0"/>
-              <a:t>, Hardware </a:t>
-            </a:r>
-            <a:r>
-              <a:rPr lang="ko-KR" altLang="en-US" dirty="0"/>
-              <a:t>제어 </a:t>
-            </a:r>
-            <a:r>
-              <a:rPr lang="ko-KR" altLang="en-US" dirty="0" err="1"/>
-              <a:t>로직등이</a:t>
-            </a:r>
-            <a:r>
-              <a:rPr lang="ko-KR" altLang="en-US" dirty="0"/>
-              <a:t> 들어가 있다</a:t>
-            </a:r>
-            <a:r>
-              <a:rPr lang="en-US" altLang="ko-KR" dirty="0"/>
-              <a:t>.</a:t>
-            </a:r>
             <a:endParaRPr lang="ko-KR" altLang="en-US" dirty="0"/>
           </a:p>
         </p:txBody>
@@ -1861,7 +1763,7 @@
           <a:p>
             <a:fld id="{16AFB6E1-9A93-4EBD-AB39-332ADB6F73BD}" type="slidenum">
               <a:rPr lang="ko-KR" altLang="en-US" smtClean="0"/>
-              <a:t>16</a:t>
+              <a:t>11</a:t>
             </a:fld>
             <a:endParaRPr lang="ko-KR" altLang="en-US"/>
           </a:p>
@@ -1870,7 +1772,7 @@
     </p:spTree>
     <p:extLst>
       <p:ext uri="{BB962C8B-B14F-4D97-AF65-F5344CB8AC3E}">
-        <p14:creationId xmlns:p14="http://schemas.microsoft.com/office/powerpoint/2010/main" val="2449296183"/>
+        <p14:creationId xmlns:p14="http://schemas.microsoft.com/office/powerpoint/2010/main" val="2357716431"/>
       </p:ext>
     </p:extLst>
   </p:cSld>
@@ -1924,7 +1826,378 @@
           <a:bodyPr/>
           <a:lstStyle/>
           <a:p>
-            <a:endParaRPr kumimoji="1" lang="ko-KR" altLang="en-US" dirty="0"/>
+            <a:pPr marL="0" marR="0" indent="0" algn="l" defTabSz="914400" rtl="0" eaLnBrk="1" fontAlgn="auto" latinLnBrk="1" hangingPunct="1">
+              <a:lnSpc>
+                <a:spcPct val="100000"/>
+              </a:lnSpc>
+              <a:spcBef>
+                <a:spcPts val="0"/>
+              </a:spcBef>
+              <a:spcAft>
+                <a:spcPts val="0"/>
+              </a:spcAft>
+              <a:buClrTx/>
+              <a:buSzTx/>
+              <a:buFontTx/>
+              <a:buNone/>
+              <a:tabLst/>
+              <a:defRPr/>
+            </a:pPr>
+            <a:r>
+              <a:rPr lang="ko-KR" altLang="en-US" sz="1200" dirty="0"/>
+              <a:t>설명</a:t>
+            </a:r>
+            <a:r>
+              <a:rPr lang="en-US" altLang="ko-KR" sz="1200" dirty="0"/>
+              <a:t>: App1</a:t>
+            </a:r>
+            <a:r>
+              <a:rPr lang="ko-KR" altLang="en-US" sz="1200" dirty="0"/>
+              <a:t>의 여러 연산은 직접 </a:t>
+            </a:r>
+            <a:r>
+              <a:rPr lang="en-US" altLang="ko-KR" sz="1200" dirty="0"/>
+              <a:t>CPU</a:t>
+            </a:r>
+            <a:r>
+              <a:rPr lang="ko-KR" altLang="en-US" sz="1200" dirty="0"/>
+              <a:t>에서 읽으면서 연산한다</a:t>
+            </a:r>
+            <a:r>
+              <a:rPr lang="en-US" altLang="ko-KR" sz="1200" dirty="0"/>
+              <a:t>. </a:t>
+            </a:r>
+            <a:r>
+              <a:rPr lang="ko-KR" altLang="en-US" sz="1200" dirty="0"/>
+              <a:t>다만 </a:t>
+            </a:r>
+            <a:r>
+              <a:rPr lang="en-US" altLang="ko-KR" sz="1200" dirty="0"/>
+              <a:t>System Call</a:t>
+            </a:r>
+            <a:r>
+              <a:rPr lang="ko-KR" altLang="en-US" sz="1200" dirty="0"/>
+              <a:t>을 </a:t>
+            </a:r>
+            <a:r>
+              <a:rPr lang="ko-KR" altLang="en-US" sz="1200" dirty="0" err="1"/>
+              <a:t>할때</a:t>
+            </a:r>
+            <a:r>
+              <a:rPr lang="ko-KR" altLang="en-US" sz="1200" dirty="0"/>
+              <a:t> </a:t>
+            </a:r>
+            <a:r>
+              <a:rPr lang="en-US" altLang="ko-KR" sz="1200" dirty="0"/>
+              <a:t>(OS Logic)</a:t>
+            </a:r>
+            <a:r>
+              <a:rPr lang="ko-KR" altLang="en-US" sz="1200" dirty="0"/>
+              <a:t>예를 들어 다른 주변 기기에서 </a:t>
+            </a:r>
+            <a:r>
+              <a:rPr lang="en-US" altLang="ko-KR" sz="1200" dirty="0"/>
+              <a:t>Input</a:t>
+            </a:r>
+            <a:r>
+              <a:rPr lang="ko-KR" altLang="en-US" sz="1200" dirty="0"/>
+              <a:t>이 있거나 </a:t>
+            </a:r>
+            <a:r>
+              <a:rPr lang="en-US" altLang="ko-KR" sz="1200" dirty="0"/>
+              <a:t>Storage</a:t>
+            </a:r>
+            <a:r>
+              <a:rPr lang="ko-KR" altLang="en-US" sz="1200" dirty="0"/>
+              <a:t>에서 데이터를 </a:t>
+            </a:r>
+            <a:r>
+              <a:rPr lang="ko-KR" altLang="en-US" sz="1200" dirty="0" err="1"/>
+              <a:t>받아온다던지</a:t>
+            </a:r>
+            <a:r>
+              <a:rPr lang="ko-KR" altLang="en-US" sz="1200" dirty="0"/>
+              <a:t> </a:t>
+            </a:r>
+            <a:r>
+              <a:rPr lang="ko-KR" altLang="en-US" sz="1200" dirty="0" err="1"/>
+              <a:t>이럴때는</a:t>
+            </a:r>
+            <a:r>
+              <a:rPr lang="ko-KR" altLang="en-US" sz="1200" dirty="0"/>
+              <a:t> </a:t>
+            </a:r>
+            <a:r>
+              <a:rPr lang="en-US" altLang="ko-KR" sz="1200" dirty="0"/>
+              <a:t>OS Process Logic</a:t>
+            </a:r>
+            <a:r>
+              <a:rPr lang="ko-KR" altLang="en-US" sz="1200" dirty="0"/>
+              <a:t>을 태워야 한다</a:t>
+            </a:r>
+            <a:r>
+              <a:rPr lang="en-US" altLang="ko-KR" sz="1200" dirty="0"/>
+              <a:t>. </a:t>
+            </a:r>
+            <a:r>
+              <a:rPr lang="ko-KR" altLang="en-US" sz="1200" dirty="0" err="1"/>
+              <a:t>이럴때</a:t>
+            </a:r>
+            <a:r>
+              <a:rPr lang="ko-KR" altLang="en-US" sz="1200" dirty="0"/>
+              <a:t> </a:t>
+            </a:r>
+            <a:r>
+              <a:rPr lang="en-US" altLang="ko-KR" sz="1200" dirty="0"/>
+              <a:t>App1</a:t>
+            </a:r>
+            <a:r>
+              <a:rPr lang="ko-KR" altLang="en-US" sz="1200" dirty="0"/>
+              <a:t>을 읽다가 </a:t>
+            </a:r>
+            <a:r>
+              <a:rPr lang="en-US" altLang="ko-KR" sz="1200" dirty="0"/>
+              <a:t>OS process</a:t>
+            </a:r>
+            <a:r>
+              <a:rPr lang="ko-KR" altLang="en-US" sz="1200" dirty="0"/>
+              <a:t>에 있는 </a:t>
+            </a:r>
+            <a:r>
+              <a:rPr lang="en-US" altLang="ko-KR" sz="1200" dirty="0"/>
+              <a:t>Logic</a:t>
+            </a:r>
+            <a:r>
+              <a:rPr lang="ko-KR" altLang="en-US" sz="1200" dirty="0"/>
+              <a:t>을 읽어야 하므로 </a:t>
+            </a:r>
+            <a:r>
+              <a:rPr lang="en-US" altLang="ko-KR" sz="1200" dirty="0"/>
+              <a:t>OS Process</a:t>
+            </a:r>
+            <a:r>
+              <a:rPr lang="ko-KR" altLang="en-US" sz="1200" dirty="0"/>
+              <a:t>의 특정 </a:t>
+            </a:r>
+            <a:r>
+              <a:rPr lang="en-US" altLang="ko-KR" sz="1200" dirty="0"/>
+              <a:t>Logic (</a:t>
+            </a:r>
+            <a:r>
+              <a:rPr lang="ko-KR" altLang="en-US" sz="1200" dirty="0"/>
+              <a:t>여기서는 파일 </a:t>
+            </a:r>
+            <a:r>
+              <a:rPr lang="en-US" altLang="ko-KR" sz="1200" dirty="0"/>
+              <a:t>Read</a:t>
+            </a:r>
+            <a:r>
+              <a:rPr lang="ko-KR" altLang="en-US" sz="1200" dirty="0"/>
+              <a:t>관련한</a:t>
+            </a:r>
+            <a:r>
+              <a:rPr lang="en-US" altLang="ko-KR" sz="1200" dirty="0"/>
+              <a:t>)</a:t>
+            </a:r>
+            <a:r>
+              <a:rPr lang="ko-KR" altLang="en-US" sz="1200" dirty="0"/>
+              <a:t>을 </a:t>
+            </a:r>
+            <a:r>
+              <a:rPr lang="ko-KR" altLang="en-US" sz="1200" dirty="0" err="1"/>
+              <a:t>읽게된다</a:t>
+            </a:r>
+            <a:r>
+              <a:rPr lang="en-US" altLang="ko-KR" sz="1200" dirty="0"/>
+              <a:t>. </a:t>
+            </a:r>
+            <a:r>
+              <a:rPr lang="ko-KR" altLang="en-US" sz="1200" dirty="0"/>
+              <a:t>이때 </a:t>
+            </a:r>
+            <a:r>
+              <a:rPr lang="en-US" altLang="ko-KR" sz="1200" dirty="0"/>
+              <a:t>Kernel Mode</a:t>
+            </a:r>
+            <a:r>
+              <a:rPr lang="ko-KR" altLang="en-US" sz="1200" dirty="0"/>
+              <a:t>라 한다</a:t>
+            </a:r>
+            <a:r>
+              <a:rPr lang="en-US" altLang="ko-KR" sz="1200" dirty="0"/>
+              <a:t>. CPU</a:t>
+            </a:r>
+            <a:r>
+              <a:rPr lang="ko-KR" altLang="en-US" sz="1200" dirty="0"/>
+              <a:t>가 </a:t>
+            </a:r>
+            <a:r>
+              <a:rPr lang="en-US" altLang="ko-KR" sz="1200" dirty="0" err="1"/>
+              <a:t>Os</a:t>
+            </a:r>
+            <a:r>
+              <a:rPr lang="en-US" altLang="ko-KR" sz="1200" dirty="0"/>
+              <a:t> Logic</a:t>
+            </a:r>
+            <a:r>
+              <a:rPr lang="ko-KR" altLang="en-US" sz="1200" dirty="0"/>
+              <a:t>을 수행하고 </a:t>
+            </a:r>
+            <a:r>
+              <a:rPr lang="ko-KR" altLang="en-US" sz="1200" dirty="0" err="1"/>
+              <a:t>있을때</a:t>
+            </a:r>
+            <a:r>
+              <a:rPr lang="ko-KR" altLang="en-US" sz="1200" dirty="0"/>
+              <a:t> 어차피 </a:t>
+            </a:r>
+            <a:r>
+              <a:rPr lang="en-US" altLang="ko-KR" sz="1200" dirty="0"/>
+              <a:t>OS</a:t>
+            </a:r>
+            <a:r>
+              <a:rPr lang="ko-KR" altLang="en-US" sz="1200" dirty="0"/>
+              <a:t>또한 </a:t>
+            </a:r>
+            <a:r>
+              <a:rPr lang="en-US" altLang="ko-KR" sz="1200" dirty="0"/>
+              <a:t>Process</a:t>
+            </a:r>
+            <a:r>
+              <a:rPr lang="ko-KR" altLang="en-US" sz="1200" dirty="0"/>
+              <a:t>이고 그 안의 작업 단위를 똑같이 </a:t>
+            </a:r>
+            <a:r>
+              <a:rPr lang="en-US" altLang="ko-KR" sz="1200" dirty="0"/>
+              <a:t>thread</a:t>
+            </a:r>
+            <a:r>
+              <a:rPr lang="ko-KR" altLang="en-US" sz="1200" dirty="0"/>
+              <a:t>단위로 </a:t>
+            </a:r>
+            <a:r>
+              <a:rPr lang="ko-KR" altLang="en-US" sz="1200" dirty="0" err="1"/>
+              <a:t>할텐데</a:t>
+            </a:r>
+            <a:r>
+              <a:rPr lang="en-US" altLang="ko-KR" sz="1200" dirty="0"/>
+              <a:t>, </a:t>
+            </a:r>
+            <a:r>
+              <a:rPr lang="ko-KR" altLang="en-US" sz="1200" dirty="0"/>
+              <a:t>이때의 </a:t>
+            </a:r>
+            <a:r>
+              <a:rPr lang="en-US" altLang="ko-KR" sz="1200" dirty="0"/>
+              <a:t>thread</a:t>
+            </a:r>
+            <a:r>
+              <a:rPr lang="ko-KR" altLang="en-US" sz="1200" dirty="0"/>
+              <a:t>를 </a:t>
+            </a:r>
+            <a:r>
+              <a:rPr lang="en-US" altLang="ko-KR" sz="1200" dirty="0"/>
+              <a:t>Kernel Thread</a:t>
+            </a:r>
+            <a:r>
+              <a:rPr lang="ko-KR" altLang="en-US" sz="1200" dirty="0"/>
+              <a:t>라 한다</a:t>
+            </a:r>
+            <a:r>
+              <a:rPr lang="en-US" altLang="ko-KR" sz="1200" dirty="0"/>
+              <a:t>.</a:t>
+            </a:r>
+            <a:endParaRPr lang="ko-KR" altLang="en-US" sz="1200" dirty="0"/>
+          </a:p>
+          <a:p>
+            <a:endParaRPr lang="en-US" altLang="ko-KR" dirty="0"/>
+          </a:p>
+          <a:p>
+            <a:r>
+              <a:rPr lang="ko-KR" altLang="en-US" dirty="0"/>
+              <a:t>그리고 여기서 </a:t>
+            </a:r>
+            <a:r>
+              <a:rPr lang="ko-KR" altLang="en-US" dirty="0" err="1"/>
+              <a:t>알수</a:t>
+            </a:r>
+            <a:r>
+              <a:rPr lang="ko-KR" altLang="en-US" dirty="0"/>
+              <a:t> 있겠지만 </a:t>
+            </a:r>
+            <a:r>
+              <a:rPr lang="en-US" altLang="ko-KR" dirty="0"/>
+              <a:t>System Call</a:t>
+            </a:r>
+            <a:r>
+              <a:rPr lang="ko-KR" altLang="en-US" dirty="0"/>
+              <a:t>은 </a:t>
+            </a:r>
+            <a:r>
+              <a:rPr lang="en-US" altLang="ko-KR" dirty="0"/>
+              <a:t>OS Process</a:t>
+            </a:r>
+            <a:r>
+              <a:rPr lang="ko-KR" altLang="en-US" dirty="0"/>
+              <a:t>가 가지고 있는 </a:t>
+            </a:r>
+            <a:r>
+              <a:rPr lang="en-US" altLang="ko-KR" dirty="0"/>
+              <a:t>logic (method)</a:t>
+            </a:r>
+            <a:r>
+              <a:rPr lang="ko-KR" altLang="en-US" dirty="0"/>
+              <a:t>를 호출하는 행위를 의미한다</a:t>
+            </a:r>
+            <a:r>
+              <a:rPr lang="en-US" altLang="ko-KR" dirty="0"/>
+              <a:t>. </a:t>
+            </a:r>
+            <a:r>
+              <a:rPr lang="ko-KR" altLang="en-US" dirty="0"/>
+              <a:t>보통 </a:t>
+            </a:r>
+            <a:r>
+              <a:rPr lang="en-US" altLang="ko-KR" dirty="0"/>
+              <a:t>OS Logic</a:t>
+            </a:r>
+            <a:r>
+              <a:rPr lang="ko-KR" altLang="en-US" dirty="0"/>
+              <a:t>은 </a:t>
+            </a:r>
+            <a:r>
+              <a:rPr lang="en-US" altLang="ko-KR" dirty="0"/>
+              <a:t>Process</a:t>
+            </a:r>
+            <a:r>
+              <a:rPr lang="ko-KR" altLang="en-US" dirty="0"/>
+              <a:t>관련 관리 </a:t>
+            </a:r>
+            <a:r>
+              <a:rPr lang="ko-KR" altLang="en-US" dirty="0" err="1"/>
+              <a:t>로직</a:t>
+            </a:r>
+            <a:r>
+              <a:rPr lang="en-US" altLang="ko-KR" dirty="0"/>
+              <a:t>, Hardware </a:t>
+            </a:r>
+            <a:r>
+              <a:rPr lang="ko-KR" altLang="en-US" dirty="0"/>
+              <a:t>제어 </a:t>
+            </a:r>
+            <a:r>
+              <a:rPr lang="ko-KR" altLang="en-US" dirty="0" err="1"/>
+              <a:t>로직등이</a:t>
+            </a:r>
+            <a:r>
+              <a:rPr lang="ko-KR" altLang="en-US" dirty="0"/>
+              <a:t> 들어가 있다</a:t>
+            </a:r>
+            <a:r>
+              <a:rPr lang="en-US" altLang="ko-KR" dirty="0"/>
+              <a:t>.</a:t>
+            </a:r>
+            <a:endParaRPr lang="ko-KR" altLang="en-US" dirty="0"/>
           </a:p>
         </p:txBody>
       </p:sp>
@@ -1935,7 +2208,7 @@
             <a:spLocks noGrp="1"/>
           </p:cNvSpPr>
           <p:nvPr>
-            <p:ph type="sldNum" sz="quarter" idx="5"/>
+            <p:ph type="sldNum" sz="quarter" idx="10"/>
           </p:nvPr>
         </p:nvSpPr>
         <p:spPr/>
@@ -1954,7 +2227,7 @@
     </p:spTree>
     <p:extLst>
       <p:ext uri="{BB962C8B-B14F-4D97-AF65-F5344CB8AC3E}">
-        <p14:creationId xmlns:p14="http://schemas.microsoft.com/office/powerpoint/2010/main" val="3475499178"/>
+        <p14:creationId xmlns:p14="http://schemas.microsoft.com/office/powerpoint/2010/main" val="2449296183"/>
       </p:ext>
     </p:extLst>
   </p:cSld>
@@ -2111,7 +2384,7 @@
           <a:p>
             <a:fld id="{6464DA1F-012E-F647-BE90-9DF5CCDD3465}" type="datetimeFigureOut">
               <a:rPr kumimoji="1" lang="ko-KR" altLang="en-US" smtClean="0"/>
-              <a:t>2024-09-14</a:t>
+              <a:t>2024-09-16</a:t>
             </a:fld>
             <a:endParaRPr kumimoji="1" lang="ko-KR" altLang="en-US"/>
           </a:p>
@@ -2309,7 +2582,7 @@
           <a:p>
             <a:fld id="{6464DA1F-012E-F647-BE90-9DF5CCDD3465}" type="datetimeFigureOut">
               <a:rPr kumimoji="1" lang="ko-KR" altLang="en-US" smtClean="0"/>
-              <a:t>2024-09-14</a:t>
+              <a:t>2024-09-16</a:t>
             </a:fld>
             <a:endParaRPr kumimoji="1" lang="ko-KR" altLang="en-US"/>
           </a:p>
@@ -2517,7 +2790,7 @@
           <a:p>
             <a:fld id="{6464DA1F-012E-F647-BE90-9DF5CCDD3465}" type="datetimeFigureOut">
               <a:rPr kumimoji="1" lang="ko-KR" altLang="en-US" smtClean="0"/>
-              <a:t>2024-09-14</a:t>
+              <a:t>2024-09-16</a:t>
             </a:fld>
             <a:endParaRPr kumimoji="1" lang="ko-KR" altLang="en-US"/>
           </a:p>
@@ -2715,7 +2988,7 @@
           <a:p>
             <a:fld id="{6464DA1F-012E-F647-BE90-9DF5CCDD3465}" type="datetimeFigureOut">
               <a:rPr kumimoji="1" lang="ko-KR" altLang="en-US" smtClean="0"/>
-              <a:t>2024-09-14</a:t>
+              <a:t>2024-09-16</a:t>
             </a:fld>
             <a:endParaRPr kumimoji="1" lang="ko-KR" altLang="en-US"/>
           </a:p>
@@ -2990,7 +3263,7 @@
           <a:p>
             <a:fld id="{6464DA1F-012E-F647-BE90-9DF5CCDD3465}" type="datetimeFigureOut">
               <a:rPr kumimoji="1" lang="ko-KR" altLang="en-US" smtClean="0"/>
-              <a:t>2024-09-14</a:t>
+              <a:t>2024-09-16</a:t>
             </a:fld>
             <a:endParaRPr kumimoji="1" lang="ko-KR" altLang="en-US"/>
           </a:p>
@@ -3255,7 +3528,7 @@
           <a:p>
             <a:fld id="{6464DA1F-012E-F647-BE90-9DF5CCDD3465}" type="datetimeFigureOut">
               <a:rPr kumimoji="1" lang="ko-KR" altLang="en-US" smtClean="0"/>
-              <a:t>2024-09-14</a:t>
+              <a:t>2024-09-16</a:t>
             </a:fld>
             <a:endParaRPr kumimoji="1" lang="ko-KR" altLang="en-US"/>
           </a:p>
@@ -3667,7 +3940,7 @@
           <a:p>
             <a:fld id="{6464DA1F-012E-F647-BE90-9DF5CCDD3465}" type="datetimeFigureOut">
               <a:rPr kumimoji="1" lang="ko-KR" altLang="en-US" smtClean="0"/>
-              <a:t>2024-09-14</a:t>
+              <a:t>2024-09-16</a:t>
             </a:fld>
             <a:endParaRPr kumimoji="1" lang="ko-KR" altLang="en-US"/>
           </a:p>
@@ -3808,7 +4081,7 @@
           <a:p>
             <a:fld id="{6464DA1F-012E-F647-BE90-9DF5CCDD3465}" type="datetimeFigureOut">
               <a:rPr kumimoji="1" lang="ko-KR" altLang="en-US" smtClean="0"/>
-              <a:t>2024-09-14</a:t>
+              <a:t>2024-09-16</a:t>
             </a:fld>
             <a:endParaRPr kumimoji="1" lang="ko-KR" altLang="en-US"/>
           </a:p>
@@ -3921,7 +4194,7 @@
           <a:p>
             <a:fld id="{6464DA1F-012E-F647-BE90-9DF5CCDD3465}" type="datetimeFigureOut">
               <a:rPr kumimoji="1" lang="ko-KR" altLang="en-US" smtClean="0"/>
-              <a:t>2024-09-14</a:t>
+              <a:t>2024-09-16</a:t>
             </a:fld>
             <a:endParaRPr kumimoji="1" lang="ko-KR" altLang="en-US"/>
           </a:p>
@@ -4232,7 +4505,7 @@
           <a:p>
             <a:fld id="{6464DA1F-012E-F647-BE90-9DF5CCDD3465}" type="datetimeFigureOut">
               <a:rPr kumimoji="1" lang="ko-KR" altLang="en-US" smtClean="0"/>
-              <a:t>2024-09-14</a:t>
+              <a:t>2024-09-16</a:t>
             </a:fld>
             <a:endParaRPr kumimoji="1" lang="ko-KR" altLang="en-US"/>
           </a:p>
@@ -4520,7 +4793,7 @@
           <a:p>
             <a:fld id="{6464DA1F-012E-F647-BE90-9DF5CCDD3465}" type="datetimeFigureOut">
               <a:rPr kumimoji="1" lang="ko-KR" altLang="en-US" smtClean="0"/>
-              <a:t>2024-09-14</a:t>
+              <a:t>2024-09-16</a:t>
             </a:fld>
             <a:endParaRPr kumimoji="1" lang="ko-KR" altLang="en-US"/>
           </a:p>
@@ -4761,7 +5034,7 @@
           <a:p>
             <a:fld id="{6464DA1F-012E-F647-BE90-9DF5CCDD3465}" type="datetimeFigureOut">
               <a:rPr kumimoji="1" lang="ko-KR" altLang="en-US" smtClean="0"/>
-              <a:t>2024-09-14</a:t>
+              <a:t>2024-09-16</a:t>
             </a:fld>
             <a:endParaRPr kumimoji="1" lang="ko-KR" altLang="en-US"/>
           </a:p>
@@ -5325,7 +5598,7 @@
           <a:p>
             <a:r>
               <a:rPr kumimoji="1" lang="en-US" altLang="ko-KR" sz="1600" b="1" dirty="0" smtClean="0"/>
-              <a:t>Q.3.3 </a:t>
+              <a:t>Q.3.2 </a:t>
             </a:r>
             <a:r>
               <a:rPr kumimoji="1" lang="ko-KR" altLang="en-US" sz="1600" b="1" dirty="0" err="1" smtClean="0"/>
@@ -5336,8 +5609,765 @@
               <a:t>) </a:t>
             </a:r>
             <a:r>
+              <a:rPr kumimoji="1" lang="ko-KR" altLang="en-US" sz="1600" b="1" dirty="0" smtClean="0"/>
+              <a:t>왜 </a:t>
+            </a:r>
+            <a:r>
+              <a:rPr kumimoji="1" lang="ko-KR" altLang="en-US" sz="1600" b="1" dirty="0" err="1" smtClean="0"/>
+              <a:t>가상주소</a:t>
+            </a:r>
+            <a:r>
+              <a:rPr kumimoji="1" lang="ko-KR" altLang="en-US" sz="1600" b="1" dirty="0" smtClean="0"/>
+              <a:t> 공간을 사용하는가</a:t>
+            </a:r>
+            <a:r>
               <a:rPr kumimoji="1" lang="en-US" altLang="ko-KR" sz="1600" b="1" dirty="0" smtClean="0"/>
+              <a:t>?</a:t>
+            </a:r>
+            <a:endParaRPr kumimoji="1" lang="ko-KR" altLang="en-US" sz="1600" b="1" dirty="0"/>
+          </a:p>
+        </p:txBody>
+      </p:sp>
+      <p:sp>
+        <p:nvSpPr>
+          <p:cNvPr id="3" name="TextBox 2"/>
+          <p:cNvSpPr txBox="1"/>
+          <p:nvPr/>
+        </p:nvSpPr>
+        <p:spPr>
+          <a:xfrm>
+            <a:off x="412221" y="762282"/>
+            <a:ext cx="10561834" cy="307777"/>
+          </a:xfrm>
+          <a:prstGeom prst="rect">
+            <a:avLst/>
+          </a:prstGeom>
+          <a:noFill/>
+        </p:spPr>
+        <p:txBody>
+          <a:bodyPr wrap="square" rtlCol="0">
+            <a:spAutoFit/>
+          </a:bodyPr>
+          <a:lstStyle/>
+          <a:p>
+            <a:r>
+              <a:rPr lang="en-US" altLang="ko-KR" sz="1400" b="1" dirty="0" smtClean="0"/>
+              <a:t>Process</a:t>
+            </a:r>
+            <a:r>
+              <a:rPr lang="ko-KR" altLang="en-US" sz="1400" b="1" dirty="0" smtClean="0"/>
+              <a:t>마다 개별 가상공간</a:t>
+            </a:r>
+            <a:r>
+              <a:rPr lang="en-US" altLang="ko-KR" sz="1400" b="1" dirty="0" smtClean="0"/>
+              <a:t>(VMS)</a:t>
+            </a:r>
+            <a:r>
+              <a:rPr lang="ko-KR" altLang="en-US" sz="1400" b="1" dirty="0" smtClean="0"/>
+              <a:t>과 </a:t>
+            </a:r>
+            <a:r>
+              <a:rPr lang="en-US" altLang="ko-KR" sz="1400" b="1" dirty="0" smtClean="0"/>
               <a:t>Page Table</a:t>
+            </a:r>
+            <a:r>
+              <a:rPr lang="ko-KR" altLang="en-US" sz="1400" b="1" dirty="0" smtClean="0"/>
+              <a:t>이 존재한다</a:t>
+            </a:r>
+            <a:r>
+              <a:rPr lang="en-US" altLang="ko-KR" sz="1400" b="1" dirty="0" smtClean="0"/>
+              <a:t>. </a:t>
+            </a:r>
+            <a:endParaRPr lang="ko-KR" altLang="en-US" sz="1400" b="1" dirty="0"/>
+          </a:p>
+        </p:txBody>
+      </p:sp>
+      <p:sp>
+        <p:nvSpPr>
+          <p:cNvPr id="13" name="TextBox 12"/>
+          <p:cNvSpPr txBox="1"/>
+          <p:nvPr/>
+        </p:nvSpPr>
+        <p:spPr>
+          <a:xfrm>
+            <a:off x="526949" y="1261967"/>
+            <a:ext cx="10561834" cy="523220"/>
+          </a:xfrm>
+          <a:prstGeom prst="rect">
+            <a:avLst/>
+          </a:prstGeom>
+          <a:noFill/>
+        </p:spPr>
+        <p:txBody>
+          <a:bodyPr wrap="square" rtlCol="0">
+            <a:spAutoFit/>
+          </a:bodyPr>
+          <a:lstStyle/>
+          <a:p>
+            <a:pPr marL="342900" indent="-342900">
+              <a:buAutoNum type="arabicPeriod"/>
+            </a:pPr>
+            <a:r>
+              <a:rPr lang="ko-KR" altLang="en-US" sz="1400" dirty="0" smtClean="0"/>
+              <a:t>메모리 보호 및 안정성 </a:t>
+            </a:r>
+            <a:endParaRPr lang="en-US" altLang="ko-KR" sz="1400" dirty="0" smtClean="0"/>
+          </a:p>
+          <a:p>
+            <a:r>
+              <a:rPr lang="en-US" altLang="ko-KR" sz="1400" dirty="0"/>
+              <a:t> </a:t>
+            </a:r>
+            <a:r>
+              <a:rPr lang="en-US" altLang="ko-KR" sz="1400" dirty="0" smtClean="0"/>
+              <a:t>    - </a:t>
+            </a:r>
+            <a:r>
+              <a:rPr lang="ko-KR" altLang="en-US" sz="1400" dirty="0" smtClean="0"/>
+              <a:t>가상 메모리는 각 프로세스가 독립된 메모리 공간을 가지게 함으로써 서로의 메모리 공간에 침범하지 못하게 한다</a:t>
+            </a:r>
+            <a:r>
+              <a:rPr lang="en-US" altLang="ko-KR" sz="1400" dirty="0" smtClean="0"/>
+              <a:t>.</a:t>
+            </a:r>
+          </a:p>
+        </p:txBody>
+      </p:sp>
+      <p:sp>
+        <p:nvSpPr>
+          <p:cNvPr id="14" name="TextBox 13"/>
+          <p:cNvSpPr txBox="1"/>
+          <p:nvPr/>
+        </p:nvSpPr>
+        <p:spPr>
+          <a:xfrm>
+            <a:off x="610855" y="1891652"/>
+            <a:ext cx="10561834" cy="523220"/>
+          </a:xfrm>
+          <a:prstGeom prst="rect">
+            <a:avLst/>
+          </a:prstGeom>
+          <a:noFill/>
+        </p:spPr>
+        <p:txBody>
+          <a:bodyPr wrap="square" rtlCol="0">
+            <a:spAutoFit/>
+          </a:bodyPr>
+          <a:lstStyle/>
+          <a:p>
+            <a:r>
+              <a:rPr lang="ko-KR" altLang="en-US" sz="1400" dirty="0" smtClean="0"/>
+              <a:t>프로세스마다 페이지 테이블이 존재하고</a:t>
+            </a:r>
+            <a:r>
+              <a:rPr lang="en-US" altLang="ko-KR" sz="1400" dirty="0" smtClean="0"/>
+              <a:t>, </a:t>
+            </a:r>
+            <a:r>
+              <a:rPr lang="ko-KR" altLang="en-US" sz="1400" dirty="0" smtClean="0"/>
+              <a:t>각 프로세스마다 각자의 페이지 테이블을 참조하기때문에 서로 프로세스마다의 메모리를 침범할 이유가 없게 된다</a:t>
+            </a:r>
+            <a:r>
+              <a:rPr lang="en-US" altLang="ko-KR" sz="1400" dirty="0" smtClean="0"/>
+              <a:t>.</a:t>
+            </a:r>
+          </a:p>
+        </p:txBody>
+      </p:sp>
+      <p:pic>
+        <p:nvPicPr>
+          <p:cNvPr id="15" name="그림 14"/>
+          <p:cNvPicPr>
+            <a:picLocks noChangeAspect="1"/>
+          </p:cNvPicPr>
+          <p:nvPr/>
+        </p:nvPicPr>
+        <p:blipFill>
+          <a:blip r:embed="rId3">
+            <a:extLst>
+              <a:ext uri="{28A0092B-C50C-407E-A947-70E740481C1C}">
+                <a14:useLocalDpi xmlns:a14="http://schemas.microsoft.com/office/drawing/2010/main" val="0"/>
+              </a:ext>
+            </a:extLst>
+          </a:blip>
+          <a:stretch>
+            <a:fillRect/>
+          </a:stretch>
+        </p:blipFill>
+        <p:spPr>
+          <a:xfrm>
+            <a:off x="508749" y="3489470"/>
+            <a:ext cx="1528440" cy="1556407"/>
+          </a:xfrm>
+          <a:prstGeom prst="rect">
+            <a:avLst/>
+          </a:prstGeom>
+          <a:scene3d>
+            <a:camera prst="perspectiveRelaxed"/>
+            <a:lightRig rig="threePt" dir="t"/>
+          </a:scene3d>
+        </p:spPr>
+      </p:pic>
+      <p:sp>
+        <p:nvSpPr>
+          <p:cNvPr id="5" name="TextBox 4"/>
+          <p:cNvSpPr txBox="1"/>
+          <p:nvPr/>
+        </p:nvSpPr>
+        <p:spPr>
+          <a:xfrm>
+            <a:off x="8815717" y="3106465"/>
+            <a:ext cx="3000054" cy="369332"/>
+          </a:xfrm>
+          <a:prstGeom prst="rect">
+            <a:avLst/>
+          </a:prstGeom>
+          <a:noFill/>
+        </p:spPr>
+        <p:txBody>
+          <a:bodyPr wrap="square" rtlCol="0">
+            <a:spAutoFit/>
+          </a:bodyPr>
+          <a:lstStyle/>
+          <a:p>
+            <a:r>
+              <a:rPr lang="en-US" altLang="ko-KR" dirty="0" smtClean="0"/>
+              <a:t>Process1</a:t>
+            </a:r>
+            <a:endParaRPr lang="ko-KR" altLang="en-US" dirty="0"/>
+          </a:p>
+        </p:txBody>
+      </p:sp>
+      <p:sp>
+        <p:nvSpPr>
+          <p:cNvPr id="2" name="직사각형 1"/>
+          <p:cNvSpPr/>
+          <p:nvPr/>
+        </p:nvSpPr>
+        <p:spPr>
+          <a:xfrm>
+            <a:off x="1121228" y="-1370780"/>
+            <a:ext cx="10515600" cy="7571303"/>
+          </a:xfrm>
+          <a:prstGeom prst="rect">
+            <a:avLst/>
+          </a:prstGeom>
+        </p:spPr>
+        <p:txBody>
+          <a:bodyPr wrap="square">
+            <a:spAutoFit/>
+          </a:bodyPr>
+          <a:lstStyle/>
+          <a:p>
+            <a:endParaRPr lang="ko-KR" altLang="en-US" dirty="0"/>
+          </a:p>
+          <a:p>
+            <a:r>
+              <a:rPr lang="ko-KR" altLang="en-US" dirty="0"/>
+              <a:t>네</a:t>
+            </a:r>
+            <a:r>
+              <a:rPr lang="en-US" altLang="ko-KR" dirty="0"/>
+              <a:t>, </a:t>
+            </a:r>
+            <a:r>
+              <a:rPr lang="ko-KR" altLang="en-US" dirty="0"/>
+              <a:t>맞습니다</a:t>
+            </a:r>
+            <a:r>
+              <a:rPr lang="en-US" altLang="ko-KR" dirty="0"/>
+              <a:t>! C </a:t>
+            </a:r>
+            <a:r>
+              <a:rPr lang="ko-KR" altLang="en-US" dirty="0"/>
+              <a:t>프로그래밍에서 사용하는 주소</a:t>
+            </a:r>
+            <a:r>
+              <a:rPr lang="en-US" altLang="ko-KR" dirty="0"/>
+              <a:t>(</a:t>
+            </a:r>
+            <a:r>
+              <a:rPr lang="ko-KR" altLang="en-US" dirty="0"/>
+              <a:t>예</a:t>
+            </a:r>
+            <a:r>
+              <a:rPr lang="en-US" altLang="ko-KR" dirty="0"/>
+              <a:t>: </a:t>
+            </a:r>
+            <a:r>
+              <a:rPr lang="ko-KR" altLang="en-US" dirty="0"/>
+              <a:t>포인터로 참조하는 주소</a:t>
+            </a:r>
+            <a:r>
+              <a:rPr lang="en-US" altLang="ko-KR" dirty="0"/>
+              <a:t>)</a:t>
+            </a:r>
+            <a:r>
+              <a:rPr lang="ko-KR" altLang="en-US" dirty="0"/>
+              <a:t>는 </a:t>
+            </a:r>
+            <a:r>
+              <a:rPr lang="ko-KR" altLang="en-US" b="1" dirty="0"/>
+              <a:t>가상 주소</a:t>
+            </a:r>
+            <a:r>
+              <a:rPr lang="ko-KR" altLang="en-US" dirty="0"/>
+              <a:t>입니다</a:t>
+            </a:r>
+            <a:r>
+              <a:rPr lang="en-US" altLang="ko-KR" dirty="0"/>
+              <a:t>. </a:t>
+            </a:r>
+            <a:r>
+              <a:rPr lang="ko-KR" altLang="en-US" dirty="0"/>
+              <a:t>즉</a:t>
+            </a:r>
+            <a:r>
+              <a:rPr lang="en-US" altLang="ko-KR" dirty="0"/>
+              <a:t>, </a:t>
+            </a:r>
+            <a:r>
+              <a:rPr lang="ko-KR" altLang="en-US" dirty="0"/>
+              <a:t>프로그램 내에서 변수나 메모리 공간을 참조할 때 사용되는 주소는 운영체제가 제공하는 </a:t>
+            </a:r>
+            <a:r>
+              <a:rPr lang="ko-KR" altLang="en-US" b="1" dirty="0"/>
+              <a:t>가상 메모리 주소</a:t>
+            </a:r>
+            <a:r>
+              <a:rPr lang="ko-KR" altLang="en-US" dirty="0"/>
+              <a:t>를 나타냅니다</a:t>
+            </a:r>
+            <a:r>
+              <a:rPr lang="en-US" altLang="ko-KR" dirty="0"/>
+              <a:t>.</a:t>
+            </a:r>
+          </a:p>
+          <a:p>
+            <a:r>
+              <a:rPr lang="ko-KR" altLang="en-US" b="1" dirty="0"/>
+              <a:t>가상 주소 </a:t>
+            </a:r>
+            <a:r>
+              <a:rPr lang="en-US" altLang="ko-KR" b="1" dirty="0"/>
+              <a:t>vs. </a:t>
+            </a:r>
+            <a:r>
+              <a:rPr lang="ko-KR" altLang="en-US" b="1" dirty="0"/>
+              <a:t>물리 주소</a:t>
+            </a:r>
+          </a:p>
+          <a:p>
+            <a:pPr>
+              <a:buFont typeface="+mj-lt"/>
+              <a:buAutoNum type="arabicPeriod"/>
+            </a:pPr>
+            <a:r>
+              <a:rPr lang="ko-KR" altLang="en-US" b="1" dirty="0"/>
+              <a:t>가상 주소 </a:t>
+            </a:r>
+            <a:r>
+              <a:rPr lang="en-US" altLang="ko-KR" b="1" dirty="0"/>
+              <a:t>(Virtual Address)</a:t>
+            </a:r>
+            <a:r>
+              <a:rPr lang="en-US" altLang="ko-KR" dirty="0"/>
+              <a:t>:</a:t>
+            </a:r>
+          </a:p>
+          <a:p>
+            <a:pPr marL="742950" lvl="1" indent="-285750">
+              <a:buFont typeface="+mj-lt"/>
+              <a:buAutoNum type="arabicPeriod"/>
+            </a:pPr>
+            <a:r>
+              <a:rPr lang="en-US" altLang="ko-KR" b="1" dirty="0"/>
+              <a:t>C </a:t>
+            </a:r>
+            <a:r>
+              <a:rPr lang="ko-KR" altLang="en-US" b="1" dirty="0"/>
+              <a:t>프로그래밍에서 보이는 주소는 모두 가상 주소</a:t>
+            </a:r>
+            <a:r>
+              <a:rPr lang="ko-KR" altLang="en-US" dirty="0"/>
+              <a:t>입니다</a:t>
+            </a:r>
+            <a:r>
+              <a:rPr lang="en-US" altLang="ko-KR" dirty="0"/>
+              <a:t>.</a:t>
+            </a:r>
+          </a:p>
+          <a:p>
+            <a:pPr marL="742950" lvl="1" indent="-285750">
+              <a:buFont typeface="+mj-lt"/>
+              <a:buAutoNum type="arabicPeriod"/>
+            </a:pPr>
+            <a:r>
+              <a:rPr lang="ko-KR" altLang="en-US" dirty="0"/>
+              <a:t>가상 주소는 프로그램이 실행될 때</a:t>
+            </a:r>
+            <a:r>
+              <a:rPr lang="en-US" altLang="ko-KR" dirty="0"/>
+              <a:t>, </a:t>
+            </a:r>
+            <a:r>
+              <a:rPr lang="ko-KR" altLang="en-US" dirty="0"/>
+              <a:t>운영체제가 해당 프로그램을 위해 할당하는 </a:t>
+            </a:r>
+            <a:r>
+              <a:rPr lang="ko-KR" altLang="en-US" b="1" dirty="0"/>
+              <a:t>논리적인 메모리 주소</a:t>
+            </a:r>
+            <a:r>
+              <a:rPr lang="ko-KR" altLang="en-US" dirty="0"/>
+              <a:t>입니다</a:t>
+            </a:r>
+            <a:r>
+              <a:rPr lang="en-US" altLang="ko-KR" dirty="0"/>
+              <a:t>.</a:t>
+            </a:r>
+          </a:p>
+          <a:p>
+            <a:pPr marL="742950" lvl="1" indent="-285750">
+              <a:buFont typeface="+mj-lt"/>
+              <a:buAutoNum type="arabicPeriod"/>
+            </a:pPr>
+            <a:r>
+              <a:rPr lang="ko-KR" altLang="en-US" dirty="0"/>
+              <a:t>각 프로세스는 독립적인 가상 주소 공간을 가지고 있으며</a:t>
+            </a:r>
+            <a:r>
+              <a:rPr lang="en-US" altLang="ko-KR" dirty="0"/>
+              <a:t>, </a:t>
+            </a:r>
+            <a:r>
+              <a:rPr lang="ko-KR" altLang="en-US" dirty="0"/>
+              <a:t>프로세스는 자신의 가상 주소 공간에서만 메모리 작업을 수행할 수 있습니다</a:t>
+            </a:r>
+            <a:r>
+              <a:rPr lang="en-US" altLang="ko-KR" dirty="0"/>
+              <a:t>.</a:t>
+            </a:r>
+          </a:p>
+          <a:p>
+            <a:pPr marL="742950" lvl="1" indent="-285750">
+              <a:buFont typeface="+mj-lt"/>
+              <a:buAutoNum type="arabicPeriod"/>
+            </a:pPr>
+            <a:r>
+              <a:rPr lang="ko-KR" altLang="en-US" dirty="0"/>
+              <a:t>다른 프로세스는 동일한 가상 주소를 사용할 수 있지만</a:t>
+            </a:r>
+            <a:r>
+              <a:rPr lang="en-US" altLang="ko-KR" dirty="0"/>
+              <a:t>, </a:t>
+            </a:r>
+            <a:r>
+              <a:rPr lang="ko-KR" altLang="en-US" dirty="0"/>
+              <a:t>물리적으로는 다른 메모리 영역을 가리키도록 운영체제가 관리합니다</a:t>
+            </a:r>
+            <a:r>
+              <a:rPr lang="en-US" altLang="ko-KR" dirty="0"/>
+              <a:t>.</a:t>
+            </a:r>
+          </a:p>
+          <a:p>
+            <a:pPr>
+              <a:buFont typeface="+mj-lt"/>
+              <a:buAutoNum type="arabicPeriod"/>
+            </a:pPr>
+            <a:r>
+              <a:rPr lang="ko-KR" altLang="en-US" b="1" dirty="0"/>
+              <a:t>물리 주소 </a:t>
+            </a:r>
+            <a:r>
+              <a:rPr lang="en-US" altLang="ko-KR" b="1" dirty="0"/>
+              <a:t>(Physical Address)</a:t>
+            </a:r>
+            <a:r>
+              <a:rPr lang="en-US" altLang="ko-KR" dirty="0"/>
+              <a:t>:</a:t>
+            </a:r>
+          </a:p>
+          <a:p>
+            <a:pPr marL="742950" lvl="1" indent="-285750">
+              <a:buFont typeface="+mj-lt"/>
+              <a:buAutoNum type="arabicPeriod"/>
+            </a:pPr>
+            <a:r>
+              <a:rPr lang="ko-KR" altLang="en-US" dirty="0"/>
+              <a:t>물리 주소는 </a:t>
+            </a:r>
+            <a:r>
+              <a:rPr lang="en-US" altLang="ko-KR" b="1" dirty="0"/>
+              <a:t>RAM</a:t>
+            </a:r>
+            <a:r>
+              <a:rPr lang="ko-KR" altLang="en-US" b="1" dirty="0"/>
+              <a:t>에서 실제 메모리 위치</a:t>
+            </a:r>
+            <a:r>
+              <a:rPr lang="ko-KR" altLang="en-US" dirty="0"/>
+              <a:t>를 가리키는 주소입니다</a:t>
+            </a:r>
+            <a:r>
+              <a:rPr lang="en-US" altLang="ko-KR" dirty="0"/>
+              <a:t>. CPU</a:t>
+            </a:r>
+            <a:r>
+              <a:rPr lang="ko-KR" altLang="en-US" dirty="0"/>
+              <a:t>가 메모리에 접근할 때는 실제로 물리 주소를 사용합니다</a:t>
+            </a:r>
+            <a:r>
+              <a:rPr lang="en-US" altLang="ko-KR" dirty="0"/>
+              <a:t>.</a:t>
+            </a:r>
+          </a:p>
+          <a:p>
+            <a:pPr marL="742950" lvl="1" indent="-285750">
+              <a:buFont typeface="+mj-lt"/>
+              <a:buAutoNum type="arabicPeriod"/>
+            </a:pPr>
+            <a:r>
+              <a:rPr lang="ko-KR" altLang="en-US" dirty="0"/>
+              <a:t>가상 주소와 물리 주소는 </a:t>
+            </a:r>
+            <a:r>
+              <a:rPr lang="ko-KR" altLang="en-US" b="1" dirty="0"/>
+              <a:t>페이지 테이블</a:t>
+            </a:r>
+            <a:r>
+              <a:rPr lang="ko-KR" altLang="en-US" dirty="0"/>
+              <a:t>을 통해 </a:t>
+            </a:r>
+            <a:r>
+              <a:rPr lang="ko-KR" altLang="en-US" dirty="0" err="1"/>
+              <a:t>매핑됩니다</a:t>
+            </a:r>
+            <a:r>
+              <a:rPr lang="en-US" altLang="ko-KR" dirty="0"/>
+              <a:t>. CPU</a:t>
+            </a:r>
+            <a:r>
+              <a:rPr lang="ko-KR" altLang="en-US" dirty="0"/>
+              <a:t>는 메모리 관리 장치</a:t>
+            </a:r>
+            <a:r>
+              <a:rPr lang="en-US" altLang="ko-KR" dirty="0"/>
+              <a:t>(MMU, Memory Management Unit)</a:t>
+            </a:r>
+            <a:r>
+              <a:rPr lang="ko-KR" altLang="en-US" dirty="0"/>
+              <a:t>를 통해 가상 주소를 물리 주소로 변환하여 </a:t>
+            </a:r>
+            <a:r>
+              <a:rPr lang="en-US" altLang="ko-KR" dirty="0"/>
+              <a:t>RAM</a:t>
+            </a:r>
+            <a:r>
+              <a:rPr lang="ko-KR" altLang="en-US" dirty="0"/>
+              <a:t>에 접근합니다</a:t>
+            </a:r>
+            <a:r>
+              <a:rPr lang="en-US" altLang="ko-KR" dirty="0"/>
+              <a:t>.</a:t>
+            </a:r>
+          </a:p>
+          <a:p>
+            <a:r>
+              <a:rPr lang="ko-KR" altLang="en-US" b="1" dirty="0"/>
+              <a:t>왜 가상 주소를 사용하나요</a:t>
+            </a:r>
+            <a:r>
+              <a:rPr lang="en-US" altLang="ko-KR" b="1" dirty="0"/>
+              <a:t>?</a:t>
+            </a:r>
+          </a:p>
+          <a:p>
+            <a:pPr>
+              <a:buFont typeface="Arial" panose="020B0604020202020204" pitchFamily="34" charset="0"/>
+              <a:buChar char="•"/>
+            </a:pPr>
+            <a:r>
+              <a:rPr lang="ko-KR" altLang="en-US" b="1" dirty="0"/>
+              <a:t>메모리 보호</a:t>
+            </a:r>
+            <a:r>
+              <a:rPr lang="en-US" altLang="ko-KR" dirty="0"/>
+              <a:t>: </a:t>
+            </a:r>
+            <a:r>
+              <a:rPr lang="ko-KR" altLang="en-US" dirty="0"/>
+              <a:t>각 프로세스는 자신만의 가상 주소 공간을 가지고 있으며</a:t>
+            </a:r>
+            <a:r>
+              <a:rPr lang="en-US" altLang="ko-KR" dirty="0"/>
+              <a:t>, </a:t>
+            </a:r>
+            <a:r>
+              <a:rPr lang="ko-KR" altLang="en-US" dirty="0"/>
+              <a:t>다른 프로세스의 메모리 공간에 접근하지 못합니다</a:t>
+            </a:r>
+            <a:r>
+              <a:rPr lang="en-US" altLang="ko-KR" dirty="0"/>
+              <a:t>. </a:t>
+            </a:r>
+            <a:r>
+              <a:rPr lang="ko-KR" altLang="en-US" dirty="0"/>
+              <a:t>이를 통해 프로세스 간의 메모리 침범을 방지할 수 있습니다</a:t>
+            </a:r>
+            <a:r>
+              <a:rPr lang="en-US" altLang="ko-KR" dirty="0"/>
+              <a:t>.</a:t>
+            </a:r>
+          </a:p>
+          <a:p>
+            <a:pPr>
+              <a:buFont typeface="Arial" panose="020B0604020202020204" pitchFamily="34" charset="0"/>
+              <a:buChar char="•"/>
+            </a:pPr>
+            <a:r>
+              <a:rPr lang="ko-KR" altLang="en-US" b="1" dirty="0"/>
+              <a:t>효율적인 메모리 관리</a:t>
+            </a:r>
+            <a:r>
+              <a:rPr lang="en-US" altLang="ko-KR" dirty="0"/>
+              <a:t>: </a:t>
+            </a:r>
+            <a:r>
+              <a:rPr lang="ko-KR" altLang="en-US" dirty="0"/>
+              <a:t>운영체제는 가상 메모리 시스템을 통해 프로그램이 필요한 메모리를 동적으로 할당하고 관리할 수 있습니다</a:t>
+            </a:r>
+            <a:r>
+              <a:rPr lang="en-US" altLang="ko-KR" dirty="0"/>
+              <a:t>. </a:t>
+            </a:r>
+            <a:r>
+              <a:rPr lang="ko-KR" altLang="en-US" dirty="0"/>
+              <a:t>또한 물리 메모리가 부족할 때 **스와핑</a:t>
+            </a:r>
+            <a:r>
+              <a:rPr lang="en-US" altLang="ko-KR" dirty="0"/>
+              <a:t>(Swapping)**</a:t>
+            </a:r>
+            <a:r>
+              <a:rPr lang="ko-KR" altLang="en-US" dirty="0"/>
+              <a:t>을 통해 디스크의 공간을 메모리처럼 사용할 수도 있습니다</a:t>
+            </a:r>
+            <a:r>
+              <a:rPr lang="en-US" altLang="ko-KR" dirty="0"/>
+              <a:t>.</a:t>
+            </a:r>
+          </a:p>
+          <a:p>
+            <a:pPr>
+              <a:buFont typeface="Arial" panose="020B0604020202020204" pitchFamily="34" charset="0"/>
+              <a:buChar char="•"/>
+            </a:pPr>
+            <a:r>
+              <a:rPr lang="ko-KR" altLang="en-US" b="1" dirty="0"/>
+              <a:t>가상 주소의 연속성</a:t>
+            </a:r>
+            <a:r>
+              <a:rPr lang="en-US" altLang="ko-KR" dirty="0"/>
+              <a:t>: </a:t>
+            </a:r>
+            <a:r>
+              <a:rPr lang="ko-KR" altLang="en-US" dirty="0"/>
+              <a:t>프로그램은 연속적인 가상 메모리 주소를 사용할 수 있지만</a:t>
+            </a:r>
+            <a:r>
+              <a:rPr lang="en-US" altLang="ko-KR" dirty="0"/>
+              <a:t>, </a:t>
+            </a:r>
+            <a:r>
+              <a:rPr lang="ko-KR" altLang="en-US" dirty="0"/>
+              <a:t>실제 물리 메모리에서는 비연속적인 위치에 저장될 수 있습니다</a:t>
+            </a:r>
+            <a:r>
+              <a:rPr lang="en-US" altLang="ko-KR" dirty="0"/>
+              <a:t>. </a:t>
+            </a:r>
+            <a:r>
+              <a:rPr lang="ko-KR" altLang="en-US" dirty="0"/>
+              <a:t>이는 물리 메모리를 보다 효율적으로 사용할 수 있게 해줍니다</a:t>
+            </a:r>
+            <a:r>
+              <a:rPr lang="en-US" altLang="ko-KR" dirty="0"/>
+              <a:t>.</a:t>
+            </a:r>
+          </a:p>
+        </p:txBody>
+      </p:sp>
+    </p:spTree>
+    <p:extLst>
+      <p:ext uri="{BB962C8B-B14F-4D97-AF65-F5344CB8AC3E}">
+        <p14:creationId xmlns:p14="http://schemas.microsoft.com/office/powerpoint/2010/main" val="266872844"/>
+      </p:ext>
+    </p:extLst>
+  </p:cSld>
+  <p:clrMapOvr>
+    <a:masterClrMapping/>
+  </p:clrMapOvr>
+</p:sld>
+</file>
+
+<file path=ppt/slides/slide11.xml><?xml version="1.0" encoding="utf-8"?>
+<p:sld xmlns:a="http://schemas.openxmlformats.org/drawingml/2006/main" xmlns:r="http://schemas.openxmlformats.org/officeDocument/2006/relationships" xmlns:p="http://schemas.openxmlformats.org/presentationml/2006/main">
+  <p:cSld>
+    <p:spTree>
+      <p:nvGrpSpPr>
+        <p:cNvPr id="1" name=""/>
+        <p:cNvGrpSpPr/>
+        <p:nvPr/>
+      </p:nvGrpSpPr>
+      <p:grpSpPr>
+        <a:xfrm>
+          <a:off x="0" y="0"/>
+          <a:ext cx="0" cy="0"/>
+          <a:chOff x="0" y="0"/>
+          <a:chExt cx="0" cy="0"/>
+        </a:xfrm>
+      </p:grpSpPr>
+      <p:sp>
+        <p:nvSpPr>
+          <p:cNvPr id="20" name="TextBox 19">
+            <a:extLst>
+              <a:ext uri="{FF2B5EF4-FFF2-40B4-BE49-F238E27FC236}">
+                <a16:creationId xmlns:a16="http://schemas.microsoft.com/office/drawing/2014/main" id="{24A8B8FC-ED97-BD8A-4C78-CFA67C8E63C0}"/>
+              </a:ext>
+            </a:extLst>
+          </p:cNvPr>
+          <p:cNvSpPr txBox="1"/>
+          <p:nvPr/>
+        </p:nvSpPr>
+        <p:spPr>
+          <a:xfrm>
+            <a:off x="283336" y="231820"/>
+            <a:ext cx="11049060" cy="338554"/>
+          </a:xfrm>
+          <a:prstGeom prst="rect">
+            <a:avLst/>
+          </a:prstGeom>
+          <a:noFill/>
+        </p:spPr>
+        <p:txBody>
+          <a:bodyPr wrap="square" rtlCol="0">
+            <a:spAutoFit/>
+          </a:bodyPr>
+          <a:lstStyle/>
+          <a:p>
+            <a:r>
+              <a:rPr kumimoji="1" lang="en-US" altLang="ko-KR" sz="1600" b="1" dirty="0" smtClean="0"/>
+              <a:t>Q.3.3 </a:t>
+            </a:r>
+            <a:r>
+              <a:rPr kumimoji="1" lang="ko-KR" altLang="en-US" sz="1600" b="1" dirty="0" err="1" smtClean="0"/>
+              <a:t>파생질문</a:t>
+            </a:r>
+            <a:r>
+              <a:rPr kumimoji="1" lang="en-US" altLang="ko-KR" sz="1600" b="1" dirty="0" smtClean="0"/>
+              <a:t>) Page Table</a:t>
             </a:r>
             <a:r>
               <a:rPr kumimoji="1" lang="ko-KR" altLang="en-US" sz="1600" b="1" dirty="0" smtClean="0"/>
@@ -5425,7 +6455,7 @@
 </p:sld>
 </file>
 
-<file path=ppt/slides/slide11.xml><?xml version="1.0" encoding="utf-8"?>
+<file path=ppt/slides/slide12.xml><?xml version="1.0" encoding="utf-8"?>
 <p:sld xmlns:a="http://schemas.openxmlformats.org/drawingml/2006/main" xmlns:r="http://schemas.openxmlformats.org/officeDocument/2006/relationships" xmlns:p="http://schemas.openxmlformats.org/presentationml/2006/main">
   <p:cSld>
     <p:spTree>
@@ -5575,7 +6605,7 @@
 </p:sld>
 </file>
 
-<file path=ppt/slides/slide12.xml><?xml version="1.0" encoding="utf-8"?>
+<file path=ppt/slides/slide13.xml><?xml version="1.0" encoding="utf-8"?>
 <p:sld xmlns:a="http://schemas.openxmlformats.org/drawingml/2006/main" xmlns:r="http://schemas.openxmlformats.org/officeDocument/2006/relationships" xmlns:p="http://schemas.openxmlformats.org/presentationml/2006/main">
   <p:cSld>
     <p:spTree>
@@ -5681,7 +6711,7 @@
 </p:sld>
 </file>
 
-<file path=ppt/slides/slide13.xml><?xml version="1.0" encoding="utf-8"?>
+<file path=ppt/slides/slide14.xml><?xml version="1.0" encoding="utf-8"?>
 <p:sld xmlns:a="http://schemas.openxmlformats.org/drawingml/2006/main" xmlns:r="http://schemas.openxmlformats.org/officeDocument/2006/relationships" xmlns:p="http://schemas.openxmlformats.org/presentationml/2006/main">
   <p:cSld>
     <p:spTree>
@@ -6107,7 +7137,7 @@
 </p:sld>
 </file>
 
-<file path=ppt/slides/slide14.xml><?xml version="1.0" encoding="utf-8"?>
+<file path=ppt/slides/slide15.xml><?xml version="1.0" encoding="utf-8"?>
 <p:sld xmlns:a="http://schemas.openxmlformats.org/drawingml/2006/main" xmlns:r="http://schemas.openxmlformats.org/officeDocument/2006/relationships" xmlns:p="http://schemas.openxmlformats.org/presentationml/2006/main">
   <p:cSld>
     <p:spTree>
@@ -6241,7 +7271,7 @@
 </p:sld>
 </file>
 
-<file path=ppt/slides/slide15.xml><?xml version="1.0" encoding="utf-8"?>
+<file path=ppt/slides/slide16.xml><?xml version="1.0" encoding="utf-8"?>
 <p:sld xmlns:a="http://schemas.openxmlformats.org/drawingml/2006/main" xmlns:r="http://schemas.openxmlformats.org/officeDocument/2006/relationships" xmlns:p="http://schemas.openxmlformats.org/presentationml/2006/main">
   <p:cSld>
     <p:spTree>
@@ -8344,7 +9374,7 @@
 </p:sld>
 </file>
 
-<file path=ppt/slides/slide16.xml><?xml version="1.0" encoding="utf-8"?>
+<file path=ppt/slides/slide17.xml><?xml version="1.0" encoding="utf-8"?>
 <p:sld xmlns:a="http://schemas.openxmlformats.org/drawingml/2006/main" xmlns:r="http://schemas.openxmlformats.org/officeDocument/2006/relationships" xmlns:p="http://schemas.openxmlformats.org/presentationml/2006/main">
   <p:cSld>
     <p:spTree>
@@ -10596,7 +11626,7 @@
 </p:sld>
 </file>
 
-<file path=ppt/slides/slide17.xml><?xml version="1.0" encoding="utf-8"?>
+<file path=ppt/slides/slide18.xml><?xml version="1.0" encoding="utf-8"?>
 <p:sld xmlns:a="http://schemas.openxmlformats.org/drawingml/2006/main" xmlns:r="http://schemas.openxmlformats.org/officeDocument/2006/relationships" xmlns:p="http://schemas.openxmlformats.org/presentationml/2006/main">
   <p:cSld>
     <p:spTree>
@@ -12798,7 +13828,7 @@
 </p:sld>
 </file>
 
-<file path=ppt/slides/slide18.xml><?xml version="1.0" encoding="utf-8"?>
+<file path=ppt/slides/slide19.xml><?xml version="1.0" encoding="utf-8"?>
 <p:sld xmlns:a="http://schemas.openxmlformats.org/drawingml/2006/main" xmlns:r="http://schemas.openxmlformats.org/officeDocument/2006/relationships" xmlns:p="http://schemas.openxmlformats.org/presentationml/2006/main">
   <p:cSld>
     <p:spTree>
@@ -13131,136 +14161,6 @@
     <p:extLst>
       <p:ext uri="{BB962C8B-B14F-4D97-AF65-F5344CB8AC3E}">
         <p14:creationId xmlns:p14="http://schemas.microsoft.com/office/powerpoint/2010/main" val="3202208965"/>
-      </p:ext>
-    </p:extLst>
-  </p:cSld>
-  <p:clrMapOvr>
-    <a:masterClrMapping/>
-  </p:clrMapOvr>
-</p:sld>
-</file>
-
-<file path=ppt/slides/slide19.xml><?xml version="1.0" encoding="utf-8"?>
-<p:sld xmlns:a="http://schemas.openxmlformats.org/drawingml/2006/main" xmlns:r="http://schemas.openxmlformats.org/officeDocument/2006/relationships" xmlns:p="http://schemas.openxmlformats.org/presentationml/2006/main">
-  <p:cSld>
-    <p:spTree>
-      <p:nvGrpSpPr>
-        <p:cNvPr id="1" name=""/>
-        <p:cNvGrpSpPr/>
-        <p:nvPr/>
-      </p:nvGrpSpPr>
-      <p:grpSpPr>
-        <a:xfrm>
-          <a:off x="0" y="0"/>
-          <a:ext cx="0" cy="0"/>
-          <a:chOff x="0" y="0"/>
-          <a:chExt cx="0" cy="0"/>
-        </a:xfrm>
-      </p:grpSpPr>
-      <p:sp>
-        <p:nvSpPr>
-          <p:cNvPr id="2" name="TextBox 1">
-            <a:extLst>
-              <a:ext uri="{FF2B5EF4-FFF2-40B4-BE49-F238E27FC236}">
-                <a16:creationId xmlns:a16="http://schemas.microsoft.com/office/drawing/2014/main" id="{A09F0C74-C86F-1C36-4837-020D358F34B9}"/>
-              </a:ext>
-            </a:extLst>
-          </p:cNvPr>
-          <p:cNvSpPr txBox="1"/>
-          <p:nvPr/>
-        </p:nvSpPr>
-        <p:spPr>
-          <a:xfrm>
-            <a:off x="485421" y="345203"/>
-            <a:ext cx="9358489" cy="369332"/>
-          </a:xfrm>
-          <a:prstGeom prst="rect">
-            <a:avLst/>
-          </a:prstGeom>
-          <a:noFill/>
-        </p:spPr>
-        <p:txBody>
-          <a:bodyPr wrap="square" rtlCol="0">
-            <a:spAutoFit/>
-          </a:bodyPr>
-          <a:lstStyle/>
-          <a:p>
-            <a:r>
-              <a:rPr kumimoji="1" lang="en-US" altLang="ko-KR" dirty="0"/>
-              <a:t>Q3) Blocking / Non-Blocking I/O</a:t>
-            </a:r>
-            <a:r>
-              <a:rPr kumimoji="1" lang="ko-KR" altLang="en-US" dirty="0"/>
-              <a:t>에 대해서 </a:t>
-            </a:r>
-            <a:r>
-              <a:rPr kumimoji="1" lang="ko-KR" altLang="en-US" dirty="0" err="1"/>
-              <a:t>설명해보시오</a:t>
-            </a:r>
-            <a:r>
-              <a:rPr kumimoji="1" lang="en-US" altLang="ko-KR" dirty="0"/>
-              <a:t>.</a:t>
-            </a:r>
-            <a:endParaRPr kumimoji="1" lang="ko-KR" altLang="en-US" dirty="0"/>
-          </a:p>
-        </p:txBody>
-      </p:sp>
-      <p:sp>
-        <p:nvSpPr>
-          <p:cNvPr id="3" name="TextBox 2">
-            <a:extLst>
-              <a:ext uri="{FF2B5EF4-FFF2-40B4-BE49-F238E27FC236}">
-                <a16:creationId xmlns:a16="http://schemas.microsoft.com/office/drawing/2014/main" id="{8BD3895B-3919-92F7-C83A-E6F2BB3B3B73}"/>
-              </a:ext>
-            </a:extLst>
-          </p:cNvPr>
-          <p:cNvSpPr txBox="1"/>
-          <p:nvPr/>
-        </p:nvSpPr>
-        <p:spPr>
-          <a:xfrm>
-            <a:off x="485421" y="2841558"/>
-            <a:ext cx="9358489" cy="369332"/>
-          </a:xfrm>
-          <a:prstGeom prst="rect">
-            <a:avLst/>
-          </a:prstGeom>
-          <a:noFill/>
-        </p:spPr>
-        <p:txBody>
-          <a:bodyPr wrap="square" rtlCol="0">
-            <a:spAutoFit/>
-          </a:bodyPr>
-          <a:lstStyle/>
-          <a:p>
-            <a:r>
-              <a:rPr kumimoji="1" lang="en-US" altLang="ko-KR" dirty="0"/>
-              <a:t>Q4) </a:t>
-            </a:r>
-            <a:r>
-              <a:rPr kumimoji="1" lang="ko-KR" altLang="en-US" dirty="0"/>
-              <a:t>비트연산과 </a:t>
-            </a:r>
-            <a:r>
-              <a:rPr kumimoji="1" lang="ko-KR" altLang="en-US" dirty="0" err="1"/>
-              <a:t>엔디안에</a:t>
-            </a:r>
-            <a:r>
-              <a:rPr kumimoji="1" lang="ko-KR" altLang="en-US" dirty="0"/>
-              <a:t> 대해 </a:t>
-            </a:r>
-            <a:r>
-              <a:rPr kumimoji="1" lang="ko-KR" altLang="en-US" dirty="0" err="1"/>
-              <a:t>설명해보시오</a:t>
-            </a:r>
-            <a:endParaRPr kumimoji="1" lang="ko-KR" altLang="en-US" dirty="0"/>
-          </a:p>
-        </p:txBody>
-      </p:sp>
-    </p:spTree>
-    <p:extLst>
-      <p:ext uri="{BB962C8B-B14F-4D97-AF65-F5344CB8AC3E}">
-        <p14:creationId xmlns:p14="http://schemas.microsoft.com/office/powerpoint/2010/main" val="3665004036"/>
       </p:ext>
     </p:extLst>
   </p:cSld>
@@ -15746,6 +16646,136 @@
           <a:p>
             <a:r>
               <a:rPr kumimoji="1" lang="en-US" altLang="ko-KR" dirty="0"/>
+              <a:t>Q3) Blocking / Non-Blocking I/O</a:t>
+            </a:r>
+            <a:r>
+              <a:rPr kumimoji="1" lang="ko-KR" altLang="en-US" dirty="0"/>
+              <a:t>에 대해서 </a:t>
+            </a:r>
+            <a:r>
+              <a:rPr kumimoji="1" lang="ko-KR" altLang="en-US" dirty="0" err="1"/>
+              <a:t>설명해보시오</a:t>
+            </a:r>
+            <a:r>
+              <a:rPr kumimoji="1" lang="en-US" altLang="ko-KR" dirty="0"/>
+              <a:t>.</a:t>
+            </a:r>
+            <a:endParaRPr kumimoji="1" lang="ko-KR" altLang="en-US" dirty="0"/>
+          </a:p>
+        </p:txBody>
+      </p:sp>
+      <p:sp>
+        <p:nvSpPr>
+          <p:cNvPr id="3" name="TextBox 2">
+            <a:extLst>
+              <a:ext uri="{FF2B5EF4-FFF2-40B4-BE49-F238E27FC236}">
+                <a16:creationId xmlns:a16="http://schemas.microsoft.com/office/drawing/2014/main" id="{8BD3895B-3919-92F7-C83A-E6F2BB3B3B73}"/>
+              </a:ext>
+            </a:extLst>
+          </p:cNvPr>
+          <p:cNvSpPr txBox="1"/>
+          <p:nvPr/>
+        </p:nvSpPr>
+        <p:spPr>
+          <a:xfrm>
+            <a:off x="485421" y="2841558"/>
+            <a:ext cx="9358489" cy="369332"/>
+          </a:xfrm>
+          <a:prstGeom prst="rect">
+            <a:avLst/>
+          </a:prstGeom>
+          <a:noFill/>
+        </p:spPr>
+        <p:txBody>
+          <a:bodyPr wrap="square" rtlCol="0">
+            <a:spAutoFit/>
+          </a:bodyPr>
+          <a:lstStyle/>
+          <a:p>
+            <a:r>
+              <a:rPr kumimoji="1" lang="en-US" altLang="ko-KR" dirty="0"/>
+              <a:t>Q4) </a:t>
+            </a:r>
+            <a:r>
+              <a:rPr kumimoji="1" lang="ko-KR" altLang="en-US" dirty="0"/>
+              <a:t>비트연산과 </a:t>
+            </a:r>
+            <a:r>
+              <a:rPr kumimoji="1" lang="ko-KR" altLang="en-US" dirty="0" err="1"/>
+              <a:t>엔디안에</a:t>
+            </a:r>
+            <a:r>
+              <a:rPr kumimoji="1" lang="ko-KR" altLang="en-US" dirty="0"/>
+              <a:t> 대해 </a:t>
+            </a:r>
+            <a:r>
+              <a:rPr kumimoji="1" lang="ko-KR" altLang="en-US" dirty="0" err="1"/>
+              <a:t>설명해보시오</a:t>
+            </a:r>
+            <a:endParaRPr kumimoji="1" lang="ko-KR" altLang="en-US" dirty="0"/>
+          </a:p>
+        </p:txBody>
+      </p:sp>
+    </p:spTree>
+    <p:extLst>
+      <p:ext uri="{BB962C8B-B14F-4D97-AF65-F5344CB8AC3E}">
+        <p14:creationId xmlns:p14="http://schemas.microsoft.com/office/powerpoint/2010/main" val="3665004036"/>
+      </p:ext>
+    </p:extLst>
+  </p:cSld>
+  <p:clrMapOvr>
+    <a:masterClrMapping/>
+  </p:clrMapOvr>
+</p:sld>
+</file>
+
+<file path=ppt/slides/slide21.xml><?xml version="1.0" encoding="utf-8"?>
+<p:sld xmlns:a="http://schemas.openxmlformats.org/drawingml/2006/main" xmlns:r="http://schemas.openxmlformats.org/officeDocument/2006/relationships" xmlns:p="http://schemas.openxmlformats.org/presentationml/2006/main">
+  <p:cSld>
+    <p:spTree>
+      <p:nvGrpSpPr>
+        <p:cNvPr id="1" name=""/>
+        <p:cNvGrpSpPr/>
+        <p:nvPr/>
+      </p:nvGrpSpPr>
+      <p:grpSpPr>
+        <a:xfrm>
+          <a:off x="0" y="0"/>
+          <a:ext cx="0" cy="0"/>
+          <a:chOff x="0" y="0"/>
+          <a:chExt cx="0" cy="0"/>
+        </a:xfrm>
+      </p:grpSpPr>
+      <p:sp>
+        <p:nvSpPr>
+          <p:cNvPr id="2" name="TextBox 1">
+            <a:extLst>
+              <a:ext uri="{FF2B5EF4-FFF2-40B4-BE49-F238E27FC236}">
+                <a16:creationId xmlns:a16="http://schemas.microsoft.com/office/drawing/2014/main" id="{A09F0C74-C86F-1C36-4837-020D358F34B9}"/>
+              </a:ext>
+            </a:extLst>
+          </p:cNvPr>
+          <p:cNvSpPr txBox="1"/>
+          <p:nvPr/>
+        </p:nvSpPr>
+        <p:spPr>
+          <a:xfrm>
+            <a:off x="485421" y="345203"/>
+            <a:ext cx="9358489" cy="369332"/>
+          </a:xfrm>
+          <a:prstGeom prst="rect">
+            <a:avLst/>
+          </a:prstGeom>
+          <a:noFill/>
+        </p:spPr>
+        <p:txBody>
+          <a:bodyPr wrap="square" rtlCol="0">
+            <a:spAutoFit/>
+          </a:bodyPr>
+          <a:lstStyle/>
+          <a:p>
+            <a:r>
+              <a:rPr kumimoji="1" lang="en-US" altLang="ko-KR" dirty="0"/>
               <a:t>Q5) </a:t>
             </a:r>
             <a:r>
@@ -15773,7 +16803,7 @@
 </p:sld>
 </file>
 
-<file path=ppt/slides/slide21.xml><?xml version="1.0" encoding="utf-8"?>
+<file path=ppt/slides/slide22.xml><?xml version="1.0" encoding="utf-8"?>
 <p:sld xmlns:a="http://schemas.openxmlformats.org/drawingml/2006/main" xmlns:r="http://schemas.openxmlformats.org/officeDocument/2006/relationships" xmlns:p="http://schemas.openxmlformats.org/presentationml/2006/main">
   <p:cSld>
     <p:spTree>
@@ -22033,8 +23063,8 @@
           </p:txBody>
         </p:sp>
       </p:grpSp>
-      <mc:AlternateContent xmlns:mc="http://schemas.openxmlformats.org/markup-compatibility/2006">
-        <mc:Choice xmlns:a14="http://schemas.microsoft.com/office/drawing/2010/main" Requires="a14">
+      <mc:AlternateContent xmlns:mc="http://schemas.openxmlformats.org/markup-compatibility/2006" xmlns:a14="http://schemas.microsoft.com/office/drawing/2010/main">
+        <mc:Choice Requires="a14">
           <p:sp>
             <p:nvSpPr>
               <p:cNvPr id="105" name="TextBox 104"/>
@@ -22131,7 +23161,7 @@
             </p:txBody>
           </p:sp>
         </mc:Choice>
-        <mc:Fallback>
+        <mc:Fallback xmlns="">
           <p:sp>
             <p:nvSpPr>
               <p:cNvPr id="105" name="TextBox 104"/>
@@ -22419,11 +23449,7 @@
             </a:r>
             <a:r>
               <a:rPr kumimoji="1" lang="ko-KR" altLang="en-US" sz="1600" b="1" dirty="0" smtClean="0"/>
-              <a:t>의 </a:t>
-            </a:r>
-            <a:r>
-              <a:rPr kumimoji="1" lang="ko-KR" altLang="en-US" sz="1600" b="1" dirty="0" smtClean="0"/>
-              <a:t>메모리 셀과 매핑하는 걸까</a:t>
+              <a:t>의 메모리 셀과 매핑하는 걸까</a:t>
             </a:r>
             <a:r>
               <a:rPr kumimoji="1" lang="en-US" altLang="ko-KR" sz="1600" b="1" dirty="0" smtClean="0"/>
@@ -25078,629 +26104,6 @@
       </p:grpSpPr>
       <p:graphicFrame>
         <p:nvGraphicFramePr>
-          <p:cNvPr id="24" name="표 6">
-            <a:extLst>
-              <a:ext uri="{FF2B5EF4-FFF2-40B4-BE49-F238E27FC236}">
-                <a16:creationId xmlns:a16="http://schemas.microsoft.com/office/drawing/2014/main" id="{8709FB5F-9A50-5B01-4083-5D6EECA9DD80}"/>
-              </a:ext>
-            </a:extLst>
-          </p:cNvPr>
-          <p:cNvGraphicFramePr>
-            <a:graphicFrameLocks noGrp="1"/>
-          </p:cNvGraphicFramePr>
-          <p:nvPr>
-            <p:extLst>
-              <p:ext uri="{D42A27DB-BD31-4B8C-83A1-F6EECF244321}">
-                <p14:modId xmlns:p14="http://schemas.microsoft.com/office/powerpoint/2010/main" val="3973131423"/>
-              </p:ext>
-            </p:extLst>
-          </p:nvPr>
-        </p:nvGraphicFramePr>
-        <p:xfrm>
-          <a:off x="7525100" y="2909050"/>
-          <a:ext cx="4011546" cy="1828800"/>
-        </p:xfrm>
-        <a:graphic>
-          <a:graphicData uri="http://schemas.openxmlformats.org/drawingml/2006/table">
-            <a:tbl>
-              <a:tblPr firstRow="1" bandRow="1">
-                <a:tableStyleId>{5940675A-B579-460E-94D1-54222C63F5DA}</a:tableStyleId>
-              </a:tblPr>
-              <a:tblGrid>
-                <a:gridCol w="573078">
-                  <a:extLst>
-                    <a:ext uri="{9D8B030D-6E8A-4147-A177-3AD203B41FA5}">
-                      <a16:colId xmlns:a16="http://schemas.microsoft.com/office/drawing/2014/main" val="3408414427"/>
-                    </a:ext>
-                  </a:extLst>
-                </a:gridCol>
-                <a:gridCol w="573078">
-                  <a:extLst>
-                    <a:ext uri="{9D8B030D-6E8A-4147-A177-3AD203B41FA5}">
-                      <a16:colId xmlns:a16="http://schemas.microsoft.com/office/drawing/2014/main" val="3155879191"/>
-                    </a:ext>
-                  </a:extLst>
-                </a:gridCol>
-                <a:gridCol w="573078">
-                  <a:extLst>
-                    <a:ext uri="{9D8B030D-6E8A-4147-A177-3AD203B41FA5}">
-                      <a16:colId xmlns:a16="http://schemas.microsoft.com/office/drawing/2014/main" val="2611491143"/>
-                    </a:ext>
-                  </a:extLst>
-                </a:gridCol>
-                <a:gridCol w="573078">
-                  <a:extLst>
-                    <a:ext uri="{9D8B030D-6E8A-4147-A177-3AD203B41FA5}">
-                      <a16:colId xmlns:a16="http://schemas.microsoft.com/office/drawing/2014/main" val="2202869473"/>
-                    </a:ext>
-                  </a:extLst>
-                </a:gridCol>
-                <a:gridCol w="573078">
-                  <a:extLst>
-                    <a:ext uri="{9D8B030D-6E8A-4147-A177-3AD203B41FA5}">
-                      <a16:colId xmlns:a16="http://schemas.microsoft.com/office/drawing/2014/main" val="3548912312"/>
-                    </a:ext>
-                  </a:extLst>
-                </a:gridCol>
-                <a:gridCol w="573078">
-                  <a:extLst>
-                    <a:ext uri="{9D8B030D-6E8A-4147-A177-3AD203B41FA5}">
-                      <a16:colId xmlns:a16="http://schemas.microsoft.com/office/drawing/2014/main" val="1056997378"/>
-                    </a:ext>
-                  </a:extLst>
-                </a:gridCol>
-                <a:gridCol w="573078">
-                  <a:extLst>
-                    <a:ext uri="{9D8B030D-6E8A-4147-A177-3AD203B41FA5}">
-                      <a16:colId xmlns:a16="http://schemas.microsoft.com/office/drawing/2014/main" val="1919910284"/>
-                    </a:ext>
-                  </a:extLst>
-                </a:gridCol>
-              </a:tblGrid>
-              <a:tr h="344919">
-                <a:tc>
-                  <a:txBody>
-                    <a:bodyPr/>
-                    <a:lstStyle/>
-                    <a:p>
-                      <a:pPr latinLnBrk="1"/>
-                      <a:endParaRPr lang="ko-KR" altLang="en-US" dirty="0"/>
-                    </a:p>
-                  </a:txBody>
-                  <a:tcPr/>
-                </a:tc>
-                <a:tc>
-                  <a:txBody>
-                    <a:bodyPr/>
-                    <a:lstStyle/>
-                    <a:p>
-                      <a:pPr latinLnBrk="1"/>
-                      <a:endParaRPr lang="ko-KR" altLang="en-US" dirty="0"/>
-                    </a:p>
-                  </a:txBody>
-                  <a:tcPr/>
-                </a:tc>
-                <a:tc>
-                  <a:txBody>
-                    <a:bodyPr/>
-                    <a:lstStyle/>
-                    <a:p>
-                      <a:pPr latinLnBrk="1"/>
-                      <a:endParaRPr lang="ko-KR" altLang="en-US" dirty="0"/>
-                    </a:p>
-                  </a:txBody>
-                  <a:tcPr/>
-                </a:tc>
-                <a:tc>
-                  <a:txBody>
-                    <a:bodyPr/>
-                    <a:lstStyle/>
-                    <a:p>
-                      <a:pPr latinLnBrk="1"/>
-                      <a:endParaRPr lang="ko-KR" altLang="en-US"/>
-                    </a:p>
-                  </a:txBody>
-                  <a:tcPr/>
-                </a:tc>
-                <a:tc>
-                  <a:txBody>
-                    <a:bodyPr/>
-                    <a:lstStyle/>
-                    <a:p>
-                      <a:pPr latinLnBrk="1"/>
-                      <a:endParaRPr lang="ko-KR" altLang="en-US"/>
-                    </a:p>
-                  </a:txBody>
-                  <a:tcPr/>
-                </a:tc>
-                <a:tc>
-                  <a:txBody>
-                    <a:bodyPr/>
-                    <a:lstStyle/>
-                    <a:p>
-                      <a:pPr latinLnBrk="1"/>
-                      <a:endParaRPr lang="ko-KR" altLang="en-US"/>
-                    </a:p>
-                  </a:txBody>
-                  <a:tcPr/>
-                </a:tc>
-                <a:tc>
-                  <a:txBody>
-                    <a:bodyPr/>
-                    <a:lstStyle/>
-                    <a:p>
-                      <a:pPr latinLnBrk="1"/>
-                      <a:endParaRPr lang="ko-KR" altLang="en-US" dirty="0"/>
-                    </a:p>
-                  </a:txBody>
-                  <a:tcPr/>
-                </a:tc>
-                <a:extLst>
-                  <a:ext uri="{0D108BD9-81ED-4DB2-BD59-A6C34878D82A}">
-                    <a16:rowId xmlns:a16="http://schemas.microsoft.com/office/drawing/2014/main" val="150208060"/>
-                  </a:ext>
-                </a:extLst>
-              </a:tr>
-              <a:tr h="344919">
-                <a:tc>
-                  <a:txBody>
-                    <a:bodyPr/>
-                    <a:lstStyle/>
-                    <a:p>
-                      <a:pPr latinLnBrk="1"/>
-                      <a:endParaRPr lang="ko-KR" altLang="en-US"/>
-                    </a:p>
-                  </a:txBody>
-                  <a:tcPr/>
-                </a:tc>
-                <a:tc>
-                  <a:txBody>
-                    <a:bodyPr/>
-                    <a:lstStyle/>
-                    <a:p>
-                      <a:pPr latinLnBrk="1"/>
-                      <a:endParaRPr lang="ko-KR" altLang="en-US"/>
-                    </a:p>
-                  </a:txBody>
-                  <a:tcPr/>
-                </a:tc>
-                <a:tc>
-                  <a:txBody>
-                    <a:bodyPr/>
-                    <a:lstStyle/>
-                    <a:p>
-                      <a:pPr latinLnBrk="1"/>
-                      <a:endParaRPr lang="ko-KR" altLang="en-US"/>
-                    </a:p>
-                  </a:txBody>
-                  <a:tcPr/>
-                </a:tc>
-                <a:tc>
-                  <a:txBody>
-                    <a:bodyPr/>
-                    <a:lstStyle/>
-                    <a:p>
-                      <a:pPr latinLnBrk="1"/>
-                      <a:endParaRPr lang="ko-KR" altLang="en-US"/>
-                    </a:p>
-                  </a:txBody>
-                  <a:tcPr/>
-                </a:tc>
-                <a:tc>
-                  <a:txBody>
-                    <a:bodyPr/>
-                    <a:lstStyle/>
-                    <a:p>
-                      <a:pPr latinLnBrk="1"/>
-                      <a:endParaRPr lang="ko-KR" altLang="en-US"/>
-                    </a:p>
-                  </a:txBody>
-                  <a:tcPr/>
-                </a:tc>
-                <a:tc>
-                  <a:txBody>
-                    <a:bodyPr/>
-                    <a:lstStyle/>
-                    <a:p>
-                      <a:pPr latinLnBrk="1"/>
-                      <a:endParaRPr lang="ko-KR" altLang="en-US" dirty="0"/>
-                    </a:p>
-                  </a:txBody>
-                  <a:tcPr/>
-                </a:tc>
-                <a:tc>
-                  <a:txBody>
-                    <a:bodyPr/>
-                    <a:lstStyle/>
-                    <a:p>
-                      <a:pPr latinLnBrk="1"/>
-                      <a:endParaRPr lang="ko-KR" altLang="en-US"/>
-                    </a:p>
-                  </a:txBody>
-                  <a:tcPr/>
-                </a:tc>
-                <a:extLst>
-                  <a:ext uri="{0D108BD9-81ED-4DB2-BD59-A6C34878D82A}">
-                    <a16:rowId xmlns:a16="http://schemas.microsoft.com/office/drawing/2014/main" val="531105570"/>
-                  </a:ext>
-                </a:extLst>
-              </a:tr>
-              <a:tr h="344919">
-                <a:tc>
-                  <a:txBody>
-                    <a:bodyPr/>
-                    <a:lstStyle/>
-                    <a:p>
-                      <a:pPr latinLnBrk="1"/>
-                      <a:endParaRPr lang="ko-KR" altLang="en-US"/>
-                    </a:p>
-                  </a:txBody>
-                  <a:tcPr/>
-                </a:tc>
-                <a:tc>
-                  <a:txBody>
-                    <a:bodyPr/>
-                    <a:lstStyle/>
-                    <a:p>
-                      <a:pPr latinLnBrk="1"/>
-                      <a:endParaRPr lang="ko-KR" altLang="en-US"/>
-                    </a:p>
-                  </a:txBody>
-                  <a:tcPr/>
-                </a:tc>
-                <a:tc>
-                  <a:txBody>
-                    <a:bodyPr/>
-                    <a:lstStyle/>
-                    <a:p>
-                      <a:pPr latinLnBrk="1"/>
-                      <a:endParaRPr lang="ko-KR" altLang="en-US"/>
-                    </a:p>
-                  </a:txBody>
-                  <a:tcPr/>
-                </a:tc>
-                <a:tc>
-                  <a:txBody>
-                    <a:bodyPr/>
-                    <a:lstStyle/>
-                    <a:p>
-                      <a:pPr latinLnBrk="1"/>
-                      <a:endParaRPr lang="ko-KR" altLang="en-US"/>
-                    </a:p>
-                  </a:txBody>
-                  <a:tcPr/>
-                </a:tc>
-                <a:tc>
-                  <a:txBody>
-                    <a:bodyPr/>
-                    <a:lstStyle/>
-                    <a:p>
-                      <a:pPr latinLnBrk="1"/>
-                      <a:endParaRPr lang="ko-KR" altLang="en-US" dirty="0"/>
-                    </a:p>
-                  </a:txBody>
-                  <a:tcPr/>
-                </a:tc>
-                <a:tc>
-                  <a:txBody>
-                    <a:bodyPr/>
-                    <a:lstStyle/>
-                    <a:p>
-                      <a:pPr latinLnBrk="1"/>
-                      <a:endParaRPr lang="ko-KR" altLang="en-US"/>
-                    </a:p>
-                  </a:txBody>
-                  <a:tcPr/>
-                </a:tc>
-                <a:tc>
-                  <a:txBody>
-                    <a:bodyPr/>
-                    <a:lstStyle/>
-                    <a:p>
-                      <a:pPr latinLnBrk="1"/>
-                      <a:endParaRPr lang="ko-KR" altLang="en-US"/>
-                    </a:p>
-                  </a:txBody>
-                  <a:tcPr/>
-                </a:tc>
-                <a:extLst>
-                  <a:ext uri="{0D108BD9-81ED-4DB2-BD59-A6C34878D82A}">
-                    <a16:rowId xmlns:a16="http://schemas.microsoft.com/office/drawing/2014/main" val="3989207509"/>
-                  </a:ext>
-                </a:extLst>
-              </a:tr>
-              <a:tr h="344919">
-                <a:tc>
-                  <a:txBody>
-                    <a:bodyPr/>
-                    <a:lstStyle/>
-                    <a:p>
-                      <a:pPr latinLnBrk="1"/>
-                      <a:endParaRPr lang="ko-KR" altLang="en-US"/>
-                    </a:p>
-                  </a:txBody>
-                  <a:tcPr/>
-                </a:tc>
-                <a:tc>
-                  <a:txBody>
-                    <a:bodyPr/>
-                    <a:lstStyle/>
-                    <a:p>
-                      <a:pPr latinLnBrk="1"/>
-                      <a:endParaRPr lang="ko-KR" altLang="en-US"/>
-                    </a:p>
-                  </a:txBody>
-                  <a:tcPr/>
-                </a:tc>
-                <a:tc>
-                  <a:txBody>
-                    <a:bodyPr/>
-                    <a:lstStyle/>
-                    <a:p>
-                      <a:pPr latinLnBrk="1"/>
-                      <a:endParaRPr lang="ko-KR" altLang="en-US"/>
-                    </a:p>
-                  </a:txBody>
-                  <a:tcPr/>
-                </a:tc>
-                <a:tc>
-                  <a:txBody>
-                    <a:bodyPr/>
-                    <a:lstStyle/>
-                    <a:p>
-                      <a:pPr latinLnBrk="1"/>
-                      <a:endParaRPr lang="ko-KR" altLang="en-US"/>
-                    </a:p>
-                  </a:txBody>
-                  <a:tcPr/>
-                </a:tc>
-                <a:tc>
-                  <a:txBody>
-                    <a:bodyPr/>
-                    <a:lstStyle/>
-                    <a:p>
-                      <a:pPr latinLnBrk="1"/>
-                      <a:endParaRPr lang="ko-KR" altLang="en-US"/>
-                    </a:p>
-                  </a:txBody>
-                  <a:tcPr/>
-                </a:tc>
-                <a:tc>
-                  <a:txBody>
-                    <a:bodyPr/>
-                    <a:lstStyle/>
-                    <a:p>
-                      <a:pPr latinLnBrk="1"/>
-                      <a:endParaRPr lang="ko-KR" altLang="en-US"/>
-                    </a:p>
-                  </a:txBody>
-                  <a:tcPr/>
-                </a:tc>
-                <a:tc>
-                  <a:txBody>
-                    <a:bodyPr/>
-                    <a:lstStyle/>
-                    <a:p>
-                      <a:pPr latinLnBrk="1"/>
-                      <a:endParaRPr lang="ko-KR" altLang="en-US"/>
-                    </a:p>
-                  </a:txBody>
-                  <a:tcPr/>
-                </a:tc>
-                <a:extLst>
-                  <a:ext uri="{0D108BD9-81ED-4DB2-BD59-A6C34878D82A}">
-                    <a16:rowId xmlns:a16="http://schemas.microsoft.com/office/drawing/2014/main" val="3305292293"/>
-                  </a:ext>
-                </a:extLst>
-              </a:tr>
-              <a:tr h="344919">
-                <a:tc>
-                  <a:txBody>
-                    <a:bodyPr/>
-                    <a:lstStyle/>
-                    <a:p>
-                      <a:pPr latinLnBrk="1"/>
-                      <a:endParaRPr lang="ko-KR" altLang="en-US"/>
-                    </a:p>
-                  </a:txBody>
-                  <a:tcPr/>
-                </a:tc>
-                <a:tc>
-                  <a:txBody>
-                    <a:bodyPr/>
-                    <a:lstStyle/>
-                    <a:p>
-                      <a:pPr latinLnBrk="1"/>
-                      <a:endParaRPr lang="ko-KR" altLang="en-US" dirty="0"/>
-                    </a:p>
-                  </a:txBody>
-                  <a:tcPr/>
-                </a:tc>
-                <a:tc>
-                  <a:txBody>
-                    <a:bodyPr/>
-                    <a:lstStyle/>
-                    <a:p>
-                      <a:pPr latinLnBrk="1"/>
-                      <a:endParaRPr lang="ko-KR" altLang="en-US"/>
-                    </a:p>
-                  </a:txBody>
-                  <a:tcPr/>
-                </a:tc>
-                <a:tc>
-                  <a:txBody>
-                    <a:bodyPr/>
-                    <a:lstStyle/>
-                    <a:p>
-                      <a:pPr latinLnBrk="1"/>
-                      <a:endParaRPr lang="ko-KR" altLang="en-US"/>
-                    </a:p>
-                  </a:txBody>
-                  <a:tcPr/>
-                </a:tc>
-                <a:tc>
-                  <a:txBody>
-                    <a:bodyPr/>
-                    <a:lstStyle/>
-                    <a:p>
-                      <a:pPr latinLnBrk="1"/>
-                      <a:endParaRPr lang="ko-KR" altLang="en-US"/>
-                    </a:p>
-                  </a:txBody>
-                  <a:tcPr/>
-                </a:tc>
-                <a:tc>
-                  <a:txBody>
-                    <a:bodyPr/>
-                    <a:lstStyle/>
-                    <a:p>
-                      <a:pPr latinLnBrk="1"/>
-                      <a:endParaRPr lang="ko-KR" altLang="en-US"/>
-                    </a:p>
-                  </a:txBody>
-                  <a:tcPr/>
-                </a:tc>
-                <a:tc>
-                  <a:txBody>
-                    <a:bodyPr/>
-                    <a:lstStyle/>
-                    <a:p>
-                      <a:pPr latinLnBrk="1"/>
-                      <a:endParaRPr lang="ko-KR" altLang="en-US" dirty="0"/>
-                    </a:p>
-                  </a:txBody>
-                  <a:tcPr/>
-                </a:tc>
-                <a:extLst>
-                  <a:ext uri="{0D108BD9-81ED-4DB2-BD59-A6C34878D82A}">
-                    <a16:rowId xmlns:a16="http://schemas.microsoft.com/office/drawing/2014/main" val="3603585483"/>
-                  </a:ext>
-                </a:extLst>
-              </a:tr>
-            </a:tbl>
-          </a:graphicData>
-        </a:graphic>
-      </p:graphicFrame>
-      <p:sp>
-        <p:nvSpPr>
-          <p:cNvPr id="30" name="TextBox 29">
-            <a:extLst>
-              <a:ext uri="{FF2B5EF4-FFF2-40B4-BE49-F238E27FC236}">
-                <a16:creationId xmlns:a16="http://schemas.microsoft.com/office/drawing/2014/main" id="{F7733CBC-695C-575A-C4D6-B6D70BEDAD1E}"/>
-              </a:ext>
-            </a:extLst>
-          </p:cNvPr>
-          <p:cNvSpPr txBox="1"/>
-          <p:nvPr/>
-        </p:nvSpPr>
-        <p:spPr>
-          <a:xfrm>
-            <a:off x="10285231" y="4909736"/>
-            <a:ext cx="1481070" cy="307777"/>
-          </a:xfrm>
-          <a:prstGeom prst="rect">
-            <a:avLst/>
-          </a:prstGeom>
-          <a:solidFill>
-            <a:schemeClr val="bg1"/>
-          </a:solidFill>
-          <a:ln>
-            <a:solidFill>
-              <a:schemeClr val="tx1"/>
-            </a:solidFill>
-          </a:ln>
-        </p:spPr>
-        <p:txBody>
-          <a:bodyPr wrap="square" rtlCol="0">
-            <a:spAutoFit/>
-          </a:bodyPr>
-          <a:lstStyle/>
-          <a:p>
-            <a:pPr algn="ctr"/>
-            <a:r>
-              <a:rPr kumimoji="1" lang="en-US" altLang="ko-KR" sz="1400" b="1" dirty="0"/>
-              <a:t>32bit </a:t>
-            </a:r>
-            <a:r>
-              <a:rPr kumimoji="1" lang="ko-KR" altLang="en-US" sz="1400" b="1" dirty="0"/>
-              <a:t>체계</a:t>
-            </a:r>
-          </a:p>
-        </p:txBody>
-      </p:sp>
-      <p:sp>
-        <p:nvSpPr>
-          <p:cNvPr id="44" name="TextBox 43"/>
-          <p:cNvSpPr txBox="1"/>
-          <p:nvPr/>
-        </p:nvSpPr>
-        <p:spPr>
-          <a:xfrm>
-            <a:off x="568379" y="3350925"/>
-            <a:ext cx="549622" cy="276999"/>
-          </a:xfrm>
-          <a:prstGeom prst="rect">
-            <a:avLst/>
-          </a:prstGeom>
-          <a:noFill/>
-          <a:scene3d>
-            <a:camera prst="isometricOffAxis2Left"/>
-            <a:lightRig rig="threePt" dir="t"/>
-          </a:scene3d>
-        </p:spPr>
-        <p:txBody>
-          <a:bodyPr wrap="square" rtlCol="0">
-            <a:spAutoFit/>
-          </a:bodyPr>
-          <a:lstStyle/>
-          <a:p>
-            <a:pPr algn="ctr"/>
-            <a:r>
-              <a:rPr lang="en-US" altLang="ko-KR" sz="1200" b="1" dirty="0">
-                <a:latin typeface="Times New Roman" panose="02020603050405020304" pitchFamily="18" charset="0"/>
-                <a:cs typeface="Times New Roman" panose="02020603050405020304" pitchFamily="18" charset="0"/>
-              </a:rPr>
-              <a:t>CPU</a:t>
-            </a:r>
-          </a:p>
-        </p:txBody>
-      </p:sp>
-      <p:pic>
-        <p:nvPicPr>
-          <p:cNvPr id="45" name="그림 44"/>
-          <p:cNvPicPr>
-            <a:picLocks noChangeAspect="1"/>
-          </p:cNvPicPr>
-          <p:nvPr/>
-        </p:nvPicPr>
-        <p:blipFill>
-          <a:blip r:embed="rId3">
-            <a:extLst>
-              <a:ext uri="{28A0092B-C50C-407E-A947-70E740481C1C}">
-                <a14:useLocalDpi xmlns:a14="http://schemas.microsoft.com/office/drawing/2010/main" val="0"/>
-              </a:ext>
-            </a:extLst>
-          </a:blip>
-          <a:stretch>
-            <a:fillRect/>
-          </a:stretch>
-        </p:blipFill>
-        <p:spPr>
-          <a:xfrm>
-            <a:off x="206820" y="3605854"/>
-            <a:ext cx="1234601" cy="1257191"/>
-          </a:xfrm>
-          <a:prstGeom prst="rect">
-            <a:avLst/>
-          </a:prstGeom>
-          <a:scene3d>
-            <a:camera prst="perspectiveRelaxed"/>
-            <a:lightRig rig="threePt" dir="t"/>
-          </a:scene3d>
-        </p:spPr>
-      </p:pic>
-      <p:graphicFrame>
-        <p:nvGraphicFramePr>
           <p:cNvPr id="6" name="표 5"/>
           <p:cNvGraphicFramePr>
             <a:graphicFrameLocks noGrp="1"/>
@@ -25708,14 +26111,14 @@
           <p:nvPr>
             <p:extLst>
               <p:ext uri="{D42A27DB-BD31-4B8C-83A1-F6EECF244321}">
-                <p14:modId xmlns:p14="http://schemas.microsoft.com/office/powerpoint/2010/main" val="188869850"/>
+                <p14:modId xmlns:p14="http://schemas.microsoft.com/office/powerpoint/2010/main" val="2544177428"/>
               </p:ext>
             </p:extLst>
           </p:nvPr>
         </p:nvGraphicFramePr>
         <p:xfrm>
-          <a:off x="2946455" y="2023787"/>
-          <a:ext cx="3073611" cy="3764280"/>
+          <a:off x="4071496" y="1542573"/>
+          <a:ext cx="7815708" cy="3931920"/>
         </p:xfrm>
         <a:graphic>
           <a:graphicData uri="http://schemas.openxmlformats.org/drawingml/2006/table">
@@ -25724,24 +26127,45 @@
                 <a:tableStyleId>{8EC20E35-A176-4012-BC5E-935CFFF8708E}</a:tableStyleId>
               </a:tblPr>
               <a:tblGrid>
-                <a:gridCol w="1024537">
+                <a:gridCol w="1302618">
                   <a:extLst>
                     <a:ext uri="{9D8B030D-6E8A-4147-A177-3AD203B41FA5}">
                       <a16:colId xmlns:a16="http://schemas.microsoft.com/office/drawing/2014/main" val="1234497553"/>
                     </a:ext>
                   </a:extLst>
                 </a:gridCol>
-                <a:gridCol w="1024537">
+                <a:gridCol w="1302618">
+                  <a:extLst>
+                    <a:ext uri="{9D8B030D-6E8A-4147-A177-3AD203B41FA5}">
+                      <a16:colId xmlns:a16="http://schemas.microsoft.com/office/drawing/2014/main" val="3096012034"/>
+                    </a:ext>
+                  </a:extLst>
+                </a:gridCol>
+                <a:gridCol w="1302618">
                   <a:extLst>
                     <a:ext uri="{9D8B030D-6E8A-4147-A177-3AD203B41FA5}">
                       <a16:colId xmlns:a16="http://schemas.microsoft.com/office/drawing/2014/main" val="3275505919"/>
                     </a:ext>
                   </a:extLst>
                 </a:gridCol>
-                <a:gridCol w="1024537">
+                <a:gridCol w="1302618">
+                  <a:extLst>
+                    <a:ext uri="{9D8B030D-6E8A-4147-A177-3AD203B41FA5}">
+                      <a16:colId xmlns:a16="http://schemas.microsoft.com/office/drawing/2014/main" val="2623748971"/>
+                    </a:ext>
+                  </a:extLst>
+                </a:gridCol>
+                <a:gridCol w="1302618">
                   <a:extLst>
                     <a:ext uri="{9D8B030D-6E8A-4147-A177-3AD203B41FA5}">
                       <a16:colId xmlns:a16="http://schemas.microsoft.com/office/drawing/2014/main" val="3984565910"/>
+                    </a:ext>
+                  </a:extLst>
+                </a:gridCol>
+                <a:gridCol w="1302618">
+                  <a:extLst>
+                    <a:ext uri="{9D8B030D-6E8A-4147-A177-3AD203B41FA5}">
+                      <a16:colId xmlns:a16="http://schemas.microsoft.com/office/drawing/2014/main" val="273165711"/>
                     </a:ext>
                   </a:extLst>
                 </a:gridCol>
@@ -25754,14 +26178,18 @@
                     <a:p>
                       <a:pPr algn="ctr" latinLnBrk="1"/>
                       <a:r>
-                        <a:rPr lang="ko-KR" altLang="en-US" sz="1200" dirty="0" smtClean="0"/>
+                        <a:rPr lang="ko-KR" altLang="en-US" sz="1100" dirty="0" smtClean="0"/>
                         <a:t>논리</a:t>
                       </a:r>
                       <a:r>
-                        <a:rPr lang="ko-KR" altLang="en-US" sz="1200" baseline="0" dirty="0" smtClean="0"/>
-                        <a:t> 페이지</a:t>
+                        <a:rPr lang="ko-KR" altLang="en-US" sz="1100" baseline="0" dirty="0" smtClean="0"/>
+                        <a:t> 페이지  </a:t>
                       </a:r>
-                      <a:endParaRPr lang="ko-KR" altLang="en-US" sz="1200" dirty="0"/>
+                      <a:r>
+                        <a:rPr lang="en-US" altLang="ko-KR" sz="1100" baseline="0" dirty="0" smtClean="0"/>
+                        <a:t>Order</a:t>
+                      </a:r>
+                      <a:endParaRPr lang="ko-KR" altLang="en-US" sz="1100" dirty="0"/>
                     </a:p>
                   </a:txBody>
                   <a:tcPr anchor="ctr">
@@ -25818,10 +26246,14 @@
                     <a:p>
                       <a:pPr algn="ctr" latinLnBrk="1"/>
                       <a:r>
-                        <a:rPr lang="ko-KR" altLang="en-US" sz="1200" dirty="0" smtClean="0"/>
-                        <a:t>물리 페이지</a:t>
+                        <a:rPr lang="ko-KR" altLang="en-US" sz="1100" dirty="0" smtClean="0"/>
+                        <a:t>가상 주소 </a:t>
                       </a:r>
-                      <a:endParaRPr lang="ko-KR" altLang="en-US" sz="1200" dirty="0"/>
+                      <a:r>
+                        <a:rPr lang="en-US" altLang="ko-KR" sz="1100" dirty="0" smtClean="0"/>
+                        <a:t>(Virtual Address)</a:t>
+                      </a:r>
+                      <a:endParaRPr lang="ko-KR" altLang="en-US" sz="1100" dirty="0"/>
                     </a:p>
                   </a:txBody>
                   <a:tcPr anchor="ctr">
@@ -25878,10 +26310,265 @@
                     <a:p>
                       <a:pPr algn="ctr" latinLnBrk="1"/>
                       <a:r>
-                        <a:rPr lang="ko-KR" altLang="en-US" sz="1200" dirty="0" smtClean="0"/>
+                        <a:rPr lang="ko-KR" altLang="en-US" sz="1100" dirty="0" smtClean="0"/>
+                        <a:t>논리 페이지 주소 </a:t>
+                      </a:r>
+                      <a:r>
+                        <a:rPr lang="en-US" altLang="ko-KR" sz="1100" dirty="0" smtClean="0"/>
+                        <a:t>(Logical Page Address)</a:t>
+                      </a:r>
+                      <a:endParaRPr lang="ko-KR" altLang="en-US" sz="1100" dirty="0"/>
+                    </a:p>
+                  </a:txBody>
+                  <a:tcPr anchor="ctr">
+                    <a:lnL w="12700" cap="flat" cmpd="sng" algn="ctr">
+                      <a:solidFill>
+                        <a:schemeClr val="tx1"/>
+                      </a:solidFill>
+                      <a:prstDash val="solid"/>
+                      <a:round/>
+                      <a:headEnd type="none" w="med" len="med"/>
+                      <a:tailEnd type="none" w="med" len="med"/>
+                    </a:lnL>
+                    <a:lnR w="12700" cap="flat" cmpd="sng" algn="ctr">
+                      <a:solidFill>
+                        <a:schemeClr val="tx1"/>
+                      </a:solidFill>
+                      <a:prstDash val="solid"/>
+                      <a:round/>
+                      <a:headEnd type="none" w="med" len="med"/>
+                      <a:tailEnd type="none" w="med" len="med"/>
+                    </a:lnR>
+                    <a:lnT w="12700" cap="flat" cmpd="sng" algn="ctr">
+                      <a:solidFill>
+                        <a:schemeClr val="tx1"/>
+                      </a:solidFill>
+                      <a:prstDash val="solid"/>
+                      <a:round/>
+                      <a:headEnd type="none" w="med" len="med"/>
+                      <a:tailEnd type="none" w="med" len="med"/>
+                    </a:lnT>
+                    <a:lnB w="12700" cap="flat" cmpd="sng" algn="ctr">
+                      <a:solidFill>
+                        <a:schemeClr val="tx1"/>
+                      </a:solidFill>
+                      <a:prstDash val="solid"/>
+                      <a:round/>
+                      <a:headEnd type="none" w="med" len="med"/>
+                      <a:tailEnd type="none" w="med" len="med"/>
+                    </a:lnB>
+                    <a:lnTlToBr w="12700" cmpd="sng">
+                      <a:noFill/>
+                      <a:prstDash val="solid"/>
+                    </a:lnTlToBr>
+                    <a:lnBlToTr w="12700" cmpd="sng">
+                      <a:noFill/>
+                      <a:prstDash val="solid"/>
+                    </a:lnBlToTr>
+                  </a:tcPr>
+                </a:tc>
+                <a:tc>
+                  <a:txBody>
+                    <a:bodyPr/>
+                    <a:lstStyle/>
+                    <a:p>
+                      <a:pPr marL="0" marR="0" indent="0" algn="ctr" defTabSz="914400" rtl="0" eaLnBrk="1" fontAlgn="auto" latinLnBrk="1" hangingPunct="1">
+                        <a:lnSpc>
+                          <a:spcPct val="100000"/>
+                        </a:lnSpc>
+                        <a:spcBef>
+                          <a:spcPts val="0"/>
+                        </a:spcBef>
+                        <a:spcAft>
+                          <a:spcPts val="0"/>
+                        </a:spcAft>
+                        <a:buClrTx/>
+                        <a:buSzTx/>
+                        <a:buFontTx/>
+                        <a:buNone/>
+                        <a:tabLst/>
+                        <a:defRPr/>
+                      </a:pPr>
+                      <a:r>
+                        <a:rPr lang="ko-KR" altLang="en-US" sz="1100" dirty="0" smtClean="0"/>
+                        <a:t>페이지 내 오프셋</a:t>
+                      </a:r>
+                      <a:endParaRPr lang="en-US" altLang="ko-KR" sz="1100" dirty="0" smtClean="0"/>
+                    </a:p>
+                    <a:p>
+                      <a:pPr marL="0" marR="0" indent="0" algn="ctr" defTabSz="914400" rtl="0" eaLnBrk="1" fontAlgn="auto" latinLnBrk="1" hangingPunct="1">
+                        <a:lnSpc>
+                          <a:spcPct val="100000"/>
+                        </a:lnSpc>
+                        <a:spcBef>
+                          <a:spcPts val="0"/>
+                        </a:spcBef>
+                        <a:spcAft>
+                          <a:spcPts val="0"/>
+                        </a:spcAft>
+                        <a:buClrTx/>
+                        <a:buSzTx/>
+                        <a:buFontTx/>
+                        <a:buNone/>
+                        <a:tabLst/>
+                        <a:defRPr/>
+                      </a:pPr>
+                      <a:r>
+                        <a:rPr lang="en-US" altLang="ko-KR" sz="1100" dirty="0" smtClean="0"/>
+                        <a:t>(Offset)</a:t>
+                      </a:r>
+                      <a:endParaRPr lang="ko-KR" altLang="en-US" sz="1100" dirty="0" smtClean="0"/>
+                    </a:p>
+                  </a:txBody>
+                  <a:tcPr anchor="ctr">
+                    <a:lnL w="12700" cap="flat" cmpd="sng" algn="ctr">
+                      <a:solidFill>
+                        <a:schemeClr val="tx1"/>
+                      </a:solidFill>
+                      <a:prstDash val="solid"/>
+                      <a:round/>
+                      <a:headEnd type="none" w="med" len="med"/>
+                      <a:tailEnd type="none" w="med" len="med"/>
+                    </a:lnL>
+                    <a:lnR w="12700" cap="flat" cmpd="sng" algn="ctr">
+                      <a:solidFill>
+                        <a:schemeClr val="tx1"/>
+                      </a:solidFill>
+                      <a:prstDash val="solid"/>
+                      <a:round/>
+                      <a:headEnd type="none" w="med" len="med"/>
+                      <a:tailEnd type="none" w="med" len="med"/>
+                    </a:lnR>
+                    <a:lnT w="12700" cap="flat" cmpd="sng" algn="ctr">
+                      <a:solidFill>
+                        <a:schemeClr val="tx1"/>
+                      </a:solidFill>
+                      <a:prstDash val="solid"/>
+                      <a:round/>
+                      <a:headEnd type="none" w="med" len="med"/>
+                      <a:tailEnd type="none" w="med" len="med"/>
+                    </a:lnT>
+                    <a:lnB w="12700" cap="flat" cmpd="sng" algn="ctr">
+                      <a:solidFill>
+                        <a:schemeClr val="tx1"/>
+                      </a:solidFill>
+                      <a:prstDash val="solid"/>
+                      <a:round/>
+                      <a:headEnd type="none" w="med" len="med"/>
+                      <a:tailEnd type="none" w="med" len="med"/>
+                    </a:lnB>
+                    <a:lnTlToBr w="12700" cmpd="sng">
+                      <a:noFill/>
+                      <a:prstDash val="solid"/>
+                    </a:lnTlToBr>
+                    <a:lnBlToTr w="12700" cmpd="sng">
+                      <a:noFill/>
+                      <a:prstDash val="solid"/>
+                    </a:lnBlToTr>
+                  </a:tcPr>
+                </a:tc>
+                <a:tc>
+                  <a:txBody>
+                    <a:bodyPr/>
+                    <a:lstStyle/>
+                    <a:p>
+                      <a:pPr algn="ctr" latinLnBrk="1"/>
+                      <a:r>
+                        <a:rPr lang="ko-KR" altLang="en-US" sz="1100" dirty="0" smtClean="0"/>
+                        <a:t>물리</a:t>
+                      </a:r>
+                      <a:r>
+                        <a:rPr lang="en-US" altLang="ko-KR" sz="1100" baseline="0" dirty="0" smtClean="0"/>
+                        <a:t> </a:t>
+                      </a:r>
+                      <a:r>
+                        <a:rPr lang="ko-KR" altLang="en-US" sz="1100" baseline="0" dirty="0" smtClean="0"/>
+                        <a:t>페이지 주소 </a:t>
+                      </a:r>
+                      <a:r>
+                        <a:rPr lang="en-US" altLang="ko-KR" sz="1100" baseline="0" dirty="0" smtClean="0"/>
+                        <a:t>(Physical Page Address)</a:t>
+                      </a:r>
+                      <a:endParaRPr lang="ko-KR" altLang="en-US" sz="1100" dirty="0"/>
+                    </a:p>
+                  </a:txBody>
+                  <a:tcPr anchor="ctr">
+                    <a:lnL w="12700" cap="flat" cmpd="sng" algn="ctr">
+                      <a:solidFill>
+                        <a:schemeClr val="tx1"/>
+                      </a:solidFill>
+                      <a:prstDash val="solid"/>
+                      <a:round/>
+                      <a:headEnd type="none" w="med" len="med"/>
+                      <a:tailEnd type="none" w="med" len="med"/>
+                    </a:lnL>
+                    <a:lnR w="12700" cap="flat" cmpd="sng" algn="ctr">
+                      <a:solidFill>
+                        <a:schemeClr val="tx1"/>
+                      </a:solidFill>
+                      <a:prstDash val="solid"/>
+                      <a:round/>
+                      <a:headEnd type="none" w="med" len="med"/>
+                      <a:tailEnd type="none" w="med" len="med"/>
+                    </a:lnR>
+                    <a:lnT w="12700" cap="flat" cmpd="sng" algn="ctr">
+                      <a:solidFill>
+                        <a:schemeClr val="tx1"/>
+                      </a:solidFill>
+                      <a:prstDash val="solid"/>
+                      <a:round/>
+                      <a:headEnd type="none" w="med" len="med"/>
+                      <a:tailEnd type="none" w="med" len="med"/>
+                    </a:lnT>
+                    <a:lnB w="12700" cap="flat" cmpd="sng" algn="ctr">
+                      <a:solidFill>
+                        <a:schemeClr val="tx1"/>
+                      </a:solidFill>
+                      <a:prstDash val="solid"/>
+                      <a:round/>
+                      <a:headEnd type="none" w="med" len="med"/>
+                      <a:tailEnd type="none" w="med" len="med"/>
+                    </a:lnB>
+                    <a:lnTlToBr w="12700" cmpd="sng">
+                      <a:noFill/>
+                      <a:prstDash val="solid"/>
+                    </a:lnTlToBr>
+                    <a:lnBlToTr w="12700" cmpd="sng">
+                      <a:noFill/>
+                      <a:prstDash val="solid"/>
+                    </a:lnBlToTr>
+                  </a:tcPr>
+                </a:tc>
+                <a:tc>
+                  <a:txBody>
+                    <a:bodyPr/>
+                    <a:lstStyle/>
+                    <a:p>
+                      <a:pPr marL="0" marR="0" indent="0" algn="ctr" defTabSz="914400" rtl="0" eaLnBrk="1" fontAlgn="auto" latinLnBrk="1" hangingPunct="1">
+                        <a:lnSpc>
+                          <a:spcPct val="100000"/>
+                        </a:lnSpc>
+                        <a:spcBef>
+                          <a:spcPts val="0"/>
+                        </a:spcBef>
+                        <a:spcAft>
+                          <a:spcPts val="0"/>
+                        </a:spcAft>
+                        <a:buClrTx/>
+                        <a:buSzTx/>
+                        <a:buFontTx/>
+                        <a:buNone/>
+                        <a:tabLst/>
+                        <a:defRPr/>
+                      </a:pPr>
+                      <a:r>
+                        <a:rPr lang="ko-KR" altLang="en-US" sz="1100" dirty="0" smtClean="0"/>
                         <a:t>물리 주소</a:t>
                       </a:r>
-                      <a:endParaRPr lang="ko-KR" altLang="en-US" sz="1200" dirty="0"/>
+                    </a:p>
+                    <a:p>
+                      <a:pPr algn="ctr" latinLnBrk="1"/>
+                      <a:endParaRPr lang="ko-KR" altLang="en-US" sz="1100" dirty="0"/>
                     </a:p>
                   </a:txBody>
                   <a:tcPr anchor="ctr">
@@ -25947,6 +26634,66 @@
                       <a:r>
                         <a:rPr lang="en-US" altLang="ko-KR" sz="1100" dirty="0" smtClean="0"/>
                         <a:t>0</a:t>
+                      </a:r>
+                      <a:endParaRPr lang="ko-KR" altLang="en-US" sz="1100" dirty="0"/>
+                    </a:p>
+                  </a:txBody>
+                  <a:tcPr anchor="ctr">
+                    <a:lnL w="12700" cap="flat" cmpd="sng" algn="ctr">
+                      <a:solidFill>
+                        <a:schemeClr val="tx1"/>
+                      </a:solidFill>
+                      <a:prstDash val="solid"/>
+                      <a:round/>
+                      <a:headEnd type="none" w="med" len="med"/>
+                      <a:tailEnd type="none" w="med" len="med"/>
+                    </a:lnL>
+                    <a:lnR w="12700" cap="flat" cmpd="sng" algn="ctr">
+                      <a:solidFill>
+                        <a:schemeClr val="tx1"/>
+                      </a:solidFill>
+                      <a:prstDash val="solid"/>
+                      <a:round/>
+                      <a:headEnd type="none" w="med" len="med"/>
+                      <a:tailEnd type="none" w="med" len="med"/>
+                    </a:lnR>
+                    <a:lnT w="12700" cap="flat" cmpd="sng" algn="ctr">
+                      <a:solidFill>
+                        <a:schemeClr val="tx1"/>
+                      </a:solidFill>
+                      <a:prstDash val="solid"/>
+                      <a:round/>
+                      <a:headEnd type="none" w="med" len="med"/>
+                      <a:tailEnd type="none" w="med" len="med"/>
+                    </a:lnT>
+                    <a:lnB w="12700" cap="flat" cmpd="sng" algn="ctr">
+                      <a:solidFill>
+                        <a:schemeClr val="tx1"/>
+                      </a:solidFill>
+                      <a:prstDash val="solid"/>
+                      <a:round/>
+                      <a:headEnd type="none" w="med" len="med"/>
+                      <a:tailEnd type="none" w="med" len="med"/>
+                    </a:lnB>
+                    <a:lnTlToBr w="12700" cmpd="sng">
+                      <a:noFill/>
+                      <a:prstDash val="solid"/>
+                    </a:lnTlToBr>
+                    <a:lnBlToTr w="12700" cmpd="sng">
+                      <a:noFill/>
+                      <a:prstDash val="solid"/>
+                    </a:lnBlToTr>
+                  </a:tcPr>
+                </a:tc>
+                <a:tc>
+                  <a:txBody>
+                    <a:bodyPr/>
+                    <a:lstStyle/>
+                    <a:p>
+                      <a:pPr algn="ctr" latinLnBrk="1"/>
+                      <a:r>
+                        <a:rPr lang="en-US" altLang="ko-KR" sz="1100" dirty="0" smtClean="0"/>
+                        <a:t>0x00403F00</a:t>
                       </a:r>
                       <a:endParaRPr lang="ko-KR" altLang="en-US" sz="1100" dirty="0"/>
                     </a:p>
@@ -26022,7 +26769,7 @@
                       </a:pPr>
                       <a:r>
                         <a:rPr lang="en-US" altLang="ko-KR" sz="1100" dirty="0" smtClean="0"/>
-                        <a:t>0x00123455</a:t>
+                        <a:t>0x00403</a:t>
                       </a:r>
                       <a:endParaRPr lang="ko-KR" altLang="en-US" sz="1100" dirty="0" smtClean="0"/>
                     </a:p>
@@ -26098,7 +26845,159 @@
                       </a:pPr>
                       <a:r>
                         <a:rPr lang="en-US" altLang="ko-KR" sz="1100" dirty="0" smtClean="0"/>
-                        <a:t>0x00123455</a:t>
+                        <a:t>0xF00</a:t>
+                      </a:r>
+                      <a:endParaRPr lang="ko-KR" altLang="en-US" sz="1100" dirty="0" smtClean="0"/>
+                    </a:p>
+                  </a:txBody>
+                  <a:tcPr anchor="ctr">
+                    <a:lnL w="12700" cap="flat" cmpd="sng" algn="ctr">
+                      <a:solidFill>
+                        <a:schemeClr val="tx1"/>
+                      </a:solidFill>
+                      <a:prstDash val="solid"/>
+                      <a:round/>
+                      <a:headEnd type="none" w="med" len="med"/>
+                      <a:tailEnd type="none" w="med" len="med"/>
+                    </a:lnL>
+                    <a:lnR w="12700" cap="flat" cmpd="sng" algn="ctr">
+                      <a:solidFill>
+                        <a:schemeClr val="tx1"/>
+                      </a:solidFill>
+                      <a:prstDash val="solid"/>
+                      <a:round/>
+                      <a:headEnd type="none" w="med" len="med"/>
+                      <a:tailEnd type="none" w="med" len="med"/>
+                    </a:lnR>
+                    <a:lnT w="12700" cap="flat" cmpd="sng" algn="ctr">
+                      <a:solidFill>
+                        <a:schemeClr val="tx1"/>
+                      </a:solidFill>
+                      <a:prstDash val="solid"/>
+                      <a:round/>
+                      <a:headEnd type="none" w="med" len="med"/>
+                      <a:tailEnd type="none" w="med" len="med"/>
+                    </a:lnT>
+                    <a:lnB w="12700" cap="flat" cmpd="sng" algn="ctr">
+                      <a:solidFill>
+                        <a:schemeClr val="tx1"/>
+                      </a:solidFill>
+                      <a:prstDash val="solid"/>
+                      <a:round/>
+                      <a:headEnd type="none" w="med" len="med"/>
+                      <a:tailEnd type="none" w="med" len="med"/>
+                    </a:lnB>
+                    <a:lnTlToBr w="12700" cmpd="sng">
+                      <a:noFill/>
+                      <a:prstDash val="solid"/>
+                    </a:lnTlToBr>
+                    <a:lnBlToTr w="12700" cmpd="sng">
+                      <a:noFill/>
+                      <a:prstDash val="solid"/>
+                    </a:lnBlToTr>
+                  </a:tcPr>
+                </a:tc>
+                <a:tc>
+                  <a:txBody>
+                    <a:bodyPr/>
+                    <a:lstStyle/>
+                    <a:p>
+                      <a:pPr marL="0" marR="0" indent="0" algn="ctr" defTabSz="914400" rtl="0" eaLnBrk="1" fontAlgn="auto" latinLnBrk="1" hangingPunct="1">
+                        <a:lnSpc>
+                          <a:spcPct val="100000"/>
+                        </a:lnSpc>
+                        <a:spcBef>
+                          <a:spcPts val="0"/>
+                        </a:spcBef>
+                        <a:spcAft>
+                          <a:spcPts val="0"/>
+                        </a:spcAft>
+                        <a:buClrTx/>
+                        <a:buSzTx/>
+                        <a:buFontTx/>
+                        <a:buNone/>
+                        <a:tabLst/>
+                        <a:defRPr/>
+                      </a:pPr>
+                      <a:r>
+                        <a:rPr lang="en-US" altLang="ko-KR" sz="1100" dirty="0" smtClean="0"/>
+                        <a:t>0x12345</a:t>
+                      </a:r>
+                      <a:endParaRPr lang="ko-KR" altLang="en-US" sz="1100" dirty="0" smtClean="0"/>
+                    </a:p>
+                  </a:txBody>
+                  <a:tcPr anchor="ctr">
+                    <a:lnL w="12700" cap="flat" cmpd="sng" algn="ctr">
+                      <a:solidFill>
+                        <a:schemeClr val="tx1"/>
+                      </a:solidFill>
+                      <a:prstDash val="solid"/>
+                      <a:round/>
+                      <a:headEnd type="none" w="med" len="med"/>
+                      <a:tailEnd type="none" w="med" len="med"/>
+                    </a:lnL>
+                    <a:lnR w="12700" cap="flat" cmpd="sng" algn="ctr">
+                      <a:solidFill>
+                        <a:schemeClr val="tx1"/>
+                      </a:solidFill>
+                      <a:prstDash val="solid"/>
+                      <a:round/>
+                      <a:headEnd type="none" w="med" len="med"/>
+                      <a:tailEnd type="none" w="med" len="med"/>
+                    </a:lnR>
+                    <a:lnT w="12700" cap="flat" cmpd="sng" algn="ctr">
+                      <a:solidFill>
+                        <a:schemeClr val="tx1"/>
+                      </a:solidFill>
+                      <a:prstDash val="solid"/>
+                      <a:round/>
+                      <a:headEnd type="none" w="med" len="med"/>
+                      <a:tailEnd type="none" w="med" len="med"/>
+                    </a:lnT>
+                    <a:lnB w="12700" cap="flat" cmpd="sng" algn="ctr">
+                      <a:solidFill>
+                        <a:schemeClr val="tx1"/>
+                      </a:solidFill>
+                      <a:prstDash val="solid"/>
+                      <a:round/>
+                      <a:headEnd type="none" w="med" len="med"/>
+                      <a:tailEnd type="none" w="med" len="med"/>
+                    </a:lnB>
+                    <a:lnTlToBr w="12700" cmpd="sng">
+                      <a:noFill/>
+                      <a:prstDash val="solid"/>
+                    </a:lnTlToBr>
+                    <a:lnBlToTr w="12700" cmpd="sng">
+                      <a:noFill/>
+                      <a:prstDash val="solid"/>
+                    </a:lnBlToTr>
+                  </a:tcPr>
+                </a:tc>
+                <a:tc>
+                  <a:txBody>
+                    <a:bodyPr/>
+                    <a:lstStyle/>
+                    <a:p>
+                      <a:pPr marL="0" marR="0" indent="0" algn="ctr" defTabSz="914400" rtl="0" eaLnBrk="1" fontAlgn="auto" latinLnBrk="1" hangingPunct="1">
+                        <a:lnSpc>
+                          <a:spcPct val="100000"/>
+                        </a:lnSpc>
+                        <a:spcBef>
+                          <a:spcPts val="0"/>
+                        </a:spcBef>
+                        <a:spcAft>
+                          <a:spcPts val="0"/>
+                        </a:spcAft>
+                        <a:buClrTx/>
+                        <a:buSzTx/>
+                        <a:buFontTx/>
+                        <a:buNone/>
+                        <a:tabLst/>
+                        <a:defRPr/>
+                      </a:pPr>
+                      <a:r>
+                        <a:rPr lang="en-US" altLang="ko-KR" sz="1100" dirty="0" smtClean="0"/>
+                        <a:t>0x12345F00</a:t>
                       </a:r>
                       <a:endParaRPr lang="ko-KR" altLang="en-US" sz="1100" dirty="0" smtClean="0"/>
                     </a:p>
@@ -26225,7 +27124,7 @@
                       <a:pPr algn="ctr" latinLnBrk="1"/>
                       <a:r>
                         <a:rPr lang="en-US" altLang="ko-KR" sz="1100" dirty="0" smtClean="0"/>
-                        <a:t>0x00123456</a:t>
+                        <a:t>0x001C2A10</a:t>
                       </a:r>
                       <a:endParaRPr lang="ko-KR" altLang="en-US" sz="1100" dirty="0"/>
                     </a:p>
@@ -26285,7 +27184,187 @@
                       <a:pPr algn="ctr" latinLnBrk="1"/>
                       <a:r>
                         <a:rPr lang="en-US" altLang="ko-KR" sz="1100" dirty="0" smtClean="0"/>
-                        <a:t>0x00123456</a:t>
+                        <a:t>0x001C2</a:t>
+                      </a:r>
+                      <a:endParaRPr lang="ko-KR" altLang="en-US" sz="1100" dirty="0"/>
+                    </a:p>
+                  </a:txBody>
+                  <a:tcPr anchor="ctr">
+                    <a:lnL w="12700" cap="flat" cmpd="sng" algn="ctr">
+                      <a:solidFill>
+                        <a:schemeClr val="tx1"/>
+                      </a:solidFill>
+                      <a:prstDash val="solid"/>
+                      <a:round/>
+                      <a:headEnd type="none" w="med" len="med"/>
+                      <a:tailEnd type="none" w="med" len="med"/>
+                    </a:lnL>
+                    <a:lnR w="12700" cap="flat" cmpd="sng" algn="ctr">
+                      <a:solidFill>
+                        <a:schemeClr val="tx1"/>
+                      </a:solidFill>
+                      <a:prstDash val="solid"/>
+                      <a:round/>
+                      <a:headEnd type="none" w="med" len="med"/>
+                      <a:tailEnd type="none" w="med" len="med"/>
+                    </a:lnR>
+                    <a:lnT w="12700" cap="flat" cmpd="sng" algn="ctr">
+                      <a:solidFill>
+                        <a:schemeClr val="tx1"/>
+                      </a:solidFill>
+                      <a:prstDash val="solid"/>
+                      <a:round/>
+                      <a:headEnd type="none" w="med" len="med"/>
+                      <a:tailEnd type="none" w="med" len="med"/>
+                    </a:lnT>
+                    <a:lnB w="12700" cap="flat" cmpd="sng" algn="ctr">
+                      <a:solidFill>
+                        <a:schemeClr val="tx1"/>
+                      </a:solidFill>
+                      <a:prstDash val="solid"/>
+                      <a:round/>
+                      <a:headEnd type="none" w="med" len="med"/>
+                      <a:tailEnd type="none" w="med" len="med"/>
+                    </a:lnB>
+                    <a:lnTlToBr w="12700" cmpd="sng">
+                      <a:noFill/>
+                      <a:prstDash val="solid"/>
+                    </a:lnTlToBr>
+                    <a:lnBlToTr w="12700" cmpd="sng">
+                      <a:noFill/>
+                      <a:prstDash val="solid"/>
+                    </a:lnBlToTr>
+                  </a:tcPr>
+                </a:tc>
+                <a:tc>
+                  <a:txBody>
+                    <a:bodyPr/>
+                    <a:lstStyle/>
+                    <a:p>
+                      <a:pPr algn="ctr" latinLnBrk="1"/>
+                      <a:r>
+                        <a:rPr lang="en-US" altLang="ko-KR" sz="1100" dirty="0" smtClean="0"/>
+                        <a:t>0xA10</a:t>
+                      </a:r>
+                      <a:endParaRPr lang="ko-KR" altLang="en-US" sz="1100" dirty="0"/>
+                    </a:p>
+                  </a:txBody>
+                  <a:tcPr anchor="ctr">
+                    <a:lnL w="12700" cap="flat" cmpd="sng" algn="ctr">
+                      <a:solidFill>
+                        <a:schemeClr val="tx1"/>
+                      </a:solidFill>
+                      <a:prstDash val="solid"/>
+                      <a:round/>
+                      <a:headEnd type="none" w="med" len="med"/>
+                      <a:tailEnd type="none" w="med" len="med"/>
+                    </a:lnL>
+                    <a:lnR w="12700" cap="flat" cmpd="sng" algn="ctr">
+                      <a:solidFill>
+                        <a:schemeClr val="tx1"/>
+                      </a:solidFill>
+                      <a:prstDash val="solid"/>
+                      <a:round/>
+                      <a:headEnd type="none" w="med" len="med"/>
+                      <a:tailEnd type="none" w="med" len="med"/>
+                    </a:lnR>
+                    <a:lnT w="12700" cap="flat" cmpd="sng" algn="ctr">
+                      <a:solidFill>
+                        <a:schemeClr val="tx1"/>
+                      </a:solidFill>
+                      <a:prstDash val="solid"/>
+                      <a:round/>
+                      <a:headEnd type="none" w="med" len="med"/>
+                      <a:tailEnd type="none" w="med" len="med"/>
+                    </a:lnT>
+                    <a:lnB w="12700" cap="flat" cmpd="sng" algn="ctr">
+                      <a:solidFill>
+                        <a:schemeClr val="tx1"/>
+                      </a:solidFill>
+                      <a:prstDash val="solid"/>
+                      <a:round/>
+                      <a:headEnd type="none" w="med" len="med"/>
+                      <a:tailEnd type="none" w="med" len="med"/>
+                    </a:lnB>
+                    <a:lnTlToBr w="12700" cmpd="sng">
+                      <a:noFill/>
+                      <a:prstDash val="solid"/>
+                    </a:lnTlToBr>
+                    <a:lnBlToTr w="12700" cmpd="sng">
+                      <a:noFill/>
+                      <a:prstDash val="solid"/>
+                    </a:lnBlToTr>
+                  </a:tcPr>
+                </a:tc>
+                <a:tc>
+                  <a:txBody>
+                    <a:bodyPr/>
+                    <a:lstStyle/>
+                    <a:p>
+                      <a:pPr algn="ctr" latinLnBrk="1"/>
+                      <a:r>
+                        <a:rPr lang="en-US" altLang="ko-KR" sz="1100" dirty="0" smtClean="0"/>
+                        <a:t>0x67890</a:t>
+                      </a:r>
+                      <a:endParaRPr lang="ko-KR" altLang="en-US" sz="1100" dirty="0"/>
+                    </a:p>
+                  </a:txBody>
+                  <a:tcPr anchor="ctr">
+                    <a:lnL w="12700" cap="flat" cmpd="sng" algn="ctr">
+                      <a:solidFill>
+                        <a:schemeClr val="tx1"/>
+                      </a:solidFill>
+                      <a:prstDash val="solid"/>
+                      <a:round/>
+                      <a:headEnd type="none" w="med" len="med"/>
+                      <a:tailEnd type="none" w="med" len="med"/>
+                    </a:lnL>
+                    <a:lnR w="12700" cap="flat" cmpd="sng" algn="ctr">
+                      <a:solidFill>
+                        <a:schemeClr val="tx1"/>
+                      </a:solidFill>
+                      <a:prstDash val="solid"/>
+                      <a:round/>
+                      <a:headEnd type="none" w="med" len="med"/>
+                      <a:tailEnd type="none" w="med" len="med"/>
+                    </a:lnR>
+                    <a:lnT w="12700" cap="flat" cmpd="sng" algn="ctr">
+                      <a:solidFill>
+                        <a:schemeClr val="tx1"/>
+                      </a:solidFill>
+                      <a:prstDash val="solid"/>
+                      <a:round/>
+                      <a:headEnd type="none" w="med" len="med"/>
+                      <a:tailEnd type="none" w="med" len="med"/>
+                    </a:lnT>
+                    <a:lnB w="12700" cap="flat" cmpd="sng" algn="ctr">
+                      <a:solidFill>
+                        <a:schemeClr val="tx1"/>
+                      </a:solidFill>
+                      <a:prstDash val="solid"/>
+                      <a:round/>
+                      <a:headEnd type="none" w="med" len="med"/>
+                      <a:tailEnd type="none" w="med" len="med"/>
+                    </a:lnB>
+                    <a:lnTlToBr w="12700" cmpd="sng">
+                      <a:noFill/>
+                      <a:prstDash val="solid"/>
+                    </a:lnTlToBr>
+                    <a:lnBlToTr w="12700" cmpd="sng">
+                      <a:noFill/>
+                      <a:prstDash val="solid"/>
+                    </a:lnBlToTr>
+                  </a:tcPr>
+                </a:tc>
+                <a:tc>
+                  <a:txBody>
+                    <a:bodyPr/>
+                    <a:lstStyle/>
+                    <a:p>
+                      <a:pPr algn="ctr" latinLnBrk="1"/>
+                      <a:r>
+                        <a:rPr lang="en-US" altLang="ko-KR" sz="1100" dirty="0" smtClean="0"/>
+                        <a:t>0x67890A10</a:t>
                       </a:r>
                       <a:endParaRPr lang="ko-KR" altLang="en-US" sz="1100" dirty="0"/>
                     </a:p>
@@ -26410,6 +27489,10 @@
                     <a:lstStyle/>
                     <a:p>
                       <a:pPr algn="ctr" latinLnBrk="1"/>
+                      <a:r>
+                        <a:rPr lang="en-US" altLang="ko-KR" sz="1100" dirty="0" smtClean="0"/>
+                        <a:t>0x7F000300</a:t>
+                      </a:r>
                       <a:endParaRPr lang="ko-KR" altLang="en-US" sz="1100" dirty="0"/>
                     </a:p>
                   </a:txBody>
@@ -26466,6 +27549,190 @@
                     <a:lstStyle/>
                     <a:p>
                       <a:pPr algn="ctr" latinLnBrk="1"/>
+                      <a:r>
+                        <a:rPr lang="en-US" altLang="ko-KR" sz="1100" dirty="0" smtClean="0"/>
+                        <a:t>0x7F000</a:t>
+                      </a:r>
+                      <a:endParaRPr lang="ko-KR" altLang="en-US" sz="1100" dirty="0"/>
+                    </a:p>
+                  </a:txBody>
+                  <a:tcPr anchor="ctr">
+                    <a:lnL w="12700" cap="flat" cmpd="sng" algn="ctr">
+                      <a:solidFill>
+                        <a:schemeClr val="tx1"/>
+                      </a:solidFill>
+                      <a:prstDash val="solid"/>
+                      <a:round/>
+                      <a:headEnd type="none" w="med" len="med"/>
+                      <a:tailEnd type="none" w="med" len="med"/>
+                    </a:lnL>
+                    <a:lnR w="12700" cap="flat" cmpd="sng" algn="ctr">
+                      <a:solidFill>
+                        <a:schemeClr val="tx1"/>
+                      </a:solidFill>
+                      <a:prstDash val="solid"/>
+                      <a:round/>
+                      <a:headEnd type="none" w="med" len="med"/>
+                      <a:tailEnd type="none" w="med" len="med"/>
+                    </a:lnR>
+                    <a:lnT w="12700" cap="flat" cmpd="sng" algn="ctr">
+                      <a:solidFill>
+                        <a:schemeClr val="tx1"/>
+                      </a:solidFill>
+                      <a:prstDash val="solid"/>
+                      <a:round/>
+                      <a:headEnd type="none" w="med" len="med"/>
+                      <a:tailEnd type="none" w="med" len="med"/>
+                    </a:lnT>
+                    <a:lnB w="12700" cap="flat" cmpd="sng" algn="ctr">
+                      <a:solidFill>
+                        <a:schemeClr val="tx1"/>
+                      </a:solidFill>
+                      <a:prstDash val="solid"/>
+                      <a:round/>
+                      <a:headEnd type="none" w="med" len="med"/>
+                      <a:tailEnd type="none" w="med" len="med"/>
+                    </a:lnB>
+                    <a:lnTlToBr w="12700" cmpd="sng">
+                      <a:noFill/>
+                      <a:prstDash val="solid"/>
+                    </a:lnTlToBr>
+                    <a:lnBlToTr w="12700" cmpd="sng">
+                      <a:noFill/>
+                      <a:prstDash val="solid"/>
+                    </a:lnBlToTr>
+                  </a:tcPr>
+                </a:tc>
+                <a:tc>
+                  <a:txBody>
+                    <a:bodyPr/>
+                    <a:lstStyle/>
+                    <a:p>
+                      <a:pPr algn="ctr" latinLnBrk="1"/>
+                      <a:r>
+                        <a:rPr lang="en-US" altLang="ko-KR" sz="1100" dirty="0" smtClean="0"/>
+                        <a:t>0x300</a:t>
+                      </a:r>
+                      <a:endParaRPr lang="ko-KR" altLang="en-US" sz="1100" dirty="0"/>
+                    </a:p>
+                  </a:txBody>
+                  <a:tcPr anchor="ctr">
+                    <a:lnL w="12700" cap="flat" cmpd="sng" algn="ctr">
+                      <a:solidFill>
+                        <a:schemeClr val="tx1"/>
+                      </a:solidFill>
+                      <a:prstDash val="solid"/>
+                      <a:round/>
+                      <a:headEnd type="none" w="med" len="med"/>
+                      <a:tailEnd type="none" w="med" len="med"/>
+                    </a:lnL>
+                    <a:lnR w="12700" cap="flat" cmpd="sng" algn="ctr">
+                      <a:solidFill>
+                        <a:schemeClr val="tx1"/>
+                      </a:solidFill>
+                      <a:prstDash val="solid"/>
+                      <a:round/>
+                      <a:headEnd type="none" w="med" len="med"/>
+                      <a:tailEnd type="none" w="med" len="med"/>
+                    </a:lnR>
+                    <a:lnT w="12700" cap="flat" cmpd="sng" algn="ctr">
+                      <a:solidFill>
+                        <a:schemeClr val="tx1"/>
+                      </a:solidFill>
+                      <a:prstDash val="solid"/>
+                      <a:round/>
+                      <a:headEnd type="none" w="med" len="med"/>
+                      <a:tailEnd type="none" w="med" len="med"/>
+                    </a:lnT>
+                    <a:lnB w="12700" cap="flat" cmpd="sng" algn="ctr">
+                      <a:solidFill>
+                        <a:schemeClr val="tx1"/>
+                      </a:solidFill>
+                      <a:prstDash val="solid"/>
+                      <a:round/>
+                      <a:headEnd type="none" w="med" len="med"/>
+                      <a:tailEnd type="none" w="med" len="med"/>
+                    </a:lnB>
+                    <a:lnTlToBr w="12700" cmpd="sng">
+                      <a:noFill/>
+                      <a:prstDash val="solid"/>
+                    </a:lnTlToBr>
+                    <a:lnBlToTr w="12700" cmpd="sng">
+                      <a:noFill/>
+                      <a:prstDash val="solid"/>
+                    </a:lnBlToTr>
+                  </a:tcPr>
+                </a:tc>
+                <a:tc>
+                  <a:txBody>
+                    <a:bodyPr/>
+                    <a:lstStyle/>
+                    <a:p>
+                      <a:pPr algn="ctr" latinLnBrk="1"/>
+                      <a:r>
+                        <a:rPr lang="en-US" altLang="ko-KR" sz="1100" dirty="0" smtClean="0"/>
+                        <a:t>0xABCD0</a:t>
+                      </a:r>
+                      <a:endParaRPr lang="ko-KR" altLang="en-US" sz="1100" dirty="0"/>
+                    </a:p>
+                  </a:txBody>
+                  <a:tcPr anchor="ctr">
+                    <a:lnL w="12700" cap="flat" cmpd="sng" algn="ctr">
+                      <a:solidFill>
+                        <a:schemeClr val="tx1"/>
+                      </a:solidFill>
+                      <a:prstDash val="solid"/>
+                      <a:round/>
+                      <a:headEnd type="none" w="med" len="med"/>
+                      <a:tailEnd type="none" w="med" len="med"/>
+                    </a:lnL>
+                    <a:lnR w="12700" cap="flat" cmpd="sng" algn="ctr">
+                      <a:solidFill>
+                        <a:schemeClr val="tx1"/>
+                      </a:solidFill>
+                      <a:prstDash val="solid"/>
+                      <a:round/>
+                      <a:headEnd type="none" w="med" len="med"/>
+                      <a:tailEnd type="none" w="med" len="med"/>
+                    </a:lnR>
+                    <a:lnT w="12700" cap="flat" cmpd="sng" algn="ctr">
+                      <a:solidFill>
+                        <a:schemeClr val="tx1"/>
+                      </a:solidFill>
+                      <a:prstDash val="solid"/>
+                      <a:round/>
+                      <a:headEnd type="none" w="med" len="med"/>
+                      <a:tailEnd type="none" w="med" len="med"/>
+                    </a:lnT>
+                    <a:lnB w="12700" cap="flat" cmpd="sng" algn="ctr">
+                      <a:solidFill>
+                        <a:schemeClr val="tx1"/>
+                      </a:solidFill>
+                      <a:prstDash val="solid"/>
+                      <a:round/>
+                      <a:headEnd type="none" w="med" len="med"/>
+                      <a:tailEnd type="none" w="med" len="med"/>
+                    </a:lnB>
+                    <a:lnTlToBr w="12700" cmpd="sng">
+                      <a:noFill/>
+                      <a:prstDash val="solid"/>
+                    </a:lnTlToBr>
+                    <a:lnBlToTr w="12700" cmpd="sng">
+                      <a:noFill/>
+                      <a:prstDash val="solid"/>
+                    </a:lnBlToTr>
+                  </a:tcPr>
+                </a:tc>
+                <a:tc>
+                  <a:txBody>
+                    <a:bodyPr/>
+                    <a:lstStyle/>
+                    <a:p>
+                      <a:pPr algn="ctr" latinLnBrk="1"/>
+                      <a:r>
+                        <a:rPr lang="en-US" altLang="ko-KR" sz="1100" dirty="0" smtClean="0"/>
+                        <a:t>0xABCD0300</a:t>
+                      </a:r>
                       <a:endParaRPr lang="ko-KR" altLang="en-US" sz="1100" dirty="0"/>
                     </a:p>
                   </a:txBody>
@@ -26695,6 +27962,174 @@
                     </a:lnBlToTr>
                   </a:tcPr>
                 </a:tc>
+                <a:tc>
+                  <a:txBody>
+                    <a:bodyPr/>
+                    <a:lstStyle/>
+                    <a:p>
+                      <a:pPr algn="ctr" latinLnBrk="1"/>
+                      <a:endParaRPr lang="ko-KR" altLang="en-US" sz="1100" dirty="0"/>
+                    </a:p>
+                  </a:txBody>
+                  <a:tcPr anchor="ctr">
+                    <a:lnL w="12700" cap="flat" cmpd="sng" algn="ctr">
+                      <a:solidFill>
+                        <a:schemeClr val="tx1"/>
+                      </a:solidFill>
+                      <a:prstDash val="solid"/>
+                      <a:round/>
+                      <a:headEnd type="none" w="med" len="med"/>
+                      <a:tailEnd type="none" w="med" len="med"/>
+                    </a:lnL>
+                    <a:lnR w="12700" cap="flat" cmpd="sng" algn="ctr">
+                      <a:solidFill>
+                        <a:schemeClr val="tx1"/>
+                      </a:solidFill>
+                      <a:prstDash val="solid"/>
+                      <a:round/>
+                      <a:headEnd type="none" w="med" len="med"/>
+                      <a:tailEnd type="none" w="med" len="med"/>
+                    </a:lnR>
+                    <a:lnT w="12700" cap="flat" cmpd="sng" algn="ctr">
+                      <a:solidFill>
+                        <a:schemeClr val="tx1"/>
+                      </a:solidFill>
+                      <a:prstDash val="solid"/>
+                      <a:round/>
+                      <a:headEnd type="none" w="med" len="med"/>
+                      <a:tailEnd type="none" w="med" len="med"/>
+                    </a:lnT>
+                    <a:lnB w="12700" cap="flat" cmpd="sng" algn="ctr">
+                      <a:solidFill>
+                        <a:schemeClr val="tx1"/>
+                      </a:solidFill>
+                      <a:prstDash val="solid"/>
+                      <a:round/>
+                      <a:headEnd type="none" w="med" len="med"/>
+                      <a:tailEnd type="none" w="med" len="med"/>
+                    </a:lnB>
+                    <a:lnTlToBr w="12700" cmpd="sng">
+                      <a:noFill/>
+                      <a:prstDash val="solid"/>
+                    </a:lnTlToBr>
+                    <a:lnBlToTr w="12700" cmpd="sng">
+                      <a:noFill/>
+                      <a:prstDash val="solid"/>
+                    </a:lnBlToTr>
+                  </a:tcPr>
+                </a:tc>
+                <a:tc>
+                  <a:txBody>
+                    <a:bodyPr/>
+                    <a:lstStyle/>
+                    <a:p>
+                      <a:pPr algn="ctr" latinLnBrk="1"/>
+                      <a:endParaRPr lang="ko-KR" altLang="en-US" sz="1100" dirty="0"/>
+                    </a:p>
+                  </a:txBody>
+                  <a:tcPr anchor="ctr">
+                    <a:lnL w="12700" cap="flat" cmpd="sng" algn="ctr">
+                      <a:solidFill>
+                        <a:schemeClr val="tx1"/>
+                      </a:solidFill>
+                      <a:prstDash val="solid"/>
+                      <a:round/>
+                      <a:headEnd type="none" w="med" len="med"/>
+                      <a:tailEnd type="none" w="med" len="med"/>
+                    </a:lnL>
+                    <a:lnR w="12700" cap="flat" cmpd="sng" algn="ctr">
+                      <a:solidFill>
+                        <a:schemeClr val="tx1"/>
+                      </a:solidFill>
+                      <a:prstDash val="solid"/>
+                      <a:round/>
+                      <a:headEnd type="none" w="med" len="med"/>
+                      <a:tailEnd type="none" w="med" len="med"/>
+                    </a:lnR>
+                    <a:lnT w="12700" cap="flat" cmpd="sng" algn="ctr">
+                      <a:solidFill>
+                        <a:schemeClr val="tx1"/>
+                      </a:solidFill>
+                      <a:prstDash val="solid"/>
+                      <a:round/>
+                      <a:headEnd type="none" w="med" len="med"/>
+                      <a:tailEnd type="none" w="med" len="med"/>
+                    </a:lnT>
+                    <a:lnB w="12700" cap="flat" cmpd="sng" algn="ctr">
+                      <a:solidFill>
+                        <a:schemeClr val="tx1"/>
+                      </a:solidFill>
+                      <a:prstDash val="solid"/>
+                      <a:round/>
+                      <a:headEnd type="none" w="med" len="med"/>
+                      <a:tailEnd type="none" w="med" len="med"/>
+                    </a:lnB>
+                    <a:lnTlToBr w="12700" cmpd="sng">
+                      <a:noFill/>
+                      <a:prstDash val="solid"/>
+                    </a:lnTlToBr>
+                    <a:lnBlToTr w="12700" cmpd="sng">
+                      <a:noFill/>
+                      <a:prstDash val="solid"/>
+                    </a:lnBlToTr>
+                  </a:tcPr>
+                </a:tc>
+                <a:tc>
+                  <a:txBody>
+                    <a:bodyPr/>
+                    <a:lstStyle/>
+                    <a:p>
+                      <a:pPr algn="ctr" latinLnBrk="1"/>
+                      <a:endParaRPr lang="ko-KR" altLang="en-US" sz="1100" dirty="0"/>
+                    </a:p>
+                  </a:txBody>
+                  <a:tcPr anchor="ctr">
+                    <a:lnL w="12700" cap="flat" cmpd="sng" algn="ctr">
+                      <a:solidFill>
+                        <a:schemeClr val="tx1"/>
+                      </a:solidFill>
+                      <a:prstDash val="solid"/>
+                      <a:round/>
+                      <a:headEnd type="none" w="med" len="med"/>
+                      <a:tailEnd type="none" w="med" len="med"/>
+                    </a:lnL>
+                    <a:lnR w="12700" cap="flat" cmpd="sng" algn="ctr">
+                      <a:solidFill>
+                        <a:schemeClr val="tx1"/>
+                      </a:solidFill>
+                      <a:prstDash val="solid"/>
+                      <a:round/>
+                      <a:headEnd type="none" w="med" len="med"/>
+                      <a:tailEnd type="none" w="med" len="med"/>
+                    </a:lnR>
+                    <a:lnT w="12700" cap="flat" cmpd="sng" algn="ctr">
+                      <a:solidFill>
+                        <a:schemeClr val="tx1"/>
+                      </a:solidFill>
+                      <a:prstDash val="solid"/>
+                      <a:round/>
+                      <a:headEnd type="none" w="med" len="med"/>
+                      <a:tailEnd type="none" w="med" len="med"/>
+                    </a:lnT>
+                    <a:lnB w="12700" cap="flat" cmpd="sng" algn="ctr">
+                      <a:solidFill>
+                        <a:schemeClr val="tx1"/>
+                      </a:solidFill>
+                      <a:prstDash val="solid"/>
+                      <a:round/>
+                      <a:headEnd type="none" w="med" len="med"/>
+                      <a:tailEnd type="none" w="med" len="med"/>
+                    </a:lnB>
+                    <a:lnTlToBr w="12700" cmpd="sng">
+                      <a:noFill/>
+                      <a:prstDash val="solid"/>
+                    </a:lnTlToBr>
+                    <a:lnBlToTr w="12700" cmpd="sng">
+                      <a:noFill/>
+                      <a:prstDash val="solid"/>
+                    </a:lnBlToTr>
+                  </a:tcPr>
+                </a:tc>
                 <a:extLst>
                   <a:ext uri="{0D108BD9-81ED-4DB2-BD59-A6C34878D82A}">
                     <a16:rowId xmlns:a16="http://schemas.microsoft.com/office/drawing/2014/main" val="2477582452"/>
@@ -26712,6 +28147,174 @@
                         <a:rPr lang="en-US" altLang="ko-KR" sz="1100" dirty="0" smtClean="0"/>
                         <a:t>4</a:t>
                       </a:r>
+                      <a:endParaRPr lang="ko-KR" altLang="en-US" sz="1100" dirty="0"/>
+                    </a:p>
+                  </a:txBody>
+                  <a:tcPr anchor="ctr">
+                    <a:lnL w="12700" cap="flat" cmpd="sng" algn="ctr">
+                      <a:solidFill>
+                        <a:schemeClr val="tx1"/>
+                      </a:solidFill>
+                      <a:prstDash val="solid"/>
+                      <a:round/>
+                      <a:headEnd type="none" w="med" len="med"/>
+                      <a:tailEnd type="none" w="med" len="med"/>
+                    </a:lnL>
+                    <a:lnR w="12700" cap="flat" cmpd="sng" algn="ctr">
+                      <a:solidFill>
+                        <a:schemeClr val="tx1"/>
+                      </a:solidFill>
+                      <a:prstDash val="solid"/>
+                      <a:round/>
+                      <a:headEnd type="none" w="med" len="med"/>
+                      <a:tailEnd type="none" w="med" len="med"/>
+                    </a:lnR>
+                    <a:lnT w="12700" cap="flat" cmpd="sng" algn="ctr">
+                      <a:solidFill>
+                        <a:schemeClr val="tx1"/>
+                      </a:solidFill>
+                      <a:prstDash val="solid"/>
+                      <a:round/>
+                      <a:headEnd type="none" w="med" len="med"/>
+                      <a:tailEnd type="none" w="med" len="med"/>
+                    </a:lnT>
+                    <a:lnB w="12700" cap="flat" cmpd="sng" algn="ctr">
+                      <a:solidFill>
+                        <a:schemeClr val="tx1"/>
+                      </a:solidFill>
+                      <a:prstDash val="solid"/>
+                      <a:round/>
+                      <a:headEnd type="none" w="med" len="med"/>
+                      <a:tailEnd type="none" w="med" len="med"/>
+                    </a:lnB>
+                    <a:lnTlToBr w="12700" cmpd="sng">
+                      <a:noFill/>
+                      <a:prstDash val="solid"/>
+                    </a:lnTlToBr>
+                    <a:lnBlToTr w="12700" cmpd="sng">
+                      <a:noFill/>
+                      <a:prstDash val="solid"/>
+                    </a:lnBlToTr>
+                  </a:tcPr>
+                </a:tc>
+                <a:tc>
+                  <a:txBody>
+                    <a:bodyPr/>
+                    <a:lstStyle/>
+                    <a:p>
+                      <a:pPr algn="ctr" latinLnBrk="1"/>
+                      <a:endParaRPr lang="ko-KR" altLang="en-US" sz="1100" dirty="0"/>
+                    </a:p>
+                  </a:txBody>
+                  <a:tcPr anchor="ctr">
+                    <a:lnL w="12700" cap="flat" cmpd="sng" algn="ctr">
+                      <a:solidFill>
+                        <a:schemeClr val="tx1"/>
+                      </a:solidFill>
+                      <a:prstDash val="solid"/>
+                      <a:round/>
+                      <a:headEnd type="none" w="med" len="med"/>
+                      <a:tailEnd type="none" w="med" len="med"/>
+                    </a:lnL>
+                    <a:lnR w="12700" cap="flat" cmpd="sng" algn="ctr">
+                      <a:solidFill>
+                        <a:schemeClr val="tx1"/>
+                      </a:solidFill>
+                      <a:prstDash val="solid"/>
+                      <a:round/>
+                      <a:headEnd type="none" w="med" len="med"/>
+                      <a:tailEnd type="none" w="med" len="med"/>
+                    </a:lnR>
+                    <a:lnT w="12700" cap="flat" cmpd="sng" algn="ctr">
+                      <a:solidFill>
+                        <a:schemeClr val="tx1"/>
+                      </a:solidFill>
+                      <a:prstDash val="solid"/>
+                      <a:round/>
+                      <a:headEnd type="none" w="med" len="med"/>
+                      <a:tailEnd type="none" w="med" len="med"/>
+                    </a:lnT>
+                    <a:lnB w="12700" cap="flat" cmpd="sng" algn="ctr">
+                      <a:solidFill>
+                        <a:schemeClr val="tx1"/>
+                      </a:solidFill>
+                      <a:prstDash val="solid"/>
+                      <a:round/>
+                      <a:headEnd type="none" w="med" len="med"/>
+                      <a:tailEnd type="none" w="med" len="med"/>
+                    </a:lnB>
+                    <a:lnTlToBr w="12700" cmpd="sng">
+                      <a:noFill/>
+                      <a:prstDash val="solid"/>
+                    </a:lnTlToBr>
+                    <a:lnBlToTr w="12700" cmpd="sng">
+                      <a:noFill/>
+                      <a:prstDash val="solid"/>
+                    </a:lnBlToTr>
+                  </a:tcPr>
+                </a:tc>
+                <a:tc>
+                  <a:txBody>
+                    <a:bodyPr/>
+                    <a:lstStyle/>
+                    <a:p>
+                      <a:pPr algn="ctr" latinLnBrk="1"/>
+                      <a:endParaRPr lang="ko-KR" altLang="en-US" sz="1100" dirty="0"/>
+                    </a:p>
+                  </a:txBody>
+                  <a:tcPr anchor="ctr">
+                    <a:lnL w="12700" cap="flat" cmpd="sng" algn="ctr">
+                      <a:solidFill>
+                        <a:schemeClr val="tx1"/>
+                      </a:solidFill>
+                      <a:prstDash val="solid"/>
+                      <a:round/>
+                      <a:headEnd type="none" w="med" len="med"/>
+                      <a:tailEnd type="none" w="med" len="med"/>
+                    </a:lnL>
+                    <a:lnR w="12700" cap="flat" cmpd="sng" algn="ctr">
+                      <a:solidFill>
+                        <a:schemeClr val="tx1"/>
+                      </a:solidFill>
+                      <a:prstDash val="solid"/>
+                      <a:round/>
+                      <a:headEnd type="none" w="med" len="med"/>
+                      <a:tailEnd type="none" w="med" len="med"/>
+                    </a:lnR>
+                    <a:lnT w="12700" cap="flat" cmpd="sng" algn="ctr">
+                      <a:solidFill>
+                        <a:schemeClr val="tx1"/>
+                      </a:solidFill>
+                      <a:prstDash val="solid"/>
+                      <a:round/>
+                      <a:headEnd type="none" w="med" len="med"/>
+                      <a:tailEnd type="none" w="med" len="med"/>
+                    </a:lnT>
+                    <a:lnB w="12700" cap="flat" cmpd="sng" algn="ctr">
+                      <a:solidFill>
+                        <a:schemeClr val="tx1"/>
+                      </a:solidFill>
+                      <a:prstDash val="solid"/>
+                      <a:round/>
+                      <a:headEnd type="none" w="med" len="med"/>
+                      <a:tailEnd type="none" w="med" len="med"/>
+                    </a:lnB>
+                    <a:lnTlToBr w="12700" cmpd="sng">
+                      <a:noFill/>
+                      <a:prstDash val="solid"/>
+                    </a:lnTlToBr>
+                    <a:lnBlToTr w="12700" cmpd="sng">
+                      <a:noFill/>
+                      <a:prstDash val="solid"/>
+                    </a:lnBlToTr>
+                  </a:tcPr>
+                </a:tc>
+                <a:tc>
+                  <a:txBody>
+                    <a:bodyPr/>
+                    <a:lstStyle/>
+                    <a:p>
+                      <a:pPr algn="ctr" latinLnBrk="1"/>
                       <a:endParaRPr lang="ko-KR" altLang="en-US" sz="1100" dirty="0"/>
                     </a:p>
                   </a:txBody>
@@ -26947,10 +28550,174 @@
                     <a:lstStyle/>
                     <a:p>
                       <a:pPr algn="ctr" latinLnBrk="1"/>
-                      <a:r>
-                        <a:rPr lang="en-US" altLang="ko-KR" sz="1100" dirty="0" smtClean="0"/>
-                        <a:t>…</a:t>
-                      </a:r>
+                      <a:endParaRPr lang="ko-KR" altLang="en-US" sz="1100" dirty="0"/>
+                    </a:p>
+                  </a:txBody>
+                  <a:tcPr anchor="ctr">
+                    <a:lnL w="12700" cap="flat" cmpd="sng" algn="ctr">
+                      <a:solidFill>
+                        <a:schemeClr val="tx1"/>
+                      </a:solidFill>
+                      <a:prstDash val="solid"/>
+                      <a:round/>
+                      <a:headEnd type="none" w="med" len="med"/>
+                      <a:tailEnd type="none" w="med" len="med"/>
+                    </a:lnL>
+                    <a:lnR w="12700" cap="flat" cmpd="sng" algn="ctr">
+                      <a:solidFill>
+                        <a:schemeClr val="tx1"/>
+                      </a:solidFill>
+                      <a:prstDash val="solid"/>
+                      <a:round/>
+                      <a:headEnd type="none" w="med" len="med"/>
+                      <a:tailEnd type="none" w="med" len="med"/>
+                    </a:lnR>
+                    <a:lnT w="12700" cap="flat" cmpd="sng" algn="ctr">
+                      <a:solidFill>
+                        <a:schemeClr val="tx1"/>
+                      </a:solidFill>
+                      <a:prstDash val="solid"/>
+                      <a:round/>
+                      <a:headEnd type="none" w="med" len="med"/>
+                      <a:tailEnd type="none" w="med" len="med"/>
+                    </a:lnT>
+                    <a:lnB w="12700" cap="flat" cmpd="sng" algn="ctr">
+                      <a:solidFill>
+                        <a:schemeClr val="tx1"/>
+                      </a:solidFill>
+                      <a:prstDash val="solid"/>
+                      <a:round/>
+                      <a:headEnd type="none" w="med" len="med"/>
+                      <a:tailEnd type="none" w="med" len="med"/>
+                    </a:lnB>
+                    <a:lnTlToBr w="12700" cmpd="sng">
+                      <a:noFill/>
+                      <a:prstDash val="solid"/>
+                    </a:lnTlToBr>
+                    <a:lnBlToTr w="12700" cmpd="sng">
+                      <a:noFill/>
+                      <a:prstDash val="solid"/>
+                    </a:lnBlToTr>
+                  </a:tcPr>
+                </a:tc>
+                <a:tc>
+                  <a:txBody>
+                    <a:bodyPr/>
+                    <a:lstStyle/>
+                    <a:p>
+                      <a:pPr algn="ctr" latinLnBrk="1"/>
+                      <a:endParaRPr lang="ko-KR" altLang="en-US" sz="1100" dirty="0"/>
+                    </a:p>
+                  </a:txBody>
+                  <a:tcPr anchor="ctr">
+                    <a:lnL w="12700" cap="flat" cmpd="sng" algn="ctr">
+                      <a:solidFill>
+                        <a:schemeClr val="tx1"/>
+                      </a:solidFill>
+                      <a:prstDash val="solid"/>
+                      <a:round/>
+                      <a:headEnd type="none" w="med" len="med"/>
+                      <a:tailEnd type="none" w="med" len="med"/>
+                    </a:lnL>
+                    <a:lnR w="12700" cap="flat" cmpd="sng" algn="ctr">
+                      <a:solidFill>
+                        <a:schemeClr val="tx1"/>
+                      </a:solidFill>
+                      <a:prstDash val="solid"/>
+                      <a:round/>
+                      <a:headEnd type="none" w="med" len="med"/>
+                      <a:tailEnd type="none" w="med" len="med"/>
+                    </a:lnR>
+                    <a:lnT w="12700" cap="flat" cmpd="sng" algn="ctr">
+                      <a:solidFill>
+                        <a:schemeClr val="tx1"/>
+                      </a:solidFill>
+                      <a:prstDash val="solid"/>
+                      <a:round/>
+                      <a:headEnd type="none" w="med" len="med"/>
+                      <a:tailEnd type="none" w="med" len="med"/>
+                    </a:lnT>
+                    <a:lnB w="12700" cap="flat" cmpd="sng" algn="ctr">
+                      <a:solidFill>
+                        <a:schemeClr val="tx1"/>
+                      </a:solidFill>
+                      <a:prstDash val="solid"/>
+                      <a:round/>
+                      <a:headEnd type="none" w="med" len="med"/>
+                      <a:tailEnd type="none" w="med" len="med"/>
+                    </a:lnB>
+                    <a:lnTlToBr w="12700" cmpd="sng">
+                      <a:noFill/>
+                      <a:prstDash val="solid"/>
+                    </a:lnTlToBr>
+                    <a:lnBlToTr w="12700" cmpd="sng">
+                      <a:noFill/>
+                      <a:prstDash val="solid"/>
+                    </a:lnBlToTr>
+                  </a:tcPr>
+                </a:tc>
+                <a:tc>
+                  <a:txBody>
+                    <a:bodyPr/>
+                    <a:lstStyle/>
+                    <a:p>
+                      <a:pPr algn="ctr" latinLnBrk="1"/>
+                      <a:endParaRPr lang="ko-KR" altLang="en-US" sz="1100" dirty="0"/>
+                    </a:p>
+                  </a:txBody>
+                  <a:tcPr anchor="ctr">
+                    <a:lnL w="12700" cap="flat" cmpd="sng" algn="ctr">
+                      <a:solidFill>
+                        <a:schemeClr val="tx1"/>
+                      </a:solidFill>
+                      <a:prstDash val="solid"/>
+                      <a:round/>
+                      <a:headEnd type="none" w="med" len="med"/>
+                      <a:tailEnd type="none" w="med" len="med"/>
+                    </a:lnL>
+                    <a:lnR w="12700" cap="flat" cmpd="sng" algn="ctr">
+                      <a:solidFill>
+                        <a:schemeClr val="tx1"/>
+                      </a:solidFill>
+                      <a:prstDash val="solid"/>
+                      <a:round/>
+                      <a:headEnd type="none" w="med" len="med"/>
+                      <a:tailEnd type="none" w="med" len="med"/>
+                    </a:lnR>
+                    <a:lnT w="12700" cap="flat" cmpd="sng" algn="ctr">
+                      <a:solidFill>
+                        <a:schemeClr val="tx1"/>
+                      </a:solidFill>
+                      <a:prstDash val="solid"/>
+                      <a:round/>
+                      <a:headEnd type="none" w="med" len="med"/>
+                      <a:tailEnd type="none" w="med" len="med"/>
+                    </a:lnT>
+                    <a:lnB w="12700" cap="flat" cmpd="sng" algn="ctr">
+                      <a:solidFill>
+                        <a:schemeClr val="tx1"/>
+                      </a:solidFill>
+                      <a:prstDash val="solid"/>
+                      <a:round/>
+                      <a:headEnd type="none" w="med" len="med"/>
+                      <a:tailEnd type="none" w="med" len="med"/>
+                    </a:lnB>
+                    <a:lnTlToBr w="12700" cmpd="sng">
+                      <a:noFill/>
+                      <a:prstDash val="solid"/>
+                    </a:lnTlToBr>
+                    <a:lnBlToTr w="12700" cmpd="sng">
+                      <a:noFill/>
+                      <a:prstDash val="solid"/>
+                    </a:lnBlToTr>
+                  </a:tcPr>
+                </a:tc>
+                <a:tc>
+                  <a:txBody>
+                    <a:bodyPr/>
+                    <a:lstStyle/>
+                    <a:p>
+                      <a:pPr algn="ctr" latinLnBrk="1"/>
                       <a:endParaRPr lang="ko-KR" altLang="en-US" sz="1100" dirty="0"/>
                     </a:p>
                   </a:txBody>
@@ -27134,10 +28901,174 @@
                     <a:lstStyle/>
                     <a:p>
                       <a:pPr algn="ctr" latinLnBrk="1"/>
-                      <a:r>
-                        <a:rPr lang="en-US" altLang="ko-KR" sz="1100" dirty="0" smtClean="0"/>
-                        <a:t>…</a:t>
-                      </a:r>
+                      <a:endParaRPr lang="ko-KR" altLang="en-US" sz="1100" dirty="0"/>
+                    </a:p>
+                  </a:txBody>
+                  <a:tcPr anchor="ctr">
+                    <a:lnL w="12700" cap="flat" cmpd="sng" algn="ctr">
+                      <a:solidFill>
+                        <a:schemeClr val="tx1"/>
+                      </a:solidFill>
+                      <a:prstDash val="solid"/>
+                      <a:round/>
+                      <a:headEnd type="none" w="med" len="med"/>
+                      <a:tailEnd type="none" w="med" len="med"/>
+                    </a:lnL>
+                    <a:lnR w="12700" cap="flat" cmpd="sng" algn="ctr">
+                      <a:solidFill>
+                        <a:schemeClr val="tx1"/>
+                      </a:solidFill>
+                      <a:prstDash val="solid"/>
+                      <a:round/>
+                      <a:headEnd type="none" w="med" len="med"/>
+                      <a:tailEnd type="none" w="med" len="med"/>
+                    </a:lnR>
+                    <a:lnT w="12700" cap="flat" cmpd="sng" algn="ctr">
+                      <a:solidFill>
+                        <a:schemeClr val="tx1"/>
+                      </a:solidFill>
+                      <a:prstDash val="solid"/>
+                      <a:round/>
+                      <a:headEnd type="none" w="med" len="med"/>
+                      <a:tailEnd type="none" w="med" len="med"/>
+                    </a:lnT>
+                    <a:lnB w="12700" cap="flat" cmpd="sng" algn="ctr">
+                      <a:solidFill>
+                        <a:schemeClr val="tx1"/>
+                      </a:solidFill>
+                      <a:prstDash val="solid"/>
+                      <a:round/>
+                      <a:headEnd type="none" w="med" len="med"/>
+                      <a:tailEnd type="none" w="med" len="med"/>
+                    </a:lnB>
+                    <a:lnTlToBr w="12700" cmpd="sng">
+                      <a:noFill/>
+                      <a:prstDash val="solid"/>
+                    </a:lnTlToBr>
+                    <a:lnBlToTr w="12700" cmpd="sng">
+                      <a:noFill/>
+                      <a:prstDash val="solid"/>
+                    </a:lnBlToTr>
+                  </a:tcPr>
+                </a:tc>
+                <a:tc>
+                  <a:txBody>
+                    <a:bodyPr/>
+                    <a:lstStyle/>
+                    <a:p>
+                      <a:pPr algn="ctr" latinLnBrk="1"/>
+                      <a:endParaRPr lang="ko-KR" altLang="en-US" sz="1100" dirty="0"/>
+                    </a:p>
+                  </a:txBody>
+                  <a:tcPr anchor="ctr">
+                    <a:lnL w="12700" cap="flat" cmpd="sng" algn="ctr">
+                      <a:solidFill>
+                        <a:schemeClr val="tx1"/>
+                      </a:solidFill>
+                      <a:prstDash val="solid"/>
+                      <a:round/>
+                      <a:headEnd type="none" w="med" len="med"/>
+                      <a:tailEnd type="none" w="med" len="med"/>
+                    </a:lnL>
+                    <a:lnR w="12700" cap="flat" cmpd="sng" algn="ctr">
+                      <a:solidFill>
+                        <a:schemeClr val="tx1"/>
+                      </a:solidFill>
+                      <a:prstDash val="solid"/>
+                      <a:round/>
+                      <a:headEnd type="none" w="med" len="med"/>
+                      <a:tailEnd type="none" w="med" len="med"/>
+                    </a:lnR>
+                    <a:lnT w="12700" cap="flat" cmpd="sng" algn="ctr">
+                      <a:solidFill>
+                        <a:schemeClr val="tx1"/>
+                      </a:solidFill>
+                      <a:prstDash val="solid"/>
+                      <a:round/>
+                      <a:headEnd type="none" w="med" len="med"/>
+                      <a:tailEnd type="none" w="med" len="med"/>
+                    </a:lnT>
+                    <a:lnB w="12700" cap="flat" cmpd="sng" algn="ctr">
+                      <a:solidFill>
+                        <a:schemeClr val="tx1"/>
+                      </a:solidFill>
+                      <a:prstDash val="solid"/>
+                      <a:round/>
+                      <a:headEnd type="none" w="med" len="med"/>
+                      <a:tailEnd type="none" w="med" len="med"/>
+                    </a:lnB>
+                    <a:lnTlToBr w="12700" cmpd="sng">
+                      <a:noFill/>
+                      <a:prstDash val="solid"/>
+                    </a:lnTlToBr>
+                    <a:lnBlToTr w="12700" cmpd="sng">
+                      <a:noFill/>
+                      <a:prstDash val="solid"/>
+                    </a:lnBlToTr>
+                  </a:tcPr>
+                </a:tc>
+                <a:tc>
+                  <a:txBody>
+                    <a:bodyPr/>
+                    <a:lstStyle/>
+                    <a:p>
+                      <a:pPr algn="ctr" latinLnBrk="1"/>
+                      <a:endParaRPr lang="ko-KR" altLang="en-US" sz="1100" dirty="0"/>
+                    </a:p>
+                  </a:txBody>
+                  <a:tcPr anchor="ctr">
+                    <a:lnL w="12700" cap="flat" cmpd="sng" algn="ctr">
+                      <a:solidFill>
+                        <a:schemeClr val="tx1"/>
+                      </a:solidFill>
+                      <a:prstDash val="solid"/>
+                      <a:round/>
+                      <a:headEnd type="none" w="med" len="med"/>
+                      <a:tailEnd type="none" w="med" len="med"/>
+                    </a:lnL>
+                    <a:lnR w="12700" cap="flat" cmpd="sng" algn="ctr">
+                      <a:solidFill>
+                        <a:schemeClr val="tx1"/>
+                      </a:solidFill>
+                      <a:prstDash val="solid"/>
+                      <a:round/>
+                      <a:headEnd type="none" w="med" len="med"/>
+                      <a:tailEnd type="none" w="med" len="med"/>
+                    </a:lnR>
+                    <a:lnT w="12700" cap="flat" cmpd="sng" algn="ctr">
+                      <a:solidFill>
+                        <a:schemeClr val="tx1"/>
+                      </a:solidFill>
+                      <a:prstDash val="solid"/>
+                      <a:round/>
+                      <a:headEnd type="none" w="med" len="med"/>
+                      <a:tailEnd type="none" w="med" len="med"/>
+                    </a:lnT>
+                    <a:lnB w="12700" cap="flat" cmpd="sng" algn="ctr">
+                      <a:solidFill>
+                        <a:schemeClr val="tx1"/>
+                      </a:solidFill>
+                      <a:prstDash val="solid"/>
+                      <a:round/>
+                      <a:headEnd type="none" w="med" len="med"/>
+                      <a:tailEnd type="none" w="med" len="med"/>
+                    </a:lnB>
+                    <a:lnTlToBr w="12700" cmpd="sng">
+                      <a:noFill/>
+                      <a:prstDash val="solid"/>
+                    </a:lnTlToBr>
+                    <a:lnBlToTr w="12700" cmpd="sng">
+                      <a:noFill/>
+                      <a:prstDash val="solid"/>
+                    </a:lnBlToTr>
+                  </a:tcPr>
+                </a:tc>
+                <a:tc>
+                  <a:txBody>
+                    <a:bodyPr/>
+                    <a:lstStyle/>
+                    <a:p>
+                      <a:pPr algn="ctr" latinLnBrk="1"/>
                       <a:endParaRPr lang="ko-KR" altLang="en-US" sz="1100" dirty="0"/>
                     </a:p>
                   </a:txBody>
@@ -27321,10 +29252,174 @@
                     <a:lstStyle/>
                     <a:p>
                       <a:pPr algn="ctr" latinLnBrk="1"/>
-                      <a:r>
-                        <a:rPr lang="en-US" altLang="ko-KR" sz="1100" dirty="0" smtClean="0"/>
-                        <a:t>…</a:t>
-                      </a:r>
+                      <a:endParaRPr lang="ko-KR" altLang="en-US" sz="1100" dirty="0"/>
+                    </a:p>
+                  </a:txBody>
+                  <a:tcPr anchor="ctr">
+                    <a:lnL w="12700" cap="flat" cmpd="sng" algn="ctr">
+                      <a:solidFill>
+                        <a:schemeClr val="tx1"/>
+                      </a:solidFill>
+                      <a:prstDash val="solid"/>
+                      <a:round/>
+                      <a:headEnd type="none" w="med" len="med"/>
+                      <a:tailEnd type="none" w="med" len="med"/>
+                    </a:lnL>
+                    <a:lnR w="12700" cap="flat" cmpd="sng" algn="ctr">
+                      <a:solidFill>
+                        <a:schemeClr val="tx1"/>
+                      </a:solidFill>
+                      <a:prstDash val="solid"/>
+                      <a:round/>
+                      <a:headEnd type="none" w="med" len="med"/>
+                      <a:tailEnd type="none" w="med" len="med"/>
+                    </a:lnR>
+                    <a:lnT w="12700" cap="flat" cmpd="sng" algn="ctr">
+                      <a:solidFill>
+                        <a:schemeClr val="tx1"/>
+                      </a:solidFill>
+                      <a:prstDash val="solid"/>
+                      <a:round/>
+                      <a:headEnd type="none" w="med" len="med"/>
+                      <a:tailEnd type="none" w="med" len="med"/>
+                    </a:lnT>
+                    <a:lnB w="12700" cap="flat" cmpd="sng" algn="ctr">
+                      <a:solidFill>
+                        <a:schemeClr val="tx1"/>
+                      </a:solidFill>
+                      <a:prstDash val="solid"/>
+                      <a:round/>
+                      <a:headEnd type="none" w="med" len="med"/>
+                      <a:tailEnd type="none" w="med" len="med"/>
+                    </a:lnB>
+                    <a:lnTlToBr w="12700" cmpd="sng">
+                      <a:noFill/>
+                      <a:prstDash val="solid"/>
+                    </a:lnTlToBr>
+                    <a:lnBlToTr w="12700" cmpd="sng">
+                      <a:noFill/>
+                      <a:prstDash val="solid"/>
+                    </a:lnBlToTr>
+                  </a:tcPr>
+                </a:tc>
+                <a:tc>
+                  <a:txBody>
+                    <a:bodyPr/>
+                    <a:lstStyle/>
+                    <a:p>
+                      <a:pPr algn="ctr" latinLnBrk="1"/>
+                      <a:endParaRPr lang="ko-KR" altLang="en-US" sz="1100" dirty="0"/>
+                    </a:p>
+                  </a:txBody>
+                  <a:tcPr anchor="ctr">
+                    <a:lnL w="12700" cap="flat" cmpd="sng" algn="ctr">
+                      <a:solidFill>
+                        <a:schemeClr val="tx1"/>
+                      </a:solidFill>
+                      <a:prstDash val="solid"/>
+                      <a:round/>
+                      <a:headEnd type="none" w="med" len="med"/>
+                      <a:tailEnd type="none" w="med" len="med"/>
+                    </a:lnL>
+                    <a:lnR w="12700" cap="flat" cmpd="sng" algn="ctr">
+                      <a:solidFill>
+                        <a:schemeClr val="tx1"/>
+                      </a:solidFill>
+                      <a:prstDash val="solid"/>
+                      <a:round/>
+                      <a:headEnd type="none" w="med" len="med"/>
+                      <a:tailEnd type="none" w="med" len="med"/>
+                    </a:lnR>
+                    <a:lnT w="12700" cap="flat" cmpd="sng" algn="ctr">
+                      <a:solidFill>
+                        <a:schemeClr val="tx1"/>
+                      </a:solidFill>
+                      <a:prstDash val="solid"/>
+                      <a:round/>
+                      <a:headEnd type="none" w="med" len="med"/>
+                      <a:tailEnd type="none" w="med" len="med"/>
+                    </a:lnT>
+                    <a:lnB w="12700" cap="flat" cmpd="sng" algn="ctr">
+                      <a:solidFill>
+                        <a:schemeClr val="tx1"/>
+                      </a:solidFill>
+                      <a:prstDash val="solid"/>
+                      <a:round/>
+                      <a:headEnd type="none" w="med" len="med"/>
+                      <a:tailEnd type="none" w="med" len="med"/>
+                    </a:lnB>
+                    <a:lnTlToBr w="12700" cmpd="sng">
+                      <a:noFill/>
+                      <a:prstDash val="solid"/>
+                    </a:lnTlToBr>
+                    <a:lnBlToTr w="12700" cmpd="sng">
+                      <a:noFill/>
+                      <a:prstDash val="solid"/>
+                    </a:lnBlToTr>
+                  </a:tcPr>
+                </a:tc>
+                <a:tc>
+                  <a:txBody>
+                    <a:bodyPr/>
+                    <a:lstStyle/>
+                    <a:p>
+                      <a:pPr algn="ctr" latinLnBrk="1"/>
+                      <a:endParaRPr lang="ko-KR" altLang="en-US" sz="1100" dirty="0"/>
+                    </a:p>
+                  </a:txBody>
+                  <a:tcPr anchor="ctr">
+                    <a:lnL w="12700" cap="flat" cmpd="sng" algn="ctr">
+                      <a:solidFill>
+                        <a:schemeClr val="tx1"/>
+                      </a:solidFill>
+                      <a:prstDash val="solid"/>
+                      <a:round/>
+                      <a:headEnd type="none" w="med" len="med"/>
+                      <a:tailEnd type="none" w="med" len="med"/>
+                    </a:lnL>
+                    <a:lnR w="12700" cap="flat" cmpd="sng" algn="ctr">
+                      <a:solidFill>
+                        <a:schemeClr val="tx1"/>
+                      </a:solidFill>
+                      <a:prstDash val="solid"/>
+                      <a:round/>
+                      <a:headEnd type="none" w="med" len="med"/>
+                      <a:tailEnd type="none" w="med" len="med"/>
+                    </a:lnR>
+                    <a:lnT w="12700" cap="flat" cmpd="sng" algn="ctr">
+                      <a:solidFill>
+                        <a:schemeClr val="tx1"/>
+                      </a:solidFill>
+                      <a:prstDash val="solid"/>
+                      <a:round/>
+                      <a:headEnd type="none" w="med" len="med"/>
+                      <a:tailEnd type="none" w="med" len="med"/>
+                    </a:lnT>
+                    <a:lnB w="12700" cap="flat" cmpd="sng" algn="ctr">
+                      <a:solidFill>
+                        <a:schemeClr val="tx1"/>
+                      </a:solidFill>
+                      <a:prstDash val="solid"/>
+                      <a:round/>
+                      <a:headEnd type="none" w="med" len="med"/>
+                      <a:tailEnd type="none" w="med" len="med"/>
+                    </a:lnB>
+                    <a:lnTlToBr w="12700" cmpd="sng">
+                      <a:noFill/>
+                      <a:prstDash val="solid"/>
+                    </a:lnTlToBr>
+                    <a:lnBlToTr w="12700" cmpd="sng">
+                      <a:noFill/>
+                      <a:prstDash val="solid"/>
+                    </a:lnBlToTr>
+                  </a:tcPr>
+                </a:tc>
+                <a:tc>
+                  <a:txBody>
+                    <a:bodyPr/>
+                    <a:lstStyle/>
+                    <a:p>
+                      <a:pPr algn="ctr" latinLnBrk="1"/>
                       <a:endParaRPr lang="ko-KR" altLang="en-US" sz="1100" dirty="0"/>
                     </a:p>
                   </a:txBody>
@@ -27466,7 +29561,83 @@
                       </a:pPr>
                       <a:r>
                         <a:rPr lang="en-US" altLang="ko-KR" sz="1100" dirty="0" smtClean="0"/>
-                        <a:t>4,294,967,295</a:t>
+                        <a:t>1,048,576</a:t>
+                      </a:r>
+                      <a:endParaRPr lang="ko-KR" altLang="en-US" sz="1100" dirty="0" smtClean="0"/>
+                    </a:p>
+                  </a:txBody>
+                  <a:tcPr anchor="ctr">
+                    <a:lnL w="12700" cap="flat" cmpd="sng" algn="ctr">
+                      <a:solidFill>
+                        <a:schemeClr val="tx1"/>
+                      </a:solidFill>
+                      <a:prstDash val="solid"/>
+                      <a:round/>
+                      <a:headEnd type="none" w="med" len="med"/>
+                      <a:tailEnd type="none" w="med" len="med"/>
+                    </a:lnL>
+                    <a:lnR w="12700" cap="flat" cmpd="sng" algn="ctr">
+                      <a:solidFill>
+                        <a:schemeClr val="tx1"/>
+                      </a:solidFill>
+                      <a:prstDash val="solid"/>
+                      <a:round/>
+                      <a:headEnd type="none" w="med" len="med"/>
+                      <a:tailEnd type="none" w="med" len="med"/>
+                    </a:lnR>
+                    <a:lnT w="12700" cap="flat" cmpd="sng" algn="ctr">
+                      <a:solidFill>
+                        <a:schemeClr val="tx1"/>
+                      </a:solidFill>
+                      <a:prstDash val="solid"/>
+                      <a:round/>
+                      <a:headEnd type="none" w="med" len="med"/>
+                      <a:tailEnd type="none" w="med" len="med"/>
+                    </a:lnT>
+                    <a:lnB w="12700" cap="flat" cmpd="sng" algn="ctr">
+                      <a:solidFill>
+                        <a:schemeClr val="tx1"/>
+                      </a:solidFill>
+                      <a:prstDash val="solid"/>
+                      <a:round/>
+                      <a:headEnd type="none" w="med" len="med"/>
+                      <a:tailEnd type="none" w="med" len="med"/>
+                    </a:lnB>
+                    <a:lnTlToBr w="12700" cmpd="sng">
+                      <a:noFill/>
+                      <a:prstDash val="solid"/>
+                    </a:lnTlToBr>
+                    <a:lnBlToTr w="12700" cmpd="sng">
+                      <a:noFill/>
+                      <a:prstDash val="solid"/>
+                    </a:lnBlToTr>
+                  </a:tcPr>
+                </a:tc>
+                <a:tc>
+                  <a:txBody>
+                    <a:bodyPr/>
+                    <a:lstStyle/>
+                    <a:p>
+                      <a:pPr marL="0" marR="0" indent="0" algn="ctr" defTabSz="914400" rtl="0" eaLnBrk="1" fontAlgn="auto" latinLnBrk="1" hangingPunct="1">
+                        <a:lnSpc>
+                          <a:spcPct val="100000"/>
+                        </a:lnSpc>
+                        <a:spcBef>
+                          <a:spcPts val="0"/>
+                        </a:spcBef>
+                        <a:spcAft>
+                          <a:spcPts val="0"/>
+                        </a:spcAft>
+                        <a:buClrTx/>
+                        <a:buSzTx/>
+                        <a:buFontTx/>
+                        <a:buNone/>
+                        <a:tabLst/>
+                        <a:defRPr/>
+                      </a:pPr>
+                      <a:r>
+                        <a:rPr lang="en-US" altLang="ko-KR" sz="1100" dirty="0" smtClean="0"/>
+                        <a:t>0x12345678</a:t>
                       </a:r>
                       <a:endParaRPr lang="ko-KR" altLang="en-US" sz="1100" dirty="0" smtClean="0"/>
                     </a:p>
@@ -27526,7 +29697,7 @@
                       <a:pPr algn="ctr" latinLnBrk="1"/>
                       <a:r>
                         <a:rPr lang="en-US" altLang="ko-KR" sz="1100" dirty="0" smtClean="0"/>
-                        <a:t>…</a:t>
+                        <a:t>0x12345</a:t>
                       </a:r>
                       <a:endParaRPr lang="ko-KR" altLang="en-US" sz="1100" dirty="0"/>
                     </a:p>
@@ -27586,7 +29757,127 @@
                       <a:pPr algn="ctr" latinLnBrk="1"/>
                       <a:r>
                         <a:rPr lang="en-US" altLang="ko-KR" sz="1100" dirty="0" smtClean="0"/>
-                        <a:t>…</a:t>
+                        <a:t>0x678</a:t>
+                      </a:r>
+                      <a:endParaRPr lang="ko-KR" altLang="en-US" sz="1100" dirty="0"/>
+                    </a:p>
+                  </a:txBody>
+                  <a:tcPr anchor="ctr">
+                    <a:lnL w="12700" cap="flat" cmpd="sng" algn="ctr">
+                      <a:solidFill>
+                        <a:schemeClr val="tx1"/>
+                      </a:solidFill>
+                      <a:prstDash val="solid"/>
+                      <a:round/>
+                      <a:headEnd type="none" w="med" len="med"/>
+                      <a:tailEnd type="none" w="med" len="med"/>
+                    </a:lnL>
+                    <a:lnR w="12700" cap="flat" cmpd="sng" algn="ctr">
+                      <a:solidFill>
+                        <a:schemeClr val="tx1"/>
+                      </a:solidFill>
+                      <a:prstDash val="solid"/>
+                      <a:round/>
+                      <a:headEnd type="none" w="med" len="med"/>
+                      <a:tailEnd type="none" w="med" len="med"/>
+                    </a:lnR>
+                    <a:lnT w="12700" cap="flat" cmpd="sng" algn="ctr">
+                      <a:solidFill>
+                        <a:schemeClr val="tx1"/>
+                      </a:solidFill>
+                      <a:prstDash val="solid"/>
+                      <a:round/>
+                      <a:headEnd type="none" w="med" len="med"/>
+                      <a:tailEnd type="none" w="med" len="med"/>
+                    </a:lnT>
+                    <a:lnB w="12700" cap="flat" cmpd="sng" algn="ctr">
+                      <a:solidFill>
+                        <a:schemeClr val="tx1"/>
+                      </a:solidFill>
+                      <a:prstDash val="solid"/>
+                      <a:round/>
+                      <a:headEnd type="none" w="med" len="med"/>
+                      <a:tailEnd type="none" w="med" len="med"/>
+                    </a:lnB>
+                    <a:lnTlToBr w="12700" cmpd="sng">
+                      <a:noFill/>
+                      <a:prstDash val="solid"/>
+                    </a:lnTlToBr>
+                    <a:lnBlToTr w="12700" cmpd="sng">
+                      <a:noFill/>
+                      <a:prstDash val="solid"/>
+                    </a:lnBlToTr>
+                  </a:tcPr>
+                </a:tc>
+                <a:tc>
+                  <a:txBody>
+                    <a:bodyPr/>
+                    <a:lstStyle/>
+                    <a:p>
+                      <a:pPr algn="ctr" latinLnBrk="1"/>
+                      <a:r>
+                        <a:rPr lang="en-US" altLang="ko-KR" sz="1100" dirty="0" smtClean="0"/>
+                        <a:t>0x9ABCDE</a:t>
+                      </a:r>
+                      <a:endParaRPr lang="ko-KR" altLang="en-US" sz="1100" dirty="0"/>
+                    </a:p>
+                  </a:txBody>
+                  <a:tcPr anchor="ctr">
+                    <a:lnL w="12700" cap="flat" cmpd="sng" algn="ctr">
+                      <a:solidFill>
+                        <a:schemeClr val="tx1"/>
+                      </a:solidFill>
+                      <a:prstDash val="solid"/>
+                      <a:round/>
+                      <a:headEnd type="none" w="med" len="med"/>
+                      <a:tailEnd type="none" w="med" len="med"/>
+                    </a:lnL>
+                    <a:lnR w="12700" cap="flat" cmpd="sng" algn="ctr">
+                      <a:solidFill>
+                        <a:schemeClr val="tx1"/>
+                      </a:solidFill>
+                      <a:prstDash val="solid"/>
+                      <a:round/>
+                      <a:headEnd type="none" w="med" len="med"/>
+                      <a:tailEnd type="none" w="med" len="med"/>
+                    </a:lnR>
+                    <a:lnT w="12700" cap="flat" cmpd="sng" algn="ctr">
+                      <a:solidFill>
+                        <a:schemeClr val="tx1"/>
+                      </a:solidFill>
+                      <a:prstDash val="solid"/>
+                      <a:round/>
+                      <a:headEnd type="none" w="med" len="med"/>
+                      <a:tailEnd type="none" w="med" len="med"/>
+                    </a:lnT>
+                    <a:lnB w="12700" cap="flat" cmpd="sng" algn="ctr">
+                      <a:solidFill>
+                        <a:schemeClr val="tx1"/>
+                      </a:solidFill>
+                      <a:prstDash val="solid"/>
+                      <a:round/>
+                      <a:headEnd type="none" w="med" len="med"/>
+                      <a:tailEnd type="none" w="med" len="med"/>
+                    </a:lnB>
+                    <a:lnTlToBr w="12700" cmpd="sng">
+                      <a:noFill/>
+                      <a:prstDash val="solid"/>
+                    </a:lnTlToBr>
+                    <a:lnBlToTr w="12700" cmpd="sng">
+                      <a:noFill/>
+                      <a:prstDash val="solid"/>
+                    </a:lnBlToTr>
+                  </a:tcPr>
+                </a:tc>
+                <a:tc>
+                  <a:txBody>
+                    <a:bodyPr/>
+                    <a:lstStyle/>
+                    <a:p>
+                      <a:pPr algn="ctr" latinLnBrk="1"/>
+                      <a:r>
+                        <a:rPr lang="en-US" altLang="ko-KR" sz="1100" dirty="0" smtClean="0"/>
+                        <a:t>0x9ABCDE78</a:t>
                       </a:r>
                       <a:endParaRPr lang="ko-KR" altLang="en-US" sz="1100" dirty="0"/>
                     </a:p>
@@ -27656,7 +29947,7 @@
         </p:nvSpPr>
         <p:spPr>
           <a:xfrm>
-            <a:off x="3428432" y="6080013"/>
+            <a:off x="763986" y="5510514"/>
             <a:ext cx="2109655" cy="338554"/>
           </a:xfrm>
           <a:prstGeom prst="rect">
@@ -27688,7 +29979,7 @@
         <p:spPr>
           <a:xfrm>
             <a:off x="192714" y="192988"/>
-            <a:ext cx="8943476" cy="307777"/>
+            <a:ext cx="10576886" cy="307777"/>
           </a:xfrm>
           <a:prstGeom prst="rect">
             <a:avLst/>
@@ -27706,12 +29997,8 @@
               <a:t>Page Table</a:t>
             </a:r>
             <a:r>
-              <a:rPr lang="ko-KR" altLang="en-US" sz="1400" smtClean="0"/>
-              <a:t>의 실제 </a:t>
-            </a:r>
-            <a:r>
               <a:rPr lang="ko-KR" altLang="en-US" sz="1400" dirty="0" smtClean="0"/>
-              <a:t>그림은 다음과 같다 </a:t>
+              <a:t>의 실제 그림은 다음과 같다 </a:t>
             </a:r>
             <a:r>
               <a:rPr lang="en-US" altLang="ko-KR" sz="1400" dirty="0" smtClean="0"/>
@@ -27788,6 +30075,1715 @@
               <a:t>.</a:t>
             </a:r>
             <a:endParaRPr lang="ko-KR" altLang="en-US" sz="1200" b="1" dirty="0"/>
+          </a:p>
+        </p:txBody>
+      </p:sp>
+      <mc:AlternateContent xmlns:mc="http://schemas.openxmlformats.org/markup-compatibility/2006" xmlns:a14="http://schemas.microsoft.com/office/drawing/2010/main">
+        <mc:Choice Requires="a14">
+          <p:sp>
+            <p:nvSpPr>
+              <p:cNvPr id="5" name="직사각형 4"/>
+              <p:cNvSpPr/>
+              <p:nvPr/>
+            </p:nvSpPr>
+            <p:spPr>
+              <a:xfrm>
+                <a:off x="5830229" y="544593"/>
+                <a:ext cx="5128327" cy="379335"/>
+              </a:xfrm>
+              <a:prstGeom prst="rect">
+                <a:avLst/>
+              </a:prstGeom>
+            </p:spPr>
+            <p:txBody>
+              <a:bodyPr wrap="none">
+                <a:spAutoFit/>
+              </a:bodyPr>
+              <a:lstStyle/>
+              <a:p>
+                <a:r>
+                  <a:rPr lang="ko-KR" altLang="en-US" sz="1200" dirty="0" smtClean="0"/>
+                  <a:t>따라서</a:t>
+                </a:r>
+                <a:r>
+                  <a:rPr lang="en-US" altLang="ko-KR" sz="1200" dirty="0" smtClean="0"/>
+                  <a:t> </a:t>
+                </a:r>
+                <a:r>
+                  <a:rPr lang="en-US" altLang="ko-KR" sz="1200" dirty="0"/>
+                  <a:t>32bit</a:t>
+                </a:r>
+                <a:r>
+                  <a:rPr lang="ko-KR" altLang="en-US" sz="1200" dirty="0"/>
+                  <a:t>체계에서는 </a:t>
+                </a:r>
+                <a14:m>
+                  <m:oMath xmlns:m="http://schemas.openxmlformats.org/officeDocument/2006/math">
+                    <m:f>
+                      <m:fPr>
+                        <m:ctrlPr>
+                          <a:rPr lang="en-US" altLang="ko-KR" sz="1200" i="1" smtClean="0">
+                            <a:latin typeface="Cambria Math" panose="02040503050406030204" pitchFamily="18" charset="0"/>
+                          </a:rPr>
+                        </m:ctrlPr>
+                      </m:fPr>
+                      <m:num>
+                        <m:r>
+                          <a:rPr lang="en-US" altLang="ko-KR" sz="1200" b="0" i="1" smtClean="0">
+                            <a:latin typeface="Cambria Math" panose="02040503050406030204" pitchFamily="18" charset="0"/>
+                          </a:rPr>
+                          <m:t>4</m:t>
+                        </m:r>
+                        <m:r>
+                          <a:rPr lang="en-US" altLang="ko-KR" sz="1200" b="0" i="1" smtClean="0">
+                            <a:latin typeface="Cambria Math" panose="02040503050406030204" pitchFamily="18" charset="0"/>
+                          </a:rPr>
+                          <m:t>𝐺𝐵</m:t>
+                        </m:r>
+                      </m:num>
+                      <m:den>
+                        <m:r>
+                          <a:rPr lang="en-US" altLang="ko-KR" sz="1200" b="0" i="1" smtClean="0">
+                            <a:latin typeface="Cambria Math" panose="02040503050406030204" pitchFamily="18" charset="0"/>
+                          </a:rPr>
+                          <m:t>4</m:t>
+                        </m:r>
+                        <m:r>
+                          <a:rPr lang="en-US" altLang="ko-KR" sz="1200" b="0" i="1" smtClean="0">
+                            <a:latin typeface="Cambria Math" panose="02040503050406030204" pitchFamily="18" charset="0"/>
+                          </a:rPr>
+                          <m:t>𝐾𝐵</m:t>
+                        </m:r>
+                      </m:den>
+                    </m:f>
+                    <m:r>
+                      <a:rPr lang="en-US" altLang="ko-KR" sz="1200" b="0" i="1" smtClean="0">
+                        <a:latin typeface="Cambria Math" panose="02040503050406030204" pitchFamily="18" charset="0"/>
+                      </a:rPr>
+                      <m:t>= </m:t>
+                    </m:r>
+                    <m:f>
+                      <m:fPr>
+                        <m:ctrlPr>
+                          <a:rPr lang="en-US" altLang="ko-KR" sz="1200" b="0" i="1" smtClean="0">
+                            <a:latin typeface="Cambria Math" panose="02040503050406030204" pitchFamily="18" charset="0"/>
+                          </a:rPr>
+                        </m:ctrlPr>
+                      </m:fPr>
+                      <m:num>
+                        <m:sSup>
+                          <m:sSupPr>
+                            <m:ctrlPr>
+                              <a:rPr lang="en-US" altLang="ko-KR" sz="1200" b="0" i="1" smtClean="0">
+                                <a:latin typeface="Cambria Math" panose="02040503050406030204" pitchFamily="18" charset="0"/>
+                              </a:rPr>
+                            </m:ctrlPr>
+                          </m:sSupPr>
+                          <m:e>
+                            <m:r>
+                              <a:rPr lang="en-US" altLang="ko-KR" sz="1200" b="0" i="1" smtClean="0">
+                                <a:latin typeface="Cambria Math" panose="02040503050406030204" pitchFamily="18" charset="0"/>
+                              </a:rPr>
+                              <m:t>2</m:t>
+                            </m:r>
+                          </m:e>
+                          <m:sup>
+                            <m:r>
+                              <a:rPr lang="en-US" altLang="ko-KR" sz="1200" b="0" i="1" smtClean="0">
+                                <a:latin typeface="Cambria Math" panose="02040503050406030204" pitchFamily="18" charset="0"/>
+                              </a:rPr>
+                              <m:t>32</m:t>
+                            </m:r>
+                          </m:sup>
+                        </m:sSup>
+                      </m:num>
+                      <m:den>
+                        <m:sSup>
+                          <m:sSupPr>
+                            <m:ctrlPr>
+                              <a:rPr lang="en-US" altLang="ko-KR" sz="1200" b="0" i="1" smtClean="0">
+                                <a:latin typeface="Cambria Math" panose="02040503050406030204" pitchFamily="18" charset="0"/>
+                              </a:rPr>
+                            </m:ctrlPr>
+                          </m:sSupPr>
+                          <m:e>
+                            <m:r>
+                              <a:rPr lang="en-US" altLang="ko-KR" sz="1200" b="0" i="1" smtClean="0">
+                                <a:latin typeface="Cambria Math" panose="02040503050406030204" pitchFamily="18" charset="0"/>
+                              </a:rPr>
+                              <m:t>2</m:t>
+                            </m:r>
+                          </m:e>
+                          <m:sup>
+                            <m:r>
+                              <a:rPr lang="en-US" altLang="ko-KR" sz="1200" b="0" i="1" smtClean="0">
+                                <a:latin typeface="Cambria Math" panose="02040503050406030204" pitchFamily="18" charset="0"/>
+                              </a:rPr>
+                              <m:t>12</m:t>
+                            </m:r>
+                          </m:sup>
+                        </m:sSup>
+                      </m:den>
+                    </m:f>
+                    <m:r>
+                      <a:rPr lang="en-US" altLang="ko-KR" sz="1200" b="0" i="1" smtClean="0">
+                        <a:latin typeface="Cambria Math" panose="02040503050406030204" pitchFamily="18" charset="0"/>
+                      </a:rPr>
+                      <m:t>= </m:t>
+                    </m:r>
+                    <m:sSup>
+                      <m:sSupPr>
+                        <m:ctrlPr>
+                          <a:rPr lang="en-US" altLang="ko-KR" sz="1200" b="0" i="1" smtClean="0">
+                            <a:latin typeface="Cambria Math" panose="02040503050406030204" pitchFamily="18" charset="0"/>
+                          </a:rPr>
+                        </m:ctrlPr>
+                      </m:sSupPr>
+                      <m:e>
+                        <m:r>
+                          <a:rPr lang="en-US" altLang="ko-KR" sz="1200" b="0" i="1" smtClean="0">
+                            <a:latin typeface="Cambria Math" panose="02040503050406030204" pitchFamily="18" charset="0"/>
+                          </a:rPr>
+                          <m:t>2</m:t>
+                        </m:r>
+                      </m:e>
+                      <m:sup>
+                        <m:r>
+                          <a:rPr lang="en-US" altLang="ko-KR" sz="1200" b="0" i="1" smtClean="0">
+                            <a:latin typeface="Cambria Math" panose="02040503050406030204" pitchFamily="18" charset="0"/>
+                          </a:rPr>
+                          <m:t>20</m:t>
+                        </m:r>
+                      </m:sup>
+                    </m:sSup>
+                    <m:r>
+                      <a:rPr lang="en-US" altLang="ko-KR" sz="1200" b="0" i="1" smtClean="0">
+                        <a:latin typeface="Cambria Math" panose="02040503050406030204" pitchFamily="18" charset="0"/>
+                      </a:rPr>
+                      <m:t>=1048576 </m:t>
+                    </m:r>
+                    <m:r>
+                      <a:rPr lang="en-US" altLang="ko-KR" sz="1200" b="0" i="1" smtClean="0">
+                        <a:latin typeface="Cambria Math" panose="02040503050406030204" pitchFamily="18" charset="0"/>
+                      </a:rPr>
+                      <m:t>𝑃𝑎𝑔𝑒</m:t>
+                    </m:r>
+                  </m:oMath>
+                </a14:m>
+                <a:r>
+                  <a:rPr lang="ko-KR" altLang="en-US" sz="1200" dirty="0" smtClean="0"/>
+                  <a:t> 가 생성된다</a:t>
+                </a:r>
+                <a:r>
+                  <a:rPr lang="en-US" altLang="ko-KR" sz="1200" dirty="0" smtClean="0"/>
+                  <a:t>.</a:t>
+                </a:r>
+                <a:r>
+                  <a:rPr lang="ko-KR" altLang="en-US" sz="1200" dirty="0" smtClean="0"/>
+                  <a:t> </a:t>
+                </a:r>
+                <a:endParaRPr lang="ko-KR" altLang="en-US" sz="1200" dirty="0"/>
+              </a:p>
+            </p:txBody>
+          </p:sp>
+        </mc:Choice>
+        <mc:Fallback xmlns="">
+          <p:sp>
+            <p:nvSpPr>
+              <p:cNvPr id="5" name="직사각형 4"/>
+              <p:cNvSpPr>
+                <a:spLocks noRot="1" noChangeAspect="1" noMove="1" noResize="1" noEditPoints="1" noAdjustHandles="1" noChangeArrowheads="1" noChangeShapeType="1" noTextEdit="1"/>
+              </p:cNvSpPr>
+              <p:nvPr/>
+            </p:nvSpPr>
+            <p:spPr>
+              <a:xfrm>
+                <a:off x="5830229" y="544593"/>
+                <a:ext cx="5128327" cy="379335"/>
+              </a:xfrm>
+              <a:prstGeom prst="rect">
+                <a:avLst/>
+              </a:prstGeom>
+              <a:blipFill>
+                <a:blip r:embed="rId3"/>
+                <a:stretch>
+                  <a:fillRect/>
+                </a:stretch>
+              </a:blipFill>
+            </p:spPr>
+            <p:txBody>
+              <a:bodyPr/>
+              <a:lstStyle/>
+              <a:p>
+                <a:r>
+                  <a:rPr lang="ko-KR" altLang="en-US">
+                    <a:noFill/>
+                  </a:rPr>
+                  <a:t> </a:t>
+                </a:r>
+              </a:p>
+            </p:txBody>
+          </p:sp>
+        </mc:Fallback>
+      </mc:AlternateContent>
+      <p:graphicFrame>
+        <p:nvGraphicFramePr>
+          <p:cNvPr id="23" name="표 22"/>
+          <p:cNvGraphicFramePr>
+            <a:graphicFrameLocks noGrp="1"/>
+          </p:cNvGraphicFramePr>
+          <p:nvPr>
+            <p:extLst>
+              <p:ext uri="{D42A27DB-BD31-4B8C-83A1-F6EECF244321}">
+                <p14:modId xmlns:p14="http://schemas.microsoft.com/office/powerpoint/2010/main" val="2447514922"/>
+              </p:ext>
+            </p:extLst>
+          </p:nvPr>
+        </p:nvGraphicFramePr>
+        <p:xfrm>
+          <a:off x="615596" y="1654333"/>
+          <a:ext cx="2406436" cy="3708400"/>
+        </p:xfrm>
+        <a:graphic>
+          <a:graphicData uri="http://schemas.openxmlformats.org/drawingml/2006/table">
+            <a:tbl>
+              <a:tblPr firstRow="1" bandRow="1">
+                <a:tableStyleId>{8EC20E35-A176-4012-BC5E-935CFFF8708E}</a:tableStyleId>
+              </a:tblPr>
+              <a:tblGrid>
+                <a:gridCol w="1203218">
+                  <a:extLst>
+                    <a:ext uri="{9D8B030D-6E8A-4147-A177-3AD203B41FA5}">
+                      <a16:colId xmlns:a16="http://schemas.microsoft.com/office/drawing/2014/main" val="1234497553"/>
+                    </a:ext>
+                  </a:extLst>
+                </a:gridCol>
+                <a:gridCol w="1203218">
+                  <a:extLst>
+                    <a:ext uri="{9D8B030D-6E8A-4147-A177-3AD203B41FA5}">
+                      <a16:colId xmlns:a16="http://schemas.microsoft.com/office/drawing/2014/main" val="3275505919"/>
+                    </a:ext>
+                  </a:extLst>
+                </a:gridCol>
+              </a:tblGrid>
+              <a:tr h="370840">
+                <a:tc>
+                  <a:txBody>
+                    <a:bodyPr/>
+                    <a:lstStyle/>
+                    <a:p>
+                      <a:pPr algn="ctr" latinLnBrk="1"/>
+                      <a:r>
+                        <a:rPr lang="ko-KR" altLang="en-US" sz="1400" dirty="0" smtClean="0"/>
+                        <a:t>논리 주소</a:t>
+                      </a:r>
+                      <a:endParaRPr lang="ko-KR" altLang="en-US" sz="1400" dirty="0"/>
+                    </a:p>
+                  </a:txBody>
+                  <a:tcPr anchor="ctr">
+                    <a:lnL w="12700" cap="flat" cmpd="sng" algn="ctr">
+                      <a:solidFill>
+                        <a:schemeClr val="tx1"/>
+                      </a:solidFill>
+                      <a:prstDash val="solid"/>
+                      <a:round/>
+                      <a:headEnd type="none" w="med" len="med"/>
+                      <a:tailEnd type="none" w="med" len="med"/>
+                    </a:lnL>
+                    <a:lnR w="12700" cap="flat" cmpd="sng" algn="ctr">
+                      <a:solidFill>
+                        <a:schemeClr val="tx1"/>
+                      </a:solidFill>
+                      <a:prstDash val="solid"/>
+                      <a:round/>
+                      <a:headEnd type="none" w="med" len="med"/>
+                      <a:tailEnd type="none" w="med" len="med"/>
+                    </a:lnR>
+                    <a:lnT w="12700" cap="flat" cmpd="sng" algn="ctr">
+                      <a:solidFill>
+                        <a:schemeClr val="tx1"/>
+                      </a:solidFill>
+                      <a:prstDash val="solid"/>
+                      <a:round/>
+                      <a:headEnd type="none" w="med" len="med"/>
+                      <a:tailEnd type="none" w="med" len="med"/>
+                    </a:lnT>
+                    <a:lnB w="12700" cap="flat" cmpd="sng" algn="ctr">
+                      <a:solidFill>
+                        <a:schemeClr val="tx1"/>
+                      </a:solidFill>
+                      <a:prstDash val="solid"/>
+                      <a:round/>
+                      <a:headEnd type="none" w="med" len="med"/>
+                      <a:tailEnd type="none" w="med" len="med"/>
+                    </a:lnB>
+                    <a:lnTlToBr w="12700" cmpd="sng">
+                      <a:noFill/>
+                      <a:prstDash val="solid"/>
+                    </a:lnTlToBr>
+                    <a:lnBlToTr w="12700" cmpd="sng">
+                      <a:noFill/>
+                      <a:prstDash val="solid"/>
+                    </a:lnBlToTr>
+                  </a:tcPr>
+                </a:tc>
+                <a:tc>
+                  <a:txBody>
+                    <a:bodyPr/>
+                    <a:lstStyle/>
+                    <a:p>
+                      <a:pPr algn="ctr" latinLnBrk="1"/>
+                      <a:r>
+                        <a:rPr lang="ko-KR" altLang="en-US" sz="1400" dirty="0" smtClean="0"/>
+                        <a:t>물리 주소</a:t>
+                      </a:r>
+                      <a:endParaRPr lang="ko-KR" altLang="en-US" sz="1400" dirty="0"/>
+                    </a:p>
+                  </a:txBody>
+                  <a:tcPr anchor="ctr">
+                    <a:lnL w="12700" cap="flat" cmpd="sng" algn="ctr">
+                      <a:solidFill>
+                        <a:schemeClr val="tx1"/>
+                      </a:solidFill>
+                      <a:prstDash val="solid"/>
+                      <a:round/>
+                      <a:headEnd type="none" w="med" len="med"/>
+                      <a:tailEnd type="none" w="med" len="med"/>
+                    </a:lnL>
+                    <a:lnR w="12700" cap="flat" cmpd="sng" algn="ctr">
+                      <a:solidFill>
+                        <a:schemeClr val="tx1"/>
+                      </a:solidFill>
+                      <a:prstDash val="solid"/>
+                      <a:round/>
+                      <a:headEnd type="none" w="med" len="med"/>
+                      <a:tailEnd type="none" w="med" len="med"/>
+                    </a:lnR>
+                    <a:lnT w="12700" cap="flat" cmpd="sng" algn="ctr">
+                      <a:solidFill>
+                        <a:schemeClr val="tx1"/>
+                      </a:solidFill>
+                      <a:prstDash val="solid"/>
+                      <a:round/>
+                      <a:headEnd type="none" w="med" len="med"/>
+                      <a:tailEnd type="none" w="med" len="med"/>
+                    </a:lnT>
+                    <a:lnB w="12700" cap="flat" cmpd="sng" algn="ctr">
+                      <a:solidFill>
+                        <a:schemeClr val="tx1"/>
+                      </a:solidFill>
+                      <a:prstDash val="solid"/>
+                      <a:round/>
+                      <a:headEnd type="none" w="med" len="med"/>
+                      <a:tailEnd type="none" w="med" len="med"/>
+                    </a:lnB>
+                    <a:lnTlToBr w="12700" cmpd="sng">
+                      <a:noFill/>
+                      <a:prstDash val="solid"/>
+                    </a:lnTlToBr>
+                    <a:lnBlToTr w="12700" cmpd="sng">
+                      <a:noFill/>
+                      <a:prstDash val="solid"/>
+                    </a:lnBlToTr>
+                  </a:tcPr>
+                </a:tc>
+                <a:extLst>
+                  <a:ext uri="{0D108BD9-81ED-4DB2-BD59-A6C34878D82A}">
+                    <a16:rowId xmlns:a16="http://schemas.microsoft.com/office/drawing/2014/main" val="4259085419"/>
+                  </a:ext>
+                </a:extLst>
+              </a:tr>
+              <a:tr h="370840">
+                <a:tc>
+                  <a:txBody>
+                    <a:bodyPr/>
+                    <a:lstStyle/>
+                    <a:p>
+                      <a:pPr algn="ctr" latinLnBrk="1"/>
+                      <a:r>
+                        <a:rPr lang="en-US" altLang="ko-KR" sz="1200" dirty="0" smtClean="0"/>
+                        <a:t>0</a:t>
+                      </a:r>
+                      <a:endParaRPr lang="ko-KR" altLang="en-US" sz="1200" dirty="0"/>
+                    </a:p>
+                  </a:txBody>
+                  <a:tcPr anchor="ctr">
+                    <a:lnL w="12700" cap="flat" cmpd="sng" algn="ctr">
+                      <a:solidFill>
+                        <a:schemeClr val="tx1"/>
+                      </a:solidFill>
+                      <a:prstDash val="solid"/>
+                      <a:round/>
+                      <a:headEnd type="none" w="med" len="med"/>
+                      <a:tailEnd type="none" w="med" len="med"/>
+                    </a:lnL>
+                    <a:lnR w="12700" cap="flat" cmpd="sng" algn="ctr">
+                      <a:solidFill>
+                        <a:schemeClr val="tx1"/>
+                      </a:solidFill>
+                      <a:prstDash val="solid"/>
+                      <a:round/>
+                      <a:headEnd type="none" w="med" len="med"/>
+                      <a:tailEnd type="none" w="med" len="med"/>
+                    </a:lnR>
+                    <a:lnT w="12700" cap="flat" cmpd="sng" algn="ctr">
+                      <a:solidFill>
+                        <a:schemeClr val="tx1"/>
+                      </a:solidFill>
+                      <a:prstDash val="solid"/>
+                      <a:round/>
+                      <a:headEnd type="none" w="med" len="med"/>
+                      <a:tailEnd type="none" w="med" len="med"/>
+                    </a:lnT>
+                    <a:lnB w="12700" cap="flat" cmpd="sng" algn="ctr">
+                      <a:solidFill>
+                        <a:schemeClr val="tx1"/>
+                      </a:solidFill>
+                      <a:prstDash val="solid"/>
+                      <a:round/>
+                      <a:headEnd type="none" w="med" len="med"/>
+                      <a:tailEnd type="none" w="med" len="med"/>
+                    </a:lnB>
+                    <a:lnTlToBr w="12700" cmpd="sng">
+                      <a:noFill/>
+                      <a:prstDash val="solid"/>
+                    </a:lnTlToBr>
+                    <a:lnBlToTr w="12700" cmpd="sng">
+                      <a:noFill/>
+                      <a:prstDash val="solid"/>
+                    </a:lnBlToTr>
+                  </a:tcPr>
+                </a:tc>
+                <a:tc>
+                  <a:txBody>
+                    <a:bodyPr/>
+                    <a:lstStyle/>
+                    <a:p>
+                      <a:pPr marL="0" marR="0" indent="0" algn="ctr" defTabSz="914400" rtl="0" eaLnBrk="1" fontAlgn="auto" latinLnBrk="1" hangingPunct="1">
+                        <a:lnSpc>
+                          <a:spcPct val="100000"/>
+                        </a:lnSpc>
+                        <a:spcBef>
+                          <a:spcPts val="0"/>
+                        </a:spcBef>
+                        <a:spcAft>
+                          <a:spcPts val="0"/>
+                        </a:spcAft>
+                        <a:buClrTx/>
+                        <a:buSzTx/>
+                        <a:buFontTx/>
+                        <a:buNone/>
+                        <a:tabLst/>
+                        <a:defRPr/>
+                      </a:pPr>
+                      <a:r>
+                        <a:rPr lang="en-US" altLang="ko-KR" sz="1200" dirty="0" smtClean="0"/>
+                        <a:t>0x00123455</a:t>
+                      </a:r>
+                      <a:endParaRPr lang="ko-KR" altLang="en-US" sz="1200" dirty="0" smtClean="0"/>
+                    </a:p>
+                  </a:txBody>
+                  <a:tcPr anchor="ctr">
+                    <a:lnL w="12700" cap="flat" cmpd="sng" algn="ctr">
+                      <a:solidFill>
+                        <a:schemeClr val="tx1"/>
+                      </a:solidFill>
+                      <a:prstDash val="solid"/>
+                      <a:round/>
+                      <a:headEnd type="none" w="med" len="med"/>
+                      <a:tailEnd type="none" w="med" len="med"/>
+                    </a:lnL>
+                    <a:lnR w="12700" cap="flat" cmpd="sng" algn="ctr">
+                      <a:solidFill>
+                        <a:schemeClr val="tx1"/>
+                      </a:solidFill>
+                      <a:prstDash val="solid"/>
+                      <a:round/>
+                      <a:headEnd type="none" w="med" len="med"/>
+                      <a:tailEnd type="none" w="med" len="med"/>
+                    </a:lnR>
+                    <a:lnT w="12700" cap="flat" cmpd="sng" algn="ctr">
+                      <a:solidFill>
+                        <a:schemeClr val="tx1"/>
+                      </a:solidFill>
+                      <a:prstDash val="solid"/>
+                      <a:round/>
+                      <a:headEnd type="none" w="med" len="med"/>
+                      <a:tailEnd type="none" w="med" len="med"/>
+                    </a:lnT>
+                    <a:lnB w="12700" cap="flat" cmpd="sng" algn="ctr">
+                      <a:solidFill>
+                        <a:schemeClr val="tx1"/>
+                      </a:solidFill>
+                      <a:prstDash val="solid"/>
+                      <a:round/>
+                      <a:headEnd type="none" w="med" len="med"/>
+                      <a:tailEnd type="none" w="med" len="med"/>
+                    </a:lnB>
+                    <a:lnTlToBr w="12700" cmpd="sng">
+                      <a:noFill/>
+                      <a:prstDash val="solid"/>
+                    </a:lnTlToBr>
+                    <a:lnBlToTr w="12700" cmpd="sng">
+                      <a:noFill/>
+                      <a:prstDash val="solid"/>
+                    </a:lnBlToTr>
+                  </a:tcPr>
+                </a:tc>
+                <a:extLst>
+                  <a:ext uri="{0D108BD9-81ED-4DB2-BD59-A6C34878D82A}">
+                    <a16:rowId xmlns:a16="http://schemas.microsoft.com/office/drawing/2014/main" val="1730297317"/>
+                  </a:ext>
+                </a:extLst>
+              </a:tr>
+              <a:tr h="370840">
+                <a:tc>
+                  <a:txBody>
+                    <a:bodyPr/>
+                    <a:lstStyle/>
+                    <a:p>
+                      <a:pPr algn="ctr" latinLnBrk="1"/>
+                      <a:r>
+                        <a:rPr lang="en-US" altLang="ko-KR" sz="1200" dirty="0" smtClean="0"/>
+                        <a:t>1</a:t>
+                      </a:r>
+                      <a:endParaRPr lang="ko-KR" altLang="en-US" sz="1200" dirty="0"/>
+                    </a:p>
+                  </a:txBody>
+                  <a:tcPr anchor="ctr">
+                    <a:lnL w="12700" cap="flat" cmpd="sng" algn="ctr">
+                      <a:solidFill>
+                        <a:schemeClr val="tx1"/>
+                      </a:solidFill>
+                      <a:prstDash val="solid"/>
+                      <a:round/>
+                      <a:headEnd type="none" w="med" len="med"/>
+                      <a:tailEnd type="none" w="med" len="med"/>
+                    </a:lnL>
+                    <a:lnR w="12700" cap="flat" cmpd="sng" algn="ctr">
+                      <a:solidFill>
+                        <a:schemeClr val="tx1"/>
+                      </a:solidFill>
+                      <a:prstDash val="solid"/>
+                      <a:round/>
+                      <a:headEnd type="none" w="med" len="med"/>
+                      <a:tailEnd type="none" w="med" len="med"/>
+                    </a:lnR>
+                    <a:lnT w="12700" cap="flat" cmpd="sng" algn="ctr">
+                      <a:solidFill>
+                        <a:schemeClr val="tx1"/>
+                      </a:solidFill>
+                      <a:prstDash val="solid"/>
+                      <a:round/>
+                      <a:headEnd type="none" w="med" len="med"/>
+                      <a:tailEnd type="none" w="med" len="med"/>
+                    </a:lnT>
+                    <a:lnB w="12700" cap="flat" cmpd="sng" algn="ctr">
+                      <a:solidFill>
+                        <a:schemeClr val="tx1"/>
+                      </a:solidFill>
+                      <a:prstDash val="solid"/>
+                      <a:round/>
+                      <a:headEnd type="none" w="med" len="med"/>
+                      <a:tailEnd type="none" w="med" len="med"/>
+                    </a:lnB>
+                    <a:lnTlToBr w="12700" cmpd="sng">
+                      <a:noFill/>
+                      <a:prstDash val="solid"/>
+                    </a:lnTlToBr>
+                    <a:lnBlToTr w="12700" cmpd="sng">
+                      <a:noFill/>
+                      <a:prstDash val="solid"/>
+                    </a:lnBlToTr>
+                  </a:tcPr>
+                </a:tc>
+                <a:tc>
+                  <a:txBody>
+                    <a:bodyPr/>
+                    <a:lstStyle/>
+                    <a:p>
+                      <a:pPr algn="ctr" latinLnBrk="1"/>
+                      <a:r>
+                        <a:rPr lang="en-US" altLang="ko-KR" sz="1200" dirty="0" smtClean="0"/>
+                        <a:t>0x00123456</a:t>
+                      </a:r>
+                      <a:endParaRPr lang="ko-KR" altLang="en-US" sz="1200" dirty="0"/>
+                    </a:p>
+                  </a:txBody>
+                  <a:tcPr anchor="ctr">
+                    <a:lnL w="12700" cap="flat" cmpd="sng" algn="ctr">
+                      <a:solidFill>
+                        <a:schemeClr val="tx1"/>
+                      </a:solidFill>
+                      <a:prstDash val="solid"/>
+                      <a:round/>
+                      <a:headEnd type="none" w="med" len="med"/>
+                      <a:tailEnd type="none" w="med" len="med"/>
+                    </a:lnL>
+                    <a:lnR w="12700" cap="flat" cmpd="sng" algn="ctr">
+                      <a:solidFill>
+                        <a:schemeClr val="tx1"/>
+                      </a:solidFill>
+                      <a:prstDash val="solid"/>
+                      <a:round/>
+                      <a:headEnd type="none" w="med" len="med"/>
+                      <a:tailEnd type="none" w="med" len="med"/>
+                    </a:lnR>
+                    <a:lnT w="12700" cap="flat" cmpd="sng" algn="ctr">
+                      <a:solidFill>
+                        <a:schemeClr val="tx1"/>
+                      </a:solidFill>
+                      <a:prstDash val="solid"/>
+                      <a:round/>
+                      <a:headEnd type="none" w="med" len="med"/>
+                      <a:tailEnd type="none" w="med" len="med"/>
+                    </a:lnT>
+                    <a:lnB w="12700" cap="flat" cmpd="sng" algn="ctr">
+                      <a:solidFill>
+                        <a:schemeClr val="tx1"/>
+                      </a:solidFill>
+                      <a:prstDash val="solid"/>
+                      <a:round/>
+                      <a:headEnd type="none" w="med" len="med"/>
+                      <a:tailEnd type="none" w="med" len="med"/>
+                    </a:lnB>
+                    <a:lnTlToBr w="12700" cmpd="sng">
+                      <a:noFill/>
+                      <a:prstDash val="solid"/>
+                    </a:lnTlToBr>
+                    <a:lnBlToTr w="12700" cmpd="sng">
+                      <a:noFill/>
+                      <a:prstDash val="solid"/>
+                    </a:lnBlToTr>
+                  </a:tcPr>
+                </a:tc>
+                <a:extLst>
+                  <a:ext uri="{0D108BD9-81ED-4DB2-BD59-A6C34878D82A}">
+                    <a16:rowId xmlns:a16="http://schemas.microsoft.com/office/drawing/2014/main" val="2958329653"/>
+                  </a:ext>
+                </a:extLst>
+              </a:tr>
+              <a:tr h="370840">
+                <a:tc>
+                  <a:txBody>
+                    <a:bodyPr/>
+                    <a:lstStyle/>
+                    <a:p>
+                      <a:pPr algn="ctr" latinLnBrk="1"/>
+                      <a:r>
+                        <a:rPr lang="en-US" altLang="ko-KR" sz="1200" dirty="0" smtClean="0"/>
+                        <a:t>2</a:t>
+                      </a:r>
+                      <a:endParaRPr lang="ko-KR" altLang="en-US" sz="1200" dirty="0"/>
+                    </a:p>
+                  </a:txBody>
+                  <a:tcPr anchor="ctr">
+                    <a:lnL w="12700" cap="flat" cmpd="sng" algn="ctr">
+                      <a:solidFill>
+                        <a:schemeClr val="tx1"/>
+                      </a:solidFill>
+                      <a:prstDash val="solid"/>
+                      <a:round/>
+                      <a:headEnd type="none" w="med" len="med"/>
+                      <a:tailEnd type="none" w="med" len="med"/>
+                    </a:lnL>
+                    <a:lnR w="12700" cap="flat" cmpd="sng" algn="ctr">
+                      <a:solidFill>
+                        <a:schemeClr val="tx1"/>
+                      </a:solidFill>
+                      <a:prstDash val="solid"/>
+                      <a:round/>
+                      <a:headEnd type="none" w="med" len="med"/>
+                      <a:tailEnd type="none" w="med" len="med"/>
+                    </a:lnR>
+                    <a:lnT w="12700" cap="flat" cmpd="sng" algn="ctr">
+                      <a:solidFill>
+                        <a:schemeClr val="tx1"/>
+                      </a:solidFill>
+                      <a:prstDash val="solid"/>
+                      <a:round/>
+                      <a:headEnd type="none" w="med" len="med"/>
+                      <a:tailEnd type="none" w="med" len="med"/>
+                    </a:lnT>
+                    <a:lnB w="12700" cap="flat" cmpd="sng" algn="ctr">
+                      <a:solidFill>
+                        <a:schemeClr val="tx1"/>
+                      </a:solidFill>
+                      <a:prstDash val="solid"/>
+                      <a:round/>
+                      <a:headEnd type="none" w="med" len="med"/>
+                      <a:tailEnd type="none" w="med" len="med"/>
+                    </a:lnB>
+                    <a:lnTlToBr w="12700" cmpd="sng">
+                      <a:noFill/>
+                      <a:prstDash val="solid"/>
+                    </a:lnTlToBr>
+                    <a:lnBlToTr w="12700" cmpd="sng">
+                      <a:noFill/>
+                      <a:prstDash val="solid"/>
+                    </a:lnBlToTr>
+                  </a:tcPr>
+                </a:tc>
+                <a:tc>
+                  <a:txBody>
+                    <a:bodyPr/>
+                    <a:lstStyle/>
+                    <a:p>
+                      <a:pPr algn="ctr" latinLnBrk="1"/>
+                      <a:endParaRPr lang="ko-KR" altLang="en-US" sz="1200" dirty="0"/>
+                    </a:p>
+                  </a:txBody>
+                  <a:tcPr anchor="ctr">
+                    <a:lnL w="12700" cap="flat" cmpd="sng" algn="ctr">
+                      <a:solidFill>
+                        <a:schemeClr val="tx1"/>
+                      </a:solidFill>
+                      <a:prstDash val="solid"/>
+                      <a:round/>
+                      <a:headEnd type="none" w="med" len="med"/>
+                      <a:tailEnd type="none" w="med" len="med"/>
+                    </a:lnL>
+                    <a:lnR w="12700" cap="flat" cmpd="sng" algn="ctr">
+                      <a:solidFill>
+                        <a:schemeClr val="tx1"/>
+                      </a:solidFill>
+                      <a:prstDash val="solid"/>
+                      <a:round/>
+                      <a:headEnd type="none" w="med" len="med"/>
+                      <a:tailEnd type="none" w="med" len="med"/>
+                    </a:lnR>
+                    <a:lnT w="12700" cap="flat" cmpd="sng" algn="ctr">
+                      <a:solidFill>
+                        <a:schemeClr val="tx1"/>
+                      </a:solidFill>
+                      <a:prstDash val="solid"/>
+                      <a:round/>
+                      <a:headEnd type="none" w="med" len="med"/>
+                      <a:tailEnd type="none" w="med" len="med"/>
+                    </a:lnT>
+                    <a:lnB w="12700" cap="flat" cmpd="sng" algn="ctr">
+                      <a:solidFill>
+                        <a:schemeClr val="tx1"/>
+                      </a:solidFill>
+                      <a:prstDash val="solid"/>
+                      <a:round/>
+                      <a:headEnd type="none" w="med" len="med"/>
+                      <a:tailEnd type="none" w="med" len="med"/>
+                    </a:lnB>
+                    <a:lnTlToBr w="12700" cmpd="sng">
+                      <a:noFill/>
+                      <a:prstDash val="solid"/>
+                    </a:lnTlToBr>
+                    <a:lnBlToTr w="12700" cmpd="sng">
+                      <a:noFill/>
+                      <a:prstDash val="solid"/>
+                    </a:lnBlToTr>
+                  </a:tcPr>
+                </a:tc>
+                <a:extLst>
+                  <a:ext uri="{0D108BD9-81ED-4DB2-BD59-A6C34878D82A}">
+                    <a16:rowId xmlns:a16="http://schemas.microsoft.com/office/drawing/2014/main" val="2512836236"/>
+                  </a:ext>
+                </a:extLst>
+              </a:tr>
+              <a:tr h="370840">
+                <a:tc>
+                  <a:txBody>
+                    <a:bodyPr/>
+                    <a:lstStyle/>
+                    <a:p>
+                      <a:pPr algn="ctr" latinLnBrk="1"/>
+                      <a:r>
+                        <a:rPr lang="en-US" altLang="ko-KR" sz="1200" dirty="0" smtClean="0"/>
+                        <a:t>3</a:t>
+                      </a:r>
+                      <a:endParaRPr lang="ko-KR" altLang="en-US" sz="1200" dirty="0"/>
+                    </a:p>
+                  </a:txBody>
+                  <a:tcPr anchor="ctr">
+                    <a:lnL w="12700" cap="flat" cmpd="sng" algn="ctr">
+                      <a:solidFill>
+                        <a:schemeClr val="tx1"/>
+                      </a:solidFill>
+                      <a:prstDash val="solid"/>
+                      <a:round/>
+                      <a:headEnd type="none" w="med" len="med"/>
+                      <a:tailEnd type="none" w="med" len="med"/>
+                    </a:lnL>
+                    <a:lnR w="12700" cap="flat" cmpd="sng" algn="ctr">
+                      <a:solidFill>
+                        <a:schemeClr val="tx1"/>
+                      </a:solidFill>
+                      <a:prstDash val="solid"/>
+                      <a:round/>
+                      <a:headEnd type="none" w="med" len="med"/>
+                      <a:tailEnd type="none" w="med" len="med"/>
+                    </a:lnR>
+                    <a:lnT w="12700" cap="flat" cmpd="sng" algn="ctr">
+                      <a:solidFill>
+                        <a:schemeClr val="tx1"/>
+                      </a:solidFill>
+                      <a:prstDash val="solid"/>
+                      <a:round/>
+                      <a:headEnd type="none" w="med" len="med"/>
+                      <a:tailEnd type="none" w="med" len="med"/>
+                    </a:lnT>
+                    <a:lnB w="12700" cap="flat" cmpd="sng" algn="ctr">
+                      <a:solidFill>
+                        <a:schemeClr val="tx1"/>
+                      </a:solidFill>
+                      <a:prstDash val="solid"/>
+                      <a:round/>
+                      <a:headEnd type="none" w="med" len="med"/>
+                      <a:tailEnd type="none" w="med" len="med"/>
+                    </a:lnB>
+                    <a:lnTlToBr w="12700" cmpd="sng">
+                      <a:noFill/>
+                      <a:prstDash val="solid"/>
+                    </a:lnTlToBr>
+                    <a:lnBlToTr w="12700" cmpd="sng">
+                      <a:noFill/>
+                      <a:prstDash val="solid"/>
+                    </a:lnBlToTr>
+                  </a:tcPr>
+                </a:tc>
+                <a:tc>
+                  <a:txBody>
+                    <a:bodyPr/>
+                    <a:lstStyle/>
+                    <a:p>
+                      <a:pPr algn="ctr" latinLnBrk="1"/>
+                      <a:endParaRPr lang="ko-KR" altLang="en-US" sz="1200" dirty="0"/>
+                    </a:p>
+                  </a:txBody>
+                  <a:tcPr anchor="ctr">
+                    <a:lnL w="12700" cap="flat" cmpd="sng" algn="ctr">
+                      <a:solidFill>
+                        <a:schemeClr val="tx1"/>
+                      </a:solidFill>
+                      <a:prstDash val="solid"/>
+                      <a:round/>
+                      <a:headEnd type="none" w="med" len="med"/>
+                      <a:tailEnd type="none" w="med" len="med"/>
+                    </a:lnL>
+                    <a:lnR w="12700" cap="flat" cmpd="sng" algn="ctr">
+                      <a:solidFill>
+                        <a:schemeClr val="tx1"/>
+                      </a:solidFill>
+                      <a:prstDash val="solid"/>
+                      <a:round/>
+                      <a:headEnd type="none" w="med" len="med"/>
+                      <a:tailEnd type="none" w="med" len="med"/>
+                    </a:lnR>
+                    <a:lnT w="12700" cap="flat" cmpd="sng" algn="ctr">
+                      <a:solidFill>
+                        <a:schemeClr val="tx1"/>
+                      </a:solidFill>
+                      <a:prstDash val="solid"/>
+                      <a:round/>
+                      <a:headEnd type="none" w="med" len="med"/>
+                      <a:tailEnd type="none" w="med" len="med"/>
+                    </a:lnT>
+                    <a:lnB w="12700" cap="flat" cmpd="sng" algn="ctr">
+                      <a:solidFill>
+                        <a:schemeClr val="tx1"/>
+                      </a:solidFill>
+                      <a:prstDash val="solid"/>
+                      <a:round/>
+                      <a:headEnd type="none" w="med" len="med"/>
+                      <a:tailEnd type="none" w="med" len="med"/>
+                    </a:lnB>
+                    <a:lnTlToBr w="12700" cmpd="sng">
+                      <a:noFill/>
+                      <a:prstDash val="solid"/>
+                    </a:lnTlToBr>
+                    <a:lnBlToTr w="12700" cmpd="sng">
+                      <a:noFill/>
+                      <a:prstDash val="solid"/>
+                    </a:lnBlToTr>
+                  </a:tcPr>
+                </a:tc>
+                <a:extLst>
+                  <a:ext uri="{0D108BD9-81ED-4DB2-BD59-A6C34878D82A}">
+                    <a16:rowId xmlns:a16="http://schemas.microsoft.com/office/drawing/2014/main" val="2477582452"/>
+                  </a:ext>
+                </a:extLst>
+              </a:tr>
+              <a:tr h="370840">
+                <a:tc>
+                  <a:txBody>
+                    <a:bodyPr/>
+                    <a:lstStyle/>
+                    <a:p>
+                      <a:pPr algn="ctr" latinLnBrk="1"/>
+                      <a:r>
+                        <a:rPr lang="en-US" altLang="ko-KR" sz="1200" dirty="0" smtClean="0"/>
+                        <a:t>4</a:t>
+                      </a:r>
+                      <a:endParaRPr lang="ko-KR" altLang="en-US" sz="1200" dirty="0"/>
+                    </a:p>
+                  </a:txBody>
+                  <a:tcPr anchor="ctr">
+                    <a:lnL w="12700" cap="flat" cmpd="sng" algn="ctr">
+                      <a:solidFill>
+                        <a:schemeClr val="tx1"/>
+                      </a:solidFill>
+                      <a:prstDash val="solid"/>
+                      <a:round/>
+                      <a:headEnd type="none" w="med" len="med"/>
+                      <a:tailEnd type="none" w="med" len="med"/>
+                    </a:lnL>
+                    <a:lnR w="12700" cap="flat" cmpd="sng" algn="ctr">
+                      <a:solidFill>
+                        <a:schemeClr val="tx1"/>
+                      </a:solidFill>
+                      <a:prstDash val="solid"/>
+                      <a:round/>
+                      <a:headEnd type="none" w="med" len="med"/>
+                      <a:tailEnd type="none" w="med" len="med"/>
+                    </a:lnR>
+                    <a:lnT w="12700" cap="flat" cmpd="sng" algn="ctr">
+                      <a:solidFill>
+                        <a:schemeClr val="tx1"/>
+                      </a:solidFill>
+                      <a:prstDash val="solid"/>
+                      <a:round/>
+                      <a:headEnd type="none" w="med" len="med"/>
+                      <a:tailEnd type="none" w="med" len="med"/>
+                    </a:lnT>
+                    <a:lnB w="12700" cap="flat" cmpd="sng" algn="ctr">
+                      <a:solidFill>
+                        <a:schemeClr val="tx1"/>
+                      </a:solidFill>
+                      <a:prstDash val="solid"/>
+                      <a:round/>
+                      <a:headEnd type="none" w="med" len="med"/>
+                      <a:tailEnd type="none" w="med" len="med"/>
+                    </a:lnB>
+                    <a:lnTlToBr w="12700" cmpd="sng">
+                      <a:noFill/>
+                      <a:prstDash val="solid"/>
+                    </a:lnTlToBr>
+                    <a:lnBlToTr w="12700" cmpd="sng">
+                      <a:noFill/>
+                      <a:prstDash val="solid"/>
+                    </a:lnBlToTr>
+                  </a:tcPr>
+                </a:tc>
+                <a:tc>
+                  <a:txBody>
+                    <a:bodyPr/>
+                    <a:lstStyle/>
+                    <a:p>
+                      <a:pPr algn="ctr" latinLnBrk="1"/>
+                      <a:endParaRPr lang="ko-KR" altLang="en-US" sz="1200" dirty="0"/>
+                    </a:p>
+                  </a:txBody>
+                  <a:tcPr anchor="ctr">
+                    <a:lnL w="12700" cap="flat" cmpd="sng" algn="ctr">
+                      <a:solidFill>
+                        <a:schemeClr val="tx1"/>
+                      </a:solidFill>
+                      <a:prstDash val="solid"/>
+                      <a:round/>
+                      <a:headEnd type="none" w="med" len="med"/>
+                      <a:tailEnd type="none" w="med" len="med"/>
+                    </a:lnL>
+                    <a:lnR w="12700" cap="flat" cmpd="sng" algn="ctr">
+                      <a:solidFill>
+                        <a:schemeClr val="tx1"/>
+                      </a:solidFill>
+                      <a:prstDash val="solid"/>
+                      <a:round/>
+                      <a:headEnd type="none" w="med" len="med"/>
+                      <a:tailEnd type="none" w="med" len="med"/>
+                    </a:lnR>
+                    <a:lnT w="12700" cap="flat" cmpd="sng" algn="ctr">
+                      <a:solidFill>
+                        <a:schemeClr val="tx1"/>
+                      </a:solidFill>
+                      <a:prstDash val="solid"/>
+                      <a:round/>
+                      <a:headEnd type="none" w="med" len="med"/>
+                      <a:tailEnd type="none" w="med" len="med"/>
+                    </a:lnT>
+                    <a:lnB w="12700" cap="flat" cmpd="sng" algn="ctr">
+                      <a:solidFill>
+                        <a:schemeClr val="tx1"/>
+                      </a:solidFill>
+                      <a:prstDash val="solid"/>
+                      <a:round/>
+                      <a:headEnd type="none" w="med" len="med"/>
+                      <a:tailEnd type="none" w="med" len="med"/>
+                    </a:lnB>
+                    <a:lnTlToBr w="12700" cmpd="sng">
+                      <a:noFill/>
+                      <a:prstDash val="solid"/>
+                    </a:lnTlToBr>
+                    <a:lnBlToTr w="12700" cmpd="sng">
+                      <a:noFill/>
+                      <a:prstDash val="solid"/>
+                    </a:lnBlToTr>
+                  </a:tcPr>
+                </a:tc>
+                <a:extLst>
+                  <a:ext uri="{0D108BD9-81ED-4DB2-BD59-A6C34878D82A}">
+                    <a16:rowId xmlns:a16="http://schemas.microsoft.com/office/drawing/2014/main" val="3600233824"/>
+                  </a:ext>
+                </a:extLst>
+              </a:tr>
+              <a:tr h="370840">
+                <a:tc>
+                  <a:txBody>
+                    <a:bodyPr/>
+                    <a:lstStyle/>
+                    <a:p>
+                      <a:pPr algn="ctr" latinLnBrk="1"/>
+                      <a:r>
+                        <a:rPr lang="en-US" altLang="ko-KR" sz="1200" dirty="0" smtClean="0"/>
+                        <a:t>…</a:t>
+                      </a:r>
+                      <a:endParaRPr lang="ko-KR" altLang="en-US" sz="1200" dirty="0"/>
+                    </a:p>
+                  </a:txBody>
+                  <a:tcPr anchor="ctr">
+                    <a:lnL w="12700" cap="flat" cmpd="sng" algn="ctr">
+                      <a:solidFill>
+                        <a:schemeClr val="tx1"/>
+                      </a:solidFill>
+                      <a:prstDash val="solid"/>
+                      <a:round/>
+                      <a:headEnd type="none" w="med" len="med"/>
+                      <a:tailEnd type="none" w="med" len="med"/>
+                    </a:lnL>
+                    <a:lnR w="12700" cap="flat" cmpd="sng" algn="ctr">
+                      <a:solidFill>
+                        <a:schemeClr val="tx1"/>
+                      </a:solidFill>
+                      <a:prstDash val="solid"/>
+                      <a:round/>
+                      <a:headEnd type="none" w="med" len="med"/>
+                      <a:tailEnd type="none" w="med" len="med"/>
+                    </a:lnR>
+                    <a:lnT w="12700" cap="flat" cmpd="sng" algn="ctr">
+                      <a:solidFill>
+                        <a:schemeClr val="tx1"/>
+                      </a:solidFill>
+                      <a:prstDash val="solid"/>
+                      <a:round/>
+                      <a:headEnd type="none" w="med" len="med"/>
+                      <a:tailEnd type="none" w="med" len="med"/>
+                    </a:lnT>
+                    <a:lnB w="12700" cap="flat" cmpd="sng" algn="ctr">
+                      <a:solidFill>
+                        <a:schemeClr val="tx1"/>
+                      </a:solidFill>
+                      <a:prstDash val="solid"/>
+                      <a:round/>
+                      <a:headEnd type="none" w="med" len="med"/>
+                      <a:tailEnd type="none" w="med" len="med"/>
+                    </a:lnB>
+                    <a:lnTlToBr w="12700" cmpd="sng">
+                      <a:noFill/>
+                      <a:prstDash val="solid"/>
+                    </a:lnTlToBr>
+                    <a:lnBlToTr w="12700" cmpd="sng">
+                      <a:noFill/>
+                      <a:prstDash val="solid"/>
+                    </a:lnBlToTr>
+                  </a:tcPr>
+                </a:tc>
+                <a:tc>
+                  <a:txBody>
+                    <a:bodyPr/>
+                    <a:lstStyle/>
+                    <a:p>
+                      <a:pPr algn="ctr" latinLnBrk="1"/>
+                      <a:r>
+                        <a:rPr lang="en-US" altLang="ko-KR" sz="1200" dirty="0" smtClean="0"/>
+                        <a:t>…</a:t>
+                      </a:r>
+                      <a:endParaRPr lang="ko-KR" altLang="en-US" sz="1200" dirty="0"/>
+                    </a:p>
+                  </a:txBody>
+                  <a:tcPr anchor="ctr">
+                    <a:lnL w="12700" cap="flat" cmpd="sng" algn="ctr">
+                      <a:solidFill>
+                        <a:schemeClr val="tx1"/>
+                      </a:solidFill>
+                      <a:prstDash val="solid"/>
+                      <a:round/>
+                      <a:headEnd type="none" w="med" len="med"/>
+                      <a:tailEnd type="none" w="med" len="med"/>
+                    </a:lnL>
+                    <a:lnR w="12700" cap="flat" cmpd="sng" algn="ctr">
+                      <a:solidFill>
+                        <a:schemeClr val="tx1"/>
+                      </a:solidFill>
+                      <a:prstDash val="solid"/>
+                      <a:round/>
+                      <a:headEnd type="none" w="med" len="med"/>
+                      <a:tailEnd type="none" w="med" len="med"/>
+                    </a:lnR>
+                    <a:lnT w="12700" cap="flat" cmpd="sng" algn="ctr">
+                      <a:solidFill>
+                        <a:schemeClr val="tx1"/>
+                      </a:solidFill>
+                      <a:prstDash val="solid"/>
+                      <a:round/>
+                      <a:headEnd type="none" w="med" len="med"/>
+                      <a:tailEnd type="none" w="med" len="med"/>
+                    </a:lnT>
+                    <a:lnB w="12700" cap="flat" cmpd="sng" algn="ctr">
+                      <a:solidFill>
+                        <a:schemeClr val="tx1"/>
+                      </a:solidFill>
+                      <a:prstDash val="solid"/>
+                      <a:round/>
+                      <a:headEnd type="none" w="med" len="med"/>
+                      <a:tailEnd type="none" w="med" len="med"/>
+                    </a:lnB>
+                    <a:lnTlToBr w="12700" cmpd="sng">
+                      <a:noFill/>
+                      <a:prstDash val="solid"/>
+                    </a:lnTlToBr>
+                    <a:lnBlToTr w="12700" cmpd="sng">
+                      <a:noFill/>
+                      <a:prstDash val="solid"/>
+                    </a:lnBlToTr>
+                  </a:tcPr>
+                </a:tc>
+                <a:extLst>
+                  <a:ext uri="{0D108BD9-81ED-4DB2-BD59-A6C34878D82A}">
+                    <a16:rowId xmlns:a16="http://schemas.microsoft.com/office/drawing/2014/main" val="3204973280"/>
+                  </a:ext>
+                </a:extLst>
+              </a:tr>
+              <a:tr h="370840">
+                <a:tc>
+                  <a:txBody>
+                    <a:bodyPr/>
+                    <a:lstStyle/>
+                    <a:p>
+                      <a:pPr algn="ctr" latinLnBrk="1"/>
+                      <a:r>
+                        <a:rPr lang="en-US" altLang="ko-KR" sz="1200" dirty="0" smtClean="0"/>
+                        <a:t>…</a:t>
+                      </a:r>
+                      <a:endParaRPr lang="ko-KR" altLang="en-US" sz="1200" dirty="0"/>
+                    </a:p>
+                  </a:txBody>
+                  <a:tcPr anchor="ctr">
+                    <a:lnL w="12700" cap="flat" cmpd="sng" algn="ctr">
+                      <a:solidFill>
+                        <a:schemeClr val="tx1"/>
+                      </a:solidFill>
+                      <a:prstDash val="solid"/>
+                      <a:round/>
+                      <a:headEnd type="none" w="med" len="med"/>
+                      <a:tailEnd type="none" w="med" len="med"/>
+                    </a:lnL>
+                    <a:lnR w="12700" cap="flat" cmpd="sng" algn="ctr">
+                      <a:solidFill>
+                        <a:schemeClr val="tx1"/>
+                      </a:solidFill>
+                      <a:prstDash val="solid"/>
+                      <a:round/>
+                      <a:headEnd type="none" w="med" len="med"/>
+                      <a:tailEnd type="none" w="med" len="med"/>
+                    </a:lnR>
+                    <a:lnT w="12700" cap="flat" cmpd="sng" algn="ctr">
+                      <a:solidFill>
+                        <a:schemeClr val="tx1"/>
+                      </a:solidFill>
+                      <a:prstDash val="solid"/>
+                      <a:round/>
+                      <a:headEnd type="none" w="med" len="med"/>
+                      <a:tailEnd type="none" w="med" len="med"/>
+                    </a:lnT>
+                    <a:lnB w="12700" cap="flat" cmpd="sng" algn="ctr">
+                      <a:solidFill>
+                        <a:schemeClr val="tx1"/>
+                      </a:solidFill>
+                      <a:prstDash val="solid"/>
+                      <a:round/>
+                      <a:headEnd type="none" w="med" len="med"/>
+                      <a:tailEnd type="none" w="med" len="med"/>
+                    </a:lnB>
+                    <a:lnTlToBr w="12700" cmpd="sng">
+                      <a:noFill/>
+                      <a:prstDash val="solid"/>
+                    </a:lnTlToBr>
+                    <a:lnBlToTr w="12700" cmpd="sng">
+                      <a:noFill/>
+                      <a:prstDash val="solid"/>
+                    </a:lnBlToTr>
+                  </a:tcPr>
+                </a:tc>
+                <a:tc>
+                  <a:txBody>
+                    <a:bodyPr/>
+                    <a:lstStyle/>
+                    <a:p>
+                      <a:pPr algn="ctr" latinLnBrk="1"/>
+                      <a:r>
+                        <a:rPr lang="en-US" altLang="ko-KR" sz="1200" dirty="0" smtClean="0"/>
+                        <a:t>…</a:t>
+                      </a:r>
+                      <a:endParaRPr lang="ko-KR" altLang="en-US" sz="1200" dirty="0"/>
+                    </a:p>
+                  </a:txBody>
+                  <a:tcPr anchor="ctr">
+                    <a:lnL w="12700" cap="flat" cmpd="sng" algn="ctr">
+                      <a:solidFill>
+                        <a:schemeClr val="tx1"/>
+                      </a:solidFill>
+                      <a:prstDash val="solid"/>
+                      <a:round/>
+                      <a:headEnd type="none" w="med" len="med"/>
+                      <a:tailEnd type="none" w="med" len="med"/>
+                    </a:lnL>
+                    <a:lnR w="12700" cap="flat" cmpd="sng" algn="ctr">
+                      <a:solidFill>
+                        <a:schemeClr val="tx1"/>
+                      </a:solidFill>
+                      <a:prstDash val="solid"/>
+                      <a:round/>
+                      <a:headEnd type="none" w="med" len="med"/>
+                      <a:tailEnd type="none" w="med" len="med"/>
+                    </a:lnR>
+                    <a:lnT w="12700" cap="flat" cmpd="sng" algn="ctr">
+                      <a:solidFill>
+                        <a:schemeClr val="tx1"/>
+                      </a:solidFill>
+                      <a:prstDash val="solid"/>
+                      <a:round/>
+                      <a:headEnd type="none" w="med" len="med"/>
+                      <a:tailEnd type="none" w="med" len="med"/>
+                    </a:lnT>
+                    <a:lnB w="12700" cap="flat" cmpd="sng" algn="ctr">
+                      <a:solidFill>
+                        <a:schemeClr val="tx1"/>
+                      </a:solidFill>
+                      <a:prstDash val="solid"/>
+                      <a:round/>
+                      <a:headEnd type="none" w="med" len="med"/>
+                      <a:tailEnd type="none" w="med" len="med"/>
+                    </a:lnB>
+                    <a:lnTlToBr w="12700" cmpd="sng">
+                      <a:noFill/>
+                      <a:prstDash val="solid"/>
+                    </a:lnTlToBr>
+                    <a:lnBlToTr w="12700" cmpd="sng">
+                      <a:noFill/>
+                      <a:prstDash val="solid"/>
+                    </a:lnBlToTr>
+                  </a:tcPr>
+                </a:tc>
+                <a:extLst>
+                  <a:ext uri="{0D108BD9-81ED-4DB2-BD59-A6C34878D82A}">
+                    <a16:rowId xmlns:a16="http://schemas.microsoft.com/office/drawing/2014/main" val="2250335275"/>
+                  </a:ext>
+                </a:extLst>
+              </a:tr>
+              <a:tr h="370840">
+                <a:tc>
+                  <a:txBody>
+                    <a:bodyPr/>
+                    <a:lstStyle/>
+                    <a:p>
+                      <a:pPr algn="ctr" latinLnBrk="1"/>
+                      <a:r>
+                        <a:rPr lang="en-US" altLang="ko-KR" sz="1200" dirty="0" smtClean="0"/>
+                        <a:t>…</a:t>
+                      </a:r>
+                      <a:endParaRPr lang="ko-KR" altLang="en-US" sz="1200" dirty="0"/>
+                    </a:p>
+                  </a:txBody>
+                  <a:tcPr anchor="ctr">
+                    <a:lnL w="12700" cap="flat" cmpd="sng" algn="ctr">
+                      <a:solidFill>
+                        <a:schemeClr val="tx1"/>
+                      </a:solidFill>
+                      <a:prstDash val="solid"/>
+                      <a:round/>
+                      <a:headEnd type="none" w="med" len="med"/>
+                      <a:tailEnd type="none" w="med" len="med"/>
+                    </a:lnL>
+                    <a:lnR w="12700" cap="flat" cmpd="sng" algn="ctr">
+                      <a:solidFill>
+                        <a:schemeClr val="tx1"/>
+                      </a:solidFill>
+                      <a:prstDash val="solid"/>
+                      <a:round/>
+                      <a:headEnd type="none" w="med" len="med"/>
+                      <a:tailEnd type="none" w="med" len="med"/>
+                    </a:lnR>
+                    <a:lnT w="12700" cap="flat" cmpd="sng" algn="ctr">
+                      <a:solidFill>
+                        <a:schemeClr val="tx1"/>
+                      </a:solidFill>
+                      <a:prstDash val="solid"/>
+                      <a:round/>
+                      <a:headEnd type="none" w="med" len="med"/>
+                      <a:tailEnd type="none" w="med" len="med"/>
+                    </a:lnT>
+                    <a:lnB w="12700" cap="flat" cmpd="sng" algn="ctr">
+                      <a:solidFill>
+                        <a:schemeClr val="tx1"/>
+                      </a:solidFill>
+                      <a:prstDash val="solid"/>
+                      <a:round/>
+                      <a:headEnd type="none" w="med" len="med"/>
+                      <a:tailEnd type="none" w="med" len="med"/>
+                    </a:lnB>
+                    <a:lnTlToBr w="12700" cmpd="sng">
+                      <a:noFill/>
+                      <a:prstDash val="solid"/>
+                    </a:lnTlToBr>
+                    <a:lnBlToTr w="12700" cmpd="sng">
+                      <a:noFill/>
+                      <a:prstDash val="solid"/>
+                    </a:lnBlToTr>
+                  </a:tcPr>
+                </a:tc>
+                <a:tc>
+                  <a:txBody>
+                    <a:bodyPr/>
+                    <a:lstStyle/>
+                    <a:p>
+                      <a:pPr algn="ctr" latinLnBrk="1"/>
+                      <a:r>
+                        <a:rPr lang="en-US" altLang="ko-KR" sz="1200" dirty="0" smtClean="0"/>
+                        <a:t>…</a:t>
+                      </a:r>
+                      <a:endParaRPr lang="ko-KR" altLang="en-US" sz="1200" dirty="0"/>
+                    </a:p>
+                  </a:txBody>
+                  <a:tcPr anchor="ctr">
+                    <a:lnL w="12700" cap="flat" cmpd="sng" algn="ctr">
+                      <a:solidFill>
+                        <a:schemeClr val="tx1"/>
+                      </a:solidFill>
+                      <a:prstDash val="solid"/>
+                      <a:round/>
+                      <a:headEnd type="none" w="med" len="med"/>
+                      <a:tailEnd type="none" w="med" len="med"/>
+                    </a:lnL>
+                    <a:lnR w="12700" cap="flat" cmpd="sng" algn="ctr">
+                      <a:solidFill>
+                        <a:schemeClr val="tx1"/>
+                      </a:solidFill>
+                      <a:prstDash val="solid"/>
+                      <a:round/>
+                      <a:headEnd type="none" w="med" len="med"/>
+                      <a:tailEnd type="none" w="med" len="med"/>
+                    </a:lnR>
+                    <a:lnT w="12700" cap="flat" cmpd="sng" algn="ctr">
+                      <a:solidFill>
+                        <a:schemeClr val="tx1"/>
+                      </a:solidFill>
+                      <a:prstDash val="solid"/>
+                      <a:round/>
+                      <a:headEnd type="none" w="med" len="med"/>
+                      <a:tailEnd type="none" w="med" len="med"/>
+                    </a:lnT>
+                    <a:lnB w="12700" cap="flat" cmpd="sng" algn="ctr">
+                      <a:solidFill>
+                        <a:schemeClr val="tx1"/>
+                      </a:solidFill>
+                      <a:prstDash val="solid"/>
+                      <a:round/>
+                      <a:headEnd type="none" w="med" len="med"/>
+                      <a:tailEnd type="none" w="med" len="med"/>
+                    </a:lnB>
+                    <a:lnTlToBr w="12700" cmpd="sng">
+                      <a:noFill/>
+                      <a:prstDash val="solid"/>
+                    </a:lnTlToBr>
+                    <a:lnBlToTr w="12700" cmpd="sng">
+                      <a:noFill/>
+                      <a:prstDash val="solid"/>
+                    </a:lnBlToTr>
+                  </a:tcPr>
+                </a:tc>
+                <a:extLst>
+                  <a:ext uri="{0D108BD9-81ED-4DB2-BD59-A6C34878D82A}">
+                    <a16:rowId xmlns:a16="http://schemas.microsoft.com/office/drawing/2014/main" val="795389874"/>
+                  </a:ext>
+                </a:extLst>
+              </a:tr>
+              <a:tr h="370840">
+                <a:tc>
+                  <a:txBody>
+                    <a:bodyPr/>
+                    <a:lstStyle/>
+                    <a:p>
+                      <a:pPr marL="0" marR="0" indent="0" algn="ctr" defTabSz="914400" rtl="0" eaLnBrk="1" fontAlgn="auto" latinLnBrk="1" hangingPunct="1">
+                        <a:lnSpc>
+                          <a:spcPct val="100000"/>
+                        </a:lnSpc>
+                        <a:spcBef>
+                          <a:spcPts val="0"/>
+                        </a:spcBef>
+                        <a:spcAft>
+                          <a:spcPts val="0"/>
+                        </a:spcAft>
+                        <a:buClrTx/>
+                        <a:buSzTx/>
+                        <a:buFontTx/>
+                        <a:buNone/>
+                        <a:tabLst/>
+                        <a:defRPr/>
+                      </a:pPr>
+                      <a:r>
+                        <a:rPr lang="en-US" altLang="ko-KR" sz="1200" dirty="0" smtClean="0"/>
+                        <a:t>4,294,967,295</a:t>
+                      </a:r>
+                      <a:endParaRPr lang="ko-KR" altLang="en-US" sz="1200" dirty="0" smtClean="0"/>
+                    </a:p>
+                  </a:txBody>
+                  <a:tcPr anchor="ctr">
+                    <a:lnL w="12700" cap="flat" cmpd="sng" algn="ctr">
+                      <a:solidFill>
+                        <a:schemeClr val="tx1"/>
+                      </a:solidFill>
+                      <a:prstDash val="solid"/>
+                      <a:round/>
+                      <a:headEnd type="none" w="med" len="med"/>
+                      <a:tailEnd type="none" w="med" len="med"/>
+                    </a:lnL>
+                    <a:lnR w="12700" cap="flat" cmpd="sng" algn="ctr">
+                      <a:solidFill>
+                        <a:schemeClr val="tx1"/>
+                      </a:solidFill>
+                      <a:prstDash val="solid"/>
+                      <a:round/>
+                      <a:headEnd type="none" w="med" len="med"/>
+                      <a:tailEnd type="none" w="med" len="med"/>
+                    </a:lnR>
+                    <a:lnT w="12700" cap="flat" cmpd="sng" algn="ctr">
+                      <a:solidFill>
+                        <a:schemeClr val="tx1"/>
+                      </a:solidFill>
+                      <a:prstDash val="solid"/>
+                      <a:round/>
+                      <a:headEnd type="none" w="med" len="med"/>
+                      <a:tailEnd type="none" w="med" len="med"/>
+                    </a:lnT>
+                    <a:lnB w="12700" cap="flat" cmpd="sng" algn="ctr">
+                      <a:solidFill>
+                        <a:schemeClr val="tx1"/>
+                      </a:solidFill>
+                      <a:prstDash val="solid"/>
+                      <a:round/>
+                      <a:headEnd type="none" w="med" len="med"/>
+                      <a:tailEnd type="none" w="med" len="med"/>
+                    </a:lnB>
+                    <a:lnTlToBr w="12700" cmpd="sng">
+                      <a:noFill/>
+                      <a:prstDash val="solid"/>
+                    </a:lnTlToBr>
+                    <a:lnBlToTr w="12700" cmpd="sng">
+                      <a:noFill/>
+                      <a:prstDash val="solid"/>
+                    </a:lnBlToTr>
+                  </a:tcPr>
+                </a:tc>
+                <a:tc>
+                  <a:txBody>
+                    <a:bodyPr/>
+                    <a:lstStyle/>
+                    <a:p>
+                      <a:pPr algn="ctr" latinLnBrk="1"/>
+                      <a:r>
+                        <a:rPr lang="en-US" altLang="ko-KR" sz="1200" dirty="0" smtClean="0"/>
+                        <a:t>…</a:t>
+                      </a:r>
+                      <a:endParaRPr lang="ko-KR" altLang="en-US" sz="1200" dirty="0"/>
+                    </a:p>
+                  </a:txBody>
+                  <a:tcPr anchor="ctr">
+                    <a:lnL w="12700" cap="flat" cmpd="sng" algn="ctr">
+                      <a:solidFill>
+                        <a:schemeClr val="tx1"/>
+                      </a:solidFill>
+                      <a:prstDash val="solid"/>
+                      <a:round/>
+                      <a:headEnd type="none" w="med" len="med"/>
+                      <a:tailEnd type="none" w="med" len="med"/>
+                    </a:lnL>
+                    <a:lnR w="12700" cap="flat" cmpd="sng" algn="ctr">
+                      <a:solidFill>
+                        <a:schemeClr val="tx1"/>
+                      </a:solidFill>
+                      <a:prstDash val="solid"/>
+                      <a:round/>
+                      <a:headEnd type="none" w="med" len="med"/>
+                      <a:tailEnd type="none" w="med" len="med"/>
+                    </a:lnR>
+                    <a:lnT w="12700" cap="flat" cmpd="sng" algn="ctr">
+                      <a:solidFill>
+                        <a:schemeClr val="tx1"/>
+                      </a:solidFill>
+                      <a:prstDash val="solid"/>
+                      <a:round/>
+                      <a:headEnd type="none" w="med" len="med"/>
+                      <a:tailEnd type="none" w="med" len="med"/>
+                    </a:lnT>
+                    <a:lnB w="12700" cap="flat" cmpd="sng" algn="ctr">
+                      <a:solidFill>
+                        <a:schemeClr val="tx1"/>
+                      </a:solidFill>
+                      <a:prstDash val="solid"/>
+                      <a:round/>
+                      <a:headEnd type="none" w="med" len="med"/>
+                      <a:tailEnd type="none" w="med" len="med"/>
+                    </a:lnB>
+                    <a:lnTlToBr w="12700" cmpd="sng">
+                      <a:noFill/>
+                      <a:prstDash val="solid"/>
+                    </a:lnTlToBr>
+                    <a:lnBlToTr w="12700" cmpd="sng">
+                      <a:noFill/>
+                      <a:prstDash val="solid"/>
+                    </a:lnBlToTr>
+                  </a:tcPr>
+                </a:tc>
+                <a:extLst>
+                  <a:ext uri="{0D108BD9-81ED-4DB2-BD59-A6C34878D82A}">
+                    <a16:rowId xmlns:a16="http://schemas.microsoft.com/office/drawing/2014/main" val="1022838600"/>
+                  </a:ext>
+                </a:extLst>
+              </a:tr>
+            </a:tbl>
+          </a:graphicData>
+        </a:graphic>
+      </p:graphicFrame>
+      <p:sp>
+        <p:nvSpPr>
+          <p:cNvPr id="7" name="오른쪽 화살표 6"/>
+          <p:cNvSpPr/>
+          <p:nvPr/>
+        </p:nvSpPr>
+        <p:spPr>
+          <a:xfrm>
+            <a:off x="3168073" y="3508533"/>
+            <a:ext cx="757382" cy="398449"/>
+          </a:xfrm>
+          <a:prstGeom prst="rightArrow">
+            <a:avLst/>
+          </a:prstGeom>
+          <a:noFill/>
+          <a:ln>
+            <a:solidFill>
+              <a:schemeClr val="tx1"/>
+            </a:solidFill>
+          </a:ln>
+        </p:spPr>
+        <p:style>
+          <a:lnRef idx="2">
+            <a:schemeClr val="accent1">
+              <a:shade val="50000"/>
+            </a:schemeClr>
+          </a:lnRef>
+          <a:fillRef idx="1">
+            <a:schemeClr val="accent1"/>
+          </a:fillRef>
+          <a:effectRef idx="0">
+            <a:schemeClr val="accent1"/>
+          </a:effectRef>
+          <a:fontRef idx="minor">
+            <a:schemeClr val="lt1"/>
+          </a:fontRef>
+        </p:style>
+        <p:txBody>
+          <a:bodyPr rtlCol="0" anchor="ctr"/>
+          <a:lstStyle/>
+          <a:p>
+            <a:pPr algn="ctr"/>
+            <a:endParaRPr lang="ko-KR" altLang="en-US"/>
+          </a:p>
+        </p:txBody>
+      </p:sp>
+      <p:sp>
+        <p:nvSpPr>
+          <p:cNvPr id="2" name="직사각형 1"/>
+          <p:cNvSpPr/>
+          <p:nvPr/>
+        </p:nvSpPr>
+        <p:spPr>
+          <a:xfrm>
+            <a:off x="5355771" y="1415143"/>
+            <a:ext cx="1328058" cy="4256314"/>
+          </a:xfrm>
+          <a:prstGeom prst="rect">
+            <a:avLst/>
+          </a:prstGeom>
+          <a:noFill/>
+          <a:ln w="38100">
+            <a:solidFill>
+              <a:srgbClr val="C00000"/>
+            </a:solidFill>
+          </a:ln>
+        </p:spPr>
+        <p:style>
+          <a:lnRef idx="2">
+            <a:schemeClr val="accent1">
+              <a:shade val="50000"/>
+            </a:schemeClr>
+          </a:lnRef>
+          <a:fillRef idx="1">
+            <a:schemeClr val="accent1"/>
+          </a:fillRef>
+          <a:effectRef idx="0">
+            <a:schemeClr val="accent1"/>
+          </a:effectRef>
+          <a:fontRef idx="minor">
+            <a:schemeClr val="lt1"/>
+          </a:fontRef>
+        </p:style>
+        <p:txBody>
+          <a:bodyPr rtlCol="0" anchor="ctr"/>
+          <a:lstStyle/>
+          <a:p>
+            <a:pPr algn="ctr"/>
+            <a:endParaRPr lang="ko-KR" altLang="en-US"/>
+          </a:p>
+        </p:txBody>
+      </p:sp>
+      <p:sp>
+        <p:nvSpPr>
+          <p:cNvPr id="3" name="TextBox 2"/>
+          <p:cNvSpPr txBox="1"/>
+          <p:nvPr/>
+        </p:nvSpPr>
+        <p:spPr>
+          <a:xfrm>
+            <a:off x="4882243" y="5831528"/>
+            <a:ext cx="2275114" cy="523220"/>
+          </a:xfrm>
+          <a:prstGeom prst="rect">
+            <a:avLst/>
+          </a:prstGeom>
+          <a:noFill/>
+        </p:spPr>
+        <p:txBody>
+          <a:bodyPr wrap="square" rtlCol="0">
+            <a:spAutoFit/>
+          </a:bodyPr>
+          <a:lstStyle/>
+          <a:p>
+            <a:pPr algn="ctr"/>
+            <a:r>
+              <a:rPr lang="en-US" altLang="ko-KR" sz="1400" dirty="0" smtClean="0"/>
+              <a:t>Programming</a:t>
+            </a:r>
+            <a:r>
+              <a:rPr lang="ko-KR" altLang="en-US" sz="1400" dirty="0" smtClean="0"/>
+              <a:t>에서 보는 주소는 모두 가상 주소</a:t>
+            </a:r>
+            <a:endParaRPr lang="ko-KR" altLang="en-US" sz="1400" dirty="0"/>
           </a:p>
         </p:txBody>
       </p:sp>
@@ -28034,8 +32030,8 @@
           </a:p>
         </p:txBody>
       </p:sp>
-      <mc:AlternateContent xmlns:mc="http://schemas.openxmlformats.org/markup-compatibility/2006">
-        <mc:Choice xmlns:a14="http://schemas.microsoft.com/office/drawing/2010/main" Requires="a14">
+      <mc:AlternateContent xmlns:mc="http://schemas.openxmlformats.org/markup-compatibility/2006" xmlns:a14="http://schemas.microsoft.com/office/drawing/2010/main">
+        <mc:Choice Requires="a14">
           <p:sp>
             <p:nvSpPr>
               <p:cNvPr id="19" name="TextBox 18"/>
@@ -28116,7 +32112,7 @@
             </p:txBody>
           </p:sp>
         </mc:Choice>
-        <mc:Fallback>
+        <mc:Fallback xmlns="">
           <p:sp>
             <p:nvSpPr>
               <p:cNvPr id="19" name="TextBox 18"/>
@@ -28217,11 +32213,7 @@
             </a:r>
             <a:r>
               <a:rPr kumimoji="1" lang="en-US" altLang="ko-KR" sz="1600" b="1" dirty="0" smtClean="0"/>
-              <a:t>?</a:t>
-            </a:r>
-            <a:r>
-              <a:rPr kumimoji="1" lang="en-US" altLang="ko-KR" sz="1600" b="1" dirty="0" smtClean="0"/>
-              <a:t> </a:t>
+              <a:t>? </a:t>
             </a:r>
             <a:endParaRPr kumimoji="1" lang="ko-KR" altLang="en-US" sz="1600" b="1" dirty="0"/>
           </a:p>
@@ -30017,7 +34009,7 @@
         </p:nvSpPr>
         <p:spPr>
           <a:xfrm>
-            <a:off x="6246688" y="3304804"/>
+            <a:off x="8815717" y="3106465"/>
             <a:ext cx="3000054" cy="369332"/>
           </a:xfrm>
           <a:prstGeom prst="rect">

--- a/CSwithC/CS-explanation.pptx
+++ b/CSwithC/CS-explanation.pptx
@@ -5,7 +5,7 @@
     <p:sldMasterId id="2147483648" r:id="rId1"/>
   </p:sldMasterIdLst>
   <p:notesMasterIdLst>
-    <p:notesMasterId r:id="rId24"/>
+    <p:notesMasterId r:id="rId25"/>
   </p:notesMasterIdLst>
   <p:sldIdLst>
     <p:sldId id="266" r:id="rId2"/>
@@ -15,21 +15,22 @@
     <p:sldId id="271" r:id="rId6"/>
     <p:sldId id="272" r:id="rId7"/>
     <p:sldId id="276" r:id="rId8"/>
-    <p:sldId id="273" r:id="rId9"/>
-    <p:sldId id="274" r:id="rId10"/>
-    <p:sldId id="277" r:id="rId11"/>
-    <p:sldId id="275" r:id="rId12"/>
-    <p:sldId id="270" r:id="rId13"/>
-    <p:sldId id="269" r:id="rId14"/>
-    <p:sldId id="256" r:id="rId15"/>
-    <p:sldId id="257" r:id="rId16"/>
-    <p:sldId id="258" r:id="rId17"/>
-    <p:sldId id="260" r:id="rId18"/>
-    <p:sldId id="259" r:id="rId19"/>
-    <p:sldId id="262" r:id="rId20"/>
-    <p:sldId id="261" r:id="rId21"/>
-    <p:sldId id="263" r:id="rId22"/>
-    <p:sldId id="264" r:id="rId23"/>
+    <p:sldId id="278" r:id="rId9"/>
+    <p:sldId id="273" r:id="rId10"/>
+    <p:sldId id="274" r:id="rId11"/>
+    <p:sldId id="277" r:id="rId12"/>
+    <p:sldId id="275" r:id="rId13"/>
+    <p:sldId id="270" r:id="rId14"/>
+    <p:sldId id="269" r:id="rId15"/>
+    <p:sldId id="256" r:id="rId16"/>
+    <p:sldId id="257" r:id="rId17"/>
+    <p:sldId id="258" r:id="rId18"/>
+    <p:sldId id="260" r:id="rId19"/>
+    <p:sldId id="259" r:id="rId20"/>
+    <p:sldId id="262" r:id="rId21"/>
+    <p:sldId id="261" r:id="rId22"/>
+    <p:sldId id="263" r:id="rId23"/>
+    <p:sldId id="264" r:id="rId24"/>
   </p:sldIdLst>
   <p:sldSz cx="12192000" cy="6858000"/>
   <p:notesSz cx="6858000" cy="9144000"/>
@@ -629,6 +630,461 @@
           <a:bodyPr/>
           <a:lstStyle/>
           <a:p>
+            <a:pPr marL="0" marR="0" indent="0" algn="l" defTabSz="914400" rtl="0" eaLnBrk="1" fontAlgn="auto" latinLnBrk="1" hangingPunct="1">
+              <a:lnSpc>
+                <a:spcPct val="100000"/>
+              </a:lnSpc>
+              <a:spcBef>
+                <a:spcPts val="0"/>
+              </a:spcBef>
+              <a:spcAft>
+                <a:spcPts val="0"/>
+              </a:spcAft>
+              <a:buClrTx/>
+              <a:buSzTx/>
+              <a:buFontTx/>
+              <a:buNone/>
+              <a:tabLst/>
+              <a:defRPr/>
+            </a:pPr>
+            <a:r>
+              <a:rPr lang="ko-KR" altLang="en-US" sz="1200" dirty="0"/>
+              <a:t>설명</a:t>
+            </a:r>
+            <a:r>
+              <a:rPr lang="en-US" altLang="ko-KR" sz="1200" dirty="0"/>
+              <a:t>: App1</a:t>
+            </a:r>
+            <a:r>
+              <a:rPr lang="ko-KR" altLang="en-US" sz="1200" dirty="0"/>
+              <a:t>의 여러 연산은 직접 </a:t>
+            </a:r>
+            <a:r>
+              <a:rPr lang="en-US" altLang="ko-KR" sz="1200" dirty="0"/>
+              <a:t>CPU</a:t>
+            </a:r>
+            <a:r>
+              <a:rPr lang="ko-KR" altLang="en-US" sz="1200" dirty="0"/>
+              <a:t>에서 읽으면서 연산한다</a:t>
+            </a:r>
+            <a:r>
+              <a:rPr lang="en-US" altLang="ko-KR" sz="1200" dirty="0"/>
+              <a:t>. </a:t>
+            </a:r>
+            <a:r>
+              <a:rPr lang="ko-KR" altLang="en-US" sz="1200" dirty="0"/>
+              <a:t>다만 </a:t>
+            </a:r>
+            <a:r>
+              <a:rPr lang="en-US" altLang="ko-KR" sz="1200" dirty="0"/>
+              <a:t>System Call</a:t>
+            </a:r>
+            <a:r>
+              <a:rPr lang="ko-KR" altLang="en-US" sz="1200" dirty="0"/>
+              <a:t>을 </a:t>
+            </a:r>
+            <a:r>
+              <a:rPr lang="ko-KR" altLang="en-US" sz="1200" dirty="0" err="1"/>
+              <a:t>할때</a:t>
+            </a:r>
+            <a:r>
+              <a:rPr lang="ko-KR" altLang="en-US" sz="1200" dirty="0"/>
+              <a:t> </a:t>
+            </a:r>
+            <a:r>
+              <a:rPr lang="en-US" altLang="ko-KR" sz="1200" dirty="0"/>
+              <a:t>(OS Logic)</a:t>
+            </a:r>
+            <a:r>
+              <a:rPr lang="ko-KR" altLang="en-US" sz="1200" dirty="0"/>
+              <a:t>예를 들어 다른 주변 기기에서 </a:t>
+            </a:r>
+            <a:r>
+              <a:rPr lang="en-US" altLang="ko-KR" sz="1200" dirty="0"/>
+              <a:t>Input</a:t>
+            </a:r>
+            <a:r>
+              <a:rPr lang="ko-KR" altLang="en-US" sz="1200" dirty="0"/>
+              <a:t>이 있거나 </a:t>
+            </a:r>
+            <a:r>
+              <a:rPr lang="en-US" altLang="ko-KR" sz="1200" dirty="0"/>
+              <a:t>Storage</a:t>
+            </a:r>
+            <a:r>
+              <a:rPr lang="ko-KR" altLang="en-US" sz="1200" dirty="0"/>
+              <a:t>에서 데이터를 </a:t>
+            </a:r>
+            <a:r>
+              <a:rPr lang="ko-KR" altLang="en-US" sz="1200" dirty="0" err="1"/>
+              <a:t>받아온다던지</a:t>
+            </a:r>
+            <a:r>
+              <a:rPr lang="ko-KR" altLang="en-US" sz="1200" dirty="0"/>
+              <a:t> </a:t>
+            </a:r>
+            <a:r>
+              <a:rPr lang="ko-KR" altLang="en-US" sz="1200" dirty="0" err="1"/>
+              <a:t>이럴때는</a:t>
+            </a:r>
+            <a:r>
+              <a:rPr lang="ko-KR" altLang="en-US" sz="1200" dirty="0"/>
+              <a:t> </a:t>
+            </a:r>
+            <a:r>
+              <a:rPr lang="en-US" altLang="ko-KR" sz="1200" dirty="0"/>
+              <a:t>OS Process Logic</a:t>
+            </a:r>
+            <a:r>
+              <a:rPr lang="ko-KR" altLang="en-US" sz="1200" dirty="0"/>
+              <a:t>을 태워야 한다</a:t>
+            </a:r>
+            <a:r>
+              <a:rPr lang="en-US" altLang="ko-KR" sz="1200" dirty="0"/>
+              <a:t>. </a:t>
+            </a:r>
+            <a:r>
+              <a:rPr lang="ko-KR" altLang="en-US" sz="1200" dirty="0" err="1"/>
+              <a:t>이럴때</a:t>
+            </a:r>
+            <a:r>
+              <a:rPr lang="ko-KR" altLang="en-US" sz="1200" dirty="0"/>
+              <a:t> </a:t>
+            </a:r>
+            <a:r>
+              <a:rPr lang="en-US" altLang="ko-KR" sz="1200" dirty="0"/>
+              <a:t>App1</a:t>
+            </a:r>
+            <a:r>
+              <a:rPr lang="ko-KR" altLang="en-US" sz="1200" dirty="0"/>
+              <a:t>을 읽다가 </a:t>
+            </a:r>
+            <a:r>
+              <a:rPr lang="en-US" altLang="ko-KR" sz="1200" dirty="0"/>
+              <a:t>OS process</a:t>
+            </a:r>
+            <a:r>
+              <a:rPr lang="ko-KR" altLang="en-US" sz="1200" dirty="0"/>
+              <a:t>에 있는 </a:t>
+            </a:r>
+            <a:r>
+              <a:rPr lang="en-US" altLang="ko-KR" sz="1200" dirty="0"/>
+              <a:t>Logic</a:t>
+            </a:r>
+            <a:r>
+              <a:rPr lang="ko-KR" altLang="en-US" sz="1200" dirty="0"/>
+              <a:t>을 읽어야 하므로 </a:t>
+            </a:r>
+            <a:r>
+              <a:rPr lang="en-US" altLang="ko-KR" sz="1200" dirty="0"/>
+              <a:t>OS Process</a:t>
+            </a:r>
+            <a:r>
+              <a:rPr lang="ko-KR" altLang="en-US" sz="1200" dirty="0"/>
+              <a:t>의 특정 </a:t>
+            </a:r>
+            <a:r>
+              <a:rPr lang="en-US" altLang="ko-KR" sz="1200" dirty="0"/>
+              <a:t>Logic (</a:t>
+            </a:r>
+            <a:r>
+              <a:rPr lang="ko-KR" altLang="en-US" sz="1200" dirty="0"/>
+              <a:t>여기서는 파일 </a:t>
+            </a:r>
+            <a:r>
+              <a:rPr lang="en-US" altLang="ko-KR" sz="1200" dirty="0"/>
+              <a:t>Read</a:t>
+            </a:r>
+            <a:r>
+              <a:rPr lang="ko-KR" altLang="en-US" sz="1200" dirty="0"/>
+              <a:t>관련한</a:t>
+            </a:r>
+            <a:r>
+              <a:rPr lang="en-US" altLang="ko-KR" sz="1200" dirty="0"/>
+              <a:t>)</a:t>
+            </a:r>
+            <a:r>
+              <a:rPr lang="ko-KR" altLang="en-US" sz="1200" dirty="0"/>
+              <a:t>을 </a:t>
+            </a:r>
+            <a:r>
+              <a:rPr lang="ko-KR" altLang="en-US" sz="1200" dirty="0" err="1"/>
+              <a:t>읽게된다</a:t>
+            </a:r>
+            <a:r>
+              <a:rPr lang="en-US" altLang="ko-KR" sz="1200" dirty="0"/>
+              <a:t>. </a:t>
+            </a:r>
+            <a:r>
+              <a:rPr lang="ko-KR" altLang="en-US" sz="1200" dirty="0"/>
+              <a:t>이때 </a:t>
+            </a:r>
+            <a:r>
+              <a:rPr lang="en-US" altLang="ko-KR" sz="1200" dirty="0"/>
+              <a:t>Kernel Mode</a:t>
+            </a:r>
+            <a:r>
+              <a:rPr lang="ko-KR" altLang="en-US" sz="1200" dirty="0"/>
+              <a:t>라 한다</a:t>
+            </a:r>
+            <a:r>
+              <a:rPr lang="en-US" altLang="ko-KR" sz="1200" dirty="0"/>
+              <a:t>. CPU</a:t>
+            </a:r>
+            <a:r>
+              <a:rPr lang="ko-KR" altLang="en-US" sz="1200" dirty="0"/>
+              <a:t>가 </a:t>
+            </a:r>
+            <a:r>
+              <a:rPr lang="en-US" altLang="ko-KR" sz="1200" dirty="0" err="1"/>
+              <a:t>Os</a:t>
+            </a:r>
+            <a:r>
+              <a:rPr lang="en-US" altLang="ko-KR" sz="1200" dirty="0"/>
+              <a:t> Logic</a:t>
+            </a:r>
+            <a:r>
+              <a:rPr lang="ko-KR" altLang="en-US" sz="1200" dirty="0"/>
+              <a:t>을 수행하고 </a:t>
+            </a:r>
+            <a:r>
+              <a:rPr lang="ko-KR" altLang="en-US" sz="1200" dirty="0" err="1"/>
+              <a:t>있을때</a:t>
+            </a:r>
+            <a:r>
+              <a:rPr lang="ko-KR" altLang="en-US" sz="1200" dirty="0"/>
+              <a:t> 어차피 </a:t>
+            </a:r>
+            <a:r>
+              <a:rPr lang="en-US" altLang="ko-KR" sz="1200" dirty="0"/>
+              <a:t>OS</a:t>
+            </a:r>
+            <a:r>
+              <a:rPr lang="ko-KR" altLang="en-US" sz="1200" dirty="0"/>
+              <a:t>또한 </a:t>
+            </a:r>
+            <a:r>
+              <a:rPr lang="en-US" altLang="ko-KR" sz="1200" dirty="0"/>
+              <a:t>Process</a:t>
+            </a:r>
+            <a:r>
+              <a:rPr lang="ko-KR" altLang="en-US" sz="1200" dirty="0"/>
+              <a:t>이고 그 안의 작업 단위를 똑같이 </a:t>
+            </a:r>
+            <a:r>
+              <a:rPr lang="en-US" altLang="ko-KR" sz="1200" dirty="0"/>
+              <a:t>thread</a:t>
+            </a:r>
+            <a:r>
+              <a:rPr lang="ko-KR" altLang="en-US" sz="1200" dirty="0"/>
+              <a:t>단위로 </a:t>
+            </a:r>
+            <a:r>
+              <a:rPr lang="ko-KR" altLang="en-US" sz="1200" dirty="0" err="1"/>
+              <a:t>할텐데</a:t>
+            </a:r>
+            <a:r>
+              <a:rPr lang="en-US" altLang="ko-KR" sz="1200" dirty="0"/>
+              <a:t>, </a:t>
+            </a:r>
+            <a:r>
+              <a:rPr lang="ko-KR" altLang="en-US" sz="1200" dirty="0"/>
+              <a:t>이때의 </a:t>
+            </a:r>
+            <a:r>
+              <a:rPr lang="en-US" altLang="ko-KR" sz="1200" dirty="0"/>
+              <a:t>thread</a:t>
+            </a:r>
+            <a:r>
+              <a:rPr lang="ko-KR" altLang="en-US" sz="1200" dirty="0"/>
+              <a:t>를 </a:t>
+            </a:r>
+            <a:r>
+              <a:rPr lang="en-US" altLang="ko-KR" sz="1200" dirty="0"/>
+              <a:t>Kernel Thread</a:t>
+            </a:r>
+            <a:r>
+              <a:rPr lang="ko-KR" altLang="en-US" sz="1200" dirty="0"/>
+              <a:t>라 한다</a:t>
+            </a:r>
+            <a:r>
+              <a:rPr lang="en-US" altLang="ko-KR" sz="1200" dirty="0"/>
+              <a:t>.</a:t>
+            </a:r>
+            <a:endParaRPr lang="ko-KR" altLang="en-US" sz="1200" dirty="0"/>
+          </a:p>
+          <a:p>
+            <a:endParaRPr lang="en-US" altLang="ko-KR" dirty="0"/>
+          </a:p>
+          <a:p>
+            <a:r>
+              <a:rPr lang="ko-KR" altLang="en-US" dirty="0"/>
+              <a:t>그리고 여기서 </a:t>
+            </a:r>
+            <a:r>
+              <a:rPr lang="ko-KR" altLang="en-US" dirty="0" err="1"/>
+              <a:t>알수</a:t>
+            </a:r>
+            <a:r>
+              <a:rPr lang="ko-KR" altLang="en-US" dirty="0"/>
+              <a:t> 있겠지만 </a:t>
+            </a:r>
+            <a:r>
+              <a:rPr lang="en-US" altLang="ko-KR" dirty="0"/>
+              <a:t>System Call</a:t>
+            </a:r>
+            <a:r>
+              <a:rPr lang="ko-KR" altLang="en-US" dirty="0"/>
+              <a:t>은 </a:t>
+            </a:r>
+            <a:r>
+              <a:rPr lang="en-US" altLang="ko-KR" dirty="0"/>
+              <a:t>OS Process</a:t>
+            </a:r>
+            <a:r>
+              <a:rPr lang="ko-KR" altLang="en-US" dirty="0"/>
+              <a:t>가 가지고 있는 </a:t>
+            </a:r>
+            <a:r>
+              <a:rPr lang="en-US" altLang="ko-KR" dirty="0"/>
+              <a:t>logic (method)</a:t>
+            </a:r>
+            <a:r>
+              <a:rPr lang="ko-KR" altLang="en-US" dirty="0"/>
+              <a:t>를 호출하는 행위를 의미한다</a:t>
+            </a:r>
+            <a:r>
+              <a:rPr lang="en-US" altLang="ko-KR" dirty="0"/>
+              <a:t>. </a:t>
+            </a:r>
+            <a:r>
+              <a:rPr lang="ko-KR" altLang="en-US" dirty="0"/>
+              <a:t>보통 </a:t>
+            </a:r>
+            <a:r>
+              <a:rPr lang="en-US" altLang="ko-KR" dirty="0"/>
+              <a:t>OS Logic</a:t>
+            </a:r>
+            <a:r>
+              <a:rPr lang="ko-KR" altLang="en-US" dirty="0"/>
+              <a:t>은 </a:t>
+            </a:r>
+            <a:r>
+              <a:rPr lang="en-US" altLang="ko-KR" dirty="0"/>
+              <a:t>Process</a:t>
+            </a:r>
+            <a:r>
+              <a:rPr lang="ko-KR" altLang="en-US" dirty="0"/>
+              <a:t>관련 관리 </a:t>
+            </a:r>
+            <a:r>
+              <a:rPr lang="ko-KR" altLang="en-US" dirty="0" err="1"/>
+              <a:t>로직</a:t>
+            </a:r>
+            <a:r>
+              <a:rPr lang="en-US" altLang="ko-KR" dirty="0"/>
+              <a:t>, Hardware </a:t>
+            </a:r>
+            <a:r>
+              <a:rPr lang="ko-KR" altLang="en-US" dirty="0"/>
+              <a:t>제어 </a:t>
+            </a:r>
+            <a:r>
+              <a:rPr lang="ko-KR" altLang="en-US" dirty="0" err="1"/>
+              <a:t>로직등이</a:t>
+            </a:r>
+            <a:r>
+              <a:rPr lang="ko-KR" altLang="en-US" dirty="0"/>
+              <a:t> 들어가 있다</a:t>
+            </a:r>
+            <a:r>
+              <a:rPr lang="en-US" altLang="ko-KR" dirty="0"/>
+              <a:t>.</a:t>
+            </a:r>
+            <a:endParaRPr lang="ko-KR" altLang="en-US" dirty="0"/>
+          </a:p>
+        </p:txBody>
+      </p:sp>
+      <p:sp>
+        <p:nvSpPr>
+          <p:cNvPr id="4" name="슬라이드 번호 개체 틀 3"/>
+          <p:cNvSpPr>
+            <a:spLocks noGrp="1"/>
+          </p:cNvSpPr>
+          <p:nvPr>
+            <p:ph type="sldNum" sz="quarter" idx="10"/>
+          </p:nvPr>
+        </p:nvSpPr>
+        <p:spPr/>
+        <p:txBody>
+          <a:bodyPr/>
+          <a:lstStyle/>
+          <a:p>
+            <a:fld id="{16AFB6E1-9A93-4EBD-AB39-332ADB6F73BD}" type="slidenum">
+              <a:rPr lang="ko-KR" altLang="en-US" smtClean="0"/>
+              <a:t>18</a:t>
+            </a:fld>
+            <a:endParaRPr lang="ko-KR" altLang="en-US"/>
+          </a:p>
+        </p:txBody>
+      </p:sp>
+    </p:spTree>
+    <p:extLst>
+      <p:ext uri="{BB962C8B-B14F-4D97-AF65-F5344CB8AC3E}">
+        <p14:creationId xmlns:p14="http://schemas.microsoft.com/office/powerpoint/2010/main" val="2449296183"/>
+      </p:ext>
+    </p:extLst>
+  </p:cSld>
+  <p:clrMapOvr>
+    <a:masterClrMapping/>
+  </p:clrMapOvr>
+</p:notes>
+</file>
+
+<file path=ppt/notesSlides/notesSlide11.xml><?xml version="1.0" encoding="utf-8"?>
+<p:notes xmlns:a="http://schemas.openxmlformats.org/drawingml/2006/main" xmlns:r="http://schemas.openxmlformats.org/officeDocument/2006/relationships" xmlns:p="http://schemas.openxmlformats.org/presentationml/2006/main">
+  <p:cSld>
+    <p:spTree>
+      <p:nvGrpSpPr>
+        <p:cNvPr id="1" name=""/>
+        <p:cNvGrpSpPr/>
+        <p:nvPr/>
+      </p:nvGrpSpPr>
+      <p:grpSpPr>
+        <a:xfrm>
+          <a:off x="0" y="0"/>
+          <a:ext cx="0" cy="0"/>
+          <a:chOff x="0" y="0"/>
+          <a:chExt cx="0" cy="0"/>
+        </a:xfrm>
+      </p:grpSpPr>
+      <p:sp>
+        <p:nvSpPr>
+          <p:cNvPr id="2" name="슬라이드 이미지 개체 틀 1"/>
+          <p:cNvSpPr>
+            <a:spLocks noGrp="1" noRot="1" noChangeAspect="1"/>
+          </p:cNvSpPr>
+          <p:nvPr>
+            <p:ph type="sldImg"/>
+          </p:nvPr>
+        </p:nvSpPr>
+        <p:spPr/>
+      </p:sp>
+      <p:sp>
+        <p:nvSpPr>
+          <p:cNvPr id="3" name="슬라이드 노트 개체 틀 2"/>
+          <p:cNvSpPr>
+            <a:spLocks noGrp="1"/>
+          </p:cNvSpPr>
+          <p:nvPr>
+            <p:ph type="body" idx="1"/>
+          </p:nvPr>
+        </p:nvSpPr>
+        <p:spPr/>
+        <p:txBody>
+          <a:bodyPr/>
+          <a:lstStyle/>
+          <a:p>
             <a:endParaRPr kumimoji="1" lang="ko-KR" altLang="en-US" dirty="0"/>
           </a:p>
         </p:txBody>
@@ -650,7 +1106,7 @@
           <a:p>
             <a:fld id="{16AFB6E1-9A93-4EBD-AB39-332ADB6F73BD}" type="slidenum">
               <a:rPr lang="ko-KR" altLang="en-US" smtClean="0"/>
-              <a:t>18</a:t>
+              <a:t>19</a:t>
             </a:fld>
             <a:endParaRPr lang="ko-KR" altLang="en-US"/>
           </a:p>
@@ -1471,26 +1927,327 @@
           <a:lstStyle/>
           <a:p>
             <a:r>
+              <a:rPr lang="ko-KR" altLang="en-US" b="1" dirty="0" smtClean="0"/>
+              <a:t>가상 주소 </a:t>
+            </a:r>
+            <a:r>
+              <a:rPr lang="en-US" altLang="ko-KR" b="1" dirty="0" smtClean="0"/>
+              <a:t>(Virtual Address)</a:t>
+            </a:r>
+            <a:r>
               <a:rPr lang="en-US" altLang="ko-KR" dirty="0" smtClean="0"/>
-              <a:t>RAS(Row Address Strobe): </a:t>
+              <a:t>: </a:t>
             </a:r>
             <a:r>
               <a:rPr lang="ko-KR" altLang="en-US" dirty="0" smtClean="0"/>
-              <a:t>행 주소를 지정하는 신호</a:t>
+              <a:t>프로그램이 사용하는 주소</a:t>
+            </a:r>
+            <a:endParaRPr lang="en-US" altLang="ko-KR" dirty="0" smtClean="0"/>
+          </a:p>
+          <a:p>
+            <a:r>
+              <a:rPr lang="ko-KR" altLang="en-US" b="1" dirty="0" smtClean="0"/>
+              <a:t>논리 페이지 주소 </a:t>
+            </a:r>
+            <a:r>
+              <a:rPr lang="en-US" altLang="ko-KR" b="1" dirty="0" smtClean="0"/>
+              <a:t>(Logical Page Address)</a:t>
             </a:r>
             <a:r>
               <a:rPr lang="en-US" altLang="ko-KR" dirty="0" smtClean="0"/>
-              <a:t>. CAS(Column Address Strobe): </a:t>
+              <a:t>: </a:t>
             </a:r>
             <a:r>
               <a:rPr lang="ko-KR" altLang="en-US" dirty="0" smtClean="0"/>
-              <a:t>열 주소를 지정하는 신호</a:t>
+              <a:t>가상 주소에서 페이지 번호를 추출한 값 </a:t>
+            </a:r>
+            <a:r>
+              <a:rPr lang="en-US" altLang="ko-KR" dirty="0" smtClean="0"/>
+              <a:t>(</a:t>
+            </a:r>
+            <a:r>
+              <a:rPr lang="ko-KR" altLang="en-US" dirty="0" smtClean="0"/>
+              <a:t>상위 </a:t>
+            </a:r>
+            <a:r>
+              <a:rPr lang="en-US" altLang="ko-KR" dirty="0" smtClean="0"/>
+              <a:t>20</a:t>
+            </a:r>
+            <a:r>
+              <a:rPr lang="ko-KR" altLang="en-US" dirty="0" smtClean="0"/>
+              <a:t>비트</a:t>
+            </a:r>
+            <a:r>
+              <a:rPr lang="en-US" altLang="ko-KR" dirty="0" smtClean="0"/>
+              <a:t>)</a:t>
+            </a:r>
+          </a:p>
+          <a:p>
+            <a:r>
+              <a:rPr lang="ko-KR" altLang="en-US" b="1" dirty="0" smtClean="0"/>
+              <a:t>페이지 내 오프셋 </a:t>
+            </a:r>
+            <a:r>
+              <a:rPr lang="en-US" altLang="ko-KR" b="1" dirty="0" smtClean="0"/>
+              <a:t>(Offset)</a:t>
+            </a:r>
+            <a:r>
+              <a:rPr lang="en-US" altLang="ko-KR" dirty="0" smtClean="0"/>
+              <a:t>: </a:t>
+            </a:r>
+            <a:r>
+              <a:rPr lang="ko-KR" altLang="en-US" dirty="0" smtClean="0"/>
+              <a:t>페이지 내에서의 위치를 나타내는 하위 </a:t>
+            </a:r>
+            <a:r>
+              <a:rPr lang="en-US" altLang="ko-KR" dirty="0" smtClean="0"/>
+              <a:t>12</a:t>
+            </a:r>
+            <a:r>
+              <a:rPr lang="ko-KR" altLang="en-US" dirty="0" smtClean="0"/>
+              <a:t>비트 값</a:t>
+            </a:r>
+            <a:endParaRPr lang="en-US" altLang="ko-KR" dirty="0" smtClean="0"/>
+          </a:p>
+          <a:p>
+            <a:r>
+              <a:rPr lang="ko-KR" altLang="en-US" b="1" dirty="0" smtClean="0"/>
+              <a:t>물리 페이지 주소 </a:t>
+            </a:r>
+            <a:r>
+              <a:rPr lang="en-US" altLang="ko-KR" b="1" dirty="0" smtClean="0"/>
+              <a:t>(Physical Page Address)</a:t>
+            </a:r>
+            <a:r>
+              <a:rPr lang="en-US" altLang="ko-KR" dirty="0" smtClean="0"/>
+              <a:t>: </a:t>
+            </a:r>
+            <a:r>
+              <a:rPr lang="ko-KR" altLang="en-US" dirty="0" smtClean="0"/>
+              <a:t>페이지 테이블을 통해 </a:t>
+            </a:r>
+            <a:r>
+              <a:rPr lang="ko-KR" altLang="en-US" dirty="0" err="1" smtClean="0"/>
+              <a:t>매핑된</a:t>
+            </a:r>
+            <a:r>
+              <a:rPr lang="ko-KR" altLang="en-US" dirty="0" smtClean="0"/>
+              <a:t> 물리 주소</a:t>
+            </a:r>
+            <a:endParaRPr lang="en-US" altLang="ko-KR" dirty="0" smtClean="0"/>
+          </a:p>
+          <a:p>
+            <a:r>
+              <a:rPr lang="ko-KR" altLang="en-US" b="1" dirty="0" smtClean="0"/>
+              <a:t>물리 주소 </a:t>
+            </a:r>
+            <a:r>
+              <a:rPr lang="en-US" altLang="ko-KR" b="1" dirty="0" smtClean="0"/>
+              <a:t>(Physical Address)</a:t>
+            </a:r>
+            <a:r>
+              <a:rPr lang="en-US" altLang="ko-KR" dirty="0" smtClean="0"/>
+              <a:t>: </a:t>
+            </a:r>
+            <a:r>
+              <a:rPr lang="ko-KR" altLang="en-US" dirty="0" smtClean="0"/>
+              <a:t>물리 페이지 주소와 페이지 내 오프셋을 결합하여 최종 물리 주소</a:t>
             </a:r>
             <a:r>
               <a:rPr lang="en-US" altLang="ko-KR" dirty="0" smtClean="0"/>
               <a:t>.</a:t>
             </a:r>
-            <a:endParaRPr lang="ko-KR" altLang="en-US" dirty="0"/>
+          </a:p>
+          <a:p>
+            <a:endParaRPr lang="en-US" altLang="ko-KR" dirty="0" smtClean="0"/>
+          </a:p>
+          <a:p>
+            <a:r>
+              <a:rPr lang="ko-KR" altLang="en-US" b="1" dirty="0" err="1" smtClean="0"/>
+              <a:t>로세스마다</a:t>
+            </a:r>
+            <a:r>
+              <a:rPr lang="ko-KR" altLang="en-US" b="1" dirty="0" smtClean="0"/>
+              <a:t> 가상 주소는 독립적</a:t>
+            </a:r>
+            <a:r>
+              <a:rPr lang="ko-KR" altLang="en-US" dirty="0" smtClean="0"/>
+              <a:t>이기 때문에</a:t>
+            </a:r>
+            <a:r>
+              <a:rPr lang="en-US" altLang="ko-KR" dirty="0" smtClean="0"/>
+              <a:t>, </a:t>
+            </a:r>
+            <a:r>
+              <a:rPr lang="ko-KR" altLang="en-US" dirty="0" smtClean="0"/>
+              <a:t>서로 다른 프로세스는 </a:t>
+            </a:r>
+            <a:r>
+              <a:rPr lang="ko-KR" altLang="en-US" b="1" dirty="0" smtClean="0"/>
+              <a:t>같은 가상 주소를 사용</a:t>
+            </a:r>
+            <a:r>
+              <a:rPr lang="ko-KR" altLang="en-US" dirty="0" smtClean="0"/>
+              <a:t>할 수 있습니다</a:t>
+            </a:r>
+            <a:r>
+              <a:rPr lang="en-US" altLang="ko-KR" dirty="0" smtClean="0"/>
+              <a:t>. </a:t>
+            </a:r>
+            <a:r>
+              <a:rPr lang="ko-KR" altLang="en-US" dirty="0" smtClean="0"/>
+              <a:t>이는 가상 메모리 시스템의 중요한 특징 중 하나입니다</a:t>
+            </a:r>
+            <a:r>
+              <a:rPr lang="en-US" altLang="ko-KR" dirty="0" smtClean="0"/>
+              <a:t>. </a:t>
+            </a:r>
+            <a:r>
+              <a:rPr lang="ko-KR" altLang="en-US" dirty="0" smtClean="0"/>
+              <a:t>가상 주소는 논리적이기 때문에 각 프로세스는 자신만의 </a:t>
+            </a:r>
+            <a:r>
+              <a:rPr lang="ko-KR" altLang="en-US" b="1" dirty="0" smtClean="0"/>
+              <a:t>가상 주소 공간</a:t>
+            </a:r>
+            <a:r>
+              <a:rPr lang="ko-KR" altLang="en-US" dirty="0" smtClean="0"/>
+              <a:t>을 가지고 있으며</a:t>
+            </a:r>
+            <a:r>
+              <a:rPr lang="en-US" altLang="ko-KR" dirty="0" smtClean="0"/>
+              <a:t>, </a:t>
+            </a:r>
+            <a:r>
+              <a:rPr lang="ko-KR" altLang="en-US" dirty="0" smtClean="0"/>
+              <a:t>이 가상 주소는 물리 메모리와는 독립적으로 관리됩니다</a:t>
+            </a:r>
+            <a:r>
+              <a:rPr lang="en-US" altLang="ko-KR" dirty="0" smtClean="0"/>
+              <a:t>.</a:t>
+            </a:r>
+          </a:p>
+          <a:p>
+            <a:endParaRPr lang="en-US" altLang="ko-KR" dirty="0" smtClean="0"/>
+          </a:p>
+          <a:p>
+            <a:r>
+              <a:rPr lang="ko-KR" altLang="en-US" b="1" dirty="0" smtClean="0"/>
+              <a:t>예시 그림 설명 </a:t>
+            </a:r>
+            <a:r>
+              <a:rPr lang="en-US" altLang="ko-KR" b="1" dirty="0" smtClean="0"/>
+              <a:t>(</a:t>
+            </a:r>
+            <a:r>
+              <a:rPr lang="ko-KR" altLang="en-US" b="1" dirty="0" smtClean="0"/>
+              <a:t>프로세스 </a:t>
+            </a:r>
+            <a:r>
+              <a:rPr lang="en-US" altLang="ko-KR" b="1" dirty="0" smtClean="0"/>
+              <a:t>A</a:t>
+            </a:r>
+            <a:r>
+              <a:rPr lang="ko-KR" altLang="en-US" b="1" dirty="0" smtClean="0"/>
+              <a:t>와 </a:t>
+            </a:r>
+            <a:r>
+              <a:rPr lang="en-US" altLang="ko-KR" b="1" dirty="0" smtClean="0"/>
+              <a:t>B</a:t>
+            </a:r>
+            <a:r>
+              <a:rPr lang="ko-KR" altLang="en-US" b="1" dirty="0" smtClean="0"/>
+              <a:t>에서 같은 가상 주소 사용</a:t>
+            </a:r>
+            <a:r>
+              <a:rPr lang="en-US" altLang="ko-KR" b="1" dirty="0" smtClean="0"/>
+              <a:t>):</a:t>
+            </a:r>
+          </a:p>
+          <a:p>
+            <a:r>
+              <a:rPr lang="ko-KR" altLang="en-US" b="1" dirty="0" smtClean="0"/>
+              <a:t>프로세스 </a:t>
+            </a:r>
+            <a:r>
+              <a:rPr lang="en-US" altLang="ko-KR" b="1" dirty="0" smtClean="0"/>
+              <a:t>A</a:t>
+            </a:r>
+            <a:r>
+              <a:rPr lang="en-US" altLang="ko-KR" dirty="0" smtClean="0"/>
+              <a:t>:</a:t>
+            </a:r>
+          </a:p>
+          <a:p>
+            <a:pPr lvl="1"/>
+            <a:r>
+              <a:rPr lang="ko-KR" altLang="en-US" dirty="0" smtClean="0"/>
+              <a:t>가상 주소 </a:t>
+            </a:r>
+            <a:r>
+              <a:rPr lang="en-US" altLang="ko-KR" dirty="0" smtClean="0"/>
+              <a:t>0x00403F00</a:t>
+            </a:r>
+            <a:r>
+              <a:rPr lang="ko-KR" altLang="en-US" dirty="0" smtClean="0"/>
+              <a:t>가 물리 메모리 주소 </a:t>
+            </a:r>
+            <a:r>
+              <a:rPr lang="en-US" altLang="ko-KR" dirty="0" smtClean="0"/>
+              <a:t>0x00123F00</a:t>
+            </a:r>
+            <a:r>
+              <a:rPr lang="ko-KR" altLang="en-US" dirty="0" smtClean="0"/>
+              <a:t>으로 매핑</a:t>
+            </a:r>
+            <a:r>
+              <a:rPr lang="en-US" altLang="ko-KR" dirty="0" smtClean="0"/>
+              <a:t>.</a:t>
+            </a:r>
+          </a:p>
+          <a:p>
+            <a:r>
+              <a:rPr lang="ko-KR" altLang="en-US" b="1" dirty="0" smtClean="0"/>
+              <a:t>프로세스 </a:t>
+            </a:r>
+            <a:r>
+              <a:rPr lang="en-US" altLang="ko-KR" b="1" dirty="0" smtClean="0"/>
+              <a:t>B</a:t>
+            </a:r>
+            <a:r>
+              <a:rPr lang="en-US" altLang="ko-KR" dirty="0" smtClean="0"/>
+              <a:t>:</a:t>
+            </a:r>
+          </a:p>
+          <a:p>
+            <a:pPr lvl="1"/>
+            <a:r>
+              <a:rPr lang="ko-KR" altLang="en-US" dirty="0" smtClean="0"/>
+              <a:t>동일한 가상 주소 </a:t>
+            </a:r>
+            <a:r>
+              <a:rPr lang="en-US" altLang="ko-KR" dirty="0" smtClean="0"/>
+              <a:t>0x00403F00</a:t>
+            </a:r>
+            <a:r>
+              <a:rPr lang="ko-KR" altLang="en-US" dirty="0" smtClean="0"/>
+              <a:t>가 물리 메모리 주소 </a:t>
+            </a:r>
+            <a:r>
+              <a:rPr lang="en-US" altLang="ko-KR" dirty="0" smtClean="0"/>
+              <a:t>0x00234F00</a:t>
+            </a:r>
+            <a:r>
+              <a:rPr lang="ko-KR" altLang="en-US" dirty="0" smtClean="0"/>
+              <a:t>으로 매핑</a:t>
+            </a:r>
+            <a:r>
+              <a:rPr lang="en-US" altLang="ko-KR" dirty="0" smtClean="0"/>
+              <a:t>.</a:t>
+            </a:r>
+          </a:p>
+          <a:p>
+            <a:endParaRPr lang="en-US" altLang="ko-KR" dirty="0" smtClean="0"/>
           </a:p>
         </p:txBody>
       </p:sp>
@@ -1520,7 +2277,7 @@
     </p:spTree>
     <p:extLst>
       <p:ext uri="{BB962C8B-B14F-4D97-AF65-F5344CB8AC3E}">
-        <p14:creationId xmlns:p14="http://schemas.microsoft.com/office/powerpoint/2010/main" val="2871402095"/>
+        <p14:creationId xmlns:p14="http://schemas.microsoft.com/office/powerpoint/2010/main" val="3500248453"/>
       </p:ext>
     </p:extLst>
   </p:cSld>
@@ -1574,6 +2331,26 @@
           <a:bodyPr/>
           <a:lstStyle/>
           <a:p>
+            <a:r>
+              <a:rPr lang="en-US" altLang="ko-KR" dirty="0" smtClean="0"/>
+              <a:t>RAS(Row Address Strobe): </a:t>
+            </a:r>
+            <a:r>
+              <a:rPr lang="ko-KR" altLang="en-US" dirty="0" smtClean="0"/>
+              <a:t>행 주소를 지정하는 신호</a:t>
+            </a:r>
+            <a:r>
+              <a:rPr lang="en-US" altLang="ko-KR" dirty="0" smtClean="0"/>
+              <a:t>. CAS(Column Address Strobe): </a:t>
+            </a:r>
+            <a:r>
+              <a:rPr lang="ko-KR" altLang="en-US" dirty="0" smtClean="0"/>
+              <a:t>열 주소를 지정하는 신호</a:t>
+            </a:r>
+            <a:r>
+              <a:rPr lang="en-US" altLang="ko-KR" dirty="0" smtClean="0"/>
+              <a:t>.</a:t>
+            </a:r>
             <a:endParaRPr lang="ko-KR" altLang="en-US" dirty="0"/>
           </a:p>
         </p:txBody>
@@ -1604,7 +2381,7 @@
     </p:spTree>
     <p:extLst>
       <p:ext uri="{BB962C8B-B14F-4D97-AF65-F5344CB8AC3E}">
-        <p14:creationId xmlns:p14="http://schemas.microsoft.com/office/powerpoint/2010/main" val="404492909"/>
+        <p14:creationId xmlns:p14="http://schemas.microsoft.com/office/powerpoint/2010/main" val="2871402095"/>
       </p:ext>
     </p:extLst>
   </p:cSld>
@@ -1688,7 +2465,7 @@
     </p:spTree>
     <p:extLst>
       <p:ext uri="{BB962C8B-B14F-4D97-AF65-F5344CB8AC3E}">
-        <p14:creationId xmlns:p14="http://schemas.microsoft.com/office/powerpoint/2010/main" val="720762078"/>
+        <p14:creationId xmlns:p14="http://schemas.microsoft.com/office/powerpoint/2010/main" val="404492909"/>
       </p:ext>
     </p:extLst>
   </p:cSld>
@@ -1772,7 +2549,7 @@
     </p:spTree>
     <p:extLst>
       <p:ext uri="{BB962C8B-B14F-4D97-AF65-F5344CB8AC3E}">
-        <p14:creationId xmlns:p14="http://schemas.microsoft.com/office/powerpoint/2010/main" val="2357716431"/>
+        <p14:creationId xmlns:p14="http://schemas.microsoft.com/office/powerpoint/2010/main" val="720762078"/>
       </p:ext>
     </p:extLst>
   </p:cSld>
@@ -1826,377 +2603,6 @@
           <a:bodyPr/>
           <a:lstStyle/>
           <a:p>
-            <a:pPr marL="0" marR="0" indent="0" algn="l" defTabSz="914400" rtl="0" eaLnBrk="1" fontAlgn="auto" latinLnBrk="1" hangingPunct="1">
-              <a:lnSpc>
-                <a:spcPct val="100000"/>
-              </a:lnSpc>
-              <a:spcBef>
-                <a:spcPts val="0"/>
-              </a:spcBef>
-              <a:spcAft>
-                <a:spcPts val="0"/>
-              </a:spcAft>
-              <a:buClrTx/>
-              <a:buSzTx/>
-              <a:buFontTx/>
-              <a:buNone/>
-              <a:tabLst/>
-              <a:defRPr/>
-            </a:pPr>
-            <a:r>
-              <a:rPr lang="ko-KR" altLang="en-US" sz="1200" dirty="0"/>
-              <a:t>설명</a:t>
-            </a:r>
-            <a:r>
-              <a:rPr lang="en-US" altLang="ko-KR" sz="1200" dirty="0"/>
-              <a:t>: App1</a:t>
-            </a:r>
-            <a:r>
-              <a:rPr lang="ko-KR" altLang="en-US" sz="1200" dirty="0"/>
-              <a:t>의 여러 연산은 직접 </a:t>
-            </a:r>
-            <a:r>
-              <a:rPr lang="en-US" altLang="ko-KR" sz="1200" dirty="0"/>
-              <a:t>CPU</a:t>
-            </a:r>
-            <a:r>
-              <a:rPr lang="ko-KR" altLang="en-US" sz="1200" dirty="0"/>
-              <a:t>에서 읽으면서 연산한다</a:t>
-            </a:r>
-            <a:r>
-              <a:rPr lang="en-US" altLang="ko-KR" sz="1200" dirty="0"/>
-              <a:t>. </a:t>
-            </a:r>
-            <a:r>
-              <a:rPr lang="ko-KR" altLang="en-US" sz="1200" dirty="0"/>
-              <a:t>다만 </a:t>
-            </a:r>
-            <a:r>
-              <a:rPr lang="en-US" altLang="ko-KR" sz="1200" dirty="0"/>
-              <a:t>System Call</a:t>
-            </a:r>
-            <a:r>
-              <a:rPr lang="ko-KR" altLang="en-US" sz="1200" dirty="0"/>
-              <a:t>을 </a:t>
-            </a:r>
-            <a:r>
-              <a:rPr lang="ko-KR" altLang="en-US" sz="1200" dirty="0" err="1"/>
-              <a:t>할때</a:t>
-            </a:r>
-            <a:r>
-              <a:rPr lang="ko-KR" altLang="en-US" sz="1200" dirty="0"/>
-              <a:t> </a:t>
-            </a:r>
-            <a:r>
-              <a:rPr lang="en-US" altLang="ko-KR" sz="1200" dirty="0"/>
-              <a:t>(OS Logic)</a:t>
-            </a:r>
-            <a:r>
-              <a:rPr lang="ko-KR" altLang="en-US" sz="1200" dirty="0"/>
-              <a:t>예를 들어 다른 주변 기기에서 </a:t>
-            </a:r>
-            <a:r>
-              <a:rPr lang="en-US" altLang="ko-KR" sz="1200" dirty="0"/>
-              <a:t>Input</a:t>
-            </a:r>
-            <a:r>
-              <a:rPr lang="ko-KR" altLang="en-US" sz="1200" dirty="0"/>
-              <a:t>이 있거나 </a:t>
-            </a:r>
-            <a:r>
-              <a:rPr lang="en-US" altLang="ko-KR" sz="1200" dirty="0"/>
-              <a:t>Storage</a:t>
-            </a:r>
-            <a:r>
-              <a:rPr lang="ko-KR" altLang="en-US" sz="1200" dirty="0"/>
-              <a:t>에서 데이터를 </a:t>
-            </a:r>
-            <a:r>
-              <a:rPr lang="ko-KR" altLang="en-US" sz="1200" dirty="0" err="1"/>
-              <a:t>받아온다던지</a:t>
-            </a:r>
-            <a:r>
-              <a:rPr lang="ko-KR" altLang="en-US" sz="1200" dirty="0"/>
-              <a:t> </a:t>
-            </a:r>
-            <a:r>
-              <a:rPr lang="ko-KR" altLang="en-US" sz="1200" dirty="0" err="1"/>
-              <a:t>이럴때는</a:t>
-            </a:r>
-            <a:r>
-              <a:rPr lang="ko-KR" altLang="en-US" sz="1200" dirty="0"/>
-              <a:t> </a:t>
-            </a:r>
-            <a:r>
-              <a:rPr lang="en-US" altLang="ko-KR" sz="1200" dirty="0"/>
-              <a:t>OS Process Logic</a:t>
-            </a:r>
-            <a:r>
-              <a:rPr lang="ko-KR" altLang="en-US" sz="1200" dirty="0"/>
-              <a:t>을 태워야 한다</a:t>
-            </a:r>
-            <a:r>
-              <a:rPr lang="en-US" altLang="ko-KR" sz="1200" dirty="0"/>
-              <a:t>. </a:t>
-            </a:r>
-            <a:r>
-              <a:rPr lang="ko-KR" altLang="en-US" sz="1200" dirty="0" err="1"/>
-              <a:t>이럴때</a:t>
-            </a:r>
-            <a:r>
-              <a:rPr lang="ko-KR" altLang="en-US" sz="1200" dirty="0"/>
-              <a:t> </a:t>
-            </a:r>
-            <a:r>
-              <a:rPr lang="en-US" altLang="ko-KR" sz="1200" dirty="0"/>
-              <a:t>App1</a:t>
-            </a:r>
-            <a:r>
-              <a:rPr lang="ko-KR" altLang="en-US" sz="1200" dirty="0"/>
-              <a:t>을 읽다가 </a:t>
-            </a:r>
-            <a:r>
-              <a:rPr lang="en-US" altLang="ko-KR" sz="1200" dirty="0"/>
-              <a:t>OS process</a:t>
-            </a:r>
-            <a:r>
-              <a:rPr lang="ko-KR" altLang="en-US" sz="1200" dirty="0"/>
-              <a:t>에 있는 </a:t>
-            </a:r>
-            <a:r>
-              <a:rPr lang="en-US" altLang="ko-KR" sz="1200" dirty="0"/>
-              <a:t>Logic</a:t>
-            </a:r>
-            <a:r>
-              <a:rPr lang="ko-KR" altLang="en-US" sz="1200" dirty="0"/>
-              <a:t>을 읽어야 하므로 </a:t>
-            </a:r>
-            <a:r>
-              <a:rPr lang="en-US" altLang="ko-KR" sz="1200" dirty="0"/>
-              <a:t>OS Process</a:t>
-            </a:r>
-            <a:r>
-              <a:rPr lang="ko-KR" altLang="en-US" sz="1200" dirty="0"/>
-              <a:t>의 특정 </a:t>
-            </a:r>
-            <a:r>
-              <a:rPr lang="en-US" altLang="ko-KR" sz="1200" dirty="0"/>
-              <a:t>Logic (</a:t>
-            </a:r>
-            <a:r>
-              <a:rPr lang="ko-KR" altLang="en-US" sz="1200" dirty="0"/>
-              <a:t>여기서는 파일 </a:t>
-            </a:r>
-            <a:r>
-              <a:rPr lang="en-US" altLang="ko-KR" sz="1200" dirty="0"/>
-              <a:t>Read</a:t>
-            </a:r>
-            <a:r>
-              <a:rPr lang="ko-KR" altLang="en-US" sz="1200" dirty="0"/>
-              <a:t>관련한</a:t>
-            </a:r>
-            <a:r>
-              <a:rPr lang="en-US" altLang="ko-KR" sz="1200" dirty="0"/>
-              <a:t>)</a:t>
-            </a:r>
-            <a:r>
-              <a:rPr lang="ko-KR" altLang="en-US" sz="1200" dirty="0"/>
-              <a:t>을 </a:t>
-            </a:r>
-            <a:r>
-              <a:rPr lang="ko-KR" altLang="en-US" sz="1200" dirty="0" err="1"/>
-              <a:t>읽게된다</a:t>
-            </a:r>
-            <a:r>
-              <a:rPr lang="en-US" altLang="ko-KR" sz="1200" dirty="0"/>
-              <a:t>. </a:t>
-            </a:r>
-            <a:r>
-              <a:rPr lang="ko-KR" altLang="en-US" sz="1200" dirty="0"/>
-              <a:t>이때 </a:t>
-            </a:r>
-            <a:r>
-              <a:rPr lang="en-US" altLang="ko-KR" sz="1200" dirty="0"/>
-              <a:t>Kernel Mode</a:t>
-            </a:r>
-            <a:r>
-              <a:rPr lang="ko-KR" altLang="en-US" sz="1200" dirty="0"/>
-              <a:t>라 한다</a:t>
-            </a:r>
-            <a:r>
-              <a:rPr lang="en-US" altLang="ko-KR" sz="1200" dirty="0"/>
-              <a:t>. CPU</a:t>
-            </a:r>
-            <a:r>
-              <a:rPr lang="ko-KR" altLang="en-US" sz="1200" dirty="0"/>
-              <a:t>가 </a:t>
-            </a:r>
-            <a:r>
-              <a:rPr lang="en-US" altLang="ko-KR" sz="1200" dirty="0" err="1"/>
-              <a:t>Os</a:t>
-            </a:r>
-            <a:r>
-              <a:rPr lang="en-US" altLang="ko-KR" sz="1200" dirty="0"/>
-              <a:t> Logic</a:t>
-            </a:r>
-            <a:r>
-              <a:rPr lang="ko-KR" altLang="en-US" sz="1200" dirty="0"/>
-              <a:t>을 수행하고 </a:t>
-            </a:r>
-            <a:r>
-              <a:rPr lang="ko-KR" altLang="en-US" sz="1200" dirty="0" err="1"/>
-              <a:t>있을때</a:t>
-            </a:r>
-            <a:r>
-              <a:rPr lang="ko-KR" altLang="en-US" sz="1200" dirty="0"/>
-              <a:t> 어차피 </a:t>
-            </a:r>
-            <a:r>
-              <a:rPr lang="en-US" altLang="ko-KR" sz="1200" dirty="0"/>
-              <a:t>OS</a:t>
-            </a:r>
-            <a:r>
-              <a:rPr lang="ko-KR" altLang="en-US" sz="1200" dirty="0"/>
-              <a:t>또한 </a:t>
-            </a:r>
-            <a:r>
-              <a:rPr lang="en-US" altLang="ko-KR" sz="1200" dirty="0"/>
-              <a:t>Process</a:t>
-            </a:r>
-            <a:r>
-              <a:rPr lang="ko-KR" altLang="en-US" sz="1200" dirty="0"/>
-              <a:t>이고 그 안의 작업 단위를 똑같이 </a:t>
-            </a:r>
-            <a:r>
-              <a:rPr lang="en-US" altLang="ko-KR" sz="1200" dirty="0"/>
-              <a:t>thread</a:t>
-            </a:r>
-            <a:r>
-              <a:rPr lang="ko-KR" altLang="en-US" sz="1200" dirty="0"/>
-              <a:t>단위로 </a:t>
-            </a:r>
-            <a:r>
-              <a:rPr lang="ko-KR" altLang="en-US" sz="1200" dirty="0" err="1"/>
-              <a:t>할텐데</a:t>
-            </a:r>
-            <a:r>
-              <a:rPr lang="en-US" altLang="ko-KR" sz="1200" dirty="0"/>
-              <a:t>, </a:t>
-            </a:r>
-            <a:r>
-              <a:rPr lang="ko-KR" altLang="en-US" sz="1200" dirty="0"/>
-              <a:t>이때의 </a:t>
-            </a:r>
-            <a:r>
-              <a:rPr lang="en-US" altLang="ko-KR" sz="1200" dirty="0"/>
-              <a:t>thread</a:t>
-            </a:r>
-            <a:r>
-              <a:rPr lang="ko-KR" altLang="en-US" sz="1200" dirty="0"/>
-              <a:t>를 </a:t>
-            </a:r>
-            <a:r>
-              <a:rPr lang="en-US" altLang="ko-KR" sz="1200" dirty="0"/>
-              <a:t>Kernel Thread</a:t>
-            </a:r>
-            <a:r>
-              <a:rPr lang="ko-KR" altLang="en-US" sz="1200" dirty="0"/>
-              <a:t>라 한다</a:t>
-            </a:r>
-            <a:r>
-              <a:rPr lang="en-US" altLang="ko-KR" sz="1200" dirty="0"/>
-              <a:t>.</a:t>
-            </a:r>
-            <a:endParaRPr lang="ko-KR" altLang="en-US" sz="1200" dirty="0"/>
-          </a:p>
-          <a:p>
-            <a:endParaRPr lang="en-US" altLang="ko-KR" dirty="0"/>
-          </a:p>
-          <a:p>
-            <a:r>
-              <a:rPr lang="ko-KR" altLang="en-US" dirty="0"/>
-              <a:t>그리고 여기서 </a:t>
-            </a:r>
-            <a:r>
-              <a:rPr lang="ko-KR" altLang="en-US" dirty="0" err="1"/>
-              <a:t>알수</a:t>
-            </a:r>
-            <a:r>
-              <a:rPr lang="ko-KR" altLang="en-US" dirty="0"/>
-              <a:t> 있겠지만 </a:t>
-            </a:r>
-            <a:r>
-              <a:rPr lang="en-US" altLang="ko-KR" dirty="0"/>
-              <a:t>System Call</a:t>
-            </a:r>
-            <a:r>
-              <a:rPr lang="ko-KR" altLang="en-US" dirty="0"/>
-              <a:t>은 </a:t>
-            </a:r>
-            <a:r>
-              <a:rPr lang="en-US" altLang="ko-KR" dirty="0"/>
-              <a:t>OS Process</a:t>
-            </a:r>
-            <a:r>
-              <a:rPr lang="ko-KR" altLang="en-US" dirty="0"/>
-              <a:t>가 가지고 있는 </a:t>
-            </a:r>
-            <a:r>
-              <a:rPr lang="en-US" altLang="ko-KR" dirty="0"/>
-              <a:t>logic (method)</a:t>
-            </a:r>
-            <a:r>
-              <a:rPr lang="ko-KR" altLang="en-US" dirty="0"/>
-              <a:t>를 호출하는 행위를 의미한다</a:t>
-            </a:r>
-            <a:r>
-              <a:rPr lang="en-US" altLang="ko-KR" dirty="0"/>
-              <a:t>. </a:t>
-            </a:r>
-            <a:r>
-              <a:rPr lang="ko-KR" altLang="en-US" dirty="0"/>
-              <a:t>보통 </a:t>
-            </a:r>
-            <a:r>
-              <a:rPr lang="en-US" altLang="ko-KR" dirty="0"/>
-              <a:t>OS Logic</a:t>
-            </a:r>
-            <a:r>
-              <a:rPr lang="ko-KR" altLang="en-US" dirty="0"/>
-              <a:t>은 </a:t>
-            </a:r>
-            <a:r>
-              <a:rPr lang="en-US" altLang="ko-KR" dirty="0"/>
-              <a:t>Process</a:t>
-            </a:r>
-            <a:r>
-              <a:rPr lang="ko-KR" altLang="en-US" dirty="0"/>
-              <a:t>관련 관리 </a:t>
-            </a:r>
-            <a:r>
-              <a:rPr lang="ko-KR" altLang="en-US" dirty="0" err="1"/>
-              <a:t>로직</a:t>
-            </a:r>
-            <a:r>
-              <a:rPr lang="en-US" altLang="ko-KR" dirty="0"/>
-              <a:t>, Hardware </a:t>
-            </a:r>
-            <a:r>
-              <a:rPr lang="ko-KR" altLang="en-US" dirty="0"/>
-              <a:t>제어 </a:t>
-            </a:r>
-            <a:r>
-              <a:rPr lang="ko-KR" altLang="en-US" dirty="0" err="1"/>
-              <a:t>로직등이</a:t>
-            </a:r>
-            <a:r>
-              <a:rPr lang="ko-KR" altLang="en-US" dirty="0"/>
-              <a:t> 들어가 있다</a:t>
-            </a:r>
-            <a:r>
-              <a:rPr lang="en-US" altLang="ko-KR" dirty="0"/>
-              <a:t>.</a:t>
-            </a:r>
             <a:endParaRPr lang="ko-KR" altLang="en-US" dirty="0"/>
           </a:p>
         </p:txBody>
@@ -2218,7 +2624,7 @@
           <a:p>
             <a:fld id="{16AFB6E1-9A93-4EBD-AB39-332ADB6F73BD}" type="slidenum">
               <a:rPr lang="ko-KR" altLang="en-US" smtClean="0"/>
-              <a:t>17</a:t>
+              <a:t>12</a:t>
             </a:fld>
             <a:endParaRPr lang="ko-KR" altLang="en-US"/>
           </a:p>
@@ -2227,7 +2633,7 @@
     </p:spTree>
     <p:extLst>
       <p:ext uri="{BB962C8B-B14F-4D97-AF65-F5344CB8AC3E}">
-        <p14:creationId xmlns:p14="http://schemas.microsoft.com/office/powerpoint/2010/main" val="2449296183"/>
+        <p14:creationId xmlns:p14="http://schemas.microsoft.com/office/powerpoint/2010/main" val="2357716431"/>
       </p:ext>
     </p:extLst>
   </p:cSld>
@@ -5838,471 +6244,10 @@
           </a:p>
         </p:txBody>
       </p:sp>
-      <p:sp>
-        <p:nvSpPr>
-          <p:cNvPr id="2" name="직사각형 1"/>
-          <p:cNvSpPr/>
-          <p:nvPr/>
-        </p:nvSpPr>
-        <p:spPr>
-          <a:xfrm>
-            <a:off x="1121228" y="-1370780"/>
-            <a:ext cx="10515600" cy="7571303"/>
-          </a:xfrm>
-          <a:prstGeom prst="rect">
-            <a:avLst/>
-          </a:prstGeom>
-        </p:spPr>
-        <p:txBody>
-          <a:bodyPr wrap="square">
-            <a:spAutoFit/>
-          </a:bodyPr>
-          <a:lstStyle/>
-          <a:p>
-            <a:endParaRPr lang="ko-KR" altLang="en-US" dirty="0"/>
-          </a:p>
-          <a:p>
-            <a:r>
-              <a:rPr lang="ko-KR" altLang="en-US" dirty="0"/>
-              <a:t>네</a:t>
-            </a:r>
-            <a:r>
-              <a:rPr lang="en-US" altLang="ko-KR" dirty="0"/>
-              <a:t>, </a:t>
-            </a:r>
-            <a:r>
-              <a:rPr lang="ko-KR" altLang="en-US" dirty="0"/>
-              <a:t>맞습니다</a:t>
-            </a:r>
-            <a:r>
-              <a:rPr lang="en-US" altLang="ko-KR" dirty="0"/>
-              <a:t>! C </a:t>
-            </a:r>
-            <a:r>
-              <a:rPr lang="ko-KR" altLang="en-US" dirty="0"/>
-              <a:t>프로그래밍에서 사용하는 주소</a:t>
-            </a:r>
-            <a:r>
-              <a:rPr lang="en-US" altLang="ko-KR" dirty="0"/>
-              <a:t>(</a:t>
-            </a:r>
-            <a:r>
-              <a:rPr lang="ko-KR" altLang="en-US" dirty="0"/>
-              <a:t>예</a:t>
-            </a:r>
-            <a:r>
-              <a:rPr lang="en-US" altLang="ko-KR" dirty="0"/>
-              <a:t>: </a:t>
-            </a:r>
-            <a:r>
-              <a:rPr lang="ko-KR" altLang="en-US" dirty="0"/>
-              <a:t>포인터로 참조하는 주소</a:t>
-            </a:r>
-            <a:r>
-              <a:rPr lang="en-US" altLang="ko-KR" dirty="0"/>
-              <a:t>)</a:t>
-            </a:r>
-            <a:r>
-              <a:rPr lang="ko-KR" altLang="en-US" dirty="0"/>
-              <a:t>는 </a:t>
-            </a:r>
-            <a:r>
-              <a:rPr lang="ko-KR" altLang="en-US" b="1" dirty="0"/>
-              <a:t>가상 주소</a:t>
-            </a:r>
-            <a:r>
-              <a:rPr lang="ko-KR" altLang="en-US" dirty="0"/>
-              <a:t>입니다</a:t>
-            </a:r>
-            <a:r>
-              <a:rPr lang="en-US" altLang="ko-KR" dirty="0"/>
-              <a:t>. </a:t>
-            </a:r>
-            <a:r>
-              <a:rPr lang="ko-KR" altLang="en-US" dirty="0"/>
-              <a:t>즉</a:t>
-            </a:r>
-            <a:r>
-              <a:rPr lang="en-US" altLang="ko-KR" dirty="0"/>
-              <a:t>, </a:t>
-            </a:r>
-            <a:r>
-              <a:rPr lang="ko-KR" altLang="en-US" dirty="0"/>
-              <a:t>프로그램 내에서 변수나 메모리 공간을 참조할 때 사용되는 주소는 운영체제가 제공하는 </a:t>
-            </a:r>
-            <a:r>
-              <a:rPr lang="ko-KR" altLang="en-US" b="1" dirty="0"/>
-              <a:t>가상 메모리 주소</a:t>
-            </a:r>
-            <a:r>
-              <a:rPr lang="ko-KR" altLang="en-US" dirty="0"/>
-              <a:t>를 나타냅니다</a:t>
-            </a:r>
-            <a:r>
-              <a:rPr lang="en-US" altLang="ko-KR" dirty="0"/>
-              <a:t>.</a:t>
-            </a:r>
-          </a:p>
-          <a:p>
-            <a:r>
-              <a:rPr lang="ko-KR" altLang="en-US" b="1" dirty="0"/>
-              <a:t>가상 주소 </a:t>
-            </a:r>
-            <a:r>
-              <a:rPr lang="en-US" altLang="ko-KR" b="1" dirty="0"/>
-              <a:t>vs. </a:t>
-            </a:r>
-            <a:r>
-              <a:rPr lang="ko-KR" altLang="en-US" b="1" dirty="0"/>
-              <a:t>물리 주소</a:t>
-            </a:r>
-          </a:p>
-          <a:p>
-            <a:pPr>
-              <a:buFont typeface="+mj-lt"/>
-              <a:buAutoNum type="arabicPeriod"/>
-            </a:pPr>
-            <a:r>
-              <a:rPr lang="ko-KR" altLang="en-US" b="1" dirty="0"/>
-              <a:t>가상 주소 </a:t>
-            </a:r>
-            <a:r>
-              <a:rPr lang="en-US" altLang="ko-KR" b="1" dirty="0"/>
-              <a:t>(Virtual Address)</a:t>
-            </a:r>
-            <a:r>
-              <a:rPr lang="en-US" altLang="ko-KR" dirty="0"/>
-              <a:t>:</a:t>
-            </a:r>
-          </a:p>
-          <a:p>
-            <a:pPr marL="742950" lvl="1" indent="-285750">
-              <a:buFont typeface="+mj-lt"/>
-              <a:buAutoNum type="arabicPeriod"/>
-            </a:pPr>
-            <a:r>
-              <a:rPr lang="en-US" altLang="ko-KR" b="1" dirty="0"/>
-              <a:t>C </a:t>
-            </a:r>
-            <a:r>
-              <a:rPr lang="ko-KR" altLang="en-US" b="1" dirty="0"/>
-              <a:t>프로그래밍에서 보이는 주소는 모두 가상 주소</a:t>
-            </a:r>
-            <a:r>
-              <a:rPr lang="ko-KR" altLang="en-US" dirty="0"/>
-              <a:t>입니다</a:t>
-            </a:r>
-            <a:r>
-              <a:rPr lang="en-US" altLang="ko-KR" dirty="0"/>
-              <a:t>.</a:t>
-            </a:r>
-          </a:p>
-          <a:p>
-            <a:pPr marL="742950" lvl="1" indent="-285750">
-              <a:buFont typeface="+mj-lt"/>
-              <a:buAutoNum type="arabicPeriod"/>
-            </a:pPr>
-            <a:r>
-              <a:rPr lang="ko-KR" altLang="en-US" dirty="0"/>
-              <a:t>가상 주소는 프로그램이 실행될 때</a:t>
-            </a:r>
-            <a:r>
-              <a:rPr lang="en-US" altLang="ko-KR" dirty="0"/>
-              <a:t>, </a:t>
-            </a:r>
-            <a:r>
-              <a:rPr lang="ko-KR" altLang="en-US" dirty="0"/>
-              <a:t>운영체제가 해당 프로그램을 위해 할당하는 </a:t>
-            </a:r>
-            <a:r>
-              <a:rPr lang="ko-KR" altLang="en-US" b="1" dirty="0"/>
-              <a:t>논리적인 메모리 주소</a:t>
-            </a:r>
-            <a:r>
-              <a:rPr lang="ko-KR" altLang="en-US" dirty="0"/>
-              <a:t>입니다</a:t>
-            </a:r>
-            <a:r>
-              <a:rPr lang="en-US" altLang="ko-KR" dirty="0"/>
-              <a:t>.</a:t>
-            </a:r>
-          </a:p>
-          <a:p>
-            <a:pPr marL="742950" lvl="1" indent="-285750">
-              <a:buFont typeface="+mj-lt"/>
-              <a:buAutoNum type="arabicPeriod"/>
-            </a:pPr>
-            <a:r>
-              <a:rPr lang="ko-KR" altLang="en-US" dirty="0"/>
-              <a:t>각 프로세스는 독립적인 가상 주소 공간을 가지고 있으며</a:t>
-            </a:r>
-            <a:r>
-              <a:rPr lang="en-US" altLang="ko-KR" dirty="0"/>
-              <a:t>, </a:t>
-            </a:r>
-            <a:r>
-              <a:rPr lang="ko-KR" altLang="en-US" dirty="0"/>
-              <a:t>프로세스는 자신의 가상 주소 공간에서만 메모리 작업을 수행할 수 있습니다</a:t>
-            </a:r>
-            <a:r>
-              <a:rPr lang="en-US" altLang="ko-KR" dirty="0"/>
-              <a:t>.</a:t>
-            </a:r>
-          </a:p>
-          <a:p>
-            <a:pPr marL="742950" lvl="1" indent="-285750">
-              <a:buFont typeface="+mj-lt"/>
-              <a:buAutoNum type="arabicPeriod"/>
-            </a:pPr>
-            <a:r>
-              <a:rPr lang="ko-KR" altLang="en-US" dirty="0"/>
-              <a:t>다른 프로세스는 동일한 가상 주소를 사용할 수 있지만</a:t>
-            </a:r>
-            <a:r>
-              <a:rPr lang="en-US" altLang="ko-KR" dirty="0"/>
-              <a:t>, </a:t>
-            </a:r>
-            <a:r>
-              <a:rPr lang="ko-KR" altLang="en-US" dirty="0"/>
-              <a:t>물리적으로는 다른 메모리 영역을 가리키도록 운영체제가 관리합니다</a:t>
-            </a:r>
-            <a:r>
-              <a:rPr lang="en-US" altLang="ko-KR" dirty="0"/>
-              <a:t>.</a:t>
-            </a:r>
-          </a:p>
-          <a:p>
-            <a:pPr>
-              <a:buFont typeface="+mj-lt"/>
-              <a:buAutoNum type="arabicPeriod"/>
-            </a:pPr>
-            <a:r>
-              <a:rPr lang="ko-KR" altLang="en-US" b="1" dirty="0"/>
-              <a:t>물리 주소 </a:t>
-            </a:r>
-            <a:r>
-              <a:rPr lang="en-US" altLang="ko-KR" b="1" dirty="0"/>
-              <a:t>(Physical Address)</a:t>
-            </a:r>
-            <a:r>
-              <a:rPr lang="en-US" altLang="ko-KR" dirty="0"/>
-              <a:t>:</a:t>
-            </a:r>
-          </a:p>
-          <a:p>
-            <a:pPr marL="742950" lvl="1" indent="-285750">
-              <a:buFont typeface="+mj-lt"/>
-              <a:buAutoNum type="arabicPeriod"/>
-            </a:pPr>
-            <a:r>
-              <a:rPr lang="ko-KR" altLang="en-US" dirty="0"/>
-              <a:t>물리 주소는 </a:t>
-            </a:r>
-            <a:r>
-              <a:rPr lang="en-US" altLang="ko-KR" b="1" dirty="0"/>
-              <a:t>RAM</a:t>
-            </a:r>
-            <a:r>
-              <a:rPr lang="ko-KR" altLang="en-US" b="1" dirty="0"/>
-              <a:t>에서 실제 메모리 위치</a:t>
-            </a:r>
-            <a:r>
-              <a:rPr lang="ko-KR" altLang="en-US" dirty="0"/>
-              <a:t>를 가리키는 주소입니다</a:t>
-            </a:r>
-            <a:r>
-              <a:rPr lang="en-US" altLang="ko-KR" dirty="0"/>
-              <a:t>. CPU</a:t>
-            </a:r>
-            <a:r>
-              <a:rPr lang="ko-KR" altLang="en-US" dirty="0"/>
-              <a:t>가 메모리에 접근할 때는 실제로 물리 주소를 사용합니다</a:t>
-            </a:r>
-            <a:r>
-              <a:rPr lang="en-US" altLang="ko-KR" dirty="0"/>
-              <a:t>.</a:t>
-            </a:r>
-          </a:p>
-          <a:p>
-            <a:pPr marL="742950" lvl="1" indent="-285750">
-              <a:buFont typeface="+mj-lt"/>
-              <a:buAutoNum type="arabicPeriod"/>
-            </a:pPr>
-            <a:r>
-              <a:rPr lang="ko-KR" altLang="en-US" dirty="0"/>
-              <a:t>가상 주소와 물리 주소는 </a:t>
-            </a:r>
-            <a:r>
-              <a:rPr lang="ko-KR" altLang="en-US" b="1" dirty="0"/>
-              <a:t>페이지 테이블</a:t>
-            </a:r>
-            <a:r>
-              <a:rPr lang="ko-KR" altLang="en-US" dirty="0"/>
-              <a:t>을 통해 </a:t>
-            </a:r>
-            <a:r>
-              <a:rPr lang="ko-KR" altLang="en-US" dirty="0" err="1"/>
-              <a:t>매핑됩니다</a:t>
-            </a:r>
-            <a:r>
-              <a:rPr lang="en-US" altLang="ko-KR" dirty="0"/>
-              <a:t>. CPU</a:t>
-            </a:r>
-            <a:r>
-              <a:rPr lang="ko-KR" altLang="en-US" dirty="0"/>
-              <a:t>는 메모리 관리 장치</a:t>
-            </a:r>
-            <a:r>
-              <a:rPr lang="en-US" altLang="ko-KR" dirty="0"/>
-              <a:t>(MMU, Memory Management Unit)</a:t>
-            </a:r>
-            <a:r>
-              <a:rPr lang="ko-KR" altLang="en-US" dirty="0"/>
-              <a:t>를 통해 가상 주소를 물리 주소로 변환하여 </a:t>
-            </a:r>
-            <a:r>
-              <a:rPr lang="en-US" altLang="ko-KR" dirty="0"/>
-              <a:t>RAM</a:t>
-            </a:r>
-            <a:r>
-              <a:rPr lang="ko-KR" altLang="en-US" dirty="0"/>
-              <a:t>에 접근합니다</a:t>
-            </a:r>
-            <a:r>
-              <a:rPr lang="en-US" altLang="ko-KR" dirty="0"/>
-              <a:t>.</a:t>
-            </a:r>
-          </a:p>
-          <a:p>
-            <a:r>
-              <a:rPr lang="ko-KR" altLang="en-US" b="1" dirty="0"/>
-              <a:t>왜 가상 주소를 사용하나요</a:t>
-            </a:r>
-            <a:r>
-              <a:rPr lang="en-US" altLang="ko-KR" b="1" dirty="0"/>
-              <a:t>?</a:t>
-            </a:r>
-          </a:p>
-          <a:p>
-            <a:pPr>
-              <a:buFont typeface="Arial" panose="020B0604020202020204" pitchFamily="34" charset="0"/>
-              <a:buChar char="•"/>
-            </a:pPr>
-            <a:r>
-              <a:rPr lang="ko-KR" altLang="en-US" b="1" dirty="0"/>
-              <a:t>메모리 보호</a:t>
-            </a:r>
-            <a:r>
-              <a:rPr lang="en-US" altLang="ko-KR" dirty="0"/>
-              <a:t>: </a:t>
-            </a:r>
-            <a:r>
-              <a:rPr lang="ko-KR" altLang="en-US" dirty="0"/>
-              <a:t>각 프로세스는 자신만의 가상 주소 공간을 가지고 있으며</a:t>
-            </a:r>
-            <a:r>
-              <a:rPr lang="en-US" altLang="ko-KR" dirty="0"/>
-              <a:t>, </a:t>
-            </a:r>
-            <a:r>
-              <a:rPr lang="ko-KR" altLang="en-US" dirty="0"/>
-              <a:t>다른 프로세스의 메모리 공간에 접근하지 못합니다</a:t>
-            </a:r>
-            <a:r>
-              <a:rPr lang="en-US" altLang="ko-KR" dirty="0"/>
-              <a:t>. </a:t>
-            </a:r>
-            <a:r>
-              <a:rPr lang="ko-KR" altLang="en-US" dirty="0"/>
-              <a:t>이를 통해 프로세스 간의 메모리 침범을 방지할 수 있습니다</a:t>
-            </a:r>
-            <a:r>
-              <a:rPr lang="en-US" altLang="ko-KR" dirty="0"/>
-              <a:t>.</a:t>
-            </a:r>
-          </a:p>
-          <a:p>
-            <a:pPr>
-              <a:buFont typeface="Arial" panose="020B0604020202020204" pitchFamily="34" charset="0"/>
-              <a:buChar char="•"/>
-            </a:pPr>
-            <a:r>
-              <a:rPr lang="ko-KR" altLang="en-US" b="1" dirty="0"/>
-              <a:t>효율적인 메모리 관리</a:t>
-            </a:r>
-            <a:r>
-              <a:rPr lang="en-US" altLang="ko-KR" dirty="0"/>
-              <a:t>: </a:t>
-            </a:r>
-            <a:r>
-              <a:rPr lang="ko-KR" altLang="en-US" dirty="0"/>
-              <a:t>운영체제는 가상 메모리 시스템을 통해 프로그램이 필요한 메모리를 동적으로 할당하고 관리할 수 있습니다</a:t>
-            </a:r>
-            <a:r>
-              <a:rPr lang="en-US" altLang="ko-KR" dirty="0"/>
-              <a:t>. </a:t>
-            </a:r>
-            <a:r>
-              <a:rPr lang="ko-KR" altLang="en-US" dirty="0"/>
-              <a:t>또한 물리 메모리가 부족할 때 **스와핑</a:t>
-            </a:r>
-            <a:r>
-              <a:rPr lang="en-US" altLang="ko-KR" dirty="0"/>
-              <a:t>(Swapping)**</a:t>
-            </a:r>
-            <a:r>
-              <a:rPr lang="ko-KR" altLang="en-US" dirty="0"/>
-              <a:t>을 통해 디스크의 공간을 메모리처럼 사용할 수도 있습니다</a:t>
-            </a:r>
-            <a:r>
-              <a:rPr lang="en-US" altLang="ko-KR" dirty="0"/>
-              <a:t>.</a:t>
-            </a:r>
-          </a:p>
-          <a:p>
-            <a:pPr>
-              <a:buFont typeface="Arial" panose="020B0604020202020204" pitchFamily="34" charset="0"/>
-              <a:buChar char="•"/>
-            </a:pPr>
-            <a:r>
-              <a:rPr lang="ko-KR" altLang="en-US" b="1" dirty="0"/>
-              <a:t>가상 주소의 연속성</a:t>
-            </a:r>
-            <a:r>
-              <a:rPr lang="en-US" altLang="ko-KR" dirty="0"/>
-              <a:t>: </a:t>
-            </a:r>
-            <a:r>
-              <a:rPr lang="ko-KR" altLang="en-US" dirty="0"/>
-              <a:t>프로그램은 연속적인 가상 메모리 주소를 사용할 수 있지만</a:t>
-            </a:r>
-            <a:r>
-              <a:rPr lang="en-US" altLang="ko-KR" dirty="0"/>
-              <a:t>, </a:t>
-            </a:r>
-            <a:r>
-              <a:rPr lang="ko-KR" altLang="en-US" dirty="0"/>
-              <a:t>실제 물리 메모리에서는 비연속적인 위치에 저장될 수 있습니다</a:t>
-            </a:r>
-            <a:r>
-              <a:rPr lang="en-US" altLang="ko-KR" dirty="0"/>
-              <a:t>. </a:t>
-            </a:r>
-            <a:r>
-              <a:rPr lang="ko-KR" altLang="en-US" dirty="0"/>
-              <a:t>이는 물리 메모리를 보다 효율적으로 사용할 수 있게 해줍니다</a:t>
-            </a:r>
-            <a:r>
-              <a:rPr lang="en-US" altLang="ko-KR" dirty="0"/>
-              <a:t>.</a:t>
-            </a:r>
-          </a:p>
-        </p:txBody>
-      </p:sp>
     </p:spTree>
     <p:extLst>
       <p:ext uri="{BB962C8B-B14F-4D97-AF65-F5344CB8AC3E}">
-        <p14:creationId xmlns:p14="http://schemas.microsoft.com/office/powerpoint/2010/main" val="266872844"/>
+        <p14:creationId xmlns:p14="http://schemas.microsoft.com/office/powerpoint/2010/main" val="1922512513"/>
       </p:ext>
     </p:extLst>
   </p:cSld>
@@ -6359,6 +6304,767 @@
           <a:p>
             <a:r>
               <a:rPr kumimoji="1" lang="en-US" altLang="ko-KR" sz="1600" b="1" dirty="0" smtClean="0"/>
+              <a:t>Q.3.2 </a:t>
+            </a:r>
+            <a:r>
+              <a:rPr kumimoji="1" lang="ko-KR" altLang="en-US" sz="1600" b="1" dirty="0" err="1" smtClean="0"/>
+              <a:t>파생질문</a:t>
+            </a:r>
+            <a:r>
+              <a:rPr kumimoji="1" lang="en-US" altLang="ko-KR" sz="1600" b="1" dirty="0" smtClean="0"/>
+              <a:t>) </a:t>
+            </a:r>
+            <a:r>
+              <a:rPr kumimoji="1" lang="ko-KR" altLang="en-US" sz="1600" b="1" dirty="0" smtClean="0"/>
+              <a:t>왜 </a:t>
+            </a:r>
+            <a:r>
+              <a:rPr kumimoji="1" lang="ko-KR" altLang="en-US" sz="1600" b="1" dirty="0" err="1" smtClean="0"/>
+              <a:t>가상주소</a:t>
+            </a:r>
+            <a:r>
+              <a:rPr kumimoji="1" lang="ko-KR" altLang="en-US" sz="1600" b="1" dirty="0" smtClean="0"/>
+              <a:t> 공간을 사용하는가</a:t>
+            </a:r>
+            <a:r>
+              <a:rPr kumimoji="1" lang="en-US" altLang="ko-KR" sz="1600" b="1" dirty="0" smtClean="0"/>
+              <a:t>?</a:t>
+            </a:r>
+            <a:endParaRPr kumimoji="1" lang="ko-KR" altLang="en-US" sz="1600" b="1" dirty="0"/>
+          </a:p>
+        </p:txBody>
+      </p:sp>
+      <p:sp>
+        <p:nvSpPr>
+          <p:cNvPr id="3" name="TextBox 2"/>
+          <p:cNvSpPr txBox="1"/>
+          <p:nvPr/>
+        </p:nvSpPr>
+        <p:spPr>
+          <a:xfrm>
+            <a:off x="412221" y="762282"/>
+            <a:ext cx="10561834" cy="307777"/>
+          </a:xfrm>
+          <a:prstGeom prst="rect">
+            <a:avLst/>
+          </a:prstGeom>
+          <a:noFill/>
+        </p:spPr>
+        <p:txBody>
+          <a:bodyPr wrap="square" rtlCol="0">
+            <a:spAutoFit/>
+          </a:bodyPr>
+          <a:lstStyle/>
+          <a:p>
+            <a:r>
+              <a:rPr lang="en-US" altLang="ko-KR" sz="1400" b="1" dirty="0" smtClean="0"/>
+              <a:t>Process</a:t>
+            </a:r>
+            <a:r>
+              <a:rPr lang="ko-KR" altLang="en-US" sz="1400" b="1" dirty="0" smtClean="0"/>
+              <a:t>마다 개별 가상공간</a:t>
+            </a:r>
+            <a:r>
+              <a:rPr lang="en-US" altLang="ko-KR" sz="1400" b="1" dirty="0" smtClean="0"/>
+              <a:t>(VMS)</a:t>
+            </a:r>
+            <a:r>
+              <a:rPr lang="ko-KR" altLang="en-US" sz="1400" b="1" dirty="0" smtClean="0"/>
+              <a:t>과 </a:t>
+            </a:r>
+            <a:r>
+              <a:rPr lang="en-US" altLang="ko-KR" sz="1400" b="1" dirty="0" smtClean="0"/>
+              <a:t>Page Table</a:t>
+            </a:r>
+            <a:r>
+              <a:rPr lang="ko-KR" altLang="en-US" sz="1400" b="1" dirty="0" smtClean="0"/>
+              <a:t>이 존재한다</a:t>
+            </a:r>
+            <a:r>
+              <a:rPr lang="en-US" altLang="ko-KR" sz="1400" b="1" dirty="0" smtClean="0"/>
+              <a:t>. </a:t>
+            </a:r>
+            <a:endParaRPr lang="ko-KR" altLang="en-US" sz="1400" b="1" dirty="0"/>
+          </a:p>
+        </p:txBody>
+      </p:sp>
+      <p:sp>
+        <p:nvSpPr>
+          <p:cNvPr id="13" name="TextBox 12"/>
+          <p:cNvSpPr txBox="1"/>
+          <p:nvPr/>
+        </p:nvSpPr>
+        <p:spPr>
+          <a:xfrm>
+            <a:off x="526949" y="1261967"/>
+            <a:ext cx="10561834" cy="523220"/>
+          </a:xfrm>
+          <a:prstGeom prst="rect">
+            <a:avLst/>
+          </a:prstGeom>
+          <a:noFill/>
+        </p:spPr>
+        <p:txBody>
+          <a:bodyPr wrap="square" rtlCol="0">
+            <a:spAutoFit/>
+          </a:bodyPr>
+          <a:lstStyle/>
+          <a:p>
+            <a:pPr marL="342900" indent="-342900">
+              <a:buAutoNum type="arabicPeriod"/>
+            </a:pPr>
+            <a:r>
+              <a:rPr lang="ko-KR" altLang="en-US" sz="1400" dirty="0" smtClean="0"/>
+              <a:t>메모리 보호 및 안정성 </a:t>
+            </a:r>
+            <a:endParaRPr lang="en-US" altLang="ko-KR" sz="1400" dirty="0" smtClean="0"/>
+          </a:p>
+          <a:p>
+            <a:r>
+              <a:rPr lang="en-US" altLang="ko-KR" sz="1400" dirty="0"/>
+              <a:t> </a:t>
+            </a:r>
+            <a:r>
+              <a:rPr lang="en-US" altLang="ko-KR" sz="1400" dirty="0" smtClean="0"/>
+              <a:t>    - </a:t>
+            </a:r>
+            <a:r>
+              <a:rPr lang="ko-KR" altLang="en-US" sz="1400" dirty="0" smtClean="0"/>
+              <a:t>가상 메모리는 각 프로세스가 독립된 메모리 공간을 가지게 함으로써 서로의 메모리 공간에 침범하지 못하게 한다</a:t>
+            </a:r>
+            <a:r>
+              <a:rPr lang="en-US" altLang="ko-KR" sz="1400" dirty="0" smtClean="0"/>
+              <a:t>.</a:t>
+            </a:r>
+          </a:p>
+        </p:txBody>
+      </p:sp>
+      <p:sp>
+        <p:nvSpPr>
+          <p:cNvPr id="14" name="TextBox 13"/>
+          <p:cNvSpPr txBox="1"/>
+          <p:nvPr/>
+        </p:nvSpPr>
+        <p:spPr>
+          <a:xfrm>
+            <a:off x="610855" y="1891652"/>
+            <a:ext cx="10561834" cy="523220"/>
+          </a:xfrm>
+          <a:prstGeom prst="rect">
+            <a:avLst/>
+          </a:prstGeom>
+          <a:noFill/>
+        </p:spPr>
+        <p:txBody>
+          <a:bodyPr wrap="square" rtlCol="0">
+            <a:spAutoFit/>
+          </a:bodyPr>
+          <a:lstStyle/>
+          <a:p>
+            <a:r>
+              <a:rPr lang="ko-KR" altLang="en-US" sz="1400" dirty="0" smtClean="0"/>
+              <a:t>프로세스마다 페이지 테이블이 존재하고</a:t>
+            </a:r>
+            <a:r>
+              <a:rPr lang="en-US" altLang="ko-KR" sz="1400" dirty="0" smtClean="0"/>
+              <a:t>, </a:t>
+            </a:r>
+            <a:r>
+              <a:rPr lang="ko-KR" altLang="en-US" sz="1400" dirty="0" smtClean="0"/>
+              <a:t>각 프로세스마다 각자의 페이지 테이블을 참조하기때문에 서로 프로세스마다의 메모리를 침범할 이유가 없게 된다</a:t>
+            </a:r>
+            <a:r>
+              <a:rPr lang="en-US" altLang="ko-KR" sz="1400" dirty="0" smtClean="0"/>
+              <a:t>.</a:t>
+            </a:r>
+          </a:p>
+        </p:txBody>
+      </p:sp>
+      <p:pic>
+        <p:nvPicPr>
+          <p:cNvPr id="15" name="그림 14"/>
+          <p:cNvPicPr>
+            <a:picLocks noChangeAspect="1"/>
+          </p:cNvPicPr>
+          <p:nvPr/>
+        </p:nvPicPr>
+        <p:blipFill>
+          <a:blip r:embed="rId3">
+            <a:extLst>
+              <a:ext uri="{28A0092B-C50C-407E-A947-70E740481C1C}">
+                <a14:useLocalDpi xmlns:a14="http://schemas.microsoft.com/office/drawing/2010/main" val="0"/>
+              </a:ext>
+            </a:extLst>
+          </a:blip>
+          <a:stretch>
+            <a:fillRect/>
+          </a:stretch>
+        </p:blipFill>
+        <p:spPr>
+          <a:xfrm>
+            <a:off x="508749" y="3489470"/>
+            <a:ext cx="1528440" cy="1556407"/>
+          </a:xfrm>
+          <a:prstGeom prst="rect">
+            <a:avLst/>
+          </a:prstGeom>
+          <a:scene3d>
+            <a:camera prst="perspectiveRelaxed"/>
+            <a:lightRig rig="threePt" dir="t"/>
+          </a:scene3d>
+        </p:spPr>
+      </p:pic>
+      <p:sp>
+        <p:nvSpPr>
+          <p:cNvPr id="5" name="TextBox 4"/>
+          <p:cNvSpPr txBox="1"/>
+          <p:nvPr/>
+        </p:nvSpPr>
+        <p:spPr>
+          <a:xfrm>
+            <a:off x="8815717" y="3106465"/>
+            <a:ext cx="3000054" cy="369332"/>
+          </a:xfrm>
+          <a:prstGeom prst="rect">
+            <a:avLst/>
+          </a:prstGeom>
+          <a:noFill/>
+        </p:spPr>
+        <p:txBody>
+          <a:bodyPr wrap="square" rtlCol="0">
+            <a:spAutoFit/>
+          </a:bodyPr>
+          <a:lstStyle/>
+          <a:p>
+            <a:r>
+              <a:rPr lang="en-US" altLang="ko-KR" dirty="0" smtClean="0"/>
+              <a:t>Process1</a:t>
+            </a:r>
+            <a:endParaRPr lang="ko-KR" altLang="en-US" dirty="0"/>
+          </a:p>
+        </p:txBody>
+      </p:sp>
+      <p:sp>
+        <p:nvSpPr>
+          <p:cNvPr id="2" name="직사각형 1"/>
+          <p:cNvSpPr/>
+          <p:nvPr/>
+        </p:nvSpPr>
+        <p:spPr>
+          <a:xfrm>
+            <a:off x="1121228" y="-1370780"/>
+            <a:ext cx="10515600" cy="7571303"/>
+          </a:xfrm>
+          <a:prstGeom prst="rect">
+            <a:avLst/>
+          </a:prstGeom>
+        </p:spPr>
+        <p:txBody>
+          <a:bodyPr wrap="square">
+            <a:spAutoFit/>
+          </a:bodyPr>
+          <a:lstStyle/>
+          <a:p>
+            <a:endParaRPr lang="ko-KR" altLang="en-US" dirty="0"/>
+          </a:p>
+          <a:p>
+            <a:r>
+              <a:rPr lang="ko-KR" altLang="en-US" dirty="0"/>
+              <a:t>네</a:t>
+            </a:r>
+            <a:r>
+              <a:rPr lang="en-US" altLang="ko-KR" dirty="0"/>
+              <a:t>, </a:t>
+            </a:r>
+            <a:r>
+              <a:rPr lang="ko-KR" altLang="en-US" dirty="0"/>
+              <a:t>맞습니다</a:t>
+            </a:r>
+            <a:r>
+              <a:rPr lang="en-US" altLang="ko-KR" dirty="0"/>
+              <a:t>! C </a:t>
+            </a:r>
+            <a:r>
+              <a:rPr lang="ko-KR" altLang="en-US" dirty="0"/>
+              <a:t>프로그래밍에서 사용하는 주소</a:t>
+            </a:r>
+            <a:r>
+              <a:rPr lang="en-US" altLang="ko-KR" dirty="0"/>
+              <a:t>(</a:t>
+            </a:r>
+            <a:r>
+              <a:rPr lang="ko-KR" altLang="en-US" dirty="0"/>
+              <a:t>예</a:t>
+            </a:r>
+            <a:r>
+              <a:rPr lang="en-US" altLang="ko-KR" dirty="0"/>
+              <a:t>: </a:t>
+            </a:r>
+            <a:r>
+              <a:rPr lang="ko-KR" altLang="en-US" dirty="0"/>
+              <a:t>포인터로 참조하는 주소</a:t>
+            </a:r>
+            <a:r>
+              <a:rPr lang="en-US" altLang="ko-KR" dirty="0"/>
+              <a:t>)</a:t>
+            </a:r>
+            <a:r>
+              <a:rPr lang="ko-KR" altLang="en-US" dirty="0"/>
+              <a:t>는 </a:t>
+            </a:r>
+            <a:r>
+              <a:rPr lang="ko-KR" altLang="en-US" b="1" dirty="0"/>
+              <a:t>가상 주소</a:t>
+            </a:r>
+            <a:r>
+              <a:rPr lang="ko-KR" altLang="en-US" dirty="0"/>
+              <a:t>입니다</a:t>
+            </a:r>
+            <a:r>
+              <a:rPr lang="en-US" altLang="ko-KR" dirty="0"/>
+              <a:t>. </a:t>
+            </a:r>
+            <a:r>
+              <a:rPr lang="ko-KR" altLang="en-US" dirty="0"/>
+              <a:t>즉</a:t>
+            </a:r>
+            <a:r>
+              <a:rPr lang="en-US" altLang="ko-KR" dirty="0"/>
+              <a:t>, </a:t>
+            </a:r>
+            <a:r>
+              <a:rPr lang="ko-KR" altLang="en-US" dirty="0"/>
+              <a:t>프로그램 내에서 변수나 메모리 공간을 참조할 때 사용되는 주소는 운영체제가 제공하는 </a:t>
+            </a:r>
+            <a:r>
+              <a:rPr lang="ko-KR" altLang="en-US" b="1" dirty="0"/>
+              <a:t>가상 메모리 주소</a:t>
+            </a:r>
+            <a:r>
+              <a:rPr lang="ko-KR" altLang="en-US" dirty="0"/>
+              <a:t>를 나타냅니다</a:t>
+            </a:r>
+            <a:r>
+              <a:rPr lang="en-US" altLang="ko-KR" dirty="0"/>
+              <a:t>.</a:t>
+            </a:r>
+          </a:p>
+          <a:p>
+            <a:r>
+              <a:rPr lang="ko-KR" altLang="en-US" b="1" dirty="0"/>
+              <a:t>가상 주소 </a:t>
+            </a:r>
+            <a:r>
+              <a:rPr lang="en-US" altLang="ko-KR" b="1" dirty="0"/>
+              <a:t>vs. </a:t>
+            </a:r>
+            <a:r>
+              <a:rPr lang="ko-KR" altLang="en-US" b="1" dirty="0"/>
+              <a:t>물리 주소</a:t>
+            </a:r>
+          </a:p>
+          <a:p>
+            <a:pPr>
+              <a:buFont typeface="+mj-lt"/>
+              <a:buAutoNum type="arabicPeriod"/>
+            </a:pPr>
+            <a:r>
+              <a:rPr lang="ko-KR" altLang="en-US" b="1" dirty="0"/>
+              <a:t>가상 주소 </a:t>
+            </a:r>
+            <a:r>
+              <a:rPr lang="en-US" altLang="ko-KR" b="1" dirty="0"/>
+              <a:t>(Virtual Address)</a:t>
+            </a:r>
+            <a:r>
+              <a:rPr lang="en-US" altLang="ko-KR" dirty="0"/>
+              <a:t>:</a:t>
+            </a:r>
+          </a:p>
+          <a:p>
+            <a:pPr marL="742950" lvl="1" indent="-285750">
+              <a:buFont typeface="+mj-lt"/>
+              <a:buAutoNum type="arabicPeriod"/>
+            </a:pPr>
+            <a:r>
+              <a:rPr lang="en-US" altLang="ko-KR" b="1" dirty="0"/>
+              <a:t>C </a:t>
+            </a:r>
+            <a:r>
+              <a:rPr lang="ko-KR" altLang="en-US" b="1" dirty="0"/>
+              <a:t>프로그래밍에서 보이는 주소는 모두 가상 주소</a:t>
+            </a:r>
+            <a:r>
+              <a:rPr lang="ko-KR" altLang="en-US" dirty="0"/>
+              <a:t>입니다</a:t>
+            </a:r>
+            <a:r>
+              <a:rPr lang="en-US" altLang="ko-KR" dirty="0"/>
+              <a:t>.</a:t>
+            </a:r>
+          </a:p>
+          <a:p>
+            <a:pPr marL="742950" lvl="1" indent="-285750">
+              <a:buFont typeface="+mj-lt"/>
+              <a:buAutoNum type="arabicPeriod"/>
+            </a:pPr>
+            <a:r>
+              <a:rPr lang="ko-KR" altLang="en-US" dirty="0"/>
+              <a:t>가상 주소는 프로그램이 실행될 때</a:t>
+            </a:r>
+            <a:r>
+              <a:rPr lang="en-US" altLang="ko-KR" dirty="0"/>
+              <a:t>, </a:t>
+            </a:r>
+            <a:r>
+              <a:rPr lang="ko-KR" altLang="en-US" dirty="0"/>
+              <a:t>운영체제가 해당 프로그램을 위해 할당하는 </a:t>
+            </a:r>
+            <a:r>
+              <a:rPr lang="ko-KR" altLang="en-US" b="1" dirty="0"/>
+              <a:t>논리적인 메모리 주소</a:t>
+            </a:r>
+            <a:r>
+              <a:rPr lang="ko-KR" altLang="en-US" dirty="0"/>
+              <a:t>입니다</a:t>
+            </a:r>
+            <a:r>
+              <a:rPr lang="en-US" altLang="ko-KR" dirty="0"/>
+              <a:t>.</a:t>
+            </a:r>
+          </a:p>
+          <a:p>
+            <a:pPr marL="742950" lvl="1" indent="-285750">
+              <a:buFont typeface="+mj-lt"/>
+              <a:buAutoNum type="arabicPeriod"/>
+            </a:pPr>
+            <a:r>
+              <a:rPr lang="ko-KR" altLang="en-US" dirty="0"/>
+              <a:t>각 프로세스는 독립적인 가상 주소 공간을 가지고 있으며</a:t>
+            </a:r>
+            <a:r>
+              <a:rPr lang="en-US" altLang="ko-KR" dirty="0"/>
+              <a:t>, </a:t>
+            </a:r>
+            <a:r>
+              <a:rPr lang="ko-KR" altLang="en-US" dirty="0"/>
+              <a:t>프로세스는 자신의 가상 주소 공간에서만 메모리 작업을 수행할 수 있습니다</a:t>
+            </a:r>
+            <a:r>
+              <a:rPr lang="en-US" altLang="ko-KR" dirty="0"/>
+              <a:t>.</a:t>
+            </a:r>
+          </a:p>
+          <a:p>
+            <a:pPr marL="742950" lvl="1" indent="-285750">
+              <a:buFont typeface="+mj-lt"/>
+              <a:buAutoNum type="arabicPeriod"/>
+            </a:pPr>
+            <a:r>
+              <a:rPr lang="ko-KR" altLang="en-US" dirty="0"/>
+              <a:t>다른 프로세스는 동일한 가상 주소를 사용할 수 있지만</a:t>
+            </a:r>
+            <a:r>
+              <a:rPr lang="en-US" altLang="ko-KR" dirty="0"/>
+              <a:t>, </a:t>
+            </a:r>
+            <a:r>
+              <a:rPr lang="ko-KR" altLang="en-US" dirty="0"/>
+              <a:t>물리적으로는 다른 메모리 영역을 가리키도록 운영체제가 관리합니다</a:t>
+            </a:r>
+            <a:r>
+              <a:rPr lang="en-US" altLang="ko-KR" dirty="0"/>
+              <a:t>.</a:t>
+            </a:r>
+          </a:p>
+          <a:p>
+            <a:pPr>
+              <a:buFont typeface="+mj-lt"/>
+              <a:buAutoNum type="arabicPeriod"/>
+            </a:pPr>
+            <a:r>
+              <a:rPr lang="ko-KR" altLang="en-US" b="1" dirty="0"/>
+              <a:t>물리 주소 </a:t>
+            </a:r>
+            <a:r>
+              <a:rPr lang="en-US" altLang="ko-KR" b="1" dirty="0"/>
+              <a:t>(Physical Address)</a:t>
+            </a:r>
+            <a:r>
+              <a:rPr lang="en-US" altLang="ko-KR" dirty="0"/>
+              <a:t>:</a:t>
+            </a:r>
+          </a:p>
+          <a:p>
+            <a:pPr marL="742950" lvl="1" indent="-285750">
+              <a:buFont typeface="+mj-lt"/>
+              <a:buAutoNum type="arabicPeriod"/>
+            </a:pPr>
+            <a:r>
+              <a:rPr lang="ko-KR" altLang="en-US" dirty="0"/>
+              <a:t>물리 주소는 </a:t>
+            </a:r>
+            <a:r>
+              <a:rPr lang="en-US" altLang="ko-KR" b="1" dirty="0"/>
+              <a:t>RAM</a:t>
+            </a:r>
+            <a:r>
+              <a:rPr lang="ko-KR" altLang="en-US" b="1" dirty="0"/>
+              <a:t>에서 실제 메모리 위치</a:t>
+            </a:r>
+            <a:r>
+              <a:rPr lang="ko-KR" altLang="en-US" dirty="0"/>
+              <a:t>를 가리키는 주소입니다</a:t>
+            </a:r>
+            <a:r>
+              <a:rPr lang="en-US" altLang="ko-KR" dirty="0"/>
+              <a:t>. CPU</a:t>
+            </a:r>
+            <a:r>
+              <a:rPr lang="ko-KR" altLang="en-US" dirty="0"/>
+              <a:t>가 메모리에 접근할 때는 실제로 물리 주소를 사용합니다</a:t>
+            </a:r>
+            <a:r>
+              <a:rPr lang="en-US" altLang="ko-KR" dirty="0"/>
+              <a:t>.</a:t>
+            </a:r>
+          </a:p>
+          <a:p>
+            <a:pPr marL="742950" lvl="1" indent="-285750">
+              <a:buFont typeface="+mj-lt"/>
+              <a:buAutoNum type="arabicPeriod"/>
+            </a:pPr>
+            <a:r>
+              <a:rPr lang="ko-KR" altLang="en-US" dirty="0"/>
+              <a:t>가상 주소와 물리 주소는 </a:t>
+            </a:r>
+            <a:r>
+              <a:rPr lang="ko-KR" altLang="en-US" b="1" dirty="0"/>
+              <a:t>페이지 테이블</a:t>
+            </a:r>
+            <a:r>
+              <a:rPr lang="ko-KR" altLang="en-US" dirty="0"/>
+              <a:t>을 통해 </a:t>
+            </a:r>
+            <a:r>
+              <a:rPr lang="ko-KR" altLang="en-US" dirty="0" err="1"/>
+              <a:t>매핑됩니다</a:t>
+            </a:r>
+            <a:r>
+              <a:rPr lang="en-US" altLang="ko-KR" dirty="0"/>
+              <a:t>. CPU</a:t>
+            </a:r>
+            <a:r>
+              <a:rPr lang="ko-KR" altLang="en-US" dirty="0"/>
+              <a:t>는 메모리 관리 장치</a:t>
+            </a:r>
+            <a:r>
+              <a:rPr lang="en-US" altLang="ko-KR" dirty="0"/>
+              <a:t>(MMU, Memory Management Unit)</a:t>
+            </a:r>
+            <a:r>
+              <a:rPr lang="ko-KR" altLang="en-US" dirty="0"/>
+              <a:t>를 통해 가상 주소를 물리 주소로 변환하여 </a:t>
+            </a:r>
+            <a:r>
+              <a:rPr lang="en-US" altLang="ko-KR" dirty="0"/>
+              <a:t>RAM</a:t>
+            </a:r>
+            <a:r>
+              <a:rPr lang="ko-KR" altLang="en-US" dirty="0"/>
+              <a:t>에 접근합니다</a:t>
+            </a:r>
+            <a:r>
+              <a:rPr lang="en-US" altLang="ko-KR" dirty="0"/>
+              <a:t>.</a:t>
+            </a:r>
+          </a:p>
+          <a:p>
+            <a:r>
+              <a:rPr lang="ko-KR" altLang="en-US" b="1" dirty="0"/>
+              <a:t>왜 가상 주소를 사용하나요</a:t>
+            </a:r>
+            <a:r>
+              <a:rPr lang="en-US" altLang="ko-KR" b="1" dirty="0"/>
+              <a:t>?</a:t>
+            </a:r>
+          </a:p>
+          <a:p>
+            <a:pPr>
+              <a:buFont typeface="Arial" panose="020B0604020202020204" pitchFamily="34" charset="0"/>
+              <a:buChar char="•"/>
+            </a:pPr>
+            <a:r>
+              <a:rPr lang="ko-KR" altLang="en-US" b="1" dirty="0"/>
+              <a:t>메모리 보호</a:t>
+            </a:r>
+            <a:r>
+              <a:rPr lang="en-US" altLang="ko-KR" dirty="0"/>
+              <a:t>: </a:t>
+            </a:r>
+            <a:r>
+              <a:rPr lang="ko-KR" altLang="en-US" dirty="0"/>
+              <a:t>각 프로세스는 자신만의 가상 주소 공간을 가지고 있으며</a:t>
+            </a:r>
+            <a:r>
+              <a:rPr lang="en-US" altLang="ko-KR" dirty="0"/>
+              <a:t>, </a:t>
+            </a:r>
+            <a:r>
+              <a:rPr lang="ko-KR" altLang="en-US" dirty="0"/>
+              <a:t>다른 프로세스의 메모리 공간에 접근하지 못합니다</a:t>
+            </a:r>
+            <a:r>
+              <a:rPr lang="en-US" altLang="ko-KR" dirty="0"/>
+              <a:t>. </a:t>
+            </a:r>
+            <a:r>
+              <a:rPr lang="ko-KR" altLang="en-US" dirty="0"/>
+              <a:t>이를 통해 프로세스 간의 메모리 침범을 방지할 수 있습니다</a:t>
+            </a:r>
+            <a:r>
+              <a:rPr lang="en-US" altLang="ko-KR" dirty="0"/>
+              <a:t>.</a:t>
+            </a:r>
+          </a:p>
+          <a:p>
+            <a:pPr>
+              <a:buFont typeface="Arial" panose="020B0604020202020204" pitchFamily="34" charset="0"/>
+              <a:buChar char="•"/>
+            </a:pPr>
+            <a:r>
+              <a:rPr lang="ko-KR" altLang="en-US" b="1" dirty="0"/>
+              <a:t>효율적인 메모리 관리</a:t>
+            </a:r>
+            <a:r>
+              <a:rPr lang="en-US" altLang="ko-KR" dirty="0"/>
+              <a:t>: </a:t>
+            </a:r>
+            <a:r>
+              <a:rPr lang="ko-KR" altLang="en-US" dirty="0"/>
+              <a:t>운영체제는 가상 메모리 시스템을 통해 프로그램이 필요한 메모리를 동적으로 할당하고 관리할 수 있습니다</a:t>
+            </a:r>
+            <a:r>
+              <a:rPr lang="en-US" altLang="ko-KR" dirty="0"/>
+              <a:t>. </a:t>
+            </a:r>
+            <a:r>
+              <a:rPr lang="ko-KR" altLang="en-US" dirty="0"/>
+              <a:t>또한 물리 메모리가 부족할 때 **스와핑</a:t>
+            </a:r>
+            <a:r>
+              <a:rPr lang="en-US" altLang="ko-KR" dirty="0"/>
+              <a:t>(Swapping)**</a:t>
+            </a:r>
+            <a:r>
+              <a:rPr lang="ko-KR" altLang="en-US" dirty="0"/>
+              <a:t>을 통해 디스크의 공간을 메모리처럼 사용할 수도 있습니다</a:t>
+            </a:r>
+            <a:r>
+              <a:rPr lang="en-US" altLang="ko-KR" dirty="0"/>
+              <a:t>.</a:t>
+            </a:r>
+          </a:p>
+          <a:p>
+            <a:pPr>
+              <a:buFont typeface="Arial" panose="020B0604020202020204" pitchFamily="34" charset="0"/>
+              <a:buChar char="•"/>
+            </a:pPr>
+            <a:r>
+              <a:rPr lang="ko-KR" altLang="en-US" b="1" dirty="0"/>
+              <a:t>가상 주소의 연속성</a:t>
+            </a:r>
+            <a:r>
+              <a:rPr lang="en-US" altLang="ko-KR" dirty="0"/>
+              <a:t>: </a:t>
+            </a:r>
+            <a:r>
+              <a:rPr lang="ko-KR" altLang="en-US" dirty="0"/>
+              <a:t>프로그램은 연속적인 가상 메모리 주소를 사용할 수 있지만</a:t>
+            </a:r>
+            <a:r>
+              <a:rPr lang="en-US" altLang="ko-KR" dirty="0"/>
+              <a:t>, </a:t>
+            </a:r>
+            <a:r>
+              <a:rPr lang="ko-KR" altLang="en-US" dirty="0"/>
+              <a:t>실제 물리 메모리에서는 비연속적인 위치에 저장될 수 있습니다</a:t>
+            </a:r>
+            <a:r>
+              <a:rPr lang="en-US" altLang="ko-KR" dirty="0"/>
+              <a:t>. </a:t>
+            </a:r>
+            <a:r>
+              <a:rPr lang="ko-KR" altLang="en-US" dirty="0"/>
+              <a:t>이는 물리 메모리를 보다 효율적으로 사용할 수 있게 해줍니다</a:t>
+            </a:r>
+            <a:r>
+              <a:rPr lang="en-US" altLang="ko-KR" dirty="0"/>
+              <a:t>.</a:t>
+            </a:r>
+          </a:p>
+        </p:txBody>
+      </p:sp>
+    </p:spTree>
+    <p:extLst>
+      <p:ext uri="{BB962C8B-B14F-4D97-AF65-F5344CB8AC3E}">
+        <p14:creationId xmlns:p14="http://schemas.microsoft.com/office/powerpoint/2010/main" val="266872844"/>
+      </p:ext>
+    </p:extLst>
+  </p:cSld>
+  <p:clrMapOvr>
+    <a:masterClrMapping/>
+  </p:clrMapOvr>
+</p:sld>
+</file>
+
+<file path=ppt/slides/slide12.xml><?xml version="1.0" encoding="utf-8"?>
+<p:sld xmlns:a="http://schemas.openxmlformats.org/drawingml/2006/main" xmlns:r="http://schemas.openxmlformats.org/officeDocument/2006/relationships" xmlns:p="http://schemas.openxmlformats.org/presentationml/2006/main">
+  <p:cSld>
+    <p:spTree>
+      <p:nvGrpSpPr>
+        <p:cNvPr id="1" name=""/>
+        <p:cNvGrpSpPr/>
+        <p:nvPr/>
+      </p:nvGrpSpPr>
+      <p:grpSpPr>
+        <a:xfrm>
+          <a:off x="0" y="0"/>
+          <a:ext cx="0" cy="0"/>
+          <a:chOff x="0" y="0"/>
+          <a:chExt cx="0" cy="0"/>
+        </a:xfrm>
+      </p:grpSpPr>
+      <p:sp>
+        <p:nvSpPr>
+          <p:cNvPr id="20" name="TextBox 19">
+            <a:extLst>
+              <a:ext uri="{FF2B5EF4-FFF2-40B4-BE49-F238E27FC236}">
+                <a16:creationId xmlns:a16="http://schemas.microsoft.com/office/drawing/2014/main" id="{24A8B8FC-ED97-BD8A-4C78-CFA67C8E63C0}"/>
+              </a:ext>
+            </a:extLst>
+          </p:cNvPr>
+          <p:cNvSpPr txBox="1"/>
+          <p:nvPr/>
+        </p:nvSpPr>
+        <p:spPr>
+          <a:xfrm>
+            <a:off x="283336" y="231820"/>
+            <a:ext cx="11049060" cy="338554"/>
+          </a:xfrm>
+          <a:prstGeom prst="rect">
+            <a:avLst/>
+          </a:prstGeom>
+          <a:noFill/>
+        </p:spPr>
+        <p:txBody>
+          <a:bodyPr wrap="square" rtlCol="0">
+            <a:spAutoFit/>
+          </a:bodyPr>
+          <a:lstStyle/>
+          <a:p>
+            <a:r>
+              <a:rPr kumimoji="1" lang="en-US" altLang="ko-KR" sz="1600" b="1" dirty="0" smtClean="0"/>
               <a:t>Q.3.3 </a:t>
             </a:r>
             <a:r>
@@ -6455,7 +7161,7 @@
 </p:sld>
 </file>
 
-<file path=ppt/slides/slide12.xml><?xml version="1.0" encoding="utf-8"?>
+<file path=ppt/slides/slide13.xml><?xml version="1.0" encoding="utf-8"?>
 <p:sld xmlns:a="http://schemas.openxmlformats.org/drawingml/2006/main" xmlns:r="http://schemas.openxmlformats.org/officeDocument/2006/relationships" xmlns:p="http://schemas.openxmlformats.org/presentationml/2006/main">
   <p:cSld>
     <p:spTree>
@@ -6605,7 +7311,7 @@
 </p:sld>
 </file>
 
-<file path=ppt/slides/slide13.xml><?xml version="1.0" encoding="utf-8"?>
+<file path=ppt/slides/slide14.xml><?xml version="1.0" encoding="utf-8"?>
 <p:sld xmlns:a="http://schemas.openxmlformats.org/drawingml/2006/main" xmlns:r="http://schemas.openxmlformats.org/officeDocument/2006/relationships" xmlns:p="http://schemas.openxmlformats.org/presentationml/2006/main">
   <p:cSld>
     <p:spTree>
@@ -6711,7 +7417,7 @@
 </p:sld>
 </file>
 
-<file path=ppt/slides/slide14.xml><?xml version="1.0" encoding="utf-8"?>
+<file path=ppt/slides/slide15.xml><?xml version="1.0" encoding="utf-8"?>
 <p:sld xmlns:a="http://schemas.openxmlformats.org/drawingml/2006/main" xmlns:r="http://schemas.openxmlformats.org/officeDocument/2006/relationships" xmlns:p="http://schemas.openxmlformats.org/presentationml/2006/main">
   <p:cSld>
     <p:spTree>
@@ -7137,7 +7843,7 @@
 </p:sld>
 </file>
 
-<file path=ppt/slides/slide15.xml><?xml version="1.0" encoding="utf-8"?>
+<file path=ppt/slides/slide16.xml><?xml version="1.0" encoding="utf-8"?>
 <p:sld xmlns:a="http://schemas.openxmlformats.org/drawingml/2006/main" xmlns:r="http://schemas.openxmlformats.org/officeDocument/2006/relationships" xmlns:p="http://schemas.openxmlformats.org/presentationml/2006/main">
   <p:cSld>
     <p:spTree>
@@ -7271,7 +7977,7 @@
 </p:sld>
 </file>
 
-<file path=ppt/slides/slide16.xml><?xml version="1.0" encoding="utf-8"?>
+<file path=ppt/slides/slide17.xml><?xml version="1.0" encoding="utf-8"?>
 <p:sld xmlns:a="http://schemas.openxmlformats.org/drawingml/2006/main" xmlns:r="http://schemas.openxmlformats.org/officeDocument/2006/relationships" xmlns:p="http://schemas.openxmlformats.org/presentationml/2006/main">
   <p:cSld>
     <p:spTree>
@@ -9374,7 +10080,7 @@
 </p:sld>
 </file>
 
-<file path=ppt/slides/slide17.xml><?xml version="1.0" encoding="utf-8"?>
+<file path=ppt/slides/slide18.xml><?xml version="1.0" encoding="utf-8"?>
 <p:sld xmlns:a="http://schemas.openxmlformats.org/drawingml/2006/main" xmlns:r="http://schemas.openxmlformats.org/officeDocument/2006/relationships" xmlns:p="http://schemas.openxmlformats.org/presentationml/2006/main">
   <p:cSld>
     <p:spTree>
@@ -11626,7 +12332,7 @@
 </p:sld>
 </file>
 
-<file path=ppt/slides/slide18.xml><?xml version="1.0" encoding="utf-8"?>
+<file path=ppt/slides/slide19.xml><?xml version="1.0" encoding="utf-8"?>
 <p:sld xmlns:a="http://schemas.openxmlformats.org/drawingml/2006/main" xmlns:r="http://schemas.openxmlformats.org/officeDocument/2006/relationships" xmlns:p="http://schemas.openxmlformats.org/presentationml/2006/main">
   <p:cSld>
     <p:spTree>
@@ -13819,348 +14525,6 @@
     <p:extLst>
       <p:ext uri="{BB962C8B-B14F-4D97-AF65-F5344CB8AC3E}">
         <p14:creationId xmlns:p14="http://schemas.microsoft.com/office/powerpoint/2010/main" val="83313811"/>
-      </p:ext>
-    </p:extLst>
-  </p:cSld>
-  <p:clrMapOvr>
-    <a:masterClrMapping/>
-  </p:clrMapOvr>
-</p:sld>
-</file>
-
-<file path=ppt/slides/slide19.xml><?xml version="1.0" encoding="utf-8"?>
-<p:sld xmlns:a="http://schemas.openxmlformats.org/drawingml/2006/main" xmlns:r="http://schemas.openxmlformats.org/officeDocument/2006/relationships" xmlns:p="http://schemas.openxmlformats.org/presentationml/2006/main">
-  <p:cSld>
-    <p:spTree>
-      <p:nvGrpSpPr>
-        <p:cNvPr id="1" name=""/>
-        <p:cNvGrpSpPr/>
-        <p:nvPr/>
-      </p:nvGrpSpPr>
-      <p:grpSpPr>
-        <a:xfrm>
-          <a:off x="0" y="0"/>
-          <a:ext cx="0" cy="0"/>
-          <a:chOff x="0" y="0"/>
-          <a:chExt cx="0" cy="0"/>
-        </a:xfrm>
-      </p:grpSpPr>
-      <p:sp>
-        <p:nvSpPr>
-          <p:cNvPr id="2" name="TextBox 1">
-            <a:extLst>
-              <a:ext uri="{FF2B5EF4-FFF2-40B4-BE49-F238E27FC236}">
-                <a16:creationId xmlns:a16="http://schemas.microsoft.com/office/drawing/2014/main" id="{3B0FF02A-31E9-76A7-F928-04D2575504ED}"/>
-              </a:ext>
-            </a:extLst>
-          </p:cNvPr>
-          <p:cNvSpPr txBox="1"/>
-          <p:nvPr/>
-        </p:nvSpPr>
-        <p:spPr>
-          <a:xfrm>
-            <a:off x="273320" y="250557"/>
-            <a:ext cx="6129866" cy="338554"/>
-          </a:xfrm>
-          <a:prstGeom prst="rect">
-            <a:avLst/>
-          </a:prstGeom>
-          <a:noFill/>
-        </p:spPr>
-        <p:txBody>
-          <a:bodyPr wrap="square" rtlCol="0">
-            <a:spAutoFit/>
-          </a:bodyPr>
-          <a:lstStyle/>
-          <a:p>
-            <a:r>
-              <a:rPr kumimoji="1" lang="en-US" altLang="ko-KR" sz="1600" dirty="0"/>
-              <a:t>Q2.1) </a:t>
-            </a:r>
-            <a:r>
-              <a:rPr kumimoji="1" lang="ko-KR" altLang="en-US" sz="1600" dirty="0" err="1"/>
-              <a:t>과정중</a:t>
-            </a:r>
-            <a:r>
-              <a:rPr kumimoji="1" lang="ko-KR" altLang="en-US" sz="1600" dirty="0"/>
-              <a:t> </a:t>
-            </a:r>
-            <a:r>
-              <a:rPr kumimoji="1" lang="en-US" altLang="ko-KR" sz="1600" dirty="0"/>
-              <a:t>Context Switching</a:t>
-            </a:r>
-            <a:r>
-              <a:rPr kumimoji="1" lang="ko-KR" altLang="en-US" sz="1600" dirty="0"/>
-              <a:t>에 대해서 설명해 </a:t>
-            </a:r>
-            <a:r>
-              <a:rPr kumimoji="1" lang="ko-KR" altLang="en-US" sz="1600" dirty="0" err="1"/>
-              <a:t>보시오</a:t>
-            </a:r>
-            <a:r>
-              <a:rPr kumimoji="1" lang="en-US" altLang="ko-KR" sz="1600" dirty="0"/>
-              <a:t>.</a:t>
-            </a:r>
-            <a:endParaRPr kumimoji="1" lang="ko-KR" altLang="en-US" sz="1600" dirty="0"/>
-          </a:p>
-        </p:txBody>
-      </p:sp>
-      <p:sp>
-        <p:nvSpPr>
-          <p:cNvPr id="3" name="TextBox 2">
-            <a:extLst>
-              <a:ext uri="{FF2B5EF4-FFF2-40B4-BE49-F238E27FC236}">
-                <a16:creationId xmlns:a16="http://schemas.microsoft.com/office/drawing/2014/main" id="{281C9714-3BE7-9A1D-B9E2-BE576C7C084D}"/>
-              </a:ext>
-            </a:extLst>
-          </p:cNvPr>
-          <p:cNvSpPr txBox="1"/>
-          <p:nvPr/>
-        </p:nvSpPr>
-        <p:spPr>
-          <a:xfrm>
-            <a:off x="273320" y="2873958"/>
-            <a:ext cx="6129866" cy="338554"/>
-          </a:xfrm>
-          <a:prstGeom prst="rect">
-            <a:avLst/>
-          </a:prstGeom>
-          <a:noFill/>
-        </p:spPr>
-        <p:txBody>
-          <a:bodyPr wrap="square" rtlCol="0">
-            <a:spAutoFit/>
-          </a:bodyPr>
-          <a:lstStyle/>
-          <a:p>
-            <a:r>
-              <a:rPr kumimoji="1" lang="en-US" altLang="ko-KR" sz="1600" dirty="0"/>
-              <a:t>Q2.2) Interrupt</a:t>
-            </a:r>
-            <a:r>
-              <a:rPr kumimoji="1" lang="ko-KR" altLang="en-US" sz="1600" dirty="0" err="1"/>
-              <a:t>를</a:t>
-            </a:r>
-            <a:r>
-              <a:rPr kumimoji="1" lang="ko-KR" altLang="en-US" sz="1600" dirty="0"/>
-              <a:t> 거는 주체가 누구인지에 대해 </a:t>
-            </a:r>
-            <a:r>
-              <a:rPr kumimoji="1" lang="ko-KR" altLang="en-US" sz="1600" dirty="0" err="1"/>
-              <a:t>설명해보시오</a:t>
-            </a:r>
-            <a:endParaRPr kumimoji="1" lang="ko-KR" altLang="en-US" sz="1600" dirty="0"/>
-          </a:p>
-        </p:txBody>
-      </p:sp>
-      <p:sp>
-        <p:nvSpPr>
-          <p:cNvPr id="8" name="TextBox 7">
-            <a:extLst>
-              <a:ext uri="{FF2B5EF4-FFF2-40B4-BE49-F238E27FC236}">
-                <a16:creationId xmlns:a16="http://schemas.microsoft.com/office/drawing/2014/main" id="{B5B49FB5-BC1F-A5A7-9F9B-98B7B6643104}"/>
-              </a:ext>
-            </a:extLst>
-          </p:cNvPr>
-          <p:cNvSpPr txBox="1"/>
-          <p:nvPr/>
-        </p:nvSpPr>
-        <p:spPr>
-          <a:xfrm>
-            <a:off x="515154" y="759853"/>
-            <a:ext cx="11140225" cy="1569660"/>
-          </a:xfrm>
-          <a:prstGeom prst="rect">
-            <a:avLst/>
-          </a:prstGeom>
-          <a:noFill/>
-        </p:spPr>
-        <p:txBody>
-          <a:bodyPr wrap="square" rtlCol="0">
-            <a:spAutoFit/>
-          </a:bodyPr>
-          <a:lstStyle/>
-          <a:p>
-            <a:r>
-              <a:rPr kumimoji="1" lang="en-US" altLang="ko-KR" sz="1600" dirty="0"/>
-              <a:t> Thread</a:t>
-            </a:r>
-            <a:r>
-              <a:rPr kumimoji="1" lang="ko-KR" altLang="en-US" sz="1600" dirty="0"/>
-              <a:t>는 하나의 작업 단위이며</a:t>
-            </a:r>
-            <a:r>
-              <a:rPr kumimoji="1" lang="en-US" altLang="ko-KR" sz="1600" dirty="0"/>
-              <a:t>, </a:t>
-            </a:r>
-            <a:r>
-              <a:rPr kumimoji="1" lang="ko-KR" altLang="en-US" sz="1600" dirty="0"/>
-              <a:t>작업은 보통 흐름이 존재한다</a:t>
-            </a:r>
-            <a:r>
-              <a:rPr kumimoji="1" lang="en-US" altLang="ko-KR" sz="1600" dirty="0"/>
-              <a:t>. </a:t>
-            </a:r>
-            <a:r>
-              <a:rPr kumimoji="1" lang="ko-KR" altLang="en-US" sz="1600" dirty="0"/>
-              <a:t>이걸 </a:t>
-            </a:r>
-            <a:r>
-              <a:rPr kumimoji="1" lang="en-US" altLang="ko-KR" sz="1600" dirty="0"/>
-              <a:t>Context</a:t>
-            </a:r>
-            <a:r>
-              <a:rPr kumimoji="1" lang="ko-KR" altLang="en-US" sz="1600" dirty="0"/>
-              <a:t>라 하며</a:t>
-            </a:r>
-            <a:r>
-              <a:rPr kumimoji="1" lang="en-US" altLang="ko-KR" sz="1600" dirty="0"/>
-              <a:t>, Time sharing</a:t>
-            </a:r>
-            <a:r>
-              <a:rPr kumimoji="1" lang="ko-KR" altLang="en-US" sz="1600" dirty="0"/>
-              <a:t>에 의해 </a:t>
-            </a:r>
-            <a:r>
-              <a:rPr kumimoji="1" lang="en-US" altLang="ko-KR" sz="1600" dirty="0"/>
-              <a:t>Thread</a:t>
-            </a:r>
-            <a:r>
-              <a:rPr kumimoji="1" lang="ko-KR" altLang="en-US" sz="1600" dirty="0"/>
-              <a:t>들이 번갈아 작업이 진행되게 된다</a:t>
-            </a:r>
-            <a:r>
-              <a:rPr kumimoji="1" lang="en-US" altLang="ko-KR" sz="1600" dirty="0"/>
-              <a:t>. </a:t>
-            </a:r>
-            <a:r>
-              <a:rPr kumimoji="1" lang="ko-KR" altLang="en-US" sz="1600" dirty="0"/>
-              <a:t>이렇게 작업의 단위가 </a:t>
-            </a:r>
-            <a:r>
-              <a:rPr kumimoji="1" lang="ko-KR" altLang="en-US" sz="1600" dirty="0" err="1"/>
-              <a:t>바뀌는것을</a:t>
-            </a:r>
-            <a:r>
-              <a:rPr kumimoji="1" lang="ko-KR" altLang="en-US" sz="1600" dirty="0"/>
-              <a:t> 작업의 흐름이 </a:t>
-            </a:r>
-            <a:r>
-              <a:rPr kumimoji="1" lang="ko-KR" altLang="en-US" sz="1600" dirty="0" err="1"/>
-              <a:t>바뀐다하여</a:t>
-            </a:r>
-            <a:r>
-              <a:rPr kumimoji="1" lang="ko-KR" altLang="en-US" sz="1600" dirty="0"/>
-              <a:t> </a:t>
-            </a:r>
-            <a:r>
-              <a:rPr kumimoji="1" lang="en-US" altLang="ko-KR" sz="1600" dirty="0"/>
-              <a:t>Context Switching</a:t>
-            </a:r>
-            <a:r>
-              <a:rPr kumimoji="1" lang="ko-KR" altLang="en-US" sz="1600" dirty="0"/>
-              <a:t>이라 한다</a:t>
-            </a:r>
-            <a:r>
-              <a:rPr kumimoji="1" lang="en-US" altLang="ko-KR" sz="1600" dirty="0"/>
-              <a:t>. </a:t>
-            </a:r>
-            <a:r>
-              <a:rPr kumimoji="1" lang="ko-KR" altLang="en-US" sz="1600" dirty="0"/>
-              <a:t>이때 일반적으로 </a:t>
-            </a:r>
-            <a:r>
-              <a:rPr kumimoji="1" lang="en-US" altLang="ko-KR" sz="1600" dirty="0"/>
-              <a:t>Overhead</a:t>
-            </a:r>
-            <a:r>
-              <a:rPr kumimoji="1" lang="ko-KR" altLang="en-US" sz="1600" dirty="0"/>
-              <a:t>가 발생한다</a:t>
-            </a:r>
-            <a:r>
-              <a:rPr kumimoji="1" lang="en-US" altLang="ko-KR" sz="1600" dirty="0"/>
-              <a:t>. </a:t>
-            </a:r>
-          </a:p>
-          <a:p>
-            <a:endParaRPr kumimoji="1" lang="en-US" altLang="ko-KR" sz="1600" dirty="0"/>
-          </a:p>
-          <a:p>
-            <a:r>
-              <a:rPr kumimoji="1" lang="ko-KR" altLang="en-US" sz="1600" dirty="0"/>
-              <a:t>더 나아가 </a:t>
-            </a:r>
-            <a:r>
-              <a:rPr kumimoji="1" lang="en-US" altLang="ko-KR" sz="1600" dirty="0"/>
-              <a:t>Thread</a:t>
-            </a:r>
-            <a:r>
-              <a:rPr kumimoji="1" lang="ko-KR" altLang="en-US" sz="1600" dirty="0"/>
-              <a:t>가 아니라 </a:t>
-            </a:r>
-            <a:r>
-              <a:rPr kumimoji="1" lang="en-US" altLang="ko-KR" sz="1600" dirty="0"/>
-              <a:t>Process</a:t>
-            </a:r>
-            <a:r>
-              <a:rPr kumimoji="1" lang="ko-KR" altLang="en-US" sz="1600" dirty="0"/>
-              <a:t>단위로 </a:t>
-            </a:r>
-            <a:r>
-              <a:rPr kumimoji="1" lang="en-US" altLang="ko-KR" sz="1600" dirty="0"/>
-              <a:t>Context Switch</a:t>
-            </a:r>
-            <a:r>
-              <a:rPr kumimoji="1" lang="ko-KR" altLang="en-US" sz="1600" dirty="0"/>
-              <a:t>가 일어나기도 한다</a:t>
-            </a:r>
-            <a:r>
-              <a:rPr kumimoji="1" lang="en-US" altLang="ko-KR" sz="1600" dirty="0"/>
-              <a:t>. </a:t>
-            </a:r>
-            <a:r>
-              <a:rPr kumimoji="1" lang="ko-KR" altLang="en-US" sz="1600" dirty="0"/>
-              <a:t>일반적으로 </a:t>
-            </a:r>
-            <a:r>
-              <a:rPr kumimoji="1" lang="en-US" altLang="ko-KR" sz="1600" dirty="0"/>
-              <a:t>Process Context Switch</a:t>
-            </a:r>
-            <a:r>
-              <a:rPr kumimoji="1" lang="ko-KR" altLang="en-US" sz="1600" dirty="0"/>
-              <a:t>가 </a:t>
-            </a:r>
-            <a:r>
-              <a:rPr kumimoji="1" lang="en-US" altLang="ko-KR" sz="1600" dirty="0"/>
-              <a:t>MMU</a:t>
-            </a:r>
-            <a:r>
-              <a:rPr kumimoji="1" lang="ko-KR" altLang="en-US" sz="1600" dirty="0"/>
-              <a:t>등 메모리 관련된 것을 재조정해야 하기때문에 </a:t>
-            </a:r>
-            <a:r>
-              <a:rPr kumimoji="1" lang="en-US" altLang="ko-KR" sz="1600" dirty="0"/>
-              <a:t>Thread Context Switch</a:t>
-            </a:r>
-            <a:r>
-              <a:rPr kumimoji="1" lang="ko-KR" altLang="en-US" sz="1600" dirty="0"/>
-              <a:t>보다 </a:t>
-            </a:r>
-            <a:r>
-              <a:rPr kumimoji="1" lang="en-US" altLang="ko-KR" sz="1600" dirty="0"/>
-              <a:t>Overhead</a:t>
-            </a:r>
-            <a:r>
-              <a:rPr kumimoji="1" lang="ko-KR" altLang="en-US" sz="1600" dirty="0"/>
-              <a:t>가 더 크다</a:t>
-            </a:r>
-          </a:p>
-        </p:txBody>
-      </p:sp>
-    </p:spTree>
-    <p:extLst>
-      <p:ext uri="{BB962C8B-B14F-4D97-AF65-F5344CB8AC3E}">
-        <p14:creationId xmlns:p14="http://schemas.microsoft.com/office/powerpoint/2010/main" val="3202208965"/>
       </p:ext>
     </p:extLst>
   </p:cSld>
@@ -16621,7 +16985,7 @@
           <p:cNvPr id="2" name="TextBox 1">
             <a:extLst>
               <a:ext uri="{FF2B5EF4-FFF2-40B4-BE49-F238E27FC236}">
-                <a16:creationId xmlns:a16="http://schemas.microsoft.com/office/drawing/2014/main" id="{A09F0C74-C86F-1C36-4837-020D358F34B9}"/>
+                <a16:creationId xmlns:a16="http://schemas.microsoft.com/office/drawing/2014/main" id="{3B0FF02A-31E9-76A7-F928-04D2575504ED}"/>
               </a:ext>
             </a:extLst>
           </p:cNvPr>
@@ -16630,8 +16994,8 @@
         </p:nvSpPr>
         <p:spPr>
           <a:xfrm>
-            <a:off x="485421" y="345203"/>
-            <a:ext cx="9358489" cy="369332"/>
+            <a:off x="273320" y="250557"/>
+            <a:ext cx="6129866" cy="338554"/>
           </a:xfrm>
           <a:prstGeom prst="rect">
             <a:avLst/>
@@ -16645,22 +17009,34 @@
           <a:lstStyle/>
           <a:p>
             <a:r>
-              <a:rPr kumimoji="1" lang="en-US" altLang="ko-KR" dirty="0"/>
-              <a:t>Q3) Blocking / Non-Blocking I/O</a:t>
-            </a:r>
-            <a:r>
-              <a:rPr kumimoji="1" lang="ko-KR" altLang="en-US" dirty="0"/>
-              <a:t>에 대해서 </a:t>
-            </a:r>
-            <a:r>
-              <a:rPr kumimoji="1" lang="ko-KR" altLang="en-US" dirty="0" err="1"/>
-              <a:t>설명해보시오</a:t>
-            </a:r>
-            <a:r>
-              <a:rPr kumimoji="1" lang="en-US" altLang="ko-KR" dirty="0"/>
+              <a:rPr kumimoji="1" lang="en-US" altLang="ko-KR" sz="1600" dirty="0"/>
+              <a:t>Q2.1) </a:t>
+            </a:r>
+            <a:r>
+              <a:rPr kumimoji="1" lang="ko-KR" altLang="en-US" sz="1600" dirty="0" err="1"/>
+              <a:t>과정중</a:t>
+            </a:r>
+            <a:r>
+              <a:rPr kumimoji="1" lang="ko-KR" altLang="en-US" sz="1600" dirty="0"/>
+              <a:t> </a:t>
+            </a:r>
+            <a:r>
+              <a:rPr kumimoji="1" lang="en-US" altLang="ko-KR" sz="1600" dirty="0"/>
+              <a:t>Context Switching</a:t>
+            </a:r>
+            <a:r>
+              <a:rPr kumimoji="1" lang="ko-KR" altLang="en-US" sz="1600" dirty="0"/>
+              <a:t>에 대해서 설명해 </a:t>
+            </a:r>
+            <a:r>
+              <a:rPr kumimoji="1" lang="ko-KR" altLang="en-US" sz="1600" dirty="0" err="1"/>
+              <a:t>보시오</a:t>
+            </a:r>
+            <a:r>
+              <a:rPr kumimoji="1" lang="en-US" altLang="ko-KR" sz="1600" dirty="0"/>
               <a:t>.</a:t>
             </a:r>
-            <a:endParaRPr kumimoji="1" lang="ko-KR" altLang="en-US" dirty="0"/>
+            <a:endParaRPr kumimoji="1" lang="ko-KR" altLang="en-US" sz="1600" dirty="0"/>
           </a:p>
         </p:txBody>
       </p:sp>
@@ -16669,7 +17045,7 @@
           <p:cNvPr id="3" name="TextBox 2">
             <a:extLst>
               <a:ext uri="{FF2B5EF4-FFF2-40B4-BE49-F238E27FC236}">
-                <a16:creationId xmlns:a16="http://schemas.microsoft.com/office/drawing/2014/main" id="{8BD3895B-3919-92F7-C83A-E6F2BB3B3B73}"/>
+                <a16:creationId xmlns:a16="http://schemas.microsoft.com/office/drawing/2014/main" id="{281C9714-3BE7-9A1D-B9E2-BE576C7C084D}"/>
               </a:ext>
             </a:extLst>
           </p:cNvPr>
@@ -16678,8 +17054,8 @@
         </p:nvSpPr>
         <p:spPr>
           <a:xfrm>
-            <a:off x="485421" y="2841558"/>
-            <a:ext cx="9358489" cy="369332"/>
+            <a:off x="273320" y="2873958"/>
+            <a:ext cx="6129866" cy="338554"/>
           </a:xfrm>
           <a:prstGeom prst="rect">
             <a:avLst/>
@@ -16693,33 +17069,233 @@
           <a:lstStyle/>
           <a:p>
             <a:r>
-              <a:rPr kumimoji="1" lang="en-US" altLang="ko-KR" dirty="0"/>
-              <a:t>Q4) </a:t>
-            </a:r>
-            <a:r>
-              <a:rPr kumimoji="1" lang="ko-KR" altLang="en-US" dirty="0"/>
-              <a:t>비트연산과 </a:t>
-            </a:r>
-            <a:r>
-              <a:rPr kumimoji="1" lang="ko-KR" altLang="en-US" dirty="0" err="1"/>
-              <a:t>엔디안에</a:t>
-            </a:r>
-            <a:r>
-              <a:rPr kumimoji="1" lang="ko-KR" altLang="en-US" dirty="0"/>
-              <a:t> 대해 </a:t>
-            </a:r>
-            <a:r>
-              <a:rPr kumimoji="1" lang="ko-KR" altLang="en-US" dirty="0" err="1"/>
+              <a:rPr kumimoji="1" lang="en-US" altLang="ko-KR" sz="1600" dirty="0"/>
+              <a:t>Q2.2) Interrupt</a:t>
+            </a:r>
+            <a:r>
+              <a:rPr kumimoji="1" lang="ko-KR" altLang="en-US" sz="1600" dirty="0" err="1"/>
+              <a:t>를</a:t>
+            </a:r>
+            <a:r>
+              <a:rPr kumimoji="1" lang="ko-KR" altLang="en-US" sz="1600" dirty="0"/>
+              <a:t> 거는 주체가 누구인지에 대해 </a:t>
+            </a:r>
+            <a:r>
+              <a:rPr kumimoji="1" lang="ko-KR" altLang="en-US" sz="1600" dirty="0" err="1"/>
               <a:t>설명해보시오</a:t>
             </a:r>
-            <a:endParaRPr kumimoji="1" lang="ko-KR" altLang="en-US" dirty="0"/>
+            <a:endParaRPr kumimoji="1" lang="ko-KR" altLang="en-US" sz="1600" dirty="0"/>
+          </a:p>
+        </p:txBody>
+      </p:sp>
+      <p:sp>
+        <p:nvSpPr>
+          <p:cNvPr id="8" name="TextBox 7">
+            <a:extLst>
+              <a:ext uri="{FF2B5EF4-FFF2-40B4-BE49-F238E27FC236}">
+                <a16:creationId xmlns:a16="http://schemas.microsoft.com/office/drawing/2014/main" id="{B5B49FB5-BC1F-A5A7-9F9B-98B7B6643104}"/>
+              </a:ext>
+            </a:extLst>
+          </p:cNvPr>
+          <p:cNvSpPr txBox="1"/>
+          <p:nvPr/>
+        </p:nvSpPr>
+        <p:spPr>
+          <a:xfrm>
+            <a:off x="515154" y="759853"/>
+            <a:ext cx="11140225" cy="1569660"/>
+          </a:xfrm>
+          <a:prstGeom prst="rect">
+            <a:avLst/>
+          </a:prstGeom>
+          <a:noFill/>
+        </p:spPr>
+        <p:txBody>
+          <a:bodyPr wrap="square" rtlCol="0">
+            <a:spAutoFit/>
+          </a:bodyPr>
+          <a:lstStyle/>
+          <a:p>
+            <a:r>
+              <a:rPr kumimoji="1" lang="en-US" altLang="ko-KR" sz="1600" dirty="0"/>
+              <a:t> Thread</a:t>
+            </a:r>
+            <a:r>
+              <a:rPr kumimoji="1" lang="ko-KR" altLang="en-US" sz="1600" dirty="0"/>
+              <a:t>는 하나의 작업 단위이며</a:t>
+            </a:r>
+            <a:r>
+              <a:rPr kumimoji="1" lang="en-US" altLang="ko-KR" sz="1600" dirty="0"/>
+              <a:t>, </a:t>
+            </a:r>
+            <a:r>
+              <a:rPr kumimoji="1" lang="ko-KR" altLang="en-US" sz="1600" dirty="0"/>
+              <a:t>작업은 보통 흐름이 존재한다</a:t>
+            </a:r>
+            <a:r>
+              <a:rPr kumimoji="1" lang="en-US" altLang="ko-KR" sz="1600" dirty="0"/>
+              <a:t>. </a:t>
+            </a:r>
+            <a:r>
+              <a:rPr kumimoji="1" lang="ko-KR" altLang="en-US" sz="1600" dirty="0"/>
+              <a:t>이걸 </a:t>
+            </a:r>
+            <a:r>
+              <a:rPr kumimoji="1" lang="en-US" altLang="ko-KR" sz="1600" dirty="0"/>
+              <a:t>Context</a:t>
+            </a:r>
+            <a:r>
+              <a:rPr kumimoji="1" lang="ko-KR" altLang="en-US" sz="1600" dirty="0"/>
+              <a:t>라 하며</a:t>
+            </a:r>
+            <a:r>
+              <a:rPr kumimoji="1" lang="en-US" altLang="ko-KR" sz="1600" dirty="0"/>
+              <a:t>, Time sharing</a:t>
+            </a:r>
+            <a:r>
+              <a:rPr kumimoji="1" lang="ko-KR" altLang="en-US" sz="1600" dirty="0"/>
+              <a:t>에 의해 </a:t>
+            </a:r>
+            <a:r>
+              <a:rPr kumimoji="1" lang="en-US" altLang="ko-KR" sz="1600" dirty="0"/>
+              <a:t>Thread</a:t>
+            </a:r>
+            <a:r>
+              <a:rPr kumimoji="1" lang="ko-KR" altLang="en-US" sz="1600" dirty="0"/>
+              <a:t>들이 번갈아 작업이 진행되게 된다</a:t>
+            </a:r>
+            <a:r>
+              <a:rPr kumimoji="1" lang="en-US" altLang="ko-KR" sz="1600" dirty="0"/>
+              <a:t>. </a:t>
+            </a:r>
+            <a:r>
+              <a:rPr kumimoji="1" lang="ko-KR" altLang="en-US" sz="1600" dirty="0"/>
+              <a:t>이렇게 작업의 단위가 </a:t>
+            </a:r>
+            <a:r>
+              <a:rPr kumimoji="1" lang="ko-KR" altLang="en-US" sz="1600" dirty="0" err="1"/>
+              <a:t>바뀌는것을</a:t>
+            </a:r>
+            <a:r>
+              <a:rPr kumimoji="1" lang="ko-KR" altLang="en-US" sz="1600" dirty="0"/>
+              <a:t> 작업의 흐름이 </a:t>
+            </a:r>
+            <a:r>
+              <a:rPr kumimoji="1" lang="ko-KR" altLang="en-US" sz="1600" dirty="0" err="1"/>
+              <a:t>바뀐다하여</a:t>
+            </a:r>
+            <a:r>
+              <a:rPr kumimoji="1" lang="ko-KR" altLang="en-US" sz="1600" dirty="0"/>
+              <a:t> </a:t>
+            </a:r>
+            <a:r>
+              <a:rPr kumimoji="1" lang="en-US" altLang="ko-KR" sz="1600" dirty="0"/>
+              <a:t>Context Switching</a:t>
+            </a:r>
+            <a:r>
+              <a:rPr kumimoji="1" lang="ko-KR" altLang="en-US" sz="1600" dirty="0"/>
+              <a:t>이라 한다</a:t>
+            </a:r>
+            <a:r>
+              <a:rPr kumimoji="1" lang="en-US" altLang="ko-KR" sz="1600" dirty="0"/>
+              <a:t>. </a:t>
+            </a:r>
+            <a:r>
+              <a:rPr kumimoji="1" lang="ko-KR" altLang="en-US" sz="1600" dirty="0"/>
+              <a:t>이때 일반적으로 </a:t>
+            </a:r>
+            <a:r>
+              <a:rPr kumimoji="1" lang="en-US" altLang="ko-KR" sz="1600" dirty="0"/>
+              <a:t>Overhead</a:t>
+            </a:r>
+            <a:r>
+              <a:rPr kumimoji="1" lang="ko-KR" altLang="en-US" sz="1600" dirty="0"/>
+              <a:t>가 발생한다</a:t>
+            </a:r>
+            <a:r>
+              <a:rPr kumimoji="1" lang="en-US" altLang="ko-KR" sz="1600" dirty="0"/>
+              <a:t>. </a:t>
+            </a:r>
+          </a:p>
+          <a:p>
+            <a:endParaRPr kumimoji="1" lang="en-US" altLang="ko-KR" sz="1600" dirty="0"/>
+          </a:p>
+          <a:p>
+            <a:r>
+              <a:rPr kumimoji="1" lang="ko-KR" altLang="en-US" sz="1600" dirty="0"/>
+              <a:t>더 나아가 </a:t>
+            </a:r>
+            <a:r>
+              <a:rPr kumimoji="1" lang="en-US" altLang="ko-KR" sz="1600" dirty="0"/>
+              <a:t>Thread</a:t>
+            </a:r>
+            <a:r>
+              <a:rPr kumimoji="1" lang="ko-KR" altLang="en-US" sz="1600" dirty="0"/>
+              <a:t>가 아니라 </a:t>
+            </a:r>
+            <a:r>
+              <a:rPr kumimoji="1" lang="en-US" altLang="ko-KR" sz="1600" dirty="0"/>
+              <a:t>Process</a:t>
+            </a:r>
+            <a:r>
+              <a:rPr kumimoji="1" lang="ko-KR" altLang="en-US" sz="1600" dirty="0"/>
+              <a:t>단위로 </a:t>
+            </a:r>
+            <a:r>
+              <a:rPr kumimoji="1" lang="en-US" altLang="ko-KR" sz="1600" dirty="0"/>
+              <a:t>Context Switch</a:t>
+            </a:r>
+            <a:r>
+              <a:rPr kumimoji="1" lang="ko-KR" altLang="en-US" sz="1600" dirty="0"/>
+              <a:t>가 일어나기도 한다</a:t>
+            </a:r>
+            <a:r>
+              <a:rPr kumimoji="1" lang="en-US" altLang="ko-KR" sz="1600" dirty="0"/>
+              <a:t>. </a:t>
+            </a:r>
+            <a:r>
+              <a:rPr kumimoji="1" lang="ko-KR" altLang="en-US" sz="1600" dirty="0"/>
+              <a:t>일반적으로 </a:t>
+            </a:r>
+            <a:r>
+              <a:rPr kumimoji="1" lang="en-US" altLang="ko-KR" sz="1600" dirty="0"/>
+              <a:t>Process Context Switch</a:t>
+            </a:r>
+            <a:r>
+              <a:rPr kumimoji="1" lang="ko-KR" altLang="en-US" sz="1600" dirty="0"/>
+              <a:t>가 </a:t>
+            </a:r>
+            <a:r>
+              <a:rPr kumimoji="1" lang="en-US" altLang="ko-KR" sz="1600" dirty="0"/>
+              <a:t>MMU</a:t>
+            </a:r>
+            <a:r>
+              <a:rPr kumimoji="1" lang="ko-KR" altLang="en-US" sz="1600" dirty="0"/>
+              <a:t>등 메모리 관련된 것을 재조정해야 하기때문에 </a:t>
+            </a:r>
+            <a:r>
+              <a:rPr kumimoji="1" lang="en-US" altLang="ko-KR" sz="1600" dirty="0"/>
+              <a:t>Thread Context Switch</a:t>
+            </a:r>
+            <a:r>
+              <a:rPr kumimoji="1" lang="ko-KR" altLang="en-US" sz="1600" dirty="0"/>
+              <a:t>보다 </a:t>
+            </a:r>
+            <a:r>
+              <a:rPr kumimoji="1" lang="en-US" altLang="ko-KR" sz="1600" dirty="0"/>
+              <a:t>Overhead</a:t>
+            </a:r>
+            <a:r>
+              <a:rPr kumimoji="1" lang="ko-KR" altLang="en-US" sz="1600" dirty="0"/>
+              <a:t>가 더 크다</a:t>
+            </a:r>
           </a:p>
         </p:txBody>
       </p:sp>
     </p:spTree>
     <p:extLst>
       <p:ext uri="{BB962C8B-B14F-4D97-AF65-F5344CB8AC3E}">
-        <p14:creationId xmlns:p14="http://schemas.microsoft.com/office/powerpoint/2010/main" val="3665004036"/>
+        <p14:creationId xmlns:p14="http://schemas.microsoft.com/office/powerpoint/2010/main" val="3202208965"/>
       </p:ext>
     </p:extLst>
   </p:cSld>
@@ -16776,6 +17352,136 @@
           <a:p>
             <a:r>
               <a:rPr kumimoji="1" lang="en-US" altLang="ko-KR" dirty="0"/>
+              <a:t>Q3) Blocking / Non-Blocking I/O</a:t>
+            </a:r>
+            <a:r>
+              <a:rPr kumimoji="1" lang="ko-KR" altLang="en-US" dirty="0"/>
+              <a:t>에 대해서 </a:t>
+            </a:r>
+            <a:r>
+              <a:rPr kumimoji="1" lang="ko-KR" altLang="en-US" dirty="0" err="1"/>
+              <a:t>설명해보시오</a:t>
+            </a:r>
+            <a:r>
+              <a:rPr kumimoji="1" lang="en-US" altLang="ko-KR" dirty="0"/>
+              <a:t>.</a:t>
+            </a:r>
+            <a:endParaRPr kumimoji="1" lang="ko-KR" altLang="en-US" dirty="0"/>
+          </a:p>
+        </p:txBody>
+      </p:sp>
+      <p:sp>
+        <p:nvSpPr>
+          <p:cNvPr id="3" name="TextBox 2">
+            <a:extLst>
+              <a:ext uri="{FF2B5EF4-FFF2-40B4-BE49-F238E27FC236}">
+                <a16:creationId xmlns:a16="http://schemas.microsoft.com/office/drawing/2014/main" id="{8BD3895B-3919-92F7-C83A-E6F2BB3B3B73}"/>
+              </a:ext>
+            </a:extLst>
+          </p:cNvPr>
+          <p:cNvSpPr txBox="1"/>
+          <p:nvPr/>
+        </p:nvSpPr>
+        <p:spPr>
+          <a:xfrm>
+            <a:off x="485421" y="2841558"/>
+            <a:ext cx="9358489" cy="369332"/>
+          </a:xfrm>
+          <a:prstGeom prst="rect">
+            <a:avLst/>
+          </a:prstGeom>
+          <a:noFill/>
+        </p:spPr>
+        <p:txBody>
+          <a:bodyPr wrap="square" rtlCol="0">
+            <a:spAutoFit/>
+          </a:bodyPr>
+          <a:lstStyle/>
+          <a:p>
+            <a:r>
+              <a:rPr kumimoji="1" lang="en-US" altLang="ko-KR" dirty="0"/>
+              <a:t>Q4) </a:t>
+            </a:r>
+            <a:r>
+              <a:rPr kumimoji="1" lang="ko-KR" altLang="en-US" dirty="0"/>
+              <a:t>비트연산과 </a:t>
+            </a:r>
+            <a:r>
+              <a:rPr kumimoji="1" lang="ko-KR" altLang="en-US" dirty="0" err="1"/>
+              <a:t>엔디안에</a:t>
+            </a:r>
+            <a:r>
+              <a:rPr kumimoji="1" lang="ko-KR" altLang="en-US" dirty="0"/>
+              <a:t> 대해 </a:t>
+            </a:r>
+            <a:r>
+              <a:rPr kumimoji="1" lang="ko-KR" altLang="en-US" dirty="0" err="1"/>
+              <a:t>설명해보시오</a:t>
+            </a:r>
+            <a:endParaRPr kumimoji="1" lang="ko-KR" altLang="en-US" dirty="0"/>
+          </a:p>
+        </p:txBody>
+      </p:sp>
+    </p:spTree>
+    <p:extLst>
+      <p:ext uri="{BB962C8B-B14F-4D97-AF65-F5344CB8AC3E}">
+        <p14:creationId xmlns:p14="http://schemas.microsoft.com/office/powerpoint/2010/main" val="3665004036"/>
+      </p:ext>
+    </p:extLst>
+  </p:cSld>
+  <p:clrMapOvr>
+    <a:masterClrMapping/>
+  </p:clrMapOvr>
+</p:sld>
+</file>
+
+<file path=ppt/slides/slide22.xml><?xml version="1.0" encoding="utf-8"?>
+<p:sld xmlns:a="http://schemas.openxmlformats.org/drawingml/2006/main" xmlns:r="http://schemas.openxmlformats.org/officeDocument/2006/relationships" xmlns:p="http://schemas.openxmlformats.org/presentationml/2006/main">
+  <p:cSld>
+    <p:spTree>
+      <p:nvGrpSpPr>
+        <p:cNvPr id="1" name=""/>
+        <p:cNvGrpSpPr/>
+        <p:nvPr/>
+      </p:nvGrpSpPr>
+      <p:grpSpPr>
+        <a:xfrm>
+          <a:off x="0" y="0"/>
+          <a:ext cx="0" cy="0"/>
+          <a:chOff x="0" y="0"/>
+          <a:chExt cx="0" cy="0"/>
+        </a:xfrm>
+      </p:grpSpPr>
+      <p:sp>
+        <p:nvSpPr>
+          <p:cNvPr id="2" name="TextBox 1">
+            <a:extLst>
+              <a:ext uri="{FF2B5EF4-FFF2-40B4-BE49-F238E27FC236}">
+                <a16:creationId xmlns:a16="http://schemas.microsoft.com/office/drawing/2014/main" id="{A09F0C74-C86F-1C36-4837-020D358F34B9}"/>
+              </a:ext>
+            </a:extLst>
+          </p:cNvPr>
+          <p:cNvSpPr txBox="1"/>
+          <p:nvPr/>
+        </p:nvSpPr>
+        <p:spPr>
+          <a:xfrm>
+            <a:off x="485421" y="345203"/>
+            <a:ext cx="9358489" cy="369332"/>
+          </a:xfrm>
+          <a:prstGeom prst="rect">
+            <a:avLst/>
+          </a:prstGeom>
+          <a:noFill/>
+        </p:spPr>
+        <p:txBody>
+          <a:bodyPr wrap="square" rtlCol="0">
+            <a:spAutoFit/>
+          </a:bodyPr>
+          <a:lstStyle/>
+          <a:p>
+            <a:r>
+              <a:rPr kumimoji="1" lang="en-US" altLang="ko-KR" dirty="0"/>
               <a:t>Q5) </a:t>
             </a:r>
             <a:r>
@@ -16803,7 +17509,7 @@
 </p:sld>
 </file>
 
-<file path=ppt/slides/slide22.xml><?xml version="1.0" encoding="utf-8"?>
+<file path=ppt/slides/slide23.xml><?xml version="1.0" encoding="utf-8"?>
 <p:sld xmlns:a="http://schemas.openxmlformats.org/drawingml/2006/main" xmlns:r="http://schemas.openxmlformats.org/officeDocument/2006/relationships" xmlns:p="http://schemas.openxmlformats.org/presentationml/2006/main">
   <p:cSld>
     <p:spTree>
@@ -31817,6 +32523,4643 @@
           <a:chExt cx="0" cy="0"/>
         </a:xfrm>
       </p:grpSpPr>
+      <p:cxnSp>
+        <p:nvCxnSpPr>
+          <p:cNvPr id="32" name="직선 연결선 31"/>
+          <p:cNvCxnSpPr/>
+          <p:nvPr/>
+        </p:nvCxnSpPr>
+        <p:spPr>
+          <a:xfrm flipH="1">
+            <a:off x="841327" y="3296029"/>
+            <a:ext cx="10329593" cy="0"/>
+          </a:xfrm>
+          <a:prstGeom prst="line">
+            <a:avLst/>
+          </a:prstGeom>
+          <a:ln w="12700">
+            <a:solidFill>
+              <a:srgbClr val="C00000"/>
+            </a:solidFill>
+          </a:ln>
+        </p:spPr>
+        <p:style>
+          <a:lnRef idx="1">
+            <a:schemeClr val="dk1"/>
+          </a:lnRef>
+          <a:fillRef idx="0">
+            <a:schemeClr val="dk1"/>
+          </a:fillRef>
+          <a:effectRef idx="0">
+            <a:schemeClr val="dk1"/>
+          </a:effectRef>
+          <a:fontRef idx="minor">
+            <a:schemeClr val="tx1"/>
+          </a:fontRef>
+        </p:style>
+      </p:cxnSp>
+      <p:cxnSp>
+        <p:nvCxnSpPr>
+          <p:cNvPr id="36" name="직선 연결선 35"/>
+          <p:cNvCxnSpPr/>
+          <p:nvPr/>
+        </p:nvCxnSpPr>
+        <p:spPr>
+          <a:xfrm flipH="1">
+            <a:off x="841326" y="3630363"/>
+            <a:ext cx="10329593" cy="0"/>
+          </a:xfrm>
+          <a:prstGeom prst="line">
+            <a:avLst/>
+          </a:prstGeom>
+          <a:ln w="12700">
+            <a:solidFill>
+              <a:srgbClr val="C00000"/>
+            </a:solidFill>
+          </a:ln>
+        </p:spPr>
+        <p:style>
+          <a:lnRef idx="1">
+            <a:schemeClr val="dk1"/>
+          </a:lnRef>
+          <a:fillRef idx="0">
+            <a:schemeClr val="dk1"/>
+          </a:fillRef>
+          <a:effectRef idx="0">
+            <a:schemeClr val="dk1"/>
+          </a:effectRef>
+          <a:fontRef idx="minor">
+            <a:schemeClr val="tx1"/>
+          </a:fontRef>
+        </p:style>
+      </p:cxnSp>
+      <p:cxnSp>
+        <p:nvCxnSpPr>
+          <p:cNvPr id="29" name="직선 연결선 28"/>
+          <p:cNvCxnSpPr/>
+          <p:nvPr/>
+        </p:nvCxnSpPr>
+        <p:spPr>
+          <a:xfrm>
+            <a:off x="4478981" y="972340"/>
+            <a:ext cx="0" cy="5135518"/>
+          </a:xfrm>
+          <a:prstGeom prst="line">
+            <a:avLst/>
+          </a:prstGeom>
+        </p:spPr>
+        <p:style>
+          <a:lnRef idx="2">
+            <a:schemeClr val="accent6"/>
+          </a:lnRef>
+          <a:fillRef idx="0">
+            <a:schemeClr val="accent6"/>
+          </a:fillRef>
+          <a:effectRef idx="1">
+            <a:schemeClr val="accent6"/>
+          </a:effectRef>
+          <a:fontRef idx="minor">
+            <a:schemeClr val="tx1"/>
+          </a:fontRef>
+        </p:style>
+      </p:cxnSp>
+      <p:cxnSp>
+        <p:nvCxnSpPr>
+          <p:cNvPr id="30" name="직선 연결선 29"/>
+          <p:cNvCxnSpPr/>
+          <p:nvPr/>
+        </p:nvCxnSpPr>
+        <p:spPr>
+          <a:xfrm>
+            <a:off x="4784575" y="973704"/>
+            <a:ext cx="0" cy="5135518"/>
+          </a:xfrm>
+          <a:prstGeom prst="line">
+            <a:avLst/>
+          </a:prstGeom>
+        </p:spPr>
+        <p:style>
+          <a:lnRef idx="2">
+            <a:schemeClr val="accent6"/>
+          </a:lnRef>
+          <a:fillRef idx="0">
+            <a:schemeClr val="accent6"/>
+          </a:fillRef>
+          <a:effectRef idx="1">
+            <a:schemeClr val="accent6"/>
+          </a:effectRef>
+          <a:fontRef idx="minor">
+            <a:schemeClr val="tx1"/>
+          </a:fontRef>
+        </p:style>
+      </p:cxnSp>
+      <p:cxnSp>
+        <p:nvCxnSpPr>
+          <p:cNvPr id="31" name="직선 연결선 30"/>
+          <p:cNvCxnSpPr/>
+          <p:nvPr/>
+        </p:nvCxnSpPr>
+        <p:spPr>
+          <a:xfrm>
+            <a:off x="5052069" y="978339"/>
+            <a:ext cx="0" cy="5135518"/>
+          </a:xfrm>
+          <a:prstGeom prst="line">
+            <a:avLst/>
+          </a:prstGeom>
+        </p:spPr>
+        <p:style>
+          <a:lnRef idx="2">
+            <a:schemeClr val="accent6"/>
+          </a:lnRef>
+          <a:fillRef idx="0">
+            <a:schemeClr val="accent6"/>
+          </a:fillRef>
+          <a:effectRef idx="1">
+            <a:schemeClr val="accent6"/>
+          </a:effectRef>
+          <a:fontRef idx="minor">
+            <a:schemeClr val="tx1"/>
+          </a:fontRef>
+        </p:style>
+      </p:cxnSp>
+      <p:cxnSp>
+        <p:nvCxnSpPr>
+          <p:cNvPr id="17" name="직선 연결선 16"/>
+          <p:cNvCxnSpPr/>
+          <p:nvPr/>
+        </p:nvCxnSpPr>
+        <p:spPr>
+          <a:xfrm>
+            <a:off x="4198787" y="972340"/>
+            <a:ext cx="0" cy="5135518"/>
+          </a:xfrm>
+          <a:prstGeom prst="line">
+            <a:avLst/>
+          </a:prstGeom>
+        </p:spPr>
+        <p:style>
+          <a:lnRef idx="2">
+            <a:schemeClr val="accent6"/>
+          </a:lnRef>
+          <a:fillRef idx="0">
+            <a:schemeClr val="accent6"/>
+          </a:fillRef>
+          <a:effectRef idx="1">
+            <a:schemeClr val="accent6"/>
+          </a:effectRef>
+          <a:fontRef idx="minor">
+            <a:schemeClr val="tx1"/>
+          </a:fontRef>
+        </p:style>
+      </p:cxnSp>
+      <p:graphicFrame>
+        <p:nvGraphicFramePr>
+          <p:cNvPr id="11" name="표 6">
+            <a:extLst>
+              <a:ext uri="{FF2B5EF4-FFF2-40B4-BE49-F238E27FC236}">
+                <a16:creationId xmlns:a16="http://schemas.microsoft.com/office/drawing/2014/main" id="{8709FB5F-9A50-5B01-4083-5D6EECA9DD80}"/>
+              </a:ext>
+            </a:extLst>
+          </p:cNvPr>
+          <p:cNvGraphicFramePr>
+            <a:graphicFrameLocks noGrp="1"/>
+          </p:cNvGraphicFramePr>
+          <p:nvPr>
+            <p:extLst>
+              <p:ext uri="{D42A27DB-BD31-4B8C-83A1-F6EECF244321}">
+                <p14:modId xmlns:p14="http://schemas.microsoft.com/office/powerpoint/2010/main" val="4196184609"/>
+              </p:ext>
+            </p:extLst>
+          </p:nvPr>
+        </p:nvGraphicFramePr>
+        <p:xfrm>
+          <a:off x="1146920" y="1251740"/>
+          <a:ext cx="9787778" cy="4501045"/>
+        </p:xfrm>
+        <a:graphic>
+          <a:graphicData uri="http://schemas.openxmlformats.org/drawingml/2006/table">
+            <a:tbl>
+              <a:tblPr firstRow="1" bandRow="1">
+                <a:tableStyleId>{5940675A-B579-460E-94D1-54222C63F5DA}</a:tableStyleId>
+              </a:tblPr>
+              <a:tblGrid>
+                <a:gridCol w="1398254">
+                  <a:extLst>
+                    <a:ext uri="{9D8B030D-6E8A-4147-A177-3AD203B41FA5}">
+                      <a16:colId xmlns:a16="http://schemas.microsoft.com/office/drawing/2014/main" val="3408414427"/>
+                    </a:ext>
+                  </a:extLst>
+                </a:gridCol>
+                <a:gridCol w="1398254">
+                  <a:extLst>
+                    <a:ext uri="{9D8B030D-6E8A-4147-A177-3AD203B41FA5}">
+                      <a16:colId xmlns:a16="http://schemas.microsoft.com/office/drawing/2014/main" val="3155879191"/>
+                    </a:ext>
+                  </a:extLst>
+                </a:gridCol>
+                <a:gridCol w="1398254">
+                  <a:extLst>
+                    <a:ext uri="{9D8B030D-6E8A-4147-A177-3AD203B41FA5}">
+                      <a16:colId xmlns:a16="http://schemas.microsoft.com/office/drawing/2014/main" val="2611491143"/>
+                    </a:ext>
+                  </a:extLst>
+                </a:gridCol>
+                <a:gridCol w="1398254">
+                  <a:extLst>
+                    <a:ext uri="{9D8B030D-6E8A-4147-A177-3AD203B41FA5}">
+                      <a16:colId xmlns:a16="http://schemas.microsoft.com/office/drawing/2014/main" val="2202869473"/>
+                    </a:ext>
+                  </a:extLst>
+                </a:gridCol>
+                <a:gridCol w="1398254">
+                  <a:extLst>
+                    <a:ext uri="{9D8B030D-6E8A-4147-A177-3AD203B41FA5}">
+                      <a16:colId xmlns:a16="http://schemas.microsoft.com/office/drawing/2014/main" val="3548912312"/>
+                    </a:ext>
+                  </a:extLst>
+                </a:gridCol>
+                <a:gridCol w="1398254">
+                  <a:extLst>
+                    <a:ext uri="{9D8B030D-6E8A-4147-A177-3AD203B41FA5}">
+                      <a16:colId xmlns:a16="http://schemas.microsoft.com/office/drawing/2014/main" val="1056997378"/>
+                    </a:ext>
+                  </a:extLst>
+                </a:gridCol>
+                <a:gridCol w="1398254">
+                  <a:extLst>
+                    <a:ext uri="{9D8B030D-6E8A-4147-A177-3AD203B41FA5}">
+                      <a16:colId xmlns:a16="http://schemas.microsoft.com/office/drawing/2014/main" val="1919910284"/>
+                    </a:ext>
+                  </a:extLst>
+                </a:gridCol>
+              </a:tblGrid>
+              <a:tr h="900209">
+                <a:tc>
+                  <a:txBody>
+                    <a:bodyPr/>
+                    <a:lstStyle/>
+                    <a:p>
+                      <a:pPr latinLnBrk="1"/>
+                      <a:endParaRPr lang="ko-KR" altLang="en-US" dirty="0"/>
+                    </a:p>
+                  </a:txBody>
+                  <a:tcPr/>
+                </a:tc>
+                <a:tc>
+                  <a:txBody>
+                    <a:bodyPr/>
+                    <a:lstStyle/>
+                    <a:p>
+                      <a:pPr latinLnBrk="1"/>
+                      <a:endParaRPr lang="ko-KR" altLang="en-US" dirty="0"/>
+                    </a:p>
+                  </a:txBody>
+                  <a:tcPr/>
+                </a:tc>
+                <a:tc>
+                  <a:txBody>
+                    <a:bodyPr/>
+                    <a:lstStyle/>
+                    <a:p>
+                      <a:pPr latinLnBrk="1"/>
+                      <a:endParaRPr lang="ko-KR" altLang="en-US" dirty="0"/>
+                    </a:p>
+                  </a:txBody>
+                  <a:tcPr/>
+                </a:tc>
+                <a:tc>
+                  <a:txBody>
+                    <a:bodyPr/>
+                    <a:lstStyle/>
+                    <a:p>
+                      <a:pPr latinLnBrk="1"/>
+                      <a:endParaRPr lang="ko-KR" altLang="en-US"/>
+                    </a:p>
+                  </a:txBody>
+                  <a:tcPr/>
+                </a:tc>
+                <a:tc>
+                  <a:txBody>
+                    <a:bodyPr/>
+                    <a:lstStyle/>
+                    <a:p>
+                      <a:pPr latinLnBrk="1"/>
+                      <a:endParaRPr lang="ko-KR" altLang="en-US"/>
+                    </a:p>
+                  </a:txBody>
+                  <a:tcPr/>
+                </a:tc>
+                <a:tc>
+                  <a:txBody>
+                    <a:bodyPr/>
+                    <a:lstStyle/>
+                    <a:p>
+                      <a:pPr latinLnBrk="1"/>
+                      <a:endParaRPr lang="ko-KR" altLang="en-US"/>
+                    </a:p>
+                  </a:txBody>
+                  <a:tcPr/>
+                </a:tc>
+                <a:tc>
+                  <a:txBody>
+                    <a:bodyPr/>
+                    <a:lstStyle/>
+                    <a:p>
+                      <a:pPr latinLnBrk="1"/>
+                      <a:endParaRPr lang="ko-KR" altLang="en-US" dirty="0"/>
+                    </a:p>
+                  </a:txBody>
+                  <a:tcPr/>
+                </a:tc>
+                <a:extLst>
+                  <a:ext uri="{0D108BD9-81ED-4DB2-BD59-A6C34878D82A}">
+                    <a16:rowId xmlns:a16="http://schemas.microsoft.com/office/drawing/2014/main" val="150208060"/>
+                  </a:ext>
+                </a:extLst>
+              </a:tr>
+              <a:tr h="900209">
+                <a:tc>
+                  <a:txBody>
+                    <a:bodyPr/>
+                    <a:lstStyle/>
+                    <a:p>
+                      <a:pPr latinLnBrk="1"/>
+                      <a:endParaRPr lang="ko-KR" altLang="en-US" dirty="0"/>
+                    </a:p>
+                  </a:txBody>
+                  <a:tcPr/>
+                </a:tc>
+                <a:tc>
+                  <a:txBody>
+                    <a:bodyPr/>
+                    <a:lstStyle/>
+                    <a:p>
+                      <a:pPr latinLnBrk="1"/>
+                      <a:endParaRPr lang="ko-KR" altLang="en-US"/>
+                    </a:p>
+                  </a:txBody>
+                  <a:tcPr/>
+                </a:tc>
+                <a:tc>
+                  <a:txBody>
+                    <a:bodyPr/>
+                    <a:lstStyle/>
+                    <a:p>
+                      <a:pPr latinLnBrk="1"/>
+                      <a:endParaRPr lang="ko-KR" altLang="en-US"/>
+                    </a:p>
+                  </a:txBody>
+                  <a:tcPr/>
+                </a:tc>
+                <a:tc>
+                  <a:txBody>
+                    <a:bodyPr/>
+                    <a:lstStyle/>
+                    <a:p>
+                      <a:pPr latinLnBrk="1"/>
+                      <a:endParaRPr lang="ko-KR" altLang="en-US"/>
+                    </a:p>
+                  </a:txBody>
+                  <a:tcPr/>
+                </a:tc>
+                <a:tc>
+                  <a:txBody>
+                    <a:bodyPr/>
+                    <a:lstStyle/>
+                    <a:p>
+                      <a:pPr latinLnBrk="1"/>
+                      <a:endParaRPr lang="ko-KR" altLang="en-US"/>
+                    </a:p>
+                  </a:txBody>
+                  <a:tcPr/>
+                </a:tc>
+                <a:tc>
+                  <a:txBody>
+                    <a:bodyPr/>
+                    <a:lstStyle/>
+                    <a:p>
+                      <a:pPr latinLnBrk="1"/>
+                      <a:endParaRPr lang="ko-KR" altLang="en-US" dirty="0"/>
+                    </a:p>
+                  </a:txBody>
+                  <a:tcPr/>
+                </a:tc>
+                <a:tc>
+                  <a:txBody>
+                    <a:bodyPr/>
+                    <a:lstStyle/>
+                    <a:p>
+                      <a:pPr latinLnBrk="1"/>
+                      <a:endParaRPr lang="ko-KR" altLang="en-US"/>
+                    </a:p>
+                  </a:txBody>
+                  <a:tcPr/>
+                </a:tc>
+                <a:extLst>
+                  <a:ext uri="{0D108BD9-81ED-4DB2-BD59-A6C34878D82A}">
+                    <a16:rowId xmlns:a16="http://schemas.microsoft.com/office/drawing/2014/main" val="531105570"/>
+                  </a:ext>
+                </a:extLst>
+              </a:tr>
+              <a:tr h="900209">
+                <a:tc>
+                  <a:txBody>
+                    <a:bodyPr/>
+                    <a:lstStyle/>
+                    <a:p>
+                      <a:pPr latinLnBrk="1"/>
+                      <a:endParaRPr lang="ko-KR" altLang="en-US"/>
+                    </a:p>
+                  </a:txBody>
+                  <a:tcPr/>
+                </a:tc>
+                <a:tc>
+                  <a:txBody>
+                    <a:bodyPr/>
+                    <a:lstStyle/>
+                    <a:p>
+                      <a:pPr latinLnBrk="1"/>
+                      <a:endParaRPr lang="ko-KR" altLang="en-US"/>
+                    </a:p>
+                  </a:txBody>
+                  <a:tcPr/>
+                </a:tc>
+                <a:tc>
+                  <a:txBody>
+                    <a:bodyPr/>
+                    <a:lstStyle/>
+                    <a:p>
+                      <a:pPr latinLnBrk="1"/>
+                      <a:endParaRPr lang="ko-KR" altLang="en-US" dirty="0"/>
+                    </a:p>
+                  </a:txBody>
+                  <a:tcPr/>
+                </a:tc>
+                <a:tc>
+                  <a:txBody>
+                    <a:bodyPr/>
+                    <a:lstStyle/>
+                    <a:p>
+                      <a:pPr latinLnBrk="1"/>
+                      <a:endParaRPr lang="ko-KR" altLang="en-US" dirty="0"/>
+                    </a:p>
+                  </a:txBody>
+                  <a:tcPr/>
+                </a:tc>
+                <a:tc>
+                  <a:txBody>
+                    <a:bodyPr/>
+                    <a:lstStyle/>
+                    <a:p>
+                      <a:pPr latinLnBrk="1"/>
+                      <a:endParaRPr lang="ko-KR" altLang="en-US"/>
+                    </a:p>
+                  </a:txBody>
+                  <a:tcPr/>
+                </a:tc>
+                <a:tc>
+                  <a:txBody>
+                    <a:bodyPr/>
+                    <a:lstStyle/>
+                    <a:p>
+                      <a:pPr latinLnBrk="1"/>
+                      <a:endParaRPr lang="ko-KR" altLang="en-US" dirty="0"/>
+                    </a:p>
+                  </a:txBody>
+                  <a:tcPr/>
+                </a:tc>
+                <a:tc>
+                  <a:txBody>
+                    <a:bodyPr/>
+                    <a:lstStyle/>
+                    <a:p>
+                      <a:pPr latinLnBrk="1"/>
+                      <a:endParaRPr lang="ko-KR" altLang="en-US" dirty="0"/>
+                    </a:p>
+                  </a:txBody>
+                  <a:tcPr/>
+                </a:tc>
+                <a:extLst>
+                  <a:ext uri="{0D108BD9-81ED-4DB2-BD59-A6C34878D82A}">
+                    <a16:rowId xmlns:a16="http://schemas.microsoft.com/office/drawing/2014/main" val="3989207509"/>
+                  </a:ext>
+                </a:extLst>
+              </a:tr>
+              <a:tr h="900209">
+                <a:tc>
+                  <a:txBody>
+                    <a:bodyPr/>
+                    <a:lstStyle/>
+                    <a:p>
+                      <a:pPr latinLnBrk="1"/>
+                      <a:endParaRPr lang="ko-KR" altLang="en-US"/>
+                    </a:p>
+                  </a:txBody>
+                  <a:tcPr/>
+                </a:tc>
+                <a:tc>
+                  <a:txBody>
+                    <a:bodyPr/>
+                    <a:lstStyle/>
+                    <a:p>
+                      <a:pPr latinLnBrk="1"/>
+                      <a:endParaRPr lang="ko-KR" altLang="en-US"/>
+                    </a:p>
+                  </a:txBody>
+                  <a:tcPr/>
+                </a:tc>
+                <a:tc>
+                  <a:txBody>
+                    <a:bodyPr/>
+                    <a:lstStyle/>
+                    <a:p>
+                      <a:pPr latinLnBrk="1"/>
+                      <a:endParaRPr lang="ko-KR" altLang="en-US" dirty="0"/>
+                    </a:p>
+                  </a:txBody>
+                  <a:tcPr/>
+                </a:tc>
+                <a:tc>
+                  <a:txBody>
+                    <a:bodyPr/>
+                    <a:lstStyle/>
+                    <a:p>
+                      <a:pPr latinLnBrk="1"/>
+                      <a:endParaRPr lang="ko-KR" altLang="en-US"/>
+                    </a:p>
+                  </a:txBody>
+                  <a:tcPr/>
+                </a:tc>
+                <a:tc>
+                  <a:txBody>
+                    <a:bodyPr/>
+                    <a:lstStyle/>
+                    <a:p>
+                      <a:pPr latinLnBrk="1"/>
+                      <a:endParaRPr lang="ko-KR" altLang="en-US"/>
+                    </a:p>
+                  </a:txBody>
+                  <a:tcPr/>
+                </a:tc>
+                <a:tc>
+                  <a:txBody>
+                    <a:bodyPr/>
+                    <a:lstStyle/>
+                    <a:p>
+                      <a:pPr latinLnBrk="1"/>
+                      <a:endParaRPr lang="ko-KR" altLang="en-US"/>
+                    </a:p>
+                  </a:txBody>
+                  <a:tcPr/>
+                </a:tc>
+                <a:tc>
+                  <a:txBody>
+                    <a:bodyPr/>
+                    <a:lstStyle/>
+                    <a:p>
+                      <a:pPr latinLnBrk="1"/>
+                      <a:endParaRPr lang="ko-KR" altLang="en-US"/>
+                    </a:p>
+                  </a:txBody>
+                  <a:tcPr/>
+                </a:tc>
+                <a:extLst>
+                  <a:ext uri="{0D108BD9-81ED-4DB2-BD59-A6C34878D82A}">
+                    <a16:rowId xmlns:a16="http://schemas.microsoft.com/office/drawing/2014/main" val="3305292293"/>
+                  </a:ext>
+                </a:extLst>
+              </a:tr>
+              <a:tr h="900209">
+                <a:tc>
+                  <a:txBody>
+                    <a:bodyPr/>
+                    <a:lstStyle/>
+                    <a:p>
+                      <a:pPr latinLnBrk="1"/>
+                      <a:endParaRPr lang="ko-KR" altLang="en-US"/>
+                    </a:p>
+                  </a:txBody>
+                  <a:tcPr/>
+                </a:tc>
+                <a:tc>
+                  <a:txBody>
+                    <a:bodyPr/>
+                    <a:lstStyle/>
+                    <a:p>
+                      <a:pPr latinLnBrk="1"/>
+                      <a:endParaRPr lang="ko-KR" altLang="en-US" dirty="0"/>
+                    </a:p>
+                  </a:txBody>
+                  <a:tcPr/>
+                </a:tc>
+                <a:tc>
+                  <a:txBody>
+                    <a:bodyPr/>
+                    <a:lstStyle/>
+                    <a:p>
+                      <a:pPr latinLnBrk="1"/>
+                      <a:endParaRPr lang="ko-KR" altLang="en-US"/>
+                    </a:p>
+                  </a:txBody>
+                  <a:tcPr/>
+                </a:tc>
+                <a:tc>
+                  <a:txBody>
+                    <a:bodyPr/>
+                    <a:lstStyle/>
+                    <a:p>
+                      <a:pPr latinLnBrk="1"/>
+                      <a:endParaRPr lang="ko-KR" altLang="en-US"/>
+                    </a:p>
+                  </a:txBody>
+                  <a:tcPr/>
+                </a:tc>
+                <a:tc>
+                  <a:txBody>
+                    <a:bodyPr/>
+                    <a:lstStyle/>
+                    <a:p>
+                      <a:pPr latinLnBrk="1"/>
+                      <a:endParaRPr lang="ko-KR" altLang="en-US" dirty="0"/>
+                    </a:p>
+                  </a:txBody>
+                  <a:tcPr/>
+                </a:tc>
+                <a:tc>
+                  <a:txBody>
+                    <a:bodyPr/>
+                    <a:lstStyle/>
+                    <a:p>
+                      <a:pPr latinLnBrk="1"/>
+                      <a:endParaRPr lang="ko-KR" altLang="en-US" dirty="0"/>
+                    </a:p>
+                  </a:txBody>
+                  <a:tcPr/>
+                </a:tc>
+                <a:tc>
+                  <a:txBody>
+                    <a:bodyPr/>
+                    <a:lstStyle/>
+                    <a:p>
+                      <a:pPr latinLnBrk="1"/>
+                      <a:endParaRPr lang="ko-KR" altLang="en-US" dirty="0"/>
+                    </a:p>
+                  </a:txBody>
+                  <a:tcPr/>
+                </a:tc>
+                <a:extLst>
+                  <a:ext uri="{0D108BD9-81ED-4DB2-BD59-A6C34878D82A}">
+                    <a16:rowId xmlns:a16="http://schemas.microsoft.com/office/drawing/2014/main" val="3603585483"/>
+                  </a:ext>
+                </a:extLst>
+              </a:tr>
+            </a:tbl>
+          </a:graphicData>
+        </a:graphic>
+      </p:graphicFrame>
+      <p:sp>
+        <p:nvSpPr>
+          <p:cNvPr id="12" name="TextBox 11">
+            <a:extLst>
+              <a:ext uri="{FF2B5EF4-FFF2-40B4-BE49-F238E27FC236}">
+                <a16:creationId xmlns:a16="http://schemas.microsoft.com/office/drawing/2014/main" id="{F7733CBC-695C-575A-C4D6-B6D70BEDAD1E}"/>
+              </a:ext>
+            </a:extLst>
+          </p:cNvPr>
+          <p:cNvSpPr txBox="1"/>
+          <p:nvPr/>
+        </p:nvSpPr>
+        <p:spPr>
+          <a:xfrm>
+            <a:off x="10396999" y="223944"/>
+            <a:ext cx="1481070" cy="307777"/>
+          </a:xfrm>
+          <a:prstGeom prst="rect">
+            <a:avLst/>
+          </a:prstGeom>
+          <a:solidFill>
+            <a:schemeClr val="bg1"/>
+          </a:solidFill>
+          <a:ln>
+            <a:solidFill>
+              <a:schemeClr val="tx1"/>
+            </a:solidFill>
+          </a:ln>
+        </p:spPr>
+        <p:txBody>
+          <a:bodyPr wrap="square" rtlCol="0">
+            <a:spAutoFit/>
+          </a:bodyPr>
+          <a:lstStyle/>
+          <a:p>
+            <a:pPr algn="ctr"/>
+            <a:r>
+              <a:rPr kumimoji="1" lang="en-US" altLang="ko-KR" sz="1400" b="1" dirty="0"/>
+              <a:t>32bit </a:t>
+            </a:r>
+            <a:r>
+              <a:rPr kumimoji="1" lang="ko-KR" altLang="en-US" sz="1400" b="1" dirty="0"/>
+              <a:t>체계</a:t>
+            </a:r>
+          </a:p>
+        </p:txBody>
+      </p:sp>
+      <p:sp>
+        <p:nvSpPr>
+          <p:cNvPr id="13" name="TextBox 12">
+            <a:extLst>
+              <a:ext uri="{FF2B5EF4-FFF2-40B4-BE49-F238E27FC236}">
+                <a16:creationId xmlns:a16="http://schemas.microsoft.com/office/drawing/2014/main" id="{6CEB9C4A-123F-DDF3-6DEC-EDF81B44E6BE}"/>
+              </a:ext>
+            </a:extLst>
+          </p:cNvPr>
+          <p:cNvSpPr txBox="1"/>
+          <p:nvPr/>
+        </p:nvSpPr>
+        <p:spPr>
+          <a:xfrm>
+            <a:off x="4260752" y="3971960"/>
+            <a:ext cx="888643" cy="369332"/>
+          </a:xfrm>
+          <a:prstGeom prst="rect">
+            <a:avLst/>
+          </a:prstGeom>
+          <a:noFill/>
+        </p:spPr>
+        <p:txBody>
+          <a:bodyPr wrap="square" rtlCol="0">
+            <a:spAutoFit/>
+          </a:bodyPr>
+          <a:lstStyle/>
+          <a:p>
+            <a:r>
+              <a:rPr kumimoji="1" lang="en-US" altLang="ko-KR" dirty="0"/>
+              <a:t>1byte</a:t>
+            </a:r>
+            <a:endParaRPr kumimoji="1" lang="ko-KR" altLang="en-US" dirty="0"/>
+          </a:p>
+        </p:txBody>
+      </p:sp>
+      <p:sp>
+        <p:nvSpPr>
+          <p:cNvPr id="14" name="모서리가 둥근 직사각형 13">
+            <a:extLst>
+              <a:ext uri="{FF2B5EF4-FFF2-40B4-BE49-F238E27FC236}">
+                <a16:creationId xmlns:a16="http://schemas.microsoft.com/office/drawing/2014/main" id="{2E1CBA71-019B-CB95-6429-6C40D43B26C0}"/>
+              </a:ext>
+            </a:extLst>
+          </p:cNvPr>
+          <p:cNvSpPr/>
+          <p:nvPr/>
+        </p:nvSpPr>
+        <p:spPr>
+          <a:xfrm>
+            <a:off x="3921754" y="3018586"/>
+            <a:ext cx="1427814" cy="954700"/>
+          </a:xfrm>
+          <a:prstGeom prst="roundRect">
+            <a:avLst/>
+          </a:prstGeom>
+          <a:noFill/>
+          <a:ln w="38100">
+            <a:solidFill>
+              <a:schemeClr val="tx1"/>
+            </a:solidFill>
+          </a:ln>
+        </p:spPr>
+        <p:style>
+          <a:lnRef idx="2">
+            <a:schemeClr val="accent1">
+              <a:shade val="50000"/>
+            </a:schemeClr>
+          </a:lnRef>
+          <a:fillRef idx="1">
+            <a:schemeClr val="accent1"/>
+          </a:fillRef>
+          <a:effectRef idx="0">
+            <a:schemeClr val="accent1"/>
+          </a:effectRef>
+          <a:fontRef idx="minor">
+            <a:schemeClr val="lt1"/>
+          </a:fontRef>
+        </p:style>
+        <p:txBody>
+          <a:bodyPr rtlCol="0" anchor="ctr"/>
+          <a:lstStyle/>
+          <a:p>
+            <a:pPr algn="ctr"/>
+            <a:endParaRPr kumimoji="1" lang="ko-KR" altLang="en-US"/>
+          </a:p>
+        </p:txBody>
+      </p:sp>
+      <p:sp>
+        <p:nvSpPr>
+          <p:cNvPr id="15" name="TextBox 14"/>
+          <p:cNvSpPr txBox="1"/>
+          <p:nvPr/>
+        </p:nvSpPr>
+        <p:spPr>
+          <a:xfrm>
+            <a:off x="4008937" y="552205"/>
+            <a:ext cx="1253447" cy="307777"/>
+          </a:xfrm>
+          <a:prstGeom prst="rect">
+            <a:avLst/>
+          </a:prstGeom>
+          <a:noFill/>
+        </p:spPr>
+        <p:txBody>
+          <a:bodyPr wrap="square" rtlCol="0">
+            <a:spAutoFit/>
+          </a:bodyPr>
+          <a:lstStyle/>
+          <a:p>
+            <a:pPr algn="ctr"/>
+            <a:r>
+              <a:rPr lang="en-US" altLang="ko-KR" sz="1400" b="1" dirty="0" smtClean="0"/>
+              <a:t>Word Line</a:t>
+            </a:r>
+            <a:endParaRPr lang="ko-KR" altLang="en-US" sz="1400" b="1" dirty="0"/>
+          </a:p>
+        </p:txBody>
+      </p:sp>
+      <p:sp>
+        <p:nvSpPr>
+          <p:cNvPr id="16" name="TextBox 15"/>
+          <p:cNvSpPr txBox="1"/>
+          <p:nvPr/>
+        </p:nvSpPr>
+        <p:spPr>
+          <a:xfrm>
+            <a:off x="-61707" y="5316160"/>
+            <a:ext cx="998981" cy="307777"/>
+          </a:xfrm>
+          <a:prstGeom prst="rect">
+            <a:avLst/>
+          </a:prstGeom>
+          <a:noFill/>
+        </p:spPr>
+        <p:txBody>
+          <a:bodyPr wrap="square" rtlCol="0">
+            <a:spAutoFit/>
+          </a:bodyPr>
+          <a:lstStyle/>
+          <a:p>
+            <a:pPr algn="ctr"/>
+            <a:r>
+              <a:rPr lang="en-US" altLang="ko-KR" sz="1400" b="1" dirty="0" smtClean="0"/>
+              <a:t>Bit Line</a:t>
+            </a:r>
+            <a:endParaRPr lang="ko-KR" altLang="en-US" sz="1400" b="1" dirty="0"/>
+          </a:p>
+        </p:txBody>
+      </p:sp>
+      <p:sp>
+        <p:nvSpPr>
+          <p:cNvPr id="18" name="직사각형 17"/>
+          <p:cNvSpPr/>
+          <p:nvPr/>
+        </p:nvSpPr>
+        <p:spPr>
+          <a:xfrm>
+            <a:off x="4401681" y="3213797"/>
+            <a:ext cx="180000" cy="180000"/>
+          </a:xfrm>
+          <a:prstGeom prst="rect">
+            <a:avLst/>
+          </a:prstGeom>
+        </p:spPr>
+        <p:style>
+          <a:lnRef idx="2">
+            <a:schemeClr val="accent1">
+              <a:shade val="50000"/>
+            </a:schemeClr>
+          </a:lnRef>
+          <a:fillRef idx="1">
+            <a:schemeClr val="accent1"/>
+          </a:fillRef>
+          <a:effectRef idx="0">
+            <a:schemeClr val="accent1"/>
+          </a:effectRef>
+          <a:fontRef idx="minor">
+            <a:schemeClr val="lt1"/>
+          </a:fontRef>
+        </p:style>
+        <p:txBody>
+          <a:bodyPr rtlCol="0" anchor="ctr"/>
+          <a:lstStyle/>
+          <a:p>
+            <a:pPr algn="ctr"/>
+            <a:endParaRPr lang="ko-KR" altLang="en-US"/>
+          </a:p>
+        </p:txBody>
+      </p:sp>
+      <p:sp>
+        <p:nvSpPr>
+          <p:cNvPr id="19" name="직사각형 18"/>
+          <p:cNvSpPr/>
+          <p:nvPr/>
+        </p:nvSpPr>
+        <p:spPr>
+          <a:xfrm>
+            <a:off x="4108787" y="3213797"/>
+            <a:ext cx="180000" cy="180000"/>
+          </a:xfrm>
+          <a:prstGeom prst="rect">
+            <a:avLst/>
+          </a:prstGeom>
+        </p:spPr>
+        <p:style>
+          <a:lnRef idx="2">
+            <a:schemeClr val="accent1">
+              <a:shade val="50000"/>
+            </a:schemeClr>
+          </a:lnRef>
+          <a:fillRef idx="1">
+            <a:schemeClr val="accent1"/>
+          </a:fillRef>
+          <a:effectRef idx="0">
+            <a:schemeClr val="accent1"/>
+          </a:effectRef>
+          <a:fontRef idx="minor">
+            <a:schemeClr val="lt1"/>
+          </a:fontRef>
+        </p:style>
+        <p:txBody>
+          <a:bodyPr rtlCol="0" anchor="ctr"/>
+          <a:lstStyle/>
+          <a:p>
+            <a:pPr algn="ctr"/>
+            <a:endParaRPr lang="ko-KR" altLang="en-US"/>
+          </a:p>
+        </p:txBody>
+      </p:sp>
+      <p:sp>
+        <p:nvSpPr>
+          <p:cNvPr id="20" name="직사각형 19"/>
+          <p:cNvSpPr/>
+          <p:nvPr/>
+        </p:nvSpPr>
+        <p:spPr>
+          <a:xfrm>
+            <a:off x="4694575" y="3213797"/>
+            <a:ext cx="180000" cy="180000"/>
+          </a:xfrm>
+          <a:prstGeom prst="rect">
+            <a:avLst/>
+          </a:prstGeom>
+        </p:spPr>
+        <p:style>
+          <a:lnRef idx="2">
+            <a:schemeClr val="accent1">
+              <a:shade val="50000"/>
+            </a:schemeClr>
+          </a:lnRef>
+          <a:fillRef idx="1">
+            <a:schemeClr val="accent1"/>
+          </a:fillRef>
+          <a:effectRef idx="0">
+            <a:schemeClr val="accent1"/>
+          </a:effectRef>
+          <a:fontRef idx="minor">
+            <a:schemeClr val="lt1"/>
+          </a:fontRef>
+        </p:style>
+        <p:txBody>
+          <a:bodyPr rtlCol="0" anchor="ctr"/>
+          <a:lstStyle/>
+          <a:p>
+            <a:pPr algn="ctr"/>
+            <a:endParaRPr lang="ko-KR" altLang="en-US"/>
+          </a:p>
+        </p:txBody>
+      </p:sp>
+      <p:sp>
+        <p:nvSpPr>
+          <p:cNvPr id="22" name="직사각형 21"/>
+          <p:cNvSpPr/>
+          <p:nvPr/>
+        </p:nvSpPr>
+        <p:spPr>
+          <a:xfrm>
+            <a:off x="4987469" y="3213649"/>
+            <a:ext cx="180000" cy="180000"/>
+          </a:xfrm>
+          <a:prstGeom prst="rect">
+            <a:avLst/>
+          </a:prstGeom>
+        </p:spPr>
+        <p:style>
+          <a:lnRef idx="2">
+            <a:schemeClr val="accent1">
+              <a:shade val="50000"/>
+            </a:schemeClr>
+          </a:lnRef>
+          <a:fillRef idx="1">
+            <a:schemeClr val="accent1"/>
+          </a:fillRef>
+          <a:effectRef idx="0">
+            <a:schemeClr val="accent1"/>
+          </a:effectRef>
+          <a:fontRef idx="minor">
+            <a:schemeClr val="lt1"/>
+          </a:fontRef>
+        </p:style>
+        <p:txBody>
+          <a:bodyPr rtlCol="0" anchor="ctr"/>
+          <a:lstStyle/>
+          <a:p>
+            <a:pPr algn="ctr"/>
+            <a:endParaRPr lang="ko-KR" altLang="en-US"/>
+          </a:p>
+        </p:txBody>
+      </p:sp>
+      <p:sp>
+        <p:nvSpPr>
+          <p:cNvPr id="25" name="직사각형 24"/>
+          <p:cNvSpPr/>
+          <p:nvPr/>
+        </p:nvSpPr>
+        <p:spPr>
+          <a:xfrm>
+            <a:off x="4401681" y="3540511"/>
+            <a:ext cx="180000" cy="180000"/>
+          </a:xfrm>
+          <a:prstGeom prst="rect">
+            <a:avLst/>
+          </a:prstGeom>
+        </p:spPr>
+        <p:style>
+          <a:lnRef idx="2">
+            <a:schemeClr val="accent1">
+              <a:shade val="50000"/>
+            </a:schemeClr>
+          </a:lnRef>
+          <a:fillRef idx="1">
+            <a:schemeClr val="accent1"/>
+          </a:fillRef>
+          <a:effectRef idx="0">
+            <a:schemeClr val="accent1"/>
+          </a:effectRef>
+          <a:fontRef idx="minor">
+            <a:schemeClr val="lt1"/>
+          </a:fontRef>
+        </p:style>
+        <p:txBody>
+          <a:bodyPr rtlCol="0" anchor="ctr"/>
+          <a:lstStyle/>
+          <a:p>
+            <a:pPr algn="ctr"/>
+            <a:endParaRPr lang="ko-KR" altLang="en-US"/>
+          </a:p>
+        </p:txBody>
+      </p:sp>
+      <p:sp>
+        <p:nvSpPr>
+          <p:cNvPr id="26" name="직사각형 25"/>
+          <p:cNvSpPr/>
+          <p:nvPr/>
+        </p:nvSpPr>
+        <p:spPr>
+          <a:xfrm>
+            <a:off x="4108787" y="3540511"/>
+            <a:ext cx="180000" cy="180000"/>
+          </a:xfrm>
+          <a:prstGeom prst="rect">
+            <a:avLst/>
+          </a:prstGeom>
+        </p:spPr>
+        <p:style>
+          <a:lnRef idx="2">
+            <a:schemeClr val="accent1">
+              <a:shade val="50000"/>
+            </a:schemeClr>
+          </a:lnRef>
+          <a:fillRef idx="1">
+            <a:schemeClr val="accent1"/>
+          </a:fillRef>
+          <a:effectRef idx="0">
+            <a:schemeClr val="accent1"/>
+          </a:effectRef>
+          <a:fontRef idx="minor">
+            <a:schemeClr val="lt1"/>
+          </a:fontRef>
+        </p:style>
+        <p:txBody>
+          <a:bodyPr rtlCol="0" anchor="ctr"/>
+          <a:lstStyle/>
+          <a:p>
+            <a:pPr algn="ctr"/>
+            <a:endParaRPr lang="ko-KR" altLang="en-US"/>
+          </a:p>
+        </p:txBody>
+      </p:sp>
+      <p:sp>
+        <p:nvSpPr>
+          <p:cNvPr id="27" name="직사각형 26"/>
+          <p:cNvSpPr/>
+          <p:nvPr/>
+        </p:nvSpPr>
+        <p:spPr>
+          <a:xfrm>
+            <a:off x="4694575" y="3540511"/>
+            <a:ext cx="180000" cy="180000"/>
+          </a:xfrm>
+          <a:prstGeom prst="rect">
+            <a:avLst/>
+          </a:prstGeom>
+        </p:spPr>
+        <p:style>
+          <a:lnRef idx="2">
+            <a:schemeClr val="accent1">
+              <a:shade val="50000"/>
+            </a:schemeClr>
+          </a:lnRef>
+          <a:fillRef idx="1">
+            <a:schemeClr val="accent1"/>
+          </a:fillRef>
+          <a:effectRef idx="0">
+            <a:schemeClr val="accent1"/>
+          </a:effectRef>
+          <a:fontRef idx="minor">
+            <a:schemeClr val="lt1"/>
+          </a:fontRef>
+        </p:style>
+        <p:txBody>
+          <a:bodyPr rtlCol="0" anchor="ctr"/>
+          <a:lstStyle/>
+          <a:p>
+            <a:pPr algn="ctr"/>
+            <a:endParaRPr lang="ko-KR" altLang="en-US"/>
+          </a:p>
+        </p:txBody>
+      </p:sp>
+      <p:sp>
+        <p:nvSpPr>
+          <p:cNvPr id="28" name="직사각형 27"/>
+          <p:cNvSpPr/>
+          <p:nvPr/>
+        </p:nvSpPr>
+        <p:spPr>
+          <a:xfrm>
+            <a:off x="4987469" y="3540363"/>
+            <a:ext cx="180000" cy="180000"/>
+          </a:xfrm>
+          <a:prstGeom prst="rect">
+            <a:avLst/>
+          </a:prstGeom>
+        </p:spPr>
+        <p:style>
+          <a:lnRef idx="2">
+            <a:schemeClr val="accent1">
+              <a:shade val="50000"/>
+            </a:schemeClr>
+          </a:lnRef>
+          <a:fillRef idx="1">
+            <a:schemeClr val="accent1"/>
+          </a:fillRef>
+          <a:effectRef idx="0">
+            <a:schemeClr val="accent1"/>
+          </a:effectRef>
+          <a:fontRef idx="minor">
+            <a:schemeClr val="lt1"/>
+          </a:fontRef>
+        </p:style>
+        <p:txBody>
+          <a:bodyPr rtlCol="0" anchor="ctr"/>
+          <a:lstStyle/>
+          <a:p>
+            <a:pPr algn="ctr"/>
+            <a:endParaRPr lang="ko-KR" altLang="en-US"/>
+          </a:p>
+        </p:txBody>
+      </p:sp>
+      <p:cxnSp>
+        <p:nvCxnSpPr>
+          <p:cNvPr id="37" name="직선 연결선 36"/>
+          <p:cNvCxnSpPr/>
+          <p:nvPr/>
+        </p:nvCxnSpPr>
+        <p:spPr>
+          <a:xfrm>
+            <a:off x="5897256" y="974455"/>
+            <a:ext cx="0" cy="5135518"/>
+          </a:xfrm>
+          <a:prstGeom prst="line">
+            <a:avLst/>
+          </a:prstGeom>
+        </p:spPr>
+        <p:style>
+          <a:lnRef idx="2">
+            <a:schemeClr val="accent6"/>
+          </a:lnRef>
+          <a:fillRef idx="0">
+            <a:schemeClr val="accent6"/>
+          </a:fillRef>
+          <a:effectRef idx="1">
+            <a:schemeClr val="accent6"/>
+          </a:effectRef>
+          <a:fontRef idx="minor">
+            <a:schemeClr val="tx1"/>
+          </a:fontRef>
+        </p:style>
+      </p:cxnSp>
+      <p:cxnSp>
+        <p:nvCxnSpPr>
+          <p:cNvPr id="38" name="직선 연결선 37"/>
+          <p:cNvCxnSpPr/>
+          <p:nvPr/>
+        </p:nvCxnSpPr>
+        <p:spPr>
+          <a:xfrm>
+            <a:off x="6202850" y="975819"/>
+            <a:ext cx="0" cy="5135518"/>
+          </a:xfrm>
+          <a:prstGeom prst="line">
+            <a:avLst/>
+          </a:prstGeom>
+        </p:spPr>
+        <p:style>
+          <a:lnRef idx="2">
+            <a:schemeClr val="accent6"/>
+          </a:lnRef>
+          <a:fillRef idx="0">
+            <a:schemeClr val="accent6"/>
+          </a:fillRef>
+          <a:effectRef idx="1">
+            <a:schemeClr val="accent6"/>
+          </a:effectRef>
+          <a:fontRef idx="minor">
+            <a:schemeClr val="tx1"/>
+          </a:fontRef>
+        </p:style>
+      </p:cxnSp>
+      <p:cxnSp>
+        <p:nvCxnSpPr>
+          <p:cNvPr id="39" name="직선 연결선 38"/>
+          <p:cNvCxnSpPr/>
+          <p:nvPr/>
+        </p:nvCxnSpPr>
+        <p:spPr>
+          <a:xfrm>
+            <a:off x="6470344" y="980454"/>
+            <a:ext cx="0" cy="5135518"/>
+          </a:xfrm>
+          <a:prstGeom prst="line">
+            <a:avLst/>
+          </a:prstGeom>
+        </p:spPr>
+        <p:style>
+          <a:lnRef idx="2">
+            <a:schemeClr val="accent6"/>
+          </a:lnRef>
+          <a:fillRef idx="0">
+            <a:schemeClr val="accent6"/>
+          </a:fillRef>
+          <a:effectRef idx="1">
+            <a:schemeClr val="accent6"/>
+          </a:effectRef>
+          <a:fontRef idx="minor">
+            <a:schemeClr val="tx1"/>
+          </a:fontRef>
+        </p:style>
+      </p:cxnSp>
+      <p:cxnSp>
+        <p:nvCxnSpPr>
+          <p:cNvPr id="40" name="직선 연결선 39"/>
+          <p:cNvCxnSpPr/>
+          <p:nvPr/>
+        </p:nvCxnSpPr>
+        <p:spPr>
+          <a:xfrm>
+            <a:off x="5617062" y="974455"/>
+            <a:ext cx="0" cy="5135518"/>
+          </a:xfrm>
+          <a:prstGeom prst="line">
+            <a:avLst/>
+          </a:prstGeom>
+        </p:spPr>
+        <p:style>
+          <a:lnRef idx="2">
+            <a:schemeClr val="accent6"/>
+          </a:lnRef>
+          <a:fillRef idx="0">
+            <a:schemeClr val="accent6"/>
+          </a:fillRef>
+          <a:effectRef idx="1">
+            <a:schemeClr val="accent6"/>
+          </a:effectRef>
+          <a:fontRef idx="minor">
+            <a:schemeClr val="tx1"/>
+          </a:fontRef>
+        </p:style>
+      </p:cxnSp>
+      <p:sp>
+        <p:nvSpPr>
+          <p:cNvPr id="41" name="직사각형 40"/>
+          <p:cNvSpPr/>
+          <p:nvPr/>
+        </p:nvSpPr>
+        <p:spPr>
+          <a:xfrm>
+            <a:off x="5819956" y="3215912"/>
+            <a:ext cx="180000" cy="180000"/>
+          </a:xfrm>
+          <a:prstGeom prst="rect">
+            <a:avLst/>
+          </a:prstGeom>
+        </p:spPr>
+        <p:style>
+          <a:lnRef idx="2">
+            <a:schemeClr val="accent1">
+              <a:shade val="50000"/>
+            </a:schemeClr>
+          </a:lnRef>
+          <a:fillRef idx="1">
+            <a:schemeClr val="accent1"/>
+          </a:fillRef>
+          <a:effectRef idx="0">
+            <a:schemeClr val="accent1"/>
+          </a:effectRef>
+          <a:fontRef idx="minor">
+            <a:schemeClr val="lt1"/>
+          </a:fontRef>
+        </p:style>
+        <p:txBody>
+          <a:bodyPr rtlCol="0" anchor="ctr"/>
+          <a:lstStyle/>
+          <a:p>
+            <a:pPr algn="ctr"/>
+            <a:endParaRPr lang="ko-KR" altLang="en-US"/>
+          </a:p>
+        </p:txBody>
+      </p:sp>
+      <p:sp>
+        <p:nvSpPr>
+          <p:cNvPr id="42" name="직사각형 41"/>
+          <p:cNvSpPr/>
+          <p:nvPr/>
+        </p:nvSpPr>
+        <p:spPr>
+          <a:xfrm>
+            <a:off x="5527062" y="3215912"/>
+            <a:ext cx="180000" cy="180000"/>
+          </a:xfrm>
+          <a:prstGeom prst="rect">
+            <a:avLst/>
+          </a:prstGeom>
+        </p:spPr>
+        <p:style>
+          <a:lnRef idx="2">
+            <a:schemeClr val="accent1">
+              <a:shade val="50000"/>
+            </a:schemeClr>
+          </a:lnRef>
+          <a:fillRef idx="1">
+            <a:schemeClr val="accent1"/>
+          </a:fillRef>
+          <a:effectRef idx="0">
+            <a:schemeClr val="accent1"/>
+          </a:effectRef>
+          <a:fontRef idx="minor">
+            <a:schemeClr val="lt1"/>
+          </a:fontRef>
+        </p:style>
+        <p:txBody>
+          <a:bodyPr rtlCol="0" anchor="ctr"/>
+          <a:lstStyle/>
+          <a:p>
+            <a:pPr algn="ctr"/>
+            <a:endParaRPr lang="ko-KR" altLang="en-US"/>
+          </a:p>
+        </p:txBody>
+      </p:sp>
+      <p:sp>
+        <p:nvSpPr>
+          <p:cNvPr id="43" name="직사각형 42"/>
+          <p:cNvSpPr/>
+          <p:nvPr/>
+        </p:nvSpPr>
+        <p:spPr>
+          <a:xfrm>
+            <a:off x="6112850" y="3215912"/>
+            <a:ext cx="180000" cy="180000"/>
+          </a:xfrm>
+          <a:prstGeom prst="rect">
+            <a:avLst/>
+          </a:prstGeom>
+        </p:spPr>
+        <p:style>
+          <a:lnRef idx="2">
+            <a:schemeClr val="accent1">
+              <a:shade val="50000"/>
+            </a:schemeClr>
+          </a:lnRef>
+          <a:fillRef idx="1">
+            <a:schemeClr val="accent1"/>
+          </a:fillRef>
+          <a:effectRef idx="0">
+            <a:schemeClr val="accent1"/>
+          </a:effectRef>
+          <a:fontRef idx="minor">
+            <a:schemeClr val="lt1"/>
+          </a:fontRef>
+        </p:style>
+        <p:txBody>
+          <a:bodyPr rtlCol="0" anchor="ctr"/>
+          <a:lstStyle/>
+          <a:p>
+            <a:pPr algn="ctr"/>
+            <a:endParaRPr lang="ko-KR" altLang="en-US"/>
+          </a:p>
+        </p:txBody>
+      </p:sp>
+      <p:sp>
+        <p:nvSpPr>
+          <p:cNvPr id="44" name="직사각형 43"/>
+          <p:cNvSpPr/>
+          <p:nvPr/>
+        </p:nvSpPr>
+        <p:spPr>
+          <a:xfrm>
+            <a:off x="6405744" y="3215764"/>
+            <a:ext cx="180000" cy="180000"/>
+          </a:xfrm>
+          <a:prstGeom prst="rect">
+            <a:avLst/>
+          </a:prstGeom>
+        </p:spPr>
+        <p:style>
+          <a:lnRef idx="2">
+            <a:schemeClr val="accent1">
+              <a:shade val="50000"/>
+            </a:schemeClr>
+          </a:lnRef>
+          <a:fillRef idx="1">
+            <a:schemeClr val="accent1"/>
+          </a:fillRef>
+          <a:effectRef idx="0">
+            <a:schemeClr val="accent1"/>
+          </a:effectRef>
+          <a:fontRef idx="minor">
+            <a:schemeClr val="lt1"/>
+          </a:fontRef>
+        </p:style>
+        <p:txBody>
+          <a:bodyPr rtlCol="0" anchor="ctr"/>
+          <a:lstStyle/>
+          <a:p>
+            <a:pPr algn="ctr"/>
+            <a:endParaRPr lang="ko-KR" altLang="en-US"/>
+          </a:p>
+        </p:txBody>
+      </p:sp>
+      <p:sp>
+        <p:nvSpPr>
+          <p:cNvPr id="45" name="직사각형 44"/>
+          <p:cNvSpPr/>
+          <p:nvPr/>
+        </p:nvSpPr>
+        <p:spPr>
+          <a:xfrm>
+            <a:off x="5819956" y="3542626"/>
+            <a:ext cx="180000" cy="180000"/>
+          </a:xfrm>
+          <a:prstGeom prst="rect">
+            <a:avLst/>
+          </a:prstGeom>
+        </p:spPr>
+        <p:style>
+          <a:lnRef idx="2">
+            <a:schemeClr val="accent1">
+              <a:shade val="50000"/>
+            </a:schemeClr>
+          </a:lnRef>
+          <a:fillRef idx="1">
+            <a:schemeClr val="accent1"/>
+          </a:fillRef>
+          <a:effectRef idx="0">
+            <a:schemeClr val="accent1"/>
+          </a:effectRef>
+          <a:fontRef idx="minor">
+            <a:schemeClr val="lt1"/>
+          </a:fontRef>
+        </p:style>
+        <p:txBody>
+          <a:bodyPr rtlCol="0" anchor="ctr"/>
+          <a:lstStyle/>
+          <a:p>
+            <a:pPr algn="ctr"/>
+            <a:endParaRPr lang="ko-KR" altLang="en-US"/>
+          </a:p>
+        </p:txBody>
+      </p:sp>
+      <p:sp>
+        <p:nvSpPr>
+          <p:cNvPr id="46" name="직사각형 45"/>
+          <p:cNvSpPr/>
+          <p:nvPr/>
+        </p:nvSpPr>
+        <p:spPr>
+          <a:xfrm>
+            <a:off x="5527062" y="3542626"/>
+            <a:ext cx="180000" cy="180000"/>
+          </a:xfrm>
+          <a:prstGeom prst="rect">
+            <a:avLst/>
+          </a:prstGeom>
+        </p:spPr>
+        <p:style>
+          <a:lnRef idx="2">
+            <a:schemeClr val="accent1">
+              <a:shade val="50000"/>
+            </a:schemeClr>
+          </a:lnRef>
+          <a:fillRef idx="1">
+            <a:schemeClr val="accent1"/>
+          </a:fillRef>
+          <a:effectRef idx="0">
+            <a:schemeClr val="accent1"/>
+          </a:effectRef>
+          <a:fontRef idx="minor">
+            <a:schemeClr val="lt1"/>
+          </a:fontRef>
+        </p:style>
+        <p:txBody>
+          <a:bodyPr rtlCol="0" anchor="ctr"/>
+          <a:lstStyle/>
+          <a:p>
+            <a:pPr algn="ctr"/>
+            <a:endParaRPr lang="ko-KR" altLang="en-US"/>
+          </a:p>
+        </p:txBody>
+      </p:sp>
+      <p:sp>
+        <p:nvSpPr>
+          <p:cNvPr id="47" name="직사각형 46"/>
+          <p:cNvSpPr/>
+          <p:nvPr/>
+        </p:nvSpPr>
+        <p:spPr>
+          <a:xfrm>
+            <a:off x="6112850" y="3542626"/>
+            <a:ext cx="180000" cy="180000"/>
+          </a:xfrm>
+          <a:prstGeom prst="rect">
+            <a:avLst/>
+          </a:prstGeom>
+        </p:spPr>
+        <p:style>
+          <a:lnRef idx="2">
+            <a:schemeClr val="accent1">
+              <a:shade val="50000"/>
+            </a:schemeClr>
+          </a:lnRef>
+          <a:fillRef idx="1">
+            <a:schemeClr val="accent1"/>
+          </a:fillRef>
+          <a:effectRef idx="0">
+            <a:schemeClr val="accent1"/>
+          </a:effectRef>
+          <a:fontRef idx="minor">
+            <a:schemeClr val="lt1"/>
+          </a:fontRef>
+        </p:style>
+        <p:txBody>
+          <a:bodyPr rtlCol="0" anchor="ctr"/>
+          <a:lstStyle/>
+          <a:p>
+            <a:pPr algn="ctr"/>
+            <a:endParaRPr lang="ko-KR" altLang="en-US"/>
+          </a:p>
+        </p:txBody>
+      </p:sp>
+      <p:sp>
+        <p:nvSpPr>
+          <p:cNvPr id="48" name="직사각형 47"/>
+          <p:cNvSpPr/>
+          <p:nvPr/>
+        </p:nvSpPr>
+        <p:spPr>
+          <a:xfrm>
+            <a:off x="6405744" y="3542478"/>
+            <a:ext cx="180000" cy="180000"/>
+          </a:xfrm>
+          <a:prstGeom prst="rect">
+            <a:avLst/>
+          </a:prstGeom>
+        </p:spPr>
+        <p:style>
+          <a:lnRef idx="2">
+            <a:schemeClr val="accent1">
+              <a:shade val="50000"/>
+            </a:schemeClr>
+          </a:lnRef>
+          <a:fillRef idx="1">
+            <a:schemeClr val="accent1"/>
+          </a:fillRef>
+          <a:effectRef idx="0">
+            <a:schemeClr val="accent1"/>
+          </a:effectRef>
+          <a:fontRef idx="minor">
+            <a:schemeClr val="lt1"/>
+          </a:fontRef>
+        </p:style>
+        <p:txBody>
+          <a:bodyPr rtlCol="0" anchor="ctr"/>
+          <a:lstStyle/>
+          <a:p>
+            <a:pPr algn="ctr"/>
+            <a:endParaRPr lang="ko-KR" altLang="en-US"/>
+          </a:p>
+        </p:txBody>
+      </p:sp>
+      <p:cxnSp>
+        <p:nvCxnSpPr>
+          <p:cNvPr id="49" name="직선 연결선 48"/>
+          <p:cNvCxnSpPr/>
+          <p:nvPr/>
+        </p:nvCxnSpPr>
+        <p:spPr>
+          <a:xfrm>
+            <a:off x="7279131" y="966341"/>
+            <a:ext cx="0" cy="5135518"/>
+          </a:xfrm>
+          <a:prstGeom prst="line">
+            <a:avLst/>
+          </a:prstGeom>
+        </p:spPr>
+        <p:style>
+          <a:lnRef idx="2">
+            <a:schemeClr val="accent6"/>
+          </a:lnRef>
+          <a:fillRef idx="0">
+            <a:schemeClr val="accent6"/>
+          </a:fillRef>
+          <a:effectRef idx="1">
+            <a:schemeClr val="accent6"/>
+          </a:effectRef>
+          <a:fontRef idx="minor">
+            <a:schemeClr val="tx1"/>
+          </a:fontRef>
+        </p:style>
+      </p:cxnSp>
+      <p:cxnSp>
+        <p:nvCxnSpPr>
+          <p:cNvPr id="50" name="직선 연결선 49"/>
+          <p:cNvCxnSpPr/>
+          <p:nvPr/>
+        </p:nvCxnSpPr>
+        <p:spPr>
+          <a:xfrm>
+            <a:off x="7584725" y="967705"/>
+            <a:ext cx="0" cy="5135518"/>
+          </a:xfrm>
+          <a:prstGeom prst="line">
+            <a:avLst/>
+          </a:prstGeom>
+        </p:spPr>
+        <p:style>
+          <a:lnRef idx="2">
+            <a:schemeClr val="accent6"/>
+          </a:lnRef>
+          <a:fillRef idx="0">
+            <a:schemeClr val="accent6"/>
+          </a:fillRef>
+          <a:effectRef idx="1">
+            <a:schemeClr val="accent6"/>
+          </a:effectRef>
+          <a:fontRef idx="minor">
+            <a:schemeClr val="tx1"/>
+          </a:fontRef>
+        </p:style>
+      </p:cxnSp>
+      <p:cxnSp>
+        <p:nvCxnSpPr>
+          <p:cNvPr id="51" name="직선 연결선 50"/>
+          <p:cNvCxnSpPr/>
+          <p:nvPr/>
+        </p:nvCxnSpPr>
+        <p:spPr>
+          <a:xfrm>
+            <a:off x="7852219" y="972340"/>
+            <a:ext cx="0" cy="5135518"/>
+          </a:xfrm>
+          <a:prstGeom prst="line">
+            <a:avLst/>
+          </a:prstGeom>
+        </p:spPr>
+        <p:style>
+          <a:lnRef idx="2">
+            <a:schemeClr val="accent6"/>
+          </a:lnRef>
+          <a:fillRef idx="0">
+            <a:schemeClr val="accent6"/>
+          </a:fillRef>
+          <a:effectRef idx="1">
+            <a:schemeClr val="accent6"/>
+          </a:effectRef>
+          <a:fontRef idx="minor">
+            <a:schemeClr val="tx1"/>
+          </a:fontRef>
+        </p:style>
+      </p:cxnSp>
+      <p:cxnSp>
+        <p:nvCxnSpPr>
+          <p:cNvPr id="52" name="직선 연결선 51"/>
+          <p:cNvCxnSpPr/>
+          <p:nvPr/>
+        </p:nvCxnSpPr>
+        <p:spPr>
+          <a:xfrm>
+            <a:off x="6998937" y="966341"/>
+            <a:ext cx="0" cy="5135518"/>
+          </a:xfrm>
+          <a:prstGeom prst="line">
+            <a:avLst/>
+          </a:prstGeom>
+        </p:spPr>
+        <p:style>
+          <a:lnRef idx="2">
+            <a:schemeClr val="accent6"/>
+          </a:lnRef>
+          <a:fillRef idx="0">
+            <a:schemeClr val="accent6"/>
+          </a:fillRef>
+          <a:effectRef idx="1">
+            <a:schemeClr val="accent6"/>
+          </a:effectRef>
+          <a:fontRef idx="minor">
+            <a:schemeClr val="tx1"/>
+          </a:fontRef>
+        </p:style>
+      </p:cxnSp>
+      <p:sp>
+        <p:nvSpPr>
+          <p:cNvPr id="53" name="직사각형 52"/>
+          <p:cNvSpPr/>
+          <p:nvPr/>
+        </p:nvSpPr>
+        <p:spPr>
+          <a:xfrm>
+            <a:off x="7201831" y="3207798"/>
+            <a:ext cx="180000" cy="180000"/>
+          </a:xfrm>
+          <a:prstGeom prst="rect">
+            <a:avLst/>
+          </a:prstGeom>
+        </p:spPr>
+        <p:style>
+          <a:lnRef idx="2">
+            <a:schemeClr val="accent1">
+              <a:shade val="50000"/>
+            </a:schemeClr>
+          </a:lnRef>
+          <a:fillRef idx="1">
+            <a:schemeClr val="accent1"/>
+          </a:fillRef>
+          <a:effectRef idx="0">
+            <a:schemeClr val="accent1"/>
+          </a:effectRef>
+          <a:fontRef idx="minor">
+            <a:schemeClr val="lt1"/>
+          </a:fontRef>
+        </p:style>
+        <p:txBody>
+          <a:bodyPr rtlCol="0" anchor="ctr"/>
+          <a:lstStyle/>
+          <a:p>
+            <a:pPr algn="ctr"/>
+            <a:endParaRPr lang="ko-KR" altLang="en-US"/>
+          </a:p>
+        </p:txBody>
+      </p:sp>
+      <p:sp>
+        <p:nvSpPr>
+          <p:cNvPr id="54" name="직사각형 53"/>
+          <p:cNvSpPr/>
+          <p:nvPr/>
+        </p:nvSpPr>
+        <p:spPr>
+          <a:xfrm>
+            <a:off x="6908937" y="3207798"/>
+            <a:ext cx="180000" cy="180000"/>
+          </a:xfrm>
+          <a:prstGeom prst="rect">
+            <a:avLst/>
+          </a:prstGeom>
+        </p:spPr>
+        <p:style>
+          <a:lnRef idx="2">
+            <a:schemeClr val="accent1">
+              <a:shade val="50000"/>
+            </a:schemeClr>
+          </a:lnRef>
+          <a:fillRef idx="1">
+            <a:schemeClr val="accent1"/>
+          </a:fillRef>
+          <a:effectRef idx="0">
+            <a:schemeClr val="accent1"/>
+          </a:effectRef>
+          <a:fontRef idx="minor">
+            <a:schemeClr val="lt1"/>
+          </a:fontRef>
+        </p:style>
+        <p:txBody>
+          <a:bodyPr rtlCol="0" anchor="ctr"/>
+          <a:lstStyle/>
+          <a:p>
+            <a:pPr algn="ctr"/>
+            <a:endParaRPr lang="ko-KR" altLang="en-US"/>
+          </a:p>
+        </p:txBody>
+      </p:sp>
+      <p:sp>
+        <p:nvSpPr>
+          <p:cNvPr id="55" name="직사각형 54"/>
+          <p:cNvSpPr/>
+          <p:nvPr/>
+        </p:nvSpPr>
+        <p:spPr>
+          <a:xfrm>
+            <a:off x="7494725" y="3207798"/>
+            <a:ext cx="180000" cy="180000"/>
+          </a:xfrm>
+          <a:prstGeom prst="rect">
+            <a:avLst/>
+          </a:prstGeom>
+        </p:spPr>
+        <p:style>
+          <a:lnRef idx="2">
+            <a:schemeClr val="accent1">
+              <a:shade val="50000"/>
+            </a:schemeClr>
+          </a:lnRef>
+          <a:fillRef idx="1">
+            <a:schemeClr val="accent1"/>
+          </a:fillRef>
+          <a:effectRef idx="0">
+            <a:schemeClr val="accent1"/>
+          </a:effectRef>
+          <a:fontRef idx="minor">
+            <a:schemeClr val="lt1"/>
+          </a:fontRef>
+        </p:style>
+        <p:txBody>
+          <a:bodyPr rtlCol="0" anchor="ctr"/>
+          <a:lstStyle/>
+          <a:p>
+            <a:pPr algn="ctr"/>
+            <a:endParaRPr lang="ko-KR" altLang="en-US"/>
+          </a:p>
+        </p:txBody>
+      </p:sp>
+      <p:sp>
+        <p:nvSpPr>
+          <p:cNvPr id="56" name="직사각형 55"/>
+          <p:cNvSpPr/>
+          <p:nvPr/>
+        </p:nvSpPr>
+        <p:spPr>
+          <a:xfrm>
+            <a:off x="7787619" y="3207650"/>
+            <a:ext cx="180000" cy="180000"/>
+          </a:xfrm>
+          <a:prstGeom prst="rect">
+            <a:avLst/>
+          </a:prstGeom>
+        </p:spPr>
+        <p:style>
+          <a:lnRef idx="2">
+            <a:schemeClr val="accent1">
+              <a:shade val="50000"/>
+            </a:schemeClr>
+          </a:lnRef>
+          <a:fillRef idx="1">
+            <a:schemeClr val="accent1"/>
+          </a:fillRef>
+          <a:effectRef idx="0">
+            <a:schemeClr val="accent1"/>
+          </a:effectRef>
+          <a:fontRef idx="minor">
+            <a:schemeClr val="lt1"/>
+          </a:fontRef>
+        </p:style>
+        <p:txBody>
+          <a:bodyPr rtlCol="0" anchor="ctr"/>
+          <a:lstStyle/>
+          <a:p>
+            <a:pPr algn="ctr"/>
+            <a:endParaRPr lang="ko-KR" altLang="en-US"/>
+          </a:p>
+        </p:txBody>
+      </p:sp>
+      <p:sp>
+        <p:nvSpPr>
+          <p:cNvPr id="57" name="직사각형 56"/>
+          <p:cNvSpPr/>
+          <p:nvPr/>
+        </p:nvSpPr>
+        <p:spPr>
+          <a:xfrm>
+            <a:off x="7201831" y="3534512"/>
+            <a:ext cx="180000" cy="180000"/>
+          </a:xfrm>
+          <a:prstGeom prst="rect">
+            <a:avLst/>
+          </a:prstGeom>
+        </p:spPr>
+        <p:style>
+          <a:lnRef idx="2">
+            <a:schemeClr val="accent1">
+              <a:shade val="50000"/>
+            </a:schemeClr>
+          </a:lnRef>
+          <a:fillRef idx="1">
+            <a:schemeClr val="accent1"/>
+          </a:fillRef>
+          <a:effectRef idx="0">
+            <a:schemeClr val="accent1"/>
+          </a:effectRef>
+          <a:fontRef idx="minor">
+            <a:schemeClr val="lt1"/>
+          </a:fontRef>
+        </p:style>
+        <p:txBody>
+          <a:bodyPr rtlCol="0" anchor="ctr"/>
+          <a:lstStyle/>
+          <a:p>
+            <a:pPr algn="ctr"/>
+            <a:endParaRPr lang="ko-KR" altLang="en-US"/>
+          </a:p>
+        </p:txBody>
+      </p:sp>
+      <p:sp>
+        <p:nvSpPr>
+          <p:cNvPr id="58" name="직사각형 57"/>
+          <p:cNvSpPr/>
+          <p:nvPr/>
+        </p:nvSpPr>
+        <p:spPr>
+          <a:xfrm>
+            <a:off x="6908937" y="3534512"/>
+            <a:ext cx="180000" cy="180000"/>
+          </a:xfrm>
+          <a:prstGeom prst="rect">
+            <a:avLst/>
+          </a:prstGeom>
+        </p:spPr>
+        <p:style>
+          <a:lnRef idx="2">
+            <a:schemeClr val="accent1">
+              <a:shade val="50000"/>
+            </a:schemeClr>
+          </a:lnRef>
+          <a:fillRef idx="1">
+            <a:schemeClr val="accent1"/>
+          </a:fillRef>
+          <a:effectRef idx="0">
+            <a:schemeClr val="accent1"/>
+          </a:effectRef>
+          <a:fontRef idx="minor">
+            <a:schemeClr val="lt1"/>
+          </a:fontRef>
+        </p:style>
+        <p:txBody>
+          <a:bodyPr rtlCol="0" anchor="ctr"/>
+          <a:lstStyle/>
+          <a:p>
+            <a:pPr algn="ctr"/>
+            <a:endParaRPr lang="ko-KR" altLang="en-US"/>
+          </a:p>
+        </p:txBody>
+      </p:sp>
+      <p:sp>
+        <p:nvSpPr>
+          <p:cNvPr id="59" name="직사각형 58"/>
+          <p:cNvSpPr/>
+          <p:nvPr/>
+        </p:nvSpPr>
+        <p:spPr>
+          <a:xfrm>
+            <a:off x="7494725" y="3534512"/>
+            <a:ext cx="180000" cy="180000"/>
+          </a:xfrm>
+          <a:prstGeom prst="rect">
+            <a:avLst/>
+          </a:prstGeom>
+        </p:spPr>
+        <p:style>
+          <a:lnRef idx="2">
+            <a:schemeClr val="accent1">
+              <a:shade val="50000"/>
+            </a:schemeClr>
+          </a:lnRef>
+          <a:fillRef idx="1">
+            <a:schemeClr val="accent1"/>
+          </a:fillRef>
+          <a:effectRef idx="0">
+            <a:schemeClr val="accent1"/>
+          </a:effectRef>
+          <a:fontRef idx="minor">
+            <a:schemeClr val="lt1"/>
+          </a:fontRef>
+        </p:style>
+        <p:txBody>
+          <a:bodyPr rtlCol="0" anchor="ctr"/>
+          <a:lstStyle/>
+          <a:p>
+            <a:pPr algn="ctr"/>
+            <a:endParaRPr lang="ko-KR" altLang="en-US"/>
+          </a:p>
+        </p:txBody>
+      </p:sp>
+      <p:sp>
+        <p:nvSpPr>
+          <p:cNvPr id="60" name="직사각형 59"/>
+          <p:cNvSpPr/>
+          <p:nvPr/>
+        </p:nvSpPr>
+        <p:spPr>
+          <a:xfrm>
+            <a:off x="7787619" y="3534364"/>
+            <a:ext cx="180000" cy="180000"/>
+          </a:xfrm>
+          <a:prstGeom prst="rect">
+            <a:avLst/>
+          </a:prstGeom>
+        </p:spPr>
+        <p:style>
+          <a:lnRef idx="2">
+            <a:schemeClr val="accent1">
+              <a:shade val="50000"/>
+            </a:schemeClr>
+          </a:lnRef>
+          <a:fillRef idx="1">
+            <a:schemeClr val="accent1"/>
+          </a:fillRef>
+          <a:effectRef idx="0">
+            <a:schemeClr val="accent1"/>
+          </a:effectRef>
+          <a:fontRef idx="minor">
+            <a:schemeClr val="lt1"/>
+          </a:fontRef>
+        </p:style>
+        <p:txBody>
+          <a:bodyPr rtlCol="0" anchor="ctr"/>
+          <a:lstStyle/>
+          <a:p>
+            <a:pPr algn="ctr"/>
+            <a:endParaRPr lang="ko-KR" altLang="en-US"/>
+          </a:p>
+        </p:txBody>
+      </p:sp>
+      <p:sp>
+        <p:nvSpPr>
+          <p:cNvPr id="70" name="TextBox 69"/>
+          <p:cNvSpPr txBox="1"/>
+          <p:nvPr/>
+        </p:nvSpPr>
+        <p:spPr>
+          <a:xfrm>
+            <a:off x="239486" y="202607"/>
+            <a:ext cx="2928257" cy="307777"/>
+          </a:xfrm>
+          <a:prstGeom prst="rect">
+            <a:avLst/>
+          </a:prstGeom>
+          <a:noFill/>
+        </p:spPr>
+        <p:txBody>
+          <a:bodyPr wrap="square" rtlCol="0">
+            <a:spAutoFit/>
+          </a:bodyPr>
+          <a:lstStyle/>
+          <a:p>
+            <a:r>
+              <a:rPr lang="ko-KR" altLang="en-US" sz="1400" b="1" smtClean="0"/>
+              <a:t>좀 더 정확한 그림</a:t>
+            </a:r>
+            <a:endParaRPr lang="ko-KR" altLang="en-US" sz="1400" b="1"/>
+          </a:p>
+        </p:txBody>
+      </p:sp>
+      <p:sp>
+        <p:nvSpPr>
+          <p:cNvPr id="71" name="TextBox 70"/>
+          <p:cNvSpPr txBox="1"/>
+          <p:nvPr/>
+        </p:nvSpPr>
+        <p:spPr>
+          <a:xfrm>
+            <a:off x="5373232" y="552205"/>
+            <a:ext cx="1253447" cy="307777"/>
+          </a:xfrm>
+          <a:prstGeom prst="rect">
+            <a:avLst/>
+          </a:prstGeom>
+          <a:noFill/>
+        </p:spPr>
+        <p:txBody>
+          <a:bodyPr wrap="square" rtlCol="0">
+            <a:spAutoFit/>
+          </a:bodyPr>
+          <a:lstStyle/>
+          <a:p>
+            <a:pPr algn="ctr"/>
+            <a:r>
+              <a:rPr lang="en-US" altLang="ko-KR" sz="1400" b="1" dirty="0" smtClean="0"/>
+              <a:t>Word Line</a:t>
+            </a:r>
+            <a:endParaRPr lang="ko-KR" altLang="en-US" sz="1400" b="1" dirty="0"/>
+          </a:p>
+        </p:txBody>
+      </p:sp>
+      <p:sp>
+        <p:nvSpPr>
+          <p:cNvPr id="72" name="TextBox 71"/>
+          <p:cNvSpPr txBox="1"/>
+          <p:nvPr/>
+        </p:nvSpPr>
+        <p:spPr>
+          <a:xfrm>
+            <a:off x="6714172" y="552205"/>
+            <a:ext cx="1253447" cy="307777"/>
+          </a:xfrm>
+          <a:prstGeom prst="rect">
+            <a:avLst/>
+          </a:prstGeom>
+          <a:noFill/>
+        </p:spPr>
+        <p:txBody>
+          <a:bodyPr wrap="square" rtlCol="0">
+            <a:spAutoFit/>
+          </a:bodyPr>
+          <a:lstStyle/>
+          <a:p>
+            <a:pPr algn="ctr"/>
+            <a:r>
+              <a:rPr lang="en-US" altLang="ko-KR" sz="1400" b="1" dirty="0" smtClean="0"/>
+              <a:t>Word Line</a:t>
+            </a:r>
+            <a:endParaRPr lang="ko-KR" altLang="en-US" sz="1400" b="1" dirty="0"/>
+          </a:p>
+        </p:txBody>
+      </p:sp>
+      <p:cxnSp>
+        <p:nvCxnSpPr>
+          <p:cNvPr id="73" name="직선 연결선 72"/>
+          <p:cNvCxnSpPr/>
+          <p:nvPr/>
+        </p:nvCxnSpPr>
+        <p:spPr>
+          <a:xfrm flipH="1">
+            <a:off x="835159" y="4243086"/>
+            <a:ext cx="10329593" cy="0"/>
+          </a:xfrm>
+          <a:prstGeom prst="line">
+            <a:avLst/>
+          </a:prstGeom>
+          <a:ln w="12700">
+            <a:solidFill>
+              <a:srgbClr val="C00000"/>
+            </a:solidFill>
+          </a:ln>
+        </p:spPr>
+        <p:style>
+          <a:lnRef idx="1">
+            <a:schemeClr val="dk1"/>
+          </a:lnRef>
+          <a:fillRef idx="0">
+            <a:schemeClr val="dk1"/>
+          </a:fillRef>
+          <a:effectRef idx="0">
+            <a:schemeClr val="dk1"/>
+          </a:effectRef>
+          <a:fontRef idx="minor">
+            <a:schemeClr val="tx1"/>
+          </a:fontRef>
+        </p:style>
+      </p:cxnSp>
+      <p:cxnSp>
+        <p:nvCxnSpPr>
+          <p:cNvPr id="74" name="직선 연결선 73"/>
+          <p:cNvCxnSpPr/>
+          <p:nvPr/>
+        </p:nvCxnSpPr>
+        <p:spPr>
+          <a:xfrm flipH="1">
+            <a:off x="835158" y="4577420"/>
+            <a:ext cx="10329593" cy="0"/>
+          </a:xfrm>
+          <a:prstGeom prst="line">
+            <a:avLst/>
+          </a:prstGeom>
+          <a:ln w="12700">
+            <a:solidFill>
+              <a:srgbClr val="C00000"/>
+            </a:solidFill>
+          </a:ln>
+        </p:spPr>
+        <p:style>
+          <a:lnRef idx="1">
+            <a:schemeClr val="dk1"/>
+          </a:lnRef>
+          <a:fillRef idx="0">
+            <a:schemeClr val="dk1"/>
+          </a:fillRef>
+          <a:effectRef idx="0">
+            <a:schemeClr val="dk1"/>
+          </a:effectRef>
+          <a:fontRef idx="minor">
+            <a:schemeClr val="tx1"/>
+          </a:fontRef>
+        </p:style>
+      </p:cxnSp>
+      <p:cxnSp>
+        <p:nvCxnSpPr>
+          <p:cNvPr id="75" name="직선 연결선 74"/>
+          <p:cNvCxnSpPr/>
+          <p:nvPr/>
+        </p:nvCxnSpPr>
+        <p:spPr>
+          <a:xfrm flipH="1">
+            <a:off x="835159" y="5168372"/>
+            <a:ext cx="10329593" cy="0"/>
+          </a:xfrm>
+          <a:prstGeom prst="line">
+            <a:avLst/>
+          </a:prstGeom>
+          <a:ln w="12700">
+            <a:solidFill>
+              <a:srgbClr val="C00000"/>
+            </a:solidFill>
+          </a:ln>
+        </p:spPr>
+        <p:style>
+          <a:lnRef idx="1">
+            <a:schemeClr val="dk1"/>
+          </a:lnRef>
+          <a:fillRef idx="0">
+            <a:schemeClr val="dk1"/>
+          </a:fillRef>
+          <a:effectRef idx="0">
+            <a:schemeClr val="dk1"/>
+          </a:effectRef>
+          <a:fontRef idx="minor">
+            <a:schemeClr val="tx1"/>
+          </a:fontRef>
+        </p:style>
+      </p:cxnSp>
+      <p:cxnSp>
+        <p:nvCxnSpPr>
+          <p:cNvPr id="76" name="직선 연결선 75"/>
+          <p:cNvCxnSpPr/>
+          <p:nvPr/>
+        </p:nvCxnSpPr>
+        <p:spPr>
+          <a:xfrm flipH="1">
+            <a:off x="835158" y="5502706"/>
+            <a:ext cx="10329593" cy="0"/>
+          </a:xfrm>
+          <a:prstGeom prst="line">
+            <a:avLst/>
+          </a:prstGeom>
+          <a:ln w="12700">
+            <a:solidFill>
+              <a:srgbClr val="C00000"/>
+            </a:solidFill>
+          </a:ln>
+        </p:spPr>
+        <p:style>
+          <a:lnRef idx="1">
+            <a:schemeClr val="dk1"/>
+          </a:lnRef>
+          <a:fillRef idx="0">
+            <a:schemeClr val="dk1"/>
+          </a:fillRef>
+          <a:effectRef idx="0">
+            <a:schemeClr val="dk1"/>
+          </a:effectRef>
+          <a:fontRef idx="minor">
+            <a:schemeClr val="tx1"/>
+          </a:fontRef>
+        </p:style>
+      </p:cxnSp>
+      <p:cxnSp>
+        <p:nvCxnSpPr>
+          <p:cNvPr id="77" name="직선 연결선 76"/>
+          <p:cNvCxnSpPr/>
+          <p:nvPr/>
+        </p:nvCxnSpPr>
+        <p:spPr>
+          <a:xfrm flipH="1">
+            <a:off x="807943" y="2403400"/>
+            <a:ext cx="10329593" cy="0"/>
+          </a:xfrm>
+          <a:prstGeom prst="line">
+            <a:avLst/>
+          </a:prstGeom>
+          <a:ln w="12700">
+            <a:solidFill>
+              <a:srgbClr val="C00000"/>
+            </a:solidFill>
+          </a:ln>
+        </p:spPr>
+        <p:style>
+          <a:lnRef idx="1">
+            <a:schemeClr val="dk1"/>
+          </a:lnRef>
+          <a:fillRef idx="0">
+            <a:schemeClr val="dk1"/>
+          </a:fillRef>
+          <a:effectRef idx="0">
+            <a:schemeClr val="dk1"/>
+          </a:effectRef>
+          <a:fontRef idx="minor">
+            <a:schemeClr val="tx1"/>
+          </a:fontRef>
+        </p:style>
+      </p:cxnSp>
+      <p:cxnSp>
+        <p:nvCxnSpPr>
+          <p:cNvPr id="78" name="직선 연결선 77"/>
+          <p:cNvCxnSpPr/>
+          <p:nvPr/>
+        </p:nvCxnSpPr>
+        <p:spPr>
+          <a:xfrm flipH="1">
+            <a:off x="807942" y="2737734"/>
+            <a:ext cx="10329593" cy="0"/>
+          </a:xfrm>
+          <a:prstGeom prst="line">
+            <a:avLst/>
+          </a:prstGeom>
+          <a:ln w="12700">
+            <a:solidFill>
+              <a:srgbClr val="C00000"/>
+            </a:solidFill>
+          </a:ln>
+        </p:spPr>
+        <p:style>
+          <a:lnRef idx="1">
+            <a:schemeClr val="dk1"/>
+          </a:lnRef>
+          <a:fillRef idx="0">
+            <a:schemeClr val="dk1"/>
+          </a:fillRef>
+          <a:effectRef idx="0">
+            <a:schemeClr val="dk1"/>
+          </a:effectRef>
+          <a:fontRef idx="minor">
+            <a:schemeClr val="tx1"/>
+          </a:fontRef>
+        </p:style>
+      </p:cxnSp>
+      <p:cxnSp>
+        <p:nvCxnSpPr>
+          <p:cNvPr id="79" name="직선 연결선 78"/>
+          <p:cNvCxnSpPr/>
+          <p:nvPr/>
+        </p:nvCxnSpPr>
+        <p:spPr>
+          <a:xfrm flipH="1">
+            <a:off x="807942" y="1521657"/>
+            <a:ext cx="10329593" cy="0"/>
+          </a:xfrm>
+          <a:prstGeom prst="line">
+            <a:avLst/>
+          </a:prstGeom>
+          <a:ln w="12700">
+            <a:solidFill>
+              <a:srgbClr val="C00000"/>
+            </a:solidFill>
+          </a:ln>
+        </p:spPr>
+        <p:style>
+          <a:lnRef idx="1">
+            <a:schemeClr val="dk1"/>
+          </a:lnRef>
+          <a:fillRef idx="0">
+            <a:schemeClr val="dk1"/>
+          </a:fillRef>
+          <a:effectRef idx="0">
+            <a:schemeClr val="dk1"/>
+          </a:effectRef>
+          <a:fontRef idx="minor">
+            <a:schemeClr val="tx1"/>
+          </a:fontRef>
+        </p:style>
+      </p:cxnSp>
+      <p:cxnSp>
+        <p:nvCxnSpPr>
+          <p:cNvPr id="80" name="직선 연결선 79"/>
+          <p:cNvCxnSpPr/>
+          <p:nvPr/>
+        </p:nvCxnSpPr>
+        <p:spPr>
+          <a:xfrm flipH="1">
+            <a:off x="807941" y="1855991"/>
+            <a:ext cx="10329593" cy="0"/>
+          </a:xfrm>
+          <a:prstGeom prst="line">
+            <a:avLst/>
+          </a:prstGeom>
+          <a:ln w="12700">
+            <a:solidFill>
+              <a:srgbClr val="C00000"/>
+            </a:solidFill>
+          </a:ln>
+        </p:spPr>
+        <p:style>
+          <a:lnRef idx="1">
+            <a:schemeClr val="dk1"/>
+          </a:lnRef>
+          <a:fillRef idx="0">
+            <a:schemeClr val="dk1"/>
+          </a:fillRef>
+          <a:effectRef idx="0">
+            <a:schemeClr val="dk1"/>
+          </a:effectRef>
+          <a:fontRef idx="minor">
+            <a:schemeClr val="tx1"/>
+          </a:fontRef>
+        </p:style>
+      </p:cxnSp>
+      <p:sp>
+        <p:nvSpPr>
+          <p:cNvPr id="81" name="TextBox 80"/>
+          <p:cNvSpPr txBox="1"/>
+          <p:nvPr/>
+        </p:nvSpPr>
+        <p:spPr>
+          <a:xfrm>
+            <a:off x="-61707" y="3293738"/>
+            <a:ext cx="998981" cy="307777"/>
+          </a:xfrm>
+          <a:prstGeom prst="rect">
+            <a:avLst/>
+          </a:prstGeom>
+          <a:noFill/>
+        </p:spPr>
+        <p:txBody>
+          <a:bodyPr wrap="square" rtlCol="0">
+            <a:spAutoFit/>
+          </a:bodyPr>
+          <a:lstStyle/>
+          <a:p>
+            <a:pPr algn="ctr"/>
+            <a:r>
+              <a:rPr lang="en-US" altLang="ko-KR" sz="1400" b="1" dirty="0" smtClean="0"/>
+              <a:t>Bit Line</a:t>
+            </a:r>
+            <a:endParaRPr lang="ko-KR" altLang="en-US" sz="1400" b="1" dirty="0"/>
+          </a:p>
+        </p:txBody>
+      </p:sp>
+      <p:sp>
+        <p:nvSpPr>
+          <p:cNvPr id="82" name="직사각형 81"/>
+          <p:cNvSpPr/>
+          <p:nvPr/>
+        </p:nvSpPr>
+        <p:spPr>
+          <a:xfrm>
+            <a:off x="2531990" y="2133277"/>
+            <a:ext cx="8402707" cy="3619508"/>
+          </a:xfrm>
+          <a:prstGeom prst="rect">
+            <a:avLst/>
+          </a:prstGeom>
+          <a:noFill/>
+          <a:ln w="76200">
+            <a:solidFill>
+              <a:schemeClr val="tx1"/>
+            </a:solidFill>
+          </a:ln>
+        </p:spPr>
+        <p:style>
+          <a:lnRef idx="2">
+            <a:schemeClr val="accent1">
+              <a:shade val="50000"/>
+            </a:schemeClr>
+          </a:lnRef>
+          <a:fillRef idx="1">
+            <a:schemeClr val="accent1"/>
+          </a:fillRef>
+          <a:effectRef idx="0">
+            <a:schemeClr val="accent1"/>
+          </a:effectRef>
+          <a:fontRef idx="minor">
+            <a:schemeClr val="lt1"/>
+          </a:fontRef>
+        </p:style>
+        <p:txBody>
+          <a:bodyPr rtlCol="0" anchor="ctr"/>
+          <a:lstStyle/>
+          <a:p>
+            <a:pPr algn="ctr"/>
+            <a:endParaRPr lang="ko-KR" altLang="en-US"/>
+          </a:p>
+        </p:txBody>
+      </p:sp>
+      <p:cxnSp>
+        <p:nvCxnSpPr>
+          <p:cNvPr id="83" name="직선 연결선 82"/>
+          <p:cNvCxnSpPr/>
+          <p:nvPr/>
+        </p:nvCxnSpPr>
+        <p:spPr>
+          <a:xfrm>
+            <a:off x="3116740" y="972340"/>
+            <a:ext cx="0" cy="5135518"/>
+          </a:xfrm>
+          <a:prstGeom prst="line">
+            <a:avLst/>
+          </a:prstGeom>
+        </p:spPr>
+        <p:style>
+          <a:lnRef idx="2">
+            <a:schemeClr val="accent6"/>
+          </a:lnRef>
+          <a:fillRef idx="0">
+            <a:schemeClr val="accent6"/>
+          </a:fillRef>
+          <a:effectRef idx="1">
+            <a:schemeClr val="accent6"/>
+          </a:effectRef>
+          <a:fontRef idx="minor">
+            <a:schemeClr val="tx1"/>
+          </a:fontRef>
+        </p:style>
+      </p:cxnSp>
+      <p:cxnSp>
+        <p:nvCxnSpPr>
+          <p:cNvPr id="84" name="직선 연결선 83"/>
+          <p:cNvCxnSpPr/>
+          <p:nvPr/>
+        </p:nvCxnSpPr>
+        <p:spPr>
+          <a:xfrm>
+            <a:off x="3422334" y="973704"/>
+            <a:ext cx="0" cy="5135518"/>
+          </a:xfrm>
+          <a:prstGeom prst="line">
+            <a:avLst/>
+          </a:prstGeom>
+        </p:spPr>
+        <p:style>
+          <a:lnRef idx="2">
+            <a:schemeClr val="accent6"/>
+          </a:lnRef>
+          <a:fillRef idx="0">
+            <a:schemeClr val="accent6"/>
+          </a:fillRef>
+          <a:effectRef idx="1">
+            <a:schemeClr val="accent6"/>
+          </a:effectRef>
+          <a:fontRef idx="minor">
+            <a:schemeClr val="tx1"/>
+          </a:fontRef>
+        </p:style>
+      </p:cxnSp>
+      <p:cxnSp>
+        <p:nvCxnSpPr>
+          <p:cNvPr id="85" name="직선 연결선 84"/>
+          <p:cNvCxnSpPr/>
+          <p:nvPr/>
+        </p:nvCxnSpPr>
+        <p:spPr>
+          <a:xfrm>
+            <a:off x="3689828" y="978339"/>
+            <a:ext cx="0" cy="5135518"/>
+          </a:xfrm>
+          <a:prstGeom prst="line">
+            <a:avLst/>
+          </a:prstGeom>
+        </p:spPr>
+        <p:style>
+          <a:lnRef idx="2">
+            <a:schemeClr val="accent6"/>
+          </a:lnRef>
+          <a:fillRef idx="0">
+            <a:schemeClr val="accent6"/>
+          </a:fillRef>
+          <a:effectRef idx="1">
+            <a:schemeClr val="accent6"/>
+          </a:effectRef>
+          <a:fontRef idx="minor">
+            <a:schemeClr val="tx1"/>
+          </a:fontRef>
+        </p:style>
+      </p:cxnSp>
+      <p:cxnSp>
+        <p:nvCxnSpPr>
+          <p:cNvPr id="86" name="직선 연결선 85"/>
+          <p:cNvCxnSpPr/>
+          <p:nvPr/>
+        </p:nvCxnSpPr>
+        <p:spPr>
+          <a:xfrm>
+            <a:off x="2836546" y="972340"/>
+            <a:ext cx="0" cy="5135518"/>
+          </a:xfrm>
+          <a:prstGeom prst="line">
+            <a:avLst/>
+          </a:prstGeom>
+        </p:spPr>
+        <p:style>
+          <a:lnRef idx="2">
+            <a:schemeClr val="accent6"/>
+          </a:lnRef>
+          <a:fillRef idx="0">
+            <a:schemeClr val="accent6"/>
+          </a:fillRef>
+          <a:effectRef idx="1">
+            <a:schemeClr val="accent6"/>
+          </a:effectRef>
+          <a:fontRef idx="minor">
+            <a:schemeClr val="tx1"/>
+          </a:fontRef>
+        </p:style>
+      </p:cxnSp>
+      <p:sp>
+        <p:nvSpPr>
+          <p:cNvPr id="87" name="직사각형 86"/>
+          <p:cNvSpPr/>
+          <p:nvPr/>
+        </p:nvSpPr>
+        <p:spPr>
+          <a:xfrm>
+            <a:off x="3017668" y="3213797"/>
+            <a:ext cx="180000" cy="180000"/>
+          </a:xfrm>
+          <a:prstGeom prst="rect">
+            <a:avLst/>
+          </a:prstGeom>
+        </p:spPr>
+        <p:style>
+          <a:lnRef idx="2">
+            <a:schemeClr val="accent1">
+              <a:shade val="50000"/>
+            </a:schemeClr>
+          </a:lnRef>
+          <a:fillRef idx="1">
+            <a:schemeClr val="accent1"/>
+          </a:fillRef>
+          <a:effectRef idx="0">
+            <a:schemeClr val="accent1"/>
+          </a:effectRef>
+          <a:fontRef idx="minor">
+            <a:schemeClr val="lt1"/>
+          </a:fontRef>
+        </p:style>
+        <p:txBody>
+          <a:bodyPr rtlCol="0" anchor="ctr"/>
+          <a:lstStyle/>
+          <a:p>
+            <a:pPr algn="ctr"/>
+            <a:endParaRPr lang="ko-KR" altLang="en-US"/>
+          </a:p>
+        </p:txBody>
+      </p:sp>
+      <p:sp>
+        <p:nvSpPr>
+          <p:cNvPr id="88" name="직사각형 87"/>
+          <p:cNvSpPr/>
+          <p:nvPr/>
+        </p:nvSpPr>
+        <p:spPr>
+          <a:xfrm>
+            <a:off x="2724774" y="3213797"/>
+            <a:ext cx="180000" cy="180000"/>
+          </a:xfrm>
+          <a:prstGeom prst="rect">
+            <a:avLst/>
+          </a:prstGeom>
+        </p:spPr>
+        <p:style>
+          <a:lnRef idx="2">
+            <a:schemeClr val="accent1">
+              <a:shade val="50000"/>
+            </a:schemeClr>
+          </a:lnRef>
+          <a:fillRef idx="1">
+            <a:schemeClr val="accent1"/>
+          </a:fillRef>
+          <a:effectRef idx="0">
+            <a:schemeClr val="accent1"/>
+          </a:effectRef>
+          <a:fontRef idx="minor">
+            <a:schemeClr val="lt1"/>
+          </a:fontRef>
+        </p:style>
+        <p:txBody>
+          <a:bodyPr rtlCol="0" anchor="ctr"/>
+          <a:lstStyle/>
+          <a:p>
+            <a:pPr algn="ctr"/>
+            <a:endParaRPr lang="ko-KR" altLang="en-US"/>
+          </a:p>
+        </p:txBody>
+      </p:sp>
+      <p:sp>
+        <p:nvSpPr>
+          <p:cNvPr id="89" name="직사각형 88"/>
+          <p:cNvSpPr/>
+          <p:nvPr/>
+        </p:nvSpPr>
+        <p:spPr>
+          <a:xfrm>
+            <a:off x="3310562" y="3213797"/>
+            <a:ext cx="180000" cy="180000"/>
+          </a:xfrm>
+          <a:prstGeom prst="rect">
+            <a:avLst/>
+          </a:prstGeom>
+        </p:spPr>
+        <p:style>
+          <a:lnRef idx="2">
+            <a:schemeClr val="accent1">
+              <a:shade val="50000"/>
+            </a:schemeClr>
+          </a:lnRef>
+          <a:fillRef idx="1">
+            <a:schemeClr val="accent1"/>
+          </a:fillRef>
+          <a:effectRef idx="0">
+            <a:schemeClr val="accent1"/>
+          </a:effectRef>
+          <a:fontRef idx="minor">
+            <a:schemeClr val="lt1"/>
+          </a:fontRef>
+        </p:style>
+        <p:txBody>
+          <a:bodyPr rtlCol="0" anchor="ctr"/>
+          <a:lstStyle/>
+          <a:p>
+            <a:pPr algn="ctr"/>
+            <a:endParaRPr lang="ko-KR" altLang="en-US"/>
+          </a:p>
+        </p:txBody>
+      </p:sp>
+      <p:sp>
+        <p:nvSpPr>
+          <p:cNvPr id="90" name="직사각형 89"/>
+          <p:cNvSpPr/>
+          <p:nvPr/>
+        </p:nvSpPr>
+        <p:spPr>
+          <a:xfrm>
+            <a:off x="3603456" y="3213649"/>
+            <a:ext cx="180000" cy="180000"/>
+          </a:xfrm>
+          <a:prstGeom prst="rect">
+            <a:avLst/>
+          </a:prstGeom>
+        </p:spPr>
+        <p:style>
+          <a:lnRef idx="2">
+            <a:schemeClr val="accent1">
+              <a:shade val="50000"/>
+            </a:schemeClr>
+          </a:lnRef>
+          <a:fillRef idx="1">
+            <a:schemeClr val="accent1"/>
+          </a:fillRef>
+          <a:effectRef idx="0">
+            <a:schemeClr val="accent1"/>
+          </a:effectRef>
+          <a:fontRef idx="minor">
+            <a:schemeClr val="lt1"/>
+          </a:fontRef>
+        </p:style>
+        <p:txBody>
+          <a:bodyPr rtlCol="0" anchor="ctr"/>
+          <a:lstStyle/>
+          <a:p>
+            <a:pPr algn="ctr"/>
+            <a:endParaRPr lang="ko-KR" altLang="en-US"/>
+          </a:p>
+        </p:txBody>
+      </p:sp>
+      <p:sp>
+        <p:nvSpPr>
+          <p:cNvPr id="91" name="직사각형 90"/>
+          <p:cNvSpPr/>
+          <p:nvPr/>
+        </p:nvSpPr>
+        <p:spPr>
+          <a:xfrm>
+            <a:off x="3017668" y="3540511"/>
+            <a:ext cx="180000" cy="180000"/>
+          </a:xfrm>
+          <a:prstGeom prst="rect">
+            <a:avLst/>
+          </a:prstGeom>
+        </p:spPr>
+        <p:style>
+          <a:lnRef idx="2">
+            <a:schemeClr val="accent1">
+              <a:shade val="50000"/>
+            </a:schemeClr>
+          </a:lnRef>
+          <a:fillRef idx="1">
+            <a:schemeClr val="accent1"/>
+          </a:fillRef>
+          <a:effectRef idx="0">
+            <a:schemeClr val="accent1"/>
+          </a:effectRef>
+          <a:fontRef idx="minor">
+            <a:schemeClr val="lt1"/>
+          </a:fontRef>
+        </p:style>
+        <p:txBody>
+          <a:bodyPr rtlCol="0" anchor="ctr"/>
+          <a:lstStyle/>
+          <a:p>
+            <a:pPr algn="ctr"/>
+            <a:endParaRPr lang="ko-KR" altLang="en-US"/>
+          </a:p>
+        </p:txBody>
+      </p:sp>
+      <p:sp>
+        <p:nvSpPr>
+          <p:cNvPr id="92" name="직사각형 91"/>
+          <p:cNvSpPr/>
+          <p:nvPr/>
+        </p:nvSpPr>
+        <p:spPr>
+          <a:xfrm>
+            <a:off x="2724774" y="3540511"/>
+            <a:ext cx="180000" cy="180000"/>
+          </a:xfrm>
+          <a:prstGeom prst="rect">
+            <a:avLst/>
+          </a:prstGeom>
+        </p:spPr>
+        <p:style>
+          <a:lnRef idx="2">
+            <a:schemeClr val="accent1">
+              <a:shade val="50000"/>
+            </a:schemeClr>
+          </a:lnRef>
+          <a:fillRef idx="1">
+            <a:schemeClr val="accent1"/>
+          </a:fillRef>
+          <a:effectRef idx="0">
+            <a:schemeClr val="accent1"/>
+          </a:effectRef>
+          <a:fontRef idx="minor">
+            <a:schemeClr val="lt1"/>
+          </a:fontRef>
+        </p:style>
+        <p:txBody>
+          <a:bodyPr rtlCol="0" anchor="ctr"/>
+          <a:lstStyle/>
+          <a:p>
+            <a:pPr algn="ctr"/>
+            <a:endParaRPr lang="ko-KR" altLang="en-US"/>
+          </a:p>
+        </p:txBody>
+      </p:sp>
+      <p:sp>
+        <p:nvSpPr>
+          <p:cNvPr id="93" name="직사각형 92"/>
+          <p:cNvSpPr/>
+          <p:nvPr/>
+        </p:nvSpPr>
+        <p:spPr>
+          <a:xfrm>
+            <a:off x="3310562" y="3540511"/>
+            <a:ext cx="180000" cy="180000"/>
+          </a:xfrm>
+          <a:prstGeom prst="rect">
+            <a:avLst/>
+          </a:prstGeom>
+        </p:spPr>
+        <p:style>
+          <a:lnRef idx="2">
+            <a:schemeClr val="accent1">
+              <a:shade val="50000"/>
+            </a:schemeClr>
+          </a:lnRef>
+          <a:fillRef idx="1">
+            <a:schemeClr val="accent1"/>
+          </a:fillRef>
+          <a:effectRef idx="0">
+            <a:schemeClr val="accent1"/>
+          </a:effectRef>
+          <a:fontRef idx="minor">
+            <a:schemeClr val="lt1"/>
+          </a:fontRef>
+        </p:style>
+        <p:txBody>
+          <a:bodyPr rtlCol="0" anchor="ctr"/>
+          <a:lstStyle/>
+          <a:p>
+            <a:pPr algn="ctr"/>
+            <a:endParaRPr lang="ko-KR" altLang="en-US"/>
+          </a:p>
+        </p:txBody>
+      </p:sp>
+      <p:sp>
+        <p:nvSpPr>
+          <p:cNvPr id="94" name="직사각형 93"/>
+          <p:cNvSpPr/>
+          <p:nvPr/>
+        </p:nvSpPr>
+        <p:spPr>
+          <a:xfrm>
+            <a:off x="3603456" y="3540363"/>
+            <a:ext cx="180000" cy="180000"/>
+          </a:xfrm>
+          <a:prstGeom prst="rect">
+            <a:avLst/>
+          </a:prstGeom>
+        </p:spPr>
+        <p:style>
+          <a:lnRef idx="2">
+            <a:schemeClr val="accent1">
+              <a:shade val="50000"/>
+            </a:schemeClr>
+          </a:lnRef>
+          <a:fillRef idx="1">
+            <a:schemeClr val="accent1"/>
+          </a:fillRef>
+          <a:effectRef idx="0">
+            <a:schemeClr val="accent1"/>
+          </a:effectRef>
+          <a:fontRef idx="minor">
+            <a:schemeClr val="lt1"/>
+          </a:fontRef>
+        </p:style>
+        <p:txBody>
+          <a:bodyPr rtlCol="0" anchor="ctr"/>
+          <a:lstStyle/>
+          <a:p>
+            <a:pPr algn="ctr"/>
+            <a:endParaRPr lang="ko-KR" altLang="en-US"/>
+          </a:p>
+        </p:txBody>
+      </p:sp>
+      <p:sp>
+        <p:nvSpPr>
+          <p:cNvPr id="95" name="직사각형 94"/>
+          <p:cNvSpPr/>
+          <p:nvPr/>
+        </p:nvSpPr>
+        <p:spPr>
+          <a:xfrm>
+            <a:off x="3016756" y="2321579"/>
+            <a:ext cx="180000" cy="180000"/>
+          </a:xfrm>
+          <a:prstGeom prst="rect">
+            <a:avLst/>
+          </a:prstGeom>
+        </p:spPr>
+        <p:style>
+          <a:lnRef idx="2">
+            <a:schemeClr val="accent1">
+              <a:shade val="50000"/>
+            </a:schemeClr>
+          </a:lnRef>
+          <a:fillRef idx="1">
+            <a:schemeClr val="accent1"/>
+          </a:fillRef>
+          <a:effectRef idx="0">
+            <a:schemeClr val="accent1"/>
+          </a:effectRef>
+          <a:fontRef idx="minor">
+            <a:schemeClr val="lt1"/>
+          </a:fontRef>
+        </p:style>
+        <p:txBody>
+          <a:bodyPr rtlCol="0" anchor="ctr"/>
+          <a:lstStyle/>
+          <a:p>
+            <a:pPr algn="ctr"/>
+            <a:endParaRPr lang="ko-KR" altLang="en-US"/>
+          </a:p>
+        </p:txBody>
+      </p:sp>
+      <p:sp>
+        <p:nvSpPr>
+          <p:cNvPr id="96" name="직사각형 95"/>
+          <p:cNvSpPr/>
+          <p:nvPr/>
+        </p:nvSpPr>
+        <p:spPr>
+          <a:xfrm>
+            <a:off x="2723862" y="2321579"/>
+            <a:ext cx="180000" cy="180000"/>
+          </a:xfrm>
+          <a:prstGeom prst="rect">
+            <a:avLst/>
+          </a:prstGeom>
+        </p:spPr>
+        <p:style>
+          <a:lnRef idx="2">
+            <a:schemeClr val="accent1">
+              <a:shade val="50000"/>
+            </a:schemeClr>
+          </a:lnRef>
+          <a:fillRef idx="1">
+            <a:schemeClr val="accent1"/>
+          </a:fillRef>
+          <a:effectRef idx="0">
+            <a:schemeClr val="accent1"/>
+          </a:effectRef>
+          <a:fontRef idx="minor">
+            <a:schemeClr val="lt1"/>
+          </a:fontRef>
+        </p:style>
+        <p:txBody>
+          <a:bodyPr rtlCol="0" anchor="ctr"/>
+          <a:lstStyle/>
+          <a:p>
+            <a:pPr algn="ctr"/>
+            <a:endParaRPr lang="ko-KR" altLang="en-US"/>
+          </a:p>
+        </p:txBody>
+      </p:sp>
+      <p:sp>
+        <p:nvSpPr>
+          <p:cNvPr id="97" name="직사각형 96"/>
+          <p:cNvSpPr/>
+          <p:nvPr/>
+        </p:nvSpPr>
+        <p:spPr>
+          <a:xfrm>
+            <a:off x="3309650" y="2321579"/>
+            <a:ext cx="180000" cy="180000"/>
+          </a:xfrm>
+          <a:prstGeom prst="rect">
+            <a:avLst/>
+          </a:prstGeom>
+        </p:spPr>
+        <p:style>
+          <a:lnRef idx="2">
+            <a:schemeClr val="accent1">
+              <a:shade val="50000"/>
+            </a:schemeClr>
+          </a:lnRef>
+          <a:fillRef idx="1">
+            <a:schemeClr val="accent1"/>
+          </a:fillRef>
+          <a:effectRef idx="0">
+            <a:schemeClr val="accent1"/>
+          </a:effectRef>
+          <a:fontRef idx="minor">
+            <a:schemeClr val="lt1"/>
+          </a:fontRef>
+        </p:style>
+        <p:txBody>
+          <a:bodyPr rtlCol="0" anchor="ctr"/>
+          <a:lstStyle/>
+          <a:p>
+            <a:pPr algn="ctr"/>
+            <a:endParaRPr lang="ko-KR" altLang="en-US"/>
+          </a:p>
+        </p:txBody>
+      </p:sp>
+      <p:sp>
+        <p:nvSpPr>
+          <p:cNvPr id="98" name="직사각형 97"/>
+          <p:cNvSpPr/>
+          <p:nvPr/>
+        </p:nvSpPr>
+        <p:spPr>
+          <a:xfrm>
+            <a:off x="3602544" y="2321431"/>
+            <a:ext cx="180000" cy="180000"/>
+          </a:xfrm>
+          <a:prstGeom prst="rect">
+            <a:avLst/>
+          </a:prstGeom>
+        </p:spPr>
+        <p:style>
+          <a:lnRef idx="2">
+            <a:schemeClr val="accent1">
+              <a:shade val="50000"/>
+            </a:schemeClr>
+          </a:lnRef>
+          <a:fillRef idx="1">
+            <a:schemeClr val="accent1"/>
+          </a:fillRef>
+          <a:effectRef idx="0">
+            <a:schemeClr val="accent1"/>
+          </a:effectRef>
+          <a:fontRef idx="minor">
+            <a:schemeClr val="lt1"/>
+          </a:fontRef>
+        </p:style>
+        <p:txBody>
+          <a:bodyPr rtlCol="0" anchor="ctr"/>
+          <a:lstStyle/>
+          <a:p>
+            <a:pPr algn="ctr"/>
+            <a:endParaRPr lang="ko-KR" altLang="en-US"/>
+          </a:p>
+        </p:txBody>
+      </p:sp>
+      <p:sp>
+        <p:nvSpPr>
+          <p:cNvPr id="99" name="직사각형 98"/>
+          <p:cNvSpPr/>
+          <p:nvPr/>
+        </p:nvSpPr>
+        <p:spPr>
+          <a:xfrm>
+            <a:off x="3016756" y="2648293"/>
+            <a:ext cx="180000" cy="180000"/>
+          </a:xfrm>
+          <a:prstGeom prst="rect">
+            <a:avLst/>
+          </a:prstGeom>
+        </p:spPr>
+        <p:style>
+          <a:lnRef idx="2">
+            <a:schemeClr val="accent1">
+              <a:shade val="50000"/>
+            </a:schemeClr>
+          </a:lnRef>
+          <a:fillRef idx="1">
+            <a:schemeClr val="accent1"/>
+          </a:fillRef>
+          <a:effectRef idx="0">
+            <a:schemeClr val="accent1"/>
+          </a:effectRef>
+          <a:fontRef idx="minor">
+            <a:schemeClr val="lt1"/>
+          </a:fontRef>
+        </p:style>
+        <p:txBody>
+          <a:bodyPr rtlCol="0" anchor="ctr"/>
+          <a:lstStyle/>
+          <a:p>
+            <a:pPr algn="ctr"/>
+            <a:endParaRPr lang="ko-KR" altLang="en-US"/>
+          </a:p>
+        </p:txBody>
+      </p:sp>
+      <p:sp>
+        <p:nvSpPr>
+          <p:cNvPr id="100" name="직사각형 99"/>
+          <p:cNvSpPr/>
+          <p:nvPr/>
+        </p:nvSpPr>
+        <p:spPr>
+          <a:xfrm>
+            <a:off x="2723862" y="2648293"/>
+            <a:ext cx="180000" cy="180000"/>
+          </a:xfrm>
+          <a:prstGeom prst="rect">
+            <a:avLst/>
+          </a:prstGeom>
+        </p:spPr>
+        <p:style>
+          <a:lnRef idx="2">
+            <a:schemeClr val="accent1">
+              <a:shade val="50000"/>
+            </a:schemeClr>
+          </a:lnRef>
+          <a:fillRef idx="1">
+            <a:schemeClr val="accent1"/>
+          </a:fillRef>
+          <a:effectRef idx="0">
+            <a:schemeClr val="accent1"/>
+          </a:effectRef>
+          <a:fontRef idx="minor">
+            <a:schemeClr val="lt1"/>
+          </a:fontRef>
+        </p:style>
+        <p:txBody>
+          <a:bodyPr rtlCol="0" anchor="ctr"/>
+          <a:lstStyle/>
+          <a:p>
+            <a:pPr algn="ctr"/>
+            <a:endParaRPr lang="ko-KR" altLang="en-US"/>
+          </a:p>
+        </p:txBody>
+      </p:sp>
+      <p:sp>
+        <p:nvSpPr>
+          <p:cNvPr id="101" name="직사각형 100"/>
+          <p:cNvSpPr/>
+          <p:nvPr/>
+        </p:nvSpPr>
+        <p:spPr>
+          <a:xfrm>
+            <a:off x="3309650" y="2648293"/>
+            <a:ext cx="180000" cy="180000"/>
+          </a:xfrm>
+          <a:prstGeom prst="rect">
+            <a:avLst/>
+          </a:prstGeom>
+        </p:spPr>
+        <p:style>
+          <a:lnRef idx="2">
+            <a:schemeClr val="accent1">
+              <a:shade val="50000"/>
+            </a:schemeClr>
+          </a:lnRef>
+          <a:fillRef idx="1">
+            <a:schemeClr val="accent1"/>
+          </a:fillRef>
+          <a:effectRef idx="0">
+            <a:schemeClr val="accent1"/>
+          </a:effectRef>
+          <a:fontRef idx="minor">
+            <a:schemeClr val="lt1"/>
+          </a:fontRef>
+        </p:style>
+        <p:txBody>
+          <a:bodyPr rtlCol="0" anchor="ctr"/>
+          <a:lstStyle/>
+          <a:p>
+            <a:pPr algn="ctr"/>
+            <a:endParaRPr lang="ko-KR" altLang="en-US"/>
+          </a:p>
+        </p:txBody>
+      </p:sp>
+      <p:sp>
+        <p:nvSpPr>
+          <p:cNvPr id="102" name="직사각형 101"/>
+          <p:cNvSpPr/>
+          <p:nvPr/>
+        </p:nvSpPr>
+        <p:spPr>
+          <a:xfrm>
+            <a:off x="3602544" y="2648145"/>
+            <a:ext cx="180000" cy="180000"/>
+          </a:xfrm>
+          <a:prstGeom prst="rect">
+            <a:avLst/>
+          </a:prstGeom>
+        </p:spPr>
+        <p:style>
+          <a:lnRef idx="2">
+            <a:schemeClr val="accent1">
+              <a:shade val="50000"/>
+            </a:schemeClr>
+          </a:lnRef>
+          <a:fillRef idx="1">
+            <a:schemeClr val="accent1"/>
+          </a:fillRef>
+          <a:effectRef idx="0">
+            <a:schemeClr val="accent1"/>
+          </a:effectRef>
+          <a:fontRef idx="minor">
+            <a:schemeClr val="lt1"/>
+          </a:fontRef>
+        </p:style>
+        <p:txBody>
+          <a:bodyPr rtlCol="0" anchor="ctr"/>
+          <a:lstStyle/>
+          <a:p>
+            <a:pPr algn="ctr"/>
+            <a:endParaRPr lang="ko-KR" altLang="en-US"/>
+          </a:p>
+        </p:txBody>
+      </p:sp>
+      <p:sp>
+        <p:nvSpPr>
+          <p:cNvPr id="103" name="TextBox 102"/>
+          <p:cNvSpPr txBox="1"/>
+          <p:nvPr/>
+        </p:nvSpPr>
+        <p:spPr>
+          <a:xfrm>
+            <a:off x="1799135" y="1668993"/>
+            <a:ext cx="2759894" cy="369332"/>
+          </a:xfrm>
+          <a:prstGeom prst="rect">
+            <a:avLst/>
+          </a:prstGeom>
+          <a:solidFill>
+            <a:schemeClr val="bg1"/>
+          </a:solidFill>
+          <a:ln>
+            <a:solidFill>
+              <a:schemeClr val="tx1"/>
+            </a:solidFill>
+          </a:ln>
+        </p:spPr>
+        <p:txBody>
+          <a:bodyPr wrap="square" rtlCol="0">
+            <a:spAutoFit/>
+          </a:bodyPr>
+          <a:lstStyle/>
+          <a:p>
+            <a:pPr algn="ctr"/>
+            <a:r>
+              <a:rPr lang="en-US" altLang="ko-KR" b="1" dirty="0" smtClean="0"/>
+              <a:t>4096</a:t>
+            </a:r>
+            <a:r>
+              <a:rPr lang="ko-KR" altLang="en-US" b="1" dirty="0" smtClean="0"/>
+              <a:t>개의 </a:t>
+            </a:r>
+            <a:r>
+              <a:rPr lang="en-US" altLang="ko-KR" b="1" dirty="0" smtClean="0"/>
+              <a:t>byte </a:t>
+            </a:r>
+            <a:r>
+              <a:rPr lang="en-US" altLang="ko-KR" b="1" smtClean="0"/>
+              <a:t>- Frame</a:t>
+            </a:r>
+            <a:endParaRPr lang="ko-KR" altLang="en-US" b="1" dirty="0"/>
+          </a:p>
+        </p:txBody>
+      </p:sp>
+      <p:sp>
+        <p:nvSpPr>
+          <p:cNvPr id="104" name="직사각형 103"/>
+          <p:cNvSpPr/>
+          <p:nvPr/>
+        </p:nvSpPr>
+        <p:spPr>
+          <a:xfrm>
+            <a:off x="4379029" y="2320084"/>
+            <a:ext cx="180000" cy="180000"/>
+          </a:xfrm>
+          <a:prstGeom prst="rect">
+            <a:avLst/>
+          </a:prstGeom>
+        </p:spPr>
+        <p:style>
+          <a:lnRef idx="2">
+            <a:schemeClr val="accent1">
+              <a:shade val="50000"/>
+            </a:schemeClr>
+          </a:lnRef>
+          <a:fillRef idx="1">
+            <a:schemeClr val="accent1"/>
+          </a:fillRef>
+          <a:effectRef idx="0">
+            <a:schemeClr val="accent1"/>
+          </a:effectRef>
+          <a:fontRef idx="minor">
+            <a:schemeClr val="lt1"/>
+          </a:fontRef>
+        </p:style>
+        <p:txBody>
+          <a:bodyPr rtlCol="0" anchor="ctr"/>
+          <a:lstStyle/>
+          <a:p>
+            <a:pPr algn="ctr"/>
+            <a:endParaRPr lang="ko-KR" altLang="en-US"/>
+          </a:p>
+        </p:txBody>
+      </p:sp>
+      <p:sp>
+        <p:nvSpPr>
+          <p:cNvPr id="105" name="직사각형 104"/>
+          <p:cNvSpPr/>
+          <p:nvPr/>
+        </p:nvSpPr>
+        <p:spPr>
+          <a:xfrm>
+            <a:off x="4086135" y="2320084"/>
+            <a:ext cx="180000" cy="180000"/>
+          </a:xfrm>
+          <a:prstGeom prst="rect">
+            <a:avLst/>
+          </a:prstGeom>
+        </p:spPr>
+        <p:style>
+          <a:lnRef idx="2">
+            <a:schemeClr val="accent1">
+              <a:shade val="50000"/>
+            </a:schemeClr>
+          </a:lnRef>
+          <a:fillRef idx="1">
+            <a:schemeClr val="accent1"/>
+          </a:fillRef>
+          <a:effectRef idx="0">
+            <a:schemeClr val="accent1"/>
+          </a:effectRef>
+          <a:fontRef idx="minor">
+            <a:schemeClr val="lt1"/>
+          </a:fontRef>
+        </p:style>
+        <p:txBody>
+          <a:bodyPr rtlCol="0" anchor="ctr"/>
+          <a:lstStyle/>
+          <a:p>
+            <a:pPr algn="ctr"/>
+            <a:endParaRPr lang="ko-KR" altLang="en-US"/>
+          </a:p>
+        </p:txBody>
+      </p:sp>
+      <p:sp>
+        <p:nvSpPr>
+          <p:cNvPr id="106" name="직사각형 105"/>
+          <p:cNvSpPr/>
+          <p:nvPr/>
+        </p:nvSpPr>
+        <p:spPr>
+          <a:xfrm>
+            <a:off x="4671923" y="2320084"/>
+            <a:ext cx="180000" cy="180000"/>
+          </a:xfrm>
+          <a:prstGeom prst="rect">
+            <a:avLst/>
+          </a:prstGeom>
+        </p:spPr>
+        <p:style>
+          <a:lnRef idx="2">
+            <a:schemeClr val="accent1">
+              <a:shade val="50000"/>
+            </a:schemeClr>
+          </a:lnRef>
+          <a:fillRef idx="1">
+            <a:schemeClr val="accent1"/>
+          </a:fillRef>
+          <a:effectRef idx="0">
+            <a:schemeClr val="accent1"/>
+          </a:effectRef>
+          <a:fontRef idx="minor">
+            <a:schemeClr val="lt1"/>
+          </a:fontRef>
+        </p:style>
+        <p:txBody>
+          <a:bodyPr rtlCol="0" anchor="ctr"/>
+          <a:lstStyle/>
+          <a:p>
+            <a:pPr algn="ctr"/>
+            <a:endParaRPr lang="ko-KR" altLang="en-US"/>
+          </a:p>
+        </p:txBody>
+      </p:sp>
+      <p:sp>
+        <p:nvSpPr>
+          <p:cNvPr id="107" name="직사각형 106"/>
+          <p:cNvSpPr/>
+          <p:nvPr/>
+        </p:nvSpPr>
+        <p:spPr>
+          <a:xfrm>
+            <a:off x="4964817" y="2319936"/>
+            <a:ext cx="180000" cy="180000"/>
+          </a:xfrm>
+          <a:prstGeom prst="rect">
+            <a:avLst/>
+          </a:prstGeom>
+        </p:spPr>
+        <p:style>
+          <a:lnRef idx="2">
+            <a:schemeClr val="accent1">
+              <a:shade val="50000"/>
+            </a:schemeClr>
+          </a:lnRef>
+          <a:fillRef idx="1">
+            <a:schemeClr val="accent1"/>
+          </a:fillRef>
+          <a:effectRef idx="0">
+            <a:schemeClr val="accent1"/>
+          </a:effectRef>
+          <a:fontRef idx="minor">
+            <a:schemeClr val="lt1"/>
+          </a:fontRef>
+        </p:style>
+        <p:txBody>
+          <a:bodyPr rtlCol="0" anchor="ctr"/>
+          <a:lstStyle/>
+          <a:p>
+            <a:pPr algn="ctr"/>
+            <a:endParaRPr lang="ko-KR" altLang="en-US"/>
+          </a:p>
+        </p:txBody>
+      </p:sp>
+      <p:sp>
+        <p:nvSpPr>
+          <p:cNvPr id="108" name="직사각형 107"/>
+          <p:cNvSpPr/>
+          <p:nvPr/>
+        </p:nvSpPr>
+        <p:spPr>
+          <a:xfrm>
+            <a:off x="4379029" y="2646798"/>
+            <a:ext cx="180000" cy="180000"/>
+          </a:xfrm>
+          <a:prstGeom prst="rect">
+            <a:avLst/>
+          </a:prstGeom>
+        </p:spPr>
+        <p:style>
+          <a:lnRef idx="2">
+            <a:schemeClr val="accent1">
+              <a:shade val="50000"/>
+            </a:schemeClr>
+          </a:lnRef>
+          <a:fillRef idx="1">
+            <a:schemeClr val="accent1"/>
+          </a:fillRef>
+          <a:effectRef idx="0">
+            <a:schemeClr val="accent1"/>
+          </a:effectRef>
+          <a:fontRef idx="minor">
+            <a:schemeClr val="lt1"/>
+          </a:fontRef>
+        </p:style>
+        <p:txBody>
+          <a:bodyPr rtlCol="0" anchor="ctr"/>
+          <a:lstStyle/>
+          <a:p>
+            <a:pPr algn="ctr"/>
+            <a:endParaRPr lang="ko-KR" altLang="en-US"/>
+          </a:p>
+        </p:txBody>
+      </p:sp>
+      <p:sp>
+        <p:nvSpPr>
+          <p:cNvPr id="109" name="직사각형 108"/>
+          <p:cNvSpPr/>
+          <p:nvPr/>
+        </p:nvSpPr>
+        <p:spPr>
+          <a:xfrm>
+            <a:off x="4086135" y="2646798"/>
+            <a:ext cx="180000" cy="180000"/>
+          </a:xfrm>
+          <a:prstGeom prst="rect">
+            <a:avLst/>
+          </a:prstGeom>
+        </p:spPr>
+        <p:style>
+          <a:lnRef idx="2">
+            <a:schemeClr val="accent1">
+              <a:shade val="50000"/>
+            </a:schemeClr>
+          </a:lnRef>
+          <a:fillRef idx="1">
+            <a:schemeClr val="accent1"/>
+          </a:fillRef>
+          <a:effectRef idx="0">
+            <a:schemeClr val="accent1"/>
+          </a:effectRef>
+          <a:fontRef idx="minor">
+            <a:schemeClr val="lt1"/>
+          </a:fontRef>
+        </p:style>
+        <p:txBody>
+          <a:bodyPr rtlCol="0" anchor="ctr"/>
+          <a:lstStyle/>
+          <a:p>
+            <a:pPr algn="ctr"/>
+            <a:endParaRPr lang="ko-KR" altLang="en-US"/>
+          </a:p>
+        </p:txBody>
+      </p:sp>
+      <p:sp>
+        <p:nvSpPr>
+          <p:cNvPr id="110" name="직사각형 109"/>
+          <p:cNvSpPr/>
+          <p:nvPr/>
+        </p:nvSpPr>
+        <p:spPr>
+          <a:xfrm>
+            <a:off x="4671923" y="2646798"/>
+            <a:ext cx="180000" cy="180000"/>
+          </a:xfrm>
+          <a:prstGeom prst="rect">
+            <a:avLst/>
+          </a:prstGeom>
+        </p:spPr>
+        <p:style>
+          <a:lnRef idx="2">
+            <a:schemeClr val="accent1">
+              <a:shade val="50000"/>
+            </a:schemeClr>
+          </a:lnRef>
+          <a:fillRef idx="1">
+            <a:schemeClr val="accent1"/>
+          </a:fillRef>
+          <a:effectRef idx="0">
+            <a:schemeClr val="accent1"/>
+          </a:effectRef>
+          <a:fontRef idx="minor">
+            <a:schemeClr val="lt1"/>
+          </a:fontRef>
+        </p:style>
+        <p:txBody>
+          <a:bodyPr rtlCol="0" anchor="ctr"/>
+          <a:lstStyle/>
+          <a:p>
+            <a:pPr algn="ctr"/>
+            <a:endParaRPr lang="ko-KR" altLang="en-US"/>
+          </a:p>
+        </p:txBody>
+      </p:sp>
+      <p:sp>
+        <p:nvSpPr>
+          <p:cNvPr id="111" name="직사각형 110"/>
+          <p:cNvSpPr/>
+          <p:nvPr/>
+        </p:nvSpPr>
+        <p:spPr>
+          <a:xfrm>
+            <a:off x="4964817" y="2646650"/>
+            <a:ext cx="180000" cy="180000"/>
+          </a:xfrm>
+          <a:prstGeom prst="rect">
+            <a:avLst/>
+          </a:prstGeom>
+        </p:spPr>
+        <p:style>
+          <a:lnRef idx="2">
+            <a:schemeClr val="accent1">
+              <a:shade val="50000"/>
+            </a:schemeClr>
+          </a:lnRef>
+          <a:fillRef idx="1">
+            <a:schemeClr val="accent1"/>
+          </a:fillRef>
+          <a:effectRef idx="0">
+            <a:schemeClr val="accent1"/>
+          </a:effectRef>
+          <a:fontRef idx="minor">
+            <a:schemeClr val="lt1"/>
+          </a:fontRef>
+        </p:style>
+        <p:txBody>
+          <a:bodyPr rtlCol="0" anchor="ctr"/>
+          <a:lstStyle/>
+          <a:p>
+            <a:pPr algn="ctr"/>
+            <a:endParaRPr lang="ko-KR" altLang="en-US"/>
+          </a:p>
+        </p:txBody>
+      </p:sp>
+      <p:sp>
+        <p:nvSpPr>
+          <p:cNvPr id="112" name="직사각형 111"/>
+          <p:cNvSpPr/>
+          <p:nvPr/>
+        </p:nvSpPr>
+        <p:spPr>
+          <a:xfrm>
+            <a:off x="5793810" y="2334169"/>
+            <a:ext cx="180000" cy="180000"/>
+          </a:xfrm>
+          <a:prstGeom prst="rect">
+            <a:avLst/>
+          </a:prstGeom>
+        </p:spPr>
+        <p:style>
+          <a:lnRef idx="2">
+            <a:schemeClr val="accent1">
+              <a:shade val="50000"/>
+            </a:schemeClr>
+          </a:lnRef>
+          <a:fillRef idx="1">
+            <a:schemeClr val="accent1"/>
+          </a:fillRef>
+          <a:effectRef idx="0">
+            <a:schemeClr val="accent1"/>
+          </a:effectRef>
+          <a:fontRef idx="minor">
+            <a:schemeClr val="lt1"/>
+          </a:fontRef>
+        </p:style>
+        <p:txBody>
+          <a:bodyPr rtlCol="0" anchor="ctr"/>
+          <a:lstStyle/>
+          <a:p>
+            <a:pPr algn="ctr"/>
+            <a:endParaRPr lang="ko-KR" altLang="en-US"/>
+          </a:p>
+        </p:txBody>
+      </p:sp>
+      <p:sp>
+        <p:nvSpPr>
+          <p:cNvPr id="113" name="직사각형 112"/>
+          <p:cNvSpPr/>
+          <p:nvPr/>
+        </p:nvSpPr>
+        <p:spPr>
+          <a:xfrm>
+            <a:off x="5500916" y="2334169"/>
+            <a:ext cx="180000" cy="180000"/>
+          </a:xfrm>
+          <a:prstGeom prst="rect">
+            <a:avLst/>
+          </a:prstGeom>
+        </p:spPr>
+        <p:style>
+          <a:lnRef idx="2">
+            <a:schemeClr val="accent1">
+              <a:shade val="50000"/>
+            </a:schemeClr>
+          </a:lnRef>
+          <a:fillRef idx="1">
+            <a:schemeClr val="accent1"/>
+          </a:fillRef>
+          <a:effectRef idx="0">
+            <a:schemeClr val="accent1"/>
+          </a:effectRef>
+          <a:fontRef idx="minor">
+            <a:schemeClr val="lt1"/>
+          </a:fontRef>
+        </p:style>
+        <p:txBody>
+          <a:bodyPr rtlCol="0" anchor="ctr"/>
+          <a:lstStyle/>
+          <a:p>
+            <a:pPr algn="ctr"/>
+            <a:endParaRPr lang="ko-KR" altLang="en-US"/>
+          </a:p>
+        </p:txBody>
+      </p:sp>
+      <p:sp>
+        <p:nvSpPr>
+          <p:cNvPr id="114" name="직사각형 113"/>
+          <p:cNvSpPr/>
+          <p:nvPr/>
+        </p:nvSpPr>
+        <p:spPr>
+          <a:xfrm>
+            <a:off x="6086704" y="2334169"/>
+            <a:ext cx="180000" cy="180000"/>
+          </a:xfrm>
+          <a:prstGeom prst="rect">
+            <a:avLst/>
+          </a:prstGeom>
+        </p:spPr>
+        <p:style>
+          <a:lnRef idx="2">
+            <a:schemeClr val="accent1">
+              <a:shade val="50000"/>
+            </a:schemeClr>
+          </a:lnRef>
+          <a:fillRef idx="1">
+            <a:schemeClr val="accent1"/>
+          </a:fillRef>
+          <a:effectRef idx="0">
+            <a:schemeClr val="accent1"/>
+          </a:effectRef>
+          <a:fontRef idx="minor">
+            <a:schemeClr val="lt1"/>
+          </a:fontRef>
+        </p:style>
+        <p:txBody>
+          <a:bodyPr rtlCol="0" anchor="ctr"/>
+          <a:lstStyle/>
+          <a:p>
+            <a:pPr algn="ctr"/>
+            <a:endParaRPr lang="ko-KR" altLang="en-US"/>
+          </a:p>
+        </p:txBody>
+      </p:sp>
+      <p:sp>
+        <p:nvSpPr>
+          <p:cNvPr id="115" name="직사각형 114"/>
+          <p:cNvSpPr/>
+          <p:nvPr/>
+        </p:nvSpPr>
+        <p:spPr>
+          <a:xfrm>
+            <a:off x="6379598" y="2334021"/>
+            <a:ext cx="180000" cy="180000"/>
+          </a:xfrm>
+          <a:prstGeom prst="rect">
+            <a:avLst/>
+          </a:prstGeom>
+        </p:spPr>
+        <p:style>
+          <a:lnRef idx="2">
+            <a:schemeClr val="accent1">
+              <a:shade val="50000"/>
+            </a:schemeClr>
+          </a:lnRef>
+          <a:fillRef idx="1">
+            <a:schemeClr val="accent1"/>
+          </a:fillRef>
+          <a:effectRef idx="0">
+            <a:schemeClr val="accent1"/>
+          </a:effectRef>
+          <a:fontRef idx="minor">
+            <a:schemeClr val="lt1"/>
+          </a:fontRef>
+        </p:style>
+        <p:txBody>
+          <a:bodyPr rtlCol="0" anchor="ctr"/>
+          <a:lstStyle/>
+          <a:p>
+            <a:pPr algn="ctr"/>
+            <a:endParaRPr lang="ko-KR" altLang="en-US"/>
+          </a:p>
+        </p:txBody>
+      </p:sp>
+      <p:sp>
+        <p:nvSpPr>
+          <p:cNvPr id="116" name="직사각형 115"/>
+          <p:cNvSpPr/>
+          <p:nvPr/>
+        </p:nvSpPr>
+        <p:spPr>
+          <a:xfrm>
+            <a:off x="5793810" y="2660883"/>
+            <a:ext cx="180000" cy="180000"/>
+          </a:xfrm>
+          <a:prstGeom prst="rect">
+            <a:avLst/>
+          </a:prstGeom>
+        </p:spPr>
+        <p:style>
+          <a:lnRef idx="2">
+            <a:schemeClr val="accent1">
+              <a:shade val="50000"/>
+            </a:schemeClr>
+          </a:lnRef>
+          <a:fillRef idx="1">
+            <a:schemeClr val="accent1"/>
+          </a:fillRef>
+          <a:effectRef idx="0">
+            <a:schemeClr val="accent1"/>
+          </a:effectRef>
+          <a:fontRef idx="minor">
+            <a:schemeClr val="lt1"/>
+          </a:fontRef>
+        </p:style>
+        <p:txBody>
+          <a:bodyPr rtlCol="0" anchor="ctr"/>
+          <a:lstStyle/>
+          <a:p>
+            <a:pPr algn="ctr"/>
+            <a:endParaRPr lang="ko-KR" altLang="en-US"/>
+          </a:p>
+        </p:txBody>
+      </p:sp>
+      <p:sp>
+        <p:nvSpPr>
+          <p:cNvPr id="117" name="직사각형 116"/>
+          <p:cNvSpPr/>
+          <p:nvPr/>
+        </p:nvSpPr>
+        <p:spPr>
+          <a:xfrm>
+            <a:off x="5500916" y="2660883"/>
+            <a:ext cx="180000" cy="180000"/>
+          </a:xfrm>
+          <a:prstGeom prst="rect">
+            <a:avLst/>
+          </a:prstGeom>
+        </p:spPr>
+        <p:style>
+          <a:lnRef idx="2">
+            <a:schemeClr val="accent1">
+              <a:shade val="50000"/>
+            </a:schemeClr>
+          </a:lnRef>
+          <a:fillRef idx="1">
+            <a:schemeClr val="accent1"/>
+          </a:fillRef>
+          <a:effectRef idx="0">
+            <a:schemeClr val="accent1"/>
+          </a:effectRef>
+          <a:fontRef idx="minor">
+            <a:schemeClr val="lt1"/>
+          </a:fontRef>
+        </p:style>
+        <p:txBody>
+          <a:bodyPr rtlCol="0" anchor="ctr"/>
+          <a:lstStyle/>
+          <a:p>
+            <a:pPr algn="ctr"/>
+            <a:endParaRPr lang="ko-KR" altLang="en-US"/>
+          </a:p>
+        </p:txBody>
+      </p:sp>
+      <p:sp>
+        <p:nvSpPr>
+          <p:cNvPr id="118" name="직사각형 117"/>
+          <p:cNvSpPr/>
+          <p:nvPr/>
+        </p:nvSpPr>
+        <p:spPr>
+          <a:xfrm>
+            <a:off x="6086704" y="2660883"/>
+            <a:ext cx="180000" cy="180000"/>
+          </a:xfrm>
+          <a:prstGeom prst="rect">
+            <a:avLst/>
+          </a:prstGeom>
+        </p:spPr>
+        <p:style>
+          <a:lnRef idx="2">
+            <a:schemeClr val="accent1">
+              <a:shade val="50000"/>
+            </a:schemeClr>
+          </a:lnRef>
+          <a:fillRef idx="1">
+            <a:schemeClr val="accent1"/>
+          </a:fillRef>
+          <a:effectRef idx="0">
+            <a:schemeClr val="accent1"/>
+          </a:effectRef>
+          <a:fontRef idx="minor">
+            <a:schemeClr val="lt1"/>
+          </a:fontRef>
+        </p:style>
+        <p:txBody>
+          <a:bodyPr rtlCol="0" anchor="ctr"/>
+          <a:lstStyle/>
+          <a:p>
+            <a:pPr algn="ctr"/>
+            <a:endParaRPr lang="ko-KR" altLang="en-US"/>
+          </a:p>
+        </p:txBody>
+      </p:sp>
+      <p:sp>
+        <p:nvSpPr>
+          <p:cNvPr id="119" name="직사각형 118"/>
+          <p:cNvSpPr/>
+          <p:nvPr/>
+        </p:nvSpPr>
+        <p:spPr>
+          <a:xfrm>
+            <a:off x="6379598" y="2660735"/>
+            <a:ext cx="180000" cy="180000"/>
+          </a:xfrm>
+          <a:prstGeom prst="rect">
+            <a:avLst/>
+          </a:prstGeom>
+        </p:spPr>
+        <p:style>
+          <a:lnRef idx="2">
+            <a:schemeClr val="accent1">
+              <a:shade val="50000"/>
+            </a:schemeClr>
+          </a:lnRef>
+          <a:fillRef idx="1">
+            <a:schemeClr val="accent1"/>
+          </a:fillRef>
+          <a:effectRef idx="0">
+            <a:schemeClr val="accent1"/>
+          </a:effectRef>
+          <a:fontRef idx="minor">
+            <a:schemeClr val="lt1"/>
+          </a:fontRef>
+        </p:style>
+        <p:txBody>
+          <a:bodyPr rtlCol="0" anchor="ctr"/>
+          <a:lstStyle/>
+          <a:p>
+            <a:pPr algn="ctr"/>
+            <a:endParaRPr lang="ko-KR" altLang="en-US"/>
+          </a:p>
+        </p:txBody>
+      </p:sp>
+      <p:sp>
+        <p:nvSpPr>
+          <p:cNvPr id="120" name="직사각형 119"/>
+          <p:cNvSpPr/>
+          <p:nvPr/>
+        </p:nvSpPr>
+        <p:spPr>
+          <a:xfrm>
+            <a:off x="7186684" y="2334169"/>
+            <a:ext cx="180000" cy="180000"/>
+          </a:xfrm>
+          <a:prstGeom prst="rect">
+            <a:avLst/>
+          </a:prstGeom>
+        </p:spPr>
+        <p:style>
+          <a:lnRef idx="2">
+            <a:schemeClr val="accent1">
+              <a:shade val="50000"/>
+            </a:schemeClr>
+          </a:lnRef>
+          <a:fillRef idx="1">
+            <a:schemeClr val="accent1"/>
+          </a:fillRef>
+          <a:effectRef idx="0">
+            <a:schemeClr val="accent1"/>
+          </a:effectRef>
+          <a:fontRef idx="minor">
+            <a:schemeClr val="lt1"/>
+          </a:fontRef>
+        </p:style>
+        <p:txBody>
+          <a:bodyPr rtlCol="0" anchor="ctr"/>
+          <a:lstStyle/>
+          <a:p>
+            <a:pPr algn="ctr"/>
+            <a:endParaRPr lang="ko-KR" altLang="en-US"/>
+          </a:p>
+        </p:txBody>
+      </p:sp>
+      <p:sp>
+        <p:nvSpPr>
+          <p:cNvPr id="121" name="직사각형 120"/>
+          <p:cNvSpPr/>
+          <p:nvPr/>
+        </p:nvSpPr>
+        <p:spPr>
+          <a:xfrm>
+            <a:off x="6893790" y="2334169"/>
+            <a:ext cx="180000" cy="180000"/>
+          </a:xfrm>
+          <a:prstGeom prst="rect">
+            <a:avLst/>
+          </a:prstGeom>
+        </p:spPr>
+        <p:style>
+          <a:lnRef idx="2">
+            <a:schemeClr val="accent1">
+              <a:shade val="50000"/>
+            </a:schemeClr>
+          </a:lnRef>
+          <a:fillRef idx="1">
+            <a:schemeClr val="accent1"/>
+          </a:fillRef>
+          <a:effectRef idx="0">
+            <a:schemeClr val="accent1"/>
+          </a:effectRef>
+          <a:fontRef idx="minor">
+            <a:schemeClr val="lt1"/>
+          </a:fontRef>
+        </p:style>
+        <p:txBody>
+          <a:bodyPr rtlCol="0" anchor="ctr"/>
+          <a:lstStyle/>
+          <a:p>
+            <a:pPr algn="ctr"/>
+            <a:endParaRPr lang="ko-KR" altLang="en-US"/>
+          </a:p>
+        </p:txBody>
+      </p:sp>
+      <p:sp>
+        <p:nvSpPr>
+          <p:cNvPr id="122" name="직사각형 121"/>
+          <p:cNvSpPr/>
+          <p:nvPr/>
+        </p:nvSpPr>
+        <p:spPr>
+          <a:xfrm>
+            <a:off x="7479578" y="2334169"/>
+            <a:ext cx="180000" cy="180000"/>
+          </a:xfrm>
+          <a:prstGeom prst="rect">
+            <a:avLst/>
+          </a:prstGeom>
+        </p:spPr>
+        <p:style>
+          <a:lnRef idx="2">
+            <a:schemeClr val="accent1">
+              <a:shade val="50000"/>
+            </a:schemeClr>
+          </a:lnRef>
+          <a:fillRef idx="1">
+            <a:schemeClr val="accent1"/>
+          </a:fillRef>
+          <a:effectRef idx="0">
+            <a:schemeClr val="accent1"/>
+          </a:effectRef>
+          <a:fontRef idx="minor">
+            <a:schemeClr val="lt1"/>
+          </a:fontRef>
+        </p:style>
+        <p:txBody>
+          <a:bodyPr rtlCol="0" anchor="ctr"/>
+          <a:lstStyle/>
+          <a:p>
+            <a:pPr algn="ctr"/>
+            <a:endParaRPr lang="ko-KR" altLang="en-US"/>
+          </a:p>
+        </p:txBody>
+      </p:sp>
+      <p:sp>
+        <p:nvSpPr>
+          <p:cNvPr id="123" name="직사각형 122"/>
+          <p:cNvSpPr/>
+          <p:nvPr/>
+        </p:nvSpPr>
+        <p:spPr>
+          <a:xfrm>
+            <a:off x="7772472" y="2334021"/>
+            <a:ext cx="180000" cy="180000"/>
+          </a:xfrm>
+          <a:prstGeom prst="rect">
+            <a:avLst/>
+          </a:prstGeom>
+        </p:spPr>
+        <p:style>
+          <a:lnRef idx="2">
+            <a:schemeClr val="accent1">
+              <a:shade val="50000"/>
+            </a:schemeClr>
+          </a:lnRef>
+          <a:fillRef idx="1">
+            <a:schemeClr val="accent1"/>
+          </a:fillRef>
+          <a:effectRef idx="0">
+            <a:schemeClr val="accent1"/>
+          </a:effectRef>
+          <a:fontRef idx="minor">
+            <a:schemeClr val="lt1"/>
+          </a:fontRef>
+        </p:style>
+        <p:txBody>
+          <a:bodyPr rtlCol="0" anchor="ctr"/>
+          <a:lstStyle/>
+          <a:p>
+            <a:pPr algn="ctr"/>
+            <a:endParaRPr lang="ko-KR" altLang="en-US"/>
+          </a:p>
+        </p:txBody>
+      </p:sp>
+      <p:sp>
+        <p:nvSpPr>
+          <p:cNvPr id="124" name="직사각형 123"/>
+          <p:cNvSpPr/>
+          <p:nvPr/>
+        </p:nvSpPr>
+        <p:spPr>
+          <a:xfrm>
+            <a:off x="7186684" y="2660883"/>
+            <a:ext cx="180000" cy="180000"/>
+          </a:xfrm>
+          <a:prstGeom prst="rect">
+            <a:avLst/>
+          </a:prstGeom>
+        </p:spPr>
+        <p:style>
+          <a:lnRef idx="2">
+            <a:schemeClr val="accent1">
+              <a:shade val="50000"/>
+            </a:schemeClr>
+          </a:lnRef>
+          <a:fillRef idx="1">
+            <a:schemeClr val="accent1"/>
+          </a:fillRef>
+          <a:effectRef idx="0">
+            <a:schemeClr val="accent1"/>
+          </a:effectRef>
+          <a:fontRef idx="minor">
+            <a:schemeClr val="lt1"/>
+          </a:fontRef>
+        </p:style>
+        <p:txBody>
+          <a:bodyPr rtlCol="0" anchor="ctr"/>
+          <a:lstStyle/>
+          <a:p>
+            <a:pPr algn="ctr"/>
+            <a:endParaRPr lang="ko-KR" altLang="en-US"/>
+          </a:p>
+        </p:txBody>
+      </p:sp>
+      <p:sp>
+        <p:nvSpPr>
+          <p:cNvPr id="125" name="직사각형 124"/>
+          <p:cNvSpPr/>
+          <p:nvPr/>
+        </p:nvSpPr>
+        <p:spPr>
+          <a:xfrm>
+            <a:off x="6893790" y="2660883"/>
+            <a:ext cx="180000" cy="180000"/>
+          </a:xfrm>
+          <a:prstGeom prst="rect">
+            <a:avLst/>
+          </a:prstGeom>
+        </p:spPr>
+        <p:style>
+          <a:lnRef idx="2">
+            <a:schemeClr val="accent1">
+              <a:shade val="50000"/>
+            </a:schemeClr>
+          </a:lnRef>
+          <a:fillRef idx="1">
+            <a:schemeClr val="accent1"/>
+          </a:fillRef>
+          <a:effectRef idx="0">
+            <a:schemeClr val="accent1"/>
+          </a:effectRef>
+          <a:fontRef idx="minor">
+            <a:schemeClr val="lt1"/>
+          </a:fontRef>
+        </p:style>
+        <p:txBody>
+          <a:bodyPr rtlCol="0" anchor="ctr"/>
+          <a:lstStyle/>
+          <a:p>
+            <a:pPr algn="ctr"/>
+            <a:endParaRPr lang="ko-KR" altLang="en-US"/>
+          </a:p>
+        </p:txBody>
+      </p:sp>
+      <p:sp>
+        <p:nvSpPr>
+          <p:cNvPr id="126" name="직사각형 125"/>
+          <p:cNvSpPr/>
+          <p:nvPr/>
+        </p:nvSpPr>
+        <p:spPr>
+          <a:xfrm>
+            <a:off x="7479578" y="2660883"/>
+            <a:ext cx="180000" cy="180000"/>
+          </a:xfrm>
+          <a:prstGeom prst="rect">
+            <a:avLst/>
+          </a:prstGeom>
+        </p:spPr>
+        <p:style>
+          <a:lnRef idx="2">
+            <a:schemeClr val="accent1">
+              <a:shade val="50000"/>
+            </a:schemeClr>
+          </a:lnRef>
+          <a:fillRef idx="1">
+            <a:schemeClr val="accent1"/>
+          </a:fillRef>
+          <a:effectRef idx="0">
+            <a:schemeClr val="accent1"/>
+          </a:effectRef>
+          <a:fontRef idx="minor">
+            <a:schemeClr val="lt1"/>
+          </a:fontRef>
+        </p:style>
+        <p:txBody>
+          <a:bodyPr rtlCol="0" anchor="ctr"/>
+          <a:lstStyle/>
+          <a:p>
+            <a:pPr algn="ctr"/>
+            <a:endParaRPr lang="ko-KR" altLang="en-US"/>
+          </a:p>
+        </p:txBody>
+      </p:sp>
+      <p:sp>
+        <p:nvSpPr>
+          <p:cNvPr id="127" name="직사각형 126"/>
+          <p:cNvSpPr/>
+          <p:nvPr/>
+        </p:nvSpPr>
+        <p:spPr>
+          <a:xfrm>
+            <a:off x="7772472" y="2660735"/>
+            <a:ext cx="180000" cy="180000"/>
+          </a:xfrm>
+          <a:prstGeom prst="rect">
+            <a:avLst/>
+          </a:prstGeom>
+        </p:spPr>
+        <p:style>
+          <a:lnRef idx="2">
+            <a:schemeClr val="accent1">
+              <a:shade val="50000"/>
+            </a:schemeClr>
+          </a:lnRef>
+          <a:fillRef idx="1">
+            <a:schemeClr val="accent1"/>
+          </a:fillRef>
+          <a:effectRef idx="0">
+            <a:schemeClr val="accent1"/>
+          </a:effectRef>
+          <a:fontRef idx="minor">
+            <a:schemeClr val="lt1"/>
+          </a:fontRef>
+        </p:style>
+        <p:txBody>
+          <a:bodyPr rtlCol="0" anchor="ctr"/>
+          <a:lstStyle/>
+          <a:p>
+            <a:pPr algn="ctr"/>
+            <a:endParaRPr lang="ko-KR" altLang="en-US"/>
+          </a:p>
+        </p:txBody>
+      </p:sp>
+      <p:cxnSp>
+        <p:nvCxnSpPr>
+          <p:cNvPr id="132" name="구부러진 연결선 131"/>
+          <p:cNvCxnSpPr>
+            <a:endCxn id="96" idx="1"/>
+          </p:cNvCxnSpPr>
+          <p:nvPr/>
+        </p:nvCxnSpPr>
+        <p:spPr>
+          <a:xfrm rot="5400000" flipH="1" flipV="1">
+            <a:off x="101068" y="3616797"/>
+            <a:ext cx="3828012" cy="1417576"/>
+          </a:xfrm>
+          <a:prstGeom prst="curvedConnector2">
+            <a:avLst/>
+          </a:prstGeom>
+          <a:ln>
+            <a:tailEnd type="triangle"/>
+          </a:ln>
+        </p:spPr>
+        <p:style>
+          <a:lnRef idx="1">
+            <a:schemeClr val="dk1"/>
+          </a:lnRef>
+          <a:fillRef idx="0">
+            <a:schemeClr val="dk1"/>
+          </a:fillRef>
+          <a:effectRef idx="0">
+            <a:schemeClr val="dk1"/>
+          </a:effectRef>
+          <a:fontRef idx="minor">
+            <a:schemeClr val="tx1"/>
+          </a:fontRef>
+        </p:style>
+      </p:cxnSp>
+      <p:grpSp>
+        <p:nvGrpSpPr>
+          <p:cNvPr id="138" name="그룹 137"/>
+          <p:cNvGrpSpPr/>
+          <p:nvPr/>
+        </p:nvGrpSpPr>
+        <p:grpSpPr>
+          <a:xfrm>
+            <a:off x="10747404" y="5857378"/>
+            <a:ext cx="1685571" cy="919177"/>
+            <a:chOff x="10028947" y="5967545"/>
+            <a:chExt cx="1685571" cy="919177"/>
+          </a:xfrm>
+        </p:grpSpPr>
+        <p:grpSp>
+          <p:nvGrpSpPr>
+            <p:cNvPr id="130" name="그룹 129"/>
+            <p:cNvGrpSpPr/>
+            <p:nvPr/>
+          </p:nvGrpSpPr>
+          <p:grpSpPr>
+            <a:xfrm>
+              <a:off x="10046947" y="5967545"/>
+              <a:ext cx="1649571" cy="307777"/>
+              <a:chOff x="7584725" y="6468333"/>
+              <a:chExt cx="1649571" cy="307777"/>
+            </a:xfrm>
+          </p:grpSpPr>
+          <p:sp>
+            <p:nvSpPr>
+              <p:cNvPr id="128" name="직사각형 127"/>
+              <p:cNvSpPr/>
+              <p:nvPr/>
+            </p:nvSpPr>
+            <p:spPr>
+              <a:xfrm>
+                <a:off x="7584725" y="6532222"/>
+                <a:ext cx="180000" cy="180000"/>
+              </a:xfrm>
+              <a:prstGeom prst="rect">
+                <a:avLst/>
+              </a:prstGeom>
+            </p:spPr>
+            <p:style>
+              <a:lnRef idx="2">
+                <a:schemeClr val="accent1">
+                  <a:shade val="50000"/>
+                </a:schemeClr>
+              </a:lnRef>
+              <a:fillRef idx="1">
+                <a:schemeClr val="accent1"/>
+              </a:fillRef>
+              <a:effectRef idx="0">
+                <a:schemeClr val="accent1"/>
+              </a:effectRef>
+              <a:fontRef idx="minor">
+                <a:schemeClr val="lt1"/>
+              </a:fontRef>
+            </p:style>
+            <p:txBody>
+              <a:bodyPr rtlCol="0" anchor="ctr"/>
+              <a:lstStyle/>
+              <a:p>
+                <a:pPr algn="ctr"/>
+                <a:endParaRPr lang="ko-KR" altLang="en-US" sz="1400" b="1"/>
+              </a:p>
+            </p:txBody>
+          </p:sp>
+          <p:sp>
+            <p:nvSpPr>
+              <p:cNvPr id="129" name="TextBox 128"/>
+              <p:cNvSpPr txBox="1"/>
+              <p:nvPr/>
+            </p:nvSpPr>
+            <p:spPr>
+              <a:xfrm>
+                <a:off x="7764725" y="6468333"/>
+                <a:ext cx="1469571" cy="307777"/>
+              </a:xfrm>
+              <a:prstGeom prst="rect">
+                <a:avLst/>
+              </a:prstGeom>
+              <a:noFill/>
+            </p:spPr>
+            <p:txBody>
+              <a:bodyPr wrap="square" rtlCol="0">
+                <a:spAutoFit/>
+              </a:bodyPr>
+              <a:lstStyle/>
+              <a:p>
+                <a:r>
+                  <a:rPr lang="en-US" altLang="ko-KR" sz="1400" b="1" dirty="0" smtClean="0"/>
+                  <a:t>1bit - cell</a:t>
+                </a:r>
+                <a:endParaRPr lang="ko-KR" altLang="en-US" sz="1400" b="1" dirty="0"/>
+              </a:p>
+            </p:txBody>
+          </p:sp>
+        </p:grpSp>
+        <p:cxnSp>
+          <p:nvCxnSpPr>
+            <p:cNvPr id="133" name="직선 연결선 132"/>
+            <p:cNvCxnSpPr/>
+            <p:nvPr/>
+          </p:nvCxnSpPr>
+          <p:spPr>
+            <a:xfrm flipH="1" flipV="1">
+              <a:off x="10028947" y="6431114"/>
+              <a:ext cx="216000" cy="0"/>
+            </a:xfrm>
+            <a:prstGeom prst="line">
+              <a:avLst/>
+            </a:prstGeom>
+            <a:ln w="12700">
+              <a:solidFill>
+                <a:srgbClr val="C00000"/>
+              </a:solidFill>
+            </a:ln>
+          </p:spPr>
+          <p:style>
+            <a:lnRef idx="1">
+              <a:schemeClr val="dk1"/>
+            </a:lnRef>
+            <a:fillRef idx="0">
+              <a:schemeClr val="dk1"/>
+            </a:fillRef>
+            <a:effectRef idx="0">
+              <a:schemeClr val="dk1"/>
+            </a:effectRef>
+            <a:fontRef idx="minor">
+              <a:schemeClr val="tx1"/>
+            </a:fontRef>
+          </p:style>
+        </p:cxnSp>
+        <p:cxnSp>
+          <p:nvCxnSpPr>
+            <p:cNvPr id="135" name="직선 연결선 134"/>
+            <p:cNvCxnSpPr/>
+            <p:nvPr/>
+          </p:nvCxnSpPr>
+          <p:spPr>
+            <a:xfrm flipH="1" flipV="1">
+              <a:off x="10028948" y="6725029"/>
+              <a:ext cx="216000" cy="0"/>
+            </a:xfrm>
+            <a:prstGeom prst="line">
+              <a:avLst/>
+            </a:prstGeom>
+            <a:ln/>
+          </p:spPr>
+          <p:style>
+            <a:lnRef idx="1">
+              <a:schemeClr val="accent6"/>
+            </a:lnRef>
+            <a:fillRef idx="0">
+              <a:schemeClr val="accent6"/>
+            </a:fillRef>
+            <a:effectRef idx="0">
+              <a:schemeClr val="accent6"/>
+            </a:effectRef>
+            <a:fontRef idx="minor">
+              <a:schemeClr val="tx1"/>
+            </a:fontRef>
+          </p:style>
+        </p:cxnSp>
+        <p:sp>
+          <p:nvSpPr>
+            <p:cNvPr id="136" name="TextBox 135"/>
+            <p:cNvSpPr txBox="1"/>
+            <p:nvPr/>
+          </p:nvSpPr>
+          <p:spPr>
+            <a:xfrm>
+              <a:off x="10237832" y="6273245"/>
+              <a:ext cx="1469571" cy="307777"/>
+            </a:xfrm>
+            <a:prstGeom prst="rect">
+              <a:avLst/>
+            </a:prstGeom>
+            <a:noFill/>
+          </p:spPr>
+          <p:txBody>
+            <a:bodyPr wrap="square" rtlCol="0">
+              <a:spAutoFit/>
+            </a:bodyPr>
+            <a:lstStyle/>
+            <a:p>
+              <a:r>
+                <a:rPr lang="en-US" altLang="ko-KR" sz="1400" b="1" dirty="0" smtClean="0"/>
+                <a:t>Bit line</a:t>
+              </a:r>
+              <a:endParaRPr lang="ko-KR" altLang="en-US" sz="1400" b="1" dirty="0"/>
+            </a:p>
+          </p:txBody>
+        </p:sp>
+        <p:sp>
+          <p:nvSpPr>
+            <p:cNvPr id="137" name="TextBox 136"/>
+            <p:cNvSpPr txBox="1"/>
+            <p:nvPr/>
+          </p:nvSpPr>
+          <p:spPr>
+            <a:xfrm>
+              <a:off x="10244947" y="6578945"/>
+              <a:ext cx="1469571" cy="307777"/>
+            </a:xfrm>
+            <a:prstGeom prst="rect">
+              <a:avLst/>
+            </a:prstGeom>
+            <a:noFill/>
+          </p:spPr>
+          <p:txBody>
+            <a:bodyPr wrap="square" rtlCol="0">
+              <a:spAutoFit/>
+            </a:bodyPr>
+            <a:lstStyle/>
+            <a:p>
+              <a:r>
+                <a:rPr lang="en-US" altLang="ko-KR" sz="1400" b="1" dirty="0" smtClean="0"/>
+                <a:t>Word line</a:t>
+              </a:r>
+              <a:endParaRPr lang="ko-KR" altLang="en-US" sz="1400" b="1" dirty="0"/>
+            </a:p>
+          </p:txBody>
+        </p:sp>
+      </p:grpSp>
+      <p:sp>
+        <p:nvSpPr>
+          <p:cNvPr id="139" name="TextBox 138"/>
+          <p:cNvSpPr txBox="1"/>
+          <p:nvPr/>
+        </p:nvSpPr>
+        <p:spPr>
+          <a:xfrm>
+            <a:off x="598791" y="6348771"/>
+            <a:ext cx="1447723" cy="276999"/>
+          </a:xfrm>
+          <a:prstGeom prst="rect">
+            <a:avLst/>
+          </a:prstGeom>
+          <a:noFill/>
+        </p:spPr>
+        <p:txBody>
+          <a:bodyPr wrap="square" rtlCol="0">
+            <a:spAutoFit/>
+          </a:bodyPr>
+          <a:lstStyle/>
+          <a:p>
+            <a:pPr algn="ctr"/>
+            <a:r>
+              <a:rPr lang="ko-KR" altLang="en-US" sz="1200" b="1" dirty="0" err="1" smtClean="0"/>
+              <a:t>물리페이지</a:t>
+            </a:r>
+            <a:r>
+              <a:rPr lang="ko-KR" altLang="en-US" sz="1200" b="1" dirty="0" smtClean="0"/>
+              <a:t> 주소</a:t>
+            </a:r>
+            <a:endParaRPr lang="ko-KR" altLang="en-US" sz="1200" b="1" dirty="0"/>
+          </a:p>
+        </p:txBody>
+      </p:sp>
+    </p:spTree>
+    <p:extLst>
+      <p:ext uri="{BB962C8B-B14F-4D97-AF65-F5344CB8AC3E}">
+        <p14:creationId xmlns:p14="http://schemas.microsoft.com/office/powerpoint/2010/main" val="433576113"/>
+      </p:ext>
+    </p:extLst>
+  </p:cSld>
+  <p:clrMapOvr>
+    <a:masterClrMapping/>
+  </p:clrMapOvr>
+</p:sld>
+</file>
+
+<file path=ppt/slides/slide9.xml><?xml version="1.0" encoding="utf-8"?>
+<p:sld xmlns:a="http://schemas.openxmlformats.org/drawingml/2006/main" xmlns:r="http://schemas.openxmlformats.org/officeDocument/2006/relationships" xmlns:p="http://schemas.openxmlformats.org/presentationml/2006/main">
+  <p:cSld>
+    <p:spTree>
+      <p:nvGrpSpPr>
+        <p:cNvPr id="1" name=""/>
+        <p:cNvGrpSpPr/>
+        <p:nvPr/>
+      </p:nvGrpSpPr>
+      <p:grpSpPr>
+        <a:xfrm>
+          <a:off x="0" y="0"/>
+          <a:ext cx="0" cy="0"/>
+          <a:chOff x="0" y="0"/>
+          <a:chExt cx="0" cy="0"/>
+        </a:xfrm>
+      </p:grpSpPr>
       <p:sp>
         <p:nvSpPr>
           <p:cNvPr id="17" name="직사각형 16"/>
@@ -33735,306 +39078,6 @@
     <p:extLst>
       <p:ext uri="{BB962C8B-B14F-4D97-AF65-F5344CB8AC3E}">
         <p14:creationId xmlns:p14="http://schemas.microsoft.com/office/powerpoint/2010/main" val="1994751717"/>
-      </p:ext>
-    </p:extLst>
-  </p:cSld>
-  <p:clrMapOvr>
-    <a:masterClrMapping/>
-  </p:clrMapOvr>
-</p:sld>
-</file>
-
-<file path=ppt/slides/slide9.xml><?xml version="1.0" encoding="utf-8"?>
-<p:sld xmlns:a="http://schemas.openxmlformats.org/drawingml/2006/main" xmlns:r="http://schemas.openxmlformats.org/officeDocument/2006/relationships" xmlns:p="http://schemas.openxmlformats.org/presentationml/2006/main">
-  <p:cSld>
-    <p:spTree>
-      <p:nvGrpSpPr>
-        <p:cNvPr id="1" name=""/>
-        <p:cNvGrpSpPr/>
-        <p:nvPr/>
-      </p:nvGrpSpPr>
-      <p:grpSpPr>
-        <a:xfrm>
-          <a:off x="0" y="0"/>
-          <a:ext cx="0" cy="0"/>
-          <a:chOff x="0" y="0"/>
-          <a:chExt cx="0" cy="0"/>
-        </a:xfrm>
-      </p:grpSpPr>
-      <p:sp>
-        <p:nvSpPr>
-          <p:cNvPr id="20" name="TextBox 19">
-            <a:extLst>
-              <a:ext uri="{FF2B5EF4-FFF2-40B4-BE49-F238E27FC236}">
-                <a16:creationId xmlns:a16="http://schemas.microsoft.com/office/drawing/2014/main" id="{24A8B8FC-ED97-BD8A-4C78-CFA67C8E63C0}"/>
-              </a:ext>
-            </a:extLst>
-          </p:cNvPr>
-          <p:cNvSpPr txBox="1"/>
-          <p:nvPr/>
-        </p:nvSpPr>
-        <p:spPr>
-          <a:xfrm>
-            <a:off x="283336" y="231820"/>
-            <a:ext cx="11049060" cy="338554"/>
-          </a:xfrm>
-          <a:prstGeom prst="rect">
-            <a:avLst/>
-          </a:prstGeom>
-          <a:noFill/>
-        </p:spPr>
-        <p:txBody>
-          <a:bodyPr wrap="square" rtlCol="0">
-            <a:spAutoFit/>
-          </a:bodyPr>
-          <a:lstStyle/>
-          <a:p>
-            <a:r>
-              <a:rPr kumimoji="1" lang="en-US" altLang="ko-KR" sz="1600" b="1" dirty="0" smtClean="0"/>
-              <a:t>Q.3.2 </a:t>
-            </a:r>
-            <a:r>
-              <a:rPr kumimoji="1" lang="ko-KR" altLang="en-US" sz="1600" b="1" dirty="0" err="1" smtClean="0"/>
-              <a:t>파생질문</a:t>
-            </a:r>
-            <a:r>
-              <a:rPr kumimoji="1" lang="en-US" altLang="ko-KR" sz="1600" b="1" dirty="0" smtClean="0"/>
-              <a:t>) </a:t>
-            </a:r>
-            <a:r>
-              <a:rPr kumimoji="1" lang="ko-KR" altLang="en-US" sz="1600" b="1" dirty="0" smtClean="0"/>
-              <a:t>왜 </a:t>
-            </a:r>
-            <a:r>
-              <a:rPr kumimoji="1" lang="ko-KR" altLang="en-US" sz="1600" b="1" dirty="0" err="1" smtClean="0"/>
-              <a:t>가상주소</a:t>
-            </a:r>
-            <a:r>
-              <a:rPr kumimoji="1" lang="ko-KR" altLang="en-US" sz="1600" b="1" dirty="0" smtClean="0"/>
-              <a:t> 공간을 사용하는가</a:t>
-            </a:r>
-            <a:r>
-              <a:rPr kumimoji="1" lang="en-US" altLang="ko-KR" sz="1600" b="1" dirty="0" smtClean="0"/>
-              <a:t>?</a:t>
-            </a:r>
-            <a:endParaRPr kumimoji="1" lang="ko-KR" altLang="en-US" sz="1600" b="1" dirty="0"/>
-          </a:p>
-        </p:txBody>
-      </p:sp>
-      <p:sp>
-        <p:nvSpPr>
-          <p:cNvPr id="3" name="TextBox 2"/>
-          <p:cNvSpPr txBox="1"/>
-          <p:nvPr/>
-        </p:nvSpPr>
-        <p:spPr>
-          <a:xfrm>
-            <a:off x="412221" y="762282"/>
-            <a:ext cx="10561834" cy="307777"/>
-          </a:xfrm>
-          <a:prstGeom prst="rect">
-            <a:avLst/>
-          </a:prstGeom>
-          <a:noFill/>
-        </p:spPr>
-        <p:txBody>
-          <a:bodyPr wrap="square" rtlCol="0">
-            <a:spAutoFit/>
-          </a:bodyPr>
-          <a:lstStyle/>
-          <a:p>
-            <a:r>
-              <a:rPr lang="en-US" altLang="ko-KR" sz="1400" b="1" dirty="0" smtClean="0"/>
-              <a:t>Process</a:t>
-            </a:r>
-            <a:r>
-              <a:rPr lang="ko-KR" altLang="en-US" sz="1400" b="1" dirty="0" smtClean="0"/>
-              <a:t>마다 개별 가상공간</a:t>
-            </a:r>
-            <a:r>
-              <a:rPr lang="en-US" altLang="ko-KR" sz="1400" b="1" dirty="0" smtClean="0"/>
-              <a:t>(VMS)</a:t>
-            </a:r>
-            <a:r>
-              <a:rPr lang="ko-KR" altLang="en-US" sz="1400" b="1" dirty="0" smtClean="0"/>
-              <a:t>과 </a:t>
-            </a:r>
-            <a:r>
-              <a:rPr lang="en-US" altLang="ko-KR" sz="1400" b="1" dirty="0" smtClean="0"/>
-              <a:t>Page Table</a:t>
-            </a:r>
-            <a:r>
-              <a:rPr lang="ko-KR" altLang="en-US" sz="1400" b="1" dirty="0" smtClean="0"/>
-              <a:t>이 존재한다</a:t>
-            </a:r>
-            <a:r>
-              <a:rPr lang="en-US" altLang="ko-KR" sz="1400" b="1" dirty="0" smtClean="0"/>
-              <a:t>. </a:t>
-            </a:r>
-            <a:endParaRPr lang="ko-KR" altLang="en-US" sz="1400" b="1" dirty="0"/>
-          </a:p>
-        </p:txBody>
-      </p:sp>
-      <p:sp>
-        <p:nvSpPr>
-          <p:cNvPr id="13" name="TextBox 12"/>
-          <p:cNvSpPr txBox="1"/>
-          <p:nvPr/>
-        </p:nvSpPr>
-        <p:spPr>
-          <a:xfrm>
-            <a:off x="526949" y="1261967"/>
-            <a:ext cx="10561834" cy="523220"/>
-          </a:xfrm>
-          <a:prstGeom prst="rect">
-            <a:avLst/>
-          </a:prstGeom>
-          <a:noFill/>
-        </p:spPr>
-        <p:txBody>
-          <a:bodyPr wrap="square" rtlCol="0">
-            <a:spAutoFit/>
-          </a:bodyPr>
-          <a:lstStyle/>
-          <a:p>
-            <a:pPr marL="342900" indent="-342900">
-              <a:buAutoNum type="arabicPeriod"/>
-            </a:pPr>
-            <a:r>
-              <a:rPr lang="ko-KR" altLang="en-US" sz="1400" dirty="0" smtClean="0"/>
-              <a:t>메모리 보호 및 안정성 </a:t>
-            </a:r>
-            <a:endParaRPr lang="en-US" altLang="ko-KR" sz="1400" dirty="0" smtClean="0"/>
-          </a:p>
-          <a:p>
-            <a:r>
-              <a:rPr lang="en-US" altLang="ko-KR" sz="1400" dirty="0"/>
-              <a:t> </a:t>
-            </a:r>
-            <a:r>
-              <a:rPr lang="en-US" altLang="ko-KR" sz="1400" dirty="0" smtClean="0"/>
-              <a:t>    - </a:t>
-            </a:r>
-            <a:r>
-              <a:rPr lang="ko-KR" altLang="en-US" sz="1400" dirty="0" smtClean="0"/>
-              <a:t>가상 메모리는 각 프로세스가 독립된 메모리 공간을 가지게 함으로써 서로의 메모리 공간에 침범하지 못하게 한다</a:t>
-            </a:r>
-            <a:r>
-              <a:rPr lang="en-US" altLang="ko-KR" sz="1400" dirty="0" smtClean="0"/>
-              <a:t>.</a:t>
-            </a:r>
-          </a:p>
-        </p:txBody>
-      </p:sp>
-      <p:sp>
-        <p:nvSpPr>
-          <p:cNvPr id="14" name="TextBox 13"/>
-          <p:cNvSpPr txBox="1"/>
-          <p:nvPr/>
-        </p:nvSpPr>
-        <p:spPr>
-          <a:xfrm>
-            <a:off x="610855" y="1891652"/>
-            <a:ext cx="10561834" cy="523220"/>
-          </a:xfrm>
-          <a:prstGeom prst="rect">
-            <a:avLst/>
-          </a:prstGeom>
-          <a:noFill/>
-        </p:spPr>
-        <p:txBody>
-          <a:bodyPr wrap="square" rtlCol="0">
-            <a:spAutoFit/>
-          </a:bodyPr>
-          <a:lstStyle/>
-          <a:p>
-            <a:r>
-              <a:rPr lang="ko-KR" altLang="en-US" sz="1400" dirty="0" smtClean="0"/>
-              <a:t>프로세스마다 페이지 테이블이 존재하고</a:t>
-            </a:r>
-            <a:r>
-              <a:rPr lang="en-US" altLang="ko-KR" sz="1400" dirty="0" smtClean="0"/>
-              <a:t>, </a:t>
-            </a:r>
-            <a:r>
-              <a:rPr lang="ko-KR" altLang="en-US" sz="1400" dirty="0" smtClean="0"/>
-              <a:t>각 프로세스마다 각자의 페이지 테이블을 참조하기때문에 서로 프로세스마다의 메모리를 침범할 이유가 없게 된다</a:t>
-            </a:r>
-            <a:r>
-              <a:rPr lang="en-US" altLang="ko-KR" sz="1400" dirty="0" smtClean="0"/>
-              <a:t>.</a:t>
-            </a:r>
-          </a:p>
-        </p:txBody>
-      </p:sp>
-      <p:pic>
-        <p:nvPicPr>
-          <p:cNvPr id="15" name="그림 14"/>
-          <p:cNvPicPr>
-            <a:picLocks noChangeAspect="1"/>
-          </p:cNvPicPr>
-          <p:nvPr/>
-        </p:nvPicPr>
-        <p:blipFill>
-          <a:blip r:embed="rId3">
-            <a:extLst>
-              <a:ext uri="{28A0092B-C50C-407E-A947-70E740481C1C}">
-                <a14:useLocalDpi xmlns:a14="http://schemas.microsoft.com/office/drawing/2010/main" val="0"/>
-              </a:ext>
-            </a:extLst>
-          </a:blip>
-          <a:stretch>
-            <a:fillRect/>
-          </a:stretch>
-        </p:blipFill>
-        <p:spPr>
-          <a:xfrm>
-            <a:off x="508749" y="3489470"/>
-            <a:ext cx="1528440" cy="1556407"/>
-          </a:xfrm>
-          <a:prstGeom prst="rect">
-            <a:avLst/>
-          </a:prstGeom>
-          <a:scene3d>
-            <a:camera prst="perspectiveRelaxed"/>
-            <a:lightRig rig="threePt" dir="t"/>
-          </a:scene3d>
-        </p:spPr>
-      </p:pic>
-      <p:sp>
-        <p:nvSpPr>
-          <p:cNvPr id="5" name="TextBox 4"/>
-          <p:cNvSpPr txBox="1"/>
-          <p:nvPr/>
-        </p:nvSpPr>
-        <p:spPr>
-          <a:xfrm>
-            <a:off x="8815717" y="3106465"/>
-            <a:ext cx="3000054" cy="369332"/>
-          </a:xfrm>
-          <a:prstGeom prst="rect">
-            <a:avLst/>
-          </a:prstGeom>
-          <a:noFill/>
-        </p:spPr>
-        <p:txBody>
-          <a:bodyPr wrap="square" rtlCol="0">
-            <a:spAutoFit/>
-          </a:bodyPr>
-          <a:lstStyle/>
-          <a:p>
-            <a:r>
-              <a:rPr lang="en-US" altLang="ko-KR" dirty="0" smtClean="0"/>
-              <a:t>Process1</a:t>
-            </a:r>
-            <a:endParaRPr lang="ko-KR" altLang="en-US" dirty="0"/>
-          </a:p>
-        </p:txBody>
-      </p:sp>
-    </p:spTree>
-    <p:extLst>
-      <p:ext uri="{BB962C8B-B14F-4D97-AF65-F5344CB8AC3E}">
-        <p14:creationId xmlns:p14="http://schemas.microsoft.com/office/powerpoint/2010/main" val="1922512513"/>
       </p:ext>
     </p:extLst>
   </p:cSld>

--- a/CSwithC/CS-explanation.pptx
+++ b/CSwithC/CS-explanation.pptx
@@ -222,7 +222,7 @@
           <a:p>
             <a:fld id="{63E2A1E9-AE86-4A77-ADFA-78382643A96E}" type="datetimeFigureOut">
               <a:rPr lang="ko-KR" altLang="en-US" smtClean="0"/>
-              <a:t>2024-09-18</a:t>
+              <a:t>2024-09-19</a:t>
             </a:fld>
             <a:endParaRPr lang="ko-KR" altLang="en-US"/>
           </a:p>
@@ -2961,7 +2961,7 @@
           <a:p>
             <a:fld id="{6464DA1F-012E-F647-BE90-9DF5CCDD3465}" type="datetimeFigureOut">
               <a:rPr kumimoji="1" lang="ko-KR" altLang="en-US" smtClean="0"/>
-              <a:t>2024-09-18</a:t>
+              <a:t>2024-09-19</a:t>
             </a:fld>
             <a:endParaRPr kumimoji="1" lang="ko-KR" altLang="en-US"/>
           </a:p>
@@ -3159,7 +3159,7 @@
           <a:p>
             <a:fld id="{6464DA1F-012E-F647-BE90-9DF5CCDD3465}" type="datetimeFigureOut">
               <a:rPr kumimoji="1" lang="ko-KR" altLang="en-US" smtClean="0"/>
-              <a:t>2024-09-18</a:t>
+              <a:t>2024-09-19</a:t>
             </a:fld>
             <a:endParaRPr kumimoji="1" lang="ko-KR" altLang="en-US"/>
           </a:p>
@@ -3367,7 +3367,7 @@
           <a:p>
             <a:fld id="{6464DA1F-012E-F647-BE90-9DF5CCDD3465}" type="datetimeFigureOut">
               <a:rPr kumimoji="1" lang="ko-KR" altLang="en-US" smtClean="0"/>
-              <a:t>2024-09-18</a:t>
+              <a:t>2024-09-19</a:t>
             </a:fld>
             <a:endParaRPr kumimoji="1" lang="ko-KR" altLang="en-US"/>
           </a:p>
@@ -3565,7 +3565,7 @@
           <a:p>
             <a:fld id="{6464DA1F-012E-F647-BE90-9DF5CCDD3465}" type="datetimeFigureOut">
               <a:rPr kumimoji="1" lang="ko-KR" altLang="en-US" smtClean="0"/>
-              <a:t>2024-09-18</a:t>
+              <a:t>2024-09-19</a:t>
             </a:fld>
             <a:endParaRPr kumimoji="1" lang="ko-KR" altLang="en-US"/>
           </a:p>
@@ -3840,7 +3840,7 @@
           <a:p>
             <a:fld id="{6464DA1F-012E-F647-BE90-9DF5CCDD3465}" type="datetimeFigureOut">
               <a:rPr kumimoji="1" lang="ko-KR" altLang="en-US" smtClean="0"/>
-              <a:t>2024-09-18</a:t>
+              <a:t>2024-09-19</a:t>
             </a:fld>
             <a:endParaRPr kumimoji="1" lang="ko-KR" altLang="en-US"/>
           </a:p>
@@ -4105,7 +4105,7 @@
           <a:p>
             <a:fld id="{6464DA1F-012E-F647-BE90-9DF5CCDD3465}" type="datetimeFigureOut">
               <a:rPr kumimoji="1" lang="ko-KR" altLang="en-US" smtClean="0"/>
-              <a:t>2024-09-18</a:t>
+              <a:t>2024-09-19</a:t>
             </a:fld>
             <a:endParaRPr kumimoji="1" lang="ko-KR" altLang="en-US"/>
           </a:p>
@@ -4517,7 +4517,7 @@
           <a:p>
             <a:fld id="{6464DA1F-012E-F647-BE90-9DF5CCDD3465}" type="datetimeFigureOut">
               <a:rPr kumimoji="1" lang="ko-KR" altLang="en-US" smtClean="0"/>
-              <a:t>2024-09-18</a:t>
+              <a:t>2024-09-19</a:t>
             </a:fld>
             <a:endParaRPr kumimoji="1" lang="ko-KR" altLang="en-US"/>
           </a:p>
@@ -4658,7 +4658,7 @@
           <a:p>
             <a:fld id="{6464DA1F-012E-F647-BE90-9DF5CCDD3465}" type="datetimeFigureOut">
               <a:rPr kumimoji="1" lang="ko-KR" altLang="en-US" smtClean="0"/>
-              <a:t>2024-09-18</a:t>
+              <a:t>2024-09-19</a:t>
             </a:fld>
             <a:endParaRPr kumimoji="1" lang="ko-KR" altLang="en-US"/>
           </a:p>
@@ -4771,7 +4771,7 @@
           <a:p>
             <a:fld id="{6464DA1F-012E-F647-BE90-9DF5CCDD3465}" type="datetimeFigureOut">
               <a:rPr kumimoji="1" lang="ko-KR" altLang="en-US" smtClean="0"/>
-              <a:t>2024-09-18</a:t>
+              <a:t>2024-09-19</a:t>
             </a:fld>
             <a:endParaRPr kumimoji="1" lang="ko-KR" altLang="en-US"/>
           </a:p>
@@ -5082,7 +5082,7 @@
           <a:p>
             <a:fld id="{6464DA1F-012E-F647-BE90-9DF5CCDD3465}" type="datetimeFigureOut">
               <a:rPr kumimoji="1" lang="ko-KR" altLang="en-US" smtClean="0"/>
-              <a:t>2024-09-18</a:t>
+              <a:t>2024-09-19</a:t>
             </a:fld>
             <a:endParaRPr kumimoji="1" lang="ko-KR" altLang="en-US"/>
           </a:p>
@@ -5370,7 +5370,7 @@
           <a:p>
             <a:fld id="{6464DA1F-012E-F647-BE90-9DF5CCDD3465}" type="datetimeFigureOut">
               <a:rPr kumimoji="1" lang="ko-KR" altLang="en-US" smtClean="0"/>
-              <a:t>2024-09-18</a:t>
+              <a:t>2024-09-19</a:t>
             </a:fld>
             <a:endParaRPr kumimoji="1" lang="ko-KR" altLang="en-US"/>
           </a:p>
@@ -5611,7 +5611,7 @@
           <a:p>
             <a:fld id="{6464DA1F-012E-F647-BE90-9DF5CCDD3465}" type="datetimeFigureOut">
               <a:rPr kumimoji="1" lang="ko-KR" altLang="en-US" smtClean="0"/>
-              <a:t>2024-09-18</a:t>
+              <a:t>2024-09-19</a:t>
             </a:fld>
             <a:endParaRPr kumimoji="1" lang="ko-KR" altLang="en-US"/>
           </a:p>
@@ -33884,7 +33884,7 @@
           <p:nvPr>
             <p:extLst>
               <p:ext uri="{D42A27DB-BD31-4B8C-83A1-F6EECF244321}">
-                <p14:modId xmlns:p14="http://schemas.microsoft.com/office/powerpoint/2010/main" val="979843874"/>
+                <p14:modId xmlns:p14="http://schemas.microsoft.com/office/powerpoint/2010/main" val="864858375"/>
               </p:ext>
             </p:extLst>
           </p:nvPr>
@@ -34618,9 +34618,21 @@
                       </a:pPr>
                       <a:r>
                         <a:rPr lang="en-US" altLang="ko-KR" sz="1100" dirty="0"/>
-                        <a:t>0xF00</a:t>
+                        <a:t>0x</a:t>
                       </a:r>
-                      <a:endParaRPr lang="ko-KR" altLang="en-US" sz="1100" dirty="0"/>
+                      <a:r>
+                        <a:rPr lang="en-US" altLang="ko-KR" sz="1100" dirty="0">
+                          <a:solidFill>
+                            <a:srgbClr val="FF0000"/>
+                          </a:solidFill>
+                        </a:rPr>
+                        <a:t>F00</a:t>
+                      </a:r>
+                      <a:endParaRPr lang="ko-KR" altLang="en-US" sz="1100" dirty="0">
+                        <a:solidFill>
+                          <a:srgbClr val="FF0000"/>
+                        </a:solidFill>
+                      </a:endParaRPr>
                     </a:p>
                   </a:txBody>
                   <a:tcPr anchor="ctr">
@@ -34770,9 +34782,21 @@
                       </a:pPr>
                       <a:r>
                         <a:rPr lang="en-US" altLang="ko-KR" sz="1100" dirty="0"/>
-                        <a:t>0x12345F00</a:t>
+                        <a:t>0x12345</a:t>
                       </a:r>
-                      <a:endParaRPr lang="ko-KR" altLang="en-US" sz="1100" dirty="0"/>
+                      <a:r>
+                        <a:rPr lang="en-US" altLang="ko-KR" sz="1100" dirty="0">
+                          <a:solidFill>
+                            <a:srgbClr val="FF0000"/>
+                          </a:solidFill>
+                        </a:rPr>
+                        <a:t>F00</a:t>
+                      </a:r>
+                      <a:endParaRPr lang="ko-KR" altLang="en-US" sz="1100" dirty="0">
+                        <a:solidFill>
+                          <a:srgbClr val="FF0000"/>
+                        </a:solidFill>
+                      </a:endParaRPr>
                     </a:p>
                   </a:txBody>
                   <a:tcPr anchor="ctr">
@@ -35017,9 +35041,21 @@
                       <a:pPr algn="ctr" latinLnBrk="1"/>
                       <a:r>
                         <a:rPr lang="en-US" altLang="ko-KR" sz="1100" dirty="0"/>
-                        <a:t>0xA10</a:t>
+                        <a:t>0x</a:t>
                       </a:r>
-                      <a:endParaRPr lang="ko-KR" altLang="en-US" sz="1100" dirty="0"/>
+                      <a:r>
+                        <a:rPr lang="en-US" altLang="ko-KR" sz="1100" dirty="0">
+                          <a:solidFill>
+                            <a:srgbClr val="FF0000"/>
+                          </a:solidFill>
+                        </a:rPr>
+                        <a:t>A10</a:t>
+                      </a:r>
+                      <a:endParaRPr lang="ko-KR" altLang="en-US" sz="1100" dirty="0">
+                        <a:solidFill>
+                          <a:srgbClr val="FF0000"/>
+                        </a:solidFill>
+                      </a:endParaRPr>
                     </a:p>
                   </a:txBody>
                   <a:tcPr anchor="ctr">
@@ -35137,9 +35173,21 @@
                       <a:pPr algn="ctr" latinLnBrk="1"/>
                       <a:r>
                         <a:rPr lang="en-US" altLang="ko-KR" sz="1100" dirty="0"/>
-                        <a:t>0x67890A10</a:t>
+                        <a:t>0x67890</a:t>
                       </a:r>
-                      <a:endParaRPr lang="ko-KR" altLang="en-US" sz="1100" dirty="0"/>
+                      <a:r>
+                        <a:rPr lang="en-US" altLang="ko-KR" sz="1100" dirty="0">
+                          <a:solidFill>
+                            <a:srgbClr val="FF0000"/>
+                          </a:solidFill>
+                        </a:rPr>
+                        <a:t>A10</a:t>
+                      </a:r>
+                      <a:endParaRPr lang="ko-KR" altLang="en-US" sz="1100" dirty="0">
+                        <a:solidFill>
+                          <a:srgbClr val="FF0000"/>
+                        </a:solidFill>
+                      </a:endParaRPr>
                     </a:p>
                   </a:txBody>
                   <a:tcPr anchor="ctr">
@@ -35384,9 +35432,21 @@
                       <a:pPr algn="ctr" latinLnBrk="1"/>
                       <a:r>
                         <a:rPr lang="en-US" altLang="ko-KR" sz="1100" dirty="0"/>
-                        <a:t>0x300</a:t>
+                        <a:t>0x</a:t>
                       </a:r>
-                      <a:endParaRPr lang="ko-KR" altLang="en-US" sz="1100" dirty="0"/>
+                      <a:r>
+                        <a:rPr lang="en-US" altLang="ko-KR" sz="1100" dirty="0">
+                          <a:solidFill>
+                            <a:srgbClr val="FF0000"/>
+                          </a:solidFill>
+                        </a:rPr>
+                        <a:t>300</a:t>
+                      </a:r>
+                      <a:endParaRPr lang="ko-KR" altLang="en-US" sz="1100" dirty="0">
+                        <a:solidFill>
+                          <a:srgbClr val="FF0000"/>
+                        </a:solidFill>
+                      </a:endParaRPr>
                     </a:p>
                   </a:txBody>
                   <a:tcPr anchor="ctr">
@@ -35504,9 +35564,21 @@
                       <a:pPr algn="ctr" latinLnBrk="1"/>
                       <a:r>
                         <a:rPr lang="en-US" altLang="ko-KR" sz="1100" dirty="0"/>
-                        <a:t>0xABCD0300</a:t>
+                        <a:t>0xABCD0</a:t>
                       </a:r>
-                      <a:endParaRPr lang="ko-KR" altLang="en-US" sz="1100" dirty="0"/>
+                      <a:r>
+                        <a:rPr lang="en-US" altLang="ko-KR" sz="1100" dirty="0">
+                          <a:solidFill>
+                            <a:srgbClr val="FF0000"/>
+                          </a:solidFill>
+                        </a:rPr>
+                        <a:t>300</a:t>
+                      </a:r>
+                      <a:endParaRPr lang="ko-KR" altLang="en-US" sz="1100" dirty="0">
+                        <a:solidFill>
+                          <a:srgbClr val="FF0000"/>
+                        </a:solidFill>
+                      </a:endParaRPr>
                     </a:p>
                   </a:txBody>
                   <a:tcPr anchor="ctr">
@@ -39610,7 +39682,7 @@
         </p:blipFill>
         <p:spPr>
           <a:xfrm>
-            <a:off x="378119" y="615641"/>
+            <a:off x="103799" y="1244835"/>
             <a:ext cx="806516" cy="821273"/>
           </a:xfrm>
           <a:prstGeom prst="rect">
@@ -39636,7 +39708,7 @@
         </p:nvSpPr>
         <p:spPr>
           <a:xfrm>
-            <a:off x="517452" y="433597"/>
+            <a:off x="243132" y="1062791"/>
             <a:ext cx="549622" cy="276999"/>
           </a:xfrm>
           <a:prstGeom prst="rect">
@@ -39680,14 +39752,14 @@
           <p:nvPr>
             <p:extLst>
               <p:ext uri="{D42A27DB-BD31-4B8C-83A1-F6EECF244321}">
-                <p14:modId xmlns:p14="http://schemas.microsoft.com/office/powerpoint/2010/main" val="3209590297"/>
+                <p14:modId xmlns:p14="http://schemas.microsoft.com/office/powerpoint/2010/main" val="1136235700"/>
               </p:ext>
             </p:extLst>
           </p:nvPr>
         </p:nvGraphicFramePr>
         <p:xfrm>
-          <a:off x="1966686" y="852710"/>
-          <a:ext cx="2039258" cy="347134"/>
+          <a:off x="1966686" y="1283784"/>
+          <a:ext cx="2039258" cy="694268"/>
         </p:xfrm>
         <a:graphic>
           <a:graphicData uri="http://schemas.openxmlformats.org/drawingml/2006/table">
@@ -39748,6 +39820,87 @@
                   </a:ext>
                 </a:extLst>
               </a:tr>
+              <a:tr h="347134">
+                <a:tc>
+                  <a:txBody>
+                    <a:bodyPr/>
+                    <a:lstStyle/>
+                    <a:p>
+                      <a:pPr marL="0" marR="0" indent="0" algn="ctr" defTabSz="914400" rtl="0" eaLnBrk="1" fontAlgn="auto" latinLnBrk="1" hangingPunct="1">
+                        <a:lnSpc>
+                          <a:spcPct val="100000"/>
+                        </a:lnSpc>
+                        <a:spcBef>
+                          <a:spcPts val="0"/>
+                        </a:spcBef>
+                        <a:spcAft>
+                          <a:spcPts val="0"/>
+                        </a:spcAft>
+                        <a:buClrTx/>
+                        <a:buSzTx/>
+                        <a:buFontTx/>
+                        <a:buNone/>
+                        <a:tabLst/>
+                        <a:defRPr/>
+                      </a:pPr>
+                      <a:r>
+                        <a:rPr lang="en-US" altLang="ko-KR" sz="1100" dirty="0" smtClean="0"/>
+                        <a:t>0x00403</a:t>
+                      </a:r>
+                      <a:endParaRPr lang="ko-KR" altLang="en-US" sz="1100" dirty="0" smtClean="0"/>
+                    </a:p>
+                  </a:txBody>
+                  <a:tcPr anchor="ctr"/>
+                </a:tc>
+                <a:tc>
+                  <a:txBody>
+                    <a:bodyPr/>
+                    <a:lstStyle/>
+                    <a:p>
+                      <a:pPr marL="0" marR="0" indent="0" algn="ctr" defTabSz="914400" rtl="0" eaLnBrk="1" fontAlgn="auto" latinLnBrk="1" hangingPunct="1">
+                        <a:lnSpc>
+                          <a:spcPct val="100000"/>
+                        </a:lnSpc>
+                        <a:spcBef>
+                          <a:spcPts val="0"/>
+                        </a:spcBef>
+                        <a:spcAft>
+                          <a:spcPts val="0"/>
+                        </a:spcAft>
+                        <a:buClrTx/>
+                        <a:buSzTx/>
+                        <a:buFontTx/>
+                        <a:buNone/>
+                        <a:tabLst/>
+                        <a:defRPr/>
+                      </a:pPr>
+                      <a:r>
+                        <a:rPr lang="en-US" altLang="ko-KR" sz="1100" dirty="0" smtClean="0"/>
+                        <a:t>0x</a:t>
+                      </a:r>
+                      <a:r>
+                        <a:rPr lang="en-US" altLang="ko-KR" sz="1100" dirty="0" smtClean="0">
+                          <a:solidFill>
+                            <a:srgbClr val="FF0000"/>
+                          </a:solidFill>
+                        </a:rPr>
+                        <a:t>F00</a:t>
+                      </a:r>
+                      <a:endParaRPr lang="ko-KR" altLang="en-US" sz="1100" dirty="0" smtClean="0">
+                        <a:solidFill>
+                          <a:srgbClr val="FF0000"/>
+                        </a:solidFill>
+                      </a:endParaRPr>
+                    </a:p>
+                  </a:txBody>
+                  <a:tcPr anchor="ctr"/>
+                </a:tc>
+                <a:extLst>
+                  <a:ext uri="{0D108BD9-81ED-4DB2-BD59-A6C34878D82A}">
+                    <a16:rowId xmlns:a16="http://schemas.microsoft.com/office/drawing/2014/main" val="2357707829"/>
+                  </a:ext>
+                </a:extLst>
+              </a:tr>
             </a:tbl>
           </a:graphicData>
         </a:graphic>
@@ -39763,14 +39916,13 @@
           </p:cNvPr>
           <p:cNvCxnSpPr>
             <a:cxnSpLocks/>
-            <a:endCxn id="2" idx="1"/>
           </p:cNvCxnSpPr>
           <p:nvPr/>
         </p:nvCxnSpPr>
         <p:spPr>
           <a:xfrm>
-            <a:off x="1249951" y="1026277"/>
-            <a:ext cx="716735" cy="0"/>
+            <a:off x="901654" y="1627744"/>
+            <a:ext cx="1044000" cy="0"/>
           </a:xfrm>
           <a:prstGeom prst="straightConnector1">
             <a:avLst/>
@@ -39808,7 +39960,7 @@
         </p:nvSpPr>
         <p:spPr>
           <a:xfrm>
-            <a:off x="2721704" y="1240532"/>
+            <a:off x="1786434" y="937057"/>
             <a:ext cx="1545772" cy="307777"/>
           </a:xfrm>
           <a:prstGeom prst="rect">
@@ -39846,13 +39998,13 @@
           <p:nvPr>
             <p:extLst>
               <p:ext uri="{D42A27DB-BD31-4B8C-83A1-F6EECF244321}">
-                <p14:modId xmlns:p14="http://schemas.microsoft.com/office/powerpoint/2010/main" val="3105417343"/>
+                <p14:modId xmlns:p14="http://schemas.microsoft.com/office/powerpoint/2010/main" val="662337582"/>
               </p:ext>
             </p:extLst>
           </p:nvPr>
         </p:nvGraphicFramePr>
         <p:xfrm>
-          <a:off x="3772453" y="2308200"/>
+          <a:off x="3772453" y="2739274"/>
           <a:ext cx="1877234" cy="1600200"/>
         </p:xfrm>
         <a:graphic>
@@ -40010,8 +40162,28 @@
                     <a:bodyPr/>
                     <a:lstStyle/>
                     <a:p>
-                      <a:pPr algn="ctr" latinLnBrk="1"/>
-                      <a:endParaRPr lang="ko-KR" altLang="en-US" sz="900" dirty="0"/>
+                      <a:pPr marL="0" marR="0" indent="0" algn="ctr" defTabSz="914400" rtl="0" eaLnBrk="1" fontAlgn="auto" latinLnBrk="1" hangingPunct="1">
+                        <a:lnSpc>
+                          <a:spcPct val="100000"/>
+                        </a:lnSpc>
+                        <a:spcBef>
+                          <a:spcPts val="0"/>
+                        </a:spcBef>
+                        <a:spcAft>
+                          <a:spcPts val="0"/>
+                        </a:spcAft>
+                        <a:buClrTx/>
+                        <a:buSzTx/>
+                        <a:buFontTx/>
+                        <a:buNone/>
+                        <a:tabLst/>
+                        <a:defRPr/>
+                      </a:pPr>
+                      <a:r>
+                        <a:rPr lang="en-US" altLang="ko-KR" sz="900" dirty="0" smtClean="0"/>
+                        <a:t>0x00403</a:t>
+                      </a:r>
+                      <a:endParaRPr lang="ko-KR" altLang="en-US" sz="900" dirty="0" smtClean="0"/>
                     </a:p>
                   </a:txBody>
                   <a:tcPr anchor="ctr">
@@ -40083,6 +40255,10 @@
                         <a:tabLst/>
                         <a:defRPr/>
                       </a:pPr>
+                      <a:r>
+                        <a:rPr lang="en-US" altLang="ko-KR" sz="900" dirty="0" smtClean="0"/>
+                        <a:t>0x12345</a:t>
+                      </a:r>
                       <a:endParaRPr lang="ko-KR" altLang="en-US" sz="900" dirty="0"/>
                     </a:p>
                   </a:txBody>
@@ -40634,14 +40810,14 @@
           <p:nvPr>
             <p:extLst>
               <p:ext uri="{D42A27DB-BD31-4B8C-83A1-F6EECF244321}">
-                <p14:modId xmlns:p14="http://schemas.microsoft.com/office/powerpoint/2010/main" val="3170786933"/>
+                <p14:modId xmlns:p14="http://schemas.microsoft.com/office/powerpoint/2010/main" val="4264474986"/>
               </p:ext>
             </p:extLst>
           </p:nvPr>
         </p:nvGraphicFramePr>
         <p:xfrm>
-          <a:off x="6096000" y="852710"/>
-          <a:ext cx="2039258" cy="347134"/>
+          <a:off x="6096000" y="1283784"/>
+          <a:ext cx="2039258" cy="694268"/>
         </p:xfrm>
         <a:graphic>
           <a:graphicData uri="http://schemas.openxmlformats.org/drawingml/2006/table">
@@ -40702,6 +40878,71 @@
                   </a:ext>
                 </a:extLst>
               </a:tr>
+              <a:tr h="347134">
+                <a:tc>
+                  <a:txBody>
+                    <a:bodyPr/>
+                    <a:lstStyle/>
+                    <a:p>
+                      <a:pPr algn="ctr" latinLnBrk="1"/>
+                      <a:r>
+                        <a:rPr lang="en-US" altLang="ko-KR" sz="1100" dirty="0" smtClean="0"/>
+                        <a:t>0x12345</a:t>
+                      </a:r>
+                      <a:endParaRPr lang="ko-KR" altLang="en-US" sz="1100" dirty="0"/>
+                    </a:p>
+                  </a:txBody>
+                  <a:tcPr anchor="ctr"/>
+                </a:tc>
+                <a:tc>
+                  <a:txBody>
+                    <a:bodyPr/>
+                    <a:lstStyle/>
+                    <a:p>
+                      <a:pPr marL="0" marR="0" indent="0" algn="ctr" defTabSz="914400" rtl="0" eaLnBrk="1" fontAlgn="auto" latinLnBrk="1" hangingPunct="1">
+                        <a:lnSpc>
+                          <a:spcPct val="100000"/>
+                        </a:lnSpc>
+                        <a:spcBef>
+                          <a:spcPts val="0"/>
+                        </a:spcBef>
+                        <a:spcAft>
+                          <a:spcPts val="0"/>
+                        </a:spcAft>
+                        <a:buClrTx/>
+                        <a:buSzTx/>
+                        <a:buFontTx/>
+                        <a:buNone/>
+                        <a:tabLst/>
+                        <a:defRPr/>
+                      </a:pPr>
+                      <a:r>
+                        <a:rPr lang="en-US" altLang="ko-KR" sz="1100" dirty="0" smtClean="0"/>
+                        <a:t>0x</a:t>
+                      </a:r>
+                      <a:r>
+                        <a:rPr lang="en-US" altLang="ko-KR" sz="1100" dirty="0" smtClean="0">
+                          <a:solidFill>
+                            <a:srgbClr val="FF0000"/>
+                          </a:solidFill>
+                        </a:rPr>
+                        <a:t>F00</a:t>
+                      </a:r>
+                      <a:endParaRPr lang="ko-KR" altLang="en-US" sz="1100" dirty="0" smtClean="0">
+                        <a:solidFill>
+                          <a:srgbClr val="FF0000"/>
+                        </a:solidFill>
+                      </a:endParaRPr>
+                    </a:p>
+                  </a:txBody>
+                  <a:tcPr anchor="ctr"/>
+                </a:tc>
+                <a:extLst>
+                  <a:ext uri="{0D108BD9-81ED-4DB2-BD59-A6C34878D82A}">
+                    <a16:rowId xmlns:a16="http://schemas.microsoft.com/office/drawing/2014/main" val="4185102396"/>
+                  </a:ext>
+                </a:extLst>
+              </a:tr>
             </a:tbl>
           </a:graphicData>
         </a:graphic>
@@ -40720,7 +40961,7 @@
         </p:nvSpPr>
         <p:spPr>
           <a:xfrm>
-            <a:off x="6946447" y="1243160"/>
+            <a:off x="5871659" y="937058"/>
             <a:ext cx="1614714" cy="307777"/>
           </a:xfrm>
           <a:prstGeom prst="rect">
@@ -40757,7 +40998,7 @@
         </p:nvSpPr>
         <p:spPr>
           <a:xfrm>
-            <a:off x="2986315" y="852710"/>
+            <a:off x="2986315" y="1283784"/>
             <a:ext cx="1019629" cy="347126"/>
           </a:xfrm>
           <a:prstGeom prst="rect">
@@ -40804,7 +41045,7 @@
         </p:nvSpPr>
         <p:spPr>
           <a:xfrm>
-            <a:off x="7115629" y="852710"/>
+            <a:off x="7115629" y="1283784"/>
             <a:ext cx="1019629" cy="347126"/>
           </a:xfrm>
           <a:prstGeom prst="rect">
@@ -40855,7 +41096,7 @@
         </p:nvCxnSpPr>
         <p:spPr>
           <a:xfrm rot="5400000" flipH="1" flipV="1">
-            <a:off x="5560787" y="-1211947"/>
+            <a:off x="5560787" y="-780873"/>
             <a:ext cx="12700" cy="4129314"/>
           </a:xfrm>
           <a:prstGeom prst="bentConnector3">
@@ -40893,15 +41134,14 @@
           </p:cNvPr>
           <p:cNvCxnSpPr>
             <a:cxnSpLocks/>
-            <a:stCxn id="30" idx="2"/>
             <a:endCxn id="16" idx="1"/>
           </p:cNvCxnSpPr>
           <p:nvPr/>
         </p:nvCxnSpPr>
         <p:spPr>
           <a:xfrm rot="16200000" flipH="1">
-            <a:off x="2168431" y="1504278"/>
-            <a:ext cx="1908464" cy="1299579"/>
+            <a:off x="2341550" y="2108471"/>
+            <a:ext cx="1554970" cy="1306836"/>
           </a:xfrm>
           <a:prstGeom prst="bentConnector2">
             <a:avLst/>
@@ -40939,7 +41179,7 @@
         </p:nvSpPr>
         <p:spPr>
           <a:xfrm>
-            <a:off x="1963059" y="852710"/>
+            <a:off x="1963059" y="1283784"/>
             <a:ext cx="1019629" cy="347126"/>
           </a:xfrm>
           <a:prstGeom prst="rect">
@@ -40986,7 +41226,7 @@
         </p:nvSpPr>
         <p:spPr>
           <a:xfrm>
-            <a:off x="6091467" y="849544"/>
+            <a:off x="6091467" y="1280618"/>
             <a:ext cx="1019629" cy="347126"/>
           </a:xfrm>
           <a:prstGeom prst="rect">
@@ -41035,55 +41275,16 @@
           <p:cNvCxnSpPr>
             <a:cxnSpLocks/>
             <a:stCxn id="16" idx="3"/>
-            <a:endCxn id="31" idx="2"/>
+            <a:endCxn id="17" idx="2"/>
           </p:cNvCxnSpPr>
           <p:nvPr/>
         </p:nvCxnSpPr>
         <p:spPr>
           <a:xfrm flipV="1">
-            <a:off x="5649687" y="1196670"/>
-            <a:ext cx="951595" cy="1911630"/>
+            <a:off x="5649687" y="1978052"/>
+            <a:ext cx="1465942" cy="1561322"/>
           </a:xfrm>
           <a:prstGeom prst="bentConnector2">
-            <a:avLst/>
-          </a:prstGeom>
-          <a:ln>
-            <a:tailEnd type="triangle"/>
-          </a:ln>
-        </p:spPr>
-        <p:style>
-          <a:lnRef idx="1">
-            <a:schemeClr val="accent1"/>
-          </a:lnRef>
-          <a:fillRef idx="0">
-            <a:schemeClr val="accent1"/>
-          </a:fillRef>
-          <a:effectRef idx="0">
-            <a:schemeClr val="accent1"/>
-          </a:effectRef>
-          <a:fontRef idx="minor">
-            <a:schemeClr val="tx1"/>
-          </a:fontRef>
-        </p:style>
-      </p:cxnSp>
-      <p:cxnSp>
-        <p:nvCxnSpPr>
-          <p:cNvPr id="39" name="직선 화살표 연결선 38">
-            <a:extLst>
-              <a:ext uri="{FF2B5EF4-FFF2-40B4-BE49-F238E27FC236}">
-                <a16:creationId xmlns:a16="http://schemas.microsoft.com/office/drawing/2014/main" id="{0E50BD8D-54DD-EC4B-58FA-A3B5994B5850}"/>
-              </a:ext>
-            </a:extLst>
-          </p:cNvPr>
-          <p:cNvCxnSpPr/>
-          <p:nvPr/>
-        </p:nvCxnSpPr>
-        <p:spPr>
-          <a:xfrm>
-            <a:off x="8135258" y="1023107"/>
-            <a:ext cx="1422399" cy="0"/>
-          </a:xfrm>
-          <a:prstGeom prst="straightConnector1">
             <a:avLst/>
           </a:prstGeom>
           <a:ln>
@@ -41119,7 +41320,7 @@
         </p:nvSpPr>
         <p:spPr>
           <a:xfrm>
-            <a:off x="9557657" y="97972"/>
+            <a:off x="9557657" y="529046"/>
             <a:ext cx="1534886" cy="4016828"/>
           </a:xfrm>
           <a:prstGeom prst="rect">
@@ -41171,7 +41372,7 @@
         </p:nvSpPr>
         <p:spPr>
           <a:xfrm>
-            <a:off x="9378042" y="4147458"/>
+            <a:off x="9378042" y="4578532"/>
             <a:ext cx="1894115" cy="369332"/>
           </a:xfrm>
           <a:prstGeom prst="rect">
@@ -41191,6 +41392,745 @@
               <a:t>Main Memory</a:t>
             </a:r>
             <a:endParaRPr lang="ko-KR" altLang="en-US" dirty="0"/>
+          </a:p>
+        </p:txBody>
+      </p:sp>
+      <p:cxnSp>
+        <p:nvCxnSpPr>
+          <p:cNvPr id="4" name="직선 화살표 연결선 3"/>
+          <p:cNvCxnSpPr/>
+          <p:nvPr/>
+        </p:nvCxnSpPr>
+        <p:spPr>
+          <a:xfrm>
+            <a:off x="11272157" y="529046"/>
+            <a:ext cx="0" cy="4016828"/>
+          </a:xfrm>
+          <a:prstGeom prst="straightConnector1">
+            <a:avLst/>
+          </a:prstGeom>
+          <a:ln>
+            <a:tailEnd type="triangle"/>
+          </a:ln>
+        </p:spPr>
+        <p:style>
+          <a:lnRef idx="1">
+            <a:schemeClr val="dk1"/>
+          </a:lnRef>
+          <a:fillRef idx="0">
+            <a:schemeClr val="dk1"/>
+          </a:fillRef>
+          <a:effectRef idx="0">
+            <a:schemeClr val="dk1"/>
+          </a:effectRef>
+          <a:fontRef idx="minor">
+            <a:schemeClr val="tx1"/>
+          </a:fontRef>
+        </p:style>
+      </p:cxnSp>
+      <p:sp>
+        <p:nvSpPr>
+          <p:cNvPr id="5" name="TextBox 4"/>
+          <p:cNvSpPr txBox="1"/>
+          <p:nvPr/>
+        </p:nvSpPr>
+        <p:spPr>
+          <a:xfrm>
+            <a:off x="11348357" y="633838"/>
+            <a:ext cx="843643" cy="338554"/>
+          </a:xfrm>
+          <a:prstGeom prst="rect">
+            <a:avLst/>
+          </a:prstGeom>
+          <a:noFill/>
+        </p:spPr>
+        <p:txBody>
+          <a:bodyPr wrap="square" rtlCol="0">
+            <a:spAutoFit/>
+          </a:bodyPr>
+          <a:lstStyle/>
+          <a:p>
+            <a:r>
+              <a:rPr lang="en-US" altLang="ko-KR" sz="1600" b="1" dirty="0" smtClean="0"/>
+              <a:t>series</a:t>
+            </a:r>
+            <a:endParaRPr lang="ko-KR" altLang="en-US" sz="1600" b="1" dirty="0"/>
+          </a:p>
+        </p:txBody>
+      </p:sp>
+      <p:sp>
+        <p:nvSpPr>
+          <p:cNvPr id="7" name="직사각형 6"/>
+          <p:cNvSpPr/>
+          <p:nvPr/>
+        </p:nvSpPr>
+        <p:spPr>
+          <a:xfrm>
+            <a:off x="9557657" y="1979383"/>
+            <a:ext cx="1534886" cy="933634"/>
+          </a:xfrm>
+          <a:prstGeom prst="rect">
+            <a:avLst/>
+          </a:prstGeom>
+          <a:noFill/>
+        </p:spPr>
+        <p:style>
+          <a:lnRef idx="2">
+            <a:schemeClr val="accent1">
+              <a:shade val="50000"/>
+            </a:schemeClr>
+          </a:lnRef>
+          <a:fillRef idx="1">
+            <a:schemeClr val="accent1"/>
+          </a:fillRef>
+          <a:effectRef idx="0">
+            <a:schemeClr val="accent1"/>
+          </a:effectRef>
+          <a:fontRef idx="minor">
+            <a:schemeClr val="lt1"/>
+          </a:fontRef>
+        </p:style>
+        <p:txBody>
+          <a:bodyPr rtlCol="0" anchor="ctr"/>
+          <a:lstStyle/>
+          <a:p>
+            <a:pPr algn="ctr"/>
+            <a:endParaRPr lang="ko-KR" altLang="en-US"/>
+          </a:p>
+        </p:txBody>
+      </p:sp>
+      <p:cxnSp>
+        <p:nvCxnSpPr>
+          <p:cNvPr id="14" name="꺾인 연결선 13"/>
+          <p:cNvCxnSpPr>
+            <a:stCxn id="22" idx="3"/>
+          </p:cNvCxnSpPr>
+          <p:nvPr/>
+        </p:nvCxnSpPr>
+        <p:spPr>
+          <a:xfrm>
+            <a:off x="8135258" y="1457347"/>
+            <a:ext cx="1422399" cy="522036"/>
+          </a:xfrm>
+          <a:prstGeom prst="bentConnector3">
+            <a:avLst/>
+          </a:prstGeom>
+          <a:ln>
+            <a:tailEnd type="triangle"/>
+          </a:ln>
+        </p:spPr>
+        <p:style>
+          <a:lnRef idx="1">
+            <a:schemeClr val="accent1"/>
+          </a:lnRef>
+          <a:fillRef idx="0">
+            <a:schemeClr val="accent1"/>
+          </a:fillRef>
+          <a:effectRef idx="0">
+            <a:schemeClr val="accent1"/>
+          </a:effectRef>
+          <a:fontRef idx="minor">
+            <a:schemeClr val="tx1"/>
+          </a:fontRef>
+        </p:style>
+      </p:cxnSp>
+      <p:sp>
+        <p:nvSpPr>
+          <p:cNvPr id="15" name="직사각형 14"/>
+          <p:cNvSpPr/>
+          <p:nvPr/>
+        </p:nvSpPr>
+        <p:spPr>
+          <a:xfrm>
+            <a:off x="998856" y="1735790"/>
+            <a:ext cx="872355" cy="246221"/>
+          </a:xfrm>
+          <a:prstGeom prst="rect">
+            <a:avLst/>
+          </a:prstGeom>
+        </p:spPr>
+        <p:txBody>
+          <a:bodyPr wrap="none">
+            <a:spAutoFit/>
+          </a:bodyPr>
+          <a:lstStyle/>
+          <a:p>
+            <a:pPr algn="ctr"/>
+            <a:r>
+              <a:rPr lang="en-US" altLang="ko-KR" sz="1000" dirty="0"/>
+              <a:t>0x00403F00</a:t>
+            </a:r>
+            <a:endParaRPr lang="ko-KR" altLang="en-US" sz="1000" dirty="0"/>
+          </a:p>
+        </p:txBody>
+      </p:sp>
+      <p:sp>
+        <p:nvSpPr>
+          <p:cNvPr id="27" name="직사각형 26"/>
+          <p:cNvSpPr/>
+          <p:nvPr/>
+        </p:nvSpPr>
+        <p:spPr>
+          <a:xfrm>
+            <a:off x="8673990" y="1853759"/>
+            <a:ext cx="891843" cy="246221"/>
+          </a:xfrm>
+          <a:prstGeom prst="rect">
+            <a:avLst/>
+          </a:prstGeom>
+        </p:spPr>
+        <p:txBody>
+          <a:bodyPr wrap="square">
+            <a:spAutoFit/>
+          </a:bodyPr>
+          <a:lstStyle/>
+          <a:p>
+            <a:r>
+              <a:rPr lang="en-US" altLang="ko-KR" sz="1000" dirty="0" smtClean="0"/>
+              <a:t>0x12345000</a:t>
+            </a:r>
+            <a:endParaRPr lang="ko-KR" altLang="en-US" sz="1000" dirty="0"/>
+          </a:p>
+        </p:txBody>
+      </p:sp>
+      <p:sp>
+        <p:nvSpPr>
+          <p:cNvPr id="36" name="직사각형 35"/>
+          <p:cNvSpPr/>
+          <p:nvPr/>
+        </p:nvSpPr>
+        <p:spPr>
+          <a:xfrm>
+            <a:off x="8678890" y="431074"/>
+            <a:ext cx="878767" cy="246221"/>
+          </a:xfrm>
+          <a:prstGeom prst="rect">
+            <a:avLst/>
+          </a:prstGeom>
+        </p:spPr>
+        <p:txBody>
+          <a:bodyPr wrap="none">
+            <a:spAutoFit/>
+          </a:bodyPr>
+          <a:lstStyle/>
+          <a:p>
+            <a:r>
+              <a:rPr lang="en-US" altLang="ko-KR" sz="1000" dirty="0" smtClean="0"/>
+              <a:t>0x00000000</a:t>
+            </a:r>
+            <a:endParaRPr lang="ko-KR" altLang="en-US" sz="1000" dirty="0"/>
+          </a:p>
+        </p:txBody>
+      </p:sp>
+      <p:sp>
+        <p:nvSpPr>
+          <p:cNvPr id="29" name="직사각형 28"/>
+          <p:cNvSpPr/>
+          <p:nvPr/>
+        </p:nvSpPr>
+        <p:spPr>
+          <a:xfrm>
+            <a:off x="8661551" y="2338456"/>
+            <a:ext cx="936474" cy="261610"/>
+          </a:xfrm>
+          <a:prstGeom prst="rect">
+            <a:avLst/>
+          </a:prstGeom>
+        </p:spPr>
+        <p:txBody>
+          <a:bodyPr wrap="none">
+            <a:spAutoFit/>
+          </a:bodyPr>
+          <a:lstStyle/>
+          <a:p>
+            <a:pPr algn="ctr">
+              <a:defRPr/>
+            </a:pPr>
+            <a:r>
+              <a:rPr lang="en-US" altLang="ko-KR" sz="1050" dirty="0"/>
+              <a:t>0x12345</a:t>
+            </a:r>
+            <a:r>
+              <a:rPr lang="en-US" altLang="ko-KR" sz="1050" dirty="0">
+                <a:solidFill>
+                  <a:srgbClr val="FF0000"/>
+                </a:solidFill>
+              </a:rPr>
+              <a:t>F00</a:t>
+            </a:r>
+            <a:endParaRPr lang="ko-KR" altLang="en-US" sz="1050" dirty="0">
+              <a:solidFill>
+                <a:srgbClr val="FF0000"/>
+              </a:solidFill>
+            </a:endParaRPr>
+          </a:p>
+        </p:txBody>
+      </p:sp>
+      <p:cxnSp>
+        <p:nvCxnSpPr>
+          <p:cNvPr id="37" name="직선 화살표 연결선 36"/>
+          <p:cNvCxnSpPr/>
+          <p:nvPr/>
+        </p:nvCxnSpPr>
+        <p:spPr>
+          <a:xfrm>
+            <a:off x="9777639" y="1984403"/>
+            <a:ext cx="0" cy="468000"/>
+          </a:xfrm>
+          <a:prstGeom prst="straightConnector1">
+            <a:avLst/>
+          </a:prstGeom>
+          <a:ln>
+            <a:tailEnd type="triangle"/>
+          </a:ln>
+        </p:spPr>
+        <p:style>
+          <a:lnRef idx="1">
+            <a:schemeClr val="dk1"/>
+          </a:lnRef>
+          <a:fillRef idx="0">
+            <a:schemeClr val="dk1"/>
+          </a:fillRef>
+          <a:effectRef idx="0">
+            <a:schemeClr val="dk1"/>
+          </a:effectRef>
+          <a:fontRef idx="minor">
+            <a:schemeClr val="tx1"/>
+          </a:fontRef>
+        </p:style>
+      </p:cxnSp>
+      <p:cxnSp>
+        <p:nvCxnSpPr>
+          <p:cNvPr id="33" name="직선 연결선 32"/>
+          <p:cNvCxnSpPr>
+            <a:stCxn id="7" idx="1"/>
+            <a:endCxn id="7" idx="3"/>
+          </p:cNvCxnSpPr>
+          <p:nvPr/>
+        </p:nvCxnSpPr>
+        <p:spPr>
+          <a:xfrm>
+            <a:off x="9557657" y="2446200"/>
+            <a:ext cx="1534886" cy="0"/>
+          </a:xfrm>
+          <a:prstGeom prst="line">
+            <a:avLst/>
+          </a:prstGeom>
+        </p:spPr>
+        <p:style>
+          <a:lnRef idx="1">
+            <a:schemeClr val="accent1"/>
+          </a:lnRef>
+          <a:fillRef idx="0">
+            <a:schemeClr val="accent1"/>
+          </a:fillRef>
+          <a:effectRef idx="0">
+            <a:schemeClr val="accent1"/>
+          </a:effectRef>
+          <a:fontRef idx="minor">
+            <a:schemeClr val="tx1"/>
+          </a:fontRef>
+        </p:style>
+      </p:cxnSp>
+      <p:sp>
+        <p:nvSpPr>
+          <p:cNvPr id="34" name="직사각형 33"/>
+          <p:cNvSpPr/>
+          <p:nvPr/>
+        </p:nvSpPr>
+        <p:spPr>
+          <a:xfrm>
+            <a:off x="9777639" y="2079971"/>
+            <a:ext cx="519693" cy="246221"/>
+          </a:xfrm>
+          <a:prstGeom prst="rect">
+            <a:avLst/>
+          </a:prstGeom>
+        </p:spPr>
+        <p:txBody>
+          <a:bodyPr wrap="none">
+            <a:spAutoFit/>
+          </a:bodyPr>
+          <a:lstStyle/>
+          <a:p>
+            <a:pPr algn="ctr">
+              <a:defRPr/>
+            </a:pPr>
+            <a:r>
+              <a:rPr lang="en-US" altLang="ko-KR" sz="1000" dirty="0"/>
+              <a:t>0x</a:t>
+            </a:r>
+            <a:r>
+              <a:rPr lang="en-US" altLang="ko-KR" sz="1000" dirty="0">
+                <a:solidFill>
+                  <a:srgbClr val="FF0000"/>
+                </a:solidFill>
+              </a:rPr>
+              <a:t>F00</a:t>
+            </a:r>
+            <a:endParaRPr lang="ko-KR" altLang="en-US" sz="1000" dirty="0">
+              <a:solidFill>
+                <a:srgbClr val="FF0000"/>
+              </a:solidFill>
+            </a:endParaRPr>
+          </a:p>
+        </p:txBody>
+      </p:sp>
+      <p:sp>
+        <p:nvSpPr>
+          <p:cNvPr id="42" name="TextBox 41"/>
+          <p:cNvSpPr txBox="1"/>
+          <p:nvPr/>
+        </p:nvSpPr>
+        <p:spPr>
+          <a:xfrm>
+            <a:off x="243131" y="4867139"/>
+            <a:ext cx="9710057" cy="338554"/>
+          </a:xfrm>
+          <a:prstGeom prst="rect">
+            <a:avLst/>
+          </a:prstGeom>
+          <a:noFill/>
+        </p:spPr>
+        <p:txBody>
+          <a:bodyPr wrap="square" rtlCol="0">
+            <a:spAutoFit/>
+          </a:bodyPr>
+          <a:lstStyle/>
+          <a:p>
+            <a:r>
+              <a:rPr lang="en-US" altLang="ko-KR" sz="1600" dirty="0" smtClean="0"/>
+              <a:t>Logical Address</a:t>
+            </a:r>
+            <a:r>
+              <a:rPr lang="ko-KR" altLang="en-US" sz="1600" dirty="0" smtClean="0"/>
+              <a:t>는 </a:t>
+            </a:r>
+            <a:r>
+              <a:rPr lang="en-US" altLang="ko-KR" sz="1600" dirty="0" smtClean="0"/>
+              <a:t>page(</a:t>
+            </a:r>
+            <a:r>
+              <a:rPr lang="ko-KR" altLang="en-US" sz="1600" dirty="0" smtClean="0"/>
+              <a:t>상위 </a:t>
+            </a:r>
+            <a:r>
+              <a:rPr lang="en-US" altLang="ko-KR" sz="1600" dirty="0" smtClean="0"/>
+              <a:t>20</a:t>
+            </a:r>
+            <a:r>
+              <a:rPr lang="ko-KR" altLang="en-US" sz="1600" dirty="0" smtClean="0"/>
+              <a:t>비트</a:t>
+            </a:r>
+            <a:r>
+              <a:rPr lang="en-US" altLang="ko-KR" sz="1600" dirty="0" smtClean="0"/>
+              <a:t>)</a:t>
+            </a:r>
+            <a:r>
+              <a:rPr lang="ko-KR" altLang="en-US" sz="1600" dirty="0" smtClean="0"/>
+              <a:t>와 </a:t>
+            </a:r>
+            <a:r>
+              <a:rPr lang="en-US" altLang="ko-KR" sz="1600" dirty="0" smtClean="0"/>
+              <a:t>offset(</a:t>
+            </a:r>
+            <a:r>
+              <a:rPr lang="ko-KR" altLang="en-US" sz="1600" dirty="0" smtClean="0"/>
+              <a:t>하위 </a:t>
+            </a:r>
+            <a:r>
+              <a:rPr lang="en-US" altLang="ko-KR" sz="1600" dirty="0" smtClean="0"/>
+              <a:t>12</a:t>
+            </a:r>
+            <a:r>
+              <a:rPr lang="ko-KR" altLang="en-US" sz="1600" dirty="0" smtClean="0"/>
+              <a:t>비트</a:t>
+            </a:r>
+            <a:r>
+              <a:rPr lang="en-US" altLang="ko-KR" sz="1600" dirty="0" smtClean="0"/>
+              <a:t>)</a:t>
+            </a:r>
+            <a:r>
+              <a:rPr lang="ko-KR" altLang="en-US" sz="1600" dirty="0" smtClean="0"/>
+              <a:t>으로 구성되어 있다</a:t>
+            </a:r>
+            <a:r>
+              <a:rPr lang="en-US" altLang="ko-KR" sz="1600" dirty="0" smtClean="0"/>
+              <a:t>.</a:t>
+            </a:r>
+            <a:endParaRPr lang="ko-KR" altLang="en-US" sz="1600" dirty="0"/>
+          </a:p>
+        </p:txBody>
+      </p:sp>
+      <p:sp>
+        <p:nvSpPr>
+          <p:cNvPr id="44" name="TextBox 43"/>
+          <p:cNvSpPr txBox="1"/>
+          <p:nvPr/>
+        </p:nvSpPr>
+        <p:spPr>
+          <a:xfrm>
+            <a:off x="298737" y="185091"/>
+            <a:ext cx="3831771" cy="307777"/>
+          </a:xfrm>
+          <a:prstGeom prst="rect">
+            <a:avLst/>
+          </a:prstGeom>
+          <a:noFill/>
+        </p:spPr>
+        <p:txBody>
+          <a:bodyPr wrap="square" rtlCol="0">
+            <a:spAutoFit/>
+          </a:bodyPr>
+          <a:lstStyle/>
+          <a:p>
+            <a:r>
+              <a:rPr lang="en-US" altLang="ko-KR" sz="1400" smtClean="0"/>
+              <a:t>Memory Mapping </a:t>
+            </a:r>
+            <a:r>
+              <a:rPr lang="ko-KR" altLang="en-US" sz="1400" dirty="0" smtClean="0"/>
+              <a:t>메커니즘</a:t>
+            </a:r>
+            <a:endParaRPr lang="ko-KR" altLang="en-US" sz="1400" dirty="0"/>
+          </a:p>
+        </p:txBody>
+      </p:sp>
+      <p:sp>
+        <p:nvSpPr>
+          <p:cNvPr id="45" name="TextBox 44"/>
+          <p:cNvSpPr txBox="1"/>
+          <p:nvPr/>
+        </p:nvSpPr>
+        <p:spPr>
+          <a:xfrm>
+            <a:off x="498892" y="5854977"/>
+            <a:ext cx="9710057" cy="338554"/>
+          </a:xfrm>
+          <a:prstGeom prst="rect">
+            <a:avLst/>
+          </a:prstGeom>
+          <a:noFill/>
+        </p:spPr>
+        <p:txBody>
+          <a:bodyPr wrap="square" rtlCol="0">
+            <a:spAutoFit/>
+          </a:bodyPr>
+          <a:lstStyle/>
+          <a:p>
+            <a:r>
+              <a:rPr lang="en-US" altLang="ko-KR" sz="1600" dirty="0" smtClean="0"/>
+              <a:t>Offset</a:t>
+            </a:r>
+            <a:r>
+              <a:rPr lang="ko-KR" altLang="en-US" sz="1600" dirty="0" smtClean="0"/>
+              <a:t>은 </a:t>
+            </a:r>
+            <a:r>
+              <a:rPr lang="en-US" altLang="ko-KR" sz="1600" dirty="0" smtClean="0"/>
+              <a:t>Physical Address Offset</a:t>
+            </a:r>
+            <a:r>
+              <a:rPr lang="ko-KR" altLang="en-US" sz="1600" dirty="0" smtClean="0"/>
+              <a:t>으로 그대로 </a:t>
+            </a:r>
+            <a:r>
+              <a:rPr lang="ko-KR" altLang="en-US" sz="1600" dirty="0" err="1" smtClean="0"/>
+              <a:t>매핑된다</a:t>
+            </a:r>
+            <a:r>
+              <a:rPr lang="en-US" altLang="ko-KR" sz="1600" dirty="0" smtClean="0"/>
+              <a:t>.</a:t>
+            </a:r>
+            <a:endParaRPr lang="ko-KR" altLang="en-US" sz="1600" dirty="0"/>
+          </a:p>
+        </p:txBody>
+      </p:sp>
+      <p:sp>
+        <p:nvSpPr>
+          <p:cNvPr id="46" name="TextBox 45"/>
+          <p:cNvSpPr txBox="1"/>
+          <p:nvPr/>
+        </p:nvSpPr>
+        <p:spPr>
+          <a:xfrm>
+            <a:off x="498893" y="5379806"/>
+            <a:ext cx="9710057" cy="338554"/>
+          </a:xfrm>
+          <a:prstGeom prst="rect">
+            <a:avLst/>
+          </a:prstGeom>
+          <a:noFill/>
+        </p:spPr>
+        <p:txBody>
+          <a:bodyPr wrap="square" rtlCol="0">
+            <a:spAutoFit/>
+          </a:bodyPr>
+          <a:lstStyle/>
+          <a:p>
+            <a:r>
+              <a:rPr lang="en-US" altLang="ko-KR" sz="1600" dirty="0" smtClean="0"/>
+              <a:t>Page Address</a:t>
+            </a:r>
+            <a:r>
+              <a:rPr lang="ko-KR" altLang="en-US" sz="1600" dirty="0" smtClean="0"/>
+              <a:t>는 </a:t>
+            </a:r>
+            <a:r>
+              <a:rPr lang="en-US" altLang="ko-KR" sz="1600" dirty="0" smtClean="0"/>
+              <a:t>Page Table</a:t>
+            </a:r>
+            <a:r>
+              <a:rPr lang="ko-KR" altLang="en-US" sz="1600" dirty="0" smtClean="0"/>
+              <a:t>에서 참조하여 </a:t>
+            </a:r>
+            <a:r>
+              <a:rPr lang="en-US" altLang="ko-KR" sz="1600" dirty="0" smtClean="0"/>
+              <a:t>Frame Address (</a:t>
+            </a:r>
+            <a:r>
+              <a:rPr lang="ko-KR" altLang="en-US" sz="1600" dirty="0" smtClean="0"/>
+              <a:t>물리 프레임 주소</a:t>
+            </a:r>
+            <a:r>
+              <a:rPr lang="en-US" altLang="ko-KR" sz="1600" dirty="0" smtClean="0"/>
+              <a:t>)</a:t>
+            </a:r>
+            <a:r>
+              <a:rPr lang="ko-KR" altLang="en-US" sz="1600" dirty="0" smtClean="0"/>
+              <a:t>로 변환한다 </a:t>
+            </a:r>
+            <a:endParaRPr lang="ko-KR" altLang="en-US" sz="1600" dirty="0"/>
+          </a:p>
+        </p:txBody>
+      </p:sp>
+      <p:sp>
+        <p:nvSpPr>
+          <p:cNvPr id="47" name="TextBox 46"/>
+          <p:cNvSpPr txBox="1"/>
+          <p:nvPr/>
+        </p:nvSpPr>
+        <p:spPr>
+          <a:xfrm>
+            <a:off x="633203" y="2598771"/>
+            <a:ext cx="2954267" cy="430887"/>
+          </a:xfrm>
+          <a:prstGeom prst="rect">
+            <a:avLst/>
+          </a:prstGeom>
+          <a:noFill/>
+        </p:spPr>
+        <p:txBody>
+          <a:bodyPr wrap="square" rtlCol="0">
+            <a:spAutoFit/>
+          </a:bodyPr>
+          <a:lstStyle/>
+          <a:p>
+            <a:r>
+              <a:rPr lang="en-US" altLang="ko-KR" sz="1100" dirty="0" smtClean="0"/>
+              <a:t>1. TLB (Translation Lookaside Buffer) </a:t>
+            </a:r>
+            <a:r>
+              <a:rPr lang="ko-KR" altLang="en-US" sz="1100" dirty="0" smtClean="0"/>
+              <a:t>참조</a:t>
+            </a:r>
+            <a:endParaRPr lang="en-US" altLang="ko-KR" sz="1100" dirty="0" smtClean="0"/>
+          </a:p>
+          <a:p>
+            <a:r>
+              <a:rPr lang="en-US" altLang="ko-KR" sz="1100" dirty="0" smtClean="0"/>
+              <a:t>2. </a:t>
+            </a:r>
+            <a:r>
+              <a:rPr lang="ko-KR" altLang="en-US" sz="1100" dirty="0" smtClean="0"/>
+              <a:t>메모리 참조</a:t>
+            </a:r>
+            <a:endParaRPr lang="ko-KR" altLang="en-US" sz="1100" dirty="0"/>
+          </a:p>
+        </p:txBody>
+      </p:sp>
+      <p:sp>
+        <p:nvSpPr>
+          <p:cNvPr id="48" name="TextBox 47"/>
+          <p:cNvSpPr txBox="1"/>
+          <p:nvPr/>
+        </p:nvSpPr>
+        <p:spPr>
+          <a:xfrm>
+            <a:off x="4035523" y="2326192"/>
+            <a:ext cx="1351093" cy="307777"/>
+          </a:xfrm>
+          <a:prstGeom prst="rect">
+            <a:avLst/>
+          </a:prstGeom>
+          <a:noFill/>
+        </p:spPr>
+        <p:txBody>
+          <a:bodyPr wrap="square" rtlCol="0">
+            <a:spAutoFit/>
+          </a:bodyPr>
+          <a:lstStyle/>
+          <a:p>
+            <a:pPr algn="ctr"/>
+            <a:r>
+              <a:rPr lang="en-US" altLang="ko-KR" sz="1400" b="1" dirty="0" smtClean="0"/>
+              <a:t>Page Table</a:t>
+            </a:r>
+            <a:endParaRPr lang="ko-KR" altLang="en-US" sz="1400" b="1" dirty="0"/>
+          </a:p>
+        </p:txBody>
+      </p:sp>
+      <p:sp>
+        <p:nvSpPr>
+          <p:cNvPr id="49" name="TextBox 48"/>
+          <p:cNvSpPr txBox="1"/>
+          <p:nvPr/>
+        </p:nvSpPr>
+        <p:spPr>
+          <a:xfrm>
+            <a:off x="243131" y="6355063"/>
+            <a:ext cx="11415469" cy="338554"/>
+          </a:xfrm>
+          <a:prstGeom prst="rect">
+            <a:avLst/>
+          </a:prstGeom>
+          <a:noFill/>
+        </p:spPr>
+        <p:txBody>
+          <a:bodyPr wrap="square" rtlCol="0">
+            <a:spAutoFit/>
+          </a:bodyPr>
+          <a:lstStyle/>
+          <a:p>
+            <a:r>
+              <a:rPr lang="en-US" altLang="ko-KR" sz="1600" dirty="0" smtClean="0"/>
+              <a:t>Physical Address = Frame Number + Offset </a:t>
+            </a:r>
+            <a:r>
+              <a:rPr lang="ko-KR" altLang="en-US" sz="1600" dirty="0" smtClean="0"/>
+              <a:t>을 조합하여 </a:t>
+            </a:r>
+            <a:r>
+              <a:rPr lang="ko-KR" altLang="en-US" sz="1600" dirty="0" err="1" smtClean="0"/>
+              <a:t>물리주소를</a:t>
+            </a:r>
+            <a:r>
+              <a:rPr lang="ko-KR" altLang="en-US" sz="1600" dirty="0" smtClean="0"/>
+              <a:t> 조합하여 </a:t>
+            </a:r>
+            <a:r>
+              <a:rPr lang="en-US" altLang="ko-KR" sz="1600" dirty="0" smtClean="0"/>
+              <a:t>Memory</a:t>
+            </a:r>
+            <a:r>
+              <a:rPr lang="ko-KR" altLang="en-US" sz="1600" dirty="0" smtClean="0"/>
+              <a:t>상에서 특정 메모리를 찾아낸다</a:t>
+            </a:r>
+            <a:r>
+              <a:rPr lang="en-US" altLang="ko-KR" sz="1600" dirty="0" smtClean="0"/>
+              <a:t>.</a:t>
+            </a:r>
+            <a:endParaRPr lang="ko-KR" altLang="en-US" sz="1600" dirty="0"/>
           </a:p>
         </p:txBody>
       </p:sp>

--- a/CSwithC/CS-explanation.pptx
+++ b/CSwithC/CS-explanation.pptx
@@ -41885,14 +41885,14 @@
           <a:lstStyle/>
           <a:p>
             <a:r>
-              <a:rPr lang="en-US" altLang="ko-KR" sz="1400" smtClean="0"/>
+              <a:rPr lang="en-US" altLang="ko-KR" sz="1400" b="1" dirty="0" smtClean="0"/>
               <a:t>Memory Mapping </a:t>
             </a:r>
             <a:r>
-              <a:rPr lang="ko-KR" altLang="en-US" sz="1400" dirty="0" smtClean="0"/>
-              <a:t>메커니즘</a:t>
-            </a:r>
-            <a:endParaRPr lang="ko-KR" altLang="en-US" sz="1400" dirty="0"/>
+              <a:rPr lang="ko-KR" altLang="en-US" sz="1400" b="1" dirty="0" smtClean="0"/>
+              <a:t>메커니즘 그림</a:t>
+            </a:r>
+            <a:endParaRPr lang="ko-KR" altLang="en-US" sz="1400" b="1" dirty="0"/>
           </a:p>
         </p:txBody>
       </p:sp>

--- a/CSwithC/CS-explanation.pptx
+++ b/CSwithC/CS-explanation.pptx
@@ -26012,36 +26012,6 @@
           </a:scene3d>
         </p:spPr>
       </p:pic>
-      <p:sp>
-        <p:nvSpPr>
-          <p:cNvPr id="5" name="TextBox 4"/>
-          <p:cNvSpPr txBox="1"/>
-          <p:nvPr/>
-        </p:nvSpPr>
-        <p:spPr>
-          <a:xfrm>
-            <a:off x="8815717" y="3106465"/>
-            <a:ext cx="3000054" cy="369332"/>
-          </a:xfrm>
-          <a:prstGeom prst="rect">
-            <a:avLst/>
-          </a:prstGeom>
-          <a:noFill/>
-        </p:spPr>
-        <p:txBody>
-          <a:bodyPr wrap="square" rtlCol="0">
-            <a:spAutoFit/>
-          </a:bodyPr>
-          <a:lstStyle/>
-          <a:p>
-            <a:r>
-              <a:rPr lang="en-US" altLang="ko-KR" dirty="0"/>
-              <a:t>Process1</a:t>
-            </a:r>
-            <a:endParaRPr lang="ko-KR" altLang="en-US" dirty="0"/>
-          </a:p>
-        </p:txBody>
-      </p:sp>
     </p:spTree>
     <p:extLst>
       <p:ext uri="{BB962C8B-B14F-4D97-AF65-F5344CB8AC3E}">

--- a/CSwithC/CS-explanation.pptx
+++ b/CSwithC/CS-explanation.pptx
@@ -5,7 +5,7 @@
     <p:sldMasterId id="2147483648" r:id="rId1"/>
   </p:sldMasterIdLst>
   <p:notesMasterIdLst>
-    <p:notesMasterId r:id="rId28"/>
+    <p:notesMasterId r:id="rId30"/>
   </p:notesMasterIdLst>
   <p:sldIdLst>
     <p:sldId id="266" r:id="rId2"/>
@@ -22,18 +22,20 @@
     <p:sldId id="283" r:id="rId13"/>
     <p:sldId id="278" r:id="rId14"/>
     <p:sldId id="274" r:id="rId15"/>
-    <p:sldId id="277" r:id="rId16"/>
-    <p:sldId id="275" r:id="rId17"/>
-    <p:sldId id="269" r:id="rId18"/>
-    <p:sldId id="256" r:id="rId19"/>
-    <p:sldId id="257" r:id="rId20"/>
-    <p:sldId id="258" r:id="rId21"/>
-    <p:sldId id="260" r:id="rId22"/>
-    <p:sldId id="259" r:id="rId23"/>
-    <p:sldId id="262" r:id="rId24"/>
-    <p:sldId id="261" r:id="rId25"/>
-    <p:sldId id="263" r:id="rId26"/>
-    <p:sldId id="264" r:id="rId27"/>
+    <p:sldId id="275" r:id="rId16"/>
+    <p:sldId id="269" r:id="rId17"/>
+    <p:sldId id="256" r:id="rId18"/>
+    <p:sldId id="257" r:id="rId19"/>
+    <p:sldId id="258" r:id="rId20"/>
+    <p:sldId id="260" r:id="rId21"/>
+    <p:sldId id="259" r:id="rId22"/>
+    <p:sldId id="262" r:id="rId23"/>
+    <p:sldId id="261" r:id="rId24"/>
+    <p:sldId id="263" r:id="rId25"/>
+    <p:sldId id="264" r:id="rId26"/>
+    <p:sldId id="284" r:id="rId27"/>
+    <p:sldId id="285" r:id="rId28"/>
+    <p:sldId id="286" r:id="rId29"/>
   </p:sldIdLst>
   <p:sldSz cx="12192000" cy="6858000"/>
   <p:notesSz cx="6858000" cy="9144000"/>
@@ -222,7 +224,7 @@
           <a:p>
             <a:fld id="{63E2A1E9-AE86-4A77-ADFA-78382643A96E}" type="datetimeFigureOut">
               <a:rPr lang="ko-KR" altLang="en-US" smtClean="0"/>
-              <a:t>2024-09-19</a:t>
+              <a:t>2024-09-22</a:t>
             </a:fld>
             <a:endParaRPr lang="ko-KR" altLang="en-US"/>
           </a:p>
@@ -747,7 +749,7 @@
     </p:spTree>
     <p:extLst>
       <p:ext uri="{BB962C8B-B14F-4D97-AF65-F5344CB8AC3E}">
-        <p14:creationId xmlns:p14="http://schemas.microsoft.com/office/powerpoint/2010/main" val="720762078"/>
+        <p14:creationId xmlns:p14="http://schemas.microsoft.com/office/powerpoint/2010/main" val="2357716431"/>
       </p:ext>
     </p:extLst>
   </p:cSld>
@@ -801,6 +803,377 @@
           <a:bodyPr/>
           <a:lstStyle/>
           <a:p>
+            <a:pPr marL="0" marR="0" indent="0" algn="l" defTabSz="914400" rtl="0" eaLnBrk="1" fontAlgn="auto" latinLnBrk="1" hangingPunct="1">
+              <a:lnSpc>
+                <a:spcPct val="100000"/>
+              </a:lnSpc>
+              <a:spcBef>
+                <a:spcPts val="0"/>
+              </a:spcBef>
+              <a:spcAft>
+                <a:spcPts val="0"/>
+              </a:spcAft>
+              <a:buClrTx/>
+              <a:buSzTx/>
+              <a:buFontTx/>
+              <a:buNone/>
+              <a:tabLst/>
+              <a:defRPr/>
+            </a:pPr>
+            <a:r>
+              <a:rPr lang="ko-KR" altLang="en-US" sz="1200" dirty="0"/>
+              <a:t>설명</a:t>
+            </a:r>
+            <a:r>
+              <a:rPr lang="en-US" altLang="ko-KR" sz="1200" dirty="0"/>
+              <a:t>: App1</a:t>
+            </a:r>
+            <a:r>
+              <a:rPr lang="ko-KR" altLang="en-US" sz="1200" dirty="0"/>
+              <a:t>의 여러 연산은 직접 </a:t>
+            </a:r>
+            <a:r>
+              <a:rPr lang="en-US" altLang="ko-KR" sz="1200" dirty="0"/>
+              <a:t>CPU</a:t>
+            </a:r>
+            <a:r>
+              <a:rPr lang="ko-KR" altLang="en-US" sz="1200" dirty="0"/>
+              <a:t>에서 읽으면서 연산한다</a:t>
+            </a:r>
+            <a:r>
+              <a:rPr lang="en-US" altLang="ko-KR" sz="1200" dirty="0"/>
+              <a:t>. </a:t>
+            </a:r>
+            <a:r>
+              <a:rPr lang="ko-KR" altLang="en-US" sz="1200" dirty="0"/>
+              <a:t>다만 </a:t>
+            </a:r>
+            <a:r>
+              <a:rPr lang="en-US" altLang="ko-KR" sz="1200" dirty="0"/>
+              <a:t>System Call</a:t>
+            </a:r>
+            <a:r>
+              <a:rPr lang="ko-KR" altLang="en-US" sz="1200" dirty="0"/>
+              <a:t>을 </a:t>
+            </a:r>
+            <a:r>
+              <a:rPr lang="ko-KR" altLang="en-US" sz="1200" dirty="0" err="1"/>
+              <a:t>할때</a:t>
+            </a:r>
+            <a:r>
+              <a:rPr lang="ko-KR" altLang="en-US" sz="1200" dirty="0"/>
+              <a:t> </a:t>
+            </a:r>
+            <a:r>
+              <a:rPr lang="en-US" altLang="ko-KR" sz="1200" dirty="0"/>
+              <a:t>(OS Logic)</a:t>
+            </a:r>
+            <a:r>
+              <a:rPr lang="ko-KR" altLang="en-US" sz="1200" dirty="0"/>
+              <a:t>예를 들어 다른 주변 기기에서 </a:t>
+            </a:r>
+            <a:r>
+              <a:rPr lang="en-US" altLang="ko-KR" sz="1200" dirty="0"/>
+              <a:t>Input</a:t>
+            </a:r>
+            <a:r>
+              <a:rPr lang="ko-KR" altLang="en-US" sz="1200" dirty="0"/>
+              <a:t>이 있거나 </a:t>
+            </a:r>
+            <a:r>
+              <a:rPr lang="en-US" altLang="ko-KR" sz="1200" dirty="0"/>
+              <a:t>Storage</a:t>
+            </a:r>
+            <a:r>
+              <a:rPr lang="ko-KR" altLang="en-US" sz="1200" dirty="0"/>
+              <a:t>에서 데이터를 </a:t>
+            </a:r>
+            <a:r>
+              <a:rPr lang="ko-KR" altLang="en-US" sz="1200" dirty="0" err="1"/>
+              <a:t>받아온다던지</a:t>
+            </a:r>
+            <a:r>
+              <a:rPr lang="ko-KR" altLang="en-US" sz="1200" dirty="0"/>
+              <a:t> </a:t>
+            </a:r>
+            <a:r>
+              <a:rPr lang="ko-KR" altLang="en-US" sz="1200" dirty="0" err="1"/>
+              <a:t>이럴때는</a:t>
+            </a:r>
+            <a:r>
+              <a:rPr lang="ko-KR" altLang="en-US" sz="1200" dirty="0"/>
+              <a:t> </a:t>
+            </a:r>
+            <a:r>
+              <a:rPr lang="en-US" altLang="ko-KR" sz="1200" dirty="0"/>
+              <a:t>OS Process Logic</a:t>
+            </a:r>
+            <a:r>
+              <a:rPr lang="ko-KR" altLang="en-US" sz="1200" dirty="0"/>
+              <a:t>을 태워야 한다</a:t>
+            </a:r>
+            <a:r>
+              <a:rPr lang="en-US" altLang="ko-KR" sz="1200" dirty="0"/>
+              <a:t>. </a:t>
+            </a:r>
+            <a:r>
+              <a:rPr lang="ko-KR" altLang="en-US" sz="1200" dirty="0" err="1"/>
+              <a:t>이럴때</a:t>
+            </a:r>
+            <a:r>
+              <a:rPr lang="ko-KR" altLang="en-US" sz="1200" dirty="0"/>
+              <a:t> </a:t>
+            </a:r>
+            <a:r>
+              <a:rPr lang="en-US" altLang="ko-KR" sz="1200" dirty="0"/>
+              <a:t>App1</a:t>
+            </a:r>
+            <a:r>
+              <a:rPr lang="ko-KR" altLang="en-US" sz="1200" dirty="0"/>
+              <a:t>을 읽다가 </a:t>
+            </a:r>
+            <a:r>
+              <a:rPr lang="en-US" altLang="ko-KR" sz="1200" dirty="0"/>
+              <a:t>OS process</a:t>
+            </a:r>
+            <a:r>
+              <a:rPr lang="ko-KR" altLang="en-US" sz="1200" dirty="0"/>
+              <a:t>에 있는 </a:t>
+            </a:r>
+            <a:r>
+              <a:rPr lang="en-US" altLang="ko-KR" sz="1200" dirty="0"/>
+              <a:t>Logic</a:t>
+            </a:r>
+            <a:r>
+              <a:rPr lang="ko-KR" altLang="en-US" sz="1200" dirty="0"/>
+              <a:t>을 읽어야 하므로 </a:t>
+            </a:r>
+            <a:r>
+              <a:rPr lang="en-US" altLang="ko-KR" sz="1200" dirty="0"/>
+              <a:t>OS Process</a:t>
+            </a:r>
+            <a:r>
+              <a:rPr lang="ko-KR" altLang="en-US" sz="1200" dirty="0"/>
+              <a:t>의 특정 </a:t>
+            </a:r>
+            <a:r>
+              <a:rPr lang="en-US" altLang="ko-KR" sz="1200" dirty="0"/>
+              <a:t>Logic (</a:t>
+            </a:r>
+            <a:r>
+              <a:rPr lang="ko-KR" altLang="en-US" sz="1200" dirty="0"/>
+              <a:t>여기서는 파일 </a:t>
+            </a:r>
+            <a:r>
+              <a:rPr lang="en-US" altLang="ko-KR" sz="1200" dirty="0"/>
+              <a:t>Read</a:t>
+            </a:r>
+            <a:r>
+              <a:rPr lang="ko-KR" altLang="en-US" sz="1200" dirty="0"/>
+              <a:t>관련한</a:t>
+            </a:r>
+            <a:r>
+              <a:rPr lang="en-US" altLang="ko-KR" sz="1200" dirty="0"/>
+              <a:t>)</a:t>
+            </a:r>
+            <a:r>
+              <a:rPr lang="ko-KR" altLang="en-US" sz="1200" dirty="0"/>
+              <a:t>을 </a:t>
+            </a:r>
+            <a:r>
+              <a:rPr lang="ko-KR" altLang="en-US" sz="1200" dirty="0" err="1"/>
+              <a:t>읽게된다</a:t>
+            </a:r>
+            <a:r>
+              <a:rPr lang="en-US" altLang="ko-KR" sz="1200" dirty="0"/>
+              <a:t>. </a:t>
+            </a:r>
+            <a:r>
+              <a:rPr lang="ko-KR" altLang="en-US" sz="1200" dirty="0"/>
+              <a:t>이때 </a:t>
+            </a:r>
+            <a:r>
+              <a:rPr lang="en-US" altLang="ko-KR" sz="1200" dirty="0"/>
+              <a:t>Kernel Mode</a:t>
+            </a:r>
+            <a:r>
+              <a:rPr lang="ko-KR" altLang="en-US" sz="1200" dirty="0"/>
+              <a:t>라 한다</a:t>
+            </a:r>
+            <a:r>
+              <a:rPr lang="en-US" altLang="ko-KR" sz="1200" dirty="0"/>
+              <a:t>. CPU</a:t>
+            </a:r>
+            <a:r>
+              <a:rPr lang="ko-KR" altLang="en-US" sz="1200" dirty="0"/>
+              <a:t>가 </a:t>
+            </a:r>
+            <a:r>
+              <a:rPr lang="en-US" altLang="ko-KR" sz="1200" dirty="0" err="1"/>
+              <a:t>Os</a:t>
+            </a:r>
+            <a:r>
+              <a:rPr lang="en-US" altLang="ko-KR" sz="1200" dirty="0"/>
+              <a:t> Logic</a:t>
+            </a:r>
+            <a:r>
+              <a:rPr lang="ko-KR" altLang="en-US" sz="1200" dirty="0"/>
+              <a:t>을 수행하고 </a:t>
+            </a:r>
+            <a:r>
+              <a:rPr lang="ko-KR" altLang="en-US" sz="1200" dirty="0" err="1"/>
+              <a:t>있을때</a:t>
+            </a:r>
+            <a:r>
+              <a:rPr lang="ko-KR" altLang="en-US" sz="1200" dirty="0"/>
+              <a:t> 어차피 </a:t>
+            </a:r>
+            <a:r>
+              <a:rPr lang="en-US" altLang="ko-KR" sz="1200" dirty="0"/>
+              <a:t>OS</a:t>
+            </a:r>
+            <a:r>
+              <a:rPr lang="ko-KR" altLang="en-US" sz="1200" dirty="0"/>
+              <a:t>또한 </a:t>
+            </a:r>
+            <a:r>
+              <a:rPr lang="en-US" altLang="ko-KR" sz="1200" dirty="0"/>
+              <a:t>Process</a:t>
+            </a:r>
+            <a:r>
+              <a:rPr lang="ko-KR" altLang="en-US" sz="1200" dirty="0"/>
+              <a:t>이고 그 안의 작업 단위를 똑같이 </a:t>
+            </a:r>
+            <a:r>
+              <a:rPr lang="en-US" altLang="ko-KR" sz="1200" dirty="0"/>
+              <a:t>thread</a:t>
+            </a:r>
+            <a:r>
+              <a:rPr lang="ko-KR" altLang="en-US" sz="1200" dirty="0"/>
+              <a:t>단위로 </a:t>
+            </a:r>
+            <a:r>
+              <a:rPr lang="ko-KR" altLang="en-US" sz="1200" dirty="0" err="1"/>
+              <a:t>할텐데</a:t>
+            </a:r>
+            <a:r>
+              <a:rPr lang="en-US" altLang="ko-KR" sz="1200" dirty="0"/>
+              <a:t>, </a:t>
+            </a:r>
+            <a:r>
+              <a:rPr lang="ko-KR" altLang="en-US" sz="1200" dirty="0"/>
+              <a:t>이때의 </a:t>
+            </a:r>
+            <a:r>
+              <a:rPr lang="en-US" altLang="ko-KR" sz="1200" dirty="0"/>
+              <a:t>thread</a:t>
+            </a:r>
+            <a:r>
+              <a:rPr lang="ko-KR" altLang="en-US" sz="1200" dirty="0"/>
+              <a:t>를 </a:t>
+            </a:r>
+            <a:r>
+              <a:rPr lang="en-US" altLang="ko-KR" sz="1200" dirty="0"/>
+              <a:t>Kernel Thread</a:t>
+            </a:r>
+            <a:r>
+              <a:rPr lang="ko-KR" altLang="en-US" sz="1200" dirty="0"/>
+              <a:t>라 한다</a:t>
+            </a:r>
+            <a:r>
+              <a:rPr lang="en-US" altLang="ko-KR" sz="1200" dirty="0"/>
+              <a:t>.</a:t>
+            </a:r>
+            <a:endParaRPr lang="ko-KR" altLang="en-US" sz="1200" dirty="0"/>
+          </a:p>
+          <a:p>
+            <a:endParaRPr lang="en-US" altLang="ko-KR" dirty="0"/>
+          </a:p>
+          <a:p>
+            <a:r>
+              <a:rPr lang="ko-KR" altLang="en-US" dirty="0"/>
+              <a:t>그리고 여기서 </a:t>
+            </a:r>
+            <a:r>
+              <a:rPr lang="ko-KR" altLang="en-US" dirty="0" err="1"/>
+              <a:t>알수</a:t>
+            </a:r>
+            <a:r>
+              <a:rPr lang="ko-KR" altLang="en-US" dirty="0"/>
+              <a:t> 있겠지만 </a:t>
+            </a:r>
+            <a:r>
+              <a:rPr lang="en-US" altLang="ko-KR" dirty="0"/>
+              <a:t>System Call</a:t>
+            </a:r>
+            <a:r>
+              <a:rPr lang="ko-KR" altLang="en-US" dirty="0"/>
+              <a:t>은 </a:t>
+            </a:r>
+            <a:r>
+              <a:rPr lang="en-US" altLang="ko-KR" dirty="0"/>
+              <a:t>OS Process</a:t>
+            </a:r>
+            <a:r>
+              <a:rPr lang="ko-KR" altLang="en-US" dirty="0"/>
+              <a:t>가 가지고 있는 </a:t>
+            </a:r>
+            <a:r>
+              <a:rPr lang="en-US" altLang="ko-KR" dirty="0"/>
+              <a:t>logic (method)</a:t>
+            </a:r>
+            <a:r>
+              <a:rPr lang="ko-KR" altLang="en-US" dirty="0"/>
+              <a:t>를 호출하는 행위를 의미한다</a:t>
+            </a:r>
+            <a:r>
+              <a:rPr lang="en-US" altLang="ko-KR" dirty="0"/>
+              <a:t>. </a:t>
+            </a:r>
+            <a:r>
+              <a:rPr lang="ko-KR" altLang="en-US" dirty="0"/>
+              <a:t>보통 </a:t>
+            </a:r>
+            <a:r>
+              <a:rPr lang="en-US" altLang="ko-KR" dirty="0"/>
+              <a:t>OS Logic</a:t>
+            </a:r>
+            <a:r>
+              <a:rPr lang="ko-KR" altLang="en-US" dirty="0"/>
+              <a:t>은 </a:t>
+            </a:r>
+            <a:r>
+              <a:rPr lang="en-US" altLang="ko-KR" dirty="0"/>
+              <a:t>Process</a:t>
+            </a:r>
+            <a:r>
+              <a:rPr lang="ko-KR" altLang="en-US" dirty="0"/>
+              <a:t>관련 관리 </a:t>
+            </a:r>
+            <a:r>
+              <a:rPr lang="ko-KR" altLang="en-US" dirty="0" err="1"/>
+              <a:t>로직</a:t>
+            </a:r>
+            <a:r>
+              <a:rPr lang="en-US" altLang="ko-KR" dirty="0"/>
+              <a:t>, Hardware </a:t>
+            </a:r>
+            <a:r>
+              <a:rPr lang="ko-KR" altLang="en-US" dirty="0"/>
+              <a:t>제어 </a:t>
+            </a:r>
+            <a:r>
+              <a:rPr lang="ko-KR" altLang="en-US" dirty="0" err="1"/>
+              <a:t>로직등이</a:t>
+            </a:r>
+            <a:r>
+              <a:rPr lang="ko-KR" altLang="en-US" dirty="0"/>
+              <a:t> 들어가 있다</a:t>
+            </a:r>
+            <a:r>
+              <a:rPr lang="en-US" altLang="ko-KR" dirty="0"/>
+              <a:t>.</a:t>
+            </a:r>
             <a:endParaRPr lang="ko-KR" altLang="en-US" dirty="0"/>
           </a:p>
         </p:txBody>
@@ -822,7 +1195,7 @@
           <a:p>
             <a:fld id="{16AFB6E1-9A93-4EBD-AB39-332ADB6F73BD}" type="slidenum">
               <a:rPr lang="ko-KR" altLang="en-US" smtClean="0"/>
-              <a:t>16</a:t>
+              <a:t>20</a:t>
             </a:fld>
             <a:endParaRPr lang="ko-KR" altLang="en-US"/>
           </a:p>
@@ -831,7 +1204,7 @@
     </p:spTree>
     <p:extLst>
       <p:ext uri="{BB962C8B-B14F-4D97-AF65-F5344CB8AC3E}">
-        <p14:creationId xmlns:p14="http://schemas.microsoft.com/office/powerpoint/2010/main" val="2357716431"/>
+        <p14:creationId xmlns:p14="http://schemas.microsoft.com/office/powerpoint/2010/main" val="2449296183"/>
       </p:ext>
     </p:extLst>
   </p:cSld>
@@ -885,461 +1258,6 @@
           <a:bodyPr/>
           <a:lstStyle/>
           <a:p>
-            <a:pPr marL="0" marR="0" indent="0" algn="l" defTabSz="914400" rtl="0" eaLnBrk="1" fontAlgn="auto" latinLnBrk="1" hangingPunct="1">
-              <a:lnSpc>
-                <a:spcPct val="100000"/>
-              </a:lnSpc>
-              <a:spcBef>
-                <a:spcPts val="0"/>
-              </a:spcBef>
-              <a:spcAft>
-                <a:spcPts val="0"/>
-              </a:spcAft>
-              <a:buClrTx/>
-              <a:buSzTx/>
-              <a:buFontTx/>
-              <a:buNone/>
-              <a:tabLst/>
-              <a:defRPr/>
-            </a:pPr>
-            <a:r>
-              <a:rPr lang="ko-KR" altLang="en-US" sz="1200" dirty="0"/>
-              <a:t>설명</a:t>
-            </a:r>
-            <a:r>
-              <a:rPr lang="en-US" altLang="ko-KR" sz="1200" dirty="0"/>
-              <a:t>: App1</a:t>
-            </a:r>
-            <a:r>
-              <a:rPr lang="ko-KR" altLang="en-US" sz="1200" dirty="0"/>
-              <a:t>의 여러 연산은 직접 </a:t>
-            </a:r>
-            <a:r>
-              <a:rPr lang="en-US" altLang="ko-KR" sz="1200" dirty="0"/>
-              <a:t>CPU</a:t>
-            </a:r>
-            <a:r>
-              <a:rPr lang="ko-KR" altLang="en-US" sz="1200" dirty="0"/>
-              <a:t>에서 읽으면서 연산한다</a:t>
-            </a:r>
-            <a:r>
-              <a:rPr lang="en-US" altLang="ko-KR" sz="1200" dirty="0"/>
-              <a:t>. </a:t>
-            </a:r>
-            <a:r>
-              <a:rPr lang="ko-KR" altLang="en-US" sz="1200" dirty="0"/>
-              <a:t>다만 </a:t>
-            </a:r>
-            <a:r>
-              <a:rPr lang="en-US" altLang="ko-KR" sz="1200" dirty="0"/>
-              <a:t>System Call</a:t>
-            </a:r>
-            <a:r>
-              <a:rPr lang="ko-KR" altLang="en-US" sz="1200" dirty="0"/>
-              <a:t>을 </a:t>
-            </a:r>
-            <a:r>
-              <a:rPr lang="ko-KR" altLang="en-US" sz="1200" dirty="0" err="1"/>
-              <a:t>할때</a:t>
-            </a:r>
-            <a:r>
-              <a:rPr lang="ko-KR" altLang="en-US" sz="1200" dirty="0"/>
-              <a:t> </a:t>
-            </a:r>
-            <a:r>
-              <a:rPr lang="en-US" altLang="ko-KR" sz="1200" dirty="0"/>
-              <a:t>(OS Logic)</a:t>
-            </a:r>
-            <a:r>
-              <a:rPr lang="ko-KR" altLang="en-US" sz="1200" dirty="0"/>
-              <a:t>예를 들어 다른 주변 기기에서 </a:t>
-            </a:r>
-            <a:r>
-              <a:rPr lang="en-US" altLang="ko-KR" sz="1200" dirty="0"/>
-              <a:t>Input</a:t>
-            </a:r>
-            <a:r>
-              <a:rPr lang="ko-KR" altLang="en-US" sz="1200" dirty="0"/>
-              <a:t>이 있거나 </a:t>
-            </a:r>
-            <a:r>
-              <a:rPr lang="en-US" altLang="ko-KR" sz="1200" dirty="0"/>
-              <a:t>Storage</a:t>
-            </a:r>
-            <a:r>
-              <a:rPr lang="ko-KR" altLang="en-US" sz="1200" dirty="0"/>
-              <a:t>에서 데이터를 </a:t>
-            </a:r>
-            <a:r>
-              <a:rPr lang="ko-KR" altLang="en-US" sz="1200" dirty="0" err="1"/>
-              <a:t>받아온다던지</a:t>
-            </a:r>
-            <a:r>
-              <a:rPr lang="ko-KR" altLang="en-US" sz="1200" dirty="0"/>
-              <a:t> </a:t>
-            </a:r>
-            <a:r>
-              <a:rPr lang="ko-KR" altLang="en-US" sz="1200" dirty="0" err="1"/>
-              <a:t>이럴때는</a:t>
-            </a:r>
-            <a:r>
-              <a:rPr lang="ko-KR" altLang="en-US" sz="1200" dirty="0"/>
-              <a:t> </a:t>
-            </a:r>
-            <a:r>
-              <a:rPr lang="en-US" altLang="ko-KR" sz="1200" dirty="0"/>
-              <a:t>OS Process Logic</a:t>
-            </a:r>
-            <a:r>
-              <a:rPr lang="ko-KR" altLang="en-US" sz="1200" dirty="0"/>
-              <a:t>을 태워야 한다</a:t>
-            </a:r>
-            <a:r>
-              <a:rPr lang="en-US" altLang="ko-KR" sz="1200" dirty="0"/>
-              <a:t>. </a:t>
-            </a:r>
-            <a:r>
-              <a:rPr lang="ko-KR" altLang="en-US" sz="1200" dirty="0" err="1"/>
-              <a:t>이럴때</a:t>
-            </a:r>
-            <a:r>
-              <a:rPr lang="ko-KR" altLang="en-US" sz="1200" dirty="0"/>
-              <a:t> </a:t>
-            </a:r>
-            <a:r>
-              <a:rPr lang="en-US" altLang="ko-KR" sz="1200" dirty="0"/>
-              <a:t>App1</a:t>
-            </a:r>
-            <a:r>
-              <a:rPr lang="ko-KR" altLang="en-US" sz="1200" dirty="0"/>
-              <a:t>을 읽다가 </a:t>
-            </a:r>
-            <a:r>
-              <a:rPr lang="en-US" altLang="ko-KR" sz="1200" dirty="0"/>
-              <a:t>OS process</a:t>
-            </a:r>
-            <a:r>
-              <a:rPr lang="ko-KR" altLang="en-US" sz="1200" dirty="0"/>
-              <a:t>에 있는 </a:t>
-            </a:r>
-            <a:r>
-              <a:rPr lang="en-US" altLang="ko-KR" sz="1200" dirty="0"/>
-              <a:t>Logic</a:t>
-            </a:r>
-            <a:r>
-              <a:rPr lang="ko-KR" altLang="en-US" sz="1200" dirty="0"/>
-              <a:t>을 읽어야 하므로 </a:t>
-            </a:r>
-            <a:r>
-              <a:rPr lang="en-US" altLang="ko-KR" sz="1200" dirty="0"/>
-              <a:t>OS Process</a:t>
-            </a:r>
-            <a:r>
-              <a:rPr lang="ko-KR" altLang="en-US" sz="1200" dirty="0"/>
-              <a:t>의 특정 </a:t>
-            </a:r>
-            <a:r>
-              <a:rPr lang="en-US" altLang="ko-KR" sz="1200" dirty="0"/>
-              <a:t>Logic (</a:t>
-            </a:r>
-            <a:r>
-              <a:rPr lang="ko-KR" altLang="en-US" sz="1200" dirty="0"/>
-              <a:t>여기서는 파일 </a:t>
-            </a:r>
-            <a:r>
-              <a:rPr lang="en-US" altLang="ko-KR" sz="1200" dirty="0"/>
-              <a:t>Read</a:t>
-            </a:r>
-            <a:r>
-              <a:rPr lang="ko-KR" altLang="en-US" sz="1200" dirty="0"/>
-              <a:t>관련한</a:t>
-            </a:r>
-            <a:r>
-              <a:rPr lang="en-US" altLang="ko-KR" sz="1200" dirty="0"/>
-              <a:t>)</a:t>
-            </a:r>
-            <a:r>
-              <a:rPr lang="ko-KR" altLang="en-US" sz="1200" dirty="0"/>
-              <a:t>을 </a:t>
-            </a:r>
-            <a:r>
-              <a:rPr lang="ko-KR" altLang="en-US" sz="1200" dirty="0" err="1"/>
-              <a:t>읽게된다</a:t>
-            </a:r>
-            <a:r>
-              <a:rPr lang="en-US" altLang="ko-KR" sz="1200" dirty="0"/>
-              <a:t>. </a:t>
-            </a:r>
-            <a:r>
-              <a:rPr lang="ko-KR" altLang="en-US" sz="1200" dirty="0"/>
-              <a:t>이때 </a:t>
-            </a:r>
-            <a:r>
-              <a:rPr lang="en-US" altLang="ko-KR" sz="1200" dirty="0"/>
-              <a:t>Kernel Mode</a:t>
-            </a:r>
-            <a:r>
-              <a:rPr lang="ko-KR" altLang="en-US" sz="1200" dirty="0"/>
-              <a:t>라 한다</a:t>
-            </a:r>
-            <a:r>
-              <a:rPr lang="en-US" altLang="ko-KR" sz="1200" dirty="0"/>
-              <a:t>. CPU</a:t>
-            </a:r>
-            <a:r>
-              <a:rPr lang="ko-KR" altLang="en-US" sz="1200" dirty="0"/>
-              <a:t>가 </a:t>
-            </a:r>
-            <a:r>
-              <a:rPr lang="en-US" altLang="ko-KR" sz="1200" dirty="0" err="1"/>
-              <a:t>Os</a:t>
-            </a:r>
-            <a:r>
-              <a:rPr lang="en-US" altLang="ko-KR" sz="1200" dirty="0"/>
-              <a:t> Logic</a:t>
-            </a:r>
-            <a:r>
-              <a:rPr lang="ko-KR" altLang="en-US" sz="1200" dirty="0"/>
-              <a:t>을 수행하고 </a:t>
-            </a:r>
-            <a:r>
-              <a:rPr lang="ko-KR" altLang="en-US" sz="1200" dirty="0" err="1"/>
-              <a:t>있을때</a:t>
-            </a:r>
-            <a:r>
-              <a:rPr lang="ko-KR" altLang="en-US" sz="1200" dirty="0"/>
-              <a:t> 어차피 </a:t>
-            </a:r>
-            <a:r>
-              <a:rPr lang="en-US" altLang="ko-KR" sz="1200" dirty="0"/>
-              <a:t>OS</a:t>
-            </a:r>
-            <a:r>
-              <a:rPr lang="ko-KR" altLang="en-US" sz="1200" dirty="0"/>
-              <a:t>또한 </a:t>
-            </a:r>
-            <a:r>
-              <a:rPr lang="en-US" altLang="ko-KR" sz="1200" dirty="0"/>
-              <a:t>Process</a:t>
-            </a:r>
-            <a:r>
-              <a:rPr lang="ko-KR" altLang="en-US" sz="1200" dirty="0"/>
-              <a:t>이고 그 안의 작업 단위를 똑같이 </a:t>
-            </a:r>
-            <a:r>
-              <a:rPr lang="en-US" altLang="ko-KR" sz="1200" dirty="0"/>
-              <a:t>thread</a:t>
-            </a:r>
-            <a:r>
-              <a:rPr lang="ko-KR" altLang="en-US" sz="1200" dirty="0"/>
-              <a:t>단위로 </a:t>
-            </a:r>
-            <a:r>
-              <a:rPr lang="ko-KR" altLang="en-US" sz="1200" dirty="0" err="1"/>
-              <a:t>할텐데</a:t>
-            </a:r>
-            <a:r>
-              <a:rPr lang="en-US" altLang="ko-KR" sz="1200" dirty="0"/>
-              <a:t>, </a:t>
-            </a:r>
-            <a:r>
-              <a:rPr lang="ko-KR" altLang="en-US" sz="1200" dirty="0"/>
-              <a:t>이때의 </a:t>
-            </a:r>
-            <a:r>
-              <a:rPr lang="en-US" altLang="ko-KR" sz="1200" dirty="0"/>
-              <a:t>thread</a:t>
-            </a:r>
-            <a:r>
-              <a:rPr lang="ko-KR" altLang="en-US" sz="1200" dirty="0"/>
-              <a:t>를 </a:t>
-            </a:r>
-            <a:r>
-              <a:rPr lang="en-US" altLang="ko-KR" sz="1200" dirty="0"/>
-              <a:t>Kernel Thread</a:t>
-            </a:r>
-            <a:r>
-              <a:rPr lang="ko-KR" altLang="en-US" sz="1200" dirty="0"/>
-              <a:t>라 한다</a:t>
-            </a:r>
-            <a:r>
-              <a:rPr lang="en-US" altLang="ko-KR" sz="1200" dirty="0"/>
-              <a:t>.</a:t>
-            </a:r>
-            <a:endParaRPr lang="ko-KR" altLang="en-US" sz="1200" dirty="0"/>
-          </a:p>
-          <a:p>
-            <a:endParaRPr lang="en-US" altLang="ko-KR" dirty="0"/>
-          </a:p>
-          <a:p>
-            <a:r>
-              <a:rPr lang="ko-KR" altLang="en-US" dirty="0"/>
-              <a:t>그리고 여기서 </a:t>
-            </a:r>
-            <a:r>
-              <a:rPr lang="ko-KR" altLang="en-US" dirty="0" err="1"/>
-              <a:t>알수</a:t>
-            </a:r>
-            <a:r>
-              <a:rPr lang="ko-KR" altLang="en-US" dirty="0"/>
-              <a:t> 있겠지만 </a:t>
-            </a:r>
-            <a:r>
-              <a:rPr lang="en-US" altLang="ko-KR" dirty="0"/>
-              <a:t>System Call</a:t>
-            </a:r>
-            <a:r>
-              <a:rPr lang="ko-KR" altLang="en-US" dirty="0"/>
-              <a:t>은 </a:t>
-            </a:r>
-            <a:r>
-              <a:rPr lang="en-US" altLang="ko-KR" dirty="0"/>
-              <a:t>OS Process</a:t>
-            </a:r>
-            <a:r>
-              <a:rPr lang="ko-KR" altLang="en-US" dirty="0"/>
-              <a:t>가 가지고 있는 </a:t>
-            </a:r>
-            <a:r>
-              <a:rPr lang="en-US" altLang="ko-KR" dirty="0"/>
-              <a:t>logic (method)</a:t>
-            </a:r>
-            <a:r>
-              <a:rPr lang="ko-KR" altLang="en-US" dirty="0"/>
-              <a:t>를 호출하는 행위를 의미한다</a:t>
-            </a:r>
-            <a:r>
-              <a:rPr lang="en-US" altLang="ko-KR" dirty="0"/>
-              <a:t>. </a:t>
-            </a:r>
-            <a:r>
-              <a:rPr lang="ko-KR" altLang="en-US" dirty="0"/>
-              <a:t>보통 </a:t>
-            </a:r>
-            <a:r>
-              <a:rPr lang="en-US" altLang="ko-KR" dirty="0"/>
-              <a:t>OS Logic</a:t>
-            </a:r>
-            <a:r>
-              <a:rPr lang="ko-KR" altLang="en-US" dirty="0"/>
-              <a:t>은 </a:t>
-            </a:r>
-            <a:r>
-              <a:rPr lang="en-US" altLang="ko-KR" dirty="0"/>
-              <a:t>Process</a:t>
-            </a:r>
-            <a:r>
-              <a:rPr lang="ko-KR" altLang="en-US" dirty="0"/>
-              <a:t>관련 관리 </a:t>
-            </a:r>
-            <a:r>
-              <a:rPr lang="ko-KR" altLang="en-US" dirty="0" err="1"/>
-              <a:t>로직</a:t>
-            </a:r>
-            <a:r>
-              <a:rPr lang="en-US" altLang="ko-KR" dirty="0"/>
-              <a:t>, Hardware </a:t>
-            </a:r>
-            <a:r>
-              <a:rPr lang="ko-KR" altLang="en-US" dirty="0"/>
-              <a:t>제어 </a:t>
-            </a:r>
-            <a:r>
-              <a:rPr lang="ko-KR" altLang="en-US" dirty="0" err="1"/>
-              <a:t>로직등이</a:t>
-            </a:r>
-            <a:r>
-              <a:rPr lang="ko-KR" altLang="en-US" dirty="0"/>
-              <a:t> 들어가 있다</a:t>
-            </a:r>
-            <a:r>
-              <a:rPr lang="en-US" altLang="ko-KR" dirty="0"/>
-              <a:t>.</a:t>
-            </a:r>
-            <a:endParaRPr lang="ko-KR" altLang="en-US" dirty="0"/>
-          </a:p>
-        </p:txBody>
-      </p:sp>
-      <p:sp>
-        <p:nvSpPr>
-          <p:cNvPr id="4" name="슬라이드 번호 개체 틀 3"/>
-          <p:cNvSpPr>
-            <a:spLocks noGrp="1"/>
-          </p:cNvSpPr>
-          <p:nvPr>
-            <p:ph type="sldNum" sz="quarter" idx="10"/>
-          </p:nvPr>
-        </p:nvSpPr>
-        <p:spPr/>
-        <p:txBody>
-          <a:bodyPr/>
-          <a:lstStyle/>
-          <a:p>
-            <a:fld id="{16AFB6E1-9A93-4EBD-AB39-332ADB6F73BD}" type="slidenum">
-              <a:rPr lang="ko-KR" altLang="en-US" smtClean="0"/>
-              <a:t>21</a:t>
-            </a:fld>
-            <a:endParaRPr lang="ko-KR" altLang="en-US"/>
-          </a:p>
-        </p:txBody>
-      </p:sp>
-    </p:spTree>
-    <p:extLst>
-      <p:ext uri="{BB962C8B-B14F-4D97-AF65-F5344CB8AC3E}">
-        <p14:creationId xmlns:p14="http://schemas.microsoft.com/office/powerpoint/2010/main" val="2449296183"/>
-      </p:ext>
-    </p:extLst>
-  </p:cSld>
-  <p:clrMapOvr>
-    <a:masterClrMapping/>
-  </p:clrMapOvr>
-</p:notes>
-</file>
-
-<file path=ppt/notesSlides/notesSlide14.xml><?xml version="1.0" encoding="utf-8"?>
-<p:notes xmlns:a="http://schemas.openxmlformats.org/drawingml/2006/main" xmlns:r="http://schemas.openxmlformats.org/officeDocument/2006/relationships" xmlns:p="http://schemas.openxmlformats.org/presentationml/2006/main">
-  <p:cSld>
-    <p:spTree>
-      <p:nvGrpSpPr>
-        <p:cNvPr id="1" name=""/>
-        <p:cNvGrpSpPr/>
-        <p:nvPr/>
-      </p:nvGrpSpPr>
-      <p:grpSpPr>
-        <a:xfrm>
-          <a:off x="0" y="0"/>
-          <a:ext cx="0" cy="0"/>
-          <a:chOff x="0" y="0"/>
-          <a:chExt cx="0" cy="0"/>
-        </a:xfrm>
-      </p:grpSpPr>
-      <p:sp>
-        <p:nvSpPr>
-          <p:cNvPr id="2" name="슬라이드 이미지 개체 틀 1"/>
-          <p:cNvSpPr>
-            <a:spLocks noGrp="1" noRot="1" noChangeAspect="1"/>
-          </p:cNvSpPr>
-          <p:nvPr>
-            <p:ph type="sldImg"/>
-          </p:nvPr>
-        </p:nvSpPr>
-        <p:spPr/>
-      </p:sp>
-      <p:sp>
-        <p:nvSpPr>
-          <p:cNvPr id="3" name="슬라이드 노트 개체 틀 2"/>
-          <p:cNvSpPr>
-            <a:spLocks noGrp="1"/>
-          </p:cNvSpPr>
-          <p:nvPr>
-            <p:ph type="body" idx="1"/>
-          </p:nvPr>
-        </p:nvSpPr>
-        <p:spPr/>
-        <p:txBody>
-          <a:bodyPr/>
-          <a:lstStyle/>
-          <a:p>
             <a:endParaRPr kumimoji="1" lang="ko-KR" altLang="en-US" dirty="0"/>
           </a:p>
         </p:txBody>
@@ -1361,7 +1279,7 @@
           <a:p>
             <a:fld id="{16AFB6E1-9A93-4EBD-AB39-332ADB6F73BD}" type="slidenum">
               <a:rPr lang="ko-KR" altLang="en-US" smtClean="0"/>
-              <a:t>22</a:t>
+              <a:t>21</a:t>
             </a:fld>
             <a:endParaRPr lang="ko-KR" altLang="en-US"/>
           </a:p>
@@ -2826,7 +2744,7 @@
           <a:p>
             <a:fld id="{6464DA1F-012E-F647-BE90-9DF5CCDD3465}" type="datetimeFigureOut">
               <a:rPr kumimoji="1" lang="ko-KR" altLang="en-US" smtClean="0"/>
-              <a:t>2024-09-19</a:t>
+              <a:t>2024-09-22</a:t>
             </a:fld>
             <a:endParaRPr kumimoji="1" lang="ko-KR" altLang="en-US"/>
           </a:p>
@@ -3024,7 +2942,7 @@
           <a:p>
             <a:fld id="{6464DA1F-012E-F647-BE90-9DF5CCDD3465}" type="datetimeFigureOut">
               <a:rPr kumimoji="1" lang="ko-KR" altLang="en-US" smtClean="0"/>
-              <a:t>2024-09-19</a:t>
+              <a:t>2024-09-22</a:t>
             </a:fld>
             <a:endParaRPr kumimoji="1" lang="ko-KR" altLang="en-US"/>
           </a:p>
@@ -3232,7 +3150,7 @@
           <a:p>
             <a:fld id="{6464DA1F-012E-F647-BE90-9DF5CCDD3465}" type="datetimeFigureOut">
               <a:rPr kumimoji="1" lang="ko-KR" altLang="en-US" smtClean="0"/>
-              <a:t>2024-09-19</a:t>
+              <a:t>2024-09-22</a:t>
             </a:fld>
             <a:endParaRPr kumimoji="1" lang="ko-KR" altLang="en-US"/>
           </a:p>
@@ -3430,7 +3348,7 @@
           <a:p>
             <a:fld id="{6464DA1F-012E-F647-BE90-9DF5CCDD3465}" type="datetimeFigureOut">
               <a:rPr kumimoji="1" lang="ko-KR" altLang="en-US" smtClean="0"/>
-              <a:t>2024-09-19</a:t>
+              <a:t>2024-09-22</a:t>
             </a:fld>
             <a:endParaRPr kumimoji="1" lang="ko-KR" altLang="en-US"/>
           </a:p>
@@ -3705,7 +3623,7 @@
           <a:p>
             <a:fld id="{6464DA1F-012E-F647-BE90-9DF5CCDD3465}" type="datetimeFigureOut">
               <a:rPr kumimoji="1" lang="ko-KR" altLang="en-US" smtClean="0"/>
-              <a:t>2024-09-19</a:t>
+              <a:t>2024-09-22</a:t>
             </a:fld>
             <a:endParaRPr kumimoji="1" lang="ko-KR" altLang="en-US"/>
           </a:p>
@@ -3970,7 +3888,7 @@
           <a:p>
             <a:fld id="{6464DA1F-012E-F647-BE90-9DF5CCDD3465}" type="datetimeFigureOut">
               <a:rPr kumimoji="1" lang="ko-KR" altLang="en-US" smtClean="0"/>
-              <a:t>2024-09-19</a:t>
+              <a:t>2024-09-22</a:t>
             </a:fld>
             <a:endParaRPr kumimoji="1" lang="ko-KR" altLang="en-US"/>
           </a:p>
@@ -4382,7 +4300,7 @@
           <a:p>
             <a:fld id="{6464DA1F-012E-F647-BE90-9DF5CCDD3465}" type="datetimeFigureOut">
               <a:rPr kumimoji="1" lang="ko-KR" altLang="en-US" smtClean="0"/>
-              <a:t>2024-09-19</a:t>
+              <a:t>2024-09-22</a:t>
             </a:fld>
             <a:endParaRPr kumimoji="1" lang="ko-KR" altLang="en-US"/>
           </a:p>
@@ -4523,7 +4441,7 @@
           <a:p>
             <a:fld id="{6464DA1F-012E-F647-BE90-9DF5CCDD3465}" type="datetimeFigureOut">
               <a:rPr kumimoji="1" lang="ko-KR" altLang="en-US" smtClean="0"/>
-              <a:t>2024-09-19</a:t>
+              <a:t>2024-09-22</a:t>
             </a:fld>
             <a:endParaRPr kumimoji="1" lang="ko-KR" altLang="en-US"/>
           </a:p>
@@ -4636,7 +4554,7 @@
           <a:p>
             <a:fld id="{6464DA1F-012E-F647-BE90-9DF5CCDD3465}" type="datetimeFigureOut">
               <a:rPr kumimoji="1" lang="ko-KR" altLang="en-US" smtClean="0"/>
-              <a:t>2024-09-19</a:t>
+              <a:t>2024-09-22</a:t>
             </a:fld>
             <a:endParaRPr kumimoji="1" lang="ko-KR" altLang="en-US"/>
           </a:p>
@@ -4947,7 +4865,7 @@
           <a:p>
             <a:fld id="{6464DA1F-012E-F647-BE90-9DF5CCDD3465}" type="datetimeFigureOut">
               <a:rPr kumimoji="1" lang="ko-KR" altLang="en-US" smtClean="0"/>
-              <a:t>2024-09-19</a:t>
+              <a:t>2024-09-22</a:t>
             </a:fld>
             <a:endParaRPr kumimoji="1" lang="ko-KR" altLang="en-US"/>
           </a:p>
@@ -5235,7 +5153,7 @@
           <a:p>
             <a:fld id="{6464DA1F-012E-F647-BE90-9DF5CCDD3465}" type="datetimeFigureOut">
               <a:rPr kumimoji="1" lang="ko-KR" altLang="en-US" smtClean="0"/>
-              <a:t>2024-09-19</a:t>
+              <a:t>2024-09-22</a:t>
             </a:fld>
             <a:endParaRPr kumimoji="1" lang="ko-KR" altLang="en-US"/>
           </a:p>
@@ -5476,7 +5394,7 @@
           <a:p>
             <a:fld id="{6464DA1F-012E-F647-BE90-9DF5CCDD3465}" type="datetimeFigureOut">
               <a:rPr kumimoji="1" lang="ko-KR" altLang="en-US" smtClean="0"/>
-              <a:t>2024-09-19</a:t>
+              <a:t>2024-09-22</a:t>
             </a:fld>
             <a:endParaRPr kumimoji="1" lang="ko-KR" altLang="en-US"/>
           </a:p>
@@ -8582,11 +8500,7 @@
             </a:r>
             <a:r>
               <a:rPr lang="ko-KR" altLang="en-US" sz="1400" dirty="0" smtClean="0"/>
-              <a:t>물리 </a:t>
-            </a:r>
-            <a:r>
-              <a:rPr lang="ko-KR" altLang="en-US" sz="1400" dirty="0" smtClean="0"/>
-              <a:t>메모리의 주소 공간이 </a:t>
+              <a:t>물리 메모리의 주소 공간이 </a:t>
             </a:r>
             <a:r>
               <a:rPr lang="en-US" altLang="ko-KR" sz="1400" dirty="0" smtClean="0"/>
@@ -25912,12 +25826,17 @@
           </a:bodyPr>
           <a:lstStyle/>
           <a:p>
-            <a:pPr marL="342900" indent="-342900">
-              <a:buAutoNum type="arabicPeriod"/>
-            </a:pPr>
+            <a:r>
+              <a:rPr lang="en-US" altLang="ko-KR" sz="1400" dirty="0" smtClean="0"/>
+              <a:t>1. </a:t>
+            </a:r>
+            <a:r>
+              <a:rPr lang="ko-KR" altLang="en-US" sz="1400" dirty="0" smtClean="0"/>
+              <a:t>메모리 </a:t>
+            </a:r>
             <a:r>
               <a:rPr lang="ko-KR" altLang="en-US" sz="1400" dirty="0"/>
-              <a:t>메모리 보호 및 안정성 </a:t>
+              <a:t>보호 및 안정성 </a:t>
             </a:r>
             <a:endParaRPr lang="en-US" altLang="ko-KR" sz="1400" dirty="0"/>
           </a:p>
@@ -25960,8 +25879,12 @@
           <a:lstStyle/>
           <a:p>
             <a:r>
+              <a:rPr lang="ko-KR" altLang="en-US" sz="1400" dirty="0" smtClean="0"/>
+              <a:t> 프로세스마다 </a:t>
+            </a:r>
+            <a:r>
               <a:rPr lang="ko-KR" altLang="en-US" sz="1400" dirty="0"/>
-              <a:t>프로세스마다 페이지 테이블이 존재하고</a:t>
+              <a:t>페이지 테이블이 존재하고</a:t>
             </a:r>
             <a:r>
               <a:rPr lang="en-US" altLang="ko-KR" sz="1400" dirty="0"/>
@@ -26000,7 +25923,7 @@
         </p:blipFill>
         <p:spPr>
           <a:xfrm>
-            <a:off x="508749" y="3489470"/>
+            <a:off x="676699" y="4095960"/>
             <a:ext cx="1528440" cy="1556407"/>
           </a:xfrm>
           <a:prstGeom prst="rect">
@@ -26012,6 +25935,75 @@
           </a:scene3d>
         </p:spPr>
       </p:pic>
+      <p:sp>
+        <p:nvSpPr>
+          <p:cNvPr id="8" name="TextBox 7"/>
+          <p:cNvSpPr txBox="1"/>
+          <p:nvPr/>
+        </p:nvSpPr>
+        <p:spPr>
+          <a:xfrm>
+            <a:off x="526949" y="2666016"/>
+            <a:ext cx="10561834" cy="738664"/>
+          </a:xfrm>
+          <a:prstGeom prst="rect">
+            <a:avLst/>
+          </a:prstGeom>
+          <a:noFill/>
+        </p:spPr>
+        <p:txBody>
+          <a:bodyPr wrap="square" rtlCol="0">
+            <a:spAutoFit/>
+          </a:bodyPr>
+          <a:lstStyle/>
+          <a:p>
+            <a:r>
+              <a:rPr lang="en-US" altLang="ko-KR" sz="1400" dirty="0" smtClean="0"/>
+              <a:t>2. </a:t>
+            </a:r>
+            <a:r>
+              <a:rPr lang="ko-KR" altLang="en-US" sz="1400" dirty="0" smtClean="0"/>
+              <a:t>가상 주소의 연속성</a:t>
+            </a:r>
+            <a:endParaRPr lang="en-US" altLang="ko-KR" sz="1400" dirty="0" smtClean="0"/>
+          </a:p>
+          <a:p>
+            <a:r>
+              <a:rPr lang="en-US" altLang="ko-KR" sz="1400" dirty="0" smtClean="0"/>
+              <a:t>     </a:t>
+            </a:r>
+            <a:r>
+              <a:rPr lang="en-US" altLang="ko-KR" sz="1400" dirty="0"/>
+              <a:t>- </a:t>
+            </a:r>
+            <a:r>
+              <a:rPr lang="ko-KR" altLang="en-US" sz="1400" dirty="0" smtClean="0"/>
+              <a:t>실제 물리 메모리에서는 비연속적인 위치에 저장될 수 있다</a:t>
+            </a:r>
+            <a:r>
+              <a:rPr lang="en-US" altLang="ko-KR" sz="1400" dirty="0" smtClean="0"/>
+              <a:t>. </a:t>
+            </a:r>
+            <a:r>
+              <a:rPr lang="ko-KR" altLang="en-US" sz="1400" dirty="0" smtClean="0"/>
+              <a:t>이 부분을 효율적으로 관리할 수 있도록 연속적인 </a:t>
+            </a:r>
+            <a:r>
+              <a:rPr lang="ko-KR" altLang="en-US" sz="1400" dirty="0" err="1" smtClean="0"/>
+              <a:t>가상주소를</a:t>
+            </a:r>
+            <a:r>
+              <a:rPr lang="ko-KR" altLang="en-US" sz="1400" dirty="0" smtClean="0"/>
+              <a:t> 사용 하게 된다</a:t>
+            </a:r>
+            <a:r>
+              <a:rPr lang="en-US" altLang="ko-KR" sz="1400" dirty="0" smtClean="0"/>
+              <a:t>.</a:t>
+            </a:r>
+            <a:endParaRPr lang="en-US" altLang="ko-KR" sz="1400" dirty="0"/>
+          </a:p>
+        </p:txBody>
+      </p:sp>
     </p:spTree>
     <p:extLst>
       <p:ext uri="{BB962C8B-B14F-4D97-AF65-F5344CB8AC3E}">
@@ -26072,7 +26064,7 @@
           <a:p>
             <a:r>
               <a:rPr kumimoji="1" lang="en-US" altLang="ko-KR" sz="1600" b="1" dirty="0"/>
-              <a:t>Q.3.2 </a:t>
+              <a:t>Q.3.3 </a:t>
             </a:r>
             <a:r>
               <a:rPr kumimoji="1" lang="ko-KR" altLang="en-US" sz="1600" b="1" dirty="0" err="1"/>
@@ -26080,19 +26072,11 @@
             </a:r>
             <a:r>
               <a:rPr kumimoji="1" lang="en-US" altLang="ko-KR" sz="1600" b="1" dirty="0"/>
-              <a:t>) </a:t>
+              <a:t>) Page Table</a:t>
             </a:r>
             <a:r>
               <a:rPr kumimoji="1" lang="ko-KR" altLang="en-US" sz="1600" b="1" dirty="0"/>
-              <a:t>왜 </a:t>
-            </a:r>
-            <a:r>
-              <a:rPr kumimoji="1" lang="ko-KR" altLang="en-US" sz="1600" b="1" dirty="0" err="1"/>
-              <a:t>가상주소</a:t>
-            </a:r>
-            <a:r>
-              <a:rPr kumimoji="1" lang="ko-KR" altLang="en-US" sz="1600" b="1" dirty="0"/>
-              <a:t> 공간을 사용하는가</a:t>
+              <a:t>은 어떻게 만들어지고 관리되는가</a:t>
             </a:r>
             <a:r>
               <a:rPr kumimoji="1" lang="en-US" altLang="ko-KR" sz="1600" b="1" dirty="0"/>
@@ -26104,220 +26088,14 @@
       </p:sp>
       <p:sp>
         <p:nvSpPr>
-          <p:cNvPr id="3" name="TextBox 2"/>
-          <p:cNvSpPr txBox="1"/>
-          <p:nvPr/>
-        </p:nvSpPr>
-        <p:spPr>
-          <a:xfrm>
-            <a:off x="412221" y="762282"/>
-            <a:ext cx="10561834" cy="307777"/>
-          </a:xfrm>
-          <a:prstGeom prst="rect">
-            <a:avLst/>
-          </a:prstGeom>
-          <a:noFill/>
-        </p:spPr>
-        <p:txBody>
-          <a:bodyPr wrap="square" rtlCol="0">
-            <a:spAutoFit/>
-          </a:bodyPr>
-          <a:lstStyle/>
-          <a:p>
-            <a:r>
-              <a:rPr lang="en-US" altLang="ko-KR" sz="1400" b="1" dirty="0"/>
-              <a:t>Process</a:t>
-            </a:r>
-            <a:r>
-              <a:rPr lang="ko-KR" altLang="en-US" sz="1400" b="1" dirty="0"/>
-              <a:t>마다 개별 가상공간</a:t>
-            </a:r>
-            <a:r>
-              <a:rPr lang="en-US" altLang="ko-KR" sz="1400" b="1" dirty="0"/>
-              <a:t>(VMS)</a:t>
-            </a:r>
-            <a:r>
-              <a:rPr lang="ko-KR" altLang="en-US" sz="1400" b="1" dirty="0"/>
-              <a:t>과 </a:t>
-            </a:r>
-            <a:r>
-              <a:rPr lang="en-US" altLang="ko-KR" sz="1400" b="1" dirty="0"/>
-              <a:t>Page Table</a:t>
-            </a:r>
-            <a:r>
-              <a:rPr lang="ko-KR" altLang="en-US" sz="1400" b="1" dirty="0"/>
-              <a:t>이 존재한다</a:t>
-            </a:r>
-            <a:r>
-              <a:rPr lang="en-US" altLang="ko-KR" sz="1400" b="1" dirty="0"/>
-              <a:t>. </a:t>
-            </a:r>
-            <a:endParaRPr lang="ko-KR" altLang="en-US" sz="1400" b="1" dirty="0"/>
-          </a:p>
-        </p:txBody>
-      </p:sp>
-      <p:sp>
-        <p:nvSpPr>
-          <p:cNvPr id="13" name="TextBox 12"/>
-          <p:cNvSpPr txBox="1"/>
-          <p:nvPr/>
-        </p:nvSpPr>
-        <p:spPr>
-          <a:xfrm>
-            <a:off x="526949" y="1261967"/>
-            <a:ext cx="10561834" cy="523220"/>
-          </a:xfrm>
-          <a:prstGeom prst="rect">
-            <a:avLst/>
-          </a:prstGeom>
-          <a:noFill/>
-        </p:spPr>
-        <p:txBody>
-          <a:bodyPr wrap="square" rtlCol="0">
-            <a:spAutoFit/>
-          </a:bodyPr>
-          <a:lstStyle/>
-          <a:p>
-            <a:pPr marL="342900" indent="-342900">
-              <a:buAutoNum type="arabicPeriod"/>
-            </a:pPr>
-            <a:r>
-              <a:rPr lang="ko-KR" altLang="en-US" sz="1400" dirty="0"/>
-              <a:t>메모리 보호 및 안정성 </a:t>
-            </a:r>
-            <a:endParaRPr lang="en-US" altLang="ko-KR" sz="1400" dirty="0"/>
-          </a:p>
-          <a:p>
-            <a:r>
-              <a:rPr lang="en-US" altLang="ko-KR" sz="1400" dirty="0"/>
-              <a:t>     - </a:t>
-            </a:r>
-            <a:r>
-              <a:rPr lang="ko-KR" altLang="en-US" sz="1400" dirty="0"/>
-              <a:t>가상 메모리는 각 프로세스가 독립된 메모리 공간을 가지게 함으로써 서로의 메모리 공간에 침범하지 못하게 한다</a:t>
-            </a:r>
-            <a:r>
-              <a:rPr lang="en-US" altLang="ko-KR" sz="1400" dirty="0"/>
-              <a:t>.</a:t>
-            </a:r>
-          </a:p>
-        </p:txBody>
-      </p:sp>
-      <p:sp>
-        <p:nvSpPr>
-          <p:cNvPr id="14" name="TextBox 13"/>
-          <p:cNvSpPr txBox="1"/>
-          <p:nvPr/>
-        </p:nvSpPr>
-        <p:spPr>
-          <a:xfrm>
-            <a:off x="610855" y="1891652"/>
-            <a:ext cx="10561834" cy="523220"/>
-          </a:xfrm>
-          <a:prstGeom prst="rect">
-            <a:avLst/>
-          </a:prstGeom>
-          <a:noFill/>
-        </p:spPr>
-        <p:txBody>
-          <a:bodyPr wrap="square" rtlCol="0">
-            <a:spAutoFit/>
-          </a:bodyPr>
-          <a:lstStyle/>
-          <a:p>
-            <a:r>
-              <a:rPr lang="ko-KR" altLang="en-US" sz="1400" dirty="0"/>
-              <a:t>프로세스마다 페이지 테이블이 존재하고</a:t>
-            </a:r>
-            <a:r>
-              <a:rPr lang="en-US" altLang="ko-KR" sz="1400" dirty="0"/>
-              <a:t>, </a:t>
-            </a:r>
-            <a:r>
-              <a:rPr lang="ko-KR" altLang="en-US" sz="1400" dirty="0"/>
-              <a:t>각 프로세스마다 각자의 페이지 테이블을 참조하기때문에 서로 프로세스마다의 메모리를 침범할 이유가 없게 된다</a:t>
-            </a:r>
-            <a:r>
-              <a:rPr lang="en-US" altLang="ko-KR" sz="1400" dirty="0"/>
-              <a:t>.</a:t>
-            </a:r>
-          </a:p>
-        </p:txBody>
-      </p:sp>
-      <p:pic>
-        <p:nvPicPr>
-          <p:cNvPr id="15" name="그림 14"/>
-          <p:cNvPicPr>
-            <a:picLocks noChangeAspect="1"/>
-          </p:cNvPicPr>
-          <p:nvPr/>
-        </p:nvPicPr>
-        <p:blipFill>
-          <a:blip r:embed="rId3">
-            <a:extLst>
-              <a:ext uri="{28A0092B-C50C-407E-A947-70E740481C1C}">
-                <a14:useLocalDpi xmlns:a14="http://schemas.microsoft.com/office/drawing/2010/main" val="0"/>
-              </a:ext>
-            </a:extLst>
-          </a:blip>
-          <a:stretch>
-            <a:fillRect/>
-          </a:stretch>
-        </p:blipFill>
-        <p:spPr>
-          <a:xfrm>
-            <a:off x="508749" y="3489470"/>
-            <a:ext cx="1528440" cy="1556407"/>
-          </a:xfrm>
-          <a:prstGeom prst="rect">
-            <a:avLst/>
-          </a:prstGeom>
-          <a:scene3d>
-            <a:camera prst="perspectiveRelaxed"/>
-            <a:lightRig rig="threePt" dir="t"/>
-          </a:scene3d>
-        </p:spPr>
-      </p:pic>
-      <p:sp>
-        <p:nvSpPr>
-          <p:cNvPr id="5" name="TextBox 4"/>
-          <p:cNvSpPr txBox="1"/>
-          <p:nvPr/>
-        </p:nvSpPr>
-        <p:spPr>
-          <a:xfrm>
-            <a:off x="8815717" y="3106465"/>
-            <a:ext cx="3000054" cy="369332"/>
-          </a:xfrm>
-          <a:prstGeom prst="rect">
-            <a:avLst/>
-          </a:prstGeom>
-          <a:noFill/>
-        </p:spPr>
-        <p:txBody>
-          <a:bodyPr wrap="square" rtlCol="0">
-            <a:spAutoFit/>
-          </a:bodyPr>
-          <a:lstStyle/>
-          <a:p>
-            <a:r>
-              <a:rPr lang="en-US" altLang="ko-KR" dirty="0"/>
-              <a:t>Process1</a:t>
-            </a:r>
-            <a:endParaRPr lang="ko-KR" altLang="en-US" dirty="0"/>
-          </a:p>
-        </p:txBody>
-      </p:sp>
-      <p:sp>
-        <p:nvSpPr>
-          <p:cNvPr id="2" name="직사각형 1"/>
+          <p:cNvPr id="3" name="직사각형 2"/>
           <p:cNvSpPr/>
           <p:nvPr/>
         </p:nvSpPr>
         <p:spPr>
           <a:xfrm>
-            <a:off x="3428999" y="-129809"/>
-            <a:ext cx="10515600" cy="7571303"/>
+            <a:off x="726040" y="856198"/>
+            <a:ext cx="9784422" cy="307777"/>
           </a:xfrm>
           <a:prstGeom prst="rect">
             <a:avLst/>
@@ -26329,450 +26107,46 @@
           </a:bodyPr>
           <a:lstStyle/>
           <a:p>
-            <a:endParaRPr lang="ko-KR" altLang="en-US" dirty="0"/>
-          </a:p>
-          <a:p>
-            <a:r>
-              <a:rPr lang="ko-KR" altLang="en-US" dirty="0"/>
-              <a:t>네</a:t>
-            </a:r>
-            <a:r>
-              <a:rPr lang="en-US" altLang="ko-KR" dirty="0"/>
-              <a:t>, </a:t>
-            </a:r>
-            <a:r>
-              <a:rPr lang="ko-KR" altLang="en-US" dirty="0"/>
-              <a:t>맞습니다</a:t>
-            </a:r>
-            <a:r>
-              <a:rPr lang="en-US" altLang="ko-KR" dirty="0"/>
-              <a:t>! C </a:t>
-            </a:r>
-            <a:r>
-              <a:rPr lang="ko-KR" altLang="en-US" dirty="0"/>
-              <a:t>프로그래밍에서 사용하는 주소</a:t>
-            </a:r>
-            <a:r>
-              <a:rPr lang="en-US" altLang="ko-KR" dirty="0"/>
-              <a:t>(</a:t>
-            </a:r>
-            <a:r>
-              <a:rPr lang="ko-KR" altLang="en-US" dirty="0"/>
-              <a:t>예</a:t>
-            </a:r>
-            <a:r>
-              <a:rPr lang="en-US" altLang="ko-KR" dirty="0"/>
-              <a:t>: </a:t>
-            </a:r>
-            <a:r>
-              <a:rPr lang="ko-KR" altLang="en-US" dirty="0"/>
-              <a:t>포인터로 참조하는 주소</a:t>
-            </a:r>
-            <a:r>
-              <a:rPr lang="en-US" altLang="ko-KR" dirty="0"/>
-              <a:t>)</a:t>
-            </a:r>
-            <a:r>
-              <a:rPr lang="ko-KR" altLang="en-US" dirty="0"/>
-              <a:t>는 </a:t>
-            </a:r>
-            <a:r>
-              <a:rPr lang="ko-KR" altLang="en-US" b="1" dirty="0"/>
-              <a:t>가상 주소</a:t>
-            </a:r>
-            <a:r>
-              <a:rPr lang="ko-KR" altLang="en-US" dirty="0"/>
-              <a:t>입니다</a:t>
-            </a:r>
-            <a:r>
-              <a:rPr lang="en-US" altLang="ko-KR" dirty="0"/>
-              <a:t>. </a:t>
-            </a:r>
-            <a:r>
-              <a:rPr lang="ko-KR" altLang="en-US" dirty="0"/>
-              <a:t>즉</a:t>
-            </a:r>
-            <a:r>
-              <a:rPr lang="en-US" altLang="ko-KR" dirty="0"/>
-              <a:t>, </a:t>
-            </a:r>
-            <a:r>
-              <a:rPr lang="ko-KR" altLang="en-US" dirty="0"/>
-              <a:t>프로그램 내에서 변수나 메모리 공간을 참조할 때 사용되는 주소는 운영체제가 제공하는 </a:t>
-            </a:r>
-            <a:r>
-              <a:rPr lang="ko-KR" altLang="en-US" b="1" dirty="0"/>
-              <a:t>가상 메모리 주소</a:t>
-            </a:r>
-            <a:r>
-              <a:rPr lang="ko-KR" altLang="en-US" dirty="0"/>
-              <a:t>를 나타냅니다</a:t>
-            </a:r>
-            <a:r>
-              <a:rPr lang="en-US" altLang="ko-KR" dirty="0"/>
+            <a:r>
+              <a:rPr lang="en-US" altLang="ko-KR" sz="1400" b="1" dirty="0"/>
+              <a:t>CPU</a:t>
+            </a:r>
+            <a:r>
+              <a:rPr lang="ko-KR" altLang="en-US" sz="1400" b="1" dirty="0"/>
+              <a:t>의 </a:t>
+            </a:r>
+            <a:r>
+              <a:rPr lang="en-US" altLang="ko-KR" sz="1400" b="1" dirty="0"/>
+              <a:t>CR3 </a:t>
+            </a:r>
+            <a:r>
+              <a:rPr lang="ko-KR" altLang="en-US" sz="1400" b="1" dirty="0"/>
+              <a:t>레지스터</a:t>
+            </a:r>
+            <a:r>
+              <a:rPr lang="ko-KR" altLang="en-US" sz="1400" dirty="0"/>
+              <a:t>에는 </a:t>
+            </a:r>
+            <a:r>
+              <a:rPr lang="ko-KR" altLang="en-US" sz="1400" b="1" dirty="0"/>
+              <a:t>현재 활성화된 프로세스의 페이지 테이블 주소</a:t>
+            </a:r>
+            <a:r>
+              <a:rPr lang="ko-KR" altLang="en-US" sz="1400" dirty="0"/>
+              <a:t>가 저장되어 있다</a:t>
+            </a:r>
+            <a:r>
+              <a:rPr lang="en-US" altLang="ko-KR" sz="1400" dirty="0"/>
               <a:t>.</a:t>
             </a:r>
-          </a:p>
-          <a:p>
-            <a:r>
-              <a:rPr lang="ko-KR" altLang="en-US" b="1" dirty="0"/>
-              <a:t>가상 주소 </a:t>
-            </a:r>
-            <a:r>
-              <a:rPr lang="en-US" altLang="ko-KR" b="1" dirty="0"/>
-              <a:t>vs. </a:t>
-            </a:r>
-            <a:r>
-              <a:rPr lang="ko-KR" altLang="en-US" b="1" dirty="0"/>
-              <a:t>물리 주소</a:t>
-            </a:r>
-          </a:p>
-          <a:p>
-            <a:pPr>
-              <a:buFont typeface="+mj-lt"/>
-              <a:buAutoNum type="arabicPeriod"/>
-            </a:pPr>
-            <a:r>
-              <a:rPr lang="ko-KR" altLang="en-US" b="1" dirty="0"/>
-              <a:t>가상 주소 </a:t>
-            </a:r>
-            <a:r>
-              <a:rPr lang="en-US" altLang="ko-KR" b="1" dirty="0"/>
-              <a:t>(Virtual Address)</a:t>
-            </a:r>
-            <a:r>
-              <a:rPr lang="en-US" altLang="ko-KR" dirty="0"/>
-              <a:t>:</a:t>
-            </a:r>
-          </a:p>
-          <a:p>
-            <a:pPr marL="742950" lvl="1" indent="-285750">
-              <a:buFont typeface="+mj-lt"/>
-              <a:buAutoNum type="arabicPeriod"/>
-            </a:pPr>
-            <a:r>
-              <a:rPr lang="en-US" altLang="ko-KR" b="1" dirty="0"/>
-              <a:t>C </a:t>
-            </a:r>
-            <a:r>
-              <a:rPr lang="ko-KR" altLang="en-US" b="1" dirty="0"/>
-              <a:t>프로그래밍에서 보이는 주소는 모두 가상 주소</a:t>
-            </a:r>
-            <a:r>
-              <a:rPr lang="ko-KR" altLang="en-US" dirty="0"/>
-              <a:t>입니다</a:t>
-            </a:r>
-            <a:r>
-              <a:rPr lang="en-US" altLang="ko-KR" dirty="0"/>
-              <a:t>.</a:t>
-            </a:r>
-          </a:p>
-          <a:p>
-            <a:pPr marL="742950" lvl="1" indent="-285750">
-              <a:buFont typeface="+mj-lt"/>
-              <a:buAutoNum type="arabicPeriod"/>
-            </a:pPr>
-            <a:r>
-              <a:rPr lang="ko-KR" altLang="en-US" dirty="0"/>
-              <a:t>가상 주소는 프로그램이 실행될 때</a:t>
-            </a:r>
-            <a:r>
-              <a:rPr lang="en-US" altLang="ko-KR" dirty="0"/>
-              <a:t>, </a:t>
-            </a:r>
-            <a:r>
-              <a:rPr lang="ko-KR" altLang="en-US" dirty="0"/>
-              <a:t>운영체제가 해당 프로그램을 위해 할당하는 </a:t>
-            </a:r>
-            <a:r>
-              <a:rPr lang="ko-KR" altLang="en-US" b="1" dirty="0"/>
-              <a:t>논리적인 메모리 주소</a:t>
-            </a:r>
-            <a:r>
-              <a:rPr lang="ko-KR" altLang="en-US" dirty="0"/>
-              <a:t>입니다</a:t>
-            </a:r>
-            <a:r>
-              <a:rPr lang="en-US" altLang="ko-KR" dirty="0"/>
-              <a:t>.</a:t>
-            </a:r>
-          </a:p>
-          <a:p>
-            <a:pPr marL="742950" lvl="1" indent="-285750">
-              <a:buFont typeface="+mj-lt"/>
-              <a:buAutoNum type="arabicPeriod"/>
-            </a:pPr>
-            <a:r>
-              <a:rPr lang="ko-KR" altLang="en-US" dirty="0"/>
-              <a:t>각 프로세스는 독립적인 가상 주소 공간을 가지고 있으며</a:t>
-            </a:r>
-            <a:r>
-              <a:rPr lang="en-US" altLang="ko-KR" dirty="0"/>
-              <a:t>, </a:t>
-            </a:r>
-            <a:r>
-              <a:rPr lang="ko-KR" altLang="en-US" dirty="0"/>
-              <a:t>프로세스는 자신의 가상 주소 공간에서만 메모리 작업을 수행할 수 있습니다</a:t>
-            </a:r>
-            <a:r>
-              <a:rPr lang="en-US" altLang="ko-KR" dirty="0"/>
-              <a:t>.</a:t>
-            </a:r>
-          </a:p>
-          <a:p>
-            <a:pPr marL="742950" lvl="1" indent="-285750">
-              <a:buFont typeface="+mj-lt"/>
-              <a:buAutoNum type="arabicPeriod"/>
-            </a:pPr>
-            <a:r>
-              <a:rPr lang="ko-KR" altLang="en-US" dirty="0"/>
-              <a:t>다른 프로세스는 동일한 가상 주소를 사용할 수 있지만</a:t>
-            </a:r>
-            <a:r>
-              <a:rPr lang="en-US" altLang="ko-KR" dirty="0"/>
-              <a:t>, </a:t>
-            </a:r>
-            <a:r>
-              <a:rPr lang="ko-KR" altLang="en-US" dirty="0"/>
-              <a:t>물리적으로는 다른 메모리 영역을 가리키도록 운영체제가 관리합니다</a:t>
-            </a:r>
-            <a:r>
-              <a:rPr lang="en-US" altLang="ko-KR" dirty="0"/>
-              <a:t>.</a:t>
-            </a:r>
-          </a:p>
-          <a:p>
-            <a:pPr>
-              <a:buFont typeface="+mj-lt"/>
-              <a:buAutoNum type="arabicPeriod"/>
-            </a:pPr>
-            <a:r>
-              <a:rPr lang="ko-KR" altLang="en-US" b="1" dirty="0"/>
-              <a:t>물리 주소 </a:t>
-            </a:r>
-            <a:r>
-              <a:rPr lang="en-US" altLang="ko-KR" b="1" dirty="0"/>
-              <a:t>(Physical Address)</a:t>
-            </a:r>
-            <a:r>
-              <a:rPr lang="en-US" altLang="ko-KR" dirty="0"/>
-              <a:t>:</a:t>
-            </a:r>
-          </a:p>
-          <a:p>
-            <a:pPr marL="742950" lvl="1" indent="-285750">
-              <a:buFont typeface="+mj-lt"/>
-              <a:buAutoNum type="arabicPeriod"/>
-            </a:pPr>
-            <a:r>
-              <a:rPr lang="ko-KR" altLang="en-US" dirty="0"/>
-              <a:t>물리 주소는 </a:t>
-            </a:r>
-            <a:r>
-              <a:rPr lang="en-US" altLang="ko-KR" b="1" dirty="0"/>
-              <a:t>RAM</a:t>
-            </a:r>
-            <a:r>
-              <a:rPr lang="ko-KR" altLang="en-US" b="1" dirty="0"/>
-              <a:t>에서 실제 메모리 위치</a:t>
-            </a:r>
-            <a:r>
-              <a:rPr lang="ko-KR" altLang="en-US" dirty="0"/>
-              <a:t>를 가리키는 주소입니다</a:t>
-            </a:r>
-            <a:r>
-              <a:rPr lang="en-US" altLang="ko-KR" dirty="0"/>
-              <a:t>. CPU</a:t>
-            </a:r>
-            <a:r>
-              <a:rPr lang="ko-KR" altLang="en-US" dirty="0"/>
-              <a:t>가 메모리에 접근할 때는 실제로 물리 주소를 사용합니다</a:t>
-            </a:r>
-            <a:r>
-              <a:rPr lang="en-US" altLang="ko-KR" dirty="0"/>
-              <a:t>.</a:t>
-            </a:r>
-          </a:p>
-          <a:p>
-            <a:pPr marL="742950" lvl="1" indent="-285750">
-              <a:buFont typeface="+mj-lt"/>
-              <a:buAutoNum type="arabicPeriod"/>
-            </a:pPr>
-            <a:r>
-              <a:rPr lang="ko-KR" altLang="en-US" dirty="0"/>
-              <a:t>가상 주소와 물리 주소는 </a:t>
-            </a:r>
-            <a:r>
-              <a:rPr lang="ko-KR" altLang="en-US" b="1" dirty="0"/>
-              <a:t>페이지 테이블</a:t>
-            </a:r>
-            <a:r>
-              <a:rPr lang="ko-KR" altLang="en-US" dirty="0"/>
-              <a:t>을 통해 </a:t>
-            </a:r>
-            <a:r>
-              <a:rPr lang="ko-KR" altLang="en-US" dirty="0" err="1"/>
-              <a:t>매핑됩니다</a:t>
-            </a:r>
-            <a:r>
-              <a:rPr lang="en-US" altLang="ko-KR" dirty="0"/>
-              <a:t>. CPU</a:t>
-            </a:r>
-            <a:r>
-              <a:rPr lang="ko-KR" altLang="en-US" dirty="0"/>
-              <a:t>는 메모리 관리 장치</a:t>
-            </a:r>
-            <a:r>
-              <a:rPr lang="en-US" altLang="ko-KR" dirty="0"/>
-              <a:t>(MMU, Memory Management Unit)</a:t>
-            </a:r>
-            <a:r>
-              <a:rPr lang="ko-KR" altLang="en-US" dirty="0"/>
-              <a:t>를 통해 가상 주소를 물리 주소로 변환하여 </a:t>
-            </a:r>
-            <a:r>
-              <a:rPr lang="en-US" altLang="ko-KR" dirty="0"/>
-              <a:t>RAM</a:t>
-            </a:r>
-            <a:r>
-              <a:rPr lang="ko-KR" altLang="en-US" dirty="0"/>
-              <a:t>에 접근합니다</a:t>
-            </a:r>
-            <a:r>
-              <a:rPr lang="en-US" altLang="ko-KR" dirty="0"/>
-              <a:t>.</a:t>
-            </a:r>
-          </a:p>
-          <a:p>
-            <a:r>
-              <a:rPr lang="ko-KR" altLang="en-US" b="1" dirty="0"/>
-              <a:t>왜 가상 주소를 사용하나요</a:t>
-            </a:r>
-            <a:r>
-              <a:rPr lang="en-US" altLang="ko-KR" b="1" dirty="0"/>
-              <a:t>?</a:t>
-            </a:r>
-          </a:p>
-          <a:p>
-            <a:pPr>
-              <a:buFont typeface="Arial" panose="020B0604020202020204" pitchFamily="34" charset="0"/>
-              <a:buChar char="•"/>
-            </a:pPr>
-            <a:r>
-              <a:rPr lang="ko-KR" altLang="en-US" b="1" dirty="0"/>
-              <a:t>메모리 보호</a:t>
-            </a:r>
-            <a:r>
-              <a:rPr lang="en-US" altLang="ko-KR" dirty="0"/>
-              <a:t>: </a:t>
-            </a:r>
-            <a:r>
-              <a:rPr lang="ko-KR" altLang="en-US" dirty="0"/>
-              <a:t>각 프로세스는 자신만의 가상 주소 공간을 가지고 있으며</a:t>
-            </a:r>
-            <a:r>
-              <a:rPr lang="en-US" altLang="ko-KR" dirty="0"/>
-              <a:t>, </a:t>
-            </a:r>
-            <a:r>
-              <a:rPr lang="ko-KR" altLang="en-US" dirty="0"/>
-              <a:t>다른 프로세스의 메모리 공간에 접근하지 못합니다</a:t>
-            </a:r>
-            <a:r>
-              <a:rPr lang="en-US" altLang="ko-KR" dirty="0"/>
-              <a:t>. </a:t>
-            </a:r>
-            <a:r>
-              <a:rPr lang="ko-KR" altLang="en-US" dirty="0"/>
-              <a:t>이를 통해 프로세스 간의 메모리 침범을 방지할 수 있습니다</a:t>
-            </a:r>
-            <a:r>
-              <a:rPr lang="en-US" altLang="ko-KR" dirty="0"/>
-              <a:t>.</a:t>
-            </a:r>
-          </a:p>
-          <a:p>
-            <a:pPr>
-              <a:buFont typeface="Arial" panose="020B0604020202020204" pitchFamily="34" charset="0"/>
-              <a:buChar char="•"/>
-            </a:pPr>
-            <a:r>
-              <a:rPr lang="ko-KR" altLang="en-US" b="1" dirty="0"/>
-              <a:t>효율적인 메모리 관리</a:t>
-            </a:r>
-            <a:r>
-              <a:rPr lang="en-US" altLang="ko-KR" dirty="0"/>
-              <a:t>: </a:t>
-            </a:r>
-            <a:r>
-              <a:rPr lang="ko-KR" altLang="en-US" dirty="0"/>
-              <a:t>운영체제는 가상 메모리 시스템을 통해 프로그램이 필요한 메모리를 동적으로 할당하고 관리할 수 있습니다</a:t>
-            </a:r>
-            <a:r>
-              <a:rPr lang="en-US" altLang="ko-KR" dirty="0"/>
-              <a:t>. </a:t>
-            </a:r>
-            <a:r>
-              <a:rPr lang="ko-KR" altLang="en-US" dirty="0"/>
-              <a:t>또한 물리 메모리가 부족할 때 **스와핑</a:t>
-            </a:r>
-            <a:r>
-              <a:rPr lang="en-US" altLang="ko-KR" dirty="0"/>
-              <a:t>(Swapping)**</a:t>
-            </a:r>
-            <a:r>
-              <a:rPr lang="ko-KR" altLang="en-US" dirty="0"/>
-              <a:t>을 통해 디스크의 공간을 메모리처럼 사용할 수도 있습니다</a:t>
-            </a:r>
-            <a:r>
-              <a:rPr lang="en-US" altLang="ko-KR" dirty="0"/>
-              <a:t>.</a:t>
-            </a:r>
-          </a:p>
-          <a:p>
-            <a:pPr>
-              <a:buFont typeface="Arial" panose="020B0604020202020204" pitchFamily="34" charset="0"/>
-              <a:buChar char="•"/>
-            </a:pPr>
-            <a:r>
-              <a:rPr lang="ko-KR" altLang="en-US" b="1" dirty="0"/>
-              <a:t>가상 주소의 연속성</a:t>
-            </a:r>
-            <a:r>
-              <a:rPr lang="en-US" altLang="ko-KR" dirty="0"/>
-              <a:t>: </a:t>
-            </a:r>
-            <a:r>
-              <a:rPr lang="ko-KR" altLang="en-US" dirty="0"/>
-              <a:t>프로그램은 연속적인 가상 메모리 주소를 사용할 수 있지만</a:t>
-            </a:r>
-            <a:r>
-              <a:rPr lang="en-US" altLang="ko-KR" dirty="0"/>
-              <a:t>, </a:t>
-            </a:r>
-            <a:r>
-              <a:rPr lang="ko-KR" altLang="en-US" dirty="0"/>
-              <a:t>실제 물리 메모리에서는 비연속적인 위치에 저장될 수 있습니다</a:t>
-            </a:r>
-            <a:r>
-              <a:rPr lang="en-US" altLang="ko-KR" dirty="0"/>
-              <a:t>. </a:t>
-            </a:r>
-            <a:r>
-              <a:rPr lang="ko-KR" altLang="en-US" dirty="0"/>
-              <a:t>이는 물리 메모리를 보다 효율적으로 사용할 수 있게 해줍니다</a:t>
-            </a:r>
-            <a:r>
-              <a:rPr lang="en-US" altLang="ko-KR" dirty="0"/>
-              <a:t>.</a:t>
-            </a:r>
+            <a:endParaRPr lang="ko-KR" altLang="en-US" sz="1400" dirty="0"/>
           </a:p>
         </p:txBody>
       </p:sp>
     </p:spTree>
     <p:extLst>
       <p:ext uri="{BB962C8B-B14F-4D97-AF65-F5344CB8AC3E}">
-        <p14:creationId xmlns:p14="http://schemas.microsoft.com/office/powerpoint/2010/main" val="266872844"/>
+        <p14:creationId xmlns:p14="http://schemas.microsoft.com/office/powerpoint/2010/main" val="982899028"/>
       </p:ext>
     </p:extLst>
   </p:cSld>
@@ -26801,10 +26175,10 @@
       </p:grpSpPr>
       <p:sp>
         <p:nvSpPr>
-          <p:cNvPr id="20" name="TextBox 19">
+          <p:cNvPr id="9" name="TextBox 8">
             <a:extLst>
               <a:ext uri="{FF2B5EF4-FFF2-40B4-BE49-F238E27FC236}">
-                <a16:creationId xmlns:a16="http://schemas.microsoft.com/office/drawing/2014/main" id="{24A8B8FC-ED97-BD8A-4C78-CFA67C8E63C0}"/>
+                <a16:creationId xmlns:a16="http://schemas.microsoft.com/office/drawing/2014/main" id="{469A5102-9AC4-9D35-F992-CE99846FB09B}"/>
               </a:ext>
             </a:extLst>
           </p:cNvPr>
@@ -26813,8 +26187,8 @@
         </p:nvSpPr>
         <p:spPr>
           <a:xfrm>
-            <a:off x="283336" y="231820"/>
-            <a:ext cx="11049060" cy="338554"/>
+            <a:off x="1738489" y="2875002"/>
+            <a:ext cx="8715022" cy="553998"/>
           </a:xfrm>
           <a:prstGeom prst="rect">
             <a:avLst/>
@@ -26827,91 +26201,58 @@
           </a:bodyPr>
           <a:lstStyle/>
           <a:p>
-            <a:r>
-              <a:rPr kumimoji="1" lang="en-US" altLang="ko-KR" sz="1600" b="1" dirty="0"/>
-              <a:t>Q.3.3 </a:t>
-            </a:r>
-            <a:r>
-              <a:rPr kumimoji="1" lang="ko-KR" altLang="en-US" sz="1600" b="1" dirty="0" err="1"/>
-              <a:t>파생질문</a:t>
-            </a:r>
-            <a:r>
-              <a:rPr kumimoji="1" lang="en-US" altLang="ko-KR" sz="1600" b="1" dirty="0"/>
-              <a:t>) Page Table</a:t>
-            </a:r>
-            <a:r>
-              <a:rPr kumimoji="1" lang="ko-KR" altLang="en-US" sz="1600" b="1" dirty="0"/>
-              <a:t>은 어떻게 만들어지고 관리되는가</a:t>
-            </a:r>
-            <a:r>
-              <a:rPr kumimoji="1" lang="en-US" altLang="ko-KR" sz="1600" b="1" dirty="0"/>
-              <a:t>?</a:t>
-            </a:r>
-            <a:endParaRPr kumimoji="1" lang="ko-KR" altLang="en-US" sz="1600" b="1" dirty="0"/>
-          </a:p>
-        </p:txBody>
-      </p:sp>
-      <p:sp>
-        <p:nvSpPr>
-          <p:cNvPr id="3" name="직사각형 2"/>
-          <p:cNvSpPr/>
-          <p:nvPr/>
-        </p:nvSpPr>
-        <p:spPr>
-          <a:xfrm>
-            <a:off x="726040" y="856198"/>
-            <a:ext cx="9784422" cy="307777"/>
+            <a:pPr algn="ctr"/>
+            <a:r>
+              <a:rPr kumimoji="1" lang="ko-KR" altLang="en-US" sz="3000" dirty="0"/>
+              <a:t>데이터를 통한 소프트웨어의 관리체계</a:t>
+            </a:r>
+          </a:p>
+        </p:txBody>
+      </p:sp>
+      <p:sp>
+        <p:nvSpPr>
+          <p:cNvPr id="2" name="TextBox 1">
+            <a:extLst>
+              <a:ext uri="{FF2B5EF4-FFF2-40B4-BE49-F238E27FC236}">
+                <a16:creationId xmlns:a16="http://schemas.microsoft.com/office/drawing/2014/main" id="{862B9895-80EE-8087-2E9B-2F064D5BB040}"/>
+              </a:ext>
+            </a:extLst>
+          </p:cNvPr>
+          <p:cNvSpPr txBox="1"/>
+          <p:nvPr/>
+        </p:nvSpPr>
+        <p:spPr>
+          <a:xfrm>
+            <a:off x="2550415" y="3715794"/>
+            <a:ext cx="7091170" cy="369332"/>
           </a:xfrm>
           <a:prstGeom prst="rect">
             <a:avLst/>
           </a:prstGeom>
-        </p:spPr>
-        <p:txBody>
-          <a:bodyPr wrap="square">
+          <a:noFill/>
+        </p:spPr>
+        <p:txBody>
+          <a:bodyPr wrap="square" rtlCol="0">
             <a:spAutoFit/>
           </a:bodyPr>
           <a:lstStyle/>
           <a:p>
             <a:r>
-              <a:rPr lang="en-US" altLang="ko-KR" sz="1400" b="1" dirty="0"/>
-              <a:t>CPU</a:t>
-            </a:r>
-            <a:r>
-              <a:rPr lang="ko-KR" altLang="en-US" sz="1400" b="1" dirty="0"/>
-              <a:t>의 </a:t>
-            </a:r>
-            <a:r>
-              <a:rPr lang="en-US" altLang="ko-KR" sz="1400" b="1" dirty="0"/>
-              <a:t>CR3 </a:t>
-            </a:r>
-            <a:r>
-              <a:rPr lang="ko-KR" altLang="en-US" sz="1400" b="1" dirty="0"/>
-              <a:t>레지스터</a:t>
-            </a:r>
-            <a:r>
-              <a:rPr lang="ko-KR" altLang="en-US" sz="1400" dirty="0"/>
-              <a:t>에는 </a:t>
-            </a:r>
-            <a:r>
-              <a:rPr lang="ko-KR" altLang="en-US" sz="1400" b="1" dirty="0"/>
-              <a:t>현재 활성화된 프로세스의 페이지 테이블 주소</a:t>
-            </a:r>
-            <a:r>
-              <a:rPr lang="ko-KR" altLang="en-US" sz="1400" dirty="0"/>
-              <a:t>가 저장되어 있다</a:t>
-            </a:r>
-            <a:r>
-              <a:rPr lang="en-US" altLang="ko-KR" sz="1400" dirty="0"/>
-              <a:t>.</a:t>
-            </a:r>
-            <a:endParaRPr lang="ko-KR" altLang="en-US" sz="1400" dirty="0"/>
+              <a:rPr kumimoji="1" lang="ko-KR" altLang="en-US" dirty="0"/>
+              <a:t>주제</a:t>
+            </a:r>
+            <a:r>
+              <a:rPr kumimoji="1" lang="en-US" altLang="ko-KR" dirty="0"/>
+              <a:t>:</a:t>
+            </a:r>
+            <a:endParaRPr kumimoji="1" lang="ko-KR" altLang="en-US" dirty="0"/>
           </a:p>
         </p:txBody>
       </p:sp>
     </p:spTree>
     <p:extLst>
       <p:ext uri="{BB962C8B-B14F-4D97-AF65-F5344CB8AC3E}">
-        <p14:creationId xmlns:p14="http://schemas.microsoft.com/office/powerpoint/2010/main" val="982899028"/>
+        <p14:creationId xmlns:p14="http://schemas.microsoft.com/office/powerpoint/2010/main" val="1354234468"/>
       </p:ext>
     </p:extLst>
   </p:cSld>
@@ -26940,6 +26281,282 @@
       </p:grpSpPr>
       <p:sp>
         <p:nvSpPr>
+          <p:cNvPr id="4" name="TextBox 3">
+            <a:extLst>
+              <a:ext uri="{FF2B5EF4-FFF2-40B4-BE49-F238E27FC236}">
+                <a16:creationId xmlns:a16="http://schemas.microsoft.com/office/drawing/2014/main" id="{4EC179D5-BDDA-E632-6859-7630E3E7A414}"/>
+              </a:ext>
+            </a:extLst>
+          </p:cNvPr>
+          <p:cNvSpPr txBox="1"/>
+          <p:nvPr/>
+        </p:nvSpPr>
+        <p:spPr>
+          <a:xfrm>
+            <a:off x="485422" y="1083733"/>
+            <a:ext cx="9358489" cy="369332"/>
+          </a:xfrm>
+          <a:prstGeom prst="rect">
+            <a:avLst/>
+          </a:prstGeom>
+          <a:noFill/>
+        </p:spPr>
+        <p:txBody>
+          <a:bodyPr wrap="square" rtlCol="0">
+            <a:spAutoFit/>
+          </a:bodyPr>
+          <a:lstStyle/>
+          <a:p>
+            <a:r>
+              <a:rPr kumimoji="1" lang="en-US" altLang="ko-KR" dirty="0"/>
+              <a:t>Q1) </a:t>
+            </a:r>
+            <a:r>
+              <a:rPr kumimoji="1" lang="ko-KR" altLang="en-US" dirty="0"/>
+              <a:t>글자의 입력</a:t>
+            </a:r>
+            <a:r>
+              <a:rPr kumimoji="1" lang="en-US" altLang="ko-KR" dirty="0"/>
+              <a:t>/</a:t>
+            </a:r>
+            <a:r>
+              <a:rPr kumimoji="1" lang="ko-KR" altLang="en-US" dirty="0"/>
+              <a:t>출력의 과정에 컴퓨터에서 어떤 메커니즘이 일어나는지 </a:t>
+            </a:r>
+            <a:r>
+              <a:rPr kumimoji="1" lang="ko-KR" altLang="en-US" dirty="0" err="1"/>
+              <a:t>설명해보시오</a:t>
+            </a:r>
+            <a:r>
+              <a:rPr kumimoji="1" lang="en-US" altLang="ko-KR" dirty="0"/>
+              <a:t>.</a:t>
+            </a:r>
+            <a:endParaRPr kumimoji="1" lang="ko-KR" altLang="en-US" dirty="0"/>
+          </a:p>
+        </p:txBody>
+      </p:sp>
+      <p:sp>
+        <p:nvSpPr>
+          <p:cNvPr id="5" name="TextBox 4">
+            <a:extLst>
+              <a:ext uri="{FF2B5EF4-FFF2-40B4-BE49-F238E27FC236}">
+                <a16:creationId xmlns:a16="http://schemas.microsoft.com/office/drawing/2014/main" id="{B760D476-CBCD-76B3-69D2-8A527C64113F}"/>
+              </a:ext>
+            </a:extLst>
+          </p:cNvPr>
+          <p:cNvSpPr txBox="1"/>
+          <p:nvPr/>
+        </p:nvSpPr>
+        <p:spPr>
+          <a:xfrm>
+            <a:off x="485422" y="2195689"/>
+            <a:ext cx="9358489" cy="369332"/>
+          </a:xfrm>
+          <a:prstGeom prst="rect">
+            <a:avLst/>
+          </a:prstGeom>
+          <a:noFill/>
+        </p:spPr>
+        <p:txBody>
+          <a:bodyPr wrap="square" rtlCol="0">
+            <a:spAutoFit/>
+          </a:bodyPr>
+          <a:lstStyle/>
+          <a:p>
+            <a:r>
+              <a:rPr kumimoji="1" lang="en-US" altLang="ko-KR" dirty="0"/>
+              <a:t>Q2) User Mode</a:t>
+            </a:r>
+            <a:r>
+              <a:rPr kumimoji="1" lang="ko-KR" altLang="en-US" dirty="0"/>
+              <a:t>와 </a:t>
+            </a:r>
+            <a:r>
+              <a:rPr kumimoji="1" lang="en-US" altLang="ko-KR" dirty="0"/>
+              <a:t>Kernel Mode</a:t>
+            </a:r>
+            <a:r>
+              <a:rPr kumimoji="1" lang="ko-KR" altLang="en-US" dirty="0"/>
+              <a:t>에 대해서 설명해 </a:t>
+            </a:r>
+            <a:r>
+              <a:rPr kumimoji="1" lang="ko-KR" altLang="en-US" dirty="0" err="1"/>
+              <a:t>보시오</a:t>
+            </a:r>
+            <a:r>
+              <a:rPr kumimoji="1" lang="en-US" altLang="ko-KR" dirty="0"/>
+              <a:t>.</a:t>
+            </a:r>
+            <a:endParaRPr kumimoji="1" lang="ko-KR" altLang="en-US" dirty="0"/>
+          </a:p>
+        </p:txBody>
+      </p:sp>
+      <p:sp>
+        <p:nvSpPr>
+          <p:cNvPr id="6" name="TextBox 5">
+            <a:extLst>
+              <a:ext uri="{FF2B5EF4-FFF2-40B4-BE49-F238E27FC236}">
+                <a16:creationId xmlns:a16="http://schemas.microsoft.com/office/drawing/2014/main" id="{EE9C3533-8810-ACFC-A6FF-9BAE46AFD159}"/>
+              </a:ext>
+            </a:extLst>
+          </p:cNvPr>
+          <p:cNvSpPr txBox="1"/>
+          <p:nvPr/>
+        </p:nvSpPr>
+        <p:spPr>
+          <a:xfrm>
+            <a:off x="485422" y="3304444"/>
+            <a:ext cx="9358489" cy="369332"/>
+          </a:xfrm>
+          <a:prstGeom prst="rect">
+            <a:avLst/>
+          </a:prstGeom>
+          <a:noFill/>
+        </p:spPr>
+        <p:txBody>
+          <a:bodyPr wrap="square" rtlCol="0">
+            <a:spAutoFit/>
+          </a:bodyPr>
+          <a:lstStyle/>
+          <a:p>
+            <a:r>
+              <a:rPr kumimoji="1" lang="en-US" altLang="ko-KR" dirty="0"/>
+              <a:t>Q3) System Call</a:t>
+            </a:r>
+            <a:r>
+              <a:rPr kumimoji="1" lang="ko-KR" altLang="en-US" dirty="0"/>
+              <a:t>과 </a:t>
+            </a:r>
+            <a:r>
+              <a:rPr kumimoji="1" lang="en-US" altLang="ko-KR" dirty="0"/>
+              <a:t>Interrupt</a:t>
+            </a:r>
+            <a:r>
+              <a:rPr kumimoji="1" lang="ko-KR" altLang="en-US" dirty="0"/>
+              <a:t>에 대해서 도식화하고 </a:t>
+            </a:r>
+            <a:r>
+              <a:rPr kumimoji="1" lang="ko-KR" altLang="en-US" dirty="0" err="1"/>
+              <a:t>설명해보시오</a:t>
+            </a:r>
+            <a:r>
+              <a:rPr kumimoji="1" lang="en-US" altLang="ko-KR" dirty="0"/>
+              <a:t>.</a:t>
+            </a:r>
+            <a:endParaRPr kumimoji="1" lang="ko-KR" altLang="en-US" dirty="0"/>
+          </a:p>
+        </p:txBody>
+      </p:sp>
+      <p:sp>
+        <p:nvSpPr>
+          <p:cNvPr id="7" name="TextBox 6">
+            <a:extLst>
+              <a:ext uri="{FF2B5EF4-FFF2-40B4-BE49-F238E27FC236}">
+                <a16:creationId xmlns:a16="http://schemas.microsoft.com/office/drawing/2014/main" id="{67509D4B-5268-C2B9-6003-6A001E9B31CA}"/>
+              </a:ext>
+            </a:extLst>
+          </p:cNvPr>
+          <p:cNvSpPr txBox="1"/>
+          <p:nvPr/>
+        </p:nvSpPr>
+        <p:spPr>
+          <a:xfrm>
+            <a:off x="711202" y="4074645"/>
+            <a:ext cx="6129866" cy="338554"/>
+          </a:xfrm>
+          <a:prstGeom prst="rect">
+            <a:avLst/>
+          </a:prstGeom>
+          <a:noFill/>
+        </p:spPr>
+        <p:txBody>
+          <a:bodyPr wrap="square" rtlCol="0">
+            <a:spAutoFit/>
+          </a:bodyPr>
+          <a:lstStyle/>
+          <a:p>
+            <a:r>
+              <a:rPr kumimoji="1" lang="en-US" altLang="ko-KR" sz="1600" dirty="0"/>
+              <a:t>Q3.1) </a:t>
+            </a:r>
+            <a:r>
+              <a:rPr kumimoji="1" lang="ko-KR" altLang="en-US" sz="1600" dirty="0" err="1"/>
+              <a:t>과정중</a:t>
+            </a:r>
+            <a:r>
+              <a:rPr kumimoji="1" lang="ko-KR" altLang="en-US" sz="1600" dirty="0"/>
+              <a:t> </a:t>
+            </a:r>
+            <a:r>
+              <a:rPr kumimoji="1" lang="en-US" altLang="ko-KR" sz="1600" dirty="0"/>
+              <a:t>Context Switching</a:t>
+            </a:r>
+            <a:r>
+              <a:rPr kumimoji="1" lang="ko-KR" altLang="en-US" sz="1600" dirty="0"/>
+              <a:t>에 대해서 설명해 </a:t>
+            </a:r>
+            <a:r>
+              <a:rPr kumimoji="1" lang="ko-KR" altLang="en-US" sz="1600" dirty="0" err="1"/>
+              <a:t>보시오</a:t>
+            </a:r>
+            <a:r>
+              <a:rPr kumimoji="1" lang="en-US" altLang="ko-KR" sz="1600" dirty="0"/>
+              <a:t>.</a:t>
+            </a:r>
+            <a:endParaRPr kumimoji="1" lang="ko-KR" altLang="en-US" sz="1600" dirty="0"/>
+          </a:p>
+        </p:txBody>
+      </p:sp>
+      <p:sp>
+        <p:nvSpPr>
+          <p:cNvPr id="8" name="TextBox 7">
+            <a:extLst>
+              <a:ext uri="{FF2B5EF4-FFF2-40B4-BE49-F238E27FC236}">
+                <a16:creationId xmlns:a16="http://schemas.microsoft.com/office/drawing/2014/main" id="{A3C0FC09-EB60-75A2-5C4D-A1A7CEE00D86}"/>
+              </a:ext>
+            </a:extLst>
+          </p:cNvPr>
+          <p:cNvSpPr txBox="1"/>
+          <p:nvPr/>
+        </p:nvSpPr>
+        <p:spPr>
+          <a:xfrm>
+            <a:off x="711202" y="4814068"/>
+            <a:ext cx="6129866" cy="338554"/>
+          </a:xfrm>
+          <a:prstGeom prst="rect">
+            <a:avLst/>
+          </a:prstGeom>
+          <a:noFill/>
+        </p:spPr>
+        <p:txBody>
+          <a:bodyPr wrap="square" rtlCol="0">
+            <a:spAutoFit/>
+          </a:bodyPr>
+          <a:lstStyle/>
+          <a:p>
+            <a:r>
+              <a:rPr kumimoji="1" lang="en-US" altLang="ko-KR" sz="1600" dirty="0"/>
+              <a:t>Q3.2) Interrupt</a:t>
+            </a:r>
+            <a:r>
+              <a:rPr kumimoji="1" lang="ko-KR" altLang="en-US" sz="1600" dirty="0" err="1"/>
+              <a:t>를</a:t>
+            </a:r>
+            <a:r>
+              <a:rPr kumimoji="1" lang="ko-KR" altLang="en-US" sz="1600" dirty="0"/>
+              <a:t> 거는 주체가 누구인지에 대해 </a:t>
+            </a:r>
+            <a:r>
+              <a:rPr kumimoji="1" lang="ko-KR" altLang="en-US" sz="1600" dirty="0" err="1"/>
+              <a:t>설명해보시오</a:t>
+            </a:r>
+            <a:endParaRPr kumimoji="1" lang="ko-KR" altLang="en-US" sz="1600" dirty="0"/>
+          </a:p>
+        </p:txBody>
+      </p:sp>
+      <p:sp>
+        <p:nvSpPr>
           <p:cNvPr id="9" name="TextBox 8">
             <a:extLst>
               <a:ext uri="{FF2B5EF4-FFF2-40B4-BE49-F238E27FC236}">
@@ -26952,8 +26569,8 @@
         </p:nvSpPr>
         <p:spPr>
           <a:xfrm>
-            <a:off x="1738489" y="2875002"/>
-            <a:ext cx="8715022" cy="553998"/>
+            <a:off x="146756" y="135467"/>
+            <a:ext cx="8715022" cy="369332"/>
           </a:xfrm>
           <a:prstGeom prst="rect">
             <a:avLst/>
@@ -26966,20 +26583,56 @@
           </a:bodyPr>
           <a:lstStyle/>
           <a:p>
-            <a:pPr algn="ctr"/>
-            <a:r>
-              <a:rPr kumimoji="1" lang="ko-KR" altLang="en-US" sz="3000" dirty="0"/>
-              <a:t>데이터를 통한 소프트웨어의 관리체계</a:t>
-            </a:r>
-          </a:p>
-        </p:txBody>
-      </p:sp>
-      <p:sp>
-        <p:nvSpPr>
-          <p:cNvPr id="2" name="TextBox 1">
+            <a:r>
+              <a:rPr kumimoji="1" lang="ko-KR" altLang="en-US" dirty="0"/>
+              <a:t>주제</a:t>
+            </a:r>
+            <a:r>
+              <a:rPr kumimoji="1" lang="en-US" altLang="ko-KR" dirty="0"/>
+              <a:t>:</a:t>
+            </a:r>
+            <a:r>
+              <a:rPr kumimoji="1" lang="ko-KR" altLang="en-US" dirty="0"/>
+              <a:t> </a:t>
+            </a:r>
+            <a:r>
+              <a:rPr kumimoji="1" lang="en-US" altLang="ko-KR" dirty="0"/>
+              <a:t>CPU bound task vs I/O bound task</a:t>
+            </a:r>
+            <a:r>
+              <a:rPr kumimoji="1" lang="ko-KR" altLang="en-US" dirty="0"/>
+              <a:t> </a:t>
+            </a:r>
+            <a:r>
+              <a:rPr kumimoji="1" lang="en-US" altLang="ko-KR" dirty="0"/>
+              <a:t>(</a:t>
+            </a:r>
+            <a:r>
+              <a:rPr kumimoji="1" lang="ko-KR" altLang="en-US" dirty="0"/>
+              <a:t>네트워크 </a:t>
+            </a:r>
+            <a:r>
+              <a:rPr kumimoji="1" lang="en-US" altLang="ko-KR" dirty="0"/>
+              <a:t>I/O, </a:t>
+            </a:r>
+            <a:r>
+              <a:rPr kumimoji="1" lang="ko-KR" altLang="en-US" dirty="0"/>
+              <a:t>입출력 </a:t>
+            </a:r>
+            <a:r>
+              <a:rPr kumimoji="1" lang="en-US" altLang="ko-KR" dirty="0"/>
+              <a:t>I/O)</a:t>
+            </a:r>
+            <a:endParaRPr kumimoji="1" lang="ko-KR" altLang="en-US" dirty="0"/>
+          </a:p>
+        </p:txBody>
+      </p:sp>
+      <p:sp>
+        <p:nvSpPr>
+          <p:cNvPr id="10" name="TextBox 9">
             <a:extLst>
               <a:ext uri="{FF2B5EF4-FFF2-40B4-BE49-F238E27FC236}">
-                <a16:creationId xmlns:a16="http://schemas.microsoft.com/office/drawing/2014/main" id="{862B9895-80EE-8087-2E9B-2F064D5BB040}"/>
+                <a16:creationId xmlns:a16="http://schemas.microsoft.com/office/drawing/2014/main" id="{0259870D-FCFD-2368-939D-756524720F4A}"/>
               </a:ext>
             </a:extLst>
           </p:cNvPr>
@@ -26988,8 +26641,8 @@
         </p:nvSpPr>
         <p:spPr>
           <a:xfrm>
-            <a:off x="2550415" y="3715794"/>
-            <a:ext cx="7091170" cy="369332"/>
+            <a:off x="485421" y="5774267"/>
+            <a:ext cx="9358489" cy="369332"/>
           </a:xfrm>
           <a:prstGeom prst="rect">
             <a:avLst/>
@@ -27003,12 +26656,20 @@
           <a:lstStyle/>
           <a:p>
             <a:r>
+              <a:rPr kumimoji="1" lang="en-US" altLang="ko-KR" dirty="0"/>
+              <a:t>Q4) Blocking / Non-Blocking I/O</a:t>
+            </a:r>
+            <a:r>
               <a:rPr kumimoji="1" lang="ko-KR" altLang="en-US" dirty="0"/>
-              <a:t>주제</a:t>
+              <a:t>에 대해서 </a:t>
+            </a:r>
+            <a:r>
+              <a:rPr kumimoji="1" lang="ko-KR" altLang="en-US" dirty="0" err="1"/>
+              <a:t>설명해보시오</a:t>
             </a:r>
             <a:r>
               <a:rPr kumimoji="1" lang="en-US" altLang="ko-KR" dirty="0"/>
-              <a:t>:</a:t>
+              <a:t>.</a:t>
             </a:r>
             <a:endParaRPr kumimoji="1" lang="ko-KR" altLang="en-US" dirty="0"/>
           </a:p>
@@ -27017,7 +26678,7 @@
     </p:spTree>
     <p:extLst>
       <p:ext uri="{BB962C8B-B14F-4D97-AF65-F5344CB8AC3E}">
-        <p14:creationId xmlns:p14="http://schemas.microsoft.com/office/powerpoint/2010/main" val="1354234468"/>
+        <p14:creationId xmlns:p14="http://schemas.microsoft.com/office/powerpoint/2010/main" val="3754610182"/>
       </p:ext>
     </p:extLst>
   </p:cSld>
@@ -27046,432 +26707,6 @@
       </p:grpSpPr>
       <p:sp>
         <p:nvSpPr>
-          <p:cNvPr id="4" name="TextBox 3">
-            <a:extLst>
-              <a:ext uri="{FF2B5EF4-FFF2-40B4-BE49-F238E27FC236}">
-                <a16:creationId xmlns:a16="http://schemas.microsoft.com/office/drawing/2014/main" id="{4EC179D5-BDDA-E632-6859-7630E3E7A414}"/>
-              </a:ext>
-            </a:extLst>
-          </p:cNvPr>
-          <p:cNvSpPr txBox="1"/>
-          <p:nvPr/>
-        </p:nvSpPr>
-        <p:spPr>
-          <a:xfrm>
-            <a:off x="485422" y="1083733"/>
-            <a:ext cx="9358489" cy="369332"/>
-          </a:xfrm>
-          <a:prstGeom prst="rect">
-            <a:avLst/>
-          </a:prstGeom>
-          <a:noFill/>
-        </p:spPr>
-        <p:txBody>
-          <a:bodyPr wrap="square" rtlCol="0">
-            <a:spAutoFit/>
-          </a:bodyPr>
-          <a:lstStyle/>
-          <a:p>
-            <a:r>
-              <a:rPr kumimoji="1" lang="en-US" altLang="ko-KR" dirty="0"/>
-              <a:t>Q1) </a:t>
-            </a:r>
-            <a:r>
-              <a:rPr kumimoji="1" lang="ko-KR" altLang="en-US" dirty="0"/>
-              <a:t>글자의 입력</a:t>
-            </a:r>
-            <a:r>
-              <a:rPr kumimoji="1" lang="en-US" altLang="ko-KR" dirty="0"/>
-              <a:t>/</a:t>
-            </a:r>
-            <a:r>
-              <a:rPr kumimoji="1" lang="ko-KR" altLang="en-US" dirty="0"/>
-              <a:t>출력의 과정에 컴퓨터에서 어떤 메커니즘이 일어나는지 </a:t>
-            </a:r>
-            <a:r>
-              <a:rPr kumimoji="1" lang="ko-KR" altLang="en-US" dirty="0" err="1"/>
-              <a:t>설명해보시오</a:t>
-            </a:r>
-            <a:r>
-              <a:rPr kumimoji="1" lang="en-US" altLang="ko-KR" dirty="0"/>
-              <a:t>.</a:t>
-            </a:r>
-            <a:endParaRPr kumimoji="1" lang="ko-KR" altLang="en-US" dirty="0"/>
-          </a:p>
-        </p:txBody>
-      </p:sp>
-      <p:sp>
-        <p:nvSpPr>
-          <p:cNvPr id="5" name="TextBox 4">
-            <a:extLst>
-              <a:ext uri="{FF2B5EF4-FFF2-40B4-BE49-F238E27FC236}">
-                <a16:creationId xmlns:a16="http://schemas.microsoft.com/office/drawing/2014/main" id="{B760D476-CBCD-76B3-69D2-8A527C64113F}"/>
-              </a:ext>
-            </a:extLst>
-          </p:cNvPr>
-          <p:cNvSpPr txBox="1"/>
-          <p:nvPr/>
-        </p:nvSpPr>
-        <p:spPr>
-          <a:xfrm>
-            <a:off x="485422" y="2195689"/>
-            <a:ext cx="9358489" cy="369332"/>
-          </a:xfrm>
-          <a:prstGeom prst="rect">
-            <a:avLst/>
-          </a:prstGeom>
-          <a:noFill/>
-        </p:spPr>
-        <p:txBody>
-          <a:bodyPr wrap="square" rtlCol="0">
-            <a:spAutoFit/>
-          </a:bodyPr>
-          <a:lstStyle/>
-          <a:p>
-            <a:r>
-              <a:rPr kumimoji="1" lang="en-US" altLang="ko-KR" dirty="0"/>
-              <a:t>Q2) User Mode</a:t>
-            </a:r>
-            <a:r>
-              <a:rPr kumimoji="1" lang="ko-KR" altLang="en-US" dirty="0"/>
-              <a:t>와 </a:t>
-            </a:r>
-            <a:r>
-              <a:rPr kumimoji="1" lang="en-US" altLang="ko-KR" dirty="0"/>
-              <a:t>Kernel Mode</a:t>
-            </a:r>
-            <a:r>
-              <a:rPr kumimoji="1" lang="ko-KR" altLang="en-US" dirty="0"/>
-              <a:t>에 대해서 설명해 </a:t>
-            </a:r>
-            <a:r>
-              <a:rPr kumimoji="1" lang="ko-KR" altLang="en-US" dirty="0" err="1"/>
-              <a:t>보시오</a:t>
-            </a:r>
-            <a:r>
-              <a:rPr kumimoji="1" lang="en-US" altLang="ko-KR" dirty="0"/>
-              <a:t>.</a:t>
-            </a:r>
-            <a:endParaRPr kumimoji="1" lang="ko-KR" altLang="en-US" dirty="0"/>
-          </a:p>
-        </p:txBody>
-      </p:sp>
-      <p:sp>
-        <p:nvSpPr>
-          <p:cNvPr id="6" name="TextBox 5">
-            <a:extLst>
-              <a:ext uri="{FF2B5EF4-FFF2-40B4-BE49-F238E27FC236}">
-                <a16:creationId xmlns:a16="http://schemas.microsoft.com/office/drawing/2014/main" id="{EE9C3533-8810-ACFC-A6FF-9BAE46AFD159}"/>
-              </a:ext>
-            </a:extLst>
-          </p:cNvPr>
-          <p:cNvSpPr txBox="1"/>
-          <p:nvPr/>
-        </p:nvSpPr>
-        <p:spPr>
-          <a:xfrm>
-            <a:off x="485422" y="3304444"/>
-            <a:ext cx="9358489" cy="369332"/>
-          </a:xfrm>
-          <a:prstGeom prst="rect">
-            <a:avLst/>
-          </a:prstGeom>
-          <a:noFill/>
-        </p:spPr>
-        <p:txBody>
-          <a:bodyPr wrap="square" rtlCol="0">
-            <a:spAutoFit/>
-          </a:bodyPr>
-          <a:lstStyle/>
-          <a:p>
-            <a:r>
-              <a:rPr kumimoji="1" lang="en-US" altLang="ko-KR" dirty="0"/>
-              <a:t>Q3) System Call</a:t>
-            </a:r>
-            <a:r>
-              <a:rPr kumimoji="1" lang="ko-KR" altLang="en-US" dirty="0"/>
-              <a:t>과 </a:t>
-            </a:r>
-            <a:r>
-              <a:rPr kumimoji="1" lang="en-US" altLang="ko-KR" dirty="0"/>
-              <a:t>Interrupt</a:t>
-            </a:r>
-            <a:r>
-              <a:rPr kumimoji="1" lang="ko-KR" altLang="en-US" dirty="0"/>
-              <a:t>에 대해서 도식화하고 </a:t>
-            </a:r>
-            <a:r>
-              <a:rPr kumimoji="1" lang="ko-KR" altLang="en-US" dirty="0" err="1"/>
-              <a:t>설명해보시오</a:t>
-            </a:r>
-            <a:r>
-              <a:rPr kumimoji="1" lang="en-US" altLang="ko-KR" dirty="0"/>
-              <a:t>.</a:t>
-            </a:r>
-            <a:endParaRPr kumimoji="1" lang="ko-KR" altLang="en-US" dirty="0"/>
-          </a:p>
-        </p:txBody>
-      </p:sp>
-      <p:sp>
-        <p:nvSpPr>
-          <p:cNvPr id="7" name="TextBox 6">
-            <a:extLst>
-              <a:ext uri="{FF2B5EF4-FFF2-40B4-BE49-F238E27FC236}">
-                <a16:creationId xmlns:a16="http://schemas.microsoft.com/office/drawing/2014/main" id="{67509D4B-5268-C2B9-6003-6A001E9B31CA}"/>
-              </a:ext>
-            </a:extLst>
-          </p:cNvPr>
-          <p:cNvSpPr txBox="1"/>
-          <p:nvPr/>
-        </p:nvSpPr>
-        <p:spPr>
-          <a:xfrm>
-            <a:off x="711202" y="4074645"/>
-            <a:ext cx="6129866" cy="338554"/>
-          </a:xfrm>
-          <a:prstGeom prst="rect">
-            <a:avLst/>
-          </a:prstGeom>
-          <a:noFill/>
-        </p:spPr>
-        <p:txBody>
-          <a:bodyPr wrap="square" rtlCol="0">
-            <a:spAutoFit/>
-          </a:bodyPr>
-          <a:lstStyle/>
-          <a:p>
-            <a:r>
-              <a:rPr kumimoji="1" lang="en-US" altLang="ko-KR" sz="1600" dirty="0"/>
-              <a:t>Q3.1) </a:t>
-            </a:r>
-            <a:r>
-              <a:rPr kumimoji="1" lang="ko-KR" altLang="en-US" sz="1600" dirty="0" err="1"/>
-              <a:t>과정중</a:t>
-            </a:r>
-            <a:r>
-              <a:rPr kumimoji="1" lang="ko-KR" altLang="en-US" sz="1600" dirty="0"/>
-              <a:t> </a:t>
-            </a:r>
-            <a:r>
-              <a:rPr kumimoji="1" lang="en-US" altLang="ko-KR" sz="1600" dirty="0"/>
-              <a:t>Context Switching</a:t>
-            </a:r>
-            <a:r>
-              <a:rPr kumimoji="1" lang="ko-KR" altLang="en-US" sz="1600" dirty="0"/>
-              <a:t>에 대해서 설명해 </a:t>
-            </a:r>
-            <a:r>
-              <a:rPr kumimoji="1" lang="ko-KR" altLang="en-US" sz="1600" dirty="0" err="1"/>
-              <a:t>보시오</a:t>
-            </a:r>
-            <a:r>
-              <a:rPr kumimoji="1" lang="en-US" altLang="ko-KR" sz="1600" dirty="0"/>
-              <a:t>.</a:t>
-            </a:r>
-            <a:endParaRPr kumimoji="1" lang="ko-KR" altLang="en-US" sz="1600" dirty="0"/>
-          </a:p>
-        </p:txBody>
-      </p:sp>
-      <p:sp>
-        <p:nvSpPr>
-          <p:cNvPr id="8" name="TextBox 7">
-            <a:extLst>
-              <a:ext uri="{FF2B5EF4-FFF2-40B4-BE49-F238E27FC236}">
-                <a16:creationId xmlns:a16="http://schemas.microsoft.com/office/drawing/2014/main" id="{A3C0FC09-EB60-75A2-5C4D-A1A7CEE00D86}"/>
-              </a:ext>
-            </a:extLst>
-          </p:cNvPr>
-          <p:cNvSpPr txBox="1"/>
-          <p:nvPr/>
-        </p:nvSpPr>
-        <p:spPr>
-          <a:xfrm>
-            <a:off x="711202" y="4814068"/>
-            <a:ext cx="6129866" cy="338554"/>
-          </a:xfrm>
-          <a:prstGeom prst="rect">
-            <a:avLst/>
-          </a:prstGeom>
-          <a:noFill/>
-        </p:spPr>
-        <p:txBody>
-          <a:bodyPr wrap="square" rtlCol="0">
-            <a:spAutoFit/>
-          </a:bodyPr>
-          <a:lstStyle/>
-          <a:p>
-            <a:r>
-              <a:rPr kumimoji="1" lang="en-US" altLang="ko-KR" sz="1600" dirty="0"/>
-              <a:t>Q3.2) Interrupt</a:t>
-            </a:r>
-            <a:r>
-              <a:rPr kumimoji="1" lang="ko-KR" altLang="en-US" sz="1600" dirty="0" err="1"/>
-              <a:t>를</a:t>
-            </a:r>
-            <a:r>
-              <a:rPr kumimoji="1" lang="ko-KR" altLang="en-US" sz="1600" dirty="0"/>
-              <a:t> 거는 주체가 누구인지에 대해 </a:t>
-            </a:r>
-            <a:r>
-              <a:rPr kumimoji="1" lang="ko-KR" altLang="en-US" sz="1600" dirty="0" err="1"/>
-              <a:t>설명해보시오</a:t>
-            </a:r>
-            <a:endParaRPr kumimoji="1" lang="ko-KR" altLang="en-US" sz="1600" dirty="0"/>
-          </a:p>
-        </p:txBody>
-      </p:sp>
-      <p:sp>
-        <p:nvSpPr>
-          <p:cNvPr id="9" name="TextBox 8">
-            <a:extLst>
-              <a:ext uri="{FF2B5EF4-FFF2-40B4-BE49-F238E27FC236}">
-                <a16:creationId xmlns:a16="http://schemas.microsoft.com/office/drawing/2014/main" id="{469A5102-9AC4-9D35-F992-CE99846FB09B}"/>
-              </a:ext>
-            </a:extLst>
-          </p:cNvPr>
-          <p:cNvSpPr txBox="1"/>
-          <p:nvPr/>
-        </p:nvSpPr>
-        <p:spPr>
-          <a:xfrm>
-            <a:off x="146756" y="135467"/>
-            <a:ext cx="8715022" cy="369332"/>
-          </a:xfrm>
-          <a:prstGeom prst="rect">
-            <a:avLst/>
-          </a:prstGeom>
-          <a:noFill/>
-        </p:spPr>
-        <p:txBody>
-          <a:bodyPr wrap="square" rtlCol="0">
-            <a:spAutoFit/>
-          </a:bodyPr>
-          <a:lstStyle/>
-          <a:p>
-            <a:r>
-              <a:rPr kumimoji="1" lang="ko-KR" altLang="en-US" dirty="0"/>
-              <a:t>주제</a:t>
-            </a:r>
-            <a:r>
-              <a:rPr kumimoji="1" lang="en-US" altLang="ko-KR" dirty="0"/>
-              <a:t>:</a:t>
-            </a:r>
-            <a:r>
-              <a:rPr kumimoji="1" lang="ko-KR" altLang="en-US" dirty="0"/>
-              <a:t> </a:t>
-            </a:r>
-            <a:r>
-              <a:rPr kumimoji="1" lang="en-US" altLang="ko-KR" dirty="0"/>
-              <a:t>CPU bound task vs I/O bound task</a:t>
-            </a:r>
-            <a:r>
-              <a:rPr kumimoji="1" lang="ko-KR" altLang="en-US" dirty="0"/>
-              <a:t> </a:t>
-            </a:r>
-            <a:r>
-              <a:rPr kumimoji="1" lang="en-US" altLang="ko-KR" dirty="0"/>
-              <a:t>(</a:t>
-            </a:r>
-            <a:r>
-              <a:rPr kumimoji="1" lang="ko-KR" altLang="en-US" dirty="0"/>
-              <a:t>네트워크 </a:t>
-            </a:r>
-            <a:r>
-              <a:rPr kumimoji="1" lang="en-US" altLang="ko-KR" dirty="0"/>
-              <a:t>I/O, </a:t>
-            </a:r>
-            <a:r>
-              <a:rPr kumimoji="1" lang="ko-KR" altLang="en-US" dirty="0"/>
-              <a:t>입출력 </a:t>
-            </a:r>
-            <a:r>
-              <a:rPr kumimoji="1" lang="en-US" altLang="ko-KR" dirty="0"/>
-              <a:t>I/O)</a:t>
-            </a:r>
-            <a:endParaRPr kumimoji="1" lang="ko-KR" altLang="en-US" dirty="0"/>
-          </a:p>
-        </p:txBody>
-      </p:sp>
-      <p:sp>
-        <p:nvSpPr>
-          <p:cNvPr id="10" name="TextBox 9">
-            <a:extLst>
-              <a:ext uri="{FF2B5EF4-FFF2-40B4-BE49-F238E27FC236}">
-                <a16:creationId xmlns:a16="http://schemas.microsoft.com/office/drawing/2014/main" id="{0259870D-FCFD-2368-939D-756524720F4A}"/>
-              </a:ext>
-            </a:extLst>
-          </p:cNvPr>
-          <p:cNvSpPr txBox="1"/>
-          <p:nvPr/>
-        </p:nvSpPr>
-        <p:spPr>
-          <a:xfrm>
-            <a:off x="485421" y="5774267"/>
-            <a:ext cx="9358489" cy="369332"/>
-          </a:xfrm>
-          <a:prstGeom prst="rect">
-            <a:avLst/>
-          </a:prstGeom>
-          <a:noFill/>
-        </p:spPr>
-        <p:txBody>
-          <a:bodyPr wrap="square" rtlCol="0">
-            <a:spAutoFit/>
-          </a:bodyPr>
-          <a:lstStyle/>
-          <a:p>
-            <a:r>
-              <a:rPr kumimoji="1" lang="en-US" altLang="ko-KR" dirty="0"/>
-              <a:t>Q4) Blocking / Non-Blocking I/O</a:t>
-            </a:r>
-            <a:r>
-              <a:rPr kumimoji="1" lang="ko-KR" altLang="en-US" dirty="0"/>
-              <a:t>에 대해서 </a:t>
-            </a:r>
-            <a:r>
-              <a:rPr kumimoji="1" lang="ko-KR" altLang="en-US" dirty="0" err="1"/>
-              <a:t>설명해보시오</a:t>
-            </a:r>
-            <a:r>
-              <a:rPr kumimoji="1" lang="en-US" altLang="ko-KR" dirty="0"/>
-              <a:t>.</a:t>
-            </a:r>
-            <a:endParaRPr kumimoji="1" lang="ko-KR" altLang="en-US" dirty="0"/>
-          </a:p>
-        </p:txBody>
-      </p:sp>
-    </p:spTree>
-    <p:extLst>
-      <p:ext uri="{BB962C8B-B14F-4D97-AF65-F5344CB8AC3E}">
-        <p14:creationId xmlns:p14="http://schemas.microsoft.com/office/powerpoint/2010/main" val="3754610182"/>
-      </p:ext>
-    </p:extLst>
-  </p:cSld>
-  <p:clrMapOvr>
-    <a:masterClrMapping/>
-  </p:clrMapOvr>
-</p:sld>
-</file>
-
-<file path=ppt/slides/slide19.xml><?xml version="1.0" encoding="utf-8"?>
-<p:sld xmlns:a="http://schemas.openxmlformats.org/drawingml/2006/main" xmlns:r="http://schemas.openxmlformats.org/officeDocument/2006/relationships" xmlns:p="http://schemas.openxmlformats.org/presentationml/2006/main">
-  <p:cSld>
-    <p:spTree>
-      <p:nvGrpSpPr>
-        <p:cNvPr id="1" name=""/>
-        <p:cNvGrpSpPr/>
-        <p:nvPr/>
-      </p:nvGrpSpPr>
-      <p:grpSpPr>
-        <a:xfrm>
-          <a:off x="0" y="0"/>
-          <a:ext cx="0" cy="0"/>
-          <a:chOff x="0" y="0"/>
-          <a:chExt cx="0" cy="0"/>
-        </a:xfrm>
-      </p:grpSpPr>
-      <p:sp>
-        <p:nvSpPr>
           <p:cNvPr id="2" name="TextBox 1">
             <a:extLst>
               <a:ext uri="{FF2B5EF4-FFF2-40B4-BE49-F238E27FC236}">
@@ -27587,2436 +26822,7 @@
 </p:sld>
 </file>
 
-<file path=ppt/slides/slide2.xml><?xml version="1.0" encoding="utf-8"?>
-<p:sld xmlns:a="http://schemas.openxmlformats.org/drawingml/2006/main" xmlns:r="http://schemas.openxmlformats.org/officeDocument/2006/relationships" xmlns:p="http://schemas.openxmlformats.org/presentationml/2006/main">
-  <p:cSld>
-    <p:spTree>
-      <p:nvGrpSpPr>
-        <p:cNvPr id="1" name=""/>
-        <p:cNvGrpSpPr/>
-        <p:nvPr/>
-      </p:nvGrpSpPr>
-      <p:grpSpPr>
-        <a:xfrm>
-          <a:off x="0" y="0"/>
-          <a:ext cx="0" cy="0"/>
-          <a:chOff x="0" y="0"/>
-          <a:chExt cx="0" cy="0"/>
-        </a:xfrm>
-      </p:grpSpPr>
-      <p:sp>
-        <p:nvSpPr>
-          <p:cNvPr id="2" name="TextBox 1">
-            <a:extLst>
-              <a:ext uri="{FF2B5EF4-FFF2-40B4-BE49-F238E27FC236}">
-                <a16:creationId xmlns:a16="http://schemas.microsoft.com/office/drawing/2014/main" id="{894F5804-A3FE-9B2E-FD4B-773F43EFC8F2}"/>
-              </a:ext>
-            </a:extLst>
-          </p:cNvPr>
-          <p:cNvSpPr txBox="1"/>
-          <p:nvPr/>
-        </p:nvSpPr>
-        <p:spPr>
-          <a:xfrm>
-            <a:off x="2756078" y="188822"/>
-            <a:ext cx="5486399" cy="369332"/>
-          </a:xfrm>
-          <a:prstGeom prst="rect">
-            <a:avLst/>
-          </a:prstGeom>
-          <a:noFill/>
-        </p:spPr>
-        <p:txBody>
-          <a:bodyPr wrap="square" rtlCol="0">
-            <a:spAutoFit/>
-          </a:bodyPr>
-          <a:lstStyle/>
-          <a:p>
-            <a:r>
-              <a:rPr kumimoji="1" lang="en-US" altLang="ko-KR" dirty="0"/>
-              <a:t>Transistor (</a:t>
-            </a:r>
-            <a:r>
-              <a:rPr kumimoji="1" lang="ko-KR" altLang="en-US" dirty="0"/>
-              <a:t>스위치</a:t>
-            </a:r>
-            <a:r>
-              <a:rPr kumimoji="1" lang="en-US" altLang="ko-KR" dirty="0"/>
-              <a:t>) – </a:t>
-            </a:r>
-            <a:r>
-              <a:rPr kumimoji="1" lang="ko-KR" altLang="en-US" dirty="0"/>
-              <a:t>전원 스위치 </a:t>
-            </a:r>
-            <a:r>
-              <a:rPr kumimoji="1" lang="en-US" altLang="ko-KR" dirty="0"/>
-              <a:t>on/off (2</a:t>
-            </a:r>
-            <a:r>
-              <a:rPr kumimoji="1" lang="ko-KR" altLang="en-US" dirty="0"/>
-              <a:t>가지</a:t>
-            </a:r>
-            <a:r>
-              <a:rPr kumimoji="1" lang="en-US" altLang="ko-KR" dirty="0"/>
-              <a:t>)</a:t>
-            </a:r>
-            <a:endParaRPr kumimoji="1" lang="ko-KR" altLang="en-US" dirty="0"/>
-          </a:p>
-        </p:txBody>
-      </p:sp>
-      <p:sp>
-        <p:nvSpPr>
-          <p:cNvPr id="3" name="왼쪽 대괄호[L] 2">
-            <a:extLst>
-              <a:ext uri="{FF2B5EF4-FFF2-40B4-BE49-F238E27FC236}">
-                <a16:creationId xmlns:a16="http://schemas.microsoft.com/office/drawing/2014/main" id="{CF973982-4433-44A8-D33A-BAD289E8A1EA}"/>
-              </a:ext>
-            </a:extLst>
-          </p:cNvPr>
-          <p:cNvSpPr/>
-          <p:nvPr/>
-        </p:nvSpPr>
-        <p:spPr>
-          <a:xfrm>
-            <a:off x="1918952" y="373488"/>
-            <a:ext cx="244698" cy="2266668"/>
-          </a:xfrm>
-          <a:prstGeom prst="leftBracket">
-            <a:avLst/>
-          </a:prstGeom>
-          <a:ln w="28575"/>
-        </p:spPr>
-        <p:style>
-          <a:lnRef idx="1">
-            <a:schemeClr val="dk1"/>
-          </a:lnRef>
-          <a:fillRef idx="0">
-            <a:schemeClr val="dk1"/>
-          </a:fillRef>
-          <a:effectRef idx="0">
-            <a:schemeClr val="dk1"/>
-          </a:effectRef>
-          <a:fontRef idx="minor">
-            <a:schemeClr val="tx1"/>
-          </a:fontRef>
-        </p:style>
-        <p:txBody>
-          <a:bodyPr rtlCol="0" anchor="ctr"/>
-          <a:lstStyle/>
-          <a:p>
-            <a:pPr algn="ctr"/>
-            <a:endParaRPr kumimoji="1" lang="ko-KR" altLang="en-US"/>
-          </a:p>
-        </p:txBody>
-      </p:sp>
-      <p:sp>
-        <p:nvSpPr>
-          <p:cNvPr id="4" name="TextBox 3">
-            <a:extLst>
-              <a:ext uri="{FF2B5EF4-FFF2-40B4-BE49-F238E27FC236}">
-                <a16:creationId xmlns:a16="http://schemas.microsoft.com/office/drawing/2014/main" id="{3051374B-D488-6F30-2CDA-E8BF36425D43}"/>
-              </a:ext>
-            </a:extLst>
-          </p:cNvPr>
-          <p:cNvSpPr txBox="1"/>
-          <p:nvPr/>
-        </p:nvSpPr>
-        <p:spPr>
-          <a:xfrm>
-            <a:off x="584309" y="1286052"/>
-            <a:ext cx="1300767" cy="646331"/>
-          </a:xfrm>
-          <a:prstGeom prst="rect">
-            <a:avLst/>
-          </a:prstGeom>
-          <a:noFill/>
-        </p:spPr>
-        <p:txBody>
-          <a:bodyPr wrap="square" rtlCol="0">
-            <a:spAutoFit/>
-          </a:bodyPr>
-          <a:lstStyle/>
-          <a:p>
-            <a:pPr algn="ctr"/>
-            <a:r>
-              <a:rPr kumimoji="1" lang="en-US" altLang="ko-KR" b="1" dirty="0"/>
-              <a:t>Physical Space</a:t>
-            </a:r>
-            <a:endParaRPr kumimoji="1" lang="ko-KR" altLang="en-US" b="1" dirty="0"/>
-          </a:p>
-        </p:txBody>
-      </p:sp>
-      <p:sp>
-        <p:nvSpPr>
-          <p:cNvPr id="16" name="TextBox 15">
-            <a:extLst>
-              <a:ext uri="{FF2B5EF4-FFF2-40B4-BE49-F238E27FC236}">
-                <a16:creationId xmlns:a16="http://schemas.microsoft.com/office/drawing/2014/main" id="{C61F845E-AF2D-084C-A8D2-741F4FF179B8}"/>
-              </a:ext>
-            </a:extLst>
-          </p:cNvPr>
-          <p:cNvSpPr txBox="1"/>
-          <p:nvPr/>
-        </p:nvSpPr>
-        <p:spPr>
-          <a:xfrm>
-            <a:off x="2602564" y="1998334"/>
-            <a:ext cx="5525118" cy="830997"/>
-          </a:xfrm>
-          <a:prstGeom prst="rect">
-            <a:avLst/>
-          </a:prstGeom>
-          <a:noFill/>
-        </p:spPr>
-        <p:txBody>
-          <a:bodyPr wrap="square" rtlCol="0">
-            <a:spAutoFit/>
-          </a:bodyPr>
-          <a:lstStyle/>
-          <a:p>
-            <a:r>
-              <a:rPr kumimoji="1" lang="en-US" altLang="ko-KR" sz="1600" dirty="0"/>
-              <a:t>Transistor</a:t>
-            </a:r>
-            <a:r>
-              <a:rPr kumimoji="1" lang="ko-KR" altLang="en-US" sz="1600" dirty="0"/>
-              <a:t>당 </a:t>
-            </a:r>
-            <a:r>
-              <a:rPr kumimoji="1" lang="en-US" altLang="ko-KR" sz="1600" dirty="0"/>
-              <a:t>on/off </a:t>
-            </a:r>
-            <a:r>
-              <a:rPr kumimoji="1" lang="ko-KR" altLang="en-US" sz="1600" dirty="0"/>
-              <a:t>두 가지 케이스를 표현할 수 있다</a:t>
-            </a:r>
-            <a:r>
-              <a:rPr kumimoji="1" lang="en-US" altLang="ko-KR" sz="1600" dirty="0"/>
-              <a:t>.</a:t>
-            </a:r>
-          </a:p>
-          <a:p>
-            <a:r>
-              <a:rPr kumimoji="1" lang="en-US" altLang="ko-KR" sz="1600" dirty="0"/>
-              <a:t>(</a:t>
-            </a:r>
-            <a:r>
-              <a:rPr kumimoji="1" lang="ko-KR" altLang="en-US" sz="1400" dirty="0"/>
-              <a:t>스위치 </a:t>
-            </a:r>
-            <a:r>
-              <a:rPr kumimoji="1" lang="en-US" altLang="ko-KR" sz="1400" dirty="0"/>
-              <a:t>on – </a:t>
-            </a:r>
-            <a:r>
-              <a:rPr kumimoji="1" lang="ko-KR" altLang="en-US" sz="1400" dirty="0"/>
-              <a:t>전류가 흐른다</a:t>
-            </a:r>
-            <a:r>
-              <a:rPr kumimoji="1" lang="en-US" altLang="ko-KR" sz="1400" dirty="0"/>
-              <a:t>, off – </a:t>
-            </a:r>
-            <a:r>
-              <a:rPr kumimoji="1" lang="ko-KR" altLang="en-US" sz="1400" dirty="0"/>
-              <a:t>전류가 흐르지 않는다</a:t>
-            </a:r>
-            <a:r>
-              <a:rPr kumimoji="1" lang="en-US" altLang="ko-KR" sz="1600" dirty="0"/>
-              <a:t>) </a:t>
-            </a:r>
-          </a:p>
-          <a:p>
-            <a:r>
-              <a:rPr kumimoji="1" lang="ko-KR" altLang="en-US" sz="1600" dirty="0"/>
-              <a:t> </a:t>
-            </a:r>
-          </a:p>
-        </p:txBody>
-      </p:sp>
-      <p:grpSp>
-        <p:nvGrpSpPr>
-          <p:cNvPr id="38" name="그룹 37">
-            <a:extLst>
-              <a:ext uri="{FF2B5EF4-FFF2-40B4-BE49-F238E27FC236}">
-                <a16:creationId xmlns:a16="http://schemas.microsoft.com/office/drawing/2014/main" id="{360BEA14-F06E-C627-058A-B5CF1B724970}"/>
-              </a:ext>
-            </a:extLst>
-          </p:cNvPr>
-          <p:cNvGrpSpPr/>
-          <p:nvPr/>
-        </p:nvGrpSpPr>
-        <p:grpSpPr>
-          <a:xfrm>
-            <a:off x="2602564" y="959509"/>
-            <a:ext cx="5639913" cy="409807"/>
-            <a:chOff x="2602564" y="1036783"/>
-            <a:chExt cx="5639913" cy="409807"/>
-          </a:xfrm>
-        </p:grpSpPr>
-        <p:grpSp>
-          <p:nvGrpSpPr>
-            <p:cNvPr id="15" name="그룹 14">
-              <a:extLst>
-                <a:ext uri="{FF2B5EF4-FFF2-40B4-BE49-F238E27FC236}">
-                  <a16:creationId xmlns:a16="http://schemas.microsoft.com/office/drawing/2014/main" id="{E4F5E345-2981-1DBC-D2E3-80FCBEF1D97C}"/>
-                </a:ext>
-              </a:extLst>
-            </p:cNvPr>
-            <p:cNvGrpSpPr/>
-            <p:nvPr/>
-          </p:nvGrpSpPr>
-          <p:grpSpPr>
-            <a:xfrm>
-              <a:off x="2602564" y="1446590"/>
-              <a:ext cx="5639913" cy="0"/>
-              <a:chOff x="3992451" y="1983346"/>
-              <a:chExt cx="5639913" cy="0"/>
-            </a:xfrm>
-          </p:grpSpPr>
-          <p:cxnSp>
-            <p:nvCxnSpPr>
-              <p:cNvPr id="6" name="직선 연결선[R] 5">
-                <a:extLst>
-                  <a:ext uri="{FF2B5EF4-FFF2-40B4-BE49-F238E27FC236}">
-                    <a16:creationId xmlns:a16="http://schemas.microsoft.com/office/drawing/2014/main" id="{A938A404-8791-373A-CF60-913AF3815256}"/>
-                  </a:ext>
-                </a:extLst>
-              </p:cNvPr>
-              <p:cNvCxnSpPr/>
-              <p:nvPr/>
-            </p:nvCxnSpPr>
-            <p:spPr>
-              <a:xfrm>
-                <a:off x="3992451" y="1983346"/>
-                <a:ext cx="511816" cy="0"/>
-              </a:xfrm>
-              <a:prstGeom prst="line">
-                <a:avLst/>
-              </a:prstGeom>
-              <a:ln/>
-            </p:spPr>
-            <p:style>
-              <a:lnRef idx="2">
-                <a:schemeClr val="accent1"/>
-              </a:lnRef>
-              <a:fillRef idx="0">
-                <a:schemeClr val="accent1"/>
-              </a:fillRef>
-              <a:effectRef idx="1">
-                <a:schemeClr val="accent1"/>
-              </a:effectRef>
-              <a:fontRef idx="minor">
-                <a:schemeClr val="tx1"/>
-              </a:fontRef>
-            </p:style>
-          </p:cxnSp>
-          <p:cxnSp>
-            <p:nvCxnSpPr>
-              <p:cNvPr id="7" name="직선 연결선[R] 6">
-                <a:extLst>
-                  <a:ext uri="{FF2B5EF4-FFF2-40B4-BE49-F238E27FC236}">
-                    <a16:creationId xmlns:a16="http://schemas.microsoft.com/office/drawing/2014/main" id="{B9DD5FD5-1175-5F10-3CBA-00D1946E5420}"/>
-                  </a:ext>
-                </a:extLst>
-              </p:cNvPr>
-              <p:cNvCxnSpPr/>
-              <p:nvPr/>
-            </p:nvCxnSpPr>
-            <p:spPr>
-              <a:xfrm>
-                <a:off x="4737279" y="1983346"/>
-                <a:ext cx="511816" cy="0"/>
-              </a:xfrm>
-              <a:prstGeom prst="line">
-                <a:avLst/>
-              </a:prstGeom>
-              <a:ln/>
-            </p:spPr>
-            <p:style>
-              <a:lnRef idx="2">
-                <a:schemeClr val="accent1"/>
-              </a:lnRef>
-              <a:fillRef idx="0">
-                <a:schemeClr val="accent1"/>
-              </a:fillRef>
-              <a:effectRef idx="1">
-                <a:schemeClr val="accent1"/>
-              </a:effectRef>
-              <a:fontRef idx="minor">
-                <a:schemeClr val="tx1"/>
-              </a:fontRef>
-            </p:style>
-          </p:cxnSp>
-          <p:cxnSp>
-            <p:nvCxnSpPr>
-              <p:cNvPr id="8" name="직선 연결선[R] 7">
-                <a:extLst>
-                  <a:ext uri="{FF2B5EF4-FFF2-40B4-BE49-F238E27FC236}">
-                    <a16:creationId xmlns:a16="http://schemas.microsoft.com/office/drawing/2014/main" id="{B4D3224C-8BB1-6BF6-1AEC-91F5EED26E69}"/>
-                  </a:ext>
-                </a:extLst>
-              </p:cNvPr>
-              <p:cNvCxnSpPr/>
-              <p:nvPr/>
-            </p:nvCxnSpPr>
-            <p:spPr>
-              <a:xfrm>
-                <a:off x="5482107" y="1983346"/>
-                <a:ext cx="511816" cy="0"/>
-              </a:xfrm>
-              <a:prstGeom prst="line">
-                <a:avLst/>
-              </a:prstGeom>
-              <a:ln/>
-            </p:spPr>
-            <p:style>
-              <a:lnRef idx="2">
-                <a:schemeClr val="accent1"/>
-              </a:lnRef>
-              <a:fillRef idx="0">
-                <a:schemeClr val="accent1"/>
-              </a:fillRef>
-              <a:effectRef idx="1">
-                <a:schemeClr val="accent1"/>
-              </a:effectRef>
-              <a:fontRef idx="minor">
-                <a:schemeClr val="tx1"/>
-              </a:fontRef>
-            </p:style>
-          </p:cxnSp>
-          <p:cxnSp>
-            <p:nvCxnSpPr>
-              <p:cNvPr id="10" name="직선 연결선[R] 9">
-                <a:extLst>
-                  <a:ext uri="{FF2B5EF4-FFF2-40B4-BE49-F238E27FC236}">
-                    <a16:creationId xmlns:a16="http://schemas.microsoft.com/office/drawing/2014/main" id="{8DDC4F08-79F1-B297-2279-A762FC52B08C}"/>
-                  </a:ext>
-                </a:extLst>
-              </p:cNvPr>
-              <p:cNvCxnSpPr/>
-              <p:nvPr/>
-            </p:nvCxnSpPr>
-            <p:spPr>
-              <a:xfrm>
-                <a:off x="6233373" y="1983346"/>
-                <a:ext cx="511816" cy="0"/>
-              </a:xfrm>
-              <a:prstGeom prst="line">
-                <a:avLst/>
-              </a:prstGeom>
-              <a:ln/>
-            </p:spPr>
-            <p:style>
-              <a:lnRef idx="2">
-                <a:schemeClr val="accent1"/>
-              </a:lnRef>
-              <a:fillRef idx="0">
-                <a:schemeClr val="accent1"/>
-              </a:fillRef>
-              <a:effectRef idx="1">
-                <a:schemeClr val="accent1"/>
-              </a:effectRef>
-              <a:fontRef idx="minor">
-                <a:schemeClr val="tx1"/>
-              </a:fontRef>
-            </p:style>
-          </p:cxnSp>
-          <p:cxnSp>
-            <p:nvCxnSpPr>
-              <p:cNvPr id="11" name="직선 연결선[R] 10">
-                <a:extLst>
-                  <a:ext uri="{FF2B5EF4-FFF2-40B4-BE49-F238E27FC236}">
-                    <a16:creationId xmlns:a16="http://schemas.microsoft.com/office/drawing/2014/main" id="{B6E71BF8-5886-2474-6A5F-0B3F2E3DE19A}"/>
-                  </a:ext>
-                </a:extLst>
-              </p:cNvPr>
-              <p:cNvCxnSpPr/>
-              <p:nvPr/>
-            </p:nvCxnSpPr>
-            <p:spPr>
-              <a:xfrm>
-                <a:off x="6952444" y="1983346"/>
-                <a:ext cx="511816" cy="0"/>
-              </a:xfrm>
-              <a:prstGeom prst="line">
-                <a:avLst/>
-              </a:prstGeom>
-              <a:ln/>
-            </p:spPr>
-            <p:style>
-              <a:lnRef idx="2">
-                <a:schemeClr val="accent1"/>
-              </a:lnRef>
-              <a:fillRef idx="0">
-                <a:schemeClr val="accent1"/>
-              </a:fillRef>
-              <a:effectRef idx="1">
-                <a:schemeClr val="accent1"/>
-              </a:effectRef>
-              <a:fontRef idx="minor">
-                <a:schemeClr val="tx1"/>
-              </a:fontRef>
-            </p:style>
-          </p:cxnSp>
-          <p:cxnSp>
-            <p:nvCxnSpPr>
-              <p:cNvPr id="12" name="직선 연결선[R] 11">
-                <a:extLst>
-                  <a:ext uri="{FF2B5EF4-FFF2-40B4-BE49-F238E27FC236}">
-                    <a16:creationId xmlns:a16="http://schemas.microsoft.com/office/drawing/2014/main" id="{28ACF52C-D5C0-C816-7D36-440B3D3318B9}"/>
-                  </a:ext>
-                </a:extLst>
-              </p:cNvPr>
-              <p:cNvCxnSpPr/>
-              <p:nvPr/>
-            </p:nvCxnSpPr>
-            <p:spPr>
-              <a:xfrm>
-                <a:off x="7658636" y="1983346"/>
-                <a:ext cx="511816" cy="0"/>
-              </a:xfrm>
-              <a:prstGeom prst="line">
-                <a:avLst/>
-              </a:prstGeom>
-              <a:ln/>
-            </p:spPr>
-            <p:style>
-              <a:lnRef idx="2">
-                <a:schemeClr val="accent1"/>
-              </a:lnRef>
-              <a:fillRef idx="0">
-                <a:schemeClr val="accent1"/>
-              </a:fillRef>
-              <a:effectRef idx="1">
-                <a:schemeClr val="accent1"/>
-              </a:effectRef>
-              <a:fontRef idx="minor">
-                <a:schemeClr val="tx1"/>
-              </a:fontRef>
-            </p:style>
-          </p:cxnSp>
-          <p:cxnSp>
-            <p:nvCxnSpPr>
-              <p:cNvPr id="13" name="직선 연결선[R] 12">
-                <a:extLst>
-                  <a:ext uri="{FF2B5EF4-FFF2-40B4-BE49-F238E27FC236}">
-                    <a16:creationId xmlns:a16="http://schemas.microsoft.com/office/drawing/2014/main" id="{175B7CE7-52EE-953F-DAEF-3DA0EC94866B}"/>
-                  </a:ext>
-                </a:extLst>
-              </p:cNvPr>
-              <p:cNvCxnSpPr/>
-              <p:nvPr/>
-            </p:nvCxnSpPr>
-            <p:spPr>
-              <a:xfrm>
-                <a:off x="8349962" y="1983346"/>
-                <a:ext cx="511816" cy="0"/>
-              </a:xfrm>
-              <a:prstGeom prst="line">
-                <a:avLst/>
-              </a:prstGeom>
-              <a:ln/>
-            </p:spPr>
-            <p:style>
-              <a:lnRef idx="2">
-                <a:schemeClr val="accent1"/>
-              </a:lnRef>
-              <a:fillRef idx="0">
-                <a:schemeClr val="accent1"/>
-              </a:fillRef>
-              <a:effectRef idx="1">
-                <a:schemeClr val="accent1"/>
-              </a:effectRef>
-              <a:fontRef idx="minor">
-                <a:schemeClr val="tx1"/>
-              </a:fontRef>
-            </p:style>
-          </p:cxnSp>
-          <p:cxnSp>
-            <p:nvCxnSpPr>
-              <p:cNvPr id="14" name="직선 연결선[R] 13">
-                <a:extLst>
-                  <a:ext uri="{FF2B5EF4-FFF2-40B4-BE49-F238E27FC236}">
-                    <a16:creationId xmlns:a16="http://schemas.microsoft.com/office/drawing/2014/main" id="{B022BED8-F1F1-F7E5-2471-B45E00578265}"/>
-                  </a:ext>
-                </a:extLst>
-              </p:cNvPr>
-              <p:cNvCxnSpPr/>
-              <p:nvPr/>
-            </p:nvCxnSpPr>
-            <p:spPr>
-              <a:xfrm>
-                <a:off x="9120548" y="1983346"/>
-                <a:ext cx="511816" cy="0"/>
-              </a:xfrm>
-              <a:prstGeom prst="line">
-                <a:avLst/>
-              </a:prstGeom>
-              <a:ln/>
-            </p:spPr>
-            <p:style>
-              <a:lnRef idx="2">
-                <a:schemeClr val="accent1"/>
-              </a:lnRef>
-              <a:fillRef idx="0">
-                <a:schemeClr val="accent1"/>
-              </a:fillRef>
-              <a:effectRef idx="1">
-                <a:schemeClr val="accent1"/>
-              </a:effectRef>
-              <a:fontRef idx="minor">
-                <a:schemeClr val="tx1"/>
-              </a:fontRef>
-            </p:style>
-          </p:cxnSp>
-        </p:grpSp>
-        <p:sp>
-          <p:nvSpPr>
-            <p:cNvPr id="17" name="TextBox 16">
-              <a:extLst>
-                <a:ext uri="{FF2B5EF4-FFF2-40B4-BE49-F238E27FC236}">
-                  <a16:creationId xmlns:a16="http://schemas.microsoft.com/office/drawing/2014/main" id="{382387D8-8EE5-4041-ED46-942045771E35}"/>
-                </a:ext>
-              </a:extLst>
-            </p:cNvPr>
-            <p:cNvSpPr txBox="1"/>
-            <p:nvPr/>
-          </p:nvSpPr>
-          <p:spPr>
-            <a:xfrm>
-              <a:off x="7730661" y="1036783"/>
-              <a:ext cx="511816" cy="369332"/>
-            </a:xfrm>
-            <a:prstGeom prst="rect">
-              <a:avLst/>
-            </a:prstGeom>
-            <a:noFill/>
-          </p:spPr>
-          <p:txBody>
-            <a:bodyPr wrap="square" rtlCol="0">
-              <a:spAutoFit/>
-            </a:bodyPr>
-            <a:lstStyle/>
-            <a:p>
-              <a:pPr algn="ctr"/>
-              <a:r>
-                <a:rPr kumimoji="1" lang="en-US" altLang="ko-KR" dirty="0"/>
-                <a:t>on</a:t>
-              </a:r>
-              <a:endParaRPr kumimoji="1" lang="ko-KR" altLang="en-US" dirty="0"/>
-            </a:p>
-          </p:txBody>
-        </p:sp>
-        <p:sp>
-          <p:nvSpPr>
-            <p:cNvPr id="18" name="TextBox 17">
-              <a:extLst>
-                <a:ext uri="{FF2B5EF4-FFF2-40B4-BE49-F238E27FC236}">
-                  <a16:creationId xmlns:a16="http://schemas.microsoft.com/office/drawing/2014/main" id="{87560802-FBBE-8A45-A903-E1C58A9151BA}"/>
-                </a:ext>
-              </a:extLst>
-            </p:cNvPr>
-            <p:cNvSpPr txBox="1"/>
-            <p:nvPr/>
-          </p:nvSpPr>
-          <p:spPr>
-            <a:xfrm>
-              <a:off x="6985833" y="1036783"/>
-              <a:ext cx="511816" cy="369332"/>
-            </a:xfrm>
-            <a:prstGeom prst="rect">
-              <a:avLst/>
-            </a:prstGeom>
-            <a:noFill/>
-          </p:spPr>
-          <p:txBody>
-            <a:bodyPr wrap="square" rtlCol="0">
-              <a:spAutoFit/>
-            </a:bodyPr>
-            <a:lstStyle/>
-            <a:p>
-              <a:pPr algn="ctr"/>
-              <a:r>
-                <a:rPr kumimoji="1" lang="en-US" altLang="ko-KR" dirty="0"/>
-                <a:t>on</a:t>
-              </a:r>
-              <a:endParaRPr kumimoji="1" lang="ko-KR" altLang="en-US" dirty="0"/>
-            </a:p>
-          </p:txBody>
-        </p:sp>
-        <p:sp>
-          <p:nvSpPr>
-            <p:cNvPr id="19" name="TextBox 18">
-              <a:extLst>
-                <a:ext uri="{FF2B5EF4-FFF2-40B4-BE49-F238E27FC236}">
-                  <a16:creationId xmlns:a16="http://schemas.microsoft.com/office/drawing/2014/main" id="{1C109D9C-E908-450E-57C7-B6A209AC2558}"/>
-                </a:ext>
-              </a:extLst>
-            </p:cNvPr>
-            <p:cNvSpPr txBox="1"/>
-            <p:nvPr/>
-          </p:nvSpPr>
-          <p:spPr>
-            <a:xfrm>
-              <a:off x="6268749" y="1036783"/>
-              <a:ext cx="511816" cy="369332"/>
-            </a:xfrm>
-            <a:prstGeom prst="rect">
-              <a:avLst/>
-            </a:prstGeom>
-            <a:noFill/>
-          </p:spPr>
-          <p:txBody>
-            <a:bodyPr wrap="square" rtlCol="0">
-              <a:spAutoFit/>
-            </a:bodyPr>
-            <a:lstStyle/>
-            <a:p>
-              <a:pPr algn="ctr"/>
-              <a:r>
-                <a:rPr kumimoji="1" lang="en-US" altLang="ko-KR" dirty="0"/>
-                <a:t>off</a:t>
-              </a:r>
-              <a:endParaRPr kumimoji="1" lang="ko-KR" altLang="en-US" dirty="0"/>
-            </a:p>
-          </p:txBody>
-        </p:sp>
-        <p:sp>
-          <p:nvSpPr>
-            <p:cNvPr id="20" name="TextBox 19">
-              <a:extLst>
-                <a:ext uri="{FF2B5EF4-FFF2-40B4-BE49-F238E27FC236}">
-                  <a16:creationId xmlns:a16="http://schemas.microsoft.com/office/drawing/2014/main" id="{B49F65EF-B3AB-82EB-723B-13686913A901}"/>
-                </a:ext>
-              </a:extLst>
-            </p:cNvPr>
-            <p:cNvSpPr txBox="1"/>
-            <p:nvPr/>
-          </p:nvSpPr>
-          <p:spPr>
-            <a:xfrm>
-              <a:off x="5538076" y="1036783"/>
-              <a:ext cx="511816" cy="369332"/>
-            </a:xfrm>
-            <a:prstGeom prst="rect">
-              <a:avLst/>
-            </a:prstGeom>
-            <a:noFill/>
-          </p:spPr>
-          <p:txBody>
-            <a:bodyPr wrap="square" rtlCol="0">
-              <a:spAutoFit/>
-            </a:bodyPr>
-            <a:lstStyle/>
-            <a:p>
-              <a:pPr algn="ctr"/>
-              <a:r>
-                <a:rPr kumimoji="1" lang="en-US" altLang="ko-KR" dirty="0"/>
-                <a:t>off</a:t>
-              </a:r>
-              <a:endParaRPr kumimoji="1" lang="ko-KR" altLang="en-US" dirty="0"/>
-            </a:p>
-          </p:txBody>
-        </p:sp>
-        <p:sp>
-          <p:nvSpPr>
-            <p:cNvPr id="21" name="TextBox 20">
-              <a:extLst>
-                <a:ext uri="{FF2B5EF4-FFF2-40B4-BE49-F238E27FC236}">
-                  <a16:creationId xmlns:a16="http://schemas.microsoft.com/office/drawing/2014/main" id="{F135C359-8E5D-152F-5429-61728951807C}"/>
-                </a:ext>
-              </a:extLst>
-            </p:cNvPr>
-            <p:cNvSpPr txBox="1"/>
-            <p:nvPr/>
-          </p:nvSpPr>
-          <p:spPr>
-            <a:xfrm>
-              <a:off x="4843486" y="1040803"/>
-              <a:ext cx="511816" cy="369332"/>
-            </a:xfrm>
-            <a:prstGeom prst="rect">
-              <a:avLst/>
-            </a:prstGeom>
-            <a:noFill/>
-          </p:spPr>
-          <p:txBody>
-            <a:bodyPr wrap="square" rtlCol="0">
-              <a:spAutoFit/>
-            </a:bodyPr>
-            <a:lstStyle/>
-            <a:p>
-              <a:pPr algn="ctr"/>
-              <a:r>
-                <a:rPr kumimoji="1" lang="en-US" altLang="ko-KR" dirty="0"/>
-                <a:t>on</a:t>
-              </a:r>
-              <a:endParaRPr kumimoji="1" lang="ko-KR" altLang="en-US" dirty="0"/>
-            </a:p>
-          </p:txBody>
-        </p:sp>
-        <p:sp>
-          <p:nvSpPr>
-            <p:cNvPr id="22" name="TextBox 21">
-              <a:extLst>
-                <a:ext uri="{FF2B5EF4-FFF2-40B4-BE49-F238E27FC236}">
-                  <a16:creationId xmlns:a16="http://schemas.microsoft.com/office/drawing/2014/main" id="{CFBCCCB3-51EC-0B32-9E36-9033426741F8}"/>
-                </a:ext>
-              </a:extLst>
-            </p:cNvPr>
-            <p:cNvSpPr txBox="1"/>
-            <p:nvPr/>
-          </p:nvSpPr>
-          <p:spPr>
-            <a:xfrm>
-              <a:off x="4090238" y="1036783"/>
-              <a:ext cx="511816" cy="369332"/>
-            </a:xfrm>
-            <a:prstGeom prst="rect">
-              <a:avLst/>
-            </a:prstGeom>
-            <a:noFill/>
-          </p:spPr>
-          <p:txBody>
-            <a:bodyPr wrap="square" rtlCol="0">
-              <a:spAutoFit/>
-            </a:bodyPr>
-            <a:lstStyle/>
-            <a:p>
-              <a:pPr algn="ctr"/>
-              <a:r>
-                <a:rPr kumimoji="1" lang="en-US" altLang="ko-KR" dirty="0"/>
-                <a:t>on</a:t>
-              </a:r>
-              <a:endParaRPr kumimoji="1" lang="ko-KR" altLang="en-US" dirty="0"/>
-            </a:p>
-          </p:txBody>
-        </p:sp>
-        <p:sp>
-          <p:nvSpPr>
-            <p:cNvPr id="23" name="TextBox 22">
-              <a:extLst>
-                <a:ext uri="{FF2B5EF4-FFF2-40B4-BE49-F238E27FC236}">
-                  <a16:creationId xmlns:a16="http://schemas.microsoft.com/office/drawing/2014/main" id="{4C09BA14-9A31-582B-95EF-7F1F4DF9502D}"/>
-                </a:ext>
-              </a:extLst>
-            </p:cNvPr>
-            <p:cNvSpPr txBox="1"/>
-            <p:nvPr/>
-          </p:nvSpPr>
-          <p:spPr>
-            <a:xfrm>
-              <a:off x="3359565" y="1036783"/>
-              <a:ext cx="511816" cy="369332"/>
-            </a:xfrm>
-            <a:prstGeom prst="rect">
-              <a:avLst/>
-            </a:prstGeom>
-            <a:noFill/>
-          </p:spPr>
-          <p:txBody>
-            <a:bodyPr wrap="square" rtlCol="0">
-              <a:spAutoFit/>
-            </a:bodyPr>
-            <a:lstStyle/>
-            <a:p>
-              <a:pPr algn="ctr"/>
-              <a:r>
-                <a:rPr kumimoji="1" lang="en-US" altLang="ko-KR" dirty="0"/>
-                <a:t>off</a:t>
-              </a:r>
-              <a:endParaRPr kumimoji="1" lang="ko-KR" altLang="en-US" dirty="0"/>
-            </a:p>
-          </p:txBody>
-        </p:sp>
-        <p:sp>
-          <p:nvSpPr>
-            <p:cNvPr id="24" name="TextBox 23">
-              <a:extLst>
-                <a:ext uri="{FF2B5EF4-FFF2-40B4-BE49-F238E27FC236}">
-                  <a16:creationId xmlns:a16="http://schemas.microsoft.com/office/drawing/2014/main" id="{2586830F-B980-7A68-96F8-906715B745FD}"/>
-                </a:ext>
-              </a:extLst>
-            </p:cNvPr>
-            <p:cNvSpPr txBox="1"/>
-            <p:nvPr/>
-          </p:nvSpPr>
-          <p:spPr>
-            <a:xfrm>
-              <a:off x="2602564" y="1036783"/>
-              <a:ext cx="511816" cy="369332"/>
-            </a:xfrm>
-            <a:prstGeom prst="rect">
-              <a:avLst/>
-            </a:prstGeom>
-            <a:noFill/>
-          </p:spPr>
-          <p:txBody>
-            <a:bodyPr wrap="square" rtlCol="0">
-              <a:spAutoFit/>
-            </a:bodyPr>
-            <a:lstStyle/>
-            <a:p>
-              <a:pPr algn="ctr"/>
-              <a:r>
-                <a:rPr kumimoji="1" lang="en-US" altLang="ko-KR" dirty="0"/>
-                <a:t>on</a:t>
-              </a:r>
-              <a:endParaRPr kumimoji="1" lang="ko-KR" altLang="en-US" dirty="0"/>
-            </a:p>
-          </p:txBody>
-        </p:sp>
-      </p:grpSp>
-      <p:sp>
-        <p:nvSpPr>
-          <p:cNvPr id="26" name="TextBox 25">
-            <a:extLst>
-              <a:ext uri="{FF2B5EF4-FFF2-40B4-BE49-F238E27FC236}">
-                <a16:creationId xmlns:a16="http://schemas.microsoft.com/office/drawing/2014/main" id="{38C048F9-9D1D-CECB-BAD9-6A4E6F2D07C9}"/>
-              </a:ext>
-            </a:extLst>
-          </p:cNvPr>
-          <p:cNvSpPr txBox="1"/>
-          <p:nvPr/>
-        </p:nvSpPr>
-        <p:spPr>
-          <a:xfrm>
-            <a:off x="3347392" y="1541045"/>
-            <a:ext cx="5182553" cy="261610"/>
-          </a:xfrm>
-          <a:prstGeom prst="rect">
-            <a:avLst/>
-          </a:prstGeom>
-          <a:noFill/>
-        </p:spPr>
-        <p:txBody>
-          <a:bodyPr wrap="square">
-            <a:spAutoFit/>
-          </a:bodyPr>
-          <a:lstStyle/>
-          <a:p>
-            <a:r>
-              <a:rPr kumimoji="1" lang="ko-KR" altLang="en-US" sz="1100" dirty="0"/>
-              <a:t>* 위의 경우 하나의 칸당 트랜지스터로 표현할 수 있는 스위치를 표현하고 있다</a:t>
-            </a:r>
-            <a:r>
-              <a:rPr kumimoji="1" lang="en-US" altLang="ko-KR" sz="1100" dirty="0"/>
-              <a:t>.</a:t>
-            </a:r>
-          </a:p>
-        </p:txBody>
-      </p:sp>
-      <p:grpSp>
-        <p:nvGrpSpPr>
-          <p:cNvPr id="32" name="그룹 31">
-            <a:extLst>
-              <a:ext uri="{FF2B5EF4-FFF2-40B4-BE49-F238E27FC236}">
-                <a16:creationId xmlns:a16="http://schemas.microsoft.com/office/drawing/2014/main" id="{DCE4220C-094A-DB86-B810-6BCF2A96ACC7}"/>
-              </a:ext>
-            </a:extLst>
-          </p:cNvPr>
-          <p:cNvGrpSpPr/>
-          <p:nvPr/>
-        </p:nvGrpSpPr>
-        <p:grpSpPr>
-          <a:xfrm>
-            <a:off x="8785636" y="1048097"/>
-            <a:ext cx="2946829" cy="1689571"/>
-            <a:chOff x="8861778" y="2415624"/>
-            <a:chExt cx="2946829" cy="1689571"/>
-          </a:xfrm>
-        </p:grpSpPr>
-        <p:pic>
-          <p:nvPicPr>
-            <p:cNvPr id="28" name="그림 27" descr="텍스트, 도표, 스크린샷, 라인이(가) 표시된 사진&#10;&#10;자동 생성된 설명">
-              <a:extLst>
-                <a:ext uri="{FF2B5EF4-FFF2-40B4-BE49-F238E27FC236}">
-                  <a16:creationId xmlns:a16="http://schemas.microsoft.com/office/drawing/2014/main" id="{80FFE743-9B00-0E22-1DC9-5E9832C5A388}"/>
-                </a:ext>
-              </a:extLst>
-            </p:cNvPr>
-            <p:cNvPicPr>
-              <a:picLocks noChangeAspect="1"/>
-            </p:cNvPicPr>
-            <p:nvPr/>
-          </p:nvPicPr>
-          <p:blipFill>
-            <a:blip r:embed="rId3"/>
-            <a:stretch>
-              <a:fillRect/>
-            </a:stretch>
-          </p:blipFill>
-          <p:spPr>
-            <a:xfrm>
-              <a:off x="8861778" y="2415624"/>
-              <a:ext cx="2946829" cy="1490196"/>
-            </a:xfrm>
-            <a:prstGeom prst="rect">
-              <a:avLst/>
-            </a:prstGeom>
-          </p:spPr>
-        </p:pic>
-        <p:sp>
-          <p:nvSpPr>
-            <p:cNvPr id="31" name="TextBox 30">
-              <a:extLst>
-                <a:ext uri="{FF2B5EF4-FFF2-40B4-BE49-F238E27FC236}">
-                  <a16:creationId xmlns:a16="http://schemas.microsoft.com/office/drawing/2014/main" id="{09A2BC30-E35C-BFEC-4732-768DFC9492C8}"/>
-                </a:ext>
-              </a:extLst>
-            </p:cNvPr>
-            <p:cNvSpPr txBox="1"/>
-            <p:nvPr/>
-          </p:nvSpPr>
-          <p:spPr>
-            <a:xfrm>
-              <a:off x="10678009" y="3828196"/>
-              <a:ext cx="1130598" cy="276999"/>
-            </a:xfrm>
-            <a:prstGeom prst="rect">
-              <a:avLst/>
-            </a:prstGeom>
-            <a:noFill/>
-          </p:spPr>
-          <p:txBody>
-            <a:bodyPr wrap="square" rtlCol="0">
-              <a:spAutoFit/>
-            </a:bodyPr>
-            <a:lstStyle/>
-            <a:p>
-              <a:r>
-                <a:rPr kumimoji="1" lang="ko-KR" altLang="en-US" sz="1200" dirty="0"/>
-                <a:t>출처</a:t>
-              </a:r>
-              <a:r>
-                <a:rPr kumimoji="1" lang="en-US" altLang="ko-KR" sz="1200" dirty="0"/>
-                <a:t>: </a:t>
-              </a:r>
-              <a:r>
-                <a:rPr kumimoji="1" lang="ko-KR" altLang="en-US" sz="1200" dirty="0">
-                  <a:hlinkClick r:id="rId4"/>
-                </a:rPr>
-                <a:t>사이트</a:t>
-              </a:r>
-              <a:endParaRPr kumimoji="1" lang="ko-KR" altLang="en-US" sz="1200" dirty="0"/>
-            </a:p>
-          </p:txBody>
-        </p:sp>
-      </p:grpSp>
-      <mc:AlternateContent xmlns:mc="http://schemas.openxmlformats.org/markup-compatibility/2006" xmlns:a14="http://schemas.microsoft.com/office/drawing/2010/main">
-        <mc:Choice Requires="a14">
-          <p:sp>
-            <p:nvSpPr>
-              <p:cNvPr id="33" name="TextBox 32">
-                <a:extLst>
-                  <a:ext uri="{FF2B5EF4-FFF2-40B4-BE49-F238E27FC236}">
-                    <a16:creationId xmlns:a16="http://schemas.microsoft.com/office/drawing/2014/main" id="{7022ABF9-D2DE-819B-5144-BBE6D0DD3305}"/>
-                  </a:ext>
-                </a:extLst>
-              </p:cNvPr>
-              <p:cNvSpPr txBox="1"/>
-              <p:nvPr/>
-            </p:nvSpPr>
-            <p:spPr>
-              <a:xfrm>
-                <a:off x="2612826" y="2923399"/>
-                <a:ext cx="5679584" cy="584775"/>
-              </a:xfrm>
-              <a:prstGeom prst="rect">
-                <a:avLst/>
-              </a:prstGeom>
-              <a:noFill/>
-            </p:spPr>
-            <p:txBody>
-              <a:bodyPr wrap="square" rtlCol="0">
-                <a:spAutoFit/>
-              </a:bodyPr>
-              <a:lstStyle/>
-              <a:p>
-                <a:r>
-                  <a:rPr kumimoji="1" lang="ko-KR" altLang="en-US" sz="1600" dirty="0"/>
-                  <a:t> 위의 케이스로 따지자면</a:t>
-                </a:r>
-                <a:r>
-                  <a:rPr kumimoji="1" lang="en-US" altLang="ko-KR" sz="1600" dirty="0"/>
-                  <a:t>, 8</a:t>
-                </a:r>
-                <a:r>
-                  <a:rPr kumimoji="1" lang="ko-KR" altLang="en-US" sz="1600" dirty="0"/>
-                  <a:t>개의 트랜지스터 </a:t>
-                </a:r>
-                <a:r>
-                  <a:rPr kumimoji="1" lang="en-US" altLang="ko-KR" sz="1600" dirty="0"/>
-                  <a:t>(</a:t>
-                </a:r>
-                <a:r>
-                  <a:rPr kumimoji="1" lang="ko-KR" altLang="en-US" sz="1600" dirty="0"/>
-                  <a:t>스위치</a:t>
-                </a:r>
-                <a:r>
-                  <a:rPr kumimoji="1" lang="en-US" altLang="ko-KR" sz="1600" dirty="0"/>
-                  <a:t>)</a:t>
-                </a:r>
-                <a:r>
-                  <a:rPr kumimoji="1" lang="ko-KR" altLang="en-US" sz="1600" dirty="0"/>
-                  <a:t>로 총 </a:t>
-                </a:r>
-                <a14:m>
-                  <m:oMath xmlns:m="http://schemas.openxmlformats.org/officeDocument/2006/math">
-                    <m:sSup>
-                      <m:sSupPr>
-                        <m:ctrlPr>
-                          <a:rPr kumimoji="1" lang="en-US" altLang="ko-KR" sz="1600" i="1" smtClean="0">
-                            <a:latin typeface="Cambria Math" panose="02040503050406030204" pitchFamily="18" charset="0"/>
-                          </a:rPr>
-                        </m:ctrlPr>
-                      </m:sSupPr>
-                      <m:e>
-                        <m:r>
-                          <a:rPr kumimoji="1" lang="en-US" altLang="ko-KR" sz="1600" b="0" i="1" smtClean="0">
-                            <a:latin typeface="Cambria Math" panose="02040503050406030204" pitchFamily="18" charset="0"/>
-                          </a:rPr>
-                          <m:t>2</m:t>
-                        </m:r>
-                      </m:e>
-                      <m:sup>
-                        <m:r>
-                          <a:rPr kumimoji="1" lang="en-US" altLang="ko-KR" sz="1600" b="0" i="1" smtClean="0">
-                            <a:latin typeface="Cambria Math" panose="02040503050406030204" pitchFamily="18" charset="0"/>
-                          </a:rPr>
-                          <m:t>8</m:t>
-                        </m:r>
-                      </m:sup>
-                    </m:sSup>
-                  </m:oMath>
-                </a14:m>
-                <a:r>
-                  <a:rPr kumimoji="1" lang="ko-KR" altLang="en-US" sz="1600" dirty="0"/>
-                  <a:t>개 </a:t>
-                </a:r>
-                <a:r>
-                  <a:rPr kumimoji="1" lang="en-US" altLang="ko-KR" sz="1600" dirty="0"/>
-                  <a:t>= 256</a:t>
-                </a:r>
-                <a:r>
-                  <a:rPr kumimoji="1" lang="ko-KR" altLang="en-US" sz="1600" dirty="0"/>
-                  <a:t>개 의 무언가를 표현할 수 있다</a:t>
-                </a:r>
-                <a:r>
-                  <a:rPr kumimoji="1" lang="en-US" altLang="ko-KR" sz="1600" dirty="0"/>
-                  <a:t>. </a:t>
-                </a:r>
-                <a:endParaRPr kumimoji="1" lang="ko-KR" altLang="en-US" sz="1600" dirty="0"/>
-              </a:p>
-            </p:txBody>
-          </p:sp>
-        </mc:Choice>
-        <mc:Fallback xmlns="">
-          <p:sp>
-            <p:nvSpPr>
-              <p:cNvPr id="33" name="TextBox 32">
-                <a:extLst>
-                  <a:ext uri="{FF2B5EF4-FFF2-40B4-BE49-F238E27FC236}">
-                    <a16:creationId xmlns:a16="http://schemas.microsoft.com/office/drawing/2014/main" id="{7022ABF9-D2DE-819B-5144-BBE6D0DD3305}"/>
-                  </a:ext>
-                </a:extLst>
-              </p:cNvPr>
-              <p:cNvSpPr txBox="1">
-                <a:spLocks noRot="1" noChangeAspect="1" noMove="1" noResize="1" noEditPoints="1" noAdjustHandles="1" noChangeArrowheads="1" noChangeShapeType="1" noTextEdit="1"/>
-              </p:cNvSpPr>
-              <p:nvPr/>
-            </p:nvSpPr>
-            <p:spPr>
-              <a:xfrm>
-                <a:off x="2612826" y="2923399"/>
-                <a:ext cx="5679584" cy="584775"/>
-              </a:xfrm>
-              <a:prstGeom prst="rect">
-                <a:avLst/>
-              </a:prstGeom>
-              <a:blipFill>
-                <a:blip r:embed="rId5"/>
-                <a:stretch>
-                  <a:fillRect t="-4348" b="-13043"/>
-                </a:stretch>
-              </a:blipFill>
-            </p:spPr>
-            <p:txBody>
-              <a:bodyPr/>
-              <a:lstStyle/>
-              <a:p>
-                <a:r>
-                  <a:rPr lang="ko-KR" altLang="en-US">
-                    <a:noFill/>
-                  </a:rPr>
-                  <a:t> </a:t>
-                </a:r>
-              </a:p>
-            </p:txBody>
-          </p:sp>
-        </mc:Fallback>
-      </mc:AlternateContent>
-      <p:sp>
-        <p:nvSpPr>
-          <p:cNvPr id="35" name="왼쪽 대괄호[L] 34">
-            <a:extLst>
-              <a:ext uri="{FF2B5EF4-FFF2-40B4-BE49-F238E27FC236}">
-                <a16:creationId xmlns:a16="http://schemas.microsoft.com/office/drawing/2014/main" id="{5B8A73CD-A641-552A-269A-E42751DD7527}"/>
-              </a:ext>
-            </a:extLst>
-          </p:cNvPr>
-          <p:cNvSpPr/>
-          <p:nvPr/>
-        </p:nvSpPr>
-        <p:spPr>
-          <a:xfrm>
-            <a:off x="1906073" y="3749037"/>
-            <a:ext cx="244698" cy="2999493"/>
-          </a:xfrm>
-          <a:prstGeom prst="leftBracket">
-            <a:avLst/>
-          </a:prstGeom>
-          <a:ln w="28575"/>
-        </p:spPr>
-        <p:style>
-          <a:lnRef idx="1">
-            <a:schemeClr val="dk1"/>
-          </a:lnRef>
-          <a:fillRef idx="0">
-            <a:schemeClr val="dk1"/>
-          </a:fillRef>
-          <a:effectRef idx="0">
-            <a:schemeClr val="dk1"/>
-          </a:effectRef>
-          <a:fontRef idx="minor">
-            <a:schemeClr val="tx1"/>
-          </a:fontRef>
-        </p:style>
-        <p:txBody>
-          <a:bodyPr rtlCol="0" anchor="ctr"/>
-          <a:lstStyle/>
-          <a:p>
-            <a:pPr algn="ctr"/>
-            <a:endParaRPr kumimoji="1" lang="ko-KR" altLang="en-US"/>
-          </a:p>
-        </p:txBody>
-      </p:sp>
-      <p:sp>
-        <p:nvSpPr>
-          <p:cNvPr id="36" name="TextBox 35">
-            <a:extLst>
-              <a:ext uri="{FF2B5EF4-FFF2-40B4-BE49-F238E27FC236}">
-                <a16:creationId xmlns:a16="http://schemas.microsoft.com/office/drawing/2014/main" id="{627310D2-9524-2B24-5456-2CE3A109483E}"/>
-              </a:ext>
-            </a:extLst>
-          </p:cNvPr>
-          <p:cNvSpPr txBox="1"/>
-          <p:nvPr/>
-        </p:nvSpPr>
-        <p:spPr>
-          <a:xfrm>
-            <a:off x="605305" y="4925617"/>
-            <a:ext cx="1300767" cy="646331"/>
-          </a:xfrm>
-          <a:prstGeom prst="rect">
-            <a:avLst/>
-          </a:prstGeom>
-          <a:noFill/>
-        </p:spPr>
-        <p:txBody>
-          <a:bodyPr wrap="square" rtlCol="0">
-            <a:spAutoFit/>
-          </a:bodyPr>
-          <a:lstStyle/>
-          <a:p>
-            <a:pPr algn="ctr"/>
-            <a:r>
-              <a:rPr kumimoji="1" lang="en-US" altLang="ko-KR" b="1" dirty="0"/>
-              <a:t>Logical</a:t>
-            </a:r>
-          </a:p>
-          <a:p>
-            <a:pPr algn="ctr"/>
-            <a:r>
-              <a:rPr kumimoji="1" lang="en-US" altLang="ko-KR" b="1" dirty="0"/>
-              <a:t>Space</a:t>
-            </a:r>
-            <a:endParaRPr kumimoji="1" lang="ko-KR" altLang="en-US" b="1" dirty="0"/>
-          </a:p>
-        </p:txBody>
-      </p:sp>
-      <p:grpSp>
-        <p:nvGrpSpPr>
-          <p:cNvPr id="39" name="그룹 38">
-            <a:extLst>
-              <a:ext uri="{FF2B5EF4-FFF2-40B4-BE49-F238E27FC236}">
-                <a16:creationId xmlns:a16="http://schemas.microsoft.com/office/drawing/2014/main" id="{10BC02C0-3890-015A-E118-75B37A8061B5}"/>
-              </a:ext>
-            </a:extLst>
-          </p:cNvPr>
-          <p:cNvGrpSpPr/>
-          <p:nvPr/>
-        </p:nvGrpSpPr>
-        <p:grpSpPr>
-          <a:xfrm>
-            <a:off x="2600741" y="3820799"/>
-            <a:ext cx="5639913" cy="409807"/>
-            <a:chOff x="2602564" y="1036783"/>
-            <a:chExt cx="5639913" cy="409807"/>
-          </a:xfrm>
-        </p:grpSpPr>
-        <p:grpSp>
-          <p:nvGrpSpPr>
-            <p:cNvPr id="40" name="그룹 39">
-              <a:extLst>
-                <a:ext uri="{FF2B5EF4-FFF2-40B4-BE49-F238E27FC236}">
-                  <a16:creationId xmlns:a16="http://schemas.microsoft.com/office/drawing/2014/main" id="{28C29CF9-0B6A-328E-6B79-26E4E42EE727}"/>
-                </a:ext>
-              </a:extLst>
-            </p:cNvPr>
-            <p:cNvGrpSpPr/>
-            <p:nvPr/>
-          </p:nvGrpSpPr>
-          <p:grpSpPr>
-            <a:xfrm>
-              <a:off x="2602564" y="1446590"/>
-              <a:ext cx="5639913" cy="0"/>
-              <a:chOff x="3992451" y="1983346"/>
-              <a:chExt cx="5639913" cy="0"/>
-            </a:xfrm>
-          </p:grpSpPr>
-          <p:cxnSp>
-            <p:nvCxnSpPr>
-              <p:cNvPr id="49" name="직선 연결선[R] 48">
-                <a:extLst>
-                  <a:ext uri="{FF2B5EF4-FFF2-40B4-BE49-F238E27FC236}">
-                    <a16:creationId xmlns:a16="http://schemas.microsoft.com/office/drawing/2014/main" id="{D7F28AA1-DF0A-1297-39BE-8EA5C114547A}"/>
-                  </a:ext>
-                </a:extLst>
-              </p:cNvPr>
-              <p:cNvCxnSpPr/>
-              <p:nvPr/>
-            </p:nvCxnSpPr>
-            <p:spPr>
-              <a:xfrm>
-                <a:off x="3992451" y="1983346"/>
-                <a:ext cx="511816" cy="0"/>
-              </a:xfrm>
-              <a:prstGeom prst="line">
-                <a:avLst/>
-              </a:prstGeom>
-              <a:ln/>
-            </p:spPr>
-            <p:style>
-              <a:lnRef idx="2">
-                <a:schemeClr val="accent1"/>
-              </a:lnRef>
-              <a:fillRef idx="0">
-                <a:schemeClr val="accent1"/>
-              </a:fillRef>
-              <a:effectRef idx="1">
-                <a:schemeClr val="accent1"/>
-              </a:effectRef>
-              <a:fontRef idx="minor">
-                <a:schemeClr val="tx1"/>
-              </a:fontRef>
-            </p:style>
-          </p:cxnSp>
-          <p:cxnSp>
-            <p:nvCxnSpPr>
-              <p:cNvPr id="50" name="직선 연결선[R] 49">
-                <a:extLst>
-                  <a:ext uri="{FF2B5EF4-FFF2-40B4-BE49-F238E27FC236}">
-                    <a16:creationId xmlns:a16="http://schemas.microsoft.com/office/drawing/2014/main" id="{6CCE6D9E-DCC0-F76A-B41E-F5D8C41AD0A9}"/>
-                  </a:ext>
-                </a:extLst>
-              </p:cNvPr>
-              <p:cNvCxnSpPr/>
-              <p:nvPr/>
-            </p:nvCxnSpPr>
-            <p:spPr>
-              <a:xfrm>
-                <a:off x="4737279" y="1983346"/>
-                <a:ext cx="511816" cy="0"/>
-              </a:xfrm>
-              <a:prstGeom prst="line">
-                <a:avLst/>
-              </a:prstGeom>
-              <a:ln/>
-            </p:spPr>
-            <p:style>
-              <a:lnRef idx="2">
-                <a:schemeClr val="accent1"/>
-              </a:lnRef>
-              <a:fillRef idx="0">
-                <a:schemeClr val="accent1"/>
-              </a:fillRef>
-              <a:effectRef idx="1">
-                <a:schemeClr val="accent1"/>
-              </a:effectRef>
-              <a:fontRef idx="minor">
-                <a:schemeClr val="tx1"/>
-              </a:fontRef>
-            </p:style>
-          </p:cxnSp>
-          <p:cxnSp>
-            <p:nvCxnSpPr>
-              <p:cNvPr id="51" name="직선 연결선[R] 50">
-                <a:extLst>
-                  <a:ext uri="{FF2B5EF4-FFF2-40B4-BE49-F238E27FC236}">
-                    <a16:creationId xmlns:a16="http://schemas.microsoft.com/office/drawing/2014/main" id="{2DF65B8F-FA3C-2A8A-FBF4-619EC6A94561}"/>
-                  </a:ext>
-                </a:extLst>
-              </p:cNvPr>
-              <p:cNvCxnSpPr/>
-              <p:nvPr/>
-            </p:nvCxnSpPr>
-            <p:spPr>
-              <a:xfrm>
-                <a:off x="5482107" y="1983346"/>
-                <a:ext cx="511816" cy="0"/>
-              </a:xfrm>
-              <a:prstGeom prst="line">
-                <a:avLst/>
-              </a:prstGeom>
-              <a:ln/>
-            </p:spPr>
-            <p:style>
-              <a:lnRef idx="2">
-                <a:schemeClr val="accent1"/>
-              </a:lnRef>
-              <a:fillRef idx="0">
-                <a:schemeClr val="accent1"/>
-              </a:fillRef>
-              <a:effectRef idx="1">
-                <a:schemeClr val="accent1"/>
-              </a:effectRef>
-              <a:fontRef idx="minor">
-                <a:schemeClr val="tx1"/>
-              </a:fontRef>
-            </p:style>
-          </p:cxnSp>
-          <p:cxnSp>
-            <p:nvCxnSpPr>
-              <p:cNvPr id="52" name="직선 연결선[R] 51">
-                <a:extLst>
-                  <a:ext uri="{FF2B5EF4-FFF2-40B4-BE49-F238E27FC236}">
-                    <a16:creationId xmlns:a16="http://schemas.microsoft.com/office/drawing/2014/main" id="{67532ABB-BB53-1C1B-6820-FD98E724F3EE}"/>
-                  </a:ext>
-                </a:extLst>
-              </p:cNvPr>
-              <p:cNvCxnSpPr/>
-              <p:nvPr/>
-            </p:nvCxnSpPr>
-            <p:spPr>
-              <a:xfrm>
-                <a:off x="6233373" y="1983346"/>
-                <a:ext cx="511816" cy="0"/>
-              </a:xfrm>
-              <a:prstGeom prst="line">
-                <a:avLst/>
-              </a:prstGeom>
-              <a:ln/>
-            </p:spPr>
-            <p:style>
-              <a:lnRef idx="2">
-                <a:schemeClr val="accent1"/>
-              </a:lnRef>
-              <a:fillRef idx="0">
-                <a:schemeClr val="accent1"/>
-              </a:fillRef>
-              <a:effectRef idx="1">
-                <a:schemeClr val="accent1"/>
-              </a:effectRef>
-              <a:fontRef idx="minor">
-                <a:schemeClr val="tx1"/>
-              </a:fontRef>
-            </p:style>
-          </p:cxnSp>
-          <p:cxnSp>
-            <p:nvCxnSpPr>
-              <p:cNvPr id="53" name="직선 연결선[R] 52">
-                <a:extLst>
-                  <a:ext uri="{FF2B5EF4-FFF2-40B4-BE49-F238E27FC236}">
-                    <a16:creationId xmlns:a16="http://schemas.microsoft.com/office/drawing/2014/main" id="{E9D5E08C-8D95-58A4-3D38-6DE30E667DF3}"/>
-                  </a:ext>
-                </a:extLst>
-              </p:cNvPr>
-              <p:cNvCxnSpPr/>
-              <p:nvPr/>
-            </p:nvCxnSpPr>
-            <p:spPr>
-              <a:xfrm>
-                <a:off x="6952444" y="1983346"/>
-                <a:ext cx="511816" cy="0"/>
-              </a:xfrm>
-              <a:prstGeom prst="line">
-                <a:avLst/>
-              </a:prstGeom>
-              <a:ln/>
-            </p:spPr>
-            <p:style>
-              <a:lnRef idx="2">
-                <a:schemeClr val="accent1"/>
-              </a:lnRef>
-              <a:fillRef idx="0">
-                <a:schemeClr val="accent1"/>
-              </a:fillRef>
-              <a:effectRef idx="1">
-                <a:schemeClr val="accent1"/>
-              </a:effectRef>
-              <a:fontRef idx="minor">
-                <a:schemeClr val="tx1"/>
-              </a:fontRef>
-            </p:style>
-          </p:cxnSp>
-          <p:cxnSp>
-            <p:nvCxnSpPr>
-              <p:cNvPr id="54" name="직선 연결선[R] 53">
-                <a:extLst>
-                  <a:ext uri="{FF2B5EF4-FFF2-40B4-BE49-F238E27FC236}">
-                    <a16:creationId xmlns:a16="http://schemas.microsoft.com/office/drawing/2014/main" id="{8FE93EA1-7558-8529-D7FA-B0AA09D04FEB}"/>
-                  </a:ext>
-                </a:extLst>
-              </p:cNvPr>
-              <p:cNvCxnSpPr/>
-              <p:nvPr/>
-            </p:nvCxnSpPr>
-            <p:spPr>
-              <a:xfrm>
-                <a:off x="7658636" y="1983346"/>
-                <a:ext cx="511816" cy="0"/>
-              </a:xfrm>
-              <a:prstGeom prst="line">
-                <a:avLst/>
-              </a:prstGeom>
-              <a:ln/>
-            </p:spPr>
-            <p:style>
-              <a:lnRef idx="2">
-                <a:schemeClr val="accent1"/>
-              </a:lnRef>
-              <a:fillRef idx="0">
-                <a:schemeClr val="accent1"/>
-              </a:fillRef>
-              <a:effectRef idx="1">
-                <a:schemeClr val="accent1"/>
-              </a:effectRef>
-              <a:fontRef idx="minor">
-                <a:schemeClr val="tx1"/>
-              </a:fontRef>
-            </p:style>
-          </p:cxnSp>
-          <p:cxnSp>
-            <p:nvCxnSpPr>
-              <p:cNvPr id="55" name="직선 연결선[R] 54">
-                <a:extLst>
-                  <a:ext uri="{FF2B5EF4-FFF2-40B4-BE49-F238E27FC236}">
-                    <a16:creationId xmlns:a16="http://schemas.microsoft.com/office/drawing/2014/main" id="{73B3CAAA-786D-0595-0AE9-64D0D6A60C02}"/>
-                  </a:ext>
-                </a:extLst>
-              </p:cNvPr>
-              <p:cNvCxnSpPr/>
-              <p:nvPr/>
-            </p:nvCxnSpPr>
-            <p:spPr>
-              <a:xfrm>
-                <a:off x="8349962" y="1983346"/>
-                <a:ext cx="511816" cy="0"/>
-              </a:xfrm>
-              <a:prstGeom prst="line">
-                <a:avLst/>
-              </a:prstGeom>
-              <a:ln/>
-            </p:spPr>
-            <p:style>
-              <a:lnRef idx="2">
-                <a:schemeClr val="accent1"/>
-              </a:lnRef>
-              <a:fillRef idx="0">
-                <a:schemeClr val="accent1"/>
-              </a:fillRef>
-              <a:effectRef idx="1">
-                <a:schemeClr val="accent1"/>
-              </a:effectRef>
-              <a:fontRef idx="minor">
-                <a:schemeClr val="tx1"/>
-              </a:fontRef>
-            </p:style>
-          </p:cxnSp>
-          <p:cxnSp>
-            <p:nvCxnSpPr>
-              <p:cNvPr id="56" name="직선 연결선[R] 55">
-                <a:extLst>
-                  <a:ext uri="{FF2B5EF4-FFF2-40B4-BE49-F238E27FC236}">
-                    <a16:creationId xmlns:a16="http://schemas.microsoft.com/office/drawing/2014/main" id="{C19EFA62-E30D-1282-5CDB-F173B191F191}"/>
-                  </a:ext>
-                </a:extLst>
-              </p:cNvPr>
-              <p:cNvCxnSpPr/>
-              <p:nvPr/>
-            </p:nvCxnSpPr>
-            <p:spPr>
-              <a:xfrm>
-                <a:off x="9120548" y="1983346"/>
-                <a:ext cx="511816" cy="0"/>
-              </a:xfrm>
-              <a:prstGeom prst="line">
-                <a:avLst/>
-              </a:prstGeom>
-              <a:ln/>
-            </p:spPr>
-            <p:style>
-              <a:lnRef idx="2">
-                <a:schemeClr val="accent1"/>
-              </a:lnRef>
-              <a:fillRef idx="0">
-                <a:schemeClr val="accent1"/>
-              </a:fillRef>
-              <a:effectRef idx="1">
-                <a:schemeClr val="accent1"/>
-              </a:effectRef>
-              <a:fontRef idx="minor">
-                <a:schemeClr val="tx1"/>
-              </a:fontRef>
-            </p:style>
-          </p:cxnSp>
-        </p:grpSp>
-        <p:sp>
-          <p:nvSpPr>
-            <p:cNvPr id="41" name="TextBox 40">
-              <a:extLst>
-                <a:ext uri="{FF2B5EF4-FFF2-40B4-BE49-F238E27FC236}">
-                  <a16:creationId xmlns:a16="http://schemas.microsoft.com/office/drawing/2014/main" id="{0260EED2-E882-5E23-DECA-169A04D4E3E1}"/>
-                </a:ext>
-              </a:extLst>
-            </p:cNvPr>
-            <p:cNvSpPr txBox="1"/>
-            <p:nvPr/>
-          </p:nvSpPr>
-          <p:spPr>
-            <a:xfrm>
-              <a:off x="7730661" y="1036783"/>
-              <a:ext cx="511816" cy="369332"/>
-            </a:xfrm>
-            <a:prstGeom prst="rect">
-              <a:avLst/>
-            </a:prstGeom>
-            <a:noFill/>
-          </p:spPr>
-          <p:txBody>
-            <a:bodyPr wrap="square" rtlCol="0">
-              <a:spAutoFit/>
-            </a:bodyPr>
-            <a:lstStyle/>
-            <a:p>
-              <a:pPr algn="ctr"/>
-              <a:r>
-                <a:rPr kumimoji="1" lang="en-US" altLang="ko-KR" dirty="0"/>
-                <a:t>1</a:t>
-              </a:r>
-              <a:endParaRPr kumimoji="1" lang="ko-KR" altLang="en-US" dirty="0"/>
-            </a:p>
-          </p:txBody>
-        </p:sp>
-        <p:sp>
-          <p:nvSpPr>
-            <p:cNvPr id="42" name="TextBox 41">
-              <a:extLst>
-                <a:ext uri="{FF2B5EF4-FFF2-40B4-BE49-F238E27FC236}">
-                  <a16:creationId xmlns:a16="http://schemas.microsoft.com/office/drawing/2014/main" id="{C12E3AE5-AAD9-95B3-5675-2EBC7B7F3B72}"/>
-                </a:ext>
-              </a:extLst>
-            </p:cNvPr>
-            <p:cNvSpPr txBox="1"/>
-            <p:nvPr/>
-          </p:nvSpPr>
-          <p:spPr>
-            <a:xfrm>
-              <a:off x="6985833" y="1036783"/>
-              <a:ext cx="511816" cy="369332"/>
-            </a:xfrm>
-            <a:prstGeom prst="rect">
-              <a:avLst/>
-            </a:prstGeom>
-            <a:noFill/>
-          </p:spPr>
-          <p:txBody>
-            <a:bodyPr wrap="square" rtlCol="0">
-              <a:spAutoFit/>
-            </a:bodyPr>
-            <a:lstStyle/>
-            <a:p>
-              <a:pPr algn="ctr"/>
-              <a:r>
-                <a:rPr kumimoji="1" lang="en-US" altLang="ko-KR" dirty="0"/>
-                <a:t>1</a:t>
-              </a:r>
-              <a:endParaRPr kumimoji="1" lang="ko-KR" altLang="en-US" dirty="0"/>
-            </a:p>
-          </p:txBody>
-        </p:sp>
-        <p:sp>
-          <p:nvSpPr>
-            <p:cNvPr id="43" name="TextBox 42">
-              <a:extLst>
-                <a:ext uri="{FF2B5EF4-FFF2-40B4-BE49-F238E27FC236}">
-                  <a16:creationId xmlns:a16="http://schemas.microsoft.com/office/drawing/2014/main" id="{7FA624A2-207E-1216-B457-DD2886EEE530}"/>
-                </a:ext>
-              </a:extLst>
-            </p:cNvPr>
-            <p:cNvSpPr txBox="1"/>
-            <p:nvPr/>
-          </p:nvSpPr>
-          <p:spPr>
-            <a:xfrm>
-              <a:off x="6268749" y="1036783"/>
-              <a:ext cx="511816" cy="369332"/>
-            </a:xfrm>
-            <a:prstGeom prst="rect">
-              <a:avLst/>
-            </a:prstGeom>
-            <a:noFill/>
-          </p:spPr>
-          <p:txBody>
-            <a:bodyPr wrap="square" rtlCol="0">
-              <a:spAutoFit/>
-            </a:bodyPr>
-            <a:lstStyle/>
-            <a:p>
-              <a:pPr algn="ctr"/>
-              <a:r>
-                <a:rPr kumimoji="1" lang="en-US" altLang="ko-KR" dirty="0"/>
-                <a:t>0</a:t>
-              </a:r>
-              <a:endParaRPr kumimoji="1" lang="ko-KR" altLang="en-US" dirty="0"/>
-            </a:p>
-          </p:txBody>
-        </p:sp>
-        <p:sp>
-          <p:nvSpPr>
-            <p:cNvPr id="44" name="TextBox 43">
-              <a:extLst>
-                <a:ext uri="{FF2B5EF4-FFF2-40B4-BE49-F238E27FC236}">
-                  <a16:creationId xmlns:a16="http://schemas.microsoft.com/office/drawing/2014/main" id="{A474E864-E7F1-2913-27E1-266DD867784C}"/>
-                </a:ext>
-              </a:extLst>
-            </p:cNvPr>
-            <p:cNvSpPr txBox="1"/>
-            <p:nvPr/>
-          </p:nvSpPr>
-          <p:spPr>
-            <a:xfrm>
-              <a:off x="5538076" y="1036783"/>
-              <a:ext cx="511816" cy="369332"/>
-            </a:xfrm>
-            <a:prstGeom prst="rect">
-              <a:avLst/>
-            </a:prstGeom>
-            <a:noFill/>
-          </p:spPr>
-          <p:txBody>
-            <a:bodyPr wrap="square" rtlCol="0">
-              <a:spAutoFit/>
-            </a:bodyPr>
-            <a:lstStyle/>
-            <a:p>
-              <a:pPr algn="ctr"/>
-              <a:r>
-                <a:rPr kumimoji="1" lang="en-US" altLang="ko-KR" dirty="0"/>
-                <a:t>0</a:t>
-              </a:r>
-              <a:endParaRPr kumimoji="1" lang="ko-KR" altLang="en-US" dirty="0"/>
-            </a:p>
-          </p:txBody>
-        </p:sp>
-        <p:sp>
-          <p:nvSpPr>
-            <p:cNvPr id="45" name="TextBox 44">
-              <a:extLst>
-                <a:ext uri="{FF2B5EF4-FFF2-40B4-BE49-F238E27FC236}">
-                  <a16:creationId xmlns:a16="http://schemas.microsoft.com/office/drawing/2014/main" id="{22EB08EC-BDED-769B-6302-6E716B3676C8}"/>
-                </a:ext>
-              </a:extLst>
-            </p:cNvPr>
-            <p:cNvSpPr txBox="1"/>
-            <p:nvPr/>
-          </p:nvSpPr>
-          <p:spPr>
-            <a:xfrm>
-              <a:off x="4843486" y="1040803"/>
-              <a:ext cx="511816" cy="369332"/>
-            </a:xfrm>
-            <a:prstGeom prst="rect">
-              <a:avLst/>
-            </a:prstGeom>
-            <a:noFill/>
-          </p:spPr>
-          <p:txBody>
-            <a:bodyPr wrap="square" rtlCol="0">
-              <a:spAutoFit/>
-            </a:bodyPr>
-            <a:lstStyle/>
-            <a:p>
-              <a:pPr algn="ctr"/>
-              <a:r>
-                <a:rPr kumimoji="1" lang="en-US" altLang="ko-KR" dirty="0"/>
-                <a:t>1</a:t>
-              </a:r>
-              <a:endParaRPr kumimoji="1" lang="ko-KR" altLang="en-US" dirty="0"/>
-            </a:p>
-          </p:txBody>
-        </p:sp>
-        <p:sp>
-          <p:nvSpPr>
-            <p:cNvPr id="46" name="TextBox 45">
-              <a:extLst>
-                <a:ext uri="{FF2B5EF4-FFF2-40B4-BE49-F238E27FC236}">
-                  <a16:creationId xmlns:a16="http://schemas.microsoft.com/office/drawing/2014/main" id="{1D9E10C6-978D-57F5-E290-5B51A1C70ACE}"/>
-                </a:ext>
-              </a:extLst>
-            </p:cNvPr>
-            <p:cNvSpPr txBox="1"/>
-            <p:nvPr/>
-          </p:nvSpPr>
-          <p:spPr>
-            <a:xfrm>
-              <a:off x="4090238" y="1036783"/>
-              <a:ext cx="511816" cy="369332"/>
-            </a:xfrm>
-            <a:prstGeom prst="rect">
-              <a:avLst/>
-            </a:prstGeom>
-            <a:noFill/>
-          </p:spPr>
-          <p:txBody>
-            <a:bodyPr wrap="square" rtlCol="0">
-              <a:spAutoFit/>
-            </a:bodyPr>
-            <a:lstStyle/>
-            <a:p>
-              <a:pPr algn="ctr"/>
-              <a:r>
-                <a:rPr kumimoji="1" lang="en-US" altLang="ko-KR" dirty="0"/>
-                <a:t>1</a:t>
-              </a:r>
-              <a:endParaRPr kumimoji="1" lang="ko-KR" altLang="en-US" dirty="0"/>
-            </a:p>
-          </p:txBody>
-        </p:sp>
-        <p:sp>
-          <p:nvSpPr>
-            <p:cNvPr id="47" name="TextBox 46">
-              <a:extLst>
-                <a:ext uri="{FF2B5EF4-FFF2-40B4-BE49-F238E27FC236}">
-                  <a16:creationId xmlns:a16="http://schemas.microsoft.com/office/drawing/2014/main" id="{F3D1D2D9-F98E-D7F4-DCB0-D3DBAD907FF1}"/>
-                </a:ext>
-              </a:extLst>
-            </p:cNvPr>
-            <p:cNvSpPr txBox="1"/>
-            <p:nvPr/>
-          </p:nvSpPr>
-          <p:spPr>
-            <a:xfrm>
-              <a:off x="3359565" y="1036783"/>
-              <a:ext cx="511816" cy="369332"/>
-            </a:xfrm>
-            <a:prstGeom prst="rect">
-              <a:avLst/>
-            </a:prstGeom>
-            <a:noFill/>
-          </p:spPr>
-          <p:txBody>
-            <a:bodyPr wrap="square" rtlCol="0">
-              <a:spAutoFit/>
-            </a:bodyPr>
-            <a:lstStyle/>
-            <a:p>
-              <a:pPr algn="ctr"/>
-              <a:r>
-                <a:rPr kumimoji="1" lang="en-US" altLang="ko-KR" dirty="0"/>
-                <a:t>0</a:t>
-              </a:r>
-              <a:endParaRPr kumimoji="1" lang="ko-KR" altLang="en-US" dirty="0"/>
-            </a:p>
-          </p:txBody>
-        </p:sp>
-        <p:sp>
-          <p:nvSpPr>
-            <p:cNvPr id="48" name="TextBox 47">
-              <a:extLst>
-                <a:ext uri="{FF2B5EF4-FFF2-40B4-BE49-F238E27FC236}">
-                  <a16:creationId xmlns:a16="http://schemas.microsoft.com/office/drawing/2014/main" id="{8873C713-CA54-41CC-0CE9-EC1333605589}"/>
-                </a:ext>
-              </a:extLst>
-            </p:cNvPr>
-            <p:cNvSpPr txBox="1"/>
-            <p:nvPr/>
-          </p:nvSpPr>
-          <p:spPr>
-            <a:xfrm>
-              <a:off x="2602564" y="1036783"/>
-              <a:ext cx="511816" cy="369332"/>
-            </a:xfrm>
-            <a:prstGeom prst="rect">
-              <a:avLst/>
-            </a:prstGeom>
-            <a:noFill/>
-          </p:spPr>
-          <p:txBody>
-            <a:bodyPr wrap="square" rtlCol="0">
-              <a:spAutoFit/>
-            </a:bodyPr>
-            <a:lstStyle/>
-            <a:p>
-              <a:pPr algn="ctr"/>
-              <a:r>
-                <a:rPr kumimoji="1" lang="en-US" altLang="ko-KR" dirty="0"/>
-                <a:t>1</a:t>
-              </a:r>
-              <a:endParaRPr kumimoji="1" lang="ko-KR" altLang="en-US" dirty="0"/>
-            </a:p>
-          </p:txBody>
-        </p:sp>
-      </p:grpSp>
-      <mc:AlternateContent xmlns:mc="http://schemas.openxmlformats.org/markup-compatibility/2006" xmlns:a14="http://schemas.microsoft.com/office/drawing/2010/main">
-        <mc:Choice Requires="a14">
-          <p:sp>
-            <p:nvSpPr>
-              <p:cNvPr id="57" name="TextBox 56">
-                <a:extLst>
-                  <a:ext uri="{FF2B5EF4-FFF2-40B4-BE49-F238E27FC236}">
-                    <a16:creationId xmlns:a16="http://schemas.microsoft.com/office/drawing/2014/main" id="{9E7DE6F3-AE76-A861-D9F4-17159198729A}"/>
-                  </a:ext>
-                </a:extLst>
-              </p:cNvPr>
-              <p:cNvSpPr txBox="1"/>
-              <p:nvPr/>
-            </p:nvSpPr>
-            <p:spPr>
-              <a:xfrm>
-                <a:off x="2600740" y="4377844"/>
-                <a:ext cx="7685187" cy="784125"/>
-              </a:xfrm>
-              <a:prstGeom prst="rect">
-                <a:avLst/>
-              </a:prstGeom>
-              <a:noFill/>
-            </p:spPr>
-            <p:txBody>
-              <a:bodyPr wrap="square" rtlCol="0">
-                <a:spAutoFit/>
-              </a:bodyPr>
-              <a:lstStyle/>
-              <a:p>
-                <a:pPr>
-                  <a:lnSpc>
-                    <a:spcPct val="150000"/>
-                  </a:lnSpc>
-                </a:pPr>
-                <a:r>
-                  <a:rPr kumimoji="1" lang="ko-KR" altLang="en-US" sz="1600" dirty="0"/>
-                  <a:t> 위의 물리적인 </a:t>
-                </a:r>
-                <a:r>
-                  <a:rPr kumimoji="1" lang="en-US" altLang="ko-KR" sz="1600" b="1" dirty="0"/>
-                  <a:t>on/off</a:t>
-                </a:r>
-                <a:r>
-                  <a:rPr kumimoji="1" lang="ko-KR" altLang="en-US" sz="1600" b="1" dirty="0" err="1"/>
-                  <a:t>를</a:t>
-                </a:r>
-                <a:r>
-                  <a:rPr kumimoji="1" lang="ko-KR" altLang="en-US" sz="1600" b="1" dirty="0"/>
-                  <a:t> 논리적</a:t>
-                </a:r>
-                <a:r>
-                  <a:rPr kumimoji="1" lang="ko-KR" altLang="en-US" sz="1600" dirty="0"/>
-                  <a:t>으로 </a:t>
-                </a:r>
-                <a:r>
-                  <a:rPr kumimoji="1" lang="en-US" altLang="ko-KR" sz="1600" b="1" dirty="0"/>
-                  <a:t>1/0</a:t>
-                </a:r>
-                <a:r>
-                  <a:rPr kumimoji="1" lang="ko-KR" altLang="en-US" sz="1600" b="1" dirty="0" err="1"/>
-                  <a:t>으로</a:t>
-                </a:r>
-                <a:r>
-                  <a:rPr kumimoji="1" lang="ko-KR" altLang="en-US" sz="1600" b="1" dirty="0"/>
-                  <a:t> 해석 </a:t>
-                </a:r>
-                <a:r>
-                  <a:rPr kumimoji="1" lang="en-US" altLang="ko-KR" sz="1600" b="1" dirty="0"/>
-                  <a:t>(</a:t>
-                </a:r>
-                <a:r>
-                  <a:rPr kumimoji="1" lang="en-US" altLang="ko-KR" sz="1600" b="1" dirty="0">
-                    <a:solidFill>
-                      <a:srgbClr val="C00000"/>
-                    </a:solidFill>
-                  </a:rPr>
-                  <a:t>2</a:t>
-                </a:r>
-                <a:r>
-                  <a:rPr kumimoji="1" lang="ko-KR" altLang="en-US" sz="1600" b="1" dirty="0">
-                    <a:solidFill>
-                      <a:srgbClr val="C00000"/>
-                    </a:solidFill>
-                  </a:rPr>
-                  <a:t>진법</a:t>
-                </a:r>
-                <a:r>
-                  <a:rPr kumimoji="1" lang="en-US" altLang="ko-KR" sz="1600" b="1" dirty="0"/>
-                  <a:t>)</a:t>
-                </a:r>
-                <a:r>
-                  <a:rPr kumimoji="1" lang="ko-KR" altLang="en-US" sz="1600" dirty="0" err="1"/>
-                  <a:t>할수</a:t>
-                </a:r>
-                <a:r>
-                  <a:rPr kumimoji="1" lang="ko-KR" altLang="en-US" sz="1600" dirty="0"/>
-                  <a:t> 있다</a:t>
-                </a:r>
-                <a:r>
-                  <a:rPr kumimoji="1" lang="en-US" altLang="ko-KR" sz="1600" dirty="0"/>
-                  <a:t>.</a:t>
-                </a:r>
-              </a:p>
-              <a:p>
-                <a:pPr>
-                  <a:lnSpc>
-                    <a:spcPct val="150000"/>
-                  </a:lnSpc>
-                </a:pPr>
-                <a14:m>
-                  <m:oMath xmlns:m="http://schemas.openxmlformats.org/officeDocument/2006/math">
-                    <m:r>
-                      <a:rPr kumimoji="1" lang="ko-KR" altLang="en-US" sz="1600" i="1" smtClean="0">
-                        <a:latin typeface="Cambria Math" panose="02040503050406030204" pitchFamily="18" charset="0"/>
-                      </a:rPr>
-                      <m:t>→</m:t>
-                    </m:r>
-                  </m:oMath>
-                </a14:m>
-                <a:r>
-                  <a:rPr kumimoji="1" lang="ko-KR" altLang="en-US" sz="1600" dirty="0"/>
-                  <a:t> 즉</a:t>
-                </a:r>
-                <a:r>
-                  <a:rPr kumimoji="1" lang="en-US" altLang="ko-KR" sz="1600" dirty="0"/>
-                  <a:t>, 1</a:t>
-                </a:r>
-                <a:r>
-                  <a:rPr kumimoji="1" lang="ko-KR" altLang="en-US" sz="1600" dirty="0"/>
-                  <a:t>과 </a:t>
-                </a:r>
-                <a:r>
-                  <a:rPr kumimoji="1" lang="en-US" altLang="ko-KR" sz="1600" dirty="0"/>
-                  <a:t>0</a:t>
-                </a:r>
-                <a:r>
-                  <a:rPr kumimoji="1" lang="ko-KR" altLang="en-US" sz="1600" dirty="0" err="1"/>
-                  <a:t>으로</a:t>
-                </a:r>
-                <a:r>
-                  <a:rPr kumimoji="1" lang="ko-KR" altLang="en-US" sz="1600" dirty="0"/>
-                  <a:t> </a:t>
-                </a:r>
-                <a:r>
-                  <a:rPr kumimoji="1" lang="ko-KR" altLang="en-US" sz="1600" dirty="0" err="1"/>
-                  <a:t>해석할수</a:t>
-                </a:r>
-                <a:r>
-                  <a:rPr kumimoji="1" lang="ko-KR" altLang="en-US" sz="1600" dirty="0"/>
-                  <a:t> 있는 것은 </a:t>
-                </a:r>
-                <a:r>
-                  <a:rPr kumimoji="1" lang="en-US" altLang="ko-KR" sz="1600" b="1" dirty="0">
-                    <a:solidFill>
-                      <a:srgbClr val="C00000"/>
-                    </a:solidFill>
-                  </a:rPr>
-                  <a:t>10</a:t>
-                </a:r>
-                <a:r>
-                  <a:rPr kumimoji="1" lang="ko-KR" altLang="en-US" sz="1600" b="1" dirty="0">
-                    <a:solidFill>
-                      <a:srgbClr val="C00000"/>
-                    </a:solidFill>
-                  </a:rPr>
-                  <a:t>진법</a:t>
-                </a:r>
-                <a:r>
-                  <a:rPr kumimoji="1" lang="ko-KR" altLang="en-US" sz="1600" dirty="0"/>
-                  <a:t> 또는 </a:t>
-                </a:r>
-                <a:r>
-                  <a:rPr kumimoji="1" lang="en-US" altLang="ko-KR" sz="1600" b="1" dirty="0">
-                    <a:solidFill>
-                      <a:srgbClr val="C00000"/>
-                    </a:solidFill>
-                  </a:rPr>
-                  <a:t>16</a:t>
-                </a:r>
-                <a:r>
-                  <a:rPr kumimoji="1" lang="ko-KR" altLang="en-US" sz="1600" b="1" dirty="0">
-                    <a:solidFill>
-                      <a:srgbClr val="C00000"/>
-                    </a:solidFill>
-                  </a:rPr>
-                  <a:t>진법</a:t>
-                </a:r>
-                <a:r>
-                  <a:rPr kumimoji="1" lang="ko-KR" altLang="en-US" sz="1600" dirty="0"/>
-                  <a:t>으로 전환이 가능하다</a:t>
-                </a:r>
-                <a:r>
-                  <a:rPr kumimoji="1" lang="en-US" altLang="ko-KR" sz="1600" dirty="0"/>
-                  <a:t>.</a:t>
-                </a:r>
-                <a:endParaRPr kumimoji="1" lang="ko-KR" altLang="en-US" sz="1600" dirty="0"/>
-              </a:p>
-            </p:txBody>
-          </p:sp>
-        </mc:Choice>
-        <mc:Fallback xmlns="">
-          <p:sp>
-            <p:nvSpPr>
-              <p:cNvPr id="57" name="TextBox 56">
-                <a:extLst>
-                  <a:ext uri="{FF2B5EF4-FFF2-40B4-BE49-F238E27FC236}">
-                    <a16:creationId xmlns:a16="http://schemas.microsoft.com/office/drawing/2014/main" id="{9E7DE6F3-AE76-A861-D9F4-17159198729A}"/>
-                  </a:ext>
-                </a:extLst>
-              </p:cNvPr>
-              <p:cNvSpPr txBox="1">
-                <a:spLocks noRot="1" noChangeAspect="1" noMove="1" noResize="1" noEditPoints="1" noAdjustHandles="1" noChangeArrowheads="1" noChangeShapeType="1" noTextEdit="1"/>
-              </p:cNvSpPr>
-              <p:nvPr/>
-            </p:nvSpPr>
-            <p:spPr>
-              <a:xfrm>
-                <a:off x="2600740" y="4377844"/>
-                <a:ext cx="7685187" cy="784125"/>
-              </a:xfrm>
-              <a:prstGeom prst="rect">
-                <a:avLst/>
-              </a:prstGeom>
-              <a:blipFill>
-                <a:blip r:embed="rId6"/>
-                <a:stretch>
-                  <a:fillRect b="-6349"/>
-                </a:stretch>
-              </a:blipFill>
-            </p:spPr>
-            <p:txBody>
-              <a:bodyPr/>
-              <a:lstStyle/>
-              <a:p>
-                <a:r>
-                  <a:rPr lang="ko-KR" altLang="en-US">
-                    <a:noFill/>
-                  </a:rPr>
-                  <a:t> </a:t>
-                </a:r>
-              </a:p>
-            </p:txBody>
-          </p:sp>
-        </mc:Fallback>
-      </mc:AlternateContent>
-      <p:sp>
-        <p:nvSpPr>
-          <p:cNvPr id="58" name="왼쪽 대괄호[L] 57">
-            <a:extLst>
-              <a:ext uri="{FF2B5EF4-FFF2-40B4-BE49-F238E27FC236}">
-                <a16:creationId xmlns:a16="http://schemas.microsoft.com/office/drawing/2014/main" id="{0D091EC4-6E86-E2BB-C634-B59FCA5AAFAB}"/>
-              </a:ext>
-            </a:extLst>
-          </p:cNvPr>
-          <p:cNvSpPr/>
-          <p:nvPr/>
-        </p:nvSpPr>
-        <p:spPr>
-          <a:xfrm>
-            <a:off x="1918952" y="2842195"/>
-            <a:ext cx="244698" cy="747181"/>
-          </a:xfrm>
-          <a:prstGeom prst="leftBracket">
-            <a:avLst/>
-          </a:prstGeom>
-          <a:ln w="28575"/>
-        </p:spPr>
-        <p:style>
-          <a:lnRef idx="1">
-            <a:schemeClr val="dk1"/>
-          </a:lnRef>
-          <a:fillRef idx="0">
-            <a:schemeClr val="dk1"/>
-          </a:fillRef>
-          <a:effectRef idx="0">
-            <a:schemeClr val="dk1"/>
-          </a:effectRef>
-          <a:fontRef idx="minor">
-            <a:schemeClr val="tx1"/>
-          </a:fontRef>
-        </p:style>
-        <p:txBody>
-          <a:bodyPr rtlCol="0" anchor="ctr"/>
-          <a:lstStyle/>
-          <a:p>
-            <a:pPr algn="ctr"/>
-            <a:endParaRPr kumimoji="1" lang="ko-KR" altLang="en-US"/>
-          </a:p>
-        </p:txBody>
-      </p:sp>
-      <p:sp>
-        <p:nvSpPr>
-          <p:cNvPr id="59" name="TextBox 58">
-            <a:extLst>
-              <a:ext uri="{FF2B5EF4-FFF2-40B4-BE49-F238E27FC236}">
-                <a16:creationId xmlns:a16="http://schemas.microsoft.com/office/drawing/2014/main" id="{4BE74D23-D1CF-206E-0AA6-2BF20D4C7A50}"/>
-              </a:ext>
-            </a:extLst>
-          </p:cNvPr>
-          <p:cNvSpPr txBox="1"/>
-          <p:nvPr/>
-        </p:nvSpPr>
-        <p:spPr>
-          <a:xfrm>
-            <a:off x="584308" y="3070313"/>
-            <a:ext cx="1300767" cy="369332"/>
-          </a:xfrm>
-          <a:prstGeom prst="rect">
-            <a:avLst/>
-          </a:prstGeom>
-          <a:noFill/>
-        </p:spPr>
-        <p:txBody>
-          <a:bodyPr wrap="square" rtlCol="0">
-            <a:spAutoFit/>
-          </a:bodyPr>
-          <a:lstStyle/>
-          <a:p>
-            <a:pPr algn="ctr"/>
-            <a:r>
-              <a:rPr kumimoji="1" lang="en-US" altLang="ko-KR" b="1" dirty="0">
-                <a:solidFill>
-                  <a:srgbClr val="C00000"/>
-                </a:solidFill>
-              </a:rPr>
-              <a:t>Link</a:t>
-            </a:r>
-            <a:endParaRPr kumimoji="1" lang="ko-KR" altLang="en-US" b="1" dirty="0">
-              <a:solidFill>
-                <a:srgbClr val="C00000"/>
-              </a:solidFill>
-            </a:endParaRPr>
-          </a:p>
-        </p:txBody>
-      </p:sp>
-      <p:sp>
-        <p:nvSpPr>
-          <p:cNvPr id="60" name="TextBox 59">
-            <a:extLst>
-              <a:ext uri="{FF2B5EF4-FFF2-40B4-BE49-F238E27FC236}">
-                <a16:creationId xmlns:a16="http://schemas.microsoft.com/office/drawing/2014/main" id="{2FF1086B-4A6A-FC86-BB36-62F021D1B62B}"/>
-              </a:ext>
-            </a:extLst>
-          </p:cNvPr>
-          <p:cNvSpPr txBox="1"/>
-          <p:nvPr/>
-        </p:nvSpPr>
-        <p:spPr>
-          <a:xfrm>
-            <a:off x="2600740" y="5248782"/>
-            <a:ext cx="8218306" cy="338554"/>
-          </a:xfrm>
-          <a:prstGeom prst="rect">
-            <a:avLst/>
-          </a:prstGeom>
-          <a:noFill/>
-        </p:spPr>
-        <p:txBody>
-          <a:bodyPr wrap="square" rtlCol="0">
-            <a:spAutoFit/>
-          </a:bodyPr>
-          <a:lstStyle/>
-          <a:p>
-            <a:r>
-              <a:rPr kumimoji="1" lang="ko-KR" altLang="en-US" sz="1600" b="1" dirty="0"/>
-              <a:t>트랜지스터의 </a:t>
-            </a:r>
-            <a:r>
-              <a:rPr kumimoji="1" lang="en-US" altLang="ko-KR" sz="1600" b="1" dirty="0"/>
-              <a:t>on/off</a:t>
-            </a:r>
-            <a:r>
-              <a:rPr kumimoji="1" lang="ko-KR" altLang="en-US" sz="1600" b="1" dirty="0" err="1"/>
-              <a:t>를</a:t>
-            </a:r>
-            <a:r>
-              <a:rPr kumimoji="1" lang="ko-KR" altLang="en-US" sz="1600" b="1" dirty="0"/>
-              <a:t> 통해 우리가 필요한 </a:t>
-            </a:r>
-            <a:r>
-              <a:rPr kumimoji="1" lang="en-US" altLang="ko-KR" sz="1600" b="1" dirty="0"/>
-              <a:t>10</a:t>
-            </a:r>
-            <a:r>
-              <a:rPr kumimoji="1" lang="ko-KR" altLang="en-US" sz="1600" b="1" dirty="0"/>
-              <a:t>진법</a:t>
-            </a:r>
-            <a:r>
-              <a:rPr kumimoji="1" lang="en-US" altLang="ko-KR" sz="1600" b="1" dirty="0"/>
-              <a:t>, 16</a:t>
-            </a:r>
-            <a:r>
-              <a:rPr kumimoji="1" lang="ko-KR" altLang="en-US" sz="1600" b="1" dirty="0"/>
-              <a:t>진법 </a:t>
-            </a:r>
-            <a:r>
-              <a:rPr kumimoji="1" lang="ko-KR" altLang="en-US" sz="1600" b="1" dirty="0">
-                <a:solidFill>
-                  <a:srgbClr val="C00000"/>
-                </a:solidFill>
-              </a:rPr>
-              <a:t>연산이 가능</a:t>
-            </a:r>
-            <a:r>
-              <a:rPr kumimoji="1" lang="ko-KR" altLang="en-US" sz="1600" b="1" dirty="0"/>
-              <a:t>해진 순간이다</a:t>
-            </a:r>
-            <a:r>
-              <a:rPr kumimoji="1" lang="en-US" altLang="ko-KR" sz="1600" b="1" dirty="0"/>
-              <a:t>.</a:t>
-            </a:r>
-            <a:endParaRPr kumimoji="1" lang="ko-KR" altLang="en-US" sz="1600" b="1" dirty="0"/>
-          </a:p>
-        </p:txBody>
-      </p:sp>
-      <p:sp>
-        <p:nvSpPr>
-          <p:cNvPr id="61" name="TextBox 60">
-            <a:extLst>
-              <a:ext uri="{FF2B5EF4-FFF2-40B4-BE49-F238E27FC236}">
-                <a16:creationId xmlns:a16="http://schemas.microsoft.com/office/drawing/2014/main" id="{5718BC41-AC76-5869-A23E-C6AF1F5BD3D2}"/>
-              </a:ext>
-            </a:extLst>
-          </p:cNvPr>
-          <p:cNvSpPr txBox="1"/>
-          <p:nvPr/>
-        </p:nvSpPr>
-        <p:spPr>
-          <a:xfrm>
-            <a:off x="2600741" y="5696123"/>
-            <a:ext cx="8603880" cy="323165"/>
-          </a:xfrm>
-          <a:prstGeom prst="rect">
-            <a:avLst/>
-          </a:prstGeom>
-          <a:noFill/>
-        </p:spPr>
-        <p:txBody>
-          <a:bodyPr wrap="square" rtlCol="0">
-            <a:spAutoFit/>
-          </a:bodyPr>
-          <a:lstStyle/>
-          <a:p>
-            <a:r>
-              <a:rPr kumimoji="1" lang="ko-KR" altLang="en-US" sz="1500" b="1" dirty="0"/>
-              <a:t>더 나아가 </a:t>
-            </a:r>
-            <a:r>
-              <a:rPr kumimoji="1" lang="ko-KR" altLang="en-US" sz="1500" b="1" dirty="0">
-                <a:solidFill>
-                  <a:srgbClr val="C00000"/>
-                </a:solidFill>
-              </a:rPr>
-              <a:t>특수한 조합</a:t>
-            </a:r>
-            <a:r>
-              <a:rPr kumimoji="1" lang="ko-KR" altLang="en-US" sz="1500" b="1" dirty="0"/>
-              <a:t>으로 문자까지 약속할 경우 우리가 사용하는 문자 데이터를 저장할 수 있다</a:t>
-            </a:r>
-            <a:r>
-              <a:rPr kumimoji="1" lang="en-US" altLang="ko-KR" sz="1500" b="1" dirty="0"/>
-              <a:t>.</a:t>
-            </a:r>
-            <a:endParaRPr kumimoji="1" lang="ko-KR" altLang="en-US" sz="1500" b="1" dirty="0"/>
-          </a:p>
-        </p:txBody>
-      </p:sp>
-      <p:sp>
-        <p:nvSpPr>
-          <p:cNvPr id="62" name="TextBox 61">
-            <a:extLst>
-              <a:ext uri="{FF2B5EF4-FFF2-40B4-BE49-F238E27FC236}">
-                <a16:creationId xmlns:a16="http://schemas.microsoft.com/office/drawing/2014/main" id="{53DB0441-4803-780F-E491-9684A0055579}"/>
-              </a:ext>
-            </a:extLst>
-          </p:cNvPr>
-          <p:cNvSpPr txBox="1"/>
-          <p:nvPr/>
-        </p:nvSpPr>
-        <p:spPr>
-          <a:xfrm>
-            <a:off x="4483482" y="6297352"/>
-            <a:ext cx="4838398" cy="338554"/>
-          </a:xfrm>
-          <a:prstGeom prst="rect">
-            <a:avLst/>
-          </a:prstGeom>
-          <a:noFill/>
-        </p:spPr>
-        <p:txBody>
-          <a:bodyPr wrap="square" rtlCol="0">
-            <a:spAutoFit/>
-          </a:bodyPr>
-          <a:lstStyle/>
-          <a:p>
-            <a:r>
-              <a:rPr kumimoji="1" lang="ko-KR" altLang="en-US" sz="1600" b="1" dirty="0"/>
-              <a:t>여기서</a:t>
-            </a:r>
-            <a:r>
-              <a:rPr kumimoji="1" lang="en-US" altLang="ko-KR" sz="1600" b="1" dirty="0"/>
-              <a:t>, Transistor 1</a:t>
-            </a:r>
-            <a:r>
-              <a:rPr kumimoji="1" lang="ko-KR" altLang="en-US" sz="1600" b="1" dirty="0"/>
-              <a:t>개의 단위를 </a:t>
-            </a:r>
-            <a:r>
-              <a:rPr kumimoji="1" lang="en-US" altLang="ko-KR" sz="1600" b="1" dirty="0"/>
-              <a:t>1bit</a:t>
-            </a:r>
-            <a:r>
-              <a:rPr kumimoji="1" lang="ko-KR" altLang="en-US" sz="1600" b="1" dirty="0"/>
-              <a:t>로 정의했다</a:t>
-            </a:r>
-            <a:r>
-              <a:rPr kumimoji="1" lang="en-US" altLang="ko-KR" sz="1600" b="1" dirty="0"/>
-              <a:t>.</a:t>
-            </a:r>
-            <a:endParaRPr kumimoji="1" lang="ko-KR" altLang="en-US" sz="1600" b="1" dirty="0"/>
-          </a:p>
-        </p:txBody>
-      </p:sp>
-    </p:spTree>
-    <p:extLst>
-      <p:ext uri="{BB962C8B-B14F-4D97-AF65-F5344CB8AC3E}">
-        <p14:creationId xmlns:p14="http://schemas.microsoft.com/office/powerpoint/2010/main" val="2084048083"/>
-      </p:ext>
-    </p:extLst>
-  </p:cSld>
-  <p:clrMapOvr>
-    <a:masterClrMapping/>
-  </p:clrMapOvr>
-</p:sld>
-</file>
-
-<file path=ppt/slides/slide20.xml><?xml version="1.0" encoding="utf-8"?>
+<file path=ppt/slides/slide19.xml><?xml version="1.0" encoding="utf-8"?>
 <p:sld xmlns:a="http://schemas.openxmlformats.org/drawingml/2006/main" xmlns:r="http://schemas.openxmlformats.org/officeDocument/2006/relationships" xmlns:p="http://schemas.openxmlformats.org/presentationml/2006/main">
   <p:cSld>
     <p:spTree>
@@ -32119,7 +28925,2436 @@
 </p:sld>
 </file>
 
-<file path=ppt/slides/slide21.xml><?xml version="1.0" encoding="utf-8"?>
+<file path=ppt/slides/slide2.xml><?xml version="1.0" encoding="utf-8"?>
+<p:sld xmlns:a="http://schemas.openxmlformats.org/drawingml/2006/main" xmlns:r="http://schemas.openxmlformats.org/officeDocument/2006/relationships" xmlns:p="http://schemas.openxmlformats.org/presentationml/2006/main">
+  <p:cSld>
+    <p:spTree>
+      <p:nvGrpSpPr>
+        <p:cNvPr id="1" name=""/>
+        <p:cNvGrpSpPr/>
+        <p:nvPr/>
+      </p:nvGrpSpPr>
+      <p:grpSpPr>
+        <a:xfrm>
+          <a:off x="0" y="0"/>
+          <a:ext cx="0" cy="0"/>
+          <a:chOff x="0" y="0"/>
+          <a:chExt cx="0" cy="0"/>
+        </a:xfrm>
+      </p:grpSpPr>
+      <p:sp>
+        <p:nvSpPr>
+          <p:cNvPr id="2" name="TextBox 1">
+            <a:extLst>
+              <a:ext uri="{FF2B5EF4-FFF2-40B4-BE49-F238E27FC236}">
+                <a16:creationId xmlns:a16="http://schemas.microsoft.com/office/drawing/2014/main" id="{894F5804-A3FE-9B2E-FD4B-773F43EFC8F2}"/>
+              </a:ext>
+            </a:extLst>
+          </p:cNvPr>
+          <p:cNvSpPr txBox="1"/>
+          <p:nvPr/>
+        </p:nvSpPr>
+        <p:spPr>
+          <a:xfrm>
+            <a:off x="2756078" y="188822"/>
+            <a:ext cx="5486399" cy="369332"/>
+          </a:xfrm>
+          <a:prstGeom prst="rect">
+            <a:avLst/>
+          </a:prstGeom>
+          <a:noFill/>
+        </p:spPr>
+        <p:txBody>
+          <a:bodyPr wrap="square" rtlCol="0">
+            <a:spAutoFit/>
+          </a:bodyPr>
+          <a:lstStyle/>
+          <a:p>
+            <a:r>
+              <a:rPr kumimoji="1" lang="en-US" altLang="ko-KR" dirty="0"/>
+              <a:t>Transistor (</a:t>
+            </a:r>
+            <a:r>
+              <a:rPr kumimoji="1" lang="ko-KR" altLang="en-US" dirty="0"/>
+              <a:t>스위치</a:t>
+            </a:r>
+            <a:r>
+              <a:rPr kumimoji="1" lang="en-US" altLang="ko-KR" dirty="0"/>
+              <a:t>) – </a:t>
+            </a:r>
+            <a:r>
+              <a:rPr kumimoji="1" lang="ko-KR" altLang="en-US" dirty="0"/>
+              <a:t>전원 스위치 </a:t>
+            </a:r>
+            <a:r>
+              <a:rPr kumimoji="1" lang="en-US" altLang="ko-KR" dirty="0"/>
+              <a:t>on/off (2</a:t>
+            </a:r>
+            <a:r>
+              <a:rPr kumimoji="1" lang="ko-KR" altLang="en-US" dirty="0"/>
+              <a:t>가지</a:t>
+            </a:r>
+            <a:r>
+              <a:rPr kumimoji="1" lang="en-US" altLang="ko-KR" dirty="0"/>
+              <a:t>)</a:t>
+            </a:r>
+            <a:endParaRPr kumimoji="1" lang="ko-KR" altLang="en-US" dirty="0"/>
+          </a:p>
+        </p:txBody>
+      </p:sp>
+      <p:sp>
+        <p:nvSpPr>
+          <p:cNvPr id="3" name="왼쪽 대괄호[L] 2">
+            <a:extLst>
+              <a:ext uri="{FF2B5EF4-FFF2-40B4-BE49-F238E27FC236}">
+                <a16:creationId xmlns:a16="http://schemas.microsoft.com/office/drawing/2014/main" id="{CF973982-4433-44A8-D33A-BAD289E8A1EA}"/>
+              </a:ext>
+            </a:extLst>
+          </p:cNvPr>
+          <p:cNvSpPr/>
+          <p:nvPr/>
+        </p:nvSpPr>
+        <p:spPr>
+          <a:xfrm>
+            <a:off x="1918952" y="373488"/>
+            <a:ext cx="244698" cy="2266668"/>
+          </a:xfrm>
+          <a:prstGeom prst="leftBracket">
+            <a:avLst/>
+          </a:prstGeom>
+          <a:ln w="28575"/>
+        </p:spPr>
+        <p:style>
+          <a:lnRef idx="1">
+            <a:schemeClr val="dk1"/>
+          </a:lnRef>
+          <a:fillRef idx="0">
+            <a:schemeClr val="dk1"/>
+          </a:fillRef>
+          <a:effectRef idx="0">
+            <a:schemeClr val="dk1"/>
+          </a:effectRef>
+          <a:fontRef idx="minor">
+            <a:schemeClr val="tx1"/>
+          </a:fontRef>
+        </p:style>
+        <p:txBody>
+          <a:bodyPr rtlCol="0" anchor="ctr"/>
+          <a:lstStyle/>
+          <a:p>
+            <a:pPr algn="ctr"/>
+            <a:endParaRPr kumimoji="1" lang="ko-KR" altLang="en-US"/>
+          </a:p>
+        </p:txBody>
+      </p:sp>
+      <p:sp>
+        <p:nvSpPr>
+          <p:cNvPr id="4" name="TextBox 3">
+            <a:extLst>
+              <a:ext uri="{FF2B5EF4-FFF2-40B4-BE49-F238E27FC236}">
+                <a16:creationId xmlns:a16="http://schemas.microsoft.com/office/drawing/2014/main" id="{3051374B-D488-6F30-2CDA-E8BF36425D43}"/>
+              </a:ext>
+            </a:extLst>
+          </p:cNvPr>
+          <p:cNvSpPr txBox="1"/>
+          <p:nvPr/>
+        </p:nvSpPr>
+        <p:spPr>
+          <a:xfrm>
+            <a:off x="584309" y="1286052"/>
+            <a:ext cx="1300767" cy="646331"/>
+          </a:xfrm>
+          <a:prstGeom prst="rect">
+            <a:avLst/>
+          </a:prstGeom>
+          <a:noFill/>
+        </p:spPr>
+        <p:txBody>
+          <a:bodyPr wrap="square" rtlCol="0">
+            <a:spAutoFit/>
+          </a:bodyPr>
+          <a:lstStyle/>
+          <a:p>
+            <a:pPr algn="ctr"/>
+            <a:r>
+              <a:rPr kumimoji="1" lang="en-US" altLang="ko-KR" b="1" dirty="0"/>
+              <a:t>Physical Space</a:t>
+            </a:r>
+            <a:endParaRPr kumimoji="1" lang="ko-KR" altLang="en-US" b="1" dirty="0"/>
+          </a:p>
+        </p:txBody>
+      </p:sp>
+      <p:sp>
+        <p:nvSpPr>
+          <p:cNvPr id="16" name="TextBox 15">
+            <a:extLst>
+              <a:ext uri="{FF2B5EF4-FFF2-40B4-BE49-F238E27FC236}">
+                <a16:creationId xmlns:a16="http://schemas.microsoft.com/office/drawing/2014/main" id="{C61F845E-AF2D-084C-A8D2-741F4FF179B8}"/>
+              </a:ext>
+            </a:extLst>
+          </p:cNvPr>
+          <p:cNvSpPr txBox="1"/>
+          <p:nvPr/>
+        </p:nvSpPr>
+        <p:spPr>
+          <a:xfrm>
+            <a:off x="2602564" y="1998334"/>
+            <a:ext cx="5525118" cy="830997"/>
+          </a:xfrm>
+          <a:prstGeom prst="rect">
+            <a:avLst/>
+          </a:prstGeom>
+          <a:noFill/>
+        </p:spPr>
+        <p:txBody>
+          <a:bodyPr wrap="square" rtlCol="0">
+            <a:spAutoFit/>
+          </a:bodyPr>
+          <a:lstStyle/>
+          <a:p>
+            <a:r>
+              <a:rPr kumimoji="1" lang="en-US" altLang="ko-KR" sz="1600" dirty="0"/>
+              <a:t>Transistor</a:t>
+            </a:r>
+            <a:r>
+              <a:rPr kumimoji="1" lang="ko-KR" altLang="en-US" sz="1600" dirty="0"/>
+              <a:t>당 </a:t>
+            </a:r>
+            <a:r>
+              <a:rPr kumimoji="1" lang="en-US" altLang="ko-KR" sz="1600" dirty="0"/>
+              <a:t>on/off </a:t>
+            </a:r>
+            <a:r>
+              <a:rPr kumimoji="1" lang="ko-KR" altLang="en-US" sz="1600" dirty="0"/>
+              <a:t>두 가지 케이스를 표현할 수 있다</a:t>
+            </a:r>
+            <a:r>
+              <a:rPr kumimoji="1" lang="en-US" altLang="ko-KR" sz="1600" dirty="0"/>
+              <a:t>.</a:t>
+            </a:r>
+          </a:p>
+          <a:p>
+            <a:r>
+              <a:rPr kumimoji="1" lang="en-US" altLang="ko-KR" sz="1600" dirty="0"/>
+              <a:t>(</a:t>
+            </a:r>
+            <a:r>
+              <a:rPr kumimoji="1" lang="ko-KR" altLang="en-US" sz="1400" dirty="0"/>
+              <a:t>스위치 </a:t>
+            </a:r>
+            <a:r>
+              <a:rPr kumimoji="1" lang="en-US" altLang="ko-KR" sz="1400" dirty="0"/>
+              <a:t>on – </a:t>
+            </a:r>
+            <a:r>
+              <a:rPr kumimoji="1" lang="ko-KR" altLang="en-US" sz="1400" dirty="0"/>
+              <a:t>전류가 흐른다</a:t>
+            </a:r>
+            <a:r>
+              <a:rPr kumimoji="1" lang="en-US" altLang="ko-KR" sz="1400" dirty="0"/>
+              <a:t>, off – </a:t>
+            </a:r>
+            <a:r>
+              <a:rPr kumimoji="1" lang="ko-KR" altLang="en-US" sz="1400" dirty="0"/>
+              <a:t>전류가 흐르지 않는다</a:t>
+            </a:r>
+            <a:r>
+              <a:rPr kumimoji="1" lang="en-US" altLang="ko-KR" sz="1600" dirty="0"/>
+              <a:t>) </a:t>
+            </a:r>
+          </a:p>
+          <a:p>
+            <a:r>
+              <a:rPr kumimoji="1" lang="ko-KR" altLang="en-US" sz="1600" dirty="0"/>
+              <a:t> </a:t>
+            </a:r>
+          </a:p>
+        </p:txBody>
+      </p:sp>
+      <p:grpSp>
+        <p:nvGrpSpPr>
+          <p:cNvPr id="38" name="그룹 37">
+            <a:extLst>
+              <a:ext uri="{FF2B5EF4-FFF2-40B4-BE49-F238E27FC236}">
+                <a16:creationId xmlns:a16="http://schemas.microsoft.com/office/drawing/2014/main" id="{360BEA14-F06E-C627-058A-B5CF1B724970}"/>
+              </a:ext>
+            </a:extLst>
+          </p:cNvPr>
+          <p:cNvGrpSpPr/>
+          <p:nvPr/>
+        </p:nvGrpSpPr>
+        <p:grpSpPr>
+          <a:xfrm>
+            <a:off x="2602564" y="959509"/>
+            <a:ext cx="5639913" cy="409807"/>
+            <a:chOff x="2602564" y="1036783"/>
+            <a:chExt cx="5639913" cy="409807"/>
+          </a:xfrm>
+        </p:grpSpPr>
+        <p:grpSp>
+          <p:nvGrpSpPr>
+            <p:cNvPr id="15" name="그룹 14">
+              <a:extLst>
+                <a:ext uri="{FF2B5EF4-FFF2-40B4-BE49-F238E27FC236}">
+                  <a16:creationId xmlns:a16="http://schemas.microsoft.com/office/drawing/2014/main" id="{E4F5E345-2981-1DBC-D2E3-80FCBEF1D97C}"/>
+                </a:ext>
+              </a:extLst>
+            </p:cNvPr>
+            <p:cNvGrpSpPr/>
+            <p:nvPr/>
+          </p:nvGrpSpPr>
+          <p:grpSpPr>
+            <a:xfrm>
+              <a:off x="2602564" y="1446590"/>
+              <a:ext cx="5639913" cy="0"/>
+              <a:chOff x="3992451" y="1983346"/>
+              <a:chExt cx="5639913" cy="0"/>
+            </a:xfrm>
+          </p:grpSpPr>
+          <p:cxnSp>
+            <p:nvCxnSpPr>
+              <p:cNvPr id="6" name="직선 연결선[R] 5">
+                <a:extLst>
+                  <a:ext uri="{FF2B5EF4-FFF2-40B4-BE49-F238E27FC236}">
+                    <a16:creationId xmlns:a16="http://schemas.microsoft.com/office/drawing/2014/main" id="{A938A404-8791-373A-CF60-913AF3815256}"/>
+                  </a:ext>
+                </a:extLst>
+              </p:cNvPr>
+              <p:cNvCxnSpPr/>
+              <p:nvPr/>
+            </p:nvCxnSpPr>
+            <p:spPr>
+              <a:xfrm>
+                <a:off x="3992451" y="1983346"/>
+                <a:ext cx="511816" cy="0"/>
+              </a:xfrm>
+              <a:prstGeom prst="line">
+                <a:avLst/>
+              </a:prstGeom>
+              <a:ln/>
+            </p:spPr>
+            <p:style>
+              <a:lnRef idx="2">
+                <a:schemeClr val="accent1"/>
+              </a:lnRef>
+              <a:fillRef idx="0">
+                <a:schemeClr val="accent1"/>
+              </a:fillRef>
+              <a:effectRef idx="1">
+                <a:schemeClr val="accent1"/>
+              </a:effectRef>
+              <a:fontRef idx="minor">
+                <a:schemeClr val="tx1"/>
+              </a:fontRef>
+            </p:style>
+          </p:cxnSp>
+          <p:cxnSp>
+            <p:nvCxnSpPr>
+              <p:cNvPr id="7" name="직선 연결선[R] 6">
+                <a:extLst>
+                  <a:ext uri="{FF2B5EF4-FFF2-40B4-BE49-F238E27FC236}">
+                    <a16:creationId xmlns:a16="http://schemas.microsoft.com/office/drawing/2014/main" id="{B9DD5FD5-1175-5F10-3CBA-00D1946E5420}"/>
+                  </a:ext>
+                </a:extLst>
+              </p:cNvPr>
+              <p:cNvCxnSpPr/>
+              <p:nvPr/>
+            </p:nvCxnSpPr>
+            <p:spPr>
+              <a:xfrm>
+                <a:off x="4737279" y="1983346"/>
+                <a:ext cx="511816" cy="0"/>
+              </a:xfrm>
+              <a:prstGeom prst="line">
+                <a:avLst/>
+              </a:prstGeom>
+              <a:ln/>
+            </p:spPr>
+            <p:style>
+              <a:lnRef idx="2">
+                <a:schemeClr val="accent1"/>
+              </a:lnRef>
+              <a:fillRef idx="0">
+                <a:schemeClr val="accent1"/>
+              </a:fillRef>
+              <a:effectRef idx="1">
+                <a:schemeClr val="accent1"/>
+              </a:effectRef>
+              <a:fontRef idx="minor">
+                <a:schemeClr val="tx1"/>
+              </a:fontRef>
+            </p:style>
+          </p:cxnSp>
+          <p:cxnSp>
+            <p:nvCxnSpPr>
+              <p:cNvPr id="8" name="직선 연결선[R] 7">
+                <a:extLst>
+                  <a:ext uri="{FF2B5EF4-FFF2-40B4-BE49-F238E27FC236}">
+                    <a16:creationId xmlns:a16="http://schemas.microsoft.com/office/drawing/2014/main" id="{B4D3224C-8BB1-6BF6-1AEC-91F5EED26E69}"/>
+                  </a:ext>
+                </a:extLst>
+              </p:cNvPr>
+              <p:cNvCxnSpPr/>
+              <p:nvPr/>
+            </p:nvCxnSpPr>
+            <p:spPr>
+              <a:xfrm>
+                <a:off x="5482107" y="1983346"/>
+                <a:ext cx="511816" cy="0"/>
+              </a:xfrm>
+              <a:prstGeom prst="line">
+                <a:avLst/>
+              </a:prstGeom>
+              <a:ln/>
+            </p:spPr>
+            <p:style>
+              <a:lnRef idx="2">
+                <a:schemeClr val="accent1"/>
+              </a:lnRef>
+              <a:fillRef idx="0">
+                <a:schemeClr val="accent1"/>
+              </a:fillRef>
+              <a:effectRef idx="1">
+                <a:schemeClr val="accent1"/>
+              </a:effectRef>
+              <a:fontRef idx="minor">
+                <a:schemeClr val="tx1"/>
+              </a:fontRef>
+            </p:style>
+          </p:cxnSp>
+          <p:cxnSp>
+            <p:nvCxnSpPr>
+              <p:cNvPr id="10" name="직선 연결선[R] 9">
+                <a:extLst>
+                  <a:ext uri="{FF2B5EF4-FFF2-40B4-BE49-F238E27FC236}">
+                    <a16:creationId xmlns:a16="http://schemas.microsoft.com/office/drawing/2014/main" id="{8DDC4F08-79F1-B297-2279-A762FC52B08C}"/>
+                  </a:ext>
+                </a:extLst>
+              </p:cNvPr>
+              <p:cNvCxnSpPr/>
+              <p:nvPr/>
+            </p:nvCxnSpPr>
+            <p:spPr>
+              <a:xfrm>
+                <a:off x="6233373" y="1983346"/>
+                <a:ext cx="511816" cy="0"/>
+              </a:xfrm>
+              <a:prstGeom prst="line">
+                <a:avLst/>
+              </a:prstGeom>
+              <a:ln/>
+            </p:spPr>
+            <p:style>
+              <a:lnRef idx="2">
+                <a:schemeClr val="accent1"/>
+              </a:lnRef>
+              <a:fillRef idx="0">
+                <a:schemeClr val="accent1"/>
+              </a:fillRef>
+              <a:effectRef idx="1">
+                <a:schemeClr val="accent1"/>
+              </a:effectRef>
+              <a:fontRef idx="minor">
+                <a:schemeClr val="tx1"/>
+              </a:fontRef>
+            </p:style>
+          </p:cxnSp>
+          <p:cxnSp>
+            <p:nvCxnSpPr>
+              <p:cNvPr id="11" name="직선 연결선[R] 10">
+                <a:extLst>
+                  <a:ext uri="{FF2B5EF4-FFF2-40B4-BE49-F238E27FC236}">
+                    <a16:creationId xmlns:a16="http://schemas.microsoft.com/office/drawing/2014/main" id="{B6E71BF8-5886-2474-6A5F-0B3F2E3DE19A}"/>
+                  </a:ext>
+                </a:extLst>
+              </p:cNvPr>
+              <p:cNvCxnSpPr/>
+              <p:nvPr/>
+            </p:nvCxnSpPr>
+            <p:spPr>
+              <a:xfrm>
+                <a:off x="6952444" y="1983346"/>
+                <a:ext cx="511816" cy="0"/>
+              </a:xfrm>
+              <a:prstGeom prst="line">
+                <a:avLst/>
+              </a:prstGeom>
+              <a:ln/>
+            </p:spPr>
+            <p:style>
+              <a:lnRef idx="2">
+                <a:schemeClr val="accent1"/>
+              </a:lnRef>
+              <a:fillRef idx="0">
+                <a:schemeClr val="accent1"/>
+              </a:fillRef>
+              <a:effectRef idx="1">
+                <a:schemeClr val="accent1"/>
+              </a:effectRef>
+              <a:fontRef idx="minor">
+                <a:schemeClr val="tx1"/>
+              </a:fontRef>
+            </p:style>
+          </p:cxnSp>
+          <p:cxnSp>
+            <p:nvCxnSpPr>
+              <p:cNvPr id="12" name="직선 연결선[R] 11">
+                <a:extLst>
+                  <a:ext uri="{FF2B5EF4-FFF2-40B4-BE49-F238E27FC236}">
+                    <a16:creationId xmlns:a16="http://schemas.microsoft.com/office/drawing/2014/main" id="{28ACF52C-D5C0-C816-7D36-440B3D3318B9}"/>
+                  </a:ext>
+                </a:extLst>
+              </p:cNvPr>
+              <p:cNvCxnSpPr/>
+              <p:nvPr/>
+            </p:nvCxnSpPr>
+            <p:spPr>
+              <a:xfrm>
+                <a:off x="7658636" y="1983346"/>
+                <a:ext cx="511816" cy="0"/>
+              </a:xfrm>
+              <a:prstGeom prst="line">
+                <a:avLst/>
+              </a:prstGeom>
+              <a:ln/>
+            </p:spPr>
+            <p:style>
+              <a:lnRef idx="2">
+                <a:schemeClr val="accent1"/>
+              </a:lnRef>
+              <a:fillRef idx="0">
+                <a:schemeClr val="accent1"/>
+              </a:fillRef>
+              <a:effectRef idx="1">
+                <a:schemeClr val="accent1"/>
+              </a:effectRef>
+              <a:fontRef idx="minor">
+                <a:schemeClr val="tx1"/>
+              </a:fontRef>
+            </p:style>
+          </p:cxnSp>
+          <p:cxnSp>
+            <p:nvCxnSpPr>
+              <p:cNvPr id="13" name="직선 연결선[R] 12">
+                <a:extLst>
+                  <a:ext uri="{FF2B5EF4-FFF2-40B4-BE49-F238E27FC236}">
+                    <a16:creationId xmlns:a16="http://schemas.microsoft.com/office/drawing/2014/main" id="{175B7CE7-52EE-953F-DAEF-3DA0EC94866B}"/>
+                  </a:ext>
+                </a:extLst>
+              </p:cNvPr>
+              <p:cNvCxnSpPr/>
+              <p:nvPr/>
+            </p:nvCxnSpPr>
+            <p:spPr>
+              <a:xfrm>
+                <a:off x="8349962" y="1983346"/>
+                <a:ext cx="511816" cy="0"/>
+              </a:xfrm>
+              <a:prstGeom prst="line">
+                <a:avLst/>
+              </a:prstGeom>
+              <a:ln/>
+            </p:spPr>
+            <p:style>
+              <a:lnRef idx="2">
+                <a:schemeClr val="accent1"/>
+              </a:lnRef>
+              <a:fillRef idx="0">
+                <a:schemeClr val="accent1"/>
+              </a:fillRef>
+              <a:effectRef idx="1">
+                <a:schemeClr val="accent1"/>
+              </a:effectRef>
+              <a:fontRef idx="minor">
+                <a:schemeClr val="tx1"/>
+              </a:fontRef>
+            </p:style>
+          </p:cxnSp>
+          <p:cxnSp>
+            <p:nvCxnSpPr>
+              <p:cNvPr id="14" name="직선 연결선[R] 13">
+                <a:extLst>
+                  <a:ext uri="{FF2B5EF4-FFF2-40B4-BE49-F238E27FC236}">
+                    <a16:creationId xmlns:a16="http://schemas.microsoft.com/office/drawing/2014/main" id="{B022BED8-F1F1-F7E5-2471-B45E00578265}"/>
+                  </a:ext>
+                </a:extLst>
+              </p:cNvPr>
+              <p:cNvCxnSpPr/>
+              <p:nvPr/>
+            </p:nvCxnSpPr>
+            <p:spPr>
+              <a:xfrm>
+                <a:off x="9120548" y="1983346"/>
+                <a:ext cx="511816" cy="0"/>
+              </a:xfrm>
+              <a:prstGeom prst="line">
+                <a:avLst/>
+              </a:prstGeom>
+              <a:ln/>
+            </p:spPr>
+            <p:style>
+              <a:lnRef idx="2">
+                <a:schemeClr val="accent1"/>
+              </a:lnRef>
+              <a:fillRef idx="0">
+                <a:schemeClr val="accent1"/>
+              </a:fillRef>
+              <a:effectRef idx="1">
+                <a:schemeClr val="accent1"/>
+              </a:effectRef>
+              <a:fontRef idx="minor">
+                <a:schemeClr val="tx1"/>
+              </a:fontRef>
+            </p:style>
+          </p:cxnSp>
+        </p:grpSp>
+        <p:sp>
+          <p:nvSpPr>
+            <p:cNvPr id="17" name="TextBox 16">
+              <a:extLst>
+                <a:ext uri="{FF2B5EF4-FFF2-40B4-BE49-F238E27FC236}">
+                  <a16:creationId xmlns:a16="http://schemas.microsoft.com/office/drawing/2014/main" id="{382387D8-8EE5-4041-ED46-942045771E35}"/>
+                </a:ext>
+              </a:extLst>
+            </p:cNvPr>
+            <p:cNvSpPr txBox="1"/>
+            <p:nvPr/>
+          </p:nvSpPr>
+          <p:spPr>
+            <a:xfrm>
+              <a:off x="7730661" y="1036783"/>
+              <a:ext cx="511816" cy="369332"/>
+            </a:xfrm>
+            <a:prstGeom prst="rect">
+              <a:avLst/>
+            </a:prstGeom>
+            <a:noFill/>
+          </p:spPr>
+          <p:txBody>
+            <a:bodyPr wrap="square" rtlCol="0">
+              <a:spAutoFit/>
+            </a:bodyPr>
+            <a:lstStyle/>
+            <a:p>
+              <a:pPr algn="ctr"/>
+              <a:r>
+                <a:rPr kumimoji="1" lang="en-US" altLang="ko-KR" dirty="0"/>
+                <a:t>on</a:t>
+              </a:r>
+              <a:endParaRPr kumimoji="1" lang="ko-KR" altLang="en-US" dirty="0"/>
+            </a:p>
+          </p:txBody>
+        </p:sp>
+        <p:sp>
+          <p:nvSpPr>
+            <p:cNvPr id="18" name="TextBox 17">
+              <a:extLst>
+                <a:ext uri="{FF2B5EF4-FFF2-40B4-BE49-F238E27FC236}">
+                  <a16:creationId xmlns:a16="http://schemas.microsoft.com/office/drawing/2014/main" id="{87560802-FBBE-8A45-A903-E1C58A9151BA}"/>
+                </a:ext>
+              </a:extLst>
+            </p:cNvPr>
+            <p:cNvSpPr txBox="1"/>
+            <p:nvPr/>
+          </p:nvSpPr>
+          <p:spPr>
+            <a:xfrm>
+              <a:off x="6985833" y="1036783"/>
+              <a:ext cx="511816" cy="369332"/>
+            </a:xfrm>
+            <a:prstGeom prst="rect">
+              <a:avLst/>
+            </a:prstGeom>
+            <a:noFill/>
+          </p:spPr>
+          <p:txBody>
+            <a:bodyPr wrap="square" rtlCol="0">
+              <a:spAutoFit/>
+            </a:bodyPr>
+            <a:lstStyle/>
+            <a:p>
+              <a:pPr algn="ctr"/>
+              <a:r>
+                <a:rPr kumimoji="1" lang="en-US" altLang="ko-KR" dirty="0"/>
+                <a:t>on</a:t>
+              </a:r>
+              <a:endParaRPr kumimoji="1" lang="ko-KR" altLang="en-US" dirty="0"/>
+            </a:p>
+          </p:txBody>
+        </p:sp>
+        <p:sp>
+          <p:nvSpPr>
+            <p:cNvPr id="19" name="TextBox 18">
+              <a:extLst>
+                <a:ext uri="{FF2B5EF4-FFF2-40B4-BE49-F238E27FC236}">
+                  <a16:creationId xmlns:a16="http://schemas.microsoft.com/office/drawing/2014/main" id="{1C109D9C-E908-450E-57C7-B6A209AC2558}"/>
+                </a:ext>
+              </a:extLst>
+            </p:cNvPr>
+            <p:cNvSpPr txBox="1"/>
+            <p:nvPr/>
+          </p:nvSpPr>
+          <p:spPr>
+            <a:xfrm>
+              <a:off x="6268749" y="1036783"/>
+              <a:ext cx="511816" cy="369332"/>
+            </a:xfrm>
+            <a:prstGeom prst="rect">
+              <a:avLst/>
+            </a:prstGeom>
+            <a:noFill/>
+          </p:spPr>
+          <p:txBody>
+            <a:bodyPr wrap="square" rtlCol="0">
+              <a:spAutoFit/>
+            </a:bodyPr>
+            <a:lstStyle/>
+            <a:p>
+              <a:pPr algn="ctr"/>
+              <a:r>
+                <a:rPr kumimoji="1" lang="en-US" altLang="ko-KR" dirty="0"/>
+                <a:t>off</a:t>
+              </a:r>
+              <a:endParaRPr kumimoji="1" lang="ko-KR" altLang="en-US" dirty="0"/>
+            </a:p>
+          </p:txBody>
+        </p:sp>
+        <p:sp>
+          <p:nvSpPr>
+            <p:cNvPr id="20" name="TextBox 19">
+              <a:extLst>
+                <a:ext uri="{FF2B5EF4-FFF2-40B4-BE49-F238E27FC236}">
+                  <a16:creationId xmlns:a16="http://schemas.microsoft.com/office/drawing/2014/main" id="{B49F65EF-B3AB-82EB-723B-13686913A901}"/>
+                </a:ext>
+              </a:extLst>
+            </p:cNvPr>
+            <p:cNvSpPr txBox="1"/>
+            <p:nvPr/>
+          </p:nvSpPr>
+          <p:spPr>
+            <a:xfrm>
+              <a:off x="5538076" y="1036783"/>
+              <a:ext cx="511816" cy="369332"/>
+            </a:xfrm>
+            <a:prstGeom prst="rect">
+              <a:avLst/>
+            </a:prstGeom>
+            <a:noFill/>
+          </p:spPr>
+          <p:txBody>
+            <a:bodyPr wrap="square" rtlCol="0">
+              <a:spAutoFit/>
+            </a:bodyPr>
+            <a:lstStyle/>
+            <a:p>
+              <a:pPr algn="ctr"/>
+              <a:r>
+                <a:rPr kumimoji="1" lang="en-US" altLang="ko-KR" dirty="0"/>
+                <a:t>off</a:t>
+              </a:r>
+              <a:endParaRPr kumimoji="1" lang="ko-KR" altLang="en-US" dirty="0"/>
+            </a:p>
+          </p:txBody>
+        </p:sp>
+        <p:sp>
+          <p:nvSpPr>
+            <p:cNvPr id="21" name="TextBox 20">
+              <a:extLst>
+                <a:ext uri="{FF2B5EF4-FFF2-40B4-BE49-F238E27FC236}">
+                  <a16:creationId xmlns:a16="http://schemas.microsoft.com/office/drawing/2014/main" id="{F135C359-8E5D-152F-5429-61728951807C}"/>
+                </a:ext>
+              </a:extLst>
+            </p:cNvPr>
+            <p:cNvSpPr txBox="1"/>
+            <p:nvPr/>
+          </p:nvSpPr>
+          <p:spPr>
+            <a:xfrm>
+              <a:off x="4843486" y="1040803"/>
+              <a:ext cx="511816" cy="369332"/>
+            </a:xfrm>
+            <a:prstGeom prst="rect">
+              <a:avLst/>
+            </a:prstGeom>
+            <a:noFill/>
+          </p:spPr>
+          <p:txBody>
+            <a:bodyPr wrap="square" rtlCol="0">
+              <a:spAutoFit/>
+            </a:bodyPr>
+            <a:lstStyle/>
+            <a:p>
+              <a:pPr algn="ctr"/>
+              <a:r>
+                <a:rPr kumimoji="1" lang="en-US" altLang="ko-KR" dirty="0"/>
+                <a:t>on</a:t>
+              </a:r>
+              <a:endParaRPr kumimoji="1" lang="ko-KR" altLang="en-US" dirty="0"/>
+            </a:p>
+          </p:txBody>
+        </p:sp>
+        <p:sp>
+          <p:nvSpPr>
+            <p:cNvPr id="22" name="TextBox 21">
+              <a:extLst>
+                <a:ext uri="{FF2B5EF4-FFF2-40B4-BE49-F238E27FC236}">
+                  <a16:creationId xmlns:a16="http://schemas.microsoft.com/office/drawing/2014/main" id="{CFBCCCB3-51EC-0B32-9E36-9033426741F8}"/>
+                </a:ext>
+              </a:extLst>
+            </p:cNvPr>
+            <p:cNvSpPr txBox="1"/>
+            <p:nvPr/>
+          </p:nvSpPr>
+          <p:spPr>
+            <a:xfrm>
+              <a:off x="4090238" y="1036783"/>
+              <a:ext cx="511816" cy="369332"/>
+            </a:xfrm>
+            <a:prstGeom prst="rect">
+              <a:avLst/>
+            </a:prstGeom>
+            <a:noFill/>
+          </p:spPr>
+          <p:txBody>
+            <a:bodyPr wrap="square" rtlCol="0">
+              <a:spAutoFit/>
+            </a:bodyPr>
+            <a:lstStyle/>
+            <a:p>
+              <a:pPr algn="ctr"/>
+              <a:r>
+                <a:rPr kumimoji="1" lang="en-US" altLang="ko-KR" dirty="0"/>
+                <a:t>on</a:t>
+              </a:r>
+              <a:endParaRPr kumimoji="1" lang="ko-KR" altLang="en-US" dirty="0"/>
+            </a:p>
+          </p:txBody>
+        </p:sp>
+        <p:sp>
+          <p:nvSpPr>
+            <p:cNvPr id="23" name="TextBox 22">
+              <a:extLst>
+                <a:ext uri="{FF2B5EF4-FFF2-40B4-BE49-F238E27FC236}">
+                  <a16:creationId xmlns:a16="http://schemas.microsoft.com/office/drawing/2014/main" id="{4C09BA14-9A31-582B-95EF-7F1F4DF9502D}"/>
+                </a:ext>
+              </a:extLst>
+            </p:cNvPr>
+            <p:cNvSpPr txBox="1"/>
+            <p:nvPr/>
+          </p:nvSpPr>
+          <p:spPr>
+            <a:xfrm>
+              <a:off x="3359565" y="1036783"/>
+              <a:ext cx="511816" cy="369332"/>
+            </a:xfrm>
+            <a:prstGeom prst="rect">
+              <a:avLst/>
+            </a:prstGeom>
+            <a:noFill/>
+          </p:spPr>
+          <p:txBody>
+            <a:bodyPr wrap="square" rtlCol="0">
+              <a:spAutoFit/>
+            </a:bodyPr>
+            <a:lstStyle/>
+            <a:p>
+              <a:pPr algn="ctr"/>
+              <a:r>
+                <a:rPr kumimoji="1" lang="en-US" altLang="ko-KR" dirty="0"/>
+                <a:t>off</a:t>
+              </a:r>
+              <a:endParaRPr kumimoji="1" lang="ko-KR" altLang="en-US" dirty="0"/>
+            </a:p>
+          </p:txBody>
+        </p:sp>
+        <p:sp>
+          <p:nvSpPr>
+            <p:cNvPr id="24" name="TextBox 23">
+              <a:extLst>
+                <a:ext uri="{FF2B5EF4-FFF2-40B4-BE49-F238E27FC236}">
+                  <a16:creationId xmlns:a16="http://schemas.microsoft.com/office/drawing/2014/main" id="{2586830F-B980-7A68-96F8-906715B745FD}"/>
+                </a:ext>
+              </a:extLst>
+            </p:cNvPr>
+            <p:cNvSpPr txBox="1"/>
+            <p:nvPr/>
+          </p:nvSpPr>
+          <p:spPr>
+            <a:xfrm>
+              <a:off x="2602564" y="1036783"/>
+              <a:ext cx="511816" cy="369332"/>
+            </a:xfrm>
+            <a:prstGeom prst="rect">
+              <a:avLst/>
+            </a:prstGeom>
+            <a:noFill/>
+          </p:spPr>
+          <p:txBody>
+            <a:bodyPr wrap="square" rtlCol="0">
+              <a:spAutoFit/>
+            </a:bodyPr>
+            <a:lstStyle/>
+            <a:p>
+              <a:pPr algn="ctr"/>
+              <a:r>
+                <a:rPr kumimoji="1" lang="en-US" altLang="ko-KR" dirty="0"/>
+                <a:t>on</a:t>
+              </a:r>
+              <a:endParaRPr kumimoji="1" lang="ko-KR" altLang="en-US" dirty="0"/>
+            </a:p>
+          </p:txBody>
+        </p:sp>
+      </p:grpSp>
+      <p:sp>
+        <p:nvSpPr>
+          <p:cNvPr id="26" name="TextBox 25">
+            <a:extLst>
+              <a:ext uri="{FF2B5EF4-FFF2-40B4-BE49-F238E27FC236}">
+                <a16:creationId xmlns:a16="http://schemas.microsoft.com/office/drawing/2014/main" id="{38C048F9-9D1D-CECB-BAD9-6A4E6F2D07C9}"/>
+              </a:ext>
+            </a:extLst>
+          </p:cNvPr>
+          <p:cNvSpPr txBox="1"/>
+          <p:nvPr/>
+        </p:nvSpPr>
+        <p:spPr>
+          <a:xfrm>
+            <a:off x="3347392" y="1541045"/>
+            <a:ext cx="5182553" cy="261610"/>
+          </a:xfrm>
+          <a:prstGeom prst="rect">
+            <a:avLst/>
+          </a:prstGeom>
+          <a:noFill/>
+        </p:spPr>
+        <p:txBody>
+          <a:bodyPr wrap="square">
+            <a:spAutoFit/>
+          </a:bodyPr>
+          <a:lstStyle/>
+          <a:p>
+            <a:r>
+              <a:rPr kumimoji="1" lang="ko-KR" altLang="en-US" sz="1100" dirty="0"/>
+              <a:t>* 위의 경우 하나의 칸당 트랜지스터로 표현할 수 있는 스위치를 표현하고 있다</a:t>
+            </a:r>
+            <a:r>
+              <a:rPr kumimoji="1" lang="en-US" altLang="ko-KR" sz="1100" dirty="0"/>
+              <a:t>.</a:t>
+            </a:r>
+          </a:p>
+        </p:txBody>
+      </p:sp>
+      <p:grpSp>
+        <p:nvGrpSpPr>
+          <p:cNvPr id="32" name="그룹 31">
+            <a:extLst>
+              <a:ext uri="{FF2B5EF4-FFF2-40B4-BE49-F238E27FC236}">
+                <a16:creationId xmlns:a16="http://schemas.microsoft.com/office/drawing/2014/main" id="{DCE4220C-094A-DB86-B810-6BCF2A96ACC7}"/>
+              </a:ext>
+            </a:extLst>
+          </p:cNvPr>
+          <p:cNvGrpSpPr/>
+          <p:nvPr/>
+        </p:nvGrpSpPr>
+        <p:grpSpPr>
+          <a:xfrm>
+            <a:off x="8785636" y="1048097"/>
+            <a:ext cx="2946829" cy="1689571"/>
+            <a:chOff x="8861778" y="2415624"/>
+            <a:chExt cx="2946829" cy="1689571"/>
+          </a:xfrm>
+        </p:grpSpPr>
+        <p:pic>
+          <p:nvPicPr>
+            <p:cNvPr id="28" name="그림 27" descr="텍스트, 도표, 스크린샷, 라인이(가) 표시된 사진&#10;&#10;자동 생성된 설명">
+              <a:extLst>
+                <a:ext uri="{FF2B5EF4-FFF2-40B4-BE49-F238E27FC236}">
+                  <a16:creationId xmlns:a16="http://schemas.microsoft.com/office/drawing/2014/main" id="{80FFE743-9B00-0E22-1DC9-5E9832C5A388}"/>
+                </a:ext>
+              </a:extLst>
+            </p:cNvPr>
+            <p:cNvPicPr>
+              <a:picLocks noChangeAspect="1"/>
+            </p:cNvPicPr>
+            <p:nvPr/>
+          </p:nvPicPr>
+          <p:blipFill>
+            <a:blip r:embed="rId3"/>
+            <a:stretch>
+              <a:fillRect/>
+            </a:stretch>
+          </p:blipFill>
+          <p:spPr>
+            <a:xfrm>
+              <a:off x="8861778" y="2415624"/>
+              <a:ext cx="2946829" cy="1490196"/>
+            </a:xfrm>
+            <a:prstGeom prst="rect">
+              <a:avLst/>
+            </a:prstGeom>
+          </p:spPr>
+        </p:pic>
+        <p:sp>
+          <p:nvSpPr>
+            <p:cNvPr id="31" name="TextBox 30">
+              <a:extLst>
+                <a:ext uri="{FF2B5EF4-FFF2-40B4-BE49-F238E27FC236}">
+                  <a16:creationId xmlns:a16="http://schemas.microsoft.com/office/drawing/2014/main" id="{09A2BC30-E35C-BFEC-4732-768DFC9492C8}"/>
+                </a:ext>
+              </a:extLst>
+            </p:cNvPr>
+            <p:cNvSpPr txBox="1"/>
+            <p:nvPr/>
+          </p:nvSpPr>
+          <p:spPr>
+            <a:xfrm>
+              <a:off x="10678009" y="3828196"/>
+              <a:ext cx="1130598" cy="276999"/>
+            </a:xfrm>
+            <a:prstGeom prst="rect">
+              <a:avLst/>
+            </a:prstGeom>
+            <a:noFill/>
+          </p:spPr>
+          <p:txBody>
+            <a:bodyPr wrap="square" rtlCol="0">
+              <a:spAutoFit/>
+            </a:bodyPr>
+            <a:lstStyle/>
+            <a:p>
+              <a:r>
+                <a:rPr kumimoji="1" lang="ko-KR" altLang="en-US" sz="1200" dirty="0"/>
+                <a:t>출처</a:t>
+              </a:r>
+              <a:r>
+                <a:rPr kumimoji="1" lang="en-US" altLang="ko-KR" sz="1200" dirty="0"/>
+                <a:t>: </a:t>
+              </a:r>
+              <a:r>
+                <a:rPr kumimoji="1" lang="ko-KR" altLang="en-US" sz="1200" dirty="0">
+                  <a:hlinkClick r:id="rId4"/>
+                </a:rPr>
+                <a:t>사이트</a:t>
+              </a:r>
+              <a:endParaRPr kumimoji="1" lang="ko-KR" altLang="en-US" sz="1200" dirty="0"/>
+            </a:p>
+          </p:txBody>
+        </p:sp>
+      </p:grpSp>
+      <mc:AlternateContent xmlns:mc="http://schemas.openxmlformats.org/markup-compatibility/2006" xmlns:a14="http://schemas.microsoft.com/office/drawing/2010/main">
+        <mc:Choice Requires="a14">
+          <p:sp>
+            <p:nvSpPr>
+              <p:cNvPr id="33" name="TextBox 32">
+                <a:extLst>
+                  <a:ext uri="{FF2B5EF4-FFF2-40B4-BE49-F238E27FC236}">
+                    <a16:creationId xmlns:a16="http://schemas.microsoft.com/office/drawing/2014/main" id="{7022ABF9-D2DE-819B-5144-BBE6D0DD3305}"/>
+                  </a:ext>
+                </a:extLst>
+              </p:cNvPr>
+              <p:cNvSpPr txBox="1"/>
+              <p:nvPr/>
+            </p:nvSpPr>
+            <p:spPr>
+              <a:xfrm>
+                <a:off x="2612826" y="2923399"/>
+                <a:ext cx="5679584" cy="584775"/>
+              </a:xfrm>
+              <a:prstGeom prst="rect">
+                <a:avLst/>
+              </a:prstGeom>
+              <a:noFill/>
+            </p:spPr>
+            <p:txBody>
+              <a:bodyPr wrap="square" rtlCol="0">
+                <a:spAutoFit/>
+              </a:bodyPr>
+              <a:lstStyle/>
+              <a:p>
+                <a:r>
+                  <a:rPr kumimoji="1" lang="ko-KR" altLang="en-US" sz="1600" dirty="0"/>
+                  <a:t> 위의 케이스로 따지자면</a:t>
+                </a:r>
+                <a:r>
+                  <a:rPr kumimoji="1" lang="en-US" altLang="ko-KR" sz="1600" dirty="0"/>
+                  <a:t>, 8</a:t>
+                </a:r>
+                <a:r>
+                  <a:rPr kumimoji="1" lang="ko-KR" altLang="en-US" sz="1600" dirty="0"/>
+                  <a:t>개의 트랜지스터 </a:t>
+                </a:r>
+                <a:r>
+                  <a:rPr kumimoji="1" lang="en-US" altLang="ko-KR" sz="1600" dirty="0"/>
+                  <a:t>(</a:t>
+                </a:r>
+                <a:r>
+                  <a:rPr kumimoji="1" lang="ko-KR" altLang="en-US" sz="1600" dirty="0"/>
+                  <a:t>스위치</a:t>
+                </a:r>
+                <a:r>
+                  <a:rPr kumimoji="1" lang="en-US" altLang="ko-KR" sz="1600" dirty="0"/>
+                  <a:t>)</a:t>
+                </a:r>
+                <a:r>
+                  <a:rPr kumimoji="1" lang="ko-KR" altLang="en-US" sz="1600" dirty="0"/>
+                  <a:t>로 총 </a:t>
+                </a:r>
+                <a14:m>
+                  <m:oMath xmlns:m="http://schemas.openxmlformats.org/officeDocument/2006/math">
+                    <m:sSup>
+                      <m:sSupPr>
+                        <m:ctrlPr>
+                          <a:rPr kumimoji="1" lang="en-US" altLang="ko-KR" sz="1600" i="1" smtClean="0">
+                            <a:latin typeface="Cambria Math" panose="02040503050406030204" pitchFamily="18" charset="0"/>
+                          </a:rPr>
+                        </m:ctrlPr>
+                      </m:sSupPr>
+                      <m:e>
+                        <m:r>
+                          <a:rPr kumimoji="1" lang="en-US" altLang="ko-KR" sz="1600" b="0" i="1" smtClean="0">
+                            <a:latin typeface="Cambria Math" panose="02040503050406030204" pitchFamily="18" charset="0"/>
+                          </a:rPr>
+                          <m:t>2</m:t>
+                        </m:r>
+                      </m:e>
+                      <m:sup>
+                        <m:r>
+                          <a:rPr kumimoji="1" lang="en-US" altLang="ko-KR" sz="1600" b="0" i="1" smtClean="0">
+                            <a:latin typeface="Cambria Math" panose="02040503050406030204" pitchFamily="18" charset="0"/>
+                          </a:rPr>
+                          <m:t>8</m:t>
+                        </m:r>
+                      </m:sup>
+                    </m:sSup>
+                  </m:oMath>
+                </a14:m>
+                <a:r>
+                  <a:rPr kumimoji="1" lang="ko-KR" altLang="en-US" sz="1600" dirty="0"/>
+                  <a:t>개 </a:t>
+                </a:r>
+                <a:r>
+                  <a:rPr kumimoji="1" lang="en-US" altLang="ko-KR" sz="1600" dirty="0"/>
+                  <a:t>= 256</a:t>
+                </a:r>
+                <a:r>
+                  <a:rPr kumimoji="1" lang="ko-KR" altLang="en-US" sz="1600" dirty="0"/>
+                  <a:t>개 의 무언가를 표현할 수 있다</a:t>
+                </a:r>
+                <a:r>
+                  <a:rPr kumimoji="1" lang="en-US" altLang="ko-KR" sz="1600" dirty="0"/>
+                  <a:t>. </a:t>
+                </a:r>
+                <a:endParaRPr kumimoji="1" lang="ko-KR" altLang="en-US" sz="1600" dirty="0"/>
+              </a:p>
+            </p:txBody>
+          </p:sp>
+        </mc:Choice>
+        <mc:Fallback xmlns="">
+          <p:sp>
+            <p:nvSpPr>
+              <p:cNvPr id="33" name="TextBox 32">
+                <a:extLst>
+                  <a:ext uri="{FF2B5EF4-FFF2-40B4-BE49-F238E27FC236}">
+                    <a16:creationId xmlns:a16="http://schemas.microsoft.com/office/drawing/2014/main" id="{7022ABF9-D2DE-819B-5144-BBE6D0DD3305}"/>
+                  </a:ext>
+                </a:extLst>
+              </p:cNvPr>
+              <p:cNvSpPr txBox="1">
+                <a:spLocks noRot="1" noChangeAspect="1" noMove="1" noResize="1" noEditPoints="1" noAdjustHandles="1" noChangeArrowheads="1" noChangeShapeType="1" noTextEdit="1"/>
+              </p:cNvSpPr>
+              <p:nvPr/>
+            </p:nvSpPr>
+            <p:spPr>
+              <a:xfrm>
+                <a:off x="2612826" y="2923399"/>
+                <a:ext cx="5679584" cy="584775"/>
+              </a:xfrm>
+              <a:prstGeom prst="rect">
+                <a:avLst/>
+              </a:prstGeom>
+              <a:blipFill>
+                <a:blip r:embed="rId5"/>
+                <a:stretch>
+                  <a:fillRect t="-4348" b="-13043"/>
+                </a:stretch>
+              </a:blipFill>
+            </p:spPr>
+            <p:txBody>
+              <a:bodyPr/>
+              <a:lstStyle/>
+              <a:p>
+                <a:r>
+                  <a:rPr lang="ko-KR" altLang="en-US">
+                    <a:noFill/>
+                  </a:rPr>
+                  <a:t> </a:t>
+                </a:r>
+              </a:p>
+            </p:txBody>
+          </p:sp>
+        </mc:Fallback>
+      </mc:AlternateContent>
+      <p:sp>
+        <p:nvSpPr>
+          <p:cNvPr id="35" name="왼쪽 대괄호[L] 34">
+            <a:extLst>
+              <a:ext uri="{FF2B5EF4-FFF2-40B4-BE49-F238E27FC236}">
+                <a16:creationId xmlns:a16="http://schemas.microsoft.com/office/drawing/2014/main" id="{5B8A73CD-A641-552A-269A-E42751DD7527}"/>
+              </a:ext>
+            </a:extLst>
+          </p:cNvPr>
+          <p:cNvSpPr/>
+          <p:nvPr/>
+        </p:nvSpPr>
+        <p:spPr>
+          <a:xfrm>
+            <a:off x="1906073" y="3749037"/>
+            <a:ext cx="244698" cy="2999493"/>
+          </a:xfrm>
+          <a:prstGeom prst="leftBracket">
+            <a:avLst/>
+          </a:prstGeom>
+          <a:ln w="28575"/>
+        </p:spPr>
+        <p:style>
+          <a:lnRef idx="1">
+            <a:schemeClr val="dk1"/>
+          </a:lnRef>
+          <a:fillRef idx="0">
+            <a:schemeClr val="dk1"/>
+          </a:fillRef>
+          <a:effectRef idx="0">
+            <a:schemeClr val="dk1"/>
+          </a:effectRef>
+          <a:fontRef idx="minor">
+            <a:schemeClr val="tx1"/>
+          </a:fontRef>
+        </p:style>
+        <p:txBody>
+          <a:bodyPr rtlCol="0" anchor="ctr"/>
+          <a:lstStyle/>
+          <a:p>
+            <a:pPr algn="ctr"/>
+            <a:endParaRPr kumimoji="1" lang="ko-KR" altLang="en-US"/>
+          </a:p>
+        </p:txBody>
+      </p:sp>
+      <p:sp>
+        <p:nvSpPr>
+          <p:cNvPr id="36" name="TextBox 35">
+            <a:extLst>
+              <a:ext uri="{FF2B5EF4-FFF2-40B4-BE49-F238E27FC236}">
+                <a16:creationId xmlns:a16="http://schemas.microsoft.com/office/drawing/2014/main" id="{627310D2-9524-2B24-5456-2CE3A109483E}"/>
+              </a:ext>
+            </a:extLst>
+          </p:cNvPr>
+          <p:cNvSpPr txBox="1"/>
+          <p:nvPr/>
+        </p:nvSpPr>
+        <p:spPr>
+          <a:xfrm>
+            <a:off x="605305" y="4925617"/>
+            <a:ext cx="1300767" cy="646331"/>
+          </a:xfrm>
+          <a:prstGeom prst="rect">
+            <a:avLst/>
+          </a:prstGeom>
+          <a:noFill/>
+        </p:spPr>
+        <p:txBody>
+          <a:bodyPr wrap="square" rtlCol="0">
+            <a:spAutoFit/>
+          </a:bodyPr>
+          <a:lstStyle/>
+          <a:p>
+            <a:pPr algn="ctr"/>
+            <a:r>
+              <a:rPr kumimoji="1" lang="en-US" altLang="ko-KR" b="1" dirty="0"/>
+              <a:t>Logical</a:t>
+            </a:r>
+          </a:p>
+          <a:p>
+            <a:pPr algn="ctr"/>
+            <a:r>
+              <a:rPr kumimoji="1" lang="en-US" altLang="ko-KR" b="1" dirty="0"/>
+              <a:t>Space</a:t>
+            </a:r>
+            <a:endParaRPr kumimoji="1" lang="ko-KR" altLang="en-US" b="1" dirty="0"/>
+          </a:p>
+        </p:txBody>
+      </p:sp>
+      <p:grpSp>
+        <p:nvGrpSpPr>
+          <p:cNvPr id="39" name="그룹 38">
+            <a:extLst>
+              <a:ext uri="{FF2B5EF4-FFF2-40B4-BE49-F238E27FC236}">
+                <a16:creationId xmlns:a16="http://schemas.microsoft.com/office/drawing/2014/main" id="{10BC02C0-3890-015A-E118-75B37A8061B5}"/>
+              </a:ext>
+            </a:extLst>
+          </p:cNvPr>
+          <p:cNvGrpSpPr/>
+          <p:nvPr/>
+        </p:nvGrpSpPr>
+        <p:grpSpPr>
+          <a:xfrm>
+            <a:off x="2600741" y="3820799"/>
+            <a:ext cx="5639913" cy="409807"/>
+            <a:chOff x="2602564" y="1036783"/>
+            <a:chExt cx="5639913" cy="409807"/>
+          </a:xfrm>
+        </p:grpSpPr>
+        <p:grpSp>
+          <p:nvGrpSpPr>
+            <p:cNvPr id="40" name="그룹 39">
+              <a:extLst>
+                <a:ext uri="{FF2B5EF4-FFF2-40B4-BE49-F238E27FC236}">
+                  <a16:creationId xmlns:a16="http://schemas.microsoft.com/office/drawing/2014/main" id="{28C29CF9-0B6A-328E-6B79-26E4E42EE727}"/>
+                </a:ext>
+              </a:extLst>
+            </p:cNvPr>
+            <p:cNvGrpSpPr/>
+            <p:nvPr/>
+          </p:nvGrpSpPr>
+          <p:grpSpPr>
+            <a:xfrm>
+              <a:off x="2602564" y="1446590"/>
+              <a:ext cx="5639913" cy="0"/>
+              <a:chOff x="3992451" y="1983346"/>
+              <a:chExt cx="5639913" cy="0"/>
+            </a:xfrm>
+          </p:grpSpPr>
+          <p:cxnSp>
+            <p:nvCxnSpPr>
+              <p:cNvPr id="49" name="직선 연결선[R] 48">
+                <a:extLst>
+                  <a:ext uri="{FF2B5EF4-FFF2-40B4-BE49-F238E27FC236}">
+                    <a16:creationId xmlns:a16="http://schemas.microsoft.com/office/drawing/2014/main" id="{D7F28AA1-DF0A-1297-39BE-8EA5C114547A}"/>
+                  </a:ext>
+                </a:extLst>
+              </p:cNvPr>
+              <p:cNvCxnSpPr/>
+              <p:nvPr/>
+            </p:nvCxnSpPr>
+            <p:spPr>
+              <a:xfrm>
+                <a:off x="3992451" y="1983346"/>
+                <a:ext cx="511816" cy="0"/>
+              </a:xfrm>
+              <a:prstGeom prst="line">
+                <a:avLst/>
+              </a:prstGeom>
+              <a:ln/>
+            </p:spPr>
+            <p:style>
+              <a:lnRef idx="2">
+                <a:schemeClr val="accent1"/>
+              </a:lnRef>
+              <a:fillRef idx="0">
+                <a:schemeClr val="accent1"/>
+              </a:fillRef>
+              <a:effectRef idx="1">
+                <a:schemeClr val="accent1"/>
+              </a:effectRef>
+              <a:fontRef idx="minor">
+                <a:schemeClr val="tx1"/>
+              </a:fontRef>
+            </p:style>
+          </p:cxnSp>
+          <p:cxnSp>
+            <p:nvCxnSpPr>
+              <p:cNvPr id="50" name="직선 연결선[R] 49">
+                <a:extLst>
+                  <a:ext uri="{FF2B5EF4-FFF2-40B4-BE49-F238E27FC236}">
+                    <a16:creationId xmlns:a16="http://schemas.microsoft.com/office/drawing/2014/main" id="{6CCE6D9E-DCC0-F76A-B41E-F5D8C41AD0A9}"/>
+                  </a:ext>
+                </a:extLst>
+              </p:cNvPr>
+              <p:cNvCxnSpPr/>
+              <p:nvPr/>
+            </p:nvCxnSpPr>
+            <p:spPr>
+              <a:xfrm>
+                <a:off x="4737279" y="1983346"/>
+                <a:ext cx="511816" cy="0"/>
+              </a:xfrm>
+              <a:prstGeom prst="line">
+                <a:avLst/>
+              </a:prstGeom>
+              <a:ln/>
+            </p:spPr>
+            <p:style>
+              <a:lnRef idx="2">
+                <a:schemeClr val="accent1"/>
+              </a:lnRef>
+              <a:fillRef idx="0">
+                <a:schemeClr val="accent1"/>
+              </a:fillRef>
+              <a:effectRef idx="1">
+                <a:schemeClr val="accent1"/>
+              </a:effectRef>
+              <a:fontRef idx="minor">
+                <a:schemeClr val="tx1"/>
+              </a:fontRef>
+            </p:style>
+          </p:cxnSp>
+          <p:cxnSp>
+            <p:nvCxnSpPr>
+              <p:cNvPr id="51" name="직선 연결선[R] 50">
+                <a:extLst>
+                  <a:ext uri="{FF2B5EF4-FFF2-40B4-BE49-F238E27FC236}">
+                    <a16:creationId xmlns:a16="http://schemas.microsoft.com/office/drawing/2014/main" id="{2DF65B8F-FA3C-2A8A-FBF4-619EC6A94561}"/>
+                  </a:ext>
+                </a:extLst>
+              </p:cNvPr>
+              <p:cNvCxnSpPr/>
+              <p:nvPr/>
+            </p:nvCxnSpPr>
+            <p:spPr>
+              <a:xfrm>
+                <a:off x="5482107" y="1983346"/>
+                <a:ext cx="511816" cy="0"/>
+              </a:xfrm>
+              <a:prstGeom prst="line">
+                <a:avLst/>
+              </a:prstGeom>
+              <a:ln/>
+            </p:spPr>
+            <p:style>
+              <a:lnRef idx="2">
+                <a:schemeClr val="accent1"/>
+              </a:lnRef>
+              <a:fillRef idx="0">
+                <a:schemeClr val="accent1"/>
+              </a:fillRef>
+              <a:effectRef idx="1">
+                <a:schemeClr val="accent1"/>
+              </a:effectRef>
+              <a:fontRef idx="minor">
+                <a:schemeClr val="tx1"/>
+              </a:fontRef>
+            </p:style>
+          </p:cxnSp>
+          <p:cxnSp>
+            <p:nvCxnSpPr>
+              <p:cNvPr id="52" name="직선 연결선[R] 51">
+                <a:extLst>
+                  <a:ext uri="{FF2B5EF4-FFF2-40B4-BE49-F238E27FC236}">
+                    <a16:creationId xmlns:a16="http://schemas.microsoft.com/office/drawing/2014/main" id="{67532ABB-BB53-1C1B-6820-FD98E724F3EE}"/>
+                  </a:ext>
+                </a:extLst>
+              </p:cNvPr>
+              <p:cNvCxnSpPr/>
+              <p:nvPr/>
+            </p:nvCxnSpPr>
+            <p:spPr>
+              <a:xfrm>
+                <a:off x="6233373" y="1983346"/>
+                <a:ext cx="511816" cy="0"/>
+              </a:xfrm>
+              <a:prstGeom prst="line">
+                <a:avLst/>
+              </a:prstGeom>
+              <a:ln/>
+            </p:spPr>
+            <p:style>
+              <a:lnRef idx="2">
+                <a:schemeClr val="accent1"/>
+              </a:lnRef>
+              <a:fillRef idx="0">
+                <a:schemeClr val="accent1"/>
+              </a:fillRef>
+              <a:effectRef idx="1">
+                <a:schemeClr val="accent1"/>
+              </a:effectRef>
+              <a:fontRef idx="minor">
+                <a:schemeClr val="tx1"/>
+              </a:fontRef>
+            </p:style>
+          </p:cxnSp>
+          <p:cxnSp>
+            <p:nvCxnSpPr>
+              <p:cNvPr id="53" name="직선 연결선[R] 52">
+                <a:extLst>
+                  <a:ext uri="{FF2B5EF4-FFF2-40B4-BE49-F238E27FC236}">
+                    <a16:creationId xmlns:a16="http://schemas.microsoft.com/office/drawing/2014/main" id="{E9D5E08C-8D95-58A4-3D38-6DE30E667DF3}"/>
+                  </a:ext>
+                </a:extLst>
+              </p:cNvPr>
+              <p:cNvCxnSpPr/>
+              <p:nvPr/>
+            </p:nvCxnSpPr>
+            <p:spPr>
+              <a:xfrm>
+                <a:off x="6952444" y="1983346"/>
+                <a:ext cx="511816" cy="0"/>
+              </a:xfrm>
+              <a:prstGeom prst="line">
+                <a:avLst/>
+              </a:prstGeom>
+              <a:ln/>
+            </p:spPr>
+            <p:style>
+              <a:lnRef idx="2">
+                <a:schemeClr val="accent1"/>
+              </a:lnRef>
+              <a:fillRef idx="0">
+                <a:schemeClr val="accent1"/>
+              </a:fillRef>
+              <a:effectRef idx="1">
+                <a:schemeClr val="accent1"/>
+              </a:effectRef>
+              <a:fontRef idx="minor">
+                <a:schemeClr val="tx1"/>
+              </a:fontRef>
+            </p:style>
+          </p:cxnSp>
+          <p:cxnSp>
+            <p:nvCxnSpPr>
+              <p:cNvPr id="54" name="직선 연결선[R] 53">
+                <a:extLst>
+                  <a:ext uri="{FF2B5EF4-FFF2-40B4-BE49-F238E27FC236}">
+                    <a16:creationId xmlns:a16="http://schemas.microsoft.com/office/drawing/2014/main" id="{8FE93EA1-7558-8529-D7FA-B0AA09D04FEB}"/>
+                  </a:ext>
+                </a:extLst>
+              </p:cNvPr>
+              <p:cNvCxnSpPr/>
+              <p:nvPr/>
+            </p:nvCxnSpPr>
+            <p:spPr>
+              <a:xfrm>
+                <a:off x="7658636" y="1983346"/>
+                <a:ext cx="511816" cy="0"/>
+              </a:xfrm>
+              <a:prstGeom prst="line">
+                <a:avLst/>
+              </a:prstGeom>
+              <a:ln/>
+            </p:spPr>
+            <p:style>
+              <a:lnRef idx="2">
+                <a:schemeClr val="accent1"/>
+              </a:lnRef>
+              <a:fillRef idx="0">
+                <a:schemeClr val="accent1"/>
+              </a:fillRef>
+              <a:effectRef idx="1">
+                <a:schemeClr val="accent1"/>
+              </a:effectRef>
+              <a:fontRef idx="minor">
+                <a:schemeClr val="tx1"/>
+              </a:fontRef>
+            </p:style>
+          </p:cxnSp>
+          <p:cxnSp>
+            <p:nvCxnSpPr>
+              <p:cNvPr id="55" name="직선 연결선[R] 54">
+                <a:extLst>
+                  <a:ext uri="{FF2B5EF4-FFF2-40B4-BE49-F238E27FC236}">
+                    <a16:creationId xmlns:a16="http://schemas.microsoft.com/office/drawing/2014/main" id="{73B3CAAA-786D-0595-0AE9-64D0D6A60C02}"/>
+                  </a:ext>
+                </a:extLst>
+              </p:cNvPr>
+              <p:cNvCxnSpPr/>
+              <p:nvPr/>
+            </p:nvCxnSpPr>
+            <p:spPr>
+              <a:xfrm>
+                <a:off x="8349962" y="1983346"/>
+                <a:ext cx="511816" cy="0"/>
+              </a:xfrm>
+              <a:prstGeom prst="line">
+                <a:avLst/>
+              </a:prstGeom>
+              <a:ln/>
+            </p:spPr>
+            <p:style>
+              <a:lnRef idx="2">
+                <a:schemeClr val="accent1"/>
+              </a:lnRef>
+              <a:fillRef idx="0">
+                <a:schemeClr val="accent1"/>
+              </a:fillRef>
+              <a:effectRef idx="1">
+                <a:schemeClr val="accent1"/>
+              </a:effectRef>
+              <a:fontRef idx="minor">
+                <a:schemeClr val="tx1"/>
+              </a:fontRef>
+            </p:style>
+          </p:cxnSp>
+          <p:cxnSp>
+            <p:nvCxnSpPr>
+              <p:cNvPr id="56" name="직선 연결선[R] 55">
+                <a:extLst>
+                  <a:ext uri="{FF2B5EF4-FFF2-40B4-BE49-F238E27FC236}">
+                    <a16:creationId xmlns:a16="http://schemas.microsoft.com/office/drawing/2014/main" id="{C19EFA62-E30D-1282-5CDB-F173B191F191}"/>
+                  </a:ext>
+                </a:extLst>
+              </p:cNvPr>
+              <p:cNvCxnSpPr/>
+              <p:nvPr/>
+            </p:nvCxnSpPr>
+            <p:spPr>
+              <a:xfrm>
+                <a:off x="9120548" y="1983346"/>
+                <a:ext cx="511816" cy="0"/>
+              </a:xfrm>
+              <a:prstGeom prst="line">
+                <a:avLst/>
+              </a:prstGeom>
+              <a:ln/>
+            </p:spPr>
+            <p:style>
+              <a:lnRef idx="2">
+                <a:schemeClr val="accent1"/>
+              </a:lnRef>
+              <a:fillRef idx="0">
+                <a:schemeClr val="accent1"/>
+              </a:fillRef>
+              <a:effectRef idx="1">
+                <a:schemeClr val="accent1"/>
+              </a:effectRef>
+              <a:fontRef idx="minor">
+                <a:schemeClr val="tx1"/>
+              </a:fontRef>
+            </p:style>
+          </p:cxnSp>
+        </p:grpSp>
+        <p:sp>
+          <p:nvSpPr>
+            <p:cNvPr id="41" name="TextBox 40">
+              <a:extLst>
+                <a:ext uri="{FF2B5EF4-FFF2-40B4-BE49-F238E27FC236}">
+                  <a16:creationId xmlns:a16="http://schemas.microsoft.com/office/drawing/2014/main" id="{0260EED2-E882-5E23-DECA-169A04D4E3E1}"/>
+                </a:ext>
+              </a:extLst>
+            </p:cNvPr>
+            <p:cNvSpPr txBox="1"/>
+            <p:nvPr/>
+          </p:nvSpPr>
+          <p:spPr>
+            <a:xfrm>
+              <a:off x="7730661" y="1036783"/>
+              <a:ext cx="511816" cy="369332"/>
+            </a:xfrm>
+            <a:prstGeom prst="rect">
+              <a:avLst/>
+            </a:prstGeom>
+            <a:noFill/>
+          </p:spPr>
+          <p:txBody>
+            <a:bodyPr wrap="square" rtlCol="0">
+              <a:spAutoFit/>
+            </a:bodyPr>
+            <a:lstStyle/>
+            <a:p>
+              <a:pPr algn="ctr"/>
+              <a:r>
+                <a:rPr kumimoji="1" lang="en-US" altLang="ko-KR" dirty="0"/>
+                <a:t>1</a:t>
+              </a:r>
+              <a:endParaRPr kumimoji="1" lang="ko-KR" altLang="en-US" dirty="0"/>
+            </a:p>
+          </p:txBody>
+        </p:sp>
+        <p:sp>
+          <p:nvSpPr>
+            <p:cNvPr id="42" name="TextBox 41">
+              <a:extLst>
+                <a:ext uri="{FF2B5EF4-FFF2-40B4-BE49-F238E27FC236}">
+                  <a16:creationId xmlns:a16="http://schemas.microsoft.com/office/drawing/2014/main" id="{C12E3AE5-AAD9-95B3-5675-2EBC7B7F3B72}"/>
+                </a:ext>
+              </a:extLst>
+            </p:cNvPr>
+            <p:cNvSpPr txBox="1"/>
+            <p:nvPr/>
+          </p:nvSpPr>
+          <p:spPr>
+            <a:xfrm>
+              <a:off x="6985833" y="1036783"/>
+              <a:ext cx="511816" cy="369332"/>
+            </a:xfrm>
+            <a:prstGeom prst="rect">
+              <a:avLst/>
+            </a:prstGeom>
+            <a:noFill/>
+          </p:spPr>
+          <p:txBody>
+            <a:bodyPr wrap="square" rtlCol="0">
+              <a:spAutoFit/>
+            </a:bodyPr>
+            <a:lstStyle/>
+            <a:p>
+              <a:pPr algn="ctr"/>
+              <a:r>
+                <a:rPr kumimoji="1" lang="en-US" altLang="ko-KR" dirty="0"/>
+                <a:t>1</a:t>
+              </a:r>
+              <a:endParaRPr kumimoji="1" lang="ko-KR" altLang="en-US" dirty="0"/>
+            </a:p>
+          </p:txBody>
+        </p:sp>
+        <p:sp>
+          <p:nvSpPr>
+            <p:cNvPr id="43" name="TextBox 42">
+              <a:extLst>
+                <a:ext uri="{FF2B5EF4-FFF2-40B4-BE49-F238E27FC236}">
+                  <a16:creationId xmlns:a16="http://schemas.microsoft.com/office/drawing/2014/main" id="{7FA624A2-207E-1216-B457-DD2886EEE530}"/>
+                </a:ext>
+              </a:extLst>
+            </p:cNvPr>
+            <p:cNvSpPr txBox="1"/>
+            <p:nvPr/>
+          </p:nvSpPr>
+          <p:spPr>
+            <a:xfrm>
+              <a:off x="6268749" y="1036783"/>
+              <a:ext cx="511816" cy="369332"/>
+            </a:xfrm>
+            <a:prstGeom prst="rect">
+              <a:avLst/>
+            </a:prstGeom>
+            <a:noFill/>
+          </p:spPr>
+          <p:txBody>
+            <a:bodyPr wrap="square" rtlCol="0">
+              <a:spAutoFit/>
+            </a:bodyPr>
+            <a:lstStyle/>
+            <a:p>
+              <a:pPr algn="ctr"/>
+              <a:r>
+                <a:rPr kumimoji="1" lang="en-US" altLang="ko-KR" dirty="0"/>
+                <a:t>0</a:t>
+              </a:r>
+              <a:endParaRPr kumimoji="1" lang="ko-KR" altLang="en-US" dirty="0"/>
+            </a:p>
+          </p:txBody>
+        </p:sp>
+        <p:sp>
+          <p:nvSpPr>
+            <p:cNvPr id="44" name="TextBox 43">
+              <a:extLst>
+                <a:ext uri="{FF2B5EF4-FFF2-40B4-BE49-F238E27FC236}">
+                  <a16:creationId xmlns:a16="http://schemas.microsoft.com/office/drawing/2014/main" id="{A474E864-E7F1-2913-27E1-266DD867784C}"/>
+                </a:ext>
+              </a:extLst>
+            </p:cNvPr>
+            <p:cNvSpPr txBox="1"/>
+            <p:nvPr/>
+          </p:nvSpPr>
+          <p:spPr>
+            <a:xfrm>
+              <a:off x="5538076" y="1036783"/>
+              <a:ext cx="511816" cy="369332"/>
+            </a:xfrm>
+            <a:prstGeom prst="rect">
+              <a:avLst/>
+            </a:prstGeom>
+            <a:noFill/>
+          </p:spPr>
+          <p:txBody>
+            <a:bodyPr wrap="square" rtlCol="0">
+              <a:spAutoFit/>
+            </a:bodyPr>
+            <a:lstStyle/>
+            <a:p>
+              <a:pPr algn="ctr"/>
+              <a:r>
+                <a:rPr kumimoji="1" lang="en-US" altLang="ko-KR" dirty="0"/>
+                <a:t>0</a:t>
+              </a:r>
+              <a:endParaRPr kumimoji="1" lang="ko-KR" altLang="en-US" dirty="0"/>
+            </a:p>
+          </p:txBody>
+        </p:sp>
+        <p:sp>
+          <p:nvSpPr>
+            <p:cNvPr id="45" name="TextBox 44">
+              <a:extLst>
+                <a:ext uri="{FF2B5EF4-FFF2-40B4-BE49-F238E27FC236}">
+                  <a16:creationId xmlns:a16="http://schemas.microsoft.com/office/drawing/2014/main" id="{22EB08EC-BDED-769B-6302-6E716B3676C8}"/>
+                </a:ext>
+              </a:extLst>
+            </p:cNvPr>
+            <p:cNvSpPr txBox="1"/>
+            <p:nvPr/>
+          </p:nvSpPr>
+          <p:spPr>
+            <a:xfrm>
+              <a:off x="4843486" y="1040803"/>
+              <a:ext cx="511816" cy="369332"/>
+            </a:xfrm>
+            <a:prstGeom prst="rect">
+              <a:avLst/>
+            </a:prstGeom>
+            <a:noFill/>
+          </p:spPr>
+          <p:txBody>
+            <a:bodyPr wrap="square" rtlCol="0">
+              <a:spAutoFit/>
+            </a:bodyPr>
+            <a:lstStyle/>
+            <a:p>
+              <a:pPr algn="ctr"/>
+              <a:r>
+                <a:rPr kumimoji="1" lang="en-US" altLang="ko-KR" dirty="0"/>
+                <a:t>1</a:t>
+              </a:r>
+              <a:endParaRPr kumimoji="1" lang="ko-KR" altLang="en-US" dirty="0"/>
+            </a:p>
+          </p:txBody>
+        </p:sp>
+        <p:sp>
+          <p:nvSpPr>
+            <p:cNvPr id="46" name="TextBox 45">
+              <a:extLst>
+                <a:ext uri="{FF2B5EF4-FFF2-40B4-BE49-F238E27FC236}">
+                  <a16:creationId xmlns:a16="http://schemas.microsoft.com/office/drawing/2014/main" id="{1D9E10C6-978D-57F5-E290-5B51A1C70ACE}"/>
+                </a:ext>
+              </a:extLst>
+            </p:cNvPr>
+            <p:cNvSpPr txBox="1"/>
+            <p:nvPr/>
+          </p:nvSpPr>
+          <p:spPr>
+            <a:xfrm>
+              <a:off x="4090238" y="1036783"/>
+              <a:ext cx="511816" cy="369332"/>
+            </a:xfrm>
+            <a:prstGeom prst="rect">
+              <a:avLst/>
+            </a:prstGeom>
+            <a:noFill/>
+          </p:spPr>
+          <p:txBody>
+            <a:bodyPr wrap="square" rtlCol="0">
+              <a:spAutoFit/>
+            </a:bodyPr>
+            <a:lstStyle/>
+            <a:p>
+              <a:pPr algn="ctr"/>
+              <a:r>
+                <a:rPr kumimoji="1" lang="en-US" altLang="ko-KR" dirty="0"/>
+                <a:t>1</a:t>
+              </a:r>
+              <a:endParaRPr kumimoji="1" lang="ko-KR" altLang="en-US" dirty="0"/>
+            </a:p>
+          </p:txBody>
+        </p:sp>
+        <p:sp>
+          <p:nvSpPr>
+            <p:cNvPr id="47" name="TextBox 46">
+              <a:extLst>
+                <a:ext uri="{FF2B5EF4-FFF2-40B4-BE49-F238E27FC236}">
+                  <a16:creationId xmlns:a16="http://schemas.microsoft.com/office/drawing/2014/main" id="{F3D1D2D9-F98E-D7F4-DCB0-D3DBAD907FF1}"/>
+                </a:ext>
+              </a:extLst>
+            </p:cNvPr>
+            <p:cNvSpPr txBox="1"/>
+            <p:nvPr/>
+          </p:nvSpPr>
+          <p:spPr>
+            <a:xfrm>
+              <a:off x="3359565" y="1036783"/>
+              <a:ext cx="511816" cy="369332"/>
+            </a:xfrm>
+            <a:prstGeom prst="rect">
+              <a:avLst/>
+            </a:prstGeom>
+            <a:noFill/>
+          </p:spPr>
+          <p:txBody>
+            <a:bodyPr wrap="square" rtlCol="0">
+              <a:spAutoFit/>
+            </a:bodyPr>
+            <a:lstStyle/>
+            <a:p>
+              <a:pPr algn="ctr"/>
+              <a:r>
+                <a:rPr kumimoji="1" lang="en-US" altLang="ko-KR" dirty="0"/>
+                <a:t>0</a:t>
+              </a:r>
+              <a:endParaRPr kumimoji="1" lang="ko-KR" altLang="en-US" dirty="0"/>
+            </a:p>
+          </p:txBody>
+        </p:sp>
+        <p:sp>
+          <p:nvSpPr>
+            <p:cNvPr id="48" name="TextBox 47">
+              <a:extLst>
+                <a:ext uri="{FF2B5EF4-FFF2-40B4-BE49-F238E27FC236}">
+                  <a16:creationId xmlns:a16="http://schemas.microsoft.com/office/drawing/2014/main" id="{8873C713-CA54-41CC-0CE9-EC1333605589}"/>
+                </a:ext>
+              </a:extLst>
+            </p:cNvPr>
+            <p:cNvSpPr txBox="1"/>
+            <p:nvPr/>
+          </p:nvSpPr>
+          <p:spPr>
+            <a:xfrm>
+              <a:off x="2602564" y="1036783"/>
+              <a:ext cx="511816" cy="369332"/>
+            </a:xfrm>
+            <a:prstGeom prst="rect">
+              <a:avLst/>
+            </a:prstGeom>
+            <a:noFill/>
+          </p:spPr>
+          <p:txBody>
+            <a:bodyPr wrap="square" rtlCol="0">
+              <a:spAutoFit/>
+            </a:bodyPr>
+            <a:lstStyle/>
+            <a:p>
+              <a:pPr algn="ctr"/>
+              <a:r>
+                <a:rPr kumimoji="1" lang="en-US" altLang="ko-KR" dirty="0"/>
+                <a:t>1</a:t>
+              </a:r>
+              <a:endParaRPr kumimoji="1" lang="ko-KR" altLang="en-US" dirty="0"/>
+            </a:p>
+          </p:txBody>
+        </p:sp>
+      </p:grpSp>
+      <mc:AlternateContent xmlns:mc="http://schemas.openxmlformats.org/markup-compatibility/2006" xmlns:a14="http://schemas.microsoft.com/office/drawing/2010/main">
+        <mc:Choice Requires="a14">
+          <p:sp>
+            <p:nvSpPr>
+              <p:cNvPr id="57" name="TextBox 56">
+                <a:extLst>
+                  <a:ext uri="{FF2B5EF4-FFF2-40B4-BE49-F238E27FC236}">
+                    <a16:creationId xmlns:a16="http://schemas.microsoft.com/office/drawing/2014/main" id="{9E7DE6F3-AE76-A861-D9F4-17159198729A}"/>
+                  </a:ext>
+                </a:extLst>
+              </p:cNvPr>
+              <p:cNvSpPr txBox="1"/>
+              <p:nvPr/>
+            </p:nvSpPr>
+            <p:spPr>
+              <a:xfrm>
+                <a:off x="2600740" y="4377844"/>
+                <a:ext cx="7685187" cy="784125"/>
+              </a:xfrm>
+              <a:prstGeom prst="rect">
+                <a:avLst/>
+              </a:prstGeom>
+              <a:noFill/>
+            </p:spPr>
+            <p:txBody>
+              <a:bodyPr wrap="square" rtlCol="0">
+                <a:spAutoFit/>
+              </a:bodyPr>
+              <a:lstStyle/>
+              <a:p>
+                <a:pPr>
+                  <a:lnSpc>
+                    <a:spcPct val="150000"/>
+                  </a:lnSpc>
+                </a:pPr>
+                <a:r>
+                  <a:rPr kumimoji="1" lang="ko-KR" altLang="en-US" sz="1600" dirty="0"/>
+                  <a:t> 위의 물리적인 </a:t>
+                </a:r>
+                <a:r>
+                  <a:rPr kumimoji="1" lang="en-US" altLang="ko-KR" sz="1600" b="1" dirty="0"/>
+                  <a:t>on/off</a:t>
+                </a:r>
+                <a:r>
+                  <a:rPr kumimoji="1" lang="ko-KR" altLang="en-US" sz="1600" b="1" dirty="0" err="1"/>
+                  <a:t>를</a:t>
+                </a:r>
+                <a:r>
+                  <a:rPr kumimoji="1" lang="ko-KR" altLang="en-US" sz="1600" b="1" dirty="0"/>
+                  <a:t> 논리적</a:t>
+                </a:r>
+                <a:r>
+                  <a:rPr kumimoji="1" lang="ko-KR" altLang="en-US" sz="1600" dirty="0"/>
+                  <a:t>으로 </a:t>
+                </a:r>
+                <a:r>
+                  <a:rPr kumimoji="1" lang="en-US" altLang="ko-KR" sz="1600" b="1" dirty="0"/>
+                  <a:t>1/0</a:t>
+                </a:r>
+                <a:r>
+                  <a:rPr kumimoji="1" lang="ko-KR" altLang="en-US" sz="1600" b="1" dirty="0" err="1"/>
+                  <a:t>으로</a:t>
+                </a:r>
+                <a:r>
+                  <a:rPr kumimoji="1" lang="ko-KR" altLang="en-US" sz="1600" b="1" dirty="0"/>
+                  <a:t> 해석 </a:t>
+                </a:r>
+                <a:r>
+                  <a:rPr kumimoji="1" lang="en-US" altLang="ko-KR" sz="1600" b="1" dirty="0"/>
+                  <a:t>(</a:t>
+                </a:r>
+                <a:r>
+                  <a:rPr kumimoji="1" lang="en-US" altLang="ko-KR" sz="1600" b="1" dirty="0">
+                    <a:solidFill>
+                      <a:srgbClr val="C00000"/>
+                    </a:solidFill>
+                  </a:rPr>
+                  <a:t>2</a:t>
+                </a:r>
+                <a:r>
+                  <a:rPr kumimoji="1" lang="ko-KR" altLang="en-US" sz="1600" b="1" dirty="0">
+                    <a:solidFill>
+                      <a:srgbClr val="C00000"/>
+                    </a:solidFill>
+                  </a:rPr>
+                  <a:t>진법</a:t>
+                </a:r>
+                <a:r>
+                  <a:rPr kumimoji="1" lang="en-US" altLang="ko-KR" sz="1600" b="1" dirty="0"/>
+                  <a:t>)</a:t>
+                </a:r>
+                <a:r>
+                  <a:rPr kumimoji="1" lang="ko-KR" altLang="en-US" sz="1600" dirty="0" err="1"/>
+                  <a:t>할수</a:t>
+                </a:r>
+                <a:r>
+                  <a:rPr kumimoji="1" lang="ko-KR" altLang="en-US" sz="1600" dirty="0"/>
+                  <a:t> 있다</a:t>
+                </a:r>
+                <a:r>
+                  <a:rPr kumimoji="1" lang="en-US" altLang="ko-KR" sz="1600" dirty="0"/>
+                  <a:t>.</a:t>
+                </a:r>
+              </a:p>
+              <a:p>
+                <a:pPr>
+                  <a:lnSpc>
+                    <a:spcPct val="150000"/>
+                  </a:lnSpc>
+                </a:pPr>
+                <a14:m>
+                  <m:oMath xmlns:m="http://schemas.openxmlformats.org/officeDocument/2006/math">
+                    <m:r>
+                      <a:rPr kumimoji="1" lang="ko-KR" altLang="en-US" sz="1600" i="1" smtClean="0">
+                        <a:latin typeface="Cambria Math" panose="02040503050406030204" pitchFamily="18" charset="0"/>
+                      </a:rPr>
+                      <m:t>→</m:t>
+                    </m:r>
+                  </m:oMath>
+                </a14:m>
+                <a:r>
+                  <a:rPr kumimoji="1" lang="ko-KR" altLang="en-US" sz="1600" dirty="0"/>
+                  <a:t> 즉</a:t>
+                </a:r>
+                <a:r>
+                  <a:rPr kumimoji="1" lang="en-US" altLang="ko-KR" sz="1600" dirty="0"/>
+                  <a:t>, 1</a:t>
+                </a:r>
+                <a:r>
+                  <a:rPr kumimoji="1" lang="ko-KR" altLang="en-US" sz="1600" dirty="0"/>
+                  <a:t>과 </a:t>
+                </a:r>
+                <a:r>
+                  <a:rPr kumimoji="1" lang="en-US" altLang="ko-KR" sz="1600" dirty="0"/>
+                  <a:t>0</a:t>
+                </a:r>
+                <a:r>
+                  <a:rPr kumimoji="1" lang="ko-KR" altLang="en-US" sz="1600" dirty="0" err="1"/>
+                  <a:t>으로</a:t>
+                </a:r>
+                <a:r>
+                  <a:rPr kumimoji="1" lang="ko-KR" altLang="en-US" sz="1600" dirty="0"/>
+                  <a:t> </a:t>
+                </a:r>
+                <a:r>
+                  <a:rPr kumimoji="1" lang="ko-KR" altLang="en-US" sz="1600" dirty="0" err="1"/>
+                  <a:t>해석할수</a:t>
+                </a:r>
+                <a:r>
+                  <a:rPr kumimoji="1" lang="ko-KR" altLang="en-US" sz="1600" dirty="0"/>
+                  <a:t> 있는 것은 </a:t>
+                </a:r>
+                <a:r>
+                  <a:rPr kumimoji="1" lang="en-US" altLang="ko-KR" sz="1600" b="1" dirty="0">
+                    <a:solidFill>
+                      <a:srgbClr val="C00000"/>
+                    </a:solidFill>
+                  </a:rPr>
+                  <a:t>10</a:t>
+                </a:r>
+                <a:r>
+                  <a:rPr kumimoji="1" lang="ko-KR" altLang="en-US" sz="1600" b="1" dirty="0">
+                    <a:solidFill>
+                      <a:srgbClr val="C00000"/>
+                    </a:solidFill>
+                  </a:rPr>
+                  <a:t>진법</a:t>
+                </a:r>
+                <a:r>
+                  <a:rPr kumimoji="1" lang="ko-KR" altLang="en-US" sz="1600" dirty="0"/>
+                  <a:t> 또는 </a:t>
+                </a:r>
+                <a:r>
+                  <a:rPr kumimoji="1" lang="en-US" altLang="ko-KR" sz="1600" b="1" dirty="0">
+                    <a:solidFill>
+                      <a:srgbClr val="C00000"/>
+                    </a:solidFill>
+                  </a:rPr>
+                  <a:t>16</a:t>
+                </a:r>
+                <a:r>
+                  <a:rPr kumimoji="1" lang="ko-KR" altLang="en-US" sz="1600" b="1" dirty="0">
+                    <a:solidFill>
+                      <a:srgbClr val="C00000"/>
+                    </a:solidFill>
+                  </a:rPr>
+                  <a:t>진법</a:t>
+                </a:r>
+                <a:r>
+                  <a:rPr kumimoji="1" lang="ko-KR" altLang="en-US" sz="1600" dirty="0"/>
+                  <a:t>으로 전환이 가능하다</a:t>
+                </a:r>
+                <a:r>
+                  <a:rPr kumimoji="1" lang="en-US" altLang="ko-KR" sz="1600" dirty="0"/>
+                  <a:t>.</a:t>
+                </a:r>
+                <a:endParaRPr kumimoji="1" lang="ko-KR" altLang="en-US" sz="1600" dirty="0"/>
+              </a:p>
+            </p:txBody>
+          </p:sp>
+        </mc:Choice>
+        <mc:Fallback xmlns="">
+          <p:sp>
+            <p:nvSpPr>
+              <p:cNvPr id="57" name="TextBox 56">
+                <a:extLst>
+                  <a:ext uri="{FF2B5EF4-FFF2-40B4-BE49-F238E27FC236}">
+                    <a16:creationId xmlns:a16="http://schemas.microsoft.com/office/drawing/2014/main" id="{9E7DE6F3-AE76-A861-D9F4-17159198729A}"/>
+                  </a:ext>
+                </a:extLst>
+              </p:cNvPr>
+              <p:cNvSpPr txBox="1">
+                <a:spLocks noRot="1" noChangeAspect="1" noMove="1" noResize="1" noEditPoints="1" noAdjustHandles="1" noChangeArrowheads="1" noChangeShapeType="1" noTextEdit="1"/>
+              </p:cNvSpPr>
+              <p:nvPr/>
+            </p:nvSpPr>
+            <p:spPr>
+              <a:xfrm>
+                <a:off x="2600740" y="4377844"/>
+                <a:ext cx="7685187" cy="784125"/>
+              </a:xfrm>
+              <a:prstGeom prst="rect">
+                <a:avLst/>
+              </a:prstGeom>
+              <a:blipFill>
+                <a:blip r:embed="rId6"/>
+                <a:stretch>
+                  <a:fillRect b="-6349"/>
+                </a:stretch>
+              </a:blipFill>
+            </p:spPr>
+            <p:txBody>
+              <a:bodyPr/>
+              <a:lstStyle/>
+              <a:p>
+                <a:r>
+                  <a:rPr lang="ko-KR" altLang="en-US">
+                    <a:noFill/>
+                  </a:rPr>
+                  <a:t> </a:t>
+                </a:r>
+              </a:p>
+            </p:txBody>
+          </p:sp>
+        </mc:Fallback>
+      </mc:AlternateContent>
+      <p:sp>
+        <p:nvSpPr>
+          <p:cNvPr id="58" name="왼쪽 대괄호[L] 57">
+            <a:extLst>
+              <a:ext uri="{FF2B5EF4-FFF2-40B4-BE49-F238E27FC236}">
+                <a16:creationId xmlns:a16="http://schemas.microsoft.com/office/drawing/2014/main" id="{0D091EC4-6E86-E2BB-C634-B59FCA5AAFAB}"/>
+              </a:ext>
+            </a:extLst>
+          </p:cNvPr>
+          <p:cNvSpPr/>
+          <p:nvPr/>
+        </p:nvSpPr>
+        <p:spPr>
+          <a:xfrm>
+            <a:off x="1918952" y="2842195"/>
+            <a:ext cx="244698" cy="747181"/>
+          </a:xfrm>
+          <a:prstGeom prst="leftBracket">
+            <a:avLst/>
+          </a:prstGeom>
+          <a:ln w="28575"/>
+        </p:spPr>
+        <p:style>
+          <a:lnRef idx="1">
+            <a:schemeClr val="dk1"/>
+          </a:lnRef>
+          <a:fillRef idx="0">
+            <a:schemeClr val="dk1"/>
+          </a:fillRef>
+          <a:effectRef idx="0">
+            <a:schemeClr val="dk1"/>
+          </a:effectRef>
+          <a:fontRef idx="minor">
+            <a:schemeClr val="tx1"/>
+          </a:fontRef>
+        </p:style>
+        <p:txBody>
+          <a:bodyPr rtlCol="0" anchor="ctr"/>
+          <a:lstStyle/>
+          <a:p>
+            <a:pPr algn="ctr"/>
+            <a:endParaRPr kumimoji="1" lang="ko-KR" altLang="en-US"/>
+          </a:p>
+        </p:txBody>
+      </p:sp>
+      <p:sp>
+        <p:nvSpPr>
+          <p:cNvPr id="59" name="TextBox 58">
+            <a:extLst>
+              <a:ext uri="{FF2B5EF4-FFF2-40B4-BE49-F238E27FC236}">
+                <a16:creationId xmlns:a16="http://schemas.microsoft.com/office/drawing/2014/main" id="{4BE74D23-D1CF-206E-0AA6-2BF20D4C7A50}"/>
+              </a:ext>
+            </a:extLst>
+          </p:cNvPr>
+          <p:cNvSpPr txBox="1"/>
+          <p:nvPr/>
+        </p:nvSpPr>
+        <p:spPr>
+          <a:xfrm>
+            <a:off x="584308" y="3070313"/>
+            <a:ext cx="1300767" cy="369332"/>
+          </a:xfrm>
+          <a:prstGeom prst="rect">
+            <a:avLst/>
+          </a:prstGeom>
+          <a:noFill/>
+        </p:spPr>
+        <p:txBody>
+          <a:bodyPr wrap="square" rtlCol="0">
+            <a:spAutoFit/>
+          </a:bodyPr>
+          <a:lstStyle/>
+          <a:p>
+            <a:pPr algn="ctr"/>
+            <a:r>
+              <a:rPr kumimoji="1" lang="en-US" altLang="ko-KR" b="1" dirty="0">
+                <a:solidFill>
+                  <a:srgbClr val="C00000"/>
+                </a:solidFill>
+              </a:rPr>
+              <a:t>Link</a:t>
+            </a:r>
+            <a:endParaRPr kumimoji="1" lang="ko-KR" altLang="en-US" b="1" dirty="0">
+              <a:solidFill>
+                <a:srgbClr val="C00000"/>
+              </a:solidFill>
+            </a:endParaRPr>
+          </a:p>
+        </p:txBody>
+      </p:sp>
+      <p:sp>
+        <p:nvSpPr>
+          <p:cNvPr id="60" name="TextBox 59">
+            <a:extLst>
+              <a:ext uri="{FF2B5EF4-FFF2-40B4-BE49-F238E27FC236}">
+                <a16:creationId xmlns:a16="http://schemas.microsoft.com/office/drawing/2014/main" id="{2FF1086B-4A6A-FC86-BB36-62F021D1B62B}"/>
+              </a:ext>
+            </a:extLst>
+          </p:cNvPr>
+          <p:cNvSpPr txBox="1"/>
+          <p:nvPr/>
+        </p:nvSpPr>
+        <p:spPr>
+          <a:xfrm>
+            <a:off x="2600740" y="5248782"/>
+            <a:ext cx="8218306" cy="338554"/>
+          </a:xfrm>
+          <a:prstGeom prst="rect">
+            <a:avLst/>
+          </a:prstGeom>
+          <a:noFill/>
+        </p:spPr>
+        <p:txBody>
+          <a:bodyPr wrap="square" rtlCol="0">
+            <a:spAutoFit/>
+          </a:bodyPr>
+          <a:lstStyle/>
+          <a:p>
+            <a:r>
+              <a:rPr kumimoji="1" lang="ko-KR" altLang="en-US" sz="1600" b="1" dirty="0"/>
+              <a:t>트랜지스터의 </a:t>
+            </a:r>
+            <a:r>
+              <a:rPr kumimoji="1" lang="en-US" altLang="ko-KR" sz="1600" b="1" dirty="0"/>
+              <a:t>on/off</a:t>
+            </a:r>
+            <a:r>
+              <a:rPr kumimoji="1" lang="ko-KR" altLang="en-US" sz="1600" b="1" dirty="0" err="1"/>
+              <a:t>를</a:t>
+            </a:r>
+            <a:r>
+              <a:rPr kumimoji="1" lang="ko-KR" altLang="en-US" sz="1600" b="1" dirty="0"/>
+              <a:t> 통해 우리가 필요한 </a:t>
+            </a:r>
+            <a:r>
+              <a:rPr kumimoji="1" lang="en-US" altLang="ko-KR" sz="1600" b="1" dirty="0"/>
+              <a:t>10</a:t>
+            </a:r>
+            <a:r>
+              <a:rPr kumimoji="1" lang="ko-KR" altLang="en-US" sz="1600" b="1" dirty="0"/>
+              <a:t>진법</a:t>
+            </a:r>
+            <a:r>
+              <a:rPr kumimoji="1" lang="en-US" altLang="ko-KR" sz="1600" b="1" dirty="0"/>
+              <a:t>, 16</a:t>
+            </a:r>
+            <a:r>
+              <a:rPr kumimoji="1" lang="ko-KR" altLang="en-US" sz="1600" b="1" dirty="0"/>
+              <a:t>진법 </a:t>
+            </a:r>
+            <a:r>
+              <a:rPr kumimoji="1" lang="ko-KR" altLang="en-US" sz="1600" b="1" dirty="0">
+                <a:solidFill>
+                  <a:srgbClr val="C00000"/>
+                </a:solidFill>
+              </a:rPr>
+              <a:t>연산이 가능</a:t>
+            </a:r>
+            <a:r>
+              <a:rPr kumimoji="1" lang="ko-KR" altLang="en-US" sz="1600" b="1" dirty="0"/>
+              <a:t>해진 순간이다</a:t>
+            </a:r>
+            <a:r>
+              <a:rPr kumimoji="1" lang="en-US" altLang="ko-KR" sz="1600" b="1" dirty="0"/>
+              <a:t>.</a:t>
+            </a:r>
+            <a:endParaRPr kumimoji="1" lang="ko-KR" altLang="en-US" sz="1600" b="1" dirty="0"/>
+          </a:p>
+        </p:txBody>
+      </p:sp>
+      <p:sp>
+        <p:nvSpPr>
+          <p:cNvPr id="61" name="TextBox 60">
+            <a:extLst>
+              <a:ext uri="{FF2B5EF4-FFF2-40B4-BE49-F238E27FC236}">
+                <a16:creationId xmlns:a16="http://schemas.microsoft.com/office/drawing/2014/main" id="{5718BC41-AC76-5869-A23E-C6AF1F5BD3D2}"/>
+              </a:ext>
+            </a:extLst>
+          </p:cNvPr>
+          <p:cNvSpPr txBox="1"/>
+          <p:nvPr/>
+        </p:nvSpPr>
+        <p:spPr>
+          <a:xfrm>
+            <a:off x="2600741" y="5696123"/>
+            <a:ext cx="8603880" cy="323165"/>
+          </a:xfrm>
+          <a:prstGeom prst="rect">
+            <a:avLst/>
+          </a:prstGeom>
+          <a:noFill/>
+        </p:spPr>
+        <p:txBody>
+          <a:bodyPr wrap="square" rtlCol="0">
+            <a:spAutoFit/>
+          </a:bodyPr>
+          <a:lstStyle/>
+          <a:p>
+            <a:r>
+              <a:rPr kumimoji="1" lang="ko-KR" altLang="en-US" sz="1500" b="1" dirty="0"/>
+              <a:t>더 나아가 </a:t>
+            </a:r>
+            <a:r>
+              <a:rPr kumimoji="1" lang="ko-KR" altLang="en-US" sz="1500" b="1" dirty="0">
+                <a:solidFill>
+                  <a:srgbClr val="C00000"/>
+                </a:solidFill>
+              </a:rPr>
+              <a:t>특수한 조합</a:t>
+            </a:r>
+            <a:r>
+              <a:rPr kumimoji="1" lang="ko-KR" altLang="en-US" sz="1500" b="1" dirty="0"/>
+              <a:t>으로 문자까지 약속할 경우 우리가 사용하는 문자 데이터를 저장할 수 있다</a:t>
+            </a:r>
+            <a:r>
+              <a:rPr kumimoji="1" lang="en-US" altLang="ko-KR" sz="1500" b="1" dirty="0"/>
+              <a:t>.</a:t>
+            </a:r>
+            <a:endParaRPr kumimoji="1" lang="ko-KR" altLang="en-US" sz="1500" b="1" dirty="0"/>
+          </a:p>
+        </p:txBody>
+      </p:sp>
+      <p:sp>
+        <p:nvSpPr>
+          <p:cNvPr id="62" name="TextBox 61">
+            <a:extLst>
+              <a:ext uri="{FF2B5EF4-FFF2-40B4-BE49-F238E27FC236}">
+                <a16:creationId xmlns:a16="http://schemas.microsoft.com/office/drawing/2014/main" id="{53DB0441-4803-780F-E491-9684A0055579}"/>
+              </a:ext>
+            </a:extLst>
+          </p:cNvPr>
+          <p:cNvSpPr txBox="1"/>
+          <p:nvPr/>
+        </p:nvSpPr>
+        <p:spPr>
+          <a:xfrm>
+            <a:off x="4483482" y="6297352"/>
+            <a:ext cx="4838398" cy="338554"/>
+          </a:xfrm>
+          <a:prstGeom prst="rect">
+            <a:avLst/>
+          </a:prstGeom>
+          <a:noFill/>
+        </p:spPr>
+        <p:txBody>
+          <a:bodyPr wrap="square" rtlCol="0">
+            <a:spAutoFit/>
+          </a:bodyPr>
+          <a:lstStyle/>
+          <a:p>
+            <a:r>
+              <a:rPr kumimoji="1" lang="ko-KR" altLang="en-US" sz="1600" b="1" dirty="0"/>
+              <a:t>여기서</a:t>
+            </a:r>
+            <a:r>
+              <a:rPr kumimoji="1" lang="en-US" altLang="ko-KR" sz="1600" b="1" dirty="0"/>
+              <a:t>, Transistor 1</a:t>
+            </a:r>
+            <a:r>
+              <a:rPr kumimoji="1" lang="ko-KR" altLang="en-US" sz="1600" b="1" dirty="0"/>
+              <a:t>개의 단위를 </a:t>
+            </a:r>
+            <a:r>
+              <a:rPr kumimoji="1" lang="en-US" altLang="ko-KR" sz="1600" b="1" dirty="0"/>
+              <a:t>1bit</a:t>
+            </a:r>
+            <a:r>
+              <a:rPr kumimoji="1" lang="ko-KR" altLang="en-US" sz="1600" b="1" dirty="0"/>
+              <a:t>로 정의했다</a:t>
+            </a:r>
+            <a:r>
+              <a:rPr kumimoji="1" lang="en-US" altLang="ko-KR" sz="1600" b="1" dirty="0"/>
+              <a:t>.</a:t>
+            </a:r>
+            <a:endParaRPr kumimoji="1" lang="ko-KR" altLang="en-US" sz="1600" b="1" dirty="0"/>
+          </a:p>
+        </p:txBody>
+      </p:sp>
+    </p:spTree>
+    <p:extLst>
+      <p:ext uri="{BB962C8B-B14F-4D97-AF65-F5344CB8AC3E}">
+        <p14:creationId xmlns:p14="http://schemas.microsoft.com/office/powerpoint/2010/main" val="2084048083"/>
+      </p:ext>
+    </p:extLst>
+  </p:cSld>
+  <p:clrMapOvr>
+    <a:masterClrMapping/>
+  </p:clrMapOvr>
+</p:sld>
+</file>
+
+<file path=ppt/slides/slide20.xml><?xml version="1.0" encoding="utf-8"?>
 <p:sld xmlns:a="http://schemas.openxmlformats.org/drawingml/2006/main" xmlns:r="http://schemas.openxmlformats.org/officeDocument/2006/relationships" xmlns:p="http://schemas.openxmlformats.org/presentationml/2006/main">
   <p:cSld>
     <p:spTree>
@@ -34371,7 +33606,7 @@
 </p:sld>
 </file>
 
-<file path=ppt/slides/slide22.xml><?xml version="1.0" encoding="utf-8"?>
+<file path=ppt/slides/slide21.xml><?xml version="1.0" encoding="utf-8"?>
 <p:sld xmlns:a="http://schemas.openxmlformats.org/drawingml/2006/main" xmlns:r="http://schemas.openxmlformats.org/officeDocument/2006/relationships" xmlns:p="http://schemas.openxmlformats.org/presentationml/2006/main">
   <p:cSld>
     <p:spTree>
@@ -36573,6 +35808,348 @@
 </p:sld>
 </file>
 
+<file path=ppt/slides/slide22.xml><?xml version="1.0" encoding="utf-8"?>
+<p:sld xmlns:a="http://schemas.openxmlformats.org/drawingml/2006/main" xmlns:r="http://schemas.openxmlformats.org/officeDocument/2006/relationships" xmlns:p="http://schemas.openxmlformats.org/presentationml/2006/main">
+  <p:cSld>
+    <p:spTree>
+      <p:nvGrpSpPr>
+        <p:cNvPr id="1" name=""/>
+        <p:cNvGrpSpPr/>
+        <p:nvPr/>
+      </p:nvGrpSpPr>
+      <p:grpSpPr>
+        <a:xfrm>
+          <a:off x="0" y="0"/>
+          <a:ext cx="0" cy="0"/>
+          <a:chOff x="0" y="0"/>
+          <a:chExt cx="0" cy="0"/>
+        </a:xfrm>
+      </p:grpSpPr>
+      <p:sp>
+        <p:nvSpPr>
+          <p:cNvPr id="2" name="TextBox 1">
+            <a:extLst>
+              <a:ext uri="{FF2B5EF4-FFF2-40B4-BE49-F238E27FC236}">
+                <a16:creationId xmlns:a16="http://schemas.microsoft.com/office/drawing/2014/main" id="{3B0FF02A-31E9-76A7-F928-04D2575504ED}"/>
+              </a:ext>
+            </a:extLst>
+          </p:cNvPr>
+          <p:cNvSpPr txBox="1"/>
+          <p:nvPr/>
+        </p:nvSpPr>
+        <p:spPr>
+          <a:xfrm>
+            <a:off x="273320" y="250557"/>
+            <a:ext cx="6129866" cy="338554"/>
+          </a:xfrm>
+          <a:prstGeom prst="rect">
+            <a:avLst/>
+          </a:prstGeom>
+          <a:noFill/>
+        </p:spPr>
+        <p:txBody>
+          <a:bodyPr wrap="square" rtlCol="0">
+            <a:spAutoFit/>
+          </a:bodyPr>
+          <a:lstStyle/>
+          <a:p>
+            <a:r>
+              <a:rPr kumimoji="1" lang="en-US" altLang="ko-KR" sz="1600" dirty="0"/>
+              <a:t>Q2.1) </a:t>
+            </a:r>
+            <a:r>
+              <a:rPr kumimoji="1" lang="ko-KR" altLang="en-US" sz="1600" dirty="0" err="1"/>
+              <a:t>과정중</a:t>
+            </a:r>
+            <a:r>
+              <a:rPr kumimoji="1" lang="ko-KR" altLang="en-US" sz="1600" dirty="0"/>
+              <a:t> </a:t>
+            </a:r>
+            <a:r>
+              <a:rPr kumimoji="1" lang="en-US" altLang="ko-KR" sz="1600" dirty="0"/>
+              <a:t>Context Switching</a:t>
+            </a:r>
+            <a:r>
+              <a:rPr kumimoji="1" lang="ko-KR" altLang="en-US" sz="1600" dirty="0"/>
+              <a:t>에 대해서 설명해 </a:t>
+            </a:r>
+            <a:r>
+              <a:rPr kumimoji="1" lang="ko-KR" altLang="en-US" sz="1600" dirty="0" err="1"/>
+              <a:t>보시오</a:t>
+            </a:r>
+            <a:r>
+              <a:rPr kumimoji="1" lang="en-US" altLang="ko-KR" sz="1600" dirty="0"/>
+              <a:t>.</a:t>
+            </a:r>
+            <a:endParaRPr kumimoji="1" lang="ko-KR" altLang="en-US" sz="1600" dirty="0"/>
+          </a:p>
+        </p:txBody>
+      </p:sp>
+      <p:sp>
+        <p:nvSpPr>
+          <p:cNvPr id="3" name="TextBox 2">
+            <a:extLst>
+              <a:ext uri="{FF2B5EF4-FFF2-40B4-BE49-F238E27FC236}">
+                <a16:creationId xmlns:a16="http://schemas.microsoft.com/office/drawing/2014/main" id="{281C9714-3BE7-9A1D-B9E2-BE576C7C084D}"/>
+              </a:ext>
+            </a:extLst>
+          </p:cNvPr>
+          <p:cNvSpPr txBox="1"/>
+          <p:nvPr/>
+        </p:nvSpPr>
+        <p:spPr>
+          <a:xfrm>
+            <a:off x="273320" y="2873958"/>
+            <a:ext cx="6129866" cy="338554"/>
+          </a:xfrm>
+          <a:prstGeom prst="rect">
+            <a:avLst/>
+          </a:prstGeom>
+          <a:noFill/>
+        </p:spPr>
+        <p:txBody>
+          <a:bodyPr wrap="square" rtlCol="0">
+            <a:spAutoFit/>
+          </a:bodyPr>
+          <a:lstStyle/>
+          <a:p>
+            <a:r>
+              <a:rPr kumimoji="1" lang="en-US" altLang="ko-KR" sz="1600" dirty="0"/>
+              <a:t>Q2.2) Interrupt</a:t>
+            </a:r>
+            <a:r>
+              <a:rPr kumimoji="1" lang="ko-KR" altLang="en-US" sz="1600" dirty="0" err="1"/>
+              <a:t>를</a:t>
+            </a:r>
+            <a:r>
+              <a:rPr kumimoji="1" lang="ko-KR" altLang="en-US" sz="1600" dirty="0"/>
+              <a:t> 거는 주체가 누구인지에 대해 </a:t>
+            </a:r>
+            <a:r>
+              <a:rPr kumimoji="1" lang="ko-KR" altLang="en-US" sz="1600" dirty="0" err="1"/>
+              <a:t>설명해보시오</a:t>
+            </a:r>
+            <a:endParaRPr kumimoji="1" lang="ko-KR" altLang="en-US" sz="1600" dirty="0"/>
+          </a:p>
+        </p:txBody>
+      </p:sp>
+      <p:sp>
+        <p:nvSpPr>
+          <p:cNvPr id="8" name="TextBox 7">
+            <a:extLst>
+              <a:ext uri="{FF2B5EF4-FFF2-40B4-BE49-F238E27FC236}">
+                <a16:creationId xmlns:a16="http://schemas.microsoft.com/office/drawing/2014/main" id="{B5B49FB5-BC1F-A5A7-9F9B-98B7B6643104}"/>
+              </a:ext>
+            </a:extLst>
+          </p:cNvPr>
+          <p:cNvSpPr txBox="1"/>
+          <p:nvPr/>
+        </p:nvSpPr>
+        <p:spPr>
+          <a:xfrm>
+            <a:off x="515154" y="759853"/>
+            <a:ext cx="11140225" cy="1569660"/>
+          </a:xfrm>
+          <a:prstGeom prst="rect">
+            <a:avLst/>
+          </a:prstGeom>
+          <a:noFill/>
+        </p:spPr>
+        <p:txBody>
+          <a:bodyPr wrap="square" rtlCol="0">
+            <a:spAutoFit/>
+          </a:bodyPr>
+          <a:lstStyle/>
+          <a:p>
+            <a:r>
+              <a:rPr kumimoji="1" lang="en-US" altLang="ko-KR" sz="1600" dirty="0"/>
+              <a:t> Thread</a:t>
+            </a:r>
+            <a:r>
+              <a:rPr kumimoji="1" lang="ko-KR" altLang="en-US" sz="1600" dirty="0"/>
+              <a:t>는 하나의 작업 단위이며</a:t>
+            </a:r>
+            <a:r>
+              <a:rPr kumimoji="1" lang="en-US" altLang="ko-KR" sz="1600" dirty="0"/>
+              <a:t>, </a:t>
+            </a:r>
+            <a:r>
+              <a:rPr kumimoji="1" lang="ko-KR" altLang="en-US" sz="1600" dirty="0"/>
+              <a:t>작업은 보통 흐름이 존재한다</a:t>
+            </a:r>
+            <a:r>
+              <a:rPr kumimoji="1" lang="en-US" altLang="ko-KR" sz="1600" dirty="0"/>
+              <a:t>. </a:t>
+            </a:r>
+            <a:r>
+              <a:rPr kumimoji="1" lang="ko-KR" altLang="en-US" sz="1600" dirty="0"/>
+              <a:t>이걸 </a:t>
+            </a:r>
+            <a:r>
+              <a:rPr kumimoji="1" lang="en-US" altLang="ko-KR" sz="1600" dirty="0"/>
+              <a:t>Context</a:t>
+            </a:r>
+            <a:r>
+              <a:rPr kumimoji="1" lang="ko-KR" altLang="en-US" sz="1600" dirty="0"/>
+              <a:t>라 하며</a:t>
+            </a:r>
+            <a:r>
+              <a:rPr kumimoji="1" lang="en-US" altLang="ko-KR" sz="1600" dirty="0"/>
+              <a:t>, Time sharing</a:t>
+            </a:r>
+            <a:r>
+              <a:rPr kumimoji="1" lang="ko-KR" altLang="en-US" sz="1600" dirty="0"/>
+              <a:t>에 의해 </a:t>
+            </a:r>
+            <a:r>
+              <a:rPr kumimoji="1" lang="en-US" altLang="ko-KR" sz="1600" dirty="0"/>
+              <a:t>Thread</a:t>
+            </a:r>
+            <a:r>
+              <a:rPr kumimoji="1" lang="ko-KR" altLang="en-US" sz="1600" dirty="0"/>
+              <a:t>들이 번갈아 작업이 진행되게 된다</a:t>
+            </a:r>
+            <a:r>
+              <a:rPr kumimoji="1" lang="en-US" altLang="ko-KR" sz="1600" dirty="0"/>
+              <a:t>. </a:t>
+            </a:r>
+            <a:r>
+              <a:rPr kumimoji="1" lang="ko-KR" altLang="en-US" sz="1600" dirty="0"/>
+              <a:t>이렇게 작업의 단위가 </a:t>
+            </a:r>
+            <a:r>
+              <a:rPr kumimoji="1" lang="ko-KR" altLang="en-US" sz="1600" dirty="0" err="1"/>
+              <a:t>바뀌는것을</a:t>
+            </a:r>
+            <a:r>
+              <a:rPr kumimoji="1" lang="ko-KR" altLang="en-US" sz="1600" dirty="0"/>
+              <a:t> 작업의 흐름이 </a:t>
+            </a:r>
+            <a:r>
+              <a:rPr kumimoji="1" lang="ko-KR" altLang="en-US" sz="1600" dirty="0" err="1"/>
+              <a:t>바뀐다하여</a:t>
+            </a:r>
+            <a:r>
+              <a:rPr kumimoji="1" lang="ko-KR" altLang="en-US" sz="1600" dirty="0"/>
+              <a:t> </a:t>
+            </a:r>
+            <a:r>
+              <a:rPr kumimoji="1" lang="en-US" altLang="ko-KR" sz="1600" dirty="0"/>
+              <a:t>Context Switching</a:t>
+            </a:r>
+            <a:r>
+              <a:rPr kumimoji="1" lang="ko-KR" altLang="en-US" sz="1600" dirty="0"/>
+              <a:t>이라 한다</a:t>
+            </a:r>
+            <a:r>
+              <a:rPr kumimoji="1" lang="en-US" altLang="ko-KR" sz="1600" dirty="0"/>
+              <a:t>. </a:t>
+            </a:r>
+            <a:r>
+              <a:rPr kumimoji="1" lang="ko-KR" altLang="en-US" sz="1600" dirty="0"/>
+              <a:t>이때 일반적으로 </a:t>
+            </a:r>
+            <a:r>
+              <a:rPr kumimoji="1" lang="en-US" altLang="ko-KR" sz="1600" dirty="0"/>
+              <a:t>Overhead</a:t>
+            </a:r>
+            <a:r>
+              <a:rPr kumimoji="1" lang="ko-KR" altLang="en-US" sz="1600" dirty="0"/>
+              <a:t>가 발생한다</a:t>
+            </a:r>
+            <a:r>
+              <a:rPr kumimoji="1" lang="en-US" altLang="ko-KR" sz="1600" dirty="0"/>
+              <a:t>. </a:t>
+            </a:r>
+          </a:p>
+          <a:p>
+            <a:endParaRPr kumimoji="1" lang="en-US" altLang="ko-KR" sz="1600" dirty="0"/>
+          </a:p>
+          <a:p>
+            <a:r>
+              <a:rPr kumimoji="1" lang="ko-KR" altLang="en-US" sz="1600" dirty="0"/>
+              <a:t>더 나아가 </a:t>
+            </a:r>
+            <a:r>
+              <a:rPr kumimoji="1" lang="en-US" altLang="ko-KR" sz="1600" dirty="0"/>
+              <a:t>Thread</a:t>
+            </a:r>
+            <a:r>
+              <a:rPr kumimoji="1" lang="ko-KR" altLang="en-US" sz="1600" dirty="0"/>
+              <a:t>가 아니라 </a:t>
+            </a:r>
+            <a:r>
+              <a:rPr kumimoji="1" lang="en-US" altLang="ko-KR" sz="1600" dirty="0"/>
+              <a:t>Process</a:t>
+            </a:r>
+            <a:r>
+              <a:rPr kumimoji="1" lang="ko-KR" altLang="en-US" sz="1600" dirty="0"/>
+              <a:t>단위로 </a:t>
+            </a:r>
+            <a:r>
+              <a:rPr kumimoji="1" lang="en-US" altLang="ko-KR" sz="1600" dirty="0"/>
+              <a:t>Context Switch</a:t>
+            </a:r>
+            <a:r>
+              <a:rPr kumimoji="1" lang="ko-KR" altLang="en-US" sz="1600" dirty="0"/>
+              <a:t>가 일어나기도 한다</a:t>
+            </a:r>
+            <a:r>
+              <a:rPr kumimoji="1" lang="en-US" altLang="ko-KR" sz="1600" dirty="0"/>
+              <a:t>. </a:t>
+            </a:r>
+            <a:r>
+              <a:rPr kumimoji="1" lang="ko-KR" altLang="en-US" sz="1600" dirty="0"/>
+              <a:t>일반적으로 </a:t>
+            </a:r>
+            <a:r>
+              <a:rPr kumimoji="1" lang="en-US" altLang="ko-KR" sz="1600" dirty="0"/>
+              <a:t>Process Context Switch</a:t>
+            </a:r>
+            <a:r>
+              <a:rPr kumimoji="1" lang="ko-KR" altLang="en-US" sz="1600" dirty="0"/>
+              <a:t>가 </a:t>
+            </a:r>
+            <a:r>
+              <a:rPr kumimoji="1" lang="en-US" altLang="ko-KR" sz="1600" dirty="0"/>
+              <a:t>MMU</a:t>
+            </a:r>
+            <a:r>
+              <a:rPr kumimoji="1" lang="ko-KR" altLang="en-US" sz="1600" dirty="0"/>
+              <a:t>등 메모리 관련된 것을 재조정해야 하기때문에 </a:t>
+            </a:r>
+            <a:r>
+              <a:rPr kumimoji="1" lang="en-US" altLang="ko-KR" sz="1600" dirty="0"/>
+              <a:t>Thread Context Switch</a:t>
+            </a:r>
+            <a:r>
+              <a:rPr kumimoji="1" lang="ko-KR" altLang="en-US" sz="1600" dirty="0"/>
+              <a:t>보다 </a:t>
+            </a:r>
+            <a:r>
+              <a:rPr kumimoji="1" lang="en-US" altLang="ko-KR" sz="1600" dirty="0"/>
+              <a:t>Overhead</a:t>
+            </a:r>
+            <a:r>
+              <a:rPr kumimoji="1" lang="ko-KR" altLang="en-US" sz="1600" dirty="0"/>
+              <a:t>가 더 크다</a:t>
+            </a:r>
+          </a:p>
+        </p:txBody>
+      </p:sp>
+    </p:spTree>
+    <p:extLst>
+      <p:ext uri="{BB962C8B-B14F-4D97-AF65-F5344CB8AC3E}">
+        <p14:creationId xmlns:p14="http://schemas.microsoft.com/office/powerpoint/2010/main" val="3202208965"/>
+      </p:ext>
+    </p:extLst>
+  </p:cSld>
+  <p:clrMapOvr>
+    <a:masterClrMapping/>
+  </p:clrMapOvr>
+</p:sld>
+</file>
+
 <file path=ppt/slides/slide23.xml><?xml version="1.0" encoding="utf-8"?>
 <p:sld xmlns:a="http://schemas.openxmlformats.org/drawingml/2006/main" xmlns:r="http://schemas.openxmlformats.org/officeDocument/2006/relationships" xmlns:p="http://schemas.openxmlformats.org/presentationml/2006/main">
   <p:cSld>
@@ -36595,7 +36172,7 @@
           <p:cNvPr id="2" name="TextBox 1">
             <a:extLst>
               <a:ext uri="{FF2B5EF4-FFF2-40B4-BE49-F238E27FC236}">
-                <a16:creationId xmlns:a16="http://schemas.microsoft.com/office/drawing/2014/main" id="{3B0FF02A-31E9-76A7-F928-04D2575504ED}"/>
+                <a16:creationId xmlns:a16="http://schemas.microsoft.com/office/drawing/2014/main" id="{A09F0C74-C86F-1C36-4837-020D358F34B9}"/>
               </a:ext>
             </a:extLst>
           </p:cNvPr>
@@ -36604,8 +36181,8 @@
         </p:nvSpPr>
         <p:spPr>
           <a:xfrm>
-            <a:off x="273320" y="250557"/>
-            <a:ext cx="6129866" cy="338554"/>
+            <a:off x="485421" y="345203"/>
+            <a:ext cx="9358489" cy="369332"/>
           </a:xfrm>
           <a:prstGeom prst="rect">
             <a:avLst/>
@@ -36619,34 +36196,22 @@
           <a:lstStyle/>
           <a:p>
             <a:r>
-              <a:rPr kumimoji="1" lang="en-US" altLang="ko-KR" sz="1600" dirty="0"/>
-              <a:t>Q2.1) </a:t>
-            </a:r>
-            <a:r>
-              <a:rPr kumimoji="1" lang="ko-KR" altLang="en-US" sz="1600" dirty="0" err="1"/>
-              <a:t>과정중</a:t>
-            </a:r>
-            <a:r>
-              <a:rPr kumimoji="1" lang="ko-KR" altLang="en-US" sz="1600" dirty="0"/>
-              <a:t> </a:t>
-            </a:r>
-            <a:r>
-              <a:rPr kumimoji="1" lang="en-US" altLang="ko-KR" sz="1600" dirty="0"/>
-              <a:t>Context Switching</a:t>
-            </a:r>
-            <a:r>
-              <a:rPr kumimoji="1" lang="ko-KR" altLang="en-US" sz="1600" dirty="0"/>
-              <a:t>에 대해서 설명해 </a:t>
-            </a:r>
-            <a:r>
-              <a:rPr kumimoji="1" lang="ko-KR" altLang="en-US" sz="1600" dirty="0" err="1"/>
-              <a:t>보시오</a:t>
-            </a:r>
-            <a:r>
-              <a:rPr kumimoji="1" lang="en-US" altLang="ko-KR" sz="1600" dirty="0"/>
+              <a:rPr kumimoji="1" lang="en-US" altLang="ko-KR" dirty="0"/>
+              <a:t>Q3) Blocking / Non-Blocking I/O</a:t>
+            </a:r>
+            <a:r>
+              <a:rPr kumimoji="1" lang="ko-KR" altLang="en-US" dirty="0"/>
+              <a:t>에 대해서 </a:t>
+            </a:r>
+            <a:r>
+              <a:rPr kumimoji="1" lang="ko-KR" altLang="en-US" dirty="0" err="1"/>
+              <a:t>설명해보시오</a:t>
+            </a:r>
+            <a:r>
+              <a:rPr kumimoji="1" lang="en-US" altLang="ko-KR" dirty="0"/>
               <a:t>.</a:t>
             </a:r>
-            <a:endParaRPr kumimoji="1" lang="ko-KR" altLang="en-US" sz="1600" dirty="0"/>
+            <a:endParaRPr kumimoji="1" lang="ko-KR" altLang="en-US" dirty="0"/>
           </a:p>
         </p:txBody>
       </p:sp>
@@ -36655,7 +36220,7 @@
           <p:cNvPr id="3" name="TextBox 2">
             <a:extLst>
               <a:ext uri="{FF2B5EF4-FFF2-40B4-BE49-F238E27FC236}">
-                <a16:creationId xmlns:a16="http://schemas.microsoft.com/office/drawing/2014/main" id="{281C9714-3BE7-9A1D-B9E2-BE576C7C084D}"/>
+                <a16:creationId xmlns:a16="http://schemas.microsoft.com/office/drawing/2014/main" id="{8BD3895B-3919-92F7-C83A-E6F2BB3B3B73}"/>
               </a:ext>
             </a:extLst>
           </p:cNvPr>
@@ -36664,8 +36229,8 @@
         </p:nvSpPr>
         <p:spPr>
           <a:xfrm>
-            <a:off x="273320" y="2873958"/>
-            <a:ext cx="6129866" cy="338554"/>
+            <a:off x="485421" y="2841558"/>
+            <a:ext cx="9358489" cy="369332"/>
           </a:xfrm>
           <a:prstGeom prst="rect">
             <a:avLst/>
@@ -36679,233 +36244,33 @@
           <a:lstStyle/>
           <a:p>
             <a:r>
-              <a:rPr kumimoji="1" lang="en-US" altLang="ko-KR" sz="1600" dirty="0"/>
-              <a:t>Q2.2) Interrupt</a:t>
-            </a:r>
-            <a:r>
-              <a:rPr kumimoji="1" lang="ko-KR" altLang="en-US" sz="1600" dirty="0" err="1"/>
-              <a:t>를</a:t>
-            </a:r>
-            <a:r>
-              <a:rPr kumimoji="1" lang="ko-KR" altLang="en-US" sz="1600" dirty="0"/>
-              <a:t> 거는 주체가 누구인지에 대해 </a:t>
-            </a:r>
-            <a:r>
-              <a:rPr kumimoji="1" lang="ko-KR" altLang="en-US" sz="1600" dirty="0" err="1"/>
+              <a:rPr kumimoji="1" lang="en-US" altLang="ko-KR" dirty="0"/>
+              <a:t>Q4) </a:t>
+            </a:r>
+            <a:r>
+              <a:rPr kumimoji="1" lang="ko-KR" altLang="en-US" dirty="0"/>
+              <a:t>비트연산과 </a:t>
+            </a:r>
+            <a:r>
+              <a:rPr kumimoji="1" lang="ko-KR" altLang="en-US" dirty="0" err="1"/>
+              <a:t>엔디안에</a:t>
+            </a:r>
+            <a:r>
+              <a:rPr kumimoji="1" lang="ko-KR" altLang="en-US" dirty="0"/>
+              <a:t> 대해 </a:t>
+            </a:r>
+            <a:r>
+              <a:rPr kumimoji="1" lang="ko-KR" altLang="en-US" dirty="0" err="1"/>
               <a:t>설명해보시오</a:t>
             </a:r>
-            <a:endParaRPr kumimoji="1" lang="ko-KR" altLang="en-US" sz="1600" dirty="0"/>
-          </a:p>
-        </p:txBody>
-      </p:sp>
-      <p:sp>
-        <p:nvSpPr>
-          <p:cNvPr id="8" name="TextBox 7">
-            <a:extLst>
-              <a:ext uri="{FF2B5EF4-FFF2-40B4-BE49-F238E27FC236}">
-                <a16:creationId xmlns:a16="http://schemas.microsoft.com/office/drawing/2014/main" id="{B5B49FB5-BC1F-A5A7-9F9B-98B7B6643104}"/>
-              </a:ext>
-            </a:extLst>
-          </p:cNvPr>
-          <p:cNvSpPr txBox="1"/>
-          <p:nvPr/>
-        </p:nvSpPr>
-        <p:spPr>
-          <a:xfrm>
-            <a:off x="515154" y="759853"/>
-            <a:ext cx="11140225" cy="1569660"/>
-          </a:xfrm>
-          <a:prstGeom prst="rect">
-            <a:avLst/>
-          </a:prstGeom>
-          <a:noFill/>
-        </p:spPr>
-        <p:txBody>
-          <a:bodyPr wrap="square" rtlCol="0">
-            <a:spAutoFit/>
-          </a:bodyPr>
-          <a:lstStyle/>
-          <a:p>
-            <a:r>
-              <a:rPr kumimoji="1" lang="en-US" altLang="ko-KR" sz="1600" dirty="0"/>
-              <a:t> Thread</a:t>
-            </a:r>
-            <a:r>
-              <a:rPr kumimoji="1" lang="ko-KR" altLang="en-US" sz="1600" dirty="0"/>
-              <a:t>는 하나의 작업 단위이며</a:t>
-            </a:r>
-            <a:r>
-              <a:rPr kumimoji="1" lang="en-US" altLang="ko-KR" sz="1600" dirty="0"/>
-              <a:t>, </a:t>
-            </a:r>
-            <a:r>
-              <a:rPr kumimoji="1" lang="ko-KR" altLang="en-US" sz="1600" dirty="0"/>
-              <a:t>작업은 보통 흐름이 존재한다</a:t>
-            </a:r>
-            <a:r>
-              <a:rPr kumimoji="1" lang="en-US" altLang="ko-KR" sz="1600" dirty="0"/>
-              <a:t>. </a:t>
-            </a:r>
-            <a:r>
-              <a:rPr kumimoji="1" lang="ko-KR" altLang="en-US" sz="1600" dirty="0"/>
-              <a:t>이걸 </a:t>
-            </a:r>
-            <a:r>
-              <a:rPr kumimoji="1" lang="en-US" altLang="ko-KR" sz="1600" dirty="0"/>
-              <a:t>Context</a:t>
-            </a:r>
-            <a:r>
-              <a:rPr kumimoji="1" lang="ko-KR" altLang="en-US" sz="1600" dirty="0"/>
-              <a:t>라 하며</a:t>
-            </a:r>
-            <a:r>
-              <a:rPr kumimoji="1" lang="en-US" altLang="ko-KR" sz="1600" dirty="0"/>
-              <a:t>, Time sharing</a:t>
-            </a:r>
-            <a:r>
-              <a:rPr kumimoji="1" lang="ko-KR" altLang="en-US" sz="1600" dirty="0"/>
-              <a:t>에 의해 </a:t>
-            </a:r>
-            <a:r>
-              <a:rPr kumimoji="1" lang="en-US" altLang="ko-KR" sz="1600" dirty="0"/>
-              <a:t>Thread</a:t>
-            </a:r>
-            <a:r>
-              <a:rPr kumimoji="1" lang="ko-KR" altLang="en-US" sz="1600" dirty="0"/>
-              <a:t>들이 번갈아 작업이 진행되게 된다</a:t>
-            </a:r>
-            <a:r>
-              <a:rPr kumimoji="1" lang="en-US" altLang="ko-KR" sz="1600" dirty="0"/>
-              <a:t>. </a:t>
-            </a:r>
-            <a:r>
-              <a:rPr kumimoji="1" lang="ko-KR" altLang="en-US" sz="1600" dirty="0"/>
-              <a:t>이렇게 작업의 단위가 </a:t>
-            </a:r>
-            <a:r>
-              <a:rPr kumimoji="1" lang="ko-KR" altLang="en-US" sz="1600" dirty="0" err="1"/>
-              <a:t>바뀌는것을</a:t>
-            </a:r>
-            <a:r>
-              <a:rPr kumimoji="1" lang="ko-KR" altLang="en-US" sz="1600" dirty="0"/>
-              <a:t> 작업의 흐름이 </a:t>
-            </a:r>
-            <a:r>
-              <a:rPr kumimoji="1" lang="ko-KR" altLang="en-US" sz="1600" dirty="0" err="1"/>
-              <a:t>바뀐다하여</a:t>
-            </a:r>
-            <a:r>
-              <a:rPr kumimoji="1" lang="ko-KR" altLang="en-US" sz="1600" dirty="0"/>
-              <a:t> </a:t>
-            </a:r>
-            <a:r>
-              <a:rPr kumimoji="1" lang="en-US" altLang="ko-KR" sz="1600" dirty="0"/>
-              <a:t>Context Switching</a:t>
-            </a:r>
-            <a:r>
-              <a:rPr kumimoji="1" lang="ko-KR" altLang="en-US" sz="1600" dirty="0"/>
-              <a:t>이라 한다</a:t>
-            </a:r>
-            <a:r>
-              <a:rPr kumimoji="1" lang="en-US" altLang="ko-KR" sz="1600" dirty="0"/>
-              <a:t>. </a:t>
-            </a:r>
-            <a:r>
-              <a:rPr kumimoji="1" lang="ko-KR" altLang="en-US" sz="1600" dirty="0"/>
-              <a:t>이때 일반적으로 </a:t>
-            </a:r>
-            <a:r>
-              <a:rPr kumimoji="1" lang="en-US" altLang="ko-KR" sz="1600" dirty="0"/>
-              <a:t>Overhead</a:t>
-            </a:r>
-            <a:r>
-              <a:rPr kumimoji="1" lang="ko-KR" altLang="en-US" sz="1600" dirty="0"/>
-              <a:t>가 발생한다</a:t>
-            </a:r>
-            <a:r>
-              <a:rPr kumimoji="1" lang="en-US" altLang="ko-KR" sz="1600" dirty="0"/>
-              <a:t>. </a:t>
-            </a:r>
-          </a:p>
-          <a:p>
-            <a:endParaRPr kumimoji="1" lang="en-US" altLang="ko-KR" sz="1600" dirty="0"/>
-          </a:p>
-          <a:p>
-            <a:r>
-              <a:rPr kumimoji="1" lang="ko-KR" altLang="en-US" sz="1600" dirty="0"/>
-              <a:t>더 나아가 </a:t>
-            </a:r>
-            <a:r>
-              <a:rPr kumimoji="1" lang="en-US" altLang="ko-KR" sz="1600" dirty="0"/>
-              <a:t>Thread</a:t>
-            </a:r>
-            <a:r>
-              <a:rPr kumimoji="1" lang="ko-KR" altLang="en-US" sz="1600" dirty="0"/>
-              <a:t>가 아니라 </a:t>
-            </a:r>
-            <a:r>
-              <a:rPr kumimoji="1" lang="en-US" altLang="ko-KR" sz="1600" dirty="0"/>
-              <a:t>Process</a:t>
-            </a:r>
-            <a:r>
-              <a:rPr kumimoji="1" lang="ko-KR" altLang="en-US" sz="1600" dirty="0"/>
-              <a:t>단위로 </a:t>
-            </a:r>
-            <a:r>
-              <a:rPr kumimoji="1" lang="en-US" altLang="ko-KR" sz="1600" dirty="0"/>
-              <a:t>Context Switch</a:t>
-            </a:r>
-            <a:r>
-              <a:rPr kumimoji="1" lang="ko-KR" altLang="en-US" sz="1600" dirty="0"/>
-              <a:t>가 일어나기도 한다</a:t>
-            </a:r>
-            <a:r>
-              <a:rPr kumimoji="1" lang="en-US" altLang="ko-KR" sz="1600" dirty="0"/>
-              <a:t>. </a:t>
-            </a:r>
-            <a:r>
-              <a:rPr kumimoji="1" lang="ko-KR" altLang="en-US" sz="1600" dirty="0"/>
-              <a:t>일반적으로 </a:t>
-            </a:r>
-            <a:r>
-              <a:rPr kumimoji="1" lang="en-US" altLang="ko-KR" sz="1600" dirty="0"/>
-              <a:t>Process Context Switch</a:t>
-            </a:r>
-            <a:r>
-              <a:rPr kumimoji="1" lang="ko-KR" altLang="en-US" sz="1600" dirty="0"/>
-              <a:t>가 </a:t>
-            </a:r>
-            <a:r>
-              <a:rPr kumimoji="1" lang="en-US" altLang="ko-KR" sz="1600" dirty="0"/>
-              <a:t>MMU</a:t>
-            </a:r>
-            <a:r>
-              <a:rPr kumimoji="1" lang="ko-KR" altLang="en-US" sz="1600" dirty="0"/>
-              <a:t>등 메모리 관련된 것을 재조정해야 하기때문에 </a:t>
-            </a:r>
-            <a:r>
-              <a:rPr kumimoji="1" lang="en-US" altLang="ko-KR" sz="1600" dirty="0"/>
-              <a:t>Thread Context Switch</a:t>
-            </a:r>
-            <a:r>
-              <a:rPr kumimoji="1" lang="ko-KR" altLang="en-US" sz="1600" dirty="0"/>
-              <a:t>보다 </a:t>
-            </a:r>
-            <a:r>
-              <a:rPr kumimoji="1" lang="en-US" altLang="ko-KR" sz="1600" dirty="0"/>
-              <a:t>Overhead</a:t>
-            </a:r>
-            <a:r>
-              <a:rPr kumimoji="1" lang="ko-KR" altLang="en-US" sz="1600" dirty="0"/>
-              <a:t>가 더 크다</a:t>
-            </a:r>
+            <a:endParaRPr kumimoji="1" lang="ko-KR" altLang="en-US" dirty="0"/>
           </a:p>
         </p:txBody>
       </p:sp>
     </p:spTree>
     <p:extLst>
       <p:ext uri="{BB962C8B-B14F-4D97-AF65-F5344CB8AC3E}">
-        <p14:creationId xmlns:p14="http://schemas.microsoft.com/office/powerpoint/2010/main" val="3202208965"/>
+        <p14:creationId xmlns:p14="http://schemas.microsoft.com/office/powerpoint/2010/main" val="3665004036"/>
       </p:ext>
     </p:extLst>
   </p:cSld>
@@ -36962,67 +36327,11 @@
           <a:p>
             <a:r>
               <a:rPr kumimoji="1" lang="en-US" altLang="ko-KR" dirty="0"/>
-              <a:t>Q3) Blocking / Non-Blocking I/O</a:t>
+              <a:t>Q5) </a:t>
             </a:r>
             <a:r>
               <a:rPr kumimoji="1" lang="ko-KR" altLang="en-US" dirty="0"/>
-              <a:t>에 대해서 </a:t>
-            </a:r>
-            <a:r>
-              <a:rPr kumimoji="1" lang="ko-KR" altLang="en-US" dirty="0" err="1"/>
-              <a:t>설명해보시오</a:t>
-            </a:r>
-            <a:r>
-              <a:rPr kumimoji="1" lang="en-US" altLang="ko-KR" dirty="0"/>
-              <a:t>.</a:t>
-            </a:r>
-            <a:endParaRPr kumimoji="1" lang="ko-KR" altLang="en-US" dirty="0"/>
-          </a:p>
-        </p:txBody>
-      </p:sp>
-      <p:sp>
-        <p:nvSpPr>
-          <p:cNvPr id="3" name="TextBox 2">
-            <a:extLst>
-              <a:ext uri="{FF2B5EF4-FFF2-40B4-BE49-F238E27FC236}">
-                <a16:creationId xmlns:a16="http://schemas.microsoft.com/office/drawing/2014/main" id="{8BD3895B-3919-92F7-C83A-E6F2BB3B3B73}"/>
-              </a:ext>
-            </a:extLst>
-          </p:cNvPr>
-          <p:cNvSpPr txBox="1"/>
-          <p:nvPr/>
-        </p:nvSpPr>
-        <p:spPr>
-          <a:xfrm>
-            <a:off x="485421" y="2841558"/>
-            <a:ext cx="9358489" cy="369332"/>
-          </a:xfrm>
-          <a:prstGeom prst="rect">
-            <a:avLst/>
-          </a:prstGeom>
-          <a:noFill/>
-        </p:spPr>
-        <p:txBody>
-          <a:bodyPr wrap="square" rtlCol="0">
-            <a:spAutoFit/>
-          </a:bodyPr>
-          <a:lstStyle/>
-          <a:p>
-            <a:r>
-              <a:rPr kumimoji="1" lang="en-US" altLang="ko-KR" dirty="0"/>
-              <a:t>Q4) </a:t>
-            </a:r>
-            <a:r>
-              <a:rPr kumimoji="1" lang="ko-KR" altLang="en-US" dirty="0"/>
-              <a:t>비트연산과 </a:t>
-            </a:r>
-            <a:r>
-              <a:rPr kumimoji="1" lang="ko-KR" altLang="en-US" dirty="0" err="1"/>
-              <a:t>엔디안에</a:t>
-            </a:r>
-            <a:r>
-              <a:rPr kumimoji="1" lang="ko-KR" altLang="en-US" dirty="0"/>
-              <a:t> 대해 </a:t>
+              <a:t>컴퓨터의 데이터와 비트에 대해서 </a:t>
             </a:r>
             <a:r>
               <a:rPr kumimoji="1" lang="ko-KR" altLang="en-US" dirty="0" err="1"/>
@@ -37035,7 +36344,7 @@
     </p:spTree>
     <p:extLst>
       <p:ext uri="{BB962C8B-B14F-4D97-AF65-F5344CB8AC3E}">
-        <p14:creationId xmlns:p14="http://schemas.microsoft.com/office/powerpoint/2010/main" val="3665004036"/>
+        <p14:creationId xmlns:p14="http://schemas.microsoft.com/office/powerpoint/2010/main" val="2856679831"/>
       </p:ext>
     </p:extLst>
   </p:cSld>
@@ -37092,24 +36401,182 @@
           <a:p>
             <a:r>
               <a:rPr kumimoji="1" lang="en-US" altLang="ko-KR" dirty="0"/>
-              <a:t>Q5) </a:t>
+              <a:t>Q6) </a:t>
+            </a:r>
+            <a:r>
+              <a:rPr kumimoji="1" lang="ko-KR" altLang="en-US" dirty="0" err="1"/>
+              <a:t>전위식</a:t>
             </a:r>
             <a:r>
               <a:rPr kumimoji="1" lang="ko-KR" altLang="en-US" dirty="0"/>
-              <a:t>컴퓨터의 데이터와 비트에 대해서 </a:t>
+              <a:t> </a:t>
+            </a:r>
+            <a:r>
+              <a:rPr kumimoji="1" lang="ko-KR" altLang="en-US" dirty="0" err="1"/>
+              <a:t>후위식</a:t>
+            </a:r>
+            <a:r>
+              <a:rPr kumimoji="1" lang="ko-KR" altLang="en-US" dirty="0"/>
+              <a:t> 단한 증감연산자에 대해서 </a:t>
             </a:r>
             <a:r>
               <a:rPr kumimoji="1" lang="ko-KR" altLang="en-US" dirty="0" err="1"/>
               <a:t>설명해보시오</a:t>
             </a:r>
             <a:endParaRPr kumimoji="1" lang="ko-KR" altLang="en-US" dirty="0"/>
+          </a:p>
+        </p:txBody>
+      </p:sp>
+      <p:sp>
+        <p:nvSpPr>
+          <p:cNvPr id="3" name="TextBox 2">
+            <a:extLst>
+              <a:ext uri="{FF2B5EF4-FFF2-40B4-BE49-F238E27FC236}">
+                <a16:creationId xmlns:a16="http://schemas.microsoft.com/office/drawing/2014/main" id="{8A89A4BC-44D4-1F80-ED53-2AF5C89E5F3B}"/>
+              </a:ext>
+            </a:extLst>
+          </p:cNvPr>
+          <p:cNvSpPr txBox="1"/>
+          <p:nvPr/>
+        </p:nvSpPr>
+        <p:spPr>
+          <a:xfrm>
+            <a:off x="978794" y="991673"/>
+            <a:ext cx="5847009" cy="3970318"/>
+          </a:xfrm>
+          <a:prstGeom prst="rect">
+            <a:avLst/>
+          </a:prstGeom>
+          <a:noFill/>
+        </p:spPr>
+        <p:txBody>
+          <a:bodyPr wrap="square" rtlCol="0">
+            <a:spAutoFit/>
+          </a:bodyPr>
+          <a:lstStyle/>
+          <a:p>
+            <a:r>
+              <a:rPr kumimoji="1" lang="en-US" altLang="ko-KR" dirty="0"/>
+              <a:t>int x = 0, </a:t>
+            </a:r>
+            <a:r>
+              <a:rPr kumimoji="1" lang="en-US" altLang="ko-KR" dirty="0" err="1"/>
+              <a:t>nResult</a:t>
+            </a:r>
+            <a:r>
+              <a:rPr kumimoji="1" lang="en-US" altLang="ko-KR" dirty="0"/>
+              <a:t> = 0;</a:t>
+            </a:r>
+          </a:p>
+          <a:p>
+            <a:endParaRPr kumimoji="1" lang="en-US" altLang="ko-KR" dirty="0"/>
+          </a:p>
+          <a:p>
+            <a:r>
+              <a:rPr kumimoji="1" lang="en-US" altLang="ko-KR" dirty="0"/>
+              <a:t>++x;</a:t>
+            </a:r>
+          </a:p>
+          <a:p>
+            <a:r>
+              <a:rPr kumimoji="1" lang="en-US" altLang="ko-KR" dirty="0" err="1"/>
+              <a:t>printf</a:t>
+            </a:r>
+            <a:r>
+              <a:rPr kumimoji="1" lang="en-US" altLang="ko-KR" dirty="0"/>
+              <a:t>(“%d\n”, x);</a:t>
+            </a:r>
+          </a:p>
+          <a:p>
+            <a:endParaRPr kumimoji="1" lang="en-US" altLang="ko-KR" dirty="0"/>
+          </a:p>
+          <a:p>
+            <a:r>
+              <a:rPr kumimoji="1" lang="en-US" altLang="ko-KR" dirty="0"/>
+              <a:t>x++;</a:t>
+            </a:r>
+          </a:p>
+          <a:p>
+            <a:r>
+              <a:rPr kumimoji="1" lang="en-US" altLang="ko-KR" dirty="0" err="1"/>
+              <a:t>printf</a:t>
+            </a:r>
+            <a:r>
+              <a:rPr kumimoji="1" lang="en-US" altLang="ko-KR" dirty="0"/>
+              <a:t>(“%d\n”, x);</a:t>
+            </a:r>
+          </a:p>
+          <a:p>
+            <a:endParaRPr kumimoji="1" lang="en-US" altLang="ko-KR" dirty="0"/>
+          </a:p>
+          <a:p>
+            <a:r>
+              <a:rPr kumimoji="1" lang="en-US" altLang="ko-KR" dirty="0" err="1"/>
+              <a:t>nResult</a:t>
+            </a:r>
+            <a:r>
+              <a:rPr kumimoji="1" lang="en-US" altLang="ko-KR" dirty="0"/>
+              <a:t> = ++x;</a:t>
+            </a:r>
+          </a:p>
+          <a:p>
+            <a:r>
+              <a:rPr kumimoji="1" lang="en-US" altLang="ko-KR" dirty="0" err="1"/>
+              <a:t>Printf</a:t>
+            </a:r>
+            <a:r>
+              <a:rPr kumimoji="1" lang="en-US" altLang="ko-KR" dirty="0"/>
+              <a:t>(“%d, %d\n”, </a:t>
+            </a:r>
+            <a:r>
+              <a:rPr kumimoji="1" lang="en-US" altLang="ko-KR" dirty="0" err="1"/>
+              <a:t>nResult</a:t>
+            </a:r>
+            <a:r>
+              <a:rPr kumimoji="1" lang="en-US" altLang="ko-KR" dirty="0"/>
+              <a:t>, x);</a:t>
+            </a:r>
+          </a:p>
+          <a:p>
+            <a:endParaRPr kumimoji="1" lang="en-US" altLang="ko-KR" dirty="0"/>
+          </a:p>
+          <a:p>
+            <a:r>
+              <a:rPr kumimoji="1" lang="en-US" altLang="ko-KR" dirty="0" err="1"/>
+              <a:t>nResult</a:t>
+            </a:r>
+            <a:r>
+              <a:rPr kumimoji="1" lang="en-US" altLang="ko-KR" dirty="0"/>
+              <a:t> = x--;</a:t>
+            </a:r>
+          </a:p>
+          <a:p>
+            <a:r>
+              <a:rPr kumimoji="1" lang="en-US" altLang="ko-KR" dirty="0" err="1"/>
+              <a:t>Printf</a:t>
+            </a:r>
+            <a:r>
+              <a:rPr kumimoji="1" lang="en-US" altLang="ko-KR" dirty="0"/>
+              <a:t>(“%d, %d\n”, </a:t>
+            </a:r>
+            <a:r>
+              <a:rPr kumimoji="1" lang="en-US" altLang="ko-KR" dirty="0" err="1"/>
+              <a:t>nResult</a:t>
+            </a:r>
+            <a:r>
+              <a:rPr kumimoji="1" lang="en-US" altLang="ko-KR" dirty="0"/>
+              <a:t>, x);</a:t>
+            </a:r>
+          </a:p>
+          <a:p>
+            <a:endParaRPr kumimoji="1" lang="en-US" altLang="ko-KR" dirty="0"/>
           </a:p>
         </p:txBody>
       </p:sp>
     </p:spTree>
     <p:extLst>
       <p:ext uri="{BB962C8B-B14F-4D97-AF65-F5344CB8AC3E}">
-        <p14:creationId xmlns:p14="http://schemas.microsoft.com/office/powerpoint/2010/main" val="2856679831"/>
+        <p14:creationId xmlns:p14="http://schemas.microsoft.com/office/powerpoint/2010/main" val="2357414568"/>
       </p:ext>
     </p:extLst>
   </p:cSld>
@@ -37138,20 +36605,14 @@
       </p:grpSpPr>
       <p:sp>
         <p:nvSpPr>
-          <p:cNvPr id="2" name="TextBox 1">
-            <a:extLst>
-              <a:ext uri="{FF2B5EF4-FFF2-40B4-BE49-F238E27FC236}">
-                <a16:creationId xmlns:a16="http://schemas.microsoft.com/office/drawing/2014/main" id="{A09F0C74-C86F-1C36-4837-020D358F34B9}"/>
-              </a:ext>
-            </a:extLst>
-          </p:cNvPr>
+          <p:cNvPr id="4" name="TextBox 3"/>
           <p:cNvSpPr txBox="1"/>
           <p:nvPr/>
         </p:nvSpPr>
         <p:spPr>
           <a:xfrm>
-            <a:off x="485421" y="345203"/>
-            <a:ext cx="9358489" cy="369332"/>
+            <a:off x="3321698" y="3060441"/>
+            <a:ext cx="5682343" cy="584775"/>
           </a:xfrm>
           <a:prstGeom prst="rect">
             <a:avLst/>
@@ -37165,49 +36626,57 @@
           <a:lstStyle/>
           <a:p>
             <a:r>
-              <a:rPr kumimoji="1" lang="en-US" altLang="ko-KR" dirty="0"/>
-              <a:t>Q6) </a:t>
-            </a:r>
-            <a:r>
-              <a:rPr kumimoji="1" lang="ko-KR" altLang="en-US" dirty="0" err="1"/>
-              <a:t>전위식</a:t>
-            </a:r>
-            <a:r>
-              <a:rPr kumimoji="1" lang="ko-KR" altLang="en-US" dirty="0"/>
-              <a:t> </a:t>
-            </a:r>
-            <a:r>
-              <a:rPr kumimoji="1" lang="ko-KR" altLang="en-US" dirty="0" err="1"/>
-              <a:t>후위식</a:t>
-            </a:r>
-            <a:r>
-              <a:rPr kumimoji="1" lang="ko-KR" altLang="en-US" dirty="0"/>
-              <a:t> 단한 증감연산자에 대해서 </a:t>
-            </a:r>
-            <a:r>
-              <a:rPr kumimoji="1" lang="ko-KR" altLang="en-US" dirty="0" err="1"/>
-              <a:t>설명해보시오</a:t>
-            </a:r>
-            <a:endParaRPr kumimoji="1" lang="ko-KR" altLang="en-US" dirty="0"/>
-          </a:p>
-        </p:txBody>
-      </p:sp>
-      <p:sp>
-        <p:nvSpPr>
-          <p:cNvPr id="3" name="TextBox 2">
-            <a:extLst>
-              <a:ext uri="{FF2B5EF4-FFF2-40B4-BE49-F238E27FC236}">
-                <a16:creationId xmlns:a16="http://schemas.microsoft.com/office/drawing/2014/main" id="{8A89A4BC-44D4-1F80-ED53-2AF5C89E5F3B}"/>
-              </a:ext>
-            </a:extLst>
-          </p:cNvPr>
+              <a:rPr lang="en-US" altLang="ko-KR" sz="3200" dirty="0" smtClean="0"/>
+              <a:t>Windows </a:t>
+            </a:r>
+            <a:r>
+              <a:rPr lang="ko-KR" altLang="en-US" sz="3200" dirty="0" smtClean="0"/>
+              <a:t>시스템 프로그래밍</a:t>
+            </a:r>
+            <a:endParaRPr lang="ko-KR" altLang="en-US" sz="3200" dirty="0"/>
+          </a:p>
+        </p:txBody>
+      </p:sp>
+    </p:spTree>
+    <p:extLst>
+      <p:ext uri="{BB962C8B-B14F-4D97-AF65-F5344CB8AC3E}">
+        <p14:creationId xmlns:p14="http://schemas.microsoft.com/office/powerpoint/2010/main" val="1087962056"/>
+      </p:ext>
+    </p:extLst>
+  </p:cSld>
+  <p:clrMapOvr>
+    <a:masterClrMapping/>
+  </p:clrMapOvr>
+</p:sld>
+</file>
+
+<file path=ppt/slides/slide27.xml><?xml version="1.0" encoding="utf-8"?>
+<p:sld xmlns:a="http://schemas.openxmlformats.org/drawingml/2006/main" xmlns:r="http://schemas.openxmlformats.org/officeDocument/2006/relationships" xmlns:p="http://schemas.openxmlformats.org/presentationml/2006/main">
+  <p:cSld>
+    <p:spTree>
+      <p:nvGrpSpPr>
+        <p:cNvPr id="1" name=""/>
+        <p:cNvGrpSpPr/>
+        <p:nvPr/>
+      </p:nvGrpSpPr>
+      <p:grpSpPr>
+        <a:xfrm>
+          <a:off x="0" y="0"/>
+          <a:ext cx="0" cy="0"/>
+          <a:chOff x="0" y="0"/>
+          <a:chExt cx="0" cy="0"/>
+        </a:xfrm>
+      </p:grpSpPr>
+      <p:sp>
+        <p:nvSpPr>
+          <p:cNvPr id="6" name="TextBox 5"/>
           <p:cNvSpPr txBox="1"/>
           <p:nvPr/>
         </p:nvSpPr>
         <p:spPr>
           <a:xfrm>
-            <a:off x="978794" y="991673"/>
-            <a:ext cx="5847009" cy="3970318"/>
+            <a:off x="615820" y="317240"/>
+            <a:ext cx="2855167" cy="369332"/>
           </a:xfrm>
           <a:prstGeom prst="rect">
             <a:avLst/>
@@ -37221,127 +36690,377 @@
           <a:lstStyle/>
           <a:p>
             <a:r>
-              <a:rPr kumimoji="1" lang="en-US" altLang="ko-KR" dirty="0"/>
-              <a:t>int x = 0, </a:t>
-            </a:r>
-            <a:r>
-              <a:rPr kumimoji="1" lang="en-US" altLang="ko-KR" dirty="0" err="1"/>
-              <a:t>nResult</a:t>
-            </a:r>
-            <a:r>
-              <a:rPr kumimoji="1" lang="en-US" altLang="ko-KR" dirty="0"/>
-              <a:t> = 0;</a:t>
-            </a:r>
-          </a:p>
-          <a:p>
-            <a:endParaRPr kumimoji="1" lang="en-US" altLang="ko-KR" dirty="0"/>
-          </a:p>
-          <a:p>
-            <a:r>
-              <a:rPr kumimoji="1" lang="en-US" altLang="ko-KR" dirty="0"/>
-              <a:t>++x;</a:t>
-            </a:r>
-          </a:p>
-          <a:p>
-            <a:r>
-              <a:rPr kumimoji="1" lang="en-US" altLang="ko-KR" dirty="0" err="1"/>
-              <a:t>printf</a:t>
-            </a:r>
-            <a:r>
-              <a:rPr kumimoji="1" lang="en-US" altLang="ko-KR" dirty="0"/>
-              <a:t>(“%d\n”, x);</a:t>
-            </a:r>
-          </a:p>
-          <a:p>
-            <a:endParaRPr kumimoji="1" lang="en-US" altLang="ko-KR" dirty="0"/>
-          </a:p>
-          <a:p>
-            <a:r>
-              <a:rPr kumimoji="1" lang="en-US" altLang="ko-KR" dirty="0"/>
-              <a:t>x++;</a:t>
-            </a:r>
-          </a:p>
-          <a:p>
-            <a:r>
-              <a:rPr kumimoji="1" lang="en-US" altLang="ko-KR" dirty="0" err="1"/>
-              <a:t>printf</a:t>
-            </a:r>
-            <a:r>
-              <a:rPr kumimoji="1" lang="en-US" altLang="ko-KR" dirty="0"/>
-              <a:t>(“%d\n”, x);</a:t>
-            </a:r>
-          </a:p>
-          <a:p>
-            <a:endParaRPr kumimoji="1" lang="en-US" altLang="ko-KR" dirty="0"/>
-          </a:p>
-          <a:p>
-            <a:r>
-              <a:rPr kumimoji="1" lang="en-US" altLang="ko-KR" dirty="0" err="1"/>
-              <a:t>nResult</a:t>
-            </a:r>
-            <a:r>
-              <a:rPr kumimoji="1" lang="en-US" altLang="ko-KR" dirty="0"/>
-              <a:t> = ++x;</a:t>
-            </a:r>
-          </a:p>
-          <a:p>
-            <a:r>
-              <a:rPr kumimoji="1" lang="en-US" altLang="ko-KR" dirty="0" err="1"/>
-              <a:t>Printf</a:t>
-            </a:r>
-            <a:r>
-              <a:rPr kumimoji="1" lang="en-US" altLang="ko-KR" dirty="0"/>
-              <a:t>(“%d, %d\n”, </a:t>
-            </a:r>
-            <a:r>
-              <a:rPr kumimoji="1" lang="en-US" altLang="ko-KR" dirty="0" err="1"/>
-              <a:t>nResult</a:t>
-            </a:r>
-            <a:r>
-              <a:rPr kumimoji="1" lang="en-US" altLang="ko-KR" dirty="0"/>
-              <a:t>, x);</a:t>
-            </a:r>
-          </a:p>
-          <a:p>
-            <a:endParaRPr kumimoji="1" lang="en-US" altLang="ko-KR" dirty="0"/>
-          </a:p>
-          <a:p>
-            <a:r>
-              <a:rPr kumimoji="1" lang="en-US" altLang="ko-KR" dirty="0" err="1"/>
-              <a:t>nResult</a:t>
-            </a:r>
-            <a:r>
-              <a:rPr kumimoji="1" lang="en-US" altLang="ko-KR" dirty="0"/>
-              <a:t> = x--;</a:t>
-            </a:r>
-          </a:p>
-          <a:p>
-            <a:r>
-              <a:rPr kumimoji="1" lang="en-US" altLang="ko-KR" dirty="0" err="1"/>
-              <a:t>Printf</a:t>
-            </a:r>
-            <a:r>
-              <a:rPr kumimoji="1" lang="en-US" altLang="ko-KR" dirty="0"/>
-              <a:t>(“%d, %d\n”, </a:t>
-            </a:r>
-            <a:r>
-              <a:rPr kumimoji="1" lang="en-US" altLang="ko-KR" dirty="0" err="1"/>
-              <a:t>nResult</a:t>
-            </a:r>
-            <a:r>
-              <a:rPr kumimoji="1" lang="en-US" altLang="ko-KR" dirty="0"/>
-              <a:t>, x);</a:t>
-            </a:r>
-          </a:p>
-          <a:p>
-            <a:endParaRPr kumimoji="1" lang="en-US" altLang="ko-KR" dirty="0"/>
+              <a:rPr lang="en-US" altLang="ko-KR" dirty="0" smtClean="0"/>
+              <a:t>Win32 </a:t>
+            </a:r>
+            <a:r>
+              <a:rPr lang="ko-KR" altLang="en-US" dirty="0" smtClean="0"/>
+              <a:t>스레드 속성</a:t>
+            </a:r>
+            <a:endParaRPr lang="ko-KR" altLang="en-US" dirty="0"/>
+          </a:p>
+        </p:txBody>
+      </p:sp>
+      <p:sp>
+        <p:nvSpPr>
+          <p:cNvPr id="7" name="TextBox 6"/>
+          <p:cNvSpPr txBox="1"/>
+          <p:nvPr/>
+        </p:nvSpPr>
+        <p:spPr>
+          <a:xfrm>
+            <a:off x="811763" y="830424"/>
+            <a:ext cx="7772400" cy="1200329"/>
+          </a:xfrm>
+          <a:prstGeom prst="rect">
+            <a:avLst/>
+          </a:prstGeom>
+          <a:noFill/>
+        </p:spPr>
+        <p:txBody>
+          <a:bodyPr wrap="square" rtlCol="0">
+            <a:spAutoFit/>
+          </a:bodyPr>
+          <a:lstStyle/>
+          <a:p>
+            <a:pPr marL="285750" indent="-285750">
+              <a:buFont typeface="Arial" panose="020B0604020202020204" pitchFamily="34" charset="0"/>
+              <a:buChar char="•"/>
+            </a:pPr>
+            <a:r>
+              <a:rPr lang="en-US" altLang="ko-KR" dirty="0" smtClean="0"/>
+              <a:t>ID</a:t>
+            </a:r>
+            <a:r>
+              <a:rPr lang="ko-KR" altLang="en-US" dirty="0" smtClean="0"/>
+              <a:t>와 핸들이 존재 </a:t>
+            </a:r>
+            <a:r>
+              <a:rPr lang="en-US" altLang="ko-KR" dirty="0" smtClean="0"/>
+              <a:t>(</a:t>
+            </a:r>
+            <a:r>
+              <a:rPr lang="ko-KR" altLang="en-US" dirty="0" smtClean="0"/>
+              <a:t>각 </a:t>
+            </a:r>
+            <a:r>
+              <a:rPr lang="ko-KR" altLang="en-US" dirty="0" err="1" smtClean="0"/>
+              <a:t>스레드마다</a:t>
+            </a:r>
+            <a:r>
+              <a:rPr lang="ko-KR" altLang="en-US" dirty="0" smtClean="0"/>
+              <a:t> </a:t>
+            </a:r>
+            <a:r>
+              <a:rPr lang="en-US" altLang="ko-KR" dirty="0" smtClean="0"/>
+              <a:t>ID</a:t>
+            </a:r>
+            <a:r>
+              <a:rPr lang="ko-KR" altLang="en-US" dirty="0" smtClean="0"/>
+              <a:t>와 제어하기 위해 핸들이 존재한다</a:t>
+            </a:r>
+            <a:r>
+              <a:rPr lang="en-US" altLang="ko-KR" dirty="0" smtClean="0"/>
+              <a:t>)</a:t>
+            </a:r>
+          </a:p>
+          <a:p>
+            <a:pPr marL="285750" indent="-285750">
+              <a:buFont typeface="Arial" panose="020B0604020202020204" pitchFamily="34" charset="0"/>
+              <a:buChar char="•"/>
+            </a:pPr>
+            <a:r>
+              <a:rPr lang="ko-KR" altLang="en-US" dirty="0" smtClean="0"/>
+              <a:t>우선순위 </a:t>
+            </a:r>
+            <a:r>
+              <a:rPr lang="en-US" altLang="ko-KR" dirty="0" smtClean="0"/>
+              <a:t>(Highest, Above normal)</a:t>
+            </a:r>
+          </a:p>
+          <a:p>
+            <a:pPr marL="285750" indent="-285750">
+              <a:buFont typeface="Arial" panose="020B0604020202020204" pitchFamily="34" charset="0"/>
+              <a:buChar char="•"/>
+            </a:pPr>
+            <a:r>
+              <a:rPr lang="ko-KR" altLang="en-US" dirty="0" smtClean="0"/>
+              <a:t>상태 </a:t>
+            </a:r>
+            <a:r>
+              <a:rPr lang="en-US" altLang="ko-KR" dirty="0" smtClean="0"/>
+              <a:t>(Run, Suspended, Terminated)</a:t>
+            </a:r>
+          </a:p>
+          <a:p>
+            <a:pPr marL="285750" indent="-285750">
+              <a:buFont typeface="Arial" panose="020B0604020202020204" pitchFamily="34" charset="0"/>
+              <a:buChar char="•"/>
+            </a:pPr>
+            <a:r>
+              <a:rPr lang="ko-KR" altLang="en-US" dirty="0" smtClean="0"/>
+              <a:t>친화력 </a:t>
+            </a:r>
+            <a:r>
+              <a:rPr lang="en-US" altLang="ko-KR" dirty="0" smtClean="0"/>
+              <a:t>(CPU Core)</a:t>
+            </a:r>
+            <a:r>
+              <a:rPr lang="ko-KR" altLang="en-US" dirty="0" smtClean="0"/>
+              <a:t> </a:t>
+            </a:r>
+            <a:endParaRPr lang="ko-KR" altLang="en-US" dirty="0"/>
           </a:p>
         </p:txBody>
       </p:sp>
     </p:spTree>
     <p:extLst>
       <p:ext uri="{BB962C8B-B14F-4D97-AF65-F5344CB8AC3E}">
-        <p14:creationId xmlns:p14="http://schemas.microsoft.com/office/powerpoint/2010/main" val="2357414568"/>
+        <p14:creationId xmlns:p14="http://schemas.microsoft.com/office/powerpoint/2010/main" val="2572607058"/>
+      </p:ext>
+    </p:extLst>
+  </p:cSld>
+  <p:clrMapOvr>
+    <a:masterClrMapping/>
+  </p:clrMapOvr>
+</p:sld>
+</file>
+
+<file path=ppt/slides/slide28.xml><?xml version="1.0" encoding="utf-8"?>
+<p:sld xmlns:a="http://schemas.openxmlformats.org/drawingml/2006/main" xmlns:r="http://schemas.openxmlformats.org/officeDocument/2006/relationships" xmlns:p="http://schemas.openxmlformats.org/presentationml/2006/main">
+  <p:cSld>
+    <p:spTree>
+      <p:nvGrpSpPr>
+        <p:cNvPr id="1" name=""/>
+        <p:cNvGrpSpPr/>
+        <p:nvPr/>
+      </p:nvGrpSpPr>
+      <p:grpSpPr>
+        <a:xfrm>
+          <a:off x="0" y="0"/>
+          <a:ext cx="0" cy="0"/>
+          <a:chOff x="0" y="0"/>
+          <a:chExt cx="0" cy="0"/>
+        </a:xfrm>
+      </p:grpSpPr>
+      <p:sp>
+        <p:nvSpPr>
+          <p:cNvPr id="3" name="직사각형 2"/>
+          <p:cNvSpPr/>
+          <p:nvPr/>
+        </p:nvSpPr>
+        <p:spPr>
+          <a:xfrm>
+            <a:off x="727787" y="1112994"/>
+            <a:ext cx="4525348" cy="3909527"/>
+          </a:xfrm>
+          <a:prstGeom prst="rect">
+            <a:avLst/>
+          </a:prstGeom>
+          <a:noFill/>
+          <a:ln>
+            <a:solidFill>
+              <a:schemeClr val="tx1"/>
+            </a:solidFill>
+          </a:ln>
+        </p:spPr>
+        <p:style>
+          <a:lnRef idx="2">
+            <a:schemeClr val="accent1">
+              <a:shade val="50000"/>
+            </a:schemeClr>
+          </a:lnRef>
+          <a:fillRef idx="1">
+            <a:schemeClr val="accent1"/>
+          </a:fillRef>
+          <a:effectRef idx="0">
+            <a:schemeClr val="accent1"/>
+          </a:effectRef>
+          <a:fontRef idx="minor">
+            <a:schemeClr val="lt1"/>
+          </a:fontRef>
+        </p:style>
+        <p:txBody>
+          <a:bodyPr rtlCol="0" anchor="ctr"/>
+          <a:lstStyle/>
+          <a:p>
+            <a:pPr algn="ctr"/>
+            <a:endParaRPr lang="ko-KR" altLang="en-US"/>
+          </a:p>
+        </p:txBody>
+      </p:sp>
+      <p:sp>
+        <p:nvSpPr>
+          <p:cNvPr id="5" name="TextBox 4"/>
+          <p:cNvSpPr txBox="1"/>
+          <p:nvPr/>
+        </p:nvSpPr>
+        <p:spPr>
+          <a:xfrm>
+            <a:off x="541175" y="496469"/>
+            <a:ext cx="2425959" cy="400110"/>
+          </a:xfrm>
+          <a:prstGeom prst="rect">
+            <a:avLst/>
+          </a:prstGeom>
+          <a:noFill/>
+        </p:spPr>
+        <p:txBody>
+          <a:bodyPr wrap="square" rtlCol="0">
+            <a:spAutoFit/>
+          </a:bodyPr>
+          <a:lstStyle/>
+          <a:p>
+            <a:r>
+              <a:rPr lang="en-US" altLang="ko-KR" sz="2000" dirty="0" smtClean="0"/>
+              <a:t>Process</a:t>
+            </a:r>
+            <a:endParaRPr lang="ko-KR" altLang="en-US" sz="2000" dirty="0"/>
+          </a:p>
+        </p:txBody>
+      </p:sp>
+      <p:sp>
+        <p:nvSpPr>
+          <p:cNvPr id="6" name="직사각형 5"/>
+          <p:cNvSpPr/>
+          <p:nvPr/>
+        </p:nvSpPr>
+        <p:spPr>
+          <a:xfrm>
+            <a:off x="923730" y="1399592"/>
+            <a:ext cx="1231641" cy="3191070"/>
+          </a:xfrm>
+          <a:prstGeom prst="rect">
+            <a:avLst/>
+          </a:prstGeom>
+          <a:noFill/>
+          <a:ln>
+            <a:solidFill>
+              <a:schemeClr val="tx1"/>
+            </a:solidFill>
+          </a:ln>
+        </p:spPr>
+        <p:style>
+          <a:lnRef idx="2">
+            <a:schemeClr val="accent1">
+              <a:shade val="50000"/>
+            </a:schemeClr>
+          </a:lnRef>
+          <a:fillRef idx="1">
+            <a:schemeClr val="accent1"/>
+          </a:fillRef>
+          <a:effectRef idx="0">
+            <a:schemeClr val="accent1"/>
+          </a:effectRef>
+          <a:fontRef idx="minor">
+            <a:schemeClr val="lt1"/>
+          </a:fontRef>
+        </p:style>
+        <p:txBody>
+          <a:bodyPr rtlCol="0" anchor="ctr"/>
+          <a:lstStyle/>
+          <a:p>
+            <a:pPr algn="ctr"/>
+            <a:endParaRPr lang="ko-KR" altLang="en-US"/>
+          </a:p>
+        </p:txBody>
+      </p:sp>
+      <p:sp>
+        <p:nvSpPr>
+          <p:cNvPr id="7" name="직사각형 6"/>
+          <p:cNvSpPr/>
+          <p:nvPr/>
+        </p:nvSpPr>
+        <p:spPr>
+          <a:xfrm>
+            <a:off x="2351314" y="1399592"/>
+            <a:ext cx="1231641" cy="3191070"/>
+          </a:xfrm>
+          <a:prstGeom prst="rect">
+            <a:avLst/>
+          </a:prstGeom>
+          <a:noFill/>
+          <a:ln>
+            <a:solidFill>
+              <a:schemeClr val="tx1"/>
+            </a:solidFill>
+          </a:ln>
+        </p:spPr>
+        <p:style>
+          <a:lnRef idx="2">
+            <a:schemeClr val="accent1">
+              <a:shade val="50000"/>
+            </a:schemeClr>
+          </a:lnRef>
+          <a:fillRef idx="1">
+            <a:schemeClr val="accent1"/>
+          </a:fillRef>
+          <a:effectRef idx="0">
+            <a:schemeClr val="accent1"/>
+          </a:effectRef>
+          <a:fontRef idx="minor">
+            <a:schemeClr val="lt1"/>
+          </a:fontRef>
+        </p:style>
+        <p:txBody>
+          <a:bodyPr rtlCol="0" anchor="ctr"/>
+          <a:lstStyle/>
+          <a:p>
+            <a:pPr algn="ctr"/>
+            <a:endParaRPr lang="ko-KR" altLang="en-US"/>
+          </a:p>
+        </p:txBody>
+      </p:sp>
+      <p:sp>
+        <p:nvSpPr>
+          <p:cNvPr id="8" name="직사각형 7"/>
+          <p:cNvSpPr/>
+          <p:nvPr/>
+        </p:nvSpPr>
+        <p:spPr>
+          <a:xfrm>
+            <a:off x="3778898" y="1399592"/>
+            <a:ext cx="1231641" cy="3191070"/>
+          </a:xfrm>
+          <a:prstGeom prst="rect">
+            <a:avLst/>
+          </a:prstGeom>
+          <a:noFill/>
+          <a:ln>
+            <a:solidFill>
+              <a:schemeClr val="tx1"/>
+            </a:solidFill>
+          </a:ln>
+        </p:spPr>
+        <p:style>
+          <a:lnRef idx="2">
+            <a:schemeClr val="accent1">
+              <a:shade val="50000"/>
+            </a:schemeClr>
+          </a:lnRef>
+          <a:fillRef idx="1">
+            <a:schemeClr val="accent1"/>
+          </a:fillRef>
+          <a:effectRef idx="0">
+            <a:schemeClr val="accent1"/>
+          </a:effectRef>
+          <a:fontRef idx="minor">
+            <a:schemeClr val="lt1"/>
+          </a:fontRef>
+        </p:style>
+        <p:txBody>
+          <a:bodyPr rtlCol="0" anchor="ctr"/>
+          <a:lstStyle/>
+          <a:p>
+            <a:pPr algn="ctr"/>
+            <a:endParaRPr lang="ko-KR" altLang="en-US"/>
+          </a:p>
+        </p:txBody>
+      </p:sp>
+    </p:spTree>
+    <p:extLst>
+      <p:ext uri="{BB962C8B-B14F-4D97-AF65-F5344CB8AC3E}">
+        <p14:creationId xmlns:p14="http://schemas.microsoft.com/office/powerpoint/2010/main" val="372564163"/>
       </p:ext>
     </p:extLst>
   </p:cSld>

--- a/CSwithC/CS-explanation.pptx
+++ b/CSwithC/CS-explanation.pptx
@@ -5,7 +5,7 @@
     <p:sldMasterId id="2147483648" r:id="rId1"/>
   </p:sldMasterIdLst>
   <p:notesMasterIdLst>
-    <p:notesMasterId r:id="rId30"/>
+    <p:notesMasterId r:id="rId31"/>
   </p:notesMasterIdLst>
   <p:sldIdLst>
     <p:sldId id="266" r:id="rId2"/>
@@ -23,19 +23,20 @@
     <p:sldId id="278" r:id="rId14"/>
     <p:sldId id="274" r:id="rId15"/>
     <p:sldId id="275" r:id="rId16"/>
-    <p:sldId id="269" r:id="rId17"/>
-    <p:sldId id="256" r:id="rId18"/>
-    <p:sldId id="257" r:id="rId19"/>
-    <p:sldId id="258" r:id="rId20"/>
-    <p:sldId id="260" r:id="rId21"/>
-    <p:sldId id="259" r:id="rId22"/>
-    <p:sldId id="262" r:id="rId23"/>
-    <p:sldId id="261" r:id="rId24"/>
-    <p:sldId id="263" r:id="rId25"/>
-    <p:sldId id="264" r:id="rId26"/>
-    <p:sldId id="284" r:id="rId27"/>
-    <p:sldId id="285" r:id="rId28"/>
-    <p:sldId id="286" r:id="rId29"/>
+    <p:sldId id="287" r:id="rId17"/>
+    <p:sldId id="269" r:id="rId18"/>
+    <p:sldId id="256" r:id="rId19"/>
+    <p:sldId id="257" r:id="rId20"/>
+    <p:sldId id="258" r:id="rId21"/>
+    <p:sldId id="260" r:id="rId22"/>
+    <p:sldId id="259" r:id="rId23"/>
+    <p:sldId id="262" r:id="rId24"/>
+    <p:sldId id="261" r:id="rId25"/>
+    <p:sldId id="263" r:id="rId26"/>
+    <p:sldId id="264" r:id="rId27"/>
+    <p:sldId id="284" r:id="rId28"/>
+    <p:sldId id="285" r:id="rId29"/>
+    <p:sldId id="286" r:id="rId30"/>
   </p:sldIdLst>
   <p:sldSz cx="12192000" cy="6858000"/>
   <p:notesSz cx="6858000" cy="9144000"/>
@@ -224,7 +225,7 @@
           <a:p>
             <a:fld id="{63E2A1E9-AE86-4A77-ADFA-78382643A96E}" type="datetimeFigureOut">
               <a:rPr lang="ko-KR" altLang="en-US" smtClean="0"/>
-              <a:t>2024-09-22</a:t>
+              <a:t>2024-09-25</a:t>
             </a:fld>
             <a:endParaRPr lang="ko-KR" altLang="en-US"/>
           </a:p>
@@ -803,377 +804,6 @@
           <a:bodyPr/>
           <a:lstStyle/>
           <a:p>
-            <a:pPr marL="0" marR="0" indent="0" algn="l" defTabSz="914400" rtl="0" eaLnBrk="1" fontAlgn="auto" latinLnBrk="1" hangingPunct="1">
-              <a:lnSpc>
-                <a:spcPct val="100000"/>
-              </a:lnSpc>
-              <a:spcBef>
-                <a:spcPts val="0"/>
-              </a:spcBef>
-              <a:spcAft>
-                <a:spcPts val="0"/>
-              </a:spcAft>
-              <a:buClrTx/>
-              <a:buSzTx/>
-              <a:buFontTx/>
-              <a:buNone/>
-              <a:tabLst/>
-              <a:defRPr/>
-            </a:pPr>
-            <a:r>
-              <a:rPr lang="ko-KR" altLang="en-US" sz="1200" dirty="0"/>
-              <a:t>설명</a:t>
-            </a:r>
-            <a:r>
-              <a:rPr lang="en-US" altLang="ko-KR" sz="1200" dirty="0"/>
-              <a:t>: App1</a:t>
-            </a:r>
-            <a:r>
-              <a:rPr lang="ko-KR" altLang="en-US" sz="1200" dirty="0"/>
-              <a:t>의 여러 연산은 직접 </a:t>
-            </a:r>
-            <a:r>
-              <a:rPr lang="en-US" altLang="ko-KR" sz="1200" dirty="0"/>
-              <a:t>CPU</a:t>
-            </a:r>
-            <a:r>
-              <a:rPr lang="ko-KR" altLang="en-US" sz="1200" dirty="0"/>
-              <a:t>에서 읽으면서 연산한다</a:t>
-            </a:r>
-            <a:r>
-              <a:rPr lang="en-US" altLang="ko-KR" sz="1200" dirty="0"/>
-              <a:t>. </a:t>
-            </a:r>
-            <a:r>
-              <a:rPr lang="ko-KR" altLang="en-US" sz="1200" dirty="0"/>
-              <a:t>다만 </a:t>
-            </a:r>
-            <a:r>
-              <a:rPr lang="en-US" altLang="ko-KR" sz="1200" dirty="0"/>
-              <a:t>System Call</a:t>
-            </a:r>
-            <a:r>
-              <a:rPr lang="ko-KR" altLang="en-US" sz="1200" dirty="0"/>
-              <a:t>을 </a:t>
-            </a:r>
-            <a:r>
-              <a:rPr lang="ko-KR" altLang="en-US" sz="1200" dirty="0" err="1"/>
-              <a:t>할때</a:t>
-            </a:r>
-            <a:r>
-              <a:rPr lang="ko-KR" altLang="en-US" sz="1200" dirty="0"/>
-              <a:t> </a:t>
-            </a:r>
-            <a:r>
-              <a:rPr lang="en-US" altLang="ko-KR" sz="1200" dirty="0"/>
-              <a:t>(OS Logic)</a:t>
-            </a:r>
-            <a:r>
-              <a:rPr lang="ko-KR" altLang="en-US" sz="1200" dirty="0"/>
-              <a:t>예를 들어 다른 주변 기기에서 </a:t>
-            </a:r>
-            <a:r>
-              <a:rPr lang="en-US" altLang="ko-KR" sz="1200" dirty="0"/>
-              <a:t>Input</a:t>
-            </a:r>
-            <a:r>
-              <a:rPr lang="ko-KR" altLang="en-US" sz="1200" dirty="0"/>
-              <a:t>이 있거나 </a:t>
-            </a:r>
-            <a:r>
-              <a:rPr lang="en-US" altLang="ko-KR" sz="1200" dirty="0"/>
-              <a:t>Storage</a:t>
-            </a:r>
-            <a:r>
-              <a:rPr lang="ko-KR" altLang="en-US" sz="1200" dirty="0"/>
-              <a:t>에서 데이터를 </a:t>
-            </a:r>
-            <a:r>
-              <a:rPr lang="ko-KR" altLang="en-US" sz="1200" dirty="0" err="1"/>
-              <a:t>받아온다던지</a:t>
-            </a:r>
-            <a:r>
-              <a:rPr lang="ko-KR" altLang="en-US" sz="1200" dirty="0"/>
-              <a:t> </a:t>
-            </a:r>
-            <a:r>
-              <a:rPr lang="ko-KR" altLang="en-US" sz="1200" dirty="0" err="1"/>
-              <a:t>이럴때는</a:t>
-            </a:r>
-            <a:r>
-              <a:rPr lang="ko-KR" altLang="en-US" sz="1200" dirty="0"/>
-              <a:t> </a:t>
-            </a:r>
-            <a:r>
-              <a:rPr lang="en-US" altLang="ko-KR" sz="1200" dirty="0"/>
-              <a:t>OS Process Logic</a:t>
-            </a:r>
-            <a:r>
-              <a:rPr lang="ko-KR" altLang="en-US" sz="1200" dirty="0"/>
-              <a:t>을 태워야 한다</a:t>
-            </a:r>
-            <a:r>
-              <a:rPr lang="en-US" altLang="ko-KR" sz="1200" dirty="0"/>
-              <a:t>. </a:t>
-            </a:r>
-            <a:r>
-              <a:rPr lang="ko-KR" altLang="en-US" sz="1200" dirty="0" err="1"/>
-              <a:t>이럴때</a:t>
-            </a:r>
-            <a:r>
-              <a:rPr lang="ko-KR" altLang="en-US" sz="1200" dirty="0"/>
-              <a:t> </a:t>
-            </a:r>
-            <a:r>
-              <a:rPr lang="en-US" altLang="ko-KR" sz="1200" dirty="0"/>
-              <a:t>App1</a:t>
-            </a:r>
-            <a:r>
-              <a:rPr lang="ko-KR" altLang="en-US" sz="1200" dirty="0"/>
-              <a:t>을 읽다가 </a:t>
-            </a:r>
-            <a:r>
-              <a:rPr lang="en-US" altLang="ko-KR" sz="1200" dirty="0"/>
-              <a:t>OS process</a:t>
-            </a:r>
-            <a:r>
-              <a:rPr lang="ko-KR" altLang="en-US" sz="1200" dirty="0"/>
-              <a:t>에 있는 </a:t>
-            </a:r>
-            <a:r>
-              <a:rPr lang="en-US" altLang="ko-KR" sz="1200" dirty="0"/>
-              <a:t>Logic</a:t>
-            </a:r>
-            <a:r>
-              <a:rPr lang="ko-KR" altLang="en-US" sz="1200" dirty="0"/>
-              <a:t>을 읽어야 하므로 </a:t>
-            </a:r>
-            <a:r>
-              <a:rPr lang="en-US" altLang="ko-KR" sz="1200" dirty="0"/>
-              <a:t>OS Process</a:t>
-            </a:r>
-            <a:r>
-              <a:rPr lang="ko-KR" altLang="en-US" sz="1200" dirty="0"/>
-              <a:t>의 특정 </a:t>
-            </a:r>
-            <a:r>
-              <a:rPr lang="en-US" altLang="ko-KR" sz="1200" dirty="0"/>
-              <a:t>Logic (</a:t>
-            </a:r>
-            <a:r>
-              <a:rPr lang="ko-KR" altLang="en-US" sz="1200" dirty="0"/>
-              <a:t>여기서는 파일 </a:t>
-            </a:r>
-            <a:r>
-              <a:rPr lang="en-US" altLang="ko-KR" sz="1200" dirty="0"/>
-              <a:t>Read</a:t>
-            </a:r>
-            <a:r>
-              <a:rPr lang="ko-KR" altLang="en-US" sz="1200" dirty="0"/>
-              <a:t>관련한</a:t>
-            </a:r>
-            <a:r>
-              <a:rPr lang="en-US" altLang="ko-KR" sz="1200" dirty="0"/>
-              <a:t>)</a:t>
-            </a:r>
-            <a:r>
-              <a:rPr lang="ko-KR" altLang="en-US" sz="1200" dirty="0"/>
-              <a:t>을 </a:t>
-            </a:r>
-            <a:r>
-              <a:rPr lang="ko-KR" altLang="en-US" sz="1200" dirty="0" err="1"/>
-              <a:t>읽게된다</a:t>
-            </a:r>
-            <a:r>
-              <a:rPr lang="en-US" altLang="ko-KR" sz="1200" dirty="0"/>
-              <a:t>. </a:t>
-            </a:r>
-            <a:r>
-              <a:rPr lang="ko-KR" altLang="en-US" sz="1200" dirty="0"/>
-              <a:t>이때 </a:t>
-            </a:r>
-            <a:r>
-              <a:rPr lang="en-US" altLang="ko-KR" sz="1200" dirty="0"/>
-              <a:t>Kernel Mode</a:t>
-            </a:r>
-            <a:r>
-              <a:rPr lang="ko-KR" altLang="en-US" sz="1200" dirty="0"/>
-              <a:t>라 한다</a:t>
-            </a:r>
-            <a:r>
-              <a:rPr lang="en-US" altLang="ko-KR" sz="1200" dirty="0"/>
-              <a:t>. CPU</a:t>
-            </a:r>
-            <a:r>
-              <a:rPr lang="ko-KR" altLang="en-US" sz="1200" dirty="0"/>
-              <a:t>가 </a:t>
-            </a:r>
-            <a:r>
-              <a:rPr lang="en-US" altLang="ko-KR" sz="1200" dirty="0" err="1"/>
-              <a:t>Os</a:t>
-            </a:r>
-            <a:r>
-              <a:rPr lang="en-US" altLang="ko-KR" sz="1200" dirty="0"/>
-              <a:t> Logic</a:t>
-            </a:r>
-            <a:r>
-              <a:rPr lang="ko-KR" altLang="en-US" sz="1200" dirty="0"/>
-              <a:t>을 수행하고 </a:t>
-            </a:r>
-            <a:r>
-              <a:rPr lang="ko-KR" altLang="en-US" sz="1200" dirty="0" err="1"/>
-              <a:t>있을때</a:t>
-            </a:r>
-            <a:r>
-              <a:rPr lang="ko-KR" altLang="en-US" sz="1200" dirty="0"/>
-              <a:t> 어차피 </a:t>
-            </a:r>
-            <a:r>
-              <a:rPr lang="en-US" altLang="ko-KR" sz="1200" dirty="0"/>
-              <a:t>OS</a:t>
-            </a:r>
-            <a:r>
-              <a:rPr lang="ko-KR" altLang="en-US" sz="1200" dirty="0"/>
-              <a:t>또한 </a:t>
-            </a:r>
-            <a:r>
-              <a:rPr lang="en-US" altLang="ko-KR" sz="1200" dirty="0"/>
-              <a:t>Process</a:t>
-            </a:r>
-            <a:r>
-              <a:rPr lang="ko-KR" altLang="en-US" sz="1200" dirty="0"/>
-              <a:t>이고 그 안의 작업 단위를 똑같이 </a:t>
-            </a:r>
-            <a:r>
-              <a:rPr lang="en-US" altLang="ko-KR" sz="1200" dirty="0"/>
-              <a:t>thread</a:t>
-            </a:r>
-            <a:r>
-              <a:rPr lang="ko-KR" altLang="en-US" sz="1200" dirty="0"/>
-              <a:t>단위로 </a:t>
-            </a:r>
-            <a:r>
-              <a:rPr lang="ko-KR" altLang="en-US" sz="1200" dirty="0" err="1"/>
-              <a:t>할텐데</a:t>
-            </a:r>
-            <a:r>
-              <a:rPr lang="en-US" altLang="ko-KR" sz="1200" dirty="0"/>
-              <a:t>, </a:t>
-            </a:r>
-            <a:r>
-              <a:rPr lang="ko-KR" altLang="en-US" sz="1200" dirty="0"/>
-              <a:t>이때의 </a:t>
-            </a:r>
-            <a:r>
-              <a:rPr lang="en-US" altLang="ko-KR" sz="1200" dirty="0"/>
-              <a:t>thread</a:t>
-            </a:r>
-            <a:r>
-              <a:rPr lang="ko-KR" altLang="en-US" sz="1200" dirty="0"/>
-              <a:t>를 </a:t>
-            </a:r>
-            <a:r>
-              <a:rPr lang="en-US" altLang="ko-KR" sz="1200" dirty="0"/>
-              <a:t>Kernel Thread</a:t>
-            </a:r>
-            <a:r>
-              <a:rPr lang="ko-KR" altLang="en-US" sz="1200" dirty="0"/>
-              <a:t>라 한다</a:t>
-            </a:r>
-            <a:r>
-              <a:rPr lang="en-US" altLang="ko-KR" sz="1200" dirty="0"/>
-              <a:t>.</a:t>
-            </a:r>
-            <a:endParaRPr lang="ko-KR" altLang="en-US" sz="1200" dirty="0"/>
-          </a:p>
-          <a:p>
-            <a:endParaRPr lang="en-US" altLang="ko-KR" dirty="0"/>
-          </a:p>
-          <a:p>
-            <a:r>
-              <a:rPr lang="ko-KR" altLang="en-US" dirty="0"/>
-              <a:t>그리고 여기서 </a:t>
-            </a:r>
-            <a:r>
-              <a:rPr lang="ko-KR" altLang="en-US" dirty="0" err="1"/>
-              <a:t>알수</a:t>
-            </a:r>
-            <a:r>
-              <a:rPr lang="ko-KR" altLang="en-US" dirty="0"/>
-              <a:t> 있겠지만 </a:t>
-            </a:r>
-            <a:r>
-              <a:rPr lang="en-US" altLang="ko-KR" dirty="0"/>
-              <a:t>System Call</a:t>
-            </a:r>
-            <a:r>
-              <a:rPr lang="ko-KR" altLang="en-US" dirty="0"/>
-              <a:t>은 </a:t>
-            </a:r>
-            <a:r>
-              <a:rPr lang="en-US" altLang="ko-KR" dirty="0"/>
-              <a:t>OS Process</a:t>
-            </a:r>
-            <a:r>
-              <a:rPr lang="ko-KR" altLang="en-US" dirty="0"/>
-              <a:t>가 가지고 있는 </a:t>
-            </a:r>
-            <a:r>
-              <a:rPr lang="en-US" altLang="ko-KR" dirty="0"/>
-              <a:t>logic (method)</a:t>
-            </a:r>
-            <a:r>
-              <a:rPr lang="ko-KR" altLang="en-US" dirty="0"/>
-              <a:t>를 호출하는 행위를 의미한다</a:t>
-            </a:r>
-            <a:r>
-              <a:rPr lang="en-US" altLang="ko-KR" dirty="0"/>
-              <a:t>. </a:t>
-            </a:r>
-            <a:r>
-              <a:rPr lang="ko-KR" altLang="en-US" dirty="0"/>
-              <a:t>보통 </a:t>
-            </a:r>
-            <a:r>
-              <a:rPr lang="en-US" altLang="ko-KR" dirty="0"/>
-              <a:t>OS Logic</a:t>
-            </a:r>
-            <a:r>
-              <a:rPr lang="ko-KR" altLang="en-US" dirty="0"/>
-              <a:t>은 </a:t>
-            </a:r>
-            <a:r>
-              <a:rPr lang="en-US" altLang="ko-KR" dirty="0"/>
-              <a:t>Process</a:t>
-            </a:r>
-            <a:r>
-              <a:rPr lang="ko-KR" altLang="en-US" dirty="0"/>
-              <a:t>관련 관리 </a:t>
-            </a:r>
-            <a:r>
-              <a:rPr lang="ko-KR" altLang="en-US" dirty="0" err="1"/>
-              <a:t>로직</a:t>
-            </a:r>
-            <a:r>
-              <a:rPr lang="en-US" altLang="ko-KR" dirty="0"/>
-              <a:t>, Hardware </a:t>
-            </a:r>
-            <a:r>
-              <a:rPr lang="ko-KR" altLang="en-US" dirty="0"/>
-              <a:t>제어 </a:t>
-            </a:r>
-            <a:r>
-              <a:rPr lang="ko-KR" altLang="en-US" dirty="0" err="1"/>
-              <a:t>로직등이</a:t>
-            </a:r>
-            <a:r>
-              <a:rPr lang="ko-KR" altLang="en-US" dirty="0"/>
-              <a:t> 들어가 있다</a:t>
-            </a:r>
-            <a:r>
-              <a:rPr lang="en-US" altLang="ko-KR" dirty="0"/>
-              <a:t>.</a:t>
-            </a:r>
             <a:endParaRPr lang="ko-KR" altLang="en-US" dirty="0"/>
           </a:p>
         </p:txBody>
@@ -1195,7 +825,7 @@
           <a:p>
             <a:fld id="{16AFB6E1-9A93-4EBD-AB39-332ADB6F73BD}" type="slidenum">
               <a:rPr lang="ko-KR" altLang="en-US" smtClean="0"/>
-              <a:t>20</a:t>
+              <a:t>16</a:t>
             </a:fld>
             <a:endParaRPr lang="ko-KR" altLang="en-US"/>
           </a:p>
@@ -1204,7 +834,7 @@
     </p:spTree>
     <p:extLst>
       <p:ext uri="{BB962C8B-B14F-4D97-AF65-F5344CB8AC3E}">
-        <p14:creationId xmlns:p14="http://schemas.microsoft.com/office/powerpoint/2010/main" val="2449296183"/>
+        <p14:creationId xmlns:p14="http://schemas.microsoft.com/office/powerpoint/2010/main" val="3658523436"/>
       </p:ext>
     </p:extLst>
   </p:cSld>
@@ -1258,6 +888,461 @@
           <a:bodyPr/>
           <a:lstStyle/>
           <a:p>
+            <a:pPr marL="0" marR="0" indent="0" algn="l" defTabSz="914400" rtl="0" eaLnBrk="1" fontAlgn="auto" latinLnBrk="1" hangingPunct="1">
+              <a:lnSpc>
+                <a:spcPct val="100000"/>
+              </a:lnSpc>
+              <a:spcBef>
+                <a:spcPts val="0"/>
+              </a:spcBef>
+              <a:spcAft>
+                <a:spcPts val="0"/>
+              </a:spcAft>
+              <a:buClrTx/>
+              <a:buSzTx/>
+              <a:buFontTx/>
+              <a:buNone/>
+              <a:tabLst/>
+              <a:defRPr/>
+            </a:pPr>
+            <a:r>
+              <a:rPr lang="ko-KR" altLang="en-US" sz="1200" dirty="0"/>
+              <a:t>설명</a:t>
+            </a:r>
+            <a:r>
+              <a:rPr lang="en-US" altLang="ko-KR" sz="1200" dirty="0"/>
+              <a:t>: App1</a:t>
+            </a:r>
+            <a:r>
+              <a:rPr lang="ko-KR" altLang="en-US" sz="1200" dirty="0"/>
+              <a:t>의 여러 연산은 직접 </a:t>
+            </a:r>
+            <a:r>
+              <a:rPr lang="en-US" altLang="ko-KR" sz="1200" dirty="0"/>
+              <a:t>CPU</a:t>
+            </a:r>
+            <a:r>
+              <a:rPr lang="ko-KR" altLang="en-US" sz="1200" dirty="0"/>
+              <a:t>에서 읽으면서 연산한다</a:t>
+            </a:r>
+            <a:r>
+              <a:rPr lang="en-US" altLang="ko-KR" sz="1200" dirty="0"/>
+              <a:t>. </a:t>
+            </a:r>
+            <a:r>
+              <a:rPr lang="ko-KR" altLang="en-US" sz="1200" dirty="0"/>
+              <a:t>다만 </a:t>
+            </a:r>
+            <a:r>
+              <a:rPr lang="en-US" altLang="ko-KR" sz="1200" dirty="0"/>
+              <a:t>System Call</a:t>
+            </a:r>
+            <a:r>
+              <a:rPr lang="ko-KR" altLang="en-US" sz="1200" dirty="0"/>
+              <a:t>을 </a:t>
+            </a:r>
+            <a:r>
+              <a:rPr lang="ko-KR" altLang="en-US" sz="1200" dirty="0" err="1"/>
+              <a:t>할때</a:t>
+            </a:r>
+            <a:r>
+              <a:rPr lang="ko-KR" altLang="en-US" sz="1200" dirty="0"/>
+              <a:t> </a:t>
+            </a:r>
+            <a:r>
+              <a:rPr lang="en-US" altLang="ko-KR" sz="1200" dirty="0"/>
+              <a:t>(OS Logic)</a:t>
+            </a:r>
+            <a:r>
+              <a:rPr lang="ko-KR" altLang="en-US" sz="1200" dirty="0"/>
+              <a:t>예를 들어 다른 주변 기기에서 </a:t>
+            </a:r>
+            <a:r>
+              <a:rPr lang="en-US" altLang="ko-KR" sz="1200" dirty="0"/>
+              <a:t>Input</a:t>
+            </a:r>
+            <a:r>
+              <a:rPr lang="ko-KR" altLang="en-US" sz="1200" dirty="0"/>
+              <a:t>이 있거나 </a:t>
+            </a:r>
+            <a:r>
+              <a:rPr lang="en-US" altLang="ko-KR" sz="1200" dirty="0"/>
+              <a:t>Storage</a:t>
+            </a:r>
+            <a:r>
+              <a:rPr lang="ko-KR" altLang="en-US" sz="1200" dirty="0"/>
+              <a:t>에서 데이터를 </a:t>
+            </a:r>
+            <a:r>
+              <a:rPr lang="ko-KR" altLang="en-US" sz="1200" dirty="0" err="1"/>
+              <a:t>받아온다던지</a:t>
+            </a:r>
+            <a:r>
+              <a:rPr lang="ko-KR" altLang="en-US" sz="1200" dirty="0"/>
+              <a:t> </a:t>
+            </a:r>
+            <a:r>
+              <a:rPr lang="ko-KR" altLang="en-US" sz="1200" dirty="0" err="1"/>
+              <a:t>이럴때는</a:t>
+            </a:r>
+            <a:r>
+              <a:rPr lang="ko-KR" altLang="en-US" sz="1200" dirty="0"/>
+              <a:t> </a:t>
+            </a:r>
+            <a:r>
+              <a:rPr lang="en-US" altLang="ko-KR" sz="1200" dirty="0"/>
+              <a:t>OS Process Logic</a:t>
+            </a:r>
+            <a:r>
+              <a:rPr lang="ko-KR" altLang="en-US" sz="1200" dirty="0"/>
+              <a:t>을 태워야 한다</a:t>
+            </a:r>
+            <a:r>
+              <a:rPr lang="en-US" altLang="ko-KR" sz="1200" dirty="0"/>
+              <a:t>. </a:t>
+            </a:r>
+            <a:r>
+              <a:rPr lang="ko-KR" altLang="en-US" sz="1200" dirty="0" err="1"/>
+              <a:t>이럴때</a:t>
+            </a:r>
+            <a:r>
+              <a:rPr lang="ko-KR" altLang="en-US" sz="1200" dirty="0"/>
+              <a:t> </a:t>
+            </a:r>
+            <a:r>
+              <a:rPr lang="en-US" altLang="ko-KR" sz="1200" dirty="0"/>
+              <a:t>App1</a:t>
+            </a:r>
+            <a:r>
+              <a:rPr lang="ko-KR" altLang="en-US" sz="1200" dirty="0"/>
+              <a:t>을 읽다가 </a:t>
+            </a:r>
+            <a:r>
+              <a:rPr lang="en-US" altLang="ko-KR" sz="1200" dirty="0"/>
+              <a:t>OS process</a:t>
+            </a:r>
+            <a:r>
+              <a:rPr lang="ko-KR" altLang="en-US" sz="1200" dirty="0"/>
+              <a:t>에 있는 </a:t>
+            </a:r>
+            <a:r>
+              <a:rPr lang="en-US" altLang="ko-KR" sz="1200" dirty="0"/>
+              <a:t>Logic</a:t>
+            </a:r>
+            <a:r>
+              <a:rPr lang="ko-KR" altLang="en-US" sz="1200" dirty="0"/>
+              <a:t>을 읽어야 하므로 </a:t>
+            </a:r>
+            <a:r>
+              <a:rPr lang="en-US" altLang="ko-KR" sz="1200" dirty="0"/>
+              <a:t>OS Process</a:t>
+            </a:r>
+            <a:r>
+              <a:rPr lang="ko-KR" altLang="en-US" sz="1200" dirty="0"/>
+              <a:t>의 특정 </a:t>
+            </a:r>
+            <a:r>
+              <a:rPr lang="en-US" altLang="ko-KR" sz="1200" dirty="0"/>
+              <a:t>Logic (</a:t>
+            </a:r>
+            <a:r>
+              <a:rPr lang="ko-KR" altLang="en-US" sz="1200" dirty="0"/>
+              <a:t>여기서는 파일 </a:t>
+            </a:r>
+            <a:r>
+              <a:rPr lang="en-US" altLang="ko-KR" sz="1200" dirty="0"/>
+              <a:t>Read</a:t>
+            </a:r>
+            <a:r>
+              <a:rPr lang="ko-KR" altLang="en-US" sz="1200" dirty="0"/>
+              <a:t>관련한</a:t>
+            </a:r>
+            <a:r>
+              <a:rPr lang="en-US" altLang="ko-KR" sz="1200" dirty="0"/>
+              <a:t>)</a:t>
+            </a:r>
+            <a:r>
+              <a:rPr lang="ko-KR" altLang="en-US" sz="1200" dirty="0"/>
+              <a:t>을 </a:t>
+            </a:r>
+            <a:r>
+              <a:rPr lang="ko-KR" altLang="en-US" sz="1200" dirty="0" err="1"/>
+              <a:t>읽게된다</a:t>
+            </a:r>
+            <a:r>
+              <a:rPr lang="en-US" altLang="ko-KR" sz="1200" dirty="0"/>
+              <a:t>. </a:t>
+            </a:r>
+            <a:r>
+              <a:rPr lang="ko-KR" altLang="en-US" sz="1200" dirty="0"/>
+              <a:t>이때 </a:t>
+            </a:r>
+            <a:r>
+              <a:rPr lang="en-US" altLang="ko-KR" sz="1200" dirty="0"/>
+              <a:t>Kernel Mode</a:t>
+            </a:r>
+            <a:r>
+              <a:rPr lang="ko-KR" altLang="en-US" sz="1200" dirty="0"/>
+              <a:t>라 한다</a:t>
+            </a:r>
+            <a:r>
+              <a:rPr lang="en-US" altLang="ko-KR" sz="1200" dirty="0"/>
+              <a:t>. CPU</a:t>
+            </a:r>
+            <a:r>
+              <a:rPr lang="ko-KR" altLang="en-US" sz="1200" dirty="0"/>
+              <a:t>가 </a:t>
+            </a:r>
+            <a:r>
+              <a:rPr lang="en-US" altLang="ko-KR" sz="1200" dirty="0" err="1"/>
+              <a:t>Os</a:t>
+            </a:r>
+            <a:r>
+              <a:rPr lang="en-US" altLang="ko-KR" sz="1200" dirty="0"/>
+              <a:t> Logic</a:t>
+            </a:r>
+            <a:r>
+              <a:rPr lang="ko-KR" altLang="en-US" sz="1200" dirty="0"/>
+              <a:t>을 수행하고 </a:t>
+            </a:r>
+            <a:r>
+              <a:rPr lang="ko-KR" altLang="en-US" sz="1200" dirty="0" err="1"/>
+              <a:t>있을때</a:t>
+            </a:r>
+            <a:r>
+              <a:rPr lang="ko-KR" altLang="en-US" sz="1200" dirty="0"/>
+              <a:t> 어차피 </a:t>
+            </a:r>
+            <a:r>
+              <a:rPr lang="en-US" altLang="ko-KR" sz="1200" dirty="0"/>
+              <a:t>OS</a:t>
+            </a:r>
+            <a:r>
+              <a:rPr lang="ko-KR" altLang="en-US" sz="1200" dirty="0"/>
+              <a:t>또한 </a:t>
+            </a:r>
+            <a:r>
+              <a:rPr lang="en-US" altLang="ko-KR" sz="1200" dirty="0"/>
+              <a:t>Process</a:t>
+            </a:r>
+            <a:r>
+              <a:rPr lang="ko-KR" altLang="en-US" sz="1200" dirty="0"/>
+              <a:t>이고 그 안의 작업 단위를 똑같이 </a:t>
+            </a:r>
+            <a:r>
+              <a:rPr lang="en-US" altLang="ko-KR" sz="1200" dirty="0"/>
+              <a:t>thread</a:t>
+            </a:r>
+            <a:r>
+              <a:rPr lang="ko-KR" altLang="en-US" sz="1200" dirty="0"/>
+              <a:t>단위로 </a:t>
+            </a:r>
+            <a:r>
+              <a:rPr lang="ko-KR" altLang="en-US" sz="1200" dirty="0" err="1"/>
+              <a:t>할텐데</a:t>
+            </a:r>
+            <a:r>
+              <a:rPr lang="en-US" altLang="ko-KR" sz="1200" dirty="0"/>
+              <a:t>, </a:t>
+            </a:r>
+            <a:r>
+              <a:rPr lang="ko-KR" altLang="en-US" sz="1200" dirty="0"/>
+              <a:t>이때의 </a:t>
+            </a:r>
+            <a:r>
+              <a:rPr lang="en-US" altLang="ko-KR" sz="1200" dirty="0"/>
+              <a:t>thread</a:t>
+            </a:r>
+            <a:r>
+              <a:rPr lang="ko-KR" altLang="en-US" sz="1200" dirty="0"/>
+              <a:t>를 </a:t>
+            </a:r>
+            <a:r>
+              <a:rPr lang="en-US" altLang="ko-KR" sz="1200" dirty="0"/>
+              <a:t>Kernel Thread</a:t>
+            </a:r>
+            <a:r>
+              <a:rPr lang="ko-KR" altLang="en-US" sz="1200" dirty="0"/>
+              <a:t>라 한다</a:t>
+            </a:r>
+            <a:r>
+              <a:rPr lang="en-US" altLang="ko-KR" sz="1200" dirty="0"/>
+              <a:t>.</a:t>
+            </a:r>
+            <a:endParaRPr lang="ko-KR" altLang="en-US" sz="1200" dirty="0"/>
+          </a:p>
+          <a:p>
+            <a:endParaRPr lang="en-US" altLang="ko-KR" dirty="0"/>
+          </a:p>
+          <a:p>
+            <a:r>
+              <a:rPr lang="ko-KR" altLang="en-US" dirty="0"/>
+              <a:t>그리고 여기서 </a:t>
+            </a:r>
+            <a:r>
+              <a:rPr lang="ko-KR" altLang="en-US" dirty="0" err="1"/>
+              <a:t>알수</a:t>
+            </a:r>
+            <a:r>
+              <a:rPr lang="ko-KR" altLang="en-US" dirty="0"/>
+              <a:t> 있겠지만 </a:t>
+            </a:r>
+            <a:r>
+              <a:rPr lang="en-US" altLang="ko-KR" dirty="0"/>
+              <a:t>System Call</a:t>
+            </a:r>
+            <a:r>
+              <a:rPr lang="ko-KR" altLang="en-US" dirty="0"/>
+              <a:t>은 </a:t>
+            </a:r>
+            <a:r>
+              <a:rPr lang="en-US" altLang="ko-KR" dirty="0"/>
+              <a:t>OS Process</a:t>
+            </a:r>
+            <a:r>
+              <a:rPr lang="ko-KR" altLang="en-US" dirty="0"/>
+              <a:t>가 가지고 있는 </a:t>
+            </a:r>
+            <a:r>
+              <a:rPr lang="en-US" altLang="ko-KR" dirty="0"/>
+              <a:t>logic (method)</a:t>
+            </a:r>
+            <a:r>
+              <a:rPr lang="ko-KR" altLang="en-US" dirty="0"/>
+              <a:t>를 호출하는 행위를 의미한다</a:t>
+            </a:r>
+            <a:r>
+              <a:rPr lang="en-US" altLang="ko-KR" dirty="0"/>
+              <a:t>. </a:t>
+            </a:r>
+            <a:r>
+              <a:rPr lang="ko-KR" altLang="en-US" dirty="0"/>
+              <a:t>보통 </a:t>
+            </a:r>
+            <a:r>
+              <a:rPr lang="en-US" altLang="ko-KR" dirty="0"/>
+              <a:t>OS Logic</a:t>
+            </a:r>
+            <a:r>
+              <a:rPr lang="ko-KR" altLang="en-US" dirty="0"/>
+              <a:t>은 </a:t>
+            </a:r>
+            <a:r>
+              <a:rPr lang="en-US" altLang="ko-KR" dirty="0"/>
+              <a:t>Process</a:t>
+            </a:r>
+            <a:r>
+              <a:rPr lang="ko-KR" altLang="en-US" dirty="0"/>
+              <a:t>관련 관리 </a:t>
+            </a:r>
+            <a:r>
+              <a:rPr lang="ko-KR" altLang="en-US" dirty="0" err="1"/>
+              <a:t>로직</a:t>
+            </a:r>
+            <a:r>
+              <a:rPr lang="en-US" altLang="ko-KR" dirty="0"/>
+              <a:t>, Hardware </a:t>
+            </a:r>
+            <a:r>
+              <a:rPr lang="ko-KR" altLang="en-US" dirty="0"/>
+              <a:t>제어 </a:t>
+            </a:r>
+            <a:r>
+              <a:rPr lang="ko-KR" altLang="en-US" dirty="0" err="1"/>
+              <a:t>로직등이</a:t>
+            </a:r>
+            <a:r>
+              <a:rPr lang="ko-KR" altLang="en-US" dirty="0"/>
+              <a:t> 들어가 있다</a:t>
+            </a:r>
+            <a:r>
+              <a:rPr lang="en-US" altLang="ko-KR" dirty="0"/>
+              <a:t>.</a:t>
+            </a:r>
+            <a:endParaRPr lang="ko-KR" altLang="en-US" dirty="0"/>
+          </a:p>
+        </p:txBody>
+      </p:sp>
+      <p:sp>
+        <p:nvSpPr>
+          <p:cNvPr id="4" name="슬라이드 번호 개체 틀 3"/>
+          <p:cNvSpPr>
+            <a:spLocks noGrp="1"/>
+          </p:cNvSpPr>
+          <p:nvPr>
+            <p:ph type="sldNum" sz="quarter" idx="10"/>
+          </p:nvPr>
+        </p:nvSpPr>
+        <p:spPr/>
+        <p:txBody>
+          <a:bodyPr/>
+          <a:lstStyle/>
+          <a:p>
+            <a:fld id="{16AFB6E1-9A93-4EBD-AB39-332ADB6F73BD}" type="slidenum">
+              <a:rPr lang="ko-KR" altLang="en-US" smtClean="0"/>
+              <a:t>21</a:t>
+            </a:fld>
+            <a:endParaRPr lang="ko-KR" altLang="en-US"/>
+          </a:p>
+        </p:txBody>
+      </p:sp>
+    </p:spTree>
+    <p:extLst>
+      <p:ext uri="{BB962C8B-B14F-4D97-AF65-F5344CB8AC3E}">
+        <p14:creationId xmlns:p14="http://schemas.microsoft.com/office/powerpoint/2010/main" val="2449296183"/>
+      </p:ext>
+    </p:extLst>
+  </p:cSld>
+  <p:clrMapOvr>
+    <a:masterClrMapping/>
+  </p:clrMapOvr>
+</p:notes>
+</file>
+
+<file path=ppt/notesSlides/notesSlide14.xml><?xml version="1.0" encoding="utf-8"?>
+<p:notes xmlns:a="http://schemas.openxmlformats.org/drawingml/2006/main" xmlns:r="http://schemas.openxmlformats.org/officeDocument/2006/relationships" xmlns:p="http://schemas.openxmlformats.org/presentationml/2006/main">
+  <p:cSld>
+    <p:spTree>
+      <p:nvGrpSpPr>
+        <p:cNvPr id="1" name=""/>
+        <p:cNvGrpSpPr/>
+        <p:nvPr/>
+      </p:nvGrpSpPr>
+      <p:grpSpPr>
+        <a:xfrm>
+          <a:off x="0" y="0"/>
+          <a:ext cx="0" cy="0"/>
+          <a:chOff x="0" y="0"/>
+          <a:chExt cx="0" cy="0"/>
+        </a:xfrm>
+      </p:grpSpPr>
+      <p:sp>
+        <p:nvSpPr>
+          <p:cNvPr id="2" name="슬라이드 이미지 개체 틀 1"/>
+          <p:cNvSpPr>
+            <a:spLocks noGrp="1" noRot="1" noChangeAspect="1"/>
+          </p:cNvSpPr>
+          <p:nvPr>
+            <p:ph type="sldImg"/>
+          </p:nvPr>
+        </p:nvSpPr>
+        <p:spPr/>
+      </p:sp>
+      <p:sp>
+        <p:nvSpPr>
+          <p:cNvPr id="3" name="슬라이드 노트 개체 틀 2"/>
+          <p:cNvSpPr>
+            <a:spLocks noGrp="1"/>
+          </p:cNvSpPr>
+          <p:nvPr>
+            <p:ph type="body" idx="1"/>
+          </p:nvPr>
+        </p:nvSpPr>
+        <p:spPr/>
+        <p:txBody>
+          <a:bodyPr/>
+          <a:lstStyle/>
+          <a:p>
             <a:endParaRPr kumimoji="1" lang="ko-KR" altLang="en-US" dirty="0"/>
           </a:p>
         </p:txBody>
@@ -1279,7 +1364,7 @@
           <a:p>
             <a:fld id="{16AFB6E1-9A93-4EBD-AB39-332ADB6F73BD}" type="slidenum">
               <a:rPr lang="ko-KR" altLang="en-US" smtClean="0"/>
-              <a:t>21</a:t>
+              <a:t>22</a:t>
             </a:fld>
             <a:endParaRPr lang="ko-KR" altLang="en-US"/>
           </a:p>
@@ -2744,7 +2829,7 @@
           <a:p>
             <a:fld id="{6464DA1F-012E-F647-BE90-9DF5CCDD3465}" type="datetimeFigureOut">
               <a:rPr kumimoji="1" lang="ko-KR" altLang="en-US" smtClean="0"/>
-              <a:t>2024-09-22</a:t>
+              <a:t>2024-09-25</a:t>
             </a:fld>
             <a:endParaRPr kumimoji="1" lang="ko-KR" altLang="en-US"/>
           </a:p>
@@ -2942,7 +3027,7 @@
           <a:p>
             <a:fld id="{6464DA1F-012E-F647-BE90-9DF5CCDD3465}" type="datetimeFigureOut">
               <a:rPr kumimoji="1" lang="ko-KR" altLang="en-US" smtClean="0"/>
-              <a:t>2024-09-22</a:t>
+              <a:t>2024-09-25</a:t>
             </a:fld>
             <a:endParaRPr kumimoji="1" lang="ko-KR" altLang="en-US"/>
           </a:p>
@@ -3150,7 +3235,7 @@
           <a:p>
             <a:fld id="{6464DA1F-012E-F647-BE90-9DF5CCDD3465}" type="datetimeFigureOut">
               <a:rPr kumimoji="1" lang="ko-KR" altLang="en-US" smtClean="0"/>
-              <a:t>2024-09-22</a:t>
+              <a:t>2024-09-25</a:t>
             </a:fld>
             <a:endParaRPr kumimoji="1" lang="ko-KR" altLang="en-US"/>
           </a:p>
@@ -3348,7 +3433,7 @@
           <a:p>
             <a:fld id="{6464DA1F-012E-F647-BE90-9DF5CCDD3465}" type="datetimeFigureOut">
               <a:rPr kumimoji="1" lang="ko-KR" altLang="en-US" smtClean="0"/>
-              <a:t>2024-09-22</a:t>
+              <a:t>2024-09-25</a:t>
             </a:fld>
             <a:endParaRPr kumimoji="1" lang="ko-KR" altLang="en-US"/>
           </a:p>
@@ -3623,7 +3708,7 @@
           <a:p>
             <a:fld id="{6464DA1F-012E-F647-BE90-9DF5CCDD3465}" type="datetimeFigureOut">
               <a:rPr kumimoji="1" lang="ko-KR" altLang="en-US" smtClean="0"/>
-              <a:t>2024-09-22</a:t>
+              <a:t>2024-09-25</a:t>
             </a:fld>
             <a:endParaRPr kumimoji="1" lang="ko-KR" altLang="en-US"/>
           </a:p>
@@ -3888,7 +3973,7 @@
           <a:p>
             <a:fld id="{6464DA1F-012E-F647-BE90-9DF5CCDD3465}" type="datetimeFigureOut">
               <a:rPr kumimoji="1" lang="ko-KR" altLang="en-US" smtClean="0"/>
-              <a:t>2024-09-22</a:t>
+              <a:t>2024-09-25</a:t>
             </a:fld>
             <a:endParaRPr kumimoji="1" lang="ko-KR" altLang="en-US"/>
           </a:p>
@@ -4300,7 +4385,7 @@
           <a:p>
             <a:fld id="{6464DA1F-012E-F647-BE90-9DF5CCDD3465}" type="datetimeFigureOut">
               <a:rPr kumimoji="1" lang="ko-KR" altLang="en-US" smtClean="0"/>
-              <a:t>2024-09-22